--- a/ClareDiagrams.pptx
+++ b/ClareDiagrams.pptx
@@ -115,10 +115,6 @@
     </p:ext>
   </p:extLst>
 </p:presentation>
-</file>
-
-<file path=ppt/revisionInfo.xml><?xml version="1.0" encoding="utf-8"?>
-<p1510:revInfo xmlns:a="http://schemas.openxmlformats.org/drawingml/2006/main" xmlns:r="http://schemas.openxmlformats.org/officeDocument/2006/relationships" xmlns:p1510="http://schemas.microsoft.com/office/powerpoint/2015/10/main"/>
 </file>
 
 <file path=ppt/slideLayouts/slideLayout1.xml><?xml version="1.0" encoding="utf-8"?>
@@ -268,7 +264,7 @@
           <a:p>
             <a:fld id="{3721CA93-E140-4E2A-A30C-04BF0C6AAEA4}" type="datetimeFigureOut">
               <a:rPr lang="en-US" smtClean="0"/>
-              <a:t>7/12/2018</a:t>
+              <a:t>7/16/2018</a:t>
             </a:fld>
             <a:endParaRPr lang="en-US"/>
           </a:p>
@@ -466,7 +462,7 @@
           <a:p>
             <a:fld id="{3721CA93-E140-4E2A-A30C-04BF0C6AAEA4}" type="datetimeFigureOut">
               <a:rPr lang="en-US" smtClean="0"/>
-              <a:t>7/12/2018</a:t>
+              <a:t>7/16/2018</a:t>
             </a:fld>
             <a:endParaRPr lang="en-US"/>
           </a:p>
@@ -674,7 +670,7 @@
           <a:p>
             <a:fld id="{3721CA93-E140-4E2A-A30C-04BF0C6AAEA4}" type="datetimeFigureOut">
               <a:rPr lang="en-US" smtClean="0"/>
-              <a:t>7/12/2018</a:t>
+              <a:t>7/16/2018</a:t>
             </a:fld>
             <a:endParaRPr lang="en-US"/>
           </a:p>
@@ -872,7 +868,7 @@
           <a:p>
             <a:fld id="{3721CA93-E140-4E2A-A30C-04BF0C6AAEA4}" type="datetimeFigureOut">
               <a:rPr lang="en-US" smtClean="0"/>
-              <a:t>7/12/2018</a:t>
+              <a:t>7/16/2018</a:t>
             </a:fld>
             <a:endParaRPr lang="en-US"/>
           </a:p>
@@ -1147,7 +1143,7 @@
           <a:p>
             <a:fld id="{3721CA93-E140-4E2A-A30C-04BF0C6AAEA4}" type="datetimeFigureOut">
               <a:rPr lang="en-US" smtClean="0"/>
-              <a:t>7/12/2018</a:t>
+              <a:t>7/16/2018</a:t>
             </a:fld>
             <a:endParaRPr lang="en-US"/>
           </a:p>
@@ -1412,7 +1408,7 @@
           <a:p>
             <a:fld id="{3721CA93-E140-4E2A-A30C-04BF0C6AAEA4}" type="datetimeFigureOut">
               <a:rPr lang="en-US" smtClean="0"/>
-              <a:t>7/12/2018</a:t>
+              <a:t>7/16/2018</a:t>
             </a:fld>
             <a:endParaRPr lang="en-US"/>
           </a:p>
@@ -1824,7 +1820,7 @@
           <a:p>
             <a:fld id="{3721CA93-E140-4E2A-A30C-04BF0C6AAEA4}" type="datetimeFigureOut">
               <a:rPr lang="en-US" smtClean="0"/>
-              <a:t>7/12/2018</a:t>
+              <a:t>7/16/2018</a:t>
             </a:fld>
             <a:endParaRPr lang="en-US"/>
           </a:p>
@@ -1965,7 +1961,7 @@
           <a:p>
             <a:fld id="{3721CA93-E140-4E2A-A30C-04BF0C6AAEA4}" type="datetimeFigureOut">
               <a:rPr lang="en-US" smtClean="0"/>
-              <a:t>7/12/2018</a:t>
+              <a:t>7/16/2018</a:t>
             </a:fld>
             <a:endParaRPr lang="en-US"/>
           </a:p>
@@ -2078,7 +2074,7 @@
           <a:p>
             <a:fld id="{3721CA93-E140-4E2A-A30C-04BF0C6AAEA4}" type="datetimeFigureOut">
               <a:rPr lang="en-US" smtClean="0"/>
-              <a:t>7/12/2018</a:t>
+              <a:t>7/16/2018</a:t>
             </a:fld>
             <a:endParaRPr lang="en-US"/>
           </a:p>
@@ -2389,7 +2385,7 @@
           <a:p>
             <a:fld id="{3721CA93-E140-4E2A-A30C-04BF0C6AAEA4}" type="datetimeFigureOut">
               <a:rPr lang="en-US" smtClean="0"/>
-              <a:t>7/12/2018</a:t>
+              <a:t>7/16/2018</a:t>
             </a:fld>
             <a:endParaRPr lang="en-US"/>
           </a:p>
@@ -2677,7 +2673,7 @@
           <a:p>
             <a:fld id="{3721CA93-E140-4E2A-A30C-04BF0C6AAEA4}" type="datetimeFigureOut">
               <a:rPr lang="en-US" smtClean="0"/>
-              <a:t>7/12/2018</a:t>
+              <a:t>7/16/2018</a:t>
             </a:fld>
             <a:endParaRPr lang="en-US"/>
           </a:p>
@@ -2918,7 +2914,7 @@
           <a:p>
             <a:fld id="{3721CA93-E140-4E2A-A30C-04BF0C6AAEA4}" type="datetimeFigureOut">
               <a:rPr lang="en-US" smtClean="0"/>
-              <a:t>7/12/2018</a:t>
+              <a:t>7/16/2018</a:t>
             </a:fld>
             <a:endParaRPr lang="en-US"/>
           </a:p>
@@ -26979,56 +26975,1323 @@
           <a:chExt cx="0" cy="0"/>
         </a:xfrm>
       </p:grpSpPr>
-      <p:sp>
-        <p:nvSpPr>
-          <p:cNvPr id="2" name="Title 1">
+      <p:grpSp>
+        <p:nvGrpSpPr>
+          <p:cNvPr id="31" name="Group 30">
             <a:extLst>
               <a:ext uri="{FF2B5EF4-FFF2-40B4-BE49-F238E27FC236}">
-                <a16:creationId xmlns:a16="http://schemas.microsoft.com/office/drawing/2014/main" id="{0A31107F-5B9F-4125-8D90-2684D9B6DC7E}"/>
+                <a16:creationId xmlns:a16="http://schemas.microsoft.com/office/drawing/2014/main" id="{3BA78616-F710-4043-B30E-C92502C5D264}"/>
               </a:ext>
             </a:extLst>
           </p:cNvPr>
-          <p:cNvSpPr>
-            <a:spLocks noGrp="1"/>
-          </p:cNvSpPr>
-          <p:nvPr>
-            <p:ph type="title"/>
-          </p:nvPr>
-        </p:nvSpPr>
-        <p:spPr/>
-        <p:txBody>
-          <a:bodyPr/>
-          <a:lstStyle/>
-          <a:p>
-            <a:endParaRPr lang="en-US"/>
-          </a:p>
-        </p:txBody>
-      </p:sp>
-      <p:sp>
-        <p:nvSpPr>
-          <p:cNvPr id="3" name="Content Placeholder 2">
-            <a:extLst>
-              <a:ext uri="{FF2B5EF4-FFF2-40B4-BE49-F238E27FC236}">
-                <a16:creationId xmlns:a16="http://schemas.microsoft.com/office/drawing/2014/main" id="{84173664-4AC8-419B-AB5A-32AE9A877A01}"/>
-              </a:ext>
-            </a:extLst>
-          </p:cNvPr>
-          <p:cNvSpPr>
-            <a:spLocks noGrp="1"/>
-          </p:cNvSpPr>
-          <p:nvPr>
-            <p:ph idx="1"/>
-          </p:nvPr>
-        </p:nvSpPr>
-        <p:spPr/>
-        <p:txBody>
-          <a:bodyPr/>
-          <a:lstStyle/>
-          <a:p>
-            <a:endParaRPr lang="en-US"/>
-          </a:p>
-        </p:txBody>
-      </p:sp>
+          <p:cNvGrpSpPr/>
+          <p:nvPr/>
+        </p:nvGrpSpPr>
+        <p:grpSpPr>
+          <a:xfrm>
+            <a:off x="4797106" y="1073904"/>
+            <a:ext cx="4343940" cy="3774035"/>
+            <a:chOff x="4797106" y="1073904"/>
+            <a:chExt cx="4343940" cy="3774035"/>
+          </a:xfrm>
+        </p:grpSpPr>
+        <p:grpSp>
+          <p:nvGrpSpPr>
+            <p:cNvPr id="29" name="Group 28">
+              <a:extLst>
+                <a:ext uri="{FF2B5EF4-FFF2-40B4-BE49-F238E27FC236}">
+                  <a16:creationId xmlns:a16="http://schemas.microsoft.com/office/drawing/2014/main" id="{8D3EBB6D-DD9B-4932-A64E-4E209FE627C4}"/>
+                </a:ext>
+              </a:extLst>
+            </p:cNvPr>
+            <p:cNvGrpSpPr/>
+            <p:nvPr/>
+          </p:nvGrpSpPr>
+          <p:grpSpPr>
+            <a:xfrm>
+              <a:off x="5268770" y="1073904"/>
+              <a:ext cx="3872276" cy="3774035"/>
+              <a:chOff x="5147673" y="2917371"/>
+              <a:chExt cx="3872276" cy="3774035"/>
+            </a:xfrm>
+          </p:grpSpPr>
+          <p:sp>
+            <p:nvSpPr>
+              <p:cNvPr id="4" name="Rectangle 5 1" descr="Cork">
+                <a:extLst>
+                  <a:ext uri="{FF2B5EF4-FFF2-40B4-BE49-F238E27FC236}">
+                    <a16:creationId xmlns:a16="http://schemas.microsoft.com/office/drawing/2014/main" id="{946543E4-0760-44EA-8DD6-BA13E6C8F4B7}"/>
+                  </a:ext>
+                </a:extLst>
+              </p:cNvPr>
+              <p:cNvSpPr>
+                <a:spLocks noChangeArrowheads="1"/>
+              </p:cNvSpPr>
+              <p:nvPr/>
+            </p:nvSpPr>
+            <p:spPr bwMode="auto">
+              <a:xfrm>
+                <a:off x="7525445" y="4339908"/>
+                <a:ext cx="1494503" cy="2330245"/>
+              </a:xfrm>
+              <a:prstGeom prst="rect">
+                <a:avLst/>
+              </a:prstGeom>
+              <a:solidFill>
+                <a:srgbClr val="00B0F0"/>
+              </a:solidFill>
+              <a:ln w="12700">
+                <a:solidFill>
+                  <a:schemeClr val="bg2"/>
+                </a:solidFill>
+                <a:miter lim="800000"/>
+                <a:headEnd type="none" w="sm" len="sm"/>
+                <a:tailEnd type="none" w="med" len="sm"/>
+              </a:ln>
+              <a:effectLst/>
+            </p:spPr>
+            <p:txBody>
+              <a:bodyPr wrap="none" anchor="ctr"/>
+              <a:lstStyle/>
+              <a:p>
+                <a:pPr algn="ctr"/>
+                <a:endParaRPr lang="en-US" b="0" dirty="0">
+                  <a:solidFill>
+                    <a:schemeClr val="bg2"/>
+                  </a:solidFill>
+                  <a:latin typeface="Book Antiqua" pitchFamily="18" charset="0"/>
+                </a:endParaRPr>
+              </a:p>
+            </p:txBody>
+          </p:sp>
+          <p:sp>
+            <p:nvSpPr>
+              <p:cNvPr id="5" name="Arc 4">
+                <a:extLst>
+                  <a:ext uri="{FF2B5EF4-FFF2-40B4-BE49-F238E27FC236}">
+                    <a16:creationId xmlns:a16="http://schemas.microsoft.com/office/drawing/2014/main" id="{30286772-2D00-4E26-901F-B4C73FCF30B2}"/>
+                  </a:ext>
+                </a:extLst>
+              </p:cNvPr>
+              <p:cNvSpPr/>
+              <p:nvPr/>
+            </p:nvSpPr>
+            <p:spPr bwMode="auto">
+              <a:xfrm flipV="1">
+                <a:off x="7987561" y="4113773"/>
+                <a:ext cx="629265" cy="629265"/>
+              </a:xfrm>
+              <a:prstGeom prst="arc">
+                <a:avLst>
+                  <a:gd name="adj1" fmla="val 10799995"/>
+                  <a:gd name="adj2" fmla="val 0"/>
+                </a:avLst>
+              </a:prstGeom>
+              <a:noFill/>
+              <a:ln w="38100" cap="flat" cmpd="sng" algn="ctr">
+                <a:solidFill>
+                  <a:schemeClr val="tx1"/>
+                </a:solidFill>
+                <a:prstDash val="solid"/>
+                <a:round/>
+                <a:headEnd type="none" w="lg" len="med"/>
+                <a:tailEnd type="none" w="lg" len="med"/>
+              </a:ln>
+              <a:effectLst/>
+            </p:spPr>
+            <p:txBody>
+              <a:bodyPr vert="horz" wrap="square" lIns="91440" tIns="45720" rIns="91440" bIns="45720" numCol="1" rtlCol="0" anchor="t" anchorCtr="0" compatLnSpc="1">
+                <a:prstTxWarp prst="textNoShape">
+                  <a:avLst/>
+                </a:prstTxWarp>
+                <a:spAutoFit/>
+              </a:bodyPr>
+              <a:lstStyle/>
+              <a:p>
+                <a:pPr marL="0" marR="0" indent="0" algn="l" defTabSz="914400" rtl="0" eaLnBrk="0" fontAlgn="base" latinLnBrk="0" hangingPunct="0">
+                  <a:lnSpc>
+                    <a:spcPct val="100000"/>
+                  </a:lnSpc>
+                  <a:spcBef>
+                    <a:spcPct val="50000"/>
+                  </a:spcBef>
+                  <a:spcAft>
+                    <a:spcPct val="0"/>
+                  </a:spcAft>
+                  <a:buClrTx/>
+                  <a:buSzTx/>
+                  <a:buFontTx/>
+                  <a:buNone/>
+                  <a:tabLst/>
+                </a:pPr>
+                <a:endParaRPr kumimoji="0" lang="en-US" sz="2800" b="0" i="0" u="none" strike="noStrike" cap="none" normalizeH="0" baseline="0">
+                  <a:ln>
+                    <a:noFill/>
+                  </a:ln>
+                  <a:solidFill>
+                    <a:schemeClr val="tx1"/>
+                  </a:solidFill>
+                  <a:effectLst/>
+                  <a:latin typeface="Times New Roman" pitchFamily="18" charset="0"/>
+                </a:endParaRPr>
+              </a:p>
+            </p:txBody>
+          </p:sp>
+          <p:sp>
+            <p:nvSpPr>
+              <p:cNvPr id="6" name="Rectangle 5 2" descr="Cork">
+                <a:extLst>
+                  <a:ext uri="{FF2B5EF4-FFF2-40B4-BE49-F238E27FC236}">
+                    <a16:creationId xmlns:a16="http://schemas.microsoft.com/office/drawing/2014/main" id="{1DC5233B-1A43-464D-B252-6DB4BB5D7B87}"/>
+                  </a:ext>
+                </a:extLst>
+              </p:cNvPr>
+              <p:cNvSpPr>
+                <a:spLocks noChangeArrowheads="1"/>
+              </p:cNvSpPr>
+              <p:nvPr/>
+            </p:nvSpPr>
+            <p:spPr bwMode="auto">
+              <a:xfrm>
+                <a:off x="6591379" y="3175819"/>
+                <a:ext cx="139287" cy="3499251"/>
+              </a:xfrm>
+              <a:prstGeom prst="rect">
+                <a:avLst/>
+              </a:prstGeom>
+              <a:solidFill>
+                <a:srgbClr val="00B0F0"/>
+              </a:solidFill>
+              <a:ln w="12700">
+                <a:noFill/>
+                <a:miter lim="800000"/>
+                <a:headEnd type="none" w="sm" len="sm"/>
+                <a:tailEnd type="none" w="med" len="sm"/>
+              </a:ln>
+              <a:effectLst/>
+            </p:spPr>
+            <p:txBody>
+              <a:bodyPr wrap="none" anchor="ctr"/>
+              <a:lstStyle/>
+              <a:p>
+                <a:pPr algn="ctr"/>
+                <a:endParaRPr lang="en-US" b="0" dirty="0">
+                  <a:solidFill>
+                    <a:schemeClr val="bg2"/>
+                  </a:solidFill>
+                  <a:latin typeface="Book Antiqua" pitchFamily="18" charset="0"/>
+                </a:endParaRPr>
+              </a:p>
+            </p:txBody>
+          </p:sp>
+          <p:sp>
+            <p:nvSpPr>
+              <p:cNvPr id="7" name="Freeform 6">
+                <a:extLst>
+                  <a:ext uri="{FF2B5EF4-FFF2-40B4-BE49-F238E27FC236}">
+                    <a16:creationId xmlns:a16="http://schemas.microsoft.com/office/drawing/2014/main" id="{C71F17AF-D678-498F-9117-EDC33B51F897}"/>
+                  </a:ext>
+                </a:extLst>
+              </p:cNvPr>
+              <p:cNvSpPr/>
+              <p:nvPr/>
+            </p:nvSpPr>
+            <p:spPr bwMode="auto">
+              <a:xfrm>
+                <a:off x="6581548" y="2917371"/>
+                <a:ext cx="136419" cy="3772447"/>
+              </a:xfrm>
+              <a:custGeom>
+                <a:avLst/>
+                <a:gdLst>
+                  <a:gd name="connsiteX0" fmla="*/ 429341 w 3501922"/>
+                  <a:gd name="connsiteY0" fmla="*/ 19665 h 3796891"/>
+                  <a:gd name="connsiteX1" fmla="*/ 439174 w 3501922"/>
+                  <a:gd name="connsiteY1" fmla="*/ 3254478 h 3796891"/>
+                  <a:gd name="connsiteX2" fmla="*/ 3064387 w 3501922"/>
+                  <a:gd name="connsiteY2" fmla="*/ 3254478 h 3796891"/>
+                  <a:gd name="connsiteX3" fmla="*/ 3064387 w 3501922"/>
+                  <a:gd name="connsiteY3" fmla="*/ 0 h 3796891"/>
+                  <a:gd name="connsiteX0" fmla="*/ 429341 w 3501922"/>
+                  <a:gd name="connsiteY0" fmla="*/ 19665 h 3796891"/>
+                  <a:gd name="connsiteX1" fmla="*/ 439174 w 3501922"/>
+                  <a:gd name="connsiteY1" fmla="*/ 3254478 h 3796891"/>
+                  <a:gd name="connsiteX2" fmla="*/ 3064387 w 3501922"/>
+                  <a:gd name="connsiteY2" fmla="*/ 3254478 h 3796891"/>
+                  <a:gd name="connsiteX3" fmla="*/ 3064387 w 3501922"/>
+                  <a:gd name="connsiteY3" fmla="*/ 0 h 3796891"/>
+                  <a:gd name="connsiteX0" fmla="*/ 0 w 3072581"/>
+                  <a:gd name="connsiteY0" fmla="*/ 19665 h 3796891"/>
+                  <a:gd name="connsiteX1" fmla="*/ 9833 w 3072581"/>
+                  <a:gd name="connsiteY1" fmla="*/ 3254478 h 3796891"/>
+                  <a:gd name="connsiteX2" fmla="*/ 2635046 w 3072581"/>
+                  <a:gd name="connsiteY2" fmla="*/ 3254478 h 3796891"/>
+                  <a:gd name="connsiteX3" fmla="*/ 2635046 w 3072581"/>
+                  <a:gd name="connsiteY3" fmla="*/ 0 h 3796891"/>
+                  <a:gd name="connsiteX0" fmla="*/ 0 w 3072581"/>
+                  <a:gd name="connsiteY0" fmla="*/ 19665 h 3254478"/>
+                  <a:gd name="connsiteX1" fmla="*/ 9833 w 3072581"/>
+                  <a:gd name="connsiteY1" fmla="*/ 3254478 h 3254478"/>
+                  <a:gd name="connsiteX2" fmla="*/ 2635046 w 3072581"/>
+                  <a:gd name="connsiteY2" fmla="*/ 3254478 h 3254478"/>
+                  <a:gd name="connsiteX3" fmla="*/ 2635046 w 3072581"/>
+                  <a:gd name="connsiteY3" fmla="*/ 0 h 3254478"/>
+                  <a:gd name="connsiteX0" fmla="*/ 0 w 2635046"/>
+                  <a:gd name="connsiteY0" fmla="*/ 19665 h 3254478"/>
+                  <a:gd name="connsiteX1" fmla="*/ 9833 w 2635046"/>
+                  <a:gd name="connsiteY1" fmla="*/ 3254478 h 3254478"/>
+                  <a:gd name="connsiteX2" fmla="*/ 2635046 w 2635046"/>
+                  <a:gd name="connsiteY2" fmla="*/ 3254478 h 3254478"/>
+                  <a:gd name="connsiteX3" fmla="*/ 2635046 w 2635046"/>
+                  <a:gd name="connsiteY3" fmla="*/ 0 h 3254478"/>
+                </a:gdLst>
+                <a:ahLst/>
+                <a:cxnLst>
+                  <a:cxn ang="0">
+                    <a:pos x="connsiteX0" y="connsiteY0"/>
+                  </a:cxn>
+                  <a:cxn ang="0">
+                    <a:pos x="connsiteX1" y="connsiteY1"/>
+                  </a:cxn>
+                  <a:cxn ang="0">
+                    <a:pos x="connsiteX2" y="connsiteY2"/>
+                  </a:cxn>
+                  <a:cxn ang="0">
+                    <a:pos x="connsiteX3" y="connsiteY3"/>
+                  </a:cxn>
+                </a:cxnLst>
+                <a:rect l="l" t="t" r="r" b="b"/>
+                <a:pathLst>
+                  <a:path w="2635046" h="3254478">
+                    <a:moveTo>
+                      <a:pt x="0" y="19665"/>
+                    </a:moveTo>
+                    <a:cubicBezTo>
+                      <a:pt x="3278" y="1097936"/>
+                      <a:pt x="6555" y="2176207"/>
+                      <a:pt x="9833" y="3254478"/>
+                    </a:cubicBezTo>
+                    <a:lnTo>
+                      <a:pt x="2635046" y="3254478"/>
+                    </a:lnTo>
+                    <a:lnTo>
+                      <a:pt x="2635046" y="0"/>
+                    </a:lnTo>
+                  </a:path>
+                </a:pathLst>
+              </a:custGeom>
+              <a:noFill/>
+              <a:ln w="38100" cap="flat" cmpd="sng" algn="ctr">
+                <a:solidFill>
+                  <a:schemeClr val="tx1"/>
+                </a:solidFill>
+                <a:prstDash val="solid"/>
+                <a:round/>
+                <a:headEnd type="none" w="lg" len="med"/>
+                <a:tailEnd type="none" w="lg" len="med"/>
+              </a:ln>
+              <a:effectLst/>
+            </p:spPr>
+            <p:txBody>
+              <a:bodyPr vert="horz" wrap="square" lIns="91440" tIns="45720" rIns="91440" bIns="45720" numCol="1" rtlCol="0" anchor="t" anchorCtr="0" compatLnSpc="1">
+                <a:prstTxWarp prst="textNoShape">
+                  <a:avLst/>
+                </a:prstTxWarp>
+                <a:noAutofit/>
+              </a:bodyPr>
+              <a:lstStyle/>
+              <a:p>
+                <a:pPr marL="0" marR="0" indent="0" algn="l" defTabSz="914400" rtl="0" eaLnBrk="0" fontAlgn="base" latinLnBrk="0" hangingPunct="0">
+                  <a:lnSpc>
+                    <a:spcPct val="100000"/>
+                  </a:lnSpc>
+                  <a:spcBef>
+                    <a:spcPct val="50000"/>
+                  </a:spcBef>
+                  <a:spcAft>
+                    <a:spcPct val="0"/>
+                  </a:spcAft>
+                  <a:buClrTx/>
+                  <a:buSzTx/>
+                  <a:buFontTx/>
+                  <a:buNone/>
+                  <a:tabLst/>
+                </a:pPr>
+                <a:endParaRPr kumimoji="0" lang="en-US" sz="2800" b="0" i="0" u="none" strike="noStrike" cap="none" normalizeH="0" baseline="0">
+                  <a:ln>
+                    <a:noFill/>
+                  </a:ln>
+                  <a:solidFill>
+                    <a:schemeClr val="tx1"/>
+                  </a:solidFill>
+                  <a:effectLst/>
+                  <a:latin typeface="Times New Roman" pitchFamily="18" charset="0"/>
+                </a:endParaRPr>
+              </a:p>
+            </p:txBody>
+          </p:sp>
+          <p:grpSp>
+            <p:nvGrpSpPr>
+              <p:cNvPr id="8" name="Group 7">
+                <a:extLst>
+                  <a:ext uri="{FF2B5EF4-FFF2-40B4-BE49-F238E27FC236}">
+                    <a16:creationId xmlns:a16="http://schemas.microsoft.com/office/drawing/2014/main" id="{FD7B6D1F-0FE2-4593-B29E-9A5644449C04}"/>
+                  </a:ext>
+                </a:extLst>
+              </p:cNvPr>
+              <p:cNvGrpSpPr/>
+              <p:nvPr/>
+            </p:nvGrpSpPr>
+            <p:grpSpPr>
+              <a:xfrm>
+                <a:off x="6709366" y="6522669"/>
+                <a:ext cx="835743" cy="167149"/>
+                <a:chOff x="1179871" y="5447071"/>
+                <a:chExt cx="2168013" cy="270387"/>
+              </a:xfrm>
+            </p:grpSpPr>
+            <p:sp>
+              <p:nvSpPr>
+                <p:cNvPr id="9" name="Rectangle 5 3" descr="Cork">
+                  <a:extLst>
+                    <a:ext uri="{FF2B5EF4-FFF2-40B4-BE49-F238E27FC236}">
+                      <a16:creationId xmlns:a16="http://schemas.microsoft.com/office/drawing/2014/main" id="{46BC1A79-F79F-4E7E-8D31-FE9088C02568}"/>
+                    </a:ext>
+                  </a:extLst>
+                </p:cNvPr>
+                <p:cNvSpPr>
+                  <a:spLocks noChangeArrowheads="1"/>
+                </p:cNvSpPr>
+                <p:nvPr/>
+              </p:nvSpPr>
+              <p:spPr bwMode="auto">
+                <a:xfrm>
+                  <a:off x="1179872" y="5466735"/>
+                  <a:ext cx="2163096" cy="245806"/>
+                </a:xfrm>
+                <a:prstGeom prst="rect">
+                  <a:avLst/>
+                </a:prstGeom>
+                <a:solidFill>
+                  <a:srgbClr val="00B0F0"/>
+                </a:solidFill>
+                <a:ln w="12700">
+                  <a:noFill/>
+                  <a:miter lim="800000"/>
+                  <a:headEnd type="none" w="sm" len="sm"/>
+                  <a:tailEnd type="none" w="med" len="sm"/>
+                </a:ln>
+                <a:effectLst/>
+              </p:spPr>
+              <p:txBody>
+                <a:bodyPr wrap="none" anchor="ctr"/>
+                <a:lstStyle/>
+                <a:p>
+                  <a:pPr algn="ctr"/>
+                  <a:endParaRPr lang="en-US" b="0" dirty="0">
+                    <a:solidFill>
+                      <a:schemeClr val="bg2"/>
+                    </a:solidFill>
+                    <a:latin typeface="Book Antiqua" pitchFamily="18" charset="0"/>
+                  </a:endParaRPr>
+                </a:p>
+              </p:txBody>
+            </p:sp>
+            <p:cxnSp>
+              <p:nvCxnSpPr>
+                <p:cNvPr id="10" name="Straight Connector 9">
+                  <a:extLst>
+                    <a:ext uri="{FF2B5EF4-FFF2-40B4-BE49-F238E27FC236}">
+                      <a16:creationId xmlns:a16="http://schemas.microsoft.com/office/drawing/2014/main" id="{A2C9EB9C-D55C-4101-B719-1BF84393D586}"/>
+                    </a:ext>
+                  </a:extLst>
+                </p:cNvPr>
+                <p:cNvCxnSpPr/>
+                <p:nvPr/>
+              </p:nvCxnSpPr>
+              <p:spPr bwMode="auto">
+                <a:xfrm>
+                  <a:off x="1179871" y="5447071"/>
+                  <a:ext cx="2163097" cy="0"/>
+                </a:xfrm>
+                <a:prstGeom prst="line">
+                  <a:avLst/>
+                </a:prstGeom>
+                <a:noFill/>
+                <a:ln w="38100" cap="flat" cmpd="sng" algn="ctr">
+                  <a:solidFill>
+                    <a:schemeClr val="tx1"/>
+                  </a:solidFill>
+                  <a:prstDash val="solid"/>
+                  <a:round/>
+                  <a:headEnd type="none" w="lg" len="med"/>
+                  <a:tailEnd type="none" w="lg" len="med"/>
+                </a:ln>
+                <a:effectLst/>
+              </p:spPr>
+            </p:cxnSp>
+            <p:cxnSp>
+              <p:nvCxnSpPr>
+                <p:cNvPr id="11" name="Straight Connector 10">
+                  <a:extLst>
+                    <a:ext uri="{FF2B5EF4-FFF2-40B4-BE49-F238E27FC236}">
+                      <a16:creationId xmlns:a16="http://schemas.microsoft.com/office/drawing/2014/main" id="{D898106A-3A1C-4576-90CC-8FA1370DC5C4}"/>
+                    </a:ext>
+                  </a:extLst>
+                </p:cNvPr>
+                <p:cNvCxnSpPr/>
+                <p:nvPr/>
+              </p:nvCxnSpPr>
+              <p:spPr bwMode="auto">
+                <a:xfrm>
+                  <a:off x="1184787" y="5717458"/>
+                  <a:ext cx="2163097" cy="0"/>
+                </a:xfrm>
+                <a:prstGeom prst="line">
+                  <a:avLst/>
+                </a:prstGeom>
+                <a:noFill/>
+                <a:ln w="38100" cap="flat" cmpd="sng" algn="ctr">
+                  <a:solidFill>
+                    <a:schemeClr val="tx1"/>
+                  </a:solidFill>
+                  <a:prstDash val="solid"/>
+                  <a:round/>
+                  <a:headEnd type="none" w="lg" len="med"/>
+                  <a:tailEnd type="none" w="lg" len="med"/>
+                </a:ln>
+                <a:effectLst/>
+              </p:spPr>
+            </p:cxnSp>
+          </p:grpSp>
+          <p:cxnSp>
+            <p:nvCxnSpPr>
+              <p:cNvPr id="12" name="Straight Connector 11">
+                <a:extLst>
+                  <a:ext uri="{FF2B5EF4-FFF2-40B4-BE49-F238E27FC236}">
+                    <a16:creationId xmlns:a16="http://schemas.microsoft.com/office/drawing/2014/main" id="{E7B3A868-2392-4F3F-BE5E-C89DC5548903}"/>
+                  </a:ext>
+                </a:extLst>
+              </p:cNvPr>
+              <p:cNvCxnSpPr>
+                <a:stCxn id="7" idx="1"/>
+              </p:cNvCxnSpPr>
+              <p:nvPr/>
+            </p:nvCxnSpPr>
+            <p:spPr bwMode="auto">
+              <a:xfrm flipH="1">
+                <a:off x="5147673" y="6689818"/>
+                <a:ext cx="1434384" cy="1"/>
+              </a:xfrm>
+              <a:prstGeom prst="line">
+                <a:avLst/>
+              </a:prstGeom>
+              <a:noFill/>
+              <a:ln w="12700" cap="flat" cmpd="sng" algn="ctr">
+                <a:solidFill>
+                  <a:schemeClr val="tx1"/>
+                </a:solidFill>
+                <a:prstDash val="sysDot"/>
+                <a:round/>
+                <a:headEnd type="none" w="lg" len="med"/>
+                <a:tailEnd type="none" w="lg" len="med"/>
+              </a:ln>
+              <a:effectLst/>
+            </p:spPr>
+          </p:cxnSp>
+          <p:cxnSp>
+            <p:nvCxnSpPr>
+              <p:cNvPr id="13" name="Straight Connector 12">
+                <a:extLst>
+                  <a:ext uri="{FF2B5EF4-FFF2-40B4-BE49-F238E27FC236}">
+                    <a16:creationId xmlns:a16="http://schemas.microsoft.com/office/drawing/2014/main" id="{3A1D3286-20DC-4FF7-9AC5-65F1CC5F9B82}"/>
+                  </a:ext>
+                </a:extLst>
+              </p:cNvPr>
+              <p:cNvCxnSpPr/>
+              <p:nvPr/>
+            </p:nvCxnSpPr>
+            <p:spPr bwMode="auto">
+              <a:xfrm rot="10800000">
+                <a:off x="5167338" y="3174770"/>
+                <a:ext cx="1380331" cy="0"/>
+              </a:xfrm>
+              <a:prstGeom prst="line">
+                <a:avLst/>
+              </a:prstGeom>
+              <a:noFill/>
+              <a:ln w="12700" cap="flat" cmpd="sng" algn="ctr">
+                <a:solidFill>
+                  <a:schemeClr val="tx1"/>
+                </a:solidFill>
+                <a:prstDash val="sysDot"/>
+                <a:round/>
+                <a:headEnd type="none" w="lg" len="med"/>
+                <a:tailEnd type="none" w="lg" len="med"/>
+              </a:ln>
+              <a:effectLst/>
+            </p:spPr>
+          </p:cxnSp>
+          <p:cxnSp>
+            <p:nvCxnSpPr>
+              <p:cNvPr id="14" name="Straight Connector 13">
+                <a:extLst>
+                  <a:ext uri="{FF2B5EF4-FFF2-40B4-BE49-F238E27FC236}">
+                    <a16:creationId xmlns:a16="http://schemas.microsoft.com/office/drawing/2014/main" id="{520809D3-6F7C-4514-A70A-D0DFDBB29900}"/>
+                  </a:ext>
+                </a:extLst>
+              </p:cNvPr>
+              <p:cNvCxnSpPr/>
+              <p:nvPr/>
+            </p:nvCxnSpPr>
+            <p:spPr bwMode="auto">
+              <a:xfrm rot="10800000">
+                <a:off x="5836716" y="4359575"/>
+                <a:ext cx="1728596" cy="0"/>
+              </a:xfrm>
+              <a:prstGeom prst="line">
+                <a:avLst/>
+              </a:prstGeom>
+              <a:noFill/>
+              <a:ln w="12700" cap="flat" cmpd="sng" algn="ctr">
+                <a:solidFill>
+                  <a:schemeClr val="tx1"/>
+                </a:solidFill>
+                <a:prstDash val="sysDot"/>
+                <a:round/>
+                <a:headEnd type="none" w="lg" len="med"/>
+                <a:tailEnd type="none" w="lg" len="med"/>
+              </a:ln>
+              <a:effectLst/>
+            </p:spPr>
+          </p:cxnSp>
+          <p:cxnSp>
+            <p:nvCxnSpPr>
+              <p:cNvPr id="15" name="Straight Connector 14">
+                <a:extLst>
+                  <a:ext uri="{FF2B5EF4-FFF2-40B4-BE49-F238E27FC236}">
+                    <a16:creationId xmlns:a16="http://schemas.microsoft.com/office/drawing/2014/main" id="{D1508192-B663-47CF-8CB8-C01CD71971E1}"/>
+                  </a:ext>
+                </a:extLst>
+              </p:cNvPr>
+              <p:cNvCxnSpPr/>
+              <p:nvPr/>
+            </p:nvCxnSpPr>
+            <p:spPr bwMode="auto">
+              <a:xfrm rot="10800000">
+                <a:off x="5862505" y="5308375"/>
+                <a:ext cx="1631884" cy="0"/>
+              </a:xfrm>
+              <a:prstGeom prst="line">
+                <a:avLst/>
+              </a:prstGeom>
+              <a:noFill/>
+              <a:ln w="12700" cap="flat" cmpd="sng" algn="ctr">
+                <a:solidFill>
+                  <a:schemeClr val="tx1"/>
+                </a:solidFill>
+                <a:prstDash val="sysDot"/>
+                <a:round/>
+                <a:headEnd type="none" w="lg" len="med"/>
+                <a:tailEnd type="none" w="lg" len="med"/>
+              </a:ln>
+              <a:effectLst/>
+            </p:spPr>
+          </p:cxnSp>
+          <p:cxnSp>
+            <p:nvCxnSpPr>
+              <p:cNvPr id="16" name="Straight Connector 15">
+                <a:extLst>
+                  <a:ext uri="{FF2B5EF4-FFF2-40B4-BE49-F238E27FC236}">
+                    <a16:creationId xmlns:a16="http://schemas.microsoft.com/office/drawing/2014/main" id="{9A2A8765-CF52-4F9C-B65D-C6BF88D0A8F4}"/>
+                  </a:ext>
+                </a:extLst>
+              </p:cNvPr>
+              <p:cNvCxnSpPr/>
+              <p:nvPr/>
+            </p:nvCxnSpPr>
+            <p:spPr bwMode="auto">
+              <a:xfrm rot="10800000">
+                <a:off x="5785136" y="6463679"/>
+                <a:ext cx="1741489" cy="0"/>
+              </a:xfrm>
+              <a:prstGeom prst="line">
+                <a:avLst/>
+              </a:prstGeom>
+              <a:noFill/>
+              <a:ln w="12700" cap="flat" cmpd="sng" algn="ctr">
+                <a:solidFill>
+                  <a:schemeClr val="tx1"/>
+                </a:solidFill>
+                <a:prstDash val="sysDot"/>
+                <a:round/>
+                <a:headEnd type="none" w="lg" len="med"/>
+                <a:tailEnd type="none" w="lg" len="med"/>
+              </a:ln>
+              <a:effectLst/>
+            </p:spPr>
+          </p:cxnSp>
+          <p:cxnSp>
+            <p:nvCxnSpPr>
+              <p:cNvPr id="17" name="Straight Arrow Connector 16">
+                <a:extLst>
+                  <a:ext uri="{FF2B5EF4-FFF2-40B4-BE49-F238E27FC236}">
+                    <a16:creationId xmlns:a16="http://schemas.microsoft.com/office/drawing/2014/main" id="{5095254E-6106-40E6-A983-0F2BFB993DB8}"/>
+                  </a:ext>
+                </a:extLst>
+              </p:cNvPr>
+              <p:cNvCxnSpPr/>
+              <p:nvPr/>
+            </p:nvCxnSpPr>
+            <p:spPr bwMode="auto">
+              <a:xfrm rot="5400000">
+                <a:off x="3692657" y="4933217"/>
+                <a:ext cx="3514790" cy="1588"/>
+              </a:xfrm>
+              <a:prstGeom prst="straightConnector1">
+                <a:avLst/>
+              </a:prstGeom>
+              <a:noFill/>
+              <a:ln w="12700" cap="flat" cmpd="sng" algn="ctr">
+                <a:solidFill>
+                  <a:schemeClr val="tx1"/>
+                </a:solidFill>
+                <a:prstDash val="solid"/>
+                <a:round/>
+                <a:headEnd type="triangle" w="lg" len="med"/>
+                <a:tailEnd type="triangle" w="lg" len="med"/>
+              </a:ln>
+              <a:effectLst/>
+            </p:spPr>
+          </p:cxnSp>
+          <p:cxnSp>
+            <p:nvCxnSpPr>
+              <p:cNvPr id="18" name="Straight Arrow Connector 17">
+                <a:extLst>
+                  <a:ext uri="{FF2B5EF4-FFF2-40B4-BE49-F238E27FC236}">
+                    <a16:creationId xmlns:a16="http://schemas.microsoft.com/office/drawing/2014/main" id="{27EB1ABF-F290-45F1-9395-14314F9CE4B3}"/>
+                  </a:ext>
+                </a:extLst>
+              </p:cNvPr>
+              <p:cNvCxnSpPr/>
+              <p:nvPr/>
+            </p:nvCxnSpPr>
+            <p:spPr bwMode="auto">
+              <a:xfrm rot="5400000">
+                <a:off x="5511334" y="3763178"/>
+                <a:ext cx="1174719" cy="1588"/>
+              </a:xfrm>
+              <a:prstGeom prst="straightConnector1">
+                <a:avLst/>
+              </a:prstGeom>
+              <a:noFill/>
+              <a:ln w="12700" cap="flat" cmpd="sng" algn="ctr">
+                <a:solidFill>
+                  <a:schemeClr val="tx1"/>
+                </a:solidFill>
+                <a:prstDash val="solid"/>
+                <a:round/>
+                <a:headEnd type="triangle" w="lg" len="med"/>
+                <a:tailEnd type="triangle" w="lg" len="med"/>
+              </a:ln>
+              <a:effectLst/>
+            </p:spPr>
+          </p:cxnSp>
+          <p:cxnSp>
+            <p:nvCxnSpPr>
+              <p:cNvPr id="19" name="Straight Arrow Connector 18">
+                <a:extLst>
+                  <a:ext uri="{FF2B5EF4-FFF2-40B4-BE49-F238E27FC236}">
+                    <a16:creationId xmlns:a16="http://schemas.microsoft.com/office/drawing/2014/main" id="{B0E6F841-897E-41F5-9FBE-F451C7878CCF}"/>
+                  </a:ext>
+                </a:extLst>
+              </p:cNvPr>
+              <p:cNvCxnSpPr/>
+              <p:nvPr/>
+            </p:nvCxnSpPr>
+            <p:spPr bwMode="auto">
+              <a:xfrm rot="5400000">
+                <a:off x="5519977" y="5907006"/>
+                <a:ext cx="1155845" cy="1588"/>
+              </a:xfrm>
+              <a:prstGeom prst="straightConnector1">
+                <a:avLst/>
+              </a:prstGeom>
+              <a:noFill/>
+              <a:ln w="12700" cap="flat" cmpd="sng" algn="ctr">
+                <a:solidFill>
+                  <a:schemeClr val="tx1"/>
+                </a:solidFill>
+                <a:prstDash val="solid"/>
+                <a:round/>
+                <a:headEnd type="triangle" w="lg" len="med"/>
+                <a:tailEnd type="triangle" w="lg" len="med"/>
+              </a:ln>
+              <a:effectLst/>
+            </p:spPr>
+          </p:cxnSp>
+          <p:sp>
+            <p:nvSpPr>
+              <p:cNvPr id="20" name="Rectangle 5 4" descr="Cork">
+                <a:extLst>
+                  <a:ext uri="{FF2B5EF4-FFF2-40B4-BE49-F238E27FC236}">
+                    <a16:creationId xmlns:a16="http://schemas.microsoft.com/office/drawing/2014/main" id="{7D4A7DFA-13DD-48CB-8B6D-DF76E4C3655A}"/>
+                  </a:ext>
+                </a:extLst>
+              </p:cNvPr>
+              <p:cNvSpPr>
+                <a:spLocks noChangeArrowheads="1"/>
+              </p:cNvSpPr>
+              <p:nvPr/>
+            </p:nvSpPr>
+            <p:spPr bwMode="auto">
+              <a:xfrm>
+                <a:off x="7525446" y="4821691"/>
+                <a:ext cx="1494503" cy="609600"/>
+              </a:xfrm>
+              <a:prstGeom prst="rect">
+                <a:avLst/>
+              </a:prstGeom>
+              <a:blipFill dpi="0" rotWithShape="1">
+                <a:blip r:embed="rId7" cstate="print">
+                  <a:alphaModFix amt="50000"/>
+                </a:blip>
+                <a:srcRect/>
+                <a:tile tx="0" ty="0" sx="100000" sy="100000" flip="none" algn="tl"/>
+              </a:blipFill>
+              <a:ln w="12700">
+                <a:noFill/>
+                <a:miter lim="800000"/>
+                <a:headEnd type="none" w="sm" len="sm"/>
+                <a:tailEnd type="none" w="med" len="sm"/>
+              </a:ln>
+              <a:effectLst/>
+            </p:spPr>
+            <p:txBody>
+              <a:bodyPr wrap="none" anchor="ctr"/>
+              <a:lstStyle/>
+              <a:p>
+                <a:pPr algn="ctr"/>
+                <a:endParaRPr lang="en-US" b="0" dirty="0">
+                  <a:solidFill>
+                    <a:schemeClr val="bg2"/>
+                  </a:solidFill>
+                  <a:latin typeface="Book Antiqua" pitchFamily="18" charset="0"/>
+                </a:endParaRPr>
+              </a:p>
+            </p:txBody>
+          </p:sp>
+          <p:cxnSp>
+            <p:nvCxnSpPr>
+              <p:cNvPr id="21" name="Straight Arrow Connector 20">
+                <a:extLst>
+                  <a:ext uri="{FF2B5EF4-FFF2-40B4-BE49-F238E27FC236}">
+                    <a16:creationId xmlns:a16="http://schemas.microsoft.com/office/drawing/2014/main" id="{C4CFDE4E-B9E9-4FF3-9A57-15816872EBA5}"/>
+                  </a:ext>
+                </a:extLst>
+              </p:cNvPr>
+              <p:cNvCxnSpPr/>
+              <p:nvPr/>
+            </p:nvCxnSpPr>
+            <p:spPr bwMode="auto">
+              <a:xfrm rot="5400000">
+                <a:off x="5623692" y="4837750"/>
+                <a:ext cx="963010" cy="1588"/>
+              </a:xfrm>
+              <a:prstGeom prst="straightConnector1">
+                <a:avLst/>
+              </a:prstGeom>
+              <a:noFill/>
+              <a:ln w="12700" cap="flat" cmpd="sng" algn="ctr">
+                <a:solidFill>
+                  <a:schemeClr val="tx1"/>
+                </a:solidFill>
+                <a:prstDash val="solid"/>
+                <a:round/>
+                <a:headEnd type="triangle" w="lg" len="med"/>
+                <a:tailEnd type="triangle" w="lg" len="med"/>
+              </a:ln>
+              <a:effectLst/>
+            </p:spPr>
+          </p:cxnSp>
+          <p:sp>
+            <p:nvSpPr>
+              <p:cNvPr id="22" name="Rectangle 5 5" descr="Cork">
+                <a:extLst>
+                  <a:ext uri="{FF2B5EF4-FFF2-40B4-BE49-F238E27FC236}">
+                    <a16:creationId xmlns:a16="http://schemas.microsoft.com/office/drawing/2014/main" id="{073202D2-8044-42DE-983E-8583043EE623}"/>
+                  </a:ext>
+                </a:extLst>
+              </p:cNvPr>
+              <p:cNvSpPr>
+                <a:spLocks noChangeArrowheads="1"/>
+              </p:cNvSpPr>
+              <p:nvPr/>
+            </p:nvSpPr>
+            <p:spPr bwMode="auto">
+              <a:xfrm>
+                <a:off x="7525446" y="5289755"/>
+                <a:ext cx="1494503" cy="1173921"/>
+              </a:xfrm>
+              <a:prstGeom prst="rect">
+                <a:avLst/>
+              </a:prstGeom>
+              <a:blipFill>
+                <a:blip r:embed="rId7" cstate="print"/>
+                <a:tile tx="0" ty="0" sx="100000" sy="100000" flip="none" algn="tl"/>
+              </a:blipFill>
+              <a:ln w="12700">
+                <a:noFill/>
+                <a:miter lim="800000"/>
+                <a:headEnd type="none" w="sm" len="sm"/>
+                <a:tailEnd type="none" w="med" len="sm"/>
+              </a:ln>
+              <a:effectLst/>
+            </p:spPr>
+            <p:txBody>
+              <a:bodyPr wrap="none" anchor="ctr"/>
+              <a:lstStyle/>
+              <a:p>
+                <a:pPr algn="ctr"/>
+                <a:endParaRPr lang="en-US" b="0" dirty="0">
+                  <a:solidFill>
+                    <a:schemeClr val="bg2"/>
+                  </a:solidFill>
+                  <a:latin typeface="Book Antiqua" pitchFamily="18" charset="0"/>
+                </a:endParaRPr>
+              </a:p>
+            </p:txBody>
+          </p:sp>
+          <p:sp>
+            <p:nvSpPr>
+              <p:cNvPr id="23" name="Freeform 5">
+                <a:extLst>
+                  <a:ext uri="{FF2B5EF4-FFF2-40B4-BE49-F238E27FC236}">
+                    <a16:creationId xmlns:a16="http://schemas.microsoft.com/office/drawing/2014/main" id="{9CF901DC-981E-4D62-B773-17659FA92DF3}"/>
+                  </a:ext>
+                </a:extLst>
+              </p:cNvPr>
+              <p:cNvSpPr/>
+              <p:nvPr/>
+            </p:nvSpPr>
+            <p:spPr bwMode="auto">
+              <a:xfrm>
+                <a:off x="7515612" y="3435341"/>
+                <a:ext cx="1494504" cy="3254478"/>
+              </a:xfrm>
+              <a:custGeom>
+                <a:avLst/>
+                <a:gdLst>
+                  <a:gd name="connsiteX0" fmla="*/ 429341 w 3501922"/>
+                  <a:gd name="connsiteY0" fmla="*/ 19665 h 3796891"/>
+                  <a:gd name="connsiteX1" fmla="*/ 439174 w 3501922"/>
+                  <a:gd name="connsiteY1" fmla="*/ 3254478 h 3796891"/>
+                  <a:gd name="connsiteX2" fmla="*/ 3064387 w 3501922"/>
+                  <a:gd name="connsiteY2" fmla="*/ 3254478 h 3796891"/>
+                  <a:gd name="connsiteX3" fmla="*/ 3064387 w 3501922"/>
+                  <a:gd name="connsiteY3" fmla="*/ 0 h 3796891"/>
+                  <a:gd name="connsiteX0" fmla="*/ 429341 w 3501922"/>
+                  <a:gd name="connsiteY0" fmla="*/ 19665 h 3796891"/>
+                  <a:gd name="connsiteX1" fmla="*/ 439174 w 3501922"/>
+                  <a:gd name="connsiteY1" fmla="*/ 3254478 h 3796891"/>
+                  <a:gd name="connsiteX2" fmla="*/ 3064387 w 3501922"/>
+                  <a:gd name="connsiteY2" fmla="*/ 3254478 h 3796891"/>
+                  <a:gd name="connsiteX3" fmla="*/ 3064387 w 3501922"/>
+                  <a:gd name="connsiteY3" fmla="*/ 0 h 3796891"/>
+                  <a:gd name="connsiteX0" fmla="*/ 0 w 3072581"/>
+                  <a:gd name="connsiteY0" fmla="*/ 19665 h 3796891"/>
+                  <a:gd name="connsiteX1" fmla="*/ 9833 w 3072581"/>
+                  <a:gd name="connsiteY1" fmla="*/ 3254478 h 3796891"/>
+                  <a:gd name="connsiteX2" fmla="*/ 2635046 w 3072581"/>
+                  <a:gd name="connsiteY2" fmla="*/ 3254478 h 3796891"/>
+                  <a:gd name="connsiteX3" fmla="*/ 2635046 w 3072581"/>
+                  <a:gd name="connsiteY3" fmla="*/ 0 h 3796891"/>
+                  <a:gd name="connsiteX0" fmla="*/ 0 w 3072581"/>
+                  <a:gd name="connsiteY0" fmla="*/ 19665 h 3254478"/>
+                  <a:gd name="connsiteX1" fmla="*/ 9833 w 3072581"/>
+                  <a:gd name="connsiteY1" fmla="*/ 3254478 h 3254478"/>
+                  <a:gd name="connsiteX2" fmla="*/ 2635046 w 3072581"/>
+                  <a:gd name="connsiteY2" fmla="*/ 3254478 h 3254478"/>
+                  <a:gd name="connsiteX3" fmla="*/ 2635046 w 3072581"/>
+                  <a:gd name="connsiteY3" fmla="*/ 0 h 3254478"/>
+                  <a:gd name="connsiteX0" fmla="*/ 0 w 2635046"/>
+                  <a:gd name="connsiteY0" fmla="*/ 19665 h 3254478"/>
+                  <a:gd name="connsiteX1" fmla="*/ 9833 w 2635046"/>
+                  <a:gd name="connsiteY1" fmla="*/ 3254478 h 3254478"/>
+                  <a:gd name="connsiteX2" fmla="*/ 2635046 w 2635046"/>
+                  <a:gd name="connsiteY2" fmla="*/ 3254478 h 3254478"/>
+                  <a:gd name="connsiteX3" fmla="*/ 2635046 w 2635046"/>
+                  <a:gd name="connsiteY3" fmla="*/ 0 h 3254478"/>
+                </a:gdLst>
+                <a:ahLst/>
+                <a:cxnLst>
+                  <a:cxn ang="0">
+                    <a:pos x="connsiteX0" y="connsiteY0"/>
+                  </a:cxn>
+                  <a:cxn ang="0">
+                    <a:pos x="connsiteX1" y="connsiteY1"/>
+                  </a:cxn>
+                  <a:cxn ang="0">
+                    <a:pos x="connsiteX2" y="connsiteY2"/>
+                  </a:cxn>
+                  <a:cxn ang="0">
+                    <a:pos x="connsiteX3" y="connsiteY3"/>
+                  </a:cxn>
+                </a:cxnLst>
+                <a:rect l="l" t="t" r="r" b="b"/>
+                <a:pathLst>
+                  <a:path w="2635046" h="3254478">
+                    <a:moveTo>
+                      <a:pt x="0" y="19665"/>
+                    </a:moveTo>
+                    <a:cubicBezTo>
+                      <a:pt x="3278" y="1097936"/>
+                      <a:pt x="6555" y="2176207"/>
+                      <a:pt x="9833" y="3254478"/>
+                    </a:cubicBezTo>
+                    <a:lnTo>
+                      <a:pt x="2635046" y="3254478"/>
+                    </a:lnTo>
+                    <a:lnTo>
+                      <a:pt x="2635046" y="0"/>
+                    </a:lnTo>
+                  </a:path>
+                </a:pathLst>
+              </a:custGeom>
+              <a:noFill/>
+              <a:ln w="38100" cap="flat" cmpd="sng" algn="ctr">
+                <a:solidFill>
+                  <a:schemeClr val="tx1"/>
+                </a:solidFill>
+                <a:prstDash val="solid"/>
+                <a:round/>
+                <a:headEnd type="none" w="lg" len="med"/>
+                <a:tailEnd type="none" w="lg" len="med"/>
+              </a:ln>
+              <a:effectLst/>
+            </p:spPr>
+            <p:txBody>
+              <a:bodyPr vert="horz" wrap="square" lIns="91440" tIns="45720" rIns="91440" bIns="45720" numCol="1" rtlCol="0" anchor="t" anchorCtr="0" compatLnSpc="1">
+                <a:prstTxWarp prst="textNoShape">
+                  <a:avLst/>
+                </a:prstTxWarp>
+                <a:noAutofit/>
+              </a:bodyPr>
+              <a:lstStyle/>
+              <a:p>
+                <a:pPr marL="0" marR="0" indent="0" algn="l" defTabSz="914400" rtl="0" eaLnBrk="0" fontAlgn="base" latinLnBrk="0" hangingPunct="0">
+                  <a:lnSpc>
+                    <a:spcPct val="100000"/>
+                  </a:lnSpc>
+                  <a:spcBef>
+                    <a:spcPct val="50000"/>
+                  </a:spcBef>
+                  <a:spcAft>
+                    <a:spcPct val="0"/>
+                  </a:spcAft>
+                  <a:buClrTx/>
+                  <a:buSzTx/>
+                  <a:buFontTx/>
+                  <a:buNone/>
+                  <a:tabLst/>
+                </a:pPr>
+                <a:endParaRPr kumimoji="0" lang="en-US" sz="2800" b="0" i="0" u="none" strike="noStrike" cap="none" normalizeH="0" baseline="0">
+                  <a:ln>
+                    <a:noFill/>
+                  </a:ln>
+                  <a:solidFill>
+                    <a:schemeClr val="tx1"/>
+                  </a:solidFill>
+                  <a:effectLst/>
+                  <a:latin typeface="Times New Roman" pitchFamily="18" charset="0"/>
+                </a:endParaRPr>
+              </a:p>
+            </p:txBody>
+          </p:sp>
+          <p:sp>
+            <p:nvSpPr>
+              <p:cNvPr id="24" name="Rectangle 23">
+                <a:extLst>
+                  <a:ext uri="{FF2B5EF4-FFF2-40B4-BE49-F238E27FC236}">
+                    <a16:creationId xmlns:a16="http://schemas.microsoft.com/office/drawing/2014/main" id="{1CCEC53E-AF3F-4357-93AA-84A35C2AAAEC}"/>
+                  </a:ext>
+                </a:extLst>
+              </p:cNvPr>
+              <p:cNvSpPr/>
+              <p:nvPr/>
+            </p:nvSpPr>
+            <p:spPr bwMode="auto">
+              <a:xfrm>
+                <a:off x="7369763" y="6548284"/>
+                <a:ext cx="255638" cy="88490"/>
+              </a:xfrm>
+              <a:prstGeom prst="rect">
+                <a:avLst/>
+              </a:prstGeom>
+              <a:solidFill>
+                <a:srgbClr val="00B0F0"/>
+              </a:solidFill>
+              <a:ln w="12700" cap="flat" cmpd="sng" algn="ctr">
+                <a:noFill/>
+                <a:prstDash val="solid"/>
+                <a:round/>
+                <a:headEnd type="none" w="lg" len="med"/>
+                <a:tailEnd type="none" w="lg" len="med"/>
+              </a:ln>
+              <a:effectLst/>
+            </p:spPr>
+            <p:txBody>
+              <a:bodyPr vert="horz" wrap="square" lIns="91440" tIns="45720" rIns="91440" bIns="45720" numCol="1" rtlCol="0" anchor="t" anchorCtr="0" compatLnSpc="1">
+                <a:prstTxWarp prst="textNoShape">
+                  <a:avLst/>
+                </a:prstTxWarp>
+                <a:spAutoFit/>
+              </a:bodyPr>
+              <a:lstStyle/>
+              <a:p>
+                <a:pPr marL="0" marR="0" indent="0" algn="l" defTabSz="914400" rtl="0" eaLnBrk="0" fontAlgn="base" latinLnBrk="0" hangingPunct="0">
+                  <a:lnSpc>
+                    <a:spcPct val="100000"/>
+                  </a:lnSpc>
+                  <a:spcBef>
+                    <a:spcPct val="50000"/>
+                  </a:spcBef>
+                  <a:spcAft>
+                    <a:spcPct val="0"/>
+                  </a:spcAft>
+                  <a:buClrTx/>
+                  <a:buSzTx/>
+                  <a:buFontTx/>
+                  <a:buNone/>
+                  <a:tabLst/>
+                </a:pPr>
+                <a:endParaRPr kumimoji="0" lang="en-US" sz="2800" b="0" i="0" u="none" strike="noStrike" cap="none" normalizeH="0" baseline="0">
+                  <a:ln>
+                    <a:noFill/>
+                  </a:ln>
+                  <a:solidFill>
+                    <a:schemeClr val="tx1"/>
+                  </a:solidFill>
+                  <a:effectLst/>
+                  <a:latin typeface="Times New Roman" pitchFamily="18" charset="0"/>
+                </a:endParaRPr>
+              </a:p>
+            </p:txBody>
+          </p:sp>
+          <p:pic>
+            <p:nvPicPr>
+              <p:cNvPr id="25" name="Picture 24">
+                <a:extLst>
+                  <a:ext uri="{FF2B5EF4-FFF2-40B4-BE49-F238E27FC236}">
+                    <a16:creationId xmlns:a16="http://schemas.microsoft.com/office/drawing/2014/main" id="{2B457F84-0D06-4BC8-8A15-63F1CF250330}"/>
+                  </a:ext>
+                </a:extLst>
+              </p:cNvPr>
+              <p:cNvPicPr>
+                <a:picLocks noChangeAspect="1"/>
+              </p:cNvPicPr>
+              <p:nvPr>
+                <p:custDataLst>
+                  <p:tags r:id="rId2"/>
+                </p:custDataLst>
+              </p:nvPr>
+            </p:nvPicPr>
+            <p:blipFill>
+              <a:blip r:embed="rId8" cstate="print">
+                <a:extLst>
+                  <a:ext uri="{28A0092B-C50C-407E-A947-70E740481C1C}">
+                    <a14:useLocalDpi xmlns:a14="http://schemas.microsoft.com/office/drawing/2010/main" val="0"/>
+                  </a:ext>
+                </a:extLst>
+              </a:blip>
+              <a:stretch>
+                <a:fillRect/>
+              </a:stretch>
+            </p:blipFill>
+            <p:spPr>
+              <a:xfrm>
+                <a:off x="5803179" y="3633919"/>
+                <a:ext cx="527930" cy="195805"/>
+              </a:xfrm>
+              <a:prstGeom prst="rect">
+                <a:avLst/>
+              </a:prstGeom>
+              <a:solidFill>
+                <a:schemeClr val="bg1"/>
+              </a:solidFill>
+            </p:spPr>
+          </p:pic>
+          <p:pic>
+            <p:nvPicPr>
+              <p:cNvPr id="26" name="Picture 25">
+                <a:extLst>
+                  <a:ext uri="{FF2B5EF4-FFF2-40B4-BE49-F238E27FC236}">
+                    <a16:creationId xmlns:a16="http://schemas.microsoft.com/office/drawing/2014/main" id="{2BCB02E4-6304-4589-B491-5C3919F1FCD3}"/>
+                  </a:ext>
+                </a:extLst>
+              </p:cNvPr>
+              <p:cNvPicPr>
+                <a:picLocks noChangeAspect="1"/>
+              </p:cNvPicPr>
+              <p:nvPr>
+                <p:custDataLst>
+                  <p:tags r:id="rId3"/>
+                </p:custDataLst>
+              </p:nvPr>
+            </p:nvPicPr>
+            <p:blipFill>
+              <a:blip r:embed="rId9" cstate="print">
+                <a:extLst>
+                  <a:ext uri="{28A0092B-C50C-407E-A947-70E740481C1C}">
+                    <a14:useLocalDpi xmlns:a14="http://schemas.microsoft.com/office/drawing/2010/main" val="0"/>
+                  </a:ext>
+                </a:extLst>
+              </a:blip>
+              <a:stretch>
+                <a:fillRect/>
+              </a:stretch>
+            </p:blipFill>
+            <p:spPr>
+              <a:xfrm>
+                <a:off x="5964622" y="4823098"/>
+                <a:ext cx="375499" cy="190848"/>
+              </a:xfrm>
+              <a:prstGeom prst="rect">
+                <a:avLst/>
+              </a:prstGeom>
+              <a:solidFill>
+                <a:schemeClr val="bg1"/>
+              </a:solidFill>
+            </p:spPr>
+          </p:pic>
+          <p:pic>
+            <p:nvPicPr>
+              <p:cNvPr id="27" name="Picture 26">
+                <a:extLst>
+                  <a:ext uri="{FF2B5EF4-FFF2-40B4-BE49-F238E27FC236}">
+                    <a16:creationId xmlns:a16="http://schemas.microsoft.com/office/drawing/2014/main" id="{D1FE2E43-5860-4279-B325-EFDBEAD3F880}"/>
+                  </a:ext>
+                </a:extLst>
+              </p:cNvPr>
+              <p:cNvPicPr>
+                <a:picLocks noChangeAspect="1"/>
+              </p:cNvPicPr>
+              <p:nvPr>
+                <p:custDataLst>
+                  <p:tags r:id="rId4"/>
+                </p:custDataLst>
+              </p:nvPr>
+            </p:nvPicPr>
+            <p:blipFill>
+              <a:blip r:embed="rId10" cstate="print">
+                <a:extLst>
+                  <a:ext uri="{28A0092B-C50C-407E-A947-70E740481C1C}">
+                    <a14:useLocalDpi xmlns:a14="http://schemas.microsoft.com/office/drawing/2010/main" val="0"/>
+                  </a:ext>
+                </a:extLst>
+              </a:blip>
+              <a:stretch>
+                <a:fillRect/>
+              </a:stretch>
+            </p:blipFill>
+            <p:spPr>
+              <a:xfrm>
+                <a:off x="5745458" y="5818325"/>
+                <a:ext cx="731170" cy="172259"/>
+              </a:xfrm>
+              <a:prstGeom prst="rect">
+                <a:avLst/>
+              </a:prstGeom>
+              <a:solidFill>
+                <a:schemeClr val="bg1"/>
+              </a:solidFill>
+            </p:spPr>
+          </p:pic>
+          <p:pic>
+            <p:nvPicPr>
+              <p:cNvPr id="28" name="Picture 27">
+                <a:extLst>
+                  <a:ext uri="{FF2B5EF4-FFF2-40B4-BE49-F238E27FC236}">
+                    <a16:creationId xmlns:a16="http://schemas.microsoft.com/office/drawing/2014/main" id="{5A7F0BAE-286C-4468-B21F-D271C8C22B08}"/>
+                  </a:ext>
+                </a:extLst>
+              </p:cNvPr>
+              <p:cNvPicPr>
+                <a:picLocks noChangeAspect="1"/>
+              </p:cNvPicPr>
+              <p:nvPr>
+                <p:custDataLst>
+                  <p:tags r:id="rId5"/>
+                </p:custDataLst>
+              </p:nvPr>
+            </p:nvPicPr>
+            <p:blipFill>
+              <a:blip r:embed="rId11" cstate="print">
+                <a:extLst>
+                  <a:ext uri="{28A0092B-C50C-407E-A947-70E740481C1C}">
+                    <a14:useLocalDpi xmlns:a14="http://schemas.microsoft.com/office/drawing/2010/main" val="0"/>
+                  </a:ext>
+                </a:extLst>
+              </a:blip>
+              <a:stretch>
+                <a:fillRect/>
+              </a:stretch>
+            </p:blipFill>
+            <p:spPr>
+              <a:xfrm>
+                <a:off x="5966984" y="6514505"/>
+                <a:ext cx="300450" cy="150225"/>
+              </a:xfrm>
+              <a:prstGeom prst="rect">
+                <a:avLst/>
+              </a:prstGeom>
+            </p:spPr>
+          </p:pic>
+        </p:grpSp>
+        <p:pic>
+          <p:nvPicPr>
+            <p:cNvPr id="30" name="Picture 29">
+              <a:extLst>
+                <a:ext uri="{FF2B5EF4-FFF2-40B4-BE49-F238E27FC236}">
+                  <a16:creationId xmlns:a16="http://schemas.microsoft.com/office/drawing/2014/main" id="{C4F91C69-2FF7-45D6-A4B0-AC4A8B450F6B}"/>
+                </a:ext>
+              </a:extLst>
+            </p:cNvPr>
+            <p:cNvPicPr>
+              <a:picLocks noChangeAspect="1"/>
+            </p:cNvPicPr>
+            <p:nvPr>
+              <p:custDataLst>
+                <p:tags r:id="rId1"/>
+              </p:custDataLst>
+            </p:nvPr>
+          </p:nvPicPr>
+          <p:blipFill>
+            <a:blip r:embed="rId12" cstate="print">
+              <a:extLst>
+                <a:ext uri="{28A0092B-C50C-407E-A947-70E740481C1C}">
+                  <a14:useLocalDpi xmlns:a14="http://schemas.microsoft.com/office/drawing/2010/main" val="0"/>
+                </a:ext>
+              </a:extLst>
+            </a:blip>
+            <a:stretch>
+              <a:fillRect/>
+            </a:stretch>
+          </p:blipFill>
+          <p:spPr>
+            <a:xfrm>
+              <a:off x="4797106" y="2892714"/>
+              <a:ext cx="1047186" cy="171020"/>
+            </a:xfrm>
+            <a:prstGeom prst="rect">
+              <a:avLst/>
+            </a:prstGeom>
+            <a:solidFill>
+              <a:schemeClr val="bg1"/>
+            </a:solidFill>
+          </p:spPr>
+        </p:pic>
+      </p:grpSp>
     </p:spTree>
     <p:extLst>
       <p:ext uri="{BB962C8B-B14F-4D97-AF65-F5344CB8AC3E}">
@@ -27187,6 +28450,101 @@
   <p:tag name="LATEXADDIN" val="\documentclass{article}&#10;\usepackage{amsmath}&#10;\usepackage{xcolor}&#10;\usepackage{ragged2e}&#10;\pagestyle{empty}&#10;\begin{document}&#10;&#10;\definecolor{Monred}{RGB}{172,0,0}&#10;&#10;&#10;Siphon Valve&#10;&#10;&#10;\end{document}"/>
   <p:tag name="IGUANATEXSIZE" val="20"/>
   <p:tag name="IGUANATEXCURSOR" val="172"/>
+  <p:tag name="TRANSPARENCY" val="True"/>
+  <p:tag name="FILENAME" val=""/>
+  <p:tag name="LATEXENGINEID" val="0"/>
+  <p:tag name="TEMPFOLDER" val="c:\temp\"/>
+  <p:tag name="LATEXFORMHEIGHT" val="312"/>
+  <p:tag name="LATEXFORMWIDTH" val="384"/>
+  <p:tag name="LATEXFORMWRAP" val="True"/>
+  <p:tag name="BITMAPVECTOR" val="0"/>
+</p:tagLst>
+</file>
+
+<file path=ppt/tags/tag5.xml><?xml version="1.0" encoding="utf-8"?>
+<p:tagLst xmlns:a="http://schemas.openxmlformats.org/drawingml/2006/main" xmlns:r="http://schemas.openxmlformats.org/officeDocument/2006/relationships" xmlns:p="http://schemas.openxmlformats.org/presentationml/2006/main">
+  <p:tag name="OUTPUTDPI" val="1200"/>
+  <p:tag name="ORIGINALHEIGHT" val="103.4871"/>
+  <p:tag name="ORIGINALWIDTH" val="633.6708"/>
+  <p:tag name="LATEXADDIN" val="\documentclass{article}&#10;\usepackage{amsmath}&#10;\usepackage{xcolor}&#10;\pagestyle{empty}&#10;\begin{document}&#10;&#10;\definecolor{Monred}{RGB}{172,0,0}&#10;&#10;$$H_{Manometer}$$&#10;&#10;&#10;\end{document}"/>
+  <p:tag name="IGUANATEXSIZE" val="20"/>
+  <p:tag name="IGUANATEXCURSOR" val="154"/>
+  <p:tag name="TRANSPARENCY" val="True"/>
+  <p:tag name="FILENAME" val=""/>
+  <p:tag name="LATEXENGINEID" val="0"/>
+  <p:tag name="TEMPFOLDER" val="c:\temp\"/>
+  <p:tag name="LATEXFORMHEIGHT" val="312"/>
+  <p:tag name="LATEXFORMWIDTH" val="384"/>
+  <p:tag name="LATEXFORMWRAP" val="True"/>
+  <p:tag name="BITMAPVECTOR" val="0"/>
+</p:tagLst>
+</file>
+
+<file path=ppt/tags/tag6.xml><?xml version="1.0" encoding="utf-8"?>
+<p:tagLst xmlns:a="http://schemas.openxmlformats.org/drawingml/2006/main" xmlns:r="http://schemas.openxmlformats.org/officeDocument/2006/relationships" xmlns:p="http://schemas.openxmlformats.org/presentationml/2006/main">
+  <p:tag name="OUTPUTDPI" val="1200"/>
+  <p:tag name="ORIGINALHEIGHT" val="118.4852"/>
+  <p:tag name="ORIGINALWIDTH" val="319.4601"/>
+  <p:tag name="LATEXADDIN" val="\documentclass{article}&#10;\usepackage{amsmath}&#10;\usepackage{xcolor}&#10;\pagestyle{empty}&#10;\begin{document}&#10;&#10;\definecolor{Monred}{RGB}{172,0,0}&#10;&#10;$$h_{l_{FiBw}}$$&#10;&#10;&#10;\end{document}"/>
+  <p:tag name="IGUANATEXSIZE" val="20"/>
+  <p:tag name="IGUANATEXCURSOR" val="153"/>
+  <p:tag name="TRANSPARENCY" val="True"/>
+  <p:tag name="FILENAME" val=""/>
+  <p:tag name="LATEXENGINEID" val="0"/>
+  <p:tag name="TEMPFOLDER" val="c:\temp\"/>
+  <p:tag name="LATEXFORMHEIGHT" val="312"/>
+  <p:tag name="LATEXFORMWIDTH" val="384"/>
+  <p:tag name="LATEXFORMWRAP" val="True"/>
+  <p:tag name="BITMAPVECTOR" val="0"/>
+</p:tagLst>
+</file>
+
+<file path=ppt/tags/tag7.xml><?xml version="1.0" encoding="utf-8"?>
+<p:tagLst xmlns:a="http://schemas.openxmlformats.org/drawingml/2006/main" xmlns:r="http://schemas.openxmlformats.org/officeDocument/2006/relationships" xmlns:p="http://schemas.openxmlformats.org/presentationml/2006/main">
+  <p:tag name="OUTPUTDPI" val="1200"/>
+  <p:tag name="ORIGINALHEIGHT" val="115.4856"/>
+  <p:tag name="ORIGINALWIDTH" val="227.2216"/>
+  <p:tag name="LATEXADDIN" val="\documentclass{article}&#10;\usepackage{amsmath}&#10;\usepackage{xcolor}&#10;\pagestyle{empty}&#10;\begin{document}&#10;&#10;\definecolor{Monred}{RGB}{172,0,0}&#10;&#10;$$H_{W_1}$$&#10;&#10;&#10;\end{document}"/>
+  <p:tag name="IGUANATEXSIZE" val="20"/>
+  <p:tag name="IGUANATEXCURSOR" val="148"/>
+  <p:tag name="TRANSPARENCY" val="True"/>
+  <p:tag name="FILENAME" val=""/>
+  <p:tag name="LATEXENGINEID" val="0"/>
+  <p:tag name="TEMPFOLDER" val="c:\temp\"/>
+  <p:tag name="LATEXFORMHEIGHT" val="312"/>
+  <p:tag name="LATEXFORMWIDTH" val="384"/>
+  <p:tag name="LATEXFORMWRAP" val="True"/>
+  <p:tag name="BITMAPVECTOR" val="0"/>
+</p:tagLst>
+</file>
+
+<file path=ppt/tags/tag8.xml><?xml version="1.0" encoding="utf-8"?>
+<p:tagLst xmlns:a="http://schemas.openxmlformats.org/drawingml/2006/main" xmlns:r="http://schemas.openxmlformats.org/officeDocument/2006/relationships" xmlns:p="http://schemas.openxmlformats.org/presentationml/2006/main">
+  <p:tag name="OUTPUTDPI" val="1200"/>
+  <p:tag name="ORIGINALHEIGHT" val="104.237"/>
+  <p:tag name="ORIGINALWIDTH" val="442.4447"/>
+  <p:tag name="LATEXADDIN" val="\documentclass{article}&#10;\usepackage{amsmath}&#10;\usepackage{xcolor}&#10;\pagestyle{empty}&#10;\begin{document}&#10;&#10;\definecolor{Monred}{RGB}{172,0,0}&#10;&#10;$$H_{FiSand}$$&#10;&#10;&#10;\end{document}"/>
+  <p:tag name="IGUANATEXSIZE" val="20"/>
+  <p:tag name="IGUANATEXCURSOR" val="151"/>
+  <p:tag name="TRANSPARENCY" val="True"/>
+  <p:tag name="FILENAME" val=""/>
+  <p:tag name="LATEXENGINEID" val="0"/>
+  <p:tag name="TEMPFOLDER" val="c:\temp\"/>
+  <p:tag name="LATEXFORMHEIGHT" val="312"/>
+  <p:tag name="LATEXFORMWIDTH" val="384"/>
+  <p:tag name="LATEXFORMWRAP" val="True"/>
+  <p:tag name="BITMAPVECTOR" val="0"/>
+</p:tagLst>
+</file>
+
+<file path=ppt/tags/tag9.xml><?xml version="1.0" encoding="utf-8"?>
+<p:tagLst xmlns:a="http://schemas.openxmlformats.org/drawingml/2006/main" xmlns:r="http://schemas.openxmlformats.org/officeDocument/2006/relationships" xmlns:p="http://schemas.openxmlformats.org/presentationml/2006/main">
+  <p:tag name="OUTPUTDPI" val="1200"/>
+  <p:tag name="ORIGINALHEIGHT" val="114.7357"/>
+  <p:tag name="ORIGINALWIDTH" val="229.4713"/>
+  <p:tag name="LATEXADDIN" val="\documentclass{article}&#10;\usepackage{amsmath}&#10;\usepackage{xcolor}&#10;\pagestyle{empty}&#10;\begin{document}&#10;&#10;\definecolor{Monred}{RGB}{172,0,0}&#10;&#10;$$H_{W_2}$$&#10;&#10;&#10;\end{document}"/>
+  <p:tag name="IGUANATEXSIZE" val="20"/>
+  <p:tag name="IGUANATEXCURSOR" val="148"/>
   <p:tag name="TRANSPARENCY" val="True"/>
   <p:tag name="FILENAME" val=""/>
   <p:tag name="LATEXENGINEID" val="0"/>

--- a/ClareDiagrams.pptx
+++ b/ClareDiagrams.pptx
@@ -264,7 +264,7 @@
           <a:p>
             <a:fld id="{3721CA93-E140-4E2A-A30C-04BF0C6AAEA4}" type="datetimeFigureOut">
               <a:rPr lang="en-US" smtClean="0"/>
-              <a:t>7/16/2018</a:t>
+              <a:t>7/24/2018</a:t>
             </a:fld>
             <a:endParaRPr lang="en-US"/>
           </a:p>
@@ -462,7 +462,7 @@
           <a:p>
             <a:fld id="{3721CA93-E140-4E2A-A30C-04BF0C6AAEA4}" type="datetimeFigureOut">
               <a:rPr lang="en-US" smtClean="0"/>
-              <a:t>7/16/2018</a:t>
+              <a:t>7/24/2018</a:t>
             </a:fld>
             <a:endParaRPr lang="en-US"/>
           </a:p>
@@ -670,7 +670,7 @@
           <a:p>
             <a:fld id="{3721CA93-E140-4E2A-A30C-04BF0C6AAEA4}" type="datetimeFigureOut">
               <a:rPr lang="en-US" smtClean="0"/>
-              <a:t>7/16/2018</a:t>
+              <a:t>7/24/2018</a:t>
             </a:fld>
             <a:endParaRPr lang="en-US"/>
           </a:p>
@@ -868,7 +868,7 @@
           <a:p>
             <a:fld id="{3721CA93-E140-4E2A-A30C-04BF0C6AAEA4}" type="datetimeFigureOut">
               <a:rPr lang="en-US" smtClean="0"/>
-              <a:t>7/16/2018</a:t>
+              <a:t>7/24/2018</a:t>
             </a:fld>
             <a:endParaRPr lang="en-US"/>
           </a:p>
@@ -1143,7 +1143,7 @@
           <a:p>
             <a:fld id="{3721CA93-E140-4E2A-A30C-04BF0C6AAEA4}" type="datetimeFigureOut">
               <a:rPr lang="en-US" smtClean="0"/>
-              <a:t>7/16/2018</a:t>
+              <a:t>7/24/2018</a:t>
             </a:fld>
             <a:endParaRPr lang="en-US"/>
           </a:p>
@@ -1408,7 +1408,7 @@
           <a:p>
             <a:fld id="{3721CA93-E140-4E2A-A30C-04BF0C6AAEA4}" type="datetimeFigureOut">
               <a:rPr lang="en-US" smtClean="0"/>
-              <a:t>7/16/2018</a:t>
+              <a:t>7/24/2018</a:t>
             </a:fld>
             <a:endParaRPr lang="en-US"/>
           </a:p>
@@ -1820,7 +1820,7 @@
           <a:p>
             <a:fld id="{3721CA93-E140-4E2A-A30C-04BF0C6AAEA4}" type="datetimeFigureOut">
               <a:rPr lang="en-US" smtClean="0"/>
-              <a:t>7/16/2018</a:t>
+              <a:t>7/24/2018</a:t>
             </a:fld>
             <a:endParaRPr lang="en-US"/>
           </a:p>
@@ -1961,7 +1961,7 @@
           <a:p>
             <a:fld id="{3721CA93-E140-4E2A-A30C-04BF0C6AAEA4}" type="datetimeFigureOut">
               <a:rPr lang="en-US" smtClean="0"/>
-              <a:t>7/16/2018</a:t>
+              <a:t>7/24/2018</a:t>
             </a:fld>
             <a:endParaRPr lang="en-US"/>
           </a:p>
@@ -2074,7 +2074,7 @@
           <a:p>
             <a:fld id="{3721CA93-E140-4E2A-A30C-04BF0C6AAEA4}" type="datetimeFigureOut">
               <a:rPr lang="en-US" smtClean="0"/>
-              <a:t>7/16/2018</a:t>
+              <a:t>7/24/2018</a:t>
             </a:fld>
             <a:endParaRPr lang="en-US"/>
           </a:p>
@@ -2385,7 +2385,7 @@
           <a:p>
             <a:fld id="{3721CA93-E140-4E2A-A30C-04BF0C6AAEA4}" type="datetimeFigureOut">
               <a:rPr lang="en-US" smtClean="0"/>
-              <a:t>7/16/2018</a:t>
+              <a:t>7/24/2018</a:t>
             </a:fld>
             <a:endParaRPr lang="en-US"/>
           </a:p>
@@ -2673,7 +2673,7 @@
           <a:p>
             <a:fld id="{3721CA93-E140-4E2A-A30C-04BF0C6AAEA4}" type="datetimeFigureOut">
               <a:rPr lang="en-US" smtClean="0"/>
-              <a:t>7/16/2018</a:t>
+              <a:t>7/24/2018</a:t>
             </a:fld>
             <a:endParaRPr lang="en-US"/>
           </a:p>
@@ -2914,7 +2914,7 @@
           <a:p>
             <a:fld id="{3721CA93-E140-4E2A-A30C-04BF0C6AAEA4}" type="datetimeFigureOut">
               <a:rPr lang="en-US" smtClean="0"/>
-              <a:t>7/16/2018</a:t>
+              <a:t>7/24/2018</a:t>
             </a:fld>
             <a:endParaRPr lang="en-US"/>
           </a:p>
@@ -28324,54 +28324,2242 @@
       </p:grpSpPr>
       <p:sp>
         <p:nvSpPr>
-          <p:cNvPr id="2" name="Title 1">
+          <p:cNvPr id="4" name="TextBox 3">
             <a:extLst>
               <a:ext uri="{FF2B5EF4-FFF2-40B4-BE49-F238E27FC236}">
-                <a16:creationId xmlns:a16="http://schemas.microsoft.com/office/drawing/2014/main" id="{0F058EC5-FA01-42AA-BD4E-F805930244BA}"/>
+                <a16:creationId xmlns:a16="http://schemas.microsoft.com/office/drawing/2014/main" id="{9B8BC16E-C031-40BB-AEEE-9306AEB9D2E8}"/>
               </a:ext>
             </a:extLst>
           </p:cNvPr>
-          <p:cNvSpPr>
-            <a:spLocks noGrp="1"/>
-          </p:cNvSpPr>
-          <p:nvPr>
-            <p:ph type="title"/>
-          </p:nvPr>
+          <p:cNvSpPr txBox="1"/>
+          <p:nvPr/>
         </p:nvSpPr>
-        <p:spPr/>
+        <p:spPr>
+          <a:xfrm>
+            <a:off x="1557559" y="4984784"/>
+            <a:ext cx="8981631" cy="2062103"/>
+          </a:xfrm>
+          <a:prstGeom prst="rect">
+            <a:avLst/>
+          </a:prstGeom>
+          <a:noFill/>
+        </p:spPr>
         <p:txBody>
-          <a:bodyPr/>
+          <a:bodyPr wrap="square" rtlCol="0">
+            <a:spAutoFit/>
+          </a:bodyPr>
           <a:lstStyle/>
           <a:p>
-            <a:endParaRPr lang="en-US"/>
+            <a:r>
+              <a:rPr lang="en-US" sz="1600" b="0" dirty="0"/>
+              <a:t>1 Roughing is up flow in layers</a:t>
+            </a:r>
+          </a:p>
+          <a:p>
+            <a:r>
+              <a:rPr lang="en-US" sz="1600" b="0" dirty="0"/>
+              <a:t>2 Based on table 5.7 https://confluence.cornell.edu/download/attachments/90755680/FiME+CINARA.pdf </a:t>
+            </a:r>
+          </a:p>
+          <a:p>
+            <a:r>
+              <a:rPr lang="en-US" sz="1600" b="0" dirty="0"/>
+              <a:t>3 Net velocity for scaling total plan view area of facility.</a:t>
+            </a:r>
+          </a:p>
+          <a:p>
+            <a:r>
+              <a:rPr lang="en-US" sz="1600" b="0" dirty="0"/>
+              <a:t>4 This assumes a target of 5 NTU in the effluent</a:t>
+            </a:r>
+          </a:p>
+          <a:p>
+            <a:r>
+              <a:rPr lang="en-US" sz="1600" b="0" dirty="0"/>
+              <a:t>5 Assumes a target of 0.3 NTU in the effluent (based on performance of the </a:t>
+            </a:r>
+            <a:r>
+              <a:rPr lang="en-US" sz="1600" b="0" dirty="0" err="1"/>
+              <a:t>Atima</a:t>
+            </a:r>
+            <a:r>
+              <a:rPr lang="en-US" sz="1600" b="0" dirty="0"/>
+              <a:t> plant)</a:t>
+            </a:r>
+          </a:p>
+          <a:p>
+            <a:r>
+              <a:rPr lang="en-US" sz="1600" b="0" dirty="0"/>
+              <a:t>6 Data from Tamara.</a:t>
+            </a:r>
+          </a:p>
+          <a:p>
+            <a:r>
+              <a:rPr lang="en-US" sz="1600" b="0" dirty="0"/>
+              <a:t>The 32 L/s plant at San Nicolas has 5.5 m</a:t>
+            </a:r>
+            <a:r>
+              <a:rPr lang="en-US" sz="1600" b="0" baseline="30000" dirty="0"/>
+              <a:t>2</a:t>
+            </a:r>
+            <a:r>
+              <a:rPr lang="en-US" sz="1600" b="0" dirty="0"/>
+              <a:t> per L/s (includes chemical room, bathroom, office , etc.)</a:t>
+            </a:r>
+          </a:p>
+          <a:p>
+            <a:endParaRPr lang="en-US" sz="1600" b="0" dirty="0"/>
           </a:p>
         </p:txBody>
       </p:sp>
       <p:sp>
         <p:nvSpPr>
-          <p:cNvPr id="3" name="Content Placeholder 2">
+          <p:cNvPr id="5" name="Rounded Rectangle 4">
             <a:extLst>
               <a:ext uri="{FF2B5EF4-FFF2-40B4-BE49-F238E27FC236}">
-                <a16:creationId xmlns:a16="http://schemas.microsoft.com/office/drawing/2014/main" id="{F4E1BEC1-92D5-4C6A-8201-86D6607CE5F8}"/>
+                <a16:creationId xmlns:a16="http://schemas.microsoft.com/office/drawing/2014/main" id="{7FBC7644-3F4A-4870-9594-20FD55998A3E}"/>
               </a:ext>
             </a:extLst>
           </p:cNvPr>
-          <p:cNvSpPr>
-            <a:spLocks noGrp="1"/>
-          </p:cNvSpPr>
-          <p:nvPr>
-            <p:ph idx="1"/>
-          </p:nvPr>
+          <p:cNvSpPr/>
+          <p:nvPr/>
         </p:nvSpPr>
-        <p:spPr/>
+        <p:spPr bwMode="auto">
+          <a:xfrm>
+            <a:off x="7626477" y="1838922"/>
+            <a:ext cx="493452" cy="256464"/>
+          </a:xfrm>
+          <a:prstGeom prst="roundRect">
+            <a:avLst/>
+          </a:prstGeom>
+          <a:noFill/>
+          <a:ln w="38100" cap="flat" cmpd="sng" algn="ctr">
+            <a:solidFill>
+              <a:schemeClr val="accent4"/>
+            </a:solidFill>
+            <a:prstDash val="solid"/>
+            <a:round/>
+            <a:headEnd type="none" w="lg" len="med"/>
+            <a:tailEnd type="none" w="lg" len="med"/>
+          </a:ln>
+          <a:effectLst/>
+        </p:spPr>
         <p:txBody>
-          <a:bodyPr/>
+          <a:bodyPr vert="horz" wrap="square" lIns="91440" tIns="45720" rIns="91440" bIns="45720" numCol="1" rtlCol="0" anchor="t" anchorCtr="0" compatLnSpc="1">
+            <a:prstTxWarp prst="textNoShape">
+              <a:avLst/>
+            </a:prstTxWarp>
+            <a:noAutofit/>
+          </a:bodyPr>
           <a:lstStyle/>
           <a:p>
-            <a:endParaRPr lang="en-US"/>
+            <a:pPr marL="0" marR="0" indent="0" algn="l" defTabSz="914400" rtl="0" eaLnBrk="0" fontAlgn="base" latinLnBrk="0" hangingPunct="0">
+              <a:lnSpc>
+                <a:spcPct val="100000"/>
+              </a:lnSpc>
+              <a:spcBef>
+                <a:spcPct val="50000"/>
+              </a:spcBef>
+              <a:spcAft>
+                <a:spcPct val="0"/>
+              </a:spcAft>
+              <a:buClrTx/>
+              <a:buSzTx/>
+              <a:buFontTx/>
+              <a:buNone/>
+              <a:tabLst/>
+            </a:pPr>
+            <a:endParaRPr kumimoji="0" lang="en-US" sz="2800" b="0" i="0" u="none" strike="noStrike" cap="none" normalizeH="0" baseline="0">
+              <a:ln>
+                <a:noFill/>
+              </a:ln>
+              <a:solidFill>
+                <a:schemeClr val="tx1"/>
+              </a:solidFill>
+              <a:effectLst/>
+              <a:latin typeface="Times New Roman" pitchFamily="18" charset="0"/>
+            </a:endParaRPr>
           </a:p>
         </p:txBody>
       </p:sp>
+      <p:sp>
+        <p:nvSpPr>
+          <p:cNvPr id="6" name="Rounded Rectangle 5">
+            <a:extLst>
+              <a:ext uri="{FF2B5EF4-FFF2-40B4-BE49-F238E27FC236}">
+                <a16:creationId xmlns:a16="http://schemas.microsoft.com/office/drawing/2014/main" id="{2D09FF36-D4BD-4D75-85F7-4471876D1E97}"/>
+              </a:ext>
+            </a:extLst>
+          </p:cNvPr>
+          <p:cNvSpPr/>
+          <p:nvPr/>
+        </p:nvSpPr>
+        <p:spPr bwMode="auto">
+          <a:xfrm>
+            <a:off x="7614285" y="4408374"/>
+            <a:ext cx="493452" cy="266700"/>
+          </a:xfrm>
+          <a:prstGeom prst="roundRect">
+            <a:avLst/>
+          </a:prstGeom>
+          <a:noFill/>
+          <a:ln w="38100" cap="flat" cmpd="sng" algn="ctr">
+            <a:solidFill>
+              <a:schemeClr val="accent4"/>
+            </a:solidFill>
+            <a:prstDash val="solid"/>
+            <a:round/>
+            <a:headEnd type="none" w="lg" len="med"/>
+            <a:tailEnd type="none" w="lg" len="med"/>
+          </a:ln>
+          <a:effectLst/>
+        </p:spPr>
+        <p:txBody>
+          <a:bodyPr vert="horz" wrap="square" lIns="91440" tIns="45720" rIns="91440" bIns="45720" numCol="1" rtlCol="0" anchor="t" anchorCtr="0" compatLnSpc="1">
+            <a:prstTxWarp prst="textNoShape">
+              <a:avLst/>
+            </a:prstTxWarp>
+            <a:noAutofit/>
+          </a:bodyPr>
+          <a:lstStyle/>
+          <a:p>
+            <a:pPr marL="0" marR="0" indent="0" algn="l" defTabSz="914400" rtl="0" eaLnBrk="0" fontAlgn="base" latinLnBrk="0" hangingPunct="0">
+              <a:lnSpc>
+                <a:spcPct val="100000"/>
+              </a:lnSpc>
+              <a:spcBef>
+                <a:spcPct val="50000"/>
+              </a:spcBef>
+              <a:spcAft>
+                <a:spcPct val="0"/>
+              </a:spcAft>
+              <a:buClrTx/>
+              <a:buSzTx/>
+              <a:buFontTx/>
+              <a:buNone/>
+              <a:tabLst/>
+            </a:pPr>
+            <a:endParaRPr kumimoji="0" lang="en-US" sz="2800" b="0" i="0" u="none" strike="noStrike" cap="none" normalizeH="0" baseline="0">
+              <a:ln>
+                <a:noFill/>
+              </a:ln>
+              <a:solidFill>
+                <a:schemeClr val="tx1"/>
+              </a:solidFill>
+              <a:effectLst/>
+              <a:latin typeface="Times New Roman" pitchFamily="18" charset="0"/>
+            </a:endParaRPr>
+          </a:p>
+        </p:txBody>
+      </p:sp>
+      <p:sp>
+        <p:nvSpPr>
+          <p:cNvPr id="7" name="Rounded Rectangle 6">
+            <a:extLst>
+              <a:ext uri="{FF2B5EF4-FFF2-40B4-BE49-F238E27FC236}">
+                <a16:creationId xmlns:a16="http://schemas.microsoft.com/office/drawing/2014/main" id="{17FB9CA6-9F8F-451A-9A00-BC752B607940}"/>
+              </a:ext>
+            </a:extLst>
+          </p:cNvPr>
+          <p:cNvSpPr/>
+          <p:nvPr/>
+        </p:nvSpPr>
+        <p:spPr bwMode="auto">
+          <a:xfrm>
+            <a:off x="1639716" y="2939001"/>
+            <a:ext cx="400050" cy="266700"/>
+          </a:xfrm>
+          <a:prstGeom prst="roundRect">
+            <a:avLst/>
+          </a:prstGeom>
+          <a:noFill/>
+          <a:ln w="38100" cap="flat" cmpd="sng" algn="ctr">
+            <a:solidFill>
+              <a:schemeClr val="accent4"/>
+            </a:solidFill>
+            <a:prstDash val="solid"/>
+            <a:round/>
+            <a:headEnd type="none" w="lg" len="med"/>
+            <a:tailEnd type="none" w="lg" len="med"/>
+          </a:ln>
+          <a:effectLst/>
+        </p:spPr>
+        <p:txBody>
+          <a:bodyPr vert="horz" wrap="square" lIns="91440" tIns="45720" rIns="91440" bIns="45720" numCol="1" rtlCol="0" anchor="t" anchorCtr="0" compatLnSpc="1">
+            <a:prstTxWarp prst="textNoShape">
+              <a:avLst/>
+            </a:prstTxWarp>
+            <a:noAutofit/>
+          </a:bodyPr>
+          <a:lstStyle/>
+          <a:p>
+            <a:pPr marL="0" marR="0" indent="0" algn="l" defTabSz="914400" rtl="0" eaLnBrk="0" fontAlgn="base" latinLnBrk="0" hangingPunct="0">
+              <a:lnSpc>
+                <a:spcPct val="100000"/>
+              </a:lnSpc>
+              <a:spcBef>
+                <a:spcPct val="50000"/>
+              </a:spcBef>
+              <a:spcAft>
+                <a:spcPct val="0"/>
+              </a:spcAft>
+              <a:buClrTx/>
+              <a:buSzTx/>
+              <a:buFontTx/>
+              <a:buNone/>
+              <a:tabLst/>
+            </a:pPr>
+            <a:endParaRPr kumimoji="0" lang="en-US" sz="2800" b="0" i="0" u="none" strike="noStrike" cap="none" normalizeH="0" baseline="0">
+              <a:ln>
+                <a:noFill/>
+              </a:ln>
+              <a:solidFill>
+                <a:schemeClr val="tx1"/>
+              </a:solidFill>
+              <a:effectLst/>
+              <a:latin typeface="Times New Roman" pitchFamily="18" charset="0"/>
+            </a:endParaRPr>
+          </a:p>
+        </p:txBody>
+      </p:sp>
+      <p:graphicFrame>
+        <p:nvGraphicFramePr>
+          <p:cNvPr id="9" name="Table 8">
+            <a:extLst>
+              <a:ext uri="{FF2B5EF4-FFF2-40B4-BE49-F238E27FC236}">
+                <a16:creationId xmlns:a16="http://schemas.microsoft.com/office/drawing/2014/main" id="{39476F1E-673A-4197-BE0A-DC0CEAA02032}"/>
+              </a:ext>
+            </a:extLst>
+          </p:cNvPr>
+          <p:cNvGraphicFramePr>
+            <a:graphicFrameLocks noGrp="1"/>
+          </p:cNvGraphicFramePr>
+          <p:nvPr>
+            <p:extLst>
+              <p:ext uri="{D42A27DB-BD31-4B8C-83A1-F6EECF244321}">
+                <p14:modId xmlns:p14="http://schemas.microsoft.com/office/powerpoint/2010/main" val="1250471114"/>
+              </p:ext>
+            </p:extLst>
+          </p:nvPr>
+        </p:nvGraphicFramePr>
+        <p:xfrm>
+          <a:off x="1557559" y="176655"/>
+          <a:ext cx="9076881" cy="4719320"/>
+        </p:xfrm>
+        <a:graphic>
+          <a:graphicData uri="http://schemas.openxmlformats.org/drawingml/2006/table">
+            <a:tbl>
+              <a:tblPr firstRow="1" bandRow="1">
+                <a:tableStyleId>{5C22544A-7EE6-4342-B048-85BDC9FD1C3A}</a:tableStyleId>
+              </a:tblPr>
+              <a:tblGrid>
+                <a:gridCol w="1610435">
+                  <a:extLst>
+                    <a:ext uri="{9D8B030D-6E8A-4147-A177-3AD203B41FA5}">
+                      <a16:colId xmlns:a16="http://schemas.microsoft.com/office/drawing/2014/main" val="20000"/>
+                    </a:ext>
+                  </a:extLst>
+                </a:gridCol>
+                <a:gridCol w="1001807">
+                  <a:extLst>
+                    <a:ext uri="{9D8B030D-6E8A-4147-A177-3AD203B41FA5}">
+                      <a16:colId xmlns:a16="http://schemas.microsoft.com/office/drawing/2014/main" val="20001"/>
+                    </a:ext>
+                  </a:extLst>
+                </a:gridCol>
+                <a:gridCol w="2193169">
+                  <a:extLst>
+                    <a:ext uri="{9D8B030D-6E8A-4147-A177-3AD203B41FA5}">
+                      <a16:colId xmlns:a16="http://schemas.microsoft.com/office/drawing/2014/main" val="20002"/>
+                    </a:ext>
+                  </a:extLst>
+                </a:gridCol>
+                <a:gridCol w="1245844">
+                  <a:extLst>
+                    <a:ext uri="{9D8B030D-6E8A-4147-A177-3AD203B41FA5}">
+                      <a16:colId xmlns:a16="http://schemas.microsoft.com/office/drawing/2014/main" val="20003"/>
+                    </a:ext>
+                  </a:extLst>
+                </a:gridCol>
+                <a:gridCol w="1512813">
+                  <a:extLst>
+                    <a:ext uri="{9D8B030D-6E8A-4147-A177-3AD203B41FA5}">
+                      <a16:colId xmlns:a16="http://schemas.microsoft.com/office/drawing/2014/main" val="20004"/>
+                    </a:ext>
+                  </a:extLst>
+                </a:gridCol>
+                <a:gridCol w="1512813">
+                  <a:extLst>
+                    <a:ext uri="{9D8B030D-6E8A-4147-A177-3AD203B41FA5}">
+                      <a16:colId xmlns:a16="http://schemas.microsoft.com/office/drawing/2014/main" val="20005"/>
+                    </a:ext>
+                  </a:extLst>
+                </a:gridCol>
+              </a:tblGrid>
+              <a:tr h="370840">
+                <a:tc>
+                  <a:txBody>
+                    <a:bodyPr/>
+                    <a:lstStyle/>
+                    <a:p>
+                      <a:r>
+                        <a:rPr lang="en-US" dirty="0"/>
+                        <a:t>Filter type</a:t>
+                      </a:r>
+                    </a:p>
+                  </a:txBody>
+                  <a:tcPr/>
+                </a:tc>
+                <a:tc>
+                  <a:txBody>
+                    <a:bodyPr/>
+                    <a:lstStyle/>
+                    <a:p>
+                      <a:r>
+                        <a:rPr lang="en-US" dirty="0"/>
+                        <a:t>Velocity (mm/s)</a:t>
+                      </a:r>
+                    </a:p>
+                  </a:txBody>
+                  <a:tcPr/>
+                </a:tc>
+                <a:tc>
+                  <a:txBody>
+                    <a:bodyPr/>
+                    <a:lstStyle/>
+                    <a:p>
+                      <a:r>
+                        <a:rPr lang="en-US" dirty="0"/>
+                        <a:t>Cleaning</a:t>
+                      </a:r>
+                    </a:p>
+                  </a:txBody>
+                  <a:tcPr/>
+                </a:tc>
+                <a:tc>
+                  <a:txBody>
+                    <a:bodyPr/>
+                    <a:lstStyle/>
+                    <a:p>
+                      <a:r>
+                        <a:rPr lang="en-US" dirty="0"/>
+                        <a:t>Max (NTU)</a:t>
+                      </a:r>
+                    </a:p>
+                  </a:txBody>
+                  <a:tcPr/>
+                </a:tc>
+                <a:tc>
+                  <a:txBody>
+                    <a:bodyPr/>
+                    <a:lstStyle/>
+                    <a:p>
+                      <a:pPr marL="0" marR="0" indent="0" algn="l" defTabSz="914400" rtl="0" eaLnBrk="1" fontAlgn="auto" latinLnBrk="0" hangingPunct="1">
+                        <a:lnSpc>
+                          <a:spcPct val="100000"/>
+                        </a:lnSpc>
+                        <a:spcBef>
+                          <a:spcPts val="0"/>
+                        </a:spcBef>
+                        <a:spcAft>
+                          <a:spcPts val="0"/>
+                        </a:spcAft>
+                        <a:buClrTx/>
+                        <a:buSzTx/>
+                        <a:buFontTx/>
+                        <a:buNone/>
+                        <a:tabLst/>
+                        <a:defRPr/>
+                      </a:pPr>
+                      <a:r>
+                        <a:rPr lang="en-US" dirty="0" err="1"/>
+                        <a:t>pC</a:t>
+                      </a:r>
+                      <a:r>
+                        <a:rPr lang="en-US" dirty="0"/>
+                        <a:t>*</a:t>
+                      </a:r>
+                    </a:p>
+                    <a:p>
+                      <a:endParaRPr lang="en-US" dirty="0"/>
+                    </a:p>
+                  </a:txBody>
+                  <a:tcPr/>
+                </a:tc>
+                <a:tc>
+                  <a:txBody>
+                    <a:bodyPr/>
+                    <a:lstStyle/>
+                    <a:p>
+                      <a:r>
+                        <a:rPr lang="en-US" dirty="0"/>
+                        <a:t>Area (m</a:t>
+                      </a:r>
+                      <a:r>
+                        <a:rPr lang="en-US" baseline="30000" dirty="0"/>
+                        <a:t>2</a:t>
+                      </a:r>
+                      <a:r>
+                        <a:rPr lang="en-US" dirty="0"/>
+                        <a:t>) for 1 L/s</a:t>
+                      </a:r>
+                    </a:p>
+                  </a:txBody>
+                  <a:tcPr/>
+                </a:tc>
+                <a:extLst>
+                  <a:ext uri="{0D108BD9-81ED-4DB2-BD59-A6C34878D82A}">
+                    <a16:rowId xmlns:a16="http://schemas.microsoft.com/office/drawing/2014/main" val="10000"/>
+                  </a:ext>
+                </a:extLst>
+              </a:tr>
+              <a:tr h="370840">
+                <a:tc>
+                  <a:txBody>
+                    <a:bodyPr/>
+                    <a:lstStyle/>
+                    <a:p>
+                      <a:r>
+                        <a:rPr lang="en-US" dirty="0"/>
+                        <a:t>Dynamic</a:t>
+                      </a:r>
+                    </a:p>
+                  </a:txBody>
+                  <a:tcPr>
+                    <a:solidFill>
+                      <a:schemeClr val="accent2">
+                        <a:lumMod val="20000"/>
+                        <a:lumOff val="80000"/>
+                      </a:schemeClr>
+                    </a:solidFill>
+                  </a:tcPr>
+                </a:tc>
+                <a:tc>
+                  <a:txBody>
+                    <a:bodyPr/>
+                    <a:lstStyle/>
+                    <a:p>
+                      <a:r>
+                        <a:rPr lang="en-US" dirty="0"/>
+                        <a:t>0.4</a:t>
+                      </a:r>
+                    </a:p>
+                  </a:txBody>
+                  <a:tcPr>
+                    <a:solidFill>
+                      <a:schemeClr val="accent2">
+                        <a:lumMod val="20000"/>
+                        <a:lumOff val="80000"/>
+                      </a:schemeClr>
+                    </a:solidFill>
+                  </a:tcPr>
+                </a:tc>
+                <a:tc>
+                  <a:txBody>
+                    <a:bodyPr/>
+                    <a:lstStyle/>
+                    <a:p>
+                      <a:endParaRPr lang="en-US" dirty="0"/>
+                    </a:p>
+                  </a:txBody>
+                  <a:tcPr>
+                    <a:solidFill>
+                      <a:schemeClr val="accent2">
+                        <a:lumMod val="20000"/>
+                        <a:lumOff val="80000"/>
+                      </a:schemeClr>
+                    </a:solidFill>
+                  </a:tcPr>
+                </a:tc>
+                <a:tc>
+                  <a:txBody>
+                    <a:bodyPr/>
+                    <a:lstStyle/>
+                    <a:p>
+                      <a:endParaRPr lang="en-US"/>
+                    </a:p>
+                  </a:txBody>
+                  <a:tcPr>
+                    <a:solidFill>
+                      <a:schemeClr val="accent2">
+                        <a:lumMod val="20000"/>
+                        <a:lumOff val="80000"/>
+                      </a:schemeClr>
+                    </a:solidFill>
+                  </a:tcPr>
+                </a:tc>
+                <a:tc>
+                  <a:txBody>
+                    <a:bodyPr/>
+                    <a:lstStyle/>
+                    <a:p>
+                      <a:r>
+                        <a:rPr lang="en-US" dirty="0"/>
+                        <a:t>0</a:t>
+                      </a:r>
+                    </a:p>
+                  </a:txBody>
+                  <a:tcPr>
+                    <a:solidFill>
+                      <a:schemeClr val="accent2">
+                        <a:lumMod val="20000"/>
+                        <a:lumOff val="80000"/>
+                      </a:schemeClr>
+                    </a:solidFill>
+                  </a:tcPr>
+                </a:tc>
+                <a:tc>
+                  <a:txBody>
+                    <a:bodyPr/>
+                    <a:lstStyle/>
+                    <a:p>
+                      <a:r>
+                        <a:rPr lang="en-US" dirty="0"/>
+                        <a:t>2.5</a:t>
+                      </a:r>
+                    </a:p>
+                  </a:txBody>
+                  <a:tcPr>
+                    <a:solidFill>
+                      <a:schemeClr val="accent2">
+                        <a:lumMod val="20000"/>
+                        <a:lumOff val="80000"/>
+                      </a:schemeClr>
+                    </a:solidFill>
+                  </a:tcPr>
+                </a:tc>
+                <a:extLst>
+                  <a:ext uri="{0D108BD9-81ED-4DB2-BD59-A6C34878D82A}">
+                    <a16:rowId xmlns:a16="http://schemas.microsoft.com/office/drawing/2014/main" val="10001"/>
+                  </a:ext>
+                </a:extLst>
+              </a:tr>
+              <a:tr h="370840">
+                <a:tc>
+                  <a:txBody>
+                    <a:bodyPr/>
+                    <a:lstStyle/>
+                    <a:p>
+                      <a:r>
+                        <a:rPr lang="en-US" dirty="0"/>
+                        <a:t>Roughing</a:t>
+                      </a:r>
+                      <a:r>
+                        <a:rPr lang="en-US" baseline="30000" dirty="0"/>
+                        <a:t>1</a:t>
+                      </a:r>
+                      <a:endParaRPr lang="en-US" dirty="0"/>
+                    </a:p>
+                  </a:txBody>
+                  <a:tcPr>
+                    <a:solidFill>
+                      <a:schemeClr val="accent2">
+                        <a:lumMod val="20000"/>
+                        <a:lumOff val="80000"/>
+                      </a:schemeClr>
+                    </a:solidFill>
+                  </a:tcPr>
+                </a:tc>
+                <a:tc>
+                  <a:txBody>
+                    <a:bodyPr/>
+                    <a:lstStyle/>
+                    <a:p>
+                      <a:r>
+                        <a:rPr lang="en-US" dirty="0"/>
+                        <a:t>0.17</a:t>
+                      </a:r>
+                    </a:p>
+                  </a:txBody>
+                  <a:tcPr>
+                    <a:solidFill>
+                      <a:schemeClr val="accent2">
+                        <a:lumMod val="20000"/>
+                        <a:lumOff val="80000"/>
+                      </a:schemeClr>
+                    </a:solidFill>
+                  </a:tcPr>
+                </a:tc>
+                <a:tc>
+                  <a:txBody>
+                    <a:bodyPr/>
+                    <a:lstStyle/>
+                    <a:p>
+                      <a:r>
+                        <a:rPr lang="en-US" dirty="0"/>
+                        <a:t>5.5 mm/s </a:t>
+                      </a:r>
+                      <a:r>
+                        <a:rPr lang="en-US" dirty="0" err="1"/>
+                        <a:t>downflow</a:t>
+                      </a:r>
+                      <a:endParaRPr lang="en-US" dirty="0"/>
+                    </a:p>
+                  </a:txBody>
+                  <a:tcPr>
+                    <a:solidFill>
+                      <a:schemeClr val="accent2">
+                        <a:lumMod val="20000"/>
+                        <a:lumOff val="80000"/>
+                      </a:schemeClr>
+                    </a:solidFill>
+                  </a:tcPr>
+                </a:tc>
+                <a:tc>
+                  <a:txBody>
+                    <a:bodyPr/>
+                    <a:lstStyle/>
+                    <a:p>
+                      <a:endParaRPr lang="en-US" dirty="0"/>
+                    </a:p>
+                  </a:txBody>
+                  <a:tcPr>
+                    <a:solidFill>
+                      <a:schemeClr val="accent2">
+                        <a:lumMod val="20000"/>
+                        <a:lumOff val="80000"/>
+                      </a:schemeClr>
+                    </a:solidFill>
+                  </a:tcPr>
+                </a:tc>
+                <a:tc>
+                  <a:txBody>
+                    <a:bodyPr/>
+                    <a:lstStyle/>
+                    <a:p>
+                      <a:r>
+                        <a:rPr lang="en-US" dirty="0"/>
+                        <a:t>0.5</a:t>
+                      </a:r>
+                      <a:r>
+                        <a:rPr lang="en-US" baseline="30000" dirty="0"/>
+                        <a:t>2</a:t>
+                      </a:r>
+                      <a:endParaRPr lang="en-US" dirty="0"/>
+                    </a:p>
+                  </a:txBody>
+                  <a:tcPr>
+                    <a:solidFill>
+                      <a:schemeClr val="accent2">
+                        <a:lumMod val="20000"/>
+                        <a:lumOff val="80000"/>
+                      </a:schemeClr>
+                    </a:solidFill>
+                  </a:tcPr>
+                </a:tc>
+                <a:tc>
+                  <a:txBody>
+                    <a:bodyPr/>
+                    <a:lstStyle/>
+                    <a:p>
+                      <a:r>
+                        <a:rPr lang="en-US" dirty="0"/>
+                        <a:t>5.9</a:t>
+                      </a:r>
+                    </a:p>
+                  </a:txBody>
+                  <a:tcPr>
+                    <a:solidFill>
+                      <a:schemeClr val="accent2">
+                        <a:lumMod val="20000"/>
+                        <a:lumOff val="80000"/>
+                      </a:schemeClr>
+                    </a:solidFill>
+                  </a:tcPr>
+                </a:tc>
+                <a:extLst>
+                  <a:ext uri="{0D108BD9-81ED-4DB2-BD59-A6C34878D82A}">
+                    <a16:rowId xmlns:a16="http://schemas.microsoft.com/office/drawing/2014/main" val="10002"/>
+                  </a:ext>
+                </a:extLst>
+              </a:tr>
+              <a:tr h="370840">
+                <a:tc>
+                  <a:txBody>
+                    <a:bodyPr/>
+                    <a:lstStyle/>
+                    <a:p>
+                      <a:r>
+                        <a:rPr lang="en-US" dirty="0"/>
+                        <a:t>Slow</a:t>
+                      </a:r>
+                    </a:p>
+                  </a:txBody>
+                  <a:tcPr>
+                    <a:lnB w="12700" cap="flat" cmpd="sng" algn="ctr">
+                      <a:solidFill>
+                        <a:schemeClr val="tx1"/>
+                      </a:solidFill>
+                      <a:prstDash val="solid"/>
+                      <a:round/>
+                      <a:headEnd type="none" w="med" len="med"/>
+                      <a:tailEnd type="none" w="med" len="med"/>
+                    </a:lnB>
+                    <a:solidFill>
+                      <a:schemeClr val="accent2">
+                        <a:lumMod val="20000"/>
+                        <a:lumOff val="80000"/>
+                      </a:schemeClr>
+                    </a:solidFill>
+                  </a:tcPr>
+                </a:tc>
+                <a:tc>
+                  <a:txBody>
+                    <a:bodyPr/>
+                    <a:lstStyle/>
+                    <a:p>
+                      <a:r>
+                        <a:rPr lang="en-US" dirty="0"/>
+                        <a:t>0.04</a:t>
+                      </a:r>
+                    </a:p>
+                  </a:txBody>
+                  <a:tcPr>
+                    <a:lnB w="12700" cap="flat" cmpd="sng" algn="ctr">
+                      <a:solidFill>
+                        <a:schemeClr val="tx1"/>
+                      </a:solidFill>
+                      <a:prstDash val="solid"/>
+                      <a:round/>
+                      <a:headEnd type="none" w="med" len="med"/>
+                      <a:tailEnd type="none" w="med" len="med"/>
+                    </a:lnB>
+                    <a:solidFill>
+                      <a:schemeClr val="accent2">
+                        <a:lumMod val="20000"/>
+                        <a:lumOff val="80000"/>
+                      </a:schemeClr>
+                    </a:solidFill>
+                  </a:tcPr>
+                </a:tc>
+                <a:tc>
+                  <a:txBody>
+                    <a:bodyPr/>
+                    <a:lstStyle/>
+                    <a:p>
+                      <a:r>
+                        <a:rPr lang="en-US" dirty="0"/>
+                        <a:t>Scrape surface</a:t>
+                      </a:r>
+                    </a:p>
+                  </a:txBody>
+                  <a:tcPr>
+                    <a:lnB w="12700" cap="flat" cmpd="sng" algn="ctr">
+                      <a:solidFill>
+                        <a:schemeClr val="tx1"/>
+                      </a:solidFill>
+                      <a:prstDash val="solid"/>
+                      <a:round/>
+                      <a:headEnd type="none" w="med" len="med"/>
+                      <a:tailEnd type="none" w="med" len="med"/>
+                    </a:lnB>
+                    <a:solidFill>
+                      <a:schemeClr val="accent2">
+                        <a:lumMod val="20000"/>
+                        <a:lumOff val="80000"/>
+                      </a:schemeClr>
+                    </a:solidFill>
+                  </a:tcPr>
+                </a:tc>
+                <a:tc>
+                  <a:txBody>
+                    <a:bodyPr/>
+                    <a:lstStyle/>
+                    <a:p>
+                      <a:r>
+                        <a:rPr lang="en-US" dirty="0"/>
+                        <a:t>10</a:t>
+                      </a:r>
+                    </a:p>
+                  </a:txBody>
+                  <a:tcPr>
+                    <a:lnB w="12700" cap="flat" cmpd="sng" algn="ctr">
+                      <a:solidFill>
+                        <a:schemeClr val="tx1"/>
+                      </a:solidFill>
+                      <a:prstDash val="solid"/>
+                      <a:round/>
+                      <a:headEnd type="none" w="med" len="med"/>
+                      <a:tailEnd type="none" w="med" len="med"/>
+                    </a:lnB>
+                    <a:solidFill>
+                      <a:schemeClr val="accent2">
+                        <a:lumMod val="20000"/>
+                        <a:lumOff val="80000"/>
+                      </a:schemeClr>
+                    </a:solidFill>
+                  </a:tcPr>
+                </a:tc>
+                <a:tc>
+                  <a:txBody>
+                    <a:bodyPr/>
+                    <a:lstStyle/>
+                    <a:p>
+                      <a:r>
+                        <a:rPr lang="en-US" dirty="0"/>
+                        <a:t>0.8</a:t>
+                      </a:r>
+                      <a:r>
+                        <a:rPr lang="en-US" baseline="30000" dirty="0"/>
+                        <a:t>2</a:t>
+                      </a:r>
+                      <a:endParaRPr lang="en-US" dirty="0"/>
+                    </a:p>
+                  </a:txBody>
+                  <a:tcPr>
+                    <a:lnB w="12700" cap="flat" cmpd="sng" algn="ctr">
+                      <a:solidFill>
+                        <a:schemeClr val="tx1"/>
+                      </a:solidFill>
+                      <a:prstDash val="solid"/>
+                      <a:round/>
+                      <a:headEnd type="none" w="med" len="med"/>
+                      <a:tailEnd type="none" w="med" len="med"/>
+                    </a:lnB>
+                    <a:solidFill>
+                      <a:schemeClr val="accent2">
+                        <a:lumMod val="20000"/>
+                        <a:lumOff val="80000"/>
+                      </a:schemeClr>
+                    </a:solidFill>
+                  </a:tcPr>
+                </a:tc>
+                <a:tc>
+                  <a:txBody>
+                    <a:bodyPr/>
+                    <a:lstStyle/>
+                    <a:p>
+                      <a:r>
+                        <a:rPr lang="en-US" dirty="0"/>
+                        <a:t>25</a:t>
+                      </a:r>
+                    </a:p>
+                  </a:txBody>
+                  <a:tcPr>
+                    <a:lnB w="12700" cap="flat" cmpd="sng" algn="ctr">
+                      <a:solidFill>
+                        <a:schemeClr val="tx1"/>
+                      </a:solidFill>
+                      <a:prstDash val="solid"/>
+                      <a:round/>
+                      <a:headEnd type="none" w="med" len="med"/>
+                      <a:tailEnd type="none" w="med" len="med"/>
+                    </a:lnB>
+                    <a:solidFill>
+                      <a:schemeClr val="accent2">
+                        <a:lumMod val="20000"/>
+                        <a:lumOff val="80000"/>
+                      </a:schemeClr>
+                    </a:solidFill>
+                  </a:tcPr>
+                </a:tc>
+                <a:extLst>
+                  <a:ext uri="{0D108BD9-81ED-4DB2-BD59-A6C34878D82A}">
+                    <a16:rowId xmlns:a16="http://schemas.microsoft.com/office/drawing/2014/main" val="10003"/>
+                  </a:ext>
+                </a:extLst>
+              </a:tr>
+              <a:tr h="370840">
+                <a:tc>
+                  <a:txBody>
+                    <a:bodyPr/>
+                    <a:lstStyle/>
+                    <a:p>
+                      <a:r>
+                        <a:rPr lang="en-US" b="1" dirty="0"/>
+                        <a:t>Multistage</a:t>
+                      </a:r>
+                    </a:p>
+                  </a:txBody>
+                  <a:tcPr>
+                    <a:lnT w="12700" cap="flat" cmpd="sng" algn="ctr">
+                      <a:solidFill>
+                        <a:schemeClr val="tx1"/>
+                      </a:solidFill>
+                      <a:prstDash val="solid"/>
+                      <a:round/>
+                      <a:headEnd type="none" w="med" len="med"/>
+                      <a:tailEnd type="none" w="med" len="med"/>
+                    </a:lnT>
+                    <a:solidFill>
+                      <a:schemeClr val="accent2">
+                        <a:lumMod val="40000"/>
+                        <a:lumOff val="60000"/>
+                      </a:schemeClr>
+                    </a:solidFill>
+                  </a:tcPr>
+                </a:tc>
+                <a:tc>
+                  <a:txBody>
+                    <a:bodyPr/>
+                    <a:lstStyle/>
+                    <a:p>
+                      <a:pPr marL="0" marR="0" indent="0" algn="l" defTabSz="914400" rtl="0" eaLnBrk="1" fontAlgn="auto" latinLnBrk="0" hangingPunct="1">
+                        <a:lnSpc>
+                          <a:spcPct val="100000"/>
+                        </a:lnSpc>
+                        <a:spcBef>
+                          <a:spcPts val="0"/>
+                        </a:spcBef>
+                        <a:spcAft>
+                          <a:spcPts val="0"/>
+                        </a:spcAft>
+                        <a:buClrTx/>
+                        <a:buSzTx/>
+                        <a:buFontTx/>
+                        <a:buNone/>
+                        <a:tabLst/>
+                        <a:defRPr/>
+                      </a:pPr>
+                      <a:r>
+                        <a:rPr lang="en-US" dirty="0"/>
+                        <a:t>0.03</a:t>
+                      </a:r>
+                      <a:r>
+                        <a:rPr lang="en-US" baseline="30000" dirty="0"/>
+                        <a:t>3</a:t>
+                      </a:r>
+                      <a:endParaRPr lang="en-US" dirty="0"/>
+                    </a:p>
+                  </a:txBody>
+                  <a:tcPr>
+                    <a:lnT w="12700" cap="flat" cmpd="sng" algn="ctr">
+                      <a:solidFill>
+                        <a:schemeClr val="tx1"/>
+                      </a:solidFill>
+                      <a:prstDash val="solid"/>
+                      <a:round/>
+                      <a:headEnd type="none" w="med" len="med"/>
+                      <a:tailEnd type="none" w="med" len="med"/>
+                    </a:lnT>
+                    <a:solidFill>
+                      <a:schemeClr val="accent2">
+                        <a:lumMod val="40000"/>
+                        <a:lumOff val="60000"/>
+                      </a:schemeClr>
+                    </a:solidFill>
+                  </a:tcPr>
+                </a:tc>
+                <a:tc>
+                  <a:txBody>
+                    <a:bodyPr/>
+                    <a:lstStyle/>
+                    <a:p>
+                      <a:endParaRPr lang="en-US" dirty="0"/>
+                    </a:p>
+                  </a:txBody>
+                  <a:tcPr>
+                    <a:lnT w="12700" cap="flat" cmpd="sng" algn="ctr">
+                      <a:solidFill>
+                        <a:schemeClr val="tx1"/>
+                      </a:solidFill>
+                      <a:prstDash val="solid"/>
+                      <a:round/>
+                      <a:headEnd type="none" w="med" len="med"/>
+                      <a:tailEnd type="none" w="med" len="med"/>
+                    </a:lnT>
+                    <a:solidFill>
+                      <a:schemeClr val="accent2">
+                        <a:lumMod val="40000"/>
+                        <a:lumOff val="60000"/>
+                      </a:schemeClr>
+                    </a:solidFill>
+                  </a:tcPr>
+                </a:tc>
+                <a:tc>
+                  <a:txBody>
+                    <a:bodyPr/>
+                    <a:lstStyle/>
+                    <a:p>
+                      <a:r>
+                        <a:rPr lang="en-US" dirty="0"/>
+                        <a:t>100</a:t>
+                      </a:r>
+                      <a:r>
+                        <a:rPr lang="en-US" baseline="30000" dirty="0"/>
+                        <a:t>4</a:t>
+                      </a:r>
+                    </a:p>
+                  </a:txBody>
+                  <a:tcPr>
+                    <a:lnT w="12700" cap="flat" cmpd="sng" algn="ctr">
+                      <a:solidFill>
+                        <a:schemeClr val="tx1"/>
+                      </a:solidFill>
+                      <a:prstDash val="solid"/>
+                      <a:round/>
+                      <a:headEnd type="none" w="med" len="med"/>
+                      <a:tailEnd type="none" w="med" len="med"/>
+                    </a:lnT>
+                    <a:solidFill>
+                      <a:schemeClr val="accent2">
+                        <a:lumMod val="40000"/>
+                        <a:lumOff val="60000"/>
+                      </a:schemeClr>
+                    </a:solidFill>
+                  </a:tcPr>
+                </a:tc>
+                <a:tc>
+                  <a:txBody>
+                    <a:bodyPr/>
+                    <a:lstStyle/>
+                    <a:p>
+                      <a:r>
+                        <a:rPr lang="en-US" dirty="0"/>
+                        <a:t>1.3</a:t>
+                      </a:r>
+                    </a:p>
+                  </a:txBody>
+                  <a:tcPr>
+                    <a:lnT w="12700" cap="flat" cmpd="sng" algn="ctr">
+                      <a:solidFill>
+                        <a:schemeClr val="tx1"/>
+                      </a:solidFill>
+                      <a:prstDash val="solid"/>
+                      <a:round/>
+                      <a:headEnd type="none" w="med" len="med"/>
+                      <a:tailEnd type="none" w="med" len="med"/>
+                    </a:lnT>
+                    <a:solidFill>
+                      <a:schemeClr val="accent2">
+                        <a:lumMod val="40000"/>
+                        <a:lumOff val="60000"/>
+                      </a:schemeClr>
+                    </a:solidFill>
+                  </a:tcPr>
+                </a:tc>
+                <a:tc>
+                  <a:txBody>
+                    <a:bodyPr/>
+                    <a:lstStyle/>
+                    <a:p>
+                      <a:r>
+                        <a:rPr lang="en-US" dirty="0"/>
+                        <a:t>33.4</a:t>
+                      </a:r>
+                    </a:p>
+                  </a:txBody>
+                  <a:tcPr>
+                    <a:lnT w="12700" cap="flat" cmpd="sng" algn="ctr">
+                      <a:solidFill>
+                        <a:schemeClr val="tx1"/>
+                      </a:solidFill>
+                      <a:prstDash val="solid"/>
+                      <a:round/>
+                      <a:headEnd type="none" w="med" len="med"/>
+                      <a:tailEnd type="none" w="med" len="med"/>
+                    </a:lnT>
+                    <a:solidFill>
+                      <a:schemeClr val="accent2">
+                        <a:lumMod val="40000"/>
+                        <a:lumOff val="60000"/>
+                      </a:schemeClr>
+                    </a:solidFill>
+                  </a:tcPr>
+                </a:tc>
+                <a:extLst>
+                  <a:ext uri="{0D108BD9-81ED-4DB2-BD59-A6C34878D82A}">
+                    <a16:rowId xmlns:a16="http://schemas.microsoft.com/office/drawing/2014/main" val="10004"/>
+                  </a:ext>
+                </a:extLst>
+              </a:tr>
+              <a:tr h="370840">
+                <a:tc>
+                  <a:txBody>
+                    <a:bodyPr/>
+                    <a:lstStyle/>
+                    <a:p>
+                      <a:r>
+                        <a:rPr lang="en-US" dirty="0"/>
+                        <a:t>Rapid</a:t>
+                      </a:r>
+                    </a:p>
+                  </a:txBody>
+                  <a:tcPr>
+                    <a:solidFill>
+                      <a:srgbClr val="BEF6E3"/>
+                    </a:solidFill>
+                  </a:tcPr>
+                </a:tc>
+                <a:tc>
+                  <a:txBody>
+                    <a:bodyPr/>
+                    <a:lstStyle/>
+                    <a:p>
+                      <a:pPr marL="0" marR="0" indent="0" algn="l" defTabSz="914400" rtl="0" eaLnBrk="1" fontAlgn="auto" latinLnBrk="0" hangingPunct="1">
+                        <a:lnSpc>
+                          <a:spcPct val="100000"/>
+                        </a:lnSpc>
+                        <a:spcBef>
+                          <a:spcPts val="0"/>
+                        </a:spcBef>
+                        <a:spcAft>
+                          <a:spcPts val="0"/>
+                        </a:spcAft>
+                        <a:buClrTx/>
+                        <a:buSzTx/>
+                        <a:buFontTx/>
+                        <a:buNone/>
+                        <a:tabLst/>
+                        <a:defRPr/>
+                      </a:pPr>
+                      <a:r>
+                        <a:rPr lang="en-US" sz="1800" dirty="0"/>
+                        <a:t>0.7 – 2.8 </a:t>
+                      </a:r>
+                      <a:endParaRPr lang="en-US" dirty="0"/>
+                    </a:p>
+                  </a:txBody>
+                  <a:tcPr>
+                    <a:solidFill>
+                      <a:srgbClr val="BEF6E3"/>
+                    </a:solidFill>
+                  </a:tcPr>
+                </a:tc>
+                <a:tc>
+                  <a:txBody>
+                    <a:bodyPr/>
+                    <a:lstStyle/>
+                    <a:p>
+                      <a:r>
+                        <a:rPr lang="en-US" dirty="0"/>
+                        <a:t>11 mm/s backwash</a:t>
+                      </a:r>
+                    </a:p>
+                  </a:txBody>
+                  <a:tcPr>
+                    <a:solidFill>
+                      <a:srgbClr val="BEF6E3"/>
+                    </a:solidFill>
+                  </a:tcPr>
+                </a:tc>
+                <a:tc>
+                  <a:txBody>
+                    <a:bodyPr/>
+                    <a:lstStyle/>
+                    <a:p>
+                      <a:r>
+                        <a:rPr lang="en-US" dirty="0"/>
+                        <a:t>5</a:t>
+                      </a:r>
+                      <a:r>
+                        <a:rPr lang="en-US" baseline="30000" dirty="0"/>
+                        <a:t>5</a:t>
+                      </a:r>
+                      <a:endParaRPr lang="en-US" dirty="0"/>
+                    </a:p>
+                  </a:txBody>
+                  <a:tcPr>
+                    <a:solidFill>
+                      <a:srgbClr val="BEF6E3"/>
+                    </a:solidFill>
+                  </a:tcPr>
+                </a:tc>
+                <a:tc>
+                  <a:txBody>
+                    <a:bodyPr/>
+                    <a:lstStyle/>
+                    <a:p>
+                      <a:r>
+                        <a:rPr lang="en-US" dirty="0"/>
+                        <a:t>1</a:t>
+                      </a:r>
+                    </a:p>
+                  </a:txBody>
+                  <a:tcPr>
+                    <a:solidFill>
+                      <a:srgbClr val="BEF6E3"/>
+                    </a:solidFill>
+                  </a:tcPr>
+                </a:tc>
+                <a:tc>
+                  <a:txBody>
+                    <a:bodyPr/>
+                    <a:lstStyle/>
+                    <a:p>
+                      <a:r>
+                        <a:rPr lang="en-US" dirty="0"/>
+                        <a:t>0.55</a:t>
+                      </a:r>
+                    </a:p>
+                  </a:txBody>
+                  <a:tcPr>
+                    <a:solidFill>
+                      <a:srgbClr val="BEF6E3"/>
+                    </a:solidFill>
+                  </a:tcPr>
+                </a:tc>
+                <a:extLst>
+                  <a:ext uri="{0D108BD9-81ED-4DB2-BD59-A6C34878D82A}">
+                    <a16:rowId xmlns:a16="http://schemas.microsoft.com/office/drawing/2014/main" val="10005"/>
+                  </a:ext>
+                </a:extLst>
+              </a:tr>
+              <a:tr h="370840">
+                <a:tc>
+                  <a:txBody>
+                    <a:bodyPr/>
+                    <a:lstStyle/>
+                    <a:p>
+                      <a:r>
+                        <a:rPr lang="en-US" dirty="0"/>
+                        <a:t>Entrance</a:t>
+                      </a:r>
+                    </a:p>
+                  </a:txBody>
+                  <a:tcPr>
+                    <a:solidFill>
+                      <a:schemeClr val="tx2">
+                        <a:lumMod val="10000"/>
+                        <a:lumOff val="90000"/>
+                      </a:schemeClr>
+                    </a:solidFill>
+                  </a:tcPr>
+                </a:tc>
+                <a:tc>
+                  <a:txBody>
+                    <a:bodyPr/>
+                    <a:lstStyle/>
+                    <a:p>
+                      <a:r>
+                        <a:rPr lang="en-US" dirty="0"/>
+                        <a:t>8</a:t>
+                      </a:r>
+                    </a:p>
+                  </a:txBody>
+                  <a:tcPr>
+                    <a:solidFill>
+                      <a:schemeClr val="tx2">
+                        <a:lumMod val="10000"/>
+                        <a:lumOff val="90000"/>
+                      </a:schemeClr>
+                    </a:solidFill>
+                  </a:tcPr>
+                </a:tc>
+                <a:tc>
+                  <a:txBody>
+                    <a:bodyPr/>
+                    <a:lstStyle/>
+                    <a:p>
+                      <a:pPr marL="0" marR="0" indent="0" algn="l" defTabSz="914400" rtl="0" eaLnBrk="1" fontAlgn="auto" latinLnBrk="0" hangingPunct="1">
+                        <a:lnSpc>
+                          <a:spcPct val="100000"/>
+                        </a:lnSpc>
+                        <a:spcBef>
+                          <a:spcPts val="0"/>
+                        </a:spcBef>
+                        <a:spcAft>
+                          <a:spcPts val="0"/>
+                        </a:spcAft>
+                        <a:buClrTx/>
+                        <a:buSzTx/>
+                        <a:buFontTx/>
+                        <a:buNone/>
+                        <a:tabLst/>
+                        <a:defRPr/>
+                      </a:pPr>
+                      <a:endParaRPr lang="en-US" dirty="0"/>
+                    </a:p>
+                  </a:txBody>
+                  <a:tcPr>
+                    <a:solidFill>
+                      <a:schemeClr val="tx2">
+                        <a:lumMod val="10000"/>
+                        <a:lumOff val="90000"/>
+                      </a:schemeClr>
+                    </a:solidFill>
+                  </a:tcPr>
+                </a:tc>
+                <a:tc>
+                  <a:txBody>
+                    <a:bodyPr/>
+                    <a:lstStyle/>
+                    <a:p>
+                      <a:endParaRPr lang="en-US" dirty="0"/>
+                    </a:p>
+                  </a:txBody>
+                  <a:tcPr>
+                    <a:solidFill>
+                      <a:schemeClr val="tx2">
+                        <a:lumMod val="10000"/>
+                        <a:lumOff val="90000"/>
+                      </a:schemeClr>
+                    </a:solidFill>
+                  </a:tcPr>
+                </a:tc>
+                <a:tc>
+                  <a:txBody>
+                    <a:bodyPr/>
+                    <a:lstStyle/>
+                    <a:p>
+                      <a:endParaRPr lang="en-US" dirty="0"/>
+                    </a:p>
+                  </a:txBody>
+                  <a:tcPr>
+                    <a:solidFill>
+                      <a:schemeClr val="tx2">
+                        <a:lumMod val="10000"/>
+                        <a:lumOff val="90000"/>
+                      </a:schemeClr>
+                    </a:solidFill>
+                  </a:tcPr>
+                </a:tc>
+                <a:tc>
+                  <a:txBody>
+                    <a:bodyPr/>
+                    <a:lstStyle/>
+                    <a:p>
+                      <a:r>
+                        <a:rPr lang="en-US" dirty="0"/>
+                        <a:t>0.125</a:t>
+                      </a:r>
+                    </a:p>
+                  </a:txBody>
+                  <a:tcPr>
+                    <a:solidFill>
+                      <a:schemeClr val="tx2">
+                        <a:lumMod val="10000"/>
+                        <a:lumOff val="90000"/>
+                      </a:schemeClr>
+                    </a:solidFill>
+                  </a:tcPr>
+                </a:tc>
+                <a:extLst>
+                  <a:ext uri="{0D108BD9-81ED-4DB2-BD59-A6C34878D82A}">
+                    <a16:rowId xmlns:a16="http://schemas.microsoft.com/office/drawing/2014/main" val="10006"/>
+                  </a:ext>
+                </a:extLst>
+              </a:tr>
+              <a:tr h="370840">
+                <a:tc>
+                  <a:txBody>
+                    <a:bodyPr/>
+                    <a:lstStyle/>
+                    <a:p>
+                      <a:r>
+                        <a:rPr lang="en-US" dirty="0"/>
+                        <a:t>Flocculation</a:t>
+                      </a:r>
+                    </a:p>
+                  </a:txBody>
+                  <a:tcPr>
+                    <a:solidFill>
+                      <a:schemeClr val="tx2">
+                        <a:lumMod val="10000"/>
+                        <a:lumOff val="90000"/>
+                      </a:schemeClr>
+                    </a:solidFill>
+                  </a:tcPr>
+                </a:tc>
+                <a:tc>
+                  <a:txBody>
+                    <a:bodyPr/>
+                    <a:lstStyle/>
+                    <a:p>
+                      <a:r>
+                        <a:rPr lang="en-US" dirty="0"/>
+                        <a:t>4</a:t>
+                      </a:r>
+                    </a:p>
+                  </a:txBody>
+                  <a:tcPr>
+                    <a:solidFill>
+                      <a:schemeClr val="tx2">
+                        <a:lumMod val="10000"/>
+                        <a:lumOff val="90000"/>
+                      </a:schemeClr>
+                    </a:solidFill>
+                  </a:tcPr>
+                </a:tc>
+                <a:tc>
+                  <a:txBody>
+                    <a:bodyPr/>
+                    <a:lstStyle/>
+                    <a:p>
+                      <a:pPr marL="0" marR="0" indent="0" algn="l" defTabSz="914400" rtl="0" eaLnBrk="1" fontAlgn="auto" latinLnBrk="0" hangingPunct="1">
+                        <a:lnSpc>
+                          <a:spcPct val="100000"/>
+                        </a:lnSpc>
+                        <a:spcBef>
+                          <a:spcPts val="0"/>
+                        </a:spcBef>
+                        <a:spcAft>
+                          <a:spcPts val="0"/>
+                        </a:spcAft>
+                        <a:buClrTx/>
+                        <a:buSzTx/>
+                        <a:buFontTx/>
+                        <a:buNone/>
+                        <a:tabLst/>
+                        <a:defRPr/>
+                      </a:pPr>
+                      <a:endParaRPr lang="en-US" dirty="0"/>
+                    </a:p>
+                  </a:txBody>
+                  <a:tcPr>
+                    <a:solidFill>
+                      <a:schemeClr val="tx2">
+                        <a:lumMod val="10000"/>
+                        <a:lumOff val="90000"/>
+                      </a:schemeClr>
+                    </a:solidFill>
+                  </a:tcPr>
+                </a:tc>
+                <a:tc>
+                  <a:txBody>
+                    <a:bodyPr/>
+                    <a:lstStyle/>
+                    <a:p>
+                      <a:endParaRPr lang="en-US" dirty="0"/>
+                    </a:p>
+                  </a:txBody>
+                  <a:tcPr>
+                    <a:solidFill>
+                      <a:schemeClr val="tx2">
+                        <a:lumMod val="10000"/>
+                        <a:lumOff val="90000"/>
+                      </a:schemeClr>
+                    </a:solidFill>
+                  </a:tcPr>
+                </a:tc>
+                <a:tc>
+                  <a:txBody>
+                    <a:bodyPr/>
+                    <a:lstStyle/>
+                    <a:p>
+                      <a:endParaRPr lang="en-US" dirty="0"/>
+                    </a:p>
+                  </a:txBody>
+                  <a:tcPr>
+                    <a:solidFill>
+                      <a:schemeClr val="tx2">
+                        <a:lumMod val="10000"/>
+                        <a:lumOff val="90000"/>
+                      </a:schemeClr>
+                    </a:solidFill>
+                  </a:tcPr>
+                </a:tc>
+                <a:tc>
+                  <a:txBody>
+                    <a:bodyPr/>
+                    <a:lstStyle/>
+                    <a:p>
+                      <a:r>
+                        <a:rPr lang="en-US" dirty="0"/>
+                        <a:t>0.25</a:t>
+                      </a:r>
+                    </a:p>
+                  </a:txBody>
+                  <a:tcPr>
+                    <a:solidFill>
+                      <a:schemeClr val="tx2">
+                        <a:lumMod val="10000"/>
+                        <a:lumOff val="90000"/>
+                      </a:schemeClr>
+                    </a:solidFill>
+                  </a:tcPr>
+                </a:tc>
+                <a:extLst>
+                  <a:ext uri="{0D108BD9-81ED-4DB2-BD59-A6C34878D82A}">
+                    <a16:rowId xmlns:a16="http://schemas.microsoft.com/office/drawing/2014/main" val="10007"/>
+                  </a:ext>
+                </a:extLst>
+              </a:tr>
+              <a:tr h="370840">
+                <a:tc>
+                  <a:txBody>
+                    <a:bodyPr/>
+                    <a:lstStyle/>
+                    <a:p>
+                      <a:r>
+                        <a:rPr lang="en-US" dirty="0"/>
+                        <a:t>Sedimentation</a:t>
+                      </a:r>
+                    </a:p>
+                  </a:txBody>
+                  <a:tcPr>
+                    <a:solidFill>
+                      <a:schemeClr val="tx2">
+                        <a:lumMod val="10000"/>
+                        <a:lumOff val="90000"/>
+                      </a:schemeClr>
+                    </a:solidFill>
+                  </a:tcPr>
+                </a:tc>
+                <a:tc>
+                  <a:txBody>
+                    <a:bodyPr/>
+                    <a:lstStyle/>
+                    <a:p>
+                      <a:r>
+                        <a:rPr lang="en-US" dirty="0"/>
+                        <a:t>1</a:t>
+                      </a:r>
+                    </a:p>
+                  </a:txBody>
+                  <a:tcPr>
+                    <a:solidFill>
+                      <a:schemeClr val="tx2">
+                        <a:lumMod val="10000"/>
+                        <a:lumOff val="90000"/>
+                      </a:schemeClr>
+                    </a:solidFill>
+                  </a:tcPr>
+                </a:tc>
+                <a:tc>
+                  <a:txBody>
+                    <a:bodyPr/>
+                    <a:lstStyle/>
+                    <a:p>
+                      <a:pPr marL="0" marR="0" indent="0" algn="l" defTabSz="914400" rtl="0" eaLnBrk="1" fontAlgn="auto" latinLnBrk="0" hangingPunct="1">
+                        <a:lnSpc>
+                          <a:spcPct val="100000"/>
+                        </a:lnSpc>
+                        <a:spcBef>
+                          <a:spcPts val="0"/>
+                        </a:spcBef>
+                        <a:spcAft>
+                          <a:spcPts val="0"/>
+                        </a:spcAft>
+                        <a:buClrTx/>
+                        <a:buSzTx/>
+                        <a:buFontTx/>
+                        <a:buNone/>
+                        <a:tabLst/>
+                        <a:defRPr/>
+                      </a:pPr>
+                      <a:endParaRPr lang="en-US" dirty="0"/>
+                    </a:p>
+                  </a:txBody>
+                  <a:tcPr>
+                    <a:solidFill>
+                      <a:schemeClr val="tx2">
+                        <a:lumMod val="10000"/>
+                        <a:lumOff val="90000"/>
+                      </a:schemeClr>
+                    </a:solidFill>
+                  </a:tcPr>
+                </a:tc>
+                <a:tc>
+                  <a:txBody>
+                    <a:bodyPr/>
+                    <a:lstStyle/>
+                    <a:p>
+                      <a:endParaRPr lang="en-US" dirty="0"/>
+                    </a:p>
+                  </a:txBody>
+                  <a:tcPr>
+                    <a:solidFill>
+                      <a:schemeClr val="tx2">
+                        <a:lumMod val="10000"/>
+                        <a:lumOff val="90000"/>
+                      </a:schemeClr>
+                    </a:solidFill>
+                  </a:tcPr>
+                </a:tc>
+                <a:tc>
+                  <a:txBody>
+                    <a:bodyPr/>
+                    <a:lstStyle/>
+                    <a:p>
+                      <a:r>
+                        <a:rPr lang="en-US" dirty="0"/>
+                        <a:t>2.5</a:t>
+                      </a:r>
+                    </a:p>
+                  </a:txBody>
+                  <a:tcPr>
+                    <a:solidFill>
+                      <a:schemeClr val="tx2">
+                        <a:lumMod val="10000"/>
+                        <a:lumOff val="90000"/>
+                      </a:schemeClr>
+                    </a:solidFill>
+                  </a:tcPr>
+                </a:tc>
+                <a:tc>
+                  <a:txBody>
+                    <a:bodyPr/>
+                    <a:lstStyle/>
+                    <a:p>
+                      <a:r>
+                        <a:rPr lang="en-US" dirty="0"/>
+                        <a:t>1</a:t>
+                      </a:r>
+                    </a:p>
+                  </a:txBody>
+                  <a:tcPr>
+                    <a:solidFill>
+                      <a:schemeClr val="tx2">
+                        <a:lumMod val="10000"/>
+                        <a:lumOff val="90000"/>
+                      </a:schemeClr>
+                    </a:solidFill>
+                  </a:tcPr>
+                </a:tc>
+                <a:extLst>
+                  <a:ext uri="{0D108BD9-81ED-4DB2-BD59-A6C34878D82A}">
+                    <a16:rowId xmlns:a16="http://schemas.microsoft.com/office/drawing/2014/main" val="10008"/>
+                  </a:ext>
+                </a:extLst>
+              </a:tr>
+              <a:tr h="370840">
+                <a:tc>
+                  <a:txBody>
+                    <a:bodyPr/>
+                    <a:lstStyle/>
+                    <a:p>
+                      <a:r>
+                        <a:rPr lang="en-US" dirty="0"/>
+                        <a:t>Floc Hopper</a:t>
+                      </a:r>
+                    </a:p>
+                  </a:txBody>
+                  <a:tcPr>
+                    <a:solidFill>
+                      <a:schemeClr val="tx2">
+                        <a:lumMod val="10000"/>
+                        <a:lumOff val="90000"/>
+                      </a:schemeClr>
+                    </a:solidFill>
+                  </a:tcPr>
+                </a:tc>
+                <a:tc>
+                  <a:txBody>
+                    <a:bodyPr/>
+                    <a:lstStyle/>
+                    <a:p>
+                      <a:r>
+                        <a:rPr lang="en-US" dirty="0"/>
+                        <a:t>5</a:t>
+                      </a:r>
+                    </a:p>
+                  </a:txBody>
+                  <a:tcPr>
+                    <a:solidFill>
+                      <a:schemeClr val="tx2">
+                        <a:lumMod val="10000"/>
+                        <a:lumOff val="90000"/>
+                      </a:schemeClr>
+                    </a:solidFill>
+                  </a:tcPr>
+                </a:tc>
+                <a:tc>
+                  <a:txBody>
+                    <a:bodyPr/>
+                    <a:lstStyle/>
+                    <a:p>
+                      <a:pPr marL="0" marR="0" indent="0" algn="l" defTabSz="914400" rtl="0" eaLnBrk="1" fontAlgn="auto" latinLnBrk="0" hangingPunct="1">
+                        <a:lnSpc>
+                          <a:spcPct val="100000"/>
+                        </a:lnSpc>
+                        <a:spcBef>
+                          <a:spcPts val="0"/>
+                        </a:spcBef>
+                        <a:spcAft>
+                          <a:spcPts val="0"/>
+                        </a:spcAft>
+                        <a:buClrTx/>
+                        <a:buSzTx/>
+                        <a:buFontTx/>
+                        <a:buNone/>
+                        <a:tabLst/>
+                        <a:defRPr/>
+                      </a:pPr>
+                      <a:endParaRPr lang="en-US" dirty="0"/>
+                    </a:p>
+                  </a:txBody>
+                  <a:tcPr>
+                    <a:solidFill>
+                      <a:schemeClr val="tx2">
+                        <a:lumMod val="10000"/>
+                        <a:lumOff val="90000"/>
+                      </a:schemeClr>
+                    </a:solidFill>
+                  </a:tcPr>
+                </a:tc>
+                <a:tc>
+                  <a:txBody>
+                    <a:bodyPr/>
+                    <a:lstStyle/>
+                    <a:p>
+                      <a:endParaRPr lang="en-US" dirty="0"/>
+                    </a:p>
+                  </a:txBody>
+                  <a:tcPr>
+                    <a:solidFill>
+                      <a:schemeClr val="tx2">
+                        <a:lumMod val="10000"/>
+                        <a:lumOff val="90000"/>
+                      </a:schemeClr>
+                    </a:solidFill>
+                  </a:tcPr>
+                </a:tc>
+                <a:tc>
+                  <a:txBody>
+                    <a:bodyPr/>
+                    <a:lstStyle/>
+                    <a:p>
+                      <a:endParaRPr lang="en-US" dirty="0"/>
+                    </a:p>
+                  </a:txBody>
+                  <a:tcPr>
+                    <a:solidFill>
+                      <a:schemeClr val="tx2">
+                        <a:lumMod val="10000"/>
+                        <a:lumOff val="90000"/>
+                      </a:schemeClr>
+                    </a:solidFill>
+                  </a:tcPr>
+                </a:tc>
+                <a:tc>
+                  <a:txBody>
+                    <a:bodyPr/>
+                    <a:lstStyle/>
+                    <a:p>
+                      <a:r>
+                        <a:rPr lang="en-US" dirty="0"/>
+                        <a:t>0.2</a:t>
+                      </a:r>
+                    </a:p>
+                  </a:txBody>
+                  <a:tcPr>
+                    <a:solidFill>
+                      <a:schemeClr val="tx2">
+                        <a:lumMod val="10000"/>
+                        <a:lumOff val="90000"/>
+                      </a:schemeClr>
+                    </a:solidFill>
+                  </a:tcPr>
+                </a:tc>
+                <a:extLst>
+                  <a:ext uri="{0D108BD9-81ED-4DB2-BD59-A6C34878D82A}">
+                    <a16:rowId xmlns:a16="http://schemas.microsoft.com/office/drawing/2014/main" val="10009"/>
+                  </a:ext>
+                </a:extLst>
+              </a:tr>
+              <a:tr h="370840">
+                <a:tc>
+                  <a:txBody>
+                    <a:bodyPr/>
+                    <a:lstStyle/>
+                    <a:p>
+                      <a:r>
+                        <a:rPr lang="en-US" dirty="0"/>
+                        <a:t>Stacked</a:t>
+                      </a:r>
+                      <a:r>
+                        <a:rPr lang="en-US" baseline="0" dirty="0"/>
+                        <a:t> Rapid</a:t>
+                      </a:r>
+                      <a:endParaRPr lang="en-US" dirty="0"/>
+                    </a:p>
+                  </a:txBody>
+                  <a:tcPr>
+                    <a:lnB w="12700" cap="flat" cmpd="sng" algn="ctr">
+                      <a:solidFill>
+                        <a:schemeClr val="tx1"/>
+                      </a:solidFill>
+                      <a:prstDash val="solid"/>
+                      <a:round/>
+                      <a:headEnd type="none" w="med" len="med"/>
+                      <a:tailEnd type="none" w="med" len="med"/>
+                    </a:lnB>
+                    <a:solidFill>
+                      <a:schemeClr val="tx2">
+                        <a:lumMod val="10000"/>
+                        <a:lumOff val="90000"/>
+                      </a:schemeClr>
+                    </a:solidFill>
+                  </a:tcPr>
+                </a:tc>
+                <a:tc>
+                  <a:txBody>
+                    <a:bodyPr/>
+                    <a:lstStyle/>
+                    <a:p>
+                      <a:r>
+                        <a:rPr lang="en-US" dirty="0"/>
+                        <a:t>1.8 x 6</a:t>
+                      </a:r>
+                    </a:p>
+                  </a:txBody>
+                  <a:tcPr>
+                    <a:lnB w="12700" cap="flat" cmpd="sng" algn="ctr">
+                      <a:solidFill>
+                        <a:schemeClr val="tx1"/>
+                      </a:solidFill>
+                      <a:prstDash val="solid"/>
+                      <a:round/>
+                      <a:headEnd type="none" w="med" len="med"/>
+                      <a:tailEnd type="none" w="med" len="med"/>
+                    </a:lnB>
+                    <a:solidFill>
+                      <a:schemeClr val="tx2">
+                        <a:lumMod val="10000"/>
+                        <a:lumOff val="90000"/>
+                      </a:schemeClr>
+                    </a:solidFill>
+                  </a:tcPr>
+                </a:tc>
+                <a:tc>
+                  <a:txBody>
+                    <a:bodyPr/>
+                    <a:lstStyle/>
+                    <a:p>
+                      <a:pPr marL="0" marR="0" indent="0" algn="l" defTabSz="914400" rtl="0" eaLnBrk="1" fontAlgn="auto" latinLnBrk="0" hangingPunct="1">
+                        <a:lnSpc>
+                          <a:spcPct val="100000"/>
+                        </a:lnSpc>
+                        <a:spcBef>
+                          <a:spcPts val="0"/>
+                        </a:spcBef>
+                        <a:spcAft>
+                          <a:spcPts val="0"/>
+                        </a:spcAft>
+                        <a:buClrTx/>
+                        <a:buSzTx/>
+                        <a:buFontTx/>
+                        <a:buNone/>
+                        <a:tabLst/>
+                        <a:defRPr/>
+                      </a:pPr>
+                      <a:r>
+                        <a:rPr lang="en-US" dirty="0"/>
+                        <a:t>11 mm/s backwash</a:t>
+                      </a:r>
+                    </a:p>
+                  </a:txBody>
+                  <a:tcPr>
+                    <a:lnB w="12700" cap="flat" cmpd="sng" algn="ctr">
+                      <a:solidFill>
+                        <a:schemeClr val="tx1"/>
+                      </a:solidFill>
+                      <a:prstDash val="solid"/>
+                      <a:round/>
+                      <a:headEnd type="none" w="med" len="med"/>
+                      <a:tailEnd type="none" w="med" len="med"/>
+                    </a:lnB>
+                    <a:solidFill>
+                      <a:schemeClr val="tx2">
+                        <a:lumMod val="10000"/>
+                        <a:lumOff val="90000"/>
+                      </a:schemeClr>
+                    </a:solidFill>
+                  </a:tcPr>
+                </a:tc>
+                <a:tc>
+                  <a:txBody>
+                    <a:bodyPr/>
+                    <a:lstStyle/>
+                    <a:p>
+                      <a:r>
+                        <a:rPr lang="en-US" dirty="0"/>
+                        <a:t>3</a:t>
+                      </a:r>
+                      <a:r>
+                        <a:rPr lang="en-US" baseline="30000" dirty="0"/>
+                        <a:t>6</a:t>
+                      </a:r>
+                      <a:endParaRPr lang="en-US" dirty="0"/>
+                    </a:p>
+                  </a:txBody>
+                  <a:tcPr>
+                    <a:lnB w="12700" cap="flat" cmpd="sng" algn="ctr">
+                      <a:solidFill>
+                        <a:schemeClr val="tx1"/>
+                      </a:solidFill>
+                      <a:prstDash val="solid"/>
+                      <a:round/>
+                      <a:headEnd type="none" w="med" len="med"/>
+                      <a:tailEnd type="none" w="med" len="med"/>
+                    </a:lnB>
+                    <a:solidFill>
+                      <a:schemeClr val="tx2">
+                        <a:lumMod val="10000"/>
+                        <a:lumOff val="90000"/>
+                      </a:schemeClr>
+                    </a:solidFill>
+                  </a:tcPr>
+                </a:tc>
+                <a:tc>
+                  <a:txBody>
+                    <a:bodyPr/>
+                    <a:lstStyle/>
+                    <a:p>
+                      <a:r>
+                        <a:rPr lang="en-US" dirty="0"/>
+                        <a:t>1</a:t>
+                      </a:r>
+                      <a:r>
+                        <a:rPr lang="en-US" baseline="30000" dirty="0"/>
+                        <a:t>6</a:t>
+                      </a:r>
+                      <a:endParaRPr lang="en-US" dirty="0"/>
+                    </a:p>
+                  </a:txBody>
+                  <a:tcPr>
+                    <a:lnB w="12700" cap="flat" cmpd="sng" algn="ctr">
+                      <a:solidFill>
+                        <a:schemeClr val="tx1"/>
+                      </a:solidFill>
+                      <a:prstDash val="solid"/>
+                      <a:round/>
+                      <a:headEnd type="none" w="med" len="med"/>
+                      <a:tailEnd type="none" w="med" len="med"/>
+                    </a:lnB>
+                    <a:solidFill>
+                      <a:schemeClr val="tx2">
+                        <a:lumMod val="10000"/>
+                        <a:lumOff val="90000"/>
+                      </a:schemeClr>
+                    </a:solidFill>
+                  </a:tcPr>
+                </a:tc>
+                <a:tc>
+                  <a:txBody>
+                    <a:bodyPr/>
+                    <a:lstStyle/>
+                    <a:p>
+                      <a:r>
+                        <a:rPr lang="en-US" dirty="0"/>
+                        <a:t>0.093</a:t>
+                      </a:r>
+                    </a:p>
+                  </a:txBody>
+                  <a:tcPr>
+                    <a:lnB w="12700" cap="flat" cmpd="sng" algn="ctr">
+                      <a:solidFill>
+                        <a:schemeClr val="tx1"/>
+                      </a:solidFill>
+                      <a:prstDash val="solid"/>
+                      <a:round/>
+                      <a:headEnd type="none" w="med" len="med"/>
+                      <a:tailEnd type="none" w="med" len="med"/>
+                    </a:lnB>
+                    <a:solidFill>
+                      <a:schemeClr val="tx2">
+                        <a:lumMod val="10000"/>
+                        <a:lumOff val="90000"/>
+                      </a:schemeClr>
+                    </a:solidFill>
+                  </a:tcPr>
+                </a:tc>
+                <a:extLst>
+                  <a:ext uri="{0D108BD9-81ED-4DB2-BD59-A6C34878D82A}">
+                    <a16:rowId xmlns:a16="http://schemas.microsoft.com/office/drawing/2014/main" val="10010"/>
+                  </a:ext>
+                </a:extLst>
+              </a:tr>
+              <a:tr h="370840">
+                <a:tc>
+                  <a:txBody>
+                    <a:bodyPr/>
+                    <a:lstStyle/>
+                    <a:p>
+                      <a:r>
+                        <a:rPr lang="en-US" b="1" dirty="0"/>
+                        <a:t>AguaClara</a:t>
+                      </a:r>
+                    </a:p>
+                  </a:txBody>
+                  <a:tcPr>
+                    <a:lnT w="12700" cap="flat" cmpd="sng" algn="ctr">
+                      <a:solidFill>
+                        <a:schemeClr val="tx1"/>
+                      </a:solidFill>
+                      <a:prstDash val="solid"/>
+                      <a:round/>
+                      <a:headEnd type="none" w="med" len="med"/>
+                      <a:tailEnd type="none" w="med" len="med"/>
+                    </a:lnT>
+                    <a:solidFill>
+                      <a:schemeClr val="tx2">
+                        <a:lumMod val="25000"/>
+                        <a:lumOff val="75000"/>
+                      </a:schemeClr>
+                    </a:solidFill>
+                  </a:tcPr>
+                </a:tc>
+                <a:tc>
+                  <a:txBody>
+                    <a:bodyPr/>
+                    <a:lstStyle/>
+                    <a:p>
+                      <a:r>
+                        <a:rPr lang="en-US" dirty="0"/>
+                        <a:t>0.6</a:t>
+                      </a:r>
+                      <a:r>
+                        <a:rPr lang="en-US" baseline="30000" dirty="0"/>
+                        <a:t>3</a:t>
+                      </a:r>
+                      <a:endParaRPr lang="en-US" dirty="0"/>
+                    </a:p>
+                  </a:txBody>
+                  <a:tcPr>
+                    <a:lnT w="12700" cap="flat" cmpd="sng" algn="ctr">
+                      <a:solidFill>
+                        <a:schemeClr val="tx1"/>
+                      </a:solidFill>
+                      <a:prstDash val="solid"/>
+                      <a:round/>
+                      <a:headEnd type="none" w="med" len="med"/>
+                      <a:tailEnd type="none" w="med" len="med"/>
+                    </a:lnT>
+                    <a:solidFill>
+                      <a:schemeClr val="tx2">
+                        <a:lumMod val="25000"/>
+                        <a:lumOff val="75000"/>
+                      </a:schemeClr>
+                    </a:solidFill>
+                  </a:tcPr>
+                </a:tc>
+                <a:tc>
+                  <a:txBody>
+                    <a:bodyPr/>
+                    <a:lstStyle/>
+                    <a:p>
+                      <a:pPr marL="0" marR="0" indent="0" algn="l" defTabSz="914400" rtl="0" eaLnBrk="1" fontAlgn="auto" latinLnBrk="0" hangingPunct="1">
+                        <a:lnSpc>
+                          <a:spcPct val="100000"/>
+                        </a:lnSpc>
+                        <a:spcBef>
+                          <a:spcPts val="0"/>
+                        </a:spcBef>
+                        <a:spcAft>
+                          <a:spcPts val="0"/>
+                        </a:spcAft>
+                        <a:buClrTx/>
+                        <a:buSzTx/>
+                        <a:buFontTx/>
+                        <a:buNone/>
+                        <a:tabLst/>
+                        <a:defRPr/>
+                      </a:pPr>
+                      <a:endParaRPr lang="en-US" dirty="0"/>
+                    </a:p>
+                  </a:txBody>
+                  <a:tcPr>
+                    <a:lnT w="12700" cap="flat" cmpd="sng" algn="ctr">
+                      <a:solidFill>
+                        <a:schemeClr val="tx1"/>
+                      </a:solidFill>
+                      <a:prstDash val="solid"/>
+                      <a:round/>
+                      <a:headEnd type="none" w="med" len="med"/>
+                      <a:tailEnd type="none" w="med" len="med"/>
+                    </a:lnT>
+                    <a:solidFill>
+                      <a:schemeClr val="tx2">
+                        <a:lumMod val="25000"/>
+                        <a:lumOff val="75000"/>
+                      </a:schemeClr>
+                    </a:solidFill>
+                  </a:tcPr>
+                </a:tc>
+                <a:tc>
+                  <a:txBody>
+                    <a:bodyPr/>
+                    <a:lstStyle/>
+                    <a:p>
+                      <a:r>
+                        <a:rPr lang="en-US" dirty="0"/>
+                        <a:t>1000</a:t>
+                      </a:r>
+                      <a:r>
+                        <a:rPr lang="en-US" baseline="30000" dirty="0"/>
+                        <a:t>5</a:t>
+                      </a:r>
+                      <a:endParaRPr lang="en-US" dirty="0"/>
+                    </a:p>
+                  </a:txBody>
+                  <a:tcPr>
+                    <a:lnT w="12700" cap="flat" cmpd="sng" algn="ctr">
+                      <a:solidFill>
+                        <a:schemeClr val="tx1"/>
+                      </a:solidFill>
+                      <a:prstDash val="solid"/>
+                      <a:round/>
+                      <a:headEnd type="none" w="med" len="med"/>
+                      <a:tailEnd type="none" w="med" len="med"/>
+                    </a:lnT>
+                    <a:solidFill>
+                      <a:schemeClr val="tx2">
+                        <a:lumMod val="25000"/>
+                        <a:lumOff val="75000"/>
+                      </a:schemeClr>
+                    </a:solidFill>
+                  </a:tcPr>
+                </a:tc>
+                <a:tc>
+                  <a:txBody>
+                    <a:bodyPr/>
+                    <a:lstStyle/>
+                    <a:p>
+                      <a:r>
+                        <a:rPr lang="en-US" dirty="0"/>
+                        <a:t>3.5</a:t>
+                      </a:r>
+                    </a:p>
+                  </a:txBody>
+                  <a:tcPr>
+                    <a:lnT w="12700" cap="flat" cmpd="sng" algn="ctr">
+                      <a:solidFill>
+                        <a:schemeClr val="tx1"/>
+                      </a:solidFill>
+                      <a:prstDash val="solid"/>
+                      <a:round/>
+                      <a:headEnd type="none" w="med" len="med"/>
+                      <a:tailEnd type="none" w="med" len="med"/>
+                    </a:lnT>
+                    <a:solidFill>
+                      <a:schemeClr val="tx2">
+                        <a:lumMod val="25000"/>
+                        <a:lumOff val="75000"/>
+                      </a:schemeClr>
+                    </a:solidFill>
+                  </a:tcPr>
+                </a:tc>
+                <a:tc>
+                  <a:txBody>
+                    <a:bodyPr/>
+                    <a:lstStyle/>
+                    <a:p>
+                      <a:r>
+                        <a:rPr lang="en-US" dirty="0"/>
+                        <a:t>1.67</a:t>
+                      </a:r>
+                    </a:p>
+                  </a:txBody>
+                  <a:tcPr>
+                    <a:lnT w="12700" cap="flat" cmpd="sng" algn="ctr">
+                      <a:solidFill>
+                        <a:schemeClr val="tx1"/>
+                      </a:solidFill>
+                      <a:prstDash val="solid"/>
+                      <a:round/>
+                      <a:headEnd type="none" w="med" len="med"/>
+                      <a:tailEnd type="none" w="med" len="med"/>
+                    </a:lnT>
+                    <a:solidFill>
+                      <a:schemeClr val="tx2">
+                        <a:lumMod val="25000"/>
+                        <a:lumOff val="75000"/>
+                      </a:schemeClr>
+                    </a:solidFill>
+                  </a:tcPr>
+                </a:tc>
+                <a:extLst>
+                  <a:ext uri="{0D108BD9-81ED-4DB2-BD59-A6C34878D82A}">
+                    <a16:rowId xmlns:a16="http://schemas.microsoft.com/office/drawing/2014/main" val="10011"/>
+                  </a:ext>
+                </a:extLst>
+              </a:tr>
+            </a:tbl>
+          </a:graphicData>
+        </a:graphic>
+      </p:graphicFrame>
     </p:spTree>
     <p:extLst>
       <p:ext uri="{BB962C8B-B14F-4D97-AF65-F5344CB8AC3E}">
@@ -28382,6 +30570,158 @@
   <p:clrMapOvr>
     <a:masterClrMapping/>
   </p:clrMapOvr>
+  <p:timing>
+    <p:tnLst>
+      <p:par>
+        <p:cTn id="1" dur="indefinite" restart="never" nodeType="tmRoot">
+          <p:childTnLst>
+            <p:seq concurrent="1" nextAc="seek">
+              <p:cTn id="2" dur="indefinite" nodeType="mainSeq">
+                <p:childTnLst>
+                  <p:par>
+                    <p:cTn id="3" fill="hold">
+                      <p:stCondLst>
+                        <p:cond delay="indefinite"/>
+                      </p:stCondLst>
+                      <p:childTnLst>
+                        <p:par>
+                          <p:cTn id="4" fill="hold">
+                            <p:stCondLst>
+                              <p:cond delay="0"/>
+                            </p:stCondLst>
+                            <p:childTnLst>
+                              <p:par>
+                                <p:cTn id="5" presetID="1" presetClass="entr" presetSubtype="0" fill="hold" grpId="0" nodeType="clickEffect">
+                                  <p:stCondLst>
+                                    <p:cond delay="0"/>
+                                  </p:stCondLst>
+                                  <p:childTnLst>
+                                    <p:set>
+                                      <p:cBhvr>
+                                        <p:cTn id="6" dur="1" fill="hold">
+                                          <p:stCondLst>
+                                            <p:cond delay="0"/>
+                                          </p:stCondLst>
+                                        </p:cTn>
+                                        <p:tgtEl>
+                                          <p:spTgt spid="7"/>
+                                        </p:tgtEl>
+                                        <p:attrNameLst>
+                                          <p:attrName>style.visibility</p:attrName>
+                                        </p:attrNameLst>
+                                      </p:cBhvr>
+                                      <p:to>
+                                        <p:strVal val="visible"/>
+                                      </p:to>
+                                    </p:set>
+                                  </p:childTnLst>
+                                </p:cTn>
+                              </p:par>
+                            </p:childTnLst>
+                          </p:cTn>
+                        </p:par>
+                      </p:childTnLst>
+                    </p:cTn>
+                  </p:par>
+                  <p:par>
+                    <p:cTn id="7" fill="hold">
+                      <p:stCondLst>
+                        <p:cond delay="indefinite"/>
+                      </p:stCondLst>
+                      <p:childTnLst>
+                        <p:par>
+                          <p:cTn id="8" fill="hold">
+                            <p:stCondLst>
+                              <p:cond delay="0"/>
+                            </p:stCondLst>
+                            <p:childTnLst>
+                              <p:par>
+                                <p:cTn id="9" presetID="1" presetClass="entr" presetSubtype="0" fill="hold" grpId="0" nodeType="clickEffect">
+                                  <p:stCondLst>
+                                    <p:cond delay="0"/>
+                                  </p:stCondLst>
+                                  <p:childTnLst>
+                                    <p:set>
+                                      <p:cBhvr>
+                                        <p:cTn id="10" dur="1" fill="hold">
+                                          <p:stCondLst>
+                                            <p:cond delay="0"/>
+                                          </p:stCondLst>
+                                        </p:cTn>
+                                        <p:tgtEl>
+                                          <p:spTgt spid="6"/>
+                                        </p:tgtEl>
+                                        <p:attrNameLst>
+                                          <p:attrName>style.visibility</p:attrName>
+                                        </p:attrNameLst>
+                                      </p:cBhvr>
+                                      <p:to>
+                                        <p:strVal val="visible"/>
+                                      </p:to>
+                                    </p:set>
+                                  </p:childTnLst>
+                                </p:cTn>
+                              </p:par>
+                              <p:par>
+                                <p:cTn id="11" presetID="1" presetClass="entr" presetSubtype="0" fill="hold" grpId="0" nodeType="withEffect">
+                                  <p:stCondLst>
+                                    <p:cond delay="0"/>
+                                  </p:stCondLst>
+                                  <p:childTnLst>
+                                    <p:set>
+                                      <p:cBhvr>
+                                        <p:cTn id="12" dur="1" fill="hold">
+                                          <p:stCondLst>
+                                            <p:cond delay="0"/>
+                                          </p:stCondLst>
+                                        </p:cTn>
+                                        <p:tgtEl>
+                                          <p:spTgt spid="5"/>
+                                        </p:tgtEl>
+                                        <p:attrNameLst>
+                                          <p:attrName>style.visibility</p:attrName>
+                                        </p:attrNameLst>
+                                      </p:cBhvr>
+                                      <p:to>
+                                        <p:strVal val="visible"/>
+                                      </p:to>
+                                    </p:set>
+                                  </p:childTnLst>
+                                </p:cTn>
+                              </p:par>
+                            </p:childTnLst>
+                          </p:cTn>
+                        </p:par>
+                      </p:childTnLst>
+                    </p:cTn>
+                  </p:par>
+                </p:childTnLst>
+              </p:cTn>
+              <p:prevCondLst>
+                <p:cond evt="onPrev" delay="0">
+                  <p:tgtEl>
+                    <p:sldTgt/>
+                  </p:tgtEl>
+                </p:cond>
+              </p:prevCondLst>
+              <p:nextCondLst>
+                <p:cond evt="onNext" delay="0">
+                  <p:tgtEl>
+                    <p:sldTgt/>
+                  </p:tgtEl>
+                </p:cond>
+              </p:nextCondLst>
+            </p:seq>
+          </p:childTnLst>
+        </p:cTn>
+      </p:par>
+    </p:tnLst>
+    <p:bldLst>
+      <p:bldP spid="5" grpId="0" animBg="1"/>
+      <p:bldP spid="6" grpId="0" animBg="1"/>
+      <p:bldP spid="7" grpId="0" animBg="1"/>
+    </p:bldLst>
+  </p:timing>
 </p:sld>
 </file>
 

--- a/ClareDiagrams.pptx
+++ b/ClareDiagrams.pptx
@@ -11,6 +11,16 @@
     <p:sldId id="259" r:id="rId5"/>
     <p:sldId id="260" r:id="rId6"/>
     <p:sldId id="261" r:id="rId7"/>
+    <p:sldId id="262" r:id="rId8"/>
+    <p:sldId id="263" r:id="rId9"/>
+    <p:sldId id="264" r:id="rId10"/>
+    <p:sldId id="265" r:id="rId11"/>
+    <p:sldId id="266" r:id="rId12"/>
+    <p:sldId id="267" r:id="rId13"/>
+    <p:sldId id="268" r:id="rId14"/>
+    <p:sldId id="269" r:id="rId15"/>
+    <p:sldId id="270" r:id="rId16"/>
+    <p:sldId id="271" r:id="rId17"/>
   </p:sldIdLst>
   <p:sldSz cx="12192000" cy="6858000"/>
   <p:notesSz cx="6858000" cy="9144000"/>
@@ -264,7 +274,7 @@
           <a:p>
             <a:fld id="{3721CA93-E140-4E2A-A30C-04BF0C6AAEA4}" type="datetimeFigureOut">
               <a:rPr lang="en-US" smtClean="0"/>
-              <a:t>7/24/2018</a:t>
+              <a:t>7/31/2018</a:t>
             </a:fld>
             <a:endParaRPr lang="en-US"/>
           </a:p>
@@ -462,7 +472,7 @@
           <a:p>
             <a:fld id="{3721CA93-E140-4E2A-A30C-04BF0C6AAEA4}" type="datetimeFigureOut">
               <a:rPr lang="en-US" smtClean="0"/>
-              <a:t>7/24/2018</a:t>
+              <a:t>7/31/2018</a:t>
             </a:fld>
             <a:endParaRPr lang="en-US"/>
           </a:p>
@@ -670,7 +680,7 @@
           <a:p>
             <a:fld id="{3721CA93-E140-4E2A-A30C-04BF0C6AAEA4}" type="datetimeFigureOut">
               <a:rPr lang="en-US" smtClean="0"/>
-              <a:t>7/24/2018</a:t>
+              <a:t>7/31/2018</a:t>
             </a:fld>
             <a:endParaRPr lang="en-US"/>
           </a:p>
@@ -868,7 +878,7 @@
           <a:p>
             <a:fld id="{3721CA93-E140-4E2A-A30C-04BF0C6AAEA4}" type="datetimeFigureOut">
               <a:rPr lang="en-US" smtClean="0"/>
-              <a:t>7/24/2018</a:t>
+              <a:t>7/31/2018</a:t>
             </a:fld>
             <a:endParaRPr lang="en-US"/>
           </a:p>
@@ -1143,7 +1153,7 @@
           <a:p>
             <a:fld id="{3721CA93-E140-4E2A-A30C-04BF0C6AAEA4}" type="datetimeFigureOut">
               <a:rPr lang="en-US" smtClean="0"/>
-              <a:t>7/24/2018</a:t>
+              <a:t>7/31/2018</a:t>
             </a:fld>
             <a:endParaRPr lang="en-US"/>
           </a:p>
@@ -1408,7 +1418,7 @@
           <a:p>
             <a:fld id="{3721CA93-E140-4E2A-A30C-04BF0C6AAEA4}" type="datetimeFigureOut">
               <a:rPr lang="en-US" smtClean="0"/>
-              <a:t>7/24/2018</a:t>
+              <a:t>7/31/2018</a:t>
             </a:fld>
             <a:endParaRPr lang="en-US"/>
           </a:p>
@@ -1820,7 +1830,7 @@
           <a:p>
             <a:fld id="{3721CA93-E140-4E2A-A30C-04BF0C6AAEA4}" type="datetimeFigureOut">
               <a:rPr lang="en-US" smtClean="0"/>
-              <a:t>7/24/2018</a:t>
+              <a:t>7/31/2018</a:t>
             </a:fld>
             <a:endParaRPr lang="en-US"/>
           </a:p>
@@ -1961,7 +1971,7 @@
           <a:p>
             <a:fld id="{3721CA93-E140-4E2A-A30C-04BF0C6AAEA4}" type="datetimeFigureOut">
               <a:rPr lang="en-US" smtClean="0"/>
-              <a:t>7/24/2018</a:t>
+              <a:t>7/31/2018</a:t>
             </a:fld>
             <a:endParaRPr lang="en-US"/>
           </a:p>
@@ -2074,7 +2084,7 @@
           <a:p>
             <a:fld id="{3721CA93-E140-4E2A-A30C-04BF0C6AAEA4}" type="datetimeFigureOut">
               <a:rPr lang="en-US" smtClean="0"/>
-              <a:t>7/24/2018</a:t>
+              <a:t>7/31/2018</a:t>
             </a:fld>
             <a:endParaRPr lang="en-US"/>
           </a:p>
@@ -2385,7 +2395,7 @@
           <a:p>
             <a:fld id="{3721CA93-E140-4E2A-A30C-04BF0C6AAEA4}" type="datetimeFigureOut">
               <a:rPr lang="en-US" smtClean="0"/>
-              <a:t>7/24/2018</a:t>
+              <a:t>7/31/2018</a:t>
             </a:fld>
             <a:endParaRPr lang="en-US"/>
           </a:p>
@@ -2673,7 +2683,7 @@
           <a:p>
             <a:fld id="{3721CA93-E140-4E2A-A30C-04BF0C6AAEA4}" type="datetimeFigureOut">
               <a:rPr lang="en-US" smtClean="0"/>
-              <a:t>7/24/2018</a:t>
+              <a:t>7/31/2018</a:t>
             </a:fld>
             <a:endParaRPr lang="en-US"/>
           </a:p>
@@ -2914,7 +2924,7 @@
           <a:p>
             <a:fld id="{3721CA93-E140-4E2A-A30C-04BF0C6AAEA4}" type="datetimeFigureOut">
               <a:rPr lang="en-US" smtClean="0"/>
-              <a:t>7/24/2018</a:t>
+              <a:t>7/31/2018</a:t>
             </a:fld>
             <a:endParaRPr lang="en-US"/>
           </a:p>
@@ -10677,6 +10687,566 @@
     <p:extLst>
       <p:ext uri="{BB962C8B-B14F-4D97-AF65-F5344CB8AC3E}">
         <p14:creationId xmlns:p14="http://schemas.microsoft.com/office/powerpoint/2010/main" val="2180411738"/>
+      </p:ext>
+    </p:extLst>
+  </p:cSld>
+  <p:clrMapOvr>
+    <a:masterClrMapping/>
+  </p:clrMapOvr>
+</p:sld>
+</file>
+
+<file path=ppt/slides/slide10.xml><?xml version="1.0" encoding="utf-8"?>
+<p:sld xmlns:a="http://schemas.openxmlformats.org/drawingml/2006/main" xmlns:r="http://schemas.openxmlformats.org/officeDocument/2006/relationships" xmlns:p="http://schemas.openxmlformats.org/presentationml/2006/main">
+  <p:cSld>
+    <p:spTree>
+      <p:nvGrpSpPr>
+        <p:cNvPr id="1" name=""/>
+        <p:cNvGrpSpPr/>
+        <p:nvPr/>
+      </p:nvGrpSpPr>
+      <p:grpSpPr>
+        <a:xfrm>
+          <a:off x="0" y="0"/>
+          <a:ext cx="0" cy="0"/>
+          <a:chOff x="0" y="0"/>
+          <a:chExt cx="0" cy="0"/>
+        </a:xfrm>
+      </p:grpSpPr>
+      <p:sp>
+        <p:nvSpPr>
+          <p:cNvPr id="2" name="Title 1">
+            <a:extLst>
+              <a:ext uri="{FF2B5EF4-FFF2-40B4-BE49-F238E27FC236}">
+                <a16:creationId xmlns:a16="http://schemas.microsoft.com/office/drawing/2014/main" id="{A785B32D-6303-4DF1-B389-1A9E38E62C1D}"/>
+              </a:ext>
+            </a:extLst>
+          </p:cNvPr>
+          <p:cNvSpPr>
+            <a:spLocks noGrp="1"/>
+          </p:cNvSpPr>
+          <p:nvPr>
+            <p:ph type="title"/>
+          </p:nvPr>
+        </p:nvSpPr>
+        <p:spPr/>
+        <p:txBody>
+          <a:bodyPr/>
+          <a:lstStyle/>
+          <a:p>
+            <a:endParaRPr lang="en-US"/>
+          </a:p>
+        </p:txBody>
+      </p:sp>
+      <p:sp>
+        <p:nvSpPr>
+          <p:cNvPr id="3" name="Content Placeholder 2">
+            <a:extLst>
+              <a:ext uri="{FF2B5EF4-FFF2-40B4-BE49-F238E27FC236}">
+                <a16:creationId xmlns:a16="http://schemas.microsoft.com/office/drawing/2014/main" id="{08B6CC0E-1631-41B6-9DA8-12A503DD15B6}"/>
+              </a:ext>
+            </a:extLst>
+          </p:cNvPr>
+          <p:cNvSpPr>
+            <a:spLocks noGrp="1"/>
+          </p:cNvSpPr>
+          <p:nvPr>
+            <p:ph idx="1"/>
+          </p:nvPr>
+        </p:nvSpPr>
+        <p:spPr/>
+        <p:txBody>
+          <a:bodyPr/>
+          <a:lstStyle/>
+          <a:p>
+            <a:endParaRPr lang="en-US"/>
+          </a:p>
+        </p:txBody>
+      </p:sp>
+    </p:spTree>
+    <p:extLst>
+      <p:ext uri="{BB962C8B-B14F-4D97-AF65-F5344CB8AC3E}">
+        <p14:creationId xmlns:p14="http://schemas.microsoft.com/office/powerpoint/2010/main" val="393174569"/>
+      </p:ext>
+    </p:extLst>
+  </p:cSld>
+  <p:clrMapOvr>
+    <a:masterClrMapping/>
+  </p:clrMapOvr>
+</p:sld>
+</file>
+
+<file path=ppt/slides/slide11.xml><?xml version="1.0" encoding="utf-8"?>
+<p:sld xmlns:a="http://schemas.openxmlformats.org/drawingml/2006/main" xmlns:r="http://schemas.openxmlformats.org/officeDocument/2006/relationships" xmlns:p="http://schemas.openxmlformats.org/presentationml/2006/main">
+  <p:cSld>
+    <p:spTree>
+      <p:nvGrpSpPr>
+        <p:cNvPr id="1" name=""/>
+        <p:cNvGrpSpPr/>
+        <p:nvPr/>
+      </p:nvGrpSpPr>
+      <p:grpSpPr>
+        <a:xfrm>
+          <a:off x="0" y="0"/>
+          <a:ext cx="0" cy="0"/>
+          <a:chOff x="0" y="0"/>
+          <a:chExt cx="0" cy="0"/>
+        </a:xfrm>
+      </p:grpSpPr>
+      <p:sp>
+        <p:nvSpPr>
+          <p:cNvPr id="2" name="Title 1">
+            <a:extLst>
+              <a:ext uri="{FF2B5EF4-FFF2-40B4-BE49-F238E27FC236}">
+                <a16:creationId xmlns:a16="http://schemas.microsoft.com/office/drawing/2014/main" id="{959ACE67-159D-48E0-8FBC-FA522F3571E1}"/>
+              </a:ext>
+            </a:extLst>
+          </p:cNvPr>
+          <p:cNvSpPr>
+            <a:spLocks noGrp="1"/>
+          </p:cNvSpPr>
+          <p:nvPr>
+            <p:ph type="title"/>
+          </p:nvPr>
+        </p:nvSpPr>
+        <p:spPr/>
+        <p:txBody>
+          <a:bodyPr/>
+          <a:lstStyle/>
+          <a:p>
+            <a:endParaRPr lang="en-US"/>
+          </a:p>
+        </p:txBody>
+      </p:sp>
+      <p:sp>
+        <p:nvSpPr>
+          <p:cNvPr id="3" name="Content Placeholder 2">
+            <a:extLst>
+              <a:ext uri="{FF2B5EF4-FFF2-40B4-BE49-F238E27FC236}">
+                <a16:creationId xmlns:a16="http://schemas.microsoft.com/office/drawing/2014/main" id="{6E5507AE-7525-439C-B79D-61171418EE60}"/>
+              </a:ext>
+            </a:extLst>
+          </p:cNvPr>
+          <p:cNvSpPr>
+            <a:spLocks noGrp="1"/>
+          </p:cNvSpPr>
+          <p:nvPr>
+            <p:ph idx="1"/>
+          </p:nvPr>
+        </p:nvSpPr>
+        <p:spPr/>
+        <p:txBody>
+          <a:bodyPr/>
+          <a:lstStyle/>
+          <a:p>
+            <a:endParaRPr lang="en-US"/>
+          </a:p>
+        </p:txBody>
+      </p:sp>
+    </p:spTree>
+    <p:extLst>
+      <p:ext uri="{BB962C8B-B14F-4D97-AF65-F5344CB8AC3E}">
+        <p14:creationId xmlns:p14="http://schemas.microsoft.com/office/powerpoint/2010/main" val="1893194331"/>
+      </p:ext>
+    </p:extLst>
+  </p:cSld>
+  <p:clrMapOvr>
+    <a:masterClrMapping/>
+  </p:clrMapOvr>
+</p:sld>
+</file>
+
+<file path=ppt/slides/slide12.xml><?xml version="1.0" encoding="utf-8"?>
+<p:sld xmlns:a="http://schemas.openxmlformats.org/drawingml/2006/main" xmlns:r="http://schemas.openxmlformats.org/officeDocument/2006/relationships" xmlns:p="http://schemas.openxmlformats.org/presentationml/2006/main">
+  <p:cSld>
+    <p:spTree>
+      <p:nvGrpSpPr>
+        <p:cNvPr id="1" name=""/>
+        <p:cNvGrpSpPr/>
+        <p:nvPr/>
+      </p:nvGrpSpPr>
+      <p:grpSpPr>
+        <a:xfrm>
+          <a:off x="0" y="0"/>
+          <a:ext cx="0" cy="0"/>
+          <a:chOff x="0" y="0"/>
+          <a:chExt cx="0" cy="0"/>
+        </a:xfrm>
+      </p:grpSpPr>
+      <p:sp>
+        <p:nvSpPr>
+          <p:cNvPr id="2" name="Title 1">
+            <a:extLst>
+              <a:ext uri="{FF2B5EF4-FFF2-40B4-BE49-F238E27FC236}">
+                <a16:creationId xmlns:a16="http://schemas.microsoft.com/office/drawing/2014/main" id="{3C2B3C3F-9994-4698-A0F8-0FB7298024B4}"/>
+              </a:ext>
+            </a:extLst>
+          </p:cNvPr>
+          <p:cNvSpPr>
+            <a:spLocks noGrp="1"/>
+          </p:cNvSpPr>
+          <p:nvPr>
+            <p:ph type="title"/>
+          </p:nvPr>
+        </p:nvSpPr>
+        <p:spPr/>
+        <p:txBody>
+          <a:bodyPr/>
+          <a:lstStyle/>
+          <a:p>
+            <a:endParaRPr lang="en-US"/>
+          </a:p>
+        </p:txBody>
+      </p:sp>
+      <p:sp>
+        <p:nvSpPr>
+          <p:cNvPr id="3" name="Content Placeholder 2">
+            <a:extLst>
+              <a:ext uri="{FF2B5EF4-FFF2-40B4-BE49-F238E27FC236}">
+                <a16:creationId xmlns:a16="http://schemas.microsoft.com/office/drawing/2014/main" id="{4543A4B2-24B2-4B5A-B28F-DFEC6F7157C9}"/>
+              </a:ext>
+            </a:extLst>
+          </p:cNvPr>
+          <p:cNvSpPr>
+            <a:spLocks noGrp="1"/>
+          </p:cNvSpPr>
+          <p:nvPr>
+            <p:ph idx="1"/>
+          </p:nvPr>
+        </p:nvSpPr>
+        <p:spPr/>
+        <p:txBody>
+          <a:bodyPr/>
+          <a:lstStyle/>
+          <a:p>
+            <a:endParaRPr lang="en-US"/>
+          </a:p>
+        </p:txBody>
+      </p:sp>
+    </p:spTree>
+    <p:extLst>
+      <p:ext uri="{BB962C8B-B14F-4D97-AF65-F5344CB8AC3E}">
+        <p14:creationId xmlns:p14="http://schemas.microsoft.com/office/powerpoint/2010/main" val="4219892731"/>
+      </p:ext>
+    </p:extLst>
+  </p:cSld>
+  <p:clrMapOvr>
+    <a:masterClrMapping/>
+  </p:clrMapOvr>
+</p:sld>
+</file>
+
+<file path=ppt/slides/slide13.xml><?xml version="1.0" encoding="utf-8"?>
+<p:sld xmlns:a="http://schemas.openxmlformats.org/drawingml/2006/main" xmlns:r="http://schemas.openxmlformats.org/officeDocument/2006/relationships" xmlns:p="http://schemas.openxmlformats.org/presentationml/2006/main">
+  <p:cSld>
+    <p:spTree>
+      <p:nvGrpSpPr>
+        <p:cNvPr id="1" name=""/>
+        <p:cNvGrpSpPr/>
+        <p:nvPr/>
+      </p:nvGrpSpPr>
+      <p:grpSpPr>
+        <a:xfrm>
+          <a:off x="0" y="0"/>
+          <a:ext cx="0" cy="0"/>
+          <a:chOff x="0" y="0"/>
+          <a:chExt cx="0" cy="0"/>
+        </a:xfrm>
+      </p:grpSpPr>
+      <p:sp>
+        <p:nvSpPr>
+          <p:cNvPr id="2" name="Title 1">
+            <a:extLst>
+              <a:ext uri="{FF2B5EF4-FFF2-40B4-BE49-F238E27FC236}">
+                <a16:creationId xmlns:a16="http://schemas.microsoft.com/office/drawing/2014/main" id="{BD5BB5E1-9A9A-43B3-B5C3-F9D77A9B941B}"/>
+              </a:ext>
+            </a:extLst>
+          </p:cNvPr>
+          <p:cNvSpPr>
+            <a:spLocks noGrp="1"/>
+          </p:cNvSpPr>
+          <p:nvPr>
+            <p:ph type="title"/>
+          </p:nvPr>
+        </p:nvSpPr>
+        <p:spPr/>
+        <p:txBody>
+          <a:bodyPr/>
+          <a:lstStyle/>
+          <a:p>
+            <a:endParaRPr lang="en-US"/>
+          </a:p>
+        </p:txBody>
+      </p:sp>
+      <p:sp>
+        <p:nvSpPr>
+          <p:cNvPr id="3" name="Content Placeholder 2">
+            <a:extLst>
+              <a:ext uri="{FF2B5EF4-FFF2-40B4-BE49-F238E27FC236}">
+                <a16:creationId xmlns:a16="http://schemas.microsoft.com/office/drawing/2014/main" id="{33EB1C9F-7A9D-4433-9BB1-E52F3F542BC2}"/>
+              </a:ext>
+            </a:extLst>
+          </p:cNvPr>
+          <p:cNvSpPr>
+            <a:spLocks noGrp="1"/>
+          </p:cNvSpPr>
+          <p:nvPr>
+            <p:ph idx="1"/>
+          </p:nvPr>
+        </p:nvSpPr>
+        <p:spPr/>
+        <p:txBody>
+          <a:bodyPr/>
+          <a:lstStyle/>
+          <a:p>
+            <a:endParaRPr lang="en-US"/>
+          </a:p>
+        </p:txBody>
+      </p:sp>
+    </p:spTree>
+    <p:extLst>
+      <p:ext uri="{BB962C8B-B14F-4D97-AF65-F5344CB8AC3E}">
+        <p14:creationId xmlns:p14="http://schemas.microsoft.com/office/powerpoint/2010/main" val="2192616699"/>
+      </p:ext>
+    </p:extLst>
+  </p:cSld>
+  <p:clrMapOvr>
+    <a:masterClrMapping/>
+  </p:clrMapOvr>
+</p:sld>
+</file>
+
+<file path=ppt/slides/slide14.xml><?xml version="1.0" encoding="utf-8"?>
+<p:sld xmlns:a="http://schemas.openxmlformats.org/drawingml/2006/main" xmlns:r="http://schemas.openxmlformats.org/officeDocument/2006/relationships" xmlns:p="http://schemas.openxmlformats.org/presentationml/2006/main">
+  <p:cSld>
+    <p:spTree>
+      <p:nvGrpSpPr>
+        <p:cNvPr id="1" name=""/>
+        <p:cNvGrpSpPr/>
+        <p:nvPr/>
+      </p:nvGrpSpPr>
+      <p:grpSpPr>
+        <a:xfrm>
+          <a:off x="0" y="0"/>
+          <a:ext cx="0" cy="0"/>
+          <a:chOff x="0" y="0"/>
+          <a:chExt cx="0" cy="0"/>
+        </a:xfrm>
+      </p:grpSpPr>
+      <p:sp>
+        <p:nvSpPr>
+          <p:cNvPr id="2" name="Title 1">
+            <a:extLst>
+              <a:ext uri="{FF2B5EF4-FFF2-40B4-BE49-F238E27FC236}">
+                <a16:creationId xmlns:a16="http://schemas.microsoft.com/office/drawing/2014/main" id="{85E3CD81-ECFD-44F7-BCAB-904C93F8174B}"/>
+              </a:ext>
+            </a:extLst>
+          </p:cNvPr>
+          <p:cNvSpPr>
+            <a:spLocks noGrp="1"/>
+          </p:cNvSpPr>
+          <p:nvPr>
+            <p:ph type="title"/>
+          </p:nvPr>
+        </p:nvSpPr>
+        <p:spPr/>
+        <p:txBody>
+          <a:bodyPr/>
+          <a:lstStyle/>
+          <a:p>
+            <a:endParaRPr lang="en-US"/>
+          </a:p>
+        </p:txBody>
+      </p:sp>
+      <p:sp>
+        <p:nvSpPr>
+          <p:cNvPr id="3" name="Content Placeholder 2">
+            <a:extLst>
+              <a:ext uri="{FF2B5EF4-FFF2-40B4-BE49-F238E27FC236}">
+                <a16:creationId xmlns:a16="http://schemas.microsoft.com/office/drawing/2014/main" id="{C88DF3AD-E8BE-4E5F-B58E-C6994DE1AB69}"/>
+              </a:ext>
+            </a:extLst>
+          </p:cNvPr>
+          <p:cNvSpPr>
+            <a:spLocks noGrp="1"/>
+          </p:cNvSpPr>
+          <p:nvPr>
+            <p:ph idx="1"/>
+          </p:nvPr>
+        </p:nvSpPr>
+        <p:spPr/>
+        <p:txBody>
+          <a:bodyPr/>
+          <a:lstStyle/>
+          <a:p>
+            <a:endParaRPr lang="en-US"/>
+          </a:p>
+        </p:txBody>
+      </p:sp>
+    </p:spTree>
+    <p:extLst>
+      <p:ext uri="{BB962C8B-B14F-4D97-AF65-F5344CB8AC3E}">
+        <p14:creationId xmlns:p14="http://schemas.microsoft.com/office/powerpoint/2010/main" val="1393278675"/>
+      </p:ext>
+    </p:extLst>
+  </p:cSld>
+  <p:clrMapOvr>
+    <a:masterClrMapping/>
+  </p:clrMapOvr>
+</p:sld>
+</file>
+
+<file path=ppt/slides/slide15.xml><?xml version="1.0" encoding="utf-8"?>
+<p:sld xmlns:a="http://schemas.openxmlformats.org/drawingml/2006/main" xmlns:r="http://schemas.openxmlformats.org/officeDocument/2006/relationships" xmlns:p="http://schemas.openxmlformats.org/presentationml/2006/main">
+  <p:cSld>
+    <p:spTree>
+      <p:nvGrpSpPr>
+        <p:cNvPr id="1" name=""/>
+        <p:cNvGrpSpPr/>
+        <p:nvPr/>
+      </p:nvGrpSpPr>
+      <p:grpSpPr>
+        <a:xfrm>
+          <a:off x="0" y="0"/>
+          <a:ext cx="0" cy="0"/>
+          <a:chOff x="0" y="0"/>
+          <a:chExt cx="0" cy="0"/>
+        </a:xfrm>
+      </p:grpSpPr>
+      <p:sp>
+        <p:nvSpPr>
+          <p:cNvPr id="2" name="Title 1">
+            <a:extLst>
+              <a:ext uri="{FF2B5EF4-FFF2-40B4-BE49-F238E27FC236}">
+                <a16:creationId xmlns:a16="http://schemas.microsoft.com/office/drawing/2014/main" id="{B53ACEA0-6109-4D7E-85C1-591058E46D0E}"/>
+              </a:ext>
+            </a:extLst>
+          </p:cNvPr>
+          <p:cNvSpPr>
+            <a:spLocks noGrp="1"/>
+          </p:cNvSpPr>
+          <p:nvPr>
+            <p:ph type="title"/>
+          </p:nvPr>
+        </p:nvSpPr>
+        <p:spPr/>
+        <p:txBody>
+          <a:bodyPr/>
+          <a:lstStyle/>
+          <a:p>
+            <a:endParaRPr lang="en-US"/>
+          </a:p>
+        </p:txBody>
+      </p:sp>
+      <p:sp>
+        <p:nvSpPr>
+          <p:cNvPr id="3" name="Content Placeholder 2">
+            <a:extLst>
+              <a:ext uri="{FF2B5EF4-FFF2-40B4-BE49-F238E27FC236}">
+                <a16:creationId xmlns:a16="http://schemas.microsoft.com/office/drawing/2014/main" id="{0B116EDE-9029-45B7-809A-6EB6D8E807A7}"/>
+              </a:ext>
+            </a:extLst>
+          </p:cNvPr>
+          <p:cNvSpPr>
+            <a:spLocks noGrp="1"/>
+          </p:cNvSpPr>
+          <p:nvPr>
+            <p:ph idx="1"/>
+          </p:nvPr>
+        </p:nvSpPr>
+        <p:spPr/>
+        <p:txBody>
+          <a:bodyPr/>
+          <a:lstStyle/>
+          <a:p>
+            <a:endParaRPr lang="en-US"/>
+          </a:p>
+        </p:txBody>
+      </p:sp>
+    </p:spTree>
+    <p:extLst>
+      <p:ext uri="{BB962C8B-B14F-4D97-AF65-F5344CB8AC3E}">
+        <p14:creationId xmlns:p14="http://schemas.microsoft.com/office/powerpoint/2010/main" val="104149308"/>
+      </p:ext>
+    </p:extLst>
+  </p:cSld>
+  <p:clrMapOvr>
+    <a:masterClrMapping/>
+  </p:clrMapOvr>
+</p:sld>
+</file>
+
+<file path=ppt/slides/slide16.xml><?xml version="1.0" encoding="utf-8"?>
+<p:sld xmlns:a="http://schemas.openxmlformats.org/drawingml/2006/main" xmlns:r="http://schemas.openxmlformats.org/officeDocument/2006/relationships" xmlns:p="http://schemas.openxmlformats.org/presentationml/2006/main">
+  <p:cSld>
+    <p:spTree>
+      <p:nvGrpSpPr>
+        <p:cNvPr id="1" name=""/>
+        <p:cNvGrpSpPr/>
+        <p:nvPr/>
+      </p:nvGrpSpPr>
+      <p:grpSpPr>
+        <a:xfrm>
+          <a:off x="0" y="0"/>
+          <a:ext cx="0" cy="0"/>
+          <a:chOff x="0" y="0"/>
+          <a:chExt cx="0" cy="0"/>
+        </a:xfrm>
+      </p:grpSpPr>
+      <p:sp>
+        <p:nvSpPr>
+          <p:cNvPr id="2" name="Title 1">
+            <a:extLst>
+              <a:ext uri="{FF2B5EF4-FFF2-40B4-BE49-F238E27FC236}">
+                <a16:creationId xmlns:a16="http://schemas.microsoft.com/office/drawing/2014/main" id="{83B97F31-E516-48E7-9573-0D656F84C04B}"/>
+              </a:ext>
+            </a:extLst>
+          </p:cNvPr>
+          <p:cNvSpPr>
+            <a:spLocks noGrp="1"/>
+          </p:cNvSpPr>
+          <p:nvPr>
+            <p:ph type="title"/>
+          </p:nvPr>
+        </p:nvSpPr>
+        <p:spPr/>
+        <p:txBody>
+          <a:bodyPr/>
+          <a:lstStyle/>
+          <a:p>
+            <a:endParaRPr lang="en-US"/>
+          </a:p>
+        </p:txBody>
+      </p:sp>
+      <p:sp>
+        <p:nvSpPr>
+          <p:cNvPr id="3" name="Content Placeholder 2">
+            <a:extLst>
+              <a:ext uri="{FF2B5EF4-FFF2-40B4-BE49-F238E27FC236}">
+                <a16:creationId xmlns:a16="http://schemas.microsoft.com/office/drawing/2014/main" id="{7216C2E0-4BA2-4168-8828-26564AFF2CF2}"/>
+              </a:ext>
+            </a:extLst>
+          </p:cNvPr>
+          <p:cNvSpPr>
+            <a:spLocks noGrp="1"/>
+          </p:cNvSpPr>
+          <p:nvPr>
+            <p:ph idx="1"/>
+          </p:nvPr>
+        </p:nvSpPr>
+        <p:spPr/>
+        <p:txBody>
+          <a:bodyPr/>
+          <a:lstStyle/>
+          <a:p>
+            <a:endParaRPr lang="en-US"/>
+          </a:p>
+        </p:txBody>
+      </p:sp>
+    </p:spTree>
+    <p:extLst>
+      <p:ext uri="{BB962C8B-B14F-4D97-AF65-F5344CB8AC3E}">
+        <p14:creationId xmlns:p14="http://schemas.microsoft.com/office/powerpoint/2010/main" val="3895706036"/>
       </p:ext>
     </p:extLst>
   </p:cSld>
@@ -30725,6 +31295,243 @@
 </p:sld>
 </file>
 
+<file path=ppt/slides/slide7.xml><?xml version="1.0" encoding="utf-8"?>
+<p:sld xmlns:a="http://schemas.openxmlformats.org/drawingml/2006/main" xmlns:r="http://schemas.openxmlformats.org/officeDocument/2006/relationships" xmlns:p="http://schemas.openxmlformats.org/presentationml/2006/main">
+  <p:cSld>
+    <p:spTree>
+      <p:nvGrpSpPr>
+        <p:cNvPr id="1" name=""/>
+        <p:cNvGrpSpPr/>
+        <p:nvPr/>
+      </p:nvGrpSpPr>
+      <p:grpSpPr>
+        <a:xfrm>
+          <a:off x="0" y="0"/>
+          <a:ext cx="0" cy="0"/>
+          <a:chOff x="0" y="0"/>
+          <a:chExt cx="0" cy="0"/>
+        </a:xfrm>
+      </p:grpSpPr>
+      <p:pic>
+        <p:nvPicPr>
+          <p:cNvPr id="4" name="Picture 4" descr="https://lh3.googleusercontent.com/-SwKTR4wtLAE/Vf85SdsNBpI/AAAAAAAFlG8/9o04NldSOws/s912-Ic42/DSC05824.JPG">
+            <a:extLst>
+              <a:ext uri="{FF2B5EF4-FFF2-40B4-BE49-F238E27FC236}">
+                <a16:creationId xmlns:a16="http://schemas.microsoft.com/office/drawing/2014/main" id="{AF03D583-C670-4992-8CF9-62916F9546CD}"/>
+              </a:ext>
+            </a:extLst>
+          </p:cNvPr>
+          <p:cNvPicPr>
+            <a:picLocks noChangeAspect="1" noChangeArrowheads="1"/>
+          </p:cNvPicPr>
+          <p:nvPr/>
+        </p:nvPicPr>
+        <p:blipFill>
+          <a:blip r:embed="rId2">
+            <a:extLst>
+              <a:ext uri="{28A0092B-C50C-407E-A947-70E740481C1C}">
+                <a14:useLocalDpi xmlns:a14="http://schemas.microsoft.com/office/drawing/2010/main" val="0"/>
+              </a:ext>
+            </a:extLst>
+          </a:blip>
+          <a:srcRect/>
+          <a:stretch>
+            <a:fillRect/>
+          </a:stretch>
+        </p:blipFill>
+        <p:spPr bwMode="auto">
+          <a:xfrm>
+            <a:off x="2840010" y="388862"/>
+            <a:ext cx="8107032" cy="6080275"/>
+          </a:xfrm>
+          <a:prstGeom prst="rect">
+            <a:avLst/>
+          </a:prstGeom>
+          <a:noFill/>
+          <a:extLst>
+            <a:ext uri="{909E8E84-426E-40DD-AFC4-6F175D3DCCD1}">
+              <a14:hiddenFill xmlns:a14="http://schemas.microsoft.com/office/drawing/2010/main">
+                <a:solidFill>
+                  <a:srgbClr val="FFFFFF"/>
+                </a:solidFill>
+              </a14:hiddenFill>
+            </a:ext>
+          </a:extLst>
+        </p:spPr>
+      </p:pic>
+    </p:spTree>
+    <p:extLst>
+      <p:ext uri="{BB962C8B-B14F-4D97-AF65-F5344CB8AC3E}">
+        <p14:creationId xmlns:p14="http://schemas.microsoft.com/office/powerpoint/2010/main" val="1678146579"/>
+      </p:ext>
+    </p:extLst>
+  </p:cSld>
+  <p:clrMapOvr>
+    <a:masterClrMapping/>
+  </p:clrMapOvr>
+</p:sld>
+</file>
+
+<file path=ppt/slides/slide8.xml><?xml version="1.0" encoding="utf-8"?>
+<p:sld xmlns:a="http://schemas.openxmlformats.org/drawingml/2006/main" xmlns:r="http://schemas.openxmlformats.org/officeDocument/2006/relationships" xmlns:p="http://schemas.openxmlformats.org/presentationml/2006/main">
+  <p:cSld>
+    <p:spTree>
+      <p:nvGrpSpPr>
+        <p:cNvPr id="1" name=""/>
+        <p:cNvGrpSpPr/>
+        <p:nvPr/>
+      </p:nvGrpSpPr>
+      <p:grpSpPr>
+        <a:xfrm>
+          <a:off x="0" y="0"/>
+          <a:ext cx="0" cy="0"/>
+          <a:chOff x="0" y="0"/>
+          <a:chExt cx="0" cy="0"/>
+        </a:xfrm>
+      </p:grpSpPr>
+      <p:sp>
+        <p:nvSpPr>
+          <p:cNvPr id="2" name="Title 1">
+            <a:extLst>
+              <a:ext uri="{FF2B5EF4-FFF2-40B4-BE49-F238E27FC236}">
+                <a16:creationId xmlns:a16="http://schemas.microsoft.com/office/drawing/2014/main" id="{242619C6-F1F4-426C-BD9E-306B36C729B9}"/>
+              </a:ext>
+            </a:extLst>
+          </p:cNvPr>
+          <p:cNvSpPr>
+            <a:spLocks noGrp="1"/>
+          </p:cNvSpPr>
+          <p:nvPr>
+            <p:ph type="title"/>
+          </p:nvPr>
+        </p:nvSpPr>
+        <p:spPr/>
+        <p:txBody>
+          <a:bodyPr/>
+          <a:lstStyle/>
+          <a:p>
+            <a:endParaRPr lang="en-US"/>
+          </a:p>
+        </p:txBody>
+      </p:sp>
+      <p:sp>
+        <p:nvSpPr>
+          <p:cNvPr id="3" name="Content Placeholder 2">
+            <a:extLst>
+              <a:ext uri="{FF2B5EF4-FFF2-40B4-BE49-F238E27FC236}">
+                <a16:creationId xmlns:a16="http://schemas.microsoft.com/office/drawing/2014/main" id="{449602E6-AD74-4E1D-AD3D-786E941EA5D1}"/>
+              </a:ext>
+            </a:extLst>
+          </p:cNvPr>
+          <p:cNvSpPr>
+            <a:spLocks noGrp="1"/>
+          </p:cNvSpPr>
+          <p:nvPr>
+            <p:ph idx="1"/>
+          </p:nvPr>
+        </p:nvSpPr>
+        <p:spPr/>
+        <p:txBody>
+          <a:bodyPr/>
+          <a:lstStyle/>
+          <a:p>
+            <a:endParaRPr lang="en-US"/>
+          </a:p>
+        </p:txBody>
+      </p:sp>
+    </p:spTree>
+    <p:extLst>
+      <p:ext uri="{BB962C8B-B14F-4D97-AF65-F5344CB8AC3E}">
+        <p14:creationId xmlns:p14="http://schemas.microsoft.com/office/powerpoint/2010/main" val="1951051662"/>
+      </p:ext>
+    </p:extLst>
+  </p:cSld>
+  <p:clrMapOvr>
+    <a:masterClrMapping/>
+  </p:clrMapOvr>
+</p:sld>
+</file>
+
+<file path=ppt/slides/slide9.xml><?xml version="1.0" encoding="utf-8"?>
+<p:sld xmlns:a="http://schemas.openxmlformats.org/drawingml/2006/main" xmlns:r="http://schemas.openxmlformats.org/officeDocument/2006/relationships" xmlns:p="http://schemas.openxmlformats.org/presentationml/2006/main">
+  <p:cSld>
+    <p:spTree>
+      <p:nvGrpSpPr>
+        <p:cNvPr id="1" name=""/>
+        <p:cNvGrpSpPr/>
+        <p:nvPr/>
+      </p:nvGrpSpPr>
+      <p:grpSpPr>
+        <a:xfrm>
+          <a:off x="0" y="0"/>
+          <a:ext cx="0" cy="0"/>
+          <a:chOff x="0" y="0"/>
+          <a:chExt cx="0" cy="0"/>
+        </a:xfrm>
+      </p:grpSpPr>
+      <p:sp>
+        <p:nvSpPr>
+          <p:cNvPr id="2" name="Title 1">
+            <a:extLst>
+              <a:ext uri="{FF2B5EF4-FFF2-40B4-BE49-F238E27FC236}">
+                <a16:creationId xmlns:a16="http://schemas.microsoft.com/office/drawing/2014/main" id="{9D98428C-1359-4987-927C-785095946BFA}"/>
+              </a:ext>
+            </a:extLst>
+          </p:cNvPr>
+          <p:cNvSpPr>
+            <a:spLocks noGrp="1"/>
+          </p:cNvSpPr>
+          <p:nvPr>
+            <p:ph type="title"/>
+          </p:nvPr>
+        </p:nvSpPr>
+        <p:spPr/>
+        <p:txBody>
+          <a:bodyPr/>
+          <a:lstStyle/>
+          <a:p>
+            <a:endParaRPr lang="en-US"/>
+          </a:p>
+        </p:txBody>
+      </p:sp>
+      <p:sp>
+        <p:nvSpPr>
+          <p:cNvPr id="3" name="Content Placeholder 2">
+            <a:extLst>
+              <a:ext uri="{FF2B5EF4-FFF2-40B4-BE49-F238E27FC236}">
+                <a16:creationId xmlns:a16="http://schemas.microsoft.com/office/drawing/2014/main" id="{F9E293E8-5F0E-4862-B3F7-5ABFA0E17541}"/>
+              </a:ext>
+            </a:extLst>
+          </p:cNvPr>
+          <p:cNvSpPr>
+            <a:spLocks noGrp="1"/>
+          </p:cNvSpPr>
+          <p:nvPr>
+            <p:ph idx="1"/>
+          </p:nvPr>
+        </p:nvSpPr>
+        <p:spPr/>
+        <p:txBody>
+          <a:bodyPr/>
+          <a:lstStyle/>
+          <a:p>
+            <a:endParaRPr lang="en-US"/>
+          </a:p>
+        </p:txBody>
+      </p:sp>
+    </p:spTree>
+    <p:extLst>
+      <p:ext uri="{BB962C8B-B14F-4D97-AF65-F5344CB8AC3E}">
+        <p14:creationId xmlns:p14="http://schemas.microsoft.com/office/powerpoint/2010/main" val="2907166301"/>
+      </p:ext>
+    </p:extLst>
+  </p:cSld>
+  <p:clrMapOvr>
+    <a:masterClrMapping/>
+  </p:clrMapOvr>
+</p:sld>
+</file>
+
 <file path=ppt/tags/tag1.xml><?xml version="1.0" encoding="utf-8"?>
 <p:tagLst xmlns:a="http://schemas.openxmlformats.org/drawingml/2006/main" xmlns:r="http://schemas.openxmlformats.org/officeDocument/2006/relationships" xmlns:p="http://schemas.openxmlformats.org/presentationml/2006/main">
   <p:tag name="OUTPUTDPI" val="1200"/>

--- a/ClareDiagrams.pptx
+++ b/ClareDiagrams.pptx
@@ -4,6 +4,9 @@
   <p:sldMasterIdLst>
     <p:sldMasterId id="2147483648" r:id="rId1"/>
   </p:sldMasterIdLst>
+  <p:notesMasterIdLst>
+    <p:notesMasterId r:id="rId18"/>
+  </p:notesMasterIdLst>
   <p:sldIdLst>
     <p:sldId id="256" r:id="rId2"/>
     <p:sldId id="257" r:id="rId3"/>
@@ -125,6 +128,442 @@
     </p:ext>
   </p:extLst>
 </p:presentation>
+</file>
+
+<file path=ppt/notesMasters/notesMaster1.xml><?xml version="1.0" encoding="utf-8"?>
+<p:notesMaster xmlns:a="http://schemas.openxmlformats.org/drawingml/2006/main" xmlns:r="http://schemas.openxmlformats.org/officeDocument/2006/relationships" xmlns:p="http://schemas.openxmlformats.org/presentationml/2006/main">
+  <p:cSld>
+    <p:bg>
+      <p:bgRef idx="1001">
+        <a:schemeClr val="bg1"/>
+      </p:bgRef>
+    </p:bg>
+    <p:spTree>
+      <p:nvGrpSpPr>
+        <p:cNvPr id="1" name=""/>
+        <p:cNvGrpSpPr/>
+        <p:nvPr/>
+      </p:nvGrpSpPr>
+      <p:grpSpPr>
+        <a:xfrm>
+          <a:off x="0" y="0"/>
+          <a:ext cx="0" cy="0"/>
+          <a:chOff x="0" y="0"/>
+          <a:chExt cx="0" cy="0"/>
+        </a:xfrm>
+      </p:grpSpPr>
+      <p:sp>
+        <p:nvSpPr>
+          <p:cNvPr id="2" name="Header Placeholder 1"/>
+          <p:cNvSpPr>
+            <a:spLocks noGrp="1"/>
+          </p:cNvSpPr>
+          <p:nvPr>
+            <p:ph type="hdr" sz="quarter"/>
+          </p:nvPr>
+        </p:nvSpPr>
+        <p:spPr>
+          <a:xfrm>
+            <a:off x="0" y="0"/>
+            <a:ext cx="2971800" cy="458788"/>
+          </a:xfrm>
+          <a:prstGeom prst="rect">
+            <a:avLst/>
+          </a:prstGeom>
+        </p:spPr>
+        <p:txBody>
+          <a:bodyPr vert="horz" lIns="91440" tIns="45720" rIns="91440" bIns="45720" rtlCol="0"/>
+          <a:lstStyle>
+            <a:lvl1pPr algn="l">
+              <a:defRPr sz="1200"/>
+            </a:lvl1pPr>
+          </a:lstStyle>
+          <a:p>
+            <a:endParaRPr lang="en-US"/>
+          </a:p>
+        </p:txBody>
+      </p:sp>
+      <p:sp>
+        <p:nvSpPr>
+          <p:cNvPr id="3" name="Date Placeholder 2"/>
+          <p:cNvSpPr>
+            <a:spLocks noGrp="1"/>
+          </p:cNvSpPr>
+          <p:nvPr>
+            <p:ph type="dt" idx="1"/>
+          </p:nvPr>
+        </p:nvSpPr>
+        <p:spPr>
+          <a:xfrm>
+            <a:off x="3884613" y="0"/>
+            <a:ext cx="2971800" cy="458788"/>
+          </a:xfrm>
+          <a:prstGeom prst="rect">
+            <a:avLst/>
+          </a:prstGeom>
+        </p:spPr>
+        <p:txBody>
+          <a:bodyPr vert="horz" lIns="91440" tIns="45720" rIns="91440" bIns="45720" rtlCol="0"/>
+          <a:lstStyle>
+            <a:lvl1pPr algn="r">
+              <a:defRPr sz="1200"/>
+            </a:lvl1pPr>
+          </a:lstStyle>
+          <a:p>
+            <a:fld id="{F874CE64-B02C-4A29-A5B8-BB55C61F4F91}" type="datetimeFigureOut">
+              <a:rPr lang="en-US" smtClean="0"/>
+              <a:t>10/2/2018</a:t>
+            </a:fld>
+            <a:endParaRPr lang="en-US"/>
+          </a:p>
+        </p:txBody>
+      </p:sp>
+      <p:sp>
+        <p:nvSpPr>
+          <p:cNvPr id="4" name="Slide Image Placeholder 3"/>
+          <p:cNvSpPr>
+            <a:spLocks noGrp="1" noRot="1" noChangeAspect="1"/>
+          </p:cNvSpPr>
+          <p:nvPr>
+            <p:ph type="sldImg" idx="2"/>
+          </p:nvPr>
+        </p:nvSpPr>
+        <p:spPr>
+          <a:xfrm>
+            <a:off x="685800" y="1143000"/>
+            <a:ext cx="5486400" cy="3086100"/>
+          </a:xfrm>
+          <a:prstGeom prst="rect">
+            <a:avLst/>
+          </a:prstGeom>
+          <a:noFill/>
+          <a:ln w="12700">
+            <a:solidFill>
+              <a:prstClr val="black"/>
+            </a:solidFill>
+          </a:ln>
+        </p:spPr>
+        <p:txBody>
+          <a:bodyPr vert="horz" lIns="91440" tIns="45720" rIns="91440" bIns="45720" rtlCol="0" anchor="ctr"/>
+          <a:lstStyle/>
+          <a:p>
+            <a:endParaRPr lang="en-US"/>
+          </a:p>
+        </p:txBody>
+      </p:sp>
+      <p:sp>
+        <p:nvSpPr>
+          <p:cNvPr id="5" name="Notes Placeholder 4"/>
+          <p:cNvSpPr>
+            <a:spLocks noGrp="1"/>
+          </p:cNvSpPr>
+          <p:nvPr>
+            <p:ph type="body" sz="quarter" idx="3"/>
+          </p:nvPr>
+        </p:nvSpPr>
+        <p:spPr>
+          <a:xfrm>
+            <a:off x="685800" y="4400550"/>
+            <a:ext cx="5486400" cy="3600450"/>
+          </a:xfrm>
+          <a:prstGeom prst="rect">
+            <a:avLst/>
+          </a:prstGeom>
+        </p:spPr>
+        <p:txBody>
+          <a:bodyPr vert="horz" lIns="91440" tIns="45720" rIns="91440" bIns="45720" rtlCol="0"/>
+          <a:lstStyle/>
+          <a:p>
+            <a:pPr lvl="0"/>
+            <a:r>
+              <a:rPr lang="en-US"/>
+              <a:t>Edit Master text styles</a:t>
+            </a:r>
+          </a:p>
+          <a:p>
+            <a:pPr lvl="1"/>
+            <a:r>
+              <a:rPr lang="en-US"/>
+              <a:t>Second level</a:t>
+            </a:r>
+          </a:p>
+          <a:p>
+            <a:pPr lvl="2"/>
+            <a:r>
+              <a:rPr lang="en-US"/>
+              <a:t>Third level</a:t>
+            </a:r>
+          </a:p>
+          <a:p>
+            <a:pPr lvl="3"/>
+            <a:r>
+              <a:rPr lang="en-US"/>
+              <a:t>Fourth level</a:t>
+            </a:r>
+          </a:p>
+          <a:p>
+            <a:pPr lvl="4"/>
+            <a:r>
+              <a:rPr lang="en-US"/>
+              <a:t>Fifth level</a:t>
+            </a:r>
+          </a:p>
+        </p:txBody>
+      </p:sp>
+      <p:sp>
+        <p:nvSpPr>
+          <p:cNvPr id="6" name="Footer Placeholder 5"/>
+          <p:cNvSpPr>
+            <a:spLocks noGrp="1"/>
+          </p:cNvSpPr>
+          <p:nvPr>
+            <p:ph type="ftr" sz="quarter" idx="4"/>
+          </p:nvPr>
+        </p:nvSpPr>
+        <p:spPr>
+          <a:xfrm>
+            <a:off x="0" y="8685213"/>
+            <a:ext cx="2971800" cy="458787"/>
+          </a:xfrm>
+          <a:prstGeom prst="rect">
+            <a:avLst/>
+          </a:prstGeom>
+        </p:spPr>
+        <p:txBody>
+          <a:bodyPr vert="horz" lIns="91440" tIns="45720" rIns="91440" bIns="45720" rtlCol="0" anchor="b"/>
+          <a:lstStyle>
+            <a:lvl1pPr algn="l">
+              <a:defRPr sz="1200"/>
+            </a:lvl1pPr>
+          </a:lstStyle>
+          <a:p>
+            <a:endParaRPr lang="en-US"/>
+          </a:p>
+        </p:txBody>
+      </p:sp>
+      <p:sp>
+        <p:nvSpPr>
+          <p:cNvPr id="7" name="Slide Number Placeholder 6"/>
+          <p:cNvSpPr>
+            <a:spLocks noGrp="1"/>
+          </p:cNvSpPr>
+          <p:nvPr>
+            <p:ph type="sldNum" sz="quarter" idx="5"/>
+          </p:nvPr>
+        </p:nvSpPr>
+        <p:spPr>
+          <a:xfrm>
+            <a:off x="3884613" y="8685213"/>
+            <a:ext cx="2971800" cy="458787"/>
+          </a:xfrm>
+          <a:prstGeom prst="rect">
+            <a:avLst/>
+          </a:prstGeom>
+        </p:spPr>
+        <p:txBody>
+          <a:bodyPr vert="horz" lIns="91440" tIns="45720" rIns="91440" bIns="45720" rtlCol="0" anchor="b"/>
+          <a:lstStyle>
+            <a:lvl1pPr algn="r">
+              <a:defRPr sz="1200"/>
+            </a:lvl1pPr>
+          </a:lstStyle>
+          <a:p>
+            <a:fld id="{AD6329FF-201C-4BBD-881E-77C930AD7B27}" type="slidenum">
+              <a:rPr lang="en-US" smtClean="0"/>
+              <a:t>‹#›</a:t>
+            </a:fld>
+            <a:endParaRPr lang="en-US"/>
+          </a:p>
+        </p:txBody>
+      </p:sp>
+    </p:spTree>
+    <p:extLst>
+      <p:ext uri="{BB962C8B-B14F-4D97-AF65-F5344CB8AC3E}">
+        <p14:creationId xmlns:p14="http://schemas.microsoft.com/office/powerpoint/2010/main" val="3171984209"/>
+      </p:ext>
+    </p:extLst>
+  </p:cSld>
+  <p:clrMap bg1="lt1" tx1="dk1" bg2="lt2" tx2="dk2" accent1="accent1" accent2="accent2" accent3="accent3" accent4="accent4" accent5="accent5" accent6="accent6" hlink="hlink" folHlink="folHlink"/>
+  <p:notesStyle>
+    <a:lvl1pPr marL="0" algn="l" defTabSz="914400" rtl="0" eaLnBrk="1" latinLnBrk="0" hangingPunct="1">
+      <a:defRPr sz="1200" kern="1200">
+        <a:solidFill>
+          <a:schemeClr val="tx1"/>
+        </a:solidFill>
+        <a:latin typeface="+mn-lt"/>
+        <a:ea typeface="+mn-ea"/>
+        <a:cs typeface="+mn-cs"/>
+      </a:defRPr>
+    </a:lvl1pPr>
+    <a:lvl2pPr marL="457200" algn="l" defTabSz="914400" rtl="0" eaLnBrk="1" latinLnBrk="0" hangingPunct="1">
+      <a:defRPr sz="1200" kern="1200">
+        <a:solidFill>
+          <a:schemeClr val="tx1"/>
+        </a:solidFill>
+        <a:latin typeface="+mn-lt"/>
+        <a:ea typeface="+mn-ea"/>
+        <a:cs typeface="+mn-cs"/>
+      </a:defRPr>
+    </a:lvl2pPr>
+    <a:lvl3pPr marL="914400" algn="l" defTabSz="914400" rtl="0" eaLnBrk="1" latinLnBrk="0" hangingPunct="1">
+      <a:defRPr sz="1200" kern="1200">
+        <a:solidFill>
+          <a:schemeClr val="tx1"/>
+        </a:solidFill>
+        <a:latin typeface="+mn-lt"/>
+        <a:ea typeface="+mn-ea"/>
+        <a:cs typeface="+mn-cs"/>
+      </a:defRPr>
+    </a:lvl3pPr>
+    <a:lvl4pPr marL="1371600" algn="l" defTabSz="914400" rtl="0" eaLnBrk="1" latinLnBrk="0" hangingPunct="1">
+      <a:defRPr sz="1200" kern="1200">
+        <a:solidFill>
+          <a:schemeClr val="tx1"/>
+        </a:solidFill>
+        <a:latin typeface="+mn-lt"/>
+        <a:ea typeface="+mn-ea"/>
+        <a:cs typeface="+mn-cs"/>
+      </a:defRPr>
+    </a:lvl4pPr>
+    <a:lvl5pPr marL="1828800" algn="l" defTabSz="914400" rtl="0" eaLnBrk="1" latinLnBrk="0" hangingPunct="1">
+      <a:defRPr sz="1200" kern="1200">
+        <a:solidFill>
+          <a:schemeClr val="tx1"/>
+        </a:solidFill>
+        <a:latin typeface="+mn-lt"/>
+        <a:ea typeface="+mn-ea"/>
+        <a:cs typeface="+mn-cs"/>
+      </a:defRPr>
+    </a:lvl5pPr>
+    <a:lvl6pPr marL="2286000" algn="l" defTabSz="914400" rtl="0" eaLnBrk="1" latinLnBrk="0" hangingPunct="1">
+      <a:defRPr sz="1200" kern="1200">
+        <a:solidFill>
+          <a:schemeClr val="tx1"/>
+        </a:solidFill>
+        <a:latin typeface="+mn-lt"/>
+        <a:ea typeface="+mn-ea"/>
+        <a:cs typeface="+mn-cs"/>
+      </a:defRPr>
+    </a:lvl6pPr>
+    <a:lvl7pPr marL="2743200" algn="l" defTabSz="914400" rtl="0" eaLnBrk="1" latinLnBrk="0" hangingPunct="1">
+      <a:defRPr sz="1200" kern="1200">
+        <a:solidFill>
+          <a:schemeClr val="tx1"/>
+        </a:solidFill>
+        <a:latin typeface="+mn-lt"/>
+        <a:ea typeface="+mn-ea"/>
+        <a:cs typeface="+mn-cs"/>
+      </a:defRPr>
+    </a:lvl7pPr>
+    <a:lvl8pPr marL="3200400" algn="l" defTabSz="914400" rtl="0" eaLnBrk="1" latinLnBrk="0" hangingPunct="1">
+      <a:defRPr sz="1200" kern="1200">
+        <a:solidFill>
+          <a:schemeClr val="tx1"/>
+        </a:solidFill>
+        <a:latin typeface="+mn-lt"/>
+        <a:ea typeface="+mn-ea"/>
+        <a:cs typeface="+mn-cs"/>
+      </a:defRPr>
+    </a:lvl8pPr>
+    <a:lvl9pPr marL="3657600" algn="l" defTabSz="914400" rtl="0" eaLnBrk="1" latinLnBrk="0" hangingPunct="1">
+      <a:defRPr sz="1200" kern="1200">
+        <a:solidFill>
+          <a:schemeClr val="tx1"/>
+        </a:solidFill>
+        <a:latin typeface="+mn-lt"/>
+        <a:ea typeface="+mn-ea"/>
+        <a:cs typeface="+mn-cs"/>
+      </a:defRPr>
+    </a:lvl9pPr>
+  </p:notesStyle>
+</p:notesMaster>
+</file>
+
+<file path=ppt/notesSlides/notesSlide1.xml><?xml version="1.0" encoding="utf-8"?>
+<p:notes xmlns:a="http://schemas.openxmlformats.org/drawingml/2006/main" xmlns:r="http://schemas.openxmlformats.org/officeDocument/2006/relationships" xmlns:p="http://schemas.openxmlformats.org/presentationml/2006/main">
+  <p:cSld>
+    <p:spTree>
+      <p:nvGrpSpPr>
+        <p:cNvPr id="1" name=""/>
+        <p:cNvGrpSpPr/>
+        <p:nvPr/>
+      </p:nvGrpSpPr>
+      <p:grpSpPr>
+        <a:xfrm>
+          <a:off x="0" y="0"/>
+          <a:ext cx="0" cy="0"/>
+          <a:chOff x="0" y="0"/>
+          <a:chExt cx="0" cy="0"/>
+        </a:xfrm>
+      </p:grpSpPr>
+      <p:sp>
+        <p:nvSpPr>
+          <p:cNvPr id="2" name="Slide Image Placeholder 1"/>
+          <p:cNvSpPr>
+            <a:spLocks noGrp="1" noRot="1" noChangeAspect="1"/>
+          </p:cNvSpPr>
+          <p:nvPr>
+            <p:ph type="sldImg"/>
+          </p:nvPr>
+        </p:nvSpPr>
+        <p:spPr/>
+      </p:sp>
+      <p:sp>
+        <p:nvSpPr>
+          <p:cNvPr id="3" name="Notes Placeholder 2"/>
+          <p:cNvSpPr>
+            <a:spLocks noGrp="1"/>
+          </p:cNvSpPr>
+          <p:nvPr>
+            <p:ph type="body" idx="1"/>
+          </p:nvPr>
+        </p:nvSpPr>
+        <p:spPr/>
+        <p:txBody>
+          <a:bodyPr/>
+          <a:lstStyle/>
+          <a:p>
+            <a:r>
+              <a:rPr lang="en-US" dirty="0"/>
+              <a:t>Schematic of filter. Explains why maximum flow in branches is two times the flow through each layer.</a:t>
+            </a:r>
+          </a:p>
+        </p:txBody>
+      </p:sp>
+      <p:sp>
+        <p:nvSpPr>
+          <p:cNvPr id="4" name="Slide Number Placeholder 3"/>
+          <p:cNvSpPr>
+            <a:spLocks noGrp="1"/>
+          </p:cNvSpPr>
+          <p:nvPr>
+            <p:ph type="sldNum" sz="quarter" idx="10"/>
+          </p:nvPr>
+        </p:nvSpPr>
+        <p:spPr/>
+        <p:txBody>
+          <a:bodyPr/>
+          <a:lstStyle/>
+          <a:p>
+            <a:fld id="{AD6329FF-201C-4BBD-881E-77C930AD7B27}" type="slidenum">
+              <a:rPr lang="en-US" smtClean="0"/>
+              <a:t>8</a:t>
+            </a:fld>
+            <a:endParaRPr lang="en-US"/>
+          </a:p>
+        </p:txBody>
+      </p:sp>
+    </p:spTree>
+    <p:extLst>
+      <p:ext uri="{BB962C8B-B14F-4D97-AF65-F5344CB8AC3E}">
+        <p14:creationId xmlns:p14="http://schemas.microsoft.com/office/powerpoint/2010/main" val="877178696"/>
+      </p:ext>
+    </p:extLst>
+  </p:cSld>
+  <p:clrMapOvr>
+    <a:masterClrMapping/>
+  </p:clrMapOvr>
+</p:notes>
 </file>
 
 <file path=ppt/slideLayouts/slideLayout1.xml><?xml version="1.0" encoding="utf-8"?>
@@ -274,7 +713,7 @@
           <a:p>
             <a:fld id="{3721CA93-E140-4E2A-A30C-04BF0C6AAEA4}" type="datetimeFigureOut">
               <a:rPr lang="en-US" smtClean="0"/>
-              <a:t>7/31/2018</a:t>
+              <a:t>10/2/2018</a:t>
             </a:fld>
             <a:endParaRPr lang="en-US"/>
           </a:p>
@@ -472,7 +911,7 @@
           <a:p>
             <a:fld id="{3721CA93-E140-4E2A-A30C-04BF0C6AAEA4}" type="datetimeFigureOut">
               <a:rPr lang="en-US" smtClean="0"/>
-              <a:t>7/31/2018</a:t>
+              <a:t>10/2/2018</a:t>
             </a:fld>
             <a:endParaRPr lang="en-US"/>
           </a:p>
@@ -680,7 +1119,7 @@
           <a:p>
             <a:fld id="{3721CA93-E140-4E2A-A30C-04BF0C6AAEA4}" type="datetimeFigureOut">
               <a:rPr lang="en-US" smtClean="0"/>
-              <a:t>7/31/2018</a:t>
+              <a:t>10/2/2018</a:t>
             </a:fld>
             <a:endParaRPr lang="en-US"/>
           </a:p>
@@ -878,7 +1317,7 @@
           <a:p>
             <a:fld id="{3721CA93-E140-4E2A-A30C-04BF0C6AAEA4}" type="datetimeFigureOut">
               <a:rPr lang="en-US" smtClean="0"/>
-              <a:t>7/31/2018</a:t>
+              <a:t>10/2/2018</a:t>
             </a:fld>
             <a:endParaRPr lang="en-US"/>
           </a:p>
@@ -1153,7 +1592,7 @@
           <a:p>
             <a:fld id="{3721CA93-E140-4E2A-A30C-04BF0C6AAEA4}" type="datetimeFigureOut">
               <a:rPr lang="en-US" smtClean="0"/>
-              <a:t>7/31/2018</a:t>
+              <a:t>10/2/2018</a:t>
             </a:fld>
             <a:endParaRPr lang="en-US"/>
           </a:p>
@@ -1418,7 +1857,7 @@
           <a:p>
             <a:fld id="{3721CA93-E140-4E2A-A30C-04BF0C6AAEA4}" type="datetimeFigureOut">
               <a:rPr lang="en-US" smtClean="0"/>
-              <a:t>7/31/2018</a:t>
+              <a:t>10/2/2018</a:t>
             </a:fld>
             <a:endParaRPr lang="en-US"/>
           </a:p>
@@ -1830,7 +2269,7 @@
           <a:p>
             <a:fld id="{3721CA93-E140-4E2A-A30C-04BF0C6AAEA4}" type="datetimeFigureOut">
               <a:rPr lang="en-US" smtClean="0"/>
-              <a:t>7/31/2018</a:t>
+              <a:t>10/2/2018</a:t>
             </a:fld>
             <a:endParaRPr lang="en-US"/>
           </a:p>
@@ -1971,7 +2410,7 @@
           <a:p>
             <a:fld id="{3721CA93-E140-4E2A-A30C-04BF0C6AAEA4}" type="datetimeFigureOut">
               <a:rPr lang="en-US" smtClean="0"/>
-              <a:t>7/31/2018</a:t>
+              <a:t>10/2/2018</a:t>
             </a:fld>
             <a:endParaRPr lang="en-US"/>
           </a:p>
@@ -2084,7 +2523,7 @@
           <a:p>
             <a:fld id="{3721CA93-E140-4E2A-A30C-04BF0C6AAEA4}" type="datetimeFigureOut">
               <a:rPr lang="en-US" smtClean="0"/>
-              <a:t>7/31/2018</a:t>
+              <a:t>10/2/2018</a:t>
             </a:fld>
             <a:endParaRPr lang="en-US"/>
           </a:p>
@@ -2395,7 +2834,7 @@
           <a:p>
             <a:fld id="{3721CA93-E140-4E2A-A30C-04BF0C6AAEA4}" type="datetimeFigureOut">
               <a:rPr lang="en-US" smtClean="0"/>
-              <a:t>7/31/2018</a:t>
+              <a:t>10/2/2018</a:t>
             </a:fld>
             <a:endParaRPr lang="en-US"/>
           </a:p>
@@ -2683,7 +3122,7 @@
           <a:p>
             <a:fld id="{3721CA93-E140-4E2A-A30C-04BF0C6AAEA4}" type="datetimeFigureOut">
               <a:rPr lang="en-US" smtClean="0"/>
-              <a:t>7/31/2018</a:t>
+              <a:t>10/2/2018</a:t>
             </a:fld>
             <a:endParaRPr lang="en-US"/>
           </a:p>
@@ -2924,7 +3363,7 @@
           <a:p>
             <a:fld id="{3721CA93-E140-4E2A-A30C-04BF0C6AAEA4}" type="datetimeFigureOut">
               <a:rPr lang="en-US" smtClean="0"/>
-              <a:t>7/31/2018</a:t>
+              <a:t>10/2/2018</a:t>
             </a:fld>
             <a:endParaRPr lang="en-US"/>
           </a:p>
@@ -10713,56 +11152,1273 @@
           <a:chExt cx="0" cy="0"/>
         </a:xfrm>
       </p:grpSpPr>
-      <p:sp>
-        <p:nvSpPr>
-          <p:cNvPr id="2" name="Title 1">
+      <p:grpSp>
+        <p:nvGrpSpPr>
+          <p:cNvPr id="31" name="Group 30">
             <a:extLst>
               <a:ext uri="{FF2B5EF4-FFF2-40B4-BE49-F238E27FC236}">
-                <a16:creationId xmlns:a16="http://schemas.microsoft.com/office/drawing/2014/main" id="{A785B32D-6303-4DF1-B389-1A9E38E62C1D}"/>
+                <a16:creationId xmlns:a16="http://schemas.microsoft.com/office/drawing/2014/main" id="{9D996022-8A2E-4A53-8920-B4DB2F0D02D7}"/>
               </a:ext>
             </a:extLst>
           </p:cNvPr>
-          <p:cNvSpPr>
-            <a:spLocks noGrp="1"/>
-          </p:cNvSpPr>
-          <p:nvPr>
-            <p:ph type="title"/>
-          </p:nvPr>
-        </p:nvSpPr>
-        <p:spPr/>
-        <p:txBody>
-          <a:bodyPr/>
-          <a:lstStyle/>
-          <a:p>
-            <a:endParaRPr lang="en-US"/>
-          </a:p>
-        </p:txBody>
-      </p:sp>
-      <p:sp>
-        <p:nvSpPr>
-          <p:cNvPr id="3" name="Content Placeholder 2">
+          <p:cNvGrpSpPr/>
+          <p:nvPr/>
+        </p:nvGrpSpPr>
+        <p:grpSpPr>
+          <a:xfrm>
+            <a:off x="821738" y="0"/>
+            <a:ext cx="10548523" cy="5862284"/>
+            <a:chOff x="186520" y="-549388"/>
+            <a:chExt cx="11132024" cy="6374707"/>
+          </a:xfrm>
+        </p:grpSpPr>
+        <p:sp>
+          <p:nvSpPr>
+            <p:cNvPr id="7" name="Rectangle 6">
+              <a:extLst>
+                <a:ext uri="{FF2B5EF4-FFF2-40B4-BE49-F238E27FC236}">
+                  <a16:creationId xmlns:a16="http://schemas.microsoft.com/office/drawing/2014/main" id="{9F6861DA-529A-4877-8380-8F22E6B1D217}"/>
+                </a:ext>
+              </a:extLst>
+            </p:cNvPr>
+            <p:cNvSpPr/>
+            <p:nvPr/>
+          </p:nvSpPr>
+          <p:spPr>
+            <a:xfrm>
+              <a:off x="1935945" y="-549388"/>
+              <a:ext cx="8469576" cy="6135872"/>
+            </a:xfrm>
+            <a:prstGeom prst="rect">
+              <a:avLst/>
+            </a:prstGeom>
+            <a:solidFill>
+              <a:schemeClr val="accent4">
+                <a:lumMod val="40000"/>
+                <a:lumOff val="60000"/>
+              </a:schemeClr>
+            </a:solidFill>
+          </p:spPr>
+          <p:style>
+            <a:lnRef idx="2">
+              <a:schemeClr val="accent1">
+                <a:shade val="50000"/>
+              </a:schemeClr>
+            </a:lnRef>
+            <a:fillRef idx="1">
+              <a:schemeClr val="accent1"/>
+            </a:fillRef>
+            <a:effectRef idx="0">
+              <a:schemeClr val="accent1"/>
+            </a:effectRef>
+            <a:fontRef idx="minor">
+              <a:schemeClr val="lt1"/>
+            </a:fontRef>
+          </p:style>
+          <p:txBody>
+            <a:bodyPr rtlCol="0" anchor="ctr"/>
+            <a:lstStyle/>
+            <a:p>
+              <a:pPr algn="ctr"/>
+              <a:endParaRPr lang="en-US"/>
+            </a:p>
+          </p:txBody>
+        </p:sp>
+        <p:sp>
+          <p:nvSpPr>
+            <p:cNvPr id="4" name="Rectangle: Rounded Corners 3">
+              <a:extLst>
+                <a:ext uri="{FF2B5EF4-FFF2-40B4-BE49-F238E27FC236}">
+                  <a16:creationId xmlns:a16="http://schemas.microsoft.com/office/drawing/2014/main" id="{87B4A4D7-9AFC-4156-9C05-A6B1EC55DA8E}"/>
+                </a:ext>
+              </a:extLst>
+            </p:cNvPr>
+            <p:cNvSpPr/>
+            <p:nvPr/>
+          </p:nvSpPr>
+          <p:spPr>
+            <a:xfrm>
+              <a:off x="818865" y="3029230"/>
+              <a:ext cx="8570795" cy="286603"/>
+            </a:xfrm>
+            <a:prstGeom prst="roundRect">
+              <a:avLst/>
+            </a:prstGeom>
+          </p:spPr>
+          <p:style>
+            <a:lnRef idx="2">
+              <a:schemeClr val="accent1">
+                <a:shade val="50000"/>
+              </a:schemeClr>
+            </a:lnRef>
+            <a:fillRef idx="1">
+              <a:schemeClr val="accent1"/>
+            </a:fillRef>
+            <a:effectRef idx="0">
+              <a:schemeClr val="accent1"/>
+            </a:effectRef>
+            <a:fontRef idx="minor">
+              <a:schemeClr val="lt1"/>
+            </a:fontRef>
+          </p:style>
+          <p:txBody>
+            <a:bodyPr rtlCol="0" anchor="ctr"/>
+            <a:lstStyle/>
+            <a:p>
+              <a:pPr algn="ctr"/>
+              <a:endParaRPr lang="en-US"/>
+            </a:p>
+          </p:txBody>
+        </p:sp>
+        <p:sp>
+          <p:nvSpPr>
+            <p:cNvPr id="5" name="Rectangle: Rounded Corners 4">
+              <a:extLst>
+                <a:ext uri="{FF2B5EF4-FFF2-40B4-BE49-F238E27FC236}">
+                  <a16:creationId xmlns:a16="http://schemas.microsoft.com/office/drawing/2014/main" id="{07A70499-05C9-40FD-A036-7D8AA7727EFA}"/>
+                </a:ext>
+              </a:extLst>
+            </p:cNvPr>
+            <p:cNvSpPr/>
+            <p:nvPr/>
+          </p:nvSpPr>
+          <p:spPr>
+            <a:xfrm>
+              <a:off x="2297371" y="5299881"/>
+              <a:ext cx="8570795" cy="286603"/>
+            </a:xfrm>
+            <a:prstGeom prst="roundRect">
+              <a:avLst/>
+            </a:prstGeom>
+          </p:spPr>
+          <p:style>
+            <a:lnRef idx="2">
+              <a:schemeClr val="accent1">
+                <a:shade val="50000"/>
+              </a:schemeClr>
+            </a:lnRef>
+            <a:fillRef idx="1">
+              <a:schemeClr val="accent1"/>
+            </a:fillRef>
+            <a:effectRef idx="0">
+              <a:schemeClr val="accent1"/>
+            </a:effectRef>
+            <a:fontRef idx="minor">
+              <a:schemeClr val="lt1"/>
+            </a:fontRef>
+          </p:style>
+          <p:txBody>
+            <a:bodyPr rtlCol="0" anchor="ctr"/>
+            <a:lstStyle/>
+            <a:p>
+              <a:pPr algn="ctr"/>
+              <a:endParaRPr lang="en-US"/>
+            </a:p>
+          </p:txBody>
+        </p:sp>
+        <p:sp>
+          <p:nvSpPr>
+            <p:cNvPr id="6" name="Rectangle: Rounded Corners 5">
+              <a:extLst>
+                <a:ext uri="{FF2B5EF4-FFF2-40B4-BE49-F238E27FC236}">
+                  <a16:creationId xmlns:a16="http://schemas.microsoft.com/office/drawing/2014/main" id="{F196353F-0834-4EE0-8AA0-8092F5FD38AC}"/>
+                </a:ext>
+              </a:extLst>
+            </p:cNvPr>
+            <p:cNvSpPr/>
+            <p:nvPr/>
+          </p:nvSpPr>
+          <p:spPr>
+            <a:xfrm>
+              <a:off x="2297372" y="782472"/>
+              <a:ext cx="8570795" cy="286603"/>
+            </a:xfrm>
+            <a:prstGeom prst="roundRect">
+              <a:avLst/>
+            </a:prstGeom>
+          </p:spPr>
+          <p:style>
+            <a:lnRef idx="2">
+              <a:schemeClr val="accent1">
+                <a:shade val="50000"/>
+              </a:schemeClr>
+            </a:lnRef>
+            <a:fillRef idx="1">
+              <a:schemeClr val="accent1"/>
+            </a:fillRef>
+            <a:effectRef idx="0">
+              <a:schemeClr val="accent1"/>
+            </a:effectRef>
+            <a:fontRef idx="minor">
+              <a:schemeClr val="lt1"/>
+            </a:fontRef>
+          </p:style>
+          <p:txBody>
+            <a:bodyPr rtlCol="0" anchor="ctr"/>
+            <a:lstStyle/>
+            <a:p>
+              <a:pPr algn="ctr"/>
+              <a:endParaRPr lang="en-US"/>
+            </a:p>
+          </p:txBody>
+        </p:sp>
+        <p:sp>
+          <p:nvSpPr>
+            <p:cNvPr id="8" name="Arrow: Right 7">
+              <a:extLst>
+                <a:ext uri="{FF2B5EF4-FFF2-40B4-BE49-F238E27FC236}">
+                  <a16:creationId xmlns:a16="http://schemas.microsoft.com/office/drawing/2014/main" id="{434838A0-AFF2-41B0-931C-5B0FB77CEA45}"/>
+                </a:ext>
+              </a:extLst>
+            </p:cNvPr>
+            <p:cNvSpPr/>
+            <p:nvPr/>
+          </p:nvSpPr>
+          <p:spPr>
+            <a:xfrm rot="10800000">
+              <a:off x="186520" y="2804615"/>
+              <a:ext cx="900752" cy="764274"/>
+            </a:xfrm>
+            <a:prstGeom prst="rightArrow">
+              <a:avLst/>
+            </a:prstGeom>
+            <a:solidFill>
+              <a:schemeClr val="accent1">
+                <a:lumMod val="75000"/>
+              </a:schemeClr>
+            </a:solidFill>
+          </p:spPr>
+          <p:style>
+            <a:lnRef idx="2">
+              <a:schemeClr val="accent1">
+                <a:shade val="50000"/>
+              </a:schemeClr>
+            </a:lnRef>
+            <a:fillRef idx="1">
+              <a:schemeClr val="accent1"/>
+            </a:fillRef>
+            <a:effectRef idx="0">
+              <a:schemeClr val="accent1"/>
+            </a:effectRef>
+            <a:fontRef idx="minor">
+              <a:schemeClr val="lt1"/>
+            </a:fontRef>
+          </p:style>
+          <p:txBody>
+            <a:bodyPr rtlCol="0" anchor="ctr"/>
+            <a:lstStyle/>
+            <a:p>
+              <a:pPr algn="ctr"/>
+              <a:endParaRPr lang="en-US"/>
+            </a:p>
+          </p:txBody>
+        </p:sp>
+        <p:sp>
+          <p:nvSpPr>
+            <p:cNvPr id="9" name="Arrow: Right 8">
+              <a:extLst>
+                <a:ext uri="{FF2B5EF4-FFF2-40B4-BE49-F238E27FC236}">
+                  <a16:creationId xmlns:a16="http://schemas.microsoft.com/office/drawing/2014/main" id="{0E056674-48EB-4EBE-80E6-5C1FA2BB7954}"/>
+                </a:ext>
+              </a:extLst>
+            </p:cNvPr>
+            <p:cNvSpPr/>
+            <p:nvPr/>
+          </p:nvSpPr>
+          <p:spPr>
+            <a:xfrm rot="10800000">
+              <a:off x="10417792" y="5061045"/>
+              <a:ext cx="900752" cy="764274"/>
+            </a:xfrm>
+            <a:prstGeom prst="rightArrow">
+              <a:avLst/>
+            </a:prstGeom>
+            <a:solidFill>
+              <a:schemeClr val="accent1">
+                <a:lumMod val="75000"/>
+              </a:schemeClr>
+            </a:solidFill>
+          </p:spPr>
+          <p:style>
+            <a:lnRef idx="2">
+              <a:schemeClr val="accent1">
+                <a:shade val="50000"/>
+              </a:schemeClr>
+            </a:lnRef>
+            <a:fillRef idx="1">
+              <a:schemeClr val="accent1"/>
+            </a:fillRef>
+            <a:effectRef idx="0">
+              <a:schemeClr val="accent1"/>
+            </a:effectRef>
+            <a:fontRef idx="minor">
+              <a:schemeClr val="lt1"/>
+            </a:fontRef>
+          </p:style>
+          <p:txBody>
+            <a:bodyPr rtlCol="0" anchor="ctr"/>
+            <a:lstStyle/>
+            <a:p>
+              <a:pPr algn="ctr"/>
+              <a:endParaRPr lang="en-US"/>
+            </a:p>
+          </p:txBody>
+        </p:sp>
+        <p:sp>
+          <p:nvSpPr>
+            <p:cNvPr id="10" name="Arrow: Right 9">
+              <a:extLst>
+                <a:ext uri="{FF2B5EF4-FFF2-40B4-BE49-F238E27FC236}">
+                  <a16:creationId xmlns:a16="http://schemas.microsoft.com/office/drawing/2014/main" id="{70F8443E-1E47-4EE8-888F-C1ECAA8A72C6}"/>
+                </a:ext>
+              </a:extLst>
+            </p:cNvPr>
+            <p:cNvSpPr/>
+            <p:nvPr/>
+          </p:nvSpPr>
+          <p:spPr>
+            <a:xfrm rot="10800000">
+              <a:off x="10373437" y="507242"/>
+              <a:ext cx="900752" cy="764274"/>
+            </a:xfrm>
+            <a:prstGeom prst="rightArrow">
+              <a:avLst/>
+            </a:prstGeom>
+            <a:solidFill>
+              <a:schemeClr val="accent1">
+                <a:lumMod val="75000"/>
+              </a:schemeClr>
+            </a:solidFill>
+          </p:spPr>
+          <p:style>
+            <a:lnRef idx="2">
+              <a:schemeClr val="accent1">
+                <a:shade val="50000"/>
+              </a:schemeClr>
+            </a:lnRef>
+            <a:fillRef idx="1">
+              <a:schemeClr val="accent1"/>
+            </a:fillRef>
+            <a:effectRef idx="0">
+              <a:schemeClr val="accent1"/>
+            </a:effectRef>
+            <a:fontRef idx="minor">
+              <a:schemeClr val="lt1"/>
+            </a:fontRef>
+          </p:style>
+          <p:txBody>
+            <a:bodyPr rtlCol="0" anchor="ctr"/>
+            <a:lstStyle/>
+            <a:p>
+              <a:pPr algn="ctr"/>
+              <a:endParaRPr lang="en-US"/>
+            </a:p>
+          </p:txBody>
+        </p:sp>
+        <p:grpSp>
+          <p:nvGrpSpPr>
+            <p:cNvPr id="18" name="Group 17">
+              <a:extLst>
+                <a:ext uri="{FF2B5EF4-FFF2-40B4-BE49-F238E27FC236}">
+                  <a16:creationId xmlns:a16="http://schemas.microsoft.com/office/drawing/2014/main" id="{5CA18F65-5CED-429B-B6F1-8935F3FC7259}"/>
+                </a:ext>
+              </a:extLst>
+            </p:cNvPr>
+            <p:cNvGrpSpPr/>
+            <p:nvPr/>
+          </p:nvGrpSpPr>
+          <p:grpSpPr>
+            <a:xfrm>
+              <a:off x="4021542" y="1287439"/>
+              <a:ext cx="4799464" cy="1552432"/>
+              <a:chOff x="4021542" y="1287439"/>
+              <a:chExt cx="4799464" cy="1552432"/>
+            </a:xfrm>
+          </p:grpSpPr>
+          <p:sp>
+            <p:nvSpPr>
+              <p:cNvPr id="14" name="Arrow: Down 13">
+                <a:extLst>
+                  <a:ext uri="{FF2B5EF4-FFF2-40B4-BE49-F238E27FC236}">
+                    <a16:creationId xmlns:a16="http://schemas.microsoft.com/office/drawing/2014/main" id="{5AC22484-5A22-4B74-A1C7-8076AC0EC85F}"/>
+                  </a:ext>
+                </a:extLst>
+              </p:cNvPr>
+              <p:cNvSpPr/>
+              <p:nvPr/>
+            </p:nvSpPr>
+            <p:spPr>
+              <a:xfrm>
+                <a:off x="4021542" y="1287439"/>
+                <a:ext cx="477671" cy="1533099"/>
+              </a:xfrm>
+              <a:prstGeom prst="downArrow">
+                <a:avLst/>
+              </a:prstGeom>
+              <a:solidFill>
+                <a:schemeClr val="accent1">
+                  <a:lumMod val="75000"/>
+                </a:schemeClr>
+              </a:solidFill>
+            </p:spPr>
+            <p:style>
+              <a:lnRef idx="2">
+                <a:schemeClr val="accent1">
+                  <a:shade val="50000"/>
+                </a:schemeClr>
+              </a:lnRef>
+              <a:fillRef idx="1">
+                <a:schemeClr val="accent1"/>
+              </a:fillRef>
+              <a:effectRef idx="0">
+                <a:schemeClr val="accent1"/>
+              </a:effectRef>
+              <a:fontRef idx="minor">
+                <a:schemeClr val="lt1"/>
+              </a:fontRef>
+            </p:style>
+            <p:txBody>
+              <a:bodyPr rtlCol="0" anchor="ctr"/>
+              <a:lstStyle/>
+              <a:p>
+                <a:pPr algn="ctr"/>
+                <a:endParaRPr lang="en-US"/>
+              </a:p>
+            </p:txBody>
+          </p:sp>
+          <p:sp>
+            <p:nvSpPr>
+              <p:cNvPr id="15" name="Arrow: Down 14">
+                <a:extLst>
+                  <a:ext uri="{FF2B5EF4-FFF2-40B4-BE49-F238E27FC236}">
+                    <a16:creationId xmlns:a16="http://schemas.microsoft.com/office/drawing/2014/main" id="{49D6E90C-C51E-484D-AE65-A2CA745E0EE8}"/>
+                  </a:ext>
+                </a:extLst>
+              </p:cNvPr>
+              <p:cNvSpPr/>
+              <p:nvPr/>
+            </p:nvSpPr>
+            <p:spPr>
+              <a:xfrm>
+                <a:off x="5546679" y="1299945"/>
+                <a:ext cx="477671" cy="1533099"/>
+              </a:xfrm>
+              <a:prstGeom prst="downArrow">
+                <a:avLst/>
+              </a:prstGeom>
+              <a:solidFill>
+                <a:schemeClr val="accent1">
+                  <a:lumMod val="75000"/>
+                </a:schemeClr>
+              </a:solidFill>
+            </p:spPr>
+            <p:style>
+              <a:lnRef idx="2">
+                <a:schemeClr val="accent1">
+                  <a:shade val="50000"/>
+                </a:schemeClr>
+              </a:lnRef>
+              <a:fillRef idx="1">
+                <a:schemeClr val="accent1"/>
+              </a:fillRef>
+              <a:effectRef idx="0">
+                <a:schemeClr val="accent1"/>
+              </a:effectRef>
+              <a:fontRef idx="minor">
+                <a:schemeClr val="lt1"/>
+              </a:fontRef>
+            </p:style>
+            <p:txBody>
+              <a:bodyPr rtlCol="0" anchor="ctr"/>
+              <a:lstStyle/>
+              <a:p>
+                <a:pPr algn="ctr"/>
+                <a:endParaRPr lang="en-US"/>
+              </a:p>
+            </p:txBody>
+          </p:sp>
+          <p:sp>
+            <p:nvSpPr>
+              <p:cNvPr id="16" name="Arrow: Down 15">
+                <a:extLst>
+                  <a:ext uri="{FF2B5EF4-FFF2-40B4-BE49-F238E27FC236}">
+                    <a16:creationId xmlns:a16="http://schemas.microsoft.com/office/drawing/2014/main" id="{48063A23-1F51-4B40-9E6A-6D94EC34952F}"/>
+                  </a:ext>
+                </a:extLst>
+              </p:cNvPr>
+              <p:cNvSpPr/>
+              <p:nvPr/>
+            </p:nvSpPr>
+            <p:spPr>
+              <a:xfrm>
+                <a:off x="7044521" y="1306771"/>
+                <a:ext cx="477671" cy="1533099"/>
+              </a:xfrm>
+              <a:prstGeom prst="downArrow">
+                <a:avLst/>
+              </a:prstGeom>
+              <a:solidFill>
+                <a:schemeClr val="accent1">
+                  <a:lumMod val="75000"/>
+                </a:schemeClr>
+              </a:solidFill>
+            </p:spPr>
+            <p:style>
+              <a:lnRef idx="2">
+                <a:schemeClr val="accent1">
+                  <a:shade val="50000"/>
+                </a:schemeClr>
+              </a:lnRef>
+              <a:fillRef idx="1">
+                <a:schemeClr val="accent1"/>
+              </a:fillRef>
+              <a:effectRef idx="0">
+                <a:schemeClr val="accent1"/>
+              </a:effectRef>
+              <a:fontRef idx="minor">
+                <a:schemeClr val="lt1"/>
+              </a:fontRef>
+            </p:style>
+            <p:txBody>
+              <a:bodyPr rtlCol="0" anchor="ctr"/>
+              <a:lstStyle/>
+              <a:p>
+                <a:pPr algn="ctr"/>
+                <a:endParaRPr lang="en-US"/>
+              </a:p>
+            </p:txBody>
+          </p:sp>
+          <p:sp>
+            <p:nvSpPr>
+              <p:cNvPr id="17" name="Arrow: Down 16">
+                <a:extLst>
+                  <a:ext uri="{FF2B5EF4-FFF2-40B4-BE49-F238E27FC236}">
+                    <a16:creationId xmlns:a16="http://schemas.microsoft.com/office/drawing/2014/main" id="{7F95197D-DD8B-4968-A450-73A59FAAF6DC}"/>
+                  </a:ext>
+                </a:extLst>
+              </p:cNvPr>
+              <p:cNvSpPr/>
+              <p:nvPr/>
+            </p:nvSpPr>
+            <p:spPr>
+              <a:xfrm>
+                <a:off x="8343335" y="1306772"/>
+                <a:ext cx="477671" cy="1533099"/>
+              </a:xfrm>
+              <a:prstGeom prst="downArrow">
+                <a:avLst/>
+              </a:prstGeom>
+              <a:solidFill>
+                <a:schemeClr val="accent1">
+                  <a:lumMod val="75000"/>
+                </a:schemeClr>
+              </a:solidFill>
+            </p:spPr>
+            <p:style>
+              <a:lnRef idx="2">
+                <a:schemeClr val="accent1">
+                  <a:shade val="50000"/>
+                </a:schemeClr>
+              </a:lnRef>
+              <a:fillRef idx="1">
+                <a:schemeClr val="accent1"/>
+              </a:fillRef>
+              <a:effectRef idx="0">
+                <a:schemeClr val="accent1"/>
+              </a:effectRef>
+              <a:fontRef idx="minor">
+                <a:schemeClr val="lt1"/>
+              </a:fontRef>
+            </p:style>
+            <p:txBody>
+              <a:bodyPr rtlCol="0" anchor="ctr"/>
+              <a:lstStyle/>
+              <a:p>
+                <a:pPr algn="ctr"/>
+                <a:endParaRPr lang="en-US"/>
+              </a:p>
+            </p:txBody>
+          </p:sp>
+        </p:grpSp>
+        <p:grpSp>
+          <p:nvGrpSpPr>
+            <p:cNvPr id="19" name="Group 18">
+              <a:extLst>
+                <a:ext uri="{FF2B5EF4-FFF2-40B4-BE49-F238E27FC236}">
+                  <a16:creationId xmlns:a16="http://schemas.microsoft.com/office/drawing/2014/main" id="{EB05B252-EEBD-4B3C-A2D1-7944D1383A0D}"/>
+                </a:ext>
+              </a:extLst>
+            </p:cNvPr>
+            <p:cNvGrpSpPr/>
+            <p:nvPr/>
+          </p:nvGrpSpPr>
+          <p:grpSpPr>
+            <a:xfrm rot="10800000">
+              <a:off x="2586251" y="3514286"/>
+              <a:ext cx="6234755" cy="1591116"/>
+              <a:chOff x="2614681" y="1262416"/>
+              <a:chExt cx="6234755" cy="1591116"/>
+            </a:xfrm>
+          </p:grpSpPr>
+          <p:sp>
+            <p:nvSpPr>
+              <p:cNvPr id="20" name="Arrow: Down 19">
+                <a:extLst>
+                  <a:ext uri="{FF2B5EF4-FFF2-40B4-BE49-F238E27FC236}">
+                    <a16:creationId xmlns:a16="http://schemas.microsoft.com/office/drawing/2014/main" id="{52387596-7E9C-473B-B90E-932C2848254E}"/>
+                  </a:ext>
+                </a:extLst>
+              </p:cNvPr>
+              <p:cNvSpPr/>
+              <p:nvPr/>
+            </p:nvSpPr>
+            <p:spPr>
+              <a:xfrm>
+                <a:off x="2614681" y="1262416"/>
+                <a:ext cx="477671" cy="1533099"/>
+              </a:xfrm>
+              <a:prstGeom prst="downArrow">
+                <a:avLst/>
+              </a:prstGeom>
+              <a:solidFill>
+                <a:schemeClr val="accent1">
+                  <a:lumMod val="75000"/>
+                </a:schemeClr>
+              </a:solidFill>
+            </p:spPr>
+            <p:style>
+              <a:lnRef idx="2">
+                <a:schemeClr val="accent1">
+                  <a:shade val="50000"/>
+                </a:schemeClr>
+              </a:lnRef>
+              <a:fillRef idx="1">
+                <a:schemeClr val="accent1"/>
+              </a:fillRef>
+              <a:effectRef idx="0">
+                <a:schemeClr val="accent1"/>
+              </a:effectRef>
+              <a:fontRef idx="minor">
+                <a:schemeClr val="lt1"/>
+              </a:fontRef>
+            </p:style>
+            <p:txBody>
+              <a:bodyPr rtlCol="0" anchor="ctr"/>
+              <a:lstStyle/>
+              <a:p>
+                <a:pPr algn="ctr"/>
+                <a:endParaRPr lang="en-US"/>
+              </a:p>
+            </p:txBody>
+          </p:sp>
+          <p:sp>
+            <p:nvSpPr>
+              <p:cNvPr id="21" name="Arrow: Down 20">
+                <a:extLst>
+                  <a:ext uri="{FF2B5EF4-FFF2-40B4-BE49-F238E27FC236}">
+                    <a16:creationId xmlns:a16="http://schemas.microsoft.com/office/drawing/2014/main" id="{D3C866E7-4C94-4108-95D7-6C277213B33F}"/>
+                  </a:ext>
+                </a:extLst>
+              </p:cNvPr>
+              <p:cNvSpPr/>
+              <p:nvPr/>
+            </p:nvSpPr>
+            <p:spPr>
+              <a:xfrm>
+                <a:off x="3913495" y="1271516"/>
+                <a:ext cx="477671" cy="1533099"/>
+              </a:xfrm>
+              <a:prstGeom prst="downArrow">
+                <a:avLst/>
+              </a:prstGeom>
+              <a:solidFill>
+                <a:schemeClr val="accent1">
+                  <a:lumMod val="75000"/>
+                </a:schemeClr>
+              </a:solidFill>
+            </p:spPr>
+            <p:style>
+              <a:lnRef idx="2">
+                <a:schemeClr val="accent1">
+                  <a:shade val="50000"/>
+                </a:schemeClr>
+              </a:lnRef>
+              <a:fillRef idx="1">
+                <a:schemeClr val="accent1"/>
+              </a:fillRef>
+              <a:effectRef idx="0">
+                <a:schemeClr val="accent1"/>
+              </a:effectRef>
+              <a:fontRef idx="minor">
+                <a:schemeClr val="lt1"/>
+              </a:fontRef>
+            </p:style>
+            <p:txBody>
+              <a:bodyPr rtlCol="0" anchor="ctr"/>
+              <a:lstStyle/>
+              <a:p>
+                <a:pPr algn="ctr"/>
+                <a:endParaRPr lang="en-US"/>
+              </a:p>
+            </p:txBody>
+          </p:sp>
+          <p:sp>
+            <p:nvSpPr>
+              <p:cNvPr id="22" name="Arrow: Down 21">
+                <a:extLst>
+                  <a:ext uri="{FF2B5EF4-FFF2-40B4-BE49-F238E27FC236}">
+                    <a16:creationId xmlns:a16="http://schemas.microsoft.com/office/drawing/2014/main" id="{5C48D73A-B7C1-4014-B4CF-BF5D019C1DCC}"/>
+                  </a:ext>
+                </a:extLst>
+              </p:cNvPr>
+              <p:cNvSpPr/>
+              <p:nvPr/>
+            </p:nvSpPr>
+            <p:spPr>
+              <a:xfrm>
+                <a:off x="5411337" y="1299385"/>
+                <a:ext cx="477671" cy="1533099"/>
+              </a:xfrm>
+              <a:prstGeom prst="downArrow">
+                <a:avLst/>
+              </a:prstGeom>
+              <a:solidFill>
+                <a:schemeClr val="accent1">
+                  <a:lumMod val="75000"/>
+                </a:schemeClr>
+              </a:solidFill>
+            </p:spPr>
+            <p:style>
+              <a:lnRef idx="2">
+                <a:schemeClr val="accent1">
+                  <a:shade val="50000"/>
+                </a:schemeClr>
+              </a:lnRef>
+              <a:fillRef idx="1">
+                <a:schemeClr val="accent1"/>
+              </a:fillRef>
+              <a:effectRef idx="0">
+                <a:schemeClr val="accent1"/>
+              </a:effectRef>
+              <a:fontRef idx="minor">
+                <a:schemeClr val="lt1"/>
+              </a:fontRef>
+            </p:style>
+            <p:txBody>
+              <a:bodyPr rtlCol="0" anchor="ctr"/>
+              <a:lstStyle/>
+              <a:p>
+                <a:pPr algn="ctr"/>
+                <a:endParaRPr lang="en-US" dirty="0"/>
+              </a:p>
+            </p:txBody>
+          </p:sp>
+          <p:sp>
+            <p:nvSpPr>
+              <p:cNvPr id="23" name="Arrow: Down 22">
+                <a:extLst>
+                  <a:ext uri="{FF2B5EF4-FFF2-40B4-BE49-F238E27FC236}">
+                    <a16:creationId xmlns:a16="http://schemas.microsoft.com/office/drawing/2014/main" id="{C82C7C55-F879-4EDB-B162-25F2C6FF8931}"/>
+                  </a:ext>
+                </a:extLst>
+              </p:cNvPr>
+              <p:cNvSpPr/>
+              <p:nvPr/>
+            </p:nvSpPr>
+            <p:spPr>
+              <a:xfrm>
+                <a:off x="6936475" y="1320433"/>
+                <a:ext cx="477671" cy="1533099"/>
+              </a:xfrm>
+              <a:prstGeom prst="downArrow">
+                <a:avLst/>
+              </a:prstGeom>
+              <a:solidFill>
+                <a:schemeClr val="accent1">
+                  <a:lumMod val="75000"/>
+                </a:schemeClr>
+              </a:solidFill>
+            </p:spPr>
+            <p:style>
+              <a:lnRef idx="2">
+                <a:schemeClr val="accent1">
+                  <a:shade val="50000"/>
+                </a:schemeClr>
+              </a:lnRef>
+              <a:fillRef idx="1">
+                <a:schemeClr val="accent1"/>
+              </a:fillRef>
+              <a:effectRef idx="0">
+                <a:schemeClr val="accent1"/>
+              </a:effectRef>
+              <a:fontRef idx="minor">
+                <a:schemeClr val="lt1"/>
+              </a:fontRef>
+            </p:style>
+            <p:txBody>
+              <a:bodyPr rtlCol="0" anchor="ctr"/>
+              <a:lstStyle/>
+              <a:p>
+                <a:pPr algn="ctr"/>
+                <a:endParaRPr lang="en-US"/>
+              </a:p>
+            </p:txBody>
+          </p:sp>
+          <p:sp>
+            <p:nvSpPr>
+              <p:cNvPr id="24" name="Arrow: Down 23">
+                <a:extLst>
+                  <a:ext uri="{FF2B5EF4-FFF2-40B4-BE49-F238E27FC236}">
+                    <a16:creationId xmlns:a16="http://schemas.microsoft.com/office/drawing/2014/main" id="{34091615-5183-4905-996A-CFDA561F1330}"/>
+                  </a:ext>
+                </a:extLst>
+              </p:cNvPr>
+              <p:cNvSpPr/>
+              <p:nvPr/>
+            </p:nvSpPr>
+            <p:spPr>
+              <a:xfrm>
+                <a:off x="8371765" y="1306773"/>
+                <a:ext cx="477671" cy="1533099"/>
+              </a:xfrm>
+              <a:prstGeom prst="downArrow">
+                <a:avLst/>
+              </a:prstGeom>
+              <a:solidFill>
+                <a:schemeClr val="accent1">
+                  <a:lumMod val="75000"/>
+                </a:schemeClr>
+              </a:solidFill>
+            </p:spPr>
+            <p:style>
+              <a:lnRef idx="2">
+                <a:schemeClr val="accent1">
+                  <a:shade val="50000"/>
+                </a:schemeClr>
+              </a:lnRef>
+              <a:fillRef idx="1">
+                <a:schemeClr val="accent1"/>
+              </a:fillRef>
+              <a:effectRef idx="0">
+                <a:schemeClr val="accent1"/>
+              </a:effectRef>
+              <a:fontRef idx="minor">
+                <a:schemeClr val="lt1"/>
+              </a:fontRef>
+            </p:style>
+            <p:txBody>
+              <a:bodyPr rtlCol="0" anchor="ctr"/>
+              <a:lstStyle/>
+              <a:p>
+                <a:pPr algn="ctr"/>
+                <a:endParaRPr lang="en-US"/>
+              </a:p>
+            </p:txBody>
+          </p:sp>
+        </p:grpSp>
+        <p:grpSp>
+          <p:nvGrpSpPr>
+            <p:cNvPr id="25" name="Group 24">
+              <a:extLst>
+                <a:ext uri="{FF2B5EF4-FFF2-40B4-BE49-F238E27FC236}">
+                  <a16:creationId xmlns:a16="http://schemas.microsoft.com/office/drawing/2014/main" id="{09D106F7-83F0-47C2-A79A-873F8B4B18A3}"/>
+                </a:ext>
+              </a:extLst>
+            </p:cNvPr>
+            <p:cNvGrpSpPr/>
+            <p:nvPr/>
+          </p:nvGrpSpPr>
+          <p:grpSpPr>
+            <a:xfrm rot="10800000">
+              <a:off x="2668135" y="-64267"/>
+              <a:ext cx="6234755" cy="707080"/>
+              <a:chOff x="2614681" y="1262416"/>
+              <a:chExt cx="6234755" cy="1591116"/>
+            </a:xfrm>
+          </p:grpSpPr>
+          <p:sp>
+            <p:nvSpPr>
+              <p:cNvPr id="26" name="Arrow: Down 25">
+                <a:extLst>
+                  <a:ext uri="{FF2B5EF4-FFF2-40B4-BE49-F238E27FC236}">
+                    <a16:creationId xmlns:a16="http://schemas.microsoft.com/office/drawing/2014/main" id="{F0C2C92B-9B2E-416C-A3D8-4FA1087C07ED}"/>
+                  </a:ext>
+                </a:extLst>
+              </p:cNvPr>
+              <p:cNvSpPr/>
+              <p:nvPr/>
+            </p:nvSpPr>
+            <p:spPr>
+              <a:xfrm>
+                <a:off x="2614681" y="1262416"/>
+                <a:ext cx="477671" cy="1533099"/>
+              </a:xfrm>
+              <a:prstGeom prst="downArrow">
+                <a:avLst/>
+              </a:prstGeom>
+              <a:solidFill>
+                <a:schemeClr val="accent1">
+                  <a:lumMod val="75000"/>
+                </a:schemeClr>
+              </a:solidFill>
+            </p:spPr>
+            <p:style>
+              <a:lnRef idx="2">
+                <a:schemeClr val="accent1">
+                  <a:shade val="50000"/>
+                </a:schemeClr>
+              </a:lnRef>
+              <a:fillRef idx="1">
+                <a:schemeClr val="accent1"/>
+              </a:fillRef>
+              <a:effectRef idx="0">
+                <a:schemeClr val="accent1"/>
+              </a:effectRef>
+              <a:fontRef idx="minor">
+                <a:schemeClr val="lt1"/>
+              </a:fontRef>
+            </p:style>
+            <p:txBody>
+              <a:bodyPr rtlCol="0" anchor="ctr"/>
+              <a:lstStyle/>
+              <a:p>
+                <a:pPr algn="ctr"/>
+                <a:endParaRPr lang="en-US"/>
+              </a:p>
+            </p:txBody>
+          </p:sp>
+          <p:sp>
+            <p:nvSpPr>
+              <p:cNvPr id="27" name="Arrow: Down 26">
+                <a:extLst>
+                  <a:ext uri="{FF2B5EF4-FFF2-40B4-BE49-F238E27FC236}">
+                    <a16:creationId xmlns:a16="http://schemas.microsoft.com/office/drawing/2014/main" id="{04122990-DD7D-4E5F-9AEF-C49436F9FD5D}"/>
+                  </a:ext>
+                </a:extLst>
+              </p:cNvPr>
+              <p:cNvSpPr/>
+              <p:nvPr/>
+            </p:nvSpPr>
+            <p:spPr>
+              <a:xfrm>
+                <a:off x="3913495" y="1271516"/>
+                <a:ext cx="477671" cy="1533099"/>
+              </a:xfrm>
+              <a:prstGeom prst="downArrow">
+                <a:avLst/>
+              </a:prstGeom>
+              <a:solidFill>
+                <a:schemeClr val="accent1">
+                  <a:lumMod val="75000"/>
+                </a:schemeClr>
+              </a:solidFill>
+            </p:spPr>
+            <p:style>
+              <a:lnRef idx="2">
+                <a:schemeClr val="accent1">
+                  <a:shade val="50000"/>
+                </a:schemeClr>
+              </a:lnRef>
+              <a:fillRef idx="1">
+                <a:schemeClr val="accent1"/>
+              </a:fillRef>
+              <a:effectRef idx="0">
+                <a:schemeClr val="accent1"/>
+              </a:effectRef>
+              <a:fontRef idx="minor">
+                <a:schemeClr val="lt1"/>
+              </a:fontRef>
+            </p:style>
+            <p:txBody>
+              <a:bodyPr rtlCol="0" anchor="ctr"/>
+              <a:lstStyle/>
+              <a:p>
+                <a:pPr algn="ctr"/>
+                <a:endParaRPr lang="en-US"/>
+              </a:p>
+            </p:txBody>
+          </p:sp>
+          <p:sp>
+            <p:nvSpPr>
+              <p:cNvPr id="28" name="Arrow: Down 27">
+                <a:extLst>
+                  <a:ext uri="{FF2B5EF4-FFF2-40B4-BE49-F238E27FC236}">
+                    <a16:creationId xmlns:a16="http://schemas.microsoft.com/office/drawing/2014/main" id="{99FC1118-753F-4C08-ADE9-3EA3F4A4D88D}"/>
+                  </a:ext>
+                </a:extLst>
+              </p:cNvPr>
+              <p:cNvSpPr/>
+              <p:nvPr/>
+            </p:nvSpPr>
+            <p:spPr>
+              <a:xfrm>
+                <a:off x="5411337" y="1299385"/>
+                <a:ext cx="477671" cy="1533099"/>
+              </a:xfrm>
+              <a:prstGeom prst="downArrow">
+                <a:avLst/>
+              </a:prstGeom>
+              <a:solidFill>
+                <a:schemeClr val="accent1">
+                  <a:lumMod val="75000"/>
+                </a:schemeClr>
+              </a:solidFill>
+            </p:spPr>
+            <p:style>
+              <a:lnRef idx="2">
+                <a:schemeClr val="accent1">
+                  <a:shade val="50000"/>
+                </a:schemeClr>
+              </a:lnRef>
+              <a:fillRef idx="1">
+                <a:schemeClr val="accent1"/>
+              </a:fillRef>
+              <a:effectRef idx="0">
+                <a:schemeClr val="accent1"/>
+              </a:effectRef>
+              <a:fontRef idx="minor">
+                <a:schemeClr val="lt1"/>
+              </a:fontRef>
+            </p:style>
+            <p:txBody>
+              <a:bodyPr rtlCol="0" anchor="ctr"/>
+              <a:lstStyle/>
+              <a:p>
+                <a:pPr algn="ctr"/>
+                <a:endParaRPr lang="en-US" dirty="0"/>
+              </a:p>
+            </p:txBody>
+          </p:sp>
+          <p:sp>
+            <p:nvSpPr>
+              <p:cNvPr id="29" name="Arrow: Down 28">
+                <a:extLst>
+                  <a:ext uri="{FF2B5EF4-FFF2-40B4-BE49-F238E27FC236}">
+                    <a16:creationId xmlns:a16="http://schemas.microsoft.com/office/drawing/2014/main" id="{3C38CE64-5646-450F-AEED-85E6C10F8597}"/>
+                  </a:ext>
+                </a:extLst>
+              </p:cNvPr>
+              <p:cNvSpPr/>
+              <p:nvPr/>
+            </p:nvSpPr>
+            <p:spPr>
+              <a:xfrm>
+                <a:off x="6936475" y="1320433"/>
+                <a:ext cx="477671" cy="1533099"/>
+              </a:xfrm>
+              <a:prstGeom prst="downArrow">
+                <a:avLst/>
+              </a:prstGeom>
+              <a:solidFill>
+                <a:schemeClr val="accent1">
+                  <a:lumMod val="75000"/>
+                </a:schemeClr>
+              </a:solidFill>
+            </p:spPr>
+            <p:style>
+              <a:lnRef idx="2">
+                <a:schemeClr val="accent1">
+                  <a:shade val="50000"/>
+                </a:schemeClr>
+              </a:lnRef>
+              <a:fillRef idx="1">
+                <a:schemeClr val="accent1"/>
+              </a:fillRef>
+              <a:effectRef idx="0">
+                <a:schemeClr val="accent1"/>
+              </a:effectRef>
+              <a:fontRef idx="minor">
+                <a:schemeClr val="lt1"/>
+              </a:fontRef>
+            </p:style>
+            <p:txBody>
+              <a:bodyPr rtlCol="0" anchor="ctr"/>
+              <a:lstStyle/>
+              <a:p>
+                <a:pPr algn="ctr"/>
+                <a:endParaRPr lang="en-US"/>
+              </a:p>
+            </p:txBody>
+          </p:sp>
+          <p:sp>
+            <p:nvSpPr>
+              <p:cNvPr id="30" name="Arrow: Down 29">
+                <a:extLst>
+                  <a:ext uri="{FF2B5EF4-FFF2-40B4-BE49-F238E27FC236}">
+                    <a16:creationId xmlns:a16="http://schemas.microsoft.com/office/drawing/2014/main" id="{A57C535B-122D-4485-BE1F-46DBE74FC2CB}"/>
+                  </a:ext>
+                </a:extLst>
+              </p:cNvPr>
+              <p:cNvSpPr/>
+              <p:nvPr/>
+            </p:nvSpPr>
+            <p:spPr>
+              <a:xfrm>
+                <a:off x="8371765" y="1306773"/>
+                <a:ext cx="477671" cy="1533099"/>
+              </a:xfrm>
+              <a:prstGeom prst="downArrow">
+                <a:avLst/>
+              </a:prstGeom>
+              <a:solidFill>
+                <a:schemeClr val="accent1">
+                  <a:lumMod val="75000"/>
+                </a:schemeClr>
+              </a:solidFill>
+            </p:spPr>
+            <p:style>
+              <a:lnRef idx="2">
+                <a:schemeClr val="accent1">
+                  <a:shade val="50000"/>
+                </a:schemeClr>
+              </a:lnRef>
+              <a:fillRef idx="1">
+                <a:schemeClr val="accent1"/>
+              </a:fillRef>
+              <a:effectRef idx="0">
+                <a:schemeClr val="accent1"/>
+              </a:effectRef>
+              <a:fontRef idx="minor">
+                <a:schemeClr val="lt1"/>
+              </a:fontRef>
+            </p:style>
+            <p:txBody>
+              <a:bodyPr rtlCol="0" anchor="ctr"/>
+              <a:lstStyle/>
+              <a:p>
+                <a:pPr algn="ctr"/>
+                <a:endParaRPr lang="en-US"/>
+              </a:p>
+            </p:txBody>
+          </p:sp>
+        </p:grpSp>
+      </p:grpSp>
+      <p:cxnSp>
+        <p:nvCxnSpPr>
+          <p:cNvPr id="33" name="Straight Arrow Connector 32">
             <a:extLst>
               <a:ext uri="{FF2B5EF4-FFF2-40B4-BE49-F238E27FC236}">
-                <a16:creationId xmlns:a16="http://schemas.microsoft.com/office/drawing/2014/main" id="{08B6CC0E-1631-41B6-9DA8-12A503DD15B6}"/>
+                <a16:creationId xmlns:a16="http://schemas.microsoft.com/office/drawing/2014/main" id="{51168516-596C-49F9-A8B0-128DA7877F91}"/>
               </a:ext>
             </a:extLst>
           </p:cNvPr>
-          <p:cNvSpPr>
-            <a:spLocks noGrp="1"/>
-          </p:cNvSpPr>
+          <p:cNvCxnSpPr>
+            <a:cxnSpLocks/>
+          </p:cNvCxnSpPr>
+          <p:nvPr/>
+        </p:nvCxnSpPr>
+        <p:spPr>
+          <a:xfrm flipV="1">
+            <a:off x="3511383" y="1488365"/>
+            <a:ext cx="0" cy="1802591"/>
+          </a:xfrm>
+          <a:prstGeom prst="straightConnector1">
+            <a:avLst/>
+          </a:prstGeom>
+          <a:ln w="76200">
+            <a:solidFill>
+              <a:schemeClr val="tx1"/>
+            </a:solidFill>
+            <a:headEnd type="triangle"/>
+            <a:tailEnd type="triangle"/>
+          </a:ln>
+        </p:spPr>
+        <p:style>
+          <a:lnRef idx="1">
+            <a:schemeClr val="accent1"/>
+          </a:lnRef>
+          <a:fillRef idx="0">
+            <a:schemeClr val="accent1"/>
+          </a:fillRef>
+          <a:effectRef idx="0">
+            <a:schemeClr val="accent1"/>
+          </a:effectRef>
+          <a:fontRef idx="minor">
+            <a:schemeClr val="tx1"/>
+          </a:fontRef>
+        </p:style>
+      </p:cxnSp>
+      <p:cxnSp>
+        <p:nvCxnSpPr>
+          <p:cNvPr id="36" name="Straight Connector 35">
+            <a:extLst>
+              <a:ext uri="{FF2B5EF4-FFF2-40B4-BE49-F238E27FC236}">
+                <a16:creationId xmlns:a16="http://schemas.microsoft.com/office/drawing/2014/main" id="{F7C018F7-A011-40D2-97A4-DF2F3B8437C9}"/>
+              </a:ext>
+            </a:extLst>
+          </p:cNvPr>
+          <p:cNvCxnSpPr/>
+          <p:nvPr/>
+        </p:nvCxnSpPr>
+        <p:spPr>
+          <a:xfrm flipH="1">
+            <a:off x="1675276" y="2394107"/>
+            <a:ext cx="1873041" cy="0"/>
+          </a:xfrm>
+          <a:prstGeom prst="line">
+            <a:avLst/>
+          </a:prstGeom>
+          <a:ln w="57150">
+            <a:solidFill>
+              <a:schemeClr val="tx1"/>
+            </a:solidFill>
+          </a:ln>
+        </p:spPr>
+        <p:style>
+          <a:lnRef idx="1">
+            <a:schemeClr val="accent1"/>
+          </a:lnRef>
+          <a:fillRef idx="0">
+            <a:schemeClr val="accent1"/>
+          </a:fillRef>
+          <a:effectRef idx="0">
+            <a:schemeClr val="accent1"/>
+          </a:effectRef>
+          <a:fontRef idx="minor">
+            <a:schemeClr val="tx1"/>
+          </a:fontRef>
+        </p:style>
+      </p:cxnSp>
+      <p:pic>
+        <p:nvPicPr>
+          <p:cNvPr id="38" name="Picture 37">
+            <a:extLst>
+              <a:ext uri="{FF2B5EF4-FFF2-40B4-BE49-F238E27FC236}">
+                <a16:creationId xmlns:a16="http://schemas.microsoft.com/office/drawing/2014/main" id="{FFE391FF-66B0-4761-8316-A77C4BC25993}"/>
+              </a:ext>
+            </a:extLst>
+          </p:cNvPr>
+          <p:cNvPicPr>
+            <a:picLocks noChangeAspect="1"/>
+          </p:cNvPicPr>
           <p:nvPr>
-            <p:ph idx="1"/>
+            <p:custDataLst>
+              <p:tags r:id="rId1"/>
+            </p:custDataLst>
           </p:nvPr>
-        </p:nvSpPr>
-        <p:spPr/>
-        <p:txBody>
-          <a:bodyPr/>
-          <a:lstStyle/>
-          <a:p>
-            <a:endParaRPr lang="en-US"/>
-          </a:p>
-        </p:txBody>
-      </p:sp>
+        </p:nvPicPr>
+        <p:blipFill>
+          <a:blip r:embed="rId3">
+            <a:extLst>
+              <a:ext uri="{28A0092B-C50C-407E-A947-70E740481C1C}">
+                <a14:useLocalDpi xmlns:a14="http://schemas.microsoft.com/office/drawing/2010/main" val="0"/>
+              </a:ext>
+            </a:extLst>
+          </a:blip>
+          <a:stretch>
+            <a:fillRect/>
+          </a:stretch>
+        </p:blipFill>
+        <p:spPr>
+          <a:xfrm>
+            <a:off x="931653" y="1945757"/>
+            <a:ext cx="1386921" cy="349443"/>
+          </a:xfrm>
+          <a:prstGeom prst="rect">
+            <a:avLst/>
+          </a:prstGeom>
+        </p:spPr>
+      </p:pic>
     </p:spTree>
     <p:extLst>
       <p:ext uri="{BB962C8B-B14F-4D97-AF65-F5344CB8AC3E}">
@@ -31389,56 +33045,2668 @@
           <a:chExt cx="0" cy="0"/>
         </a:xfrm>
       </p:grpSpPr>
-      <p:sp>
-        <p:nvSpPr>
-          <p:cNvPr id="2" name="Title 1">
+      <p:pic>
+        <p:nvPicPr>
+          <p:cNvPr id="15" name="Picture 14">
             <a:extLst>
               <a:ext uri="{FF2B5EF4-FFF2-40B4-BE49-F238E27FC236}">
-                <a16:creationId xmlns:a16="http://schemas.microsoft.com/office/drawing/2014/main" id="{242619C6-F1F4-426C-BD9E-306B36C729B9}"/>
+                <a16:creationId xmlns:a16="http://schemas.microsoft.com/office/drawing/2014/main" id="{0226BE80-1DC9-4093-97A5-1CB39EABE66C}"/>
               </a:ext>
             </a:extLst>
           </p:cNvPr>
-          <p:cNvSpPr>
-            <a:spLocks noGrp="1"/>
-          </p:cNvSpPr>
+          <p:cNvPicPr>
+            <a:picLocks noChangeAspect="1"/>
+          </p:cNvPicPr>
           <p:nvPr>
-            <p:ph type="title"/>
+            <p:custDataLst>
+              <p:tags r:id="rId1"/>
+            </p:custDataLst>
           </p:nvPr>
+        </p:nvPicPr>
+        <p:blipFill>
+          <a:blip r:embed="rId12">
+            <a:extLst>
+              <a:ext uri="{28A0092B-C50C-407E-A947-70E740481C1C}">
+                <a14:useLocalDpi xmlns:a14="http://schemas.microsoft.com/office/drawing/2010/main" val="0"/>
+              </a:ext>
+            </a:extLst>
+          </a:blip>
+          <a:stretch>
+            <a:fillRect/>
+          </a:stretch>
+        </p:blipFill>
+        <p:spPr>
+          <a:xfrm>
+            <a:off x="9739289" y="3658351"/>
+            <a:ext cx="598857" cy="178286"/>
+          </a:xfrm>
+          <a:prstGeom prst="rect">
+            <a:avLst/>
+          </a:prstGeom>
+        </p:spPr>
+      </p:pic>
+      <p:pic>
+        <p:nvPicPr>
+          <p:cNvPr id="17" name="Picture 16">
+            <a:extLst>
+              <a:ext uri="{FF2B5EF4-FFF2-40B4-BE49-F238E27FC236}">
+                <a16:creationId xmlns:a16="http://schemas.microsoft.com/office/drawing/2014/main" id="{41FC674A-03F8-4947-A4AE-70A18506F942}"/>
+              </a:ext>
+            </a:extLst>
+          </p:cNvPr>
+          <p:cNvPicPr>
+            <a:picLocks noChangeAspect="1"/>
+          </p:cNvPicPr>
+          <p:nvPr>
+            <p:custDataLst>
+              <p:tags r:id="rId2"/>
+            </p:custDataLst>
+          </p:nvPr>
+        </p:nvPicPr>
+        <p:blipFill>
+          <a:blip r:embed="rId13">
+            <a:extLst>
+              <a:ext uri="{28A0092B-C50C-407E-A947-70E740481C1C}">
+                <a14:useLocalDpi xmlns:a14="http://schemas.microsoft.com/office/drawing/2010/main" val="0"/>
+              </a:ext>
+            </a:extLst>
+          </a:blip>
+          <a:stretch>
+            <a:fillRect/>
+          </a:stretch>
+        </p:blipFill>
+        <p:spPr>
+          <a:xfrm>
+            <a:off x="717147" y="3775402"/>
+            <a:ext cx="795429" cy="184381"/>
+          </a:xfrm>
+          <a:prstGeom prst="rect">
+            <a:avLst/>
+          </a:prstGeom>
+        </p:spPr>
+      </p:pic>
+      <p:grpSp>
+        <p:nvGrpSpPr>
+          <p:cNvPr id="54" name="Group 53">
+            <a:extLst>
+              <a:ext uri="{FF2B5EF4-FFF2-40B4-BE49-F238E27FC236}">
+                <a16:creationId xmlns:a16="http://schemas.microsoft.com/office/drawing/2014/main" id="{2EB0CBF3-354F-4797-98EA-243FD3AB1C07}"/>
+              </a:ext>
+            </a:extLst>
+          </p:cNvPr>
+          <p:cNvGrpSpPr/>
+          <p:nvPr/>
+        </p:nvGrpSpPr>
+        <p:grpSpPr>
+          <a:xfrm>
+            <a:off x="3769216" y="188890"/>
+            <a:ext cx="3230451" cy="6480220"/>
+            <a:chOff x="3769216" y="188890"/>
+            <a:chExt cx="3230451" cy="6480220"/>
+          </a:xfrm>
+        </p:grpSpPr>
+        <p:grpSp>
+          <p:nvGrpSpPr>
+            <p:cNvPr id="13" name="Group 12">
+              <a:extLst>
+                <a:ext uri="{FF2B5EF4-FFF2-40B4-BE49-F238E27FC236}">
+                  <a16:creationId xmlns:a16="http://schemas.microsoft.com/office/drawing/2014/main" id="{4EC59A72-FAE2-4BDC-B34F-AA99183B4C3F}"/>
+                </a:ext>
+              </a:extLst>
+            </p:cNvPr>
+            <p:cNvGrpSpPr/>
+            <p:nvPr/>
+          </p:nvGrpSpPr>
+          <p:grpSpPr>
+            <a:xfrm>
+              <a:off x="3769216" y="188890"/>
+              <a:ext cx="3230451" cy="6480220"/>
+              <a:chOff x="3494468" y="-1086117"/>
+              <a:chExt cx="3230451" cy="6480220"/>
+            </a:xfrm>
+          </p:grpSpPr>
+          <p:sp>
+            <p:nvSpPr>
+              <p:cNvPr id="12" name="Rectangle 11">
+                <a:extLst>
+                  <a:ext uri="{FF2B5EF4-FFF2-40B4-BE49-F238E27FC236}">
+                    <a16:creationId xmlns:a16="http://schemas.microsoft.com/office/drawing/2014/main" id="{3B60593A-A81D-43D9-97F3-9766883235EB}"/>
+                  </a:ext>
+                </a:extLst>
+              </p:cNvPr>
+              <p:cNvSpPr/>
+              <p:nvPr/>
+            </p:nvSpPr>
+            <p:spPr>
+              <a:xfrm>
+                <a:off x="3790683" y="-1086117"/>
+                <a:ext cx="2601532" cy="6480220"/>
+              </a:xfrm>
+              <a:prstGeom prst="rect">
+                <a:avLst/>
+              </a:prstGeom>
+              <a:solidFill>
+                <a:schemeClr val="accent1">
+                  <a:lumMod val="20000"/>
+                  <a:lumOff val="80000"/>
+                </a:schemeClr>
+              </a:solidFill>
+            </p:spPr>
+            <p:style>
+              <a:lnRef idx="2">
+                <a:schemeClr val="accent1">
+                  <a:shade val="50000"/>
+                </a:schemeClr>
+              </a:lnRef>
+              <a:fillRef idx="1">
+                <a:schemeClr val="accent1"/>
+              </a:fillRef>
+              <a:effectRef idx="0">
+                <a:schemeClr val="accent1"/>
+              </a:effectRef>
+              <a:fontRef idx="minor">
+                <a:schemeClr val="lt1"/>
+              </a:fontRef>
+            </p:style>
+            <p:txBody>
+              <a:bodyPr rtlCol="0" anchor="ctr"/>
+              <a:lstStyle/>
+              <a:p>
+                <a:pPr algn="ctr"/>
+                <a:endParaRPr lang="en-US"/>
+              </a:p>
+            </p:txBody>
+          </p:sp>
+          <p:grpSp>
+            <p:nvGrpSpPr>
+              <p:cNvPr id="11" name="Group 10">
+                <a:extLst>
+                  <a:ext uri="{FF2B5EF4-FFF2-40B4-BE49-F238E27FC236}">
+                    <a16:creationId xmlns:a16="http://schemas.microsoft.com/office/drawing/2014/main" id="{CE687F31-016D-4011-8506-2094D0B4EAFB}"/>
+                  </a:ext>
+                </a:extLst>
+              </p:cNvPr>
+              <p:cNvGrpSpPr/>
+              <p:nvPr/>
+            </p:nvGrpSpPr>
+            <p:grpSpPr>
+              <a:xfrm rot="10800000">
+                <a:off x="3494468" y="1053928"/>
+                <a:ext cx="3230451" cy="4340173"/>
+                <a:chOff x="3494468" y="1053928"/>
+                <a:chExt cx="3230451" cy="4340173"/>
+              </a:xfrm>
+            </p:grpSpPr>
+            <p:sp>
+              <p:nvSpPr>
+                <p:cNvPr id="4" name="Rectangle: Rounded Corners 3">
+                  <a:extLst>
+                    <a:ext uri="{FF2B5EF4-FFF2-40B4-BE49-F238E27FC236}">
+                      <a16:creationId xmlns:a16="http://schemas.microsoft.com/office/drawing/2014/main" id="{D5756822-CDC4-495B-8611-01A3570955E7}"/>
+                    </a:ext>
+                  </a:extLst>
+                </p:cNvPr>
+                <p:cNvSpPr/>
+                <p:nvPr/>
+              </p:nvSpPr>
+              <p:spPr>
+                <a:xfrm>
+                  <a:off x="3494468" y="1053928"/>
+                  <a:ext cx="2601532" cy="193183"/>
+                </a:xfrm>
+                <a:prstGeom prst="roundRect">
+                  <a:avLst/>
+                </a:prstGeom>
+              </p:spPr>
+              <p:style>
+                <a:lnRef idx="2">
+                  <a:schemeClr val="accent1">
+                    <a:shade val="50000"/>
+                  </a:schemeClr>
+                </a:lnRef>
+                <a:fillRef idx="1">
+                  <a:schemeClr val="accent1"/>
+                </a:fillRef>
+                <a:effectRef idx="0">
+                  <a:schemeClr val="accent1"/>
+                </a:effectRef>
+                <a:fontRef idx="minor">
+                  <a:schemeClr val="lt1"/>
+                </a:fontRef>
+              </p:style>
+              <p:txBody>
+                <a:bodyPr rtlCol="0" anchor="ctr"/>
+                <a:lstStyle/>
+                <a:p>
+                  <a:pPr algn="ctr"/>
+                  <a:endParaRPr lang="en-US"/>
+                </a:p>
+              </p:txBody>
+            </p:sp>
+            <p:sp>
+              <p:nvSpPr>
+                <p:cNvPr id="5" name="Rectangle: Rounded Corners 4">
+                  <a:extLst>
+                    <a:ext uri="{FF2B5EF4-FFF2-40B4-BE49-F238E27FC236}">
+                      <a16:creationId xmlns:a16="http://schemas.microsoft.com/office/drawing/2014/main" id="{60563BC4-5D53-4FCB-B999-9A347CE8CC01}"/>
+                    </a:ext>
+                  </a:extLst>
+                </p:cNvPr>
+                <p:cNvSpPr/>
+                <p:nvPr/>
+              </p:nvSpPr>
+              <p:spPr>
+                <a:xfrm>
+                  <a:off x="4123387" y="1745093"/>
+                  <a:ext cx="2601532" cy="193183"/>
+                </a:xfrm>
+                <a:prstGeom prst="roundRect">
+                  <a:avLst/>
+                </a:prstGeom>
+              </p:spPr>
+              <p:style>
+                <a:lnRef idx="2">
+                  <a:schemeClr val="accent1">
+                    <a:shade val="50000"/>
+                  </a:schemeClr>
+                </a:lnRef>
+                <a:fillRef idx="1">
+                  <a:schemeClr val="accent1"/>
+                </a:fillRef>
+                <a:effectRef idx="0">
+                  <a:schemeClr val="accent1"/>
+                </a:effectRef>
+                <a:fontRef idx="minor">
+                  <a:schemeClr val="lt1"/>
+                </a:fontRef>
+              </p:style>
+              <p:txBody>
+                <a:bodyPr rtlCol="0" anchor="ctr"/>
+                <a:lstStyle/>
+                <a:p>
+                  <a:pPr algn="ctr"/>
+                  <a:endParaRPr lang="en-US"/>
+                </a:p>
+              </p:txBody>
+            </p:sp>
+            <p:sp>
+              <p:nvSpPr>
+                <p:cNvPr id="6" name="Rectangle: Rounded Corners 5">
+                  <a:extLst>
+                    <a:ext uri="{FF2B5EF4-FFF2-40B4-BE49-F238E27FC236}">
+                      <a16:creationId xmlns:a16="http://schemas.microsoft.com/office/drawing/2014/main" id="{014D41B6-7168-495D-B269-7DD74C1C3277}"/>
+                    </a:ext>
+                  </a:extLst>
+                </p:cNvPr>
+                <p:cNvSpPr/>
+                <p:nvPr/>
+              </p:nvSpPr>
+              <p:spPr>
+                <a:xfrm>
+                  <a:off x="3494468" y="2436258"/>
+                  <a:ext cx="2601532" cy="193183"/>
+                </a:xfrm>
+                <a:prstGeom prst="roundRect">
+                  <a:avLst/>
+                </a:prstGeom>
+              </p:spPr>
+              <p:style>
+                <a:lnRef idx="2">
+                  <a:schemeClr val="accent1">
+                    <a:shade val="50000"/>
+                  </a:schemeClr>
+                </a:lnRef>
+                <a:fillRef idx="1">
+                  <a:schemeClr val="accent1"/>
+                </a:fillRef>
+                <a:effectRef idx="0">
+                  <a:schemeClr val="accent1"/>
+                </a:effectRef>
+                <a:fontRef idx="minor">
+                  <a:schemeClr val="lt1"/>
+                </a:fontRef>
+              </p:style>
+              <p:txBody>
+                <a:bodyPr rtlCol="0" anchor="ctr"/>
+                <a:lstStyle/>
+                <a:p>
+                  <a:pPr algn="ctr"/>
+                  <a:endParaRPr lang="en-US"/>
+                </a:p>
+              </p:txBody>
+            </p:sp>
+            <p:sp>
+              <p:nvSpPr>
+                <p:cNvPr id="7" name="Rectangle: Rounded Corners 6">
+                  <a:extLst>
+                    <a:ext uri="{FF2B5EF4-FFF2-40B4-BE49-F238E27FC236}">
+                      <a16:creationId xmlns:a16="http://schemas.microsoft.com/office/drawing/2014/main" id="{404387B8-B4E9-4C0E-BCBB-DE987B101704}"/>
+                    </a:ext>
+                  </a:extLst>
+                </p:cNvPr>
+                <p:cNvSpPr/>
+                <p:nvPr/>
+              </p:nvSpPr>
+              <p:spPr>
+                <a:xfrm>
+                  <a:off x="4112654" y="3127423"/>
+                  <a:ext cx="2601532" cy="193183"/>
+                </a:xfrm>
+                <a:prstGeom prst="roundRect">
+                  <a:avLst/>
+                </a:prstGeom>
+              </p:spPr>
+              <p:style>
+                <a:lnRef idx="2">
+                  <a:schemeClr val="accent1">
+                    <a:shade val="50000"/>
+                  </a:schemeClr>
+                </a:lnRef>
+                <a:fillRef idx="1">
+                  <a:schemeClr val="accent1"/>
+                </a:fillRef>
+                <a:effectRef idx="0">
+                  <a:schemeClr val="accent1"/>
+                </a:effectRef>
+                <a:fontRef idx="minor">
+                  <a:schemeClr val="lt1"/>
+                </a:fontRef>
+              </p:style>
+              <p:txBody>
+                <a:bodyPr rtlCol="0" anchor="ctr"/>
+                <a:lstStyle/>
+                <a:p>
+                  <a:pPr algn="ctr"/>
+                  <a:endParaRPr lang="en-US"/>
+                </a:p>
+              </p:txBody>
+            </p:sp>
+            <p:sp>
+              <p:nvSpPr>
+                <p:cNvPr id="8" name="Rectangle: Rounded Corners 7">
+                  <a:extLst>
+                    <a:ext uri="{FF2B5EF4-FFF2-40B4-BE49-F238E27FC236}">
+                      <a16:creationId xmlns:a16="http://schemas.microsoft.com/office/drawing/2014/main" id="{E56D3983-A844-480B-A0EB-A2454A1F4BC9}"/>
+                    </a:ext>
+                  </a:extLst>
+                </p:cNvPr>
+                <p:cNvSpPr/>
+                <p:nvPr/>
+              </p:nvSpPr>
+              <p:spPr>
+                <a:xfrm>
+                  <a:off x="3494468" y="3818588"/>
+                  <a:ext cx="2601532" cy="193183"/>
+                </a:xfrm>
+                <a:prstGeom prst="roundRect">
+                  <a:avLst/>
+                </a:prstGeom>
+              </p:spPr>
+              <p:style>
+                <a:lnRef idx="2">
+                  <a:schemeClr val="accent1">
+                    <a:shade val="50000"/>
+                  </a:schemeClr>
+                </a:lnRef>
+                <a:fillRef idx="1">
+                  <a:schemeClr val="accent1"/>
+                </a:fillRef>
+                <a:effectRef idx="0">
+                  <a:schemeClr val="accent1"/>
+                </a:effectRef>
+                <a:fontRef idx="minor">
+                  <a:schemeClr val="lt1"/>
+                </a:fontRef>
+              </p:style>
+              <p:txBody>
+                <a:bodyPr rtlCol="0" anchor="ctr"/>
+                <a:lstStyle/>
+                <a:p>
+                  <a:pPr algn="ctr"/>
+                  <a:endParaRPr lang="en-US"/>
+                </a:p>
+              </p:txBody>
+            </p:sp>
+            <p:sp>
+              <p:nvSpPr>
+                <p:cNvPr id="9" name="Rectangle: Rounded Corners 8">
+                  <a:extLst>
+                    <a:ext uri="{FF2B5EF4-FFF2-40B4-BE49-F238E27FC236}">
+                      <a16:creationId xmlns:a16="http://schemas.microsoft.com/office/drawing/2014/main" id="{3A524E27-A638-4506-9A7A-ECDF2B8A7B90}"/>
+                    </a:ext>
+                  </a:extLst>
+                </p:cNvPr>
+                <p:cNvSpPr/>
+                <p:nvPr/>
+              </p:nvSpPr>
+              <p:spPr>
+                <a:xfrm>
+                  <a:off x="4112654" y="4509753"/>
+                  <a:ext cx="2601532" cy="193183"/>
+                </a:xfrm>
+                <a:prstGeom prst="roundRect">
+                  <a:avLst/>
+                </a:prstGeom>
+              </p:spPr>
+              <p:style>
+                <a:lnRef idx="2">
+                  <a:schemeClr val="accent1">
+                    <a:shade val="50000"/>
+                  </a:schemeClr>
+                </a:lnRef>
+                <a:fillRef idx="1">
+                  <a:schemeClr val="accent1"/>
+                </a:fillRef>
+                <a:effectRef idx="0">
+                  <a:schemeClr val="accent1"/>
+                </a:effectRef>
+                <a:fontRef idx="minor">
+                  <a:schemeClr val="lt1"/>
+                </a:fontRef>
+              </p:style>
+              <p:txBody>
+                <a:bodyPr rtlCol="0" anchor="ctr"/>
+                <a:lstStyle/>
+                <a:p>
+                  <a:pPr algn="ctr"/>
+                  <a:endParaRPr lang="en-US"/>
+                </a:p>
+              </p:txBody>
+            </p:sp>
+            <p:sp>
+              <p:nvSpPr>
+                <p:cNvPr id="10" name="Rectangle: Rounded Corners 9">
+                  <a:extLst>
+                    <a:ext uri="{FF2B5EF4-FFF2-40B4-BE49-F238E27FC236}">
+                      <a16:creationId xmlns:a16="http://schemas.microsoft.com/office/drawing/2014/main" id="{432EAE0F-E204-4293-9028-243B16D86A09}"/>
+                    </a:ext>
+                  </a:extLst>
+                </p:cNvPr>
+                <p:cNvSpPr/>
+                <p:nvPr/>
+              </p:nvSpPr>
+              <p:spPr>
+                <a:xfrm>
+                  <a:off x="3494468" y="5200918"/>
+                  <a:ext cx="2601532" cy="193183"/>
+                </a:xfrm>
+                <a:prstGeom prst="roundRect">
+                  <a:avLst/>
+                </a:prstGeom>
+              </p:spPr>
+              <p:style>
+                <a:lnRef idx="2">
+                  <a:schemeClr val="accent1">
+                    <a:shade val="50000"/>
+                  </a:schemeClr>
+                </a:lnRef>
+                <a:fillRef idx="1">
+                  <a:schemeClr val="accent1"/>
+                </a:fillRef>
+                <a:effectRef idx="0">
+                  <a:schemeClr val="accent1"/>
+                </a:effectRef>
+                <a:fontRef idx="minor">
+                  <a:schemeClr val="lt1"/>
+                </a:fontRef>
+              </p:style>
+              <p:txBody>
+                <a:bodyPr rtlCol="0" anchor="ctr"/>
+                <a:lstStyle/>
+                <a:p>
+                  <a:pPr algn="ctr"/>
+                  <a:endParaRPr lang="en-US"/>
+                </a:p>
+              </p:txBody>
+            </p:sp>
+          </p:grpSp>
+        </p:grpSp>
+        <p:grpSp>
+          <p:nvGrpSpPr>
+            <p:cNvPr id="23" name="Group 22">
+              <a:extLst>
+                <a:ext uri="{FF2B5EF4-FFF2-40B4-BE49-F238E27FC236}">
+                  <a16:creationId xmlns:a16="http://schemas.microsoft.com/office/drawing/2014/main" id="{E453B505-685C-4423-A303-B2EA0759D4AC}"/>
+                </a:ext>
+              </a:extLst>
+            </p:cNvPr>
+            <p:cNvGrpSpPr/>
+            <p:nvPr/>
+          </p:nvGrpSpPr>
+          <p:grpSpPr>
+            <a:xfrm rot="10800000">
+              <a:off x="4464676" y="4658910"/>
+              <a:ext cx="2075636" cy="363829"/>
+              <a:chOff x="4496873" y="2572559"/>
+              <a:chExt cx="2075636" cy="363829"/>
+            </a:xfrm>
+          </p:grpSpPr>
+          <p:sp>
+            <p:nvSpPr>
+              <p:cNvPr id="18" name="Arrow: Down 17">
+                <a:extLst>
+                  <a:ext uri="{FF2B5EF4-FFF2-40B4-BE49-F238E27FC236}">
+                    <a16:creationId xmlns:a16="http://schemas.microsoft.com/office/drawing/2014/main" id="{FD4FB74F-5FF7-4984-9C3E-8EB93C4193EA}"/>
+                  </a:ext>
+                </a:extLst>
+              </p:cNvPr>
+              <p:cNvSpPr/>
+              <p:nvPr/>
+            </p:nvSpPr>
+            <p:spPr>
+              <a:xfrm>
+                <a:off x="4496873" y="2575780"/>
+                <a:ext cx="141667" cy="360608"/>
+              </a:xfrm>
+              <a:prstGeom prst="downArrow">
+                <a:avLst/>
+              </a:prstGeom>
+              <a:noFill/>
+            </p:spPr>
+            <p:style>
+              <a:lnRef idx="2">
+                <a:schemeClr val="accent1">
+                  <a:shade val="50000"/>
+                </a:schemeClr>
+              </a:lnRef>
+              <a:fillRef idx="1">
+                <a:schemeClr val="accent1"/>
+              </a:fillRef>
+              <a:effectRef idx="0">
+                <a:schemeClr val="accent1"/>
+              </a:effectRef>
+              <a:fontRef idx="minor">
+                <a:schemeClr val="lt1"/>
+              </a:fontRef>
+            </p:style>
+            <p:txBody>
+              <a:bodyPr rtlCol="0" anchor="ctr"/>
+              <a:lstStyle/>
+              <a:p>
+                <a:pPr algn="ctr"/>
+                <a:endParaRPr lang="en-US"/>
+              </a:p>
+            </p:txBody>
+          </p:sp>
+          <p:sp>
+            <p:nvSpPr>
+              <p:cNvPr id="19" name="Arrow: Down 18">
+                <a:extLst>
+                  <a:ext uri="{FF2B5EF4-FFF2-40B4-BE49-F238E27FC236}">
+                    <a16:creationId xmlns:a16="http://schemas.microsoft.com/office/drawing/2014/main" id="{E7CB3BFA-EE65-401F-BCE7-4C34A377509D}"/>
+                  </a:ext>
+                </a:extLst>
+              </p:cNvPr>
+              <p:cNvSpPr/>
+              <p:nvPr/>
+            </p:nvSpPr>
+            <p:spPr>
+              <a:xfrm>
+                <a:off x="4965876" y="2575780"/>
+                <a:ext cx="141667" cy="360608"/>
+              </a:xfrm>
+              <a:prstGeom prst="downArrow">
+                <a:avLst/>
+              </a:prstGeom>
+              <a:noFill/>
+            </p:spPr>
+            <p:style>
+              <a:lnRef idx="2">
+                <a:schemeClr val="accent1">
+                  <a:shade val="50000"/>
+                </a:schemeClr>
+              </a:lnRef>
+              <a:fillRef idx="1">
+                <a:schemeClr val="accent1"/>
+              </a:fillRef>
+              <a:effectRef idx="0">
+                <a:schemeClr val="accent1"/>
+              </a:effectRef>
+              <a:fontRef idx="minor">
+                <a:schemeClr val="lt1"/>
+              </a:fontRef>
+            </p:style>
+            <p:txBody>
+              <a:bodyPr rtlCol="0" anchor="ctr"/>
+              <a:lstStyle/>
+              <a:p>
+                <a:pPr algn="ctr"/>
+                <a:endParaRPr lang="en-US"/>
+              </a:p>
+            </p:txBody>
+          </p:sp>
+          <p:sp>
+            <p:nvSpPr>
+              <p:cNvPr id="20" name="Arrow: Down 19">
+                <a:extLst>
+                  <a:ext uri="{FF2B5EF4-FFF2-40B4-BE49-F238E27FC236}">
+                    <a16:creationId xmlns:a16="http://schemas.microsoft.com/office/drawing/2014/main" id="{76145E1D-0B7E-483D-A95C-9D3A82EBAD39}"/>
+                  </a:ext>
+                </a:extLst>
+              </p:cNvPr>
+              <p:cNvSpPr/>
+              <p:nvPr/>
+            </p:nvSpPr>
+            <p:spPr>
+              <a:xfrm>
+                <a:off x="5454198" y="2575780"/>
+                <a:ext cx="141667" cy="360608"/>
+              </a:xfrm>
+              <a:prstGeom prst="downArrow">
+                <a:avLst/>
+              </a:prstGeom>
+              <a:noFill/>
+            </p:spPr>
+            <p:style>
+              <a:lnRef idx="2">
+                <a:schemeClr val="accent1">
+                  <a:shade val="50000"/>
+                </a:schemeClr>
+              </a:lnRef>
+              <a:fillRef idx="1">
+                <a:schemeClr val="accent1"/>
+              </a:fillRef>
+              <a:effectRef idx="0">
+                <a:schemeClr val="accent1"/>
+              </a:effectRef>
+              <a:fontRef idx="minor">
+                <a:schemeClr val="lt1"/>
+              </a:fontRef>
+            </p:style>
+            <p:txBody>
+              <a:bodyPr rtlCol="0" anchor="ctr"/>
+              <a:lstStyle/>
+              <a:p>
+                <a:pPr algn="ctr"/>
+                <a:endParaRPr lang="en-US"/>
+              </a:p>
+            </p:txBody>
+          </p:sp>
+          <p:sp>
+            <p:nvSpPr>
+              <p:cNvPr id="21" name="Arrow: Down 20">
+                <a:extLst>
+                  <a:ext uri="{FF2B5EF4-FFF2-40B4-BE49-F238E27FC236}">
+                    <a16:creationId xmlns:a16="http://schemas.microsoft.com/office/drawing/2014/main" id="{42751251-0491-4A7B-A7F0-D8A1DA58ED62}"/>
+                  </a:ext>
+                </a:extLst>
+              </p:cNvPr>
+              <p:cNvSpPr/>
+              <p:nvPr/>
+            </p:nvSpPr>
+            <p:spPr>
+              <a:xfrm>
+                <a:off x="5942520" y="2572559"/>
+                <a:ext cx="141667" cy="360608"/>
+              </a:xfrm>
+              <a:prstGeom prst="downArrow">
+                <a:avLst/>
+              </a:prstGeom>
+              <a:noFill/>
+            </p:spPr>
+            <p:style>
+              <a:lnRef idx="2">
+                <a:schemeClr val="accent1">
+                  <a:shade val="50000"/>
+                </a:schemeClr>
+              </a:lnRef>
+              <a:fillRef idx="1">
+                <a:schemeClr val="accent1"/>
+              </a:fillRef>
+              <a:effectRef idx="0">
+                <a:schemeClr val="accent1"/>
+              </a:effectRef>
+              <a:fontRef idx="minor">
+                <a:schemeClr val="lt1"/>
+              </a:fontRef>
+            </p:style>
+            <p:txBody>
+              <a:bodyPr rtlCol="0" anchor="ctr"/>
+              <a:lstStyle/>
+              <a:p>
+                <a:pPr algn="ctr"/>
+                <a:endParaRPr lang="en-US"/>
+              </a:p>
+            </p:txBody>
+          </p:sp>
+          <p:sp>
+            <p:nvSpPr>
+              <p:cNvPr id="22" name="Arrow: Down 21">
+                <a:extLst>
+                  <a:ext uri="{FF2B5EF4-FFF2-40B4-BE49-F238E27FC236}">
+                    <a16:creationId xmlns:a16="http://schemas.microsoft.com/office/drawing/2014/main" id="{5CEBEBB6-CFB1-40CE-86B4-7A29EA54E60C}"/>
+                  </a:ext>
+                </a:extLst>
+              </p:cNvPr>
+              <p:cNvSpPr/>
+              <p:nvPr/>
+            </p:nvSpPr>
+            <p:spPr>
+              <a:xfrm>
+                <a:off x="6430842" y="2572559"/>
+                <a:ext cx="141667" cy="360608"/>
+              </a:xfrm>
+              <a:prstGeom prst="downArrow">
+                <a:avLst/>
+              </a:prstGeom>
+              <a:noFill/>
+            </p:spPr>
+            <p:style>
+              <a:lnRef idx="2">
+                <a:schemeClr val="accent1">
+                  <a:shade val="50000"/>
+                </a:schemeClr>
+              </a:lnRef>
+              <a:fillRef idx="1">
+                <a:schemeClr val="accent1"/>
+              </a:fillRef>
+              <a:effectRef idx="0">
+                <a:schemeClr val="accent1"/>
+              </a:effectRef>
+              <a:fontRef idx="minor">
+                <a:schemeClr val="lt1"/>
+              </a:fontRef>
+            </p:style>
+            <p:txBody>
+              <a:bodyPr rtlCol="0" anchor="ctr"/>
+              <a:lstStyle/>
+              <a:p>
+                <a:pPr algn="ctr"/>
+                <a:endParaRPr lang="en-US"/>
+              </a:p>
+            </p:txBody>
+          </p:sp>
+        </p:grpSp>
+        <p:grpSp>
+          <p:nvGrpSpPr>
+            <p:cNvPr id="24" name="Group 23">
+              <a:extLst>
+                <a:ext uri="{FF2B5EF4-FFF2-40B4-BE49-F238E27FC236}">
+                  <a16:creationId xmlns:a16="http://schemas.microsoft.com/office/drawing/2014/main" id="{748D221F-363A-4E7B-8261-86A069343610}"/>
+                </a:ext>
+              </a:extLst>
+            </p:cNvPr>
+            <p:cNvGrpSpPr/>
+            <p:nvPr/>
+          </p:nvGrpSpPr>
+          <p:grpSpPr>
+            <a:xfrm>
+              <a:off x="4411017" y="2585415"/>
+              <a:ext cx="2075636" cy="363829"/>
+              <a:chOff x="4496873" y="2572559"/>
+              <a:chExt cx="2075636" cy="363829"/>
+            </a:xfrm>
+          </p:grpSpPr>
+          <p:sp>
+            <p:nvSpPr>
+              <p:cNvPr id="25" name="Arrow: Down 24">
+                <a:extLst>
+                  <a:ext uri="{FF2B5EF4-FFF2-40B4-BE49-F238E27FC236}">
+                    <a16:creationId xmlns:a16="http://schemas.microsoft.com/office/drawing/2014/main" id="{179C822A-41E2-4A2F-B354-6161663E9B57}"/>
+                  </a:ext>
+                </a:extLst>
+              </p:cNvPr>
+              <p:cNvSpPr/>
+              <p:nvPr/>
+            </p:nvSpPr>
+            <p:spPr>
+              <a:xfrm>
+                <a:off x="4496873" y="2575780"/>
+                <a:ext cx="141667" cy="360608"/>
+              </a:xfrm>
+              <a:prstGeom prst="downArrow">
+                <a:avLst/>
+              </a:prstGeom>
+              <a:noFill/>
+            </p:spPr>
+            <p:style>
+              <a:lnRef idx="2">
+                <a:schemeClr val="accent1">
+                  <a:shade val="50000"/>
+                </a:schemeClr>
+              </a:lnRef>
+              <a:fillRef idx="1">
+                <a:schemeClr val="accent1"/>
+              </a:fillRef>
+              <a:effectRef idx="0">
+                <a:schemeClr val="accent1"/>
+              </a:effectRef>
+              <a:fontRef idx="minor">
+                <a:schemeClr val="lt1"/>
+              </a:fontRef>
+            </p:style>
+            <p:txBody>
+              <a:bodyPr rtlCol="0" anchor="ctr"/>
+              <a:lstStyle/>
+              <a:p>
+                <a:pPr algn="ctr"/>
+                <a:endParaRPr lang="en-US"/>
+              </a:p>
+            </p:txBody>
+          </p:sp>
+          <p:sp>
+            <p:nvSpPr>
+              <p:cNvPr id="26" name="Arrow: Down 25">
+                <a:extLst>
+                  <a:ext uri="{FF2B5EF4-FFF2-40B4-BE49-F238E27FC236}">
+                    <a16:creationId xmlns:a16="http://schemas.microsoft.com/office/drawing/2014/main" id="{507DE5A3-C29A-4B8B-977E-26D210FDFE5B}"/>
+                  </a:ext>
+                </a:extLst>
+              </p:cNvPr>
+              <p:cNvSpPr/>
+              <p:nvPr/>
+            </p:nvSpPr>
+            <p:spPr>
+              <a:xfrm>
+                <a:off x="4965876" y="2575780"/>
+                <a:ext cx="141667" cy="360608"/>
+              </a:xfrm>
+              <a:prstGeom prst="downArrow">
+                <a:avLst/>
+              </a:prstGeom>
+              <a:noFill/>
+            </p:spPr>
+            <p:style>
+              <a:lnRef idx="2">
+                <a:schemeClr val="accent1">
+                  <a:shade val="50000"/>
+                </a:schemeClr>
+              </a:lnRef>
+              <a:fillRef idx="1">
+                <a:schemeClr val="accent1"/>
+              </a:fillRef>
+              <a:effectRef idx="0">
+                <a:schemeClr val="accent1"/>
+              </a:effectRef>
+              <a:fontRef idx="minor">
+                <a:schemeClr val="lt1"/>
+              </a:fontRef>
+            </p:style>
+            <p:txBody>
+              <a:bodyPr rtlCol="0" anchor="ctr"/>
+              <a:lstStyle/>
+              <a:p>
+                <a:pPr algn="ctr"/>
+                <a:endParaRPr lang="en-US" dirty="0"/>
+              </a:p>
+            </p:txBody>
+          </p:sp>
+          <p:sp>
+            <p:nvSpPr>
+              <p:cNvPr id="27" name="Arrow: Down 26">
+                <a:extLst>
+                  <a:ext uri="{FF2B5EF4-FFF2-40B4-BE49-F238E27FC236}">
+                    <a16:creationId xmlns:a16="http://schemas.microsoft.com/office/drawing/2014/main" id="{090BFB16-FF80-41CD-896F-564039850332}"/>
+                  </a:ext>
+                </a:extLst>
+              </p:cNvPr>
+              <p:cNvSpPr/>
+              <p:nvPr/>
+            </p:nvSpPr>
+            <p:spPr>
+              <a:xfrm>
+                <a:off x="5454198" y="2575780"/>
+                <a:ext cx="141667" cy="360608"/>
+              </a:xfrm>
+              <a:prstGeom prst="downArrow">
+                <a:avLst/>
+              </a:prstGeom>
+              <a:noFill/>
+            </p:spPr>
+            <p:style>
+              <a:lnRef idx="2">
+                <a:schemeClr val="accent1">
+                  <a:shade val="50000"/>
+                </a:schemeClr>
+              </a:lnRef>
+              <a:fillRef idx="1">
+                <a:schemeClr val="accent1"/>
+              </a:fillRef>
+              <a:effectRef idx="0">
+                <a:schemeClr val="accent1"/>
+              </a:effectRef>
+              <a:fontRef idx="minor">
+                <a:schemeClr val="lt1"/>
+              </a:fontRef>
+            </p:style>
+            <p:txBody>
+              <a:bodyPr rtlCol="0" anchor="ctr"/>
+              <a:lstStyle/>
+              <a:p>
+                <a:pPr algn="ctr"/>
+                <a:endParaRPr lang="en-US"/>
+              </a:p>
+            </p:txBody>
+          </p:sp>
+          <p:sp>
+            <p:nvSpPr>
+              <p:cNvPr id="28" name="Arrow: Down 27">
+                <a:extLst>
+                  <a:ext uri="{FF2B5EF4-FFF2-40B4-BE49-F238E27FC236}">
+                    <a16:creationId xmlns:a16="http://schemas.microsoft.com/office/drawing/2014/main" id="{7559D04A-EBC4-499F-BB6A-292BA9CB64A6}"/>
+                  </a:ext>
+                </a:extLst>
+              </p:cNvPr>
+              <p:cNvSpPr/>
+              <p:nvPr/>
+            </p:nvSpPr>
+            <p:spPr>
+              <a:xfrm>
+                <a:off x="5942520" y="2572559"/>
+                <a:ext cx="141667" cy="360608"/>
+              </a:xfrm>
+              <a:prstGeom prst="downArrow">
+                <a:avLst/>
+              </a:prstGeom>
+              <a:noFill/>
+            </p:spPr>
+            <p:style>
+              <a:lnRef idx="2">
+                <a:schemeClr val="accent1">
+                  <a:shade val="50000"/>
+                </a:schemeClr>
+              </a:lnRef>
+              <a:fillRef idx="1">
+                <a:schemeClr val="accent1"/>
+              </a:fillRef>
+              <a:effectRef idx="0">
+                <a:schemeClr val="accent1"/>
+              </a:effectRef>
+              <a:fontRef idx="minor">
+                <a:schemeClr val="lt1"/>
+              </a:fontRef>
+            </p:style>
+            <p:txBody>
+              <a:bodyPr rtlCol="0" anchor="ctr"/>
+              <a:lstStyle/>
+              <a:p>
+                <a:pPr algn="ctr"/>
+                <a:endParaRPr lang="en-US"/>
+              </a:p>
+            </p:txBody>
+          </p:sp>
+          <p:sp>
+            <p:nvSpPr>
+              <p:cNvPr id="29" name="Arrow: Down 28">
+                <a:extLst>
+                  <a:ext uri="{FF2B5EF4-FFF2-40B4-BE49-F238E27FC236}">
+                    <a16:creationId xmlns:a16="http://schemas.microsoft.com/office/drawing/2014/main" id="{702EF790-F729-4394-9244-3B29D58980FE}"/>
+                  </a:ext>
+                </a:extLst>
+              </p:cNvPr>
+              <p:cNvSpPr/>
+              <p:nvPr/>
+            </p:nvSpPr>
+            <p:spPr>
+              <a:xfrm>
+                <a:off x="6430842" y="2572559"/>
+                <a:ext cx="141667" cy="360608"/>
+              </a:xfrm>
+              <a:prstGeom prst="downArrow">
+                <a:avLst/>
+              </a:prstGeom>
+              <a:noFill/>
+            </p:spPr>
+            <p:style>
+              <a:lnRef idx="2">
+                <a:schemeClr val="accent1">
+                  <a:shade val="50000"/>
+                </a:schemeClr>
+              </a:lnRef>
+              <a:fillRef idx="1">
+                <a:schemeClr val="accent1"/>
+              </a:fillRef>
+              <a:effectRef idx="0">
+                <a:schemeClr val="accent1"/>
+              </a:effectRef>
+              <a:fontRef idx="minor">
+                <a:schemeClr val="lt1"/>
+              </a:fontRef>
+            </p:style>
+            <p:txBody>
+              <a:bodyPr rtlCol="0" anchor="ctr"/>
+              <a:lstStyle/>
+              <a:p>
+                <a:pPr algn="ctr"/>
+                <a:endParaRPr lang="en-US"/>
+              </a:p>
+            </p:txBody>
+          </p:sp>
+        </p:grpSp>
+        <p:grpSp>
+          <p:nvGrpSpPr>
+            <p:cNvPr id="30" name="Group 29">
+              <a:extLst>
+                <a:ext uri="{FF2B5EF4-FFF2-40B4-BE49-F238E27FC236}">
+                  <a16:creationId xmlns:a16="http://schemas.microsoft.com/office/drawing/2014/main" id="{32D7981A-3E95-4082-A7CB-12A0B9E2EEB5}"/>
+                </a:ext>
+              </a:extLst>
+            </p:cNvPr>
+            <p:cNvGrpSpPr/>
+            <p:nvPr/>
+          </p:nvGrpSpPr>
+          <p:grpSpPr>
+            <a:xfrm>
+              <a:off x="4427117" y="3973111"/>
+              <a:ext cx="2075636" cy="363829"/>
+              <a:chOff x="4496873" y="2572559"/>
+              <a:chExt cx="2075636" cy="363829"/>
+            </a:xfrm>
+          </p:grpSpPr>
+          <p:sp>
+            <p:nvSpPr>
+              <p:cNvPr id="31" name="Arrow: Down 30">
+                <a:extLst>
+                  <a:ext uri="{FF2B5EF4-FFF2-40B4-BE49-F238E27FC236}">
+                    <a16:creationId xmlns:a16="http://schemas.microsoft.com/office/drawing/2014/main" id="{57C898AE-6D0C-4896-B0C9-131F5A37E295}"/>
+                  </a:ext>
+                </a:extLst>
+              </p:cNvPr>
+              <p:cNvSpPr/>
+              <p:nvPr/>
+            </p:nvSpPr>
+            <p:spPr>
+              <a:xfrm>
+                <a:off x="4496873" y="2575780"/>
+                <a:ext cx="141667" cy="360608"/>
+              </a:xfrm>
+              <a:prstGeom prst="downArrow">
+                <a:avLst/>
+              </a:prstGeom>
+              <a:noFill/>
+            </p:spPr>
+            <p:style>
+              <a:lnRef idx="2">
+                <a:schemeClr val="accent1">
+                  <a:shade val="50000"/>
+                </a:schemeClr>
+              </a:lnRef>
+              <a:fillRef idx="1">
+                <a:schemeClr val="accent1"/>
+              </a:fillRef>
+              <a:effectRef idx="0">
+                <a:schemeClr val="accent1"/>
+              </a:effectRef>
+              <a:fontRef idx="minor">
+                <a:schemeClr val="lt1"/>
+              </a:fontRef>
+            </p:style>
+            <p:txBody>
+              <a:bodyPr rtlCol="0" anchor="ctr"/>
+              <a:lstStyle/>
+              <a:p>
+                <a:pPr algn="ctr"/>
+                <a:endParaRPr lang="en-US"/>
+              </a:p>
+            </p:txBody>
+          </p:sp>
+          <p:sp>
+            <p:nvSpPr>
+              <p:cNvPr id="32" name="Arrow: Down 31">
+                <a:extLst>
+                  <a:ext uri="{FF2B5EF4-FFF2-40B4-BE49-F238E27FC236}">
+                    <a16:creationId xmlns:a16="http://schemas.microsoft.com/office/drawing/2014/main" id="{80D74E70-36F5-48F2-94C0-84317237B558}"/>
+                  </a:ext>
+                </a:extLst>
+              </p:cNvPr>
+              <p:cNvSpPr/>
+              <p:nvPr/>
+            </p:nvSpPr>
+            <p:spPr>
+              <a:xfrm>
+                <a:off x="4965876" y="2575780"/>
+                <a:ext cx="141667" cy="360608"/>
+              </a:xfrm>
+              <a:prstGeom prst="downArrow">
+                <a:avLst/>
+              </a:prstGeom>
+              <a:noFill/>
+            </p:spPr>
+            <p:style>
+              <a:lnRef idx="2">
+                <a:schemeClr val="accent1">
+                  <a:shade val="50000"/>
+                </a:schemeClr>
+              </a:lnRef>
+              <a:fillRef idx="1">
+                <a:schemeClr val="accent1"/>
+              </a:fillRef>
+              <a:effectRef idx="0">
+                <a:schemeClr val="accent1"/>
+              </a:effectRef>
+              <a:fontRef idx="minor">
+                <a:schemeClr val="lt1"/>
+              </a:fontRef>
+            </p:style>
+            <p:txBody>
+              <a:bodyPr rtlCol="0" anchor="ctr"/>
+              <a:lstStyle/>
+              <a:p>
+                <a:pPr algn="ctr"/>
+                <a:endParaRPr lang="en-US"/>
+              </a:p>
+            </p:txBody>
+          </p:sp>
+          <p:sp>
+            <p:nvSpPr>
+              <p:cNvPr id="33" name="Arrow: Down 32">
+                <a:extLst>
+                  <a:ext uri="{FF2B5EF4-FFF2-40B4-BE49-F238E27FC236}">
+                    <a16:creationId xmlns:a16="http://schemas.microsoft.com/office/drawing/2014/main" id="{BC0B71B5-D3E6-47AF-AC06-E7C8BBAEB27D}"/>
+                  </a:ext>
+                </a:extLst>
+              </p:cNvPr>
+              <p:cNvSpPr/>
+              <p:nvPr/>
+            </p:nvSpPr>
+            <p:spPr>
+              <a:xfrm>
+                <a:off x="5454198" y="2575780"/>
+                <a:ext cx="141667" cy="360608"/>
+              </a:xfrm>
+              <a:prstGeom prst="downArrow">
+                <a:avLst/>
+              </a:prstGeom>
+              <a:noFill/>
+            </p:spPr>
+            <p:style>
+              <a:lnRef idx="2">
+                <a:schemeClr val="accent1">
+                  <a:shade val="50000"/>
+                </a:schemeClr>
+              </a:lnRef>
+              <a:fillRef idx="1">
+                <a:schemeClr val="accent1"/>
+              </a:fillRef>
+              <a:effectRef idx="0">
+                <a:schemeClr val="accent1"/>
+              </a:effectRef>
+              <a:fontRef idx="minor">
+                <a:schemeClr val="lt1"/>
+              </a:fontRef>
+            </p:style>
+            <p:txBody>
+              <a:bodyPr rtlCol="0" anchor="ctr"/>
+              <a:lstStyle/>
+              <a:p>
+                <a:pPr algn="ctr"/>
+                <a:endParaRPr lang="en-US"/>
+              </a:p>
+            </p:txBody>
+          </p:sp>
+          <p:sp>
+            <p:nvSpPr>
+              <p:cNvPr id="34" name="Arrow: Down 33">
+                <a:extLst>
+                  <a:ext uri="{FF2B5EF4-FFF2-40B4-BE49-F238E27FC236}">
+                    <a16:creationId xmlns:a16="http://schemas.microsoft.com/office/drawing/2014/main" id="{5EB07934-9E08-4939-AF20-3A618A64A0C2}"/>
+                  </a:ext>
+                </a:extLst>
+              </p:cNvPr>
+              <p:cNvSpPr/>
+              <p:nvPr/>
+            </p:nvSpPr>
+            <p:spPr>
+              <a:xfrm>
+                <a:off x="5942520" y="2572559"/>
+                <a:ext cx="141667" cy="360608"/>
+              </a:xfrm>
+              <a:prstGeom prst="downArrow">
+                <a:avLst/>
+              </a:prstGeom>
+              <a:noFill/>
+            </p:spPr>
+            <p:style>
+              <a:lnRef idx="2">
+                <a:schemeClr val="accent1">
+                  <a:shade val="50000"/>
+                </a:schemeClr>
+              </a:lnRef>
+              <a:fillRef idx="1">
+                <a:schemeClr val="accent1"/>
+              </a:fillRef>
+              <a:effectRef idx="0">
+                <a:schemeClr val="accent1"/>
+              </a:effectRef>
+              <a:fontRef idx="minor">
+                <a:schemeClr val="lt1"/>
+              </a:fontRef>
+            </p:style>
+            <p:txBody>
+              <a:bodyPr rtlCol="0" anchor="ctr"/>
+              <a:lstStyle/>
+              <a:p>
+                <a:pPr algn="ctr"/>
+                <a:endParaRPr lang="en-US"/>
+              </a:p>
+            </p:txBody>
+          </p:sp>
+          <p:sp>
+            <p:nvSpPr>
+              <p:cNvPr id="35" name="Arrow: Down 34">
+                <a:extLst>
+                  <a:ext uri="{FF2B5EF4-FFF2-40B4-BE49-F238E27FC236}">
+                    <a16:creationId xmlns:a16="http://schemas.microsoft.com/office/drawing/2014/main" id="{983BC51D-A0FB-40DE-AA7A-E7C019C69A41}"/>
+                  </a:ext>
+                </a:extLst>
+              </p:cNvPr>
+              <p:cNvSpPr/>
+              <p:nvPr/>
+            </p:nvSpPr>
+            <p:spPr>
+              <a:xfrm>
+                <a:off x="6430842" y="2572559"/>
+                <a:ext cx="141667" cy="360608"/>
+              </a:xfrm>
+              <a:prstGeom prst="downArrow">
+                <a:avLst/>
+              </a:prstGeom>
+              <a:noFill/>
+            </p:spPr>
+            <p:style>
+              <a:lnRef idx="2">
+                <a:schemeClr val="accent1">
+                  <a:shade val="50000"/>
+                </a:schemeClr>
+              </a:lnRef>
+              <a:fillRef idx="1">
+                <a:schemeClr val="accent1"/>
+              </a:fillRef>
+              <a:effectRef idx="0">
+                <a:schemeClr val="accent1"/>
+              </a:effectRef>
+              <a:fontRef idx="minor">
+                <a:schemeClr val="lt1"/>
+              </a:fontRef>
+            </p:style>
+            <p:txBody>
+              <a:bodyPr rtlCol="0" anchor="ctr"/>
+              <a:lstStyle/>
+              <a:p>
+                <a:pPr algn="ctr"/>
+                <a:endParaRPr lang="en-US"/>
+              </a:p>
+            </p:txBody>
+          </p:sp>
+        </p:grpSp>
+        <p:grpSp>
+          <p:nvGrpSpPr>
+            <p:cNvPr id="36" name="Group 35">
+              <a:extLst>
+                <a:ext uri="{FF2B5EF4-FFF2-40B4-BE49-F238E27FC236}">
+                  <a16:creationId xmlns:a16="http://schemas.microsoft.com/office/drawing/2014/main" id="{09DC3283-6141-4F31-82B8-E13B136A1E28}"/>
+                </a:ext>
+              </a:extLst>
+            </p:cNvPr>
+            <p:cNvGrpSpPr/>
+            <p:nvPr/>
+          </p:nvGrpSpPr>
+          <p:grpSpPr>
+            <a:xfrm rot="10800000">
+              <a:off x="4437851" y="3287347"/>
+              <a:ext cx="2075636" cy="363829"/>
+              <a:chOff x="4496873" y="2572559"/>
+              <a:chExt cx="2075636" cy="363829"/>
+            </a:xfrm>
+          </p:grpSpPr>
+          <p:sp>
+            <p:nvSpPr>
+              <p:cNvPr id="37" name="Arrow: Down 36">
+                <a:extLst>
+                  <a:ext uri="{FF2B5EF4-FFF2-40B4-BE49-F238E27FC236}">
+                    <a16:creationId xmlns:a16="http://schemas.microsoft.com/office/drawing/2014/main" id="{D94F0609-8340-44EE-8B7D-DABD2F756ED0}"/>
+                  </a:ext>
+                </a:extLst>
+              </p:cNvPr>
+              <p:cNvSpPr/>
+              <p:nvPr/>
+            </p:nvSpPr>
+            <p:spPr>
+              <a:xfrm>
+                <a:off x="4496873" y="2575780"/>
+                <a:ext cx="141667" cy="360608"/>
+              </a:xfrm>
+              <a:prstGeom prst="downArrow">
+                <a:avLst/>
+              </a:prstGeom>
+              <a:noFill/>
+            </p:spPr>
+            <p:style>
+              <a:lnRef idx="2">
+                <a:schemeClr val="accent1">
+                  <a:shade val="50000"/>
+                </a:schemeClr>
+              </a:lnRef>
+              <a:fillRef idx="1">
+                <a:schemeClr val="accent1"/>
+              </a:fillRef>
+              <a:effectRef idx="0">
+                <a:schemeClr val="accent1"/>
+              </a:effectRef>
+              <a:fontRef idx="minor">
+                <a:schemeClr val="lt1"/>
+              </a:fontRef>
+            </p:style>
+            <p:txBody>
+              <a:bodyPr rtlCol="0" anchor="ctr"/>
+              <a:lstStyle/>
+              <a:p>
+                <a:pPr algn="ctr"/>
+                <a:endParaRPr lang="en-US"/>
+              </a:p>
+            </p:txBody>
+          </p:sp>
+          <p:sp>
+            <p:nvSpPr>
+              <p:cNvPr id="38" name="Arrow: Down 37">
+                <a:extLst>
+                  <a:ext uri="{FF2B5EF4-FFF2-40B4-BE49-F238E27FC236}">
+                    <a16:creationId xmlns:a16="http://schemas.microsoft.com/office/drawing/2014/main" id="{6524815F-9606-4D94-AF01-E6508EB7BCE0}"/>
+                  </a:ext>
+                </a:extLst>
+              </p:cNvPr>
+              <p:cNvSpPr/>
+              <p:nvPr/>
+            </p:nvSpPr>
+            <p:spPr>
+              <a:xfrm>
+                <a:off x="4965876" y="2575780"/>
+                <a:ext cx="141667" cy="360608"/>
+              </a:xfrm>
+              <a:prstGeom prst="downArrow">
+                <a:avLst/>
+              </a:prstGeom>
+              <a:noFill/>
+            </p:spPr>
+            <p:style>
+              <a:lnRef idx="2">
+                <a:schemeClr val="accent1">
+                  <a:shade val="50000"/>
+                </a:schemeClr>
+              </a:lnRef>
+              <a:fillRef idx="1">
+                <a:schemeClr val="accent1"/>
+              </a:fillRef>
+              <a:effectRef idx="0">
+                <a:schemeClr val="accent1"/>
+              </a:effectRef>
+              <a:fontRef idx="minor">
+                <a:schemeClr val="lt1"/>
+              </a:fontRef>
+            </p:style>
+            <p:txBody>
+              <a:bodyPr rtlCol="0" anchor="ctr"/>
+              <a:lstStyle/>
+              <a:p>
+                <a:pPr algn="ctr"/>
+                <a:endParaRPr lang="en-US"/>
+              </a:p>
+            </p:txBody>
+          </p:sp>
+          <p:sp>
+            <p:nvSpPr>
+              <p:cNvPr id="39" name="Arrow: Down 38">
+                <a:extLst>
+                  <a:ext uri="{FF2B5EF4-FFF2-40B4-BE49-F238E27FC236}">
+                    <a16:creationId xmlns:a16="http://schemas.microsoft.com/office/drawing/2014/main" id="{BBA931E2-CB70-499F-8E1C-4BCCCC85018D}"/>
+                  </a:ext>
+                </a:extLst>
+              </p:cNvPr>
+              <p:cNvSpPr/>
+              <p:nvPr/>
+            </p:nvSpPr>
+            <p:spPr>
+              <a:xfrm>
+                <a:off x="5454198" y="2575780"/>
+                <a:ext cx="141667" cy="360608"/>
+              </a:xfrm>
+              <a:prstGeom prst="downArrow">
+                <a:avLst/>
+              </a:prstGeom>
+              <a:noFill/>
+            </p:spPr>
+            <p:style>
+              <a:lnRef idx="2">
+                <a:schemeClr val="accent1">
+                  <a:shade val="50000"/>
+                </a:schemeClr>
+              </a:lnRef>
+              <a:fillRef idx="1">
+                <a:schemeClr val="accent1"/>
+              </a:fillRef>
+              <a:effectRef idx="0">
+                <a:schemeClr val="accent1"/>
+              </a:effectRef>
+              <a:fontRef idx="minor">
+                <a:schemeClr val="lt1"/>
+              </a:fontRef>
+            </p:style>
+            <p:txBody>
+              <a:bodyPr rtlCol="0" anchor="ctr"/>
+              <a:lstStyle/>
+              <a:p>
+                <a:pPr algn="ctr"/>
+                <a:endParaRPr lang="en-US"/>
+              </a:p>
+            </p:txBody>
+          </p:sp>
+          <p:sp>
+            <p:nvSpPr>
+              <p:cNvPr id="40" name="Arrow: Down 39">
+                <a:extLst>
+                  <a:ext uri="{FF2B5EF4-FFF2-40B4-BE49-F238E27FC236}">
+                    <a16:creationId xmlns:a16="http://schemas.microsoft.com/office/drawing/2014/main" id="{BE0BA196-AC89-42BD-BE6C-8F288033A863}"/>
+                  </a:ext>
+                </a:extLst>
+              </p:cNvPr>
+              <p:cNvSpPr/>
+              <p:nvPr/>
+            </p:nvSpPr>
+            <p:spPr>
+              <a:xfrm>
+                <a:off x="5942520" y="2572559"/>
+                <a:ext cx="141667" cy="360608"/>
+              </a:xfrm>
+              <a:prstGeom prst="downArrow">
+                <a:avLst/>
+              </a:prstGeom>
+              <a:noFill/>
+            </p:spPr>
+            <p:style>
+              <a:lnRef idx="2">
+                <a:schemeClr val="accent1">
+                  <a:shade val="50000"/>
+                </a:schemeClr>
+              </a:lnRef>
+              <a:fillRef idx="1">
+                <a:schemeClr val="accent1"/>
+              </a:fillRef>
+              <a:effectRef idx="0">
+                <a:schemeClr val="accent1"/>
+              </a:effectRef>
+              <a:fontRef idx="minor">
+                <a:schemeClr val="lt1"/>
+              </a:fontRef>
+            </p:style>
+            <p:txBody>
+              <a:bodyPr rtlCol="0" anchor="ctr"/>
+              <a:lstStyle/>
+              <a:p>
+                <a:pPr algn="ctr"/>
+                <a:endParaRPr lang="en-US"/>
+              </a:p>
+            </p:txBody>
+          </p:sp>
+          <p:sp>
+            <p:nvSpPr>
+              <p:cNvPr id="41" name="Arrow: Down 40">
+                <a:extLst>
+                  <a:ext uri="{FF2B5EF4-FFF2-40B4-BE49-F238E27FC236}">
+                    <a16:creationId xmlns:a16="http://schemas.microsoft.com/office/drawing/2014/main" id="{1237C361-BCA1-493F-8DC2-7ACAA813A483}"/>
+                  </a:ext>
+                </a:extLst>
+              </p:cNvPr>
+              <p:cNvSpPr/>
+              <p:nvPr/>
+            </p:nvSpPr>
+            <p:spPr>
+              <a:xfrm>
+                <a:off x="6430842" y="2572559"/>
+                <a:ext cx="141667" cy="360608"/>
+              </a:xfrm>
+              <a:prstGeom prst="downArrow">
+                <a:avLst/>
+              </a:prstGeom>
+              <a:noFill/>
+            </p:spPr>
+            <p:style>
+              <a:lnRef idx="2">
+                <a:schemeClr val="accent1">
+                  <a:shade val="50000"/>
+                </a:schemeClr>
+              </a:lnRef>
+              <a:fillRef idx="1">
+                <a:schemeClr val="accent1"/>
+              </a:fillRef>
+              <a:effectRef idx="0">
+                <a:schemeClr val="accent1"/>
+              </a:effectRef>
+              <a:fontRef idx="minor">
+                <a:schemeClr val="lt1"/>
+              </a:fontRef>
+            </p:style>
+            <p:txBody>
+              <a:bodyPr rtlCol="0" anchor="ctr"/>
+              <a:lstStyle/>
+              <a:p>
+                <a:pPr algn="ctr"/>
+                <a:endParaRPr lang="en-US"/>
+              </a:p>
+            </p:txBody>
+          </p:sp>
+        </p:grpSp>
+        <p:grpSp>
+          <p:nvGrpSpPr>
+            <p:cNvPr id="42" name="Group 41">
+              <a:extLst>
+                <a:ext uri="{FF2B5EF4-FFF2-40B4-BE49-F238E27FC236}">
+                  <a16:creationId xmlns:a16="http://schemas.microsoft.com/office/drawing/2014/main" id="{ABBD2080-3489-4C7D-A4EC-925521F7BC3B}"/>
+                </a:ext>
+              </a:extLst>
+            </p:cNvPr>
+            <p:cNvGrpSpPr/>
+            <p:nvPr/>
+          </p:nvGrpSpPr>
+          <p:grpSpPr>
+            <a:xfrm rot="10800000">
+              <a:off x="4417458" y="6055228"/>
+              <a:ext cx="2075636" cy="363829"/>
+              <a:chOff x="4496873" y="2572559"/>
+              <a:chExt cx="2075636" cy="363829"/>
+            </a:xfrm>
+          </p:grpSpPr>
+          <p:sp>
+            <p:nvSpPr>
+              <p:cNvPr id="43" name="Arrow: Down 42">
+                <a:extLst>
+                  <a:ext uri="{FF2B5EF4-FFF2-40B4-BE49-F238E27FC236}">
+                    <a16:creationId xmlns:a16="http://schemas.microsoft.com/office/drawing/2014/main" id="{C852131B-957A-4B3F-8760-5EE7896F8F1D}"/>
+                  </a:ext>
+                </a:extLst>
+              </p:cNvPr>
+              <p:cNvSpPr/>
+              <p:nvPr/>
+            </p:nvSpPr>
+            <p:spPr>
+              <a:xfrm>
+                <a:off x="4496873" y="2575780"/>
+                <a:ext cx="141667" cy="360608"/>
+              </a:xfrm>
+              <a:prstGeom prst="downArrow">
+                <a:avLst/>
+              </a:prstGeom>
+              <a:noFill/>
+            </p:spPr>
+            <p:style>
+              <a:lnRef idx="2">
+                <a:schemeClr val="accent1">
+                  <a:shade val="50000"/>
+                </a:schemeClr>
+              </a:lnRef>
+              <a:fillRef idx="1">
+                <a:schemeClr val="accent1"/>
+              </a:fillRef>
+              <a:effectRef idx="0">
+                <a:schemeClr val="accent1"/>
+              </a:effectRef>
+              <a:fontRef idx="minor">
+                <a:schemeClr val="lt1"/>
+              </a:fontRef>
+            </p:style>
+            <p:txBody>
+              <a:bodyPr rtlCol="0" anchor="ctr"/>
+              <a:lstStyle/>
+              <a:p>
+                <a:pPr algn="ctr"/>
+                <a:endParaRPr lang="en-US"/>
+              </a:p>
+            </p:txBody>
+          </p:sp>
+          <p:sp>
+            <p:nvSpPr>
+              <p:cNvPr id="44" name="Arrow: Down 43">
+                <a:extLst>
+                  <a:ext uri="{FF2B5EF4-FFF2-40B4-BE49-F238E27FC236}">
+                    <a16:creationId xmlns:a16="http://schemas.microsoft.com/office/drawing/2014/main" id="{A11D624B-418A-4BA3-9DF9-4D630E03610F}"/>
+                  </a:ext>
+                </a:extLst>
+              </p:cNvPr>
+              <p:cNvSpPr/>
+              <p:nvPr/>
+            </p:nvSpPr>
+            <p:spPr>
+              <a:xfrm>
+                <a:off x="4965876" y="2575780"/>
+                <a:ext cx="141667" cy="360608"/>
+              </a:xfrm>
+              <a:prstGeom prst="downArrow">
+                <a:avLst/>
+              </a:prstGeom>
+              <a:noFill/>
+            </p:spPr>
+            <p:style>
+              <a:lnRef idx="2">
+                <a:schemeClr val="accent1">
+                  <a:shade val="50000"/>
+                </a:schemeClr>
+              </a:lnRef>
+              <a:fillRef idx="1">
+                <a:schemeClr val="accent1"/>
+              </a:fillRef>
+              <a:effectRef idx="0">
+                <a:schemeClr val="accent1"/>
+              </a:effectRef>
+              <a:fontRef idx="minor">
+                <a:schemeClr val="lt1"/>
+              </a:fontRef>
+            </p:style>
+            <p:txBody>
+              <a:bodyPr rtlCol="0" anchor="ctr"/>
+              <a:lstStyle/>
+              <a:p>
+                <a:pPr algn="ctr"/>
+                <a:endParaRPr lang="en-US"/>
+              </a:p>
+            </p:txBody>
+          </p:sp>
+          <p:sp>
+            <p:nvSpPr>
+              <p:cNvPr id="45" name="Arrow: Down 44">
+                <a:extLst>
+                  <a:ext uri="{FF2B5EF4-FFF2-40B4-BE49-F238E27FC236}">
+                    <a16:creationId xmlns:a16="http://schemas.microsoft.com/office/drawing/2014/main" id="{3AC4F900-8258-4FD8-A9AA-E481A0F05569}"/>
+                  </a:ext>
+                </a:extLst>
+              </p:cNvPr>
+              <p:cNvSpPr/>
+              <p:nvPr/>
+            </p:nvSpPr>
+            <p:spPr>
+              <a:xfrm>
+                <a:off x="5454198" y="2575780"/>
+                <a:ext cx="141667" cy="360608"/>
+              </a:xfrm>
+              <a:prstGeom prst="downArrow">
+                <a:avLst/>
+              </a:prstGeom>
+              <a:noFill/>
+            </p:spPr>
+            <p:style>
+              <a:lnRef idx="2">
+                <a:schemeClr val="accent1">
+                  <a:shade val="50000"/>
+                </a:schemeClr>
+              </a:lnRef>
+              <a:fillRef idx="1">
+                <a:schemeClr val="accent1"/>
+              </a:fillRef>
+              <a:effectRef idx="0">
+                <a:schemeClr val="accent1"/>
+              </a:effectRef>
+              <a:fontRef idx="minor">
+                <a:schemeClr val="lt1"/>
+              </a:fontRef>
+            </p:style>
+            <p:txBody>
+              <a:bodyPr rtlCol="0" anchor="ctr"/>
+              <a:lstStyle/>
+              <a:p>
+                <a:pPr algn="ctr"/>
+                <a:endParaRPr lang="en-US"/>
+              </a:p>
+            </p:txBody>
+          </p:sp>
+          <p:sp>
+            <p:nvSpPr>
+              <p:cNvPr id="46" name="Arrow: Down 45">
+                <a:extLst>
+                  <a:ext uri="{FF2B5EF4-FFF2-40B4-BE49-F238E27FC236}">
+                    <a16:creationId xmlns:a16="http://schemas.microsoft.com/office/drawing/2014/main" id="{E0A6DEC8-7453-4611-ACE6-FC888B07F85A}"/>
+                  </a:ext>
+                </a:extLst>
+              </p:cNvPr>
+              <p:cNvSpPr/>
+              <p:nvPr/>
+            </p:nvSpPr>
+            <p:spPr>
+              <a:xfrm>
+                <a:off x="5942520" y="2572559"/>
+                <a:ext cx="141667" cy="360608"/>
+              </a:xfrm>
+              <a:prstGeom prst="downArrow">
+                <a:avLst/>
+              </a:prstGeom>
+              <a:noFill/>
+            </p:spPr>
+            <p:style>
+              <a:lnRef idx="2">
+                <a:schemeClr val="accent1">
+                  <a:shade val="50000"/>
+                </a:schemeClr>
+              </a:lnRef>
+              <a:fillRef idx="1">
+                <a:schemeClr val="accent1"/>
+              </a:fillRef>
+              <a:effectRef idx="0">
+                <a:schemeClr val="accent1"/>
+              </a:effectRef>
+              <a:fontRef idx="minor">
+                <a:schemeClr val="lt1"/>
+              </a:fontRef>
+            </p:style>
+            <p:txBody>
+              <a:bodyPr rtlCol="0" anchor="ctr"/>
+              <a:lstStyle/>
+              <a:p>
+                <a:pPr algn="ctr"/>
+                <a:endParaRPr lang="en-US"/>
+              </a:p>
+            </p:txBody>
+          </p:sp>
+          <p:sp>
+            <p:nvSpPr>
+              <p:cNvPr id="47" name="Arrow: Down 46">
+                <a:extLst>
+                  <a:ext uri="{FF2B5EF4-FFF2-40B4-BE49-F238E27FC236}">
+                    <a16:creationId xmlns:a16="http://schemas.microsoft.com/office/drawing/2014/main" id="{AADB9D33-055E-481F-B8C0-8D17502DB9D7}"/>
+                  </a:ext>
+                </a:extLst>
+              </p:cNvPr>
+              <p:cNvSpPr/>
+              <p:nvPr/>
+            </p:nvSpPr>
+            <p:spPr>
+              <a:xfrm>
+                <a:off x="6430842" y="2572559"/>
+                <a:ext cx="141667" cy="360608"/>
+              </a:xfrm>
+              <a:prstGeom prst="downArrow">
+                <a:avLst/>
+              </a:prstGeom>
+              <a:noFill/>
+            </p:spPr>
+            <p:style>
+              <a:lnRef idx="2">
+                <a:schemeClr val="accent1">
+                  <a:shade val="50000"/>
+                </a:schemeClr>
+              </a:lnRef>
+              <a:fillRef idx="1">
+                <a:schemeClr val="accent1"/>
+              </a:fillRef>
+              <a:effectRef idx="0">
+                <a:schemeClr val="accent1"/>
+              </a:effectRef>
+              <a:fontRef idx="minor">
+                <a:schemeClr val="lt1"/>
+              </a:fontRef>
+            </p:style>
+            <p:txBody>
+              <a:bodyPr rtlCol="0" anchor="ctr"/>
+              <a:lstStyle/>
+              <a:p>
+                <a:pPr algn="ctr"/>
+                <a:endParaRPr lang="en-US"/>
+              </a:p>
+            </p:txBody>
+          </p:sp>
+        </p:grpSp>
+        <p:grpSp>
+          <p:nvGrpSpPr>
+            <p:cNvPr id="48" name="Group 47">
+              <a:extLst>
+                <a:ext uri="{FF2B5EF4-FFF2-40B4-BE49-F238E27FC236}">
+                  <a16:creationId xmlns:a16="http://schemas.microsoft.com/office/drawing/2014/main" id="{76085605-2852-4CEC-8B85-D7CFC334D9E9}"/>
+                </a:ext>
+              </a:extLst>
+            </p:cNvPr>
+            <p:cNvGrpSpPr/>
+            <p:nvPr/>
+          </p:nvGrpSpPr>
+          <p:grpSpPr>
+            <a:xfrm>
+              <a:off x="4417457" y="5357635"/>
+              <a:ext cx="2075636" cy="363829"/>
+              <a:chOff x="4496873" y="2572559"/>
+              <a:chExt cx="2075636" cy="363829"/>
+            </a:xfrm>
+          </p:grpSpPr>
+          <p:sp>
+            <p:nvSpPr>
+              <p:cNvPr id="49" name="Arrow: Down 48">
+                <a:extLst>
+                  <a:ext uri="{FF2B5EF4-FFF2-40B4-BE49-F238E27FC236}">
+                    <a16:creationId xmlns:a16="http://schemas.microsoft.com/office/drawing/2014/main" id="{B67C02FE-D01A-4C7E-AB54-03ACC462F51D}"/>
+                  </a:ext>
+                </a:extLst>
+              </p:cNvPr>
+              <p:cNvSpPr/>
+              <p:nvPr/>
+            </p:nvSpPr>
+            <p:spPr>
+              <a:xfrm>
+                <a:off x="4496873" y="2575780"/>
+                <a:ext cx="141667" cy="360608"/>
+              </a:xfrm>
+              <a:prstGeom prst="downArrow">
+                <a:avLst/>
+              </a:prstGeom>
+              <a:noFill/>
+            </p:spPr>
+            <p:style>
+              <a:lnRef idx="2">
+                <a:schemeClr val="accent1">
+                  <a:shade val="50000"/>
+                </a:schemeClr>
+              </a:lnRef>
+              <a:fillRef idx="1">
+                <a:schemeClr val="accent1"/>
+              </a:fillRef>
+              <a:effectRef idx="0">
+                <a:schemeClr val="accent1"/>
+              </a:effectRef>
+              <a:fontRef idx="minor">
+                <a:schemeClr val="lt1"/>
+              </a:fontRef>
+            </p:style>
+            <p:txBody>
+              <a:bodyPr rtlCol="0" anchor="ctr"/>
+              <a:lstStyle/>
+              <a:p>
+                <a:pPr algn="ctr"/>
+                <a:endParaRPr lang="en-US"/>
+              </a:p>
+            </p:txBody>
+          </p:sp>
+          <p:sp>
+            <p:nvSpPr>
+              <p:cNvPr id="50" name="Arrow: Down 49">
+                <a:extLst>
+                  <a:ext uri="{FF2B5EF4-FFF2-40B4-BE49-F238E27FC236}">
+                    <a16:creationId xmlns:a16="http://schemas.microsoft.com/office/drawing/2014/main" id="{75ED918F-3018-41D0-AFB3-DAC2406FC75E}"/>
+                  </a:ext>
+                </a:extLst>
+              </p:cNvPr>
+              <p:cNvSpPr/>
+              <p:nvPr/>
+            </p:nvSpPr>
+            <p:spPr>
+              <a:xfrm>
+                <a:off x="4965876" y="2575780"/>
+                <a:ext cx="141667" cy="360608"/>
+              </a:xfrm>
+              <a:prstGeom prst="downArrow">
+                <a:avLst/>
+              </a:prstGeom>
+              <a:noFill/>
+            </p:spPr>
+            <p:style>
+              <a:lnRef idx="2">
+                <a:schemeClr val="accent1">
+                  <a:shade val="50000"/>
+                </a:schemeClr>
+              </a:lnRef>
+              <a:fillRef idx="1">
+                <a:schemeClr val="accent1"/>
+              </a:fillRef>
+              <a:effectRef idx="0">
+                <a:schemeClr val="accent1"/>
+              </a:effectRef>
+              <a:fontRef idx="minor">
+                <a:schemeClr val="lt1"/>
+              </a:fontRef>
+            </p:style>
+            <p:txBody>
+              <a:bodyPr rtlCol="0" anchor="ctr"/>
+              <a:lstStyle/>
+              <a:p>
+                <a:pPr algn="ctr"/>
+                <a:endParaRPr lang="en-US"/>
+              </a:p>
+            </p:txBody>
+          </p:sp>
+          <p:sp>
+            <p:nvSpPr>
+              <p:cNvPr id="51" name="Arrow: Down 50">
+                <a:extLst>
+                  <a:ext uri="{FF2B5EF4-FFF2-40B4-BE49-F238E27FC236}">
+                    <a16:creationId xmlns:a16="http://schemas.microsoft.com/office/drawing/2014/main" id="{00901E11-CEDA-4710-B5BA-4E695639F343}"/>
+                  </a:ext>
+                </a:extLst>
+              </p:cNvPr>
+              <p:cNvSpPr/>
+              <p:nvPr/>
+            </p:nvSpPr>
+            <p:spPr>
+              <a:xfrm>
+                <a:off x="5454198" y="2575780"/>
+                <a:ext cx="141667" cy="360608"/>
+              </a:xfrm>
+              <a:prstGeom prst="downArrow">
+                <a:avLst/>
+              </a:prstGeom>
+              <a:noFill/>
+            </p:spPr>
+            <p:style>
+              <a:lnRef idx="2">
+                <a:schemeClr val="accent1">
+                  <a:shade val="50000"/>
+                </a:schemeClr>
+              </a:lnRef>
+              <a:fillRef idx="1">
+                <a:schemeClr val="accent1"/>
+              </a:fillRef>
+              <a:effectRef idx="0">
+                <a:schemeClr val="accent1"/>
+              </a:effectRef>
+              <a:fontRef idx="minor">
+                <a:schemeClr val="lt1"/>
+              </a:fontRef>
+            </p:style>
+            <p:txBody>
+              <a:bodyPr rtlCol="0" anchor="ctr"/>
+              <a:lstStyle/>
+              <a:p>
+                <a:pPr algn="ctr"/>
+                <a:endParaRPr lang="en-US"/>
+              </a:p>
+            </p:txBody>
+          </p:sp>
+          <p:sp>
+            <p:nvSpPr>
+              <p:cNvPr id="52" name="Arrow: Down 51">
+                <a:extLst>
+                  <a:ext uri="{FF2B5EF4-FFF2-40B4-BE49-F238E27FC236}">
+                    <a16:creationId xmlns:a16="http://schemas.microsoft.com/office/drawing/2014/main" id="{7DC9636A-871D-42BA-8E26-01474D9B6BA5}"/>
+                  </a:ext>
+                </a:extLst>
+              </p:cNvPr>
+              <p:cNvSpPr/>
+              <p:nvPr/>
+            </p:nvSpPr>
+            <p:spPr>
+              <a:xfrm>
+                <a:off x="5942520" y="2572559"/>
+                <a:ext cx="141667" cy="360608"/>
+              </a:xfrm>
+              <a:prstGeom prst="downArrow">
+                <a:avLst/>
+              </a:prstGeom>
+              <a:noFill/>
+            </p:spPr>
+            <p:style>
+              <a:lnRef idx="2">
+                <a:schemeClr val="accent1">
+                  <a:shade val="50000"/>
+                </a:schemeClr>
+              </a:lnRef>
+              <a:fillRef idx="1">
+                <a:schemeClr val="accent1"/>
+              </a:fillRef>
+              <a:effectRef idx="0">
+                <a:schemeClr val="accent1"/>
+              </a:effectRef>
+              <a:fontRef idx="minor">
+                <a:schemeClr val="lt1"/>
+              </a:fontRef>
+            </p:style>
+            <p:txBody>
+              <a:bodyPr rtlCol="0" anchor="ctr"/>
+              <a:lstStyle/>
+              <a:p>
+                <a:pPr algn="ctr"/>
+                <a:endParaRPr lang="en-US"/>
+              </a:p>
+            </p:txBody>
+          </p:sp>
+          <p:sp>
+            <p:nvSpPr>
+              <p:cNvPr id="53" name="Arrow: Down 52">
+                <a:extLst>
+                  <a:ext uri="{FF2B5EF4-FFF2-40B4-BE49-F238E27FC236}">
+                    <a16:creationId xmlns:a16="http://schemas.microsoft.com/office/drawing/2014/main" id="{DF0E0016-F8BA-4627-85D8-C55BC3F617C5}"/>
+                  </a:ext>
+                </a:extLst>
+              </p:cNvPr>
+              <p:cNvSpPr/>
+              <p:nvPr/>
+            </p:nvSpPr>
+            <p:spPr>
+              <a:xfrm>
+                <a:off x="6430842" y="2572559"/>
+                <a:ext cx="141667" cy="360608"/>
+              </a:xfrm>
+              <a:prstGeom prst="downArrow">
+                <a:avLst/>
+              </a:prstGeom>
+              <a:noFill/>
+            </p:spPr>
+            <p:style>
+              <a:lnRef idx="2">
+                <a:schemeClr val="accent1">
+                  <a:shade val="50000"/>
+                </a:schemeClr>
+              </a:lnRef>
+              <a:fillRef idx="1">
+                <a:schemeClr val="accent1"/>
+              </a:fillRef>
+              <a:effectRef idx="0">
+                <a:schemeClr val="accent1"/>
+              </a:effectRef>
+              <a:fontRef idx="minor">
+                <a:schemeClr val="lt1"/>
+              </a:fontRef>
+            </p:style>
+            <p:txBody>
+              <a:bodyPr rtlCol="0" anchor="ctr"/>
+              <a:lstStyle/>
+              <a:p>
+                <a:pPr algn="ctr"/>
+                <a:endParaRPr lang="en-US"/>
+              </a:p>
+            </p:txBody>
+          </p:sp>
+        </p:grpSp>
+      </p:grpSp>
+      <p:sp>
+        <p:nvSpPr>
+          <p:cNvPr id="55" name="Arrow: Right 54">
+            <a:extLst>
+              <a:ext uri="{FF2B5EF4-FFF2-40B4-BE49-F238E27FC236}">
+                <a16:creationId xmlns:a16="http://schemas.microsoft.com/office/drawing/2014/main" id="{95C17106-C2A0-4C8C-AE6F-36A4D4E8B3E6}"/>
+              </a:ext>
+            </a:extLst>
+          </p:cNvPr>
+          <p:cNvSpPr/>
+          <p:nvPr/>
         </p:nvSpPr>
-        <p:spPr/>
+        <p:spPr>
+          <a:xfrm rot="10800000">
+            <a:off x="7223968" y="2206586"/>
+            <a:ext cx="1493950" cy="437882"/>
+          </a:xfrm>
+          <a:prstGeom prst="rightArrow">
+            <a:avLst/>
+          </a:prstGeom>
+          <a:noFill/>
+        </p:spPr>
+        <p:style>
+          <a:lnRef idx="2">
+            <a:schemeClr val="accent1">
+              <a:shade val="50000"/>
+            </a:schemeClr>
+          </a:lnRef>
+          <a:fillRef idx="1">
+            <a:schemeClr val="accent1"/>
+          </a:fillRef>
+          <a:effectRef idx="0">
+            <a:schemeClr val="accent1"/>
+          </a:effectRef>
+          <a:fontRef idx="minor">
+            <a:schemeClr val="lt1"/>
+          </a:fontRef>
+        </p:style>
         <p:txBody>
-          <a:bodyPr/>
+          <a:bodyPr rtlCol="0" anchor="ctr"/>
           <a:lstStyle/>
           <a:p>
+            <a:pPr algn="ctr"/>
             <a:endParaRPr lang="en-US"/>
           </a:p>
         </p:txBody>
       </p:sp>
       <p:sp>
         <p:nvSpPr>
-          <p:cNvPr id="3" name="Content Placeholder 2">
+          <p:cNvPr id="56" name="Arrow: Right 55">
             <a:extLst>
               <a:ext uri="{FF2B5EF4-FFF2-40B4-BE49-F238E27FC236}">
-                <a16:creationId xmlns:a16="http://schemas.microsoft.com/office/drawing/2014/main" id="{449602E6-AD74-4E1D-AD3D-786E941EA5D1}"/>
+                <a16:creationId xmlns:a16="http://schemas.microsoft.com/office/drawing/2014/main" id="{ED338117-ADEF-4183-BDEA-537534735582}"/>
               </a:ext>
             </a:extLst>
           </p:cNvPr>
-          <p:cNvSpPr>
-            <a:spLocks noGrp="1"/>
-          </p:cNvSpPr>
-          <p:nvPr>
-            <p:ph idx="1"/>
-          </p:nvPr>
+          <p:cNvSpPr/>
+          <p:nvPr/>
         </p:nvSpPr>
-        <p:spPr/>
+        <p:spPr>
+          <a:xfrm rot="10800000">
+            <a:off x="7165638" y="3585760"/>
+            <a:ext cx="1493950" cy="437882"/>
+          </a:xfrm>
+          <a:prstGeom prst="rightArrow">
+            <a:avLst/>
+          </a:prstGeom>
+          <a:noFill/>
+        </p:spPr>
+        <p:style>
+          <a:lnRef idx="2">
+            <a:schemeClr val="accent1">
+              <a:shade val="50000"/>
+            </a:schemeClr>
+          </a:lnRef>
+          <a:fillRef idx="1">
+            <a:schemeClr val="accent1"/>
+          </a:fillRef>
+          <a:effectRef idx="0">
+            <a:schemeClr val="accent1"/>
+          </a:effectRef>
+          <a:fontRef idx="minor">
+            <a:schemeClr val="lt1"/>
+          </a:fontRef>
+        </p:style>
         <p:txBody>
-          <a:bodyPr/>
+          <a:bodyPr rtlCol="0" anchor="ctr"/>
           <a:lstStyle/>
           <a:p>
+            <a:pPr algn="ctr"/>
             <a:endParaRPr lang="en-US"/>
           </a:p>
         </p:txBody>
       </p:sp>
+      <p:sp>
+        <p:nvSpPr>
+          <p:cNvPr id="57" name="Arrow: Right 56">
+            <a:extLst>
+              <a:ext uri="{FF2B5EF4-FFF2-40B4-BE49-F238E27FC236}">
+                <a16:creationId xmlns:a16="http://schemas.microsoft.com/office/drawing/2014/main" id="{2EC95744-8CCF-4680-B56C-6D671F694E14}"/>
+              </a:ext>
+            </a:extLst>
+          </p:cNvPr>
+          <p:cNvSpPr/>
+          <p:nvPr/>
+        </p:nvSpPr>
+        <p:spPr>
+          <a:xfrm rot="10800000">
+            <a:off x="7248658" y="6353576"/>
+            <a:ext cx="1493950" cy="437882"/>
+          </a:xfrm>
+          <a:prstGeom prst="rightArrow">
+            <a:avLst/>
+          </a:prstGeom>
+          <a:noFill/>
+        </p:spPr>
+        <p:style>
+          <a:lnRef idx="2">
+            <a:schemeClr val="accent1">
+              <a:shade val="50000"/>
+            </a:schemeClr>
+          </a:lnRef>
+          <a:fillRef idx="1">
+            <a:schemeClr val="accent1"/>
+          </a:fillRef>
+          <a:effectRef idx="0">
+            <a:schemeClr val="accent1"/>
+          </a:effectRef>
+          <a:fontRef idx="minor">
+            <a:schemeClr val="lt1"/>
+          </a:fontRef>
+        </p:style>
+        <p:txBody>
+          <a:bodyPr rtlCol="0" anchor="ctr"/>
+          <a:lstStyle/>
+          <a:p>
+            <a:pPr algn="ctr"/>
+            <a:endParaRPr lang="en-US"/>
+          </a:p>
+        </p:txBody>
+      </p:sp>
+      <p:sp>
+        <p:nvSpPr>
+          <p:cNvPr id="58" name="Arrow: Right 57">
+            <a:extLst>
+              <a:ext uri="{FF2B5EF4-FFF2-40B4-BE49-F238E27FC236}">
+                <a16:creationId xmlns:a16="http://schemas.microsoft.com/office/drawing/2014/main" id="{36D78BE4-5493-4681-9CFD-4883A6B6B59E}"/>
+              </a:ext>
+            </a:extLst>
+          </p:cNvPr>
+          <p:cNvSpPr/>
+          <p:nvPr/>
+        </p:nvSpPr>
+        <p:spPr>
+          <a:xfrm rot="10800000">
+            <a:off x="7248658" y="4971246"/>
+            <a:ext cx="1493950" cy="437882"/>
+          </a:xfrm>
+          <a:prstGeom prst="rightArrow">
+            <a:avLst/>
+          </a:prstGeom>
+          <a:noFill/>
+        </p:spPr>
+        <p:style>
+          <a:lnRef idx="2">
+            <a:schemeClr val="accent1">
+              <a:shade val="50000"/>
+            </a:schemeClr>
+          </a:lnRef>
+          <a:fillRef idx="1">
+            <a:schemeClr val="accent1"/>
+          </a:fillRef>
+          <a:effectRef idx="0">
+            <a:schemeClr val="accent1"/>
+          </a:effectRef>
+          <a:fontRef idx="minor">
+            <a:schemeClr val="lt1"/>
+          </a:fontRef>
+        </p:style>
+        <p:txBody>
+          <a:bodyPr rtlCol="0" anchor="ctr"/>
+          <a:lstStyle/>
+          <a:p>
+            <a:pPr algn="ctr"/>
+            <a:endParaRPr lang="en-US"/>
+          </a:p>
+        </p:txBody>
+      </p:sp>
+      <p:sp>
+        <p:nvSpPr>
+          <p:cNvPr id="59" name="Arrow: Right 58">
+            <a:extLst>
+              <a:ext uri="{FF2B5EF4-FFF2-40B4-BE49-F238E27FC236}">
+                <a16:creationId xmlns:a16="http://schemas.microsoft.com/office/drawing/2014/main" id="{057C3DE6-1292-46D8-9E32-415216A6F915}"/>
+              </a:ext>
+            </a:extLst>
+          </p:cNvPr>
+          <p:cNvSpPr/>
+          <p:nvPr/>
+        </p:nvSpPr>
+        <p:spPr>
+          <a:xfrm rot="10800000">
+            <a:off x="2043822" y="5662410"/>
+            <a:ext cx="1493950" cy="437882"/>
+          </a:xfrm>
+          <a:prstGeom prst="rightArrow">
+            <a:avLst/>
+          </a:prstGeom>
+          <a:noFill/>
+        </p:spPr>
+        <p:style>
+          <a:lnRef idx="2">
+            <a:schemeClr val="accent1">
+              <a:shade val="50000"/>
+            </a:schemeClr>
+          </a:lnRef>
+          <a:fillRef idx="1">
+            <a:schemeClr val="accent1"/>
+          </a:fillRef>
+          <a:effectRef idx="0">
+            <a:schemeClr val="accent1"/>
+          </a:effectRef>
+          <a:fontRef idx="minor">
+            <a:schemeClr val="lt1"/>
+          </a:fontRef>
+        </p:style>
+        <p:txBody>
+          <a:bodyPr rtlCol="0" anchor="ctr"/>
+          <a:lstStyle/>
+          <a:p>
+            <a:pPr algn="ctr"/>
+            <a:endParaRPr lang="en-US"/>
+          </a:p>
+        </p:txBody>
+      </p:sp>
+      <p:sp>
+        <p:nvSpPr>
+          <p:cNvPr id="60" name="Arrow: Right 59">
+            <a:extLst>
+              <a:ext uri="{FF2B5EF4-FFF2-40B4-BE49-F238E27FC236}">
+                <a16:creationId xmlns:a16="http://schemas.microsoft.com/office/drawing/2014/main" id="{D41C9AB1-95D6-48F1-85C2-AE79EC8E75FF}"/>
+              </a:ext>
+            </a:extLst>
+          </p:cNvPr>
+          <p:cNvSpPr/>
+          <p:nvPr/>
+        </p:nvSpPr>
+        <p:spPr>
+          <a:xfrm rot="10800000">
+            <a:off x="2127690" y="4280081"/>
+            <a:ext cx="1493950" cy="437882"/>
+          </a:xfrm>
+          <a:prstGeom prst="rightArrow">
+            <a:avLst/>
+          </a:prstGeom>
+          <a:noFill/>
+        </p:spPr>
+        <p:style>
+          <a:lnRef idx="2">
+            <a:schemeClr val="accent1">
+              <a:shade val="50000"/>
+            </a:schemeClr>
+          </a:lnRef>
+          <a:fillRef idx="1">
+            <a:schemeClr val="accent1"/>
+          </a:fillRef>
+          <a:effectRef idx="0">
+            <a:schemeClr val="accent1"/>
+          </a:effectRef>
+          <a:fontRef idx="minor">
+            <a:schemeClr val="lt1"/>
+          </a:fontRef>
+        </p:style>
+        <p:txBody>
+          <a:bodyPr rtlCol="0" anchor="ctr"/>
+          <a:lstStyle/>
+          <a:p>
+            <a:pPr algn="ctr"/>
+            <a:endParaRPr lang="en-US"/>
+          </a:p>
+        </p:txBody>
+      </p:sp>
+      <p:sp>
+        <p:nvSpPr>
+          <p:cNvPr id="61" name="Arrow: Right 60">
+            <a:extLst>
+              <a:ext uri="{FF2B5EF4-FFF2-40B4-BE49-F238E27FC236}">
+                <a16:creationId xmlns:a16="http://schemas.microsoft.com/office/drawing/2014/main" id="{29FF1A69-17E8-4FE1-A1DC-EB18BC597FEA}"/>
+              </a:ext>
+            </a:extLst>
+          </p:cNvPr>
+          <p:cNvSpPr/>
+          <p:nvPr/>
+        </p:nvSpPr>
+        <p:spPr>
+          <a:xfrm rot="10800000">
+            <a:off x="2120726" y="2897751"/>
+            <a:ext cx="1493950" cy="437882"/>
+          </a:xfrm>
+          <a:prstGeom prst="rightArrow">
+            <a:avLst/>
+          </a:prstGeom>
+          <a:noFill/>
+        </p:spPr>
+        <p:style>
+          <a:lnRef idx="2">
+            <a:schemeClr val="accent1">
+              <a:shade val="50000"/>
+            </a:schemeClr>
+          </a:lnRef>
+          <a:fillRef idx="1">
+            <a:schemeClr val="accent1"/>
+          </a:fillRef>
+          <a:effectRef idx="0">
+            <a:schemeClr val="accent1"/>
+          </a:effectRef>
+          <a:fontRef idx="minor">
+            <a:schemeClr val="lt1"/>
+          </a:fontRef>
+        </p:style>
+        <p:txBody>
+          <a:bodyPr rtlCol="0" anchor="ctr"/>
+          <a:lstStyle/>
+          <a:p>
+            <a:pPr algn="ctr"/>
+            <a:endParaRPr lang="en-US"/>
+          </a:p>
+        </p:txBody>
+      </p:sp>
+      <p:pic>
+        <p:nvPicPr>
+          <p:cNvPr id="63" name="Picture 62">
+            <a:extLst>
+              <a:ext uri="{FF2B5EF4-FFF2-40B4-BE49-F238E27FC236}">
+                <a16:creationId xmlns:a16="http://schemas.microsoft.com/office/drawing/2014/main" id="{16F52598-0BCA-40EC-9987-4DA9FFB0B614}"/>
+              </a:ext>
+            </a:extLst>
+          </p:cNvPr>
+          <p:cNvPicPr>
+            <a:picLocks noChangeAspect="1"/>
+          </p:cNvPicPr>
+          <p:nvPr>
+            <p:custDataLst>
+              <p:tags r:id="rId3"/>
+            </p:custDataLst>
+          </p:nvPr>
+        </p:nvPicPr>
+        <p:blipFill>
+          <a:blip r:embed="rId14">
+            <a:extLst>
+              <a:ext uri="{28A0092B-C50C-407E-A947-70E740481C1C}">
+                <a14:useLocalDpi xmlns:a14="http://schemas.microsoft.com/office/drawing/2010/main" val="0"/>
+              </a:ext>
+            </a:extLst>
+          </a:blip>
+          <a:stretch>
+            <a:fillRect/>
+          </a:stretch>
+        </p:blipFill>
+        <p:spPr>
+          <a:xfrm>
+            <a:off x="7578417" y="2075983"/>
+            <a:ext cx="960000" cy="252952"/>
+          </a:xfrm>
+          <a:prstGeom prst="rect">
+            <a:avLst/>
+          </a:prstGeom>
+        </p:spPr>
+      </p:pic>
+      <p:pic>
+        <p:nvPicPr>
+          <p:cNvPr id="64" name="Picture 63">
+            <a:extLst>
+              <a:ext uri="{FF2B5EF4-FFF2-40B4-BE49-F238E27FC236}">
+                <a16:creationId xmlns:a16="http://schemas.microsoft.com/office/drawing/2014/main" id="{FFC765E4-AC4F-4D8C-B936-BDB2DE99A34B}"/>
+              </a:ext>
+            </a:extLst>
+          </p:cNvPr>
+          <p:cNvPicPr>
+            <a:picLocks noChangeAspect="1"/>
+          </p:cNvPicPr>
+          <p:nvPr>
+            <p:custDataLst>
+              <p:tags r:id="rId4"/>
+            </p:custDataLst>
+          </p:nvPr>
+        </p:nvPicPr>
+        <p:blipFill>
+          <a:blip r:embed="rId14">
+            <a:extLst>
+              <a:ext uri="{28A0092B-C50C-407E-A947-70E740481C1C}">
+                <a14:useLocalDpi xmlns:a14="http://schemas.microsoft.com/office/drawing/2010/main" val="0"/>
+              </a:ext>
+            </a:extLst>
+          </a:blip>
+          <a:stretch>
+            <a:fillRect/>
+          </a:stretch>
+        </p:blipFill>
+        <p:spPr>
+          <a:xfrm>
+            <a:off x="7681747" y="6222973"/>
+            <a:ext cx="960000" cy="252952"/>
+          </a:xfrm>
+          <a:prstGeom prst="rect">
+            <a:avLst/>
+          </a:prstGeom>
+        </p:spPr>
+      </p:pic>
+      <p:pic>
+        <p:nvPicPr>
+          <p:cNvPr id="66" name="Picture 65">
+            <a:extLst>
+              <a:ext uri="{FF2B5EF4-FFF2-40B4-BE49-F238E27FC236}">
+                <a16:creationId xmlns:a16="http://schemas.microsoft.com/office/drawing/2014/main" id="{B2004B25-98DA-4800-A556-34C7B08AF49F}"/>
+              </a:ext>
+            </a:extLst>
+          </p:cNvPr>
+          <p:cNvPicPr>
+            <a:picLocks noChangeAspect="1"/>
+          </p:cNvPicPr>
+          <p:nvPr>
+            <p:custDataLst>
+              <p:tags r:id="rId5"/>
+            </p:custDataLst>
+          </p:nvPr>
+        </p:nvPicPr>
+        <p:blipFill>
+          <a:blip r:embed="rId15">
+            <a:extLst>
+              <a:ext uri="{28A0092B-C50C-407E-A947-70E740481C1C}">
+                <a14:useLocalDpi xmlns:a14="http://schemas.microsoft.com/office/drawing/2010/main" val="0"/>
+              </a:ext>
+            </a:extLst>
+          </a:blip>
+          <a:stretch>
+            <a:fillRect/>
+          </a:stretch>
+        </p:blipFill>
+        <p:spPr>
+          <a:xfrm>
+            <a:off x="2451296" y="2731381"/>
+            <a:ext cx="1086476" cy="252952"/>
+          </a:xfrm>
+          <a:prstGeom prst="rect">
+            <a:avLst/>
+          </a:prstGeom>
+        </p:spPr>
+      </p:pic>
+      <p:pic>
+        <p:nvPicPr>
+          <p:cNvPr id="67" name="Picture 66">
+            <a:extLst>
+              <a:ext uri="{FF2B5EF4-FFF2-40B4-BE49-F238E27FC236}">
+                <a16:creationId xmlns:a16="http://schemas.microsoft.com/office/drawing/2014/main" id="{DFACB8BD-1832-4620-898A-CD8DD78BBAB7}"/>
+              </a:ext>
+            </a:extLst>
+          </p:cNvPr>
+          <p:cNvPicPr>
+            <a:picLocks noChangeAspect="1"/>
+          </p:cNvPicPr>
+          <p:nvPr>
+            <p:custDataLst>
+              <p:tags r:id="rId6"/>
+            </p:custDataLst>
+          </p:nvPr>
+        </p:nvPicPr>
+        <p:blipFill>
+          <a:blip r:embed="rId15">
+            <a:extLst>
+              <a:ext uri="{28A0092B-C50C-407E-A947-70E740481C1C}">
+                <a14:useLocalDpi xmlns:a14="http://schemas.microsoft.com/office/drawing/2010/main" val="0"/>
+              </a:ext>
+            </a:extLst>
+          </a:blip>
+          <a:stretch>
+            <a:fillRect/>
+          </a:stretch>
+        </p:blipFill>
+        <p:spPr>
+          <a:xfrm>
+            <a:off x="2371687" y="5531808"/>
+            <a:ext cx="1086476" cy="252952"/>
+          </a:xfrm>
+          <a:prstGeom prst="rect">
+            <a:avLst/>
+          </a:prstGeom>
+        </p:spPr>
+      </p:pic>
+      <p:pic>
+        <p:nvPicPr>
+          <p:cNvPr id="68" name="Picture 67">
+            <a:extLst>
+              <a:ext uri="{FF2B5EF4-FFF2-40B4-BE49-F238E27FC236}">
+                <a16:creationId xmlns:a16="http://schemas.microsoft.com/office/drawing/2014/main" id="{8A55B4E7-D3A3-4AC5-9587-8B65B016F7E8}"/>
+              </a:ext>
+            </a:extLst>
+          </p:cNvPr>
+          <p:cNvPicPr>
+            <a:picLocks noChangeAspect="1"/>
+          </p:cNvPicPr>
+          <p:nvPr>
+            <p:custDataLst>
+              <p:tags r:id="rId7"/>
+            </p:custDataLst>
+          </p:nvPr>
+        </p:nvPicPr>
+        <p:blipFill>
+          <a:blip r:embed="rId15">
+            <a:extLst>
+              <a:ext uri="{28A0092B-C50C-407E-A947-70E740481C1C}">
+                <a14:useLocalDpi xmlns:a14="http://schemas.microsoft.com/office/drawing/2010/main" val="0"/>
+              </a:ext>
+            </a:extLst>
+          </a:blip>
+          <a:stretch>
+            <a:fillRect/>
+          </a:stretch>
+        </p:blipFill>
+        <p:spPr>
+          <a:xfrm>
+            <a:off x="2480280" y="4144922"/>
+            <a:ext cx="1086476" cy="252952"/>
+          </a:xfrm>
+          <a:prstGeom prst="rect">
+            <a:avLst/>
+          </a:prstGeom>
+        </p:spPr>
+      </p:pic>
+      <p:pic>
+        <p:nvPicPr>
+          <p:cNvPr id="69" name="Picture 68">
+            <a:extLst>
+              <a:ext uri="{FF2B5EF4-FFF2-40B4-BE49-F238E27FC236}">
+                <a16:creationId xmlns:a16="http://schemas.microsoft.com/office/drawing/2014/main" id="{00C262B1-076F-45AC-BC64-0B94923DE667}"/>
+              </a:ext>
+            </a:extLst>
+          </p:cNvPr>
+          <p:cNvPicPr>
+            <a:picLocks noChangeAspect="1"/>
+          </p:cNvPicPr>
+          <p:nvPr>
+            <p:custDataLst>
+              <p:tags r:id="rId8"/>
+            </p:custDataLst>
+          </p:nvPr>
+        </p:nvPicPr>
+        <p:blipFill>
+          <a:blip r:embed="rId15">
+            <a:extLst>
+              <a:ext uri="{28A0092B-C50C-407E-A947-70E740481C1C}">
+                <a14:useLocalDpi xmlns:a14="http://schemas.microsoft.com/office/drawing/2010/main" val="0"/>
+              </a:ext>
+            </a:extLst>
+          </a:blip>
+          <a:stretch>
+            <a:fillRect/>
+          </a:stretch>
+        </p:blipFill>
+        <p:spPr>
+          <a:xfrm>
+            <a:off x="7570975" y="4800764"/>
+            <a:ext cx="1086476" cy="252952"/>
+          </a:xfrm>
+          <a:prstGeom prst="rect">
+            <a:avLst/>
+          </a:prstGeom>
+        </p:spPr>
+      </p:pic>
+      <p:pic>
+        <p:nvPicPr>
+          <p:cNvPr id="70" name="Picture 69">
+            <a:extLst>
+              <a:ext uri="{FF2B5EF4-FFF2-40B4-BE49-F238E27FC236}">
+                <a16:creationId xmlns:a16="http://schemas.microsoft.com/office/drawing/2014/main" id="{9010E528-EED1-4B41-BE34-851D7F33D2A6}"/>
+              </a:ext>
+            </a:extLst>
+          </p:cNvPr>
+          <p:cNvPicPr>
+            <a:picLocks noChangeAspect="1"/>
+          </p:cNvPicPr>
+          <p:nvPr>
+            <p:custDataLst>
+              <p:tags r:id="rId9"/>
+            </p:custDataLst>
+          </p:nvPr>
+        </p:nvPicPr>
+        <p:blipFill>
+          <a:blip r:embed="rId15">
+            <a:extLst>
+              <a:ext uri="{28A0092B-C50C-407E-A947-70E740481C1C}">
+                <a14:useLocalDpi xmlns:a14="http://schemas.microsoft.com/office/drawing/2010/main" val="0"/>
+              </a:ext>
+            </a:extLst>
+          </a:blip>
+          <a:stretch>
+            <a:fillRect/>
+          </a:stretch>
+        </p:blipFill>
+        <p:spPr>
+          <a:xfrm>
+            <a:off x="7515179" y="3441533"/>
+            <a:ext cx="1086476" cy="252952"/>
+          </a:xfrm>
+          <a:prstGeom prst="rect">
+            <a:avLst/>
+          </a:prstGeom>
+        </p:spPr>
+      </p:pic>
     </p:spTree>
     <p:extLst>
       <p:ext uri="{BB962C8B-B14F-4D97-AF65-F5344CB8AC3E}">
@@ -31471,54 +35739,1033 @@
       </p:grpSpPr>
       <p:sp>
         <p:nvSpPr>
-          <p:cNvPr id="2" name="Title 1">
+          <p:cNvPr id="4" name="Oval 3">
             <a:extLst>
               <a:ext uri="{FF2B5EF4-FFF2-40B4-BE49-F238E27FC236}">
-                <a16:creationId xmlns:a16="http://schemas.microsoft.com/office/drawing/2014/main" id="{9D98428C-1359-4987-927C-785095946BFA}"/>
+                <a16:creationId xmlns:a16="http://schemas.microsoft.com/office/drawing/2014/main" id="{05A80D2C-F686-452A-94B9-D43C1315CEB7}"/>
               </a:ext>
             </a:extLst>
           </p:cNvPr>
-          <p:cNvSpPr>
-            <a:spLocks noGrp="1"/>
-          </p:cNvSpPr>
-          <p:nvPr>
-            <p:ph type="title"/>
-          </p:nvPr>
+          <p:cNvSpPr/>
+          <p:nvPr/>
         </p:nvSpPr>
-        <p:spPr/>
+        <p:spPr>
+          <a:xfrm>
+            <a:off x="2770495" y="641445"/>
+            <a:ext cx="5827594" cy="5827594"/>
+          </a:xfrm>
+          <a:prstGeom prst="ellipse">
+            <a:avLst/>
+          </a:prstGeom>
+          <a:noFill/>
+          <a:ln w="177800"/>
+        </p:spPr>
+        <p:style>
+          <a:lnRef idx="2">
+            <a:schemeClr val="accent1">
+              <a:shade val="50000"/>
+            </a:schemeClr>
+          </a:lnRef>
+          <a:fillRef idx="1">
+            <a:schemeClr val="accent1"/>
+          </a:fillRef>
+          <a:effectRef idx="0">
+            <a:schemeClr val="accent1"/>
+          </a:effectRef>
+          <a:fontRef idx="minor">
+            <a:schemeClr val="lt1"/>
+          </a:fontRef>
+        </p:style>
         <p:txBody>
-          <a:bodyPr/>
+          <a:bodyPr rtlCol="0" anchor="ctr"/>
           <a:lstStyle/>
           <a:p>
-            <a:endParaRPr lang="en-US"/>
+            <a:pPr algn="ctr"/>
+            <a:endParaRPr lang="en-US" dirty="0"/>
           </a:p>
         </p:txBody>
       </p:sp>
-      <p:sp>
-        <p:nvSpPr>
-          <p:cNvPr id="3" name="Content Placeholder 2">
+      <p:grpSp>
+        <p:nvGrpSpPr>
+          <p:cNvPr id="17" name="Group 16">
             <a:extLst>
               <a:ext uri="{FF2B5EF4-FFF2-40B4-BE49-F238E27FC236}">
-                <a16:creationId xmlns:a16="http://schemas.microsoft.com/office/drawing/2014/main" id="{F9E293E8-5F0E-4862-B3F7-5ABFA0E17541}"/>
+                <a16:creationId xmlns:a16="http://schemas.microsoft.com/office/drawing/2014/main" id="{EA20FC53-BE08-4C9F-8902-1169CBC3DF5F}"/>
               </a:ext>
             </a:extLst>
           </p:cNvPr>
-          <p:cNvSpPr>
-            <a:spLocks noGrp="1"/>
-          </p:cNvSpPr>
+          <p:cNvGrpSpPr/>
+          <p:nvPr/>
+        </p:nvGrpSpPr>
+        <p:grpSpPr>
+          <a:xfrm>
+            <a:off x="3088944" y="832514"/>
+            <a:ext cx="6332561" cy="5432093"/>
+            <a:chOff x="3088944" y="832514"/>
+            <a:chExt cx="6332561" cy="5432093"/>
+          </a:xfrm>
+        </p:grpSpPr>
+        <p:grpSp>
+          <p:nvGrpSpPr>
+            <p:cNvPr id="10" name="Group 9">
+              <a:extLst>
+                <a:ext uri="{FF2B5EF4-FFF2-40B4-BE49-F238E27FC236}">
+                  <a16:creationId xmlns:a16="http://schemas.microsoft.com/office/drawing/2014/main" id="{673970CB-373E-4BE4-A258-FE6A5F8D6864}"/>
+                </a:ext>
+              </a:extLst>
+            </p:cNvPr>
+            <p:cNvGrpSpPr/>
+            <p:nvPr/>
+          </p:nvGrpSpPr>
+          <p:grpSpPr>
+            <a:xfrm>
+              <a:off x="3088944" y="1757292"/>
+              <a:ext cx="6332561" cy="3595900"/>
+              <a:chOff x="3088944" y="1637731"/>
+              <a:chExt cx="6332561" cy="3595900"/>
+            </a:xfrm>
+          </p:grpSpPr>
+          <p:sp>
+            <p:nvSpPr>
+              <p:cNvPr id="5" name="Rectangle: Rounded Corners 4">
+                <a:extLst>
+                  <a:ext uri="{FF2B5EF4-FFF2-40B4-BE49-F238E27FC236}">
+                    <a16:creationId xmlns:a16="http://schemas.microsoft.com/office/drawing/2014/main" id="{7542E908-9EE4-4A76-8565-068DDD7C2513}"/>
+                  </a:ext>
+                </a:extLst>
+              </p:cNvPr>
+              <p:cNvSpPr/>
+              <p:nvPr/>
+            </p:nvSpPr>
+            <p:spPr>
+              <a:xfrm>
+                <a:off x="3088944" y="3120219"/>
+                <a:ext cx="6332561" cy="617561"/>
+              </a:xfrm>
+              <a:prstGeom prst="roundRect">
+                <a:avLst/>
+              </a:prstGeom>
+            </p:spPr>
+            <p:style>
+              <a:lnRef idx="2">
+                <a:schemeClr val="accent1">
+                  <a:shade val="50000"/>
+                </a:schemeClr>
+              </a:lnRef>
+              <a:fillRef idx="1">
+                <a:schemeClr val="accent1"/>
+              </a:fillRef>
+              <a:effectRef idx="0">
+                <a:schemeClr val="accent1"/>
+              </a:effectRef>
+              <a:fontRef idx="minor">
+                <a:schemeClr val="lt1"/>
+              </a:fontRef>
+            </p:style>
+            <p:txBody>
+              <a:bodyPr rtlCol="0" anchor="ctr"/>
+              <a:lstStyle/>
+              <a:p>
+                <a:pPr algn="ctr"/>
+                <a:endParaRPr lang="en-US"/>
+              </a:p>
+            </p:txBody>
+          </p:sp>
+          <p:sp>
+            <p:nvSpPr>
+              <p:cNvPr id="6" name="Rectangle: Rounded Corners 5">
+                <a:extLst>
+                  <a:ext uri="{FF2B5EF4-FFF2-40B4-BE49-F238E27FC236}">
+                    <a16:creationId xmlns:a16="http://schemas.microsoft.com/office/drawing/2014/main" id="{C6F6FE84-0773-4ABC-AF15-F8ADC783DCA8}"/>
+                  </a:ext>
+                </a:extLst>
+              </p:cNvPr>
+              <p:cNvSpPr/>
+              <p:nvPr/>
+            </p:nvSpPr>
+            <p:spPr>
+              <a:xfrm>
+                <a:off x="3643952" y="1637731"/>
+                <a:ext cx="272955" cy="1482488"/>
+              </a:xfrm>
+              <a:prstGeom prst="roundRect">
+                <a:avLst/>
+              </a:prstGeom>
+            </p:spPr>
+            <p:style>
+              <a:lnRef idx="2">
+                <a:schemeClr val="accent1">
+                  <a:shade val="50000"/>
+                </a:schemeClr>
+              </a:lnRef>
+              <a:fillRef idx="1">
+                <a:schemeClr val="accent1"/>
+              </a:fillRef>
+              <a:effectRef idx="0">
+                <a:schemeClr val="accent1"/>
+              </a:effectRef>
+              <a:fontRef idx="minor">
+                <a:schemeClr val="lt1"/>
+              </a:fontRef>
+            </p:style>
+            <p:txBody>
+              <a:bodyPr rtlCol="0" anchor="ctr"/>
+              <a:lstStyle/>
+              <a:p>
+                <a:pPr algn="ctr"/>
+                <a:endParaRPr lang="en-US"/>
+              </a:p>
+            </p:txBody>
+          </p:sp>
+          <p:sp>
+            <p:nvSpPr>
+              <p:cNvPr id="7" name="Rectangle: Rounded Corners 6">
+                <a:extLst>
+                  <a:ext uri="{FF2B5EF4-FFF2-40B4-BE49-F238E27FC236}">
+                    <a16:creationId xmlns:a16="http://schemas.microsoft.com/office/drawing/2014/main" id="{9152B474-9D69-472C-B17B-1BB7BBA2671A}"/>
+                  </a:ext>
+                </a:extLst>
+              </p:cNvPr>
+              <p:cNvSpPr/>
+              <p:nvPr/>
+            </p:nvSpPr>
+            <p:spPr>
+              <a:xfrm>
+                <a:off x="3643952" y="3737780"/>
+                <a:ext cx="272955" cy="1482488"/>
+              </a:xfrm>
+              <a:prstGeom prst="roundRect">
+                <a:avLst/>
+              </a:prstGeom>
+            </p:spPr>
+            <p:style>
+              <a:lnRef idx="2">
+                <a:schemeClr val="accent1">
+                  <a:shade val="50000"/>
+                </a:schemeClr>
+              </a:lnRef>
+              <a:fillRef idx="1">
+                <a:schemeClr val="accent1"/>
+              </a:fillRef>
+              <a:effectRef idx="0">
+                <a:schemeClr val="accent1"/>
+              </a:effectRef>
+              <a:fontRef idx="minor">
+                <a:schemeClr val="lt1"/>
+              </a:fontRef>
+            </p:style>
+            <p:txBody>
+              <a:bodyPr rtlCol="0" anchor="ctr"/>
+              <a:lstStyle/>
+              <a:p>
+                <a:pPr algn="ctr"/>
+                <a:endParaRPr lang="en-US"/>
+              </a:p>
+            </p:txBody>
+          </p:sp>
+          <p:sp>
+            <p:nvSpPr>
+              <p:cNvPr id="8" name="Rectangle: Rounded Corners 7">
+                <a:extLst>
+                  <a:ext uri="{FF2B5EF4-FFF2-40B4-BE49-F238E27FC236}">
+                    <a16:creationId xmlns:a16="http://schemas.microsoft.com/office/drawing/2014/main" id="{EB4C9D2B-AEB1-48B1-8FBC-085EF4B9E803}"/>
+                  </a:ext>
+                </a:extLst>
+              </p:cNvPr>
+              <p:cNvSpPr/>
+              <p:nvPr/>
+            </p:nvSpPr>
+            <p:spPr>
+              <a:xfrm>
+                <a:off x="7444854" y="3751143"/>
+                <a:ext cx="272955" cy="1482488"/>
+              </a:xfrm>
+              <a:prstGeom prst="roundRect">
+                <a:avLst/>
+              </a:prstGeom>
+            </p:spPr>
+            <p:style>
+              <a:lnRef idx="2">
+                <a:schemeClr val="accent1">
+                  <a:shade val="50000"/>
+                </a:schemeClr>
+              </a:lnRef>
+              <a:fillRef idx="1">
+                <a:schemeClr val="accent1"/>
+              </a:fillRef>
+              <a:effectRef idx="0">
+                <a:schemeClr val="accent1"/>
+              </a:effectRef>
+              <a:fontRef idx="minor">
+                <a:schemeClr val="lt1"/>
+              </a:fontRef>
+            </p:style>
+            <p:txBody>
+              <a:bodyPr rtlCol="0" anchor="ctr"/>
+              <a:lstStyle/>
+              <a:p>
+                <a:pPr algn="ctr"/>
+                <a:endParaRPr lang="en-US"/>
+              </a:p>
+            </p:txBody>
+          </p:sp>
+          <p:sp>
+            <p:nvSpPr>
+              <p:cNvPr id="9" name="Rectangle: Rounded Corners 8">
+                <a:extLst>
+                  <a:ext uri="{FF2B5EF4-FFF2-40B4-BE49-F238E27FC236}">
+                    <a16:creationId xmlns:a16="http://schemas.microsoft.com/office/drawing/2014/main" id="{C00468EF-DFE0-4035-992E-C959519F7252}"/>
+                  </a:ext>
+                </a:extLst>
+              </p:cNvPr>
+              <p:cNvSpPr/>
+              <p:nvPr/>
+            </p:nvSpPr>
+            <p:spPr>
+              <a:xfrm>
+                <a:off x="7444854" y="1637731"/>
+                <a:ext cx="272955" cy="1482488"/>
+              </a:xfrm>
+              <a:prstGeom prst="roundRect">
+                <a:avLst/>
+              </a:prstGeom>
+            </p:spPr>
+            <p:style>
+              <a:lnRef idx="2">
+                <a:schemeClr val="accent1">
+                  <a:shade val="50000"/>
+                </a:schemeClr>
+              </a:lnRef>
+              <a:fillRef idx="1">
+                <a:schemeClr val="accent1"/>
+              </a:fillRef>
+              <a:effectRef idx="0">
+                <a:schemeClr val="accent1"/>
+              </a:effectRef>
+              <a:fontRef idx="minor">
+                <a:schemeClr val="lt1"/>
+              </a:fontRef>
+            </p:style>
+            <p:txBody>
+              <a:bodyPr rtlCol="0" anchor="ctr"/>
+              <a:lstStyle/>
+              <a:p>
+                <a:pPr algn="ctr"/>
+                <a:endParaRPr lang="en-US"/>
+              </a:p>
+            </p:txBody>
+          </p:sp>
+        </p:grpSp>
+        <p:sp>
+          <p:nvSpPr>
+            <p:cNvPr id="11" name="Rectangle: Rounded Corners 10">
+              <a:extLst>
+                <a:ext uri="{FF2B5EF4-FFF2-40B4-BE49-F238E27FC236}">
+                  <a16:creationId xmlns:a16="http://schemas.microsoft.com/office/drawing/2014/main" id="{814598F1-F464-4CFE-AB00-5304FEE6F3C7}"/>
+                </a:ext>
+              </a:extLst>
+            </p:cNvPr>
+            <p:cNvSpPr/>
+            <p:nvPr/>
+          </p:nvSpPr>
+          <p:spPr>
+            <a:xfrm>
+              <a:off x="5547815" y="832514"/>
+              <a:ext cx="269544" cy="2407266"/>
+            </a:xfrm>
+            <a:prstGeom prst="roundRect">
+              <a:avLst/>
+            </a:prstGeom>
+          </p:spPr>
+          <p:style>
+            <a:lnRef idx="2">
+              <a:schemeClr val="accent1">
+                <a:shade val="50000"/>
+              </a:schemeClr>
+            </a:lnRef>
+            <a:fillRef idx="1">
+              <a:schemeClr val="accent1"/>
+            </a:fillRef>
+            <a:effectRef idx="0">
+              <a:schemeClr val="accent1"/>
+            </a:effectRef>
+            <a:fontRef idx="minor">
+              <a:schemeClr val="lt1"/>
+            </a:fontRef>
+          </p:style>
+          <p:txBody>
+            <a:bodyPr rtlCol="0" anchor="ctr"/>
+            <a:lstStyle/>
+            <a:p>
+              <a:pPr algn="ctr"/>
+              <a:endParaRPr lang="en-US"/>
+            </a:p>
+          </p:txBody>
+        </p:sp>
+        <p:sp>
+          <p:nvSpPr>
+            <p:cNvPr id="12" name="Rectangle: Rounded Corners 11">
+              <a:extLst>
+                <a:ext uri="{FF2B5EF4-FFF2-40B4-BE49-F238E27FC236}">
+                  <a16:creationId xmlns:a16="http://schemas.microsoft.com/office/drawing/2014/main" id="{572F0968-74E0-4972-B569-5D7067FD2425}"/>
+                </a:ext>
+              </a:extLst>
+            </p:cNvPr>
+            <p:cNvSpPr/>
+            <p:nvPr/>
+          </p:nvSpPr>
+          <p:spPr>
+            <a:xfrm>
+              <a:off x="5544403" y="3870704"/>
+              <a:ext cx="272955" cy="2393903"/>
+            </a:xfrm>
+            <a:prstGeom prst="roundRect">
+              <a:avLst/>
+            </a:prstGeom>
+          </p:spPr>
+          <p:style>
+            <a:lnRef idx="2">
+              <a:schemeClr val="accent1">
+                <a:shade val="50000"/>
+              </a:schemeClr>
+            </a:lnRef>
+            <a:fillRef idx="1">
+              <a:schemeClr val="accent1"/>
+            </a:fillRef>
+            <a:effectRef idx="0">
+              <a:schemeClr val="accent1"/>
+            </a:effectRef>
+            <a:fontRef idx="minor">
+              <a:schemeClr val="lt1"/>
+            </a:fontRef>
+          </p:style>
+          <p:txBody>
+            <a:bodyPr rtlCol="0" anchor="ctr"/>
+            <a:lstStyle/>
+            <a:p>
+              <a:pPr algn="ctr"/>
+              <a:endParaRPr lang="en-US"/>
+            </a:p>
+          </p:txBody>
+        </p:sp>
+        <p:sp>
+          <p:nvSpPr>
+            <p:cNvPr id="13" name="Rectangle: Rounded Corners 12">
+              <a:extLst>
+                <a:ext uri="{FF2B5EF4-FFF2-40B4-BE49-F238E27FC236}">
+                  <a16:creationId xmlns:a16="http://schemas.microsoft.com/office/drawing/2014/main" id="{489A880E-6D2C-44F1-8C28-B0159086EF42}"/>
+                </a:ext>
+              </a:extLst>
+            </p:cNvPr>
+            <p:cNvSpPr/>
+            <p:nvPr/>
+          </p:nvSpPr>
+          <p:spPr>
+            <a:xfrm>
+              <a:off x="6496334" y="1064525"/>
+              <a:ext cx="272955" cy="2175255"/>
+            </a:xfrm>
+            <a:prstGeom prst="roundRect">
+              <a:avLst/>
+            </a:prstGeom>
+          </p:spPr>
+          <p:style>
+            <a:lnRef idx="2">
+              <a:schemeClr val="accent1">
+                <a:shade val="50000"/>
+              </a:schemeClr>
+            </a:lnRef>
+            <a:fillRef idx="1">
+              <a:schemeClr val="accent1"/>
+            </a:fillRef>
+            <a:effectRef idx="0">
+              <a:schemeClr val="accent1"/>
+            </a:effectRef>
+            <a:fontRef idx="minor">
+              <a:schemeClr val="lt1"/>
+            </a:fontRef>
+          </p:style>
+          <p:txBody>
+            <a:bodyPr rtlCol="0" anchor="ctr"/>
+            <a:lstStyle/>
+            <a:p>
+              <a:pPr algn="ctr"/>
+              <a:endParaRPr lang="en-US"/>
+            </a:p>
+          </p:txBody>
+        </p:sp>
+        <p:sp>
+          <p:nvSpPr>
+            <p:cNvPr id="14" name="Rectangle: Rounded Corners 13">
+              <a:extLst>
+                <a:ext uri="{FF2B5EF4-FFF2-40B4-BE49-F238E27FC236}">
+                  <a16:creationId xmlns:a16="http://schemas.microsoft.com/office/drawing/2014/main" id="{C6FB79E8-B244-4967-940A-3E49D706CAD4}"/>
+                </a:ext>
+              </a:extLst>
+            </p:cNvPr>
+            <p:cNvSpPr/>
+            <p:nvPr/>
+          </p:nvSpPr>
+          <p:spPr>
+            <a:xfrm>
+              <a:off x="6523630" y="3870704"/>
+              <a:ext cx="272955" cy="2175255"/>
+            </a:xfrm>
+            <a:prstGeom prst="roundRect">
+              <a:avLst/>
+            </a:prstGeom>
+          </p:spPr>
+          <p:style>
+            <a:lnRef idx="2">
+              <a:schemeClr val="accent1">
+                <a:shade val="50000"/>
+              </a:schemeClr>
+            </a:lnRef>
+            <a:fillRef idx="1">
+              <a:schemeClr val="accent1"/>
+            </a:fillRef>
+            <a:effectRef idx="0">
+              <a:schemeClr val="accent1"/>
+            </a:effectRef>
+            <a:fontRef idx="minor">
+              <a:schemeClr val="lt1"/>
+            </a:fontRef>
+          </p:style>
+          <p:txBody>
+            <a:bodyPr rtlCol="0" anchor="ctr"/>
+            <a:lstStyle/>
+            <a:p>
+              <a:pPr algn="ctr"/>
+              <a:endParaRPr lang="en-US"/>
+            </a:p>
+          </p:txBody>
+        </p:sp>
+        <p:sp>
+          <p:nvSpPr>
+            <p:cNvPr id="15" name="Rectangle: Rounded Corners 14">
+              <a:extLst>
+                <a:ext uri="{FF2B5EF4-FFF2-40B4-BE49-F238E27FC236}">
+                  <a16:creationId xmlns:a16="http://schemas.microsoft.com/office/drawing/2014/main" id="{1265EE2B-16CA-4C0F-8721-4D4F8786DA8B}"/>
+                </a:ext>
+              </a:extLst>
+            </p:cNvPr>
+            <p:cNvSpPr/>
+            <p:nvPr/>
+          </p:nvSpPr>
+          <p:spPr>
+            <a:xfrm>
+              <a:off x="4618628" y="3870704"/>
+              <a:ext cx="272955" cy="2175255"/>
+            </a:xfrm>
+            <a:prstGeom prst="roundRect">
+              <a:avLst/>
+            </a:prstGeom>
+          </p:spPr>
+          <p:style>
+            <a:lnRef idx="2">
+              <a:schemeClr val="accent1">
+                <a:shade val="50000"/>
+              </a:schemeClr>
+            </a:lnRef>
+            <a:fillRef idx="1">
+              <a:schemeClr val="accent1"/>
+            </a:fillRef>
+            <a:effectRef idx="0">
+              <a:schemeClr val="accent1"/>
+            </a:effectRef>
+            <a:fontRef idx="minor">
+              <a:schemeClr val="lt1"/>
+            </a:fontRef>
+          </p:style>
+          <p:txBody>
+            <a:bodyPr rtlCol="0" anchor="ctr"/>
+            <a:lstStyle/>
+            <a:p>
+              <a:pPr algn="ctr"/>
+              <a:endParaRPr lang="en-US"/>
+            </a:p>
+          </p:txBody>
+        </p:sp>
+        <p:sp>
+          <p:nvSpPr>
+            <p:cNvPr id="16" name="Rectangle: Rounded Corners 15">
+              <a:extLst>
+                <a:ext uri="{FF2B5EF4-FFF2-40B4-BE49-F238E27FC236}">
+                  <a16:creationId xmlns:a16="http://schemas.microsoft.com/office/drawing/2014/main" id="{A1FB36C2-31CA-40C7-AFB8-E292CFF1A055}"/>
+                </a:ext>
+              </a:extLst>
+            </p:cNvPr>
+            <p:cNvSpPr/>
+            <p:nvPr/>
+          </p:nvSpPr>
+          <p:spPr>
+            <a:xfrm>
+              <a:off x="4618629" y="1064525"/>
+              <a:ext cx="272955" cy="2175255"/>
+            </a:xfrm>
+            <a:prstGeom prst="roundRect">
+              <a:avLst/>
+            </a:prstGeom>
+          </p:spPr>
+          <p:style>
+            <a:lnRef idx="2">
+              <a:schemeClr val="accent1">
+                <a:shade val="50000"/>
+              </a:schemeClr>
+            </a:lnRef>
+            <a:fillRef idx="1">
+              <a:schemeClr val="accent1"/>
+            </a:fillRef>
+            <a:effectRef idx="0">
+              <a:schemeClr val="accent1"/>
+            </a:effectRef>
+            <a:fontRef idx="minor">
+              <a:schemeClr val="lt1"/>
+            </a:fontRef>
+          </p:style>
+          <p:txBody>
+            <a:bodyPr rtlCol="0" anchor="ctr"/>
+            <a:lstStyle/>
+            <a:p>
+              <a:pPr algn="ctr"/>
+              <a:endParaRPr lang="en-US"/>
+            </a:p>
+          </p:txBody>
+        </p:sp>
+      </p:grpSp>
+      <p:cxnSp>
+        <p:nvCxnSpPr>
+          <p:cNvPr id="19" name="Straight Arrow Connector 18">
+            <a:extLst>
+              <a:ext uri="{FF2B5EF4-FFF2-40B4-BE49-F238E27FC236}">
+                <a16:creationId xmlns:a16="http://schemas.microsoft.com/office/drawing/2014/main" id="{3607274D-E30D-4C74-A103-DDB133B12CAE}"/>
+              </a:ext>
+            </a:extLst>
+          </p:cNvPr>
+          <p:cNvCxnSpPr>
+            <a:cxnSpLocks/>
+            <a:stCxn id="16" idx="3"/>
+          </p:cNvCxnSpPr>
+          <p:nvPr/>
+        </p:nvCxnSpPr>
+        <p:spPr>
+          <a:xfrm>
+            <a:off x="4891584" y="2152153"/>
+            <a:ext cx="652819" cy="0"/>
+          </a:xfrm>
+          <a:prstGeom prst="straightConnector1">
+            <a:avLst/>
+          </a:prstGeom>
+          <a:ln>
+            <a:headEnd type="triangle"/>
+            <a:tailEnd type="triangle"/>
+          </a:ln>
+        </p:spPr>
+        <p:style>
+          <a:lnRef idx="1">
+            <a:schemeClr val="accent1"/>
+          </a:lnRef>
+          <a:fillRef idx="0">
+            <a:schemeClr val="accent1"/>
+          </a:fillRef>
+          <a:effectRef idx="0">
+            <a:schemeClr val="accent1"/>
+          </a:effectRef>
+          <a:fontRef idx="minor">
+            <a:schemeClr val="tx1"/>
+          </a:fontRef>
+        </p:style>
+      </p:cxnSp>
+      <p:cxnSp>
+        <p:nvCxnSpPr>
+          <p:cNvPr id="22" name="Straight Connector 21">
+            <a:extLst>
+              <a:ext uri="{FF2B5EF4-FFF2-40B4-BE49-F238E27FC236}">
+                <a16:creationId xmlns:a16="http://schemas.microsoft.com/office/drawing/2014/main" id="{3C77BCC9-7876-431C-A039-9DD222885DAF}"/>
+              </a:ext>
+            </a:extLst>
+          </p:cNvPr>
+          <p:cNvCxnSpPr>
+            <a:cxnSpLocks/>
+          </p:cNvCxnSpPr>
+          <p:nvPr/>
+        </p:nvCxnSpPr>
+        <p:spPr>
+          <a:xfrm flipH="1">
+            <a:off x="460612" y="545911"/>
+            <a:ext cx="5356746" cy="0"/>
+          </a:xfrm>
+          <a:prstGeom prst="line">
+            <a:avLst/>
+          </a:prstGeom>
+        </p:spPr>
+        <p:style>
+          <a:lnRef idx="1">
+            <a:schemeClr val="accent1"/>
+          </a:lnRef>
+          <a:fillRef idx="0">
+            <a:schemeClr val="accent1"/>
+          </a:fillRef>
+          <a:effectRef idx="0">
+            <a:schemeClr val="accent1"/>
+          </a:effectRef>
+          <a:fontRef idx="minor">
+            <a:schemeClr val="tx1"/>
+          </a:fontRef>
+        </p:style>
+      </p:cxnSp>
+      <p:cxnSp>
+        <p:nvCxnSpPr>
+          <p:cNvPr id="23" name="Straight Connector 22">
+            <a:extLst>
+              <a:ext uri="{FF2B5EF4-FFF2-40B4-BE49-F238E27FC236}">
+                <a16:creationId xmlns:a16="http://schemas.microsoft.com/office/drawing/2014/main" id="{D1CAC595-A208-4096-9A42-7E89E0778EDF}"/>
+              </a:ext>
+            </a:extLst>
+          </p:cNvPr>
+          <p:cNvCxnSpPr/>
+          <p:nvPr/>
+        </p:nvCxnSpPr>
+        <p:spPr>
+          <a:xfrm flipH="1">
+            <a:off x="410571" y="6577324"/>
+            <a:ext cx="5356746" cy="0"/>
+          </a:xfrm>
+          <a:prstGeom prst="line">
+            <a:avLst/>
+          </a:prstGeom>
+        </p:spPr>
+        <p:style>
+          <a:lnRef idx="1">
+            <a:schemeClr val="accent1"/>
+          </a:lnRef>
+          <a:fillRef idx="0">
+            <a:schemeClr val="accent1"/>
+          </a:fillRef>
+          <a:effectRef idx="0">
+            <a:schemeClr val="accent1"/>
+          </a:effectRef>
+          <a:fontRef idx="minor">
+            <a:schemeClr val="tx1"/>
+          </a:fontRef>
+        </p:style>
+      </p:cxnSp>
+      <p:cxnSp>
+        <p:nvCxnSpPr>
+          <p:cNvPr id="25" name="Straight Arrow Connector 24">
+            <a:extLst>
+              <a:ext uri="{FF2B5EF4-FFF2-40B4-BE49-F238E27FC236}">
+                <a16:creationId xmlns:a16="http://schemas.microsoft.com/office/drawing/2014/main" id="{C171EF30-FE20-4CF0-84B0-90454FE9498D}"/>
+              </a:ext>
+            </a:extLst>
+          </p:cNvPr>
+          <p:cNvCxnSpPr>
+            <a:cxnSpLocks/>
+          </p:cNvCxnSpPr>
+          <p:nvPr/>
+        </p:nvCxnSpPr>
+        <p:spPr>
+          <a:xfrm>
+            <a:off x="1064526" y="545911"/>
+            <a:ext cx="0" cy="6031413"/>
+          </a:xfrm>
+          <a:prstGeom prst="straightConnector1">
+            <a:avLst/>
+          </a:prstGeom>
+          <a:ln w="38100">
+            <a:headEnd type="triangle"/>
+            <a:tailEnd type="triangle"/>
+          </a:ln>
+        </p:spPr>
+        <p:style>
+          <a:lnRef idx="1">
+            <a:schemeClr val="accent1"/>
+          </a:lnRef>
+          <a:fillRef idx="0">
+            <a:schemeClr val="accent1"/>
+          </a:fillRef>
+          <a:effectRef idx="0">
+            <a:schemeClr val="accent1"/>
+          </a:effectRef>
+          <a:fontRef idx="minor">
+            <a:schemeClr val="tx1"/>
+          </a:fontRef>
+        </p:style>
+      </p:cxnSp>
+      <p:cxnSp>
+        <p:nvCxnSpPr>
+          <p:cNvPr id="27" name="Straight Connector 26">
+            <a:extLst>
+              <a:ext uri="{FF2B5EF4-FFF2-40B4-BE49-F238E27FC236}">
+                <a16:creationId xmlns:a16="http://schemas.microsoft.com/office/drawing/2014/main" id="{82793B80-2777-457F-B0A8-77D4E134A638}"/>
+              </a:ext>
+            </a:extLst>
+          </p:cNvPr>
+          <p:cNvCxnSpPr>
+            <a:cxnSpLocks/>
+          </p:cNvCxnSpPr>
+          <p:nvPr/>
+        </p:nvCxnSpPr>
+        <p:spPr>
+          <a:xfrm flipH="1">
+            <a:off x="1695450" y="727170"/>
+            <a:ext cx="4121908" cy="0"/>
+          </a:xfrm>
+          <a:prstGeom prst="line">
+            <a:avLst/>
+          </a:prstGeom>
+        </p:spPr>
+        <p:style>
+          <a:lnRef idx="1">
+            <a:schemeClr val="accent1"/>
+          </a:lnRef>
+          <a:fillRef idx="0">
+            <a:schemeClr val="accent1"/>
+          </a:fillRef>
+          <a:effectRef idx="0">
+            <a:schemeClr val="accent1"/>
+          </a:effectRef>
+          <a:fontRef idx="minor">
+            <a:schemeClr val="tx1"/>
+          </a:fontRef>
+        </p:style>
+      </p:cxnSp>
+      <p:cxnSp>
+        <p:nvCxnSpPr>
+          <p:cNvPr id="29" name="Straight Connector 28">
+            <a:extLst>
+              <a:ext uri="{FF2B5EF4-FFF2-40B4-BE49-F238E27FC236}">
+                <a16:creationId xmlns:a16="http://schemas.microsoft.com/office/drawing/2014/main" id="{64A5F1E0-8A2D-40A0-AEFF-E0C4FA005B74}"/>
+              </a:ext>
+            </a:extLst>
+          </p:cNvPr>
+          <p:cNvCxnSpPr>
+            <a:cxnSpLocks/>
+          </p:cNvCxnSpPr>
+          <p:nvPr/>
+        </p:nvCxnSpPr>
+        <p:spPr>
+          <a:xfrm flipH="1">
+            <a:off x="1645409" y="6374836"/>
+            <a:ext cx="4121908" cy="0"/>
+          </a:xfrm>
+          <a:prstGeom prst="line">
+            <a:avLst/>
+          </a:prstGeom>
+        </p:spPr>
+        <p:style>
+          <a:lnRef idx="1">
+            <a:schemeClr val="accent1"/>
+          </a:lnRef>
+          <a:fillRef idx="0">
+            <a:schemeClr val="accent1"/>
+          </a:fillRef>
+          <a:effectRef idx="0">
+            <a:schemeClr val="accent1"/>
+          </a:effectRef>
+          <a:fontRef idx="minor">
+            <a:schemeClr val="tx1"/>
+          </a:fontRef>
+        </p:style>
+      </p:cxnSp>
+      <p:cxnSp>
+        <p:nvCxnSpPr>
+          <p:cNvPr id="31" name="Straight Arrow Connector 30">
+            <a:extLst>
+              <a:ext uri="{FF2B5EF4-FFF2-40B4-BE49-F238E27FC236}">
+                <a16:creationId xmlns:a16="http://schemas.microsoft.com/office/drawing/2014/main" id="{81E8B011-AD7D-4FCA-B6C8-4C060166AD1D}"/>
+              </a:ext>
+            </a:extLst>
+          </p:cNvPr>
+          <p:cNvCxnSpPr>
+            <a:cxnSpLocks/>
+          </p:cNvCxnSpPr>
+          <p:nvPr/>
+        </p:nvCxnSpPr>
+        <p:spPr>
+          <a:xfrm>
+            <a:off x="1695450" y="727170"/>
+            <a:ext cx="0" cy="5647666"/>
+          </a:xfrm>
+          <a:prstGeom prst="straightConnector1">
+            <a:avLst/>
+          </a:prstGeom>
+          <a:ln w="38100">
+            <a:headEnd type="triangle"/>
+            <a:tailEnd type="triangle"/>
+          </a:ln>
+        </p:spPr>
+        <p:style>
+          <a:lnRef idx="1">
+            <a:schemeClr val="accent1"/>
+          </a:lnRef>
+          <a:fillRef idx="0">
+            <a:schemeClr val="accent1"/>
+          </a:fillRef>
+          <a:effectRef idx="0">
+            <a:schemeClr val="accent1"/>
+          </a:effectRef>
+          <a:fontRef idx="minor">
+            <a:schemeClr val="tx1"/>
+          </a:fontRef>
+        </p:style>
+      </p:cxnSp>
+      <p:pic>
+        <p:nvPicPr>
+          <p:cNvPr id="34" name="Picture 33">
+            <a:extLst>
+              <a:ext uri="{FF2B5EF4-FFF2-40B4-BE49-F238E27FC236}">
+                <a16:creationId xmlns:a16="http://schemas.microsoft.com/office/drawing/2014/main" id="{8959D605-AFDA-4DC4-9963-25A0C8DF5CDA}"/>
+              </a:ext>
+            </a:extLst>
+          </p:cNvPr>
+          <p:cNvPicPr>
+            <a:picLocks noChangeAspect="1"/>
+          </p:cNvPicPr>
           <p:nvPr>
-            <p:ph idx="1"/>
+            <p:custDataLst>
+              <p:tags r:id="rId1"/>
+            </p:custDataLst>
           </p:nvPr>
-        </p:nvSpPr>
-        <p:spPr/>
-        <p:txBody>
-          <a:bodyPr/>
-          <a:lstStyle/>
-          <a:p>
-            <a:endParaRPr lang="en-US"/>
-          </a:p>
-        </p:txBody>
-      </p:sp>
+        </p:nvPicPr>
+        <p:blipFill>
+          <a:blip r:embed="rId5">
+            <a:extLst>
+              <a:ext uri="{28A0092B-C50C-407E-A947-70E740481C1C}">
+                <a14:useLocalDpi xmlns:a14="http://schemas.microsoft.com/office/drawing/2010/main" val="0"/>
+              </a:ext>
+            </a:extLst>
+          </a:blip>
+          <a:stretch>
+            <a:fillRect/>
+          </a:stretch>
+        </p:blipFill>
+        <p:spPr>
+          <a:xfrm>
+            <a:off x="421161" y="1540911"/>
+            <a:ext cx="615619" cy="216381"/>
+          </a:xfrm>
+          <a:prstGeom prst="rect">
+            <a:avLst/>
+          </a:prstGeom>
+        </p:spPr>
+      </p:pic>
+      <p:pic>
+        <p:nvPicPr>
+          <p:cNvPr id="36" name="Picture 35">
+            <a:extLst>
+              <a:ext uri="{FF2B5EF4-FFF2-40B4-BE49-F238E27FC236}">
+                <a16:creationId xmlns:a16="http://schemas.microsoft.com/office/drawing/2014/main" id="{1A91A6CD-0E54-43D1-B657-5A6845CC15B6}"/>
+              </a:ext>
+            </a:extLst>
+          </p:cNvPr>
+          <p:cNvPicPr>
+            <a:picLocks noChangeAspect="1"/>
+          </p:cNvPicPr>
+          <p:nvPr>
+            <p:custDataLst>
+              <p:tags r:id="rId2"/>
+            </p:custDataLst>
+          </p:nvPr>
+        </p:nvPicPr>
+        <p:blipFill>
+          <a:blip r:embed="rId6">
+            <a:extLst>
+              <a:ext uri="{28A0092B-C50C-407E-A947-70E740481C1C}">
+                <a14:useLocalDpi xmlns:a14="http://schemas.microsoft.com/office/drawing/2010/main" val="0"/>
+              </a:ext>
+            </a:extLst>
+          </a:blip>
+          <a:stretch>
+            <a:fillRect/>
+          </a:stretch>
+        </p:blipFill>
+        <p:spPr>
+          <a:xfrm>
+            <a:off x="1800063" y="1556852"/>
+            <a:ext cx="551619" cy="211810"/>
+          </a:xfrm>
+          <a:prstGeom prst="rect">
+            <a:avLst/>
+          </a:prstGeom>
+        </p:spPr>
+      </p:pic>
+      <p:pic>
+        <p:nvPicPr>
+          <p:cNvPr id="38" name="Picture 37">
+            <a:extLst>
+              <a:ext uri="{FF2B5EF4-FFF2-40B4-BE49-F238E27FC236}">
+                <a16:creationId xmlns:a16="http://schemas.microsoft.com/office/drawing/2014/main" id="{A32F05A1-1158-4EFE-8BDB-090D3037419E}"/>
+              </a:ext>
+            </a:extLst>
+          </p:cNvPr>
+          <p:cNvPicPr>
+            <a:picLocks noChangeAspect="1"/>
+          </p:cNvPicPr>
+          <p:nvPr>
+            <p:custDataLst>
+              <p:tags r:id="rId3"/>
+            </p:custDataLst>
+          </p:nvPr>
+        </p:nvPicPr>
+        <p:blipFill>
+          <a:blip r:embed="rId7">
+            <a:extLst>
+              <a:ext uri="{28A0092B-C50C-407E-A947-70E740481C1C}">
+                <a14:useLocalDpi xmlns:a14="http://schemas.microsoft.com/office/drawing/2010/main" val="0"/>
+              </a:ext>
+            </a:extLst>
+          </a:blip>
+          <a:stretch>
+            <a:fillRect/>
+          </a:stretch>
+        </p:blipFill>
+        <p:spPr>
+          <a:xfrm>
+            <a:off x="4556952" y="78007"/>
+            <a:ext cx="1539048" cy="273891"/>
+          </a:xfrm>
+          <a:prstGeom prst="rect">
+            <a:avLst/>
+          </a:prstGeom>
+        </p:spPr>
+      </p:pic>
+      <p:cxnSp>
+        <p:nvCxnSpPr>
+          <p:cNvPr id="40" name="Straight Connector 39">
+            <a:extLst>
+              <a:ext uri="{FF2B5EF4-FFF2-40B4-BE49-F238E27FC236}">
+                <a16:creationId xmlns:a16="http://schemas.microsoft.com/office/drawing/2014/main" id="{43987B40-1192-4E85-8FDE-DAE582D582BD}"/>
+              </a:ext>
+            </a:extLst>
+          </p:cNvPr>
+          <p:cNvCxnSpPr/>
+          <p:nvPr/>
+        </p:nvCxnSpPr>
+        <p:spPr>
+          <a:xfrm flipV="1">
+            <a:off x="5217993" y="383766"/>
+            <a:ext cx="0" cy="1768386"/>
+          </a:xfrm>
+          <a:prstGeom prst="line">
+            <a:avLst/>
+          </a:prstGeom>
+        </p:spPr>
+        <p:style>
+          <a:lnRef idx="1">
+            <a:schemeClr val="accent1"/>
+          </a:lnRef>
+          <a:fillRef idx="0">
+            <a:schemeClr val="accent1"/>
+          </a:fillRef>
+          <a:effectRef idx="0">
+            <a:schemeClr val="accent1"/>
+          </a:effectRef>
+          <a:fontRef idx="minor">
+            <a:schemeClr val="tx1"/>
+          </a:fontRef>
+        </p:style>
+      </p:cxnSp>
     </p:spTree>
     <p:extLst>
       <p:ext uri="{BB962C8B-B14F-4D97-AF65-F5344CB8AC3E}">
@@ -31551,6 +36798,196 @@
 </p:tagLst>
 </file>
 
+<file path=ppt/tags/tag10.xml><?xml version="1.0" encoding="utf-8"?>
+<p:tagLst xmlns:a="http://schemas.openxmlformats.org/drawingml/2006/main" xmlns:r="http://schemas.openxmlformats.org/officeDocument/2006/relationships" xmlns:p="http://schemas.openxmlformats.org/presentationml/2006/main">
+  <p:tag name="OUTPUTDPI" val="1200"/>
+  <p:tag name="ORIGINALHEIGHT" val="87.73905"/>
+  <p:tag name="ORIGINALWIDTH" val="294.7131"/>
+  <p:tag name="LATEXADDIN" val="\documentclass{article}&#10;\usepackage{amsmath}&#10;\usepackage{xcolor}&#10;\usepackage{ragged2e}&#10;\pagestyle{empty}&#10;\begin{document}&#10;&#10;\definecolor{Monred}{RGB}{172,0,0}&#10;&#10;&#10;Inlets&#10;&#10;&#10;&#10;\end{document}"/>
+  <p:tag name="IGUANATEXSIZE" val="20"/>
+  <p:tag name="IGUANATEXCURSOR" val="166"/>
+  <p:tag name="TRANSPARENCY" val="True"/>
+  <p:tag name="FILENAME" val=""/>
+  <p:tag name="LATEXENGINEID" val="0"/>
+  <p:tag name="TEMPFOLDER" val="c:\temp\"/>
+  <p:tag name="LATEXFORMHEIGHT" val="312"/>
+  <p:tag name="LATEXFORMWIDTH" val="384"/>
+  <p:tag name="LATEXFORMWRAP" val="True"/>
+  <p:tag name="BITMAPVECTOR" val="0"/>
+</p:tagLst>
+</file>
+
+<file path=ppt/tags/tag11.xml><?xml version="1.0" encoding="utf-8"?>
+<p:tagLst xmlns:a="http://schemas.openxmlformats.org/drawingml/2006/main" xmlns:r="http://schemas.openxmlformats.org/officeDocument/2006/relationships" xmlns:p="http://schemas.openxmlformats.org/presentationml/2006/main">
+  <p:tag name="OUTPUTDPI" val="1200"/>
+  <p:tag name="ORIGINALHEIGHT" val="90.73866"/>
+  <p:tag name="ORIGINALWIDTH" val="391.4511"/>
+  <p:tag name="LATEXADDIN" val="\documentclass{article}&#10;\usepackage{amsmath}&#10;\usepackage{xcolor}&#10;\usepackage{ragged2e}&#10;\pagestyle{empty}&#10;\begin{document}&#10;&#10;\definecolor{Monred}{RGB}{172,0,0}&#10;&#10;Outlets&#10;&#10;&#10;&#10;\end{document}"/>
+  <p:tag name="IGUANATEXSIZE" val="20"/>
+  <p:tag name="IGUANATEXCURSOR" val="167"/>
+  <p:tag name="TRANSPARENCY" val="True"/>
+  <p:tag name="FILENAME" val=""/>
+  <p:tag name="LATEXENGINEID" val="0"/>
+  <p:tag name="TEMPFOLDER" val="c:\temp\"/>
+  <p:tag name="LATEXFORMHEIGHT" val="312"/>
+  <p:tag name="LATEXFORMWIDTH" val="384"/>
+  <p:tag name="LATEXFORMWRAP" val="True"/>
+  <p:tag name="BITMAPVECTOR" val="0"/>
+</p:tagLst>
+</file>
+
+<file path=ppt/tags/tag12.xml><?xml version="1.0" encoding="utf-8"?>
+<p:tagLst xmlns:a="http://schemas.openxmlformats.org/drawingml/2006/main" xmlns:r="http://schemas.openxmlformats.org/officeDocument/2006/relationships" xmlns:p="http://schemas.openxmlformats.org/presentationml/2006/main">
+  <p:tag name="OUTPUTDPI" val="1200"/>
+  <p:tag name="ORIGINALHEIGHT" val="124.4844"/>
+  <p:tag name="ORIGINALWIDTH" val="472.4409"/>
+  <p:tag name="LATEXADDIN" val="\documentclass{article}&#10;\usepackage{amsmath}&#10;\usepackage{xcolor}&#10;\usepackage{ragged2e}&#10;\pagestyle{empty}&#10;\begin{document}&#10;&#10;\definecolor{Monred}{RGB}{172,0,0}&#10;&#10;$ Q_{FiLayer} $&#10;&#10;&#10;&#10;\end{document}"/>
+  <p:tag name="IGUANATEXSIZE" val="20"/>
+  <p:tag name="IGUANATEXCURSOR" val="174"/>
+  <p:tag name="TRANSPARENCY" val="True"/>
+  <p:tag name="FILENAME" val=""/>
+  <p:tag name="LATEXENGINEID" val="0"/>
+  <p:tag name="TEMPFOLDER" val="c:\temp\"/>
+  <p:tag name="LATEXFORMHEIGHT" val="312"/>
+  <p:tag name="LATEXFORMWIDTH" val="384"/>
+  <p:tag name="LATEXFORMWRAP" val="True"/>
+  <p:tag name="BITMAPVECTOR" val="0"/>
+</p:tagLst>
+</file>
+
+<file path=ppt/tags/tag13.xml><?xml version="1.0" encoding="utf-8"?>
+<p:tagLst xmlns:a="http://schemas.openxmlformats.org/drawingml/2006/main" xmlns:r="http://schemas.openxmlformats.org/officeDocument/2006/relationships" xmlns:p="http://schemas.openxmlformats.org/presentationml/2006/main">
+  <p:tag name="OUTPUTDPI" val="1200"/>
+  <p:tag name="ORIGINALHEIGHT" val="124.4844"/>
+  <p:tag name="ORIGINALWIDTH" val="472.4409"/>
+  <p:tag name="LATEXADDIN" val="\documentclass{article}&#10;\usepackage{amsmath}&#10;\usepackage{xcolor}&#10;\usepackage{ragged2e}&#10;\pagestyle{empty}&#10;\begin{document}&#10;&#10;\definecolor{Monred}{RGB}{172,0,0}&#10;&#10;$ Q_{FiLayer} $&#10;&#10;&#10;&#10;\end{document}"/>
+  <p:tag name="IGUANATEXSIZE" val="20"/>
+  <p:tag name="IGUANATEXCURSOR" val="174"/>
+  <p:tag name="TRANSPARENCY" val="True"/>
+  <p:tag name="FILENAME" val=""/>
+  <p:tag name="LATEXENGINEID" val="0"/>
+  <p:tag name="TEMPFOLDER" val="c:\temp\"/>
+  <p:tag name="LATEXFORMHEIGHT" val="312"/>
+  <p:tag name="LATEXFORMWIDTH" val="384"/>
+  <p:tag name="LATEXFORMWRAP" val="True"/>
+  <p:tag name="BITMAPVECTOR" val="0"/>
+</p:tagLst>
+</file>
+
+<file path=ppt/tags/tag14.xml><?xml version="1.0" encoding="utf-8"?>
+<p:tagLst xmlns:a="http://schemas.openxmlformats.org/drawingml/2006/main" xmlns:r="http://schemas.openxmlformats.org/officeDocument/2006/relationships" xmlns:p="http://schemas.openxmlformats.org/presentationml/2006/main">
+  <p:tag name="OUTPUTDPI" val="1200"/>
+  <p:tag name="ORIGINALHEIGHT" val="124.4844"/>
+  <p:tag name="ORIGINALWIDTH" val="534.6832"/>
+  <p:tag name="LATEXADDIN" val="\documentclass{article}&#10;\usepackage{amsmath}&#10;\usepackage{xcolor}&#10;\usepackage{ragged2e}&#10;\pagestyle{empty}&#10;\begin{document}&#10;&#10;\definecolor{Monred}{RGB}{172,0,0}&#10;&#10;&#10;$ 2Q_{FiLayer} $&#10;&#10;\end{document}"/>
+  <p:tag name="IGUANATEXSIZE" val="20"/>
+  <p:tag name="IGUANATEXCURSOR" val="176"/>
+  <p:tag name="TRANSPARENCY" val="True"/>
+  <p:tag name="FILENAME" val=""/>
+  <p:tag name="LATEXENGINEID" val="0"/>
+  <p:tag name="TEMPFOLDER" val="c:\temp\"/>
+  <p:tag name="LATEXFORMHEIGHT" val="312"/>
+  <p:tag name="LATEXFORMWIDTH" val="384"/>
+  <p:tag name="LATEXFORMWRAP" val="True"/>
+  <p:tag name="BITMAPVECTOR" val="0"/>
+</p:tagLst>
+</file>
+
+<file path=ppt/tags/tag15.xml><?xml version="1.0" encoding="utf-8"?>
+<p:tagLst xmlns:a="http://schemas.openxmlformats.org/drawingml/2006/main" xmlns:r="http://schemas.openxmlformats.org/officeDocument/2006/relationships" xmlns:p="http://schemas.openxmlformats.org/presentationml/2006/main">
+  <p:tag name="OUTPUTDPI" val="1200"/>
+  <p:tag name="ORIGINALHEIGHT" val="124.4844"/>
+  <p:tag name="ORIGINALWIDTH" val="534.6832"/>
+  <p:tag name="LATEXADDIN" val="\documentclass{article}&#10;\usepackage{amsmath}&#10;\usepackage{xcolor}&#10;\usepackage{ragged2e}&#10;\pagestyle{empty}&#10;\begin{document}&#10;&#10;\definecolor{Monred}{RGB}{172,0,0}&#10;&#10;&#10;$ 2Q_{FiLayer} $&#10;&#10;\end{document}"/>
+  <p:tag name="IGUANATEXSIZE" val="20"/>
+  <p:tag name="IGUANATEXCURSOR" val="176"/>
+  <p:tag name="TRANSPARENCY" val="True"/>
+  <p:tag name="FILENAME" val=""/>
+  <p:tag name="LATEXENGINEID" val="0"/>
+  <p:tag name="TEMPFOLDER" val="c:\temp\"/>
+  <p:tag name="LATEXFORMHEIGHT" val="312"/>
+  <p:tag name="LATEXFORMWIDTH" val="384"/>
+  <p:tag name="LATEXFORMWRAP" val="True"/>
+  <p:tag name="BITMAPVECTOR" val="0"/>
+</p:tagLst>
+</file>
+
+<file path=ppt/tags/tag16.xml><?xml version="1.0" encoding="utf-8"?>
+<p:tagLst xmlns:a="http://schemas.openxmlformats.org/drawingml/2006/main" xmlns:r="http://schemas.openxmlformats.org/officeDocument/2006/relationships" xmlns:p="http://schemas.openxmlformats.org/presentationml/2006/main">
+  <p:tag name="OUTPUTDPI" val="1200"/>
+  <p:tag name="ORIGINALHEIGHT" val="124.4844"/>
+  <p:tag name="ORIGINALWIDTH" val="534.6832"/>
+  <p:tag name="LATEXADDIN" val="\documentclass{article}&#10;\usepackage{amsmath}&#10;\usepackage{xcolor}&#10;\usepackage{ragged2e}&#10;\pagestyle{empty}&#10;\begin{document}&#10;&#10;\definecolor{Monred}{RGB}{172,0,0}&#10;&#10;&#10;$ 2Q_{FiLayer} $&#10;&#10;\end{document}"/>
+  <p:tag name="IGUANATEXSIZE" val="20"/>
+  <p:tag name="IGUANATEXCURSOR" val="176"/>
+  <p:tag name="TRANSPARENCY" val="True"/>
+  <p:tag name="FILENAME" val=""/>
+  <p:tag name="LATEXENGINEID" val="0"/>
+  <p:tag name="TEMPFOLDER" val="c:\temp\"/>
+  <p:tag name="LATEXFORMHEIGHT" val="312"/>
+  <p:tag name="LATEXFORMWIDTH" val="384"/>
+  <p:tag name="LATEXFORMWRAP" val="True"/>
+  <p:tag name="BITMAPVECTOR" val="0"/>
+</p:tagLst>
+</file>
+
+<file path=ppt/tags/tag17.xml><?xml version="1.0" encoding="utf-8"?>
+<p:tagLst xmlns:a="http://schemas.openxmlformats.org/drawingml/2006/main" xmlns:r="http://schemas.openxmlformats.org/officeDocument/2006/relationships" xmlns:p="http://schemas.openxmlformats.org/presentationml/2006/main">
+  <p:tag name="OUTPUTDPI" val="1200"/>
+  <p:tag name="ORIGINALHEIGHT" val="124.4844"/>
+  <p:tag name="ORIGINALWIDTH" val="534.6832"/>
+  <p:tag name="LATEXADDIN" val="\documentclass{article}&#10;\usepackage{amsmath}&#10;\usepackage{xcolor}&#10;\usepackage{ragged2e}&#10;\pagestyle{empty}&#10;\begin{document}&#10;&#10;\definecolor{Monred}{RGB}{172,0,0}&#10;&#10;&#10;$ 2Q_{FiLayer} $&#10;&#10;\end{document}"/>
+  <p:tag name="IGUANATEXSIZE" val="20"/>
+  <p:tag name="IGUANATEXCURSOR" val="176"/>
+  <p:tag name="TRANSPARENCY" val="True"/>
+  <p:tag name="FILENAME" val=""/>
+  <p:tag name="LATEXENGINEID" val="0"/>
+  <p:tag name="TEMPFOLDER" val="c:\temp\"/>
+  <p:tag name="LATEXFORMHEIGHT" val="312"/>
+  <p:tag name="LATEXFORMWIDTH" val="384"/>
+  <p:tag name="LATEXFORMWRAP" val="True"/>
+  <p:tag name="BITMAPVECTOR" val="0"/>
+</p:tagLst>
+</file>
+
+<file path=ppt/tags/tag18.xml><?xml version="1.0" encoding="utf-8"?>
+<p:tagLst xmlns:a="http://schemas.openxmlformats.org/drawingml/2006/main" xmlns:r="http://schemas.openxmlformats.org/officeDocument/2006/relationships" xmlns:p="http://schemas.openxmlformats.org/presentationml/2006/main">
+  <p:tag name="OUTPUTDPI" val="1200"/>
+  <p:tag name="ORIGINALHEIGHT" val="124.4844"/>
+  <p:tag name="ORIGINALWIDTH" val="534.6832"/>
+  <p:tag name="LATEXADDIN" val="\documentclass{article}&#10;\usepackage{amsmath}&#10;\usepackage{xcolor}&#10;\usepackage{ragged2e}&#10;\pagestyle{empty}&#10;\begin{document}&#10;&#10;\definecolor{Monred}{RGB}{172,0,0}&#10;&#10;&#10;$ 2Q_{FiLayer} $&#10;&#10;\end{document}"/>
+  <p:tag name="IGUANATEXSIZE" val="20"/>
+  <p:tag name="IGUANATEXCURSOR" val="176"/>
+  <p:tag name="TRANSPARENCY" val="True"/>
+  <p:tag name="FILENAME" val=""/>
+  <p:tag name="LATEXENGINEID" val="0"/>
+  <p:tag name="TEMPFOLDER" val="c:\temp\"/>
+  <p:tag name="LATEXFORMHEIGHT" val="312"/>
+  <p:tag name="LATEXFORMWIDTH" val="384"/>
+  <p:tag name="LATEXFORMWRAP" val="True"/>
+  <p:tag name="BITMAPVECTOR" val="0"/>
+</p:tagLst>
+</file>
+
+<file path=ppt/tags/tag19.xml><?xml version="1.0" encoding="utf-8"?>
+<p:tagLst xmlns:a="http://schemas.openxmlformats.org/drawingml/2006/main" xmlns:r="http://schemas.openxmlformats.org/officeDocument/2006/relationships" xmlns:p="http://schemas.openxmlformats.org/presentationml/2006/main">
+  <p:tag name="OUTPUTDPI" val="1200"/>
+  <p:tag name="ORIGINALHEIGHT" val="106.4867"/>
+  <p:tag name="ORIGINALWIDTH" val="302.9621"/>
+  <p:tag name="LATEXADDIN" val="\documentclass{article}&#10;\usepackage{amsmath}&#10;\usepackage{xcolor}&#10;\usepackage{ragged2e}&#10;\pagestyle{empty}&#10;\begin{document}&#10;&#10;\definecolor{Monred}{RGB}{172,0,0}&#10;&#10;&#10;$OD_{Fi} $&#10;&#10;&#10;\end{document}"/>
+  <p:tag name="IGUANATEXSIZE" val="20"/>
+  <p:tag name="IGUANATEXCURSOR" val="170"/>
+  <p:tag name="TRANSPARENCY" val="True"/>
+  <p:tag name="FILENAME" val=""/>
+  <p:tag name="LATEXENGINEID" val="0"/>
+  <p:tag name="TEMPFOLDER" val="c:\temp\"/>
+  <p:tag name="LATEXFORMHEIGHT" val="312"/>
+  <p:tag name="LATEXFORMWIDTH" val="384"/>
+  <p:tag name="LATEXFORMWRAP" val="True"/>
+  <p:tag name="BITMAPVECTOR" val="0"/>
+</p:tagLst>
+</file>
+
 <file path=ppt/tags/tag2.xml><?xml version="1.0" encoding="utf-8"?>
 <p:tagLst xmlns:a="http://schemas.openxmlformats.org/drawingml/2006/main" xmlns:r="http://schemas.openxmlformats.org/officeDocument/2006/relationships" xmlns:p="http://schemas.openxmlformats.org/presentationml/2006/main">
   <p:tag name="OUTPUTDPI" val="1200"/>
@@ -31559,6 +36996,63 @@
   <p:tag name="LATEXADDIN" val="\documentclass{article}&#10;\usepackage{amsmath}&#10;\usepackage{xcolor}&#10;\usepackage{ragged2e}&#10;\pagestyle{empty}&#10;\begin{document}&#10;&#10;\definecolor{Monred}{RGB}{172,0,0}&#10;&#10;Inlet&#10;Box&#10;&#10;&#10;\end{document}"/>
   <p:tag name="IGUANATEXSIZE" val="20"/>
   <p:tag name="IGUANATEXCURSOR" val="168"/>
+  <p:tag name="TRANSPARENCY" val="True"/>
+  <p:tag name="FILENAME" val=""/>
+  <p:tag name="LATEXENGINEID" val="0"/>
+  <p:tag name="TEMPFOLDER" val="c:\temp\"/>
+  <p:tag name="LATEXFORMHEIGHT" val="312"/>
+  <p:tag name="LATEXFORMWIDTH" val="384"/>
+  <p:tag name="LATEXFORMWRAP" val="True"/>
+  <p:tag name="BITMAPVECTOR" val="0"/>
+</p:tagLst>
+</file>
+
+<file path=ppt/tags/tag20.xml><?xml version="1.0" encoding="utf-8"?>
+<p:tagLst xmlns:a="http://schemas.openxmlformats.org/drawingml/2006/main" xmlns:r="http://schemas.openxmlformats.org/officeDocument/2006/relationships" xmlns:p="http://schemas.openxmlformats.org/presentationml/2006/main">
+  <p:tag name="OUTPUTDPI" val="1200"/>
+  <p:tag name="ORIGINALHEIGHT" val="104.237"/>
+  <p:tag name="ORIGINALWIDTH" val="271.4661"/>
+  <p:tag name="LATEXADDIN" val="\documentclass{article}&#10;\usepackage{amsmath}&#10;\usepackage{xcolor}&#10;\usepackage{ragged2e}&#10;\pagestyle{empty}&#10;\begin{document}&#10;&#10;\definecolor{Monred}{RGB}{172,0,0}&#10;&#10;$ID_{Fi} $&#10;&#10;&#10;\end{document}"/>
+  <p:tag name="IGUANATEXSIZE" val="20"/>
+  <p:tag name="IGUANATEXCURSOR" val="169"/>
+  <p:tag name="TRANSPARENCY" val="True"/>
+  <p:tag name="FILENAME" val=""/>
+  <p:tag name="LATEXENGINEID" val="0"/>
+  <p:tag name="TEMPFOLDER" val="c:\temp\"/>
+  <p:tag name="LATEXFORMHEIGHT" val="312"/>
+  <p:tag name="LATEXFORMWIDTH" val="384"/>
+  <p:tag name="LATEXFORMWRAP" val="True"/>
+  <p:tag name="BITMAPVECTOR" val="0"/>
+</p:tagLst>
+</file>
+
+<file path=ppt/tags/tag21.xml><?xml version="1.0" encoding="utf-8"?>
+<p:tagLst xmlns:a="http://schemas.openxmlformats.org/drawingml/2006/main" xmlns:r="http://schemas.openxmlformats.org/officeDocument/2006/relationships" xmlns:p="http://schemas.openxmlformats.org/presentationml/2006/main">
+  <p:tag name="OUTPUTDPI" val="1200"/>
+  <p:tag name="ORIGINALHEIGHT" val="104.237"/>
+  <p:tag name="ORIGINALWIDTH" val="757.4053"/>
+  <p:tag name="LATEXADDIN" val="\documentclass{article}&#10;\usepackage{amsmath}&#10;\usepackage{xcolor}&#10;\usepackage{ragged2e}&#10;\pagestyle{empty}&#10;\begin{document}&#10;&#10;\definecolor{Monred}{RGB}{172,0,0}&#10;&#10;$B_{FiBranchMax}$&#10;&#10;&#10;&#10;\end{document}"/>
+  <p:tag name="IGUANATEXSIZE" val="20"/>
+  <p:tag name="IGUANATEXCURSOR" val="176"/>
+  <p:tag name="TRANSPARENCY" val="True"/>
+  <p:tag name="FILENAME" val=""/>
+  <p:tag name="LATEXENGINEID" val="0"/>
+  <p:tag name="TEMPFOLDER" val="c:\temp\"/>
+  <p:tag name="LATEXFORMHEIGHT" val="312"/>
+  <p:tag name="LATEXFORMWIDTH" val="384"/>
+  <p:tag name="LATEXFORMWRAP" val="True"/>
+  <p:tag name="BITMAPVECTOR" val="0"/>
+</p:tagLst>
+</file>
+
+<file path=ppt/tags/tag22.xml><?xml version="1.0" encoding="utf-8"?>
+<p:tagLst xmlns:a="http://schemas.openxmlformats.org/drawingml/2006/main" xmlns:r="http://schemas.openxmlformats.org/officeDocument/2006/relationships" xmlns:p="http://schemas.openxmlformats.org/presentationml/2006/main">
+  <p:tag name="OUTPUTDPI" val="1200"/>
+  <p:tag name="ORIGINALHEIGHT" val="120.7349"/>
+  <p:tag name="ORIGINALWIDTH" val="479.1901"/>
+  <p:tag name="LATEXADDIN" val="\documentclass{article}&#10;\usepackage{amsmath}&#10;\usepackage{xcolor}&#10;\usepackage{ragged2e}&#10;\pagestyle{empty}&#10;\begin{document}&#10;&#10;\definecolor{Monred}{RGB}{172,0,0}&#10;&#10;$ H_{FiLayer} $&#10;&#10;&#10;\end{document}"/>
+  <p:tag name="IGUANATEXSIZE" val="20"/>
+  <p:tag name="IGUANATEXCURSOR" val="174"/>
   <p:tag name="TRANSPARENCY" val="True"/>
   <p:tag name="FILENAME" val=""/>
   <p:tag name="LATEXENGINEID" val="0"/>
@@ -31996,4 +37490,299 @@
     </a:ext>
   </a:extLst>
 </a:theme>
+</file>
+
+<file path=ppt/theme/theme2.xml><?xml version="1.0" encoding="utf-8"?>
+<a:theme xmlns:a="http://schemas.openxmlformats.org/drawingml/2006/main" name="Office Theme">
+  <a:themeElements>
+    <a:clrScheme name="Office">
+      <a:dk1>
+        <a:sysClr val="windowText" lastClr="000000"/>
+      </a:dk1>
+      <a:lt1>
+        <a:sysClr val="window" lastClr="FFFFFF"/>
+      </a:lt1>
+      <a:dk2>
+        <a:srgbClr val="44546A"/>
+      </a:dk2>
+      <a:lt2>
+        <a:srgbClr val="E7E6E6"/>
+      </a:lt2>
+      <a:accent1>
+        <a:srgbClr val="4472C4"/>
+      </a:accent1>
+      <a:accent2>
+        <a:srgbClr val="ED7D31"/>
+      </a:accent2>
+      <a:accent3>
+        <a:srgbClr val="A5A5A5"/>
+      </a:accent3>
+      <a:accent4>
+        <a:srgbClr val="FFC000"/>
+      </a:accent4>
+      <a:accent5>
+        <a:srgbClr val="5B9BD5"/>
+      </a:accent5>
+      <a:accent6>
+        <a:srgbClr val="70AD47"/>
+      </a:accent6>
+      <a:hlink>
+        <a:srgbClr val="0563C1"/>
+      </a:hlink>
+      <a:folHlink>
+        <a:srgbClr val="954F72"/>
+      </a:folHlink>
+    </a:clrScheme>
+    <a:fontScheme name="Office">
+      <a:majorFont>
+        <a:latin typeface="Calibri Light" panose="020F0302020204030204"/>
+        <a:ea typeface=""/>
+        <a:cs typeface=""/>
+        <a:font script="Jpan" typeface="游ゴシック Light"/>
+        <a:font script="Hang" typeface="맑은 고딕"/>
+        <a:font script="Hans" typeface="等线 Light"/>
+        <a:font script="Hant" typeface="新細明體"/>
+        <a:font script="Arab" typeface="Times New Roman"/>
+        <a:font script="Hebr" typeface="Times New Roman"/>
+        <a:font script="Thai" typeface="Angsana New"/>
+        <a:font script="Ethi" typeface="Nyala"/>
+        <a:font script="Beng" typeface="Vrinda"/>
+        <a:font script="Gujr" typeface="Shruti"/>
+        <a:font script="Khmr" typeface="MoolBoran"/>
+        <a:font script="Knda" typeface="Tunga"/>
+        <a:font script="Guru" typeface="Raavi"/>
+        <a:font script="Cans" typeface="Euphemia"/>
+        <a:font script="Cher" typeface="Plantagenet Cherokee"/>
+        <a:font script="Yiii" typeface="Microsoft Yi Baiti"/>
+        <a:font script="Tibt" typeface="Microsoft Himalaya"/>
+        <a:font script="Thaa" typeface="MV Boli"/>
+        <a:font script="Deva" typeface="Mangal"/>
+        <a:font script="Telu" typeface="Gautami"/>
+        <a:font script="Taml" typeface="Latha"/>
+        <a:font script="Syrc" typeface="Estrangelo Edessa"/>
+        <a:font script="Orya" typeface="Kalinga"/>
+        <a:font script="Mlym" typeface="Kartika"/>
+        <a:font script="Laoo" typeface="DokChampa"/>
+        <a:font script="Sinh" typeface="Iskoola Pota"/>
+        <a:font script="Mong" typeface="Mongolian Baiti"/>
+        <a:font script="Viet" typeface="Times New Roman"/>
+        <a:font script="Uigh" typeface="Microsoft Uighur"/>
+        <a:font script="Geor" typeface="Sylfaen"/>
+        <a:font script="Armn" typeface="Arial"/>
+        <a:font script="Bugi" typeface="Leelawadee UI"/>
+        <a:font script="Bopo" typeface="Microsoft JhengHei"/>
+        <a:font script="Java" typeface="Javanese Text"/>
+        <a:font script="Lisu" typeface="Segoe UI"/>
+        <a:font script="Mymr" typeface="Myanmar Text"/>
+        <a:font script="Nkoo" typeface="Ebrima"/>
+        <a:font script="Olck" typeface="Nirmala UI"/>
+        <a:font script="Osma" typeface="Ebrima"/>
+        <a:font script="Phag" typeface="Phagspa"/>
+        <a:font script="Syrn" typeface="Estrangelo Edessa"/>
+        <a:font script="Syrj" typeface="Estrangelo Edessa"/>
+        <a:font script="Syre" typeface="Estrangelo Edessa"/>
+        <a:font script="Sora" typeface="Nirmala UI"/>
+        <a:font script="Tale" typeface="Microsoft Tai Le"/>
+        <a:font script="Talu" typeface="Microsoft New Tai Lue"/>
+        <a:font script="Tfng" typeface="Ebrima"/>
+      </a:majorFont>
+      <a:minorFont>
+        <a:latin typeface="Calibri" panose="020F0502020204030204"/>
+        <a:ea typeface=""/>
+        <a:cs typeface=""/>
+        <a:font script="Jpan" typeface="游ゴシック"/>
+        <a:font script="Hang" typeface="맑은 고딕"/>
+        <a:font script="Hans" typeface="等线"/>
+        <a:font script="Hant" typeface="新細明體"/>
+        <a:font script="Arab" typeface="Arial"/>
+        <a:font script="Hebr" typeface="Arial"/>
+        <a:font script="Thai" typeface="Cordia New"/>
+        <a:font script="Ethi" typeface="Nyala"/>
+        <a:font script="Beng" typeface="Vrinda"/>
+        <a:font script="Gujr" typeface="Shruti"/>
+        <a:font script="Khmr" typeface="DaunPenh"/>
+        <a:font script="Knda" typeface="Tunga"/>
+        <a:font script="Guru" typeface="Raavi"/>
+        <a:font script="Cans" typeface="Euphemia"/>
+        <a:font script="Cher" typeface="Plantagenet Cherokee"/>
+        <a:font script="Yiii" typeface="Microsoft Yi Baiti"/>
+        <a:font script="Tibt" typeface="Microsoft Himalaya"/>
+        <a:font script="Thaa" typeface="MV Boli"/>
+        <a:font script="Deva" typeface="Mangal"/>
+        <a:font script="Telu" typeface="Gautami"/>
+        <a:font script="Taml" typeface="Latha"/>
+        <a:font script="Syrc" typeface="Estrangelo Edessa"/>
+        <a:font script="Orya" typeface="Kalinga"/>
+        <a:font script="Mlym" typeface="Kartika"/>
+        <a:font script="Laoo" typeface="DokChampa"/>
+        <a:font script="Sinh" typeface="Iskoola Pota"/>
+        <a:font script="Mong" typeface="Mongolian Baiti"/>
+        <a:font script="Viet" typeface="Arial"/>
+        <a:font script="Uigh" typeface="Microsoft Uighur"/>
+        <a:font script="Geor" typeface="Sylfaen"/>
+        <a:font script="Armn" typeface="Arial"/>
+        <a:font script="Bugi" typeface="Leelawadee UI"/>
+        <a:font script="Bopo" typeface="Microsoft JhengHei"/>
+        <a:font script="Java" typeface="Javanese Text"/>
+        <a:font script="Lisu" typeface="Segoe UI"/>
+        <a:font script="Mymr" typeface="Myanmar Text"/>
+        <a:font script="Nkoo" typeface="Ebrima"/>
+        <a:font script="Olck" typeface="Nirmala UI"/>
+        <a:font script="Osma" typeface="Ebrima"/>
+        <a:font script="Phag" typeface="Phagspa"/>
+        <a:font script="Syrn" typeface="Estrangelo Edessa"/>
+        <a:font script="Syrj" typeface="Estrangelo Edessa"/>
+        <a:font script="Syre" typeface="Estrangelo Edessa"/>
+        <a:font script="Sora" typeface="Nirmala UI"/>
+        <a:font script="Tale" typeface="Microsoft Tai Le"/>
+        <a:font script="Talu" typeface="Microsoft New Tai Lue"/>
+        <a:font script="Tfng" typeface="Ebrima"/>
+      </a:minorFont>
+    </a:fontScheme>
+    <a:fmtScheme name="Office">
+      <a:fillStyleLst>
+        <a:solidFill>
+          <a:schemeClr val="phClr"/>
+        </a:solidFill>
+        <a:gradFill rotWithShape="1">
+          <a:gsLst>
+            <a:gs pos="0">
+              <a:schemeClr val="phClr">
+                <a:lumMod val="110000"/>
+                <a:satMod val="105000"/>
+                <a:tint val="67000"/>
+              </a:schemeClr>
+            </a:gs>
+            <a:gs pos="50000">
+              <a:schemeClr val="phClr">
+                <a:lumMod val="105000"/>
+                <a:satMod val="103000"/>
+                <a:tint val="73000"/>
+              </a:schemeClr>
+            </a:gs>
+            <a:gs pos="100000">
+              <a:schemeClr val="phClr">
+                <a:lumMod val="105000"/>
+                <a:satMod val="109000"/>
+                <a:tint val="81000"/>
+              </a:schemeClr>
+            </a:gs>
+          </a:gsLst>
+          <a:lin ang="5400000" scaled="0"/>
+        </a:gradFill>
+        <a:gradFill rotWithShape="1">
+          <a:gsLst>
+            <a:gs pos="0">
+              <a:schemeClr val="phClr">
+                <a:satMod val="103000"/>
+                <a:lumMod val="102000"/>
+                <a:tint val="94000"/>
+              </a:schemeClr>
+            </a:gs>
+            <a:gs pos="50000">
+              <a:schemeClr val="phClr">
+                <a:satMod val="110000"/>
+                <a:lumMod val="100000"/>
+                <a:shade val="100000"/>
+              </a:schemeClr>
+            </a:gs>
+            <a:gs pos="100000">
+              <a:schemeClr val="phClr">
+                <a:lumMod val="99000"/>
+                <a:satMod val="120000"/>
+                <a:shade val="78000"/>
+              </a:schemeClr>
+            </a:gs>
+          </a:gsLst>
+          <a:lin ang="5400000" scaled="0"/>
+        </a:gradFill>
+      </a:fillStyleLst>
+      <a:lnStyleLst>
+        <a:ln w="6350" cap="flat" cmpd="sng" algn="ctr">
+          <a:solidFill>
+            <a:schemeClr val="phClr"/>
+          </a:solidFill>
+          <a:prstDash val="solid"/>
+          <a:miter lim="800000"/>
+        </a:ln>
+        <a:ln w="12700" cap="flat" cmpd="sng" algn="ctr">
+          <a:solidFill>
+            <a:schemeClr val="phClr"/>
+          </a:solidFill>
+          <a:prstDash val="solid"/>
+          <a:miter lim="800000"/>
+        </a:ln>
+        <a:ln w="19050" cap="flat" cmpd="sng" algn="ctr">
+          <a:solidFill>
+            <a:schemeClr val="phClr"/>
+          </a:solidFill>
+          <a:prstDash val="solid"/>
+          <a:miter lim="800000"/>
+        </a:ln>
+      </a:lnStyleLst>
+      <a:effectStyleLst>
+        <a:effectStyle>
+          <a:effectLst/>
+        </a:effectStyle>
+        <a:effectStyle>
+          <a:effectLst/>
+        </a:effectStyle>
+        <a:effectStyle>
+          <a:effectLst>
+            <a:outerShdw blurRad="57150" dist="19050" dir="5400000" algn="ctr" rotWithShape="0">
+              <a:srgbClr val="000000">
+                <a:alpha val="63000"/>
+              </a:srgbClr>
+            </a:outerShdw>
+          </a:effectLst>
+        </a:effectStyle>
+      </a:effectStyleLst>
+      <a:bgFillStyleLst>
+        <a:solidFill>
+          <a:schemeClr val="phClr"/>
+        </a:solidFill>
+        <a:solidFill>
+          <a:schemeClr val="phClr">
+            <a:tint val="95000"/>
+            <a:satMod val="170000"/>
+          </a:schemeClr>
+        </a:solidFill>
+        <a:gradFill rotWithShape="1">
+          <a:gsLst>
+            <a:gs pos="0">
+              <a:schemeClr val="phClr">
+                <a:tint val="93000"/>
+                <a:satMod val="150000"/>
+                <a:shade val="98000"/>
+                <a:lumMod val="102000"/>
+              </a:schemeClr>
+            </a:gs>
+            <a:gs pos="50000">
+              <a:schemeClr val="phClr">
+                <a:tint val="98000"/>
+                <a:satMod val="130000"/>
+                <a:shade val="90000"/>
+                <a:lumMod val="103000"/>
+              </a:schemeClr>
+            </a:gs>
+            <a:gs pos="100000">
+              <a:schemeClr val="phClr">
+                <a:shade val="63000"/>
+                <a:satMod val="120000"/>
+              </a:schemeClr>
+            </a:gs>
+          </a:gsLst>
+          <a:lin ang="5400000" scaled="0"/>
+        </a:gradFill>
+      </a:bgFillStyleLst>
+    </a:fmtScheme>
+  </a:themeElements>
+  <a:objectDefaults/>
+  <a:extraClrSchemeLst/>
+  <a:extLst>
+    <a:ext uri="{05A4C25C-085E-4340-85A3-A5531E510DB2}">
+      <thm15:themeFamily xmlns:thm15="http://schemas.microsoft.com/office/thememl/2012/main" name="Office Theme" id="{62F939B6-93AF-4DB8-9C6B-D6C7DFDC589F}" vid="{4A3C46E8-61CC-4603-A589-7422A47A8E4A}"/>
+    </a:ext>
+  </a:extLst>
+</a:theme>
 </file>
--- a/ClareDiagrams.pptx
+++ b/ClareDiagrams.pptx
@@ -5,7 +5,7 @@
     <p:sldMasterId id="2147483648" r:id="rId1"/>
   </p:sldMasterIdLst>
   <p:notesMasterIdLst>
-    <p:notesMasterId r:id="rId18"/>
+    <p:notesMasterId r:id="rId19"/>
   </p:notesMasterIdLst>
   <p:sldIdLst>
     <p:sldId id="256" r:id="rId2"/>
@@ -16,14 +16,15 @@
     <p:sldId id="261" r:id="rId7"/>
     <p:sldId id="262" r:id="rId8"/>
     <p:sldId id="263" r:id="rId9"/>
-    <p:sldId id="264" r:id="rId10"/>
-    <p:sldId id="265" r:id="rId11"/>
-    <p:sldId id="266" r:id="rId12"/>
-    <p:sldId id="267" r:id="rId13"/>
-    <p:sldId id="268" r:id="rId14"/>
-    <p:sldId id="269" r:id="rId15"/>
-    <p:sldId id="270" r:id="rId16"/>
-    <p:sldId id="271" r:id="rId17"/>
+    <p:sldId id="272" r:id="rId10"/>
+    <p:sldId id="264" r:id="rId11"/>
+    <p:sldId id="265" r:id="rId12"/>
+    <p:sldId id="266" r:id="rId13"/>
+    <p:sldId id="267" r:id="rId14"/>
+    <p:sldId id="268" r:id="rId15"/>
+    <p:sldId id="269" r:id="rId16"/>
+    <p:sldId id="270" r:id="rId17"/>
+    <p:sldId id="271" r:id="rId18"/>
   </p:sldIdLst>
   <p:sldSz cx="12192000" cy="6858000"/>
   <p:notesSz cx="6858000" cy="9144000"/>
@@ -212,7 +213,7 @@
           <a:p>
             <a:fld id="{F874CE64-B02C-4A29-A5B8-BB55C61F4F91}" type="datetimeFigureOut">
               <a:rPr lang="en-US" smtClean="0"/>
-              <a:t>10/2/2018</a:t>
+              <a:t>10/30/2018</a:t>
             </a:fld>
             <a:endParaRPr lang="en-US"/>
           </a:p>
@@ -566,6 +567,93 @@
 </p:notes>
 </file>
 
+<file path=ppt/notesSlides/notesSlide2.xml><?xml version="1.0" encoding="utf-8"?>
+<p:notes xmlns:a="http://schemas.openxmlformats.org/drawingml/2006/main" xmlns:r="http://schemas.openxmlformats.org/officeDocument/2006/relationships" xmlns:p="http://schemas.openxmlformats.org/presentationml/2006/main">
+  <p:cSld>
+    <p:spTree>
+      <p:nvGrpSpPr>
+        <p:cNvPr id="1" name=""/>
+        <p:cNvGrpSpPr/>
+        <p:nvPr/>
+      </p:nvGrpSpPr>
+      <p:grpSpPr>
+        <a:xfrm>
+          <a:off x="0" y="0"/>
+          <a:ext cx="0" cy="0"/>
+          <a:chOff x="0" y="0"/>
+          <a:chExt cx="0" cy="0"/>
+        </a:xfrm>
+      </p:grpSpPr>
+      <p:sp>
+        <p:nvSpPr>
+          <p:cNvPr id="2" name="Slide Image Placeholder 1"/>
+          <p:cNvSpPr>
+            <a:spLocks noGrp="1" noRot="1" noChangeAspect="1"/>
+          </p:cNvSpPr>
+          <p:nvPr>
+            <p:ph type="sldImg"/>
+          </p:nvPr>
+        </p:nvSpPr>
+        <p:spPr/>
+      </p:sp>
+      <p:sp>
+        <p:nvSpPr>
+          <p:cNvPr id="3" name="Notes Placeholder 2"/>
+          <p:cNvSpPr>
+            <a:spLocks noGrp="1"/>
+          </p:cNvSpPr>
+          <p:nvPr>
+            <p:ph type="body" idx="1"/>
+          </p:nvPr>
+        </p:nvSpPr>
+        <p:spPr/>
+        <p:txBody>
+          <a:bodyPr/>
+          <a:lstStyle/>
+          <a:p>
+            <a:r>
+              <a:rPr lang="en-US" dirty="0"/>
+              <a:t>Schematic of filter. Explains why maximum flow in branches is two times the flow through each layer.</a:t>
+            </a:r>
+          </a:p>
+        </p:txBody>
+      </p:sp>
+      <p:sp>
+        <p:nvSpPr>
+          <p:cNvPr id="4" name="Slide Number Placeholder 3"/>
+          <p:cNvSpPr>
+            <a:spLocks noGrp="1"/>
+          </p:cNvSpPr>
+          <p:nvPr>
+            <p:ph type="sldNum" sz="quarter" idx="10"/>
+          </p:nvPr>
+        </p:nvSpPr>
+        <p:spPr/>
+        <p:txBody>
+          <a:bodyPr/>
+          <a:lstStyle/>
+          <a:p>
+            <a:fld id="{AD6329FF-201C-4BBD-881E-77C930AD7B27}" type="slidenum">
+              <a:rPr lang="en-US" smtClean="0"/>
+              <a:t>9</a:t>
+            </a:fld>
+            <a:endParaRPr lang="en-US"/>
+          </a:p>
+        </p:txBody>
+      </p:sp>
+    </p:spTree>
+    <p:extLst>
+      <p:ext uri="{BB962C8B-B14F-4D97-AF65-F5344CB8AC3E}">
+        <p14:creationId xmlns:p14="http://schemas.microsoft.com/office/powerpoint/2010/main" val="4085645969"/>
+      </p:ext>
+    </p:extLst>
+  </p:cSld>
+  <p:clrMapOvr>
+    <a:masterClrMapping/>
+  </p:clrMapOvr>
+</p:notes>
+</file>
+
 <file path=ppt/slideLayouts/slideLayout1.xml><?xml version="1.0" encoding="utf-8"?>
 <p:sldLayout xmlns:a="http://schemas.openxmlformats.org/drawingml/2006/main" xmlns:r="http://schemas.openxmlformats.org/officeDocument/2006/relationships" xmlns:p="http://schemas.openxmlformats.org/presentationml/2006/main" type="title" preserve="1">
   <p:cSld name="Title Slide">
@@ -713,7 +801,7 @@
           <a:p>
             <a:fld id="{3721CA93-E140-4E2A-A30C-04BF0C6AAEA4}" type="datetimeFigureOut">
               <a:rPr lang="en-US" smtClean="0"/>
-              <a:t>10/2/2018</a:t>
+              <a:t>10/30/2018</a:t>
             </a:fld>
             <a:endParaRPr lang="en-US"/>
           </a:p>
@@ -911,7 +999,7 @@
           <a:p>
             <a:fld id="{3721CA93-E140-4E2A-A30C-04BF0C6AAEA4}" type="datetimeFigureOut">
               <a:rPr lang="en-US" smtClean="0"/>
-              <a:t>10/2/2018</a:t>
+              <a:t>10/30/2018</a:t>
             </a:fld>
             <a:endParaRPr lang="en-US"/>
           </a:p>
@@ -1119,7 +1207,7 @@
           <a:p>
             <a:fld id="{3721CA93-E140-4E2A-A30C-04BF0C6AAEA4}" type="datetimeFigureOut">
               <a:rPr lang="en-US" smtClean="0"/>
-              <a:t>10/2/2018</a:t>
+              <a:t>10/30/2018</a:t>
             </a:fld>
             <a:endParaRPr lang="en-US"/>
           </a:p>
@@ -1317,7 +1405,7 @@
           <a:p>
             <a:fld id="{3721CA93-E140-4E2A-A30C-04BF0C6AAEA4}" type="datetimeFigureOut">
               <a:rPr lang="en-US" smtClean="0"/>
-              <a:t>10/2/2018</a:t>
+              <a:t>10/30/2018</a:t>
             </a:fld>
             <a:endParaRPr lang="en-US"/>
           </a:p>
@@ -1592,7 +1680,7 @@
           <a:p>
             <a:fld id="{3721CA93-E140-4E2A-A30C-04BF0C6AAEA4}" type="datetimeFigureOut">
               <a:rPr lang="en-US" smtClean="0"/>
-              <a:t>10/2/2018</a:t>
+              <a:t>10/30/2018</a:t>
             </a:fld>
             <a:endParaRPr lang="en-US"/>
           </a:p>
@@ -1857,7 +1945,7 @@
           <a:p>
             <a:fld id="{3721CA93-E140-4E2A-A30C-04BF0C6AAEA4}" type="datetimeFigureOut">
               <a:rPr lang="en-US" smtClean="0"/>
-              <a:t>10/2/2018</a:t>
+              <a:t>10/30/2018</a:t>
             </a:fld>
             <a:endParaRPr lang="en-US"/>
           </a:p>
@@ -2269,7 +2357,7 @@
           <a:p>
             <a:fld id="{3721CA93-E140-4E2A-A30C-04BF0C6AAEA4}" type="datetimeFigureOut">
               <a:rPr lang="en-US" smtClean="0"/>
-              <a:t>10/2/2018</a:t>
+              <a:t>10/30/2018</a:t>
             </a:fld>
             <a:endParaRPr lang="en-US"/>
           </a:p>
@@ -2410,7 +2498,7 @@
           <a:p>
             <a:fld id="{3721CA93-E140-4E2A-A30C-04BF0C6AAEA4}" type="datetimeFigureOut">
               <a:rPr lang="en-US" smtClean="0"/>
-              <a:t>10/2/2018</a:t>
+              <a:t>10/30/2018</a:t>
             </a:fld>
             <a:endParaRPr lang="en-US"/>
           </a:p>
@@ -2523,7 +2611,7 @@
           <a:p>
             <a:fld id="{3721CA93-E140-4E2A-A30C-04BF0C6AAEA4}" type="datetimeFigureOut">
               <a:rPr lang="en-US" smtClean="0"/>
-              <a:t>10/2/2018</a:t>
+              <a:t>10/30/2018</a:t>
             </a:fld>
             <a:endParaRPr lang="en-US"/>
           </a:p>
@@ -2834,7 +2922,7 @@
           <a:p>
             <a:fld id="{3721CA93-E140-4E2A-A30C-04BF0C6AAEA4}" type="datetimeFigureOut">
               <a:rPr lang="en-US" smtClean="0"/>
-              <a:t>10/2/2018</a:t>
+              <a:t>10/30/2018</a:t>
             </a:fld>
             <a:endParaRPr lang="en-US"/>
           </a:p>
@@ -3122,7 +3210,7 @@
           <a:p>
             <a:fld id="{3721CA93-E140-4E2A-A30C-04BF0C6AAEA4}" type="datetimeFigureOut">
               <a:rPr lang="en-US" smtClean="0"/>
-              <a:t>10/2/2018</a:t>
+              <a:t>10/30/2018</a:t>
             </a:fld>
             <a:endParaRPr lang="en-US"/>
           </a:p>
@@ -3363,7 +3451,7 @@
           <a:p>
             <a:fld id="{3721CA93-E140-4E2A-A30C-04BF0C6AAEA4}" type="datetimeFigureOut">
               <a:rPr lang="en-US" smtClean="0"/>
-              <a:t>10/2/2018</a:t>
+              <a:t>10/30/2018</a:t>
             </a:fld>
             <a:endParaRPr lang="en-US"/>
           </a:p>
@@ -11152,6 +11240,1065 @@
           <a:chExt cx="0" cy="0"/>
         </a:xfrm>
       </p:grpSpPr>
+      <p:sp>
+        <p:nvSpPr>
+          <p:cNvPr id="4" name="Oval 3">
+            <a:extLst>
+              <a:ext uri="{FF2B5EF4-FFF2-40B4-BE49-F238E27FC236}">
+                <a16:creationId xmlns:a16="http://schemas.microsoft.com/office/drawing/2014/main" id="{05A80D2C-F686-452A-94B9-D43C1315CEB7}"/>
+              </a:ext>
+            </a:extLst>
+          </p:cNvPr>
+          <p:cNvSpPr/>
+          <p:nvPr/>
+        </p:nvSpPr>
+        <p:spPr>
+          <a:xfrm>
+            <a:off x="2770495" y="641445"/>
+            <a:ext cx="5827594" cy="5827594"/>
+          </a:xfrm>
+          <a:prstGeom prst="ellipse">
+            <a:avLst/>
+          </a:prstGeom>
+          <a:noFill/>
+          <a:ln w="177800"/>
+        </p:spPr>
+        <p:style>
+          <a:lnRef idx="2">
+            <a:schemeClr val="accent1">
+              <a:shade val="50000"/>
+            </a:schemeClr>
+          </a:lnRef>
+          <a:fillRef idx="1">
+            <a:schemeClr val="accent1"/>
+          </a:fillRef>
+          <a:effectRef idx="0">
+            <a:schemeClr val="accent1"/>
+          </a:effectRef>
+          <a:fontRef idx="minor">
+            <a:schemeClr val="lt1"/>
+          </a:fontRef>
+        </p:style>
+        <p:txBody>
+          <a:bodyPr rtlCol="0" anchor="ctr"/>
+          <a:lstStyle/>
+          <a:p>
+            <a:pPr algn="ctr"/>
+            <a:endParaRPr lang="en-US" dirty="0"/>
+          </a:p>
+        </p:txBody>
+      </p:sp>
+      <p:grpSp>
+        <p:nvGrpSpPr>
+          <p:cNvPr id="17" name="Group 16">
+            <a:extLst>
+              <a:ext uri="{FF2B5EF4-FFF2-40B4-BE49-F238E27FC236}">
+                <a16:creationId xmlns:a16="http://schemas.microsoft.com/office/drawing/2014/main" id="{EA20FC53-BE08-4C9F-8902-1169CBC3DF5F}"/>
+              </a:ext>
+            </a:extLst>
+          </p:cNvPr>
+          <p:cNvGrpSpPr/>
+          <p:nvPr/>
+        </p:nvGrpSpPr>
+        <p:grpSpPr>
+          <a:xfrm>
+            <a:off x="3088944" y="832514"/>
+            <a:ext cx="6332561" cy="5432093"/>
+            <a:chOff x="3088944" y="832514"/>
+            <a:chExt cx="6332561" cy="5432093"/>
+          </a:xfrm>
+        </p:grpSpPr>
+        <p:grpSp>
+          <p:nvGrpSpPr>
+            <p:cNvPr id="10" name="Group 9">
+              <a:extLst>
+                <a:ext uri="{FF2B5EF4-FFF2-40B4-BE49-F238E27FC236}">
+                  <a16:creationId xmlns:a16="http://schemas.microsoft.com/office/drawing/2014/main" id="{673970CB-373E-4BE4-A258-FE6A5F8D6864}"/>
+                </a:ext>
+              </a:extLst>
+            </p:cNvPr>
+            <p:cNvGrpSpPr/>
+            <p:nvPr/>
+          </p:nvGrpSpPr>
+          <p:grpSpPr>
+            <a:xfrm>
+              <a:off x="3088944" y="1757292"/>
+              <a:ext cx="6332561" cy="3595900"/>
+              <a:chOff x="3088944" y="1637731"/>
+              <a:chExt cx="6332561" cy="3595900"/>
+            </a:xfrm>
+          </p:grpSpPr>
+          <p:sp>
+            <p:nvSpPr>
+              <p:cNvPr id="5" name="Rectangle: Rounded Corners 4">
+                <a:extLst>
+                  <a:ext uri="{FF2B5EF4-FFF2-40B4-BE49-F238E27FC236}">
+                    <a16:creationId xmlns:a16="http://schemas.microsoft.com/office/drawing/2014/main" id="{7542E908-9EE4-4A76-8565-068DDD7C2513}"/>
+                  </a:ext>
+                </a:extLst>
+              </p:cNvPr>
+              <p:cNvSpPr/>
+              <p:nvPr/>
+            </p:nvSpPr>
+            <p:spPr>
+              <a:xfrm>
+                <a:off x="3088944" y="3120219"/>
+                <a:ext cx="6332561" cy="617561"/>
+              </a:xfrm>
+              <a:prstGeom prst="roundRect">
+                <a:avLst/>
+              </a:prstGeom>
+            </p:spPr>
+            <p:style>
+              <a:lnRef idx="2">
+                <a:schemeClr val="accent1">
+                  <a:shade val="50000"/>
+                </a:schemeClr>
+              </a:lnRef>
+              <a:fillRef idx="1">
+                <a:schemeClr val="accent1"/>
+              </a:fillRef>
+              <a:effectRef idx="0">
+                <a:schemeClr val="accent1"/>
+              </a:effectRef>
+              <a:fontRef idx="minor">
+                <a:schemeClr val="lt1"/>
+              </a:fontRef>
+            </p:style>
+            <p:txBody>
+              <a:bodyPr rtlCol="0" anchor="ctr"/>
+              <a:lstStyle/>
+              <a:p>
+                <a:pPr algn="ctr"/>
+                <a:endParaRPr lang="en-US"/>
+              </a:p>
+            </p:txBody>
+          </p:sp>
+          <p:sp>
+            <p:nvSpPr>
+              <p:cNvPr id="6" name="Rectangle: Rounded Corners 5">
+                <a:extLst>
+                  <a:ext uri="{FF2B5EF4-FFF2-40B4-BE49-F238E27FC236}">
+                    <a16:creationId xmlns:a16="http://schemas.microsoft.com/office/drawing/2014/main" id="{C6F6FE84-0773-4ABC-AF15-F8ADC783DCA8}"/>
+                  </a:ext>
+                </a:extLst>
+              </p:cNvPr>
+              <p:cNvSpPr/>
+              <p:nvPr/>
+            </p:nvSpPr>
+            <p:spPr>
+              <a:xfrm>
+                <a:off x="3643952" y="1637731"/>
+                <a:ext cx="272955" cy="1482488"/>
+              </a:xfrm>
+              <a:prstGeom prst="roundRect">
+                <a:avLst/>
+              </a:prstGeom>
+            </p:spPr>
+            <p:style>
+              <a:lnRef idx="2">
+                <a:schemeClr val="accent1">
+                  <a:shade val="50000"/>
+                </a:schemeClr>
+              </a:lnRef>
+              <a:fillRef idx="1">
+                <a:schemeClr val="accent1"/>
+              </a:fillRef>
+              <a:effectRef idx="0">
+                <a:schemeClr val="accent1"/>
+              </a:effectRef>
+              <a:fontRef idx="minor">
+                <a:schemeClr val="lt1"/>
+              </a:fontRef>
+            </p:style>
+            <p:txBody>
+              <a:bodyPr rtlCol="0" anchor="ctr"/>
+              <a:lstStyle/>
+              <a:p>
+                <a:pPr algn="ctr"/>
+                <a:endParaRPr lang="en-US"/>
+              </a:p>
+            </p:txBody>
+          </p:sp>
+          <p:sp>
+            <p:nvSpPr>
+              <p:cNvPr id="7" name="Rectangle: Rounded Corners 6">
+                <a:extLst>
+                  <a:ext uri="{FF2B5EF4-FFF2-40B4-BE49-F238E27FC236}">
+                    <a16:creationId xmlns:a16="http://schemas.microsoft.com/office/drawing/2014/main" id="{9152B474-9D69-472C-B17B-1BB7BBA2671A}"/>
+                  </a:ext>
+                </a:extLst>
+              </p:cNvPr>
+              <p:cNvSpPr/>
+              <p:nvPr/>
+            </p:nvSpPr>
+            <p:spPr>
+              <a:xfrm>
+                <a:off x="3643952" y="3737780"/>
+                <a:ext cx="272955" cy="1482488"/>
+              </a:xfrm>
+              <a:prstGeom prst="roundRect">
+                <a:avLst/>
+              </a:prstGeom>
+            </p:spPr>
+            <p:style>
+              <a:lnRef idx="2">
+                <a:schemeClr val="accent1">
+                  <a:shade val="50000"/>
+                </a:schemeClr>
+              </a:lnRef>
+              <a:fillRef idx="1">
+                <a:schemeClr val="accent1"/>
+              </a:fillRef>
+              <a:effectRef idx="0">
+                <a:schemeClr val="accent1"/>
+              </a:effectRef>
+              <a:fontRef idx="minor">
+                <a:schemeClr val="lt1"/>
+              </a:fontRef>
+            </p:style>
+            <p:txBody>
+              <a:bodyPr rtlCol="0" anchor="ctr"/>
+              <a:lstStyle/>
+              <a:p>
+                <a:pPr algn="ctr"/>
+                <a:endParaRPr lang="en-US"/>
+              </a:p>
+            </p:txBody>
+          </p:sp>
+          <p:sp>
+            <p:nvSpPr>
+              <p:cNvPr id="8" name="Rectangle: Rounded Corners 7">
+                <a:extLst>
+                  <a:ext uri="{FF2B5EF4-FFF2-40B4-BE49-F238E27FC236}">
+                    <a16:creationId xmlns:a16="http://schemas.microsoft.com/office/drawing/2014/main" id="{EB4C9D2B-AEB1-48B1-8FBC-085EF4B9E803}"/>
+                  </a:ext>
+                </a:extLst>
+              </p:cNvPr>
+              <p:cNvSpPr/>
+              <p:nvPr/>
+            </p:nvSpPr>
+            <p:spPr>
+              <a:xfrm>
+                <a:off x="7444854" y="3751143"/>
+                <a:ext cx="272955" cy="1482488"/>
+              </a:xfrm>
+              <a:prstGeom prst="roundRect">
+                <a:avLst/>
+              </a:prstGeom>
+            </p:spPr>
+            <p:style>
+              <a:lnRef idx="2">
+                <a:schemeClr val="accent1">
+                  <a:shade val="50000"/>
+                </a:schemeClr>
+              </a:lnRef>
+              <a:fillRef idx="1">
+                <a:schemeClr val="accent1"/>
+              </a:fillRef>
+              <a:effectRef idx="0">
+                <a:schemeClr val="accent1"/>
+              </a:effectRef>
+              <a:fontRef idx="minor">
+                <a:schemeClr val="lt1"/>
+              </a:fontRef>
+            </p:style>
+            <p:txBody>
+              <a:bodyPr rtlCol="0" anchor="ctr"/>
+              <a:lstStyle/>
+              <a:p>
+                <a:pPr algn="ctr"/>
+                <a:endParaRPr lang="en-US"/>
+              </a:p>
+            </p:txBody>
+          </p:sp>
+          <p:sp>
+            <p:nvSpPr>
+              <p:cNvPr id="9" name="Rectangle: Rounded Corners 8">
+                <a:extLst>
+                  <a:ext uri="{FF2B5EF4-FFF2-40B4-BE49-F238E27FC236}">
+                    <a16:creationId xmlns:a16="http://schemas.microsoft.com/office/drawing/2014/main" id="{C00468EF-DFE0-4035-992E-C959519F7252}"/>
+                  </a:ext>
+                </a:extLst>
+              </p:cNvPr>
+              <p:cNvSpPr/>
+              <p:nvPr/>
+            </p:nvSpPr>
+            <p:spPr>
+              <a:xfrm>
+                <a:off x="7444854" y="1637731"/>
+                <a:ext cx="272955" cy="1482488"/>
+              </a:xfrm>
+              <a:prstGeom prst="roundRect">
+                <a:avLst/>
+              </a:prstGeom>
+            </p:spPr>
+            <p:style>
+              <a:lnRef idx="2">
+                <a:schemeClr val="accent1">
+                  <a:shade val="50000"/>
+                </a:schemeClr>
+              </a:lnRef>
+              <a:fillRef idx="1">
+                <a:schemeClr val="accent1"/>
+              </a:fillRef>
+              <a:effectRef idx="0">
+                <a:schemeClr val="accent1"/>
+              </a:effectRef>
+              <a:fontRef idx="minor">
+                <a:schemeClr val="lt1"/>
+              </a:fontRef>
+            </p:style>
+            <p:txBody>
+              <a:bodyPr rtlCol="0" anchor="ctr"/>
+              <a:lstStyle/>
+              <a:p>
+                <a:pPr algn="ctr"/>
+                <a:endParaRPr lang="en-US"/>
+              </a:p>
+            </p:txBody>
+          </p:sp>
+        </p:grpSp>
+        <p:sp>
+          <p:nvSpPr>
+            <p:cNvPr id="11" name="Rectangle: Rounded Corners 10">
+              <a:extLst>
+                <a:ext uri="{FF2B5EF4-FFF2-40B4-BE49-F238E27FC236}">
+                  <a16:creationId xmlns:a16="http://schemas.microsoft.com/office/drawing/2014/main" id="{814598F1-F464-4CFE-AB00-5304FEE6F3C7}"/>
+                </a:ext>
+              </a:extLst>
+            </p:cNvPr>
+            <p:cNvSpPr/>
+            <p:nvPr/>
+          </p:nvSpPr>
+          <p:spPr>
+            <a:xfrm>
+              <a:off x="5547815" y="832514"/>
+              <a:ext cx="269544" cy="2407266"/>
+            </a:xfrm>
+            <a:prstGeom prst="roundRect">
+              <a:avLst/>
+            </a:prstGeom>
+          </p:spPr>
+          <p:style>
+            <a:lnRef idx="2">
+              <a:schemeClr val="accent1">
+                <a:shade val="50000"/>
+              </a:schemeClr>
+            </a:lnRef>
+            <a:fillRef idx="1">
+              <a:schemeClr val="accent1"/>
+            </a:fillRef>
+            <a:effectRef idx="0">
+              <a:schemeClr val="accent1"/>
+            </a:effectRef>
+            <a:fontRef idx="minor">
+              <a:schemeClr val="lt1"/>
+            </a:fontRef>
+          </p:style>
+          <p:txBody>
+            <a:bodyPr rtlCol="0" anchor="ctr"/>
+            <a:lstStyle/>
+            <a:p>
+              <a:pPr algn="ctr"/>
+              <a:endParaRPr lang="en-US"/>
+            </a:p>
+          </p:txBody>
+        </p:sp>
+        <p:sp>
+          <p:nvSpPr>
+            <p:cNvPr id="12" name="Rectangle: Rounded Corners 11">
+              <a:extLst>
+                <a:ext uri="{FF2B5EF4-FFF2-40B4-BE49-F238E27FC236}">
+                  <a16:creationId xmlns:a16="http://schemas.microsoft.com/office/drawing/2014/main" id="{572F0968-74E0-4972-B569-5D7067FD2425}"/>
+                </a:ext>
+              </a:extLst>
+            </p:cNvPr>
+            <p:cNvSpPr/>
+            <p:nvPr/>
+          </p:nvSpPr>
+          <p:spPr>
+            <a:xfrm>
+              <a:off x="5544403" y="3870704"/>
+              <a:ext cx="272955" cy="2393903"/>
+            </a:xfrm>
+            <a:prstGeom prst="roundRect">
+              <a:avLst/>
+            </a:prstGeom>
+          </p:spPr>
+          <p:style>
+            <a:lnRef idx="2">
+              <a:schemeClr val="accent1">
+                <a:shade val="50000"/>
+              </a:schemeClr>
+            </a:lnRef>
+            <a:fillRef idx="1">
+              <a:schemeClr val="accent1"/>
+            </a:fillRef>
+            <a:effectRef idx="0">
+              <a:schemeClr val="accent1"/>
+            </a:effectRef>
+            <a:fontRef idx="minor">
+              <a:schemeClr val="lt1"/>
+            </a:fontRef>
+          </p:style>
+          <p:txBody>
+            <a:bodyPr rtlCol="0" anchor="ctr"/>
+            <a:lstStyle/>
+            <a:p>
+              <a:pPr algn="ctr"/>
+              <a:endParaRPr lang="en-US"/>
+            </a:p>
+          </p:txBody>
+        </p:sp>
+        <p:sp>
+          <p:nvSpPr>
+            <p:cNvPr id="13" name="Rectangle: Rounded Corners 12">
+              <a:extLst>
+                <a:ext uri="{FF2B5EF4-FFF2-40B4-BE49-F238E27FC236}">
+                  <a16:creationId xmlns:a16="http://schemas.microsoft.com/office/drawing/2014/main" id="{489A880E-6D2C-44F1-8C28-B0159086EF42}"/>
+                </a:ext>
+              </a:extLst>
+            </p:cNvPr>
+            <p:cNvSpPr/>
+            <p:nvPr/>
+          </p:nvSpPr>
+          <p:spPr>
+            <a:xfrm>
+              <a:off x="6496334" y="1064525"/>
+              <a:ext cx="272955" cy="2175255"/>
+            </a:xfrm>
+            <a:prstGeom prst="roundRect">
+              <a:avLst/>
+            </a:prstGeom>
+          </p:spPr>
+          <p:style>
+            <a:lnRef idx="2">
+              <a:schemeClr val="accent1">
+                <a:shade val="50000"/>
+              </a:schemeClr>
+            </a:lnRef>
+            <a:fillRef idx="1">
+              <a:schemeClr val="accent1"/>
+            </a:fillRef>
+            <a:effectRef idx="0">
+              <a:schemeClr val="accent1"/>
+            </a:effectRef>
+            <a:fontRef idx="minor">
+              <a:schemeClr val="lt1"/>
+            </a:fontRef>
+          </p:style>
+          <p:txBody>
+            <a:bodyPr rtlCol="0" anchor="ctr"/>
+            <a:lstStyle/>
+            <a:p>
+              <a:pPr algn="ctr"/>
+              <a:endParaRPr lang="en-US"/>
+            </a:p>
+          </p:txBody>
+        </p:sp>
+        <p:sp>
+          <p:nvSpPr>
+            <p:cNvPr id="14" name="Rectangle: Rounded Corners 13">
+              <a:extLst>
+                <a:ext uri="{FF2B5EF4-FFF2-40B4-BE49-F238E27FC236}">
+                  <a16:creationId xmlns:a16="http://schemas.microsoft.com/office/drawing/2014/main" id="{C6FB79E8-B244-4967-940A-3E49D706CAD4}"/>
+                </a:ext>
+              </a:extLst>
+            </p:cNvPr>
+            <p:cNvSpPr/>
+            <p:nvPr/>
+          </p:nvSpPr>
+          <p:spPr>
+            <a:xfrm>
+              <a:off x="6523630" y="3870704"/>
+              <a:ext cx="272955" cy="2175255"/>
+            </a:xfrm>
+            <a:prstGeom prst="roundRect">
+              <a:avLst/>
+            </a:prstGeom>
+          </p:spPr>
+          <p:style>
+            <a:lnRef idx="2">
+              <a:schemeClr val="accent1">
+                <a:shade val="50000"/>
+              </a:schemeClr>
+            </a:lnRef>
+            <a:fillRef idx="1">
+              <a:schemeClr val="accent1"/>
+            </a:fillRef>
+            <a:effectRef idx="0">
+              <a:schemeClr val="accent1"/>
+            </a:effectRef>
+            <a:fontRef idx="minor">
+              <a:schemeClr val="lt1"/>
+            </a:fontRef>
+          </p:style>
+          <p:txBody>
+            <a:bodyPr rtlCol="0" anchor="ctr"/>
+            <a:lstStyle/>
+            <a:p>
+              <a:pPr algn="ctr"/>
+              <a:endParaRPr lang="en-US"/>
+            </a:p>
+          </p:txBody>
+        </p:sp>
+        <p:sp>
+          <p:nvSpPr>
+            <p:cNvPr id="15" name="Rectangle: Rounded Corners 14">
+              <a:extLst>
+                <a:ext uri="{FF2B5EF4-FFF2-40B4-BE49-F238E27FC236}">
+                  <a16:creationId xmlns:a16="http://schemas.microsoft.com/office/drawing/2014/main" id="{1265EE2B-16CA-4C0F-8721-4D4F8786DA8B}"/>
+                </a:ext>
+              </a:extLst>
+            </p:cNvPr>
+            <p:cNvSpPr/>
+            <p:nvPr/>
+          </p:nvSpPr>
+          <p:spPr>
+            <a:xfrm>
+              <a:off x="4618628" y="3870704"/>
+              <a:ext cx="272955" cy="2175255"/>
+            </a:xfrm>
+            <a:prstGeom prst="roundRect">
+              <a:avLst/>
+            </a:prstGeom>
+          </p:spPr>
+          <p:style>
+            <a:lnRef idx="2">
+              <a:schemeClr val="accent1">
+                <a:shade val="50000"/>
+              </a:schemeClr>
+            </a:lnRef>
+            <a:fillRef idx="1">
+              <a:schemeClr val="accent1"/>
+            </a:fillRef>
+            <a:effectRef idx="0">
+              <a:schemeClr val="accent1"/>
+            </a:effectRef>
+            <a:fontRef idx="minor">
+              <a:schemeClr val="lt1"/>
+            </a:fontRef>
+          </p:style>
+          <p:txBody>
+            <a:bodyPr rtlCol="0" anchor="ctr"/>
+            <a:lstStyle/>
+            <a:p>
+              <a:pPr algn="ctr"/>
+              <a:endParaRPr lang="en-US"/>
+            </a:p>
+          </p:txBody>
+        </p:sp>
+        <p:sp>
+          <p:nvSpPr>
+            <p:cNvPr id="16" name="Rectangle: Rounded Corners 15">
+              <a:extLst>
+                <a:ext uri="{FF2B5EF4-FFF2-40B4-BE49-F238E27FC236}">
+                  <a16:creationId xmlns:a16="http://schemas.microsoft.com/office/drawing/2014/main" id="{A1FB36C2-31CA-40C7-AFB8-E292CFF1A055}"/>
+                </a:ext>
+              </a:extLst>
+            </p:cNvPr>
+            <p:cNvSpPr/>
+            <p:nvPr/>
+          </p:nvSpPr>
+          <p:spPr>
+            <a:xfrm>
+              <a:off x="4618629" y="1064525"/>
+              <a:ext cx="272955" cy="2175255"/>
+            </a:xfrm>
+            <a:prstGeom prst="roundRect">
+              <a:avLst/>
+            </a:prstGeom>
+          </p:spPr>
+          <p:style>
+            <a:lnRef idx="2">
+              <a:schemeClr val="accent1">
+                <a:shade val="50000"/>
+              </a:schemeClr>
+            </a:lnRef>
+            <a:fillRef idx="1">
+              <a:schemeClr val="accent1"/>
+            </a:fillRef>
+            <a:effectRef idx="0">
+              <a:schemeClr val="accent1"/>
+            </a:effectRef>
+            <a:fontRef idx="minor">
+              <a:schemeClr val="lt1"/>
+            </a:fontRef>
+          </p:style>
+          <p:txBody>
+            <a:bodyPr rtlCol="0" anchor="ctr"/>
+            <a:lstStyle/>
+            <a:p>
+              <a:pPr algn="ctr"/>
+              <a:endParaRPr lang="en-US"/>
+            </a:p>
+          </p:txBody>
+        </p:sp>
+      </p:grpSp>
+      <p:cxnSp>
+        <p:nvCxnSpPr>
+          <p:cNvPr id="19" name="Straight Arrow Connector 18">
+            <a:extLst>
+              <a:ext uri="{FF2B5EF4-FFF2-40B4-BE49-F238E27FC236}">
+                <a16:creationId xmlns:a16="http://schemas.microsoft.com/office/drawing/2014/main" id="{3607274D-E30D-4C74-A103-DDB133B12CAE}"/>
+              </a:ext>
+            </a:extLst>
+          </p:cNvPr>
+          <p:cNvCxnSpPr>
+            <a:cxnSpLocks/>
+            <a:stCxn id="16" idx="3"/>
+          </p:cNvCxnSpPr>
+          <p:nvPr/>
+        </p:nvCxnSpPr>
+        <p:spPr>
+          <a:xfrm>
+            <a:off x="4891584" y="2152153"/>
+            <a:ext cx="652819" cy="0"/>
+          </a:xfrm>
+          <a:prstGeom prst="straightConnector1">
+            <a:avLst/>
+          </a:prstGeom>
+          <a:ln>
+            <a:headEnd type="triangle"/>
+            <a:tailEnd type="triangle"/>
+          </a:ln>
+        </p:spPr>
+        <p:style>
+          <a:lnRef idx="1">
+            <a:schemeClr val="accent1"/>
+          </a:lnRef>
+          <a:fillRef idx="0">
+            <a:schemeClr val="accent1"/>
+          </a:fillRef>
+          <a:effectRef idx="0">
+            <a:schemeClr val="accent1"/>
+          </a:effectRef>
+          <a:fontRef idx="minor">
+            <a:schemeClr val="tx1"/>
+          </a:fontRef>
+        </p:style>
+      </p:cxnSp>
+      <p:cxnSp>
+        <p:nvCxnSpPr>
+          <p:cNvPr id="22" name="Straight Connector 21">
+            <a:extLst>
+              <a:ext uri="{FF2B5EF4-FFF2-40B4-BE49-F238E27FC236}">
+                <a16:creationId xmlns:a16="http://schemas.microsoft.com/office/drawing/2014/main" id="{3C77BCC9-7876-431C-A039-9DD222885DAF}"/>
+              </a:ext>
+            </a:extLst>
+          </p:cNvPr>
+          <p:cNvCxnSpPr>
+            <a:cxnSpLocks/>
+          </p:cNvCxnSpPr>
+          <p:nvPr/>
+        </p:nvCxnSpPr>
+        <p:spPr>
+          <a:xfrm flipH="1">
+            <a:off x="460612" y="545911"/>
+            <a:ext cx="5356746" cy="0"/>
+          </a:xfrm>
+          <a:prstGeom prst="line">
+            <a:avLst/>
+          </a:prstGeom>
+        </p:spPr>
+        <p:style>
+          <a:lnRef idx="1">
+            <a:schemeClr val="accent1"/>
+          </a:lnRef>
+          <a:fillRef idx="0">
+            <a:schemeClr val="accent1"/>
+          </a:fillRef>
+          <a:effectRef idx="0">
+            <a:schemeClr val="accent1"/>
+          </a:effectRef>
+          <a:fontRef idx="minor">
+            <a:schemeClr val="tx1"/>
+          </a:fontRef>
+        </p:style>
+      </p:cxnSp>
+      <p:cxnSp>
+        <p:nvCxnSpPr>
+          <p:cNvPr id="23" name="Straight Connector 22">
+            <a:extLst>
+              <a:ext uri="{FF2B5EF4-FFF2-40B4-BE49-F238E27FC236}">
+                <a16:creationId xmlns:a16="http://schemas.microsoft.com/office/drawing/2014/main" id="{D1CAC595-A208-4096-9A42-7E89E0778EDF}"/>
+              </a:ext>
+            </a:extLst>
+          </p:cNvPr>
+          <p:cNvCxnSpPr/>
+          <p:nvPr/>
+        </p:nvCxnSpPr>
+        <p:spPr>
+          <a:xfrm flipH="1">
+            <a:off x="410571" y="6577324"/>
+            <a:ext cx="5356746" cy="0"/>
+          </a:xfrm>
+          <a:prstGeom prst="line">
+            <a:avLst/>
+          </a:prstGeom>
+        </p:spPr>
+        <p:style>
+          <a:lnRef idx="1">
+            <a:schemeClr val="accent1"/>
+          </a:lnRef>
+          <a:fillRef idx="0">
+            <a:schemeClr val="accent1"/>
+          </a:fillRef>
+          <a:effectRef idx="0">
+            <a:schemeClr val="accent1"/>
+          </a:effectRef>
+          <a:fontRef idx="minor">
+            <a:schemeClr val="tx1"/>
+          </a:fontRef>
+        </p:style>
+      </p:cxnSp>
+      <p:cxnSp>
+        <p:nvCxnSpPr>
+          <p:cNvPr id="25" name="Straight Arrow Connector 24">
+            <a:extLst>
+              <a:ext uri="{FF2B5EF4-FFF2-40B4-BE49-F238E27FC236}">
+                <a16:creationId xmlns:a16="http://schemas.microsoft.com/office/drawing/2014/main" id="{C171EF30-FE20-4CF0-84B0-90454FE9498D}"/>
+              </a:ext>
+            </a:extLst>
+          </p:cNvPr>
+          <p:cNvCxnSpPr>
+            <a:cxnSpLocks/>
+          </p:cNvCxnSpPr>
+          <p:nvPr/>
+        </p:nvCxnSpPr>
+        <p:spPr>
+          <a:xfrm>
+            <a:off x="1064526" y="545911"/>
+            <a:ext cx="0" cy="6031413"/>
+          </a:xfrm>
+          <a:prstGeom prst="straightConnector1">
+            <a:avLst/>
+          </a:prstGeom>
+          <a:ln w="38100">
+            <a:headEnd type="triangle"/>
+            <a:tailEnd type="triangle"/>
+          </a:ln>
+        </p:spPr>
+        <p:style>
+          <a:lnRef idx="1">
+            <a:schemeClr val="accent1"/>
+          </a:lnRef>
+          <a:fillRef idx="0">
+            <a:schemeClr val="accent1"/>
+          </a:fillRef>
+          <a:effectRef idx="0">
+            <a:schemeClr val="accent1"/>
+          </a:effectRef>
+          <a:fontRef idx="minor">
+            <a:schemeClr val="tx1"/>
+          </a:fontRef>
+        </p:style>
+      </p:cxnSp>
+      <p:cxnSp>
+        <p:nvCxnSpPr>
+          <p:cNvPr id="27" name="Straight Connector 26">
+            <a:extLst>
+              <a:ext uri="{FF2B5EF4-FFF2-40B4-BE49-F238E27FC236}">
+                <a16:creationId xmlns:a16="http://schemas.microsoft.com/office/drawing/2014/main" id="{82793B80-2777-457F-B0A8-77D4E134A638}"/>
+              </a:ext>
+            </a:extLst>
+          </p:cNvPr>
+          <p:cNvCxnSpPr>
+            <a:cxnSpLocks/>
+          </p:cNvCxnSpPr>
+          <p:nvPr/>
+        </p:nvCxnSpPr>
+        <p:spPr>
+          <a:xfrm flipH="1">
+            <a:off x="1695450" y="727170"/>
+            <a:ext cx="4121908" cy="0"/>
+          </a:xfrm>
+          <a:prstGeom prst="line">
+            <a:avLst/>
+          </a:prstGeom>
+        </p:spPr>
+        <p:style>
+          <a:lnRef idx="1">
+            <a:schemeClr val="accent1"/>
+          </a:lnRef>
+          <a:fillRef idx="0">
+            <a:schemeClr val="accent1"/>
+          </a:fillRef>
+          <a:effectRef idx="0">
+            <a:schemeClr val="accent1"/>
+          </a:effectRef>
+          <a:fontRef idx="minor">
+            <a:schemeClr val="tx1"/>
+          </a:fontRef>
+        </p:style>
+      </p:cxnSp>
+      <p:cxnSp>
+        <p:nvCxnSpPr>
+          <p:cNvPr id="29" name="Straight Connector 28">
+            <a:extLst>
+              <a:ext uri="{FF2B5EF4-FFF2-40B4-BE49-F238E27FC236}">
+                <a16:creationId xmlns:a16="http://schemas.microsoft.com/office/drawing/2014/main" id="{64A5F1E0-8A2D-40A0-AEFF-E0C4FA005B74}"/>
+              </a:ext>
+            </a:extLst>
+          </p:cNvPr>
+          <p:cNvCxnSpPr>
+            <a:cxnSpLocks/>
+          </p:cNvCxnSpPr>
+          <p:nvPr/>
+        </p:nvCxnSpPr>
+        <p:spPr>
+          <a:xfrm flipH="1">
+            <a:off x="1645409" y="6374836"/>
+            <a:ext cx="4121908" cy="0"/>
+          </a:xfrm>
+          <a:prstGeom prst="line">
+            <a:avLst/>
+          </a:prstGeom>
+        </p:spPr>
+        <p:style>
+          <a:lnRef idx="1">
+            <a:schemeClr val="accent1"/>
+          </a:lnRef>
+          <a:fillRef idx="0">
+            <a:schemeClr val="accent1"/>
+          </a:fillRef>
+          <a:effectRef idx="0">
+            <a:schemeClr val="accent1"/>
+          </a:effectRef>
+          <a:fontRef idx="minor">
+            <a:schemeClr val="tx1"/>
+          </a:fontRef>
+        </p:style>
+      </p:cxnSp>
+      <p:cxnSp>
+        <p:nvCxnSpPr>
+          <p:cNvPr id="31" name="Straight Arrow Connector 30">
+            <a:extLst>
+              <a:ext uri="{FF2B5EF4-FFF2-40B4-BE49-F238E27FC236}">
+                <a16:creationId xmlns:a16="http://schemas.microsoft.com/office/drawing/2014/main" id="{81E8B011-AD7D-4FCA-B6C8-4C060166AD1D}"/>
+              </a:ext>
+            </a:extLst>
+          </p:cNvPr>
+          <p:cNvCxnSpPr>
+            <a:cxnSpLocks/>
+          </p:cNvCxnSpPr>
+          <p:nvPr/>
+        </p:nvCxnSpPr>
+        <p:spPr>
+          <a:xfrm>
+            <a:off x="1695450" y="727170"/>
+            <a:ext cx="0" cy="5647666"/>
+          </a:xfrm>
+          <a:prstGeom prst="straightConnector1">
+            <a:avLst/>
+          </a:prstGeom>
+          <a:ln w="38100">
+            <a:headEnd type="triangle"/>
+            <a:tailEnd type="triangle"/>
+          </a:ln>
+        </p:spPr>
+        <p:style>
+          <a:lnRef idx="1">
+            <a:schemeClr val="accent1"/>
+          </a:lnRef>
+          <a:fillRef idx="0">
+            <a:schemeClr val="accent1"/>
+          </a:fillRef>
+          <a:effectRef idx="0">
+            <a:schemeClr val="accent1"/>
+          </a:effectRef>
+          <a:fontRef idx="minor">
+            <a:schemeClr val="tx1"/>
+          </a:fontRef>
+        </p:style>
+      </p:cxnSp>
+      <p:pic>
+        <p:nvPicPr>
+          <p:cNvPr id="34" name="Picture 33">
+            <a:extLst>
+              <a:ext uri="{FF2B5EF4-FFF2-40B4-BE49-F238E27FC236}">
+                <a16:creationId xmlns:a16="http://schemas.microsoft.com/office/drawing/2014/main" id="{8959D605-AFDA-4DC4-9963-25A0C8DF5CDA}"/>
+              </a:ext>
+            </a:extLst>
+          </p:cNvPr>
+          <p:cNvPicPr>
+            <a:picLocks noChangeAspect="1"/>
+          </p:cNvPicPr>
+          <p:nvPr>
+            <p:custDataLst>
+              <p:tags r:id="rId1"/>
+            </p:custDataLst>
+          </p:nvPr>
+        </p:nvPicPr>
+        <p:blipFill>
+          <a:blip r:embed="rId5">
+            <a:extLst>
+              <a:ext uri="{28A0092B-C50C-407E-A947-70E740481C1C}">
+                <a14:useLocalDpi xmlns:a14="http://schemas.microsoft.com/office/drawing/2010/main" val="0"/>
+              </a:ext>
+            </a:extLst>
+          </a:blip>
+          <a:stretch>
+            <a:fillRect/>
+          </a:stretch>
+        </p:blipFill>
+        <p:spPr>
+          <a:xfrm>
+            <a:off x="421161" y="1540911"/>
+            <a:ext cx="615619" cy="216381"/>
+          </a:xfrm>
+          <a:prstGeom prst="rect">
+            <a:avLst/>
+          </a:prstGeom>
+        </p:spPr>
+      </p:pic>
+      <p:pic>
+        <p:nvPicPr>
+          <p:cNvPr id="36" name="Picture 35">
+            <a:extLst>
+              <a:ext uri="{FF2B5EF4-FFF2-40B4-BE49-F238E27FC236}">
+                <a16:creationId xmlns:a16="http://schemas.microsoft.com/office/drawing/2014/main" id="{1A91A6CD-0E54-43D1-B657-5A6845CC15B6}"/>
+              </a:ext>
+            </a:extLst>
+          </p:cNvPr>
+          <p:cNvPicPr>
+            <a:picLocks noChangeAspect="1"/>
+          </p:cNvPicPr>
+          <p:nvPr>
+            <p:custDataLst>
+              <p:tags r:id="rId2"/>
+            </p:custDataLst>
+          </p:nvPr>
+        </p:nvPicPr>
+        <p:blipFill>
+          <a:blip r:embed="rId6">
+            <a:extLst>
+              <a:ext uri="{28A0092B-C50C-407E-A947-70E740481C1C}">
+                <a14:useLocalDpi xmlns:a14="http://schemas.microsoft.com/office/drawing/2010/main" val="0"/>
+              </a:ext>
+            </a:extLst>
+          </a:blip>
+          <a:stretch>
+            <a:fillRect/>
+          </a:stretch>
+        </p:blipFill>
+        <p:spPr>
+          <a:xfrm>
+            <a:off x="1800063" y="1556852"/>
+            <a:ext cx="551619" cy="211810"/>
+          </a:xfrm>
+          <a:prstGeom prst="rect">
+            <a:avLst/>
+          </a:prstGeom>
+        </p:spPr>
+      </p:pic>
+      <p:pic>
+        <p:nvPicPr>
+          <p:cNvPr id="38" name="Picture 37">
+            <a:extLst>
+              <a:ext uri="{FF2B5EF4-FFF2-40B4-BE49-F238E27FC236}">
+                <a16:creationId xmlns:a16="http://schemas.microsoft.com/office/drawing/2014/main" id="{A32F05A1-1158-4EFE-8BDB-090D3037419E}"/>
+              </a:ext>
+            </a:extLst>
+          </p:cNvPr>
+          <p:cNvPicPr>
+            <a:picLocks noChangeAspect="1"/>
+          </p:cNvPicPr>
+          <p:nvPr>
+            <p:custDataLst>
+              <p:tags r:id="rId3"/>
+            </p:custDataLst>
+          </p:nvPr>
+        </p:nvPicPr>
+        <p:blipFill>
+          <a:blip r:embed="rId7">
+            <a:extLst>
+              <a:ext uri="{28A0092B-C50C-407E-A947-70E740481C1C}">
+                <a14:useLocalDpi xmlns:a14="http://schemas.microsoft.com/office/drawing/2010/main" val="0"/>
+              </a:ext>
+            </a:extLst>
+          </a:blip>
+          <a:stretch>
+            <a:fillRect/>
+          </a:stretch>
+        </p:blipFill>
+        <p:spPr>
+          <a:xfrm>
+            <a:off x="4556952" y="78007"/>
+            <a:ext cx="1539048" cy="273891"/>
+          </a:xfrm>
+          <a:prstGeom prst="rect">
+            <a:avLst/>
+          </a:prstGeom>
+        </p:spPr>
+      </p:pic>
+      <p:cxnSp>
+        <p:nvCxnSpPr>
+          <p:cNvPr id="40" name="Straight Connector 39">
+            <a:extLst>
+              <a:ext uri="{FF2B5EF4-FFF2-40B4-BE49-F238E27FC236}">
+                <a16:creationId xmlns:a16="http://schemas.microsoft.com/office/drawing/2014/main" id="{43987B40-1192-4E85-8FDE-DAE582D582BD}"/>
+              </a:ext>
+            </a:extLst>
+          </p:cNvPr>
+          <p:cNvCxnSpPr/>
+          <p:nvPr/>
+        </p:nvCxnSpPr>
+        <p:spPr>
+          <a:xfrm flipV="1">
+            <a:off x="5217993" y="383766"/>
+            <a:ext cx="0" cy="1768386"/>
+          </a:xfrm>
+          <a:prstGeom prst="line">
+            <a:avLst/>
+          </a:prstGeom>
+        </p:spPr>
+        <p:style>
+          <a:lnRef idx="1">
+            <a:schemeClr val="accent1"/>
+          </a:lnRef>
+          <a:fillRef idx="0">
+            <a:schemeClr val="accent1"/>
+          </a:fillRef>
+          <a:effectRef idx="0">
+            <a:schemeClr val="accent1"/>
+          </a:effectRef>
+          <a:fontRef idx="minor">
+            <a:schemeClr val="tx1"/>
+          </a:fontRef>
+        </p:style>
+      </p:cxnSp>
+    </p:spTree>
+    <p:extLst>
+      <p:ext uri="{BB962C8B-B14F-4D97-AF65-F5344CB8AC3E}">
+        <p14:creationId xmlns:p14="http://schemas.microsoft.com/office/powerpoint/2010/main" val="2907166301"/>
+      </p:ext>
+    </p:extLst>
+  </p:cSld>
+  <p:clrMapOvr>
+    <a:masterClrMapping/>
+  </p:clrMapOvr>
+</p:sld>
+</file>
+
+<file path=ppt/slides/slide11.xml><?xml version="1.0" encoding="utf-8"?>
+<p:sld xmlns:a="http://schemas.openxmlformats.org/drawingml/2006/main" xmlns:r="http://schemas.openxmlformats.org/officeDocument/2006/relationships" xmlns:p="http://schemas.openxmlformats.org/presentationml/2006/main">
+  <p:cSld>
+    <p:spTree>
+      <p:nvGrpSpPr>
+        <p:cNvPr id="1" name=""/>
+        <p:cNvGrpSpPr/>
+        <p:nvPr/>
+      </p:nvGrpSpPr>
+      <p:grpSpPr>
+        <a:xfrm>
+          <a:off x="0" y="0"/>
+          <a:ext cx="0" cy="0"/>
+          <a:chOff x="0" y="0"/>
+          <a:chExt cx="0" cy="0"/>
+        </a:xfrm>
+      </p:grpSpPr>
       <p:grpSp>
         <p:nvGrpSpPr>
           <p:cNvPr id="31" name="Group 30">
@@ -12432,7 +13579,7 @@
 </p:sld>
 </file>
 
-<file path=ppt/slides/slide11.xml><?xml version="1.0" encoding="utf-8"?>
+<file path=ppt/slides/slide12.xml><?xml version="1.0" encoding="utf-8"?>
 <p:sld xmlns:a="http://schemas.openxmlformats.org/drawingml/2006/main" xmlns:r="http://schemas.openxmlformats.org/officeDocument/2006/relationships" xmlns:p="http://schemas.openxmlformats.org/presentationml/2006/main">
   <p:cSld>
     <p:spTree>
@@ -12449,56 +13596,1644 @@
           <a:chExt cx="0" cy="0"/>
         </a:xfrm>
       </p:grpSpPr>
-      <p:sp>
-        <p:nvSpPr>
-          <p:cNvPr id="2" name="Title 1">
+      <p:grpSp>
+        <p:nvGrpSpPr>
+          <p:cNvPr id="20" name="Group 19">
             <a:extLst>
               <a:ext uri="{FF2B5EF4-FFF2-40B4-BE49-F238E27FC236}">
-                <a16:creationId xmlns:a16="http://schemas.microsoft.com/office/drawing/2014/main" id="{959ACE67-159D-48E0-8FBC-FA522F3571E1}"/>
+                <a16:creationId xmlns:a16="http://schemas.microsoft.com/office/drawing/2014/main" id="{B7018C09-6142-4F1F-B497-02849761973D}"/>
               </a:ext>
             </a:extLst>
           </p:cNvPr>
-          <p:cNvSpPr>
-            <a:spLocks noGrp="1"/>
-          </p:cNvSpPr>
+          <p:cNvGrpSpPr/>
+          <p:nvPr/>
+        </p:nvGrpSpPr>
+        <p:grpSpPr>
+          <a:xfrm>
+            <a:off x="975918" y="1771984"/>
+            <a:ext cx="2733714" cy="2805057"/>
+            <a:chOff x="1999500" y="1608211"/>
+            <a:chExt cx="2733714" cy="2805057"/>
+          </a:xfrm>
+        </p:grpSpPr>
+        <p:pic>
+          <p:nvPicPr>
+            <p:cNvPr id="7" name="Picture 6">
+              <a:extLst>
+                <a:ext uri="{FF2B5EF4-FFF2-40B4-BE49-F238E27FC236}">
+                  <a16:creationId xmlns:a16="http://schemas.microsoft.com/office/drawing/2014/main" id="{0D3E5120-5146-465D-92B2-9C1281C50239}"/>
+                </a:ext>
+              </a:extLst>
+            </p:cNvPr>
+            <p:cNvPicPr>
+              <a:picLocks noChangeAspect="1"/>
+            </p:cNvPicPr>
+            <p:nvPr>
+              <p:custDataLst>
+                <p:tags r:id="rId31"/>
+              </p:custDataLst>
+            </p:nvPr>
+          </p:nvPicPr>
+          <p:blipFill>
+            <a:blip r:embed="rId37">
+              <a:extLst>
+                <a:ext uri="{28A0092B-C50C-407E-A947-70E740481C1C}">
+                  <a14:useLocalDpi xmlns:a14="http://schemas.microsoft.com/office/drawing/2010/main" val="0"/>
+                </a:ext>
+              </a:extLst>
+            </a:blip>
+            <a:stretch>
+              <a:fillRect/>
+            </a:stretch>
+          </p:blipFill>
+          <p:spPr>
+            <a:xfrm>
+              <a:off x="2032000" y="1608211"/>
+              <a:ext cx="2230857" cy="246857"/>
+            </a:xfrm>
+            <a:prstGeom prst="rect">
+              <a:avLst/>
+            </a:prstGeom>
+          </p:spPr>
+        </p:pic>
+        <p:pic>
+          <p:nvPicPr>
+            <p:cNvPr id="13" name="Picture 12">
+              <a:extLst>
+                <a:ext uri="{FF2B5EF4-FFF2-40B4-BE49-F238E27FC236}">
+                  <a16:creationId xmlns:a16="http://schemas.microsoft.com/office/drawing/2014/main" id="{F3A98114-3B35-4084-82C4-64CEAB48D42B}"/>
+                </a:ext>
+              </a:extLst>
+            </p:cNvPr>
+            <p:cNvPicPr>
+              <a:picLocks noChangeAspect="1"/>
+            </p:cNvPicPr>
+            <p:nvPr>
+              <p:custDataLst>
+                <p:tags r:id="rId32"/>
+              </p:custDataLst>
+            </p:nvPr>
+          </p:nvPicPr>
+          <p:blipFill>
+            <a:blip r:embed="rId38">
+              <a:extLst>
+                <a:ext uri="{28A0092B-C50C-407E-A947-70E740481C1C}">
+                  <a14:useLocalDpi xmlns:a14="http://schemas.microsoft.com/office/drawing/2010/main" val="0"/>
+                </a:ext>
+              </a:extLst>
+            </a:blip>
+            <a:stretch>
+              <a:fillRect/>
+            </a:stretch>
+          </p:blipFill>
+          <p:spPr>
+            <a:xfrm>
+              <a:off x="2032000" y="2247761"/>
+              <a:ext cx="2383238" cy="246857"/>
+            </a:xfrm>
+            <a:prstGeom prst="rect">
+              <a:avLst/>
+            </a:prstGeom>
+          </p:spPr>
+        </p:pic>
+        <p:pic>
+          <p:nvPicPr>
+            <p:cNvPr id="15" name="Picture 14">
+              <a:extLst>
+                <a:ext uri="{FF2B5EF4-FFF2-40B4-BE49-F238E27FC236}">
+                  <a16:creationId xmlns:a16="http://schemas.microsoft.com/office/drawing/2014/main" id="{B665D9A8-03DB-4B49-9A95-3787C9FB0168}"/>
+                </a:ext>
+              </a:extLst>
+            </p:cNvPr>
+            <p:cNvPicPr>
+              <a:picLocks noChangeAspect="1"/>
+            </p:cNvPicPr>
+            <p:nvPr>
+              <p:custDataLst>
+                <p:tags r:id="rId33"/>
+              </p:custDataLst>
+            </p:nvPr>
+          </p:nvPicPr>
+          <p:blipFill>
+            <a:blip r:embed="rId39">
+              <a:extLst>
+                <a:ext uri="{28A0092B-C50C-407E-A947-70E740481C1C}">
+                  <a14:useLocalDpi xmlns:a14="http://schemas.microsoft.com/office/drawing/2010/main" val="0"/>
+                </a:ext>
+              </a:extLst>
+            </a:blip>
+            <a:stretch>
+              <a:fillRect/>
+            </a:stretch>
+          </p:blipFill>
+          <p:spPr>
+            <a:xfrm>
+              <a:off x="1999500" y="2887311"/>
+              <a:ext cx="2733714" cy="246857"/>
+            </a:xfrm>
+            <a:prstGeom prst="rect">
+              <a:avLst/>
+            </a:prstGeom>
+          </p:spPr>
+        </p:pic>
+        <p:pic>
+          <p:nvPicPr>
+            <p:cNvPr id="17" name="Picture 16">
+              <a:extLst>
+                <a:ext uri="{FF2B5EF4-FFF2-40B4-BE49-F238E27FC236}">
+                  <a16:creationId xmlns:a16="http://schemas.microsoft.com/office/drawing/2014/main" id="{F3E5E1AC-1759-40C5-A9D7-5E6738EFCAAA}"/>
+                </a:ext>
+              </a:extLst>
+            </p:cNvPr>
+            <p:cNvPicPr>
+              <a:picLocks noChangeAspect="1"/>
+            </p:cNvPicPr>
+            <p:nvPr>
+              <p:custDataLst>
+                <p:tags r:id="rId34"/>
+              </p:custDataLst>
+            </p:nvPr>
+          </p:nvPicPr>
+          <p:blipFill>
+            <a:blip r:embed="rId40">
+              <a:extLst>
+                <a:ext uri="{28A0092B-C50C-407E-A947-70E740481C1C}">
+                  <a14:useLocalDpi xmlns:a14="http://schemas.microsoft.com/office/drawing/2010/main" val="0"/>
+                </a:ext>
+              </a:extLst>
+            </a:blip>
+            <a:stretch>
+              <a:fillRect/>
+            </a:stretch>
+          </p:blipFill>
+          <p:spPr>
+            <a:xfrm>
+              <a:off x="1999500" y="3526861"/>
+              <a:ext cx="2179047" cy="213333"/>
+            </a:xfrm>
+            <a:prstGeom prst="rect">
+              <a:avLst/>
+            </a:prstGeom>
+          </p:spPr>
+        </p:pic>
+        <p:pic>
+          <p:nvPicPr>
+            <p:cNvPr id="19" name="Picture 18">
+              <a:extLst>
+                <a:ext uri="{FF2B5EF4-FFF2-40B4-BE49-F238E27FC236}">
+                  <a16:creationId xmlns:a16="http://schemas.microsoft.com/office/drawing/2014/main" id="{88BB85F2-D780-400D-BFFC-766811917066}"/>
+                </a:ext>
+              </a:extLst>
+            </p:cNvPr>
+            <p:cNvPicPr>
+              <a:picLocks noChangeAspect="1"/>
+            </p:cNvPicPr>
+            <p:nvPr>
+              <p:custDataLst>
+                <p:tags r:id="rId35"/>
+              </p:custDataLst>
+            </p:nvPr>
+          </p:nvPicPr>
+          <p:blipFill>
+            <a:blip r:embed="rId41">
+              <a:extLst>
+                <a:ext uri="{28A0092B-C50C-407E-A947-70E740481C1C}">
+                  <a14:useLocalDpi xmlns:a14="http://schemas.microsoft.com/office/drawing/2010/main" val="0"/>
+                </a:ext>
+              </a:extLst>
+            </a:blip>
+            <a:stretch>
+              <a:fillRect/>
+            </a:stretch>
+          </p:blipFill>
+          <p:spPr>
+            <a:xfrm>
+              <a:off x="2032000" y="4166411"/>
+              <a:ext cx="1712762" cy="246857"/>
+            </a:xfrm>
+            <a:prstGeom prst="rect">
+              <a:avLst/>
+            </a:prstGeom>
+          </p:spPr>
+        </p:pic>
+      </p:grpSp>
+      <p:pic>
+        <p:nvPicPr>
+          <p:cNvPr id="22" name="Picture 21">
+            <a:extLst>
+              <a:ext uri="{FF2B5EF4-FFF2-40B4-BE49-F238E27FC236}">
+                <a16:creationId xmlns:a16="http://schemas.microsoft.com/office/drawing/2014/main" id="{21CD2130-D23B-4B2A-BBAE-F53755857B07}"/>
+              </a:ext>
+            </a:extLst>
+          </p:cNvPr>
+          <p:cNvPicPr>
+            <a:picLocks noChangeAspect="1"/>
+          </p:cNvPicPr>
           <p:nvPr>
-            <p:ph type="title"/>
+            <p:custDataLst>
+              <p:tags r:id="rId1"/>
+            </p:custDataLst>
           </p:nvPr>
-        </p:nvSpPr>
-        <p:spPr/>
-        <p:txBody>
-          <a:bodyPr/>
-          <a:lstStyle/>
-          <a:p>
-            <a:endParaRPr lang="en-US"/>
-          </a:p>
-        </p:txBody>
-      </p:sp>
-      <p:sp>
-        <p:nvSpPr>
-          <p:cNvPr id="3" name="Content Placeholder 2">
+        </p:nvPicPr>
+        <p:blipFill>
+          <a:blip r:embed="rId42">
+            <a:extLst>
+              <a:ext uri="{28A0092B-C50C-407E-A947-70E740481C1C}">
+                <a14:useLocalDpi xmlns:a14="http://schemas.microsoft.com/office/drawing/2010/main" val="0"/>
+              </a:ext>
+            </a:extLst>
+          </a:blip>
+          <a:stretch>
+            <a:fillRect/>
+          </a:stretch>
+        </p:blipFill>
+        <p:spPr>
+          <a:xfrm>
+            <a:off x="4314209" y="1771984"/>
+            <a:ext cx="732952" cy="252952"/>
+          </a:xfrm>
+          <a:prstGeom prst="rect">
+            <a:avLst/>
+          </a:prstGeom>
+        </p:spPr>
+      </p:pic>
+      <p:pic>
+        <p:nvPicPr>
+          <p:cNvPr id="28" name="Picture 27">
             <a:extLst>
               <a:ext uri="{FF2B5EF4-FFF2-40B4-BE49-F238E27FC236}">
-                <a16:creationId xmlns:a16="http://schemas.microsoft.com/office/drawing/2014/main" id="{6E5507AE-7525-439C-B79D-61171418EE60}"/>
+                <a16:creationId xmlns:a16="http://schemas.microsoft.com/office/drawing/2014/main" id="{F95F72C7-7858-4959-870C-80EBB40330B5}"/>
               </a:ext>
             </a:extLst>
           </p:cNvPr>
-          <p:cNvSpPr>
-            <a:spLocks noGrp="1"/>
-          </p:cNvSpPr>
+          <p:cNvPicPr>
+            <a:picLocks noChangeAspect="1"/>
+          </p:cNvPicPr>
           <p:nvPr>
-            <p:ph idx="1"/>
+            <p:custDataLst>
+              <p:tags r:id="rId2"/>
+            </p:custDataLst>
           </p:nvPr>
-        </p:nvSpPr>
-        <p:spPr/>
-        <p:txBody>
-          <a:bodyPr/>
-          <a:lstStyle/>
-          <a:p>
-            <a:endParaRPr lang="en-US"/>
-          </a:p>
-        </p:txBody>
-      </p:sp>
+        </p:nvPicPr>
+        <p:blipFill>
+          <a:blip r:embed="rId43">
+            <a:extLst>
+              <a:ext uri="{28A0092B-C50C-407E-A947-70E740481C1C}">
+                <a14:useLocalDpi xmlns:a14="http://schemas.microsoft.com/office/drawing/2010/main" val="0"/>
+              </a:ext>
+            </a:extLst>
+          </a:blip>
+          <a:stretch>
+            <a:fillRect/>
+          </a:stretch>
+        </p:blipFill>
+        <p:spPr>
+          <a:xfrm>
+            <a:off x="4313712" y="2401340"/>
+            <a:ext cx="859428" cy="252952"/>
+          </a:xfrm>
+          <a:prstGeom prst="rect">
+            <a:avLst/>
+          </a:prstGeom>
+        </p:spPr>
+      </p:pic>
+      <p:pic>
+        <p:nvPicPr>
+          <p:cNvPr id="24" name="Picture 23">
+            <a:extLst>
+              <a:ext uri="{FF2B5EF4-FFF2-40B4-BE49-F238E27FC236}">
+                <a16:creationId xmlns:a16="http://schemas.microsoft.com/office/drawing/2014/main" id="{7E664C94-4147-48D1-A82F-AB74759A3B2D}"/>
+              </a:ext>
+            </a:extLst>
+          </p:cNvPr>
+          <p:cNvPicPr>
+            <a:picLocks noChangeAspect="1"/>
+          </p:cNvPicPr>
+          <p:nvPr>
+            <p:custDataLst>
+              <p:tags r:id="rId3"/>
+            </p:custDataLst>
+          </p:nvPr>
+        </p:nvPicPr>
+        <p:blipFill>
+          <a:blip r:embed="rId42">
+            <a:extLst>
+              <a:ext uri="{28A0092B-C50C-407E-A947-70E740481C1C}">
+                <a14:useLocalDpi xmlns:a14="http://schemas.microsoft.com/office/drawing/2010/main" val="0"/>
+              </a:ext>
+            </a:extLst>
+          </a:blip>
+          <a:stretch>
+            <a:fillRect/>
+          </a:stretch>
+        </p:blipFill>
+        <p:spPr>
+          <a:xfrm>
+            <a:off x="4313712" y="3053820"/>
+            <a:ext cx="732952" cy="252952"/>
+          </a:xfrm>
+          <a:prstGeom prst="rect">
+            <a:avLst/>
+          </a:prstGeom>
+        </p:spPr>
+      </p:pic>
+      <p:pic>
+        <p:nvPicPr>
+          <p:cNvPr id="25" name="Picture 24">
+            <a:extLst>
+              <a:ext uri="{FF2B5EF4-FFF2-40B4-BE49-F238E27FC236}">
+                <a16:creationId xmlns:a16="http://schemas.microsoft.com/office/drawing/2014/main" id="{7530FD05-1C6F-4CB1-B152-6951B36D9D55}"/>
+              </a:ext>
+            </a:extLst>
+          </p:cNvPr>
+          <p:cNvPicPr>
+            <a:picLocks noChangeAspect="1"/>
+          </p:cNvPicPr>
+          <p:nvPr>
+            <p:custDataLst>
+              <p:tags r:id="rId4"/>
+            </p:custDataLst>
+          </p:nvPr>
+        </p:nvPicPr>
+        <p:blipFill>
+          <a:blip r:embed="rId42">
+            <a:extLst>
+              <a:ext uri="{28A0092B-C50C-407E-A947-70E740481C1C}">
+                <a14:useLocalDpi xmlns:a14="http://schemas.microsoft.com/office/drawing/2010/main" val="0"/>
+              </a:ext>
+            </a:extLst>
+          </a:blip>
+          <a:stretch>
+            <a:fillRect/>
+          </a:stretch>
+        </p:blipFill>
+        <p:spPr>
+          <a:xfrm>
+            <a:off x="4313712" y="3677694"/>
+            <a:ext cx="732952" cy="252952"/>
+          </a:xfrm>
+          <a:prstGeom prst="rect">
+            <a:avLst/>
+          </a:prstGeom>
+        </p:spPr>
+      </p:pic>
+      <p:pic>
+        <p:nvPicPr>
+          <p:cNvPr id="30" name="Picture 29">
+            <a:extLst>
+              <a:ext uri="{FF2B5EF4-FFF2-40B4-BE49-F238E27FC236}">
+                <a16:creationId xmlns:a16="http://schemas.microsoft.com/office/drawing/2014/main" id="{9A365858-85BA-4DDC-A980-ED8A619D36E3}"/>
+              </a:ext>
+            </a:extLst>
+          </p:cNvPr>
+          <p:cNvPicPr>
+            <a:picLocks noChangeAspect="1"/>
+          </p:cNvPicPr>
+          <p:nvPr>
+            <p:custDataLst>
+              <p:tags r:id="rId5"/>
+            </p:custDataLst>
+          </p:nvPr>
+        </p:nvPicPr>
+        <p:blipFill>
+          <a:blip r:embed="rId44">
+            <a:extLst>
+              <a:ext uri="{28A0092B-C50C-407E-A947-70E740481C1C}">
+                <a14:useLocalDpi xmlns:a14="http://schemas.microsoft.com/office/drawing/2010/main" val="0"/>
+              </a:ext>
+            </a:extLst>
+          </a:blip>
+          <a:stretch>
+            <a:fillRect/>
+          </a:stretch>
+        </p:blipFill>
+        <p:spPr>
+          <a:xfrm>
+            <a:off x="4314209" y="4330185"/>
+            <a:ext cx="487619" cy="227047"/>
+          </a:xfrm>
+          <a:prstGeom prst="rect">
+            <a:avLst/>
+          </a:prstGeom>
+        </p:spPr>
+      </p:pic>
+      <p:pic>
+        <p:nvPicPr>
+          <p:cNvPr id="33" name="Picture 32">
+            <a:extLst>
+              <a:ext uri="{FF2B5EF4-FFF2-40B4-BE49-F238E27FC236}">
+                <a16:creationId xmlns:a16="http://schemas.microsoft.com/office/drawing/2014/main" id="{29A08B95-A948-449A-8126-452A7A4C48E3}"/>
+              </a:ext>
+            </a:extLst>
+          </p:cNvPr>
+          <p:cNvPicPr>
+            <a:picLocks noChangeAspect="1"/>
+          </p:cNvPicPr>
+          <p:nvPr>
+            <p:custDataLst>
+              <p:tags r:id="rId6"/>
+            </p:custDataLst>
+          </p:nvPr>
+        </p:nvPicPr>
+        <p:blipFill>
+          <a:blip r:embed="rId45">
+            <a:extLst>
+              <a:ext uri="{28A0092B-C50C-407E-A947-70E740481C1C}">
+                <a14:useLocalDpi xmlns:a14="http://schemas.microsoft.com/office/drawing/2010/main" val="0"/>
+              </a:ext>
+            </a:extLst>
+          </a:blip>
+          <a:stretch>
+            <a:fillRect/>
+          </a:stretch>
+        </p:blipFill>
+        <p:spPr>
+          <a:xfrm>
+            <a:off x="4313712" y="1145398"/>
+            <a:ext cx="175238" cy="227047"/>
+          </a:xfrm>
+          <a:prstGeom prst="rect">
+            <a:avLst/>
+          </a:prstGeom>
+        </p:spPr>
+      </p:pic>
+      <p:pic>
+        <p:nvPicPr>
+          <p:cNvPr id="35" name="Picture 34">
+            <a:extLst>
+              <a:ext uri="{FF2B5EF4-FFF2-40B4-BE49-F238E27FC236}">
+                <a16:creationId xmlns:a16="http://schemas.microsoft.com/office/drawing/2014/main" id="{E35666D1-6730-4488-84DB-3E42963BBF53}"/>
+              </a:ext>
+            </a:extLst>
+          </p:cNvPr>
+          <p:cNvPicPr>
+            <a:picLocks noChangeAspect="1"/>
+          </p:cNvPicPr>
+          <p:nvPr>
+            <p:custDataLst>
+              <p:tags r:id="rId7"/>
+            </p:custDataLst>
+          </p:nvPr>
+        </p:nvPicPr>
+        <p:blipFill>
+          <a:blip r:embed="rId46">
+            <a:extLst>
+              <a:ext uri="{28A0092B-C50C-407E-A947-70E740481C1C}">
+                <a14:useLocalDpi xmlns:a14="http://schemas.microsoft.com/office/drawing/2010/main" val="0"/>
+              </a:ext>
+            </a:extLst>
+          </a:blip>
+          <a:stretch>
+            <a:fillRect/>
+          </a:stretch>
+        </p:blipFill>
+        <p:spPr>
+          <a:xfrm>
+            <a:off x="5859369" y="1771984"/>
+            <a:ext cx="1284571" cy="256000"/>
+          </a:xfrm>
+          <a:prstGeom prst="rect">
+            <a:avLst/>
+          </a:prstGeom>
+        </p:spPr>
+      </p:pic>
+      <p:pic>
+        <p:nvPicPr>
+          <p:cNvPr id="45" name="Picture 44">
+            <a:extLst>
+              <a:ext uri="{FF2B5EF4-FFF2-40B4-BE49-F238E27FC236}">
+                <a16:creationId xmlns:a16="http://schemas.microsoft.com/office/drawing/2014/main" id="{50C6CF0B-7A4D-4DB9-9961-7F2FE1180FCC}"/>
+              </a:ext>
+            </a:extLst>
+          </p:cNvPr>
+          <p:cNvPicPr>
+            <a:picLocks noChangeAspect="1"/>
+          </p:cNvPicPr>
+          <p:nvPr>
+            <p:custDataLst>
+              <p:tags r:id="rId8"/>
+            </p:custDataLst>
+          </p:nvPr>
+        </p:nvPicPr>
+        <p:blipFill>
+          <a:blip r:embed="rId47">
+            <a:extLst>
+              <a:ext uri="{28A0092B-C50C-407E-A947-70E740481C1C}">
+                <a14:useLocalDpi xmlns:a14="http://schemas.microsoft.com/office/drawing/2010/main" val="0"/>
+              </a:ext>
+            </a:extLst>
+          </a:blip>
+          <a:stretch>
+            <a:fillRect/>
+          </a:stretch>
+        </p:blipFill>
+        <p:spPr>
+          <a:xfrm>
+            <a:off x="5859367" y="2398292"/>
+            <a:ext cx="1438476" cy="256000"/>
+          </a:xfrm>
+          <a:prstGeom prst="rect">
+            <a:avLst/>
+          </a:prstGeom>
+        </p:spPr>
+      </p:pic>
+      <p:pic>
+        <p:nvPicPr>
+          <p:cNvPr id="47" name="Picture 46">
+            <a:extLst>
+              <a:ext uri="{FF2B5EF4-FFF2-40B4-BE49-F238E27FC236}">
+                <a16:creationId xmlns:a16="http://schemas.microsoft.com/office/drawing/2014/main" id="{FFA2A88D-27A9-4D37-AC35-4BEF2B09D0E9}"/>
+              </a:ext>
+            </a:extLst>
+          </p:cNvPr>
+          <p:cNvPicPr>
+            <a:picLocks noChangeAspect="1"/>
+          </p:cNvPicPr>
+          <p:nvPr>
+            <p:custDataLst>
+              <p:tags r:id="rId9"/>
+            </p:custDataLst>
+          </p:nvPr>
+        </p:nvPicPr>
+        <p:blipFill>
+          <a:blip r:embed="rId48">
+            <a:extLst>
+              <a:ext uri="{28A0092B-C50C-407E-A947-70E740481C1C}">
+                <a14:useLocalDpi xmlns:a14="http://schemas.microsoft.com/office/drawing/2010/main" val="0"/>
+              </a:ext>
+            </a:extLst>
+          </a:blip>
+          <a:stretch>
+            <a:fillRect/>
+          </a:stretch>
+        </p:blipFill>
+        <p:spPr>
+          <a:xfrm>
+            <a:off x="5859367" y="3024600"/>
+            <a:ext cx="1788952" cy="256000"/>
+          </a:xfrm>
+          <a:prstGeom prst="rect">
+            <a:avLst/>
+          </a:prstGeom>
+        </p:spPr>
+      </p:pic>
+      <p:pic>
+        <p:nvPicPr>
+          <p:cNvPr id="49" name="Picture 48">
+            <a:extLst>
+              <a:ext uri="{FF2B5EF4-FFF2-40B4-BE49-F238E27FC236}">
+                <a16:creationId xmlns:a16="http://schemas.microsoft.com/office/drawing/2014/main" id="{48096278-25A7-4FC0-8199-7AF21599701F}"/>
+              </a:ext>
+            </a:extLst>
+          </p:cNvPr>
+          <p:cNvPicPr>
+            <a:picLocks noChangeAspect="1"/>
+          </p:cNvPicPr>
+          <p:nvPr>
+            <p:custDataLst>
+              <p:tags r:id="rId10"/>
+            </p:custDataLst>
+          </p:nvPr>
+        </p:nvPicPr>
+        <p:blipFill>
+          <a:blip r:embed="rId49">
+            <a:extLst>
+              <a:ext uri="{28A0092B-C50C-407E-A947-70E740481C1C}">
+                <a14:useLocalDpi xmlns:a14="http://schemas.microsoft.com/office/drawing/2010/main" val="0"/>
+              </a:ext>
+            </a:extLst>
+          </a:blip>
+          <a:stretch>
+            <a:fillRect/>
+          </a:stretch>
+        </p:blipFill>
+        <p:spPr>
+          <a:xfrm>
+            <a:off x="5859368" y="3672820"/>
+            <a:ext cx="1234285" cy="222476"/>
+          </a:xfrm>
+          <a:prstGeom prst="rect">
+            <a:avLst/>
+          </a:prstGeom>
+        </p:spPr>
+      </p:pic>
+      <p:pic>
+        <p:nvPicPr>
+          <p:cNvPr id="40" name="Picture 39">
+            <a:extLst>
+              <a:ext uri="{FF2B5EF4-FFF2-40B4-BE49-F238E27FC236}">
+                <a16:creationId xmlns:a16="http://schemas.microsoft.com/office/drawing/2014/main" id="{EE02F608-4CF9-4BB1-AD04-F29AD373140A}"/>
+              </a:ext>
+            </a:extLst>
+          </p:cNvPr>
+          <p:cNvPicPr>
+            <a:picLocks noChangeAspect="1"/>
+          </p:cNvPicPr>
+          <p:nvPr>
+            <p:custDataLst>
+              <p:tags r:id="rId11"/>
+            </p:custDataLst>
+          </p:nvPr>
+        </p:nvPicPr>
+        <p:blipFill>
+          <a:blip r:embed="rId46">
+            <a:extLst>
+              <a:ext uri="{28A0092B-C50C-407E-A947-70E740481C1C}">
+                <a14:useLocalDpi xmlns:a14="http://schemas.microsoft.com/office/drawing/2010/main" val="0"/>
+              </a:ext>
+            </a:extLst>
+          </a:blip>
+          <a:stretch>
+            <a:fillRect/>
+          </a:stretch>
+        </p:blipFill>
+        <p:spPr>
+          <a:xfrm>
+            <a:off x="5859366" y="4321041"/>
+            <a:ext cx="1284571" cy="256000"/>
+          </a:xfrm>
+          <a:prstGeom prst="rect">
+            <a:avLst/>
+          </a:prstGeom>
+        </p:spPr>
+      </p:pic>
+      <p:pic>
+        <p:nvPicPr>
+          <p:cNvPr id="43" name="Picture 42">
+            <a:extLst>
+              <a:ext uri="{FF2B5EF4-FFF2-40B4-BE49-F238E27FC236}">
+                <a16:creationId xmlns:a16="http://schemas.microsoft.com/office/drawing/2014/main" id="{AF3D369A-B262-4301-83FD-4A6BFC7F99DB}"/>
+              </a:ext>
+            </a:extLst>
+          </p:cNvPr>
+          <p:cNvPicPr>
+            <a:picLocks noChangeAspect="1"/>
+          </p:cNvPicPr>
+          <p:nvPr>
+            <p:custDataLst>
+              <p:tags r:id="rId12"/>
+            </p:custDataLst>
+          </p:nvPr>
+        </p:nvPicPr>
+        <p:blipFill>
+          <a:blip r:embed="rId50">
+            <a:extLst>
+              <a:ext uri="{28A0092B-C50C-407E-A947-70E740481C1C}">
+                <a14:useLocalDpi xmlns:a14="http://schemas.microsoft.com/office/drawing/2010/main" val="0"/>
+              </a:ext>
+            </a:extLst>
+          </a:blip>
+          <a:stretch>
+            <a:fillRect/>
+          </a:stretch>
+        </p:blipFill>
+        <p:spPr>
+          <a:xfrm>
+            <a:off x="5859369" y="1159052"/>
+            <a:ext cx="175238" cy="181333"/>
+          </a:xfrm>
+          <a:prstGeom prst="rect">
+            <a:avLst/>
+          </a:prstGeom>
+        </p:spPr>
+      </p:pic>
+      <p:pic>
+        <p:nvPicPr>
+          <p:cNvPr id="51" name="Picture 50">
+            <a:extLst>
+              <a:ext uri="{FF2B5EF4-FFF2-40B4-BE49-F238E27FC236}">
+                <a16:creationId xmlns:a16="http://schemas.microsoft.com/office/drawing/2014/main" id="{1D5BBC55-37AA-4242-9173-357F6CD39C61}"/>
+              </a:ext>
+            </a:extLst>
+          </p:cNvPr>
+          <p:cNvPicPr>
+            <a:picLocks noChangeAspect="1"/>
+          </p:cNvPicPr>
+          <p:nvPr>
+            <p:custDataLst>
+              <p:tags r:id="rId13"/>
+            </p:custDataLst>
+          </p:nvPr>
+        </p:nvPicPr>
+        <p:blipFill>
+          <a:blip r:embed="rId51">
+            <a:extLst>
+              <a:ext uri="{28A0092B-C50C-407E-A947-70E740481C1C}">
+                <a14:useLocalDpi xmlns:a14="http://schemas.microsoft.com/office/drawing/2010/main" val="0"/>
+              </a:ext>
+            </a:extLst>
+          </a:blip>
+          <a:stretch>
+            <a:fillRect/>
+          </a:stretch>
+        </p:blipFill>
+        <p:spPr>
+          <a:xfrm>
+            <a:off x="7918709" y="3773866"/>
+            <a:ext cx="1126095" cy="150857"/>
+          </a:xfrm>
+          <a:prstGeom prst="rect">
+            <a:avLst/>
+          </a:prstGeom>
+        </p:spPr>
+      </p:pic>
+      <p:pic>
+        <p:nvPicPr>
+          <p:cNvPr id="54" name="Picture 53">
+            <a:extLst>
+              <a:ext uri="{FF2B5EF4-FFF2-40B4-BE49-F238E27FC236}">
+                <a16:creationId xmlns:a16="http://schemas.microsoft.com/office/drawing/2014/main" id="{92AFE590-168F-4271-8AF0-EB9981F1815E}"/>
+              </a:ext>
+            </a:extLst>
+          </p:cNvPr>
+          <p:cNvPicPr>
+            <a:picLocks noChangeAspect="1"/>
+          </p:cNvPicPr>
+          <p:nvPr>
+            <p:custDataLst>
+              <p:tags r:id="rId14"/>
+            </p:custDataLst>
+          </p:nvPr>
+        </p:nvPicPr>
+        <p:blipFill>
+          <a:blip r:embed="rId52">
+            <a:extLst>
+              <a:ext uri="{28A0092B-C50C-407E-A947-70E740481C1C}">
+                <a14:useLocalDpi xmlns:a14="http://schemas.microsoft.com/office/drawing/2010/main" val="0"/>
+              </a:ext>
+            </a:extLst>
+          </a:blip>
+          <a:stretch>
+            <a:fillRect/>
+          </a:stretch>
+        </p:blipFill>
+        <p:spPr>
+          <a:xfrm>
+            <a:off x="7918709" y="1174289"/>
+            <a:ext cx="85333" cy="112762"/>
+          </a:xfrm>
+          <a:prstGeom prst="rect">
+            <a:avLst/>
+          </a:prstGeom>
+        </p:spPr>
+      </p:pic>
+      <p:pic>
+        <p:nvPicPr>
+          <p:cNvPr id="56" name="Picture 55">
+            <a:extLst>
+              <a:ext uri="{FF2B5EF4-FFF2-40B4-BE49-F238E27FC236}">
+                <a16:creationId xmlns:a16="http://schemas.microsoft.com/office/drawing/2014/main" id="{04B455E1-FC1E-41B0-A2ED-ADFBC2DAE28D}"/>
+              </a:ext>
+            </a:extLst>
+          </p:cNvPr>
+          <p:cNvPicPr>
+            <a:picLocks noChangeAspect="1"/>
+          </p:cNvPicPr>
+          <p:nvPr>
+            <p:custDataLst>
+              <p:tags r:id="rId15"/>
+            </p:custDataLst>
+          </p:nvPr>
+        </p:nvPicPr>
+        <p:blipFill>
+          <a:blip r:embed="rId53">
+            <a:extLst>
+              <a:ext uri="{28A0092B-C50C-407E-A947-70E740481C1C}">
+                <a14:useLocalDpi xmlns:a14="http://schemas.microsoft.com/office/drawing/2010/main" val="0"/>
+              </a:ext>
+            </a:extLst>
+          </a:blip>
+          <a:stretch>
+            <a:fillRect/>
+          </a:stretch>
+        </p:blipFill>
+        <p:spPr>
+          <a:xfrm>
+            <a:off x="7918709" y="1849698"/>
+            <a:ext cx="85333" cy="169143"/>
+          </a:xfrm>
+          <a:prstGeom prst="rect">
+            <a:avLst/>
+          </a:prstGeom>
+        </p:spPr>
+      </p:pic>
+      <p:pic>
+        <p:nvPicPr>
+          <p:cNvPr id="57" name="Picture 56">
+            <a:extLst>
+              <a:ext uri="{FF2B5EF4-FFF2-40B4-BE49-F238E27FC236}">
+                <a16:creationId xmlns:a16="http://schemas.microsoft.com/office/drawing/2014/main" id="{69991BDB-02B5-4A81-AB0F-08C73B27BAA4}"/>
+              </a:ext>
+            </a:extLst>
+          </p:cNvPr>
+          <p:cNvPicPr>
+            <a:picLocks noChangeAspect="1"/>
+          </p:cNvPicPr>
+          <p:nvPr>
+            <p:custDataLst>
+              <p:tags r:id="rId16"/>
+            </p:custDataLst>
+          </p:nvPr>
+        </p:nvPicPr>
+        <p:blipFill>
+          <a:blip r:embed="rId53">
+            <a:extLst>
+              <a:ext uri="{28A0092B-C50C-407E-A947-70E740481C1C}">
+                <a14:useLocalDpi xmlns:a14="http://schemas.microsoft.com/office/drawing/2010/main" val="0"/>
+              </a:ext>
+            </a:extLst>
+          </a:blip>
+          <a:stretch>
+            <a:fillRect/>
+          </a:stretch>
+        </p:blipFill>
+        <p:spPr>
+          <a:xfrm>
+            <a:off x="7918709" y="2481328"/>
+            <a:ext cx="85333" cy="169143"/>
+          </a:xfrm>
+          <a:prstGeom prst="rect">
+            <a:avLst/>
+          </a:prstGeom>
+        </p:spPr>
+      </p:pic>
+      <p:pic>
+        <p:nvPicPr>
+          <p:cNvPr id="58" name="Picture 57">
+            <a:extLst>
+              <a:ext uri="{FF2B5EF4-FFF2-40B4-BE49-F238E27FC236}">
+                <a16:creationId xmlns:a16="http://schemas.microsoft.com/office/drawing/2014/main" id="{1565090F-F515-40D7-81DF-40F13E13BACB}"/>
+              </a:ext>
+            </a:extLst>
+          </p:cNvPr>
+          <p:cNvPicPr>
+            <a:picLocks noChangeAspect="1"/>
+          </p:cNvPicPr>
+          <p:nvPr>
+            <p:custDataLst>
+              <p:tags r:id="rId17"/>
+            </p:custDataLst>
+          </p:nvPr>
+        </p:nvPicPr>
+        <p:blipFill>
+          <a:blip r:embed="rId53">
+            <a:extLst>
+              <a:ext uri="{28A0092B-C50C-407E-A947-70E740481C1C}">
+                <a14:useLocalDpi xmlns:a14="http://schemas.microsoft.com/office/drawing/2010/main" val="0"/>
+              </a:ext>
+            </a:extLst>
+          </a:blip>
+          <a:stretch>
+            <a:fillRect/>
+          </a:stretch>
+        </p:blipFill>
+        <p:spPr>
+          <a:xfrm>
+            <a:off x="7918709" y="3095551"/>
+            <a:ext cx="85333" cy="169143"/>
+          </a:xfrm>
+          <a:prstGeom prst="rect">
+            <a:avLst/>
+          </a:prstGeom>
+        </p:spPr>
+      </p:pic>
+      <p:pic>
+        <p:nvPicPr>
+          <p:cNvPr id="59" name="Picture 58">
+            <a:extLst>
+              <a:ext uri="{FF2B5EF4-FFF2-40B4-BE49-F238E27FC236}">
+                <a16:creationId xmlns:a16="http://schemas.microsoft.com/office/drawing/2014/main" id="{5BD88CD3-08A6-46CC-B882-6BEB487AFCC5}"/>
+              </a:ext>
+            </a:extLst>
+          </p:cNvPr>
+          <p:cNvPicPr>
+            <a:picLocks noChangeAspect="1"/>
+          </p:cNvPicPr>
+          <p:nvPr>
+            <p:custDataLst>
+              <p:tags r:id="rId18"/>
+            </p:custDataLst>
+          </p:nvPr>
+        </p:nvPicPr>
+        <p:blipFill>
+          <a:blip r:embed="rId53">
+            <a:extLst>
+              <a:ext uri="{28A0092B-C50C-407E-A947-70E740481C1C}">
+                <a14:useLocalDpi xmlns:a14="http://schemas.microsoft.com/office/drawing/2010/main" val="0"/>
+              </a:ext>
+            </a:extLst>
+          </a:blip>
+          <a:stretch>
+            <a:fillRect/>
+          </a:stretch>
+        </p:blipFill>
+        <p:spPr>
+          <a:xfrm>
+            <a:off x="7918709" y="4388089"/>
+            <a:ext cx="85333" cy="169143"/>
+          </a:xfrm>
+          <a:prstGeom prst="rect">
+            <a:avLst/>
+          </a:prstGeom>
+        </p:spPr>
+      </p:pic>
+      <p:pic>
+        <p:nvPicPr>
+          <p:cNvPr id="61" name="Picture 60">
+            <a:extLst>
+              <a:ext uri="{FF2B5EF4-FFF2-40B4-BE49-F238E27FC236}">
+                <a16:creationId xmlns:a16="http://schemas.microsoft.com/office/drawing/2014/main" id="{972CA4AB-6591-4E29-8752-FB7D59C547CE}"/>
+              </a:ext>
+            </a:extLst>
+          </p:cNvPr>
+          <p:cNvPicPr>
+            <a:picLocks noChangeAspect="1"/>
+          </p:cNvPicPr>
+          <p:nvPr>
+            <p:custDataLst>
+              <p:tags r:id="rId19"/>
+            </p:custDataLst>
+          </p:nvPr>
+        </p:nvPicPr>
+        <p:blipFill>
+          <a:blip r:embed="rId54">
+            <a:extLst>
+              <a:ext uri="{28A0092B-C50C-407E-A947-70E740481C1C}">
+                <a14:useLocalDpi xmlns:a14="http://schemas.microsoft.com/office/drawing/2010/main" val="0"/>
+              </a:ext>
+            </a:extLst>
+          </a:blip>
+          <a:stretch>
+            <a:fillRect/>
+          </a:stretch>
+        </p:blipFill>
+        <p:spPr>
+          <a:xfrm>
+            <a:off x="9484139" y="3716212"/>
+            <a:ext cx="1200762" cy="248381"/>
+          </a:xfrm>
+          <a:prstGeom prst="rect">
+            <a:avLst/>
+          </a:prstGeom>
+        </p:spPr>
+      </p:pic>
+      <p:pic>
+        <p:nvPicPr>
+          <p:cNvPr id="62" name="Picture 61">
+            <a:extLst>
+              <a:ext uri="{FF2B5EF4-FFF2-40B4-BE49-F238E27FC236}">
+                <a16:creationId xmlns:a16="http://schemas.microsoft.com/office/drawing/2014/main" id="{EBBFC228-4472-4DAE-9763-71C75E71DA4B}"/>
+              </a:ext>
+            </a:extLst>
+          </p:cNvPr>
+          <p:cNvPicPr>
+            <a:picLocks noChangeAspect="1"/>
+          </p:cNvPicPr>
+          <p:nvPr>
+            <p:custDataLst>
+              <p:tags r:id="rId20"/>
+            </p:custDataLst>
+          </p:nvPr>
+        </p:nvPicPr>
+        <p:blipFill>
+          <a:blip r:embed="rId54">
+            <a:extLst>
+              <a:ext uri="{28A0092B-C50C-407E-A947-70E740481C1C}">
+                <a14:useLocalDpi xmlns:a14="http://schemas.microsoft.com/office/drawing/2010/main" val="0"/>
+              </a:ext>
+            </a:extLst>
+          </a:blip>
+          <a:stretch>
+            <a:fillRect/>
+          </a:stretch>
+        </p:blipFill>
+        <p:spPr>
+          <a:xfrm>
+            <a:off x="9484139" y="4328660"/>
+            <a:ext cx="1200762" cy="248381"/>
+          </a:xfrm>
+          <a:prstGeom prst="rect">
+            <a:avLst/>
+          </a:prstGeom>
+        </p:spPr>
+      </p:pic>
+      <p:pic>
+        <p:nvPicPr>
+          <p:cNvPr id="63" name="Picture 62">
+            <a:extLst>
+              <a:ext uri="{FF2B5EF4-FFF2-40B4-BE49-F238E27FC236}">
+                <a16:creationId xmlns:a16="http://schemas.microsoft.com/office/drawing/2014/main" id="{1C0A7C87-B809-46B4-A925-391BB9D237AC}"/>
+              </a:ext>
+            </a:extLst>
+          </p:cNvPr>
+          <p:cNvPicPr>
+            <a:picLocks noChangeAspect="1"/>
+          </p:cNvPicPr>
+          <p:nvPr>
+            <p:custDataLst>
+              <p:tags r:id="rId21"/>
+            </p:custDataLst>
+          </p:nvPr>
+        </p:nvPicPr>
+        <p:blipFill>
+          <a:blip r:embed="rId54">
+            <a:extLst>
+              <a:ext uri="{28A0092B-C50C-407E-A947-70E740481C1C}">
+                <a14:useLocalDpi xmlns:a14="http://schemas.microsoft.com/office/drawing/2010/main" val="0"/>
+              </a:ext>
+            </a:extLst>
+          </a:blip>
+          <a:stretch>
+            <a:fillRect/>
+          </a:stretch>
+        </p:blipFill>
+        <p:spPr>
+          <a:xfrm>
+            <a:off x="9484139" y="3078946"/>
+            <a:ext cx="1200762" cy="248381"/>
+          </a:xfrm>
+          <a:prstGeom prst="rect">
+            <a:avLst/>
+          </a:prstGeom>
+        </p:spPr>
+      </p:pic>
+      <p:pic>
+        <p:nvPicPr>
+          <p:cNvPr id="64" name="Picture 63">
+            <a:extLst>
+              <a:ext uri="{FF2B5EF4-FFF2-40B4-BE49-F238E27FC236}">
+                <a16:creationId xmlns:a16="http://schemas.microsoft.com/office/drawing/2014/main" id="{31EB815D-157D-40F1-B74F-FF65D7C8CB8A}"/>
+              </a:ext>
+            </a:extLst>
+          </p:cNvPr>
+          <p:cNvPicPr>
+            <a:picLocks noChangeAspect="1"/>
+          </p:cNvPicPr>
+          <p:nvPr>
+            <p:custDataLst>
+              <p:tags r:id="rId22"/>
+            </p:custDataLst>
+          </p:nvPr>
+        </p:nvPicPr>
+        <p:blipFill>
+          <a:blip r:embed="rId54">
+            <a:extLst>
+              <a:ext uri="{28A0092B-C50C-407E-A947-70E740481C1C}">
+                <a14:useLocalDpi xmlns:a14="http://schemas.microsoft.com/office/drawing/2010/main" val="0"/>
+              </a:ext>
+            </a:extLst>
+          </a:blip>
+          <a:stretch>
+            <a:fillRect/>
+          </a:stretch>
+        </p:blipFill>
+        <p:spPr>
+          <a:xfrm>
+            <a:off x="9484139" y="2481328"/>
+            <a:ext cx="1200762" cy="248381"/>
+          </a:xfrm>
+          <a:prstGeom prst="rect">
+            <a:avLst/>
+          </a:prstGeom>
+        </p:spPr>
+      </p:pic>
+      <p:pic>
+        <p:nvPicPr>
+          <p:cNvPr id="65" name="Picture 64">
+            <a:extLst>
+              <a:ext uri="{FF2B5EF4-FFF2-40B4-BE49-F238E27FC236}">
+                <a16:creationId xmlns:a16="http://schemas.microsoft.com/office/drawing/2014/main" id="{4A515BED-341B-4AB2-842F-4D1E8C54CB9B}"/>
+              </a:ext>
+            </a:extLst>
+          </p:cNvPr>
+          <p:cNvPicPr>
+            <a:picLocks noChangeAspect="1"/>
+          </p:cNvPicPr>
+          <p:nvPr>
+            <p:custDataLst>
+              <p:tags r:id="rId23"/>
+            </p:custDataLst>
+          </p:nvPr>
+        </p:nvPicPr>
+        <p:blipFill>
+          <a:blip r:embed="rId54">
+            <a:extLst>
+              <a:ext uri="{28A0092B-C50C-407E-A947-70E740481C1C}">
+                <a14:useLocalDpi xmlns:a14="http://schemas.microsoft.com/office/drawing/2010/main" val="0"/>
+              </a:ext>
+            </a:extLst>
+          </a:blip>
+          <a:stretch>
+            <a:fillRect/>
+          </a:stretch>
+        </p:blipFill>
+        <p:spPr>
+          <a:xfrm>
+            <a:off x="9484139" y="1849698"/>
+            <a:ext cx="1200762" cy="248381"/>
+          </a:xfrm>
+          <a:prstGeom prst="rect">
+            <a:avLst/>
+          </a:prstGeom>
+        </p:spPr>
+      </p:pic>
+      <p:pic>
+        <p:nvPicPr>
+          <p:cNvPr id="68" name="Picture 67">
+            <a:extLst>
+              <a:ext uri="{FF2B5EF4-FFF2-40B4-BE49-F238E27FC236}">
+                <a16:creationId xmlns:a16="http://schemas.microsoft.com/office/drawing/2014/main" id="{5709912A-7812-4377-88D9-6CFAB25F4AAB}"/>
+              </a:ext>
+            </a:extLst>
+          </p:cNvPr>
+          <p:cNvPicPr>
+            <a:picLocks noChangeAspect="1"/>
+          </p:cNvPicPr>
+          <p:nvPr>
+            <p:custDataLst>
+              <p:tags r:id="rId24"/>
+            </p:custDataLst>
+          </p:nvPr>
+        </p:nvPicPr>
+        <p:blipFill>
+          <a:blip r:embed="rId55">
+            <a:extLst>
+              <a:ext uri="{28A0092B-C50C-407E-A947-70E740481C1C}">
+                <a14:useLocalDpi xmlns:a14="http://schemas.microsoft.com/office/drawing/2010/main" val="0"/>
+              </a:ext>
+            </a:extLst>
+          </a:blip>
+          <a:stretch>
+            <a:fillRect/>
+          </a:stretch>
+        </p:blipFill>
+        <p:spPr>
+          <a:xfrm>
+            <a:off x="9484139" y="1145398"/>
+            <a:ext cx="173714" cy="173714"/>
+          </a:xfrm>
+          <a:prstGeom prst="rect">
+            <a:avLst/>
+          </a:prstGeom>
+        </p:spPr>
+      </p:pic>
+      <p:pic>
+        <p:nvPicPr>
+          <p:cNvPr id="70" name="Picture 69">
+            <a:extLst>
+              <a:ext uri="{FF2B5EF4-FFF2-40B4-BE49-F238E27FC236}">
+                <a16:creationId xmlns:a16="http://schemas.microsoft.com/office/drawing/2014/main" id="{5959F7B8-B223-4D33-A2F5-85576ED72279}"/>
+              </a:ext>
+            </a:extLst>
+          </p:cNvPr>
+          <p:cNvPicPr>
+            <a:picLocks noChangeAspect="1"/>
+          </p:cNvPicPr>
+          <p:nvPr>
+            <p:custDataLst>
+              <p:tags r:id="rId25"/>
+            </p:custDataLst>
+          </p:nvPr>
+        </p:nvPicPr>
+        <p:blipFill>
+          <a:blip r:embed="rId56">
+            <a:extLst>
+              <a:ext uri="{28A0092B-C50C-407E-A947-70E740481C1C}">
+                <a14:useLocalDpi xmlns:a14="http://schemas.microsoft.com/office/drawing/2010/main" val="0"/>
+              </a:ext>
+            </a:extLst>
+          </a:blip>
+          <a:stretch>
+            <a:fillRect/>
+          </a:stretch>
+        </p:blipFill>
+        <p:spPr>
+          <a:xfrm>
+            <a:off x="11394907" y="1174289"/>
+            <a:ext cx="117333" cy="163048"/>
+          </a:xfrm>
+          <a:prstGeom prst="rect">
+            <a:avLst/>
+          </a:prstGeom>
+        </p:spPr>
+      </p:pic>
+      <p:pic>
+        <p:nvPicPr>
+          <p:cNvPr id="72" name="Picture 71">
+            <a:extLst>
+              <a:ext uri="{FF2B5EF4-FFF2-40B4-BE49-F238E27FC236}">
+                <a16:creationId xmlns:a16="http://schemas.microsoft.com/office/drawing/2014/main" id="{7F26CF71-17F2-40C6-8687-0B578E827C7D}"/>
+              </a:ext>
+            </a:extLst>
+          </p:cNvPr>
+          <p:cNvPicPr>
+            <a:picLocks noChangeAspect="1"/>
+          </p:cNvPicPr>
+          <p:nvPr>
+            <p:custDataLst>
+              <p:tags r:id="rId26"/>
+            </p:custDataLst>
+          </p:nvPr>
+        </p:nvPicPr>
+        <p:blipFill>
+          <a:blip r:embed="rId56">
+            <a:extLst>
+              <a:ext uri="{28A0092B-C50C-407E-A947-70E740481C1C}">
+                <a14:useLocalDpi xmlns:a14="http://schemas.microsoft.com/office/drawing/2010/main" val="0"/>
+              </a:ext>
+            </a:extLst>
+          </a:blip>
+          <a:stretch>
+            <a:fillRect/>
+          </a:stretch>
+        </p:blipFill>
+        <p:spPr>
+          <a:xfrm>
+            <a:off x="11394905" y="3101646"/>
+            <a:ext cx="117333" cy="163048"/>
+          </a:xfrm>
+          <a:prstGeom prst="rect">
+            <a:avLst/>
+          </a:prstGeom>
+        </p:spPr>
+      </p:pic>
+      <p:pic>
+        <p:nvPicPr>
+          <p:cNvPr id="73" name="Picture 72">
+            <a:extLst>
+              <a:ext uri="{FF2B5EF4-FFF2-40B4-BE49-F238E27FC236}">
+                <a16:creationId xmlns:a16="http://schemas.microsoft.com/office/drawing/2014/main" id="{CC2DE493-4C50-4279-8731-7E83D8C54829}"/>
+              </a:ext>
+            </a:extLst>
+          </p:cNvPr>
+          <p:cNvPicPr>
+            <a:picLocks noChangeAspect="1"/>
+          </p:cNvPicPr>
+          <p:nvPr>
+            <p:custDataLst>
+              <p:tags r:id="rId27"/>
+            </p:custDataLst>
+          </p:nvPr>
+        </p:nvPicPr>
+        <p:blipFill>
+          <a:blip r:embed="rId56">
+            <a:extLst>
+              <a:ext uri="{28A0092B-C50C-407E-A947-70E740481C1C}">
+                <a14:useLocalDpi xmlns:a14="http://schemas.microsoft.com/office/drawing/2010/main" val="0"/>
+              </a:ext>
+            </a:extLst>
+          </a:blip>
+          <a:stretch>
+            <a:fillRect/>
+          </a:stretch>
+        </p:blipFill>
+        <p:spPr>
+          <a:xfrm>
+            <a:off x="11394906" y="3732248"/>
+            <a:ext cx="117333" cy="163048"/>
+          </a:xfrm>
+          <a:prstGeom prst="rect">
+            <a:avLst/>
+          </a:prstGeom>
+        </p:spPr>
+      </p:pic>
+      <p:pic>
+        <p:nvPicPr>
+          <p:cNvPr id="74" name="Picture 73">
+            <a:extLst>
+              <a:ext uri="{FF2B5EF4-FFF2-40B4-BE49-F238E27FC236}">
+                <a16:creationId xmlns:a16="http://schemas.microsoft.com/office/drawing/2014/main" id="{821C9F5F-FB54-4137-B283-8B83D18AAD15}"/>
+              </a:ext>
+            </a:extLst>
+          </p:cNvPr>
+          <p:cNvPicPr>
+            <a:picLocks noChangeAspect="1"/>
+          </p:cNvPicPr>
+          <p:nvPr>
+            <p:custDataLst>
+              <p:tags r:id="rId28"/>
+            </p:custDataLst>
+          </p:nvPr>
+        </p:nvPicPr>
+        <p:blipFill>
+          <a:blip r:embed="rId56">
+            <a:extLst>
+              <a:ext uri="{28A0092B-C50C-407E-A947-70E740481C1C}">
+                <a14:useLocalDpi xmlns:a14="http://schemas.microsoft.com/office/drawing/2010/main" val="0"/>
+              </a:ext>
+            </a:extLst>
+          </a:blip>
+          <a:stretch>
+            <a:fillRect/>
+          </a:stretch>
+        </p:blipFill>
+        <p:spPr>
+          <a:xfrm>
+            <a:off x="11394906" y="4394184"/>
+            <a:ext cx="117333" cy="163048"/>
+          </a:xfrm>
+          <a:prstGeom prst="rect">
+            <a:avLst/>
+          </a:prstGeom>
+        </p:spPr>
+      </p:pic>
+      <p:pic>
+        <p:nvPicPr>
+          <p:cNvPr id="75" name="Picture 74">
+            <a:extLst>
+              <a:ext uri="{FF2B5EF4-FFF2-40B4-BE49-F238E27FC236}">
+                <a16:creationId xmlns:a16="http://schemas.microsoft.com/office/drawing/2014/main" id="{D6378302-EED5-4B9B-92E8-B01C09F078F5}"/>
+              </a:ext>
+            </a:extLst>
+          </p:cNvPr>
+          <p:cNvPicPr>
+            <a:picLocks noChangeAspect="1"/>
+          </p:cNvPicPr>
+          <p:nvPr>
+            <p:custDataLst>
+              <p:tags r:id="rId29"/>
+            </p:custDataLst>
+          </p:nvPr>
+        </p:nvPicPr>
+        <p:blipFill>
+          <a:blip r:embed="rId56">
+            <a:extLst>
+              <a:ext uri="{28A0092B-C50C-407E-A947-70E740481C1C}">
+                <a14:useLocalDpi xmlns:a14="http://schemas.microsoft.com/office/drawing/2010/main" val="0"/>
+              </a:ext>
+            </a:extLst>
+          </a:blip>
+          <a:stretch>
+            <a:fillRect/>
+          </a:stretch>
+        </p:blipFill>
+        <p:spPr>
+          <a:xfrm>
+            <a:off x="11394905" y="1873200"/>
+            <a:ext cx="117333" cy="163048"/>
+          </a:xfrm>
+          <a:prstGeom prst="rect">
+            <a:avLst/>
+          </a:prstGeom>
+        </p:spPr>
+      </p:pic>
+      <p:pic>
+        <p:nvPicPr>
+          <p:cNvPr id="76" name="Picture 75">
+            <a:extLst>
+              <a:ext uri="{FF2B5EF4-FFF2-40B4-BE49-F238E27FC236}">
+                <a16:creationId xmlns:a16="http://schemas.microsoft.com/office/drawing/2014/main" id="{C133AB64-A421-450E-9F94-3D8E4A7CD8C0}"/>
+              </a:ext>
+            </a:extLst>
+          </p:cNvPr>
+          <p:cNvPicPr>
+            <a:picLocks noChangeAspect="1"/>
+          </p:cNvPicPr>
+          <p:nvPr>
+            <p:custDataLst>
+              <p:tags r:id="rId30"/>
+            </p:custDataLst>
+          </p:nvPr>
+        </p:nvPicPr>
+        <p:blipFill>
+          <a:blip r:embed="rId56">
+            <a:extLst>
+              <a:ext uri="{28A0092B-C50C-407E-A947-70E740481C1C}">
+                <a14:useLocalDpi xmlns:a14="http://schemas.microsoft.com/office/drawing/2010/main" val="0"/>
+              </a:ext>
+            </a:extLst>
+          </a:blip>
+          <a:stretch>
+            <a:fillRect/>
+          </a:stretch>
+        </p:blipFill>
+        <p:spPr>
+          <a:xfrm>
+            <a:off x="11394905" y="2487423"/>
+            <a:ext cx="117333" cy="163048"/>
+          </a:xfrm>
+          <a:prstGeom prst="rect">
+            <a:avLst/>
+          </a:prstGeom>
+        </p:spPr>
+      </p:pic>
+      <p:cxnSp>
+        <p:nvCxnSpPr>
+          <p:cNvPr id="78" name="Straight Connector 77">
+            <a:extLst>
+              <a:ext uri="{FF2B5EF4-FFF2-40B4-BE49-F238E27FC236}">
+                <a16:creationId xmlns:a16="http://schemas.microsoft.com/office/drawing/2014/main" id="{62307497-AA56-4648-BF37-23669602046F}"/>
+              </a:ext>
+            </a:extLst>
+          </p:cNvPr>
+          <p:cNvCxnSpPr/>
+          <p:nvPr/>
+        </p:nvCxnSpPr>
+        <p:spPr>
+          <a:xfrm>
+            <a:off x="600501" y="2098079"/>
+            <a:ext cx="11423177" cy="0"/>
+          </a:xfrm>
+          <a:prstGeom prst="line">
+            <a:avLst/>
+          </a:prstGeom>
+        </p:spPr>
+        <p:style>
+          <a:lnRef idx="1">
+            <a:schemeClr val="accent1"/>
+          </a:lnRef>
+          <a:fillRef idx="0">
+            <a:schemeClr val="accent1"/>
+          </a:fillRef>
+          <a:effectRef idx="0">
+            <a:schemeClr val="accent1"/>
+          </a:effectRef>
+          <a:fontRef idx="minor">
+            <a:schemeClr val="tx1"/>
+          </a:fontRef>
+        </p:style>
+      </p:cxnSp>
+      <p:cxnSp>
+        <p:nvCxnSpPr>
+          <p:cNvPr id="79" name="Straight Connector 78">
+            <a:extLst>
+              <a:ext uri="{FF2B5EF4-FFF2-40B4-BE49-F238E27FC236}">
+                <a16:creationId xmlns:a16="http://schemas.microsoft.com/office/drawing/2014/main" id="{41A77C1F-2F43-4900-868C-CC5C2328A65A}"/>
+              </a:ext>
+            </a:extLst>
+          </p:cNvPr>
+          <p:cNvCxnSpPr/>
+          <p:nvPr/>
+        </p:nvCxnSpPr>
+        <p:spPr>
+          <a:xfrm>
+            <a:off x="600501" y="2864628"/>
+            <a:ext cx="11423177" cy="0"/>
+          </a:xfrm>
+          <a:prstGeom prst="line">
+            <a:avLst/>
+          </a:prstGeom>
+        </p:spPr>
+        <p:style>
+          <a:lnRef idx="1">
+            <a:schemeClr val="accent1"/>
+          </a:lnRef>
+          <a:fillRef idx="0">
+            <a:schemeClr val="accent1"/>
+          </a:fillRef>
+          <a:effectRef idx="0">
+            <a:schemeClr val="accent1"/>
+          </a:effectRef>
+          <a:fontRef idx="minor">
+            <a:schemeClr val="tx1"/>
+          </a:fontRef>
+        </p:style>
+      </p:cxnSp>
+      <p:cxnSp>
+        <p:nvCxnSpPr>
+          <p:cNvPr id="80" name="Straight Connector 79">
+            <a:extLst>
+              <a:ext uri="{FF2B5EF4-FFF2-40B4-BE49-F238E27FC236}">
+                <a16:creationId xmlns:a16="http://schemas.microsoft.com/office/drawing/2014/main" id="{CEDC14BF-A4A7-42CD-B33A-1FDE630958D9}"/>
+              </a:ext>
+            </a:extLst>
+          </p:cNvPr>
+          <p:cNvCxnSpPr/>
+          <p:nvPr/>
+        </p:nvCxnSpPr>
+        <p:spPr>
+          <a:xfrm>
+            <a:off x="600501" y="3473355"/>
+            <a:ext cx="11423177" cy="0"/>
+          </a:xfrm>
+          <a:prstGeom prst="line">
+            <a:avLst/>
+          </a:prstGeom>
+        </p:spPr>
+        <p:style>
+          <a:lnRef idx="1">
+            <a:schemeClr val="accent1"/>
+          </a:lnRef>
+          <a:fillRef idx="0">
+            <a:schemeClr val="accent1"/>
+          </a:fillRef>
+          <a:effectRef idx="0">
+            <a:schemeClr val="accent1"/>
+          </a:effectRef>
+          <a:fontRef idx="minor">
+            <a:schemeClr val="tx1"/>
+          </a:fontRef>
+        </p:style>
+      </p:cxnSp>
+      <p:cxnSp>
+        <p:nvCxnSpPr>
+          <p:cNvPr id="81" name="Straight Connector 80">
+            <a:extLst>
+              <a:ext uri="{FF2B5EF4-FFF2-40B4-BE49-F238E27FC236}">
+                <a16:creationId xmlns:a16="http://schemas.microsoft.com/office/drawing/2014/main" id="{D934AE2C-ED6F-49AE-994A-AA1EB8A570B7}"/>
+              </a:ext>
+            </a:extLst>
+          </p:cNvPr>
+          <p:cNvCxnSpPr/>
+          <p:nvPr/>
+        </p:nvCxnSpPr>
+        <p:spPr>
+          <a:xfrm>
+            <a:off x="600500" y="4779864"/>
+            <a:ext cx="11423177" cy="0"/>
+          </a:xfrm>
+          <a:prstGeom prst="line">
+            <a:avLst/>
+          </a:prstGeom>
+        </p:spPr>
+        <p:style>
+          <a:lnRef idx="1">
+            <a:schemeClr val="accent1"/>
+          </a:lnRef>
+          <a:fillRef idx="0">
+            <a:schemeClr val="accent1"/>
+          </a:fillRef>
+          <a:effectRef idx="0">
+            <a:schemeClr val="accent1"/>
+          </a:effectRef>
+          <a:fontRef idx="minor">
+            <a:schemeClr val="tx1"/>
+          </a:fontRef>
+        </p:style>
+      </p:cxnSp>
+      <p:cxnSp>
+        <p:nvCxnSpPr>
+          <p:cNvPr id="82" name="Straight Connector 81">
+            <a:extLst>
+              <a:ext uri="{FF2B5EF4-FFF2-40B4-BE49-F238E27FC236}">
+                <a16:creationId xmlns:a16="http://schemas.microsoft.com/office/drawing/2014/main" id="{0B45AB7E-8E46-44A9-AE71-E27D8BE3DDBF}"/>
+              </a:ext>
+            </a:extLst>
+          </p:cNvPr>
+          <p:cNvCxnSpPr/>
+          <p:nvPr/>
+        </p:nvCxnSpPr>
+        <p:spPr>
+          <a:xfrm>
+            <a:off x="600500" y="4140694"/>
+            <a:ext cx="11423177" cy="0"/>
+          </a:xfrm>
+          <a:prstGeom prst="line">
+            <a:avLst/>
+          </a:prstGeom>
+        </p:spPr>
+        <p:style>
+          <a:lnRef idx="1">
+            <a:schemeClr val="accent1"/>
+          </a:lnRef>
+          <a:fillRef idx="0">
+            <a:schemeClr val="accent1"/>
+          </a:fillRef>
+          <a:effectRef idx="0">
+            <a:schemeClr val="accent1"/>
+          </a:effectRef>
+          <a:fontRef idx="minor">
+            <a:schemeClr val="tx1"/>
+          </a:fontRef>
+        </p:style>
+      </p:cxnSp>
+      <p:cxnSp>
+        <p:nvCxnSpPr>
+          <p:cNvPr id="83" name="Straight Connector 82">
+            <a:extLst>
+              <a:ext uri="{FF2B5EF4-FFF2-40B4-BE49-F238E27FC236}">
+                <a16:creationId xmlns:a16="http://schemas.microsoft.com/office/drawing/2014/main" id="{33B28CE2-28C2-49CD-BE8D-CFDEF1A4F025}"/>
+              </a:ext>
+            </a:extLst>
+          </p:cNvPr>
+          <p:cNvCxnSpPr/>
+          <p:nvPr/>
+        </p:nvCxnSpPr>
+        <p:spPr>
+          <a:xfrm>
+            <a:off x="576504" y="1508951"/>
+            <a:ext cx="11423177" cy="0"/>
+          </a:xfrm>
+          <a:prstGeom prst="line">
+            <a:avLst/>
+          </a:prstGeom>
+          <a:ln w="28575"/>
+        </p:spPr>
+        <p:style>
+          <a:lnRef idx="1">
+            <a:schemeClr val="accent1"/>
+          </a:lnRef>
+          <a:fillRef idx="0">
+            <a:schemeClr val="accent1"/>
+          </a:fillRef>
+          <a:effectRef idx="0">
+            <a:schemeClr val="accent1"/>
+          </a:effectRef>
+          <a:fontRef idx="minor">
+            <a:schemeClr val="tx1"/>
+          </a:fontRef>
+        </p:style>
+      </p:cxnSp>
     </p:spTree>
     <p:extLst>
       <p:ext uri="{BB962C8B-B14F-4D97-AF65-F5344CB8AC3E}">
@@ -12512,7 +15247,7 @@
 </p:sld>
 </file>
 
-<file path=ppt/slides/slide12.xml><?xml version="1.0" encoding="utf-8"?>
+<file path=ppt/slides/slide13.xml><?xml version="1.0" encoding="utf-8"?>
 <p:sld xmlns:a="http://schemas.openxmlformats.org/drawingml/2006/main" xmlns:r="http://schemas.openxmlformats.org/officeDocument/2006/relationships" xmlns:p="http://schemas.openxmlformats.org/presentationml/2006/main">
   <p:cSld>
     <p:spTree>
@@ -12592,7 +15327,7 @@
 </p:sld>
 </file>
 
-<file path=ppt/slides/slide13.xml><?xml version="1.0" encoding="utf-8"?>
+<file path=ppt/slides/slide14.xml><?xml version="1.0" encoding="utf-8"?>
 <p:sld xmlns:a="http://schemas.openxmlformats.org/drawingml/2006/main" xmlns:r="http://schemas.openxmlformats.org/officeDocument/2006/relationships" xmlns:p="http://schemas.openxmlformats.org/presentationml/2006/main">
   <p:cSld>
     <p:spTree>
@@ -12672,7 +15407,7 @@
 </p:sld>
 </file>
 
-<file path=ppt/slides/slide14.xml><?xml version="1.0" encoding="utf-8"?>
+<file path=ppt/slides/slide15.xml><?xml version="1.0" encoding="utf-8"?>
 <p:sld xmlns:a="http://schemas.openxmlformats.org/drawingml/2006/main" xmlns:r="http://schemas.openxmlformats.org/officeDocument/2006/relationships" xmlns:p="http://schemas.openxmlformats.org/presentationml/2006/main">
   <p:cSld>
     <p:spTree>
@@ -12752,7 +15487,7 @@
 </p:sld>
 </file>
 
-<file path=ppt/slides/slide15.xml><?xml version="1.0" encoding="utf-8"?>
+<file path=ppt/slides/slide16.xml><?xml version="1.0" encoding="utf-8"?>
 <p:sld xmlns:a="http://schemas.openxmlformats.org/drawingml/2006/main" xmlns:r="http://schemas.openxmlformats.org/officeDocument/2006/relationships" xmlns:p="http://schemas.openxmlformats.org/presentationml/2006/main">
   <p:cSld>
     <p:spTree>
@@ -12832,7 +15567,7 @@
 </p:sld>
 </file>
 
-<file path=ppt/slides/slide16.xml><?xml version="1.0" encoding="utf-8"?>
+<file path=ppt/slides/slide17.xml><?xml version="1.0" encoding="utf-8"?>
 <p:sld xmlns:a="http://schemas.openxmlformats.org/drawingml/2006/main" xmlns:r="http://schemas.openxmlformats.org/officeDocument/2006/relationships" xmlns:p="http://schemas.openxmlformats.org/presentationml/2006/main">
   <p:cSld>
     <p:spTree>
@@ -35737,60 +38472,92 @@
           <a:chExt cx="0" cy="0"/>
         </a:xfrm>
       </p:grpSpPr>
-      <p:sp>
-        <p:nvSpPr>
-          <p:cNvPr id="4" name="Oval 3">
+      <p:pic>
+        <p:nvPicPr>
+          <p:cNvPr id="15" name="Picture 14">
             <a:extLst>
               <a:ext uri="{FF2B5EF4-FFF2-40B4-BE49-F238E27FC236}">
-                <a16:creationId xmlns:a16="http://schemas.microsoft.com/office/drawing/2014/main" id="{05A80D2C-F686-452A-94B9-D43C1315CEB7}"/>
+                <a16:creationId xmlns:a16="http://schemas.microsoft.com/office/drawing/2014/main" id="{0226BE80-1DC9-4093-97A5-1CB39EABE66C}"/>
               </a:ext>
             </a:extLst>
           </p:cNvPr>
-          <p:cNvSpPr/>
-          <p:nvPr/>
-        </p:nvSpPr>
+          <p:cNvPicPr>
+            <a:picLocks noChangeAspect="1"/>
+          </p:cNvPicPr>
+          <p:nvPr>
+            <p:custDataLst>
+              <p:tags r:id="rId1"/>
+            </p:custDataLst>
+          </p:nvPr>
+        </p:nvPicPr>
+        <p:blipFill>
+          <a:blip r:embed="rId19">
+            <a:extLst>
+              <a:ext uri="{28A0092B-C50C-407E-A947-70E740481C1C}">
+                <a14:useLocalDpi xmlns:a14="http://schemas.microsoft.com/office/drawing/2010/main" val="0"/>
+              </a:ext>
+            </a:extLst>
+          </a:blip>
+          <a:stretch>
+            <a:fillRect/>
+          </a:stretch>
+        </p:blipFill>
         <p:spPr>
           <a:xfrm>
-            <a:off x="2770495" y="641445"/>
-            <a:ext cx="5827594" cy="5827594"/>
+            <a:off x="9739289" y="3658351"/>
+            <a:ext cx="598857" cy="178286"/>
           </a:xfrm>
-          <a:prstGeom prst="ellipse">
+          <a:prstGeom prst="rect">
             <a:avLst/>
           </a:prstGeom>
-          <a:noFill/>
-          <a:ln w="177800"/>
         </p:spPr>
-        <p:style>
-          <a:lnRef idx="2">
-            <a:schemeClr val="accent1">
-              <a:shade val="50000"/>
-            </a:schemeClr>
-          </a:lnRef>
-          <a:fillRef idx="1">
-            <a:schemeClr val="accent1"/>
-          </a:fillRef>
-          <a:effectRef idx="0">
-            <a:schemeClr val="accent1"/>
-          </a:effectRef>
-          <a:fontRef idx="minor">
-            <a:schemeClr val="lt1"/>
-          </a:fontRef>
-        </p:style>
-        <p:txBody>
-          <a:bodyPr rtlCol="0" anchor="ctr"/>
-          <a:lstStyle/>
-          <a:p>
-            <a:pPr algn="ctr"/>
-            <a:endParaRPr lang="en-US" dirty="0"/>
-          </a:p>
-        </p:txBody>
-      </p:sp>
+      </p:pic>
+      <p:pic>
+        <p:nvPicPr>
+          <p:cNvPr id="17" name="Picture 16">
+            <a:extLst>
+              <a:ext uri="{FF2B5EF4-FFF2-40B4-BE49-F238E27FC236}">
+                <a16:creationId xmlns:a16="http://schemas.microsoft.com/office/drawing/2014/main" id="{41FC674A-03F8-4947-A4AE-70A18506F942}"/>
+              </a:ext>
+            </a:extLst>
+          </p:cNvPr>
+          <p:cNvPicPr>
+            <a:picLocks noChangeAspect="1"/>
+          </p:cNvPicPr>
+          <p:nvPr>
+            <p:custDataLst>
+              <p:tags r:id="rId2"/>
+            </p:custDataLst>
+          </p:nvPr>
+        </p:nvPicPr>
+        <p:blipFill>
+          <a:blip r:embed="rId20">
+            <a:extLst>
+              <a:ext uri="{28A0092B-C50C-407E-A947-70E740481C1C}">
+                <a14:useLocalDpi xmlns:a14="http://schemas.microsoft.com/office/drawing/2010/main" val="0"/>
+              </a:ext>
+            </a:extLst>
+          </a:blip>
+          <a:stretch>
+            <a:fillRect/>
+          </a:stretch>
+        </p:blipFill>
+        <p:spPr>
+          <a:xfrm>
+            <a:off x="717147" y="3775402"/>
+            <a:ext cx="795429" cy="184381"/>
+          </a:xfrm>
+          <a:prstGeom prst="rect">
+            <a:avLst/>
+          </a:prstGeom>
+        </p:spPr>
+      </p:pic>
       <p:grpSp>
         <p:nvGrpSpPr>
-          <p:cNvPr id="17" name="Group 16">
+          <p:cNvPr id="54" name="Group 53">
             <a:extLst>
               <a:ext uri="{FF2B5EF4-FFF2-40B4-BE49-F238E27FC236}">
-                <a16:creationId xmlns:a16="http://schemas.microsoft.com/office/drawing/2014/main" id="{EA20FC53-BE08-4C9F-8902-1169CBC3DF5F}"/>
+                <a16:creationId xmlns:a16="http://schemas.microsoft.com/office/drawing/2014/main" id="{2EB0CBF3-354F-4797-98EA-243FD3AB1C07}"/>
               </a:ext>
             </a:extLst>
           </p:cNvPr>
@@ -35799,18 +38566,18 @@
         </p:nvGrpSpPr>
         <p:grpSpPr>
           <a:xfrm>
-            <a:off x="3088944" y="832514"/>
-            <a:ext cx="6332561" cy="5432093"/>
-            <a:chOff x="3088944" y="832514"/>
-            <a:chExt cx="6332561" cy="5432093"/>
+            <a:off x="3769216" y="188890"/>
+            <a:ext cx="3230451" cy="6480220"/>
+            <a:chOff x="3769216" y="188890"/>
+            <a:chExt cx="3230451" cy="6480220"/>
           </a:xfrm>
         </p:grpSpPr>
         <p:grpSp>
           <p:nvGrpSpPr>
-            <p:cNvPr id="10" name="Group 9">
+            <p:cNvPr id="13" name="Group 12">
               <a:extLst>
                 <a:ext uri="{FF2B5EF4-FFF2-40B4-BE49-F238E27FC236}">
-                  <a16:creationId xmlns:a16="http://schemas.microsoft.com/office/drawing/2014/main" id="{673970CB-373E-4BE4-A258-FE6A5F8D6864}"/>
+                  <a16:creationId xmlns:a16="http://schemas.microsoft.com/office/drawing/2014/main" id="{4EC59A72-FAE2-4BDC-B34F-AA99183B4C3F}"/>
                 </a:ext>
               </a:extLst>
             </p:cNvPr>
@@ -35819,18 +38586,18 @@
           </p:nvGrpSpPr>
           <p:grpSpPr>
             <a:xfrm>
-              <a:off x="3088944" y="1757292"/>
-              <a:ext cx="6332561" cy="3595900"/>
-              <a:chOff x="3088944" y="1637731"/>
-              <a:chExt cx="6332561" cy="3595900"/>
+              <a:off x="3769216" y="188890"/>
+              <a:ext cx="3230451" cy="6480220"/>
+              <a:chOff x="3494468" y="-1086117"/>
+              <a:chExt cx="3230451" cy="6480220"/>
             </a:xfrm>
           </p:grpSpPr>
           <p:sp>
             <p:nvSpPr>
-              <p:cNvPr id="5" name="Rectangle: Rounded Corners 4">
+              <p:cNvPr id="12" name="Rectangle 11">
                 <a:extLst>
                   <a:ext uri="{FF2B5EF4-FFF2-40B4-BE49-F238E27FC236}">
-                    <a16:creationId xmlns:a16="http://schemas.microsoft.com/office/drawing/2014/main" id="{7542E908-9EE4-4A76-8565-068DDD7C2513}"/>
+                    <a16:creationId xmlns:a16="http://schemas.microsoft.com/office/drawing/2014/main" id="{3B60593A-A81D-43D9-97F3-9766883235EB}"/>
                   </a:ext>
                 </a:extLst>
               </p:cNvPr>
@@ -35839,12 +38606,429 @@
             </p:nvSpPr>
             <p:spPr>
               <a:xfrm>
-                <a:off x="3088944" y="3120219"/>
-                <a:ext cx="6332561" cy="617561"/>
+                <a:off x="3790683" y="-1086117"/>
+                <a:ext cx="2601532" cy="6480220"/>
               </a:xfrm>
-              <a:prstGeom prst="roundRect">
+              <a:prstGeom prst="rect">
                 <a:avLst/>
               </a:prstGeom>
+              <a:solidFill>
+                <a:schemeClr val="accent1">
+                  <a:lumMod val="20000"/>
+                  <a:lumOff val="80000"/>
+                </a:schemeClr>
+              </a:solidFill>
+            </p:spPr>
+            <p:style>
+              <a:lnRef idx="2">
+                <a:schemeClr val="accent1">
+                  <a:shade val="50000"/>
+                </a:schemeClr>
+              </a:lnRef>
+              <a:fillRef idx="1">
+                <a:schemeClr val="accent1"/>
+              </a:fillRef>
+              <a:effectRef idx="0">
+                <a:schemeClr val="accent1"/>
+              </a:effectRef>
+              <a:fontRef idx="minor">
+                <a:schemeClr val="lt1"/>
+              </a:fontRef>
+            </p:style>
+            <p:txBody>
+              <a:bodyPr rtlCol="0" anchor="ctr"/>
+              <a:lstStyle/>
+              <a:p>
+                <a:pPr algn="ctr"/>
+                <a:endParaRPr lang="en-US"/>
+              </a:p>
+            </p:txBody>
+          </p:sp>
+          <p:grpSp>
+            <p:nvGrpSpPr>
+              <p:cNvPr id="11" name="Group 10">
+                <a:extLst>
+                  <a:ext uri="{FF2B5EF4-FFF2-40B4-BE49-F238E27FC236}">
+                    <a16:creationId xmlns:a16="http://schemas.microsoft.com/office/drawing/2014/main" id="{CE687F31-016D-4011-8506-2094D0B4EAFB}"/>
+                  </a:ext>
+                </a:extLst>
+              </p:cNvPr>
+              <p:cNvGrpSpPr/>
+              <p:nvPr/>
+            </p:nvGrpSpPr>
+            <p:grpSpPr>
+              <a:xfrm rot="10800000">
+                <a:off x="3494468" y="1053928"/>
+                <a:ext cx="3230451" cy="4340173"/>
+                <a:chOff x="3494468" y="1053928"/>
+                <a:chExt cx="3230451" cy="4340173"/>
+              </a:xfrm>
+            </p:grpSpPr>
+            <p:sp>
+              <p:nvSpPr>
+                <p:cNvPr id="4" name="Rectangle: Rounded Corners 3">
+                  <a:extLst>
+                    <a:ext uri="{FF2B5EF4-FFF2-40B4-BE49-F238E27FC236}">
+                      <a16:creationId xmlns:a16="http://schemas.microsoft.com/office/drawing/2014/main" id="{D5756822-CDC4-495B-8611-01A3570955E7}"/>
+                    </a:ext>
+                  </a:extLst>
+                </p:cNvPr>
+                <p:cNvSpPr/>
+                <p:nvPr/>
+              </p:nvSpPr>
+              <p:spPr>
+                <a:xfrm>
+                  <a:off x="3494468" y="1053928"/>
+                  <a:ext cx="2601532" cy="193183"/>
+                </a:xfrm>
+                <a:prstGeom prst="roundRect">
+                  <a:avLst/>
+                </a:prstGeom>
+              </p:spPr>
+              <p:style>
+                <a:lnRef idx="2">
+                  <a:schemeClr val="accent1">
+                    <a:shade val="50000"/>
+                  </a:schemeClr>
+                </a:lnRef>
+                <a:fillRef idx="1">
+                  <a:schemeClr val="accent1"/>
+                </a:fillRef>
+                <a:effectRef idx="0">
+                  <a:schemeClr val="accent1"/>
+                </a:effectRef>
+                <a:fontRef idx="minor">
+                  <a:schemeClr val="lt1"/>
+                </a:fontRef>
+              </p:style>
+              <p:txBody>
+                <a:bodyPr rtlCol="0" anchor="ctr"/>
+                <a:lstStyle/>
+                <a:p>
+                  <a:pPr algn="ctr"/>
+                  <a:endParaRPr lang="en-US"/>
+                </a:p>
+              </p:txBody>
+            </p:sp>
+            <p:sp>
+              <p:nvSpPr>
+                <p:cNvPr id="5" name="Rectangle: Rounded Corners 4">
+                  <a:extLst>
+                    <a:ext uri="{FF2B5EF4-FFF2-40B4-BE49-F238E27FC236}">
+                      <a16:creationId xmlns:a16="http://schemas.microsoft.com/office/drawing/2014/main" id="{60563BC4-5D53-4FCB-B999-9A347CE8CC01}"/>
+                    </a:ext>
+                  </a:extLst>
+                </p:cNvPr>
+                <p:cNvSpPr/>
+                <p:nvPr/>
+              </p:nvSpPr>
+              <p:spPr>
+                <a:xfrm>
+                  <a:off x="4123387" y="1745093"/>
+                  <a:ext cx="2601532" cy="193183"/>
+                </a:xfrm>
+                <a:prstGeom prst="roundRect">
+                  <a:avLst/>
+                </a:prstGeom>
+              </p:spPr>
+              <p:style>
+                <a:lnRef idx="2">
+                  <a:schemeClr val="accent1">
+                    <a:shade val="50000"/>
+                  </a:schemeClr>
+                </a:lnRef>
+                <a:fillRef idx="1">
+                  <a:schemeClr val="accent1"/>
+                </a:fillRef>
+                <a:effectRef idx="0">
+                  <a:schemeClr val="accent1"/>
+                </a:effectRef>
+                <a:fontRef idx="minor">
+                  <a:schemeClr val="lt1"/>
+                </a:fontRef>
+              </p:style>
+              <p:txBody>
+                <a:bodyPr rtlCol="0" anchor="ctr"/>
+                <a:lstStyle/>
+                <a:p>
+                  <a:pPr algn="ctr"/>
+                  <a:endParaRPr lang="en-US"/>
+                </a:p>
+              </p:txBody>
+            </p:sp>
+            <p:sp>
+              <p:nvSpPr>
+                <p:cNvPr id="6" name="Rectangle: Rounded Corners 5">
+                  <a:extLst>
+                    <a:ext uri="{FF2B5EF4-FFF2-40B4-BE49-F238E27FC236}">
+                      <a16:creationId xmlns:a16="http://schemas.microsoft.com/office/drawing/2014/main" id="{014D41B6-7168-495D-B269-7DD74C1C3277}"/>
+                    </a:ext>
+                  </a:extLst>
+                </p:cNvPr>
+                <p:cNvSpPr/>
+                <p:nvPr/>
+              </p:nvSpPr>
+              <p:spPr>
+                <a:xfrm>
+                  <a:off x="3494468" y="2436258"/>
+                  <a:ext cx="2601532" cy="193183"/>
+                </a:xfrm>
+                <a:prstGeom prst="roundRect">
+                  <a:avLst/>
+                </a:prstGeom>
+              </p:spPr>
+              <p:style>
+                <a:lnRef idx="2">
+                  <a:schemeClr val="accent1">
+                    <a:shade val="50000"/>
+                  </a:schemeClr>
+                </a:lnRef>
+                <a:fillRef idx="1">
+                  <a:schemeClr val="accent1"/>
+                </a:fillRef>
+                <a:effectRef idx="0">
+                  <a:schemeClr val="accent1"/>
+                </a:effectRef>
+                <a:fontRef idx="minor">
+                  <a:schemeClr val="lt1"/>
+                </a:fontRef>
+              </p:style>
+              <p:txBody>
+                <a:bodyPr rtlCol="0" anchor="ctr"/>
+                <a:lstStyle/>
+                <a:p>
+                  <a:pPr algn="ctr"/>
+                  <a:endParaRPr lang="en-US"/>
+                </a:p>
+              </p:txBody>
+            </p:sp>
+            <p:sp>
+              <p:nvSpPr>
+                <p:cNvPr id="7" name="Rectangle: Rounded Corners 6">
+                  <a:extLst>
+                    <a:ext uri="{FF2B5EF4-FFF2-40B4-BE49-F238E27FC236}">
+                      <a16:creationId xmlns:a16="http://schemas.microsoft.com/office/drawing/2014/main" id="{404387B8-B4E9-4C0E-BCBB-DE987B101704}"/>
+                    </a:ext>
+                  </a:extLst>
+                </p:cNvPr>
+                <p:cNvSpPr/>
+                <p:nvPr/>
+              </p:nvSpPr>
+              <p:spPr>
+                <a:xfrm>
+                  <a:off x="4112654" y="3127423"/>
+                  <a:ext cx="2601532" cy="193183"/>
+                </a:xfrm>
+                <a:prstGeom prst="roundRect">
+                  <a:avLst/>
+                </a:prstGeom>
+              </p:spPr>
+              <p:style>
+                <a:lnRef idx="2">
+                  <a:schemeClr val="accent1">
+                    <a:shade val="50000"/>
+                  </a:schemeClr>
+                </a:lnRef>
+                <a:fillRef idx="1">
+                  <a:schemeClr val="accent1"/>
+                </a:fillRef>
+                <a:effectRef idx="0">
+                  <a:schemeClr val="accent1"/>
+                </a:effectRef>
+                <a:fontRef idx="minor">
+                  <a:schemeClr val="lt1"/>
+                </a:fontRef>
+              </p:style>
+              <p:txBody>
+                <a:bodyPr rtlCol="0" anchor="ctr"/>
+                <a:lstStyle/>
+                <a:p>
+                  <a:pPr algn="ctr"/>
+                  <a:endParaRPr lang="en-US"/>
+                </a:p>
+              </p:txBody>
+            </p:sp>
+            <p:sp>
+              <p:nvSpPr>
+                <p:cNvPr id="8" name="Rectangle: Rounded Corners 7">
+                  <a:extLst>
+                    <a:ext uri="{FF2B5EF4-FFF2-40B4-BE49-F238E27FC236}">
+                      <a16:creationId xmlns:a16="http://schemas.microsoft.com/office/drawing/2014/main" id="{E56D3983-A844-480B-A0EB-A2454A1F4BC9}"/>
+                    </a:ext>
+                  </a:extLst>
+                </p:cNvPr>
+                <p:cNvSpPr/>
+                <p:nvPr/>
+              </p:nvSpPr>
+              <p:spPr>
+                <a:xfrm>
+                  <a:off x="3494468" y="3818588"/>
+                  <a:ext cx="2601532" cy="193183"/>
+                </a:xfrm>
+                <a:prstGeom prst="roundRect">
+                  <a:avLst/>
+                </a:prstGeom>
+              </p:spPr>
+              <p:style>
+                <a:lnRef idx="2">
+                  <a:schemeClr val="accent1">
+                    <a:shade val="50000"/>
+                  </a:schemeClr>
+                </a:lnRef>
+                <a:fillRef idx="1">
+                  <a:schemeClr val="accent1"/>
+                </a:fillRef>
+                <a:effectRef idx="0">
+                  <a:schemeClr val="accent1"/>
+                </a:effectRef>
+                <a:fontRef idx="minor">
+                  <a:schemeClr val="lt1"/>
+                </a:fontRef>
+              </p:style>
+              <p:txBody>
+                <a:bodyPr rtlCol="0" anchor="ctr"/>
+                <a:lstStyle/>
+                <a:p>
+                  <a:pPr algn="ctr"/>
+                  <a:endParaRPr lang="en-US"/>
+                </a:p>
+              </p:txBody>
+            </p:sp>
+            <p:sp>
+              <p:nvSpPr>
+                <p:cNvPr id="9" name="Rectangle: Rounded Corners 8">
+                  <a:extLst>
+                    <a:ext uri="{FF2B5EF4-FFF2-40B4-BE49-F238E27FC236}">
+                      <a16:creationId xmlns:a16="http://schemas.microsoft.com/office/drawing/2014/main" id="{3A524E27-A638-4506-9A7A-ECDF2B8A7B90}"/>
+                    </a:ext>
+                  </a:extLst>
+                </p:cNvPr>
+                <p:cNvSpPr/>
+                <p:nvPr/>
+              </p:nvSpPr>
+              <p:spPr>
+                <a:xfrm>
+                  <a:off x="4112654" y="4509753"/>
+                  <a:ext cx="2601532" cy="193183"/>
+                </a:xfrm>
+                <a:prstGeom prst="roundRect">
+                  <a:avLst/>
+                </a:prstGeom>
+              </p:spPr>
+              <p:style>
+                <a:lnRef idx="2">
+                  <a:schemeClr val="accent1">
+                    <a:shade val="50000"/>
+                  </a:schemeClr>
+                </a:lnRef>
+                <a:fillRef idx="1">
+                  <a:schemeClr val="accent1"/>
+                </a:fillRef>
+                <a:effectRef idx="0">
+                  <a:schemeClr val="accent1"/>
+                </a:effectRef>
+                <a:fontRef idx="minor">
+                  <a:schemeClr val="lt1"/>
+                </a:fontRef>
+              </p:style>
+              <p:txBody>
+                <a:bodyPr rtlCol="0" anchor="ctr"/>
+                <a:lstStyle/>
+                <a:p>
+                  <a:pPr algn="ctr"/>
+                  <a:endParaRPr lang="en-US"/>
+                </a:p>
+              </p:txBody>
+            </p:sp>
+            <p:sp>
+              <p:nvSpPr>
+                <p:cNvPr id="10" name="Rectangle: Rounded Corners 9">
+                  <a:extLst>
+                    <a:ext uri="{FF2B5EF4-FFF2-40B4-BE49-F238E27FC236}">
+                      <a16:creationId xmlns:a16="http://schemas.microsoft.com/office/drawing/2014/main" id="{432EAE0F-E204-4293-9028-243B16D86A09}"/>
+                    </a:ext>
+                  </a:extLst>
+                </p:cNvPr>
+                <p:cNvSpPr/>
+                <p:nvPr/>
+              </p:nvSpPr>
+              <p:spPr>
+                <a:xfrm>
+                  <a:off x="3494468" y="5200918"/>
+                  <a:ext cx="2601532" cy="193183"/>
+                </a:xfrm>
+                <a:prstGeom prst="roundRect">
+                  <a:avLst/>
+                </a:prstGeom>
+              </p:spPr>
+              <p:style>
+                <a:lnRef idx="2">
+                  <a:schemeClr val="accent1">
+                    <a:shade val="50000"/>
+                  </a:schemeClr>
+                </a:lnRef>
+                <a:fillRef idx="1">
+                  <a:schemeClr val="accent1"/>
+                </a:fillRef>
+                <a:effectRef idx="0">
+                  <a:schemeClr val="accent1"/>
+                </a:effectRef>
+                <a:fontRef idx="minor">
+                  <a:schemeClr val="lt1"/>
+                </a:fontRef>
+              </p:style>
+              <p:txBody>
+                <a:bodyPr rtlCol="0" anchor="ctr"/>
+                <a:lstStyle/>
+                <a:p>
+                  <a:pPr algn="ctr"/>
+                  <a:endParaRPr lang="en-US"/>
+                </a:p>
+              </p:txBody>
+            </p:sp>
+          </p:grpSp>
+        </p:grpSp>
+        <p:grpSp>
+          <p:nvGrpSpPr>
+            <p:cNvPr id="23" name="Group 22">
+              <a:extLst>
+                <a:ext uri="{FF2B5EF4-FFF2-40B4-BE49-F238E27FC236}">
+                  <a16:creationId xmlns:a16="http://schemas.microsoft.com/office/drawing/2014/main" id="{E453B505-685C-4423-A303-B2EA0759D4AC}"/>
+                </a:ext>
+              </a:extLst>
+            </p:cNvPr>
+            <p:cNvGrpSpPr/>
+            <p:nvPr/>
+          </p:nvGrpSpPr>
+          <p:grpSpPr>
+            <a:xfrm rot="10800000">
+              <a:off x="4464676" y="4658910"/>
+              <a:ext cx="2075636" cy="363829"/>
+              <a:chOff x="4496873" y="2572559"/>
+              <a:chExt cx="2075636" cy="363829"/>
+            </a:xfrm>
+          </p:grpSpPr>
+          <p:sp>
+            <p:nvSpPr>
+              <p:cNvPr id="18" name="Arrow: Down 17">
+                <a:extLst>
+                  <a:ext uri="{FF2B5EF4-FFF2-40B4-BE49-F238E27FC236}">
+                    <a16:creationId xmlns:a16="http://schemas.microsoft.com/office/drawing/2014/main" id="{FD4FB74F-5FF7-4984-9C3E-8EB93C4193EA}"/>
+                  </a:ext>
+                </a:extLst>
+              </p:cNvPr>
+              <p:cNvSpPr/>
+              <p:nvPr/>
+            </p:nvSpPr>
+            <p:spPr>
+              <a:xfrm>
+                <a:off x="4496873" y="2575780"/>
+                <a:ext cx="141667" cy="360608"/>
+              </a:xfrm>
+              <a:prstGeom prst="downArrow">
+                <a:avLst/>
+              </a:prstGeom>
+              <a:noFill/>
             </p:spPr>
             <p:style>
               <a:lnRef idx="2">
@@ -35873,10 +39057,10 @@
           </p:sp>
           <p:sp>
             <p:nvSpPr>
-              <p:cNvPr id="6" name="Rectangle: Rounded Corners 5">
+              <p:cNvPr id="19" name="Arrow: Down 18">
                 <a:extLst>
                   <a:ext uri="{FF2B5EF4-FFF2-40B4-BE49-F238E27FC236}">
-                    <a16:creationId xmlns:a16="http://schemas.microsoft.com/office/drawing/2014/main" id="{C6F6FE84-0773-4ABC-AF15-F8ADC783DCA8}"/>
+                    <a16:creationId xmlns:a16="http://schemas.microsoft.com/office/drawing/2014/main" id="{E7CB3BFA-EE65-401F-BCE7-4C34A377509D}"/>
                   </a:ext>
                 </a:extLst>
               </p:cNvPr>
@@ -35885,12 +39069,13 @@
             </p:nvSpPr>
             <p:spPr>
               <a:xfrm>
-                <a:off x="3643952" y="1637731"/>
-                <a:ext cx="272955" cy="1482488"/>
+                <a:off x="4965876" y="2575780"/>
+                <a:ext cx="141667" cy="360608"/>
               </a:xfrm>
-              <a:prstGeom prst="roundRect">
+              <a:prstGeom prst="downArrow">
                 <a:avLst/>
               </a:prstGeom>
+              <a:noFill/>
             </p:spPr>
             <p:style>
               <a:lnRef idx="2">
@@ -35919,10 +39104,10 @@
           </p:sp>
           <p:sp>
             <p:nvSpPr>
-              <p:cNvPr id="7" name="Rectangle: Rounded Corners 6">
+              <p:cNvPr id="20" name="Arrow: Down 19">
                 <a:extLst>
                   <a:ext uri="{FF2B5EF4-FFF2-40B4-BE49-F238E27FC236}">
-                    <a16:creationId xmlns:a16="http://schemas.microsoft.com/office/drawing/2014/main" id="{9152B474-9D69-472C-B17B-1BB7BBA2671A}"/>
+                    <a16:creationId xmlns:a16="http://schemas.microsoft.com/office/drawing/2014/main" id="{76145E1D-0B7E-483D-A95C-9D3A82EBAD39}"/>
                   </a:ext>
                 </a:extLst>
               </p:cNvPr>
@@ -35931,12 +39116,13 @@
             </p:nvSpPr>
             <p:spPr>
               <a:xfrm>
-                <a:off x="3643952" y="3737780"/>
-                <a:ext cx="272955" cy="1482488"/>
+                <a:off x="5454198" y="2575780"/>
+                <a:ext cx="141667" cy="360608"/>
               </a:xfrm>
-              <a:prstGeom prst="roundRect">
+              <a:prstGeom prst="downArrow">
                 <a:avLst/>
               </a:prstGeom>
+              <a:noFill/>
             </p:spPr>
             <p:style>
               <a:lnRef idx="2">
@@ -35965,10 +39151,10 @@
           </p:sp>
           <p:sp>
             <p:nvSpPr>
-              <p:cNvPr id="8" name="Rectangle: Rounded Corners 7">
+              <p:cNvPr id="21" name="Arrow: Down 20">
                 <a:extLst>
                   <a:ext uri="{FF2B5EF4-FFF2-40B4-BE49-F238E27FC236}">
-                    <a16:creationId xmlns:a16="http://schemas.microsoft.com/office/drawing/2014/main" id="{EB4C9D2B-AEB1-48B1-8FBC-085EF4B9E803}"/>
+                    <a16:creationId xmlns:a16="http://schemas.microsoft.com/office/drawing/2014/main" id="{42751251-0491-4A7B-A7F0-D8A1DA58ED62}"/>
                   </a:ext>
                 </a:extLst>
               </p:cNvPr>
@@ -35977,12 +39163,13 @@
             </p:nvSpPr>
             <p:spPr>
               <a:xfrm>
-                <a:off x="7444854" y="3751143"/>
-                <a:ext cx="272955" cy="1482488"/>
+                <a:off x="5942520" y="2572559"/>
+                <a:ext cx="141667" cy="360608"/>
               </a:xfrm>
-              <a:prstGeom prst="roundRect">
+              <a:prstGeom prst="downArrow">
                 <a:avLst/>
               </a:prstGeom>
+              <a:noFill/>
             </p:spPr>
             <p:style>
               <a:lnRef idx="2">
@@ -36011,10 +39198,10 @@
           </p:sp>
           <p:sp>
             <p:nvSpPr>
-              <p:cNvPr id="9" name="Rectangle: Rounded Corners 8">
+              <p:cNvPr id="22" name="Arrow: Down 21">
                 <a:extLst>
                   <a:ext uri="{FF2B5EF4-FFF2-40B4-BE49-F238E27FC236}">
-                    <a16:creationId xmlns:a16="http://schemas.microsoft.com/office/drawing/2014/main" id="{C00468EF-DFE0-4035-992E-C959519F7252}"/>
+                    <a16:creationId xmlns:a16="http://schemas.microsoft.com/office/drawing/2014/main" id="{5CEBEBB6-CFB1-40CE-86B4-7A29EA54E60C}"/>
                   </a:ext>
                 </a:extLst>
               </p:cNvPr>
@@ -36023,12 +39210,13 @@
             </p:nvSpPr>
             <p:spPr>
               <a:xfrm>
-                <a:off x="7444854" y="1637731"/>
-                <a:ext cx="272955" cy="1482488"/>
+                <a:off x="6430842" y="2572559"/>
+                <a:ext cx="141667" cy="360608"/>
               </a:xfrm>
-              <a:prstGeom prst="roundRect">
+              <a:prstGeom prst="downArrow">
                 <a:avLst/>
               </a:prstGeom>
+              <a:noFill/>
             </p:spPr>
             <p:style>
               <a:lnRef idx="2">
@@ -36056,646 +39244,1622 @@
             </p:txBody>
           </p:sp>
         </p:grpSp>
-        <p:sp>
-          <p:nvSpPr>
-            <p:cNvPr id="11" name="Rectangle: Rounded Corners 10">
+        <p:grpSp>
+          <p:nvGrpSpPr>
+            <p:cNvPr id="24" name="Group 23">
               <a:extLst>
                 <a:ext uri="{FF2B5EF4-FFF2-40B4-BE49-F238E27FC236}">
-                  <a16:creationId xmlns:a16="http://schemas.microsoft.com/office/drawing/2014/main" id="{814598F1-F464-4CFE-AB00-5304FEE6F3C7}"/>
+                  <a16:creationId xmlns:a16="http://schemas.microsoft.com/office/drawing/2014/main" id="{748D221F-363A-4E7B-8261-86A069343610}"/>
                 </a:ext>
               </a:extLst>
             </p:cNvPr>
-            <p:cNvSpPr/>
+            <p:cNvGrpSpPr/>
             <p:nvPr/>
-          </p:nvSpPr>
-          <p:spPr>
+          </p:nvGrpSpPr>
+          <p:grpSpPr>
             <a:xfrm>
-              <a:off x="5547815" y="832514"/>
-              <a:ext cx="269544" cy="2407266"/>
+              <a:off x="4411017" y="2585415"/>
+              <a:ext cx="2075636" cy="363829"/>
+              <a:chOff x="4496873" y="2572559"/>
+              <a:chExt cx="2075636" cy="363829"/>
             </a:xfrm>
-            <a:prstGeom prst="roundRect">
-              <a:avLst/>
-            </a:prstGeom>
-          </p:spPr>
-          <p:style>
-            <a:lnRef idx="2">
-              <a:schemeClr val="accent1">
-                <a:shade val="50000"/>
-              </a:schemeClr>
-            </a:lnRef>
-            <a:fillRef idx="1">
-              <a:schemeClr val="accent1"/>
-            </a:fillRef>
-            <a:effectRef idx="0">
-              <a:schemeClr val="accent1"/>
-            </a:effectRef>
-            <a:fontRef idx="minor">
-              <a:schemeClr val="lt1"/>
-            </a:fontRef>
-          </p:style>
-          <p:txBody>
-            <a:bodyPr rtlCol="0" anchor="ctr"/>
-            <a:lstStyle/>
-            <a:p>
-              <a:pPr algn="ctr"/>
-              <a:endParaRPr lang="en-US"/>
-            </a:p>
-          </p:txBody>
-        </p:sp>
-        <p:sp>
-          <p:nvSpPr>
-            <p:cNvPr id="12" name="Rectangle: Rounded Corners 11">
+          </p:grpSpPr>
+          <p:sp>
+            <p:nvSpPr>
+              <p:cNvPr id="25" name="Arrow: Down 24">
+                <a:extLst>
+                  <a:ext uri="{FF2B5EF4-FFF2-40B4-BE49-F238E27FC236}">
+                    <a16:creationId xmlns:a16="http://schemas.microsoft.com/office/drawing/2014/main" id="{179C822A-41E2-4A2F-B354-6161663E9B57}"/>
+                  </a:ext>
+                </a:extLst>
+              </p:cNvPr>
+              <p:cNvSpPr/>
+              <p:nvPr/>
+            </p:nvSpPr>
+            <p:spPr>
+              <a:xfrm>
+                <a:off x="4496873" y="2575780"/>
+                <a:ext cx="141667" cy="360608"/>
+              </a:xfrm>
+              <a:prstGeom prst="downArrow">
+                <a:avLst/>
+              </a:prstGeom>
+              <a:noFill/>
+            </p:spPr>
+            <p:style>
+              <a:lnRef idx="2">
+                <a:schemeClr val="accent1">
+                  <a:shade val="50000"/>
+                </a:schemeClr>
+              </a:lnRef>
+              <a:fillRef idx="1">
+                <a:schemeClr val="accent1"/>
+              </a:fillRef>
+              <a:effectRef idx="0">
+                <a:schemeClr val="accent1"/>
+              </a:effectRef>
+              <a:fontRef idx="minor">
+                <a:schemeClr val="lt1"/>
+              </a:fontRef>
+            </p:style>
+            <p:txBody>
+              <a:bodyPr rtlCol="0" anchor="ctr"/>
+              <a:lstStyle/>
+              <a:p>
+                <a:pPr algn="ctr"/>
+                <a:endParaRPr lang="en-US"/>
+              </a:p>
+            </p:txBody>
+          </p:sp>
+          <p:sp>
+            <p:nvSpPr>
+              <p:cNvPr id="26" name="Arrow: Down 25">
+                <a:extLst>
+                  <a:ext uri="{FF2B5EF4-FFF2-40B4-BE49-F238E27FC236}">
+                    <a16:creationId xmlns:a16="http://schemas.microsoft.com/office/drawing/2014/main" id="{507DE5A3-C29A-4B8B-977E-26D210FDFE5B}"/>
+                  </a:ext>
+                </a:extLst>
+              </p:cNvPr>
+              <p:cNvSpPr/>
+              <p:nvPr/>
+            </p:nvSpPr>
+            <p:spPr>
+              <a:xfrm>
+                <a:off x="4965876" y="2575780"/>
+                <a:ext cx="141667" cy="360608"/>
+              </a:xfrm>
+              <a:prstGeom prst="downArrow">
+                <a:avLst/>
+              </a:prstGeom>
+              <a:noFill/>
+            </p:spPr>
+            <p:style>
+              <a:lnRef idx="2">
+                <a:schemeClr val="accent1">
+                  <a:shade val="50000"/>
+                </a:schemeClr>
+              </a:lnRef>
+              <a:fillRef idx="1">
+                <a:schemeClr val="accent1"/>
+              </a:fillRef>
+              <a:effectRef idx="0">
+                <a:schemeClr val="accent1"/>
+              </a:effectRef>
+              <a:fontRef idx="minor">
+                <a:schemeClr val="lt1"/>
+              </a:fontRef>
+            </p:style>
+            <p:txBody>
+              <a:bodyPr rtlCol="0" anchor="ctr"/>
+              <a:lstStyle/>
+              <a:p>
+                <a:pPr algn="ctr"/>
+                <a:endParaRPr lang="en-US" dirty="0"/>
+              </a:p>
+            </p:txBody>
+          </p:sp>
+          <p:sp>
+            <p:nvSpPr>
+              <p:cNvPr id="27" name="Arrow: Down 26">
+                <a:extLst>
+                  <a:ext uri="{FF2B5EF4-FFF2-40B4-BE49-F238E27FC236}">
+                    <a16:creationId xmlns:a16="http://schemas.microsoft.com/office/drawing/2014/main" id="{090BFB16-FF80-41CD-896F-564039850332}"/>
+                  </a:ext>
+                </a:extLst>
+              </p:cNvPr>
+              <p:cNvSpPr/>
+              <p:nvPr/>
+            </p:nvSpPr>
+            <p:spPr>
+              <a:xfrm>
+                <a:off x="5454198" y="2575780"/>
+                <a:ext cx="141667" cy="360608"/>
+              </a:xfrm>
+              <a:prstGeom prst="downArrow">
+                <a:avLst/>
+              </a:prstGeom>
+              <a:noFill/>
+            </p:spPr>
+            <p:style>
+              <a:lnRef idx="2">
+                <a:schemeClr val="accent1">
+                  <a:shade val="50000"/>
+                </a:schemeClr>
+              </a:lnRef>
+              <a:fillRef idx="1">
+                <a:schemeClr val="accent1"/>
+              </a:fillRef>
+              <a:effectRef idx="0">
+                <a:schemeClr val="accent1"/>
+              </a:effectRef>
+              <a:fontRef idx="minor">
+                <a:schemeClr val="lt1"/>
+              </a:fontRef>
+            </p:style>
+            <p:txBody>
+              <a:bodyPr rtlCol="0" anchor="ctr"/>
+              <a:lstStyle/>
+              <a:p>
+                <a:pPr algn="ctr"/>
+                <a:endParaRPr lang="en-US"/>
+              </a:p>
+            </p:txBody>
+          </p:sp>
+          <p:sp>
+            <p:nvSpPr>
+              <p:cNvPr id="28" name="Arrow: Down 27">
+                <a:extLst>
+                  <a:ext uri="{FF2B5EF4-FFF2-40B4-BE49-F238E27FC236}">
+                    <a16:creationId xmlns:a16="http://schemas.microsoft.com/office/drawing/2014/main" id="{7559D04A-EBC4-499F-BB6A-292BA9CB64A6}"/>
+                  </a:ext>
+                </a:extLst>
+              </p:cNvPr>
+              <p:cNvSpPr/>
+              <p:nvPr/>
+            </p:nvSpPr>
+            <p:spPr>
+              <a:xfrm>
+                <a:off x="5942520" y="2572559"/>
+                <a:ext cx="141667" cy="360608"/>
+              </a:xfrm>
+              <a:prstGeom prst="downArrow">
+                <a:avLst/>
+              </a:prstGeom>
+              <a:noFill/>
+            </p:spPr>
+            <p:style>
+              <a:lnRef idx="2">
+                <a:schemeClr val="accent1">
+                  <a:shade val="50000"/>
+                </a:schemeClr>
+              </a:lnRef>
+              <a:fillRef idx="1">
+                <a:schemeClr val="accent1"/>
+              </a:fillRef>
+              <a:effectRef idx="0">
+                <a:schemeClr val="accent1"/>
+              </a:effectRef>
+              <a:fontRef idx="minor">
+                <a:schemeClr val="lt1"/>
+              </a:fontRef>
+            </p:style>
+            <p:txBody>
+              <a:bodyPr rtlCol="0" anchor="ctr"/>
+              <a:lstStyle/>
+              <a:p>
+                <a:pPr algn="ctr"/>
+                <a:endParaRPr lang="en-US"/>
+              </a:p>
+            </p:txBody>
+          </p:sp>
+          <p:sp>
+            <p:nvSpPr>
+              <p:cNvPr id="29" name="Arrow: Down 28">
+                <a:extLst>
+                  <a:ext uri="{FF2B5EF4-FFF2-40B4-BE49-F238E27FC236}">
+                    <a16:creationId xmlns:a16="http://schemas.microsoft.com/office/drawing/2014/main" id="{702EF790-F729-4394-9244-3B29D58980FE}"/>
+                  </a:ext>
+                </a:extLst>
+              </p:cNvPr>
+              <p:cNvSpPr/>
+              <p:nvPr/>
+            </p:nvSpPr>
+            <p:spPr>
+              <a:xfrm>
+                <a:off x="6430842" y="2572559"/>
+                <a:ext cx="141667" cy="360608"/>
+              </a:xfrm>
+              <a:prstGeom prst="downArrow">
+                <a:avLst/>
+              </a:prstGeom>
+              <a:noFill/>
+            </p:spPr>
+            <p:style>
+              <a:lnRef idx="2">
+                <a:schemeClr val="accent1">
+                  <a:shade val="50000"/>
+                </a:schemeClr>
+              </a:lnRef>
+              <a:fillRef idx="1">
+                <a:schemeClr val="accent1"/>
+              </a:fillRef>
+              <a:effectRef idx="0">
+                <a:schemeClr val="accent1"/>
+              </a:effectRef>
+              <a:fontRef idx="minor">
+                <a:schemeClr val="lt1"/>
+              </a:fontRef>
+            </p:style>
+            <p:txBody>
+              <a:bodyPr rtlCol="0" anchor="ctr"/>
+              <a:lstStyle/>
+              <a:p>
+                <a:pPr algn="ctr"/>
+                <a:endParaRPr lang="en-US"/>
+              </a:p>
+            </p:txBody>
+          </p:sp>
+        </p:grpSp>
+        <p:grpSp>
+          <p:nvGrpSpPr>
+            <p:cNvPr id="30" name="Group 29">
               <a:extLst>
                 <a:ext uri="{FF2B5EF4-FFF2-40B4-BE49-F238E27FC236}">
-                  <a16:creationId xmlns:a16="http://schemas.microsoft.com/office/drawing/2014/main" id="{572F0968-74E0-4972-B569-5D7067FD2425}"/>
+                  <a16:creationId xmlns:a16="http://schemas.microsoft.com/office/drawing/2014/main" id="{32D7981A-3E95-4082-A7CB-12A0B9E2EEB5}"/>
                 </a:ext>
               </a:extLst>
             </p:cNvPr>
-            <p:cNvSpPr/>
+            <p:cNvGrpSpPr/>
             <p:nvPr/>
-          </p:nvSpPr>
-          <p:spPr>
+          </p:nvGrpSpPr>
+          <p:grpSpPr>
             <a:xfrm>
-              <a:off x="5544403" y="3870704"/>
-              <a:ext cx="272955" cy="2393903"/>
+              <a:off x="4427117" y="3973111"/>
+              <a:ext cx="2075636" cy="363829"/>
+              <a:chOff x="4496873" y="2572559"/>
+              <a:chExt cx="2075636" cy="363829"/>
             </a:xfrm>
-            <a:prstGeom prst="roundRect">
-              <a:avLst/>
-            </a:prstGeom>
-          </p:spPr>
-          <p:style>
-            <a:lnRef idx="2">
-              <a:schemeClr val="accent1">
-                <a:shade val="50000"/>
-              </a:schemeClr>
-            </a:lnRef>
-            <a:fillRef idx="1">
-              <a:schemeClr val="accent1"/>
-            </a:fillRef>
-            <a:effectRef idx="0">
-              <a:schemeClr val="accent1"/>
-            </a:effectRef>
-            <a:fontRef idx="minor">
-              <a:schemeClr val="lt1"/>
-            </a:fontRef>
-          </p:style>
-          <p:txBody>
-            <a:bodyPr rtlCol="0" anchor="ctr"/>
-            <a:lstStyle/>
-            <a:p>
-              <a:pPr algn="ctr"/>
-              <a:endParaRPr lang="en-US"/>
-            </a:p>
-          </p:txBody>
-        </p:sp>
-        <p:sp>
-          <p:nvSpPr>
-            <p:cNvPr id="13" name="Rectangle: Rounded Corners 12">
+          </p:grpSpPr>
+          <p:sp>
+            <p:nvSpPr>
+              <p:cNvPr id="31" name="Arrow: Down 30">
+                <a:extLst>
+                  <a:ext uri="{FF2B5EF4-FFF2-40B4-BE49-F238E27FC236}">
+                    <a16:creationId xmlns:a16="http://schemas.microsoft.com/office/drawing/2014/main" id="{57C898AE-6D0C-4896-B0C9-131F5A37E295}"/>
+                  </a:ext>
+                </a:extLst>
+              </p:cNvPr>
+              <p:cNvSpPr/>
+              <p:nvPr/>
+            </p:nvSpPr>
+            <p:spPr>
+              <a:xfrm>
+                <a:off x="4496873" y="2575780"/>
+                <a:ext cx="141667" cy="360608"/>
+              </a:xfrm>
+              <a:prstGeom prst="downArrow">
+                <a:avLst/>
+              </a:prstGeom>
+              <a:noFill/>
+            </p:spPr>
+            <p:style>
+              <a:lnRef idx="2">
+                <a:schemeClr val="accent1">
+                  <a:shade val="50000"/>
+                </a:schemeClr>
+              </a:lnRef>
+              <a:fillRef idx="1">
+                <a:schemeClr val="accent1"/>
+              </a:fillRef>
+              <a:effectRef idx="0">
+                <a:schemeClr val="accent1"/>
+              </a:effectRef>
+              <a:fontRef idx="minor">
+                <a:schemeClr val="lt1"/>
+              </a:fontRef>
+            </p:style>
+            <p:txBody>
+              <a:bodyPr rtlCol="0" anchor="ctr"/>
+              <a:lstStyle/>
+              <a:p>
+                <a:pPr algn="ctr"/>
+                <a:endParaRPr lang="en-US"/>
+              </a:p>
+            </p:txBody>
+          </p:sp>
+          <p:sp>
+            <p:nvSpPr>
+              <p:cNvPr id="32" name="Arrow: Down 31">
+                <a:extLst>
+                  <a:ext uri="{FF2B5EF4-FFF2-40B4-BE49-F238E27FC236}">
+                    <a16:creationId xmlns:a16="http://schemas.microsoft.com/office/drawing/2014/main" id="{80D74E70-36F5-48F2-94C0-84317237B558}"/>
+                  </a:ext>
+                </a:extLst>
+              </p:cNvPr>
+              <p:cNvSpPr/>
+              <p:nvPr/>
+            </p:nvSpPr>
+            <p:spPr>
+              <a:xfrm>
+                <a:off x="4965876" y="2575780"/>
+                <a:ext cx="141667" cy="360608"/>
+              </a:xfrm>
+              <a:prstGeom prst="downArrow">
+                <a:avLst/>
+              </a:prstGeom>
+              <a:noFill/>
+            </p:spPr>
+            <p:style>
+              <a:lnRef idx="2">
+                <a:schemeClr val="accent1">
+                  <a:shade val="50000"/>
+                </a:schemeClr>
+              </a:lnRef>
+              <a:fillRef idx="1">
+                <a:schemeClr val="accent1"/>
+              </a:fillRef>
+              <a:effectRef idx="0">
+                <a:schemeClr val="accent1"/>
+              </a:effectRef>
+              <a:fontRef idx="minor">
+                <a:schemeClr val="lt1"/>
+              </a:fontRef>
+            </p:style>
+            <p:txBody>
+              <a:bodyPr rtlCol="0" anchor="ctr"/>
+              <a:lstStyle/>
+              <a:p>
+                <a:pPr algn="ctr"/>
+                <a:endParaRPr lang="en-US"/>
+              </a:p>
+            </p:txBody>
+          </p:sp>
+          <p:sp>
+            <p:nvSpPr>
+              <p:cNvPr id="33" name="Arrow: Down 32">
+                <a:extLst>
+                  <a:ext uri="{FF2B5EF4-FFF2-40B4-BE49-F238E27FC236}">
+                    <a16:creationId xmlns:a16="http://schemas.microsoft.com/office/drawing/2014/main" id="{BC0B71B5-D3E6-47AF-AC06-E7C8BBAEB27D}"/>
+                  </a:ext>
+                </a:extLst>
+              </p:cNvPr>
+              <p:cNvSpPr/>
+              <p:nvPr/>
+            </p:nvSpPr>
+            <p:spPr>
+              <a:xfrm>
+                <a:off x="5454198" y="2575780"/>
+                <a:ext cx="141667" cy="360608"/>
+              </a:xfrm>
+              <a:prstGeom prst="downArrow">
+                <a:avLst/>
+              </a:prstGeom>
+              <a:noFill/>
+            </p:spPr>
+            <p:style>
+              <a:lnRef idx="2">
+                <a:schemeClr val="accent1">
+                  <a:shade val="50000"/>
+                </a:schemeClr>
+              </a:lnRef>
+              <a:fillRef idx="1">
+                <a:schemeClr val="accent1"/>
+              </a:fillRef>
+              <a:effectRef idx="0">
+                <a:schemeClr val="accent1"/>
+              </a:effectRef>
+              <a:fontRef idx="minor">
+                <a:schemeClr val="lt1"/>
+              </a:fontRef>
+            </p:style>
+            <p:txBody>
+              <a:bodyPr rtlCol="0" anchor="ctr"/>
+              <a:lstStyle/>
+              <a:p>
+                <a:pPr algn="ctr"/>
+                <a:endParaRPr lang="en-US"/>
+              </a:p>
+            </p:txBody>
+          </p:sp>
+          <p:sp>
+            <p:nvSpPr>
+              <p:cNvPr id="34" name="Arrow: Down 33">
+                <a:extLst>
+                  <a:ext uri="{FF2B5EF4-FFF2-40B4-BE49-F238E27FC236}">
+                    <a16:creationId xmlns:a16="http://schemas.microsoft.com/office/drawing/2014/main" id="{5EB07934-9E08-4939-AF20-3A618A64A0C2}"/>
+                  </a:ext>
+                </a:extLst>
+              </p:cNvPr>
+              <p:cNvSpPr/>
+              <p:nvPr/>
+            </p:nvSpPr>
+            <p:spPr>
+              <a:xfrm>
+                <a:off x="5942520" y="2572559"/>
+                <a:ext cx="141667" cy="360608"/>
+              </a:xfrm>
+              <a:prstGeom prst="downArrow">
+                <a:avLst/>
+              </a:prstGeom>
+              <a:noFill/>
+            </p:spPr>
+            <p:style>
+              <a:lnRef idx="2">
+                <a:schemeClr val="accent1">
+                  <a:shade val="50000"/>
+                </a:schemeClr>
+              </a:lnRef>
+              <a:fillRef idx="1">
+                <a:schemeClr val="accent1"/>
+              </a:fillRef>
+              <a:effectRef idx="0">
+                <a:schemeClr val="accent1"/>
+              </a:effectRef>
+              <a:fontRef idx="minor">
+                <a:schemeClr val="lt1"/>
+              </a:fontRef>
+            </p:style>
+            <p:txBody>
+              <a:bodyPr rtlCol="0" anchor="ctr"/>
+              <a:lstStyle/>
+              <a:p>
+                <a:pPr algn="ctr"/>
+                <a:endParaRPr lang="en-US"/>
+              </a:p>
+            </p:txBody>
+          </p:sp>
+          <p:sp>
+            <p:nvSpPr>
+              <p:cNvPr id="35" name="Arrow: Down 34">
+                <a:extLst>
+                  <a:ext uri="{FF2B5EF4-FFF2-40B4-BE49-F238E27FC236}">
+                    <a16:creationId xmlns:a16="http://schemas.microsoft.com/office/drawing/2014/main" id="{983BC51D-A0FB-40DE-AA7A-E7C019C69A41}"/>
+                  </a:ext>
+                </a:extLst>
+              </p:cNvPr>
+              <p:cNvSpPr/>
+              <p:nvPr/>
+            </p:nvSpPr>
+            <p:spPr>
+              <a:xfrm>
+                <a:off x="6430842" y="2572559"/>
+                <a:ext cx="141667" cy="360608"/>
+              </a:xfrm>
+              <a:prstGeom prst="downArrow">
+                <a:avLst/>
+              </a:prstGeom>
+              <a:noFill/>
+            </p:spPr>
+            <p:style>
+              <a:lnRef idx="2">
+                <a:schemeClr val="accent1">
+                  <a:shade val="50000"/>
+                </a:schemeClr>
+              </a:lnRef>
+              <a:fillRef idx="1">
+                <a:schemeClr val="accent1"/>
+              </a:fillRef>
+              <a:effectRef idx="0">
+                <a:schemeClr val="accent1"/>
+              </a:effectRef>
+              <a:fontRef idx="minor">
+                <a:schemeClr val="lt1"/>
+              </a:fontRef>
+            </p:style>
+            <p:txBody>
+              <a:bodyPr rtlCol="0" anchor="ctr"/>
+              <a:lstStyle/>
+              <a:p>
+                <a:pPr algn="ctr"/>
+                <a:endParaRPr lang="en-US"/>
+              </a:p>
+            </p:txBody>
+          </p:sp>
+        </p:grpSp>
+        <p:grpSp>
+          <p:nvGrpSpPr>
+            <p:cNvPr id="36" name="Group 35">
               <a:extLst>
                 <a:ext uri="{FF2B5EF4-FFF2-40B4-BE49-F238E27FC236}">
-                  <a16:creationId xmlns:a16="http://schemas.microsoft.com/office/drawing/2014/main" id="{489A880E-6D2C-44F1-8C28-B0159086EF42}"/>
+                  <a16:creationId xmlns:a16="http://schemas.microsoft.com/office/drawing/2014/main" id="{09DC3283-6141-4F31-82B8-E13B136A1E28}"/>
                 </a:ext>
               </a:extLst>
             </p:cNvPr>
-            <p:cNvSpPr/>
+            <p:cNvGrpSpPr/>
             <p:nvPr/>
-          </p:nvSpPr>
-          <p:spPr>
-            <a:xfrm>
-              <a:off x="6496334" y="1064525"/>
-              <a:ext cx="272955" cy="2175255"/>
+          </p:nvGrpSpPr>
+          <p:grpSpPr>
+            <a:xfrm rot="10800000">
+              <a:off x="4437851" y="3287347"/>
+              <a:ext cx="2075636" cy="363829"/>
+              <a:chOff x="4496873" y="2572559"/>
+              <a:chExt cx="2075636" cy="363829"/>
             </a:xfrm>
-            <a:prstGeom prst="roundRect">
-              <a:avLst/>
-            </a:prstGeom>
-          </p:spPr>
-          <p:style>
-            <a:lnRef idx="2">
-              <a:schemeClr val="accent1">
-                <a:shade val="50000"/>
-              </a:schemeClr>
-            </a:lnRef>
-            <a:fillRef idx="1">
-              <a:schemeClr val="accent1"/>
-            </a:fillRef>
-            <a:effectRef idx="0">
-              <a:schemeClr val="accent1"/>
-            </a:effectRef>
-            <a:fontRef idx="minor">
-              <a:schemeClr val="lt1"/>
-            </a:fontRef>
-          </p:style>
-          <p:txBody>
-            <a:bodyPr rtlCol="0" anchor="ctr"/>
-            <a:lstStyle/>
-            <a:p>
-              <a:pPr algn="ctr"/>
-              <a:endParaRPr lang="en-US"/>
-            </a:p>
-          </p:txBody>
-        </p:sp>
-        <p:sp>
-          <p:nvSpPr>
-            <p:cNvPr id="14" name="Rectangle: Rounded Corners 13">
+          </p:grpSpPr>
+          <p:sp>
+            <p:nvSpPr>
+              <p:cNvPr id="37" name="Arrow: Down 36">
+                <a:extLst>
+                  <a:ext uri="{FF2B5EF4-FFF2-40B4-BE49-F238E27FC236}">
+                    <a16:creationId xmlns:a16="http://schemas.microsoft.com/office/drawing/2014/main" id="{D94F0609-8340-44EE-8B7D-DABD2F756ED0}"/>
+                  </a:ext>
+                </a:extLst>
+              </p:cNvPr>
+              <p:cNvSpPr/>
+              <p:nvPr/>
+            </p:nvSpPr>
+            <p:spPr>
+              <a:xfrm>
+                <a:off x="4496873" y="2575780"/>
+                <a:ext cx="141667" cy="360608"/>
+              </a:xfrm>
+              <a:prstGeom prst="downArrow">
+                <a:avLst/>
+              </a:prstGeom>
+              <a:noFill/>
+            </p:spPr>
+            <p:style>
+              <a:lnRef idx="2">
+                <a:schemeClr val="accent1">
+                  <a:shade val="50000"/>
+                </a:schemeClr>
+              </a:lnRef>
+              <a:fillRef idx="1">
+                <a:schemeClr val="accent1"/>
+              </a:fillRef>
+              <a:effectRef idx="0">
+                <a:schemeClr val="accent1"/>
+              </a:effectRef>
+              <a:fontRef idx="minor">
+                <a:schemeClr val="lt1"/>
+              </a:fontRef>
+            </p:style>
+            <p:txBody>
+              <a:bodyPr rtlCol="0" anchor="ctr"/>
+              <a:lstStyle/>
+              <a:p>
+                <a:pPr algn="ctr"/>
+                <a:endParaRPr lang="en-US"/>
+              </a:p>
+            </p:txBody>
+          </p:sp>
+          <p:sp>
+            <p:nvSpPr>
+              <p:cNvPr id="38" name="Arrow: Down 37">
+                <a:extLst>
+                  <a:ext uri="{FF2B5EF4-FFF2-40B4-BE49-F238E27FC236}">
+                    <a16:creationId xmlns:a16="http://schemas.microsoft.com/office/drawing/2014/main" id="{6524815F-9606-4D94-AF01-E6508EB7BCE0}"/>
+                  </a:ext>
+                </a:extLst>
+              </p:cNvPr>
+              <p:cNvSpPr/>
+              <p:nvPr/>
+            </p:nvSpPr>
+            <p:spPr>
+              <a:xfrm>
+                <a:off x="4965876" y="2575780"/>
+                <a:ext cx="141667" cy="360608"/>
+              </a:xfrm>
+              <a:prstGeom prst="downArrow">
+                <a:avLst/>
+              </a:prstGeom>
+              <a:noFill/>
+            </p:spPr>
+            <p:style>
+              <a:lnRef idx="2">
+                <a:schemeClr val="accent1">
+                  <a:shade val="50000"/>
+                </a:schemeClr>
+              </a:lnRef>
+              <a:fillRef idx="1">
+                <a:schemeClr val="accent1"/>
+              </a:fillRef>
+              <a:effectRef idx="0">
+                <a:schemeClr val="accent1"/>
+              </a:effectRef>
+              <a:fontRef idx="minor">
+                <a:schemeClr val="lt1"/>
+              </a:fontRef>
+            </p:style>
+            <p:txBody>
+              <a:bodyPr rtlCol="0" anchor="ctr"/>
+              <a:lstStyle/>
+              <a:p>
+                <a:pPr algn="ctr"/>
+                <a:endParaRPr lang="en-US"/>
+              </a:p>
+            </p:txBody>
+          </p:sp>
+          <p:sp>
+            <p:nvSpPr>
+              <p:cNvPr id="39" name="Arrow: Down 38">
+                <a:extLst>
+                  <a:ext uri="{FF2B5EF4-FFF2-40B4-BE49-F238E27FC236}">
+                    <a16:creationId xmlns:a16="http://schemas.microsoft.com/office/drawing/2014/main" id="{BBA931E2-CB70-499F-8E1C-4BCCCC85018D}"/>
+                  </a:ext>
+                </a:extLst>
+              </p:cNvPr>
+              <p:cNvSpPr/>
+              <p:nvPr/>
+            </p:nvSpPr>
+            <p:spPr>
+              <a:xfrm>
+                <a:off x="5454198" y="2575780"/>
+                <a:ext cx="141667" cy="360608"/>
+              </a:xfrm>
+              <a:prstGeom prst="downArrow">
+                <a:avLst/>
+              </a:prstGeom>
+              <a:noFill/>
+            </p:spPr>
+            <p:style>
+              <a:lnRef idx="2">
+                <a:schemeClr val="accent1">
+                  <a:shade val="50000"/>
+                </a:schemeClr>
+              </a:lnRef>
+              <a:fillRef idx="1">
+                <a:schemeClr val="accent1"/>
+              </a:fillRef>
+              <a:effectRef idx="0">
+                <a:schemeClr val="accent1"/>
+              </a:effectRef>
+              <a:fontRef idx="minor">
+                <a:schemeClr val="lt1"/>
+              </a:fontRef>
+            </p:style>
+            <p:txBody>
+              <a:bodyPr rtlCol="0" anchor="ctr"/>
+              <a:lstStyle/>
+              <a:p>
+                <a:pPr algn="ctr"/>
+                <a:endParaRPr lang="en-US"/>
+              </a:p>
+            </p:txBody>
+          </p:sp>
+          <p:sp>
+            <p:nvSpPr>
+              <p:cNvPr id="40" name="Arrow: Down 39">
+                <a:extLst>
+                  <a:ext uri="{FF2B5EF4-FFF2-40B4-BE49-F238E27FC236}">
+                    <a16:creationId xmlns:a16="http://schemas.microsoft.com/office/drawing/2014/main" id="{BE0BA196-AC89-42BD-BE6C-8F288033A863}"/>
+                  </a:ext>
+                </a:extLst>
+              </p:cNvPr>
+              <p:cNvSpPr/>
+              <p:nvPr/>
+            </p:nvSpPr>
+            <p:spPr>
+              <a:xfrm>
+                <a:off x="5942520" y="2572559"/>
+                <a:ext cx="141667" cy="360608"/>
+              </a:xfrm>
+              <a:prstGeom prst="downArrow">
+                <a:avLst/>
+              </a:prstGeom>
+              <a:noFill/>
+            </p:spPr>
+            <p:style>
+              <a:lnRef idx="2">
+                <a:schemeClr val="accent1">
+                  <a:shade val="50000"/>
+                </a:schemeClr>
+              </a:lnRef>
+              <a:fillRef idx="1">
+                <a:schemeClr val="accent1"/>
+              </a:fillRef>
+              <a:effectRef idx="0">
+                <a:schemeClr val="accent1"/>
+              </a:effectRef>
+              <a:fontRef idx="minor">
+                <a:schemeClr val="lt1"/>
+              </a:fontRef>
+            </p:style>
+            <p:txBody>
+              <a:bodyPr rtlCol="0" anchor="ctr"/>
+              <a:lstStyle/>
+              <a:p>
+                <a:pPr algn="ctr"/>
+                <a:endParaRPr lang="en-US"/>
+              </a:p>
+            </p:txBody>
+          </p:sp>
+          <p:sp>
+            <p:nvSpPr>
+              <p:cNvPr id="41" name="Arrow: Down 40">
+                <a:extLst>
+                  <a:ext uri="{FF2B5EF4-FFF2-40B4-BE49-F238E27FC236}">
+                    <a16:creationId xmlns:a16="http://schemas.microsoft.com/office/drawing/2014/main" id="{1237C361-BCA1-493F-8DC2-7ACAA813A483}"/>
+                  </a:ext>
+                </a:extLst>
+              </p:cNvPr>
+              <p:cNvSpPr/>
+              <p:nvPr/>
+            </p:nvSpPr>
+            <p:spPr>
+              <a:xfrm>
+                <a:off x="6430842" y="2572559"/>
+                <a:ext cx="141667" cy="360608"/>
+              </a:xfrm>
+              <a:prstGeom prst="downArrow">
+                <a:avLst/>
+              </a:prstGeom>
+              <a:noFill/>
+            </p:spPr>
+            <p:style>
+              <a:lnRef idx="2">
+                <a:schemeClr val="accent1">
+                  <a:shade val="50000"/>
+                </a:schemeClr>
+              </a:lnRef>
+              <a:fillRef idx="1">
+                <a:schemeClr val="accent1"/>
+              </a:fillRef>
+              <a:effectRef idx="0">
+                <a:schemeClr val="accent1"/>
+              </a:effectRef>
+              <a:fontRef idx="minor">
+                <a:schemeClr val="lt1"/>
+              </a:fontRef>
+            </p:style>
+            <p:txBody>
+              <a:bodyPr rtlCol="0" anchor="ctr"/>
+              <a:lstStyle/>
+              <a:p>
+                <a:pPr algn="ctr"/>
+                <a:endParaRPr lang="en-US"/>
+              </a:p>
+            </p:txBody>
+          </p:sp>
+        </p:grpSp>
+        <p:grpSp>
+          <p:nvGrpSpPr>
+            <p:cNvPr id="42" name="Group 41">
               <a:extLst>
                 <a:ext uri="{FF2B5EF4-FFF2-40B4-BE49-F238E27FC236}">
-                  <a16:creationId xmlns:a16="http://schemas.microsoft.com/office/drawing/2014/main" id="{C6FB79E8-B244-4967-940A-3E49D706CAD4}"/>
+                  <a16:creationId xmlns:a16="http://schemas.microsoft.com/office/drawing/2014/main" id="{ABBD2080-3489-4C7D-A4EC-925521F7BC3B}"/>
                 </a:ext>
               </a:extLst>
             </p:cNvPr>
-            <p:cNvSpPr/>
+            <p:cNvGrpSpPr/>
             <p:nvPr/>
-          </p:nvSpPr>
-          <p:spPr>
-            <a:xfrm>
-              <a:off x="6523630" y="3870704"/>
-              <a:ext cx="272955" cy="2175255"/>
+          </p:nvGrpSpPr>
+          <p:grpSpPr>
+            <a:xfrm rot="10800000">
+              <a:off x="4417458" y="6055228"/>
+              <a:ext cx="2075636" cy="363829"/>
+              <a:chOff x="4496873" y="2572559"/>
+              <a:chExt cx="2075636" cy="363829"/>
             </a:xfrm>
-            <a:prstGeom prst="roundRect">
-              <a:avLst/>
-            </a:prstGeom>
-          </p:spPr>
-          <p:style>
-            <a:lnRef idx="2">
-              <a:schemeClr val="accent1">
-                <a:shade val="50000"/>
-              </a:schemeClr>
-            </a:lnRef>
-            <a:fillRef idx="1">
-              <a:schemeClr val="accent1"/>
-            </a:fillRef>
-            <a:effectRef idx="0">
-              <a:schemeClr val="accent1"/>
-            </a:effectRef>
-            <a:fontRef idx="minor">
-              <a:schemeClr val="lt1"/>
-            </a:fontRef>
-          </p:style>
-          <p:txBody>
-            <a:bodyPr rtlCol="0" anchor="ctr"/>
-            <a:lstStyle/>
-            <a:p>
-              <a:pPr algn="ctr"/>
-              <a:endParaRPr lang="en-US"/>
-            </a:p>
-          </p:txBody>
-        </p:sp>
-        <p:sp>
-          <p:nvSpPr>
-            <p:cNvPr id="15" name="Rectangle: Rounded Corners 14">
+          </p:grpSpPr>
+          <p:sp>
+            <p:nvSpPr>
+              <p:cNvPr id="43" name="Arrow: Down 42">
+                <a:extLst>
+                  <a:ext uri="{FF2B5EF4-FFF2-40B4-BE49-F238E27FC236}">
+                    <a16:creationId xmlns:a16="http://schemas.microsoft.com/office/drawing/2014/main" id="{C852131B-957A-4B3F-8760-5EE7896F8F1D}"/>
+                  </a:ext>
+                </a:extLst>
+              </p:cNvPr>
+              <p:cNvSpPr/>
+              <p:nvPr/>
+            </p:nvSpPr>
+            <p:spPr>
+              <a:xfrm>
+                <a:off x="4496873" y="2575780"/>
+                <a:ext cx="141667" cy="360608"/>
+              </a:xfrm>
+              <a:prstGeom prst="downArrow">
+                <a:avLst/>
+              </a:prstGeom>
+              <a:noFill/>
+            </p:spPr>
+            <p:style>
+              <a:lnRef idx="2">
+                <a:schemeClr val="accent1">
+                  <a:shade val="50000"/>
+                </a:schemeClr>
+              </a:lnRef>
+              <a:fillRef idx="1">
+                <a:schemeClr val="accent1"/>
+              </a:fillRef>
+              <a:effectRef idx="0">
+                <a:schemeClr val="accent1"/>
+              </a:effectRef>
+              <a:fontRef idx="minor">
+                <a:schemeClr val="lt1"/>
+              </a:fontRef>
+            </p:style>
+            <p:txBody>
+              <a:bodyPr rtlCol="0" anchor="ctr"/>
+              <a:lstStyle/>
+              <a:p>
+                <a:pPr algn="ctr"/>
+                <a:endParaRPr lang="en-US"/>
+              </a:p>
+            </p:txBody>
+          </p:sp>
+          <p:sp>
+            <p:nvSpPr>
+              <p:cNvPr id="44" name="Arrow: Down 43">
+                <a:extLst>
+                  <a:ext uri="{FF2B5EF4-FFF2-40B4-BE49-F238E27FC236}">
+                    <a16:creationId xmlns:a16="http://schemas.microsoft.com/office/drawing/2014/main" id="{A11D624B-418A-4BA3-9DF9-4D630E03610F}"/>
+                  </a:ext>
+                </a:extLst>
+              </p:cNvPr>
+              <p:cNvSpPr/>
+              <p:nvPr/>
+            </p:nvSpPr>
+            <p:spPr>
+              <a:xfrm>
+                <a:off x="4965876" y="2575780"/>
+                <a:ext cx="141667" cy="360608"/>
+              </a:xfrm>
+              <a:prstGeom prst="downArrow">
+                <a:avLst/>
+              </a:prstGeom>
+              <a:noFill/>
+            </p:spPr>
+            <p:style>
+              <a:lnRef idx="2">
+                <a:schemeClr val="accent1">
+                  <a:shade val="50000"/>
+                </a:schemeClr>
+              </a:lnRef>
+              <a:fillRef idx="1">
+                <a:schemeClr val="accent1"/>
+              </a:fillRef>
+              <a:effectRef idx="0">
+                <a:schemeClr val="accent1"/>
+              </a:effectRef>
+              <a:fontRef idx="minor">
+                <a:schemeClr val="lt1"/>
+              </a:fontRef>
+            </p:style>
+            <p:txBody>
+              <a:bodyPr rtlCol="0" anchor="ctr"/>
+              <a:lstStyle/>
+              <a:p>
+                <a:pPr algn="ctr"/>
+                <a:endParaRPr lang="en-US"/>
+              </a:p>
+            </p:txBody>
+          </p:sp>
+          <p:sp>
+            <p:nvSpPr>
+              <p:cNvPr id="45" name="Arrow: Down 44">
+                <a:extLst>
+                  <a:ext uri="{FF2B5EF4-FFF2-40B4-BE49-F238E27FC236}">
+                    <a16:creationId xmlns:a16="http://schemas.microsoft.com/office/drawing/2014/main" id="{3AC4F900-8258-4FD8-A9AA-E481A0F05569}"/>
+                  </a:ext>
+                </a:extLst>
+              </p:cNvPr>
+              <p:cNvSpPr/>
+              <p:nvPr/>
+            </p:nvSpPr>
+            <p:spPr>
+              <a:xfrm>
+                <a:off x="5454198" y="2575780"/>
+                <a:ext cx="141667" cy="360608"/>
+              </a:xfrm>
+              <a:prstGeom prst="downArrow">
+                <a:avLst/>
+              </a:prstGeom>
+              <a:noFill/>
+            </p:spPr>
+            <p:style>
+              <a:lnRef idx="2">
+                <a:schemeClr val="accent1">
+                  <a:shade val="50000"/>
+                </a:schemeClr>
+              </a:lnRef>
+              <a:fillRef idx="1">
+                <a:schemeClr val="accent1"/>
+              </a:fillRef>
+              <a:effectRef idx="0">
+                <a:schemeClr val="accent1"/>
+              </a:effectRef>
+              <a:fontRef idx="minor">
+                <a:schemeClr val="lt1"/>
+              </a:fontRef>
+            </p:style>
+            <p:txBody>
+              <a:bodyPr rtlCol="0" anchor="ctr"/>
+              <a:lstStyle/>
+              <a:p>
+                <a:pPr algn="ctr"/>
+                <a:endParaRPr lang="en-US"/>
+              </a:p>
+            </p:txBody>
+          </p:sp>
+          <p:sp>
+            <p:nvSpPr>
+              <p:cNvPr id="46" name="Arrow: Down 45">
+                <a:extLst>
+                  <a:ext uri="{FF2B5EF4-FFF2-40B4-BE49-F238E27FC236}">
+                    <a16:creationId xmlns:a16="http://schemas.microsoft.com/office/drawing/2014/main" id="{E0A6DEC8-7453-4611-ACE6-FC888B07F85A}"/>
+                  </a:ext>
+                </a:extLst>
+              </p:cNvPr>
+              <p:cNvSpPr/>
+              <p:nvPr/>
+            </p:nvSpPr>
+            <p:spPr>
+              <a:xfrm>
+                <a:off x="5942520" y="2572559"/>
+                <a:ext cx="141667" cy="360608"/>
+              </a:xfrm>
+              <a:prstGeom prst="downArrow">
+                <a:avLst/>
+              </a:prstGeom>
+              <a:noFill/>
+            </p:spPr>
+            <p:style>
+              <a:lnRef idx="2">
+                <a:schemeClr val="accent1">
+                  <a:shade val="50000"/>
+                </a:schemeClr>
+              </a:lnRef>
+              <a:fillRef idx="1">
+                <a:schemeClr val="accent1"/>
+              </a:fillRef>
+              <a:effectRef idx="0">
+                <a:schemeClr val="accent1"/>
+              </a:effectRef>
+              <a:fontRef idx="minor">
+                <a:schemeClr val="lt1"/>
+              </a:fontRef>
+            </p:style>
+            <p:txBody>
+              <a:bodyPr rtlCol="0" anchor="ctr"/>
+              <a:lstStyle/>
+              <a:p>
+                <a:pPr algn="ctr"/>
+                <a:endParaRPr lang="en-US"/>
+              </a:p>
+            </p:txBody>
+          </p:sp>
+          <p:sp>
+            <p:nvSpPr>
+              <p:cNvPr id="47" name="Arrow: Down 46">
+                <a:extLst>
+                  <a:ext uri="{FF2B5EF4-FFF2-40B4-BE49-F238E27FC236}">
+                    <a16:creationId xmlns:a16="http://schemas.microsoft.com/office/drawing/2014/main" id="{AADB9D33-055E-481F-B8C0-8D17502DB9D7}"/>
+                  </a:ext>
+                </a:extLst>
+              </p:cNvPr>
+              <p:cNvSpPr/>
+              <p:nvPr/>
+            </p:nvSpPr>
+            <p:spPr>
+              <a:xfrm>
+                <a:off x="6430842" y="2572559"/>
+                <a:ext cx="141667" cy="360608"/>
+              </a:xfrm>
+              <a:prstGeom prst="downArrow">
+                <a:avLst/>
+              </a:prstGeom>
+              <a:noFill/>
+            </p:spPr>
+            <p:style>
+              <a:lnRef idx="2">
+                <a:schemeClr val="accent1">
+                  <a:shade val="50000"/>
+                </a:schemeClr>
+              </a:lnRef>
+              <a:fillRef idx="1">
+                <a:schemeClr val="accent1"/>
+              </a:fillRef>
+              <a:effectRef idx="0">
+                <a:schemeClr val="accent1"/>
+              </a:effectRef>
+              <a:fontRef idx="minor">
+                <a:schemeClr val="lt1"/>
+              </a:fontRef>
+            </p:style>
+            <p:txBody>
+              <a:bodyPr rtlCol="0" anchor="ctr"/>
+              <a:lstStyle/>
+              <a:p>
+                <a:pPr algn="ctr"/>
+                <a:endParaRPr lang="en-US"/>
+              </a:p>
+            </p:txBody>
+          </p:sp>
+        </p:grpSp>
+        <p:grpSp>
+          <p:nvGrpSpPr>
+            <p:cNvPr id="48" name="Group 47">
               <a:extLst>
                 <a:ext uri="{FF2B5EF4-FFF2-40B4-BE49-F238E27FC236}">
-                  <a16:creationId xmlns:a16="http://schemas.microsoft.com/office/drawing/2014/main" id="{1265EE2B-16CA-4C0F-8721-4D4F8786DA8B}"/>
+                  <a16:creationId xmlns:a16="http://schemas.microsoft.com/office/drawing/2014/main" id="{76085605-2852-4CEC-8B85-D7CFC334D9E9}"/>
                 </a:ext>
               </a:extLst>
             </p:cNvPr>
-            <p:cNvSpPr/>
+            <p:cNvGrpSpPr/>
             <p:nvPr/>
-          </p:nvSpPr>
-          <p:spPr>
+          </p:nvGrpSpPr>
+          <p:grpSpPr>
             <a:xfrm>
-              <a:off x="4618628" y="3870704"/>
-              <a:ext cx="272955" cy="2175255"/>
+              <a:off x="4417457" y="5357635"/>
+              <a:ext cx="2075636" cy="363829"/>
+              <a:chOff x="4496873" y="2572559"/>
+              <a:chExt cx="2075636" cy="363829"/>
             </a:xfrm>
-            <a:prstGeom prst="roundRect">
-              <a:avLst/>
-            </a:prstGeom>
-          </p:spPr>
-          <p:style>
-            <a:lnRef idx="2">
-              <a:schemeClr val="accent1">
-                <a:shade val="50000"/>
-              </a:schemeClr>
-            </a:lnRef>
-            <a:fillRef idx="1">
-              <a:schemeClr val="accent1"/>
-            </a:fillRef>
-            <a:effectRef idx="0">
-              <a:schemeClr val="accent1"/>
-            </a:effectRef>
-            <a:fontRef idx="minor">
-              <a:schemeClr val="lt1"/>
-            </a:fontRef>
-          </p:style>
-          <p:txBody>
-            <a:bodyPr rtlCol="0" anchor="ctr"/>
-            <a:lstStyle/>
-            <a:p>
-              <a:pPr algn="ctr"/>
-              <a:endParaRPr lang="en-US"/>
-            </a:p>
-          </p:txBody>
-        </p:sp>
-        <p:sp>
-          <p:nvSpPr>
-            <p:cNvPr id="16" name="Rectangle: Rounded Corners 15">
-              <a:extLst>
-                <a:ext uri="{FF2B5EF4-FFF2-40B4-BE49-F238E27FC236}">
-                  <a16:creationId xmlns:a16="http://schemas.microsoft.com/office/drawing/2014/main" id="{A1FB36C2-31CA-40C7-AFB8-E292CFF1A055}"/>
-                </a:ext>
-              </a:extLst>
-            </p:cNvPr>
-            <p:cNvSpPr/>
-            <p:nvPr/>
-          </p:nvSpPr>
-          <p:spPr>
-            <a:xfrm>
-              <a:off x="4618629" y="1064525"/>
-              <a:ext cx="272955" cy="2175255"/>
-            </a:xfrm>
-            <a:prstGeom prst="roundRect">
-              <a:avLst/>
-            </a:prstGeom>
-          </p:spPr>
-          <p:style>
-            <a:lnRef idx="2">
-              <a:schemeClr val="accent1">
-                <a:shade val="50000"/>
-              </a:schemeClr>
-            </a:lnRef>
-            <a:fillRef idx="1">
-              <a:schemeClr val="accent1"/>
-            </a:fillRef>
-            <a:effectRef idx="0">
-              <a:schemeClr val="accent1"/>
-            </a:effectRef>
-            <a:fontRef idx="minor">
-              <a:schemeClr val="lt1"/>
-            </a:fontRef>
-          </p:style>
-          <p:txBody>
-            <a:bodyPr rtlCol="0" anchor="ctr"/>
-            <a:lstStyle/>
-            <a:p>
-              <a:pPr algn="ctr"/>
-              <a:endParaRPr lang="en-US"/>
-            </a:p>
-          </p:txBody>
-        </p:sp>
+          </p:grpSpPr>
+          <p:sp>
+            <p:nvSpPr>
+              <p:cNvPr id="49" name="Arrow: Down 48">
+                <a:extLst>
+                  <a:ext uri="{FF2B5EF4-FFF2-40B4-BE49-F238E27FC236}">
+                    <a16:creationId xmlns:a16="http://schemas.microsoft.com/office/drawing/2014/main" id="{B67C02FE-D01A-4C7E-AB54-03ACC462F51D}"/>
+                  </a:ext>
+                </a:extLst>
+              </p:cNvPr>
+              <p:cNvSpPr/>
+              <p:nvPr/>
+            </p:nvSpPr>
+            <p:spPr>
+              <a:xfrm>
+                <a:off x="4496873" y="2575780"/>
+                <a:ext cx="141667" cy="360608"/>
+              </a:xfrm>
+              <a:prstGeom prst="downArrow">
+                <a:avLst/>
+              </a:prstGeom>
+              <a:noFill/>
+            </p:spPr>
+            <p:style>
+              <a:lnRef idx="2">
+                <a:schemeClr val="accent1">
+                  <a:shade val="50000"/>
+                </a:schemeClr>
+              </a:lnRef>
+              <a:fillRef idx="1">
+                <a:schemeClr val="accent1"/>
+              </a:fillRef>
+              <a:effectRef idx="0">
+                <a:schemeClr val="accent1"/>
+              </a:effectRef>
+              <a:fontRef idx="minor">
+                <a:schemeClr val="lt1"/>
+              </a:fontRef>
+            </p:style>
+            <p:txBody>
+              <a:bodyPr rtlCol="0" anchor="ctr"/>
+              <a:lstStyle/>
+              <a:p>
+                <a:pPr algn="ctr"/>
+                <a:endParaRPr lang="en-US"/>
+              </a:p>
+            </p:txBody>
+          </p:sp>
+          <p:sp>
+            <p:nvSpPr>
+              <p:cNvPr id="50" name="Arrow: Down 49">
+                <a:extLst>
+                  <a:ext uri="{FF2B5EF4-FFF2-40B4-BE49-F238E27FC236}">
+                    <a16:creationId xmlns:a16="http://schemas.microsoft.com/office/drawing/2014/main" id="{75ED918F-3018-41D0-AFB3-DAC2406FC75E}"/>
+                  </a:ext>
+                </a:extLst>
+              </p:cNvPr>
+              <p:cNvSpPr/>
+              <p:nvPr/>
+            </p:nvSpPr>
+            <p:spPr>
+              <a:xfrm>
+                <a:off x="4965876" y="2575780"/>
+                <a:ext cx="141667" cy="360608"/>
+              </a:xfrm>
+              <a:prstGeom prst="downArrow">
+                <a:avLst/>
+              </a:prstGeom>
+              <a:noFill/>
+            </p:spPr>
+            <p:style>
+              <a:lnRef idx="2">
+                <a:schemeClr val="accent1">
+                  <a:shade val="50000"/>
+                </a:schemeClr>
+              </a:lnRef>
+              <a:fillRef idx="1">
+                <a:schemeClr val="accent1"/>
+              </a:fillRef>
+              <a:effectRef idx="0">
+                <a:schemeClr val="accent1"/>
+              </a:effectRef>
+              <a:fontRef idx="minor">
+                <a:schemeClr val="lt1"/>
+              </a:fontRef>
+            </p:style>
+            <p:txBody>
+              <a:bodyPr rtlCol="0" anchor="ctr"/>
+              <a:lstStyle/>
+              <a:p>
+                <a:pPr algn="ctr"/>
+                <a:endParaRPr lang="en-US"/>
+              </a:p>
+            </p:txBody>
+          </p:sp>
+          <p:sp>
+            <p:nvSpPr>
+              <p:cNvPr id="51" name="Arrow: Down 50">
+                <a:extLst>
+                  <a:ext uri="{FF2B5EF4-FFF2-40B4-BE49-F238E27FC236}">
+                    <a16:creationId xmlns:a16="http://schemas.microsoft.com/office/drawing/2014/main" id="{00901E11-CEDA-4710-B5BA-4E695639F343}"/>
+                  </a:ext>
+                </a:extLst>
+              </p:cNvPr>
+              <p:cNvSpPr/>
+              <p:nvPr/>
+            </p:nvSpPr>
+            <p:spPr>
+              <a:xfrm>
+                <a:off x="5454198" y="2575780"/>
+                <a:ext cx="141667" cy="360608"/>
+              </a:xfrm>
+              <a:prstGeom prst="downArrow">
+                <a:avLst/>
+              </a:prstGeom>
+              <a:noFill/>
+            </p:spPr>
+            <p:style>
+              <a:lnRef idx="2">
+                <a:schemeClr val="accent1">
+                  <a:shade val="50000"/>
+                </a:schemeClr>
+              </a:lnRef>
+              <a:fillRef idx="1">
+                <a:schemeClr val="accent1"/>
+              </a:fillRef>
+              <a:effectRef idx="0">
+                <a:schemeClr val="accent1"/>
+              </a:effectRef>
+              <a:fontRef idx="minor">
+                <a:schemeClr val="lt1"/>
+              </a:fontRef>
+            </p:style>
+            <p:txBody>
+              <a:bodyPr rtlCol="0" anchor="ctr"/>
+              <a:lstStyle/>
+              <a:p>
+                <a:pPr algn="ctr"/>
+                <a:endParaRPr lang="en-US"/>
+              </a:p>
+            </p:txBody>
+          </p:sp>
+          <p:sp>
+            <p:nvSpPr>
+              <p:cNvPr id="52" name="Arrow: Down 51">
+                <a:extLst>
+                  <a:ext uri="{FF2B5EF4-FFF2-40B4-BE49-F238E27FC236}">
+                    <a16:creationId xmlns:a16="http://schemas.microsoft.com/office/drawing/2014/main" id="{7DC9636A-871D-42BA-8E26-01474D9B6BA5}"/>
+                  </a:ext>
+                </a:extLst>
+              </p:cNvPr>
+              <p:cNvSpPr/>
+              <p:nvPr/>
+            </p:nvSpPr>
+            <p:spPr>
+              <a:xfrm>
+                <a:off x="5942520" y="2572559"/>
+                <a:ext cx="141667" cy="360608"/>
+              </a:xfrm>
+              <a:prstGeom prst="downArrow">
+                <a:avLst/>
+              </a:prstGeom>
+              <a:noFill/>
+            </p:spPr>
+            <p:style>
+              <a:lnRef idx="2">
+                <a:schemeClr val="accent1">
+                  <a:shade val="50000"/>
+                </a:schemeClr>
+              </a:lnRef>
+              <a:fillRef idx="1">
+                <a:schemeClr val="accent1"/>
+              </a:fillRef>
+              <a:effectRef idx="0">
+                <a:schemeClr val="accent1"/>
+              </a:effectRef>
+              <a:fontRef idx="minor">
+                <a:schemeClr val="lt1"/>
+              </a:fontRef>
+            </p:style>
+            <p:txBody>
+              <a:bodyPr rtlCol="0" anchor="ctr"/>
+              <a:lstStyle/>
+              <a:p>
+                <a:pPr algn="ctr"/>
+                <a:endParaRPr lang="en-US"/>
+              </a:p>
+            </p:txBody>
+          </p:sp>
+          <p:sp>
+            <p:nvSpPr>
+              <p:cNvPr id="53" name="Arrow: Down 52">
+                <a:extLst>
+                  <a:ext uri="{FF2B5EF4-FFF2-40B4-BE49-F238E27FC236}">
+                    <a16:creationId xmlns:a16="http://schemas.microsoft.com/office/drawing/2014/main" id="{DF0E0016-F8BA-4627-85D8-C55BC3F617C5}"/>
+                  </a:ext>
+                </a:extLst>
+              </p:cNvPr>
+              <p:cNvSpPr/>
+              <p:nvPr/>
+            </p:nvSpPr>
+            <p:spPr>
+              <a:xfrm>
+                <a:off x="6430842" y="2572559"/>
+                <a:ext cx="141667" cy="360608"/>
+              </a:xfrm>
+              <a:prstGeom prst="downArrow">
+                <a:avLst/>
+              </a:prstGeom>
+              <a:noFill/>
+            </p:spPr>
+            <p:style>
+              <a:lnRef idx="2">
+                <a:schemeClr val="accent1">
+                  <a:shade val="50000"/>
+                </a:schemeClr>
+              </a:lnRef>
+              <a:fillRef idx="1">
+                <a:schemeClr val="accent1"/>
+              </a:fillRef>
+              <a:effectRef idx="0">
+                <a:schemeClr val="accent1"/>
+              </a:effectRef>
+              <a:fontRef idx="minor">
+                <a:schemeClr val="lt1"/>
+              </a:fontRef>
+            </p:style>
+            <p:txBody>
+              <a:bodyPr rtlCol="0" anchor="ctr"/>
+              <a:lstStyle/>
+              <a:p>
+                <a:pPr algn="ctr"/>
+                <a:endParaRPr lang="en-US"/>
+              </a:p>
+            </p:txBody>
+          </p:sp>
+        </p:grpSp>
       </p:grpSp>
-      <p:cxnSp>
-        <p:nvCxnSpPr>
-          <p:cNvPr id="19" name="Straight Arrow Connector 18">
+      <p:sp>
+        <p:nvSpPr>
+          <p:cNvPr id="55" name="Arrow: Right 54">
             <a:extLst>
               <a:ext uri="{FF2B5EF4-FFF2-40B4-BE49-F238E27FC236}">
-                <a16:creationId xmlns:a16="http://schemas.microsoft.com/office/drawing/2014/main" id="{3607274D-E30D-4C74-A103-DDB133B12CAE}"/>
+                <a16:creationId xmlns:a16="http://schemas.microsoft.com/office/drawing/2014/main" id="{95C17106-C2A0-4C8C-AE6F-36A4D4E8B3E6}"/>
               </a:ext>
             </a:extLst>
           </p:cNvPr>
-          <p:cNvCxnSpPr>
-            <a:cxnSpLocks/>
-            <a:stCxn id="16" idx="3"/>
-          </p:cNvCxnSpPr>
+          <p:cNvSpPr/>
           <p:nvPr/>
-        </p:nvCxnSpPr>
+        </p:nvSpPr>
         <p:spPr>
-          <a:xfrm>
-            <a:off x="4891584" y="2152153"/>
-            <a:ext cx="652819" cy="0"/>
+          <a:xfrm rot="10800000">
+            <a:off x="7223968" y="2206586"/>
+            <a:ext cx="1493950" cy="437882"/>
           </a:xfrm>
-          <a:prstGeom prst="straightConnector1">
+          <a:prstGeom prst="rightArrow">
             <a:avLst/>
           </a:prstGeom>
-          <a:ln>
-            <a:headEnd type="triangle"/>
-            <a:tailEnd type="triangle"/>
-          </a:ln>
+          <a:noFill/>
         </p:spPr>
         <p:style>
-          <a:lnRef idx="1">
-            <a:schemeClr val="accent1"/>
+          <a:lnRef idx="2">
+            <a:schemeClr val="accent1">
+              <a:shade val="50000"/>
+            </a:schemeClr>
           </a:lnRef>
-          <a:fillRef idx="0">
+          <a:fillRef idx="1">
             <a:schemeClr val="accent1"/>
           </a:fillRef>
           <a:effectRef idx="0">
             <a:schemeClr val="accent1"/>
           </a:effectRef>
           <a:fontRef idx="minor">
-            <a:schemeClr val="tx1"/>
+            <a:schemeClr val="lt1"/>
           </a:fontRef>
         </p:style>
-      </p:cxnSp>
-      <p:cxnSp>
-        <p:nvCxnSpPr>
-          <p:cNvPr id="22" name="Straight Connector 21">
+        <p:txBody>
+          <a:bodyPr rtlCol="0" anchor="ctr"/>
+          <a:lstStyle/>
+          <a:p>
+            <a:pPr algn="ctr"/>
+            <a:endParaRPr lang="en-US"/>
+          </a:p>
+        </p:txBody>
+      </p:sp>
+      <p:sp>
+        <p:nvSpPr>
+          <p:cNvPr id="56" name="Arrow: Right 55">
             <a:extLst>
               <a:ext uri="{FF2B5EF4-FFF2-40B4-BE49-F238E27FC236}">
-                <a16:creationId xmlns:a16="http://schemas.microsoft.com/office/drawing/2014/main" id="{3C77BCC9-7876-431C-A039-9DD222885DAF}"/>
+                <a16:creationId xmlns:a16="http://schemas.microsoft.com/office/drawing/2014/main" id="{ED338117-ADEF-4183-BDEA-537534735582}"/>
               </a:ext>
             </a:extLst>
           </p:cNvPr>
-          <p:cNvCxnSpPr>
-            <a:cxnSpLocks/>
-          </p:cNvCxnSpPr>
+          <p:cNvSpPr/>
           <p:nvPr/>
-        </p:nvCxnSpPr>
+        </p:nvSpPr>
         <p:spPr>
-          <a:xfrm flipH="1">
-            <a:off x="460612" y="545911"/>
-            <a:ext cx="5356746" cy="0"/>
+          <a:xfrm rot="10800000">
+            <a:off x="7165638" y="3585760"/>
+            <a:ext cx="1493950" cy="437882"/>
           </a:xfrm>
-          <a:prstGeom prst="line">
+          <a:prstGeom prst="rightArrow">
             <a:avLst/>
           </a:prstGeom>
+          <a:noFill/>
         </p:spPr>
         <p:style>
-          <a:lnRef idx="1">
-            <a:schemeClr val="accent1"/>
+          <a:lnRef idx="2">
+            <a:schemeClr val="accent1">
+              <a:shade val="50000"/>
+            </a:schemeClr>
           </a:lnRef>
-          <a:fillRef idx="0">
+          <a:fillRef idx="1">
             <a:schemeClr val="accent1"/>
           </a:fillRef>
           <a:effectRef idx="0">
             <a:schemeClr val="accent1"/>
           </a:effectRef>
           <a:fontRef idx="minor">
-            <a:schemeClr val="tx1"/>
+            <a:schemeClr val="lt1"/>
           </a:fontRef>
         </p:style>
-      </p:cxnSp>
-      <p:cxnSp>
-        <p:nvCxnSpPr>
-          <p:cNvPr id="23" name="Straight Connector 22">
+        <p:txBody>
+          <a:bodyPr rtlCol="0" anchor="ctr"/>
+          <a:lstStyle/>
+          <a:p>
+            <a:pPr algn="ctr"/>
+            <a:endParaRPr lang="en-US"/>
+          </a:p>
+        </p:txBody>
+      </p:sp>
+      <p:sp>
+        <p:nvSpPr>
+          <p:cNvPr id="57" name="Arrow: Right 56">
             <a:extLst>
               <a:ext uri="{FF2B5EF4-FFF2-40B4-BE49-F238E27FC236}">
-                <a16:creationId xmlns:a16="http://schemas.microsoft.com/office/drawing/2014/main" id="{D1CAC595-A208-4096-9A42-7E89E0778EDF}"/>
+                <a16:creationId xmlns:a16="http://schemas.microsoft.com/office/drawing/2014/main" id="{2EC95744-8CCF-4680-B56C-6D671F694E14}"/>
               </a:ext>
             </a:extLst>
           </p:cNvPr>
-          <p:cNvCxnSpPr/>
+          <p:cNvSpPr/>
           <p:nvPr/>
-        </p:nvCxnSpPr>
+        </p:nvSpPr>
         <p:spPr>
-          <a:xfrm flipH="1">
-            <a:off x="410571" y="6577324"/>
-            <a:ext cx="5356746" cy="0"/>
+          <a:xfrm rot="10800000">
+            <a:off x="7248658" y="6353576"/>
+            <a:ext cx="1493950" cy="437882"/>
           </a:xfrm>
-          <a:prstGeom prst="line">
+          <a:prstGeom prst="rightArrow">
             <a:avLst/>
           </a:prstGeom>
+          <a:noFill/>
         </p:spPr>
         <p:style>
-          <a:lnRef idx="1">
-            <a:schemeClr val="accent1"/>
+          <a:lnRef idx="2">
+            <a:schemeClr val="accent1">
+              <a:shade val="50000"/>
+            </a:schemeClr>
           </a:lnRef>
-          <a:fillRef idx="0">
+          <a:fillRef idx="1">
             <a:schemeClr val="accent1"/>
           </a:fillRef>
           <a:effectRef idx="0">
             <a:schemeClr val="accent1"/>
           </a:effectRef>
           <a:fontRef idx="minor">
-            <a:schemeClr val="tx1"/>
+            <a:schemeClr val="lt1"/>
           </a:fontRef>
         </p:style>
-      </p:cxnSp>
-      <p:cxnSp>
-        <p:nvCxnSpPr>
-          <p:cNvPr id="25" name="Straight Arrow Connector 24">
+        <p:txBody>
+          <a:bodyPr rtlCol="0" anchor="ctr"/>
+          <a:lstStyle/>
+          <a:p>
+            <a:pPr algn="ctr"/>
+            <a:endParaRPr lang="en-US"/>
+          </a:p>
+        </p:txBody>
+      </p:sp>
+      <p:sp>
+        <p:nvSpPr>
+          <p:cNvPr id="58" name="Arrow: Right 57">
             <a:extLst>
               <a:ext uri="{FF2B5EF4-FFF2-40B4-BE49-F238E27FC236}">
-                <a16:creationId xmlns:a16="http://schemas.microsoft.com/office/drawing/2014/main" id="{C171EF30-FE20-4CF0-84B0-90454FE9498D}"/>
+                <a16:creationId xmlns:a16="http://schemas.microsoft.com/office/drawing/2014/main" id="{36D78BE4-5493-4681-9CFD-4883A6B6B59E}"/>
               </a:ext>
             </a:extLst>
           </p:cNvPr>
-          <p:cNvCxnSpPr>
-            <a:cxnSpLocks/>
-          </p:cNvCxnSpPr>
+          <p:cNvSpPr/>
           <p:nvPr/>
-        </p:nvCxnSpPr>
+        </p:nvSpPr>
         <p:spPr>
-          <a:xfrm>
-            <a:off x="1064526" y="545911"/>
-            <a:ext cx="0" cy="6031413"/>
+          <a:xfrm rot="10800000">
+            <a:off x="7248658" y="4971246"/>
+            <a:ext cx="1493950" cy="437882"/>
           </a:xfrm>
-          <a:prstGeom prst="straightConnector1">
+          <a:prstGeom prst="rightArrow">
             <a:avLst/>
           </a:prstGeom>
-          <a:ln w="38100">
-            <a:headEnd type="triangle"/>
-            <a:tailEnd type="triangle"/>
-          </a:ln>
+          <a:noFill/>
         </p:spPr>
         <p:style>
-          <a:lnRef idx="1">
-            <a:schemeClr val="accent1"/>
+          <a:lnRef idx="2">
+            <a:schemeClr val="accent1">
+              <a:shade val="50000"/>
+            </a:schemeClr>
           </a:lnRef>
-          <a:fillRef idx="0">
+          <a:fillRef idx="1">
             <a:schemeClr val="accent1"/>
           </a:fillRef>
           <a:effectRef idx="0">
             <a:schemeClr val="accent1"/>
           </a:effectRef>
           <a:fontRef idx="minor">
-            <a:schemeClr val="tx1"/>
+            <a:schemeClr val="lt1"/>
           </a:fontRef>
         </p:style>
-      </p:cxnSp>
-      <p:cxnSp>
-        <p:nvCxnSpPr>
-          <p:cNvPr id="27" name="Straight Connector 26">
+        <p:txBody>
+          <a:bodyPr rtlCol="0" anchor="ctr"/>
+          <a:lstStyle/>
+          <a:p>
+            <a:pPr algn="ctr"/>
+            <a:endParaRPr lang="en-US"/>
+          </a:p>
+        </p:txBody>
+      </p:sp>
+      <p:sp>
+        <p:nvSpPr>
+          <p:cNvPr id="59" name="Arrow: Right 58">
             <a:extLst>
               <a:ext uri="{FF2B5EF4-FFF2-40B4-BE49-F238E27FC236}">
-                <a16:creationId xmlns:a16="http://schemas.microsoft.com/office/drawing/2014/main" id="{82793B80-2777-457F-B0A8-77D4E134A638}"/>
+                <a16:creationId xmlns:a16="http://schemas.microsoft.com/office/drawing/2014/main" id="{057C3DE6-1292-46D8-9E32-415216A6F915}"/>
               </a:ext>
             </a:extLst>
           </p:cNvPr>
-          <p:cNvCxnSpPr>
-            <a:cxnSpLocks/>
-          </p:cNvCxnSpPr>
+          <p:cNvSpPr/>
           <p:nvPr/>
-        </p:nvCxnSpPr>
+        </p:nvSpPr>
         <p:spPr>
-          <a:xfrm flipH="1">
-            <a:off x="1695450" y="727170"/>
-            <a:ext cx="4121908" cy="0"/>
+          <a:xfrm rot="10800000">
+            <a:off x="2043822" y="5662410"/>
+            <a:ext cx="1493950" cy="437882"/>
           </a:xfrm>
-          <a:prstGeom prst="line">
+          <a:prstGeom prst="rightArrow">
             <a:avLst/>
           </a:prstGeom>
+          <a:noFill/>
         </p:spPr>
         <p:style>
-          <a:lnRef idx="1">
-            <a:schemeClr val="accent1"/>
+          <a:lnRef idx="2">
+            <a:schemeClr val="accent1">
+              <a:shade val="50000"/>
+            </a:schemeClr>
           </a:lnRef>
-          <a:fillRef idx="0">
+          <a:fillRef idx="1">
             <a:schemeClr val="accent1"/>
           </a:fillRef>
           <a:effectRef idx="0">
             <a:schemeClr val="accent1"/>
           </a:effectRef>
           <a:fontRef idx="minor">
-            <a:schemeClr val="tx1"/>
+            <a:schemeClr val="lt1"/>
           </a:fontRef>
         </p:style>
-      </p:cxnSp>
-      <p:cxnSp>
-        <p:nvCxnSpPr>
-          <p:cNvPr id="29" name="Straight Connector 28">
+        <p:txBody>
+          <a:bodyPr rtlCol="0" anchor="ctr"/>
+          <a:lstStyle/>
+          <a:p>
+            <a:pPr algn="ctr"/>
+            <a:endParaRPr lang="en-US"/>
+          </a:p>
+        </p:txBody>
+      </p:sp>
+      <p:sp>
+        <p:nvSpPr>
+          <p:cNvPr id="60" name="Arrow: Right 59">
             <a:extLst>
               <a:ext uri="{FF2B5EF4-FFF2-40B4-BE49-F238E27FC236}">
-                <a16:creationId xmlns:a16="http://schemas.microsoft.com/office/drawing/2014/main" id="{64A5F1E0-8A2D-40A0-AEFF-E0C4FA005B74}"/>
+                <a16:creationId xmlns:a16="http://schemas.microsoft.com/office/drawing/2014/main" id="{D41C9AB1-95D6-48F1-85C2-AE79EC8E75FF}"/>
               </a:ext>
             </a:extLst>
           </p:cNvPr>
-          <p:cNvCxnSpPr>
-            <a:cxnSpLocks/>
-          </p:cNvCxnSpPr>
+          <p:cNvSpPr/>
           <p:nvPr/>
-        </p:nvCxnSpPr>
+        </p:nvSpPr>
         <p:spPr>
-          <a:xfrm flipH="1">
-            <a:off x="1645409" y="6374836"/>
-            <a:ext cx="4121908" cy="0"/>
+          <a:xfrm rot="10800000">
+            <a:off x="2127690" y="4280081"/>
+            <a:ext cx="1493950" cy="437882"/>
           </a:xfrm>
-          <a:prstGeom prst="line">
+          <a:prstGeom prst="rightArrow">
             <a:avLst/>
           </a:prstGeom>
+          <a:noFill/>
         </p:spPr>
         <p:style>
-          <a:lnRef idx="1">
-            <a:schemeClr val="accent1"/>
+          <a:lnRef idx="2">
+            <a:schemeClr val="accent1">
+              <a:shade val="50000"/>
+            </a:schemeClr>
           </a:lnRef>
-          <a:fillRef idx="0">
+          <a:fillRef idx="1">
             <a:schemeClr val="accent1"/>
           </a:fillRef>
           <a:effectRef idx="0">
             <a:schemeClr val="accent1"/>
           </a:effectRef>
           <a:fontRef idx="minor">
-            <a:schemeClr val="tx1"/>
+            <a:schemeClr val="lt1"/>
           </a:fontRef>
         </p:style>
-      </p:cxnSp>
-      <p:cxnSp>
-        <p:nvCxnSpPr>
-          <p:cNvPr id="31" name="Straight Arrow Connector 30">
+        <p:txBody>
+          <a:bodyPr rtlCol="0" anchor="ctr"/>
+          <a:lstStyle/>
+          <a:p>
+            <a:pPr algn="ctr"/>
+            <a:endParaRPr lang="en-US"/>
+          </a:p>
+        </p:txBody>
+      </p:sp>
+      <p:sp>
+        <p:nvSpPr>
+          <p:cNvPr id="61" name="Arrow: Right 60">
             <a:extLst>
               <a:ext uri="{FF2B5EF4-FFF2-40B4-BE49-F238E27FC236}">
-                <a16:creationId xmlns:a16="http://schemas.microsoft.com/office/drawing/2014/main" id="{81E8B011-AD7D-4FCA-B6C8-4C060166AD1D}"/>
+                <a16:creationId xmlns:a16="http://schemas.microsoft.com/office/drawing/2014/main" id="{29FF1A69-17E8-4FE1-A1DC-EB18BC597FEA}"/>
               </a:ext>
             </a:extLst>
           </p:cNvPr>
-          <p:cNvCxnSpPr>
-            <a:cxnSpLocks/>
-          </p:cNvCxnSpPr>
+          <p:cNvSpPr/>
           <p:nvPr/>
-        </p:nvCxnSpPr>
+        </p:nvSpPr>
         <p:spPr>
-          <a:xfrm>
-            <a:off x="1695450" y="727170"/>
-            <a:ext cx="0" cy="5647666"/>
+          <a:xfrm rot="10800000">
+            <a:off x="2120726" y="2897751"/>
+            <a:ext cx="1493950" cy="437882"/>
           </a:xfrm>
-          <a:prstGeom prst="straightConnector1">
+          <a:prstGeom prst="rightArrow">
             <a:avLst/>
           </a:prstGeom>
-          <a:ln w="38100">
-            <a:headEnd type="triangle"/>
-            <a:tailEnd type="triangle"/>
-          </a:ln>
+          <a:noFill/>
         </p:spPr>
         <p:style>
-          <a:lnRef idx="1">
-            <a:schemeClr val="accent1"/>
+          <a:lnRef idx="2">
+            <a:schemeClr val="accent1">
+              <a:shade val="50000"/>
+            </a:schemeClr>
           </a:lnRef>
-          <a:fillRef idx="0">
+          <a:fillRef idx="1">
             <a:schemeClr val="accent1"/>
           </a:fillRef>
           <a:effectRef idx="0">
             <a:schemeClr val="accent1"/>
           </a:effectRef>
           <a:fontRef idx="minor">
-            <a:schemeClr val="tx1"/>
+            <a:schemeClr val="lt1"/>
           </a:fontRef>
         </p:style>
-      </p:cxnSp>
+        <p:txBody>
+          <a:bodyPr rtlCol="0" anchor="ctr"/>
+          <a:lstStyle/>
+          <a:p>
+            <a:pPr algn="ctr"/>
+            <a:endParaRPr lang="en-US"/>
+          </a:p>
+        </p:txBody>
+      </p:sp>
       <p:pic>
         <p:nvPicPr>
-          <p:cNvPr id="34" name="Picture 33">
+          <p:cNvPr id="63" name="Picture 62">
             <a:extLst>
               <a:ext uri="{FF2B5EF4-FFF2-40B4-BE49-F238E27FC236}">
-                <a16:creationId xmlns:a16="http://schemas.microsoft.com/office/drawing/2014/main" id="{8959D605-AFDA-4DC4-9963-25A0C8DF5CDA}"/>
-              </a:ext>
-            </a:extLst>
-          </p:cNvPr>
-          <p:cNvPicPr>
-            <a:picLocks noChangeAspect="1"/>
-          </p:cNvPicPr>
-          <p:nvPr>
-            <p:custDataLst>
-              <p:tags r:id="rId1"/>
-            </p:custDataLst>
-          </p:nvPr>
-        </p:nvPicPr>
-        <p:blipFill>
-          <a:blip r:embed="rId5">
-            <a:extLst>
-              <a:ext uri="{28A0092B-C50C-407E-A947-70E740481C1C}">
-                <a14:useLocalDpi xmlns:a14="http://schemas.microsoft.com/office/drawing/2010/main" val="0"/>
-              </a:ext>
-            </a:extLst>
-          </a:blip>
-          <a:stretch>
-            <a:fillRect/>
-          </a:stretch>
-        </p:blipFill>
-        <p:spPr>
-          <a:xfrm>
-            <a:off x="421161" y="1540911"/>
-            <a:ext cx="615619" cy="216381"/>
-          </a:xfrm>
-          <a:prstGeom prst="rect">
-            <a:avLst/>
-          </a:prstGeom>
-        </p:spPr>
-      </p:pic>
-      <p:pic>
-        <p:nvPicPr>
-          <p:cNvPr id="36" name="Picture 35">
-            <a:extLst>
-              <a:ext uri="{FF2B5EF4-FFF2-40B4-BE49-F238E27FC236}">
-                <a16:creationId xmlns:a16="http://schemas.microsoft.com/office/drawing/2014/main" id="{1A91A6CD-0E54-43D1-B657-5A6845CC15B6}"/>
-              </a:ext>
-            </a:extLst>
-          </p:cNvPr>
-          <p:cNvPicPr>
-            <a:picLocks noChangeAspect="1"/>
-          </p:cNvPicPr>
-          <p:nvPr>
-            <p:custDataLst>
-              <p:tags r:id="rId2"/>
-            </p:custDataLst>
-          </p:nvPr>
-        </p:nvPicPr>
-        <p:blipFill>
-          <a:blip r:embed="rId6">
-            <a:extLst>
-              <a:ext uri="{28A0092B-C50C-407E-A947-70E740481C1C}">
-                <a14:useLocalDpi xmlns:a14="http://schemas.microsoft.com/office/drawing/2010/main" val="0"/>
-              </a:ext>
-            </a:extLst>
-          </a:blip>
-          <a:stretch>
-            <a:fillRect/>
-          </a:stretch>
-        </p:blipFill>
-        <p:spPr>
-          <a:xfrm>
-            <a:off x="1800063" y="1556852"/>
-            <a:ext cx="551619" cy="211810"/>
-          </a:xfrm>
-          <a:prstGeom prst="rect">
-            <a:avLst/>
-          </a:prstGeom>
-        </p:spPr>
-      </p:pic>
-      <p:pic>
-        <p:nvPicPr>
-          <p:cNvPr id="38" name="Picture 37">
-            <a:extLst>
-              <a:ext uri="{FF2B5EF4-FFF2-40B4-BE49-F238E27FC236}">
-                <a16:creationId xmlns:a16="http://schemas.microsoft.com/office/drawing/2014/main" id="{A32F05A1-1158-4EFE-8BDB-090D3037419E}"/>
+                <a16:creationId xmlns:a16="http://schemas.microsoft.com/office/drawing/2014/main" id="{16F52598-0BCA-40EC-9987-4DA9FFB0B614}"/>
               </a:ext>
             </a:extLst>
           </p:cNvPr>
@@ -36709,7 +40873,7 @@
           </p:nvPr>
         </p:nvPicPr>
         <p:blipFill>
-          <a:blip r:embed="rId7">
+          <a:blip r:embed="rId21">
             <a:extLst>
               <a:ext uri="{28A0092B-C50C-407E-A947-70E740481C1C}">
                 <a14:useLocalDpi xmlns:a14="http://schemas.microsoft.com/office/drawing/2010/main" val="0"/>
@@ -36722,54 +40886,538 @@
         </p:blipFill>
         <p:spPr>
           <a:xfrm>
-            <a:off x="4556952" y="78007"/>
-            <a:ext cx="1539048" cy="273891"/>
+            <a:off x="7578417" y="2075983"/>
+            <a:ext cx="960000" cy="252952"/>
           </a:xfrm>
           <a:prstGeom prst="rect">
             <a:avLst/>
           </a:prstGeom>
         </p:spPr>
       </p:pic>
-      <p:cxnSp>
-        <p:nvCxnSpPr>
-          <p:cNvPr id="40" name="Straight Connector 39">
+      <p:pic>
+        <p:nvPicPr>
+          <p:cNvPr id="64" name="Picture 63">
             <a:extLst>
               <a:ext uri="{FF2B5EF4-FFF2-40B4-BE49-F238E27FC236}">
-                <a16:creationId xmlns:a16="http://schemas.microsoft.com/office/drawing/2014/main" id="{43987B40-1192-4E85-8FDE-DAE582D582BD}"/>
+                <a16:creationId xmlns:a16="http://schemas.microsoft.com/office/drawing/2014/main" id="{FFC765E4-AC4F-4D8C-B936-BDB2DE99A34B}"/>
               </a:ext>
             </a:extLst>
           </p:cNvPr>
-          <p:cNvCxnSpPr/>
-          <p:nvPr/>
-        </p:nvCxnSpPr>
+          <p:cNvPicPr>
+            <a:picLocks noChangeAspect="1"/>
+          </p:cNvPicPr>
+          <p:nvPr>
+            <p:custDataLst>
+              <p:tags r:id="rId4"/>
+            </p:custDataLst>
+          </p:nvPr>
+        </p:nvPicPr>
+        <p:blipFill>
+          <a:blip r:embed="rId21">
+            <a:extLst>
+              <a:ext uri="{28A0092B-C50C-407E-A947-70E740481C1C}">
+                <a14:useLocalDpi xmlns:a14="http://schemas.microsoft.com/office/drawing/2010/main" val="0"/>
+              </a:ext>
+            </a:extLst>
+          </a:blip>
+          <a:stretch>
+            <a:fillRect/>
+          </a:stretch>
+        </p:blipFill>
         <p:spPr>
-          <a:xfrm flipV="1">
-            <a:off x="5217993" y="383766"/>
-            <a:ext cx="0" cy="1768386"/>
+          <a:xfrm>
+            <a:off x="7681747" y="6222973"/>
+            <a:ext cx="960000" cy="252952"/>
           </a:xfrm>
-          <a:prstGeom prst="line">
+          <a:prstGeom prst="rect">
             <a:avLst/>
           </a:prstGeom>
         </p:spPr>
-        <p:style>
-          <a:lnRef idx="1">
-            <a:schemeClr val="accent1"/>
-          </a:lnRef>
-          <a:fillRef idx="0">
-            <a:schemeClr val="accent1"/>
-          </a:fillRef>
-          <a:effectRef idx="0">
-            <a:schemeClr val="accent1"/>
-          </a:effectRef>
-          <a:fontRef idx="minor">
-            <a:schemeClr val="tx1"/>
-          </a:fontRef>
-        </p:style>
-      </p:cxnSp>
+      </p:pic>
+      <p:pic>
+        <p:nvPicPr>
+          <p:cNvPr id="66" name="Picture 65">
+            <a:extLst>
+              <a:ext uri="{FF2B5EF4-FFF2-40B4-BE49-F238E27FC236}">
+                <a16:creationId xmlns:a16="http://schemas.microsoft.com/office/drawing/2014/main" id="{B2004B25-98DA-4800-A556-34C7B08AF49F}"/>
+              </a:ext>
+            </a:extLst>
+          </p:cNvPr>
+          <p:cNvPicPr>
+            <a:picLocks noChangeAspect="1"/>
+          </p:cNvPicPr>
+          <p:nvPr>
+            <p:custDataLst>
+              <p:tags r:id="rId5"/>
+            </p:custDataLst>
+          </p:nvPr>
+        </p:nvPicPr>
+        <p:blipFill>
+          <a:blip r:embed="rId22">
+            <a:extLst>
+              <a:ext uri="{28A0092B-C50C-407E-A947-70E740481C1C}">
+                <a14:useLocalDpi xmlns:a14="http://schemas.microsoft.com/office/drawing/2010/main" val="0"/>
+              </a:ext>
+            </a:extLst>
+          </a:blip>
+          <a:stretch>
+            <a:fillRect/>
+          </a:stretch>
+        </p:blipFill>
+        <p:spPr>
+          <a:xfrm>
+            <a:off x="2451296" y="2731381"/>
+            <a:ext cx="1086476" cy="252952"/>
+          </a:xfrm>
+          <a:prstGeom prst="rect">
+            <a:avLst/>
+          </a:prstGeom>
+        </p:spPr>
+      </p:pic>
+      <p:pic>
+        <p:nvPicPr>
+          <p:cNvPr id="67" name="Picture 66">
+            <a:extLst>
+              <a:ext uri="{FF2B5EF4-FFF2-40B4-BE49-F238E27FC236}">
+                <a16:creationId xmlns:a16="http://schemas.microsoft.com/office/drawing/2014/main" id="{DFACB8BD-1832-4620-898A-CD8DD78BBAB7}"/>
+              </a:ext>
+            </a:extLst>
+          </p:cNvPr>
+          <p:cNvPicPr>
+            <a:picLocks noChangeAspect="1"/>
+          </p:cNvPicPr>
+          <p:nvPr>
+            <p:custDataLst>
+              <p:tags r:id="rId6"/>
+            </p:custDataLst>
+          </p:nvPr>
+        </p:nvPicPr>
+        <p:blipFill>
+          <a:blip r:embed="rId22">
+            <a:extLst>
+              <a:ext uri="{28A0092B-C50C-407E-A947-70E740481C1C}">
+                <a14:useLocalDpi xmlns:a14="http://schemas.microsoft.com/office/drawing/2010/main" val="0"/>
+              </a:ext>
+            </a:extLst>
+          </a:blip>
+          <a:stretch>
+            <a:fillRect/>
+          </a:stretch>
+        </p:blipFill>
+        <p:spPr>
+          <a:xfrm>
+            <a:off x="2371687" y="5531808"/>
+            <a:ext cx="1086476" cy="252952"/>
+          </a:xfrm>
+          <a:prstGeom prst="rect">
+            <a:avLst/>
+          </a:prstGeom>
+        </p:spPr>
+      </p:pic>
+      <p:pic>
+        <p:nvPicPr>
+          <p:cNvPr id="68" name="Picture 67">
+            <a:extLst>
+              <a:ext uri="{FF2B5EF4-FFF2-40B4-BE49-F238E27FC236}">
+                <a16:creationId xmlns:a16="http://schemas.microsoft.com/office/drawing/2014/main" id="{8A55B4E7-D3A3-4AC5-9587-8B65B016F7E8}"/>
+              </a:ext>
+            </a:extLst>
+          </p:cNvPr>
+          <p:cNvPicPr>
+            <a:picLocks noChangeAspect="1"/>
+          </p:cNvPicPr>
+          <p:nvPr>
+            <p:custDataLst>
+              <p:tags r:id="rId7"/>
+            </p:custDataLst>
+          </p:nvPr>
+        </p:nvPicPr>
+        <p:blipFill>
+          <a:blip r:embed="rId22">
+            <a:extLst>
+              <a:ext uri="{28A0092B-C50C-407E-A947-70E740481C1C}">
+                <a14:useLocalDpi xmlns:a14="http://schemas.microsoft.com/office/drawing/2010/main" val="0"/>
+              </a:ext>
+            </a:extLst>
+          </a:blip>
+          <a:stretch>
+            <a:fillRect/>
+          </a:stretch>
+        </p:blipFill>
+        <p:spPr>
+          <a:xfrm>
+            <a:off x="2480280" y="4144922"/>
+            <a:ext cx="1086476" cy="252952"/>
+          </a:xfrm>
+          <a:prstGeom prst="rect">
+            <a:avLst/>
+          </a:prstGeom>
+        </p:spPr>
+      </p:pic>
+      <p:pic>
+        <p:nvPicPr>
+          <p:cNvPr id="69" name="Picture 68">
+            <a:extLst>
+              <a:ext uri="{FF2B5EF4-FFF2-40B4-BE49-F238E27FC236}">
+                <a16:creationId xmlns:a16="http://schemas.microsoft.com/office/drawing/2014/main" id="{00C262B1-076F-45AC-BC64-0B94923DE667}"/>
+              </a:ext>
+            </a:extLst>
+          </p:cNvPr>
+          <p:cNvPicPr>
+            <a:picLocks noChangeAspect="1"/>
+          </p:cNvPicPr>
+          <p:nvPr>
+            <p:custDataLst>
+              <p:tags r:id="rId8"/>
+            </p:custDataLst>
+          </p:nvPr>
+        </p:nvPicPr>
+        <p:blipFill>
+          <a:blip r:embed="rId22">
+            <a:extLst>
+              <a:ext uri="{28A0092B-C50C-407E-A947-70E740481C1C}">
+                <a14:useLocalDpi xmlns:a14="http://schemas.microsoft.com/office/drawing/2010/main" val="0"/>
+              </a:ext>
+            </a:extLst>
+          </a:blip>
+          <a:stretch>
+            <a:fillRect/>
+          </a:stretch>
+        </p:blipFill>
+        <p:spPr>
+          <a:xfrm>
+            <a:off x="7570975" y="4800764"/>
+            <a:ext cx="1086476" cy="252952"/>
+          </a:xfrm>
+          <a:prstGeom prst="rect">
+            <a:avLst/>
+          </a:prstGeom>
+        </p:spPr>
+      </p:pic>
+      <p:pic>
+        <p:nvPicPr>
+          <p:cNvPr id="70" name="Picture 69">
+            <a:extLst>
+              <a:ext uri="{FF2B5EF4-FFF2-40B4-BE49-F238E27FC236}">
+                <a16:creationId xmlns:a16="http://schemas.microsoft.com/office/drawing/2014/main" id="{9010E528-EED1-4B41-BE34-851D7F33D2A6}"/>
+              </a:ext>
+            </a:extLst>
+          </p:cNvPr>
+          <p:cNvPicPr>
+            <a:picLocks noChangeAspect="1"/>
+          </p:cNvPicPr>
+          <p:nvPr>
+            <p:custDataLst>
+              <p:tags r:id="rId9"/>
+            </p:custDataLst>
+          </p:nvPr>
+        </p:nvPicPr>
+        <p:blipFill>
+          <a:blip r:embed="rId22">
+            <a:extLst>
+              <a:ext uri="{28A0092B-C50C-407E-A947-70E740481C1C}">
+                <a14:useLocalDpi xmlns:a14="http://schemas.microsoft.com/office/drawing/2010/main" val="0"/>
+              </a:ext>
+            </a:extLst>
+          </a:blip>
+          <a:stretch>
+            <a:fillRect/>
+          </a:stretch>
+        </p:blipFill>
+        <p:spPr>
+          <a:xfrm>
+            <a:off x="7515179" y="3441533"/>
+            <a:ext cx="1086476" cy="252952"/>
+          </a:xfrm>
+          <a:prstGeom prst="rect">
+            <a:avLst/>
+          </a:prstGeom>
+        </p:spPr>
+      </p:pic>
+      <p:pic>
+        <p:nvPicPr>
+          <p:cNvPr id="16" name="Picture 15">
+            <a:extLst>
+              <a:ext uri="{FF2B5EF4-FFF2-40B4-BE49-F238E27FC236}">
+                <a16:creationId xmlns:a16="http://schemas.microsoft.com/office/drawing/2014/main" id="{94E19953-F80B-4A01-B58C-87CE2775D542}"/>
+              </a:ext>
+            </a:extLst>
+          </p:cNvPr>
+          <p:cNvPicPr>
+            <a:picLocks noChangeAspect="1"/>
+          </p:cNvPicPr>
+          <p:nvPr>
+            <p:custDataLst>
+              <p:tags r:id="rId10"/>
+            </p:custDataLst>
+          </p:nvPr>
+        </p:nvPicPr>
+        <p:blipFill>
+          <a:blip r:embed="rId23">
+            <a:extLst>
+              <a:ext uri="{28A0092B-C50C-407E-A947-70E740481C1C}">
+                <a14:useLocalDpi xmlns:a14="http://schemas.microsoft.com/office/drawing/2010/main" val="0"/>
+              </a:ext>
+            </a:extLst>
+          </a:blip>
+          <a:stretch>
+            <a:fillRect/>
+          </a:stretch>
+        </p:blipFill>
+        <p:spPr>
+          <a:xfrm>
+            <a:off x="5235791" y="2225996"/>
+            <a:ext cx="128000" cy="253714"/>
+          </a:xfrm>
+          <a:prstGeom prst="rect">
+            <a:avLst/>
+          </a:prstGeom>
+        </p:spPr>
+      </p:pic>
+      <p:pic>
+        <p:nvPicPr>
+          <p:cNvPr id="83" name="Picture 82">
+            <a:extLst>
+              <a:ext uri="{FF2B5EF4-FFF2-40B4-BE49-F238E27FC236}">
+                <a16:creationId xmlns:a16="http://schemas.microsoft.com/office/drawing/2014/main" id="{A25960C7-9CA9-4159-89D0-EE7C386D39E0}"/>
+              </a:ext>
+            </a:extLst>
+          </p:cNvPr>
+          <p:cNvPicPr>
+            <a:picLocks noChangeAspect="1"/>
+          </p:cNvPicPr>
+          <p:nvPr>
+            <p:custDataLst>
+              <p:tags r:id="rId11"/>
+            </p:custDataLst>
+          </p:nvPr>
+        </p:nvPicPr>
+        <p:blipFill>
+          <a:blip r:embed="rId24">
+            <a:extLst>
+              <a:ext uri="{28A0092B-C50C-407E-A947-70E740481C1C}">
+                <a14:useLocalDpi xmlns:a14="http://schemas.microsoft.com/office/drawing/2010/main" val="0"/>
+              </a:ext>
+            </a:extLst>
+          </a:blip>
+          <a:stretch>
+            <a:fillRect/>
+          </a:stretch>
+        </p:blipFill>
+        <p:spPr>
+          <a:xfrm>
+            <a:off x="5157706" y="2872039"/>
+            <a:ext cx="153143" cy="251428"/>
+          </a:xfrm>
+          <a:prstGeom prst="rect">
+            <a:avLst/>
+          </a:prstGeom>
+        </p:spPr>
+      </p:pic>
+      <p:pic>
+        <p:nvPicPr>
+          <p:cNvPr id="81" name="Picture 80">
+            <a:extLst>
+              <a:ext uri="{FF2B5EF4-FFF2-40B4-BE49-F238E27FC236}">
+                <a16:creationId xmlns:a16="http://schemas.microsoft.com/office/drawing/2014/main" id="{91F9A206-CCCA-474F-B10E-1E0FF9B2EE70}"/>
+              </a:ext>
+            </a:extLst>
+          </p:cNvPr>
+          <p:cNvPicPr>
+            <a:picLocks noChangeAspect="1"/>
+          </p:cNvPicPr>
+          <p:nvPr>
+            <p:custDataLst>
+              <p:tags r:id="rId12"/>
+            </p:custDataLst>
+          </p:nvPr>
+        </p:nvPicPr>
+        <p:blipFill>
+          <a:blip r:embed="rId25">
+            <a:extLst>
+              <a:ext uri="{28A0092B-C50C-407E-A947-70E740481C1C}">
+                <a14:useLocalDpi xmlns:a14="http://schemas.microsoft.com/office/drawing/2010/main" val="0"/>
+              </a:ext>
+            </a:extLst>
+          </a:blip>
+          <a:stretch>
+            <a:fillRect/>
+          </a:stretch>
+        </p:blipFill>
+        <p:spPr>
+          <a:xfrm>
+            <a:off x="5187817" y="3677845"/>
+            <a:ext cx="160000" cy="260571"/>
+          </a:xfrm>
+          <a:prstGeom prst="rect">
+            <a:avLst/>
+          </a:prstGeom>
+        </p:spPr>
+      </p:pic>
+      <p:pic>
+        <p:nvPicPr>
+          <p:cNvPr id="79" name="Picture 78">
+            <a:extLst>
+              <a:ext uri="{FF2B5EF4-FFF2-40B4-BE49-F238E27FC236}">
+                <a16:creationId xmlns:a16="http://schemas.microsoft.com/office/drawing/2014/main" id="{209762A6-CAB6-4E90-A1CE-D10CA44B6099}"/>
+              </a:ext>
+            </a:extLst>
+          </p:cNvPr>
+          <p:cNvPicPr>
+            <a:picLocks noChangeAspect="1"/>
+          </p:cNvPicPr>
+          <p:nvPr>
+            <p:custDataLst>
+              <p:tags r:id="rId13"/>
+            </p:custDataLst>
+          </p:nvPr>
+        </p:nvPicPr>
+        <p:blipFill>
+          <a:blip r:embed="rId26">
+            <a:extLst>
+              <a:ext uri="{28A0092B-C50C-407E-A947-70E740481C1C}">
+                <a14:useLocalDpi xmlns:a14="http://schemas.microsoft.com/office/drawing/2010/main" val="0"/>
+              </a:ext>
+            </a:extLst>
+          </a:blip>
+          <a:stretch>
+            <a:fillRect/>
+          </a:stretch>
+        </p:blipFill>
+        <p:spPr>
+          <a:xfrm>
+            <a:off x="5118424" y="4339900"/>
+            <a:ext cx="171429" cy="258285"/>
+          </a:xfrm>
+          <a:prstGeom prst="rect">
+            <a:avLst/>
+          </a:prstGeom>
+        </p:spPr>
+      </p:pic>
+      <p:pic>
+        <p:nvPicPr>
+          <p:cNvPr id="77" name="Picture 76">
+            <a:extLst>
+              <a:ext uri="{FF2B5EF4-FFF2-40B4-BE49-F238E27FC236}">
+                <a16:creationId xmlns:a16="http://schemas.microsoft.com/office/drawing/2014/main" id="{1B0576A0-9D39-4DA2-89E2-A57922517208}"/>
+              </a:ext>
+            </a:extLst>
+          </p:cNvPr>
+          <p:cNvPicPr>
+            <a:picLocks noChangeAspect="1"/>
+          </p:cNvPicPr>
+          <p:nvPr>
+            <p:custDataLst>
+              <p:tags r:id="rId14"/>
+            </p:custDataLst>
+          </p:nvPr>
+        </p:nvPicPr>
+        <p:blipFill>
+          <a:blip r:embed="rId27">
+            <a:extLst>
+              <a:ext uri="{28A0092B-C50C-407E-A947-70E740481C1C}">
+                <a14:useLocalDpi xmlns:a14="http://schemas.microsoft.com/office/drawing/2010/main" val="0"/>
+              </a:ext>
+            </a:extLst>
+          </a:blip>
+          <a:stretch>
+            <a:fillRect/>
+          </a:stretch>
+        </p:blipFill>
+        <p:spPr>
+          <a:xfrm>
+            <a:off x="5162777" y="5015063"/>
+            <a:ext cx="153143" cy="260571"/>
+          </a:xfrm>
+          <a:prstGeom prst="rect">
+            <a:avLst/>
+          </a:prstGeom>
+        </p:spPr>
+      </p:pic>
+      <p:pic>
+        <p:nvPicPr>
+          <p:cNvPr id="88" name="Picture 87">
+            <a:extLst>
+              <a:ext uri="{FF2B5EF4-FFF2-40B4-BE49-F238E27FC236}">
+                <a16:creationId xmlns:a16="http://schemas.microsoft.com/office/drawing/2014/main" id="{14AD37F4-FF73-4532-9400-C5D025E46D20}"/>
+              </a:ext>
+            </a:extLst>
+          </p:cNvPr>
+          <p:cNvPicPr>
+            <a:picLocks noChangeAspect="1"/>
+          </p:cNvPicPr>
+          <p:nvPr>
+            <p:custDataLst>
+              <p:tags r:id="rId15"/>
+            </p:custDataLst>
+          </p:nvPr>
+        </p:nvPicPr>
+        <p:blipFill>
+          <a:blip r:embed="rId28">
+            <a:extLst>
+              <a:ext uri="{28A0092B-C50C-407E-A947-70E740481C1C}">
+                <a14:useLocalDpi xmlns:a14="http://schemas.microsoft.com/office/drawing/2010/main" val="0"/>
+              </a:ext>
+            </a:extLst>
+          </a:blip>
+          <a:stretch>
+            <a:fillRect/>
+          </a:stretch>
+        </p:blipFill>
+        <p:spPr>
+          <a:xfrm>
+            <a:off x="5343556" y="6366266"/>
+            <a:ext cx="164571" cy="265143"/>
+          </a:xfrm>
+          <a:prstGeom prst="rect">
+            <a:avLst/>
+          </a:prstGeom>
+        </p:spPr>
+      </p:pic>
+      <p:pic>
+        <p:nvPicPr>
+          <p:cNvPr id="86" name="Picture 85">
+            <a:extLst>
+              <a:ext uri="{FF2B5EF4-FFF2-40B4-BE49-F238E27FC236}">
+                <a16:creationId xmlns:a16="http://schemas.microsoft.com/office/drawing/2014/main" id="{9DAA839B-81DA-431A-82E0-38D3DADB2A2E}"/>
+              </a:ext>
+            </a:extLst>
+          </p:cNvPr>
+          <p:cNvPicPr>
+            <a:picLocks noChangeAspect="1"/>
+          </p:cNvPicPr>
+          <p:nvPr>
+            <p:custDataLst>
+              <p:tags r:id="rId16"/>
+            </p:custDataLst>
+          </p:nvPr>
+        </p:nvPicPr>
+        <p:blipFill>
+          <a:blip r:embed="rId29">
+            <a:extLst>
+              <a:ext uri="{28A0092B-C50C-407E-A947-70E740481C1C}">
+                <a14:useLocalDpi xmlns:a14="http://schemas.microsoft.com/office/drawing/2010/main" val="0"/>
+              </a:ext>
+            </a:extLst>
+          </a:blip>
+          <a:stretch>
+            <a:fillRect/>
+          </a:stretch>
+        </p:blipFill>
+        <p:spPr>
+          <a:xfrm>
+            <a:off x="5139006" y="5704256"/>
+            <a:ext cx="160000" cy="260571"/>
+          </a:xfrm>
+          <a:prstGeom prst="rect">
+            <a:avLst/>
+          </a:prstGeom>
+        </p:spPr>
+      </p:pic>
     </p:spTree>
     <p:extLst>
       <p:ext uri="{BB962C8B-B14F-4D97-AF65-F5344CB8AC3E}">
-        <p14:creationId xmlns:p14="http://schemas.microsoft.com/office/powerpoint/2010/main" val="2907166301"/>
+        <p14:creationId xmlns:p14="http://schemas.microsoft.com/office/powerpoint/2010/main" val="203872609"/>
       </p:ext>
     </p:extLst>
   </p:cSld>
@@ -36972,11 +41620,11 @@
 <file path=ppt/tags/tag19.xml><?xml version="1.0" encoding="utf-8"?>
 <p:tagLst xmlns:a="http://schemas.openxmlformats.org/drawingml/2006/main" xmlns:r="http://schemas.openxmlformats.org/officeDocument/2006/relationships" xmlns:p="http://schemas.openxmlformats.org/presentationml/2006/main">
   <p:tag name="OUTPUTDPI" val="1200"/>
-  <p:tag name="ORIGINALHEIGHT" val="106.4867"/>
-  <p:tag name="ORIGINALWIDTH" val="302.9621"/>
-  <p:tag name="LATEXADDIN" val="\documentclass{article}&#10;\usepackage{amsmath}&#10;\usepackage{xcolor}&#10;\usepackage{ragged2e}&#10;\pagestyle{empty}&#10;\begin{document}&#10;&#10;\definecolor{Monred}{RGB}{172,0,0}&#10;&#10;&#10;$OD_{Fi} $&#10;&#10;&#10;\end{document}"/>
+  <p:tag name="ORIGINALHEIGHT" val="87.73905"/>
+  <p:tag name="ORIGINALWIDTH" val="294.7131"/>
+  <p:tag name="LATEXADDIN" val="\documentclass{article}&#10;\usepackage{amsmath}&#10;\usepackage{xcolor}&#10;\usepackage{ragged2e}&#10;\pagestyle{empty}&#10;\begin{document}&#10;&#10;\definecolor{Monred}{RGB}{172,0,0}&#10;&#10;&#10;Inlets&#10;&#10;&#10;&#10;\end{document}"/>
   <p:tag name="IGUANATEXSIZE" val="20"/>
-  <p:tag name="IGUANATEXCURSOR" val="170"/>
+  <p:tag name="IGUANATEXCURSOR" val="166"/>
   <p:tag name="TRANSPARENCY" val="True"/>
   <p:tag name="FILENAME" val=""/>
   <p:tag name="LATEXENGINEID" val="0"/>
@@ -37010,11 +41658,11 @@
 <file path=ppt/tags/tag20.xml><?xml version="1.0" encoding="utf-8"?>
 <p:tagLst xmlns:a="http://schemas.openxmlformats.org/drawingml/2006/main" xmlns:r="http://schemas.openxmlformats.org/officeDocument/2006/relationships" xmlns:p="http://schemas.openxmlformats.org/presentationml/2006/main">
   <p:tag name="OUTPUTDPI" val="1200"/>
-  <p:tag name="ORIGINALHEIGHT" val="104.237"/>
-  <p:tag name="ORIGINALWIDTH" val="271.4661"/>
-  <p:tag name="LATEXADDIN" val="\documentclass{article}&#10;\usepackage{amsmath}&#10;\usepackage{xcolor}&#10;\usepackage{ragged2e}&#10;\pagestyle{empty}&#10;\begin{document}&#10;&#10;\definecolor{Monred}{RGB}{172,0,0}&#10;&#10;$ID_{Fi} $&#10;&#10;&#10;\end{document}"/>
+  <p:tag name="ORIGINALHEIGHT" val="90.73866"/>
+  <p:tag name="ORIGINALWIDTH" val="391.4511"/>
+  <p:tag name="LATEXADDIN" val="\documentclass{article}&#10;\usepackage{amsmath}&#10;\usepackage{xcolor}&#10;\usepackage{ragged2e}&#10;\pagestyle{empty}&#10;\begin{document}&#10;&#10;\definecolor{Monred}{RGB}{172,0,0}&#10;&#10;Outlets&#10;&#10;&#10;&#10;\end{document}"/>
   <p:tag name="IGUANATEXSIZE" val="20"/>
-  <p:tag name="IGUANATEXCURSOR" val="169"/>
+  <p:tag name="IGUANATEXCURSOR" val="167"/>
   <p:tag name="TRANSPARENCY" val="True"/>
   <p:tag name="FILENAME" val=""/>
   <p:tag name="LATEXENGINEID" val="0"/>
@@ -37029,11 +41677,11 @@
 <file path=ppt/tags/tag21.xml><?xml version="1.0" encoding="utf-8"?>
 <p:tagLst xmlns:a="http://schemas.openxmlformats.org/drawingml/2006/main" xmlns:r="http://schemas.openxmlformats.org/officeDocument/2006/relationships" xmlns:p="http://schemas.openxmlformats.org/presentationml/2006/main">
   <p:tag name="OUTPUTDPI" val="1200"/>
-  <p:tag name="ORIGINALHEIGHT" val="104.237"/>
-  <p:tag name="ORIGINALWIDTH" val="757.4053"/>
-  <p:tag name="LATEXADDIN" val="\documentclass{article}&#10;\usepackage{amsmath}&#10;\usepackage{xcolor}&#10;\usepackage{ragged2e}&#10;\pagestyle{empty}&#10;\begin{document}&#10;&#10;\definecolor{Monred}{RGB}{172,0,0}&#10;&#10;$B_{FiBranchMax}$&#10;&#10;&#10;&#10;\end{document}"/>
+  <p:tag name="ORIGINALHEIGHT" val="124.4844"/>
+  <p:tag name="ORIGINALWIDTH" val="472.4409"/>
+  <p:tag name="LATEXADDIN" val="\documentclass{article}&#10;\usepackage{amsmath}&#10;\usepackage{xcolor}&#10;\usepackage{ragged2e}&#10;\pagestyle{empty}&#10;\begin{document}&#10;&#10;\definecolor{Monred}{RGB}{172,0,0}&#10;&#10;$ Q_{FiLayer} $&#10;&#10;&#10;&#10;\end{document}"/>
   <p:tag name="IGUANATEXSIZE" val="20"/>
-  <p:tag name="IGUANATEXCURSOR" val="176"/>
+  <p:tag name="IGUANATEXCURSOR" val="174"/>
   <p:tag name="TRANSPARENCY" val="True"/>
   <p:tag name="FILENAME" val=""/>
   <p:tag name="LATEXENGINEID" val="0"/>
@@ -37048,11 +41696,144 @@
 <file path=ppt/tags/tag22.xml><?xml version="1.0" encoding="utf-8"?>
 <p:tagLst xmlns:a="http://schemas.openxmlformats.org/drawingml/2006/main" xmlns:r="http://schemas.openxmlformats.org/officeDocument/2006/relationships" xmlns:p="http://schemas.openxmlformats.org/presentationml/2006/main">
   <p:tag name="OUTPUTDPI" val="1200"/>
-  <p:tag name="ORIGINALHEIGHT" val="120.7349"/>
-  <p:tag name="ORIGINALWIDTH" val="479.1901"/>
-  <p:tag name="LATEXADDIN" val="\documentclass{article}&#10;\usepackage{amsmath}&#10;\usepackage{xcolor}&#10;\usepackage{ragged2e}&#10;\pagestyle{empty}&#10;\begin{document}&#10;&#10;\definecolor{Monred}{RGB}{172,0,0}&#10;&#10;$ H_{FiLayer} $&#10;&#10;&#10;\end{document}"/>
+  <p:tag name="ORIGINALHEIGHT" val="124.4844"/>
+  <p:tag name="ORIGINALWIDTH" val="472.4409"/>
+  <p:tag name="LATEXADDIN" val="\documentclass{article}&#10;\usepackage{amsmath}&#10;\usepackage{xcolor}&#10;\usepackage{ragged2e}&#10;\pagestyle{empty}&#10;\begin{document}&#10;&#10;\definecolor{Monred}{RGB}{172,0,0}&#10;&#10;$ Q_{FiLayer} $&#10;&#10;&#10;&#10;\end{document}"/>
   <p:tag name="IGUANATEXSIZE" val="20"/>
   <p:tag name="IGUANATEXCURSOR" val="174"/>
+  <p:tag name="TRANSPARENCY" val="True"/>
+  <p:tag name="FILENAME" val=""/>
+  <p:tag name="LATEXENGINEID" val="0"/>
+  <p:tag name="TEMPFOLDER" val="c:\temp\"/>
+  <p:tag name="LATEXFORMHEIGHT" val="312"/>
+  <p:tag name="LATEXFORMWIDTH" val="384"/>
+  <p:tag name="LATEXFORMWRAP" val="True"/>
+  <p:tag name="BITMAPVECTOR" val="0"/>
+</p:tagLst>
+</file>
+
+<file path=ppt/tags/tag23.xml><?xml version="1.0" encoding="utf-8"?>
+<p:tagLst xmlns:a="http://schemas.openxmlformats.org/drawingml/2006/main" xmlns:r="http://schemas.openxmlformats.org/officeDocument/2006/relationships" xmlns:p="http://schemas.openxmlformats.org/presentationml/2006/main">
+  <p:tag name="OUTPUTDPI" val="1200"/>
+  <p:tag name="ORIGINALHEIGHT" val="124.4844"/>
+  <p:tag name="ORIGINALWIDTH" val="534.6832"/>
+  <p:tag name="LATEXADDIN" val="\documentclass{article}&#10;\usepackage{amsmath}&#10;\usepackage{xcolor}&#10;\usepackage{ragged2e}&#10;\pagestyle{empty}&#10;\begin{document}&#10;&#10;\definecolor{Monred}{RGB}{172,0,0}&#10;&#10;&#10;$ 2Q_{FiLayer} $&#10;&#10;\end{document}"/>
+  <p:tag name="IGUANATEXSIZE" val="20"/>
+  <p:tag name="IGUANATEXCURSOR" val="176"/>
+  <p:tag name="TRANSPARENCY" val="True"/>
+  <p:tag name="FILENAME" val=""/>
+  <p:tag name="LATEXENGINEID" val="0"/>
+  <p:tag name="TEMPFOLDER" val="c:\temp\"/>
+  <p:tag name="LATEXFORMHEIGHT" val="312"/>
+  <p:tag name="LATEXFORMWIDTH" val="384"/>
+  <p:tag name="LATEXFORMWRAP" val="True"/>
+  <p:tag name="BITMAPVECTOR" val="0"/>
+</p:tagLst>
+</file>
+
+<file path=ppt/tags/tag24.xml><?xml version="1.0" encoding="utf-8"?>
+<p:tagLst xmlns:a="http://schemas.openxmlformats.org/drawingml/2006/main" xmlns:r="http://schemas.openxmlformats.org/officeDocument/2006/relationships" xmlns:p="http://schemas.openxmlformats.org/presentationml/2006/main">
+  <p:tag name="OUTPUTDPI" val="1200"/>
+  <p:tag name="ORIGINALHEIGHT" val="124.4844"/>
+  <p:tag name="ORIGINALWIDTH" val="534.6832"/>
+  <p:tag name="LATEXADDIN" val="\documentclass{article}&#10;\usepackage{amsmath}&#10;\usepackage{xcolor}&#10;\usepackage{ragged2e}&#10;\pagestyle{empty}&#10;\begin{document}&#10;&#10;\definecolor{Monred}{RGB}{172,0,0}&#10;&#10;&#10;$ 2Q_{FiLayer} $&#10;&#10;\end{document}"/>
+  <p:tag name="IGUANATEXSIZE" val="20"/>
+  <p:tag name="IGUANATEXCURSOR" val="176"/>
+  <p:tag name="TRANSPARENCY" val="True"/>
+  <p:tag name="FILENAME" val=""/>
+  <p:tag name="LATEXENGINEID" val="0"/>
+  <p:tag name="TEMPFOLDER" val="c:\temp\"/>
+  <p:tag name="LATEXFORMHEIGHT" val="312"/>
+  <p:tag name="LATEXFORMWIDTH" val="384"/>
+  <p:tag name="LATEXFORMWRAP" val="True"/>
+  <p:tag name="BITMAPVECTOR" val="0"/>
+</p:tagLst>
+</file>
+
+<file path=ppt/tags/tag25.xml><?xml version="1.0" encoding="utf-8"?>
+<p:tagLst xmlns:a="http://schemas.openxmlformats.org/drawingml/2006/main" xmlns:r="http://schemas.openxmlformats.org/officeDocument/2006/relationships" xmlns:p="http://schemas.openxmlformats.org/presentationml/2006/main">
+  <p:tag name="OUTPUTDPI" val="1200"/>
+  <p:tag name="ORIGINALHEIGHT" val="124.4844"/>
+  <p:tag name="ORIGINALWIDTH" val="534.6832"/>
+  <p:tag name="LATEXADDIN" val="\documentclass{article}&#10;\usepackage{amsmath}&#10;\usepackage{xcolor}&#10;\usepackage{ragged2e}&#10;\pagestyle{empty}&#10;\begin{document}&#10;&#10;\definecolor{Monred}{RGB}{172,0,0}&#10;&#10;&#10;$ 2Q_{FiLayer} $&#10;&#10;\end{document}"/>
+  <p:tag name="IGUANATEXSIZE" val="20"/>
+  <p:tag name="IGUANATEXCURSOR" val="176"/>
+  <p:tag name="TRANSPARENCY" val="True"/>
+  <p:tag name="FILENAME" val=""/>
+  <p:tag name="LATEXENGINEID" val="0"/>
+  <p:tag name="TEMPFOLDER" val="c:\temp\"/>
+  <p:tag name="LATEXFORMHEIGHT" val="312"/>
+  <p:tag name="LATEXFORMWIDTH" val="384"/>
+  <p:tag name="LATEXFORMWRAP" val="True"/>
+  <p:tag name="BITMAPVECTOR" val="0"/>
+</p:tagLst>
+</file>
+
+<file path=ppt/tags/tag26.xml><?xml version="1.0" encoding="utf-8"?>
+<p:tagLst xmlns:a="http://schemas.openxmlformats.org/drawingml/2006/main" xmlns:r="http://schemas.openxmlformats.org/officeDocument/2006/relationships" xmlns:p="http://schemas.openxmlformats.org/presentationml/2006/main">
+  <p:tag name="OUTPUTDPI" val="1200"/>
+  <p:tag name="ORIGINALHEIGHT" val="124.4844"/>
+  <p:tag name="ORIGINALWIDTH" val="534.6832"/>
+  <p:tag name="LATEXADDIN" val="\documentclass{article}&#10;\usepackage{amsmath}&#10;\usepackage{xcolor}&#10;\usepackage{ragged2e}&#10;\pagestyle{empty}&#10;\begin{document}&#10;&#10;\definecolor{Monred}{RGB}{172,0,0}&#10;&#10;&#10;$ 2Q_{FiLayer} $&#10;&#10;\end{document}"/>
+  <p:tag name="IGUANATEXSIZE" val="20"/>
+  <p:tag name="IGUANATEXCURSOR" val="176"/>
+  <p:tag name="TRANSPARENCY" val="True"/>
+  <p:tag name="FILENAME" val=""/>
+  <p:tag name="LATEXENGINEID" val="0"/>
+  <p:tag name="TEMPFOLDER" val="c:\temp\"/>
+  <p:tag name="LATEXFORMHEIGHT" val="312"/>
+  <p:tag name="LATEXFORMWIDTH" val="384"/>
+  <p:tag name="LATEXFORMWRAP" val="True"/>
+  <p:tag name="BITMAPVECTOR" val="0"/>
+</p:tagLst>
+</file>
+
+<file path=ppt/tags/tag27.xml><?xml version="1.0" encoding="utf-8"?>
+<p:tagLst xmlns:a="http://schemas.openxmlformats.org/drawingml/2006/main" xmlns:r="http://schemas.openxmlformats.org/officeDocument/2006/relationships" xmlns:p="http://schemas.openxmlformats.org/presentationml/2006/main">
+  <p:tag name="OUTPUTDPI" val="1200"/>
+  <p:tag name="ORIGINALHEIGHT" val="124.4844"/>
+  <p:tag name="ORIGINALWIDTH" val="534.6832"/>
+  <p:tag name="LATEXADDIN" val="\documentclass{article}&#10;\usepackage{amsmath}&#10;\usepackage{xcolor}&#10;\usepackage{ragged2e}&#10;\pagestyle{empty}&#10;\begin{document}&#10;&#10;\definecolor{Monred}{RGB}{172,0,0}&#10;&#10;&#10;$ 2Q_{FiLayer} $&#10;&#10;\end{document}"/>
+  <p:tag name="IGUANATEXSIZE" val="20"/>
+  <p:tag name="IGUANATEXCURSOR" val="176"/>
+  <p:tag name="TRANSPARENCY" val="True"/>
+  <p:tag name="FILENAME" val=""/>
+  <p:tag name="LATEXENGINEID" val="0"/>
+  <p:tag name="TEMPFOLDER" val="c:\temp\"/>
+  <p:tag name="LATEXFORMHEIGHT" val="312"/>
+  <p:tag name="LATEXFORMWIDTH" val="384"/>
+  <p:tag name="LATEXFORMWRAP" val="True"/>
+  <p:tag name="BITMAPVECTOR" val="0"/>
+</p:tagLst>
+</file>
+
+<file path=ppt/tags/tag28.xml><?xml version="1.0" encoding="utf-8"?>
+<p:tagLst xmlns:a="http://schemas.openxmlformats.org/drawingml/2006/main" xmlns:r="http://schemas.openxmlformats.org/officeDocument/2006/relationships" xmlns:p="http://schemas.openxmlformats.org/presentationml/2006/main">
+  <p:tag name="OUTPUTDPI" val="1200"/>
+  <p:tag name="ORIGINALHEIGHT" val="83.23961"/>
+  <p:tag name="ORIGINALWIDTH" val="41.99472"/>
+  <p:tag name="LATEXADDIN" val="\documentclass{article}&#10;\usepackage{amsmath}&#10;\usepackage{xcolor}&#10;\usepackage{ragged2e}&#10;\pagestyle{empty}&#10;\begin{document}&#10;&#10;\definecolor{Monred}{RGB}{172,0,0}&#10;&#10;$&#10;1&#10;$&#10;&#10;&#10;\end{document}"/>
+  <p:tag name="IGUANATEXSIZE" val="30"/>
+  <p:tag name="IGUANATEXCURSOR" val="164"/>
+  <p:tag name="TRANSPARENCY" val="True"/>
+  <p:tag name="FILENAME" val=""/>
+  <p:tag name="LATEXENGINEID" val="0"/>
+  <p:tag name="TEMPFOLDER" val="c:\temp\"/>
+  <p:tag name="LATEXFORMHEIGHT" val="312"/>
+  <p:tag name="LATEXFORMWIDTH" val="384"/>
+  <p:tag name="LATEXFORMWRAP" val="True"/>
+  <p:tag name="BITMAPVECTOR" val="0"/>
+</p:tagLst>
+</file>
+
+<file path=ppt/tags/tag29.xml><?xml version="1.0" encoding="utf-8"?>
+<p:tagLst xmlns:a="http://schemas.openxmlformats.org/drawingml/2006/main" xmlns:r="http://schemas.openxmlformats.org/officeDocument/2006/relationships" xmlns:p="http://schemas.openxmlformats.org/presentationml/2006/main">
+  <p:tag name="OUTPUTDPI" val="1200"/>
+  <p:tag name="ORIGINALHEIGHT" val="82.48969"/>
+  <p:tag name="ORIGINALWIDTH" val="50.2437"/>
+  <p:tag name="LATEXADDIN" val="\documentclass{article}&#10;\usepackage{amsmath}&#10;\usepackage{xcolor}&#10;\usepackage{ragged2e}&#10;\pagestyle{empty}&#10;\begin{document}&#10;&#10;\definecolor{Monred}{RGB}{172,0,0}&#10;&#10;$&#10;2&#10;$&#10;&#10;&#10;\end{document}"/>
+  <p:tag name="IGUANATEXSIZE" val="30"/>
+  <p:tag name="IGUANATEXCURSOR" val="162"/>
   <p:tag name="TRANSPARENCY" val="True"/>
   <p:tag name="FILENAME" val=""/>
   <p:tag name="LATEXENGINEID" val="0"/>
@@ -37083,6 +41864,196 @@
 </p:tagLst>
 </file>
 
+<file path=ppt/tags/tag30.xml><?xml version="1.0" encoding="utf-8"?>
+<p:tagLst xmlns:a="http://schemas.openxmlformats.org/drawingml/2006/main" xmlns:r="http://schemas.openxmlformats.org/officeDocument/2006/relationships" xmlns:p="http://schemas.openxmlformats.org/presentationml/2006/main">
+  <p:tag name="OUTPUTDPI" val="1200"/>
+  <p:tag name="ORIGINALHEIGHT" val="85.48929"/>
+  <p:tag name="ORIGINALWIDTH" val="52.49347"/>
+  <p:tag name="LATEXADDIN" val="\documentclass{article}&#10;\usepackage{amsmath}&#10;\usepackage{xcolor}&#10;\usepackage{ragged2e}&#10;\pagestyle{empty}&#10;\begin{document}&#10;&#10;\definecolor{Monred}{RGB}{172,0,0}&#10;&#10;$&#10;3&#10;$&#10;&#10;&#10;\end{document}"/>
+  <p:tag name="IGUANATEXSIZE" val="30"/>
+  <p:tag name="IGUANATEXCURSOR" val="162"/>
+  <p:tag name="TRANSPARENCY" val="True"/>
+  <p:tag name="FILENAME" val=""/>
+  <p:tag name="LATEXENGINEID" val="0"/>
+  <p:tag name="TEMPFOLDER" val="c:\temp\"/>
+  <p:tag name="LATEXFORMHEIGHT" val="312"/>
+  <p:tag name="LATEXFORMWIDTH" val="384"/>
+  <p:tag name="LATEXFORMWRAP" val="True"/>
+  <p:tag name="BITMAPVECTOR" val="0"/>
+</p:tagLst>
+</file>
+
+<file path=ppt/tags/tag31.xml><?xml version="1.0" encoding="utf-8"?>
+<p:tagLst xmlns:a="http://schemas.openxmlformats.org/drawingml/2006/main" xmlns:r="http://schemas.openxmlformats.org/officeDocument/2006/relationships" xmlns:p="http://schemas.openxmlformats.org/presentationml/2006/main">
+  <p:tag name="OUTPUTDPI" val="1200"/>
+  <p:tag name="ORIGINALHEIGHT" val="84.73937"/>
+  <p:tag name="ORIGINALWIDTH" val="56.24299"/>
+  <p:tag name="LATEXADDIN" val="\documentclass{article}&#10;\usepackage{amsmath}&#10;\usepackage{xcolor}&#10;\usepackage{ragged2e}&#10;\pagestyle{empty}&#10;\begin{document}&#10;&#10;\definecolor{Monred}{RGB}{172,0,0}&#10;&#10;$&#10;4&#10;$&#10;&#10;&#10;\end{document}"/>
+  <p:tag name="IGUANATEXSIZE" val="30"/>
+  <p:tag name="IGUANATEXCURSOR" val="162"/>
+  <p:tag name="TRANSPARENCY" val="True"/>
+  <p:tag name="FILENAME" val=""/>
+  <p:tag name="LATEXENGINEID" val="0"/>
+  <p:tag name="TEMPFOLDER" val="c:\temp\"/>
+  <p:tag name="LATEXFORMHEIGHT" val="312"/>
+  <p:tag name="LATEXFORMWIDTH" val="384"/>
+  <p:tag name="LATEXFORMWRAP" val="True"/>
+  <p:tag name="BITMAPVECTOR" val="0"/>
+</p:tagLst>
+</file>
+
+<file path=ppt/tags/tag32.xml><?xml version="1.0" encoding="utf-8"?>
+<p:tagLst xmlns:a="http://schemas.openxmlformats.org/drawingml/2006/main" xmlns:r="http://schemas.openxmlformats.org/officeDocument/2006/relationships" xmlns:p="http://schemas.openxmlformats.org/presentationml/2006/main">
+  <p:tag name="OUTPUTDPI" val="1200"/>
+  <p:tag name="ORIGINALHEIGHT" val="85.48929"/>
+  <p:tag name="ORIGINALWIDTH" val="50.2437"/>
+  <p:tag name="LATEXADDIN" val="\documentclass{article}&#10;\usepackage{amsmath}&#10;\usepackage{xcolor}&#10;\usepackage{ragged2e}&#10;\pagestyle{empty}&#10;\begin{document}&#10;&#10;\definecolor{Monred}{RGB}{172,0,0}&#10;&#10;$&#10;5&#10;$&#10;&#10;&#10;\end{document}"/>
+  <p:tag name="IGUANATEXSIZE" val="30"/>
+  <p:tag name="IGUANATEXCURSOR" val="162"/>
+  <p:tag name="TRANSPARENCY" val="True"/>
+  <p:tag name="FILENAME" val=""/>
+  <p:tag name="LATEXENGINEID" val="0"/>
+  <p:tag name="TEMPFOLDER" val="c:\temp\"/>
+  <p:tag name="LATEXFORMHEIGHT" val="312"/>
+  <p:tag name="LATEXFORMWIDTH" val="384"/>
+  <p:tag name="LATEXFORMWRAP" val="True"/>
+  <p:tag name="BITMAPVECTOR" val="0"/>
+</p:tagLst>
+</file>
+
+<file path=ppt/tags/tag33.xml><?xml version="1.0" encoding="utf-8"?>
+<p:tagLst xmlns:a="http://schemas.openxmlformats.org/drawingml/2006/main" xmlns:r="http://schemas.openxmlformats.org/officeDocument/2006/relationships" xmlns:p="http://schemas.openxmlformats.org/presentationml/2006/main">
+  <p:tag name="OUTPUTDPI" val="1200"/>
+  <p:tag name="ORIGINALHEIGHT" val="86.98914"/>
+  <p:tag name="ORIGINALWIDTH" val="53.99323"/>
+  <p:tag name="LATEXADDIN" val="\documentclass{article}&#10;\usepackage{amsmath}&#10;\usepackage{xcolor}&#10;\usepackage{ragged2e}&#10;\pagestyle{empty}&#10;\begin{document}&#10;&#10;\definecolor{Monred}{RGB}{172,0,0}&#10;&#10;$&#10;7&#10;$&#10;&#10;&#10;\end{document}"/>
+  <p:tag name="IGUANATEXSIZE" val="30"/>
+  <p:tag name="IGUANATEXCURSOR" val="162"/>
+  <p:tag name="TRANSPARENCY" val="True"/>
+  <p:tag name="FILENAME" val=""/>
+  <p:tag name="LATEXENGINEID" val="0"/>
+  <p:tag name="TEMPFOLDER" val="c:\temp\"/>
+  <p:tag name="LATEXFORMHEIGHT" val="312"/>
+  <p:tag name="LATEXFORMWIDTH" val="384"/>
+  <p:tag name="LATEXFORMWRAP" val="True"/>
+  <p:tag name="BITMAPVECTOR" val="0"/>
+</p:tagLst>
+</file>
+
+<file path=ppt/tags/tag34.xml><?xml version="1.0" encoding="utf-8"?>
+<p:tagLst xmlns:a="http://schemas.openxmlformats.org/drawingml/2006/main" xmlns:r="http://schemas.openxmlformats.org/officeDocument/2006/relationships" xmlns:p="http://schemas.openxmlformats.org/presentationml/2006/main">
+  <p:tag name="OUTPUTDPI" val="1200"/>
+  <p:tag name="ORIGINALHEIGHT" val="85.48929"/>
+  <p:tag name="ORIGINALWIDTH" val="52.49347"/>
+  <p:tag name="LATEXADDIN" val="\documentclass{article}&#10;\usepackage{amsmath}&#10;\usepackage{xcolor}&#10;\usepackage{ragged2e}&#10;\pagestyle{empty}&#10;\begin{document}&#10;&#10;\definecolor{Monred}{RGB}{172,0,0}&#10;&#10;$&#10;6&#10;$&#10;&#10;&#10;\end{document}"/>
+  <p:tag name="IGUANATEXSIZE" val="30"/>
+  <p:tag name="IGUANATEXCURSOR" val="162"/>
+  <p:tag name="TRANSPARENCY" val="True"/>
+  <p:tag name="FILENAME" val=""/>
+  <p:tag name="LATEXENGINEID" val="0"/>
+  <p:tag name="TEMPFOLDER" val="c:\temp\"/>
+  <p:tag name="LATEXFORMHEIGHT" val="312"/>
+  <p:tag name="LATEXFORMWIDTH" val="384"/>
+  <p:tag name="LATEXFORMWRAP" val="True"/>
+  <p:tag name="BITMAPVECTOR" val="0"/>
+</p:tagLst>
+</file>
+
+<file path=ppt/tags/tag35.xml><?xml version="1.0" encoding="utf-8"?>
+<p:tagLst xmlns:a="http://schemas.openxmlformats.org/drawingml/2006/main" xmlns:r="http://schemas.openxmlformats.org/officeDocument/2006/relationships" xmlns:p="http://schemas.openxmlformats.org/presentationml/2006/main">
+  <p:tag name="OUTPUTDPI" val="1200"/>
+  <p:tag name="ORIGINALHEIGHT" val="106.4867"/>
+  <p:tag name="ORIGINALWIDTH" val="302.9621"/>
+  <p:tag name="LATEXADDIN" val="\documentclass{article}&#10;\usepackage{amsmath}&#10;\usepackage{xcolor}&#10;\usepackage{ragged2e}&#10;\pagestyle{empty}&#10;\begin{document}&#10;&#10;\definecolor{Monred}{RGB}{172,0,0}&#10;&#10;&#10;$OD_{Fi} $&#10;&#10;&#10;\end{document}"/>
+  <p:tag name="IGUANATEXSIZE" val="20"/>
+  <p:tag name="IGUANATEXCURSOR" val="170"/>
+  <p:tag name="TRANSPARENCY" val="True"/>
+  <p:tag name="FILENAME" val=""/>
+  <p:tag name="LATEXENGINEID" val="0"/>
+  <p:tag name="TEMPFOLDER" val="c:\temp\"/>
+  <p:tag name="LATEXFORMHEIGHT" val="312"/>
+  <p:tag name="LATEXFORMWIDTH" val="384"/>
+  <p:tag name="LATEXFORMWRAP" val="True"/>
+  <p:tag name="BITMAPVECTOR" val="0"/>
+</p:tagLst>
+</file>
+
+<file path=ppt/tags/tag36.xml><?xml version="1.0" encoding="utf-8"?>
+<p:tagLst xmlns:a="http://schemas.openxmlformats.org/drawingml/2006/main" xmlns:r="http://schemas.openxmlformats.org/officeDocument/2006/relationships" xmlns:p="http://schemas.openxmlformats.org/presentationml/2006/main">
+  <p:tag name="OUTPUTDPI" val="1200"/>
+  <p:tag name="ORIGINALHEIGHT" val="104.237"/>
+  <p:tag name="ORIGINALWIDTH" val="271.4661"/>
+  <p:tag name="LATEXADDIN" val="\documentclass{article}&#10;\usepackage{amsmath}&#10;\usepackage{xcolor}&#10;\usepackage{ragged2e}&#10;\pagestyle{empty}&#10;\begin{document}&#10;&#10;\definecolor{Monred}{RGB}{172,0,0}&#10;&#10;$ID_{Fi} $&#10;&#10;&#10;\end{document}"/>
+  <p:tag name="IGUANATEXSIZE" val="20"/>
+  <p:tag name="IGUANATEXCURSOR" val="169"/>
+  <p:tag name="TRANSPARENCY" val="True"/>
+  <p:tag name="FILENAME" val=""/>
+  <p:tag name="LATEXENGINEID" val="0"/>
+  <p:tag name="TEMPFOLDER" val="c:\temp\"/>
+  <p:tag name="LATEXFORMHEIGHT" val="312"/>
+  <p:tag name="LATEXFORMWIDTH" val="384"/>
+  <p:tag name="LATEXFORMWRAP" val="True"/>
+  <p:tag name="BITMAPVECTOR" val="0"/>
+</p:tagLst>
+</file>
+
+<file path=ppt/tags/tag37.xml><?xml version="1.0" encoding="utf-8"?>
+<p:tagLst xmlns:a="http://schemas.openxmlformats.org/drawingml/2006/main" xmlns:r="http://schemas.openxmlformats.org/officeDocument/2006/relationships" xmlns:p="http://schemas.openxmlformats.org/presentationml/2006/main">
+  <p:tag name="OUTPUTDPI" val="1200"/>
+  <p:tag name="ORIGINALHEIGHT" val="104.237"/>
+  <p:tag name="ORIGINALWIDTH" val="757.4053"/>
+  <p:tag name="LATEXADDIN" val="\documentclass{article}&#10;\usepackage{amsmath}&#10;\usepackage{xcolor}&#10;\usepackage{ragged2e}&#10;\pagestyle{empty}&#10;\begin{document}&#10;&#10;\definecolor{Monred}{RGB}{172,0,0}&#10;&#10;$B_{FiBranchMax}$&#10;&#10;&#10;&#10;\end{document}"/>
+  <p:tag name="IGUANATEXSIZE" val="20"/>
+  <p:tag name="IGUANATEXCURSOR" val="176"/>
+  <p:tag name="TRANSPARENCY" val="True"/>
+  <p:tag name="FILENAME" val=""/>
+  <p:tag name="LATEXENGINEID" val="0"/>
+  <p:tag name="TEMPFOLDER" val="c:\temp\"/>
+  <p:tag name="LATEXFORMHEIGHT" val="312"/>
+  <p:tag name="LATEXFORMWIDTH" val="384"/>
+  <p:tag name="LATEXFORMWRAP" val="True"/>
+  <p:tag name="BITMAPVECTOR" val="0"/>
+</p:tagLst>
+</file>
+
+<file path=ppt/tags/tag38.xml><?xml version="1.0" encoding="utf-8"?>
+<p:tagLst xmlns:a="http://schemas.openxmlformats.org/drawingml/2006/main" xmlns:r="http://schemas.openxmlformats.org/officeDocument/2006/relationships" xmlns:p="http://schemas.openxmlformats.org/presentationml/2006/main">
+  <p:tag name="OUTPUTDPI" val="1200"/>
+  <p:tag name="ORIGINALHEIGHT" val="120.7349"/>
+  <p:tag name="ORIGINALWIDTH" val="479.1901"/>
+  <p:tag name="LATEXADDIN" val="\documentclass{article}&#10;\usepackage{amsmath}&#10;\usepackage{xcolor}&#10;\usepackage{ragged2e}&#10;\pagestyle{empty}&#10;\begin{document}&#10;&#10;\definecolor{Monred}{RGB}{172,0,0}&#10;&#10;$ H_{FiLayer} $&#10;&#10;&#10;\end{document}"/>
+  <p:tag name="IGUANATEXSIZE" val="20"/>
+  <p:tag name="IGUANATEXCURSOR" val="174"/>
+  <p:tag name="TRANSPARENCY" val="True"/>
+  <p:tag name="FILENAME" val=""/>
+  <p:tag name="LATEXENGINEID" val="0"/>
+  <p:tag name="TEMPFOLDER" val="c:\temp\"/>
+  <p:tag name="LATEXFORMHEIGHT" val="312"/>
+  <p:tag name="LATEXFORMWIDTH" val="384"/>
+  <p:tag name="LATEXFORMWRAP" val="True"/>
+  <p:tag name="BITMAPVECTOR" val="0"/>
+</p:tagLst>
+</file>
+
+<file path=ppt/tags/tag39.xml><?xml version="1.0" encoding="utf-8"?>
+<p:tagLst xmlns:a="http://schemas.openxmlformats.org/drawingml/2006/main" xmlns:r="http://schemas.openxmlformats.org/officeDocument/2006/relationships" xmlns:p="http://schemas.openxmlformats.org/presentationml/2006/main">
+  <p:tag name="OUTPUTDPI" val="1200"/>
+  <p:tag name="ORIGINALHEIGHT" val="124.4844"/>
+  <p:tag name="ORIGINALWIDTH" val="360.7049"/>
+  <p:tag name="LATEXADDIN" val="\documentclass{article}&#10;\usepackage{amsmath}&#10;\usepackage{xcolor}&#10;\usepackage{ragged2e}&#10;\pagestyle{empty}&#10;\begin{document}&#10;&#10;\definecolor{Monred}{RGB}{172,0,0}&#10;&#10;$&#10;Q_{Layer}&#10;$&#10;&#10;&#10;&#10;\end{document}"/>
+  <p:tag name="IGUANATEXSIZE" val="20"/>
+  <p:tag name="IGUANATEXCURSOR" val="173"/>
+  <p:tag name="TRANSPARENCY" val="True"/>
+  <p:tag name="FILENAME" val=""/>
+  <p:tag name="LATEXENGINEID" val="0"/>
+  <p:tag name="TEMPFOLDER" val="c:\temp\"/>
+  <p:tag name="LATEXFORMHEIGHT" val="312"/>
+  <p:tag name="LATEXFORMWIDTH" val="384"/>
+  <p:tag name="LATEXFORMWRAP" val="True"/>
+  <p:tag name="BITMAPVECTOR" val="0"/>
+</p:tagLst>
+</file>
+
 <file path=ppt/tags/tag4.xml><?xml version="1.0" encoding="utf-8"?>
 <p:tagLst xmlns:a="http://schemas.openxmlformats.org/drawingml/2006/main" xmlns:r="http://schemas.openxmlformats.org/officeDocument/2006/relationships" xmlns:p="http://schemas.openxmlformats.org/presentationml/2006/main">
   <p:tag name="OUTPUTDPI" val="1200"/>
@@ -37091,6 +42062,196 @@
   <p:tag name="LATEXADDIN" val="\documentclass{article}&#10;\usepackage{amsmath}&#10;\usepackage{xcolor}&#10;\usepackage{ragged2e}&#10;\pagestyle{empty}&#10;\begin{document}&#10;&#10;\definecolor{Monred}{RGB}{172,0,0}&#10;&#10;&#10;Siphon Valve&#10;&#10;&#10;\end{document}"/>
   <p:tag name="IGUANATEXSIZE" val="20"/>
   <p:tag name="IGUANATEXCURSOR" val="172"/>
+  <p:tag name="TRANSPARENCY" val="True"/>
+  <p:tag name="FILENAME" val=""/>
+  <p:tag name="LATEXENGINEID" val="0"/>
+  <p:tag name="TEMPFOLDER" val="c:\temp\"/>
+  <p:tag name="LATEXFORMHEIGHT" val="312"/>
+  <p:tag name="LATEXFORMWIDTH" val="384"/>
+  <p:tag name="LATEXFORMWRAP" val="True"/>
+  <p:tag name="BITMAPVECTOR" val="0"/>
+</p:tagLst>
+</file>
+
+<file path=ppt/tags/tag40.xml><?xml version="1.0" encoding="utf-8"?>
+<p:tagLst xmlns:a="http://schemas.openxmlformats.org/drawingml/2006/main" xmlns:r="http://schemas.openxmlformats.org/officeDocument/2006/relationships" xmlns:p="http://schemas.openxmlformats.org/presentationml/2006/main">
+  <p:tag name="OUTPUTDPI" val="1200"/>
+  <p:tag name="ORIGINALHEIGHT" val="124.4844"/>
+  <p:tag name="ORIGINALWIDTH" val="422.9472"/>
+  <p:tag name="LATEXADDIN" val="\documentclass{article}&#10;\usepackage{amsmath}&#10;\usepackage{xcolor}&#10;\usepackage{ragged2e}&#10;\pagestyle{empty}&#10;\begin{document}&#10;&#10;\definecolor{Monred}{RGB}{172,0,0}&#10;&#10;$&#10;2Q_{Layer}&#10;$&#10;&#10;&#10;&#10;\end{document}"/>
+  <p:tag name="IGUANATEXSIZE" val="20"/>
+  <p:tag name="IGUANATEXCURSOR" val="162"/>
+  <p:tag name="TRANSPARENCY" val="True"/>
+  <p:tag name="FILENAME" val=""/>
+  <p:tag name="LATEXENGINEID" val="0"/>
+  <p:tag name="TEMPFOLDER" val="c:\temp\"/>
+  <p:tag name="LATEXFORMHEIGHT" val="312"/>
+  <p:tag name="LATEXFORMWIDTH" val="384"/>
+  <p:tag name="LATEXFORMWRAP" val="True"/>
+  <p:tag name="BITMAPVECTOR" val="0"/>
+</p:tagLst>
+</file>
+
+<file path=ppt/tags/tag41.xml><?xml version="1.0" encoding="utf-8"?>
+<p:tagLst xmlns:a="http://schemas.openxmlformats.org/drawingml/2006/main" xmlns:r="http://schemas.openxmlformats.org/officeDocument/2006/relationships" xmlns:p="http://schemas.openxmlformats.org/presentationml/2006/main">
+  <p:tag name="OUTPUTDPI" val="1200"/>
+  <p:tag name="ORIGINALHEIGHT" val="124.4844"/>
+  <p:tag name="ORIGINALWIDTH" val="360.7049"/>
+  <p:tag name="LATEXADDIN" val="\documentclass{article}&#10;\usepackage{amsmath}&#10;\usepackage{xcolor}&#10;\usepackage{ragged2e}&#10;\pagestyle{empty}&#10;\begin{document}&#10;&#10;\definecolor{Monred}{RGB}{172,0,0}&#10;&#10;$&#10;Q_{Layer}&#10;$&#10;&#10;&#10;&#10;\end{document}"/>
+  <p:tag name="IGUANATEXSIZE" val="20"/>
+  <p:tag name="IGUANATEXCURSOR" val="173"/>
+  <p:tag name="TRANSPARENCY" val="True"/>
+  <p:tag name="FILENAME" val=""/>
+  <p:tag name="LATEXENGINEID" val="0"/>
+  <p:tag name="TEMPFOLDER" val="c:\temp\"/>
+  <p:tag name="LATEXFORMHEIGHT" val="312"/>
+  <p:tag name="LATEXFORMWIDTH" val="384"/>
+  <p:tag name="LATEXFORMWRAP" val="True"/>
+  <p:tag name="BITMAPVECTOR" val="0"/>
+</p:tagLst>
+</file>
+
+<file path=ppt/tags/tag42.xml><?xml version="1.0" encoding="utf-8"?>
+<p:tagLst xmlns:a="http://schemas.openxmlformats.org/drawingml/2006/main" xmlns:r="http://schemas.openxmlformats.org/officeDocument/2006/relationships" xmlns:p="http://schemas.openxmlformats.org/presentationml/2006/main">
+  <p:tag name="OUTPUTDPI" val="1200"/>
+  <p:tag name="ORIGINALHEIGHT" val="124.4844"/>
+  <p:tag name="ORIGINALWIDTH" val="360.7049"/>
+  <p:tag name="LATEXADDIN" val="\documentclass{article}&#10;\usepackage{amsmath}&#10;\usepackage{xcolor}&#10;\usepackage{ragged2e}&#10;\pagestyle{empty}&#10;\begin{document}&#10;&#10;\definecolor{Monred}{RGB}{172,0,0}&#10;&#10;$&#10;Q_{Layer}&#10;$&#10;&#10;&#10;&#10;\end{document}"/>
+  <p:tag name="IGUANATEXSIZE" val="20"/>
+  <p:tag name="IGUANATEXCURSOR" val="173"/>
+  <p:tag name="TRANSPARENCY" val="True"/>
+  <p:tag name="FILENAME" val=""/>
+  <p:tag name="LATEXENGINEID" val="0"/>
+  <p:tag name="TEMPFOLDER" val="c:\temp\"/>
+  <p:tag name="LATEXFORMHEIGHT" val="312"/>
+  <p:tag name="LATEXFORMWIDTH" val="384"/>
+  <p:tag name="LATEXFORMWRAP" val="True"/>
+  <p:tag name="BITMAPVECTOR" val="0"/>
+</p:tagLst>
+</file>
+
+<file path=ppt/tags/tag43.xml><?xml version="1.0" encoding="utf-8"?>
+<p:tagLst xmlns:a="http://schemas.openxmlformats.org/drawingml/2006/main" xmlns:r="http://schemas.openxmlformats.org/officeDocument/2006/relationships" xmlns:p="http://schemas.openxmlformats.org/presentationml/2006/main">
+  <p:tag name="OUTPUTDPI" val="1200"/>
+  <p:tag name="ORIGINALHEIGHT" val="111.7361"/>
+  <p:tag name="ORIGINALWIDTH" val="239.97"/>
+  <p:tag name="LATEXADDIN" val="\documentclass{article}&#10;\usepackage{amsmath}&#10;\usepackage{xcolor}&#10;\usepackage{ragged2e}&#10;\pagestyle{empty}&#10;\begin{document}&#10;&#10;\definecolor{Monred}{RGB}{172,0,0}&#10;&#10;$&#10;Q_{Bw}&#10;$&#10;&#10;&#10;&#10;\end{document}"/>
+  <p:tag name="IGUANATEXSIZE" val="20"/>
+  <p:tag name="IGUANATEXCURSOR" val="166"/>
+  <p:tag name="TRANSPARENCY" val="True"/>
+  <p:tag name="FILENAME" val=""/>
+  <p:tag name="LATEXENGINEID" val="0"/>
+  <p:tag name="TEMPFOLDER" val="c:\temp\"/>
+  <p:tag name="LATEXFORMHEIGHT" val="312"/>
+  <p:tag name="LATEXFORMWIDTH" val="384"/>
+  <p:tag name="LATEXFORMWRAP" val="True"/>
+  <p:tag name="BITMAPVECTOR" val="0"/>
+</p:tagLst>
+</file>
+
+<file path=ppt/tags/tag44.xml><?xml version="1.0" encoding="utf-8"?>
+<p:tagLst xmlns:a="http://schemas.openxmlformats.org/drawingml/2006/main" xmlns:r="http://schemas.openxmlformats.org/officeDocument/2006/relationships" xmlns:p="http://schemas.openxmlformats.org/presentationml/2006/main">
+  <p:tag name="OUTPUTDPI" val="1200"/>
+  <p:tag name="ORIGINALHEIGHT" val="111.7361"/>
+  <p:tag name="ORIGINALWIDTH" val="86.23921"/>
+  <p:tag name="LATEXADDIN" val="\documentclass{article}&#10;\usepackage{amsmath}&#10;\usepackage{xcolor}&#10;\usepackage{ragged2e}&#10;\pagestyle{empty}&#10;\begin{document}&#10;&#10;\definecolor{Monred}{RGB}{172,0,0}&#10;&#10;$&#10;Q&#10;$&#10;&#10;&#10;&#10;\end{document}"/>
+  <p:tag name="IGUANATEXSIZE" val="20"/>
+  <p:tag name="IGUANATEXCURSOR" val="162"/>
+  <p:tag name="TRANSPARENCY" val="True"/>
+  <p:tag name="FILENAME" val=""/>
+  <p:tag name="LATEXENGINEID" val="0"/>
+  <p:tag name="TEMPFOLDER" val="c:\temp\"/>
+  <p:tag name="LATEXFORMHEIGHT" val="312"/>
+  <p:tag name="LATEXFORMWIDTH" val="384"/>
+  <p:tag name="LATEXFORMWRAP" val="True"/>
+  <p:tag name="BITMAPVECTOR" val="0"/>
+</p:tagLst>
+</file>
+
+<file path=ppt/tags/tag45.xml><?xml version="1.0" encoding="utf-8"?>
+<p:tagLst xmlns:a="http://schemas.openxmlformats.org/drawingml/2006/main" xmlns:r="http://schemas.openxmlformats.org/officeDocument/2006/relationships" xmlns:p="http://schemas.openxmlformats.org/presentationml/2006/main">
+  <p:tag name="OUTPUTDPI" val="1200"/>
+  <p:tag name="ORIGINALHEIGHT" val="125.9843"/>
+  <p:tag name="ORIGINALWIDTH" val="632.171"/>
+  <p:tag name="LATEXADDIN" val="\documentclass{article}&#10;\usepackage{amsmath}&#10;\usepackage{xcolor}&#10;\usepackage{ragged2e}&#10;\pagestyle{empty}&#10;\begin{document}&#10;&#10;\definecolor{Monred}{RGB}{172,0,0}&#10;&#10;$&#10;A_{BwOrifices}&#10;$&#10;&#10;\end{document}"/>
+  <p:tag name="IGUANATEXSIZE" val="20"/>
+  <p:tag name="IGUANATEXCURSOR" val="177"/>
+  <p:tag name="TRANSPARENCY" val="True"/>
+  <p:tag name="FILENAME" val=""/>
+  <p:tag name="LATEXENGINEID" val="0"/>
+  <p:tag name="TEMPFOLDER" val="c:\temp\"/>
+  <p:tag name="LATEXFORMHEIGHT" val="312"/>
+  <p:tag name="LATEXFORMWIDTH" val="384"/>
+  <p:tag name="LATEXFORMWRAP" val="True"/>
+  <p:tag name="BITMAPVECTOR" val="0"/>
+</p:tagLst>
+</file>
+
+<file path=ppt/tags/tag46.xml><?xml version="1.0" encoding="utf-8"?>
+<p:tagLst xmlns:a="http://schemas.openxmlformats.org/drawingml/2006/main" xmlns:r="http://schemas.openxmlformats.org/officeDocument/2006/relationships" xmlns:p="http://schemas.openxmlformats.org/presentationml/2006/main">
+  <p:tag name="OUTPUTDPI" val="1200"/>
+  <p:tag name="ORIGINALHEIGHT" val="125.9843"/>
+  <p:tag name="ORIGINALWIDTH" val="707.9115"/>
+  <p:tag name="LATEXADDIN" val="\documentclass{article}&#10;\usepackage{amsmath}&#10;\usepackage{xcolor}&#10;\usepackage{ragged2e}&#10;\pagestyle{empty}&#10;\begin{document}&#10;&#10;\definecolor{Monred}{RGB}{172,0,0}&#10;&#10;$&#10;A_{InletOrifices}&#10;$&#10;&#10;\end{document}"/>
+  <p:tag name="IGUANATEXSIZE" val="20"/>
+  <p:tag name="IGUANATEXCURSOR" val="177"/>
+  <p:tag name="TRANSPARENCY" val="True"/>
+  <p:tag name="FILENAME" val=""/>
+  <p:tag name="LATEXENGINEID" val="0"/>
+  <p:tag name="TEMPFOLDER" val="c:\temp\"/>
+  <p:tag name="LATEXFORMHEIGHT" val="312"/>
+  <p:tag name="LATEXFORMWIDTH" val="384"/>
+  <p:tag name="LATEXFORMWRAP" val="True"/>
+  <p:tag name="BITMAPVECTOR" val="0"/>
+</p:tagLst>
+</file>
+
+<file path=ppt/tags/tag47.xml><?xml version="1.0" encoding="utf-8"?>
+<p:tagLst xmlns:a="http://schemas.openxmlformats.org/drawingml/2006/main" xmlns:r="http://schemas.openxmlformats.org/officeDocument/2006/relationships" xmlns:p="http://schemas.openxmlformats.org/presentationml/2006/main">
+  <p:tag name="OUTPUTDPI" val="1200"/>
+  <p:tag name="ORIGINALHEIGHT" val="125.9843"/>
+  <p:tag name="ORIGINALWIDTH" val="880.3899"/>
+  <p:tag name="LATEXADDIN" val="\documentclass{article}&#10;\usepackage{amsmath}&#10;\usepackage{xcolor}&#10;\usepackage{ragged2e}&#10;\pagestyle{empty}&#10;\begin{document}&#10;&#10;\definecolor{Monred}{RGB}{172,0,0}&#10;&#10;$&#10;A_{TopInletOrifices}&#10;$&#10;&#10;\end{document}"/>
+  <p:tag name="IGUANATEXSIZE" val="20"/>
+  <p:tag name="IGUANATEXCURSOR" val="172"/>
+  <p:tag name="TRANSPARENCY" val="True"/>
+  <p:tag name="FILENAME" val=""/>
+  <p:tag name="LATEXENGINEID" val="0"/>
+  <p:tag name="TEMPFOLDER" val="c:\temp\"/>
+  <p:tag name="LATEXFORMHEIGHT" val="312"/>
+  <p:tag name="LATEXFORMWIDTH" val="384"/>
+  <p:tag name="LATEXFORMWRAP" val="True"/>
+  <p:tag name="BITMAPVECTOR" val="0"/>
+</p:tagLst>
+</file>
+
+<file path=ppt/tags/tag48.xml><?xml version="1.0" encoding="utf-8"?>
+<p:tagLst xmlns:a="http://schemas.openxmlformats.org/drawingml/2006/main" xmlns:r="http://schemas.openxmlformats.org/officeDocument/2006/relationships" xmlns:p="http://schemas.openxmlformats.org/presentationml/2006/main">
+  <p:tag name="OUTPUTDPI" val="1200"/>
+  <p:tag name="ORIGINALHEIGHT" val="109.4863"/>
+  <p:tag name="ORIGINALWIDTH" val="607.4241"/>
+  <p:tag name="LATEXADDIN" val="\documentclass{article}&#10;\usepackage{amsmath}&#10;\usepackage{xcolor}&#10;\usepackage{ragged2e}&#10;\pagestyle{empty}&#10;\begin{document}&#10;&#10;\definecolor{Monred}{RGB}{172,0,0}&#10;&#10;$&#10;A_{OutletSlots}&#10;$&#10;&#10;\end{document}"/>
+  <p:tag name="IGUANATEXSIZE" val="20"/>
+  <p:tag name="IGUANATEXCURSOR" val="174"/>
+  <p:tag name="TRANSPARENCY" val="True"/>
+  <p:tag name="FILENAME" val=""/>
+  <p:tag name="LATEXENGINEID" val="0"/>
+  <p:tag name="TEMPFOLDER" val="c:\temp\"/>
+  <p:tag name="LATEXFORMHEIGHT" val="312"/>
+  <p:tag name="LATEXFORMWIDTH" val="384"/>
+  <p:tag name="LATEXFORMWRAP" val="True"/>
+  <p:tag name="BITMAPVECTOR" val="0"/>
+</p:tagLst>
+</file>
+
+<file path=ppt/tags/tag49.xml><?xml version="1.0" encoding="utf-8"?>
+<p:tagLst xmlns:a="http://schemas.openxmlformats.org/drawingml/2006/main" xmlns:r="http://schemas.openxmlformats.org/officeDocument/2006/relationships" xmlns:p="http://schemas.openxmlformats.org/presentationml/2006/main">
+  <p:tag name="OUTPUTDPI" val="1200"/>
+  <p:tag name="ORIGINALHEIGHT" val="125.9843"/>
+  <p:tag name="ORIGINALWIDTH" val="632.171"/>
+  <p:tag name="LATEXADDIN" val="\documentclass{article}&#10;\usepackage{amsmath}&#10;\usepackage{xcolor}&#10;\usepackage{ragged2e}&#10;\pagestyle{empty}&#10;\begin{document}&#10;&#10;\definecolor{Monred}{RGB}{172,0,0}&#10;&#10;$&#10;A_{BwOrifices}&#10;$&#10;&#10;\end{document}"/>
+  <p:tag name="IGUANATEXSIZE" val="20"/>
+  <p:tag name="IGUANATEXCURSOR" val="177"/>
   <p:tag name="TRANSPARENCY" val="True"/>
   <p:tag name="FILENAME" val=""/>
   <p:tag name="LATEXENGINEID" val="0"/>
@@ -37121,6 +42282,196 @@
 </p:tagLst>
 </file>
 
+<file path=ppt/tags/tag50.xml><?xml version="1.0" encoding="utf-8"?>
+<p:tagLst xmlns:a="http://schemas.openxmlformats.org/drawingml/2006/main" xmlns:r="http://schemas.openxmlformats.org/officeDocument/2006/relationships" xmlns:p="http://schemas.openxmlformats.org/presentationml/2006/main">
+  <p:tag name="OUTPUTDPI" val="1200"/>
+  <p:tag name="ORIGINALHEIGHT" val="89.23882"/>
+  <p:tag name="ORIGINALWIDTH" val="86.23921"/>
+  <p:tag name="LATEXADDIN" val="\documentclass{article}&#10;\usepackage{amsmath}&#10;\usepackage{xcolor}&#10;\usepackage{ragged2e}&#10;\pagestyle{empty}&#10;\begin{document}&#10;&#10;\definecolor{Monred}{RGB}{172,0,0}&#10;&#10;$&#10;A$&#10;&#10;\end{document}"/>
+  <p:tag name="IGUANATEXSIZE" val="20"/>
+  <p:tag name="IGUANATEXCURSOR" val="162"/>
+  <p:tag name="TRANSPARENCY" val="True"/>
+  <p:tag name="FILENAME" val=""/>
+  <p:tag name="LATEXENGINEID" val="0"/>
+  <p:tag name="TEMPFOLDER" val="c:\temp\"/>
+  <p:tag name="LATEXFORMHEIGHT" val="312"/>
+  <p:tag name="LATEXFORMWIDTH" val="384"/>
+  <p:tag name="LATEXFORMWRAP" val="True"/>
+  <p:tag name="BITMAPVECTOR" val="0"/>
+</p:tagLst>
+</file>
+
+<file path=ppt/tags/tag51.xml><?xml version="1.0" encoding="utf-8"?>
+<p:tagLst xmlns:a="http://schemas.openxmlformats.org/drawingml/2006/main" xmlns:r="http://schemas.openxmlformats.org/officeDocument/2006/relationships" xmlns:p="http://schemas.openxmlformats.org/presentationml/2006/main">
+  <p:tag name="OUTPUTDPI" val="1200"/>
+  <p:tag name="ORIGINALHEIGHT" val="74.24071"/>
+  <p:tag name="ORIGINALWIDTH" val="554.1807"/>
+  <p:tag name="LATEXADDIN" val="\documentclass{article}&#10;\usepackage{amsmath}&#10;\usepackage{xcolor}&#10;\usepackage{ragged2e}&#10;\pagestyle{empty}&#10;\begin{document}&#10;&#10;\definecolor{Monred}{RGB}{172,0,0}&#10;&#10;$&#10;\epsilon_{FilterSand}&#10;$&#10;&#10;&#10;&#10;\end{document}"/>
+  <p:tag name="IGUANATEXSIZE" val="20"/>
+  <p:tag name="IGUANATEXCURSOR" val="182"/>
+  <p:tag name="TRANSPARENCY" val="True"/>
+  <p:tag name="FILENAME" val=""/>
+  <p:tag name="LATEXENGINEID" val="0"/>
+  <p:tag name="TEMPFOLDER" val="c:\temp\"/>
+  <p:tag name="LATEXFORMHEIGHT" val="312"/>
+  <p:tag name="LATEXFORMWIDTH" val="384"/>
+  <p:tag name="LATEXFORMWRAP" val="True"/>
+  <p:tag name="BITMAPVECTOR" val="0"/>
+</p:tagLst>
+</file>
+
+<file path=ppt/tags/tag52.xml><?xml version="1.0" encoding="utf-8"?>
+<p:tagLst xmlns:a="http://schemas.openxmlformats.org/drawingml/2006/main" xmlns:r="http://schemas.openxmlformats.org/officeDocument/2006/relationships" xmlns:p="http://schemas.openxmlformats.org/presentationml/2006/main">
+  <p:tag name="OUTPUTDPI" val="1200"/>
+  <p:tag name="ORIGINALHEIGHT" val="55.49307"/>
+  <p:tag name="ORIGINALWIDTH" val="41.99472"/>
+  <p:tag name="LATEXADDIN" val="\documentclass{article}&#10;\usepackage{amsmath}&#10;\usepackage{xcolor}&#10;\usepackage{ragged2e}&#10;\pagestyle{empty}&#10;\begin{document}&#10;&#10;\definecolor{Monred}{RGB}{172,0,0}&#10;&#10;$&#10;\epsilon$&#10;&#10;&#10;&#10;\end{document}"/>
+  <p:tag name="IGUANATEXSIZE" val="20"/>
+  <p:tag name="IGUANATEXCURSOR" val="169"/>
+  <p:tag name="TRANSPARENCY" val="True"/>
+  <p:tag name="FILENAME" val=""/>
+  <p:tag name="LATEXENGINEID" val="0"/>
+  <p:tag name="TEMPFOLDER" val="c:\temp\"/>
+  <p:tag name="LATEXFORMHEIGHT" val="312"/>
+  <p:tag name="LATEXFORMWIDTH" val="384"/>
+  <p:tag name="LATEXFORMWRAP" val="True"/>
+  <p:tag name="BITMAPVECTOR" val="0"/>
+</p:tagLst>
+</file>
+
+<file path=ppt/tags/tag53.xml><?xml version="1.0" encoding="utf-8"?>
+<p:tagLst xmlns:a="http://schemas.openxmlformats.org/drawingml/2006/main" xmlns:r="http://schemas.openxmlformats.org/officeDocument/2006/relationships" xmlns:p="http://schemas.openxmlformats.org/presentationml/2006/main">
+  <p:tag name="OUTPUTDPI" val="1200"/>
+  <p:tag name="ORIGINALHEIGHT" val="83.23961"/>
+  <p:tag name="ORIGINALWIDTH" val="41.99472"/>
+  <p:tag name="LATEXADDIN" val="\documentclass{article}&#10;\usepackage{amsmath}&#10;\usepackage{xcolor}&#10;\usepackage{ragged2e}&#10;\pagestyle{empty}&#10;\begin{document}&#10;&#10;\definecolor{Monred}{RGB}{172,0,0}&#10;&#10;$ 1 $&#10;&#10;&#10;\end{document}"/>
+  <p:tag name="IGUANATEXSIZE" val="20"/>
+  <p:tag name="IGUANATEXCURSOR" val="164"/>
+  <p:tag name="TRANSPARENCY" val="True"/>
+  <p:tag name="FILENAME" val=""/>
+  <p:tag name="LATEXENGINEID" val="0"/>
+  <p:tag name="TEMPFOLDER" val="c:\temp\"/>
+  <p:tag name="LATEXFORMHEIGHT" val="312"/>
+  <p:tag name="LATEXFORMWIDTH" val="384"/>
+  <p:tag name="LATEXFORMWRAP" val="True"/>
+  <p:tag name="BITMAPVECTOR" val="0"/>
+</p:tagLst>
+</file>
+
+<file path=ppt/tags/tag54.xml><?xml version="1.0" encoding="utf-8"?>
+<p:tagLst xmlns:a="http://schemas.openxmlformats.org/drawingml/2006/main" xmlns:r="http://schemas.openxmlformats.org/officeDocument/2006/relationships" xmlns:p="http://schemas.openxmlformats.org/presentationml/2006/main">
+  <p:tag name="OUTPUTDPI" val="1200"/>
+  <p:tag name="ORIGINALHEIGHT" val="83.23961"/>
+  <p:tag name="ORIGINALWIDTH" val="41.99472"/>
+  <p:tag name="LATEXADDIN" val="\documentclass{article}&#10;\usepackage{amsmath}&#10;\usepackage{xcolor}&#10;\usepackage{ragged2e}&#10;\pagestyle{empty}&#10;\begin{document}&#10;&#10;\definecolor{Monred}{RGB}{172,0,0}&#10;&#10;$ 1 $&#10;&#10;&#10;\end{document}"/>
+  <p:tag name="IGUANATEXSIZE" val="20"/>
+  <p:tag name="IGUANATEXCURSOR" val="164"/>
+  <p:tag name="TRANSPARENCY" val="True"/>
+  <p:tag name="FILENAME" val=""/>
+  <p:tag name="LATEXENGINEID" val="0"/>
+  <p:tag name="TEMPFOLDER" val="c:\temp\"/>
+  <p:tag name="LATEXFORMHEIGHT" val="312"/>
+  <p:tag name="LATEXFORMWIDTH" val="384"/>
+  <p:tag name="LATEXFORMWRAP" val="True"/>
+  <p:tag name="BITMAPVECTOR" val="0"/>
+</p:tagLst>
+</file>
+
+<file path=ppt/tags/tag55.xml><?xml version="1.0" encoding="utf-8"?>
+<p:tagLst xmlns:a="http://schemas.openxmlformats.org/drawingml/2006/main" xmlns:r="http://schemas.openxmlformats.org/officeDocument/2006/relationships" xmlns:p="http://schemas.openxmlformats.org/presentationml/2006/main">
+  <p:tag name="OUTPUTDPI" val="1200"/>
+  <p:tag name="ORIGINALHEIGHT" val="83.23961"/>
+  <p:tag name="ORIGINALWIDTH" val="41.99472"/>
+  <p:tag name="LATEXADDIN" val="\documentclass{article}&#10;\usepackage{amsmath}&#10;\usepackage{xcolor}&#10;\usepackage{ragged2e}&#10;\pagestyle{empty}&#10;\begin{document}&#10;&#10;\definecolor{Monred}{RGB}{172,0,0}&#10;&#10;$ 1 $&#10;&#10;&#10;\end{document}"/>
+  <p:tag name="IGUANATEXSIZE" val="20"/>
+  <p:tag name="IGUANATEXCURSOR" val="164"/>
+  <p:tag name="TRANSPARENCY" val="True"/>
+  <p:tag name="FILENAME" val=""/>
+  <p:tag name="LATEXENGINEID" val="0"/>
+  <p:tag name="TEMPFOLDER" val="c:\temp\"/>
+  <p:tag name="LATEXFORMHEIGHT" val="312"/>
+  <p:tag name="LATEXFORMWIDTH" val="384"/>
+  <p:tag name="LATEXFORMWRAP" val="True"/>
+  <p:tag name="BITMAPVECTOR" val="0"/>
+</p:tagLst>
+</file>
+
+<file path=ppt/tags/tag56.xml><?xml version="1.0" encoding="utf-8"?>
+<p:tagLst xmlns:a="http://schemas.openxmlformats.org/drawingml/2006/main" xmlns:r="http://schemas.openxmlformats.org/officeDocument/2006/relationships" xmlns:p="http://schemas.openxmlformats.org/presentationml/2006/main">
+  <p:tag name="OUTPUTDPI" val="1200"/>
+  <p:tag name="ORIGINALHEIGHT" val="83.23961"/>
+  <p:tag name="ORIGINALWIDTH" val="41.99472"/>
+  <p:tag name="LATEXADDIN" val="\documentclass{article}&#10;\usepackage{amsmath}&#10;\usepackage{xcolor}&#10;\usepackage{ragged2e}&#10;\pagestyle{empty}&#10;\begin{document}&#10;&#10;\definecolor{Monred}{RGB}{172,0,0}&#10;&#10;$ 1 $&#10;&#10;&#10;\end{document}"/>
+  <p:tag name="IGUANATEXSIZE" val="20"/>
+  <p:tag name="IGUANATEXCURSOR" val="164"/>
+  <p:tag name="TRANSPARENCY" val="True"/>
+  <p:tag name="FILENAME" val=""/>
+  <p:tag name="LATEXENGINEID" val="0"/>
+  <p:tag name="TEMPFOLDER" val="c:\temp\"/>
+  <p:tag name="LATEXFORMHEIGHT" val="312"/>
+  <p:tag name="LATEXFORMWIDTH" val="384"/>
+  <p:tag name="LATEXFORMWRAP" val="True"/>
+  <p:tag name="BITMAPVECTOR" val="0"/>
+</p:tagLst>
+</file>
+
+<file path=ppt/tags/tag57.xml><?xml version="1.0" encoding="utf-8"?>
+<p:tagLst xmlns:a="http://schemas.openxmlformats.org/drawingml/2006/main" xmlns:r="http://schemas.openxmlformats.org/officeDocument/2006/relationships" xmlns:p="http://schemas.openxmlformats.org/presentationml/2006/main">
+  <p:tag name="OUTPUTDPI" val="1200"/>
+  <p:tag name="ORIGINALHEIGHT" val="122.2347"/>
+  <p:tag name="ORIGINALWIDTH" val="590.9261"/>
+  <p:tag name="LATEXADDIN" val="\documentclass{article}&#10;\usepackage{amsmath}&#10;\usepackage{xcolor}&#10;\usepackage{ragged2e}&#10;\pagestyle{empty}&#10;\begin{document}&#10;&#10;\definecolor{Monred}{RGB}{172,0,0}&#10;&#10;$&#10;\Pi_{VCOrifice}&#10;$&#10;&#10;\end{document}"/>
+  <p:tag name="IGUANATEXSIZE" val="20"/>
+  <p:tag name="IGUANATEXCURSOR" val="178"/>
+  <p:tag name="TRANSPARENCY" val="True"/>
+  <p:tag name="FILENAME" val=""/>
+  <p:tag name="LATEXENGINEID" val="0"/>
+  <p:tag name="TEMPFOLDER" val="c:\temp\"/>
+  <p:tag name="LATEXFORMHEIGHT" val="312"/>
+  <p:tag name="LATEXFORMWIDTH" val="384"/>
+  <p:tag name="LATEXFORMWRAP" val="True"/>
+  <p:tag name="BITMAPVECTOR" val="0"/>
+</p:tagLst>
+</file>
+
+<file path=ppt/tags/tag58.xml><?xml version="1.0" encoding="utf-8"?>
+<p:tagLst xmlns:a="http://schemas.openxmlformats.org/drawingml/2006/main" xmlns:r="http://schemas.openxmlformats.org/officeDocument/2006/relationships" xmlns:p="http://schemas.openxmlformats.org/presentationml/2006/main">
+  <p:tag name="OUTPUTDPI" val="1200"/>
+  <p:tag name="ORIGINALHEIGHT" val="122.2347"/>
+  <p:tag name="ORIGINALWIDTH" val="590.9261"/>
+  <p:tag name="LATEXADDIN" val="\documentclass{article}&#10;\usepackage{amsmath}&#10;\usepackage{xcolor}&#10;\usepackage{ragged2e}&#10;\pagestyle{empty}&#10;\begin{document}&#10;&#10;\definecolor{Monred}{RGB}{172,0,0}&#10;&#10;$&#10;\Pi_{VCOrifice}&#10;$&#10;&#10;\end{document}"/>
+  <p:tag name="IGUANATEXSIZE" val="20"/>
+  <p:tag name="IGUANATEXCURSOR" val="178"/>
+  <p:tag name="TRANSPARENCY" val="True"/>
+  <p:tag name="FILENAME" val=""/>
+  <p:tag name="LATEXENGINEID" val="0"/>
+  <p:tag name="TEMPFOLDER" val="c:\temp\"/>
+  <p:tag name="LATEXFORMHEIGHT" val="312"/>
+  <p:tag name="LATEXFORMWIDTH" val="384"/>
+  <p:tag name="LATEXFORMWRAP" val="True"/>
+  <p:tag name="BITMAPVECTOR" val="0"/>
+</p:tagLst>
+</file>
+
+<file path=ppt/tags/tag59.xml><?xml version="1.0" encoding="utf-8"?>
+<p:tagLst xmlns:a="http://schemas.openxmlformats.org/drawingml/2006/main" xmlns:r="http://schemas.openxmlformats.org/officeDocument/2006/relationships" xmlns:p="http://schemas.openxmlformats.org/presentationml/2006/main">
+  <p:tag name="OUTPUTDPI" val="1200"/>
+  <p:tag name="ORIGINALHEIGHT" val="122.2347"/>
+  <p:tag name="ORIGINALWIDTH" val="590.9261"/>
+  <p:tag name="LATEXADDIN" val="\documentclass{article}&#10;\usepackage{amsmath}&#10;\usepackage{xcolor}&#10;\usepackage{ragged2e}&#10;\pagestyle{empty}&#10;\begin{document}&#10;&#10;\definecolor{Monred}{RGB}{172,0,0}&#10;&#10;$&#10;\Pi_{VCOrifice}&#10;$&#10;&#10;\end{document}"/>
+  <p:tag name="IGUANATEXSIZE" val="20"/>
+  <p:tag name="IGUANATEXCURSOR" val="178"/>
+  <p:tag name="TRANSPARENCY" val="True"/>
+  <p:tag name="FILENAME" val=""/>
+  <p:tag name="LATEXENGINEID" val="0"/>
+  <p:tag name="TEMPFOLDER" val="c:\temp\"/>
+  <p:tag name="LATEXFORMHEIGHT" val="312"/>
+  <p:tag name="LATEXFORMWIDTH" val="384"/>
+  <p:tag name="LATEXFORMWRAP" val="True"/>
+  <p:tag name="BITMAPVECTOR" val="0"/>
+</p:tagLst>
+</file>
+
 <file path=ppt/tags/tag6.xml><?xml version="1.0" encoding="utf-8"?>
 <p:tagLst xmlns:a="http://schemas.openxmlformats.org/drawingml/2006/main" xmlns:r="http://schemas.openxmlformats.org/officeDocument/2006/relationships" xmlns:p="http://schemas.openxmlformats.org/presentationml/2006/main">
   <p:tag name="OUTPUTDPI" val="1200"/>
@@ -37140,6 +42491,196 @@
 </p:tagLst>
 </file>
 
+<file path=ppt/tags/tag60.xml><?xml version="1.0" encoding="utf-8"?>
+<p:tagLst xmlns:a="http://schemas.openxmlformats.org/drawingml/2006/main" xmlns:r="http://schemas.openxmlformats.org/officeDocument/2006/relationships" xmlns:p="http://schemas.openxmlformats.org/presentationml/2006/main">
+  <p:tag name="OUTPUTDPI" val="1200"/>
+  <p:tag name="ORIGINALHEIGHT" val="122.2347"/>
+  <p:tag name="ORIGINALWIDTH" val="590.9261"/>
+  <p:tag name="LATEXADDIN" val="\documentclass{article}&#10;\usepackage{amsmath}&#10;\usepackage{xcolor}&#10;\usepackage{ragged2e}&#10;\pagestyle{empty}&#10;\begin{document}&#10;&#10;\definecolor{Monred}{RGB}{172,0,0}&#10;&#10;$&#10;\Pi_{VCOrifice}&#10;$&#10;&#10;\end{document}"/>
+  <p:tag name="IGUANATEXSIZE" val="20"/>
+  <p:tag name="IGUANATEXCURSOR" val="178"/>
+  <p:tag name="TRANSPARENCY" val="True"/>
+  <p:tag name="FILENAME" val=""/>
+  <p:tag name="LATEXENGINEID" val="0"/>
+  <p:tag name="TEMPFOLDER" val="c:\temp\"/>
+  <p:tag name="LATEXFORMHEIGHT" val="312"/>
+  <p:tag name="LATEXFORMWIDTH" val="384"/>
+  <p:tag name="LATEXFORMWRAP" val="True"/>
+  <p:tag name="BITMAPVECTOR" val="0"/>
+</p:tagLst>
+</file>
+
+<file path=ppt/tags/tag61.xml><?xml version="1.0" encoding="utf-8"?>
+<p:tagLst xmlns:a="http://schemas.openxmlformats.org/drawingml/2006/main" xmlns:r="http://schemas.openxmlformats.org/officeDocument/2006/relationships" xmlns:p="http://schemas.openxmlformats.org/presentationml/2006/main">
+  <p:tag name="OUTPUTDPI" val="1200"/>
+  <p:tag name="ORIGINALHEIGHT" val="122.2347"/>
+  <p:tag name="ORIGINALWIDTH" val="590.9261"/>
+  <p:tag name="LATEXADDIN" val="\documentclass{article}&#10;\usepackage{amsmath}&#10;\usepackage{xcolor}&#10;\usepackage{ragged2e}&#10;\pagestyle{empty}&#10;\begin{document}&#10;&#10;\definecolor{Monred}{RGB}{172,0,0}&#10;&#10;$&#10;\Pi_{VCOrifice}&#10;$&#10;&#10;\end{document}"/>
+  <p:tag name="IGUANATEXSIZE" val="20"/>
+  <p:tag name="IGUANATEXCURSOR" val="178"/>
+  <p:tag name="TRANSPARENCY" val="True"/>
+  <p:tag name="FILENAME" val=""/>
+  <p:tag name="LATEXENGINEID" val="0"/>
+  <p:tag name="TEMPFOLDER" val="c:\temp\"/>
+  <p:tag name="LATEXFORMHEIGHT" val="312"/>
+  <p:tag name="LATEXFORMWIDTH" val="384"/>
+  <p:tag name="LATEXFORMWRAP" val="True"/>
+  <p:tag name="BITMAPVECTOR" val="0"/>
+</p:tagLst>
+</file>
+
+<file path=ppt/tags/tag62.xml><?xml version="1.0" encoding="utf-8"?>
+<p:tagLst xmlns:a="http://schemas.openxmlformats.org/drawingml/2006/main" xmlns:r="http://schemas.openxmlformats.org/officeDocument/2006/relationships" xmlns:p="http://schemas.openxmlformats.org/presentationml/2006/main">
+  <p:tag name="OUTPUTDPI" val="1200"/>
+  <p:tag name="ORIGINALHEIGHT" val="85.48929"/>
+  <p:tag name="ORIGINALWIDTH" val="85.48929"/>
+  <p:tag name="LATEXADDIN" val="\documentclass{article}&#10;\usepackage{amsmath}&#10;\usepackage{xcolor}&#10;\usepackage{ragged2e}&#10;\pagestyle{empty}&#10;\begin{document}&#10;&#10;\definecolor{Monred}{RGB}{172,0,0}&#10;&#10;$&#10;\Pi$&#10;&#10;\end{document}"/>
+  <p:tag name="IGUANATEXSIZE" val="20"/>
+  <p:tag name="IGUANATEXCURSOR" val="164"/>
+  <p:tag name="TRANSPARENCY" val="True"/>
+  <p:tag name="FILENAME" val=""/>
+  <p:tag name="LATEXENGINEID" val="0"/>
+  <p:tag name="TEMPFOLDER" val="c:\temp\"/>
+  <p:tag name="LATEXFORMHEIGHT" val="312"/>
+  <p:tag name="LATEXFORMWIDTH" val="384"/>
+  <p:tag name="LATEXFORMWRAP" val="True"/>
+  <p:tag name="BITMAPVECTOR" val="0"/>
+</p:tagLst>
+</file>
+
+<file path=ppt/tags/tag63.xml><?xml version="1.0" encoding="utf-8"?>
+<p:tagLst xmlns:a="http://schemas.openxmlformats.org/drawingml/2006/main" xmlns:r="http://schemas.openxmlformats.org/officeDocument/2006/relationships" xmlns:p="http://schemas.openxmlformats.org/presentationml/2006/main">
+  <p:tag name="OUTPUTDPI" val="1200"/>
+  <p:tag name="ORIGINALHEIGHT" val="80.24"/>
+  <p:tag name="ORIGINALWIDTH" val="57.74276"/>
+  <p:tag name="LATEXADDIN" val="\documentclass{article}&#10;\usepackage{amsmath}&#10;\usepackage{xcolor}&#10;\usepackage{ragged2e}&#10;\pagestyle{empty}&#10;\begin{document}&#10;&#10;\definecolor{Monred}{RGB}{172,0,0}&#10;&#10;&#10;$&#10;g&#10;$&#10;&#10;\end{document}"/>
+  <p:tag name="IGUANATEXSIZE" val="20"/>
+  <p:tag name="IGUANATEXCURSOR" val="165"/>
+  <p:tag name="TRANSPARENCY" val="True"/>
+  <p:tag name="FILENAME" val=""/>
+  <p:tag name="LATEXENGINEID" val="0"/>
+  <p:tag name="TEMPFOLDER" val="c:\temp\"/>
+  <p:tag name="LATEXFORMHEIGHT" val="312"/>
+  <p:tag name="LATEXFORMWIDTH" val="384"/>
+  <p:tag name="LATEXFORMWRAP" val="True"/>
+  <p:tag name="BITMAPVECTOR" val="0"/>
+</p:tagLst>
+</file>
+
+<file path=ppt/tags/tag64.xml><?xml version="1.0" encoding="utf-8"?>
+<p:tagLst xmlns:a="http://schemas.openxmlformats.org/drawingml/2006/main" xmlns:r="http://schemas.openxmlformats.org/officeDocument/2006/relationships" xmlns:p="http://schemas.openxmlformats.org/presentationml/2006/main">
+  <p:tag name="OUTPUTDPI" val="1200"/>
+  <p:tag name="ORIGINALHEIGHT" val="80.24"/>
+  <p:tag name="ORIGINALWIDTH" val="57.74276"/>
+  <p:tag name="LATEXADDIN" val="\documentclass{article}&#10;\usepackage{amsmath}&#10;\usepackage{xcolor}&#10;\usepackage{ragged2e}&#10;\pagestyle{empty}&#10;\begin{document}&#10;&#10;\definecolor{Monred}{RGB}{172,0,0}&#10;&#10;&#10;$&#10;g&#10;$&#10;&#10;\end{document}"/>
+  <p:tag name="IGUANATEXSIZE" val="20"/>
+  <p:tag name="IGUANATEXCURSOR" val="165"/>
+  <p:tag name="TRANSPARENCY" val="True"/>
+  <p:tag name="FILENAME" val=""/>
+  <p:tag name="LATEXENGINEID" val="0"/>
+  <p:tag name="TEMPFOLDER" val="c:\temp\"/>
+  <p:tag name="LATEXFORMHEIGHT" val="312"/>
+  <p:tag name="LATEXFORMWIDTH" val="384"/>
+  <p:tag name="LATEXFORMWRAP" val="True"/>
+  <p:tag name="BITMAPVECTOR" val="0"/>
+</p:tagLst>
+</file>
+
+<file path=ppt/tags/tag65.xml><?xml version="1.0" encoding="utf-8"?>
+<p:tagLst xmlns:a="http://schemas.openxmlformats.org/drawingml/2006/main" xmlns:r="http://schemas.openxmlformats.org/officeDocument/2006/relationships" xmlns:p="http://schemas.openxmlformats.org/presentationml/2006/main">
+  <p:tag name="OUTPUTDPI" val="1200"/>
+  <p:tag name="ORIGINALHEIGHT" val="80.24"/>
+  <p:tag name="ORIGINALWIDTH" val="57.74276"/>
+  <p:tag name="LATEXADDIN" val="\documentclass{article}&#10;\usepackage{amsmath}&#10;\usepackage{xcolor}&#10;\usepackage{ragged2e}&#10;\pagestyle{empty}&#10;\begin{document}&#10;&#10;\definecolor{Monred}{RGB}{172,0,0}&#10;&#10;&#10;$&#10;g&#10;$&#10;&#10;\end{document}"/>
+  <p:tag name="IGUANATEXSIZE" val="20"/>
+  <p:tag name="IGUANATEXCURSOR" val="165"/>
+  <p:tag name="TRANSPARENCY" val="True"/>
+  <p:tag name="FILENAME" val=""/>
+  <p:tag name="LATEXENGINEID" val="0"/>
+  <p:tag name="TEMPFOLDER" val="c:\temp\"/>
+  <p:tag name="LATEXFORMHEIGHT" val="312"/>
+  <p:tag name="LATEXFORMWIDTH" val="384"/>
+  <p:tag name="LATEXFORMWRAP" val="True"/>
+  <p:tag name="BITMAPVECTOR" val="0"/>
+</p:tagLst>
+</file>
+
+<file path=ppt/tags/tag66.xml><?xml version="1.0" encoding="utf-8"?>
+<p:tagLst xmlns:a="http://schemas.openxmlformats.org/drawingml/2006/main" xmlns:r="http://schemas.openxmlformats.org/officeDocument/2006/relationships" xmlns:p="http://schemas.openxmlformats.org/presentationml/2006/main">
+  <p:tag name="OUTPUTDPI" val="1200"/>
+  <p:tag name="ORIGINALHEIGHT" val="80.24"/>
+  <p:tag name="ORIGINALWIDTH" val="57.74276"/>
+  <p:tag name="LATEXADDIN" val="\documentclass{article}&#10;\usepackage{amsmath}&#10;\usepackage{xcolor}&#10;\usepackage{ragged2e}&#10;\pagestyle{empty}&#10;\begin{document}&#10;&#10;\definecolor{Monred}{RGB}{172,0,0}&#10;&#10;&#10;$&#10;g&#10;$&#10;&#10;\end{document}"/>
+  <p:tag name="IGUANATEXSIZE" val="20"/>
+  <p:tag name="IGUANATEXCURSOR" val="165"/>
+  <p:tag name="TRANSPARENCY" val="True"/>
+  <p:tag name="FILENAME" val=""/>
+  <p:tag name="LATEXENGINEID" val="0"/>
+  <p:tag name="TEMPFOLDER" val="c:\temp\"/>
+  <p:tag name="LATEXFORMHEIGHT" val="312"/>
+  <p:tag name="LATEXFORMWIDTH" val="384"/>
+  <p:tag name="LATEXFORMWRAP" val="True"/>
+  <p:tag name="BITMAPVECTOR" val="0"/>
+</p:tagLst>
+</file>
+
+<file path=ppt/tags/tag67.xml><?xml version="1.0" encoding="utf-8"?>
+<p:tagLst xmlns:a="http://schemas.openxmlformats.org/drawingml/2006/main" xmlns:r="http://schemas.openxmlformats.org/officeDocument/2006/relationships" xmlns:p="http://schemas.openxmlformats.org/presentationml/2006/main">
+  <p:tag name="OUTPUTDPI" val="1200"/>
+  <p:tag name="ORIGINALHEIGHT" val="80.24"/>
+  <p:tag name="ORIGINALWIDTH" val="57.74276"/>
+  <p:tag name="LATEXADDIN" val="\documentclass{article}&#10;\usepackage{amsmath}&#10;\usepackage{xcolor}&#10;\usepackage{ragged2e}&#10;\pagestyle{empty}&#10;\begin{document}&#10;&#10;\definecolor{Monred}{RGB}{172,0,0}&#10;&#10;&#10;$&#10;g&#10;$&#10;&#10;\end{document}"/>
+  <p:tag name="IGUANATEXSIZE" val="20"/>
+  <p:tag name="IGUANATEXCURSOR" val="165"/>
+  <p:tag name="TRANSPARENCY" val="True"/>
+  <p:tag name="FILENAME" val=""/>
+  <p:tag name="LATEXENGINEID" val="0"/>
+  <p:tag name="TEMPFOLDER" val="c:\temp\"/>
+  <p:tag name="LATEXFORMHEIGHT" val="312"/>
+  <p:tag name="LATEXFORMWIDTH" val="384"/>
+  <p:tag name="LATEXFORMWRAP" val="True"/>
+  <p:tag name="BITMAPVECTOR" val="0"/>
+</p:tagLst>
+</file>
+
+<file path=ppt/tags/tag68.xml><?xml version="1.0" encoding="utf-8"?>
+<p:tagLst xmlns:a="http://schemas.openxmlformats.org/drawingml/2006/main" xmlns:r="http://schemas.openxmlformats.org/officeDocument/2006/relationships" xmlns:p="http://schemas.openxmlformats.org/presentationml/2006/main">
+  <p:tag name="OUTPUTDPI" val="1200"/>
+  <p:tag name="ORIGINALHEIGHT" val="80.24"/>
+  <p:tag name="ORIGINALWIDTH" val="57.74276"/>
+  <p:tag name="LATEXADDIN" val="\documentclass{article}&#10;\usepackage{amsmath}&#10;\usepackage{xcolor}&#10;\usepackage{ragged2e}&#10;\pagestyle{empty}&#10;\begin{document}&#10;&#10;\definecolor{Monred}{RGB}{172,0,0}&#10;&#10;&#10;$&#10;g&#10;$&#10;&#10;\end{document}"/>
+  <p:tag name="IGUANATEXSIZE" val="20"/>
+  <p:tag name="IGUANATEXCURSOR" val="165"/>
+  <p:tag name="TRANSPARENCY" val="True"/>
+  <p:tag name="FILENAME" val=""/>
+  <p:tag name="LATEXENGINEID" val="0"/>
+  <p:tag name="TEMPFOLDER" val="c:\temp\"/>
+  <p:tag name="LATEXFORMHEIGHT" val="312"/>
+  <p:tag name="LATEXFORMWIDTH" val="384"/>
+  <p:tag name="LATEXFORMWRAP" val="True"/>
+  <p:tag name="BITMAPVECTOR" val="0"/>
+</p:tagLst>
+</file>
+
+<file path=ppt/tags/tag69.xml><?xml version="1.0" encoding="utf-8"?>
+<p:tagLst xmlns:a="http://schemas.openxmlformats.org/drawingml/2006/main" xmlns:r="http://schemas.openxmlformats.org/officeDocument/2006/relationships" xmlns:p="http://schemas.openxmlformats.org/presentationml/2006/main">
+  <p:tag name="OUTPUTDPI" val="1200"/>
+  <p:tag name="ORIGINALHEIGHT" val="121.4848"/>
+  <p:tag name="ORIGINALWIDTH" val="1097.863"/>
+  <p:tag name="LATEXADDIN" val="\documentclass{article}&#10;\usepackage{amsmath}&#10;\usepackage{xcolor}&#10;\usepackage{ragged2e}&#10;\pagestyle{empty}&#10;\begin{document}&#10;&#10;\definecolor{Monred}{RGB}{172,0,0}&#10;&#10;$&#10;HL_{BwOrificeForward}&#10;$&#10;&#10;&#10;&#10;\end{document}"/>
+  <p:tag name="IGUANATEXSIZE" val="20"/>
+  <p:tag name="IGUANATEXCURSOR" val="185"/>
+  <p:tag name="TRANSPARENCY" val="True"/>
+  <p:tag name="FILENAME" val=""/>
+  <p:tag name="LATEXENGINEID" val="0"/>
+  <p:tag name="TEMPFOLDER" val="c:\temp\"/>
+  <p:tag name="LATEXFORMHEIGHT" val="312"/>
+  <p:tag name="LATEXFORMWIDTH" val="384"/>
+  <p:tag name="LATEXFORMWRAP" val="True"/>
+  <p:tag name="BITMAPVECTOR" val="0"/>
+</p:tagLst>
+</file>
+
 <file path=ppt/tags/tag7.xml><?xml version="1.0" encoding="utf-8"?>
 <p:tagLst xmlns:a="http://schemas.openxmlformats.org/drawingml/2006/main" xmlns:r="http://schemas.openxmlformats.org/officeDocument/2006/relationships" xmlns:p="http://schemas.openxmlformats.org/presentationml/2006/main">
   <p:tag name="OUTPUTDPI" val="1200"/>
@@ -37148,6 +42689,82 @@
   <p:tag name="LATEXADDIN" val="\documentclass{article}&#10;\usepackage{amsmath}&#10;\usepackage{xcolor}&#10;\pagestyle{empty}&#10;\begin{document}&#10;&#10;\definecolor{Monred}{RGB}{172,0,0}&#10;&#10;$$H_{W_1}$$&#10;&#10;&#10;\end{document}"/>
   <p:tag name="IGUANATEXSIZE" val="20"/>
   <p:tag name="IGUANATEXCURSOR" val="148"/>
+  <p:tag name="TRANSPARENCY" val="True"/>
+  <p:tag name="FILENAME" val=""/>
+  <p:tag name="LATEXENGINEID" val="0"/>
+  <p:tag name="TEMPFOLDER" val="c:\temp\"/>
+  <p:tag name="LATEXFORMHEIGHT" val="312"/>
+  <p:tag name="LATEXFORMWIDTH" val="384"/>
+  <p:tag name="LATEXFORMWRAP" val="True"/>
+  <p:tag name="BITMAPVECTOR" val="0"/>
+</p:tagLst>
+</file>
+
+<file path=ppt/tags/tag70.xml><?xml version="1.0" encoding="utf-8"?>
+<p:tagLst xmlns:a="http://schemas.openxmlformats.org/drawingml/2006/main" xmlns:r="http://schemas.openxmlformats.org/officeDocument/2006/relationships" xmlns:p="http://schemas.openxmlformats.org/presentationml/2006/main">
+  <p:tag name="OUTPUTDPI" val="1200"/>
+  <p:tag name="ORIGINALHEIGHT" val="121.4848"/>
+  <p:tag name="ORIGINALWIDTH" val="1172.853"/>
+  <p:tag name="LATEXADDIN" val="\documentclass{article}&#10;\usepackage{amsmath}&#10;\usepackage{xcolor}&#10;\usepackage{ragged2e}&#10;\pagestyle{empty}&#10;\begin{document}&#10;&#10;\definecolor{Monred}{RGB}{172,0,0}&#10;&#10;$&#10;HL_{InletOrificeForward}&#10;$&#10;&#10;&#10;&#10;\end{document}"/>
+  <p:tag name="IGUANATEXSIZE" val="20"/>
+  <p:tag name="IGUANATEXCURSOR" val="170"/>
+  <p:tag name="TRANSPARENCY" val="True"/>
+  <p:tag name="FILENAME" val=""/>
+  <p:tag name="LATEXENGINEID" val="0"/>
+  <p:tag name="TEMPFOLDER" val="c:\temp\"/>
+  <p:tag name="LATEXFORMHEIGHT" val="312"/>
+  <p:tag name="LATEXFORMWIDTH" val="384"/>
+  <p:tag name="LATEXFORMWRAP" val="True"/>
+  <p:tag name="BITMAPVECTOR" val="0"/>
+</p:tagLst>
+</file>
+
+<file path=ppt/tags/tag71.xml><?xml version="1.0" encoding="utf-8"?>
+<p:tagLst xmlns:a="http://schemas.openxmlformats.org/drawingml/2006/main" xmlns:r="http://schemas.openxmlformats.org/officeDocument/2006/relationships" xmlns:p="http://schemas.openxmlformats.org/presentationml/2006/main">
+  <p:tag name="OUTPUTDPI" val="1200"/>
+  <p:tag name="ORIGINALHEIGHT" val="121.4848"/>
+  <p:tag name="ORIGINALWIDTH" val="1345.332"/>
+  <p:tag name="LATEXADDIN" val="\documentclass{article}&#10;\usepackage{amsmath}&#10;\usepackage{xcolor}&#10;\usepackage{ragged2e}&#10;\pagestyle{empty}&#10;\begin{document}&#10;&#10;\definecolor{Monred}{RGB}{172,0,0}&#10;&#10;$&#10;HL_{TopInletOrificeForward}&#10;$&#10;&#10;&#10;&#10;\end{document}"/>
+  <p:tag name="IGUANATEXSIZE" val="20"/>
+  <p:tag name="IGUANATEXCURSOR" val="173"/>
+  <p:tag name="TRANSPARENCY" val="True"/>
+  <p:tag name="FILENAME" val=""/>
+  <p:tag name="LATEXENGINEID" val="0"/>
+  <p:tag name="TEMPFOLDER" val="c:\temp\"/>
+  <p:tag name="LATEXFORMHEIGHT" val="312"/>
+  <p:tag name="LATEXFORMWIDTH" val="384"/>
+  <p:tag name="LATEXFORMWRAP" val="True"/>
+  <p:tag name="BITMAPVECTOR" val="0"/>
+</p:tagLst>
+</file>
+
+<file path=ppt/tags/tag72.xml><?xml version="1.0" encoding="utf-8"?>
+<p:tagLst xmlns:a="http://schemas.openxmlformats.org/drawingml/2006/main" xmlns:r="http://schemas.openxmlformats.org/officeDocument/2006/relationships" xmlns:p="http://schemas.openxmlformats.org/presentationml/2006/main">
+  <p:tag name="OUTPUTDPI" val="1200"/>
+  <p:tag name="ORIGINALHEIGHT" val="104.9868"/>
+  <p:tag name="ORIGINALWIDTH" val="1072.366"/>
+  <p:tag name="LATEXADDIN" val="\documentclass{article}&#10;\usepackage{amsmath}&#10;\usepackage{xcolor}&#10;\usepackage{ragged2e}&#10;\pagestyle{empty}&#10;\begin{document}&#10;&#10;\definecolor{Monred}{RGB}{172,0,0}&#10;&#10;$&#10;HL_{OutletSlotForward}&#10;$&#10;&#10;&#10;&#10;\end{document}"/>
+  <p:tag name="IGUANATEXSIZE" val="20"/>
+  <p:tag name="IGUANATEXCURSOR" val="175"/>
+  <p:tag name="TRANSPARENCY" val="True"/>
+  <p:tag name="FILENAME" val=""/>
+  <p:tag name="LATEXENGINEID" val="0"/>
+  <p:tag name="TEMPFOLDER" val="c:\temp\"/>
+  <p:tag name="LATEXFORMHEIGHT" val="312"/>
+  <p:tag name="LATEXFORMWIDTH" val="384"/>
+  <p:tag name="LATEXFORMWRAP" val="True"/>
+  <p:tag name="BITMAPVECTOR" val="0"/>
+</p:tagLst>
+</file>
+
+<file path=ppt/tags/tag73.xml><?xml version="1.0" encoding="utf-8"?>
+<p:tagLst xmlns:a="http://schemas.openxmlformats.org/drawingml/2006/main" xmlns:r="http://schemas.openxmlformats.org/officeDocument/2006/relationships" xmlns:p="http://schemas.openxmlformats.org/presentationml/2006/main">
+  <p:tag name="OUTPUTDPI" val="1200"/>
+  <p:tag name="ORIGINALHEIGHT" val="121.4848"/>
+  <p:tag name="ORIGINALWIDTH" val="842.8947"/>
+  <p:tag name="LATEXADDIN" val="\documentclass{article}&#10;\usepackage{amsmath}&#10;\usepackage{xcolor}&#10;\usepackage{ragged2e}&#10;\pagestyle{empty}&#10;\begin{document}&#10;&#10;\definecolor{Monred}{RGB}{172,0,0}&#10;&#10;$&#10;HL_{BwOrificeBw}&#10;$&#10;&#10;&#10;&#10;\end{document}"/>
+  <p:tag name="IGUANATEXSIZE" val="20"/>
+  <p:tag name="IGUANATEXCURSOR" val="176"/>
   <p:tag name="TRANSPARENCY" val="True"/>
   <p:tag name="FILENAME" val=""/>
   <p:tag name="LATEXENGINEID" val="0"/>

--- a/ClareDiagrams.pptx
+++ b/ClareDiagrams.pptx
@@ -5,7 +5,7 @@
     <p:sldMasterId id="2147483648" r:id="rId1"/>
   </p:sldMasterIdLst>
   <p:notesMasterIdLst>
-    <p:notesMasterId r:id="rId19"/>
+    <p:notesMasterId r:id="rId21"/>
   </p:notesMasterIdLst>
   <p:sldIdLst>
     <p:sldId id="256" r:id="rId2"/>
@@ -18,13 +18,15 @@
     <p:sldId id="263" r:id="rId9"/>
     <p:sldId id="272" r:id="rId10"/>
     <p:sldId id="264" r:id="rId11"/>
-    <p:sldId id="265" r:id="rId12"/>
-    <p:sldId id="266" r:id="rId13"/>
-    <p:sldId id="267" r:id="rId14"/>
-    <p:sldId id="268" r:id="rId15"/>
-    <p:sldId id="269" r:id="rId16"/>
-    <p:sldId id="270" r:id="rId17"/>
-    <p:sldId id="271" r:id="rId18"/>
+    <p:sldId id="274" r:id="rId12"/>
+    <p:sldId id="265" r:id="rId13"/>
+    <p:sldId id="273" r:id="rId14"/>
+    <p:sldId id="266" r:id="rId15"/>
+    <p:sldId id="267" r:id="rId16"/>
+    <p:sldId id="268" r:id="rId17"/>
+    <p:sldId id="269" r:id="rId18"/>
+    <p:sldId id="270" r:id="rId19"/>
+    <p:sldId id="271" r:id="rId20"/>
   </p:sldIdLst>
   <p:sldSz cx="12192000" cy="6858000"/>
   <p:notesSz cx="6858000" cy="9144000"/>
@@ -213,7 +215,7 @@
           <a:p>
             <a:fld id="{F874CE64-B02C-4A29-A5B8-BB55C61F4F91}" type="datetimeFigureOut">
               <a:rPr lang="en-US" smtClean="0"/>
-              <a:t>10/30/2018</a:t>
+              <a:t>11/4/2018</a:t>
             </a:fld>
             <a:endParaRPr lang="en-US"/>
           </a:p>
@@ -654,6 +656,180 @@
 </p:notes>
 </file>
 
+<file path=ppt/notesSlides/notesSlide3.xml><?xml version="1.0" encoding="utf-8"?>
+<p:notes xmlns:a="http://schemas.openxmlformats.org/drawingml/2006/main" xmlns:r="http://schemas.openxmlformats.org/officeDocument/2006/relationships" xmlns:p="http://schemas.openxmlformats.org/presentationml/2006/main">
+  <p:cSld>
+    <p:spTree>
+      <p:nvGrpSpPr>
+        <p:cNvPr id="1" name=""/>
+        <p:cNvGrpSpPr/>
+        <p:nvPr/>
+      </p:nvGrpSpPr>
+      <p:grpSpPr>
+        <a:xfrm>
+          <a:off x="0" y="0"/>
+          <a:ext cx="0" cy="0"/>
+          <a:chOff x="0" y="0"/>
+          <a:chExt cx="0" cy="0"/>
+        </a:xfrm>
+      </p:grpSpPr>
+      <p:sp>
+        <p:nvSpPr>
+          <p:cNvPr id="2" name="Slide Image Placeholder 1"/>
+          <p:cNvSpPr>
+            <a:spLocks noGrp="1" noRot="1" noChangeAspect="1"/>
+          </p:cNvSpPr>
+          <p:nvPr>
+            <p:ph type="sldImg"/>
+          </p:nvPr>
+        </p:nvSpPr>
+        <p:spPr/>
+      </p:sp>
+      <p:sp>
+        <p:nvSpPr>
+          <p:cNvPr id="3" name="Notes Placeholder 2"/>
+          <p:cNvSpPr>
+            <a:spLocks noGrp="1"/>
+          </p:cNvSpPr>
+          <p:nvPr>
+            <p:ph type="body" idx="1"/>
+          </p:nvPr>
+        </p:nvSpPr>
+        <p:spPr/>
+        <p:txBody>
+          <a:bodyPr/>
+          <a:lstStyle/>
+          <a:p>
+            <a:r>
+              <a:rPr lang="en-US" dirty="0"/>
+              <a:t>Branch paths!</a:t>
+            </a:r>
+          </a:p>
+        </p:txBody>
+      </p:sp>
+      <p:sp>
+        <p:nvSpPr>
+          <p:cNvPr id="4" name="Slide Number Placeholder 3"/>
+          <p:cNvSpPr>
+            <a:spLocks noGrp="1"/>
+          </p:cNvSpPr>
+          <p:nvPr>
+            <p:ph type="sldNum" sz="quarter" idx="10"/>
+          </p:nvPr>
+        </p:nvSpPr>
+        <p:spPr/>
+        <p:txBody>
+          <a:bodyPr/>
+          <a:lstStyle/>
+          <a:p>
+            <a:fld id="{AD6329FF-201C-4BBD-881E-77C930AD7B27}" type="slidenum">
+              <a:rPr lang="en-US" smtClean="0"/>
+              <a:t>11</a:t>
+            </a:fld>
+            <a:endParaRPr lang="en-US"/>
+          </a:p>
+        </p:txBody>
+      </p:sp>
+    </p:spTree>
+    <p:extLst>
+      <p:ext uri="{BB962C8B-B14F-4D97-AF65-F5344CB8AC3E}">
+        <p14:creationId xmlns:p14="http://schemas.microsoft.com/office/powerpoint/2010/main" val="3581640231"/>
+      </p:ext>
+    </p:extLst>
+  </p:cSld>
+  <p:clrMapOvr>
+    <a:masterClrMapping/>
+  </p:clrMapOvr>
+</p:notes>
+</file>
+
+<file path=ppt/notesSlides/notesSlide4.xml><?xml version="1.0" encoding="utf-8"?>
+<p:notes xmlns:a="http://schemas.openxmlformats.org/drawingml/2006/main" xmlns:r="http://schemas.openxmlformats.org/officeDocument/2006/relationships" xmlns:p="http://schemas.openxmlformats.org/presentationml/2006/main">
+  <p:cSld>
+    <p:spTree>
+      <p:nvGrpSpPr>
+        <p:cNvPr id="1" name=""/>
+        <p:cNvGrpSpPr/>
+        <p:nvPr/>
+      </p:nvGrpSpPr>
+      <p:grpSpPr>
+        <a:xfrm>
+          <a:off x="0" y="0"/>
+          <a:ext cx="0" cy="0"/>
+          <a:chOff x="0" y="0"/>
+          <a:chExt cx="0" cy="0"/>
+        </a:xfrm>
+      </p:grpSpPr>
+      <p:sp>
+        <p:nvSpPr>
+          <p:cNvPr id="2" name="Slide Image Placeholder 1"/>
+          <p:cNvSpPr>
+            <a:spLocks noGrp="1" noRot="1" noChangeAspect="1"/>
+          </p:cNvSpPr>
+          <p:nvPr>
+            <p:ph type="sldImg"/>
+          </p:nvPr>
+        </p:nvSpPr>
+        <p:spPr/>
+      </p:sp>
+      <p:sp>
+        <p:nvSpPr>
+          <p:cNvPr id="3" name="Notes Placeholder 2"/>
+          <p:cNvSpPr>
+            <a:spLocks noGrp="1"/>
+          </p:cNvSpPr>
+          <p:nvPr>
+            <p:ph type="body" idx="1"/>
+          </p:nvPr>
+        </p:nvSpPr>
+        <p:spPr/>
+        <p:txBody>
+          <a:bodyPr/>
+          <a:lstStyle/>
+          <a:p>
+            <a:r>
+              <a:rPr lang="en-US" dirty="0"/>
+              <a:t>Paths!</a:t>
+            </a:r>
+          </a:p>
+        </p:txBody>
+      </p:sp>
+      <p:sp>
+        <p:nvSpPr>
+          <p:cNvPr id="4" name="Slide Number Placeholder 3"/>
+          <p:cNvSpPr>
+            <a:spLocks noGrp="1"/>
+          </p:cNvSpPr>
+          <p:nvPr>
+            <p:ph type="sldNum" sz="quarter" idx="10"/>
+          </p:nvPr>
+        </p:nvSpPr>
+        <p:spPr/>
+        <p:txBody>
+          <a:bodyPr/>
+          <a:lstStyle/>
+          <a:p>
+            <a:fld id="{AD6329FF-201C-4BBD-881E-77C930AD7B27}" type="slidenum">
+              <a:rPr lang="en-US" smtClean="0"/>
+              <a:t>13</a:t>
+            </a:fld>
+            <a:endParaRPr lang="en-US"/>
+          </a:p>
+        </p:txBody>
+      </p:sp>
+    </p:spTree>
+    <p:extLst>
+      <p:ext uri="{BB962C8B-B14F-4D97-AF65-F5344CB8AC3E}">
+        <p14:creationId xmlns:p14="http://schemas.microsoft.com/office/powerpoint/2010/main" val="1089988302"/>
+      </p:ext>
+    </p:extLst>
+  </p:cSld>
+  <p:clrMapOvr>
+    <a:masterClrMapping/>
+  </p:clrMapOvr>
+</p:notes>
+</file>
+
 <file path=ppt/slideLayouts/slideLayout1.xml><?xml version="1.0" encoding="utf-8"?>
 <p:sldLayout xmlns:a="http://schemas.openxmlformats.org/drawingml/2006/main" xmlns:r="http://schemas.openxmlformats.org/officeDocument/2006/relationships" xmlns:p="http://schemas.openxmlformats.org/presentationml/2006/main" type="title" preserve="1">
   <p:cSld name="Title Slide">
@@ -801,7 +977,7 @@
           <a:p>
             <a:fld id="{3721CA93-E140-4E2A-A30C-04BF0C6AAEA4}" type="datetimeFigureOut">
               <a:rPr lang="en-US" smtClean="0"/>
-              <a:t>10/30/2018</a:t>
+              <a:t>11/4/2018</a:t>
             </a:fld>
             <a:endParaRPr lang="en-US"/>
           </a:p>
@@ -999,7 +1175,7 @@
           <a:p>
             <a:fld id="{3721CA93-E140-4E2A-A30C-04BF0C6AAEA4}" type="datetimeFigureOut">
               <a:rPr lang="en-US" smtClean="0"/>
-              <a:t>10/30/2018</a:t>
+              <a:t>11/4/2018</a:t>
             </a:fld>
             <a:endParaRPr lang="en-US"/>
           </a:p>
@@ -1207,7 +1383,7 @@
           <a:p>
             <a:fld id="{3721CA93-E140-4E2A-A30C-04BF0C6AAEA4}" type="datetimeFigureOut">
               <a:rPr lang="en-US" smtClean="0"/>
-              <a:t>10/30/2018</a:t>
+              <a:t>11/4/2018</a:t>
             </a:fld>
             <a:endParaRPr lang="en-US"/>
           </a:p>
@@ -1405,7 +1581,7 @@
           <a:p>
             <a:fld id="{3721CA93-E140-4E2A-A30C-04BF0C6AAEA4}" type="datetimeFigureOut">
               <a:rPr lang="en-US" smtClean="0"/>
-              <a:t>10/30/2018</a:t>
+              <a:t>11/4/2018</a:t>
             </a:fld>
             <a:endParaRPr lang="en-US"/>
           </a:p>
@@ -1680,7 +1856,7 @@
           <a:p>
             <a:fld id="{3721CA93-E140-4E2A-A30C-04BF0C6AAEA4}" type="datetimeFigureOut">
               <a:rPr lang="en-US" smtClean="0"/>
-              <a:t>10/30/2018</a:t>
+              <a:t>11/4/2018</a:t>
             </a:fld>
             <a:endParaRPr lang="en-US"/>
           </a:p>
@@ -1945,7 +2121,7 @@
           <a:p>
             <a:fld id="{3721CA93-E140-4E2A-A30C-04BF0C6AAEA4}" type="datetimeFigureOut">
               <a:rPr lang="en-US" smtClean="0"/>
-              <a:t>10/30/2018</a:t>
+              <a:t>11/4/2018</a:t>
             </a:fld>
             <a:endParaRPr lang="en-US"/>
           </a:p>
@@ -2357,7 +2533,7 @@
           <a:p>
             <a:fld id="{3721CA93-E140-4E2A-A30C-04BF0C6AAEA4}" type="datetimeFigureOut">
               <a:rPr lang="en-US" smtClean="0"/>
-              <a:t>10/30/2018</a:t>
+              <a:t>11/4/2018</a:t>
             </a:fld>
             <a:endParaRPr lang="en-US"/>
           </a:p>
@@ -2498,7 +2674,7 @@
           <a:p>
             <a:fld id="{3721CA93-E140-4E2A-A30C-04BF0C6AAEA4}" type="datetimeFigureOut">
               <a:rPr lang="en-US" smtClean="0"/>
-              <a:t>10/30/2018</a:t>
+              <a:t>11/4/2018</a:t>
             </a:fld>
             <a:endParaRPr lang="en-US"/>
           </a:p>
@@ -2611,7 +2787,7 @@
           <a:p>
             <a:fld id="{3721CA93-E140-4E2A-A30C-04BF0C6AAEA4}" type="datetimeFigureOut">
               <a:rPr lang="en-US" smtClean="0"/>
-              <a:t>10/30/2018</a:t>
+              <a:t>11/4/2018</a:t>
             </a:fld>
             <a:endParaRPr lang="en-US"/>
           </a:p>
@@ -2922,7 +3098,7 @@
           <a:p>
             <a:fld id="{3721CA93-E140-4E2A-A30C-04BF0C6AAEA4}" type="datetimeFigureOut">
               <a:rPr lang="en-US" smtClean="0"/>
-              <a:t>10/30/2018</a:t>
+              <a:t>11/4/2018</a:t>
             </a:fld>
             <a:endParaRPr lang="en-US"/>
           </a:p>
@@ -3210,7 +3386,7 @@
           <a:p>
             <a:fld id="{3721CA93-E140-4E2A-A30C-04BF0C6AAEA4}" type="datetimeFigureOut">
               <a:rPr lang="en-US" smtClean="0"/>
-              <a:t>10/30/2018</a:t>
+              <a:t>11/4/2018</a:t>
             </a:fld>
             <a:endParaRPr lang="en-US"/>
           </a:p>
@@ -3451,7 +3627,7 @@
           <a:p>
             <a:fld id="{3721CA93-E140-4E2A-A30C-04BF0C6AAEA4}" type="datetimeFigureOut">
               <a:rPr lang="en-US" smtClean="0"/>
-              <a:t>10/30/2018</a:t>
+              <a:t>11/4/2018</a:t>
             </a:fld>
             <a:endParaRPr lang="en-US"/>
           </a:p>
@@ -12299,6 +12475,771 @@
           <a:chExt cx="0" cy="0"/>
         </a:xfrm>
       </p:grpSpPr>
+      <p:sp>
+        <p:nvSpPr>
+          <p:cNvPr id="4" name="Oval 3">
+            <a:extLst>
+              <a:ext uri="{FF2B5EF4-FFF2-40B4-BE49-F238E27FC236}">
+                <a16:creationId xmlns:a16="http://schemas.microsoft.com/office/drawing/2014/main" id="{05A80D2C-F686-452A-94B9-D43C1315CEB7}"/>
+              </a:ext>
+            </a:extLst>
+          </p:cNvPr>
+          <p:cNvSpPr/>
+          <p:nvPr/>
+        </p:nvSpPr>
+        <p:spPr>
+          <a:xfrm>
+            <a:off x="2770495" y="641445"/>
+            <a:ext cx="5827594" cy="5827594"/>
+          </a:xfrm>
+          <a:prstGeom prst="ellipse">
+            <a:avLst/>
+          </a:prstGeom>
+          <a:noFill/>
+          <a:ln w="177800"/>
+        </p:spPr>
+        <p:style>
+          <a:lnRef idx="2">
+            <a:schemeClr val="accent1">
+              <a:shade val="50000"/>
+            </a:schemeClr>
+          </a:lnRef>
+          <a:fillRef idx="1">
+            <a:schemeClr val="accent1"/>
+          </a:fillRef>
+          <a:effectRef idx="0">
+            <a:schemeClr val="accent1"/>
+          </a:effectRef>
+          <a:fontRef idx="minor">
+            <a:schemeClr val="lt1"/>
+          </a:fontRef>
+        </p:style>
+        <p:txBody>
+          <a:bodyPr rtlCol="0" anchor="ctr"/>
+          <a:lstStyle/>
+          <a:p>
+            <a:pPr algn="ctr"/>
+            <a:endParaRPr lang="en-US" dirty="0"/>
+          </a:p>
+        </p:txBody>
+      </p:sp>
+      <p:grpSp>
+        <p:nvGrpSpPr>
+          <p:cNvPr id="17" name="Group 16">
+            <a:extLst>
+              <a:ext uri="{FF2B5EF4-FFF2-40B4-BE49-F238E27FC236}">
+                <a16:creationId xmlns:a16="http://schemas.microsoft.com/office/drawing/2014/main" id="{EA20FC53-BE08-4C9F-8902-1169CBC3DF5F}"/>
+              </a:ext>
+            </a:extLst>
+          </p:cNvPr>
+          <p:cNvGrpSpPr/>
+          <p:nvPr/>
+        </p:nvGrpSpPr>
+        <p:grpSpPr>
+          <a:xfrm>
+            <a:off x="3088944" y="832514"/>
+            <a:ext cx="6332561" cy="5432093"/>
+            <a:chOff x="3088944" y="832514"/>
+            <a:chExt cx="6332561" cy="5432093"/>
+          </a:xfrm>
+        </p:grpSpPr>
+        <p:grpSp>
+          <p:nvGrpSpPr>
+            <p:cNvPr id="10" name="Group 9">
+              <a:extLst>
+                <a:ext uri="{FF2B5EF4-FFF2-40B4-BE49-F238E27FC236}">
+                  <a16:creationId xmlns:a16="http://schemas.microsoft.com/office/drawing/2014/main" id="{673970CB-373E-4BE4-A258-FE6A5F8D6864}"/>
+                </a:ext>
+              </a:extLst>
+            </p:cNvPr>
+            <p:cNvGrpSpPr/>
+            <p:nvPr/>
+          </p:nvGrpSpPr>
+          <p:grpSpPr>
+            <a:xfrm>
+              <a:off x="3088944" y="1757292"/>
+              <a:ext cx="6332561" cy="3595900"/>
+              <a:chOff x="3088944" y="1637731"/>
+              <a:chExt cx="6332561" cy="3595900"/>
+            </a:xfrm>
+          </p:grpSpPr>
+          <p:sp>
+            <p:nvSpPr>
+              <p:cNvPr id="5" name="Rectangle: Rounded Corners 4">
+                <a:extLst>
+                  <a:ext uri="{FF2B5EF4-FFF2-40B4-BE49-F238E27FC236}">
+                    <a16:creationId xmlns:a16="http://schemas.microsoft.com/office/drawing/2014/main" id="{7542E908-9EE4-4A76-8565-068DDD7C2513}"/>
+                  </a:ext>
+                </a:extLst>
+              </p:cNvPr>
+              <p:cNvSpPr/>
+              <p:nvPr/>
+            </p:nvSpPr>
+            <p:spPr>
+              <a:xfrm>
+                <a:off x="3088944" y="3120219"/>
+                <a:ext cx="6332561" cy="617561"/>
+              </a:xfrm>
+              <a:prstGeom prst="roundRect">
+                <a:avLst/>
+              </a:prstGeom>
+            </p:spPr>
+            <p:style>
+              <a:lnRef idx="2">
+                <a:schemeClr val="accent1">
+                  <a:shade val="50000"/>
+                </a:schemeClr>
+              </a:lnRef>
+              <a:fillRef idx="1">
+                <a:schemeClr val="accent1"/>
+              </a:fillRef>
+              <a:effectRef idx="0">
+                <a:schemeClr val="accent1"/>
+              </a:effectRef>
+              <a:fontRef idx="minor">
+                <a:schemeClr val="lt1"/>
+              </a:fontRef>
+            </p:style>
+            <p:txBody>
+              <a:bodyPr rtlCol="0" anchor="ctr"/>
+              <a:lstStyle/>
+              <a:p>
+                <a:pPr algn="ctr"/>
+                <a:endParaRPr lang="en-US"/>
+              </a:p>
+            </p:txBody>
+          </p:sp>
+          <p:sp>
+            <p:nvSpPr>
+              <p:cNvPr id="6" name="Rectangle: Rounded Corners 5">
+                <a:extLst>
+                  <a:ext uri="{FF2B5EF4-FFF2-40B4-BE49-F238E27FC236}">
+                    <a16:creationId xmlns:a16="http://schemas.microsoft.com/office/drawing/2014/main" id="{C6F6FE84-0773-4ABC-AF15-F8ADC783DCA8}"/>
+                  </a:ext>
+                </a:extLst>
+              </p:cNvPr>
+              <p:cNvSpPr/>
+              <p:nvPr/>
+            </p:nvSpPr>
+            <p:spPr>
+              <a:xfrm>
+                <a:off x="3643952" y="1637731"/>
+                <a:ext cx="272955" cy="1482488"/>
+              </a:xfrm>
+              <a:prstGeom prst="roundRect">
+                <a:avLst/>
+              </a:prstGeom>
+            </p:spPr>
+            <p:style>
+              <a:lnRef idx="2">
+                <a:schemeClr val="accent1">
+                  <a:shade val="50000"/>
+                </a:schemeClr>
+              </a:lnRef>
+              <a:fillRef idx="1">
+                <a:schemeClr val="accent1"/>
+              </a:fillRef>
+              <a:effectRef idx="0">
+                <a:schemeClr val="accent1"/>
+              </a:effectRef>
+              <a:fontRef idx="minor">
+                <a:schemeClr val="lt1"/>
+              </a:fontRef>
+            </p:style>
+            <p:txBody>
+              <a:bodyPr rtlCol="0" anchor="ctr"/>
+              <a:lstStyle/>
+              <a:p>
+                <a:pPr algn="ctr"/>
+                <a:endParaRPr lang="en-US"/>
+              </a:p>
+            </p:txBody>
+          </p:sp>
+          <p:sp>
+            <p:nvSpPr>
+              <p:cNvPr id="7" name="Rectangle: Rounded Corners 6">
+                <a:extLst>
+                  <a:ext uri="{FF2B5EF4-FFF2-40B4-BE49-F238E27FC236}">
+                    <a16:creationId xmlns:a16="http://schemas.microsoft.com/office/drawing/2014/main" id="{9152B474-9D69-472C-B17B-1BB7BBA2671A}"/>
+                  </a:ext>
+                </a:extLst>
+              </p:cNvPr>
+              <p:cNvSpPr/>
+              <p:nvPr/>
+            </p:nvSpPr>
+            <p:spPr>
+              <a:xfrm>
+                <a:off x="3643952" y="3737780"/>
+                <a:ext cx="272955" cy="1482488"/>
+              </a:xfrm>
+              <a:prstGeom prst="roundRect">
+                <a:avLst/>
+              </a:prstGeom>
+            </p:spPr>
+            <p:style>
+              <a:lnRef idx="2">
+                <a:schemeClr val="accent1">
+                  <a:shade val="50000"/>
+                </a:schemeClr>
+              </a:lnRef>
+              <a:fillRef idx="1">
+                <a:schemeClr val="accent1"/>
+              </a:fillRef>
+              <a:effectRef idx="0">
+                <a:schemeClr val="accent1"/>
+              </a:effectRef>
+              <a:fontRef idx="minor">
+                <a:schemeClr val="lt1"/>
+              </a:fontRef>
+            </p:style>
+            <p:txBody>
+              <a:bodyPr rtlCol="0" anchor="ctr"/>
+              <a:lstStyle/>
+              <a:p>
+                <a:pPr algn="ctr"/>
+                <a:endParaRPr lang="en-US"/>
+              </a:p>
+            </p:txBody>
+          </p:sp>
+          <p:sp>
+            <p:nvSpPr>
+              <p:cNvPr id="8" name="Rectangle: Rounded Corners 7">
+                <a:extLst>
+                  <a:ext uri="{FF2B5EF4-FFF2-40B4-BE49-F238E27FC236}">
+                    <a16:creationId xmlns:a16="http://schemas.microsoft.com/office/drawing/2014/main" id="{EB4C9D2B-AEB1-48B1-8FBC-085EF4B9E803}"/>
+                  </a:ext>
+                </a:extLst>
+              </p:cNvPr>
+              <p:cNvSpPr/>
+              <p:nvPr/>
+            </p:nvSpPr>
+            <p:spPr>
+              <a:xfrm>
+                <a:off x="7444854" y="3751143"/>
+                <a:ext cx="272955" cy="1482488"/>
+              </a:xfrm>
+              <a:prstGeom prst="roundRect">
+                <a:avLst/>
+              </a:prstGeom>
+            </p:spPr>
+            <p:style>
+              <a:lnRef idx="2">
+                <a:schemeClr val="accent1">
+                  <a:shade val="50000"/>
+                </a:schemeClr>
+              </a:lnRef>
+              <a:fillRef idx="1">
+                <a:schemeClr val="accent1"/>
+              </a:fillRef>
+              <a:effectRef idx="0">
+                <a:schemeClr val="accent1"/>
+              </a:effectRef>
+              <a:fontRef idx="minor">
+                <a:schemeClr val="lt1"/>
+              </a:fontRef>
+            </p:style>
+            <p:txBody>
+              <a:bodyPr rtlCol="0" anchor="ctr"/>
+              <a:lstStyle/>
+              <a:p>
+                <a:pPr algn="ctr"/>
+                <a:endParaRPr lang="en-US"/>
+              </a:p>
+            </p:txBody>
+          </p:sp>
+          <p:sp>
+            <p:nvSpPr>
+              <p:cNvPr id="9" name="Rectangle: Rounded Corners 8">
+                <a:extLst>
+                  <a:ext uri="{FF2B5EF4-FFF2-40B4-BE49-F238E27FC236}">
+                    <a16:creationId xmlns:a16="http://schemas.microsoft.com/office/drawing/2014/main" id="{C00468EF-DFE0-4035-992E-C959519F7252}"/>
+                  </a:ext>
+                </a:extLst>
+              </p:cNvPr>
+              <p:cNvSpPr/>
+              <p:nvPr/>
+            </p:nvSpPr>
+            <p:spPr>
+              <a:xfrm>
+                <a:off x="7444854" y="1637731"/>
+                <a:ext cx="272955" cy="1482488"/>
+              </a:xfrm>
+              <a:prstGeom prst="roundRect">
+                <a:avLst/>
+              </a:prstGeom>
+            </p:spPr>
+            <p:style>
+              <a:lnRef idx="2">
+                <a:schemeClr val="accent1">
+                  <a:shade val="50000"/>
+                </a:schemeClr>
+              </a:lnRef>
+              <a:fillRef idx="1">
+                <a:schemeClr val="accent1"/>
+              </a:fillRef>
+              <a:effectRef idx="0">
+                <a:schemeClr val="accent1"/>
+              </a:effectRef>
+              <a:fontRef idx="minor">
+                <a:schemeClr val="lt1"/>
+              </a:fontRef>
+            </p:style>
+            <p:txBody>
+              <a:bodyPr rtlCol="0" anchor="ctr"/>
+              <a:lstStyle/>
+              <a:p>
+                <a:pPr algn="ctr"/>
+                <a:endParaRPr lang="en-US"/>
+              </a:p>
+            </p:txBody>
+          </p:sp>
+        </p:grpSp>
+        <p:sp>
+          <p:nvSpPr>
+            <p:cNvPr id="11" name="Rectangle: Rounded Corners 10">
+              <a:extLst>
+                <a:ext uri="{FF2B5EF4-FFF2-40B4-BE49-F238E27FC236}">
+                  <a16:creationId xmlns:a16="http://schemas.microsoft.com/office/drawing/2014/main" id="{814598F1-F464-4CFE-AB00-5304FEE6F3C7}"/>
+                </a:ext>
+              </a:extLst>
+            </p:cNvPr>
+            <p:cNvSpPr/>
+            <p:nvPr/>
+          </p:nvSpPr>
+          <p:spPr>
+            <a:xfrm>
+              <a:off x="5547815" y="832514"/>
+              <a:ext cx="269544" cy="2407266"/>
+            </a:xfrm>
+            <a:prstGeom prst="roundRect">
+              <a:avLst/>
+            </a:prstGeom>
+          </p:spPr>
+          <p:style>
+            <a:lnRef idx="2">
+              <a:schemeClr val="accent1">
+                <a:shade val="50000"/>
+              </a:schemeClr>
+            </a:lnRef>
+            <a:fillRef idx="1">
+              <a:schemeClr val="accent1"/>
+            </a:fillRef>
+            <a:effectRef idx="0">
+              <a:schemeClr val="accent1"/>
+            </a:effectRef>
+            <a:fontRef idx="minor">
+              <a:schemeClr val="lt1"/>
+            </a:fontRef>
+          </p:style>
+          <p:txBody>
+            <a:bodyPr rtlCol="0" anchor="ctr"/>
+            <a:lstStyle/>
+            <a:p>
+              <a:pPr algn="ctr"/>
+              <a:endParaRPr lang="en-US"/>
+            </a:p>
+          </p:txBody>
+        </p:sp>
+        <p:sp>
+          <p:nvSpPr>
+            <p:cNvPr id="12" name="Rectangle: Rounded Corners 11">
+              <a:extLst>
+                <a:ext uri="{FF2B5EF4-FFF2-40B4-BE49-F238E27FC236}">
+                  <a16:creationId xmlns:a16="http://schemas.microsoft.com/office/drawing/2014/main" id="{572F0968-74E0-4972-B569-5D7067FD2425}"/>
+                </a:ext>
+              </a:extLst>
+            </p:cNvPr>
+            <p:cNvSpPr/>
+            <p:nvPr/>
+          </p:nvSpPr>
+          <p:spPr>
+            <a:xfrm>
+              <a:off x="5544403" y="3870704"/>
+              <a:ext cx="272955" cy="2393903"/>
+            </a:xfrm>
+            <a:prstGeom prst="roundRect">
+              <a:avLst/>
+            </a:prstGeom>
+          </p:spPr>
+          <p:style>
+            <a:lnRef idx="2">
+              <a:schemeClr val="accent1">
+                <a:shade val="50000"/>
+              </a:schemeClr>
+            </a:lnRef>
+            <a:fillRef idx="1">
+              <a:schemeClr val="accent1"/>
+            </a:fillRef>
+            <a:effectRef idx="0">
+              <a:schemeClr val="accent1"/>
+            </a:effectRef>
+            <a:fontRef idx="minor">
+              <a:schemeClr val="lt1"/>
+            </a:fontRef>
+          </p:style>
+          <p:txBody>
+            <a:bodyPr rtlCol="0" anchor="ctr"/>
+            <a:lstStyle/>
+            <a:p>
+              <a:pPr algn="ctr"/>
+              <a:endParaRPr lang="en-US"/>
+            </a:p>
+          </p:txBody>
+        </p:sp>
+        <p:sp>
+          <p:nvSpPr>
+            <p:cNvPr id="13" name="Rectangle: Rounded Corners 12">
+              <a:extLst>
+                <a:ext uri="{FF2B5EF4-FFF2-40B4-BE49-F238E27FC236}">
+                  <a16:creationId xmlns:a16="http://schemas.microsoft.com/office/drawing/2014/main" id="{489A880E-6D2C-44F1-8C28-B0159086EF42}"/>
+                </a:ext>
+              </a:extLst>
+            </p:cNvPr>
+            <p:cNvSpPr/>
+            <p:nvPr/>
+          </p:nvSpPr>
+          <p:spPr>
+            <a:xfrm>
+              <a:off x="6496334" y="1064525"/>
+              <a:ext cx="272955" cy="2175255"/>
+            </a:xfrm>
+            <a:prstGeom prst="roundRect">
+              <a:avLst/>
+            </a:prstGeom>
+          </p:spPr>
+          <p:style>
+            <a:lnRef idx="2">
+              <a:schemeClr val="accent1">
+                <a:shade val="50000"/>
+              </a:schemeClr>
+            </a:lnRef>
+            <a:fillRef idx="1">
+              <a:schemeClr val="accent1"/>
+            </a:fillRef>
+            <a:effectRef idx="0">
+              <a:schemeClr val="accent1"/>
+            </a:effectRef>
+            <a:fontRef idx="minor">
+              <a:schemeClr val="lt1"/>
+            </a:fontRef>
+          </p:style>
+          <p:txBody>
+            <a:bodyPr rtlCol="0" anchor="ctr"/>
+            <a:lstStyle/>
+            <a:p>
+              <a:pPr algn="ctr"/>
+              <a:endParaRPr lang="en-US"/>
+            </a:p>
+          </p:txBody>
+        </p:sp>
+        <p:sp>
+          <p:nvSpPr>
+            <p:cNvPr id="14" name="Rectangle: Rounded Corners 13">
+              <a:extLst>
+                <a:ext uri="{FF2B5EF4-FFF2-40B4-BE49-F238E27FC236}">
+                  <a16:creationId xmlns:a16="http://schemas.microsoft.com/office/drawing/2014/main" id="{C6FB79E8-B244-4967-940A-3E49D706CAD4}"/>
+                </a:ext>
+              </a:extLst>
+            </p:cNvPr>
+            <p:cNvSpPr/>
+            <p:nvPr/>
+          </p:nvSpPr>
+          <p:spPr>
+            <a:xfrm>
+              <a:off x="6523630" y="3870704"/>
+              <a:ext cx="272955" cy="2175255"/>
+            </a:xfrm>
+            <a:prstGeom prst="roundRect">
+              <a:avLst/>
+            </a:prstGeom>
+          </p:spPr>
+          <p:style>
+            <a:lnRef idx="2">
+              <a:schemeClr val="accent1">
+                <a:shade val="50000"/>
+              </a:schemeClr>
+            </a:lnRef>
+            <a:fillRef idx="1">
+              <a:schemeClr val="accent1"/>
+            </a:fillRef>
+            <a:effectRef idx="0">
+              <a:schemeClr val="accent1"/>
+            </a:effectRef>
+            <a:fontRef idx="minor">
+              <a:schemeClr val="lt1"/>
+            </a:fontRef>
+          </p:style>
+          <p:txBody>
+            <a:bodyPr rtlCol="0" anchor="ctr"/>
+            <a:lstStyle/>
+            <a:p>
+              <a:pPr algn="ctr"/>
+              <a:endParaRPr lang="en-US"/>
+            </a:p>
+          </p:txBody>
+        </p:sp>
+        <p:sp>
+          <p:nvSpPr>
+            <p:cNvPr id="15" name="Rectangle: Rounded Corners 14">
+              <a:extLst>
+                <a:ext uri="{FF2B5EF4-FFF2-40B4-BE49-F238E27FC236}">
+                  <a16:creationId xmlns:a16="http://schemas.microsoft.com/office/drawing/2014/main" id="{1265EE2B-16CA-4C0F-8721-4D4F8786DA8B}"/>
+                </a:ext>
+              </a:extLst>
+            </p:cNvPr>
+            <p:cNvSpPr/>
+            <p:nvPr/>
+          </p:nvSpPr>
+          <p:spPr>
+            <a:xfrm>
+              <a:off x="4618628" y="3870704"/>
+              <a:ext cx="272955" cy="2175255"/>
+            </a:xfrm>
+            <a:prstGeom prst="roundRect">
+              <a:avLst/>
+            </a:prstGeom>
+          </p:spPr>
+          <p:style>
+            <a:lnRef idx="2">
+              <a:schemeClr val="accent1">
+                <a:shade val="50000"/>
+              </a:schemeClr>
+            </a:lnRef>
+            <a:fillRef idx="1">
+              <a:schemeClr val="accent1"/>
+            </a:fillRef>
+            <a:effectRef idx="0">
+              <a:schemeClr val="accent1"/>
+            </a:effectRef>
+            <a:fontRef idx="minor">
+              <a:schemeClr val="lt1"/>
+            </a:fontRef>
+          </p:style>
+          <p:txBody>
+            <a:bodyPr rtlCol="0" anchor="ctr"/>
+            <a:lstStyle/>
+            <a:p>
+              <a:pPr algn="ctr"/>
+              <a:endParaRPr lang="en-US"/>
+            </a:p>
+          </p:txBody>
+        </p:sp>
+        <p:sp>
+          <p:nvSpPr>
+            <p:cNvPr id="16" name="Rectangle: Rounded Corners 15">
+              <a:extLst>
+                <a:ext uri="{FF2B5EF4-FFF2-40B4-BE49-F238E27FC236}">
+                  <a16:creationId xmlns:a16="http://schemas.microsoft.com/office/drawing/2014/main" id="{A1FB36C2-31CA-40C7-AFB8-E292CFF1A055}"/>
+                </a:ext>
+              </a:extLst>
+            </p:cNvPr>
+            <p:cNvSpPr/>
+            <p:nvPr/>
+          </p:nvSpPr>
+          <p:spPr>
+            <a:xfrm>
+              <a:off x="4618629" y="1064525"/>
+              <a:ext cx="272955" cy="2175255"/>
+            </a:xfrm>
+            <a:prstGeom prst="roundRect">
+              <a:avLst/>
+            </a:prstGeom>
+          </p:spPr>
+          <p:style>
+            <a:lnRef idx="2">
+              <a:schemeClr val="accent1">
+                <a:shade val="50000"/>
+              </a:schemeClr>
+            </a:lnRef>
+            <a:fillRef idx="1">
+              <a:schemeClr val="accent1"/>
+            </a:fillRef>
+            <a:effectRef idx="0">
+              <a:schemeClr val="accent1"/>
+            </a:effectRef>
+            <a:fontRef idx="minor">
+              <a:schemeClr val="lt1"/>
+            </a:fontRef>
+          </p:style>
+          <p:txBody>
+            <a:bodyPr rtlCol="0" anchor="ctr"/>
+            <a:lstStyle/>
+            <a:p>
+              <a:pPr algn="ctr"/>
+              <a:endParaRPr lang="en-US"/>
+            </a:p>
+          </p:txBody>
+        </p:sp>
+      </p:grpSp>
+      <p:sp>
+        <p:nvSpPr>
+          <p:cNvPr id="2" name="Arrow: Left 1">
+            <a:extLst>
+              <a:ext uri="{FF2B5EF4-FFF2-40B4-BE49-F238E27FC236}">
+                <a16:creationId xmlns:a16="http://schemas.microsoft.com/office/drawing/2014/main" id="{224DBAD8-385B-44BB-BD02-02F02276E512}"/>
+              </a:ext>
+            </a:extLst>
+          </p:cNvPr>
+          <p:cNvSpPr/>
+          <p:nvPr/>
+        </p:nvSpPr>
+        <p:spPr>
+          <a:xfrm>
+            <a:off x="9471545" y="3162086"/>
+            <a:ext cx="1900451" cy="772947"/>
+          </a:xfrm>
+          <a:prstGeom prst="leftArrow">
+            <a:avLst/>
+          </a:prstGeom>
+        </p:spPr>
+        <p:style>
+          <a:lnRef idx="2">
+            <a:schemeClr val="accent1">
+              <a:shade val="50000"/>
+            </a:schemeClr>
+          </a:lnRef>
+          <a:fillRef idx="1">
+            <a:schemeClr val="accent1"/>
+          </a:fillRef>
+          <a:effectRef idx="0">
+            <a:schemeClr val="accent1"/>
+          </a:effectRef>
+          <a:fontRef idx="minor">
+            <a:schemeClr val="lt1"/>
+          </a:fontRef>
+        </p:style>
+        <p:txBody>
+          <a:bodyPr rtlCol="0" anchor="ctr"/>
+          <a:lstStyle/>
+          <a:p>
+            <a:pPr algn="ctr"/>
+            <a:r>
+              <a:rPr lang="en-US" dirty="0"/>
+              <a:t>Flow Direction</a:t>
+            </a:r>
+          </a:p>
+        </p:txBody>
+      </p:sp>
+      <p:cxnSp>
+        <p:nvCxnSpPr>
+          <p:cNvPr id="28" name="Connector: Elbow 27">
+            <a:extLst>
+              <a:ext uri="{FF2B5EF4-FFF2-40B4-BE49-F238E27FC236}">
+                <a16:creationId xmlns:a16="http://schemas.microsoft.com/office/drawing/2014/main" id="{658DC5E8-DFA1-4384-AB1F-128B9780FB8A}"/>
+              </a:ext>
+            </a:extLst>
+          </p:cNvPr>
+          <p:cNvCxnSpPr>
+            <a:cxnSpLocks/>
+          </p:cNvCxnSpPr>
+          <p:nvPr/>
+        </p:nvCxnSpPr>
+        <p:spPr>
+          <a:xfrm rot="10800000">
+            <a:off x="6096000" y="1171665"/>
+            <a:ext cx="3375545" cy="2292966"/>
+          </a:xfrm>
+          <a:prstGeom prst="bentConnector3">
+            <a:avLst>
+              <a:gd name="adj1" fmla="val 83962"/>
+            </a:avLst>
+          </a:prstGeom>
+          <a:ln w="28575">
+            <a:solidFill>
+              <a:srgbClr val="FFFF00"/>
+            </a:solidFill>
+          </a:ln>
+        </p:spPr>
+        <p:style>
+          <a:lnRef idx="1">
+            <a:schemeClr val="accent1"/>
+          </a:lnRef>
+          <a:fillRef idx="0">
+            <a:schemeClr val="accent1"/>
+          </a:fillRef>
+          <a:effectRef idx="0">
+            <a:schemeClr val="accent1"/>
+          </a:effectRef>
+          <a:fontRef idx="minor">
+            <a:schemeClr val="tx1"/>
+          </a:fontRef>
+        </p:style>
+      </p:cxnSp>
+      <p:cxnSp>
+        <p:nvCxnSpPr>
+          <p:cNvPr id="41" name="Connector: Elbow 40">
+            <a:extLst>
+              <a:ext uri="{FF2B5EF4-FFF2-40B4-BE49-F238E27FC236}">
+                <a16:creationId xmlns:a16="http://schemas.microsoft.com/office/drawing/2014/main" id="{DFA9B19F-E309-42AE-B967-4A3629057454}"/>
+              </a:ext>
+            </a:extLst>
+          </p:cNvPr>
+          <p:cNvCxnSpPr>
+            <a:cxnSpLocks/>
+          </p:cNvCxnSpPr>
+          <p:nvPr/>
+        </p:nvCxnSpPr>
+        <p:spPr>
+          <a:xfrm rot="10800000" flipV="1">
+            <a:off x="3493827" y="3617314"/>
+            <a:ext cx="5823048" cy="1542125"/>
+          </a:xfrm>
+          <a:prstGeom prst="bentConnector3">
+            <a:avLst>
+              <a:gd name="adj1" fmla="val 94766"/>
+            </a:avLst>
+          </a:prstGeom>
+          <a:ln w="28575">
+            <a:solidFill>
+              <a:srgbClr val="FFFF00"/>
+            </a:solidFill>
+          </a:ln>
+        </p:spPr>
+        <p:style>
+          <a:lnRef idx="1">
+            <a:schemeClr val="accent1"/>
+          </a:lnRef>
+          <a:fillRef idx="0">
+            <a:schemeClr val="accent1"/>
+          </a:fillRef>
+          <a:effectRef idx="0">
+            <a:schemeClr val="accent1"/>
+          </a:effectRef>
+          <a:fontRef idx="minor">
+            <a:schemeClr val="tx1"/>
+          </a:fontRef>
+        </p:style>
+      </p:cxnSp>
+    </p:spTree>
+    <p:extLst>
+      <p:ext uri="{BB962C8B-B14F-4D97-AF65-F5344CB8AC3E}">
+        <p14:creationId xmlns:p14="http://schemas.microsoft.com/office/powerpoint/2010/main" val="4122382820"/>
+      </p:ext>
+    </p:extLst>
+  </p:cSld>
+  <p:clrMapOvr>
+    <a:masterClrMapping/>
+  </p:clrMapOvr>
+</p:sld>
+</file>
+
+<file path=ppt/slides/slide12.xml><?xml version="1.0" encoding="utf-8"?>
+<p:sld xmlns:a="http://schemas.openxmlformats.org/drawingml/2006/main" xmlns:r="http://schemas.openxmlformats.org/officeDocument/2006/relationships" xmlns:p="http://schemas.openxmlformats.org/presentationml/2006/main">
+  <p:cSld>
+    <p:spTree>
+      <p:nvGrpSpPr>
+        <p:cNvPr id="1" name=""/>
+        <p:cNvGrpSpPr/>
+        <p:nvPr/>
+      </p:nvGrpSpPr>
+      <p:grpSpPr>
+        <a:xfrm>
+          <a:off x="0" y="0"/>
+          <a:ext cx="0" cy="0"/>
+          <a:chOff x="0" y="0"/>
+          <a:chExt cx="0" cy="0"/>
+        </a:xfrm>
+      </p:grpSpPr>
       <p:grpSp>
         <p:nvGrpSpPr>
           <p:cNvPr id="31" name="Group 30">
@@ -13579,7 +14520,2975 @@
 </p:sld>
 </file>
 
-<file path=ppt/slides/slide12.xml><?xml version="1.0" encoding="utf-8"?>
+<file path=ppt/slides/slide13.xml><?xml version="1.0" encoding="utf-8"?>
+<p:sld xmlns:a="http://schemas.openxmlformats.org/drawingml/2006/main" xmlns:r="http://schemas.openxmlformats.org/officeDocument/2006/relationships" xmlns:p="http://schemas.openxmlformats.org/presentationml/2006/main">
+  <p:cSld>
+    <p:spTree>
+      <p:nvGrpSpPr>
+        <p:cNvPr id="1" name=""/>
+        <p:cNvGrpSpPr/>
+        <p:nvPr/>
+      </p:nvGrpSpPr>
+      <p:grpSpPr>
+        <a:xfrm>
+          <a:off x="0" y="0"/>
+          <a:ext cx="0" cy="0"/>
+          <a:chOff x="0" y="0"/>
+          <a:chExt cx="0" cy="0"/>
+        </a:xfrm>
+      </p:grpSpPr>
+      <p:pic>
+        <p:nvPicPr>
+          <p:cNvPr id="15" name="Picture 14">
+            <a:extLst>
+              <a:ext uri="{FF2B5EF4-FFF2-40B4-BE49-F238E27FC236}">
+                <a16:creationId xmlns:a16="http://schemas.microsoft.com/office/drawing/2014/main" id="{0226BE80-1DC9-4093-97A5-1CB39EABE66C}"/>
+              </a:ext>
+            </a:extLst>
+          </p:cNvPr>
+          <p:cNvPicPr>
+            <a:picLocks noChangeAspect="1"/>
+          </p:cNvPicPr>
+          <p:nvPr>
+            <p:custDataLst>
+              <p:tags r:id="rId1"/>
+            </p:custDataLst>
+          </p:nvPr>
+        </p:nvPicPr>
+        <p:blipFill>
+          <a:blip r:embed="rId12">
+            <a:extLst>
+              <a:ext uri="{28A0092B-C50C-407E-A947-70E740481C1C}">
+                <a14:useLocalDpi xmlns:a14="http://schemas.microsoft.com/office/drawing/2010/main" val="0"/>
+              </a:ext>
+            </a:extLst>
+          </a:blip>
+          <a:stretch>
+            <a:fillRect/>
+          </a:stretch>
+        </p:blipFill>
+        <p:spPr>
+          <a:xfrm>
+            <a:off x="9739289" y="3658351"/>
+            <a:ext cx="598857" cy="178286"/>
+          </a:xfrm>
+          <a:prstGeom prst="rect">
+            <a:avLst/>
+          </a:prstGeom>
+        </p:spPr>
+      </p:pic>
+      <p:pic>
+        <p:nvPicPr>
+          <p:cNvPr id="17" name="Picture 16">
+            <a:extLst>
+              <a:ext uri="{FF2B5EF4-FFF2-40B4-BE49-F238E27FC236}">
+                <a16:creationId xmlns:a16="http://schemas.microsoft.com/office/drawing/2014/main" id="{41FC674A-03F8-4947-A4AE-70A18506F942}"/>
+              </a:ext>
+            </a:extLst>
+          </p:cNvPr>
+          <p:cNvPicPr>
+            <a:picLocks noChangeAspect="1"/>
+          </p:cNvPicPr>
+          <p:nvPr>
+            <p:custDataLst>
+              <p:tags r:id="rId2"/>
+            </p:custDataLst>
+          </p:nvPr>
+        </p:nvPicPr>
+        <p:blipFill>
+          <a:blip r:embed="rId13">
+            <a:extLst>
+              <a:ext uri="{28A0092B-C50C-407E-A947-70E740481C1C}">
+                <a14:useLocalDpi xmlns:a14="http://schemas.microsoft.com/office/drawing/2010/main" val="0"/>
+              </a:ext>
+            </a:extLst>
+          </a:blip>
+          <a:stretch>
+            <a:fillRect/>
+          </a:stretch>
+        </p:blipFill>
+        <p:spPr>
+          <a:xfrm>
+            <a:off x="717147" y="3775402"/>
+            <a:ext cx="795429" cy="184381"/>
+          </a:xfrm>
+          <a:prstGeom prst="rect">
+            <a:avLst/>
+          </a:prstGeom>
+        </p:spPr>
+      </p:pic>
+      <p:grpSp>
+        <p:nvGrpSpPr>
+          <p:cNvPr id="54" name="Group 53">
+            <a:extLst>
+              <a:ext uri="{FF2B5EF4-FFF2-40B4-BE49-F238E27FC236}">
+                <a16:creationId xmlns:a16="http://schemas.microsoft.com/office/drawing/2014/main" id="{2EB0CBF3-354F-4797-98EA-243FD3AB1C07}"/>
+              </a:ext>
+            </a:extLst>
+          </p:cNvPr>
+          <p:cNvGrpSpPr/>
+          <p:nvPr/>
+        </p:nvGrpSpPr>
+        <p:grpSpPr>
+          <a:xfrm>
+            <a:off x="3769216" y="188890"/>
+            <a:ext cx="3230451" cy="6480220"/>
+            <a:chOff x="3769216" y="188890"/>
+            <a:chExt cx="3230451" cy="6480220"/>
+          </a:xfrm>
+        </p:grpSpPr>
+        <p:grpSp>
+          <p:nvGrpSpPr>
+            <p:cNvPr id="13" name="Group 12">
+              <a:extLst>
+                <a:ext uri="{FF2B5EF4-FFF2-40B4-BE49-F238E27FC236}">
+                  <a16:creationId xmlns:a16="http://schemas.microsoft.com/office/drawing/2014/main" id="{4EC59A72-FAE2-4BDC-B34F-AA99183B4C3F}"/>
+                </a:ext>
+              </a:extLst>
+            </p:cNvPr>
+            <p:cNvGrpSpPr/>
+            <p:nvPr/>
+          </p:nvGrpSpPr>
+          <p:grpSpPr>
+            <a:xfrm>
+              <a:off x="3769216" y="188890"/>
+              <a:ext cx="3230451" cy="6480220"/>
+              <a:chOff x="3494468" y="-1086117"/>
+              <a:chExt cx="3230451" cy="6480220"/>
+            </a:xfrm>
+          </p:grpSpPr>
+          <p:sp>
+            <p:nvSpPr>
+              <p:cNvPr id="12" name="Rectangle 11">
+                <a:extLst>
+                  <a:ext uri="{FF2B5EF4-FFF2-40B4-BE49-F238E27FC236}">
+                    <a16:creationId xmlns:a16="http://schemas.microsoft.com/office/drawing/2014/main" id="{3B60593A-A81D-43D9-97F3-9766883235EB}"/>
+                  </a:ext>
+                </a:extLst>
+              </p:cNvPr>
+              <p:cNvSpPr/>
+              <p:nvPr/>
+            </p:nvSpPr>
+            <p:spPr>
+              <a:xfrm>
+                <a:off x="3790683" y="-1086117"/>
+                <a:ext cx="2601532" cy="6480220"/>
+              </a:xfrm>
+              <a:prstGeom prst="rect">
+                <a:avLst/>
+              </a:prstGeom>
+              <a:solidFill>
+                <a:schemeClr val="accent1">
+                  <a:lumMod val="20000"/>
+                  <a:lumOff val="80000"/>
+                </a:schemeClr>
+              </a:solidFill>
+            </p:spPr>
+            <p:style>
+              <a:lnRef idx="2">
+                <a:schemeClr val="accent1">
+                  <a:shade val="50000"/>
+                </a:schemeClr>
+              </a:lnRef>
+              <a:fillRef idx="1">
+                <a:schemeClr val="accent1"/>
+              </a:fillRef>
+              <a:effectRef idx="0">
+                <a:schemeClr val="accent1"/>
+              </a:effectRef>
+              <a:fontRef idx="minor">
+                <a:schemeClr val="lt1"/>
+              </a:fontRef>
+            </p:style>
+            <p:txBody>
+              <a:bodyPr rtlCol="0" anchor="ctr"/>
+              <a:lstStyle/>
+              <a:p>
+                <a:pPr algn="ctr"/>
+                <a:endParaRPr lang="en-US"/>
+              </a:p>
+            </p:txBody>
+          </p:sp>
+          <p:grpSp>
+            <p:nvGrpSpPr>
+              <p:cNvPr id="11" name="Group 10">
+                <a:extLst>
+                  <a:ext uri="{FF2B5EF4-FFF2-40B4-BE49-F238E27FC236}">
+                    <a16:creationId xmlns:a16="http://schemas.microsoft.com/office/drawing/2014/main" id="{CE687F31-016D-4011-8506-2094D0B4EAFB}"/>
+                  </a:ext>
+                </a:extLst>
+              </p:cNvPr>
+              <p:cNvGrpSpPr/>
+              <p:nvPr/>
+            </p:nvGrpSpPr>
+            <p:grpSpPr>
+              <a:xfrm rot="10800000">
+                <a:off x="3494468" y="1053928"/>
+                <a:ext cx="3230451" cy="4340173"/>
+                <a:chOff x="3494468" y="1053928"/>
+                <a:chExt cx="3230451" cy="4340173"/>
+              </a:xfrm>
+            </p:grpSpPr>
+            <p:sp>
+              <p:nvSpPr>
+                <p:cNvPr id="4" name="Rectangle: Rounded Corners 3">
+                  <a:extLst>
+                    <a:ext uri="{FF2B5EF4-FFF2-40B4-BE49-F238E27FC236}">
+                      <a16:creationId xmlns:a16="http://schemas.microsoft.com/office/drawing/2014/main" id="{D5756822-CDC4-495B-8611-01A3570955E7}"/>
+                    </a:ext>
+                  </a:extLst>
+                </p:cNvPr>
+                <p:cNvSpPr/>
+                <p:nvPr/>
+              </p:nvSpPr>
+              <p:spPr>
+                <a:xfrm>
+                  <a:off x="3494468" y="1053928"/>
+                  <a:ext cx="2601532" cy="193183"/>
+                </a:xfrm>
+                <a:prstGeom prst="roundRect">
+                  <a:avLst/>
+                </a:prstGeom>
+              </p:spPr>
+              <p:style>
+                <a:lnRef idx="2">
+                  <a:schemeClr val="accent1">
+                    <a:shade val="50000"/>
+                  </a:schemeClr>
+                </a:lnRef>
+                <a:fillRef idx="1">
+                  <a:schemeClr val="accent1"/>
+                </a:fillRef>
+                <a:effectRef idx="0">
+                  <a:schemeClr val="accent1"/>
+                </a:effectRef>
+                <a:fontRef idx="minor">
+                  <a:schemeClr val="lt1"/>
+                </a:fontRef>
+              </p:style>
+              <p:txBody>
+                <a:bodyPr rtlCol="0" anchor="ctr"/>
+                <a:lstStyle/>
+                <a:p>
+                  <a:pPr algn="ctr"/>
+                  <a:endParaRPr lang="en-US"/>
+                </a:p>
+              </p:txBody>
+            </p:sp>
+            <p:sp>
+              <p:nvSpPr>
+                <p:cNvPr id="5" name="Rectangle: Rounded Corners 4">
+                  <a:extLst>
+                    <a:ext uri="{FF2B5EF4-FFF2-40B4-BE49-F238E27FC236}">
+                      <a16:creationId xmlns:a16="http://schemas.microsoft.com/office/drawing/2014/main" id="{60563BC4-5D53-4FCB-B999-9A347CE8CC01}"/>
+                    </a:ext>
+                  </a:extLst>
+                </p:cNvPr>
+                <p:cNvSpPr/>
+                <p:nvPr/>
+              </p:nvSpPr>
+              <p:spPr>
+                <a:xfrm>
+                  <a:off x="4123387" y="1745093"/>
+                  <a:ext cx="2601532" cy="193183"/>
+                </a:xfrm>
+                <a:prstGeom prst="roundRect">
+                  <a:avLst/>
+                </a:prstGeom>
+              </p:spPr>
+              <p:style>
+                <a:lnRef idx="2">
+                  <a:schemeClr val="accent1">
+                    <a:shade val="50000"/>
+                  </a:schemeClr>
+                </a:lnRef>
+                <a:fillRef idx="1">
+                  <a:schemeClr val="accent1"/>
+                </a:fillRef>
+                <a:effectRef idx="0">
+                  <a:schemeClr val="accent1"/>
+                </a:effectRef>
+                <a:fontRef idx="minor">
+                  <a:schemeClr val="lt1"/>
+                </a:fontRef>
+              </p:style>
+              <p:txBody>
+                <a:bodyPr rtlCol="0" anchor="ctr"/>
+                <a:lstStyle/>
+                <a:p>
+                  <a:pPr algn="ctr"/>
+                  <a:endParaRPr lang="en-US"/>
+                </a:p>
+              </p:txBody>
+            </p:sp>
+            <p:sp>
+              <p:nvSpPr>
+                <p:cNvPr id="6" name="Rectangle: Rounded Corners 5">
+                  <a:extLst>
+                    <a:ext uri="{FF2B5EF4-FFF2-40B4-BE49-F238E27FC236}">
+                      <a16:creationId xmlns:a16="http://schemas.microsoft.com/office/drawing/2014/main" id="{014D41B6-7168-495D-B269-7DD74C1C3277}"/>
+                    </a:ext>
+                  </a:extLst>
+                </p:cNvPr>
+                <p:cNvSpPr/>
+                <p:nvPr/>
+              </p:nvSpPr>
+              <p:spPr>
+                <a:xfrm>
+                  <a:off x="3494468" y="2436258"/>
+                  <a:ext cx="2601532" cy="193183"/>
+                </a:xfrm>
+                <a:prstGeom prst="roundRect">
+                  <a:avLst/>
+                </a:prstGeom>
+              </p:spPr>
+              <p:style>
+                <a:lnRef idx="2">
+                  <a:schemeClr val="accent1">
+                    <a:shade val="50000"/>
+                  </a:schemeClr>
+                </a:lnRef>
+                <a:fillRef idx="1">
+                  <a:schemeClr val="accent1"/>
+                </a:fillRef>
+                <a:effectRef idx="0">
+                  <a:schemeClr val="accent1"/>
+                </a:effectRef>
+                <a:fontRef idx="minor">
+                  <a:schemeClr val="lt1"/>
+                </a:fontRef>
+              </p:style>
+              <p:txBody>
+                <a:bodyPr rtlCol="0" anchor="ctr"/>
+                <a:lstStyle/>
+                <a:p>
+                  <a:pPr algn="ctr"/>
+                  <a:endParaRPr lang="en-US"/>
+                </a:p>
+              </p:txBody>
+            </p:sp>
+            <p:sp>
+              <p:nvSpPr>
+                <p:cNvPr id="7" name="Rectangle: Rounded Corners 6">
+                  <a:extLst>
+                    <a:ext uri="{FF2B5EF4-FFF2-40B4-BE49-F238E27FC236}">
+                      <a16:creationId xmlns:a16="http://schemas.microsoft.com/office/drawing/2014/main" id="{404387B8-B4E9-4C0E-BCBB-DE987B101704}"/>
+                    </a:ext>
+                  </a:extLst>
+                </p:cNvPr>
+                <p:cNvSpPr/>
+                <p:nvPr/>
+              </p:nvSpPr>
+              <p:spPr>
+                <a:xfrm>
+                  <a:off x="4112654" y="3127423"/>
+                  <a:ext cx="2601532" cy="193183"/>
+                </a:xfrm>
+                <a:prstGeom prst="roundRect">
+                  <a:avLst/>
+                </a:prstGeom>
+              </p:spPr>
+              <p:style>
+                <a:lnRef idx="2">
+                  <a:schemeClr val="accent1">
+                    <a:shade val="50000"/>
+                  </a:schemeClr>
+                </a:lnRef>
+                <a:fillRef idx="1">
+                  <a:schemeClr val="accent1"/>
+                </a:fillRef>
+                <a:effectRef idx="0">
+                  <a:schemeClr val="accent1"/>
+                </a:effectRef>
+                <a:fontRef idx="minor">
+                  <a:schemeClr val="lt1"/>
+                </a:fontRef>
+              </p:style>
+              <p:txBody>
+                <a:bodyPr rtlCol="0" anchor="ctr"/>
+                <a:lstStyle/>
+                <a:p>
+                  <a:pPr algn="ctr"/>
+                  <a:endParaRPr lang="en-US"/>
+                </a:p>
+              </p:txBody>
+            </p:sp>
+            <p:sp>
+              <p:nvSpPr>
+                <p:cNvPr id="8" name="Rectangle: Rounded Corners 7">
+                  <a:extLst>
+                    <a:ext uri="{FF2B5EF4-FFF2-40B4-BE49-F238E27FC236}">
+                      <a16:creationId xmlns:a16="http://schemas.microsoft.com/office/drawing/2014/main" id="{E56D3983-A844-480B-A0EB-A2454A1F4BC9}"/>
+                    </a:ext>
+                  </a:extLst>
+                </p:cNvPr>
+                <p:cNvSpPr/>
+                <p:nvPr/>
+              </p:nvSpPr>
+              <p:spPr>
+                <a:xfrm>
+                  <a:off x="3494468" y="3818588"/>
+                  <a:ext cx="2601532" cy="193183"/>
+                </a:xfrm>
+                <a:prstGeom prst="roundRect">
+                  <a:avLst/>
+                </a:prstGeom>
+              </p:spPr>
+              <p:style>
+                <a:lnRef idx="2">
+                  <a:schemeClr val="accent1">
+                    <a:shade val="50000"/>
+                  </a:schemeClr>
+                </a:lnRef>
+                <a:fillRef idx="1">
+                  <a:schemeClr val="accent1"/>
+                </a:fillRef>
+                <a:effectRef idx="0">
+                  <a:schemeClr val="accent1"/>
+                </a:effectRef>
+                <a:fontRef idx="minor">
+                  <a:schemeClr val="lt1"/>
+                </a:fontRef>
+              </p:style>
+              <p:txBody>
+                <a:bodyPr rtlCol="0" anchor="ctr"/>
+                <a:lstStyle/>
+                <a:p>
+                  <a:pPr algn="ctr"/>
+                  <a:endParaRPr lang="en-US"/>
+                </a:p>
+              </p:txBody>
+            </p:sp>
+            <p:sp>
+              <p:nvSpPr>
+                <p:cNvPr id="9" name="Rectangle: Rounded Corners 8">
+                  <a:extLst>
+                    <a:ext uri="{FF2B5EF4-FFF2-40B4-BE49-F238E27FC236}">
+                      <a16:creationId xmlns:a16="http://schemas.microsoft.com/office/drawing/2014/main" id="{3A524E27-A638-4506-9A7A-ECDF2B8A7B90}"/>
+                    </a:ext>
+                  </a:extLst>
+                </p:cNvPr>
+                <p:cNvSpPr/>
+                <p:nvPr/>
+              </p:nvSpPr>
+              <p:spPr>
+                <a:xfrm>
+                  <a:off x="4112654" y="4509753"/>
+                  <a:ext cx="2601532" cy="193183"/>
+                </a:xfrm>
+                <a:prstGeom prst="roundRect">
+                  <a:avLst/>
+                </a:prstGeom>
+              </p:spPr>
+              <p:style>
+                <a:lnRef idx="2">
+                  <a:schemeClr val="accent1">
+                    <a:shade val="50000"/>
+                  </a:schemeClr>
+                </a:lnRef>
+                <a:fillRef idx="1">
+                  <a:schemeClr val="accent1"/>
+                </a:fillRef>
+                <a:effectRef idx="0">
+                  <a:schemeClr val="accent1"/>
+                </a:effectRef>
+                <a:fontRef idx="minor">
+                  <a:schemeClr val="lt1"/>
+                </a:fontRef>
+              </p:style>
+              <p:txBody>
+                <a:bodyPr rtlCol="0" anchor="ctr"/>
+                <a:lstStyle/>
+                <a:p>
+                  <a:pPr algn="ctr"/>
+                  <a:endParaRPr lang="en-US"/>
+                </a:p>
+              </p:txBody>
+            </p:sp>
+            <p:sp>
+              <p:nvSpPr>
+                <p:cNvPr id="10" name="Rectangle: Rounded Corners 9">
+                  <a:extLst>
+                    <a:ext uri="{FF2B5EF4-FFF2-40B4-BE49-F238E27FC236}">
+                      <a16:creationId xmlns:a16="http://schemas.microsoft.com/office/drawing/2014/main" id="{432EAE0F-E204-4293-9028-243B16D86A09}"/>
+                    </a:ext>
+                  </a:extLst>
+                </p:cNvPr>
+                <p:cNvSpPr/>
+                <p:nvPr/>
+              </p:nvSpPr>
+              <p:spPr>
+                <a:xfrm>
+                  <a:off x="3494468" y="5200918"/>
+                  <a:ext cx="2601532" cy="193183"/>
+                </a:xfrm>
+                <a:prstGeom prst="roundRect">
+                  <a:avLst/>
+                </a:prstGeom>
+              </p:spPr>
+              <p:style>
+                <a:lnRef idx="2">
+                  <a:schemeClr val="accent1">
+                    <a:shade val="50000"/>
+                  </a:schemeClr>
+                </a:lnRef>
+                <a:fillRef idx="1">
+                  <a:schemeClr val="accent1"/>
+                </a:fillRef>
+                <a:effectRef idx="0">
+                  <a:schemeClr val="accent1"/>
+                </a:effectRef>
+                <a:fontRef idx="minor">
+                  <a:schemeClr val="lt1"/>
+                </a:fontRef>
+              </p:style>
+              <p:txBody>
+                <a:bodyPr rtlCol="0" anchor="ctr"/>
+                <a:lstStyle/>
+                <a:p>
+                  <a:pPr algn="ctr"/>
+                  <a:endParaRPr lang="en-US"/>
+                </a:p>
+              </p:txBody>
+            </p:sp>
+          </p:grpSp>
+        </p:grpSp>
+        <p:grpSp>
+          <p:nvGrpSpPr>
+            <p:cNvPr id="23" name="Group 22">
+              <a:extLst>
+                <a:ext uri="{FF2B5EF4-FFF2-40B4-BE49-F238E27FC236}">
+                  <a16:creationId xmlns:a16="http://schemas.microsoft.com/office/drawing/2014/main" id="{E453B505-685C-4423-A303-B2EA0759D4AC}"/>
+                </a:ext>
+              </a:extLst>
+            </p:cNvPr>
+            <p:cNvGrpSpPr/>
+            <p:nvPr/>
+          </p:nvGrpSpPr>
+          <p:grpSpPr>
+            <a:xfrm rot="10800000">
+              <a:off x="4464676" y="4658910"/>
+              <a:ext cx="2075636" cy="363829"/>
+              <a:chOff x="4496873" y="2572559"/>
+              <a:chExt cx="2075636" cy="363829"/>
+            </a:xfrm>
+          </p:grpSpPr>
+          <p:sp>
+            <p:nvSpPr>
+              <p:cNvPr id="18" name="Arrow: Down 17">
+                <a:extLst>
+                  <a:ext uri="{FF2B5EF4-FFF2-40B4-BE49-F238E27FC236}">
+                    <a16:creationId xmlns:a16="http://schemas.microsoft.com/office/drawing/2014/main" id="{FD4FB74F-5FF7-4984-9C3E-8EB93C4193EA}"/>
+                  </a:ext>
+                </a:extLst>
+              </p:cNvPr>
+              <p:cNvSpPr/>
+              <p:nvPr/>
+            </p:nvSpPr>
+            <p:spPr>
+              <a:xfrm>
+                <a:off x="4496873" y="2575780"/>
+                <a:ext cx="141667" cy="360608"/>
+              </a:xfrm>
+              <a:prstGeom prst="downArrow">
+                <a:avLst/>
+              </a:prstGeom>
+              <a:noFill/>
+            </p:spPr>
+            <p:style>
+              <a:lnRef idx="2">
+                <a:schemeClr val="accent1">
+                  <a:shade val="50000"/>
+                </a:schemeClr>
+              </a:lnRef>
+              <a:fillRef idx="1">
+                <a:schemeClr val="accent1"/>
+              </a:fillRef>
+              <a:effectRef idx="0">
+                <a:schemeClr val="accent1"/>
+              </a:effectRef>
+              <a:fontRef idx="minor">
+                <a:schemeClr val="lt1"/>
+              </a:fontRef>
+            </p:style>
+            <p:txBody>
+              <a:bodyPr rtlCol="0" anchor="ctr"/>
+              <a:lstStyle/>
+              <a:p>
+                <a:pPr algn="ctr"/>
+                <a:endParaRPr lang="en-US"/>
+              </a:p>
+            </p:txBody>
+          </p:sp>
+          <p:sp>
+            <p:nvSpPr>
+              <p:cNvPr id="19" name="Arrow: Down 18">
+                <a:extLst>
+                  <a:ext uri="{FF2B5EF4-FFF2-40B4-BE49-F238E27FC236}">
+                    <a16:creationId xmlns:a16="http://schemas.microsoft.com/office/drawing/2014/main" id="{E7CB3BFA-EE65-401F-BCE7-4C34A377509D}"/>
+                  </a:ext>
+                </a:extLst>
+              </p:cNvPr>
+              <p:cNvSpPr/>
+              <p:nvPr/>
+            </p:nvSpPr>
+            <p:spPr>
+              <a:xfrm>
+                <a:off x="4965876" y="2575780"/>
+                <a:ext cx="141667" cy="360608"/>
+              </a:xfrm>
+              <a:prstGeom prst="downArrow">
+                <a:avLst/>
+              </a:prstGeom>
+              <a:noFill/>
+            </p:spPr>
+            <p:style>
+              <a:lnRef idx="2">
+                <a:schemeClr val="accent1">
+                  <a:shade val="50000"/>
+                </a:schemeClr>
+              </a:lnRef>
+              <a:fillRef idx="1">
+                <a:schemeClr val="accent1"/>
+              </a:fillRef>
+              <a:effectRef idx="0">
+                <a:schemeClr val="accent1"/>
+              </a:effectRef>
+              <a:fontRef idx="minor">
+                <a:schemeClr val="lt1"/>
+              </a:fontRef>
+            </p:style>
+            <p:txBody>
+              <a:bodyPr rtlCol="0" anchor="ctr"/>
+              <a:lstStyle/>
+              <a:p>
+                <a:pPr algn="ctr"/>
+                <a:endParaRPr lang="en-US"/>
+              </a:p>
+            </p:txBody>
+          </p:sp>
+          <p:sp>
+            <p:nvSpPr>
+              <p:cNvPr id="20" name="Arrow: Down 19">
+                <a:extLst>
+                  <a:ext uri="{FF2B5EF4-FFF2-40B4-BE49-F238E27FC236}">
+                    <a16:creationId xmlns:a16="http://schemas.microsoft.com/office/drawing/2014/main" id="{76145E1D-0B7E-483D-A95C-9D3A82EBAD39}"/>
+                  </a:ext>
+                </a:extLst>
+              </p:cNvPr>
+              <p:cNvSpPr/>
+              <p:nvPr/>
+            </p:nvSpPr>
+            <p:spPr>
+              <a:xfrm>
+                <a:off x="5454198" y="2575780"/>
+                <a:ext cx="141667" cy="360608"/>
+              </a:xfrm>
+              <a:prstGeom prst="downArrow">
+                <a:avLst/>
+              </a:prstGeom>
+              <a:noFill/>
+            </p:spPr>
+            <p:style>
+              <a:lnRef idx="2">
+                <a:schemeClr val="accent1">
+                  <a:shade val="50000"/>
+                </a:schemeClr>
+              </a:lnRef>
+              <a:fillRef idx="1">
+                <a:schemeClr val="accent1"/>
+              </a:fillRef>
+              <a:effectRef idx="0">
+                <a:schemeClr val="accent1"/>
+              </a:effectRef>
+              <a:fontRef idx="minor">
+                <a:schemeClr val="lt1"/>
+              </a:fontRef>
+            </p:style>
+            <p:txBody>
+              <a:bodyPr rtlCol="0" anchor="ctr"/>
+              <a:lstStyle/>
+              <a:p>
+                <a:pPr algn="ctr"/>
+                <a:endParaRPr lang="en-US"/>
+              </a:p>
+            </p:txBody>
+          </p:sp>
+          <p:sp>
+            <p:nvSpPr>
+              <p:cNvPr id="21" name="Arrow: Down 20">
+                <a:extLst>
+                  <a:ext uri="{FF2B5EF4-FFF2-40B4-BE49-F238E27FC236}">
+                    <a16:creationId xmlns:a16="http://schemas.microsoft.com/office/drawing/2014/main" id="{42751251-0491-4A7B-A7F0-D8A1DA58ED62}"/>
+                  </a:ext>
+                </a:extLst>
+              </p:cNvPr>
+              <p:cNvSpPr/>
+              <p:nvPr/>
+            </p:nvSpPr>
+            <p:spPr>
+              <a:xfrm>
+                <a:off x="5942520" y="2572559"/>
+                <a:ext cx="141667" cy="360608"/>
+              </a:xfrm>
+              <a:prstGeom prst="downArrow">
+                <a:avLst/>
+              </a:prstGeom>
+              <a:noFill/>
+            </p:spPr>
+            <p:style>
+              <a:lnRef idx="2">
+                <a:schemeClr val="accent1">
+                  <a:shade val="50000"/>
+                </a:schemeClr>
+              </a:lnRef>
+              <a:fillRef idx="1">
+                <a:schemeClr val="accent1"/>
+              </a:fillRef>
+              <a:effectRef idx="0">
+                <a:schemeClr val="accent1"/>
+              </a:effectRef>
+              <a:fontRef idx="minor">
+                <a:schemeClr val="lt1"/>
+              </a:fontRef>
+            </p:style>
+            <p:txBody>
+              <a:bodyPr rtlCol="0" anchor="ctr"/>
+              <a:lstStyle/>
+              <a:p>
+                <a:pPr algn="ctr"/>
+                <a:endParaRPr lang="en-US"/>
+              </a:p>
+            </p:txBody>
+          </p:sp>
+          <p:sp>
+            <p:nvSpPr>
+              <p:cNvPr id="22" name="Arrow: Down 21">
+                <a:extLst>
+                  <a:ext uri="{FF2B5EF4-FFF2-40B4-BE49-F238E27FC236}">
+                    <a16:creationId xmlns:a16="http://schemas.microsoft.com/office/drawing/2014/main" id="{5CEBEBB6-CFB1-40CE-86B4-7A29EA54E60C}"/>
+                  </a:ext>
+                </a:extLst>
+              </p:cNvPr>
+              <p:cNvSpPr/>
+              <p:nvPr/>
+            </p:nvSpPr>
+            <p:spPr>
+              <a:xfrm>
+                <a:off x="6430842" y="2572559"/>
+                <a:ext cx="141667" cy="360608"/>
+              </a:xfrm>
+              <a:prstGeom prst="downArrow">
+                <a:avLst/>
+              </a:prstGeom>
+              <a:noFill/>
+            </p:spPr>
+            <p:style>
+              <a:lnRef idx="2">
+                <a:schemeClr val="accent1">
+                  <a:shade val="50000"/>
+                </a:schemeClr>
+              </a:lnRef>
+              <a:fillRef idx="1">
+                <a:schemeClr val="accent1"/>
+              </a:fillRef>
+              <a:effectRef idx="0">
+                <a:schemeClr val="accent1"/>
+              </a:effectRef>
+              <a:fontRef idx="minor">
+                <a:schemeClr val="lt1"/>
+              </a:fontRef>
+            </p:style>
+            <p:txBody>
+              <a:bodyPr rtlCol="0" anchor="ctr"/>
+              <a:lstStyle/>
+              <a:p>
+                <a:pPr algn="ctr"/>
+                <a:endParaRPr lang="en-US"/>
+              </a:p>
+            </p:txBody>
+          </p:sp>
+        </p:grpSp>
+        <p:grpSp>
+          <p:nvGrpSpPr>
+            <p:cNvPr id="24" name="Group 23">
+              <a:extLst>
+                <a:ext uri="{FF2B5EF4-FFF2-40B4-BE49-F238E27FC236}">
+                  <a16:creationId xmlns:a16="http://schemas.microsoft.com/office/drawing/2014/main" id="{748D221F-363A-4E7B-8261-86A069343610}"/>
+                </a:ext>
+              </a:extLst>
+            </p:cNvPr>
+            <p:cNvGrpSpPr/>
+            <p:nvPr/>
+          </p:nvGrpSpPr>
+          <p:grpSpPr>
+            <a:xfrm>
+              <a:off x="4411017" y="2585415"/>
+              <a:ext cx="2075636" cy="363829"/>
+              <a:chOff x="4496873" y="2572559"/>
+              <a:chExt cx="2075636" cy="363829"/>
+            </a:xfrm>
+          </p:grpSpPr>
+          <p:sp>
+            <p:nvSpPr>
+              <p:cNvPr id="25" name="Arrow: Down 24">
+                <a:extLst>
+                  <a:ext uri="{FF2B5EF4-FFF2-40B4-BE49-F238E27FC236}">
+                    <a16:creationId xmlns:a16="http://schemas.microsoft.com/office/drawing/2014/main" id="{179C822A-41E2-4A2F-B354-6161663E9B57}"/>
+                  </a:ext>
+                </a:extLst>
+              </p:cNvPr>
+              <p:cNvSpPr/>
+              <p:nvPr/>
+            </p:nvSpPr>
+            <p:spPr>
+              <a:xfrm>
+                <a:off x="4496873" y="2575780"/>
+                <a:ext cx="141667" cy="360608"/>
+              </a:xfrm>
+              <a:prstGeom prst="downArrow">
+                <a:avLst/>
+              </a:prstGeom>
+              <a:noFill/>
+            </p:spPr>
+            <p:style>
+              <a:lnRef idx="2">
+                <a:schemeClr val="accent1">
+                  <a:shade val="50000"/>
+                </a:schemeClr>
+              </a:lnRef>
+              <a:fillRef idx="1">
+                <a:schemeClr val="accent1"/>
+              </a:fillRef>
+              <a:effectRef idx="0">
+                <a:schemeClr val="accent1"/>
+              </a:effectRef>
+              <a:fontRef idx="minor">
+                <a:schemeClr val="lt1"/>
+              </a:fontRef>
+            </p:style>
+            <p:txBody>
+              <a:bodyPr rtlCol="0" anchor="ctr"/>
+              <a:lstStyle/>
+              <a:p>
+                <a:pPr algn="ctr"/>
+                <a:endParaRPr lang="en-US"/>
+              </a:p>
+            </p:txBody>
+          </p:sp>
+          <p:sp>
+            <p:nvSpPr>
+              <p:cNvPr id="26" name="Arrow: Down 25">
+                <a:extLst>
+                  <a:ext uri="{FF2B5EF4-FFF2-40B4-BE49-F238E27FC236}">
+                    <a16:creationId xmlns:a16="http://schemas.microsoft.com/office/drawing/2014/main" id="{507DE5A3-C29A-4B8B-977E-26D210FDFE5B}"/>
+                  </a:ext>
+                </a:extLst>
+              </p:cNvPr>
+              <p:cNvSpPr/>
+              <p:nvPr/>
+            </p:nvSpPr>
+            <p:spPr>
+              <a:xfrm>
+                <a:off x="4965876" y="2575780"/>
+                <a:ext cx="141667" cy="360608"/>
+              </a:xfrm>
+              <a:prstGeom prst="downArrow">
+                <a:avLst/>
+              </a:prstGeom>
+              <a:noFill/>
+            </p:spPr>
+            <p:style>
+              <a:lnRef idx="2">
+                <a:schemeClr val="accent1">
+                  <a:shade val="50000"/>
+                </a:schemeClr>
+              </a:lnRef>
+              <a:fillRef idx="1">
+                <a:schemeClr val="accent1"/>
+              </a:fillRef>
+              <a:effectRef idx="0">
+                <a:schemeClr val="accent1"/>
+              </a:effectRef>
+              <a:fontRef idx="minor">
+                <a:schemeClr val="lt1"/>
+              </a:fontRef>
+            </p:style>
+            <p:txBody>
+              <a:bodyPr rtlCol="0" anchor="ctr"/>
+              <a:lstStyle/>
+              <a:p>
+                <a:pPr algn="ctr"/>
+                <a:endParaRPr lang="en-US" dirty="0"/>
+              </a:p>
+            </p:txBody>
+          </p:sp>
+          <p:sp>
+            <p:nvSpPr>
+              <p:cNvPr id="27" name="Arrow: Down 26">
+                <a:extLst>
+                  <a:ext uri="{FF2B5EF4-FFF2-40B4-BE49-F238E27FC236}">
+                    <a16:creationId xmlns:a16="http://schemas.microsoft.com/office/drawing/2014/main" id="{090BFB16-FF80-41CD-896F-564039850332}"/>
+                  </a:ext>
+                </a:extLst>
+              </p:cNvPr>
+              <p:cNvSpPr/>
+              <p:nvPr/>
+            </p:nvSpPr>
+            <p:spPr>
+              <a:xfrm>
+                <a:off x="5454198" y="2575780"/>
+                <a:ext cx="141667" cy="360608"/>
+              </a:xfrm>
+              <a:prstGeom prst="downArrow">
+                <a:avLst/>
+              </a:prstGeom>
+              <a:noFill/>
+            </p:spPr>
+            <p:style>
+              <a:lnRef idx="2">
+                <a:schemeClr val="accent1">
+                  <a:shade val="50000"/>
+                </a:schemeClr>
+              </a:lnRef>
+              <a:fillRef idx="1">
+                <a:schemeClr val="accent1"/>
+              </a:fillRef>
+              <a:effectRef idx="0">
+                <a:schemeClr val="accent1"/>
+              </a:effectRef>
+              <a:fontRef idx="minor">
+                <a:schemeClr val="lt1"/>
+              </a:fontRef>
+            </p:style>
+            <p:txBody>
+              <a:bodyPr rtlCol="0" anchor="ctr"/>
+              <a:lstStyle/>
+              <a:p>
+                <a:pPr algn="ctr"/>
+                <a:endParaRPr lang="en-US"/>
+              </a:p>
+            </p:txBody>
+          </p:sp>
+          <p:sp>
+            <p:nvSpPr>
+              <p:cNvPr id="28" name="Arrow: Down 27">
+                <a:extLst>
+                  <a:ext uri="{FF2B5EF4-FFF2-40B4-BE49-F238E27FC236}">
+                    <a16:creationId xmlns:a16="http://schemas.microsoft.com/office/drawing/2014/main" id="{7559D04A-EBC4-499F-BB6A-292BA9CB64A6}"/>
+                  </a:ext>
+                </a:extLst>
+              </p:cNvPr>
+              <p:cNvSpPr/>
+              <p:nvPr/>
+            </p:nvSpPr>
+            <p:spPr>
+              <a:xfrm>
+                <a:off x="5942520" y="2572559"/>
+                <a:ext cx="141667" cy="360608"/>
+              </a:xfrm>
+              <a:prstGeom prst="downArrow">
+                <a:avLst/>
+              </a:prstGeom>
+              <a:noFill/>
+            </p:spPr>
+            <p:style>
+              <a:lnRef idx="2">
+                <a:schemeClr val="accent1">
+                  <a:shade val="50000"/>
+                </a:schemeClr>
+              </a:lnRef>
+              <a:fillRef idx="1">
+                <a:schemeClr val="accent1"/>
+              </a:fillRef>
+              <a:effectRef idx="0">
+                <a:schemeClr val="accent1"/>
+              </a:effectRef>
+              <a:fontRef idx="minor">
+                <a:schemeClr val="lt1"/>
+              </a:fontRef>
+            </p:style>
+            <p:txBody>
+              <a:bodyPr rtlCol="0" anchor="ctr"/>
+              <a:lstStyle/>
+              <a:p>
+                <a:pPr algn="ctr"/>
+                <a:endParaRPr lang="en-US"/>
+              </a:p>
+            </p:txBody>
+          </p:sp>
+          <p:sp>
+            <p:nvSpPr>
+              <p:cNvPr id="29" name="Arrow: Down 28">
+                <a:extLst>
+                  <a:ext uri="{FF2B5EF4-FFF2-40B4-BE49-F238E27FC236}">
+                    <a16:creationId xmlns:a16="http://schemas.microsoft.com/office/drawing/2014/main" id="{702EF790-F729-4394-9244-3B29D58980FE}"/>
+                  </a:ext>
+                </a:extLst>
+              </p:cNvPr>
+              <p:cNvSpPr/>
+              <p:nvPr/>
+            </p:nvSpPr>
+            <p:spPr>
+              <a:xfrm>
+                <a:off x="6430842" y="2572559"/>
+                <a:ext cx="141667" cy="360608"/>
+              </a:xfrm>
+              <a:prstGeom prst="downArrow">
+                <a:avLst/>
+              </a:prstGeom>
+              <a:noFill/>
+            </p:spPr>
+            <p:style>
+              <a:lnRef idx="2">
+                <a:schemeClr val="accent1">
+                  <a:shade val="50000"/>
+                </a:schemeClr>
+              </a:lnRef>
+              <a:fillRef idx="1">
+                <a:schemeClr val="accent1"/>
+              </a:fillRef>
+              <a:effectRef idx="0">
+                <a:schemeClr val="accent1"/>
+              </a:effectRef>
+              <a:fontRef idx="minor">
+                <a:schemeClr val="lt1"/>
+              </a:fontRef>
+            </p:style>
+            <p:txBody>
+              <a:bodyPr rtlCol="0" anchor="ctr"/>
+              <a:lstStyle/>
+              <a:p>
+                <a:pPr algn="ctr"/>
+                <a:endParaRPr lang="en-US"/>
+              </a:p>
+            </p:txBody>
+          </p:sp>
+        </p:grpSp>
+        <p:grpSp>
+          <p:nvGrpSpPr>
+            <p:cNvPr id="30" name="Group 29">
+              <a:extLst>
+                <a:ext uri="{FF2B5EF4-FFF2-40B4-BE49-F238E27FC236}">
+                  <a16:creationId xmlns:a16="http://schemas.microsoft.com/office/drawing/2014/main" id="{32D7981A-3E95-4082-A7CB-12A0B9E2EEB5}"/>
+                </a:ext>
+              </a:extLst>
+            </p:cNvPr>
+            <p:cNvGrpSpPr/>
+            <p:nvPr/>
+          </p:nvGrpSpPr>
+          <p:grpSpPr>
+            <a:xfrm>
+              <a:off x="4427117" y="3973111"/>
+              <a:ext cx="2075636" cy="363829"/>
+              <a:chOff x="4496873" y="2572559"/>
+              <a:chExt cx="2075636" cy="363829"/>
+            </a:xfrm>
+          </p:grpSpPr>
+          <p:sp>
+            <p:nvSpPr>
+              <p:cNvPr id="31" name="Arrow: Down 30">
+                <a:extLst>
+                  <a:ext uri="{FF2B5EF4-FFF2-40B4-BE49-F238E27FC236}">
+                    <a16:creationId xmlns:a16="http://schemas.microsoft.com/office/drawing/2014/main" id="{57C898AE-6D0C-4896-B0C9-131F5A37E295}"/>
+                  </a:ext>
+                </a:extLst>
+              </p:cNvPr>
+              <p:cNvSpPr/>
+              <p:nvPr/>
+            </p:nvSpPr>
+            <p:spPr>
+              <a:xfrm>
+                <a:off x="4496873" y="2575780"/>
+                <a:ext cx="141667" cy="360608"/>
+              </a:xfrm>
+              <a:prstGeom prst="downArrow">
+                <a:avLst/>
+              </a:prstGeom>
+              <a:noFill/>
+            </p:spPr>
+            <p:style>
+              <a:lnRef idx="2">
+                <a:schemeClr val="accent1">
+                  <a:shade val="50000"/>
+                </a:schemeClr>
+              </a:lnRef>
+              <a:fillRef idx="1">
+                <a:schemeClr val="accent1"/>
+              </a:fillRef>
+              <a:effectRef idx="0">
+                <a:schemeClr val="accent1"/>
+              </a:effectRef>
+              <a:fontRef idx="minor">
+                <a:schemeClr val="lt1"/>
+              </a:fontRef>
+            </p:style>
+            <p:txBody>
+              <a:bodyPr rtlCol="0" anchor="ctr"/>
+              <a:lstStyle/>
+              <a:p>
+                <a:pPr algn="ctr"/>
+                <a:endParaRPr lang="en-US"/>
+              </a:p>
+            </p:txBody>
+          </p:sp>
+          <p:sp>
+            <p:nvSpPr>
+              <p:cNvPr id="32" name="Arrow: Down 31">
+                <a:extLst>
+                  <a:ext uri="{FF2B5EF4-FFF2-40B4-BE49-F238E27FC236}">
+                    <a16:creationId xmlns:a16="http://schemas.microsoft.com/office/drawing/2014/main" id="{80D74E70-36F5-48F2-94C0-84317237B558}"/>
+                  </a:ext>
+                </a:extLst>
+              </p:cNvPr>
+              <p:cNvSpPr/>
+              <p:nvPr/>
+            </p:nvSpPr>
+            <p:spPr>
+              <a:xfrm>
+                <a:off x="4965876" y="2575780"/>
+                <a:ext cx="141667" cy="360608"/>
+              </a:xfrm>
+              <a:prstGeom prst="downArrow">
+                <a:avLst/>
+              </a:prstGeom>
+              <a:noFill/>
+            </p:spPr>
+            <p:style>
+              <a:lnRef idx="2">
+                <a:schemeClr val="accent1">
+                  <a:shade val="50000"/>
+                </a:schemeClr>
+              </a:lnRef>
+              <a:fillRef idx="1">
+                <a:schemeClr val="accent1"/>
+              </a:fillRef>
+              <a:effectRef idx="0">
+                <a:schemeClr val="accent1"/>
+              </a:effectRef>
+              <a:fontRef idx="minor">
+                <a:schemeClr val="lt1"/>
+              </a:fontRef>
+            </p:style>
+            <p:txBody>
+              <a:bodyPr rtlCol="0" anchor="ctr"/>
+              <a:lstStyle/>
+              <a:p>
+                <a:pPr algn="ctr"/>
+                <a:endParaRPr lang="en-US"/>
+              </a:p>
+            </p:txBody>
+          </p:sp>
+          <p:sp>
+            <p:nvSpPr>
+              <p:cNvPr id="33" name="Arrow: Down 32">
+                <a:extLst>
+                  <a:ext uri="{FF2B5EF4-FFF2-40B4-BE49-F238E27FC236}">
+                    <a16:creationId xmlns:a16="http://schemas.microsoft.com/office/drawing/2014/main" id="{BC0B71B5-D3E6-47AF-AC06-E7C8BBAEB27D}"/>
+                  </a:ext>
+                </a:extLst>
+              </p:cNvPr>
+              <p:cNvSpPr/>
+              <p:nvPr/>
+            </p:nvSpPr>
+            <p:spPr>
+              <a:xfrm>
+                <a:off x="5454198" y="2575780"/>
+                <a:ext cx="141667" cy="360608"/>
+              </a:xfrm>
+              <a:prstGeom prst="downArrow">
+                <a:avLst/>
+              </a:prstGeom>
+              <a:noFill/>
+            </p:spPr>
+            <p:style>
+              <a:lnRef idx="2">
+                <a:schemeClr val="accent1">
+                  <a:shade val="50000"/>
+                </a:schemeClr>
+              </a:lnRef>
+              <a:fillRef idx="1">
+                <a:schemeClr val="accent1"/>
+              </a:fillRef>
+              <a:effectRef idx="0">
+                <a:schemeClr val="accent1"/>
+              </a:effectRef>
+              <a:fontRef idx="minor">
+                <a:schemeClr val="lt1"/>
+              </a:fontRef>
+            </p:style>
+            <p:txBody>
+              <a:bodyPr rtlCol="0" anchor="ctr"/>
+              <a:lstStyle/>
+              <a:p>
+                <a:pPr algn="ctr"/>
+                <a:endParaRPr lang="en-US"/>
+              </a:p>
+            </p:txBody>
+          </p:sp>
+          <p:sp>
+            <p:nvSpPr>
+              <p:cNvPr id="34" name="Arrow: Down 33">
+                <a:extLst>
+                  <a:ext uri="{FF2B5EF4-FFF2-40B4-BE49-F238E27FC236}">
+                    <a16:creationId xmlns:a16="http://schemas.microsoft.com/office/drawing/2014/main" id="{5EB07934-9E08-4939-AF20-3A618A64A0C2}"/>
+                  </a:ext>
+                </a:extLst>
+              </p:cNvPr>
+              <p:cNvSpPr/>
+              <p:nvPr/>
+            </p:nvSpPr>
+            <p:spPr>
+              <a:xfrm>
+                <a:off x="5942520" y="2572559"/>
+                <a:ext cx="141667" cy="360608"/>
+              </a:xfrm>
+              <a:prstGeom prst="downArrow">
+                <a:avLst/>
+              </a:prstGeom>
+              <a:noFill/>
+            </p:spPr>
+            <p:style>
+              <a:lnRef idx="2">
+                <a:schemeClr val="accent1">
+                  <a:shade val="50000"/>
+                </a:schemeClr>
+              </a:lnRef>
+              <a:fillRef idx="1">
+                <a:schemeClr val="accent1"/>
+              </a:fillRef>
+              <a:effectRef idx="0">
+                <a:schemeClr val="accent1"/>
+              </a:effectRef>
+              <a:fontRef idx="minor">
+                <a:schemeClr val="lt1"/>
+              </a:fontRef>
+            </p:style>
+            <p:txBody>
+              <a:bodyPr rtlCol="0" anchor="ctr"/>
+              <a:lstStyle/>
+              <a:p>
+                <a:pPr algn="ctr"/>
+                <a:endParaRPr lang="en-US"/>
+              </a:p>
+            </p:txBody>
+          </p:sp>
+          <p:sp>
+            <p:nvSpPr>
+              <p:cNvPr id="35" name="Arrow: Down 34">
+                <a:extLst>
+                  <a:ext uri="{FF2B5EF4-FFF2-40B4-BE49-F238E27FC236}">
+                    <a16:creationId xmlns:a16="http://schemas.microsoft.com/office/drawing/2014/main" id="{983BC51D-A0FB-40DE-AA7A-E7C019C69A41}"/>
+                  </a:ext>
+                </a:extLst>
+              </p:cNvPr>
+              <p:cNvSpPr/>
+              <p:nvPr/>
+            </p:nvSpPr>
+            <p:spPr>
+              <a:xfrm>
+                <a:off x="6430842" y="2572559"/>
+                <a:ext cx="141667" cy="360608"/>
+              </a:xfrm>
+              <a:prstGeom prst="downArrow">
+                <a:avLst/>
+              </a:prstGeom>
+              <a:noFill/>
+            </p:spPr>
+            <p:style>
+              <a:lnRef idx="2">
+                <a:schemeClr val="accent1">
+                  <a:shade val="50000"/>
+                </a:schemeClr>
+              </a:lnRef>
+              <a:fillRef idx="1">
+                <a:schemeClr val="accent1"/>
+              </a:fillRef>
+              <a:effectRef idx="0">
+                <a:schemeClr val="accent1"/>
+              </a:effectRef>
+              <a:fontRef idx="minor">
+                <a:schemeClr val="lt1"/>
+              </a:fontRef>
+            </p:style>
+            <p:txBody>
+              <a:bodyPr rtlCol="0" anchor="ctr"/>
+              <a:lstStyle/>
+              <a:p>
+                <a:pPr algn="ctr"/>
+                <a:endParaRPr lang="en-US"/>
+              </a:p>
+            </p:txBody>
+          </p:sp>
+        </p:grpSp>
+        <p:grpSp>
+          <p:nvGrpSpPr>
+            <p:cNvPr id="36" name="Group 35">
+              <a:extLst>
+                <a:ext uri="{FF2B5EF4-FFF2-40B4-BE49-F238E27FC236}">
+                  <a16:creationId xmlns:a16="http://schemas.microsoft.com/office/drawing/2014/main" id="{09DC3283-6141-4F31-82B8-E13B136A1E28}"/>
+                </a:ext>
+              </a:extLst>
+            </p:cNvPr>
+            <p:cNvGrpSpPr/>
+            <p:nvPr/>
+          </p:nvGrpSpPr>
+          <p:grpSpPr>
+            <a:xfrm rot="10800000">
+              <a:off x="4437851" y="3287347"/>
+              <a:ext cx="2075636" cy="363829"/>
+              <a:chOff x="4496873" y="2572559"/>
+              <a:chExt cx="2075636" cy="363829"/>
+            </a:xfrm>
+          </p:grpSpPr>
+          <p:sp>
+            <p:nvSpPr>
+              <p:cNvPr id="37" name="Arrow: Down 36">
+                <a:extLst>
+                  <a:ext uri="{FF2B5EF4-FFF2-40B4-BE49-F238E27FC236}">
+                    <a16:creationId xmlns:a16="http://schemas.microsoft.com/office/drawing/2014/main" id="{D94F0609-8340-44EE-8B7D-DABD2F756ED0}"/>
+                  </a:ext>
+                </a:extLst>
+              </p:cNvPr>
+              <p:cNvSpPr/>
+              <p:nvPr/>
+            </p:nvSpPr>
+            <p:spPr>
+              <a:xfrm>
+                <a:off x="4496873" y="2575780"/>
+                <a:ext cx="141667" cy="360608"/>
+              </a:xfrm>
+              <a:prstGeom prst="downArrow">
+                <a:avLst/>
+              </a:prstGeom>
+              <a:noFill/>
+            </p:spPr>
+            <p:style>
+              <a:lnRef idx="2">
+                <a:schemeClr val="accent1">
+                  <a:shade val="50000"/>
+                </a:schemeClr>
+              </a:lnRef>
+              <a:fillRef idx="1">
+                <a:schemeClr val="accent1"/>
+              </a:fillRef>
+              <a:effectRef idx="0">
+                <a:schemeClr val="accent1"/>
+              </a:effectRef>
+              <a:fontRef idx="minor">
+                <a:schemeClr val="lt1"/>
+              </a:fontRef>
+            </p:style>
+            <p:txBody>
+              <a:bodyPr rtlCol="0" anchor="ctr"/>
+              <a:lstStyle/>
+              <a:p>
+                <a:pPr algn="ctr"/>
+                <a:endParaRPr lang="en-US"/>
+              </a:p>
+            </p:txBody>
+          </p:sp>
+          <p:sp>
+            <p:nvSpPr>
+              <p:cNvPr id="38" name="Arrow: Down 37">
+                <a:extLst>
+                  <a:ext uri="{FF2B5EF4-FFF2-40B4-BE49-F238E27FC236}">
+                    <a16:creationId xmlns:a16="http://schemas.microsoft.com/office/drawing/2014/main" id="{6524815F-9606-4D94-AF01-E6508EB7BCE0}"/>
+                  </a:ext>
+                </a:extLst>
+              </p:cNvPr>
+              <p:cNvSpPr/>
+              <p:nvPr/>
+            </p:nvSpPr>
+            <p:spPr>
+              <a:xfrm>
+                <a:off x="4965876" y="2575780"/>
+                <a:ext cx="141667" cy="360608"/>
+              </a:xfrm>
+              <a:prstGeom prst="downArrow">
+                <a:avLst/>
+              </a:prstGeom>
+              <a:noFill/>
+            </p:spPr>
+            <p:style>
+              <a:lnRef idx="2">
+                <a:schemeClr val="accent1">
+                  <a:shade val="50000"/>
+                </a:schemeClr>
+              </a:lnRef>
+              <a:fillRef idx="1">
+                <a:schemeClr val="accent1"/>
+              </a:fillRef>
+              <a:effectRef idx="0">
+                <a:schemeClr val="accent1"/>
+              </a:effectRef>
+              <a:fontRef idx="minor">
+                <a:schemeClr val="lt1"/>
+              </a:fontRef>
+            </p:style>
+            <p:txBody>
+              <a:bodyPr rtlCol="0" anchor="ctr"/>
+              <a:lstStyle/>
+              <a:p>
+                <a:pPr algn="ctr"/>
+                <a:endParaRPr lang="en-US"/>
+              </a:p>
+            </p:txBody>
+          </p:sp>
+          <p:sp>
+            <p:nvSpPr>
+              <p:cNvPr id="39" name="Arrow: Down 38">
+                <a:extLst>
+                  <a:ext uri="{FF2B5EF4-FFF2-40B4-BE49-F238E27FC236}">
+                    <a16:creationId xmlns:a16="http://schemas.microsoft.com/office/drawing/2014/main" id="{BBA931E2-CB70-499F-8E1C-4BCCCC85018D}"/>
+                  </a:ext>
+                </a:extLst>
+              </p:cNvPr>
+              <p:cNvSpPr/>
+              <p:nvPr/>
+            </p:nvSpPr>
+            <p:spPr>
+              <a:xfrm>
+                <a:off x="5454198" y="2575780"/>
+                <a:ext cx="141667" cy="360608"/>
+              </a:xfrm>
+              <a:prstGeom prst="downArrow">
+                <a:avLst/>
+              </a:prstGeom>
+              <a:noFill/>
+            </p:spPr>
+            <p:style>
+              <a:lnRef idx="2">
+                <a:schemeClr val="accent1">
+                  <a:shade val="50000"/>
+                </a:schemeClr>
+              </a:lnRef>
+              <a:fillRef idx="1">
+                <a:schemeClr val="accent1"/>
+              </a:fillRef>
+              <a:effectRef idx="0">
+                <a:schemeClr val="accent1"/>
+              </a:effectRef>
+              <a:fontRef idx="minor">
+                <a:schemeClr val="lt1"/>
+              </a:fontRef>
+            </p:style>
+            <p:txBody>
+              <a:bodyPr rtlCol="0" anchor="ctr"/>
+              <a:lstStyle/>
+              <a:p>
+                <a:pPr algn="ctr"/>
+                <a:endParaRPr lang="en-US"/>
+              </a:p>
+            </p:txBody>
+          </p:sp>
+          <p:sp>
+            <p:nvSpPr>
+              <p:cNvPr id="40" name="Arrow: Down 39">
+                <a:extLst>
+                  <a:ext uri="{FF2B5EF4-FFF2-40B4-BE49-F238E27FC236}">
+                    <a16:creationId xmlns:a16="http://schemas.microsoft.com/office/drawing/2014/main" id="{BE0BA196-AC89-42BD-BE6C-8F288033A863}"/>
+                  </a:ext>
+                </a:extLst>
+              </p:cNvPr>
+              <p:cNvSpPr/>
+              <p:nvPr/>
+            </p:nvSpPr>
+            <p:spPr>
+              <a:xfrm>
+                <a:off x="5942520" y="2572559"/>
+                <a:ext cx="141667" cy="360608"/>
+              </a:xfrm>
+              <a:prstGeom prst="downArrow">
+                <a:avLst/>
+              </a:prstGeom>
+              <a:noFill/>
+            </p:spPr>
+            <p:style>
+              <a:lnRef idx="2">
+                <a:schemeClr val="accent1">
+                  <a:shade val="50000"/>
+                </a:schemeClr>
+              </a:lnRef>
+              <a:fillRef idx="1">
+                <a:schemeClr val="accent1"/>
+              </a:fillRef>
+              <a:effectRef idx="0">
+                <a:schemeClr val="accent1"/>
+              </a:effectRef>
+              <a:fontRef idx="minor">
+                <a:schemeClr val="lt1"/>
+              </a:fontRef>
+            </p:style>
+            <p:txBody>
+              <a:bodyPr rtlCol="0" anchor="ctr"/>
+              <a:lstStyle/>
+              <a:p>
+                <a:pPr algn="ctr"/>
+                <a:endParaRPr lang="en-US"/>
+              </a:p>
+            </p:txBody>
+          </p:sp>
+          <p:sp>
+            <p:nvSpPr>
+              <p:cNvPr id="41" name="Arrow: Down 40">
+                <a:extLst>
+                  <a:ext uri="{FF2B5EF4-FFF2-40B4-BE49-F238E27FC236}">
+                    <a16:creationId xmlns:a16="http://schemas.microsoft.com/office/drawing/2014/main" id="{1237C361-BCA1-493F-8DC2-7ACAA813A483}"/>
+                  </a:ext>
+                </a:extLst>
+              </p:cNvPr>
+              <p:cNvSpPr/>
+              <p:nvPr/>
+            </p:nvSpPr>
+            <p:spPr>
+              <a:xfrm>
+                <a:off x="6430842" y="2572559"/>
+                <a:ext cx="141667" cy="360608"/>
+              </a:xfrm>
+              <a:prstGeom prst="downArrow">
+                <a:avLst/>
+              </a:prstGeom>
+              <a:noFill/>
+            </p:spPr>
+            <p:style>
+              <a:lnRef idx="2">
+                <a:schemeClr val="accent1">
+                  <a:shade val="50000"/>
+                </a:schemeClr>
+              </a:lnRef>
+              <a:fillRef idx="1">
+                <a:schemeClr val="accent1"/>
+              </a:fillRef>
+              <a:effectRef idx="0">
+                <a:schemeClr val="accent1"/>
+              </a:effectRef>
+              <a:fontRef idx="minor">
+                <a:schemeClr val="lt1"/>
+              </a:fontRef>
+            </p:style>
+            <p:txBody>
+              <a:bodyPr rtlCol="0" anchor="ctr"/>
+              <a:lstStyle/>
+              <a:p>
+                <a:pPr algn="ctr"/>
+                <a:endParaRPr lang="en-US"/>
+              </a:p>
+            </p:txBody>
+          </p:sp>
+        </p:grpSp>
+        <p:grpSp>
+          <p:nvGrpSpPr>
+            <p:cNvPr id="42" name="Group 41">
+              <a:extLst>
+                <a:ext uri="{FF2B5EF4-FFF2-40B4-BE49-F238E27FC236}">
+                  <a16:creationId xmlns:a16="http://schemas.microsoft.com/office/drawing/2014/main" id="{ABBD2080-3489-4C7D-A4EC-925521F7BC3B}"/>
+                </a:ext>
+              </a:extLst>
+            </p:cNvPr>
+            <p:cNvGrpSpPr/>
+            <p:nvPr/>
+          </p:nvGrpSpPr>
+          <p:grpSpPr>
+            <a:xfrm rot="10800000">
+              <a:off x="4417458" y="6055228"/>
+              <a:ext cx="2075636" cy="363829"/>
+              <a:chOff x="4496873" y="2572559"/>
+              <a:chExt cx="2075636" cy="363829"/>
+            </a:xfrm>
+          </p:grpSpPr>
+          <p:sp>
+            <p:nvSpPr>
+              <p:cNvPr id="43" name="Arrow: Down 42">
+                <a:extLst>
+                  <a:ext uri="{FF2B5EF4-FFF2-40B4-BE49-F238E27FC236}">
+                    <a16:creationId xmlns:a16="http://schemas.microsoft.com/office/drawing/2014/main" id="{C852131B-957A-4B3F-8760-5EE7896F8F1D}"/>
+                  </a:ext>
+                </a:extLst>
+              </p:cNvPr>
+              <p:cNvSpPr/>
+              <p:nvPr/>
+            </p:nvSpPr>
+            <p:spPr>
+              <a:xfrm>
+                <a:off x="4496873" y="2575780"/>
+                <a:ext cx="141667" cy="360608"/>
+              </a:xfrm>
+              <a:prstGeom prst="downArrow">
+                <a:avLst/>
+              </a:prstGeom>
+              <a:noFill/>
+            </p:spPr>
+            <p:style>
+              <a:lnRef idx="2">
+                <a:schemeClr val="accent1">
+                  <a:shade val="50000"/>
+                </a:schemeClr>
+              </a:lnRef>
+              <a:fillRef idx="1">
+                <a:schemeClr val="accent1"/>
+              </a:fillRef>
+              <a:effectRef idx="0">
+                <a:schemeClr val="accent1"/>
+              </a:effectRef>
+              <a:fontRef idx="minor">
+                <a:schemeClr val="lt1"/>
+              </a:fontRef>
+            </p:style>
+            <p:txBody>
+              <a:bodyPr rtlCol="0" anchor="ctr"/>
+              <a:lstStyle/>
+              <a:p>
+                <a:pPr algn="ctr"/>
+                <a:endParaRPr lang="en-US"/>
+              </a:p>
+            </p:txBody>
+          </p:sp>
+          <p:sp>
+            <p:nvSpPr>
+              <p:cNvPr id="44" name="Arrow: Down 43">
+                <a:extLst>
+                  <a:ext uri="{FF2B5EF4-FFF2-40B4-BE49-F238E27FC236}">
+                    <a16:creationId xmlns:a16="http://schemas.microsoft.com/office/drawing/2014/main" id="{A11D624B-418A-4BA3-9DF9-4D630E03610F}"/>
+                  </a:ext>
+                </a:extLst>
+              </p:cNvPr>
+              <p:cNvSpPr/>
+              <p:nvPr/>
+            </p:nvSpPr>
+            <p:spPr>
+              <a:xfrm>
+                <a:off x="4965876" y="2575780"/>
+                <a:ext cx="141667" cy="360608"/>
+              </a:xfrm>
+              <a:prstGeom prst="downArrow">
+                <a:avLst/>
+              </a:prstGeom>
+              <a:noFill/>
+            </p:spPr>
+            <p:style>
+              <a:lnRef idx="2">
+                <a:schemeClr val="accent1">
+                  <a:shade val="50000"/>
+                </a:schemeClr>
+              </a:lnRef>
+              <a:fillRef idx="1">
+                <a:schemeClr val="accent1"/>
+              </a:fillRef>
+              <a:effectRef idx="0">
+                <a:schemeClr val="accent1"/>
+              </a:effectRef>
+              <a:fontRef idx="minor">
+                <a:schemeClr val="lt1"/>
+              </a:fontRef>
+            </p:style>
+            <p:txBody>
+              <a:bodyPr rtlCol="0" anchor="ctr"/>
+              <a:lstStyle/>
+              <a:p>
+                <a:pPr algn="ctr"/>
+                <a:endParaRPr lang="en-US"/>
+              </a:p>
+            </p:txBody>
+          </p:sp>
+          <p:sp>
+            <p:nvSpPr>
+              <p:cNvPr id="45" name="Arrow: Down 44">
+                <a:extLst>
+                  <a:ext uri="{FF2B5EF4-FFF2-40B4-BE49-F238E27FC236}">
+                    <a16:creationId xmlns:a16="http://schemas.microsoft.com/office/drawing/2014/main" id="{3AC4F900-8258-4FD8-A9AA-E481A0F05569}"/>
+                  </a:ext>
+                </a:extLst>
+              </p:cNvPr>
+              <p:cNvSpPr/>
+              <p:nvPr/>
+            </p:nvSpPr>
+            <p:spPr>
+              <a:xfrm>
+                <a:off x="5454198" y="2575780"/>
+                <a:ext cx="141667" cy="360608"/>
+              </a:xfrm>
+              <a:prstGeom prst="downArrow">
+                <a:avLst/>
+              </a:prstGeom>
+              <a:noFill/>
+            </p:spPr>
+            <p:style>
+              <a:lnRef idx="2">
+                <a:schemeClr val="accent1">
+                  <a:shade val="50000"/>
+                </a:schemeClr>
+              </a:lnRef>
+              <a:fillRef idx="1">
+                <a:schemeClr val="accent1"/>
+              </a:fillRef>
+              <a:effectRef idx="0">
+                <a:schemeClr val="accent1"/>
+              </a:effectRef>
+              <a:fontRef idx="minor">
+                <a:schemeClr val="lt1"/>
+              </a:fontRef>
+            </p:style>
+            <p:txBody>
+              <a:bodyPr rtlCol="0" anchor="ctr"/>
+              <a:lstStyle/>
+              <a:p>
+                <a:pPr algn="ctr"/>
+                <a:endParaRPr lang="en-US"/>
+              </a:p>
+            </p:txBody>
+          </p:sp>
+          <p:sp>
+            <p:nvSpPr>
+              <p:cNvPr id="46" name="Arrow: Down 45">
+                <a:extLst>
+                  <a:ext uri="{FF2B5EF4-FFF2-40B4-BE49-F238E27FC236}">
+                    <a16:creationId xmlns:a16="http://schemas.microsoft.com/office/drawing/2014/main" id="{E0A6DEC8-7453-4611-ACE6-FC888B07F85A}"/>
+                  </a:ext>
+                </a:extLst>
+              </p:cNvPr>
+              <p:cNvSpPr/>
+              <p:nvPr/>
+            </p:nvSpPr>
+            <p:spPr>
+              <a:xfrm>
+                <a:off x="5942520" y="2572559"/>
+                <a:ext cx="141667" cy="360608"/>
+              </a:xfrm>
+              <a:prstGeom prst="downArrow">
+                <a:avLst/>
+              </a:prstGeom>
+              <a:noFill/>
+            </p:spPr>
+            <p:style>
+              <a:lnRef idx="2">
+                <a:schemeClr val="accent1">
+                  <a:shade val="50000"/>
+                </a:schemeClr>
+              </a:lnRef>
+              <a:fillRef idx="1">
+                <a:schemeClr val="accent1"/>
+              </a:fillRef>
+              <a:effectRef idx="0">
+                <a:schemeClr val="accent1"/>
+              </a:effectRef>
+              <a:fontRef idx="minor">
+                <a:schemeClr val="lt1"/>
+              </a:fontRef>
+            </p:style>
+            <p:txBody>
+              <a:bodyPr rtlCol="0" anchor="ctr"/>
+              <a:lstStyle/>
+              <a:p>
+                <a:pPr algn="ctr"/>
+                <a:endParaRPr lang="en-US"/>
+              </a:p>
+            </p:txBody>
+          </p:sp>
+          <p:sp>
+            <p:nvSpPr>
+              <p:cNvPr id="47" name="Arrow: Down 46">
+                <a:extLst>
+                  <a:ext uri="{FF2B5EF4-FFF2-40B4-BE49-F238E27FC236}">
+                    <a16:creationId xmlns:a16="http://schemas.microsoft.com/office/drawing/2014/main" id="{AADB9D33-055E-481F-B8C0-8D17502DB9D7}"/>
+                  </a:ext>
+                </a:extLst>
+              </p:cNvPr>
+              <p:cNvSpPr/>
+              <p:nvPr/>
+            </p:nvSpPr>
+            <p:spPr>
+              <a:xfrm>
+                <a:off x="6430842" y="2572559"/>
+                <a:ext cx="141667" cy="360608"/>
+              </a:xfrm>
+              <a:prstGeom prst="downArrow">
+                <a:avLst/>
+              </a:prstGeom>
+              <a:noFill/>
+            </p:spPr>
+            <p:style>
+              <a:lnRef idx="2">
+                <a:schemeClr val="accent1">
+                  <a:shade val="50000"/>
+                </a:schemeClr>
+              </a:lnRef>
+              <a:fillRef idx="1">
+                <a:schemeClr val="accent1"/>
+              </a:fillRef>
+              <a:effectRef idx="0">
+                <a:schemeClr val="accent1"/>
+              </a:effectRef>
+              <a:fontRef idx="minor">
+                <a:schemeClr val="lt1"/>
+              </a:fontRef>
+            </p:style>
+            <p:txBody>
+              <a:bodyPr rtlCol="0" anchor="ctr"/>
+              <a:lstStyle/>
+              <a:p>
+                <a:pPr algn="ctr"/>
+                <a:endParaRPr lang="en-US"/>
+              </a:p>
+            </p:txBody>
+          </p:sp>
+        </p:grpSp>
+        <p:grpSp>
+          <p:nvGrpSpPr>
+            <p:cNvPr id="48" name="Group 47">
+              <a:extLst>
+                <a:ext uri="{FF2B5EF4-FFF2-40B4-BE49-F238E27FC236}">
+                  <a16:creationId xmlns:a16="http://schemas.microsoft.com/office/drawing/2014/main" id="{76085605-2852-4CEC-8B85-D7CFC334D9E9}"/>
+                </a:ext>
+              </a:extLst>
+            </p:cNvPr>
+            <p:cNvGrpSpPr/>
+            <p:nvPr/>
+          </p:nvGrpSpPr>
+          <p:grpSpPr>
+            <a:xfrm>
+              <a:off x="4417457" y="5357635"/>
+              <a:ext cx="2075636" cy="363829"/>
+              <a:chOff x="4496873" y="2572559"/>
+              <a:chExt cx="2075636" cy="363829"/>
+            </a:xfrm>
+          </p:grpSpPr>
+          <p:sp>
+            <p:nvSpPr>
+              <p:cNvPr id="49" name="Arrow: Down 48">
+                <a:extLst>
+                  <a:ext uri="{FF2B5EF4-FFF2-40B4-BE49-F238E27FC236}">
+                    <a16:creationId xmlns:a16="http://schemas.microsoft.com/office/drawing/2014/main" id="{B67C02FE-D01A-4C7E-AB54-03ACC462F51D}"/>
+                  </a:ext>
+                </a:extLst>
+              </p:cNvPr>
+              <p:cNvSpPr/>
+              <p:nvPr/>
+            </p:nvSpPr>
+            <p:spPr>
+              <a:xfrm>
+                <a:off x="4496873" y="2575780"/>
+                <a:ext cx="141667" cy="360608"/>
+              </a:xfrm>
+              <a:prstGeom prst="downArrow">
+                <a:avLst/>
+              </a:prstGeom>
+              <a:noFill/>
+            </p:spPr>
+            <p:style>
+              <a:lnRef idx="2">
+                <a:schemeClr val="accent1">
+                  <a:shade val="50000"/>
+                </a:schemeClr>
+              </a:lnRef>
+              <a:fillRef idx="1">
+                <a:schemeClr val="accent1"/>
+              </a:fillRef>
+              <a:effectRef idx="0">
+                <a:schemeClr val="accent1"/>
+              </a:effectRef>
+              <a:fontRef idx="minor">
+                <a:schemeClr val="lt1"/>
+              </a:fontRef>
+            </p:style>
+            <p:txBody>
+              <a:bodyPr rtlCol="0" anchor="ctr"/>
+              <a:lstStyle/>
+              <a:p>
+                <a:pPr algn="ctr"/>
+                <a:endParaRPr lang="en-US"/>
+              </a:p>
+            </p:txBody>
+          </p:sp>
+          <p:sp>
+            <p:nvSpPr>
+              <p:cNvPr id="50" name="Arrow: Down 49">
+                <a:extLst>
+                  <a:ext uri="{FF2B5EF4-FFF2-40B4-BE49-F238E27FC236}">
+                    <a16:creationId xmlns:a16="http://schemas.microsoft.com/office/drawing/2014/main" id="{75ED918F-3018-41D0-AFB3-DAC2406FC75E}"/>
+                  </a:ext>
+                </a:extLst>
+              </p:cNvPr>
+              <p:cNvSpPr/>
+              <p:nvPr/>
+            </p:nvSpPr>
+            <p:spPr>
+              <a:xfrm>
+                <a:off x="4965876" y="2575780"/>
+                <a:ext cx="141667" cy="360608"/>
+              </a:xfrm>
+              <a:prstGeom prst="downArrow">
+                <a:avLst/>
+              </a:prstGeom>
+              <a:noFill/>
+            </p:spPr>
+            <p:style>
+              <a:lnRef idx="2">
+                <a:schemeClr val="accent1">
+                  <a:shade val="50000"/>
+                </a:schemeClr>
+              </a:lnRef>
+              <a:fillRef idx="1">
+                <a:schemeClr val="accent1"/>
+              </a:fillRef>
+              <a:effectRef idx="0">
+                <a:schemeClr val="accent1"/>
+              </a:effectRef>
+              <a:fontRef idx="minor">
+                <a:schemeClr val="lt1"/>
+              </a:fontRef>
+            </p:style>
+            <p:txBody>
+              <a:bodyPr rtlCol="0" anchor="ctr"/>
+              <a:lstStyle/>
+              <a:p>
+                <a:pPr algn="ctr"/>
+                <a:endParaRPr lang="en-US"/>
+              </a:p>
+            </p:txBody>
+          </p:sp>
+          <p:sp>
+            <p:nvSpPr>
+              <p:cNvPr id="51" name="Arrow: Down 50">
+                <a:extLst>
+                  <a:ext uri="{FF2B5EF4-FFF2-40B4-BE49-F238E27FC236}">
+                    <a16:creationId xmlns:a16="http://schemas.microsoft.com/office/drawing/2014/main" id="{00901E11-CEDA-4710-B5BA-4E695639F343}"/>
+                  </a:ext>
+                </a:extLst>
+              </p:cNvPr>
+              <p:cNvSpPr/>
+              <p:nvPr/>
+            </p:nvSpPr>
+            <p:spPr>
+              <a:xfrm>
+                <a:off x="5454198" y="2575780"/>
+                <a:ext cx="141667" cy="360608"/>
+              </a:xfrm>
+              <a:prstGeom prst="downArrow">
+                <a:avLst/>
+              </a:prstGeom>
+              <a:noFill/>
+            </p:spPr>
+            <p:style>
+              <a:lnRef idx="2">
+                <a:schemeClr val="accent1">
+                  <a:shade val="50000"/>
+                </a:schemeClr>
+              </a:lnRef>
+              <a:fillRef idx="1">
+                <a:schemeClr val="accent1"/>
+              </a:fillRef>
+              <a:effectRef idx="0">
+                <a:schemeClr val="accent1"/>
+              </a:effectRef>
+              <a:fontRef idx="minor">
+                <a:schemeClr val="lt1"/>
+              </a:fontRef>
+            </p:style>
+            <p:txBody>
+              <a:bodyPr rtlCol="0" anchor="ctr"/>
+              <a:lstStyle/>
+              <a:p>
+                <a:pPr algn="ctr"/>
+                <a:endParaRPr lang="en-US"/>
+              </a:p>
+            </p:txBody>
+          </p:sp>
+          <p:sp>
+            <p:nvSpPr>
+              <p:cNvPr id="52" name="Arrow: Down 51">
+                <a:extLst>
+                  <a:ext uri="{FF2B5EF4-FFF2-40B4-BE49-F238E27FC236}">
+                    <a16:creationId xmlns:a16="http://schemas.microsoft.com/office/drawing/2014/main" id="{7DC9636A-871D-42BA-8E26-01474D9B6BA5}"/>
+                  </a:ext>
+                </a:extLst>
+              </p:cNvPr>
+              <p:cNvSpPr/>
+              <p:nvPr/>
+            </p:nvSpPr>
+            <p:spPr>
+              <a:xfrm>
+                <a:off x="5942520" y="2572559"/>
+                <a:ext cx="141667" cy="360608"/>
+              </a:xfrm>
+              <a:prstGeom prst="downArrow">
+                <a:avLst/>
+              </a:prstGeom>
+              <a:noFill/>
+            </p:spPr>
+            <p:style>
+              <a:lnRef idx="2">
+                <a:schemeClr val="accent1">
+                  <a:shade val="50000"/>
+                </a:schemeClr>
+              </a:lnRef>
+              <a:fillRef idx="1">
+                <a:schemeClr val="accent1"/>
+              </a:fillRef>
+              <a:effectRef idx="0">
+                <a:schemeClr val="accent1"/>
+              </a:effectRef>
+              <a:fontRef idx="minor">
+                <a:schemeClr val="lt1"/>
+              </a:fontRef>
+            </p:style>
+            <p:txBody>
+              <a:bodyPr rtlCol="0" anchor="ctr"/>
+              <a:lstStyle/>
+              <a:p>
+                <a:pPr algn="ctr"/>
+                <a:endParaRPr lang="en-US"/>
+              </a:p>
+            </p:txBody>
+          </p:sp>
+          <p:sp>
+            <p:nvSpPr>
+              <p:cNvPr id="53" name="Arrow: Down 52">
+                <a:extLst>
+                  <a:ext uri="{FF2B5EF4-FFF2-40B4-BE49-F238E27FC236}">
+                    <a16:creationId xmlns:a16="http://schemas.microsoft.com/office/drawing/2014/main" id="{DF0E0016-F8BA-4627-85D8-C55BC3F617C5}"/>
+                  </a:ext>
+                </a:extLst>
+              </p:cNvPr>
+              <p:cNvSpPr/>
+              <p:nvPr/>
+            </p:nvSpPr>
+            <p:spPr>
+              <a:xfrm>
+                <a:off x="6430842" y="2572559"/>
+                <a:ext cx="141667" cy="360608"/>
+              </a:xfrm>
+              <a:prstGeom prst="downArrow">
+                <a:avLst/>
+              </a:prstGeom>
+              <a:noFill/>
+            </p:spPr>
+            <p:style>
+              <a:lnRef idx="2">
+                <a:schemeClr val="accent1">
+                  <a:shade val="50000"/>
+                </a:schemeClr>
+              </a:lnRef>
+              <a:fillRef idx="1">
+                <a:schemeClr val="accent1"/>
+              </a:fillRef>
+              <a:effectRef idx="0">
+                <a:schemeClr val="accent1"/>
+              </a:effectRef>
+              <a:fontRef idx="minor">
+                <a:schemeClr val="lt1"/>
+              </a:fontRef>
+            </p:style>
+            <p:txBody>
+              <a:bodyPr rtlCol="0" anchor="ctr"/>
+              <a:lstStyle/>
+              <a:p>
+                <a:pPr algn="ctr"/>
+                <a:endParaRPr lang="en-US"/>
+              </a:p>
+            </p:txBody>
+          </p:sp>
+        </p:grpSp>
+      </p:grpSp>
+      <p:sp>
+        <p:nvSpPr>
+          <p:cNvPr id="55" name="Arrow: Right 54">
+            <a:extLst>
+              <a:ext uri="{FF2B5EF4-FFF2-40B4-BE49-F238E27FC236}">
+                <a16:creationId xmlns:a16="http://schemas.microsoft.com/office/drawing/2014/main" id="{95C17106-C2A0-4C8C-AE6F-36A4D4E8B3E6}"/>
+              </a:ext>
+            </a:extLst>
+          </p:cNvPr>
+          <p:cNvSpPr/>
+          <p:nvPr/>
+        </p:nvSpPr>
+        <p:spPr>
+          <a:xfrm rot="10800000">
+            <a:off x="7223968" y="2206586"/>
+            <a:ext cx="1493950" cy="437882"/>
+          </a:xfrm>
+          <a:prstGeom prst="rightArrow">
+            <a:avLst/>
+          </a:prstGeom>
+          <a:noFill/>
+        </p:spPr>
+        <p:style>
+          <a:lnRef idx="2">
+            <a:schemeClr val="accent1">
+              <a:shade val="50000"/>
+            </a:schemeClr>
+          </a:lnRef>
+          <a:fillRef idx="1">
+            <a:schemeClr val="accent1"/>
+          </a:fillRef>
+          <a:effectRef idx="0">
+            <a:schemeClr val="accent1"/>
+          </a:effectRef>
+          <a:fontRef idx="minor">
+            <a:schemeClr val="lt1"/>
+          </a:fontRef>
+        </p:style>
+        <p:txBody>
+          <a:bodyPr rtlCol="0" anchor="ctr"/>
+          <a:lstStyle/>
+          <a:p>
+            <a:pPr algn="ctr"/>
+            <a:endParaRPr lang="en-US"/>
+          </a:p>
+        </p:txBody>
+      </p:sp>
+      <p:sp>
+        <p:nvSpPr>
+          <p:cNvPr id="56" name="Arrow: Right 55">
+            <a:extLst>
+              <a:ext uri="{FF2B5EF4-FFF2-40B4-BE49-F238E27FC236}">
+                <a16:creationId xmlns:a16="http://schemas.microsoft.com/office/drawing/2014/main" id="{ED338117-ADEF-4183-BDEA-537534735582}"/>
+              </a:ext>
+            </a:extLst>
+          </p:cNvPr>
+          <p:cNvSpPr/>
+          <p:nvPr/>
+        </p:nvSpPr>
+        <p:spPr>
+          <a:xfrm rot="10800000">
+            <a:off x="7165638" y="3585760"/>
+            <a:ext cx="1493950" cy="437882"/>
+          </a:xfrm>
+          <a:prstGeom prst="rightArrow">
+            <a:avLst/>
+          </a:prstGeom>
+          <a:noFill/>
+        </p:spPr>
+        <p:style>
+          <a:lnRef idx="2">
+            <a:schemeClr val="accent1">
+              <a:shade val="50000"/>
+            </a:schemeClr>
+          </a:lnRef>
+          <a:fillRef idx="1">
+            <a:schemeClr val="accent1"/>
+          </a:fillRef>
+          <a:effectRef idx="0">
+            <a:schemeClr val="accent1"/>
+          </a:effectRef>
+          <a:fontRef idx="minor">
+            <a:schemeClr val="lt1"/>
+          </a:fontRef>
+        </p:style>
+        <p:txBody>
+          <a:bodyPr rtlCol="0" anchor="ctr"/>
+          <a:lstStyle/>
+          <a:p>
+            <a:pPr algn="ctr"/>
+            <a:endParaRPr lang="en-US"/>
+          </a:p>
+        </p:txBody>
+      </p:sp>
+      <p:sp>
+        <p:nvSpPr>
+          <p:cNvPr id="57" name="Arrow: Right 56">
+            <a:extLst>
+              <a:ext uri="{FF2B5EF4-FFF2-40B4-BE49-F238E27FC236}">
+                <a16:creationId xmlns:a16="http://schemas.microsoft.com/office/drawing/2014/main" id="{2EC95744-8CCF-4680-B56C-6D671F694E14}"/>
+              </a:ext>
+            </a:extLst>
+          </p:cNvPr>
+          <p:cNvSpPr/>
+          <p:nvPr/>
+        </p:nvSpPr>
+        <p:spPr>
+          <a:xfrm rot="10800000">
+            <a:off x="7248658" y="6353576"/>
+            <a:ext cx="1493950" cy="437882"/>
+          </a:xfrm>
+          <a:prstGeom prst="rightArrow">
+            <a:avLst/>
+          </a:prstGeom>
+          <a:noFill/>
+        </p:spPr>
+        <p:style>
+          <a:lnRef idx="2">
+            <a:schemeClr val="accent1">
+              <a:shade val="50000"/>
+            </a:schemeClr>
+          </a:lnRef>
+          <a:fillRef idx="1">
+            <a:schemeClr val="accent1"/>
+          </a:fillRef>
+          <a:effectRef idx="0">
+            <a:schemeClr val="accent1"/>
+          </a:effectRef>
+          <a:fontRef idx="minor">
+            <a:schemeClr val="lt1"/>
+          </a:fontRef>
+        </p:style>
+        <p:txBody>
+          <a:bodyPr rtlCol="0" anchor="ctr"/>
+          <a:lstStyle/>
+          <a:p>
+            <a:pPr algn="ctr"/>
+            <a:endParaRPr lang="en-US"/>
+          </a:p>
+        </p:txBody>
+      </p:sp>
+      <p:sp>
+        <p:nvSpPr>
+          <p:cNvPr id="58" name="Arrow: Right 57">
+            <a:extLst>
+              <a:ext uri="{FF2B5EF4-FFF2-40B4-BE49-F238E27FC236}">
+                <a16:creationId xmlns:a16="http://schemas.microsoft.com/office/drawing/2014/main" id="{36D78BE4-5493-4681-9CFD-4883A6B6B59E}"/>
+              </a:ext>
+            </a:extLst>
+          </p:cNvPr>
+          <p:cNvSpPr/>
+          <p:nvPr/>
+        </p:nvSpPr>
+        <p:spPr>
+          <a:xfrm rot="10800000">
+            <a:off x="7248658" y="4971246"/>
+            <a:ext cx="1493950" cy="437882"/>
+          </a:xfrm>
+          <a:prstGeom prst="rightArrow">
+            <a:avLst/>
+          </a:prstGeom>
+          <a:noFill/>
+        </p:spPr>
+        <p:style>
+          <a:lnRef idx="2">
+            <a:schemeClr val="accent1">
+              <a:shade val="50000"/>
+            </a:schemeClr>
+          </a:lnRef>
+          <a:fillRef idx="1">
+            <a:schemeClr val="accent1"/>
+          </a:fillRef>
+          <a:effectRef idx="0">
+            <a:schemeClr val="accent1"/>
+          </a:effectRef>
+          <a:fontRef idx="minor">
+            <a:schemeClr val="lt1"/>
+          </a:fontRef>
+        </p:style>
+        <p:txBody>
+          <a:bodyPr rtlCol="0" anchor="ctr"/>
+          <a:lstStyle/>
+          <a:p>
+            <a:pPr algn="ctr"/>
+            <a:endParaRPr lang="en-US"/>
+          </a:p>
+        </p:txBody>
+      </p:sp>
+      <p:sp>
+        <p:nvSpPr>
+          <p:cNvPr id="59" name="Arrow: Right 58">
+            <a:extLst>
+              <a:ext uri="{FF2B5EF4-FFF2-40B4-BE49-F238E27FC236}">
+                <a16:creationId xmlns:a16="http://schemas.microsoft.com/office/drawing/2014/main" id="{057C3DE6-1292-46D8-9E32-415216A6F915}"/>
+              </a:ext>
+            </a:extLst>
+          </p:cNvPr>
+          <p:cNvSpPr/>
+          <p:nvPr/>
+        </p:nvSpPr>
+        <p:spPr>
+          <a:xfrm rot="10800000">
+            <a:off x="2043822" y="5662410"/>
+            <a:ext cx="1493950" cy="437882"/>
+          </a:xfrm>
+          <a:prstGeom prst="rightArrow">
+            <a:avLst/>
+          </a:prstGeom>
+          <a:noFill/>
+        </p:spPr>
+        <p:style>
+          <a:lnRef idx="2">
+            <a:schemeClr val="accent1">
+              <a:shade val="50000"/>
+            </a:schemeClr>
+          </a:lnRef>
+          <a:fillRef idx="1">
+            <a:schemeClr val="accent1"/>
+          </a:fillRef>
+          <a:effectRef idx="0">
+            <a:schemeClr val="accent1"/>
+          </a:effectRef>
+          <a:fontRef idx="minor">
+            <a:schemeClr val="lt1"/>
+          </a:fontRef>
+        </p:style>
+        <p:txBody>
+          <a:bodyPr rtlCol="0" anchor="ctr"/>
+          <a:lstStyle/>
+          <a:p>
+            <a:pPr algn="ctr"/>
+            <a:endParaRPr lang="en-US"/>
+          </a:p>
+        </p:txBody>
+      </p:sp>
+      <p:sp>
+        <p:nvSpPr>
+          <p:cNvPr id="60" name="Arrow: Right 59">
+            <a:extLst>
+              <a:ext uri="{FF2B5EF4-FFF2-40B4-BE49-F238E27FC236}">
+                <a16:creationId xmlns:a16="http://schemas.microsoft.com/office/drawing/2014/main" id="{D41C9AB1-95D6-48F1-85C2-AE79EC8E75FF}"/>
+              </a:ext>
+            </a:extLst>
+          </p:cNvPr>
+          <p:cNvSpPr/>
+          <p:nvPr/>
+        </p:nvSpPr>
+        <p:spPr>
+          <a:xfrm rot="10800000">
+            <a:off x="2127690" y="4280081"/>
+            <a:ext cx="1493950" cy="437882"/>
+          </a:xfrm>
+          <a:prstGeom prst="rightArrow">
+            <a:avLst/>
+          </a:prstGeom>
+          <a:noFill/>
+        </p:spPr>
+        <p:style>
+          <a:lnRef idx="2">
+            <a:schemeClr val="accent1">
+              <a:shade val="50000"/>
+            </a:schemeClr>
+          </a:lnRef>
+          <a:fillRef idx="1">
+            <a:schemeClr val="accent1"/>
+          </a:fillRef>
+          <a:effectRef idx="0">
+            <a:schemeClr val="accent1"/>
+          </a:effectRef>
+          <a:fontRef idx="minor">
+            <a:schemeClr val="lt1"/>
+          </a:fontRef>
+        </p:style>
+        <p:txBody>
+          <a:bodyPr rtlCol="0" anchor="ctr"/>
+          <a:lstStyle/>
+          <a:p>
+            <a:pPr algn="ctr"/>
+            <a:endParaRPr lang="en-US"/>
+          </a:p>
+        </p:txBody>
+      </p:sp>
+      <p:sp>
+        <p:nvSpPr>
+          <p:cNvPr id="61" name="Arrow: Right 60">
+            <a:extLst>
+              <a:ext uri="{FF2B5EF4-FFF2-40B4-BE49-F238E27FC236}">
+                <a16:creationId xmlns:a16="http://schemas.microsoft.com/office/drawing/2014/main" id="{29FF1A69-17E8-4FE1-A1DC-EB18BC597FEA}"/>
+              </a:ext>
+            </a:extLst>
+          </p:cNvPr>
+          <p:cNvSpPr/>
+          <p:nvPr/>
+        </p:nvSpPr>
+        <p:spPr>
+          <a:xfrm rot="10800000">
+            <a:off x="2120726" y="2897751"/>
+            <a:ext cx="1493950" cy="437882"/>
+          </a:xfrm>
+          <a:prstGeom prst="rightArrow">
+            <a:avLst/>
+          </a:prstGeom>
+          <a:noFill/>
+        </p:spPr>
+        <p:style>
+          <a:lnRef idx="2">
+            <a:schemeClr val="accent1">
+              <a:shade val="50000"/>
+            </a:schemeClr>
+          </a:lnRef>
+          <a:fillRef idx="1">
+            <a:schemeClr val="accent1"/>
+          </a:fillRef>
+          <a:effectRef idx="0">
+            <a:schemeClr val="accent1"/>
+          </a:effectRef>
+          <a:fontRef idx="minor">
+            <a:schemeClr val="lt1"/>
+          </a:fontRef>
+        </p:style>
+        <p:txBody>
+          <a:bodyPr rtlCol="0" anchor="ctr"/>
+          <a:lstStyle/>
+          <a:p>
+            <a:pPr algn="ctr"/>
+            <a:endParaRPr lang="en-US"/>
+          </a:p>
+        </p:txBody>
+      </p:sp>
+      <p:pic>
+        <p:nvPicPr>
+          <p:cNvPr id="63" name="Picture 62">
+            <a:extLst>
+              <a:ext uri="{FF2B5EF4-FFF2-40B4-BE49-F238E27FC236}">
+                <a16:creationId xmlns:a16="http://schemas.microsoft.com/office/drawing/2014/main" id="{16F52598-0BCA-40EC-9987-4DA9FFB0B614}"/>
+              </a:ext>
+            </a:extLst>
+          </p:cNvPr>
+          <p:cNvPicPr>
+            <a:picLocks noChangeAspect="1"/>
+          </p:cNvPicPr>
+          <p:nvPr>
+            <p:custDataLst>
+              <p:tags r:id="rId3"/>
+            </p:custDataLst>
+          </p:nvPr>
+        </p:nvPicPr>
+        <p:blipFill>
+          <a:blip r:embed="rId14">
+            <a:extLst>
+              <a:ext uri="{28A0092B-C50C-407E-A947-70E740481C1C}">
+                <a14:useLocalDpi xmlns:a14="http://schemas.microsoft.com/office/drawing/2010/main" val="0"/>
+              </a:ext>
+            </a:extLst>
+          </a:blip>
+          <a:stretch>
+            <a:fillRect/>
+          </a:stretch>
+        </p:blipFill>
+        <p:spPr>
+          <a:xfrm>
+            <a:off x="7578417" y="2075983"/>
+            <a:ext cx="960000" cy="252952"/>
+          </a:xfrm>
+          <a:prstGeom prst="rect">
+            <a:avLst/>
+          </a:prstGeom>
+        </p:spPr>
+      </p:pic>
+      <p:pic>
+        <p:nvPicPr>
+          <p:cNvPr id="64" name="Picture 63">
+            <a:extLst>
+              <a:ext uri="{FF2B5EF4-FFF2-40B4-BE49-F238E27FC236}">
+                <a16:creationId xmlns:a16="http://schemas.microsoft.com/office/drawing/2014/main" id="{FFC765E4-AC4F-4D8C-B936-BDB2DE99A34B}"/>
+              </a:ext>
+            </a:extLst>
+          </p:cNvPr>
+          <p:cNvPicPr>
+            <a:picLocks noChangeAspect="1"/>
+          </p:cNvPicPr>
+          <p:nvPr>
+            <p:custDataLst>
+              <p:tags r:id="rId4"/>
+            </p:custDataLst>
+          </p:nvPr>
+        </p:nvPicPr>
+        <p:blipFill>
+          <a:blip r:embed="rId14">
+            <a:extLst>
+              <a:ext uri="{28A0092B-C50C-407E-A947-70E740481C1C}">
+                <a14:useLocalDpi xmlns:a14="http://schemas.microsoft.com/office/drawing/2010/main" val="0"/>
+              </a:ext>
+            </a:extLst>
+          </a:blip>
+          <a:stretch>
+            <a:fillRect/>
+          </a:stretch>
+        </p:blipFill>
+        <p:spPr>
+          <a:xfrm>
+            <a:off x="7681747" y="6222973"/>
+            <a:ext cx="960000" cy="252952"/>
+          </a:xfrm>
+          <a:prstGeom prst="rect">
+            <a:avLst/>
+          </a:prstGeom>
+        </p:spPr>
+      </p:pic>
+      <p:pic>
+        <p:nvPicPr>
+          <p:cNvPr id="66" name="Picture 65">
+            <a:extLst>
+              <a:ext uri="{FF2B5EF4-FFF2-40B4-BE49-F238E27FC236}">
+                <a16:creationId xmlns:a16="http://schemas.microsoft.com/office/drawing/2014/main" id="{B2004B25-98DA-4800-A556-34C7B08AF49F}"/>
+              </a:ext>
+            </a:extLst>
+          </p:cNvPr>
+          <p:cNvPicPr>
+            <a:picLocks noChangeAspect="1"/>
+          </p:cNvPicPr>
+          <p:nvPr>
+            <p:custDataLst>
+              <p:tags r:id="rId5"/>
+            </p:custDataLst>
+          </p:nvPr>
+        </p:nvPicPr>
+        <p:blipFill>
+          <a:blip r:embed="rId15">
+            <a:extLst>
+              <a:ext uri="{28A0092B-C50C-407E-A947-70E740481C1C}">
+                <a14:useLocalDpi xmlns:a14="http://schemas.microsoft.com/office/drawing/2010/main" val="0"/>
+              </a:ext>
+            </a:extLst>
+          </a:blip>
+          <a:stretch>
+            <a:fillRect/>
+          </a:stretch>
+        </p:blipFill>
+        <p:spPr>
+          <a:xfrm>
+            <a:off x="2451296" y="2731381"/>
+            <a:ext cx="1086476" cy="252952"/>
+          </a:xfrm>
+          <a:prstGeom prst="rect">
+            <a:avLst/>
+          </a:prstGeom>
+        </p:spPr>
+      </p:pic>
+      <p:pic>
+        <p:nvPicPr>
+          <p:cNvPr id="67" name="Picture 66">
+            <a:extLst>
+              <a:ext uri="{FF2B5EF4-FFF2-40B4-BE49-F238E27FC236}">
+                <a16:creationId xmlns:a16="http://schemas.microsoft.com/office/drawing/2014/main" id="{DFACB8BD-1832-4620-898A-CD8DD78BBAB7}"/>
+              </a:ext>
+            </a:extLst>
+          </p:cNvPr>
+          <p:cNvPicPr>
+            <a:picLocks noChangeAspect="1"/>
+          </p:cNvPicPr>
+          <p:nvPr>
+            <p:custDataLst>
+              <p:tags r:id="rId6"/>
+            </p:custDataLst>
+          </p:nvPr>
+        </p:nvPicPr>
+        <p:blipFill>
+          <a:blip r:embed="rId15">
+            <a:extLst>
+              <a:ext uri="{28A0092B-C50C-407E-A947-70E740481C1C}">
+                <a14:useLocalDpi xmlns:a14="http://schemas.microsoft.com/office/drawing/2010/main" val="0"/>
+              </a:ext>
+            </a:extLst>
+          </a:blip>
+          <a:stretch>
+            <a:fillRect/>
+          </a:stretch>
+        </p:blipFill>
+        <p:spPr>
+          <a:xfrm>
+            <a:off x="2371687" y="5531808"/>
+            <a:ext cx="1086476" cy="252952"/>
+          </a:xfrm>
+          <a:prstGeom prst="rect">
+            <a:avLst/>
+          </a:prstGeom>
+        </p:spPr>
+      </p:pic>
+      <p:pic>
+        <p:nvPicPr>
+          <p:cNvPr id="68" name="Picture 67">
+            <a:extLst>
+              <a:ext uri="{FF2B5EF4-FFF2-40B4-BE49-F238E27FC236}">
+                <a16:creationId xmlns:a16="http://schemas.microsoft.com/office/drawing/2014/main" id="{8A55B4E7-D3A3-4AC5-9587-8B65B016F7E8}"/>
+              </a:ext>
+            </a:extLst>
+          </p:cNvPr>
+          <p:cNvPicPr>
+            <a:picLocks noChangeAspect="1"/>
+          </p:cNvPicPr>
+          <p:nvPr>
+            <p:custDataLst>
+              <p:tags r:id="rId7"/>
+            </p:custDataLst>
+          </p:nvPr>
+        </p:nvPicPr>
+        <p:blipFill>
+          <a:blip r:embed="rId15">
+            <a:extLst>
+              <a:ext uri="{28A0092B-C50C-407E-A947-70E740481C1C}">
+                <a14:useLocalDpi xmlns:a14="http://schemas.microsoft.com/office/drawing/2010/main" val="0"/>
+              </a:ext>
+            </a:extLst>
+          </a:blip>
+          <a:stretch>
+            <a:fillRect/>
+          </a:stretch>
+        </p:blipFill>
+        <p:spPr>
+          <a:xfrm>
+            <a:off x="2480280" y="4144922"/>
+            <a:ext cx="1086476" cy="252952"/>
+          </a:xfrm>
+          <a:prstGeom prst="rect">
+            <a:avLst/>
+          </a:prstGeom>
+        </p:spPr>
+      </p:pic>
+      <p:pic>
+        <p:nvPicPr>
+          <p:cNvPr id="69" name="Picture 68">
+            <a:extLst>
+              <a:ext uri="{FF2B5EF4-FFF2-40B4-BE49-F238E27FC236}">
+                <a16:creationId xmlns:a16="http://schemas.microsoft.com/office/drawing/2014/main" id="{00C262B1-076F-45AC-BC64-0B94923DE667}"/>
+              </a:ext>
+            </a:extLst>
+          </p:cNvPr>
+          <p:cNvPicPr>
+            <a:picLocks noChangeAspect="1"/>
+          </p:cNvPicPr>
+          <p:nvPr>
+            <p:custDataLst>
+              <p:tags r:id="rId8"/>
+            </p:custDataLst>
+          </p:nvPr>
+        </p:nvPicPr>
+        <p:blipFill>
+          <a:blip r:embed="rId15">
+            <a:extLst>
+              <a:ext uri="{28A0092B-C50C-407E-A947-70E740481C1C}">
+                <a14:useLocalDpi xmlns:a14="http://schemas.microsoft.com/office/drawing/2010/main" val="0"/>
+              </a:ext>
+            </a:extLst>
+          </a:blip>
+          <a:stretch>
+            <a:fillRect/>
+          </a:stretch>
+        </p:blipFill>
+        <p:spPr>
+          <a:xfrm>
+            <a:off x="7570975" y="4800764"/>
+            <a:ext cx="1086476" cy="252952"/>
+          </a:xfrm>
+          <a:prstGeom prst="rect">
+            <a:avLst/>
+          </a:prstGeom>
+        </p:spPr>
+      </p:pic>
+      <p:pic>
+        <p:nvPicPr>
+          <p:cNvPr id="70" name="Picture 69">
+            <a:extLst>
+              <a:ext uri="{FF2B5EF4-FFF2-40B4-BE49-F238E27FC236}">
+                <a16:creationId xmlns:a16="http://schemas.microsoft.com/office/drawing/2014/main" id="{9010E528-EED1-4B41-BE34-851D7F33D2A6}"/>
+              </a:ext>
+            </a:extLst>
+          </p:cNvPr>
+          <p:cNvPicPr>
+            <a:picLocks noChangeAspect="1"/>
+          </p:cNvPicPr>
+          <p:nvPr>
+            <p:custDataLst>
+              <p:tags r:id="rId9"/>
+            </p:custDataLst>
+          </p:nvPr>
+        </p:nvPicPr>
+        <p:blipFill>
+          <a:blip r:embed="rId15">
+            <a:extLst>
+              <a:ext uri="{28A0092B-C50C-407E-A947-70E740481C1C}">
+                <a14:useLocalDpi xmlns:a14="http://schemas.microsoft.com/office/drawing/2010/main" val="0"/>
+              </a:ext>
+            </a:extLst>
+          </a:blip>
+          <a:stretch>
+            <a:fillRect/>
+          </a:stretch>
+        </p:blipFill>
+        <p:spPr>
+          <a:xfrm>
+            <a:off x="7515179" y="3441533"/>
+            <a:ext cx="1086476" cy="252952"/>
+          </a:xfrm>
+          <a:prstGeom prst="rect">
+            <a:avLst/>
+          </a:prstGeom>
+        </p:spPr>
+      </p:pic>
+      <p:cxnSp>
+        <p:nvCxnSpPr>
+          <p:cNvPr id="3" name="Connector: Elbow 2">
+            <a:extLst>
+              <a:ext uri="{FF2B5EF4-FFF2-40B4-BE49-F238E27FC236}">
+                <a16:creationId xmlns:a16="http://schemas.microsoft.com/office/drawing/2014/main" id="{FFC330EF-BB3B-40B6-9479-9D4979027F1D}"/>
+              </a:ext>
+            </a:extLst>
+          </p:cNvPr>
+          <p:cNvCxnSpPr>
+            <a:cxnSpLocks/>
+          </p:cNvCxnSpPr>
+          <p:nvPr/>
+        </p:nvCxnSpPr>
+        <p:spPr>
+          <a:xfrm rot="10800000" flipV="1">
+            <a:off x="2507550" y="2455148"/>
+            <a:ext cx="5276673" cy="617001"/>
+          </a:xfrm>
+          <a:prstGeom prst="bentConnector3">
+            <a:avLst>
+              <a:gd name="adj1" fmla="val 59053"/>
+            </a:avLst>
+          </a:prstGeom>
+          <a:ln w="57150">
+            <a:solidFill>
+              <a:srgbClr val="FF0000"/>
+            </a:solidFill>
+            <a:prstDash val="dash"/>
+          </a:ln>
+        </p:spPr>
+        <p:style>
+          <a:lnRef idx="1">
+            <a:schemeClr val="accent1"/>
+          </a:lnRef>
+          <a:fillRef idx="0">
+            <a:schemeClr val="accent1"/>
+          </a:fillRef>
+          <a:effectRef idx="0">
+            <a:schemeClr val="accent1"/>
+          </a:effectRef>
+          <a:fontRef idx="minor">
+            <a:schemeClr val="tx1"/>
+          </a:fontRef>
+        </p:style>
+      </p:cxnSp>
+      <p:cxnSp>
+        <p:nvCxnSpPr>
+          <p:cNvPr id="73" name="Connector: Elbow 72">
+            <a:extLst>
+              <a:ext uri="{FF2B5EF4-FFF2-40B4-BE49-F238E27FC236}">
+                <a16:creationId xmlns:a16="http://schemas.microsoft.com/office/drawing/2014/main" id="{4AE3D8C9-FD08-4CEF-AA14-C16398402DAD}"/>
+              </a:ext>
+            </a:extLst>
+          </p:cNvPr>
+          <p:cNvCxnSpPr>
+            <a:cxnSpLocks/>
+          </p:cNvCxnSpPr>
+          <p:nvPr/>
+        </p:nvCxnSpPr>
+        <p:spPr>
+          <a:xfrm rot="10800000" flipV="1">
+            <a:off x="2363011" y="3822855"/>
+            <a:ext cx="5368871" cy="691166"/>
+          </a:xfrm>
+          <a:prstGeom prst="bentConnector3">
+            <a:avLst>
+              <a:gd name="adj1" fmla="val 56609"/>
+            </a:avLst>
+          </a:prstGeom>
+          <a:ln w="57150">
+            <a:solidFill>
+              <a:srgbClr val="FF0000"/>
+            </a:solidFill>
+            <a:prstDash val="dash"/>
+          </a:ln>
+        </p:spPr>
+        <p:style>
+          <a:lnRef idx="1">
+            <a:schemeClr val="accent1"/>
+          </a:lnRef>
+          <a:fillRef idx="0">
+            <a:schemeClr val="accent1"/>
+          </a:fillRef>
+          <a:effectRef idx="0">
+            <a:schemeClr val="accent1"/>
+          </a:effectRef>
+          <a:fontRef idx="minor">
+            <a:schemeClr val="tx1"/>
+          </a:fontRef>
+        </p:style>
+      </p:cxnSp>
+      <p:cxnSp>
+        <p:nvCxnSpPr>
+          <p:cNvPr id="75" name="Connector: Elbow 74">
+            <a:extLst>
+              <a:ext uri="{FF2B5EF4-FFF2-40B4-BE49-F238E27FC236}">
+                <a16:creationId xmlns:a16="http://schemas.microsoft.com/office/drawing/2014/main" id="{C6719BB3-4B8E-4D2B-AC10-A3CABD602882}"/>
+              </a:ext>
+            </a:extLst>
+          </p:cNvPr>
+          <p:cNvCxnSpPr>
+            <a:cxnSpLocks/>
+          </p:cNvCxnSpPr>
+          <p:nvPr/>
+        </p:nvCxnSpPr>
+        <p:spPr>
+          <a:xfrm rot="10800000" flipV="1">
+            <a:off x="2363011" y="5190087"/>
+            <a:ext cx="5368871" cy="691166"/>
+          </a:xfrm>
+          <a:prstGeom prst="bentConnector3">
+            <a:avLst>
+              <a:gd name="adj1" fmla="val 57627"/>
+            </a:avLst>
+          </a:prstGeom>
+          <a:ln w="57150">
+            <a:solidFill>
+              <a:srgbClr val="FF0000"/>
+            </a:solidFill>
+            <a:prstDash val="dash"/>
+          </a:ln>
+        </p:spPr>
+        <p:style>
+          <a:lnRef idx="1">
+            <a:schemeClr val="accent1"/>
+          </a:lnRef>
+          <a:fillRef idx="0">
+            <a:schemeClr val="accent1"/>
+          </a:fillRef>
+          <a:effectRef idx="0">
+            <a:schemeClr val="accent1"/>
+          </a:effectRef>
+          <a:fontRef idx="minor">
+            <a:schemeClr val="tx1"/>
+          </a:fontRef>
+        </p:style>
+      </p:cxnSp>
+      <p:cxnSp>
+        <p:nvCxnSpPr>
+          <p:cNvPr id="76" name="Connector: Elbow 75">
+            <a:extLst>
+              <a:ext uri="{FF2B5EF4-FFF2-40B4-BE49-F238E27FC236}">
+                <a16:creationId xmlns:a16="http://schemas.microsoft.com/office/drawing/2014/main" id="{4E1C8F67-1821-42F4-B85A-D3413B22D62B}"/>
+              </a:ext>
+            </a:extLst>
+          </p:cNvPr>
+          <p:cNvCxnSpPr>
+            <a:cxnSpLocks/>
+          </p:cNvCxnSpPr>
+          <p:nvPr/>
+        </p:nvCxnSpPr>
+        <p:spPr>
+          <a:xfrm>
+            <a:off x="2692599" y="3074335"/>
+            <a:ext cx="4374841" cy="730366"/>
+          </a:xfrm>
+          <a:prstGeom prst="bentConnector3">
+            <a:avLst>
+              <a:gd name="adj1" fmla="val 80884"/>
+            </a:avLst>
+          </a:prstGeom>
+          <a:ln w="57150">
+            <a:solidFill>
+              <a:srgbClr val="FFFF00"/>
+            </a:solidFill>
+            <a:prstDash val="dash"/>
+          </a:ln>
+        </p:spPr>
+        <p:style>
+          <a:lnRef idx="1">
+            <a:schemeClr val="accent1"/>
+          </a:lnRef>
+          <a:fillRef idx="0">
+            <a:schemeClr val="accent1"/>
+          </a:fillRef>
+          <a:effectRef idx="0">
+            <a:schemeClr val="accent1"/>
+          </a:effectRef>
+          <a:fontRef idx="minor">
+            <a:schemeClr val="tx1"/>
+          </a:fontRef>
+        </p:style>
+      </p:cxnSp>
+      <p:cxnSp>
+        <p:nvCxnSpPr>
+          <p:cNvPr id="83" name="Connector: Elbow 82">
+            <a:extLst>
+              <a:ext uri="{FF2B5EF4-FFF2-40B4-BE49-F238E27FC236}">
+                <a16:creationId xmlns:a16="http://schemas.microsoft.com/office/drawing/2014/main" id="{02383545-5EEB-4476-BB91-77CADF846575}"/>
+              </a:ext>
+            </a:extLst>
+          </p:cNvPr>
+          <p:cNvCxnSpPr>
+            <a:cxnSpLocks/>
+          </p:cNvCxnSpPr>
+          <p:nvPr/>
+        </p:nvCxnSpPr>
+        <p:spPr>
+          <a:xfrm>
+            <a:off x="2647760" y="4521497"/>
+            <a:ext cx="4591165" cy="668690"/>
+          </a:xfrm>
+          <a:prstGeom prst="bentConnector3">
+            <a:avLst>
+              <a:gd name="adj1" fmla="val 75267"/>
+            </a:avLst>
+          </a:prstGeom>
+          <a:ln w="57150">
+            <a:solidFill>
+              <a:srgbClr val="FFFF00"/>
+            </a:solidFill>
+            <a:prstDash val="dash"/>
+          </a:ln>
+        </p:spPr>
+        <p:style>
+          <a:lnRef idx="1">
+            <a:schemeClr val="accent1"/>
+          </a:lnRef>
+          <a:fillRef idx="0">
+            <a:schemeClr val="accent1"/>
+          </a:fillRef>
+          <a:effectRef idx="0">
+            <a:schemeClr val="accent1"/>
+          </a:effectRef>
+          <a:fontRef idx="minor">
+            <a:schemeClr val="tx1"/>
+          </a:fontRef>
+        </p:style>
+      </p:cxnSp>
+      <p:cxnSp>
+        <p:nvCxnSpPr>
+          <p:cNvPr id="84" name="Connector: Elbow 83">
+            <a:extLst>
+              <a:ext uri="{FF2B5EF4-FFF2-40B4-BE49-F238E27FC236}">
+                <a16:creationId xmlns:a16="http://schemas.microsoft.com/office/drawing/2014/main" id="{B44F6F49-7B67-4F77-855A-20CD35E63621}"/>
+              </a:ext>
+            </a:extLst>
+          </p:cNvPr>
+          <p:cNvCxnSpPr>
+            <a:cxnSpLocks/>
+          </p:cNvCxnSpPr>
+          <p:nvPr/>
+        </p:nvCxnSpPr>
+        <p:spPr>
+          <a:xfrm>
+            <a:off x="2687037" y="5881575"/>
+            <a:ext cx="4619937" cy="682599"/>
+          </a:xfrm>
+          <a:prstGeom prst="bentConnector3">
+            <a:avLst>
+              <a:gd name="adj1" fmla="val 73633"/>
+            </a:avLst>
+          </a:prstGeom>
+          <a:ln w="57150">
+            <a:solidFill>
+              <a:srgbClr val="FFFF00"/>
+            </a:solidFill>
+            <a:prstDash val="dash"/>
+          </a:ln>
+        </p:spPr>
+        <p:style>
+          <a:lnRef idx="1">
+            <a:schemeClr val="accent1"/>
+          </a:lnRef>
+          <a:fillRef idx="0">
+            <a:schemeClr val="accent1"/>
+          </a:fillRef>
+          <a:effectRef idx="0">
+            <a:schemeClr val="accent1"/>
+          </a:effectRef>
+          <a:fontRef idx="minor">
+            <a:schemeClr val="tx1"/>
+          </a:fontRef>
+        </p:style>
+      </p:cxnSp>
+    </p:spTree>
+    <p:extLst>
+      <p:ext uri="{BB962C8B-B14F-4D97-AF65-F5344CB8AC3E}">
+        <p14:creationId xmlns:p14="http://schemas.microsoft.com/office/powerpoint/2010/main" val="3208962145"/>
+      </p:ext>
+    </p:extLst>
+  </p:cSld>
+  <p:clrMapOvr>
+    <a:masterClrMapping/>
+  </p:clrMapOvr>
+</p:sld>
+</file>
+
+<file path=ppt/slides/slide14.xml><?xml version="1.0" encoding="utf-8"?>
 <p:sld xmlns:a="http://schemas.openxmlformats.org/drawingml/2006/main" xmlns:r="http://schemas.openxmlformats.org/officeDocument/2006/relationships" xmlns:p="http://schemas.openxmlformats.org/presentationml/2006/main">
   <p:cSld>
     <p:spTree>
@@ -15247,7 +19156,7 @@
 </p:sld>
 </file>
 
-<file path=ppt/slides/slide13.xml><?xml version="1.0" encoding="utf-8"?>
+<file path=ppt/slides/slide15.xml><?xml version="1.0" encoding="utf-8"?>
 <p:sld xmlns:a="http://schemas.openxmlformats.org/drawingml/2006/main" xmlns:r="http://schemas.openxmlformats.org/officeDocument/2006/relationships" xmlns:p="http://schemas.openxmlformats.org/presentationml/2006/main">
   <p:cSld>
     <p:spTree>
@@ -15327,7 +19236,7 @@
 </p:sld>
 </file>
 
-<file path=ppt/slides/slide14.xml><?xml version="1.0" encoding="utf-8"?>
+<file path=ppt/slides/slide16.xml><?xml version="1.0" encoding="utf-8"?>
 <p:sld xmlns:a="http://schemas.openxmlformats.org/drawingml/2006/main" xmlns:r="http://schemas.openxmlformats.org/officeDocument/2006/relationships" xmlns:p="http://schemas.openxmlformats.org/presentationml/2006/main">
   <p:cSld>
     <p:spTree>
@@ -15407,7 +19316,7 @@
 </p:sld>
 </file>
 
-<file path=ppt/slides/slide15.xml><?xml version="1.0" encoding="utf-8"?>
+<file path=ppt/slides/slide17.xml><?xml version="1.0" encoding="utf-8"?>
 <p:sld xmlns:a="http://schemas.openxmlformats.org/drawingml/2006/main" xmlns:r="http://schemas.openxmlformats.org/officeDocument/2006/relationships" xmlns:p="http://schemas.openxmlformats.org/presentationml/2006/main">
   <p:cSld>
     <p:spTree>
@@ -15487,7 +19396,7 @@
 </p:sld>
 </file>
 
-<file path=ppt/slides/slide16.xml><?xml version="1.0" encoding="utf-8"?>
+<file path=ppt/slides/slide18.xml><?xml version="1.0" encoding="utf-8"?>
 <p:sld xmlns:a="http://schemas.openxmlformats.org/drawingml/2006/main" xmlns:r="http://schemas.openxmlformats.org/officeDocument/2006/relationships" xmlns:p="http://schemas.openxmlformats.org/presentationml/2006/main">
   <p:cSld>
     <p:spTree>
@@ -15567,7 +19476,7 @@
 </p:sld>
 </file>
 
-<file path=ppt/slides/slide17.xml><?xml version="1.0" encoding="utf-8"?>
+<file path=ppt/slides/slide19.xml><?xml version="1.0" encoding="utf-8"?>
 <p:sld xmlns:a="http://schemas.openxmlformats.org/drawingml/2006/main" xmlns:r="http://schemas.openxmlformats.org/officeDocument/2006/relationships" xmlns:p="http://schemas.openxmlformats.org/presentationml/2006/main">
   <p:cSld>
     <p:spTree>
@@ -42038,11 +45947,11 @@
 <file path=ppt/tags/tag39.xml><?xml version="1.0" encoding="utf-8"?>
 <p:tagLst xmlns:a="http://schemas.openxmlformats.org/drawingml/2006/main" xmlns:r="http://schemas.openxmlformats.org/officeDocument/2006/relationships" xmlns:p="http://schemas.openxmlformats.org/presentationml/2006/main">
   <p:tag name="OUTPUTDPI" val="1200"/>
-  <p:tag name="ORIGINALHEIGHT" val="124.4844"/>
-  <p:tag name="ORIGINALWIDTH" val="360.7049"/>
-  <p:tag name="LATEXADDIN" val="\documentclass{article}&#10;\usepackage{amsmath}&#10;\usepackage{xcolor}&#10;\usepackage{ragged2e}&#10;\pagestyle{empty}&#10;\begin{document}&#10;&#10;\definecolor{Monred}{RGB}{172,0,0}&#10;&#10;$&#10;Q_{Layer}&#10;$&#10;&#10;&#10;&#10;\end{document}"/>
+  <p:tag name="ORIGINALHEIGHT" val="87.73905"/>
+  <p:tag name="ORIGINALWIDTH" val="294.7131"/>
+  <p:tag name="LATEXADDIN" val="\documentclass{article}&#10;\usepackage{amsmath}&#10;\usepackage{xcolor}&#10;\usepackage{ragged2e}&#10;\pagestyle{empty}&#10;\begin{document}&#10;&#10;\definecolor{Monred}{RGB}{172,0,0}&#10;&#10;&#10;Inlets&#10;&#10;&#10;&#10;\end{document}"/>
   <p:tag name="IGUANATEXSIZE" val="20"/>
-  <p:tag name="IGUANATEXCURSOR" val="173"/>
+  <p:tag name="IGUANATEXCURSOR" val="166"/>
   <p:tag name="TRANSPARENCY" val="True"/>
   <p:tag name="FILENAME" val=""/>
   <p:tag name="LATEXENGINEID" val="0"/>
@@ -42076,11 +45985,11 @@
 <file path=ppt/tags/tag40.xml><?xml version="1.0" encoding="utf-8"?>
 <p:tagLst xmlns:a="http://schemas.openxmlformats.org/drawingml/2006/main" xmlns:r="http://schemas.openxmlformats.org/officeDocument/2006/relationships" xmlns:p="http://schemas.openxmlformats.org/presentationml/2006/main">
   <p:tag name="OUTPUTDPI" val="1200"/>
-  <p:tag name="ORIGINALHEIGHT" val="124.4844"/>
-  <p:tag name="ORIGINALWIDTH" val="422.9472"/>
-  <p:tag name="LATEXADDIN" val="\documentclass{article}&#10;\usepackage{amsmath}&#10;\usepackage{xcolor}&#10;\usepackage{ragged2e}&#10;\pagestyle{empty}&#10;\begin{document}&#10;&#10;\definecolor{Monred}{RGB}{172,0,0}&#10;&#10;$&#10;2Q_{Layer}&#10;$&#10;&#10;&#10;&#10;\end{document}"/>
+  <p:tag name="ORIGINALHEIGHT" val="90.73866"/>
+  <p:tag name="ORIGINALWIDTH" val="391.4511"/>
+  <p:tag name="LATEXADDIN" val="\documentclass{article}&#10;\usepackage{amsmath}&#10;\usepackage{xcolor}&#10;\usepackage{ragged2e}&#10;\pagestyle{empty}&#10;\begin{document}&#10;&#10;\definecolor{Monred}{RGB}{172,0,0}&#10;&#10;Outlets&#10;&#10;&#10;&#10;\end{document}"/>
   <p:tag name="IGUANATEXSIZE" val="20"/>
-  <p:tag name="IGUANATEXCURSOR" val="162"/>
+  <p:tag name="IGUANATEXCURSOR" val="167"/>
   <p:tag name="TRANSPARENCY" val="True"/>
   <p:tag name="FILENAME" val=""/>
   <p:tag name="LATEXENGINEID" val="0"/>
@@ -42093,6 +46002,139 @@
 </file>
 
 <file path=ppt/tags/tag41.xml><?xml version="1.0" encoding="utf-8"?>
+<p:tagLst xmlns:a="http://schemas.openxmlformats.org/drawingml/2006/main" xmlns:r="http://schemas.openxmlformats.org/officeDocument/2006/relationships" xmlns:p="http://schemas.openxmlformats.org/presentationml/2006/main">
+  <p:tag name="OUTPUTDPI" val="1200"/>
+  <p:tag name="ORIGINALHEIGHT" val="124.4844"/>
+  <p:tag name="ORIGINALWIDTH" val="472.4409"/>
+  <p:tag name="LATEXADDIN" val="\documentclass{article}&#10;\usepackage{amsmath}&#10;\usepackage{xcolor}&#10;\usepackage{ragged2e}&#10;\pagestyle{empty}&#10;\begin{document}&#10;&#10;\definecolor{Monred}{RGB}{172,0,0}&#10;&#10;$ Q_{FiLayer} $&#10;&#10;&#10;&#10;\end{document}"/>
+  <p:tag name="IGUANATEXSIZE" val="20"/>
+  <p:tag name="IGUANATEXCURSOR" val="174"/>
+  <p:tag name="TRANSPARENCY" val="True"/>
+  <p:tag name="FILENAME" val=""/>
+  <p:tag name="LATEXENGINEID" val="0"/>
+  <p:tag name="TEMPFOLDER" val="c:\temp\"/>
+  <p:tag name="LATEXFORMHEIGHT" val="312"/>
+  <p:tag name="LATEXFORMWIDTH" val="384"/>
+  <p:tag name="LATEXFORMWRAP" val="True"/>
+  <p:tag name="BITMAPVECTOR" val="0"/>
+</p:tagLst>
+</file>
+
+<file path=ppt/tags/tag42.xml><?xml version="1.0" encoding="utf-8"?>
+<p:tagLst xmlns:a="http://schemas.openxmlformats.org/drawingml/2006/main" xmlns:r="http://schemas.openxmlformats.org/officeDocument/2006/relationships" xmlns:p="http://schemas.openxmlformats.org/presentationml/2006/main">
+  <p:tag name="OUTPUTDPI" val="1200"/>
+  <p:tag name="ORIGINALHEIGHT" val="124.4844"/>
+  <p:tag name="ORIGINALWIDTH" val="472.4409"/>
+  <p:tag name="LATEXADDIN" val="\documentclass{article}&#10;\usepackage{amsmath}&#10;\usepackage{xcolor}&#10;\usepackage{ragged2e}&#10;\pagestyle{empty}&#10;\begin{document}&#10;&#10;\definecolor{Monred}{RGB}{172,0,0}&#10;&#10;$ Q_{FiLayer} $&#10;&#10;&#10;&#10;\end{document}"/>
+  <p:tag name="IGUANATEXSIZE" val="20"/>
+  <p:tag name="IGUANATEXCURSOR" val="174"/>
+  <p:tag name="TRANSPARENCY" val="True"/>
+  <p:tag name="FILENAME" val=""/>
+  <p:tag name="LATEXENGINEID" val="0"/>
+  <p:tag name="TEMPFOLDER" val="c:\temp\"/>
+  <p:tag name="LATEXFORMHEIGHT" val="312"/>
+  <p:tag name="LATEXFORMWIDTH" val="384"/>
+  <p:tag name="LATEXFORMWRAP" val="True"/>
+  <p:tag name="BITMAPVECTOR" val="0"/>
+</p:tagLst>
+</file>
+
+<file path=ppt/tags/tag43.xml><?xml version="1.0" encoding="utf-8"?>
+<p:tagLst xmlns:a="http://schemas.openxmlformats.org/drawingml/2006/main" xmlns:r="http://schemas.openxmlformats.org/officeDocument/2006/relationships" xmlns:p="http://schemas.openxmlformats.org/presentationml/2006/main">
+  <p:tag name="OUTPUTDPI" val="1200"/>
+  <p:tag name="ORIGINALHEIGHT" val="124.4844"/>
+  <p:tag name="ORIGINALWIDTH" val="534.6832"/>
+  <p:tag name="LATEXADDIN" val="\documentclass{article}&#10;\usepackage{amsmath}&#10;\usepackage{xcolor}&#10;\usepackage{ragged2e}&#10;\pagestyle{empty}&#10;\begin{document}&#10;&#10;\definecolor{Monred}{RGB}{172,0,0}&#10;&#10;&#10;$ 2Q_{FiLayer} $&#10;&#10;\end{document}"/>
+  <p:tag name="IGUANATEXSIZE" val="20"/>
+  <p:tag name="IGUANATEXCURSOR" val="176"/>
+  <p:tag name="TRANSPARENCY" val="True"/>
+  <p:tag name="FILENAME" val=""/>
+  <p:tag name="LATEXENGINEID" val="0"/>
+  <p:tag name="TEMPFOLDER" val="c:\temp\"/>
+  <p:tag name="LATEXFORMHEIGHT" val="312"/>
+  <p:tag name="LATEXFORMWIDTH" val="384"/>
+  <p:tag name="LATEXFORMWRAP" val="True"/>
+  <p:tag name="BITMAPVECTOR" val="0"/>
+</p:tagLst>
+</file>
+
+<file path=ppt/tags/tag44.xml><?xml version="1.0" encoding="utf-8"?>
+<p:tagLst xmlns:a="http://schemas.openxmlformats.org/drawingml/2006/main" xmlns:r="http://schemas.openxmlformats.org/officeDocument/2006/relationships" xmlns:p="http://schemas.openxmlformats.org/presentationml/2006/main">
+  <p:tag name="OUTPUTDPI" val="1200"/>
+  <p:tag name="ORIGINALHEIGHT" val="124.4844"/>
+  <p:tag name="ORIGINALWIDTH" val="534.6832"/>
+  <p:tag name="LATEXADDIN" val="\documentclass{article}&#10;\usepackage{amsmath}&#10;\usepackage{xcolor}&#10;\usepackage{ragged2e}&#10;\pagestyle{empty}&#10;\begin{document}&#10;&#10;\definecolor{Monred}{RGB}{172,0,0}&#10;&#10;&#10;$ 2Q_{FiLayer} $&#10;&#10;\end{document}"/>
+  <p:tag name="IGUANATEXSIZE" val="20"/>
+  <p:tag name="IGUANATEXCURSOR" val="176"/>
+  <p:tag name="TRANSPARENCY" val="True"/>
+  <p:tag name="FILENAME" val=""/>
+  <p:tag name="LATEXENGINEID" val="0"/>
+  <p:tag name="TEMPFOLDER" val="c:\temp\"/>
+  <p:tag name="LATEXFORMHEIGHT" val="312"/>
+  <p:tag name="LATEXFORMWIDTH" val="384"/>
+  <p:tag name="LATEXFORMWRAP" val="True"/>
+  <p:tag name="BITMAPVECTOR" val="0"/>
+</p:tagLst>
+</file>
+
+<file path=ppt/tags/tag45.xml><?xml version="1.0" encoding="utf-8"?>
+<p:tagLst xmlns:a="http://schemas.openxmlformats.org/drawingml/2006/main" xmlns:r="http://schemas.openxmlformats.org/officeDocument/2006/relationships" xmlns:p="http://schemas.openxmlformats.org/presentationml/2006/main">
+  <p:tag name="OUTPUTDPI" val="1200"/>
+  <p:tag name="ORIGINALHEIGHT" val="124.4844"/>
+  <p:tag name="ORIGINALWIDTH" val="534.6832"/>
+  <p:tag name="LATEXADDIN" val="\documentclass{article}&#10;\usepackage{amsmath}&#10;\usepackage{xcolor}&#10;\usepackage{ragged2e}&#10;\pagestyle{empty}&#10;\begin{document}&#10;&#10;\definecolor{Monred}{RGB}{172,0,0}&#10;&#10;&#10;$ 2Q_{FiLayer} $&#10;&#10;\end{document}"/>
+  <p:tag name="IGUANATEXSIZE" val="20"/>
+  <p:tag name="IGUANATEXCURSOR" val="176"/>
+  <p:tag name="TRANSPARENCY" val="True"/>
+  <p:tag name="FILENAME" val=""/>
+  <p:tag name="LATEXENGINEID" val="0"/>
+  <p:tag name="TEMPFOLDER" val="c:\temp\"/>
+  <p:tag name="LATEXFORMHEIGHT" val="312"/>
+  <p:tag name="LATEXFORMWIDTH" val="384"/>
+  <p:tag name="LATEXFORMWRAP" val="True"/>
+  <p:tag name="BITMAPVECTOR" val="0"/>
+</p:tagLst>
+</file>
+
+<file path=ppt/tags/tag46.xml><?xml version="1.0" encoding="utf-8"?>
+<p:tagLst xmlns:a="http://schemas.openxmlformats.org/drawingml/2006/main" xmlns:r="http://schemas.openxmlformats.org/officeDocument/2006/relationships" xmlns:p="http://schemas.openxmlformats.org/presentationml/2006/main">
+  <p:tag name="OUTPUTDPI" val="1200"/>
+  <p:tag name="ORIGINALHEIGHT" val="124.4844"/>
+  <p:tag name="ORIGINALWIDTH" val="534.6832"/>
+  <p:tag name="LATEXADDIN" val="\documentclass{article}&#10;\usepackage{amsmath}&#10;\usepackage{xcolor}&#10;\usepackage{ragged2e}&#10;\pagestyle{empty}&#10;\begin{document}&#10;&#10;\definecolor{Monred}{RGB}{172,0,0}&#10;&#10;&#10;$ 2Q_{FiLayer} $&#10;&#10;\end{document}"/>
+  <p:tag name="IGUANATEXSIZE" val="20"/>
+  <p:tag name="IGUANATEXCURSOR" val="176"/>
+  <p:tag name="TRANSPARENCY" val="True"/>
+  <p:tag name="FILENAME" val=""/>
+  <p:tag name="LATEXENGINEID" val="0"/>
+  <p:tag name="TEMPFOLDER" val="c:\temp\"/>
+  <p:tag name="LATEXFORMHEIGHT" val="312"/>
+  <p:tag name="LATEXFORMWIDTH" val="384"/>
+  <p:tag name="LATEXFORMWRAP" val="True"/>
+  <p:tag name="BITMAPVECTOR" val="0"/>
+</p:tagLst>
+</file>
+
+<file path=ppt/tags/tag47.xml><?xml version="1.0" encoding="utf-8"?>
+<p:tagLst xmlns:a="http://schemas.openxmlformats.org/drawingml/2006/main" xmlns:r="http://schemas.openxmlformats.org/officeDocument/2006/relationships" xmlns:p="http://schemas.openxmlformats.org/presentationml/2006/main">
+  <p:tag name="OUTPUTDPI" val="1200"/>
+  <p:tag name="ORIGINALHEIGHT" val="124.4844"/>
+  <p:tag name="ORIGINALWIDTH" val="534.6832"/>
+  <p:tag name="LATEXADDIN" val="\documentclass{article}&#10;\usepackage{amsmath}&#10;\usepackage{xcolor}&#10;\usepackage{ragged2e}&#10;\pagestyle{empty}&#10;\begin{document}&#10;&#10;\definecolor{Monred}{RGB}{172,0,0}&#10;&#10;&#10;$ 2Q_{FiLayer} $&#10;&#10;\end{document}"/>
+  <p:tag name="IGUANATEXSIZE" val="20"/>
+  <p:tag name="IGUANATEXCURSOR" val="176"/>
+  <p:tag name="TRANSPARENCY" val="True"/>
+  <p:tag name="FILENAME" val=""/>
+  <p:tag name="LATEXENGINEID" val="0"/>
+  <p:tag name="TEMPFOLDER" val="c:\temp\"/>
+  <p:tag name="LATEXFORMHEIGHT" val="312"/>
+  <p:tag name="LATEXFORMWIDTH" val="384"/>
+  <p:tag name="LATEXFORMWRAP" val="True"/>
+  <p:tag name="BITMAPVECTOR" val="0"/>
+</p:tagLst>
+</file>
+
+<file path=ppt/tags/tag48.xml><?xml version="1.0" encoding="utf-8"?>
 <p:tagLst xmlns:a="http://schemas.openxmlformats.org/drawingml/2006/main" xmlns:r="http://schemas.openxmlformats.org/officeDocument/2006/relationships" xmlns:p="http://schemas.openxmlformats.org/presentationml/2006/main">
   <p:tag name="OUTPUTDPI" val="1200"/>
   <p:tag name="ORIGINALHEIGHT" val="124.4844"/>
@@ -42111,147 +46153,14 @@
 </p:tagLst>
 </file>
 
-<file path=ppt/tags/tag42.xml><?xml version="1.0" encoding="utf-8"?>
+<file path=ppt/tags/tag49.xml><?xml version="1.0" encoding="utf-8"?>
 <p:tagLst xmlns:a="http://schemas.openxmlformats.org/drawingml/2006/main" xmlns:r="http://schemas.openxmlformats.org/officeDocument/2006/relationships" xmlns:p="http://schemas.openxmlformats.org/presentationml/2006/main">
   <p:tag name="OUTPUTDPI" val="1200"/>
   <p:tag name="ORIGINALHEIGHT" val="124.4844"/>
-  <p:tag name="ORIGINALWIDTH" val="360.7049"/>
-  <p:tag name="LATEXADDIN" val="\documentclass{article}&#10;\usepackage{amsmath}&#10;\usepackage{xcolor}&#10;\usepackage{ragged2e}&#10;\pagestyle{empty}&#10;\begin{document}&#10;&#10;\definecolor{Monred}{RGB}{172,0,0}&#10;&#10;$&#10;Q_{Layer}&#10;$&#10;&#10;&#10;&#10;\end{document}"/>
-  <p:tag name="IGUANATEXSIZE" val="20"/>
-  <p:tag name="IGUANATEXCURSOR" val="173"/>
-  <p:tag name="TRANSPARENCY" val="True"/>
-  <p:tag name="FILENAME" val=""/>
-  <p:tag name="LATEXENGINEID" val="0"/>
-  <p:tag name="TEMPFOLDER" val="c:\temp\"/>
-  <p:tag name="LATEXFORMHEIGHT" val="312"/>
-  <p:tag name="LATEXFORMWIDTH" val="384"/>
-  <p:tag name="LATEXFORMWRAP" val="True"/>
-  <p:tag name="BITMAPVECTOR" val="0"/>
-</p:tagLst>
-</file>
-
-<file path=ppt/tags/tag43.xml><?xml version="1.0" encoding="utf-8"?>
-<p:tagLst xmlns:a="http://schemas.openxmlformats.org/drawingml/2006/main" xmlns:r="http://schemas.openxmlformats.org/officeDocument/2006/relationships" xmlns:p="http://schemas.openxmlformats.org/presentationml/2006/main">
-  <p:tag name="OUTPUTDPI" val="1200"/>
-  <p:tag name="ORIGINALHEIGHT" val="111.7361"/>
-  <p:tag name="ORIGINALWIDTH" val="239.97"/>
-  <p:tag name="LATEXADDIN" val="\documentclass{article}&#10;\usepackage{amsmath}&#10;\usepackage{xcolor}&#10;\usepackage{ragged2e}&#10;\pagestyle{empty}&#10;\begin{document}&#10;&#10;\definecolor{Monred}{RGB}{172,0,0}&#10;&#10;$&#10;Q_{Bw}&#10;$&#10;&#10;&#10;&#10;\end{document}"/>
-  <p:tag name="IGUANATEXSIZE" val="20"/>
-  <p:tag name="IGUANATEXCURSOR" val="166"/>
-  <p:tag name="TRANSPARENCY" val="True"/>
-  <p:tag name="FILENAME" val=""/>
-  <p:tag name="LATEXENGINEID" val="0"/>
-  <p:tag name="TEMPFOLDER" val="c:\temp\"/>
-  <p:tag name="LATEXFORMHEIGHT" val="312"/>
-  <p:tag name="LATEXFORMWIDTH" val="384"/>
-  <p:tag name="LATEXFORMWRAP" val="True"/>
-  <p:tag name="BITMAPVECTOR" val="0"/>
-</p:tagLst>
-</file>
-
-<file path=ppt/tags/tag44.xml><?xml version="1.0" encoding="utf-8"?>
-<p:tagLst xmlns:a="http://schemas.openxmlformats.org/drawingml/2006/main" xmlns:r="http://schemas.openxmlformats.org/officeDocument/2006/relationships" xmlns:p="http://schemas.openxmlformats.org/presentationml/2006/main">
-  <p:tag name="OUTPUTDPI" val="1200"/>
-  <p:tag name="ORIGINALHEIGHT" val="111.7361"/>
-  <p:tag name="ORIGINALWIDTH" val="86.23921"/>
-  <p:tag name="LATEXADDIN" val="\documentclass{article}&#10;\usepackage{amsmath}&#10;\usepackage{xcolor}&#10;\usepackage{ragged2e}&#10;\pagestyle{empty}&#10;\begin{document}&#10;&#10;\definecolor{Monred}{RGB}{172,0,0}&#10;&#10;$&#10;Q&#10;$&#10;&#10;&#10;&#10;\end{document}"/>
+  <p:tag name="ORIGINALWIDTH" val="422.9472"/>
+  <p:tag name="LATEXADDIN" val="\documentclass{article}&#10;\usepackage{amsmath}&#10;\usepackage{xcolor}&#10;\usepackage{ragged2e}&#10;\pagestyle{empty}&#10;\begin{document}&#10;&#10;\definecolor{Monred}{RGB}{172,0,0}&#10;&#10;$&#10;2Q_{Layer}&#10;$&#10;&#10;&#10;&#10;\end{document}"/>
   <p:tag name="IGUANATEXSIZE" val="20"/>
   <p:tag name="IGUANATEXCURSOR" val="162"/>
-  <p:tag name="TRANSPARENCY" val="True"/>
-  <p:tag name="FILENAME" val=""/>
-  <p:tag name="LATEXENGINEID" val="0"/>
-  <p:tag name="TEMPFOLDER" val="c:\temp\"/>
-  <p:tag name="LATEXFORMHEIGHT" val="312"/>
-  <p:tag name="LATEXFORMWIDTH" val="384"/>
-  <p:tag name="LATEXFORMWRAP" val="True"/>
-  <p:tag name="BITMAPVECTOR" val="0"/>
-</p:tagLst>
-</file>
-
-<file path=ppt/tags/tag45.xml><?xml version="1.0" encoding="utf-8"?>
-<p:tagLst xmlns:a="http://schemas.openxmlformats.org/drawingml/2006/main" xmlns:r="http://schemas.openxmlformats.org/officeDocument/2006/relationships" xmlns:p="http://schemas.openxmlformats.org/presentationml/2006/main">
-  <p:tag name="OUTPUTDPI" val="1200"/>
-  <p:tag name="ORIGINALHEIGHT" val="125.9843"/>
-  <p:tag name="ORIGINALWIDTH" val="632.171"/>
-  <p:tag name="LATEXADDIN" val="\documentclass{article}&#10;\usepackage{amsmath}&#10;\usepackage{xcolor}&#10;\usepackage{ragged2e}&#10;\pagestyle{empty}&#10;\begin{document}&#10;&#10;\definecolor{Monred}{RGB}{172,0,0}&#10;&#10;$&#10;A_{BwOrifices}&#10;$&#10;&#10;\end{document}"/>
-  <p:tag name="IGUANATEXSIZE" val="20"/>
-  <p:tag name="IGUANATEXCURSOR" val="177"/>
-  <p:tag name="TRANSPARENCY" val="True"/>
-  <p:tag name="FILENAME" val=""/>
-  <p:tag name="LATEXENGINEID" val="0"/>
-  <p:tag name="TEMPFOLDER" val="c:\temp\"/>
-  <p:tag name="LATEXFORMHEIGHT" val="312"/>
-  <p:tag name="LATEXFORMWIDTH" val="384"/>
-  <p:tag name="LATEXFORMWRAP" val="True"/>
-  <p:tag name="BITMAPVECTOR" val="0"/>
-</p:tagLst>
-</file>
-
-<file path=ppt/tags/tag46.xml><?xml version="1.0" encoding="utf-8"?>
-<p:tagLst xmlns:a="http://schemas.openxmlformats.org/drawingml/2006/main" xmlns:r="http://schemas.openxmlformats.org/officeDocument/2006/relationships" xmlns:p="http://schemas.openxmlformats.org/presentationml/2006/main">
-  <p:tag name="OUTPUTDPI" val="1200"/>
-  <p:tag name="ORIGINALHEIGHT" val="125.9843"/>
-  <p:tag name="ORIGINALWIDTH" val="707.9115"/>
-  <p:tag name="LATEXADDIN" val="\documentclass{article}&#10;\usepackage{amsmath}&#10;\usepackage{xcolor}&#10;\usepackage{ragged2e}&#10;\pagestyle{empty}&#10;\begin{document}&#10;&#10;\definecolor{Monred}{RGB}{172,0,0}&#10;&#10;$&#10;A_{InletOrifices}&#10;$&#10;&#10;\end{document}"/>
-  <p:tag name="IGUANATEXSIZE" val="20"/>
-  <p:tag name="IGUANATEXCURSOR" val="177"/>
-  <p:tag name="TRANSPARENCY" val="True"/>
-  <p:tag name="FILENAME" val=""/>
-  <p:tag name="LATEXENGINEID" val="0"/>
-  <p:tag name="TEMPFOLDER" val="c:\temp\"/>
-  <p:tag name="LATEXFORMHEIGHT" val="312"/>
-  <p:tag name="LATEXFORMWIDTH" val="384"/>
-  <p:tag name="LATEXFORMWRAP" val="True"/>
-  <p:tag name="BITMAPVECTOR" val="0"/>
-</p:tagLst>
-</file>
-
-<file path=ppt/tags/tag47.xml><?xml version="1.0" encoding="utf-8"?>
-<p:tagLst xmlns:a="http://schemas.openxmlformats.org/drawingml/2006/main" xmlns:r="http://schemas.openxmlformats.org/officeDocument/2006/relationships" xmlns:p="http://schemas.openxmlformats.org/presentationml/2006/main">
-  <p:tag name="OUTPUTDPI" val="1200"/>
-  <p:tag name="ORIGINALHEIGHT" val="125.9843"/>
-  <p:tag name="ORIGINALWIDTH" val="880.3899"/>
-  <p:tag name="LATEXADDIN" val="\documentclass{article}&#10;\usepackage{amsmath}&#10;\usepackage{xcolor}&#10;\usepackage{ragged2e}&#10;\pagestyle{empty}&#10;\begin{document}&#10;&#10;\definecolor{Monred}{RGB}{172,0,0}&#10;&#10;$&#10;A_{TopInletOrifices}&#10;$&#10;&#10;\end{document}"/>
-  <p:tag name="IGUANATEXSIZE" val="20"/>
-  <p:tag name="IGUANATEXCURSOR" val="172"/>
-  <p:tag name="TRANSPARENCY" val="True"/>
-  <p:tag name="FILENAME" val=""/>
-  <p:tag name="LATEXENGINEID" val="0"/>
-  <p:tag name="TEMPFOLDER" val="c:\temp\"/>
-  <p:tag name="LATEXFORMHEIGHT" val="312"/>
-  <p:tag name="LATEXFORMWIDTH" val="384"/>
-  <p:tag name="LATEXFORMWRAP" val="True"/>
-  <p:tag name="BITMAPVECTOR" val="0"/>
-</p:tagLst>
-</file>
-
-<file path=ppt/tags/tag48.xml><?xml version="1.0" encoding="utf-8"?>
-<p:tagLst xmlns:a="http://schemas.openxmlformats.org/drawingml/2006/main" xmlns:r="http://schemas.openxmlformats.org/officeDocument/2006/relationships" xmlns:p="http://schemas.openxmlformats.org/presentationml/2006/main">
-  <p:tag name="OUTPUTDPI" val="1200"/>
-  <p:tag name="ORIGINALHEIGHT" val="109.4863"/>
-  <p:tag name="ORIGINALWIDTH" val="607.4241"/>
-  <p:tag name="LATEXADDIN" val="\documentclass{article}&#10;\usepackage{amsmath}&#10;\usepackage{xcolor}&#10;\usepackage{ragged2e}&#10;\pagestyle{empty}&#10;\begin{document}&#10;&#10;\definecolor{Monred}{RGB}{172,0,0}&#10;&#10;$&#10;A_{OutletSlots}&#10;$&#10;&#10;\end{document}"/>
-  <p:tag name="IGUANATEXSIZE" val="20"/>
-  <p:tag name="IGUANATEXCURSOR" val="174"/>
-  <p:tag name="TRANSPARENCY" val="True"/>
-  <p:tag name="FILENAME" val=""/>
-  <p:tag name="LATEXENGINEID" val="0"/>
-  <p:tag name="TEMPFOLDER" val="c:\temp\"/>
-  <p:tag name="LATEXFORMHEIGHT" val="312"/>
-  <p:tag name="LATEXFORMWIDTH" val="384"/>
-  <p:tag name="LATEXFORMWRAP" val="True"/>
-  <p:tag name="BITMAPVECTOR" val="0"/>
-</p:tagLst>
-</file>
-
-<file path=ppt/tags/tag49.xml><?xml version="1.0" encoding="utf-8"?>
-<p:tagLst xmlns:a="http://schemas.openxmlformats.org/drawingml/2006/main" xmlns:r="http://schemas.openxmlformats.org/officeDocument/2006/relationships" xmlns:p="http://schemas.openxmlformats.org/presentationml/2006/main">
-  <p:tag name="OUTPUTDPI" val="1200"/>
-  <p:tag name="ORIGINALHEIGHT" val="125.9843"/>
-  <p:tag name="ORIGINALWIDTH" val="632.171"/>
-  <p:tag name="LATEXADDIN" val="\documentclass{article}&#10;\usepackage{amsmath}&#10;\usepackage{xcolor}&#10;\usepackage{ragged2e}&#10;\pagestyle{empty}&#10;\begin{document}&#10;&#10;\definecolor{Monred}{RGB}{172,0,0}&#10;&#10;$&#10;A_{BwOrifices}&#10;$&#10;&#10;\end{document}"/>
-  <p:tag name="IGUANATEXSIZE" val="20"/>
-  <p:tag name="IGUANATEXCURSOR" val="177"/>
   <p:tag name="TRANSPARENCY" val="True"/>
   <p:tag name="FILENAME" val=""/>
   <p:tag name="LATEXENGINEID" val="0"/>
@@ -42285,11 +46194,11 @@
 <file path=ppt/tags/tag50.xml><?xml version="1.0" encoding="utf-8"?>
 <p:tagLst xmlns:a="http://schemas.openxmlformats.org/drawingml/2006/main" xmlns:r="http://schemas.openxmlformats.org/officeDocument/2006/relationships" xmlns:p="http://schemas.openxmlformats.org/presentationml/2006/main">
   <p:tag name="OUTPUTDPI" val="1200"/>
-  <p:tag name="ORIGINALHEIGHT" val="89.23882"/>
-  <p:tag name="ORIGINALWIDTH" val="86.23921"/>
-  <p:tag name="LATEXADDIN" val="\documentclass{article}&#10;\usepackage{amsmath}&#10;\usepackage{xcolor}&#10;\usepackage{ragged2e}&#10;\pagestyle{empty}&#10;\begin{document}&#10;&#10;\definecolor{Monred}{RGB}{172,0,0}&#10;&#10;$&#10;A$&#10;&#10;\end{document}"/>
+  <p:tag name="ORIGINALHEIGHT" val="124.4844"/>
+  <p:tag name="ORIGINALWIDTH" val="360.7049"/>
+  <p:tag name="LATEXADDIN" val="\documentclass{article}&#10;\usepackage{amsmath}&#10;\usepackage{xcolor}&#10;\usepackage{ragged2e}&#10;\pagestyle{empty}&#10;\begin{document}&#10;&#10;\definecolor{Monred}{RGB}{172,0,0}&#10;&#10;$&#10;Q_{Layer}&#10;$&#10;&#10;&#10;&#10;\end{document}"/>
   <p:tag name="IGUANATEXSIZE" val="20"/>
-  <p:tag name="IGUANATEXCURSOR" val="162"/>
+  <p:tag name="IGUANATEXCURSOR" val="173"/>
   <p:tag name="TRANSPARENCY" val="True"/>
   <p:tag name="FILENAME" val=""/>
   <p:tag name="LATEXENGINEID" val="0"/>
@@ -42304,11 +46213,11 @@
 <file path=ppt/tags/tag51.xml><?xml version="1.0" encoding="utf-8"?>
 <p:tagLst xmlns:a="http://schemas.openxmlformats.org/drawingml/2006/main" xmlns:r="http://schemas.openxmlformats.org/officeDocument/2006/relationships" xmlns:p="http://schemas.openxmlformats.org/presentationml/2006/main">
   <p:tag name="OUTPUTDPI" val="1200"/>
-  <p:tag name="ORIGINALHEIGHT" val="74.24071"/>
-  <p:tag name="ORIGINALWIDTH" val="554.1807"/>
-  <p:tag name="LATEXADDIN" val="\documentclass{article}&#10;\usepackage{amsmath}&#10;\usepackage{xcolor}&#10;\usepackage{ragged2e}&#10;\pagestyle{empty}&#10;\begin{document}&#10;&#10;\definecolor{Monred}{RGB}{172,0,0}&#10;&#10;$&#10;\epsilon_{FilterSand}&#10;$&#10;&#10;&#10;&#10;\end{document}"/>
+  <p:tag name="ORIGINALHEIGHT" val="124.4844"/>
+  <p:tag name="ORIGINALWIDTH" val="360.7049"/>
+  <p:tag name="LATEXADDIN" val="\documentclass{article}&#10;\usepackage{amsmath}&#10;\usepackage{xcolor}&#10;\usepackage{ragged2e}&#10;\pagestyle{empty}&#10;\begin{document}&#10;&#10;\definecolor{Monred}{RGB}{172,0,0}&#10;&#10;$&#10;Q_{Layer}&#10;$&#10;&#10;&#10;&#10;\end{document}"/>
   <p:tag name="IGUANATEXSIZE" val="20"/>
-  <p:tag name="IGUANATEXCURSOR" val="182"/>
+  <p:tag name="IGUANATEXCURSOR" val="173"/>
   <p:tag name="TRANSPARENCY" val="True"/>
   <p:tag name="FILENAME" val=""/>
   <p:tag name="LATEXENGINEID" val="0"/>
@@ -42323,11 +46232,11 @@
 <file path=ppt/tags/tag52.xml><?xml version="1.0" encoding="utf-8"?>
 <p:tagLst xmlns:a="http://schemas.openxmlformats.org/drawingml/2006/main" xmlns:r="http://schemas.openxmlformats.org/officeDocument/2006/relationships" xmlns:p="http://schemas.openxmlformats.org/presentationml/2006/main">
   <p:tag name="OUTPUTDPI" val="1200"/>
-  <p:tag name="ORIGINALHEIGHT" val="55.49307"/>
-  <p:tag name="ORIGINALWIDTH" val="41.99472"/>
-  <p:tag name="LATEXADDIN" val="\documentclass{article}&#10;\usepackage{amsmath}&#10;\usepackage{xcolor}&#10;\usepackage{ragged2e}&#10;\pagestyle{empty}&#10;\begin{document}&#10;&#10;\definecolor{Monred}{RGB}{172,0,0}&#10;&#10;$&#10;\epsilon$&#10;&#10;&#10;&#10;\end{document}"/>
+  <p:tag name="ORIGINALHEIGHT" val="111.7361"/>
+  <p:tag name="ORIGINALWIDTH" val="239.97"/>
+  <p:tag name="LATEXADDIN" val="\documentclass{article}&#10;\usepackage{amsmath}&#10;\usepackage{xcolor}&#10;\usepackage{ragged2e}&#10;\pagestyle{empty}&#10;\begin{document}&#10;&#10;\definecolor{Monred}{RGB}{172,0,0}&#10;&#10;$&#10;Q_{Bw}&#10;$&#10;&#10;&#10;&#10;\end{document}"/>
   <p:tag name="IGUANATEXSIZE" val="20"/>
-  <p:tag name="IGUANATEXCURSOR" val="169"/>
+  <p:tag name="IGUANATEXCURSOR" val="166"/>
   <p:tag name="TRANSPARENCY" val="True"/>
   <p:tag name="FILENAME" val=""/>
   <p:tag name="LATEXENGINEID" val="0"/>
@@ -42342,11 +46251,11 @@
 <file path=ppt/tags/tag53.xml><?xml version="1.0" encoding="utf-8"?>
 <p:tagLst xmlns:a="http://schemas.openxmlformats.org/drawingml/2006/main" xmlns:r="http://schemas.openxmlformats.org/officeDocument/2006/relationships" xmlns:p="http://schemas.openxmlformats.org/presentationml/2006/main">
   <p:tag name="OUTPUTDPI" val="1200"/>
-  <p:tag name="ORIGINALHEIGHT" val="83.23961"/>
-  <p:tag name="ORIGINALWIDTH" val="41.99472"/>
-  <p:tag name="LATEXADDIN" val="\documentclass{article}&#10;\usepackage{amsmath}&#10;\usepackage{xcolor}&#10;\usepackage{ragged2e}&#10;\pagestyle{empty}&#10;\begin{document}&#10;&#10;\definecolor{Monred}{RGB}{172,0,0}&#10;&#10;$ 1 $&#10;&#10;&#10;\end{document}"/>
+  <p:tag name="ORIGINALHEIGHT" val="111.7361"/>
+  <p:tag name="ORIGINALWIDTH" val="86.23921"/>
+  <p:tag name="LATEXADDIN" val="\documentclass{article}&#10;\usepackage{amsmath}&#10;\usepackage{xcolor}&#10;\usepackage{ragged2e}&#10;\pagestyle{empty}&#10;\begin{document}&#10;&#10;\definecolor{Monred}{RGB}{172,0,0}&#10;&#10;$&#10;Q&#10;$&#10;&#10;&#10;&#10;\end{document}"/>
   <p:tag name="IGUANATEXSIZE" val="20"/>
-  <p:tag name="IGUANATEXCURSOR" val="164"/>
+  <p:tag name="IGUANATEXCURSOR" val="162"/>
   <p:tag name="TRANSPARENCY" val="True"/>
   <p:tag name="FILENAME" val=""/>
   <p:tag name="LATEXENGINEID" val="0"/>
@@ -42361,11 +46270,11 @@
 <file path=ppt/tags/tag54.xml><?xml version="1.0" encoding="utf-8"?>
 <p:tagLst xmlns:a="http://schemas.openxmlformats.org/drawingml/2006/main" xmlns:r="http://schemas.openxmlformats.org/officeDocument/2006/relationships" xmlns:p="http://schemas.openxmlformats.org/presentationml/2006/main">
   <p:tag name="OUTPUTDPI" val="1200"/>
-  <p:tag name="ORIGINALHEIGHT" val="83.23961"/>
-  <p:tag name="ORIGINALWIDTH" val="41.99472"/>
-  <p:tag name="LATEXADDIN" val="\documentclass{article}&#10;\usepackage{amsmath}&#10;\usepackage{xcolor}&#10;\usepackage{ragged2e}&#10;\pagestyle{empty}&#10;\begin{document}&#10;&#10;\definecolor{Monred}{RGB}{172,0,0}&#10;&#10;$ 1 $&#10;&#10;&#10;\end{document}"/>
+  <p:tag name="ORIGINALHEIGHT" val="125.9843"/>
+  <p:tag name="ORIGINALWIDTH" val="632.171"/>
+  <p:tag name="LATEXADDIN" val="\documentclass{article}&#10;\usepackage{amsmath}&#10;\usepackage{xcolor}&#10;\usepackage{ragged2e}&#10;\pagestyle{empty}&#10;\begin{document}&#10;&#10;\definecolor{Monred}{RGB}{172,0,0}&#10;&#10;$&#10;A_{BwOrifices}&#10;$&#10;&#10;\end{document}"/>
   <p:tag name="IGUANATEXSIZE" val="20"/>
-  <p:tag name="IGUANATEXCURSOR" val="164"/>
+  <p:tag name="IGUANATEXCURSOR" val="177"/>
   <p:tag name="TRANSPARENCY" val="True"/>
   <p:tag name="FILENAME" val=""/>
   <p:tag name="LATEXENGINEID" val="0"/>
@@ -42380,11 +46289,11 @@
 <file path=ppt/tags/tag55.xml><?xml version="1.0" encoding="utf-8"?>
 <p:tagLst xmlns:a="http://schemas.openxmlformats.org/drawingml/2006/main" xmlns:r="http://schemas.openxmlformats.org/officeDocument/2006/relationships" xmlns:p="http://schemas.openxmlformats.org/presentationml/2006/main">
   <p:tag name="OUTPUTDPI" val="1200"/>
-  <p:tag name="ORIGINALHEIGHT" val="83.23961"/>
-  <p:tag name="ORIGINALWIDTH" val="41.99472"/>
-  <p:tag name="LATEXADDIN" val="\documentclass{article}&#10;\usepackage{amsmath}&#10;\usepackage{xcolor}&#10;\usepackage{ragged2e}&#10;\pagestyle{empty}&#10;\begin{document}&#10;&#10;\definecolor{Monred}{RGB}{172,0,0}&#10;&#10;$ 1 $&#10;&#10;&#10;\end{document}"/>
+  <p:tag name="ORIGINALHEIGHT" val="125.9843"/>
+  <p:tag name="ORIGINALWIDTH" val="707.9115"/>
+  <p:tag name="LATEXADDIN" val="\documentclass{article}&#10;\usepackage{amsmath}&#10;\usepackage{xcolor}&#10;\usepackage{ragged2e}&#10;\pagestyle{empty}&#10;\begin{document}&#10;&#10;\definecolor{Monred}{RGB}{172,0,0}&#10;&#10;$&#10;A_{InletOrifices}&#10;$&#10;&#10;\end{document}"/>
   <p:tag name="IGUANATEXSIZE" val="20"/>
-  <p:tag name="IGUANATEXCURSOR" val="164"/>
+  <p:tag name="IGUANATEXCURSOR" val="177"/>
   <p:tag name="TRANSPARENCY" val="True"/>
   <p:tag name="FILENAME" val=""/>
   <p:tag name="LATEXENGINEID" val="0"/>
@@ -42399,11 +46308,11 @@
 <file path=ppt/tags/tag56.xml><?xml version="1.0" encoding="utf-8"?>
 <p:tagLst xmlns:a="http://schemas.openxmlformats.org/drawingml/2006/main" xmlns:r="http://schemas.openxmlformats.org/officeDocument/2006/relationships" xmlns:p="http://schemas.openxmlformats.org/presentationml/2006/main">
   <p:tag name="OUTPUTDPI" val="1200"/>
-  <p:tag name="ORIGINALHEIGHT" val="83.23961"/>
-  <p:tag name="ORIGINALWIDTH" val="41.99472"/>
-  <p:tag name="LATEXADDIN" val="\documentclass{article}&#10;\usepackage{amsmath}&#10;\usepackage{xcolor}&#10;\usepackage{ragged2e}&#10;\pagestyle{empty}&#10;\begin{document}&#10;&#10;\definecolor{Monred}{RGB}{172,0,0}&#10;&#10;$ 1 $&#10;&#10;&#10;\end{document}"/>
+  <p:tag name="ORIGINALHEIGHT" val="125.9843"/>
+  <p:tag name="ORIGINALWIDTH" val="880.3899"/>
+  <p:tag name="LATEXADDIN" val="\documentclass{article}&#10;\usepackage{amsmath}&#10;\usepackage{xcolor}&#10;\usepackage{ragged2e}&#10;\pagestyle{empty}&#10;\begin{document}&#10;&#10;\definecolor{Monred}{RGB}{172,0,0}&#10;&#10;$&#10;A_{TopInletOrifices}&#10;$&#10;&#10;\end{document}"/>
   <p:tag name="IGUANATEXSIZE" val="20"/>
-  <p:tag name="IGUANATEXCURSOR" val="164"/>
+  <p:tag name="IGUANATEXCURSOR" val="172"/>
   <p:tag name="TRANSPARENCY" val="True"/>
   <p:tag name="FILENAME" val=""/>
   <p:tag name="LATEXENGINEID" val="0"/>
@@ -42418,11 +46327,11 @@
 <file path=ppt/tags/tag57.xml><?xml version="1.0" encoding="utf-8"?>
 <p:tagLst xmlns:a="http://schemas.openxmlformats.org/drawingml/2006/main" xmlns:r="http://schemas.openxmlformats.org/officeDocument/2006/relationships" xmlns:p="http://schemas.openxmlformats.org/presentationml/2006/main">
   <p:tag name="OUTPUTDPI" val="1200"/>
-  <p:tag name="ORIGINALHEIGHT" val="122.2347"/>
-  <p:tag name="ORIGINALWIDTH" val="590.9261"/>
-  <p:tag name="LATEXADDIN" val="\documentclass{article}&#10;\usepackage{amsmath}&#10;\usepackage{xcolor}&#10;\usepackage{ragged2e}&#10;\pagestyle{empty}&#10;\begin{document}&#10;&#10;\definecolor{Monred}{RGB}{172,0,0}&#10;&#10;$&#10;\Pi_{VCOrifice}&#10;$&#10;&#10;\end{document}"/>
+  <p:tag name="ORIGINALHEIGHT" val="109.4863"/>
+  <p:tag name="ORIGINALWIDTH" val="607.4241"/>
+  <p:tag name="LATEXADDIN" val="\documentclass{article}&#10;\usepackage{amsmath}&#10;\usepackage{xcolor}&#10;\usepackage{ragged2e}&#10;\pagestyle{empty}&#10;\begin{document}&#10;&#10;\definecolor{Monred}{RGB}{172,0,0}&#10;&#10;$&#10;A_{OutletSlots}&#10;$&#10;&#10;\end{document}"/>
   <p:tag name="IGUANATEXSIZE" val="20"/>
-  <p:tag name="IGUANATEXCURSOR" val="178"/>
+  <p:tag name="IGUANATEXCURSOR" val="174"/>
   <p:tag name="TRANSPARENCY" val="True"/>
   <p:tag name="FILENAME" val=""/>
   <p:tag name="LATEXENGINEID" val="0"/>
@@ -42437,11 +46346,11 @@
 <file path=ppt/tags/tag58.xml><?xml version="1.0" encoding="utf-8"?>
 <p:tagLst xmlns:a="http://schemas.openxmlformats.org/drawingml/2006/main" xmlns:r="http://schemas.openxmlformats.org/officeDocument/2006/relationships" xmlns:p="http://schemas.openxmlformats.org/presentationml/2006/main">
   <p:tag name="OUTPUTDPI" val="1200"/>
-  <p:tag name="ORIGINALHEIGHT" val="122.2347"/>
-  <p:tag name="ORIGINALWIDTH" val="590.9261"/>
-  <p:tag name="LATEXADDIN" val="\documentclass{article}&#10;\usepackage{amsmath}&#10;\usepackage{xcolor}&#10;\usepackage{ragged2e}&#10;\pagestyle{empty}&#10;\begin{document}&#10;&#10;\definecolor{Monred}{RGB}{172,0,0}&#10;&#10;$&#10;\Pi_{VCOrifice}&#10;$&#10;&#10;\end{document}"/>
+  <p:tag name="ORIGINALHEIGHT" val="125.9843"/>
+  <p:tag name="ORIGINALWIDTH" val="632.171"/>
+  <p:tag name="LATEXADDIN" val="\documentclass{article}&#10;\usepackage{amsmath}&#10;\usepackage{xcolor}&#10;\usepackage{ragged2e}&#10;\pagestyle{empty}&#10;\begin{document}&#10;&#10;\definecolor{Monred}{RGB}{172,0,0}&#10;&#10;$&#10;A_{BwOrifices}&#10;$&#10;&#10;\end{document}"/>
   <p:tag name="IGUANATEXSIZE" val="20"/>
-  <p:tag name="IGUANATEXCURSOR" val="178"/>
+  <p:tag name="IGUANATEXCURSOR" val="177"/>
   <p:tag name="TRANSPARENCY" val="True"/>
   <p:tag name="FILENAME" val=""/>
   <p:tag name="LATEXENGINEID" val="0"/>
@@ -42456,11 +46365,11 @@
 <file path=ppt/tags/tag59.xml><?xml version="1.0" encoding="utf-8"?>
 <p:tagLst xmlns:a="http://schemas.openxmlformats.org/drawingml/2006/main" xmlns:r="http://schemas.openxmlformats.org/officeDocument/2006/relationships" xmlns:p="http://schemas.openxmlformats.org/presentationml/2006/main">
   <p:tag name="OUTPUTDPI" val="1200"/>
-  <p:tag name="ORIGINALHEIGHT" val="122.2347"/>
-  <p:tag name="ORIGINALWIDTH" val="590.9261"/>
-  <p:tag name="LATEXADDIN" val="\documentclass{article}&#10;\usepackage{amsmath}&#10;\usepackage{xcolor}&#10;\usepackage{ragged2e}&#10;\pagestyle{empty}&#10;\begin{document}&#10;&#10;\definecolor{Monred}{RGB}{172,0,0}&#10;&#10;$&#10;\Pi_{VCOrifice}&#10;$&#10;&#10;\end{document}"/>
+  <p:tag name="ORIGINALHEIGHT" val="89.23882"/>
+  <p:tag name="ORIGINALWIDTH" val="86.23921"/>
+  <p:tag name="LATEXADDIN" val="\documentclass{article}&#10;\usepackage{amsmath}&#10;\usepackage{xcolor}&#10;\usepackage{ragged2e}&#10;\pagestyle{empty}&#10;\begin{document}&#10;&#10;\definecolor{Monred}{RGB}{172,0,0}&#10;&#10;$&#10;A$&#10;&#10;\end{document}"/>
   <p:tag name="IGUANATEXSIZE" val="20"/>
-  <p:tag name="IGUANATEXCURSOR" val="178"/>
+  <p:tag name="IGUANATEXCURSOR" val="162"/>
   <p:tag name="TRANSPARENCY" val="True"/>
   <p:tag name="FILENAME" val=""/>
   <p:tag name="LATEXENGINEID" val="0"/>
@@ -42494,11 +46403,11 @@
 <file path=ppt/tags/tag60.xml><?xml version="1.0" encoding="utf-8"?>
 <p:tagLst xmlns:a="http://schemas.openxmlformats.org/drawingml/2006/main" xmlns:r="http://schemas.openxmlformats.org/officeDocument/2006/relationships" xmlns:p="http://schemas.openxmlformats.org/presentationml/2006/main">
   <p:tag name="OUTPUTDPI" val="1200"/>
-  <p:tag name="ORIGINALHEIGHT" val="122.2347"/>
-  <p:tag name="ORIGINALWIDTH" val="590.9261"/>
-  <p:tag name="LATEXADDIN" val="\documentclass{article}&#10;\usepackage{amsmath}&#10;\usepackage{xcolor}&#10;\usepackage{ragged2e}&#10;\pagestyle{empty}&#10;\begin{document}&#10;&#10;\definecolor{Monred}{RGB}{172,0,0}&#10;&#10;$&#10;\Pi_{VCOrifice}&#10;$&#10;&#10;\end{document}"/>
+  <p:tag name="ORIGINALHEIGHT" val="74.24071"/>
+  <p:tag name="ORIGINALWIDTH" val="554.1807"/>
+  <p:tag name="LATEXADDIN" val="\documentclass{article}&#10;\usepackage{amsmath}&#10;\usepackage{xcolor}&#10;\usepackage{ragged2e}&#10;\pagestyle{empty}&#10;\begin{document}&#10;&#10;\definecolor{Monred}{RGB}{172,0,0}&#10;&#10;$&#10;\epsilon_{FilterSand}&#10;$&#10;&#10;&#10;&#10;\end{document}"/>
   <p:tag name="IGUANATEXSIZE" val="20"/>
-  <p:tag name="IGUANATEXCURSOR" val="178"/>
+  <p:tag name="IGUANATEXCURSOR" val="182"/>
   <p:tag name="TRANSPARENCY" val="True"/>
   <p:tag name="FILENAME" val=""/>
   <p:tag name="LATEXENGINEID" val="0"/>
@@ -42511,6 +46420,101 @@
 </file>
 
 <file path=ppt/tags/tag61.xml><?xml version="1.0" encoding="utf-8"?>
+<p:tagLst xmlns:a="http://schemas.openxmlformats.org/drawingml/2006/main" xmlns:r="http://schemas.openxmlformats.org/officeDocument/2006/relationships" xmlns:p="http://schemas.openxmlformats.org/presentationml/2006/main">
+  <p:tag name="OUTPUTDPI" val="1200"/>
+  <p:tag name="ORIGINALHEIGHT" val="55.49307"/>
+  <p:tag name="ORIGINALWIDTH" val="41.99472"/>
+  <p:tag name="LATEXADDIN" val="\documentclass{article}&#10;\usepackage{amsmath}&#10;\usepackage{xcolor}&#10;\usepackage{ragged2e}&#10;\pagestyle{empty}&#10;\begin{document}&#10;&#10;\definecolor{Monred}{RGB}{172,0,0}&#10;&#10;$&#10;\epsilon$&#10;&#10;&#10;&#10;\end{document}"/>
+  <p:tag name="IGUANATEXSIZE" val="20"/>
+  <p:tag name="IGUANATEXCURSOR" val="169"/>
+  <p:tag name="TRANSPARENCY" val="True"/>
+  <p:tag name="FILENAME" val=""/>
+  <p:tag name="LATEXENGINEID" val="0"/>
+  <p:tag name="TEMPFOLDER" val="c:\temp\"/>
+  <p:tag name="LATEXFORMHEIGHT" val="312"/>
+  <p:tag name="LATEXFORMWIDTH" val="384"/>
+  <p:tag name="LATEXFORMWRAP" val="True"/>
+  <p:tag name="BITMAPVECTOR" val="0"/>
+</p:tagLst>
+</file>
+
+<file path=ppt/tags/tag62.xml><?xml version="1.0" encoding="utf-8"?>
+<p:tagLst xmlns:a="http://schemas.openxmlformats.org/drawingml/2006/main" xmlns:r="http://schemas.openxmlformats.org/officeDocument/2006/relationships" xmlns:p="http://schemas.openxmlformats.org/presentationml/2006/main">
+  <p:tag name="OUTPUTDPI" val="1200"/>
+  <p:tag name="ORIGINALHEIGHT" val="83.23961"/>
+  <p:tag name="ORIGINALWIDTH" val="41.99472"/>
+  <p:tag name="LATEXADDIN" val="\documentclass{article}&#10;\usepackage{amsmath}&#10;\usepackage{xcolor}&#10;\usepackage{ragged2e}&#10;\pagestyle{empty}&#10;\begin{document}&#10;&#10;\definecolor{Monred}{RGB}{172,0,0}&#10;&#10;$ 1 $&#10;&#10;&#10;\end{document}"/>
+  <p:tag name="IGUANATEXSIZE" val="20"/>
+  <p:tag name="IGUANATEXCURSOR" val="164"/>
+  <p:tag name="TRANSPARENCY" val="True"/>
+  <p:tag name="FILENAME" val=""/>
+  <p:tag name="LATEXENGINEID" val="0"/>
+  <p:tag name="TEMPFOLDER" val="c:\temp\"/>
+  <p:tag name="LATEXFORMHEIGHT" val="312"/>
+  <p:tag name="LATEXFORMWIDTH" val="384"/>
+  <p:tag name="LATEXFORMWRAP" val="True"/>
+  <p:tag name="BITMAPVECTOR" val="0"/>
+</p:tagLst>
+</file>
+
+<file path=ppt/tags/tag63.xml><?xml version="1.0" encoding="utf-8"?>
+<p:tagLst xmlns:a="http://schemas.openxmlformats.org/drawingml/2006/main" xmlns:r="http://schemas.openxmlformats.org/officeDocument/2006/relationships" xmlns:p="http://schemas.openxmlformats.org/presentationml/2006/main">
+  <p:tag name="OUTPUTDPI" val="1200"/>
+  <p:tag name="ORIGINALHEIGHT" val="83.23961"/>
+  <p:tag name="ORIGINALWIDTH" val="41.99472"/>
+  <p:tag name="LATEXADDIN" val="\documentclass{article}&#10;\usepackage{amsmath}&#10;\usepackage{xcolor}&#10;\usepackage{ragged2e}&#10;\pagestyle{empty}&#10;\begin{document}&#10;&#10;\definecolor{Monred}{RGB}{172,0,0}&#10;&#10;$ 1 $&#10;&#10;&#10;\end{document}"/>
+  <p:tag name="IGUANATEXSIZE" val="20"/>
+  <p:tag name="IGUANATEXCURSOR" val="164"/>
+  <p:tag name="TRANSPARENCY" val="True"/>
+  <p:tag name="FILENAME" val=""/>
+  <p:tag name="LATEXENGINEID" val="0"/>
+  <p:tag name="TEMPFOLDER" val="c:\temp\"/>
+  <p:tag name="LATEXFORMHEIGHT" val="312"/>
+  <p:tag name="LATEXFORMWIDTH" val="384"/>
+  <p:tag name="LATEXFORMWRAP" val="True"/>
+  <p:tag name="BITMAPVECTOR" val="0"/>
+</p:tagLst>
+</file>
+
+<file path=ppt/tags/tag64.xml><?xml version="1.0" encoding="utf-8"?>
+<p:tagLst xmlns:a="http://schemas.openxmlformats.org/drawingml/2006/main" xmlns:r="http://schemas.openxmlformats.org/officeDocument/2006/relationships" xmlns:p="http://schemas.openxmlformats.org/presentationml/2006/main">
+  <p:tag name="OUTPUTDPI" val="1200"/>
+  <p:tag name="ORIGINALHEIGHT" val="83.23961"/>
+  <p:tag name="ORIGINALWIDTH" val="41.99472"/>
+  <p:tag name="LATEXADDIN" val="\documentclass{article}&#10;\usepackage{amsmath}&#10;\usepackage{xcolor}&#10;\usepackage{ragged2e}&#10;\pagestyle{empty}&#10;\begin{document}&#10;&#10;\definecolor{Monred}{RGB}{172,0,0}&#10;&#10;$ 1 $&#10;&#10;&#10;\end{document}"/>
+  <p:tag name="IGUANATEXSIZE" val="20"/>
+  <p:tag name="IGUANATEXCURSOR" val="164"/>
+  <p:tag name="TRANSPARENCY" val="True"/>
+  <p:tag name="FILENAME" val=""/>
+  <p:tag name="LATEXENGINEID" val="0"/>
+  <p:tag name="TEMPFOLDER" val="c:\temp\"/>
+  <p:tag name="LATEXFORMHEIGHT" val="312"/>
+  <p:tag name="LATEXFORMWIDTH" val="384"/>
+  <p:tag name="LATEXFORMWRAP" val="True"/>
+  <p:tag name="BITMAPVECTOR" val="0"/>
+</p:tagLst>
+</file>
+
+<file path=ppt/tags/tag65.xml><?xml version="1.0" encoding="utf-8"?>
+<p:tagLst xmlns:a="http://schemas.openxmlformats.org/drawingml/2006/main" xmlns:r="http://schemas.openxmlformats.org/officeDocument/2006/relationships" xmlns:p="http://schemas.openxmlformats.org/presentationml/2006/main">
+  <p:tag name="OUTPUTDPI" val="1200"/>
+  <p:tag name="ORIGINALHEIGHT" val="83.23961"/>
+  <p:tag name="ORIGINALWIDTH" val="41.99472"/>
+  <p:tag name="LATEXADDIN" val="\documentclass{article}&#10;\usepackage{amsmath}&#10;\usepackage{xcolor}&#10;\usepackage{ragged2e}&#10;\pagestyle{empty}&#10;\begin{document}&#10;&#10;\definecolor{Monred}{RGB}{172,0,0}&#10;&#10;$ 1 $&#10;&#10;&#10;\end{document}"/>
+  <p:tag name="IGUANATEXSIZE" val="20"/>
+  <p:tag name="IGUANATEXCURSOR" val="164"/>
+  <p:tag name="TRANSPARENCY" val="True"/>
+  <p:tag name="FILENAME" val=""/>
+  <p:tag name="LATEXENGINEID" val="0"/>
+  <p:tag name="TEMPFOLDER" val="c:\temp\"/>
+  <p:tag name="LATEXFORMHEIGHT" val="312"/>
+  <p:tag name="LATEXFORMWIDTH" val="384"/>
+  <p:tag name="LATEXFORMWRAP" val="True"/>
+  <p:tag name="BITMAPVECTOR" val="0"/>
+</p:tagLst>
+</file>
+
+<file path=ppt/tags/tag66.xml><?xml version="1.0" encoding="utf-8"?>
 <p:tagLst xmlns:a="http://schemas.openxmlformats.org/drawingml/2006/main" xmlns:r="http://schemas.openxmlformats.org/officeDocument/2006/relationships" xmlns:p="http://schemas.openxmlformats.org/presentationml/2006/main">
   <p:tag name="OUTPUTDPI" val="1200"/>
   <p:tag name="ORIGINALHEIGHT" val="122.2347"/>
@@ -42529,109 +46533,14 @@
 </p:tagLst>
 </file>
 
-<file path=ppt/tags/tag62.xml><?xml version="1.0" encoding="utf-8"?>
-<p:tagLst xmlns:a="http://schemas.openxmlformats.org/drawingml/2006/main" xmlns:r="http://schemas.openxmlformats.org/officeDocument/2006/relationships" xmlns:p="http://schemas.openxmlformats.org/presentationml/2006/main">
-  <p:tag name="OUTPUTDPI" val="1200"/>
-  <p:tag name="ORIGINALHEIGHT" val="85.48929"/>
-  <p:tag name="ORIGINALWIDTH" val="85.48929"/>
-  <p:tag name="LATEXADDIN" val="\documentclass{article}&#10;\usepackage{amsmath}&#10;\usepackage{xcolor}&#10;\usepackage{ragged2e}&#10;\pagestyle{empty}&#10;\begin{document}&#10;&#10;\definecolor{Monred}{RGB}{172,0,0}&#10;&#10;$&#10;\Pi$&#10;&#10;\end{document}"/>
-  <p:tag name="IGUANATEXSIZE" val="20"/>
-  <p:tag name="IGUANATEXCURSOR" val="164"/>
-  <p:tag name="TRANSPARENCY" val="True"/>
-  <p:tag name="FILENAME" val=""/>
-  <p:tag name="LATEXENGINEID" val="0"/>
-  <p:tag name="TEMPFOLDER" val="c:\temp\"/>
-  <p:tag name="LATEXFORMHEIGHT" val="312"/>
-  <p:tag name="LATEXFORMWIDTH" val="384"/>
-  <p:tag name="LATEXFORMWRAP" val="True"/>
-  <p:tag name="BITMAPVECTOR" val="0"/>
-</p:tagLst>
-</file>
-
-<file path=ppt/tags/tag63.xml><?xml version="1.0" encoding="utf-8"?>
-<p:tagLst xmlns:a="http://schemas.openxmlformats.org/drawingml/2006/main" xmlns:r="http://schemas.openxmlformats.org/officeDocument/2006/relationships" xmlns:p="http://schemas.openxmlformats.org/presentationml/2006/main">
-  <p:tag name="OUTPUTDPI" val="1200"/>
-  <p:tag name="ORIGINALHEIGHT" val="80.24"/>
-  <p:tag name="ORIGINALWIDTH" val="57.74276"/>
-  <p:tag name="LATEXADDIN" val="\documentclass{article}&#10;\usepackage{amsmath}&#10;\usepackage{xcolor}&#10;\usepackage{ragged2e}&#10;\pagestyle{empty}&#10;\begin{document}&#10;&#10;\definecolor{Monred}{RGB}{172,0,0}&#10;&#10;&#10;$&#10;g&#10;$&#10;&#10;\end{document}"/>
-  <p:tag name="IGUANATEXSIZE" val="20"/>
-  <p:tag name="IGUANATEXCURSOR" val="165"/>
-  <p:tag name="TRANSPARENCY" val="True"/>
-  <p:tag name="FILENAME" val=""/>
-  <p:tag name="LATEXENGINEID" val="0"/>
-  <p:tag name="TEMPFOLDER" val="c:\temp\"/>
-  <p:tag name="LATEXFORMHEIGHT" val="312"/>
-  <p:tag name="LATEXFORMWIDTH" val="384"/>
-  <p:tag name="LATEXFORMWRAP" val="True"/>
-  <p:tag name="BITMAPVECTOR" val="0"/>
-</p:tagLst>
-</file>
-
-<file path=ppt/tags/tag64.xml><?xml version="1.0" encoding="utf-8"?>
-<p:tagLst xmlns:a="http://schemas.openxmlformats.org/drawingml/2006/main" xmlns:r="http://schemas.openxmlformats.org/officeDocument/2006/relationships" xmlns:p="http://schemas.openxmlformats.org/presentationml/2006/main">
-  <p:tag name="OUTPUTDPI" val="1200"/>
-  <p:tag name="ORIGINALHEIGHT" val="80.24"/>
-  <p:tag name="ORIGINALWIDTH" val="57.74276"/>
-  <p:tag name="LATEXADDIN" val="\documentclass{article}&#10;\usepackage{amsmath}&#10;\usepackage{xcolor}&#10;\usepackage{ragged2e}&#10;\pagestyle{empty}&#10;\begin{document}&#10;&#10;\definecolor{Monred}{RGB}{172,0,0}&#10;&#10;&#10;$&#10;g&#10;$&#10;&#10;\end{document}"/>
-  <p:tag name="IGUANATEXSIZE" val="20"/>
-  <p:tag name="IGUANATEXCURSOR" val="165"/>
-  <p:tag name="TRANSPARENCY" val="True"/>
-  <p:tag name="FILENAME" val=""/>
-  <p:tag name="LATEXENGINEID" val="0"/>
-  <p:tag name="TEMPFOLDER" val="c:\temp\"/>
-  <p:tag name="LATEXFORMHEIGHT" val="312"/>
-  <p:tag name="LATEXFORMWIDTH" val="384"/>
-  <p:tag name="LATEXFORMWRAP" val="True"/>
-  <p:tag name="BITMAPVECTOR" val="0"/>
-</p:tagLst>
-</file>
-
-<file path=ppt/tags/tag65.xml><?xml version="1.0" encoding="utf-8"?>
-<p:tagLst xmlns:a="http://schemas.openxmlformats.org/drawingml/2006/main" xmlns:r="http://schemas.openxmlformats.org/officeDocument/2006/relationships" xmlns:p="http://schemas.openxmlformats.org/presentationml/2006/main">
-  <p:tag name="OUTPUTDPI" val="1200"/>
-  <p:tag name="ORIGINALHEIGHT" val="80.24"/>
-  <p:tag name="ORIGINALWIDTH" val="57.74276"/>
-  <p:tag name="LATEXADDIN" val="\documentclass{article}&#10;\usepackage{amsmath}&#10;\usepackage{xcolor}&#10;\usepackage{ragged2e}&#10;\pagestyle{empty}&#10;\begin{document}&#10;&#10;\definecolor{Monred}{RGB}{172,0,0}&#10;&#10;&#10;$&#10;g&#10;$&#10;&#10;\end{document}"/>
-  <p:tag name="IGUANATEXSIZE" val="20"/>
-  <p:tag name="IGUANATEXCURSOR" val="165"/>
-  <p:tag name="TRANSPARENCY" val="True"/>
-  <p:tag name="FILENAME" val=""/>
-  <p:tag name="LATEXENGINEID" val="0"/>
-  <p:tag name="TEMPFOLDER" val="c:\temp\"/>
-  <p:tag name="LATEXFORMHEIGHT" val="312"/>
-  <p:tag name="LATEXFORMWIDTH" val="384"/>
-  <p:tag name="LATEXFORMWRAP" val="True"/>
-  <p:tag name="BITMAPVECTOR" val="0"/>
-</p:tagLst>
-</file>
-
-<file path=ppt/tags/tag66.xml><?xml version="1.0" encoding="utf-8"?>
-<p:tagLst xmlns:a="http://schemas.openxmlformats.org/drawingml/2006/main" xmlns:r="http://schemas.openxmlformats.org/officeDocument/2006/relationships" xmlns:p="http://schemas.openxmlformats.org/presentationml/2006/main">
-  <p:tag name="OUTPUTDPI" val="1200"/>
-  <p:tag name="ORIGINALHEIGHT" val="80.24"/>
-  <p:tag name="ORIGINALWIDTH" val="57.74276"/>
-  <p:tag name="LATEXADDIN" val="\documentclass{article}&#10;\usepackage{amsmath}&#10;\usepackage{xcolor}&#10;\usepackage{ragged2e}&#10;\pagestyle{empty}&#10;\begin{document}&#10;&#10;\definecolor{Monred}{RGB}{172,0,0}&#10;&#10;&#10;$&#10;g&#10;$&#10;&#10;\end{document}"/>
-  <p:tag name="IGUANATEXSIZE" val="20"/>
-  <p:tag name="IGUANATEXCURSOR" val="165"/>
-  <p:tag name="TRANSPARENCY" val="True"/>
-  <p:tag name="FILENAME" val=""/>
-  <p:tag name="LATEXENGINEID" val="0"/>
-  <p:tag name="TEMPFOLDER" val="c:\temp\"/>
-  <p:tag name="LATEXFORMHEIGHT" val="312"/>
-  <p:tag name="LATEXFORMWIDTH" val="384"/>
-  <p:tag name="LATEXFORMWRAP" val="True"/>
-  <p:tag name="BITMAPVECTOR" val="0"/>
-</p:tagLst>
-</file>
-
 <file path=ppt/tags/tag67.xml><?xml version="1.0" encoding="utf-8"?>
 <p:tagLst xmlns:a="http://schemas.openxmlformats.org/drawingml/2006/main" xmlns:r="http://schemas.openxmlformats.org/officeDocument/2006/relationships" xmlns:p="http://schemas.openxmlformats.org/presentationml/2006/main">
   <p:tag name="OUTPUTDPI" val="1200"/>
-  <p:tag name="ORIGINALHEIGHT" val="80.24"/>
-  <p:tag name="ORIGINALWIDTH" val="57.74276"/>
-  <p:tag name="LATEXADDIN" val="\documentclass{article}&#10;\usepackage{amsmath}&#10;\usepackage{xcolor}&#10;\usepackage{ragged2e}&#10;\pagestyle{empty}&#10;\begin{document}&#10;&#10;\definecolor{Monred}{RGB}{172,0,0}&#10;&#10;&#10;$&#10;g&#10;$&#10;&#10;\end{document}"/>
+  <p:tag name="ORIGINALHEIGHT" val="122.2347"/>
+  <p:tag name="ORIGINALWIDTH" val="590.9261"/>
+  <p:tag name="LATEXADDIN" val="\documentclass{article}&#10;\usepackage{amsmath}&#10;\usepackage{xcolor}&#10;\usepackage{ragged2e}&#10;\pagestyle{empty}&#10;\begin{document}&#10;&#10;\definecolor{Monred}{RGB}{172,0,0}&#10;&#10;$&#10;\Pi_{VCOrifice}&#10;$&#10;&#10;\end{document}"/>
   <p:tag name="IGUANATEXSIZE" val="20"/>
-  <p:tag name="IGUANATEXCURSOR" val="165"/>
+  <p:tag name="IGUANATEXCURSOR" val="178"/>
   <p:tag name="TRANSPARENCY" val="True"/>
   <p:tag name="FILENAME" val=""/>
   <p:tag name="LATEXENGINEID" val="0"/>
@@ -42646,11 +46555,11 @@
 <file path=ppt/tags/tag68.xml><?xml version="1.0" encoding="utf-8"?>
 <p:tagLst xmlns:a="http://schemas.openxmlformats.org/drawingml/2006/main" xmlns:r="http://schemas.openxmlformats.org/officeDocument/2006/relationships" xmlns:p="http://schemas.openxmlformats.org/presentationml/2006/main">
   <p:tag name="OUTPUTDPI" val="1200"/>
-  <p:tag name="ORIGINALHEIGHT" val="80.24"/>
-  <p:tag name="ORIGINALWIDTH" val="57.74276"/>
-  <p:tag name="LATEXADDIN" val="\documentclass{article}&#10;\usepackage{amsmath}&#10;\usepackage{xcolor}&#10;\usepackage{ragged2e}&#10;\pagestyle{empty}&#10;\begin{document}&#10;&#10;\definecolor{Monred}{RGB}{172,0,0}&#10;&#10;&#10;$&#10;g&#10;$&#10;&#10;\end{document}"/>
+  <p:tag name="ORIGINALHEIGHT" val="122.2347"/>
+  <p:tag name="ORIGINALWIDTH" val="590.9261"/>
+  <p:tag name="LATEXADDIN" val="\documentclass{article}&#10;\usepackage{amsmath}&#10;\usepackage{xcolor}&#10;\usepackage{ragged2e}&#10;\pagestyle{empty}&#10;\begin{document}&#10;&#10;\definecolor{Monred}{RGB}{172,0,0}&#10;&#10;$&#10;\Pi_{VCOrifice}&#10;$&#10;&#10;\end{document}"/>
   <p:tag name="IGUANATEXSIZE" val="20"/>
-  <p:tag name="IGUANATEXCURSOR" val="165"/>
+  <p:tag name="IGUANATEXCURSOR" val="178"/>
   <p:tag name="TRANSPARENCY" val="True"/>
   <p:tag name="FILENAME" val=""/>
   <p:tag name="LATEXENGINEID" val="0"/>
@@ -42665,11 +46574,11 @@
 <file path=ppt/tags/tag69.xml><?xml version="1.0" encoding="utf-8"?>
 <p:tagLst xmlns:a="http://schemas.openxmlformats.org/drawingml/2006/main" xmlns:r="http://schemas.openxmlformats.org/officeDocument/2006/relationships" xmlns:p="http://schemas.openxmlformats.org/presentationml/2006/main">
   <p:tag name="OUTPUTDPI" val="1200"/>
-  <p:tag name="ORIGINALHEIGHT" val="121.4848"/>
-  <p:tag name="ORIGINALWIDTH" val="1097.863"/>
-  <p:tag name="LATEXADDIN" val="\documentclass{article}&#10;\usepackage{amsmath}&#10;\usepackage{xcolor}&#10;\usepackage{ragged2e}&#10;\pagestyle{empty}&#10;\begin{document}&#10;&#10;\definecolor{Monred}{RGB}{172,0,0}&#10;&#10;$&#10;HL_{BwOrificeForward}&#10;$&#10;&#10;&#10;&#10;\end{document}"/>
+  <p:tag name="ORIGINALHEIGHT" val="122.2347"/>
+  <p:tag name="ORIGINALWIDTH" val="590.9261"/>
+  <p:tag name="LATEXADDIN" val="\documentclass{article}&#10;\usepackage{amsmath}&#10;\usepackage{xcolor}&#10;\usepackage{ragged2e}&#10;\pagestyle{empty}&#10;\begin{document}&#10;&#10;\definecolor{Monred}{RGB}{172,0,0}&#10;&#10;$&#10;\Pi_{VCOrifice}&#10;$&#10;&#10;\end{document}"/>
   <p:tag name="IGUANATEXSIZE" val="20"/>
-  <p:tag name="IGUANATEXCURSOR" val="185"/>
+  <p:tag name="IGUANATEXCURSOR" val="178"/>
   <p:tag name="TRANSPARENCY" val="True"/>
   <p:tag name="FILENAME" val=""/>
   <p:tag name="LATEXENGINEID" val="0"/>
@@ -42703,11 +46612,11 @@
 <file path=ppt/tags/tag70.xml><?xml version="1.0" encoding="utf-8"?>
 <p:tagLst xmlns:a="http://schemas.openxmlformats.org/drawingml/2006/main" xmlns:r="http://schemas.openxmlformats.org/officeDocument/2006/relationships" xmlns:p="http://schemas.openxmlformats.org/presentationml/2006/main">
   <p:tag name="OUTPUTDPI" val="1200"/>
-  <p:tag name="ORIGINALHEIGHT" val="121.4848"/>
-  <p:tag name="ORIGINALWIDTH" val="1172.853"/>
-  <p:tag name="LATEXADDIN" val="\documentclass{article}&#10;\usepackage{amsmath}&#10;\usepackage{xcolor}&#10;\usepackage{ragged2e}&#10;\pagestyle{empty}&#10;\begin{document}&#10;&#10;\definecolor{Monred}{RGB}{172,0,0}&#10;&#10;$&#10;HL_{InletOrificeForward}&#10;$&#10;&#10;&#10;&#10;\end{document}"/>
+  <p:tag name="ORIGINALHEIGHT" val="122.2347"/>
+  <p:tag name="ORIGINALWIDTH" val="590.9261"/>
+  <p:tag name="LATEXADDIN" val="\documentclass{article}&#10;\usepackage{amsmath}&#10;\usepackage{xcolor}&#10;\usepackage{ragged2e}&#10;\pagestyle{empty}&#10;\begin{document}&#10;&#10;\definecolor{Monred}{RGB}{172,0,0}&#10;&#10;$&#10;\Pi_{VCOrifice}&#10;$&#10;&#10;\end{document}"/>
   <p:tag name="IGUANATEXSIZE" val="20"/>
-  <p:tag name="IGUANATEXCURSOR" val="170"/>
+  <p:tag name="IGUANATEXCURSOR" val="178"/>
   <p:tag name="TRANSPARENCY" val="True"/>
   <p:tag name="FILENAME" val=""/>
   <p:tag name="LATEXENGINEID" val="0"/>
@@ -42722,11 +46631,11 @@
 <file path=ppt/tags/tag71.xml><?xml version="1.0" encoding="utf-8"?>
 <p:tagLst xmlns:a="http://schemas.openxmlformats.org/drawingml/2006/main" xmlns:r="http://schemas.openxmlformats.org/officeDocument/2006/relationships" xmlns:p="http://schemas.openxmlformats.org/presentationml/2006/main">
   <p:tag name="OUTPUTDPI" val="1200"/>
-  <p:tag name="ORIGINALHEIGHT" val="121.4848"/>
-  <p:tag name="ORIGINALWIDTH" val="1345.332"/>
-  <p:tag name="LATEXADDIN" val="\documentclass{article}&#10;\usepackage{amsmath}&#10;\usepackage{xcolor}&#10;\usepackage{ragged2e}&#10;\pagestyle{empty}&#10;\begin{document}&#10;&#10;\definecolor{Monred}{RGB}{172,0,0}&#10;&#10;$&#10;HL_{TopInletOrificeForward}&#10;$&#10;&#10;&#10;&#10;\end{document}"/>
+  <p:tag name="ORIGINALHEIGHT" val="85.48929"/>
+  <p:tag name="ORIGINALWIDTH" val="85.48929"/>
+  <p:tag name="LATEXADDIN" val="\documentclass{article}&#10;\usepackage{amsmath}&#10;\usepackage{xcolor}&#10;\usepackage{ragged2e}&#10;\pagestyle{empty}&#10;\begin{document}&#10;&#10;\definecolor{Monred}{RGB}{172,0,0}&#10;&#10;$&#10;\Pi$&#10;&#10;\end{document}"/>
   <p:tag name="IGUANATEXSIZE" val="20"/>
-  <p:tag name="IGUANATEXCURSOR" val="173"/>
+  <p:tag name="IGUANATEXCURSOR" val="164"/>
   <p:tag name="TRANSPARENCY" val="True"/>
   <p:tag name="FILENAME" val=""/>
   <p:tag name="LATEXENGINEID" val="0"/>
@@ -42741,11 +46650,11 @@
 <file path=ppt/tags/tag72.xml><?xml version="1.0" encoding="utf-8"?>
 <p:tagLst xmlns:a="http://schemas.openxmlformats.org/drawingml/2006/main" xmlns:r="http://schemas.openxmlformats.org/officeDocument/2006/relationships" xmlns:p="http://schemas.openxmlformats.org/presentationml/2006/main">
   <p:tag name="OUTPUTDPI" val="1200"/>
-  <p:tag name="ORIGINALHEIGHT" val="104.9868"/>
-  <p:tag name="ORIGINALWIDTH" val="1072.366"/>
-  <p:tag name="LATEXADDIN" val="\documentclass{article}&#10;\usepackage{amsmath}&#10;\usepackage{xcolor}&#10;\usepackage{ragged2e}&#10;\pagestyle{empty}&#10;\begin{document}&#10;&#10;\definecolor{Monred}{RGB}{172,0,0}&#10;&#10;$&#10;HL_{OutletSlotForward}&#10;$&#10;&#10;&#10;&#10;\end{document}"/>
+  <p:tag name="ORIGINALHEIGHT" val="80.24"/>
+  <p:tag name="ORIGINALWIDTH" val="57.74276"/>
+  <p:tag name="LATEXADDIN" val="\documentclass{article}&#10;\usepackage{amsmath}&#10;\usepackage{xcolor}&#10;\usepackage{ragged2e}&#10;\pagestyle{empty}&#10;\begin{document}&#10;&#10;\definecolor{Monred}{RGB}{172,0,0}&#10;&#10;&#10;$&#10;g&#10;$&#10;&#10;\end{document}"/>
   <p:tag name="IGUANATEXSIZE" val="20"/>
-  <p:tag name="IGUANATEXCURSOR" val="175"/>
+  <p:tag name="IGUANATEXCURSOR" val="165"/>
   <p:tag name="TRANSPARENCY" val="True"/>
   <p:tag name="FILENAME" val=""/>
   <p:tag name="LATEXENGINEID" val="0"/>
@@ -42760,11 +46669,125 @@
 <file path=ppt/tags/tag73.xml><?xml version="1.0" encoding="utf-8"?>
 <p:tagLst xmlns:a="http://schemas.openxmlformats.org/drawingml/2006/main" xmlns:r="http://schemas.openxmlformats.org/officeDocument/2006/relationships" xmlns:p="http://schemas.openxmlformats.org/presentationml/2006/main">
   <p:tag name="OUTPUTDPI" val="1200"/>
+  <p:tag name="ORIGINALHEIGHT" val="80.24"/>
+  <p:tag name="ORIGINALWIDTH" val="57.74276"/>
+  <p:tag name="LATEXADDIN" val="\documentclass{article}&#10;\usepackage{amsmath}&#10;\usepackage{xcolor}&#10;\usepackage{ragged2e}&#10;\pagestyle{empty}&#10;\begin{document}&#10;&#10;\definecolor{Monred}{RGB}{172,0,0}&#10;&#10;&#10;$&#10;g&#10;$&#10;&#10;\end{document}"/>
+  <p:tag name="IGUANATEXSIZE" val="20"/>
+  <p:tag name="IGUANATEXCURSOR" val="165"/>
+  <p:tag name="TRANSPARENCY" val="True"/>
+  <p:tag name="FILENAME" val=""/>
+  <p:tag name="LATEXENGINEID" val="0"/>
+  <p:tag name="TEMPFOLDER" val="c:\temp\"/>
+  <p:tag name="LATEXFORMHEIGHT" val="312"/>
+  <p:tag name="LATEXFORMWIDTH" val="384"/>
+  <p:tag name="LATEXFORMWRAP" val="True"/>
+  <p:tag name="BITMAPVECTOR" val="0"/>
+</p:tagLst>
+</file>
+
+<file path=ppt/tags/tag74.xml><?xml version="1.0" encoding="utf-8"?>
+<p:tagLst xmlns:a="http://schemas.openxmlformats.org/drawingml/2006/main" xmlns:r="http://schemas.openxmlformats.org/officeDocument/2006/relationships" xmlns:p="http://schemas.openxmlformats.org/presentationml/2006/main">
+  <p:tag name="OUTPUTDPI" val="1200"/>
+  <p:tag name="ORIGINALHEIGHT" val="80.24"/>
+  <p:tag name="ORIGINALWIDTH" val="57.74276"/>
+  <p:tag name="LATEXADDIN" val="\documentclass{article}&#10;\usepackage{amsmath}&#10;\usepackage{xcolor}&#10;\usepackage{ragged2e}&#10;\pagestyle{empty}&#10;\begin{document}&#10;&#10;\definecolor{Monred}{RGB}{172,0,0}&#10;&#10;&#10;$&#10;g&#10;$&#10;&#10;\end{document}"/>
+  <p:tag name="IGUANATEXSIZE" val="20"/>
+  <p:tag name="IGUANATEXCURSOR" val="165"/>
+  <p:tag name="TRANSPARENCY" val="True"/>
+  <p:tag name="FILENAME" val=""/>
+  <p:tag name="LATEXENGINEID" val="0"/>
+  <p:tag name="TEMPFOLDER" val="c:\temp\"/>
+  <p:tag name="LATEXFORMHEIGHT" val="312"/>
+  <p:tag name="LATEXFORMWIDTH" val="384"/>
+  <p:tag name="LATEXFORMWRAP" val="True"/>
+  <p:tag name="BITMAPVECTOR" val="0"/>
+</p:tagLst>
+</file>
+
+<file path=ppt/tags/tag75.xml><?xml version="1.0" encoding="utf-8"?>
+<p:tagLst xmlns:a="http://schemas.openxmlformats.org/drawingml/2006/main" xmlns:r="http://schemas.openxmlformats.org/officeDocument/2006/relationships" xmlns:p="http://schemas.openxmlformats.org/presentationml/2006/main">
+  <p:tag name="OUTPUTDPI" val="1200"/>
+  <p:tag name="ORIGINALHEIGHT" val="80.24"/>
+  <p:tag name="ORIGINALWIDTH" val="57.74276"/>
+  <p:tag name="LATEXADDIN" val="\documentclass{article}&#10;\usepackage{amsmath}&#10;\usepackage{xcolor}&#10;\usepackage{ragged2e}&#10;\pagestyle{empty}&#10;\begin{document}&#10;&#10;\definecolor{Monred}{RGB}{172,0,0}&#10;&#10;&#10;$&#10;g&#10;$&#10;&#10;\end{document}"/>
+  <p:tag name="IGUANATEXSIZE" val="20"/>
+  <p:tag name="IGUANATEXCURSOR" val="165"/>
+  <p:tag name="TRANSPARENCY" val="True"/>
+  <p:tag name="FILENAME" val=""/>
+  <p:tag name="LATEXENGINEID" val="0"/>
+  <p:tag name="TEMPFOLDER" val="c:\temp\"/>
+  <p:tag name="LATEXFORMHEIGHT" val="312"/>
+  <p:tag name="LATEXFORMWIDTH" val="384"/>
+  <p:tag name="LATEXFORMWRAP" val="True"/>
+  <p:tag name="BITMAPVECTOR" val="0"/>
+</p:tagLst>
+</file>
+
+<file path=ppt/tags/tag76.xml><?xml version="1.0" encoding="utf-8"?>
+<p:tagLst xmlns:a="http://schemas.openxmlformats.org/drawingml/2006/main" xmlns:r="http://schemas.openxmlformats.org/officeDocument/2006/relationships" xmlns:p="http://schemas.openxmlformats.org/presentationml/2006/main">
+  <p:tag name="OUTPUTDPI" val="1200"/>
+  <p:tag name="ORIGINALHEIGHT" val="80.24"/>
+  <p:tag name="ORIGINALWIDTH" val="57.74276"/>
+  <p:tag name="LATEXADDIN" val="\documentclass{article}&#10;\usepackage{amsmath}&#10;\usepackage{xcolor}&#10;\usepackage{ragged2e}&#10;\pagestyle{empty}&#10;\begin{document}&#10;&#10;\definecolor{Monred}{RGB}{172,0,0}&#10;&#10;&#10;$&#10;g&#10;$&#10;&#10;\end{document}"/>
+  <p:tag name="IGUANATEXSIZE" val="20"/>
+  <p:tag name="IGUANATEXCURSOR" val="165"/>
+  <p:tag name="TRANSPARENCY" val="True"/>
+  <p:tag name="FILENAME" val=""/>
+  <p:tag name="LATEXENGINEID" val="0"/>
+  <p:tag name="TEMPFOLDER" val="c:\temp\"/>
+  <p:tag name="LATEXFORMHEIGHT" val="312"/>
+  <p:tag name="LATEXFORMWIDTH" val="384"/>
+  <p:tag name="LATEXFORMWRAP" val="True"/>
+  <p:tag name="BITMAPVECTOR" val="0"/>
+</p:tagLst>
+</file>
+
+<file path=ppt/tags/tag77.xml><?xml version="1.0" encoding="utf-8"?>
+<p:tagLst xmlns:a="http://schemas.openxmlformats.org/drawingml/2006/main" xmlns:r="http://schemas.openxmlformats.org/officeDocument/2006/relationships" xmlns:p="http://schemas.openxmlformats.org/presentationml/2006/main">
+  <p:tag name="OUTPUTDPI" val="1200"/>
+  <p:tag name="ORIGINALHEIGHT" val="80.24"/>
+  <p:tag name="ORIGINALWIDTH" val="57.74276"/>
+  <p:tag name="LATEXADDIN" val="\documentclass{article}&#10;\usepackage{amsmath}&#10;\usepackage{xcolor}&#10;\usepackage{ragged2e}&#10;\pagestyle{empty}&#10;\begin{document}&#10;&#10;\definecolor{Monred}{RGB}{172,0,0}&#10;&#10;&#10;$&#10;g&#10;$&#10;&#10;\end{document}"/>
+  <p:tag name="IGUANATEXSIZE" val="20"/>
+  <p:tag name="IGUANATEXCURSOR" val="165"/>
+  <p:tag name="TRANSPARENCY" val="True"/>
+  <p:tag name="FILENAME" val=""/>
+  <p:tag name="LATEXENGINEID" val="0"/>
+  <p:tag name="TEMPFOLDER" val="c:\temp\"/>
+  <p:tag name="LATEXFORMHEIGHT" val="312"/>
+  <p:tag name="LATEXFORMWIDTH" val="384"/>
+  <p:tag name="LATEXFORMWRAP" val="True"/>
+  <p:tag name="BITMAPVECTOR" val="0"/>
+</p:tagLst>
+</file>
+
+<file path=ppt/tags/tag78.xml><?xml version="1.0" encoding="utf-8"?>
+<p:tagLst xmlns:a="http://schemas.openxmlformats.org/drawingml/2006/main" xmlns:r="http://schemas.openxmlformats.org/officeDocument/2006/relationships" xmlns:p="http://schemas.openxmlformats.org/presentationml/2006/main">
+  <p:tag name="OUTPUTDPI" val="1200"/>
   <p:tag name="ORIGINALHEIGHT" val="121.4848"/>
-  <p:tag name="ORIGINALWIDTH" val="842.8947"/>
-  <p:tag name="LATEXADDIN" val="\documentclass{article}&#10;\usepackage{amsmath}&#10;\usepackage{xcolor}&#10;\usepackage{ragged2e}&#10;\pagestyle{empty}&#10;\begin{document}&#10;&#10;\definecolor{Monred}{RGB}{172,0,0}&#10;&#10;$&#10;HL_{BwOrificeBw}&#10;$&#10;&#10;&#10;&#10;\end{document}"/>
+  <p:tag name="ORIGINALWIDTH" val="1097.863"/>
+  <p:tag name="LATEXADDIN" val="\documentclass{article}&#10;\usepackage{amsmath}&#10;\usepackage{xcolor}&#10;\usepackage{ragged2e}&#10;\pagestyle{empty}&#10;\begin{document}&#10;&#10;\definecolor{Monred}{RGB}{172,0,0}&#10;&#10;$&#10;HL_{BwOrificeForward}&#10;$&#10;&#10;&#10;&#10;\end{document}"/>
   <p:tag name="IGUANATEXSIZE" val="20"/>
-  <p:tag name="IGUANATEXCURSOR" val="176"/>
+  <p:tag name="IGUANATEXCURSOR" val="185"/>
+  <p:tag name="TRANSPARENCY" val="True"/>
+  <p:tag name="FILENAME" val=""/>
+  <p:tag name="LATEXENGINEID" val="0"/>
+  <p:tag name="TEMPFOLDER" val="c:\temp\"/>
+  <p:tag name="LATEXFORMHEIGHT" val="312"/>
+  <p:tag name="LATEXFORMWIDTH" val="384"/>
+  <p:tag name="LATEXFORMWRAP" val="True"/>
+  <p:tag name="BITMAPVECTOR" val="0"/>
+</p:tagLst>
+</file>
+
+<file path=ppt/tags/tag79.xml><?xml version="1.0" encoding="utf-8"?>
+<p:tagLst xmlns:a="http://schemas.openxmlformats.org/drawingml/2006/main" xmlns:r="http://schemas.openxmlformats.org/officeDocument/2006/relationships" xmlns:p="http://schemas.openxmlformats.org/presentationml/2006/main">
+  <p:tag name="OUTPUTDPI" val="1200"/>
+  <p:tag name="ORIGINALHEIGHT" val="121.4848"/>
+  <p:tag name="ORIGINALWIDTH" val="1172.853"/>
+  <p:tag name="LATEXADDIN" val="\documentclass{article}&#10;\usepackage{amsmath}&#10;\usepackage{xcolor}&#10;\usepackage{ragged2e}&#10;\pagestyle{empty}&#10;\begin{document}&#10;&#10;\definecolor{Monred}{RGB}{172,0,0}&#10;&#10;$&#10;HL_{InletOrificeForward}&#10;$&#10;&#10;&#10;&#10;\end{document}"/>
+  <p:tag name="IGUANATEXSIZE" val="20"/>
+  <p:tag name="IGUANATEXCURSOR" val="170"/>
   <p:tag name="TRANSPARENCY" val="True"/>
   <p:tag name="FILENAME" val=""/>
   <p:tag name="LATEXENGINEID" val="0"/>
@@ -42784,6 +46807,63 @@
   <p:tag name="LATEXADDIN" val="\documentclass{article}&#10;\usepackage{amsmath}&#10;\usepackage{xcolor}&#10;\pagestyle{empty}&#10;\begin{document}&#10;&#10;\definecolor{Monred}{RGB}{172,0,0}&#10;&#10;$$H_{FiSand}$$&#10;&#10;&#10;\end{document}"/>
   <p:tag name="IGUANATEXSIZE" val="20"/>
   <p:tag name="IGUANATEXCURSOR" val="151"/>
+  <p:tag name="TRANSPARENCY" val="True"/>
+  <p:tag name="FILENAME" val=""/>
+  <p:tag name="LATEXENGINEID" val="0"/>
+  <p:tag name="TEMPFOLDER" val="c:\temp\"/>
+  <p:tag name="LATEXFORMHEIGHT" val="312"/>
+  <p:tag name="LATEXFORMWIDTH" val="384"/>
+  <p:tag name="LATEXFORMWRAP" val="True"/>
+  <p:tag name="BITMAPVECTOR" val="0"/>
+</p:tagLst>
+</file>
+
+<file path=ppt/tags/tag80.xml><?xml version="1.0" encoding="utf-8"?>
+<p:tagLst xmlns:a="http://schemas.openxmlformats.org/drawingml/2006/main" xmlns:r="http://schemas.openxmlformats.org/officeDocument/2006/relationships" xmlns:p="http://schemas.openxmlformats.org/presentationml/2006/main">
+  <p:tag name="OUTPUTDPI" val="1200"/>
+  <p:tag name="ORIGINALHEIGHT" val="121.4848"/>
+  <p:tag name="ORIGINALWIDTH" val="1345.332"/>
+  <p:tag name="LATEXADDIN" val="\documentclass{article}&#10;\usepackage{amsmath}&#10;\usepackage{xcolor}&#10;\usepackage{ragged2e}&#10;\pagestyle{empty}&#10;\begin{document}&#10;&#10;\definecolor{Monred}{RGB}{172,0,0}&#10;&#10;$&#10;HL_{TopInletOrificeForward}&#10;$&#10;&#10;&#10;&#10;\end{document}"/>
+  <p:tag name="IGUANATEXSIZE" val="20"/>
+  <p:tag name="IGUANATEXCURSOR" val="173"/>
+  <p:tag name="TRANSPARENCY" val="True"/>
+  <p:tag name="FILENAME" val=""/>
+  <p:tag name="LATEXENGINEID" val="0"/>
+  <p:tag name="TEMPFOLDER" val="c:\temp\"/>
+  <p:tag name="LATEXFORMHEIGHT" val="312"/>
+  <p:tag name="LATEXFORMWIDTH" val="384"/>
+  <p:tag name="LATEXFORMWRAP" val="True"/>
+  <p:tag name="BITMAPVECTOR" val="0"/>
+</p:tagLst>
+</file>
+
+<file path=ppt/tags/tag81.xml><?xml version="1.0" encoding="utf-8"?>
+<p:tagLst xmlns:a="http://schemas.openxmlformats.org/drawingml/2006/main" xmlns:r="http://schemas.openxmlformats.org/officeDocument/2006/relationships" xmlns:p="http://schemas.openxmlformats.org/presentationml/2006/main">
+  <p:tag name="OUTPUTDPI" val="1200"/>
+  <p:tag name="ORIGINALHEIGHT" val="104.9868"/>
+  <p:tag name="ORIGINALWIDTH" val="1072.366"/>
+  <p:tag name="LATEXADDIN" val="\documentclass{article}&#10;\usepackage{amsmath}&#10;\usepackage{xcolor}&#10;\usepackage{ragged2e}&#10;\pagestyle{empty}&#10;\begin{document}&#10;&#10;\definecolor{Monred}{RGB}{172,0,0}&#10;&#10;$&#10;HL_{OutletSlotForward}&#10;$&#10;&#10;&#10;&#10;\end{document}"/>
+  <p:tag name="IGUANATEXSIZE" val="20"/>
+  <p:tag name="IGUANATEXCURSOR" val="175"/>
+  <p:tag name="TRANSPARENCY" val="True"/>
+  <p:tag name="FILENAME" val=""/>
+  <p:tag name="LATEXENGINEID" val="0"/>
+  <p:tag name="TEMPFOLDER" val="c:\temp\"/>
+  <p:tag name="LATEXFORMHEIGHT" val="312"/>
+  <p:tag name="LATEXFORMWIDTH" val="384"/>
+  <p:tag name="LATEXFORMWRAP" val="True"/>
+  <p:tag name="BITMAPVECTOR" val="0"/>
+</p:tagLst>
+</file>
+
+<file path=ppt/tags/tag82.xml><?xml version="1.0" encoding="utf-8"?>
+<p:tagLst xmlns:a="http://schemas.openxmlformats.org/drawingml/2006/main" xmlns:r="http://schemas.openxmlformats.org/officeDocument/2006/relationships" xmlns:p="http://schemas.openxmlformats.org/presentationml/2006/main">
+  <p:tag name="OUTPUTDPI" val="1200"/>
+  <p:tag name="ORIGINALHEIGHT" val="121.4848"/>
+  <p:tag name="ORIGINALWIDTH" val="842.8947"/>
+  <p:tag name="LATEXADDIN" val="\documentclass{article}&#10;\usepackage{amsmath}&#10;\usepackage{xcolor}&#10;\usepackage{ragged2e}&#10;\pagestyle{empty}&#10;\begin{document}&#10;&#10;\definecolor{Monred}{RGB}{172,0,0}&#10;&#10;$&#10;HL_{BwOrificeBw}&#10;$&#10;&#10;&#10;&#10;\end{document}"/>
+  <p:tag name="IGUANATEXSIZE" val="20"/>
+  <p:tag name="IGUANATEXCURSOR" val="176"/>
   <p:tag name="TRANSPARENCY" val="True"/>
   <p:tag name="FILENAME" val=""/>
   <p:tag name="LATEXENGINEID" val="0"/>

--- a/ClareDiagrams.pptx
+++ b/ClareDiagrams.pptx
@@ -215,7 +215,7 @@
           <a:p>
             <a:fld id="{F874CE64-B02C-4A29-A5B8-BB55C61F4F91}" type="datetimeFigureOut">
               <a:rPr lang="en-US" smtClean="0"/>
-              <a:t>11/4/2018</a:t>
+              <a:t>11/20/2018</a:t>
             </a:fld>
             <a:endParaRPr lang="en-US"/>
           </a:p>
@@ -977,7 +977,7 @@
           <a:p>
             <a:fld id="{3721CA93-E140-4E2A-A30C-04BF0C6AAEA4}" type="datetimeFigureOut">
               <a:rPr lang="en-US" smtClean="0"/>
-              <a:t>11/4/2018</a:t>
+              <a:t>11/20/2018</a:t>
             </a:fld>
             <a:endParaRPr lang="en-US"/>
           </a:p>
@@ -1175,7 +1175,7 @@
           <a:p>
             <a:fld id="{3721CA93-E140-4E2A-A30C-04BF0C6AAEA4}" type="datetimeFigureOut">
               <a:rPr lang="en-US" smtClean="0"/>
-              <a:t>11/4/2018</a:t>
+              <a:t>11/20/2018</a:t>
             </a:fld>
             <a:endParaRPr lang="en-US"/>
           </a:p>
@@ -1383,7 +1383,7 @@
           <a:p>
             <a:fld id="{3721CA93-E140-4E2A-A30C-04BF0C6AAEA4}" type="datetimeFigureOut">
               <a:rPr lang="en-US" smtClean="0"/>
-              <a:t>11/4/2018</a:t>
+              <a:t>11/20/2018</a:t>
             </a:fld>
             <a:endParaRPr lang="en-US"/>
           </a:p>
@@ -1581,7 +1581,7 @@
           <a:p>
             <a:fld id="{3721CA93-E140-4E2A-A30C-04BF0C6AAEA4}" type="datetimeFigureOut">
               <a:rPr lang="en-US" smtClean="0"/>
-              <a:t>11/4/2018</a:t>
+              <a:t>11/20/2018</a:t>
             </a:fld>
             <a:endParaRPr lang="en-US"/>
           </a:p>
@@ -1856,7 +1856,7 @@
           <a:p>
             <a:fld id="{3721CA93-E140-4E2A-A30C-04BF0C6AAEA4}" type="datetimeFigureOut">
               <a:rPr lang="en-US" smtClean="0"/>
-              <a:t>11/4/2018</a:t>
+              <a:t>11/20/2018</a:t>
             </a:fld>
             <a:endParaRPr lang="en-US"/>
           </a:p>
@@ -2121,7 +2121,7 @@
           <a:p>
             <a:fld id="{3721CA93-E140-4E2A-A30C-04BF0C6AAEA4}" type="datetimeFigureOut">
               <a:rPr lang="en-US" smtClean="0"/>
-              <a:t>11/4/2018</a:t>
+              <a:t>11/20/2018</a:t>
             </a:fld>
             <a:endParaRPr lang="en-US"/>
           </a:p>
@@ -2533,7 +2533,7 @@
           <a:p>
             <a:fld id="{3721CA93-E140-4E2A-A30C-04BF0C6AAEA4}" type="datetimeFigureOut">
               <a:rPr lang="en-US" smtClean="0"/>
-              <a:t>11/4/2018</a:t>
+              <a:t>11/20/2018</a:t>
             </a:fld>
             <a:endParaRPr lang="en-US"/>
           </a:p>
@@ -2674,7 +2674,7 @@
           <a:p>
             <a:fld id="{3721CA93-E140-4E2A-A30C-04BF0C6AAEA4}" type="datetimeFigureOut">
               <a:rPr lang="en-US" smtClean="0"/>
-              <a:t>11/4/2018</a:t>
+              <a:t>11/20/2018</a:t>
             </a:fld>
             <a:endParaRPr lang="en-US"/>
           </a:p>
@@ -2787,7 +2787,7 @@
           <a:p>
             <a:fld id="{3721CA93-E140-4E2A-A30C-04BF0C6AAEA4}" type="datetimeFigureOut">
               <a:rPr lang="en-US" smtClean="0"/>
-              <a:t>11/4/2018</a:t>
+              <a:t>11/20/2018</a:t>
             </a:fld>
             <a:endParaRPr lang="en-US"/>
           </a:p>
@@ -3098,7 +3098,7 @@
           <a:p>
             <a:fld id="{3721CA93-E140-4E2A-A30C-04BF0C6AAEA4}" type="datetimeFigureOut">
               <a:rPr lang="en-US" smtClean="0"/>
-              <a:t>11/4/2018</a:t>
+              <a:t>11/20/2018</a:t>
             </a:fld>
             <a:endParaRPr lang="en-US"/>
           </a:p>
@@ -3386,7 +3386,7 @@
           <a:p>
             <a:fld id="{3721CA93-E140-4E2A-A30C-04BF0C6AAEA4}" type="datetimeFigureOut">
               <a:rPr lang="en-US" smtClean="0"/>
-              <a:t>11/4/2018</a:t>
+              <a:t>11/20/2018</a:t>
             </a:fld>
             <a:endParaRPr lang="en-US"/>
           </a:p>
@@ -3627,7 +3627,7 @@
           <a:p>
             <a:fld id="{3721CA93-E140-4E2A-A30C-04BF0C6AAEA4}" type="datetimeFigureOut">
               <a:rPr lang="en-US" smtClean="0"/>
-              <a:t>11/4/2018</a:t>
+              <a:t>11/20/2018</a:t>
             </a:fld>
             <a:endParaRPr lang="en-US"/>
           </a:p>
@@ -19175,23 +19175,43 @@
       </p:grpSpPr>
       <p:sp>
         <p:nvSpPr>
-          <p:cNvPr id="2" name="Title 1">
+          <p:cNvPr id="5" name="AutoShape 2" descr="image.png">
             <a:extLst>
               <a:ext uri="{FF2B5EF4-FFF2-40B4-BE49-F238E27FC236}">
-                <a16:creationId xmlns:a16="http://schemas.microsoft.com/office/drawing/2014/main" id="{3C2B3C3F-9994-4698-A0F8-0FB7298024B4}"/>
+                <a16:creationId xmlns:a16="http://schemas.microsoft.com/office/drawing/2014/main" id="{18FEEC12-DD76-4663-99E6-845A3366B673}"/>
               </a:ext>
             </a:extLst>
           </p:cNvPr>
           <p:cNvSpPr>
-            <a:spLocks noGrp="1"/>
+            <a:spLocks noChangeAspect="1" noChangeArrowheads="1"/>
           </p:cNvSpPr>
-          <p:nvPr>
-            <p:ph type="title"/>
-          </p:nvPr>
+          <p:nvPr/>
         </p:nvSpPr>
-        <p:spPr/>
+        <p:spPr bwMode="auto">
+          <a:xfrm>
+            <a:off x="4110038" y="847725"/>
+            <a:ext cx="3971925" cy="5162550"/>
+          </a:xfrm>
+          <a:prstGeom prst="rect">
+            <a:avLst/>
+          </a:prstGeom>
+          <a:noFill/>
+          <a:extLst>
+            <a:ext uri="{909E8E84-426E-40DD-AFC4-6F175D3DCCD1}">
+              <a14:hiddenFill xmlns:a14="http://schemas.microsoft.com/office/drawing/2010/main">
+                <a:solidFill>
+                  <a:srgbClr val="FFFFFF"/>
+                </a:solidFill>
+              </a14:hiddenFill>
+            </a:ext>
+          </a:extLst>
+        </p:spPr>
         <p:txBody>
-          <a:bodyPr/>
+          <a:bodyPr vert="horz" wrap="square" lIns="91440" tIns="45720" rIns="91440" bIns="45720" numCol="1" anchor="t" anchorCtr="0" compatLnSpc="1">
+            <a:prstTxWarp prst="textNoShape">
+              <a:avLst/>
+            </a:prstTxWarp>
+          </a:bodyPr>
           <a:lstStyle/>
           <a:p>
             <a:endParaRPr lang="en-US"/>
@@ -19200,29 +19220,220 @@
       </p:sp>
       <p:sp>
         <p:nvSpPr>
-          <p:cNvPr id="3" name="Content Placeholder 2">
+          <p:cNvPr id="6" name="AutoShape 4" descr="image.png">
             <a:extLst>
               <a:ext uri="{FF2B5EF4-FFF2-40B4-BE49-F238E27FC236}">
-                <a16:creationId xmlns:a16="http://schemas.microsoft.com/office/drawing/2014/main" id="{4543A4B2-24B2-4B5A-B28F-DFEC6F7157C9}"/>
+                <a16:creationId xmlns:a16="http://schemas.microsoft.com/office/drawing/2014/main" id="{E27DDAA2-D2AB-4567-9819-776A13B86BCA}"/>
               </a:ext>
             </a:extLst>
           </p:cNvPr>
           <p:cNvSpPr>
-            <a:spLocks noGrp="1"/>
+            <a:spLocks noChangeAspect="1" noChangeArrowheads="1"/>
           </p:cNvSpPr>
-          <p:nvPr>
-            <p:ph idx="1"/>
-          </p:nvPr>
+          <p:nvPr/>
         </p:nvSpPr>
-        <p:spPr/>
+        <p:spPr bwMode="auto">
+          <a:xfrm>
+            <a:off x="4262438" y="1000125"/>
+            <a:ext cx="3971925" cy="5162550"/>
+          </a:xfrm>
+          <a:prstGeom prst="rect">
+            <a:avLst/>
+          </a:prstGeom>
+          <a:noFill/>
+          <a:extLst>
+            <a:ext uri="{909E8E84-426E-40DD-AFC4-6F175D3DCCD1}">
+              <a14:hiddenFill xmlns:a14="http://schemas.microsoft.com/office/drawing/2010/main">
+                <a:solidFill>
+                  <a:srgbClr val="FFFFFF"/>
+                </a:solidFill>
+              </a14:hiddenFill>
+            </a:ext>
+          </a:extLst>
+        </p:spPr>
         <p:txBody>
-          <a:bodyPr/>
+          <a:bodyPr vert="horz" wrap="square" lIns="91440" tIns="45720" rIns="91440" bIns="45720" numCol="1" anchor="t" anchorCtr="0" compatLnSpc="1">
+            <a:prstTxWarp prst="textNoShape">
+              <a:avLst/>
+            </a:prstTxWarp>
+          </a:bodyPr>
           <a:lstStyle/>
           <a:p>
             <a:endParaRPr lang="en-US"/>
           </a:p>
         </p:txBody>
       </p:sp>
+      <p:sp>
+        <p:nvSpPr>
+          <p:cNvPr id="7" name="AutoShape 6" descr="image.png">
+            <a:extLst>
+              <a:ext uri="{FF2B5EF4-FFF2-40B4-BE49-F238E27FC236}">
+                <a16:creationId xmlns:a16="http://schemas.microsoft.com/office/drawing/2014/main" id="{90B2D16F-AE9F-48D4-8059-EDD4241A545B}"/>
+              </a:ext>
+            </a:extLst>
+          </p:cNvPr>
+          <p:cNvSpPr>
+            <a:spLocks noChangeAspect="1" noChangeArrowheads="1"/>
+          </p:cNvSpPr>
+          <p:nvPr/>
+        </p:nvSpPr>
+        <p:spPr bwMode="auto">
+          <a:xfrm>
+            <a:off x="4414838" y="1152525"/>
+            <a:ext cx="3971925" cy="5162550"/>
+          </a:xfrm>
+          <a:prstGeom prst="rect">
+            <a:avLst/>
+          </a:prstGeom>
+          <a:noFill/>
+          <a:extLst>
+            <a:ext uri="{909E8E84-426E-40DD-AFC4-6F175D3DCCD1}">
+              <a14:hiddenFill xmlns:a14="http://schemas.microsoft.com/office/drawing/2010/main">
+                <a:solidFill>
+                  <a:srgbClr val="FFFFFF"/>
+                </a:solidFill>
+              </a14:hiddenFill>
+            </a:ext>
+          </a:extLst>
+        </p:spPr>
+        <p:txBody>
+          <a:bodyPr vert="horz" wrap="square" lIns="91440" tIns="45720" rIns="91440" bIns="45720" numCol="1" anchor="t" anchorCtr="0" compatLnSpc="1">
+            <a:prstTxWarp prst="textNoShape">
+              <a:avLst/>
+            </a:prstTxWarp>
+          </a:bodyPr>
+          <a:lstStyle/>
+          <a:p>
+            <a:endParaRPr lang="en-US"/>
+          </a:p>
+        </p:txBody>
+      </p:sp>
+      <p:sp>
+        <p:nvSpPr>
+          <p:cNvPr id="8" name="AutoShape 8" descr="image.png">
+            <a:extLst>
+              <a:ext uri="{FF2B5EF4-FFF2-40B4-BE49-F238E27FC236}">
+                <a16:creationId xmlns:a16="http://schemas.microsoft.com/office/drawing/2014/main" id="{D61FAB0C-66E4-4511-91CB-32DC66BF6C6A}"/>
+              </a:ext>
+            </a:extLst>
+          </p:cNvPr>
+          <p:cNvSpPr>
+            <a:spLocks noChangeAspect="1" noChangeArrowheads="1"/>
+          </p:cNvSpPr>
+          <p:nvPr/>
+        </p:nvSpPr>
+        <p:spPr bwMode="auto">
+          <a:xfrm>
+            <a:off x="4567238" y="1304925"/>
+            <a:ext cx="3971925" cy="5162550"/>
+          </a:xfrm>
+          <a:prstGeom prst="rect">
+            <a:avLst/>
+          </a:prstGeom>
+          <a:noFill/>
+          <a:extLst>
+            <a:ext uri="{909E8E84-426E-40DD-AFC4-6F175D3DCCD1}">
+              <a14:hiddenFill xmlns:a14="http://schemas.microsoft.com/office/drawing/2010/main">
+                <a:solidFill>
+                  <a:srgbClr val="FFFFFF"/>
+                </a:solidFill>
+              </a14:hiddenFill>
+            </a:ext>
+          </a:extLst>
+        </p:spPr>
+        <p:txBody>
+          <a:bodyPr vert="horz" wrap="square" lIns="91440" tIns="45720" rIns="91440" bIns="45720" numCol="1" anchor="t" anchorCtr="0" compatLnSpc="1">
+            <a:prstTxWarp prst="textNoShape">
+              <a:avLst/>
+            </a:prstTxWarp>
+          </a:bodyPr>
+          <a:lstStyle/>
+          <a:p>
+            <a:endParaRPr lang="en-US"/>
+          </a:p>
+        </p:txBody>
+      </p:sp>
+      <p:pic>
+        <p:nvPicPr>
+          <p:cNvPr id="1034" name="Picture 10" descr="https://lh3.googleusercontent.com/Raodza5J3U9GRxvfLKkqjKDRgdxvtROxIEOFn0gwjgAhMhTSyQKIzU1Amji61KqBdoKbZynmewNMfF1jArKrr3BnyyB7-WOZK_MUq0OfwS4kXq7gnGL-vdzJbj_GXvSfxcDvMPa4ei-6r_u0r4hsUliJML3ru17PILKfrVChR7zJwZwIylLZx1Nb2I7xDptDGQhaD6Tro-LYGJ43Zxf6panc3dJ-eYxQzlKBSISmxbT3pb_T2OMbCJa8P4rDzqhng_G-bdd3_gegGGdetB-AT2lKzJhnITiLnXxf04epWV4UCvdVScnmIdTWLWtyfLavNOIij4wn59k8hzTyGFAKBSWia8kR7okjTc8aHeElVTIKE3HUR7HIR0L8cG7kKqFx6wAUfE3IQUt8gLMAv6UDGe6zhPsMON-Mq1KyZQFgke1Ex5k8wMABjjBI73jlPAHCE_FYQVhfdOs4JwznTf55QpDTgLOlyZ-KbbFVzmi0Ym86_GqAgrPF5OyskLb6-zBwnkuoPPDJbTOlZU0LHQKYQ_rC8FVprrOq3pLi3whqREVOQrm7IhSUSg_d4xpoB_wPufk_hpPc4i_P9F37xis4iGbg1ABxoMKSXsiQJ16CdPYp9LqTXLnd_P_F6Pj6gdZpiVO-4Ph42dJfkzn0xo8V7a-azbZQABr-dW6jnGTngGuzD4db9IszYckaSNaT43jA-2nt0e5uPQHQmmGHow=w477-h636-no">
+            <a:extLst>
+              <a:ext uri="{FF2B5EF4-FFF2-40B4-BE49-F238E27FC236}">
+                <a16:creationId xmlns:a16="http://schemas.microsoft.com/office/drawing/2014/main" id="{49DBD972-AEE9-4B73-BE5D-D85C0117D7DC}"/>
+              </a:ext>
+            </a:extLst>
+          </p:cNvPr>
+          <p:cNvPicPr>
+            <a:picLocks noChangeAspect="1" noChangeArrowheads="1"/>
+          </p:cNvPicPr>
+          <p:nvPr/>
+        </p:nvPicPr>
+        <p:blipFill rotWithShape="1">
+          <a:blip r:embed="rId2">
+            <a:extLst>
+              <a:ext uri="{28A0092B-C50C-407E-A947-70E740481C1C}">
+                <a14:useLocalDpi xmlns:a14="http://schemas.microsoft.com/office/drawing/2010/main" val="0"/>
+              </a:ext>
+            </a:extLst>
+          </a:blip>
+          <a:srcRect t="12263" b="5032"/>
+          <a:stretch/>
+        </p:blipFill>
+        <p:spPr bwMode="auto">
+          <a:xfrm>
+            <a:off x="1425592" y="1000125"/>
+            <a:ext cx="4543425" cy="5010150"/>
+          </a:xfrm>
+          <a:prstGeom prst="rect">
+            <a:avLst/>
+          </a:prstGeom>
+          <a:noFill/>
+          <a:extLst>
+            <a:ext uri="{909E8E84-426E-40DD-AFC4-6F175D3DCCD1}">
+              <a14:hiddenFill xmlns:a14="http://schemas.microsoft.com/office/drawing/2010/main">
+                <a:solidFill>
+                  <a:srgbClr val="FFFFFF"/>
+                </a:solidFill>
+              </a14:hiddenFill>
+            </a:ext>
+          </a:extLst>
+        </p:spPr>
+      </p:pic>
+      <p:pic>
+        <p:nvPicPr>
+          <p:cNvPr id="12" name="Picture 11">
+            <a:extLst>
+              <a:ext uri="{FF2B5EF4-FFF2-40B4-BE49-F238E27FC236}">
+                <a16:creationId xmlns:a16="http://schemas.microsoft.com/office/drawing/2014/main" id="{12DEF18D-C5F2-4E62-B058-A3E13C45F37F}"/>
+              </a:ext>
+            </a:extLst>
+          </p:cNvPr>
+          <p:cNvPicPr>
+            <a:picLocks noChangeAspect="1"/>
+          </p:cNvPicPr>
+          <p:nvPr/>
+        </p:nvPicPr>
+        <p:blipFill>
+          <a:blip r:embed="rId3">
+            <a:extLst>
+              <a:ext uri="{28A0092B-C50C-407E-A947-70E740481C1C}">
+                <a14:useLocalDpi xmlns:a14="http://schemas.microsoft.com/office/drawing/2010/main" val="0"/>
+              </a:ext>
+            </a:extLst>
+          </a:blip>
+          <a:stretch>
+            <a:fillRect/>
+          </a:stretch>
+        </p:blipFill>
+        <p:spPr>
+          <a:xfrm>
+            <a:off x="6235717" y="1189571"/>
+            <a:ext cx="5140292" cy="4478857"/>
+          </a:xfrm>
+          <a:prstGeom prst="rect">
+            <a:avLst/>
+          </a:prstGeom>
+        </p:spPr>
+      </p:pic>
     </p:spTree>
     <p:extLst>
       <p:ext uri="{BB962C8B-B14F-4D97-AF65-F5344CB8AC3E}">

--- a/ClareDiagrams.pptx
+++ b/ClareDiagrams.pptx
@@ -215,7 +215,7 @@
           <a:p>
             <a:fld id="{F874CE64-B02C-4A29-A5B8-BB55C61F4F91}" type="datetimeFigureOut">
               <a:rPr lang="en-US" smtClean="0"/>
-              <a:t>11/20/2018</a:t>
+              <a:t>12/6/2018</a:t>
             </a:fld>
             <a:endParaRPr lang="en-US"/>
           </a:p>
@@ -977,7 +977,7 @@
           <a:p>
             <a:fld id="{3721CA93-E140-4E2A-A30C-04BF0C6AAEA4}" type="datetimeFigureOut">
               <a:rPr lang="en-US" smtClean="0"/>
-              <a:t>11/20/2018</a:t>
+              <a:t>12/6/2018</a:t>
             </a:fld>
             <a:endParaRPr lang="en-US"/>
           </a:p>
@@ -1175,7 +1175,7 @@
           <a:p>
             <a:fld id="{3721CA93-E140-4E2A-A30C-04BF0C6AAEA4}" type="datetimeFigureOut">
               <a:rPr lang="en-US" smtClean="0"/>
-              <a:t>11/20/2018</a:t>
+              <a:t>12/6/2018</a:t>
             </a:fld>
             <a:endParaRPr lang="en-US"/>
           </a:p>
@@ -1383,7 +1383,7 @@
           <a:p>
             <a:fld id="{3721CA93-E140-4E2A-A30C-04BF0C6AAEA4}" type="datetimeFigureOut">
               <a:rPr lang="en-US" smtClean="0"/>
-              <a:t>11/20/2018</a:t>
+              <a:t>12/6/2018</a:t>
             </a:fld>
             <a:endParaRPr lang="en-US"/>
           </a:p>
@@ -1581,7 +1581,7 @@
           <a:p>
             <a:fld id="{3721CA93-E140-4E2A-A30C-04BF0C6AAEA4}" type="datetimeFigureOut">
               <a:rPr lang="en-US" smtClean="0"/>
-              <a:t>11/20/2018</a:t>
+              <a:t>12/6/2018</a:t>
             </a:fld>
             <a:endParaRPr lang="en-US"/>
           </a:p>
@@ -1856,7 +1856,7 @@
           <a:p>
             <a:fld id="{3721CA93-E140-4E2A-A30C-04BF0C6AAEA4}" type="datetimeFigureOut">
               <a:rPr lang="en-US" smtClean="0"/>
-              <a:t>11/20/2018</a:t>
+              <a:t>12/6/2018</a:t>
             </a:fld>
             <a:endParaRPr lang="en-US"/>
           </a:p>
@@ -2121,7 +2121,7 @@
           <a:p>
             <a:fld id="{3721CA93-E140-4E2A-A30C-04BF0C6AAEA4}" type="datetimeFigureOut">
               <a:rPr lang="en-US" smtClean="0"/>
-              <a:t>11/20/2018</a:t>
+              <a:t>12/6/2018</a:t>
             </a:fld>
             <a:endParaRPr lang="en-US"/>
           </a:p>
@@ -2533,7 +2533,7 @@
           <a:p>
             <a:fld id="{3721CA93-E140-4E2A-A30C-04BF0C6AAEA4}" type="datetimeFigureOut">
               <a:rPr lang="en-US" smtClean="0"/>
-              <a:t>11/20/2018</a:t>
+              <a:t>12/6/2018</a:t>
             </a:fld>
             <a:endParaRPr lang="en-US"/>
           </a:p>
@@ -2674,7 +2674,7 @@
           <a:p>
             <a:fld id="{3721CA93-E140-4E2A-A30C-04BF0C6AAEA4}" type="datetimeFigureOut">
               <a:rPr lang="en-US" smtClean="0"/>
-              <a:t>11/20/2018</a:t>
+              <a:t>12/6/2018</a:t>
             </a:fld>
             <a:endParaRPr lang="en-US"/>
           </a:p>
@@ -2787,7 +2787,7 @@
           <a:p>
             <a:fld id="{3721CA93-E140-4E2A-A30C-04BF0C6AAEA4}" type="datetimeFigureOut">
               <a:rPr lang="en-US" smtClean="0"/>
-              <a:t>11/20/2018</a:t>
+              <a:t>12/6/2018</a:t>
             </a:fld>
             <a:endParaRPr lang="en-US"/>
           </a:p>
@@ -3098,7 +3098,7 @@
           <a:p>
             <a:fld id="{3721CA93-E140-4E2A-A30C-04BF0C6AAEA4}" type="datetimeFigureOut">
               <a:rPr lang="en-US" smtClean="0"/>
-              <a:t>11/20/2018</a:t>
+              <a:t>12/6/2018</a:t>
             </a:fld>
             <a:endParaRPr lang="en-US"/>
           </a:p>
@@ -3386,7 +3386,7 @@
           <a:p>
             <a:fld id="{3721CA93-E140-4E2A-A30C-04BF0C6AAEA4}" type="datetimeFigureOut">
               <a:rPr lang="en-US" smtClean="0"/>
-              <a:t>11/20/2018</a:t>
+              <a:t>12/6/2018</a:t>
             </a:fld>
             <a:endParaRPr lang="en-US"/>
           </a:p>
@@ -3627,7 +3627,7 @@
           <a:p>
             <a:fld id="{3721CA93-E140-4E2A-A30C-04BF0C6AAEA4}" type="datetimeFigureOut">
               <a:rPr lang="en-US" smtClean="0"/>
-              <a:t>11/20/2018</a:t>
+              <a:t>12/6/2018</a:t>
             </a:fld>
             <a:endParaRPr lang="en-US"/>
           </a:p>
@@ -19464,56 +19464,957 @@
           <a:chExt cx="0" cy="0"/>
         </a:xfrm>
       </p:grpSpPr>
-      <p:sp>
-        <p:nvSpPr>
-          <p:cNvPr id="2" name="Title 1">
+      <p:grpSp>
+        <p:nvGrpSpPr>
+          <p:cNvPr id="34" name="Group 33">
             <a:extLst>
               <a:ext uri="{FF2B5EF4-FFF2-40B4-BE49-F238E27FC236}">
-                <a16:creationId xmlns:a16="http://schemas.microsoft.com/office/drawing/2014/main" id="{BD5BB5E1-9A9A-43B3-B5C3-F9D77A9B941B}"/>
+                <a16:creationId xmlns:a16="http://schemas.microsoft.com/office/drawing/2014/main" id="{0932E065-5CC3-4A26-BE09-A6803F377238}"/>
               </a:ext>
             </a:extLst>
           </p:cNvPr>
-          <p:cNvSpPr>
-            <a:spLocks noGrp="1"/>
-          </p:cNvSpPr>
-          <p:nvPr>
-            <p:ph type="title"/>
-          </p:nvPr>
-        </p:nvSpPr>
-        <p:spPr/>
-        <p:txBody>
-          <a:bodyPr/>
-          <a:lstStyle/>
-          <a:p>
-            <a:endParaRPr lang="en-US"/>
-          </a:p>
-        </p:txBody>
-      </p:sp>
-      <p:sp>
-        <p:nvSpPr>
-          <p:cNvPr id="3" name="Content Placeholder 2">
-            <a:extLst>
-              <a:ext uri="{FF2B5EF4-FFF2-40B4-BE49-F238E27FC236}">
-                <a16:creationId xmlns:a16="http://schemas.microsoft.com/office/drawing/2014/main" id="{33EB1C9F-7A9D-4433-9BB1-E52F3F542BC2}"/>
-              </a:ext>
-            </a:extLst>
-          </p:cNvPr>
-          <p:cNvSpPr>
-            <a:spLocks noGrp="1"/>
-          </p:cNvSpPr>
-          <p:nvPr>
-            <p:ph idx="1"/>
-          </p:nvPr>
-        </p:nvSpPr>
-        <p:spPr/>
-        <p:txBody>
-          <a:bodyPr/>
-          <a:lstStyle/>
-          <a:p>
-            <a:endParaRPr lang="en-US"/>
-          </a:p>
-        </p:txBody>
-      </p:sp>
+          <p:cNvGrpSpPr/>
+          <p:nvPr/>
+        </p:nvGrpSpPr>
+        <p:grpSpPr>
+          <a:xfrm>
+            <a:off x="1887717" y="178286"/>
+            <a:ext cx="8566044" cy="5767588"/>
+            <a:chOff x="1887717" y="178286"/>
+            <a:chExt cx="8566044" cy="5767588"/>
+          </a:xfrm>
+        </p:grpSpPr>
+        <p:sp>
+          <p:nvSpPr>
+            <p:cNvPr id="25" name="L-Shape 24">
+              <a:extLst>
+                <a:ext uri="{FF2B5EF4-FFF2-40B4-BE49-F238E27FC236}">
+                  <a16:creationId xmlns:a16="http://schemas.microsoft.com/office/drawing/2014/main" id="{5C2A8E2B-6EFD-4DF9-94C2-A837D238E30D}"/>
+                </a:ext>
+              </a:extLst>
+            </p:cNvPr>
+            <p:cNvSpPr/>
+            <p:nvPr/>
+          </p:nvSpPr>
+          <p:spPr>
+            <a:xfrm rot="16200000" flipV="1">
+              <a:off x="3235912" y="4116898"/>
+              <a:ext cx="2669366" cy="739787"/>
+            </a:xfrm>
+            <a:prstGeom prst="corner">
+              <a:avLst>
+                <a:gd name="adj1" fmla="val 50000"/>
+                <a:gd name="adj2" fmla="val 46078"/>
+              </a:avLst>
+            </a:prstGeom>
+            <a:ln>
+              <a:noFill/>
+            </a:ln>
+          </p:spPr>
+          <p:style>
+            <a:lnRef idx="2">
+              <a:schemeClr val="accent1">
+                <a:shade val="50000"/>
+              </a:schemeClr>
+            </a:lnRef>
+            <a:fillRef idx="1">
+              <a:schemeClr val="accent1"/>
+            </a:fillRef>
+            <a:effectRef idx="0">
+              <a:schemeClr val="accent1"/>
+            </a:effectRef>
+            <a:fontRef idx="minor">
+              <a:schemeClr val="lt1"/>
+            </a:fontRef>
+          </p:style>
+          <p:txBody>
+            <a:bodyPr rtlCol="0" anchor="ctr"/>
+            <a:lstStyle/>
+            <a:p>
+              <a:pPr algn="ctr"/>
+              <a:endParaRPr lang="en-US"/>
+            </a:p>
+          </p:txBody>
+        </p:sp>
+        <p:sp>
+          <p:nvSpPr>
+            <p:cNvPr id="4" name="Rectangle 3">
+              <a:extLst>
+                <a:ext uri="{FF2B5EF4-FFF2-40B4-BE49-F238E27FC236}">
+                  <a16:creationId xmlns:a16="http://schemas.microsoft.com/office/drawing/2014/main" id="{F2FB3D1D-A3BF-4826-AE36-3E8D047EC43D}"/>
+                </a:ext>
+              </a:extLst>
+            </p:cNvPr>
+            <p:cNvSpPr/>
+            <p:nvPr/>
+          </p:nvSpPr>
+          <p:spPr>
+            <a:xfrm>
+              <a:off x="4940491" y="1810602"/>
+              <a:ext cx="1746913" cy="4135272"/>
+            </a:xfrm>
+            <a:prstGeom prst="rect">
+              <a:avLst/>
+            </a:prstGeom>
+            <a:solidFill>
+              <a:schemeClr val="accent1">
+                <a:lumMod val="40000"/>
+                <a:lumOff val="60000"/>
+              </a:schemeClr>
+            </a:solidFill>
+            <a:ln w="38100"/>
+          </p:spPr>
+          <p:style>
+            <a:lnRef idx="2">
+              <a:schemeClr val="accent1">
+                <a:shade val="50000"/>
+              </a:schemeClr>
+            </a:lnRef>
+            <a:fillRef idx="1">
+              <a:schemeClr val="accent1"/>
+            </a:fillRef>
+            <a:effectRef idx="0">
+              <a:schemeClr val="accent1"/>
+            </a:effectRef>
+            <a:fontRef idx="minor">
+              <a:schemeClr val="lt1"/>
+            </a:fontRef>
+          </p:style>
+          <p:txBody>
+            <a:bodyPr rtlCol="0" anchor="ctr"/>
+            <a:lstStyle/>
+            <a:p>
+              <a:pPr algn="ctr"/>
+              <a:endParaRPr lang="en-US"/>
+            </a:p>
+          </p:txBody>
+        </p:sp>
+        <p:sp>
+          <p:nvSpPr>
+            <p:cNvPr id="5" name="Rectangle 4">
+              <a:extLst>
+                <a:ext uri="{FF2B5EF4-FFF2-40B4-BE49-F238E27FC236}">
+                  <a16:creationId xmlns:a16="http://schemas.microsoft.com/office/drawing/2014/main" id="{E43E626C-0E32-47CB-A030-AAEEF8346EAA}"/>
+                </a:ext>
+              </a:extLst>
+            </p:cNvPr>
+            <p:cNvSpPr/>
+            <p:nvPr/>
+          </p:nvSpPr>
+          <p:spPr>
+            <a:xfrm>
+              <a:off x="3682970" y="178286"/>
+              <a:ext cx="1214649" cy="2973823"/>
+            </a:xfrm>
+            <a:prstGeom prst="rect">
+              <a:avLst/>
+            </a:prstGeom>
+            <a:solidFill>
+              <a:schemeClr val="accent1">
+                <a:lumMod val="40000"/>
+                <a:lumOff val="60000"/>
+              </a:schemeClr>
+            </a:solidFill>
+            <a:ln w="38100"/>
+          </p:spPr>
+          <p:style>
+            <a:lnRef idx="2">
+              <a:schemeClr val="accent1">
+                <a:shade val="50000"/>
+              </a:schemeClr>
+            </a:lnRef>
+            <a:fillRef idx="1">
+              <a:schemeClr val="accent1"/>
+            </a:fillRef>
+            <a:effectRef idx="0">
+              <a:schemeClr val="accent1"/>
+            </a:effectRef>
+            <a:fontRef idx="minor">
+              <a:schemeClr val="lt1"/>
+            </a:fontRef>
+          </p:style>
+          <p:txBody>
+            <a:bodyPr rtlCol="0" anchor="ctr"/>
+            <a:lstStyle/>
+            <a:p>
+              <a:pPr algn="ctr"/>
+              <a:endParaRPr lang="en-US"/>
+            </a:p>
+          </p:txBody>
+        </p:sp>
+        <p:pic>
+          <p:nvPicPr>
+            <p:cNvPr id="9" name="Picture 8">
+              <a:extLst>
+                <a:ext uri="{FF2B5EF4-FFF2-40B4-BE49-F238E27FC236}">
+                  <a16:creationId xmlns:a16="http://schemas.microsoft.com/office/drawing/2014/main" id="{3AAA4744-A710-4F8D-B6F0-D853F639645E}"/>
+                </a:ext>
+              </a:extLst>
+            </p:cNvPr>
+            <p:cNvPicPr>
+              <a:picLocks noChangeAspect="1"/>
+            </p:cNvPicPr>
+            <p:nvPr>
+              <p:custDataLst>
+                <p:tags r:id="rId1"/>
+              </p:custDataLst>
+            </p:nvPr>
+          </p:nvPicPr>
+          <p:blipFill>
+            <a:blip r:embed="rId10">
+              <a:extLst>
+                <a:ext uri="{28A0092B-C50C-407E-A947-70E740481C1C}">
+                  <a14:useLocalDpi xmlns:a14="http://schemas.microsoft.com/office/drawing/2010/main" val="0"/>
+                </a:ext>
+              </a:extLst>
+            </a:blip>
+            <a:stretch>
+              <a:fillRect/>
+            </a:stretch>
+          </p:blipFill>
+          <p:spPr>
+            <a:xfrm>
+              <a:off x="1887717" y="410570"/>
+              <a:ext cx="1752381" cy="178286"/>
+            </a:xfrm>
+            <a:prstGeom prst="rect">
+              <a:avLst/>
+            </a:prstGeom>
+          </p:spPr>
+        </p:pic>
+        <p:pic>
+          <p:nvPicPr>
+            <p:cNvPr id="11" name="Picture 10">
+              <a:extLst>
+                <a:ext uri="{FF2B5EF4-FFF2-40B4-BE49-F238E27FC236}">
+                  <a16:creationId xmlns:a16="http://schemas.microsoft.com/office/drawing/2014/main" id="{9113EF52-D7B3-46A8-9125-E18B06041B46}"/>
+                </a:ext>
+              </a:extLst>
+            </p:cNvPr>
+            <p:cNvPicPr>
+              <a:picLocks noChangeAspect="1"/>
+            </p:cNvPicPr>
+            <p:nvPr>
+              <p:custDataLst>
+                <p:tags r:id="rId2"/>
+              </p:custDataLst>
+            </p:nvPr>
+          </p:nvPicPr>
+          <p:blipFill>
+            <a:blip r:embed="rId11">
+              <a:extLst>
+                <a:ext uri="{28A0092B-C50C-407E-A947-70E740481C1C}">
+                  <a14:useLocalDpi xmlns:a14="http://schemas.microsoft.com/office/drawing/2010/main" val="0"/>
+                </a:ext>
+              </a:extLst>
+            </a:blip>
+            <a:stretch>
+              <a:fillRect/>
+            </a:stretch>
+          </p:blipFill>
+          <p:spPr>
+            <a:xfrm>
+              <a:off x="5137375" y="5351060"/>
+              <a:ext cx="1353143" cy="227048"/>
+            </a:xfrm>
+            <a:prstGeom prst="rect">
+              <a:avLst/>
+            </a:prstGeom>
+          </p:spPr>
+        </p:pic>
+        <p:grpSp>
+          <p:nvGrpSpPr>
+            <p:cNvPr id="18" name="Group 17">
+              <a:extLst>
+                <a:ext uri="{FF2B5EF4-FFF2-40B4-BE49-F238E27FC236}">
+                  <a16:creationId xmlns:a16="http://schemas.microsoft.com/office/drawing/2014/main" id="{81951DB2-0FDD-49B2-850C-DE722AE35453}"/>
+                </a:ext>
+              </a:extLst>
+            </p:cNvPr>
+            <p:cNvGrpSpPr/>
+            <p:nvPr/>
+          </p:nvGrpSpPr>
+          <p:grpSpPr>
+            <a:xfrm>
+              <a:off x="6714699" y="2123727"/>
+              <a:ext cx="1991491" cy="3822147"/>
+              <a:chOff x="6714699" y="2123727"/>
+              <a:chExt cx="1991491" cy="3822147"/>
+            </a:xfrm>
+          </p:grpSpPr>
+          <p:grpSp>
+            <p:nvGrpSpPr>
+              <p:cNvPr id="16" name="Group 15">
+                <a:extLst>
+                  <a:ext uri="{FF2B5EF4-FFF2-40B4-BE49-F238E27FC236}">
+                    <a16:creationId xmlns:a16="http://schemas.microsoft.com/office/drawing/2014/main" id="{3B491CEA-208C-4C70-9A7E-9C231D91BD9F}"/>
+                  </a:ext>
+                </a:extLst>
+              </p:cNvPr>
+              <p:cNvGrpSpPr/>
+              <p:nvPr/>
+            </p:nvGrpSpPr>
+            <p:grpSpPr>
+              <a:xfrm>
+                <a:off x="6714699" y="2123727"/>
+                <a:ext cx="1991491" cy="3822147"/>
+                <a:chOff x="6714700" y="2123727"/>
+                <a:chExt cx="1820733" cy="3822147"/>
+              </a:xfrm>
+            </p:grpSpPr>
+            <p:sp>
+              <p:nvSpPr>
+                <p:cNvPr id="13" name="Arrow: U-Turn 12">
+                  <a:extLst>
+                    <a:ext uri="{FF2B5EF4-FFF2-40B4-BE49-F238E27FC236}">
+                      <a16:creationId xmlns:a16="http://schemas.microsoft.com/office/drawing/2014/main" id="{42164C30-55FE-4A4E-B54E-C92FD1AEB2E5}"/>
+                    </a:ext>
+                  </a:extLst>
+                </p:cNvPr>
+                <p:cNvSpPr/>
+                <p:nvPr/>
+              </p:nvSpPr>
+              <p:spPr>
+                <a:xfrm rot="10800000" flipH="1">
+                  <a:off x="7525570" y="2471745"/>
+                  <a:ext cx="1009863" cy="3474129"/>
+                </a:xfrm>
+                <a:prstGeom prst="uturnArrow">
+                  <a:avLst>
+                    <a:gd name="adj1" fmla="val 33592"/>
+                    <a:gd name="adj2" fmla="val 25000"/>
+                    <a:gd name="adj3" fmla="val 0"/>
+                    <a:gd name="adj4" fmla="val 45898"/>
+                    <a:gd name="adj5" fmla="val 30272"/>
+                  </a:avLst>
+                </a:prstGeom>
+                <a:ln>
+                  <a:noFill/>
+                </a:ln>
+              </p:spPr>
+              <p:style>
+                <a:lnRef idx="2">
+                  <a:schemeClr val="accent1">
+                    <a:shade val="50000"/>
+                  </a:schemeClr>
+                </a:lnRef>
+                <a:fillRef idx="1">
+                  <a:schemeClr val="accent1"/>
+                </a:fillRef>
+                <a:effectRef idx="0">
+                  <a:schemeClr val="accent1"/>
+                </a:effectRef>
+                <a:fontRef idx="minor">
+                  <a:schemeClr val="lt1"/>
+                </a:fontRef>
+              </p:style>
+              <p:txBody>
+                <a:bodyPr rtlCol="0" anchor="ctr"/>
+                <a:lstStyle/>
+                <a:p>
+                  <a:pPr algn="ctr"/>
+                  <a:endParaRPr lang="en-US" dirty="0">
+                    <a:solidFill>
+                      <a:schemeClr val="tx1"/>
+                    </a:solidFill>
+                  </a:endParaRPr>
+                </a:p>
+              </p:txBody>
+            </p:sp>
+            <p:sp>
+              <p:nvSpPr>
+                <p:cNvPr id="15" name="L-Shape 14">
+                  <a:extLst>
+                    <a:ext uri="{FF2B5EF4-FFF2-40B4-BE49-F238E27FC236}">
+                      <a16:creationId xmlns:a16="http://schemas.microsoft.com/office/drawing/2014/main" id="{55D06D36-46A9-4DB0-B40F-FB7FF5FD871C}"/>
+                    </a:ext>
+                  </a:extLst>
+                </p:cNvPr>
+                <p:cNvSpPr/>
+                <p:nvPr/>
+              </p:nvSpPr>
+              <p:spPr>
+                <a:xfrm rot="10800000">
+                  <a:off x="6714700" y="2123727"/>
+                  <a:ext cx="1146408" cy="696036"/>
+                </a:xfrm>
+                <a:prstGeom prst="corner">
+                  <a:avLst>
+                    <a:gd name="adj1" fmla="val 50000"/>
+                    <a:gd name="adj2" fmla="val 46078"/>
+                  </a:avLst>
+                </a:prstGeom>
+                <a:ln>
+                  <a:noFill/>
+                </a:ln>
+              </p:spPr>
+              <p:style>
+                <a:lnRef idx="2">
+                  <a:schemeClr val="accent1">
+                    <a:shade val="50000"/>
+                  </a:schemeClr>
+                </a:lnRef>
+                <a:fillRef idx="1">
+                  <a:schemeClr val="accent1"/>
+                </a:fillRef>
+                <a:effectRef idx="0">
+                  <a:schemeClr val="accent1"/>
+                </a:effectRef>
+                <a:fontRef idx="minor">
+                  <a:schemeClr val="lt1"/>
+                </a:fontRef>
+              </p:style>
+              <p:txBody>
+                <a:bodyPr rtlCol="0" anchor="ctr"/>
+                <a:lstStyle/>
+                <a:p>
+                  <a:pPr algn="ctr"/>
+                  <a:endParaRPr lang="en-US"/>
+                </a:p>
+              </p:txBody>
+            </p:sp>
+          </p:grpSp>
+          <p:sp>
+            <p:nvSpPr>
+              <p:cNvPr id="17" name="Flowchart: Collate 16">
+                <a:extLst>
+                  <a:ext uri="{FF2B5EF4-FFF2-40B4-BE49-F238E27FC236}">
+                    <a16:creationId xmlns:a16="http://schemas.microsoft.com/office/drawing/2014/main" id="{A6F7C469-3101-4616-B906-B6C1DB37A0CA}"/>
+                  </a:ext>
+                </a:extLst>
+              </p:cNvPr>
+              <p:cNvSpPr/>
+              <p:nvPr/>
+            </p:nvSpPr>
+            <p:spPr>
+              <a:xfrm rot="5400000">
+                <a:off x="6975572" y="2128892"/>
+                <a:ext cx="348019" cy="337690"/>
+              </a:xfrm>
+              <a:prstGeom prst="flowChartCollate">
+                <a:avLst/>
+              </a:prstGeom>
+              <a:solidFill>
+                <a:schemeClr val="tx1"/>
+              </a:solidFill>
+            </p:spPr>
+            <p:style>
+              <a:lnRef idx="2">
+                <a:schemeClr val="accent1">
+                  <a:shade val="50000"/>
+                </a:schemeClr>
+              </a:lnRef>
+              <a:fillRef idx="1">
+                <a:schemeClr val="accent1"/>
+              </a:fillRef>
+              <a:effectRef idx="0">
+                <a:schemeClr val="accent1"/>
+              </a:effectRef>
+              <a:fontRef idx="minor">
+                <a:schemeClr val="lt1"/>
+              </a:fontRef>
+            </p:style>
+            <p:txBody>
+              <a:bodyPr rtlCol="0" anchor="ctr"/>
+              <a:lstStyle/>
+              <a:p>
+                <a:pPr algn="ctr"/>
+                <a:endParaRPr lang="en-US">
+                  <a:solidFill>
+                    <a:schemeClr val="tx1"/>
+                  </a:solidFill>
+                </a:endParaRPr>
+              </a:p>
+            </p:txBody>
+          </p:sp>
+        </p:grpSp>
+        <p:cxnSp>
+          <p:nvCxnSpPr>
+            <p:cNvPr id="20" name="Straight Arrow Connector 19">
+              <a:extLst>
+                <a:ext uri="{FF2B5EF4-FFF2-40B4-BE49-F238E27FC236}">
+                  <a16:creationId xmlns:a16="http://schemas.microsoft.com/office/drawing/2014/main" id="{2EAEB633-AD3B-4774-857B-14D16A9FFFFA}"/>
+                </a:ext>
+              </a:extLst>
+            </p:cNvPr>
+            <p:cNvCxnSpPr/>
+            <p:nvPr/>
+          </p:nvCxnSpPr>
+          <p:spPr>
+            <a:xfrm>
+              <a:off x="6980736" y="943698"/>
+              <a:ext cx="168845" cy="1180029"/>
+            </a:xfrm>
+            <a:prstGeom prst="straightConnector1">
+              <a:avLst/>
+            </a:prstGeom>
+            <a:ln>
+              <a:tailEnd type="triangle"/>
+            </a:ln>
+          </p:spPr>
+          <p:style>
+            <a:lnRef idx="1">
+              <a:schemeClr val="accent1"/>
+            </a:lnRef>
+            <a:fillRef idx="0">
+              <a:schemeClr val="accent1"/>
+            </a:fillRef>
+            <a:effectRef idx="0">
+              <a:schemeClr val="accent1"/>
+            </a:effectRef>
+            <a:fontRef idx="minor">
+              <a:schemeClr val="tx1"/>
+            </a:fontRef>
+          </p:style>
+        </p:cxnSp>
+        <p:pic>
+          <p:nvPicPr>
+            <p:cNvPr id="22" name="Picture 21">
+              <a:extLst>
+                <a:ext uri="{FF2B5EF4-FFF2-40B4-BE49-F238E27FC236}">
+                  <a16:creationId xmlns:a16="http://schemas.microsoft.com/office/drawing/2014/main" id="{2DF6C5AC-B1B4-407B-B9B9-EB733CAAA1E2}"/>
+                </a:ext>
+              </a:extLst>
+            </p:cNvPr>
+            <p:cNvPicPr>
+              <a:picLocks noChangeAspect="1"/>
+            </p:cNvPicPr>
+            <p:nvPr>
+              <p:custDataLst>
+                <p:tags r:id="rId3"/>
+              </p:custDataLst>
+            </p:nvPr>
+          </p:nvPicPr>
+          <p:blipFill>
+            <a:blip r:embed="rId12">
+              <a:extLst>
+                <a:ext uri="{28A0092B-C50C-407E-A947-70E740481C1C}">
+                  <a14:useLocalDpi xmlns:a14="http://schemas.microsoft.com/office/drawing/2010/main" val="0"/>
+                </a:ext>
+              </a:extLst>
+            </a:blip>
+            <a:stretch>
+              <a:fillRect/>
+            </a:stretch>
+          </p:blipFill>
+          <p:spPr>
+            <a:xfrm>
+              <a:off x="6212736" y="741031"/>
+              <a:ext cx="1536000" cy="227048"/>
+            </a:xfrm>
+            <a:prstGeom prst="rect">
+              <a:avLst/>
+            </a:prstGeom>
+          </p:spPr>
+        </p:pic>
+        <p:cxnSp>
+          <p:nvCxnSpPr>
+            <p:cNvPr id="24" name="Straight Connector 23">
+              <a:extLst>
+                <a:ext uri="{FF2B5EF4-FFF2-40B4-BE49-F238E27FC236}">
+                  <a16:creationId xmlns:a16="http://schemas.microsoft.com/office/drawing/2014/main" id="{EC9A95D3-ABC9-441D-BFC1-D740F179A323}"/>
+                </a:ext>
+              </a:extLst>
+            </p:cNvPr>
+            <p:cNvCxnSpPr/>
+            <p:nvPr/>
+          </p:nvCxnSpPr>
+          <p:spPr>
+            <a:xfrm flipH="1">
+              <a:off x="7748736" y="4899546"/>
+              <a:ext cx="1556031" cy="0"/>
+            </a:xfrm>
+            <a:prstGeom prst="line">
+              <a:avLst/>
+            </a:prstGeom>
+            <a:ln>
+              <a:prstDash val="dash"/>
+            </a:ln>
+          </p:spPr>
+          <p:style>
+            <a:lnRef idx="1">
+              <a:schemeClr val="dk1"/>
+            </a:lnRef>
+            <a:fillRef idx="0">
+              <a:schemeClr val="dk1"/>
+            </a:fillRef>
+            <a:effectRef idx="0">
+              <a:schemeClr val="dk1"/>
+            </a:effectRef>
+            <a:fontRef idx="minor">
+              <a:schemeClr val="tx1"/>
+            </a:fontRef>
+          </p:style>
+        </p:cxnSp>
+        <p:cxnSp>
+          <p:nvCxnSpPr>
+            <p:cNvPr id="26" name="Straight Connector 25">
+              <a:extLst>
+                <a:ext uri="{FF2B5EF4-FFF2-40B4-BE49-F238E27FC236}">
+                  <a16:creationId xmlns:a16="http://schemas.microsoft.com/office/drawing/2014/main" id="{88A6A894-7F9A-4728-8974-BA074E17AB16}"/>
+                </a:ext>
+              </a:extLst>
+            </p:cNvPr>
+            <p:cNvCxnSpPr>
+              <a:cxnSpLocks/>
+            </p:cNvCxnSpPr>
+            <p:nvPr/>
+          </p:nvCxnSpPr>
+          <p:spPr>
+            <a:xfrm>
+              <a:off x="2904954" y="2471745"/>
+              <a:ext cx="6399813" cy="0"/>
+            </a:xfrm>
+            <a:prstGeom prst="line">
+              <a:avLst/>
+            </a:prstGeom>
+            <a:ln>
+              <a:prstDash val="dash"/>
+              <a:headEnd type="none" w="med" len="med"/>
+              <a:tailEnd type="none" w="med" len="med"/>
+            </a:ln>
+          </p:spPr>
+          <p:style>
+            <a:lnRef idx="1">
+              <a:schemeClr val="dk1"/>
+            </a:lnRef>
+            <a:fillRef idx="0">
+              <a:schemeClr val="dk1"/>
+            </a:fillRef>
+            <a:effectRef idx="0">
+              <a:schemeClr val="dk1"/>
+            </a:effectRef>
+            <a:fontRef idx="minor">
+              <a:schemeClr val="tx1"/>
+            </a:fontRef>
+          </p:style>
+        </p:cxnSp>
+        <p:cxnSp>
+          <p:nvCxnSpPr>
+            <p:cNvPr id="28" name="Straight Connector 27">
+              <a:extLst>
+                <a:ext uri="{FF2B5EF4-FFF2-40B4-BE49-F238E27FC236}">
+                  <a16:creationId xmlns:a16="http://schemas.microsoft.com/office/drawing/2014/main" id="{1730AB88-5838-4E51-A77D-67314297EFE2}"/>
+                </a:ext>
+              </a:extLst>
+            </p:cNvPr>
+            <p:cNvCxnSpPr>
+              <a:cxnSpLocks/>
+            </p:cNvCxnSpPr>
+            <p:nvPr/>
+          </p:nvCxnSpPr>
+          <p:spPr>
+            <a:xfrm>
+              <a:off x="8867945" y="2471745"/>
+              <a:ext cx="0" cy="2427801"/>
+            </a:xfrm>
+            <a:prstGeom prst="line">
+              <a:avLst/>
+            </a:prstGeom>
+            <a:ln w="28575">
+              <a:solidFill>
+                <a:schemeClr val="tx1"/>
+              </a:solidFill>
+            </a:ln>
+          </p:spPr>
+          <p:style>
+            <a:lnRef idx="1">
+              <a:schemeClr val="accent1"/>
+            </a:lnRef>
+            <a:fillRef idx="0">
+              <a:schemeClr val="accent1"/>
+            </a:fillRef>
+            <a:effectRef idx="0">
+              <a:schemeClr val="accent1"/>
+            </a:effectRef>
+            <a:fontRef idx="minor">
+              <a:schemeClr val="tx1"/>
+            </a:fontRef>
+          </p:style>
+        </p:cxnSp>
+        <p:cxnSp>
+          <p:nvCxnSpPr>
+            <p:cNvPr id="19" name="Straight Connector 18">
+              <a:extLst>
+                <a:ext uri="{FF2B5EF4-FFF2-40B4-BE49-F238E27FC236}">
+                  <a16:creationId xmlns:a16="http://schemas.microsoft.com/office/drawing/2014/main" id="{992C27B0-640C-4277-B32F-99A96F4ABDDF}"/>
+                </a:ext>
+              </a:extLst>
+            </p:cNvPr>
+            <p:cNvCxnSpPr/>
+            <p:nvPr/>
+          </p:nvCxnSpPr>
+          <p:spPr>
+            <a:xfrm flipH="1">
+              <a:off x="2904954" y="3152109"/>
+              <a:ext cx="1556031" cy="0"/>
+            </a:xfrm>
+            <a:prstGeom prst="line">
+              <a:avLst/>
+            </a:prstGeom>
+            <a:ln>
+              <a:prstDash val="dash"/>
+            </a:ln>
+          </p:spPr>
+          <p:style>
+            <a:lnRef idx="1">
+              <a:schemeClr val="dk1"/>
+            </a:lnRef>
+            <a:fillRef idx="0">
+              <a:schemeClr val="dk1"/>
+            </a:fillRef>
+            <a:effectRef idx="0">
+              <a:schemeClr val="dk1"/>
+            </a:effectRef>
+            <a:fontRef idx="minor">
+              <a:schemeClr val="tx1"/>
+            </a:fontRef>
+          </p:style>
+        </p:cxnSp>
+        <p:cxnSp>
+          <p:nvCxnSpPr>
+            <p:cNvPr id="21" name="Straight Connector 20">
+              <a:extLst>
+                <a:ext uri="{FF2B5EF4-FFF2-40B4-BE49-F238E27FC236}">
+                  <a16:creationId xmlns:a16="http://schemas.microsoft.com/office/drawing/2014/main" id="{5D27C4EA-1FA7-4EC0-B9EC-DBC5898D99B4}"/>
+                </a:ext>
+              </a:extLst>
+            </p:cNvPr>
+            <p:cNvCxnSpPr>
+              <a:cxnSpLocks/>
+            </p:cNvCxnSpPr>
+            <p:nvPr/>
+          </p:nvCxnSpPr>
+          <p:spPr>
+            <a:xfrm>
+              <a:off x="3263489" y="2471745"/>
+              <a:ext cx="0" cy="680364"/>
+            </a:xfrm>
+            <a:prstGeom prst="line">
+              <a:avLst/>
+            </a:prstGeom>
+            <a:ln w="28575">
+              <a:solidFill>
+                <a:schemeClr val="tx1"/>
+              </a:solidFill>
+            </a:ln>
+          </p:spPr>
+          <p:style>
+            <a:lnRef idx="1">
+              <a:schemeClr val="accent1"/>
+            </a:lnRef>
+            <a:fillRef idx="0">
+              <a:schemeClr val="accent1"/>
+            </a:fillRef>
+            <a:effectRef idx="0">
+              <a:schemeClr val="accent1"/>
+            </a:effectRef>
+            <a:fontRef idx="minor">
+              <a:schemeClr val="tx1"/>
+            </a:fontRef>
+          </p:style>
+        </p:cxnSp>
+        <p:pic>
+          <p:nvPicPr>
+            <p:cNvPr id="10" name="Picture 9">
+              <a:extLst>
+                <a:ext uri="{FF2B5EF4-FFF2-40B4-BE49-F238E27FC236}">
+                  <a16:creationId xmlns:a16="http://schemas.microsoft.com/office/drawing/2014/main" id="{3FA33312-4A25-4BE0-81D6-ED65B5A502D0}"/>
+                </a:ext>
+              </a:extLst>
+            </p:cNvPr>
+            <p:cNvPicPr>
+              <a:picLocks noChangeAspect="1"/>
+            </p:cNvPicPr>
+            <p:nvPr>
+              <p:custDataLst>
+                <p:tags r:id="rId4"/>
+              </p:custDataLst>
+            </p:nvPr>
+          </p:nvPicPr>
+          <p:blipFill>
+            <a:blip r:embed="rId13">
+              <a:extLst>
+                <a:ext uri="{28A0092B-C50C-407E-A947-70E740481C1C}">
+                  <a14:useLocalDpi xmlns:a14="http://schemas.microsoft.com/office/drawing/2010/main" val="0"/>
+                </a:ext>
+              </a:extLst>
+            </a:blip>
+            <a:stretch>
+              <a:fillRect/>
+            </a:stretch>
+          </p:blipFill>
+          <p:spPr>
+            <a:xfrm>
+              <a:off x="2528032" y="2707077"/>
+              <a:ext cx="556190" cy="175238"/>
+            </a:xfrm>
+            <a:prstGeom prst="rect">
+              <a:avLst/>
+            </a:prstGeom>
+          </p:spPr>
+        </p:pic>
+        <p:pic>
+          <p:nvPicPr>
+            <p:cNvPr id="14" name="Picture 13">
+              <a:extLst>
+                <a:ext uri="{FF2B5EF4-FFF2-40B4-BE49-F238E27FC236}">
+                  <a16:creationId xmlns:a16="http://schemas.microsoft.com/office/drawing/2014/main" id="{E31FA8D4-FA9B-4153-9CF9-19E4A88B8F05}"/>
+                </a:ext>
+              </a:extLst>
+            </p:cNvPr>
+            <p:cNvPicPr>
+              <a:picLocks noChangeAspect="1"/>
+            </p:cNvPicPr>
+            <p:nvPr>
+              <p:custDataLst>
+                <p:tags r:id="rId5"/>
+              </p:custDataLst>
+            </p:nvPr>
+          </p:nvPicPr>
+          <p:blipFill>
+            <a:blip r:embed="rId14">
+              <a:extLst>
+                <a:ext uri="{28A0092B-C50C-407E-A947-70E740481C1C}">
+                  <a14:useLocalDpi xmlns:a14="http://schemas.microsoft.com/office/drawing/2010/main" val="0"/>
+                </a:ext>
+              </a:extLst>
+            </a:blip>
+            <a:stretch>
+              <a:fillRect/>
+            </a:stretch>
+          </p:blipFill>
+          <p:spPr>
+            <a:xfrm>
+              <a:off x="2184588" y="4357149"/>
+              <a:ext cx="1979428" cy="178286"/>
+            </a:xfrm>
+            <a:prstGeom prst="rect">
+              <a:avLst/>
+            </a:prstGeom>
+          </p:spPr>
+        </p:pic>
+        <p:pic>
+          <p:nvPicPr>
+            <p:cNvPr id="27" name="Picture 26">
+              <a:extLst>
+                <a:ext uri="{FF2B5EF4-FFF2-40B4-BE49-F238E27FC236}">
+                  <a16:creationId xmlns:a16="http://schemas.microsoft.com/office/drawing/2014/main" id="{60BFCC72-8796-409F-A973-F0A2498F89AF}"/>
+                </a:ext>
+              </a:extLst>
+            </p:cNvPr>
+            <p:cNvPicPr>
+              <a:picLocks noChangeAspect="1"/>
+            </p:cNvPicPr>
+            <p:nvPr>
+              <p:custDataLst>
+                <p:tags r:id="rId6"/>
+              </p:custDataLst>
+            </p:nvPr>
+          </p:nvPicPr>
+          <p:blipFill>
+            <a:blip r:embed="rId15">
+              <a:extLst>
+                <a:ext uri="{28A0092B-C50C-407E-A947-70E740481C1C}">
+                  <a14:useLocalDpi xmlns:a14="http://schemas.microsoft.com/office/drawing/2010/main" val="0"/>
+                </a:ext>
+              </a:extLst>
+            </a:blip>
+            <a:stretch>
+              <a:fillRect/>
+            </a:stretch>
+          </p:blipFill>
+          <p:spPr>
+            <a:xfrm>
+              <a:off x="8706190" y="4906874"/>
+              <a:ext cx="1593905" cy="227048"/>
+            </a:xfrm>
+            <a:prstGeom prst="rect">
+              <a:avLst/>
+            </a:prstGeom>
+          </p:spPr>
+        </p:pic>
+        <p:pic>
+          <p:nvPicPr>
+            <p:cNvPr id="31" name="Picture 30">
+              <a:extLst>
+                <a:ext uri="{FF2B5EF4-FFF2-40B4-BE49-F238E27FC236}">
+                  <a16:creationId xmlns:a16="http://schemas.microsoft.com/office/drawing/2014/main" id="{59A864D7-8848-4E79-B7FA-26EFA8666736}"/>
+                </a:ext>
+              </a:extLst>
+            </p:cNvPr>
+            <p:cNvPicPr>
+              <a:picLocks noChangeAspect="1"/>
+            </p:cNvPicPr>
+            <p:nvPr>
+              <p:custDataLst>
+                <p:tags r:id="rId7"/>
+              </p:custDataLst>
+            </p:nvPr>
+          </p:nvPicPr>
+          <p:blipFill>
+            <a:blip r:embed="rId16">
+              <a:extLst>
+                <a:ext uri="{28A0092B-C50C-407E-A947-70E740481C1C}">
+                  <a14:useLocalDpi xmlns:a14="http://schemas.microsoft.com/office/drawing/2010/main" val="0"/>
+                </a:ext>
+              </a:extLst>
+            </a:blip>
+            <a:stretch>
+              <a:fillRect/>
+            </a:stretch>
+          </p:blipFill>
+          <p:spPr>
+            <a:xfrm>
+              <a:off x="7032267" y="3465981"/>
+              <a:ext cx="1398857" cy="227004"/>
+            </a:xfrm>
+            <a:prstGeom prst="rect">
+              <a:avLst/>
+            </a:prstGeom>
+          </p:spPr>
+        </p:pic>
+        <p:pic>
+          <p:nvPicPr>
+            <p:cNvPr id="33" name="Picture 32">
+              <a:extLst>
+                <a:ext uri="{FF2B5EF4-FFF2-40B4-BE49-F238E27FC236}">
+                  <a16:creationId xmlns:a16="http://schemas.microsoft.com/office/drawing/2014/main" id="{21CDB2BA-64D5-40A2-BE5C-775FF58267F8}"/>
+                </a:ext>
+              </a:extLst>
+            </p:cNvPr>
+            <p:cNvPicPr>
+              <a:picLocks noChangeAspect="1"/>
+            </p:cNvPicPr>
+            <p:nvPr>
+              <p:custDataLst>
+                <p:tags r:id="rId8"/>
+              </p:custDataLst>
+            </p:nvPr>
+          </p:nvPicPr>
+          <p:blipFill>
+            <a:blip r:embed="rId17">
+              <a:extLst>
+                <a:ext uri="{28A0092B-C50C-407E-A947-70E740481C1C}">
+                  <a14:useLocalDpi xmlns:a14="http://schemas.microsoft.com/office/drawing/2010/main" val="0"/>
+                </a:ext>
+              </a:extLst>
+            </a:blip>
+            <a:stretch>
+              <a:fillRect/>
+            </a:stretch>
+          </p:blipFill>
+          <p:spPr>
+            <a:xfrm>
+              <a:off x="8989380" y="3495908"/>
+              <a:ext cx="1464381" cy="213333"/>
+            </a:xfrm>
+            <a:prstGeom prst="rect">
+              <a:avLst/>
+            </a:prstGeom>
+          </p:spPr>
+        </p:pic>
+      </p:grpSp>
     </p:spTree>
     <p:extLst>
       <p:ext uri="{BB962C8B-B14F-4D97-AF65-F5344CB8AC3E}">
@@ -19569,31 +20470,474 @@
           </a:p>
         </p:txBody>
       </p:sp>
-      <p:sp>
-        <p:nvSpPr>
-          <p:cNvPr id="3" name="Content Placeholder 2">
+      <p:graphicFrame>
+        <p:nvGraphicFramePr>
+          <p:cNvPr id="4" name="Content Placeholder 3">
             <a:extLst>
               <a:ext uri="{FF2B5EF4-FFF2-40B4-BE49-F238E27FC236}">
-                <a16:creationId xmlns:a16="http://schemas.microsoft.com/office/drawing/2014/main" id="{C88DF3AD-E8BE-4E5F-B58E-C6994DE1AB69}"/>
+                <a16:creationId xmlns:a16="http://schemas.microsoft.com/office/drawing/2014/main" id="{CFB2F120-0D06-4B63-9072-ACA3D5C0B7C6}"/>
               </a:ext>
             </a:extLst>
           </p:cNvPr>
-          <p:cNvSpPr>
-            <a:spLocks noGrp="1"/>
-          </p:cNvSpPr>
+          <p:cNvGraphicFramePr>
+            <a:graphicFrameLocks noGrp="1"/>
+          </p:cNvGraphicFramePr>
           <p:nvPr>
             <p:ph idx="1"/>
+            <p:extLst>
+              <p:ext uri="{D42A27DB-BD31-4B8C-83A1-F6EECF244321}">
+                <p14:modId xmlns:p14="http://schemas.microsoft.com/office/powerpoint/2010/main" val="3627882380"/>
+              </p:ext>
+            </p:extLst>
           </p:nvPr>
-        </p:nvSpPr>
-        <p:spPr/>
-        <p:txBody>
-          <a:bodyPr/>
-          <a:lstStyle/>
-          <a:p>
-            <a:endParaRPr lang="en-US"/>
-          </a:p>
-        </p:txBody>
-      </p:sp>
+        </p:nvGraphicFramePr>
+        <p:xfrm>
+          <a:off x="838200" y="1825625"/>
+          <a:ext cx="10515600" cy="3749040"/>
+        </p:xfrm>
+        <a:graphic>
+          <a:graphicData uri="http://schemas.openxmlformats.org/drawingml/2006/table">
+            <a:tbl>
+              <a:tblPr firstRow="1" bandRow="1">
+                <a:tableStyleId>{5C22544A-7EE6-4342-B048-85BDC9FD1C3A}</a:tableStyleId>
+              </a:tblPr>
+              <a:tblGrid>
+                <a:gridCol w="1660301">
+                  <a:extLst>
+                    <a:ext uri="{9D8B030D-6E8A-4147-A177-3AD203B41FA5}">
+                      <a16:colId xmlns:a16="http://schemas.microsoft.com/office/drawing/2014/main" val="2533800480"/>
+                    </a:ext>
+                  </a:extLst>
+                </a:gridCol>
+                <a:gridCol w="2545939">
+                  <a:extLst>
+                    <a:ext uri="{9D8B030D-6E8A-4147-A177-3AD203B41FA5}">
+                      <a16:colId xmlns:a16="http://schemas.microsoft.com/office/drawing/2014/main" val="2944347849"/>
+                    </a:ext>
+                  </a:extLst>
+                </a:gridCol>
+                <a:gridCol w="2103120">
+                  <a:extLst>
+                    <a:ext uri="{9D8B030D-6E8A-4147-A177-3AD203B41FA5}">
+                      <a16:colId xmlns:a16="http://schemas.microsoft.com/office/drawing/2014/main" val="1876130703"/>
+                    </a:ext>
+                  </a:extLst>
+                </a:gridCol>
+                <a:gridCol w="2103120">
+                  <a:extLst>
+                    <a:ext uri="{9D8B030D-6E8A-4147-A177-3AD203B41FA5}">
+                      <a16:colId xmlns:a16="http://schemas.microsoft.com/office/drawing/2014/main" val="2321744013"/>
+                    </a:ext>
+                  </a:extLst>
+                </a:gridCol>
+                <a:gridCol w="2103120">
+                  <a:extLst>
+                    <a:ext uri="{9D8B030D-6E8A-4147-A177-3AD203B41FA5}">
+                      <a16:colId xmlns:a16="http://schemas.microsoft.com/office/drawing/2014/main" val="4137464316"/>
+                    </a:ext>
+                  </a:extLst>
+                </a:gridCol>
+              </a:tblGrid>
+              <a:tr h="370840">
+                <a:tc>
+                  <a:txBody>
+                    <a:bodyPr/>
+                    <a:lstStyle/>
+                    <a:p>
+                      <a:r>
+                        <a:rPr lang="en-US" dirty="0"/>
+                        <a:t>(feature)</a:t>
+                      </a:r>
+                    </a:p>
+                  </a:txBody>
+                  <a:tcPr/>
+                </a:tc>
+                <a:tc>
+                  <a:txBody>
+                    <a:bodyPr/>
+                    <a:lstStyle/>
+                    <a:p>
+                      <a:r>
+                        <a:rPr lang="en-US" dirty="0" err="1"/>
+                        <a:t>EStaRS</a:t>
+                      </a:r>
+                      <a:r>
+                        <a:rPr lang="en-US" dirty="0"/>
+                        <a:t> for </a:t>
+                      </a:r>
+                      <a:r>
+                        <a:rPr lang="en-US" dirty="0" err="1"/>
+                        <a:t>plantita</a:t>
+                      </a:r>
+                      <a:endParaRPr lang="en-US" dirty="0"/>
+                    </a:p>
+                  </a:txBody>
+                  <a:tcPr/>
+                </a:tc>
+                <a:tc>
+                  <a:txBody>
+                    <a:bodyPr/>
+                    <a:lstStyle/>
+                    <a:p>
+                      <a:r>
+                        <a:rPr lang="en-US" dirty="0" err="1"/>
+                        <a:t>EStaRS</a:t>
+                      </a:r>
+                      <a:r>
+                        <a:rPr lang="en-US" dirty="0"/>
+                        <a:t> “concrete”</a:t>
+                      </a:r>
+                    </a:p>
+                  </a:txBody>
+                  <a:tcPr/>
+                </a:tc>
+                <a:tc>
+                  <a:txBody>
+                    <a:bodyPr/>
+                    <a:lstStyle/>
+                    <a:p>
+                      <a:r>
+                        <a:rPr lang="en-US" dirty="0" err="1"/>
+                        <a:t>EStaRS</a:t>
+                      </a:r>
+                      <a:r>
+                        <a:rPr lang="en-US" dirty="0"/>
+                        <a:t> “Micky Mouse”</a:t>
+                      </a:r>
+                    </a:p>
+                  </a:txBody>
+                  <a:tcPr/>
+                </a:tc>
+                <a:tc>
+                  <a:txBody>
+                    <a:bodyPr/>
+                    <a:lstStyle/>
+                    <a:p>
+                      <a:r>
+                        <a:rPr lang="en-US" dirty="0" err="1"/>
+                        <a:t>OStaRS</a:t>
+                      </a:r>
+                      <a:endParaRPr lang="en-US" dirty="0"/>
+                    </a:p>
+                  </a:txBody>
+                  <a:tcPr/>
+                </a:tc>
+                <a:extLst>
+                  <a:ext uri="{0D108BD9-81ED-4DB2-BD59-A6C34878D82A}">
+                    <a16:rowId xmlns:a16="http://schemas.microsoft.com/office/drawing/2014/main" val="1387374077"/>
+                  </a:ext>
+                </a:extLst>
+              </a:tr>
+              <a:tr h="370840">
+                <a:tc>
+                  <a:txBody>
+                    <a:bodyPr/>
+                    <a:lstStyle/>
+                    <a:p>
+                      <a:r>
+                        <a:rPr lang="en-US" dirty="0"/>
+                        <a:t>Sand layer height</a:t>
+                      </a:r>
+                    </a:p>
+                  </a:txBody>
+                  <a:tcPr/>
+                </a:tc>
+                <a:tc>
+                  <a:txBody>
+                    <a:bodyPr/>
+                    <a:lstStyle/>
+                    <a:p>
+                      <a:r>
+                        <a:rPr lang="en-US" dirty="0"/>
+                        <a:t>15cm</a:t>
+                      </a:r>
+                    </a:p>
+                  </a:txBody>
+                  <a:tcPr/>
+                </a:tc>
+                <a:tc>
+                  <a:txBody>
+                    <a:bodyPr/>
+                    <a:lstStyle/>
+                    <a:p>
+                      <a:r>
+                        <a:rPr lang="en-US" dirty="0"/>
+                        <a:t>20cm</a:t>
+                      </a:r>
+                    </a:p>
+                  </a:txBody>
+                  <a:tcPr/>
+                </a:tc>
+                <a:tc>
+                  <a:txBody>
+                    <a:bodyPr/>
+                    <a:lstStyle/>
+                    <a:p>
+                      <a:r>
+                        <a:rPr lang="en-US" dirty="0"/>
+                        <a:t>20cm</a:t>
+                      </a:r>
+                    </a:p>
+                  </a:txBody>
+                  <a:tcPr/>
+                </a:tc>
+                <a:tc>
+                  <a:txBody>
+                    <a:bodyPr/>
+                    <a:lstStyle/>
+                    <a:p>
+                      <a:r>
+                        <a:rPr lang="en-US" dirty="0"/>
+                        <a:t>Function of trunk diameters, 20cm min</a:t>
+                      </a:r>
+                    </a:p>
+                  </a:txBody>
+                  <a:tcPr/>
+                </a:tc>
+                <a:extLst>
+                  <a:ext uri="{0D108BD9-81ED-4DB2-BD59-A6C34878D82A}">
+                    <a16:rowId xmlns:a16="http://schemas.microsoft.com/office/drawing/2014/main" val="3728123247"/>
+                  </a:ext>
+                </a:extLst>
+              </a:tr>
+              <a:tr h="370840">
+                <a:tc>
+                  <a:txBody>
+                    <a:bodyPr/>
+                    <a:lstStyle/>
+                    <a:p>
+                      <a:r>
+                        <a:rPr lang="en-US" dirty="0"/>
+                        <a:t>Signal for backwash</a:t>
+                      </a:r>
+                    </a:p>
+                  </a:txBody>
+                  <a:tcPr/>
+                </a:tc>
+                <a:tc>
+                  <a:txBody>
+                    <a:bodyPr/>
+                    <a:lstStyle/>
+                    <a:p>
+                      <a:r>
+                        <a:rPr lang="en-US" dirty="0"/>
+                        <a:t>60cm head loss</a:t>
+                      </a:r>
+                    </a:p>
+                  </a:txBody>
+                  <a:tcPr/>
+                </a:tc>
+                <a:tc>
+                  <a:txBody>
+                    <a:bodyPr/>
+                    <a:lstStyle/>
+                    <a:p>
+                      <a:r>
+                        <a:rPr lang="en-US" dirty="0"/>
+                        <a:t>75 cm head loss</a:t>
+                      </a:r>
+                    </a:p>
+                  </a:txBody>
+                  <a:tcPr/>
+                </a:tc>
+                <a:tc>
+                  <a:txBody>
+                    <a:bodyPr/>
+                    <a:lstStyle/>
+                    <a:p>
+                      <a:r>
+                        <a:rPr lang="en-US" dirty="0"/>
+                        <a:t>75 cm head loss</a:t>
+                      </a:r>
+                    </a:p>
+                  </a:txBody>
+                  <a:tcPr/>
+                </a:tc>
+                <a:tc>
+                  <a:txBody>
+                    <a:bodyPr/>
+                    <a:lstStyle/>
+                    <a:p>
+                      <a:r>
+                        <a:rPr lang="en-US" dirty="0"/>
+                        <a:t>80 cm head loss</a:t>
+                      </a:r>
+                    </a:p>
+                  </a:txBody>
+                  <a:tcPr/>
+                </a:tc>
+                <a:extLst>
+                  <a:ext uri="{0D108BD9-81ED-4DB2-BD59-A6C34878D82A}">
+                    <a16:rowId xmlns:a16="http://schemas.microsoft.com/office/drawing/2014/main" val="2964677717"/>
+                  </a:ext>
+                </a:extLst>
+              </a:tr>
+              <a:tr h="370840">
+                <a:tc>
+                  <a:txBody>
+                    <a:bodyPr/>
+                    <a:lstStyle/>
+                    <a:p>
+                      <a:r>
+                        <a:rPr lang="en-US" dirty="0"/>
+                        <a:t>Entrance tank material</a:t>
+                      </a:r>
+                    </a:p>
+                  </a:txBody>
+                  <a:tcPr/>
+                </a:tc>
+                <a:tc>
+                  <a:txBody>
+                    <a:bodyPr/>
+                    <a:lstStyle/>
+                    <a:p>
+                      <a:r>
+                        <a:rPr lang="en-US" dirty="0"/>
+                        <a:t>Concrete/PVC</a:t>
+                      </a:r>
+                    </a:p>
+                  </a:txBody>
+                  <a:tcPr/>
+                </a:tc>
+                <a:tc>
+                  <a:txBody>
+                    <a:bodyPr/>
+                    <a:lstStyle/>
+                    <a:p>
+                      <a:r>
+                        <a:rPr lang="en-US" dirty="0"/>
+                        <a:t>Concrete</a:t>
+                      </a:r>
+                    </a:p>
+                  </a:txBody>
+                  <a:tcPr/>
+                </a:tc>
+                <a:tc>
+                  <a:txBody>
+                    <a:bodyPr/>
+                    <a:lstStyle/>
+                    <a:p>
+                      <a:r>
+                        <a:rPr lang="en-US" dirty="0"/>
+                        <a:t>PVC</a:t>
+                      </a:r>
+                    </a:p>
+                  </a:txBody>
+                  <a:tcPr/>
+                </a:tc>
+                <a:tc>
+                  <a:txBody>
+                    <a:bodyPr/>
+                    <a:lstStyle/>
+                    <a:p>
+                      <a:r>
+                        <a:rPr lang="en-US" dirty="0"/>
+                        <a:t>Concrete</a:t>
+                      </a:r>
+                    </a:p>
+                  </a:txBody>
+                  <a:tcPr/>
+                </a:tc>
+                <a:extLst>
+                  <a:ext uri="{0D108BD9-81ED-4DB2-BD59-A6C34878D82A}">
+                    <a16:rowId xmlns:a16="http://schemas.microsoft.com/office/drawing/2014/main" val="2922214200"/>
+                  </a:ext>
+                </a:extLst>
+              </a:tr>
+              <a:tr h="370840">
+                <a:tc>
+                  <a:txBody>
+                    <a:bodyPr/>
+                    <a:lstStyle/>
+                    <a:p>
+                      <a:r>
+                        <a:rPr lang="en-US" dirty="0"/>
+                        <a:t>Acceptable flows per 1 filter (L/s)</a:t>
+                      </a:r>
+                    </a:p>
+                  </a:txBody>
+                  <a:tcPr/>
+                </a:tc>
+                <a:tc>
+                  <a:txBody>
+                    <a:bodyPr/>
+                    <a:lstStyle/>
+                    <a:p>
+                      <a:r>
+                        <a:rPr lang="en-US" dirty="0"/>
+                        <a:t>&lt;.75</a:t>
+                      </a:r>
+                    </a:p>
+                  </a:txBody>
+                  <a:tcPr/>
+                </a:tc>
+                <a:tc>
+                  <a:txBody>
+                    <a:bodyPr/>
+                    <a:lstStyle/>
+                    <a:p>
+                      <a:r>
+                        <a:rPr lang="en-US" sz="1800" b="0" i="0" kern="1200" dirty="0">
+                          <a:solidFill>
+                            <a:schemeClr val="dk1"/>
+                          </a:solidFill>
+                          <a:effectLst/>
+                          <a:latin typeface="+mn-lt"/>
+                          <a:ea typeface="+mn-ea"/>
+                          <a:cs typeface="+mn-cs"/>
+                        </a:rPr>
+                        <a:t>.764, 3.07,  7.024 </a:t>
+                      </a:r>
+                      <a:endParaRPr lang="en-US" dirty="0"/>
+                    </a:p>
+                  </a:txBody>
+                  <a:tcPr/>
+                </a:tc>
+                <a:tc>
+                  <a:txBody>
+                    <a:bodyPr/>
+                    <a:lstStyle/>
+                    <a:p>
+                      <a:r>
+                        <a:rPr lang="en-US" sz="1800" b="0" i="0" kern="1200" dirty="0">
+                          <a:solidFill>
+                            <a:schemeClr val="dk1"/>
+                          </a:solidFill>
+                          <a:effectLst/>
+                          <a:latin typeface="+mn-lt"/>
+                          <a:ea typeface="+mn-ea"/>
+                          <a:cs typeface="+mn-cs"/>
+                        </a:rPr>
+                        <a:t>.764, 3.07, 7.024</a:t>
+                      </a:r>
+                      <a:endParaRPr lang="en-US" dirty="0"/>
+                    </a:p>
+                  </a:txBody>
+                  <a:tcPr/>
+                </a:tc>
+                <a:tc>
+                  <a:txBody>
+                    <a:bodyPr/>
+                    <a:lstStyle/>
+                    <a:p>
+                      <a:r>
+                        <a:rPr lang="en-US" dirty="0"/>
+                        <a:t>&gt;8 </a:t>
+                      </a:r>
+                    </a:p>
+                  </a:txBody>
+                  <a:tcPr/>
+                </a:tc>
+                <a:extLst>
+                  <a:ext uri="{0D108BD9-81ED-4DB2-BD59-A6C34878D82A}">
+                    <a16:rowId xmlns:a16="http://schemas.microsoft.com/office/drawing/2014/main" val="1732536272"/>
+                  </a:ext>
+                </a:extLst>
+              </a:tr>
+            </a:tbl>
+          </a:graphicData>
+        </a:graphic>
+      </p:graphicFrame>
     </p:spTree>
     <p:extLst>
       <p:ext uri="{BB962C8B-B14F-4D97-AF65-F5344CB8AC3E}">
@@ -47086,6 +48430,139 @@
 </p:tagLst>
 </file>
 
+<file path=ppt/tags/tag83.xml><?xml version="1.0" encoding="utf-8"?>
+<p:tagLst xmlns:a="http://schemas.openxmlformats.org/drawingml/2006/main" xmlns:r="http://schemas.openxmlformats.org/officeDocument/2006/relationships" xmlns:p="http://schemas.openxmlformats.org/presentationml/2006/main">
+  <p:tag name="OUTPUTDPI" val="1200"/>
+  <p:tag name="ORIGINALHEIGHT" val="87.73905"/>
+  <p:tag name="ORIGINALWIDTH" val="862.3922"/>
+  <p:tag name="LATEXADDIN" val="\documentclass{article}&#10;\usepackage{amsmath}&#10;\usepackage{xcolor}&#10;\usepackage{ragged2e}&#10;\pagestyle{empty}&#10;\begin{document}&#10;&#10;\definecolor{Monred}{RGB}{172,0,0}&#10;&#10;$&#10;Entrance \ Tank&#10;$&#10;&#10;&#10;\end{document}"/>
+  <p:tag name="IGUANATEXSIZE" val="20"/>
+  <p:tag name="IGUANATEXCURSOR" val="171"/>
+  <p:tag name="TRANSPARENCY" val="True"/>
+  <p:tag name="FILENAME" val=""/>
+  <p:tag name="LATEXENGINEID" val="0"/>
+  <p:tag name="TEMPFOLDER" val="c:\temp\"/>
+  <p:tag name="LATEXFORMHEIGHT" val="312"/>
+  <p:tag name="LATEXFORMWIDTH" val="384"/>
+  <p:tag name="LATEXFORMWRAP" val="True"/>
+  <p:tag name="BITMAPVECTOR" val="0"/>
+</p:tagLst>
+</file>
+
+<file path=ppt/tags/tag84.xml><?xml version="1.0" encoding="utf-8"?>
+<p:tagLst xmlns:a="http://schemas.openxmlformats.org/drawingml/2006/main" xmlns:r="http://schemas.openxmlformats.org/officeDocument/2006/relationships" xmlns:p="http://schemas.openxmlformats.org/presentationml/2006/main">
+  <p:tag name="OUTPUTDPI" val="1200"/>
+  <p:tag name="ORIGINALHEIGHT" val="111.7361"/>
+  <p:tag name="ORIGINALWIDTH" val="665.9167"/>
+  <p:tag name="LATEXADDIN" val="\documentclass{article}&#10;\usepackage{amsmath}&#10;\usepackage{xcolor}&#10;\usepackage{ragged2e}&#10;\pagestyle{empty}&#10;\begin{document}&#10;&#10;\definecolor{Monred}{RGB}{172,0,0}&#10;&#10;$&#10;Filter \ Body&#10;$&#10;&#10;\end{document}"/>
+  <p:tag name="IGUANATEXSIZE" val="20"/>
+  <p:tag name="IGUANATEXCURSOR" val="160"/>
+  <p:tag name="TRANSPARENCY" val="True"/>
+  <p:tag name="FILENAME" val=""/>
+  <p:tag name="LATEXENGINEID" val="0"/>
+  <p:tag name="TEMPFOLDER" val="c:\temp\"/>
+  <p:tag name="LATEXFORMHEIGHT" val="312"/>
+  <p:tag name="LATEXFORMWIDTH" val="384"/>
+  <p:tag name="LATEXFORMWRAP" val="True"/>
+  <p:tag name="BITMAPVECTOR" val="0"/>
+</p:tagLst>
+</file>
+
+<file path=ppt/tags/tag85.xml><?xml version="1.0" encoding="utf-8"?>
+<p:tagLst xmlns:a="http://schemas.openxmlformats.org/drawingml/2006/main" xmlns:r="http://schemas.openxmlformats.org/officeDocument/2006/relationships" xmlns:p="http://schemas.openxmlformats.org/presentationml/2006/main">
+  <p:tag name="OUTPUTDPI" val="1200"/>
+  <p:tag name="ORIGINALHEIGHT" val="111.7361"/>
+  <p:tag name="ORIGINALWIDTH" val="755.9055"/>
+  <p:tag name="LATEXADDIN" val="\documentclass{article}&#10;\usepackage{amsmath}&#10;\usepackage{xcolor}&#10;\usepackage{ragged2e}&#10;\pagestyle{empty}&#10;\begin{document}&#10;&#10;\definecolor{Monred}{RGB}{172,0,0}&#10;$&#10;Siphon \ Valve&#10;$&#10;&#10;&#10;&#10;\end{document}"/>
+  <p:tag name="IGUANATEXSIZE" val="20"/>
+  <p:tag name="IGUANATEXCURSOR" val="176"/>
+  <p:tag name="TRANSPARENCY" val="True"/>
+  <p:tag name="FILENAME" val=""/>
+  <p:tag name="LATEXENGINEID" val="0"/>
+  <p:tag name="TEMPFOLDER" val="c:\temp\"/>
+  <p:tag name="LATEXFORMHEIGHT" val="312"/>
+  <p:tag name="LATEXFORMWIDTH" val="384"/>
+  <p:tag name="LATEXFORMWRAP" val="True"/>
+  <p:tag name="BITMAPVECTOR" val="0"/>
+</p:tagLst>
+</file>
+
+<file path=ppt/tags/tag86.xml><?xml version="1.0" encoding="utf-8"?>
+<p:tagLst xmlns:a="http://schemas.openxmlformats.org/drawingml/2006/main" xmlns:r="http://schemas.openxmlformats.org/officeDocument/2006/relationships" xmlns:p="http://schemas.openxmlformats.org/presentationml/2006/main">
+  <p:tag name="OUTPUTDPI" val="1200"/>
+  <p:tag name="ORIGINALHEIGHT" val="86.23921"/>
+  <p:tag name="ORIGINALWIDTH" val="273.7158"/>
+  <p:tag name="LATEXADDIN" val="\documentclass{article}&#10;\usepackage{amsmath}&#10;\usepackage{xcolor}&#10;\usepackage{ragged2e}&#10;\pagestyle{empty}&#10;\begin{document}&#10;&#10;\definecolor{Monred}{RGB}{172,0,0}&#10;&#10;$&#10;10cm&#10;$&#10;&#10;&#10;\end{document}"/>
+  <p:tag name="IGUANATEXSIZE" val="20"/>
+  <p:tag name="IGUANATEXCURSOR" val="167"/>
+  <p:tag name="TRANSPARENCY" val="True"/>
+  <p:tag name="FILENAME" val=""/>
+  <p:tag name="LATEXENGINEID" val="0"/>
+  <p:tag name="TEMPFOLDER" val="c:\temp\"/>
+  <p:tag name="LATEXFORMHEIGHT" val="312"/>
+  <p:tag name="LATEXFORMWIDTH" val="384"/>
+  <p:tag name="LATEXFORMWRAP" val="True"/>
+  <p:tag name="BITMAPVECTOR" val="0"/>
+</p:tagLst>
+</file>
+
+<file path=ppt/tags/tag87.xml><?xml version="1.0" encoding="utf-8"?>
+<p:tagLst xmlns:a="http://schemas.openxmlformats.org/drawingml/2006/main" xmlns:r="http://schemas.openxmlformats.org/officeDocument/2006/relationships" xmlns:p="http://schemas.openxmlformats.org/presentationml/2006/main">
+  <p:tag name="OUTPUTDPI" val="1200"/>
+  <p:tag name="ORIGINALHEIGHT" val="87.73905"/>
+  <p:tag name="ORIGINALWIDTH" val="974.1282"/>
+  <p:tag name="LATEXADDIN" val="\documentclass{article}&#10;\usepackage{amsmath}&#10;\usepackage{xcolor}&#10;\usepackage{ragged2e}&#10;\pagestyle{empty}&#10;\begin{document}&#10;&#10;\definecolor{Monred}{RGB}{172,0,0}&#10;&#10;$&#10;Backwash \ Trunk&#10;$&#10;&#10;&#10;\end{document}"/>
+  <p:tag name="IGUANATEXSIZE" val="20"/>
+  <p:tag name="IGUANATEXCURSOR" val="179"/>
+  <p:tag name="TRANSPARENCY" val="True"/>
+  <p:tag name="FILENAME" val=""/>
+  <p:tag name="LATEXENGINEID" val="0"/>
+  <p:tag name="TEMPFOLDER" val="c:\temp\"/>
+  <p:tag name="LATEXFORMHEIGHT" val="312"/>
+  <p:tag name="LATEXFORMWIDTH" val="384"/>
+  <p:tag name="LATEXFORMWRAP" val="True"/>
+  <p:tag name="BITMAPVECTOR" val="0"/>
+</p:tagLst>
+</file>
+
+<file path=ppt/tags/tag88.xml><?xml version="1.0" encoding="utf-8"?>
+<p:tagLst xmlns:a="http://schemas.openxmlformats.org/drawingml/2006/main" xmlns:r="http://schemas.openxmlformats.org/officeDocument/2006/relationships" xmlns:p="http://schemas.openxmlformats.org/presentationml/2006/main">
+  <p:tag name="OUTPUTDPI" val="1200"/>
+  <p:tag name="ORIGINALHEIGHT" val="111.7361"/>
+  <p:tag name="ORIGINALWIDTH" val="784.402"/>
+  <p:tag name="LATEXADDIN" val="\documentclass{article}&#10;\usepackage{amsmath}&#10;\usepackage{xcolor}&#10;\usepackage{ragged2e}&#10;\pagestyle{empty}&#10;\begin{document}&#10;&#10;\definecolor{Monred}{RGB}{172,0,0}&#10;&#10;$Siphon \ Outlet $&#10;&#10;&#10;&#10;\end{document}"/>
+  <p:tag name="IGUANATEXSIZE" val="20"/>
+  <p:tag name="IGUANATEXCURSOR" val="178"/>
+  <p:tag name="TRANSPARENCY" val="True"/>
+  <p:tag name="FILENAME" val=""/>
+  <p:tag name="LATEXENGINEID" val="0"/>
+  <p:tag name="TEMPFOLDER" val="c:\temp\"/>
+  <p:tag name="LATEXFORMHEIGHT" val="312"/>
+  <p:tag name="LATEXFORMWIDTH" val="384"/>
+  <p:tag name="LATEXFORMWRAP" val="True"/>
+  <p:tag name="BITMAPVECTOR" val="0"/>
+</p:tagLst>
+</file>
+
+<file path=ppt/tags/tag89.xml><?xml version="1.0" encoding="utf-8"?>
+<p:tagLst xmlns:a="http://schemas.openxmlformats.org/drawingml/2006/main" xmlns:r="http://schemas.openxmlformats.org/officeDocument/2006/relationships" xmlns:p="http://schemas.openxmlformats.org/presentationml/2006/main">
+  <p:tag name="OUTPUTDPI" val="1200"/>
+  <p:tag name="ORIGINALHEIGHT" val="111.7361"/>
+  <p:tag name="ORIGINALWIDTH" val="688.4139"/>
+  <p:tag name="LATEXADDIN" val="\documentclass{article}&#10;\usepackage{amsmath}&#10;\usepackage{xcolor}&#10;\usepackage{ragged2e}&#10;\pagestyle{empty}&#10;\begin{document}&#10;&#10;\definecolor{Monred}{RGB}{172,0,0}&#10;&#10;$Siphon \ Pipe $&#10;&#10;&#10;&#10;\end{document}"/>
+  <p:tag name="IGUANATEXSIZE" val="20"/>
+  <p:tag name="IGUANATEXCURSOR" val="173"/>
+  <p:tag name="TRANSPARENCY" val="True"/>
+  <p:tag name="FILENAME" val=""/>
+  <p:tag name="LATEXENGINEID" val="0"/>
+  <p:tag name="TEMPFOLDER" val="c:\temp\"/>
+  <p:tag name="LATEXFORMHEIGHT" val="312"/>
+  <p:tag name="LATEXFORMWIDTH" val="384"/>
+  <p:tag name="LATEXFORMWRAP" val="True"/>
+  <p:tag name="BITMAPVECTOR" val="0"/>
+</p:tagLst>
+</file>
+
 <file path=ppt/tags/tag9.xml><?xml version="1.0" encoding="utf-8"?>
 <p:tagLst xmlns:a="http://schemas.openxmlformats.org/drawingml/2006/main" xmlns:r="http://schemas.openxmlformats.org/officeDocument/2006/relationships" xmlns:p="http://schemas.openxmlformats.org/presentationml/2006/main">
   <p:tag name="OUTPUTDPI" val="1200"/>
@@ -47094,6 +48571,25 @@
   <p:tag name="LATEXADDIN" val="\documentclass{article}&#10;\usepackage{amsmath}&#10;\usepackage{xcolor}&#10;\pagestyle{empty}&#10;\begin{document}&#10;&#10;\definecolor{Monred}{RGB}{172,0,0}&#10;&#10;$$H_{W_2}$$&#10;&#10;&#10;\end{document}"/>
   <p:tag name="IGUANATEXSIZE" val="20"/>
   <p:tag name="IGUANATEXCURSOR" val="148"/>
+  <p:tag name="TRANSPARENCY" val="True"/>
+  <p:tag name="FILENAME" val=""/>
+  <p:tag name="LATEXENGINEID" val="0"/>
+  <p:tag name="TEMPFOLDER" val="c:\temp\"/>
+  <p:tag name="LATEXFORMHEIGHT" val="312"/>
+  <p:tag name="LATEXFORMWIDTH" val="384"/>
+  <p:tag name="LATEXFORMWRAP" val="True"/>
+  <p:tag name="BITMAPVECTOR" val="0"/>
+</p:tagLst>
+</file>
+
+<file path=ppt/tags/tag90.xml><?xml version="1.0" encoding="utf-8"?>
+<p:tagLst xmlns:a="http://schemas.openxmlformats.org/drawingml/2006/main" xmlns:r="http://schemas.openxmlformats.org/officeDocument/2006/relationships" xmlns:p="http://schemas.openxmlformats.org/presentationml/2006/main">
+  <p:tag name="OUTPUTDPI" val="1200"/>
+  <p:tag name="ORIGINALHEIGHT" val="104.9868"/>
+  <p:tag name="ORIGINALWIDTH" val="720.6599"/>
+  <p:tag name="LATEXADDIN" val="\documentclass{article}&#10;\usepackage{amsmath}&#10;\usepackage{xcolor}&#10;\usepackage{ragged2e}&#10;\pagestyle{empty}&#10;\begin{document}&#10;&#10;\definecolor{Monred}{RGB}{172,0,0}&#10;&#10;$&#10;HL_{BwTotalSS}&#10;$&#10;&#10;&#10;\end{document}"/>
+  <p:tag name="IGUANATEXSIZE" val="20"/>
+  <p:tag name="IGUANATEXCURSOR" val="177"/>
   <p:tag name="TRANSPARENCY" val="True"/>
   <p:tag name="FILENAME" val=""/>
   <p:tag name="LATEXENGINEID" val="0"/>

--- a/ClareDiagrams.pptx
+++ b/ClareDiagrams.pptx
@@ -215,7 +215,7 @@
           <a:p>
             <a:fld id="{F874CE64-B02C-4A29-A5B8-BB55C61F4F91}" type="datetimeFigureOut">
               <a:rPr lang="en-US" smtClean="0"/>
-              <a:t>12/6/2018</a:t>
+              <a:t>12/9/2018</a:t>
             </a:fld>
             <a:endParaRPr lang="en-US"/>
           </a:p>
@@ -977,7 +977,7 @@
           <a:p>
             <a:fld id="{3721CA93-E140-4E2A-A30C-04BF0C6AAEA4}" type="datetimeFigureOut">
               <a:rPr lang="en-US" smtClean="0"/>
-              <a:t>12/6/2018</a:t>
+              <a:t>12/9/2018</a:t>
             </a:fld>
             <a:endParaRPr lang="en-US"/>
           </a:p>
@@ -1175,7 +1175,7 @@
           <a:p>
             <a:fld id="{3721CA93-E140-4E2A-A30C-04BF0C6AAEA4}" type="datetimeFigureOut">
               <a:rPr lang="en-US" smtClean="0"/>
-              <a:t>12/6/2018</a:t>
+              <a:t>12/9/2018</a:t>
             </a:fld>
             <a:endParaRPr lang="en-US"/>
           </a:p>
@@ -1383,7 +1383,7 @@
           <a:p>
             <a:fld id="{3721CA93-E140-4E2A-A30C-04BF0C6AAEA4}" type="datetimeFigureOut">
               <a:rPr lang="en-US" smtClean="0"/>
-              <a:t>12/6/2018</a:t>
+              <a:t>12/9/2018</a:t>
             </a:fld>
             <a:endParaRPr lang="en-US"/>
           </a:p>
@@ -1581,7 +1581,7 @@
           <a:p>
             <a:fld id="{3721CA93-E140-4E2A-A30C-04BF0C6AAEA4}" type="datetimeFigureOut">
               <a:rPr lang="en-US" smtClean="0"/>
-              <a:t>12/6/2018</a:t>
+              <a:t>12/9/2018</a:t>
             </a:fld>
             <a:endParaRPr lang="en-US"/>
           </a:p>
@@ -1856,7 +1856,7 @@
           <a:p>
             <a:fld id="{3721CA93-E140-4E2A-A30C-04BF0C6AAEA4}" type="datetimeFigureOut">
               <a:rPr lang="en-US" smtClean="0"/>
-              <a:t>12/6/2018</a:t>
+              <a:t>12/9/2018</a:t>
             </a:fld>
             <a:endParaRPr lang="en-US"/>
           </a:p>
@@ -2121,7 +2121,7 @@
           <a:p>
             <a:fld id="{3721CA93-E140-4E2A-A30C-04BF0C6AAEA4}" type="datetimeFigureOut">
               <a:rPr lang="en-US" smtClean="0"/>
-              <a:t>12/6/2018</a:t>
+              <a:t>12/9/2018</a:t>
             </a:fld>
             <a:endParaRPr lang="en-US"/>
           </a:p>
@@ -2533,7 +2533,7 @@
           <a:p>
             <a:fld id="{3721CA93-E140-4E2A-A30C-04BF0C6AAEA4}" type="datetimeFigureOut">
               <a:rPr lang="en-US" smtClean="0"/>
-              <a:t>12/6/2018</a:t>
+              <a:t>12/9/2018</a:t>
             </a:fld>
             <a:endParaRPr lang="en-US"/>
           </a:p>
@@ -2674,7 +2674,7 @@
           <a:p>
             <a:fld id="{3721CA93-E140-4E2A-A30C-04BF0C6AAEA4}" type="datetimeFigureOut">
               <a:rPr lang="en-US" smtClean="0"/>
-              <a:t>12/6/2018</a:t>
+              <a:t>12/9/2018</a:t>
             </a:fld>
             <a:endParaRPr lang="en-US"/>
           </a:p>
@@ -2787,7 +2787,7 @@
           <a:p>
             <a:fld id="{3721CA93-E140-4E2A-A30C-04BF0C6AAEA4}" type="datetimeFigureOut">
               <a:rPr lang="en-US" smtClean="0"/>
-              <a:t>12/6/2018</a:t>
+              <a:t>12/9/2018</a:t>
             </a:fld>
             <a:endParaRPr lang="en-US"/>
           </a:p>
@@ -3098,7 +3098,7 @@
           <a:p>
             <a:fld id="{3721CA93-E140-4E2A-A30C-04BF0C6AAEA4}" type="datetimeFigureOut">
               <a:rPr lang="en-US" smtClean="0"/>
-              <a:t>12/6/2018</a:t>
+              <a:t>12/9/2018</a:t>
             </a:fld>
             <a:endParaRPr lang="en-US"/>
           </a:p>
@@ -3386,7 +3386,7 @@
           <a:p>
             <a:fld id="{3721CA93-E140-4E2A-A30C-04BF0C6AAEA4}" type="datetimeFigureOut">
               <a:rPr lang="en-US" smtClean="0"/>
-              <a:t>12/6/2018</a:t>
+              <a:t>12/9/2018</a:t>
             </a:fld>
             <a:endParaRPr lang="en-US"/>
           </a:p>
@@ -3627,7 +3627,7 @@
           <a:p>
             <a:fld id="{3721CA93-E140-4E2A-A30C-04BF0C6AAEA4}" type="datetimeFigureOut">
               <a:rPr lang="en-US" smtClean="0"/>
-              <a:t>12/6/2018</a:t>
+              <a:t>12/9/2018</a:t>
             </a:fld>
             <a:endParaRPr lang="en-US"/>
           </a:p>
@@ -20968,56 +20968,1521 @@
           <a:chExt cx="0" cy="0"/>
         </a:xfrm>
       </p:grpSpPr>
-      <p:sp>
-        <p:nvSpPr>
-          <p:cNvPr id="2" name="Title 1">
+      <p:pic>
+        <p:nvPicPr>
+          <p:cNvPr id="47" name="Picture 46">
             <a:extLst>
               <a:ext uri="{FF2B5EF4-FFF2-40B4-BE49-F238E27FC236}">
-                <a16:creationId xmlns:a16="http://schemas.microsoft.com/office/drawing/2014/main" id="{B53ACEA0-6109-4D7E-85C1-591058E46D0E}"/>
+                <a16:creationId xmlns:a16="http://schemas.microsoft.com/office/drawing/2014/main" id="{E5B216E9-B54D-4B5C-9277-8C766C0A96ED}"/>
               </a:ext>
             </a:extLst>
           </p:cNvPr>
-          <p:cNvSpPr>
-            <a:spLocks noGrp="1"/>
-          </p:cNvSpPr>
+          <p:cNvPicPr>
+            <a:picLocks noChangeAspect="1"/>
+          </p:cNvPicPr>
           <p:nvPr>
-            <p:ph type="title"/>
+            <p:custDataLst>
+              <p:tags r:id="rId1"/>
+            </p:custDataLst>
           </p:nvPr>
-        </p:nvSpPr>
-        <p:spPr/>
-        <p:txBody>
-          <a:bodyPr/>
-          <a:lstStyle/>
-          <a:p>
-            <a:endParaRPr lang="en-US"/>
-          </a:p>
-        </p:txBody>
-      </p:sp>
-      <p:sp>
-        <p:nvSpPr>
-          <p:cNvPr id="3" name="Content Placeholder 2">
+        </p:nvPicPr>
+        <p:blipFill>
+          <a:blip r:embed="rId12">
+            <a:extLst>
+              <a:ext uri="{28A0092B-C50C-407E-A947-70E740481C1C}">
+                <a14:useLocalDpi xmlns:a14="http://schemas.microsoft.com/office/drawing/2010/main" val="0"/>
+              </a:ext>
+            </a:extLst>
+          </a:blip>
+          <a:stretch>
+            <a:fillRect/>
+          </a:stretch>
+        </p:blipFill>
+        <p:spPr>
+          <a:xfrm>
+            <a:off x="756123" y="3789141"/>
+            <a:ext cx="2683428" cy="486095"/>
+          </a:xfrm>
+          <a:prstGeom prst="rect">
+            <a:avLst/>
+          </a:prstGeom>
+        </p:spPr>
+      </p:pic>
+      <p:grpSp>
+        <p:nvGrpSpPr>
+          <p:cNvPr id="82" name="Group 81">
             <a:extLst>
               <a:ext uri="{FF2B5EF4-FFF2-40B4-BE49-F238E27FC236}">
-                <a16:creationId xmlns:a16="http://schemas.microsoft.com/office/drawing/2014/main" id="{0B116EDE-9029-45B7-809A-6EB6D8E807A7}"/>
+                <a16:creationId xmlns:a16="http://schemas.microsoft.com/office/drawing/2014/main" id="{7612B35C-5CB2-4F2F-BE1C-C0039A666F66}"/>
               </a:ext>
             </a:extLst>
           </p:cNvPr>
-          <p:cNvSpPr>
-            <a:spLocks noGrp="1"/>
-          </p:cNvSpPr>
-          <p:nvPr>
-            <p:ph idx="1"/>
-          </p:nvPr>
-        </p:nvSpPr>
-        <p:spPr/>
-        <p:txBody>
-          <a:bodyPr/>
-          <a:lstStyle/>
-          <a:p>
-            <a:endParaRPr lang="en-US"/>
-          </a:p>
-        </p:txBody>
-      </p:sp>
+          <p:cNvGrpSpPr/>
+          <p:nvPr/>
+        </p:nvGrpSpPr>
+        <p:grpSpPr>
+          <a:xfrm>
+            <a:off x="1510671" y="178285"/>
+            <a:ext cx="10089144" cy="6133620"/>
+            <a:chOff x="1510671" y="178285"/>
+            <a:chExt cx="10089144" cy="6133620"/>
+          </a:xfrm>
+        </p:grpSpPr>
+        <p:sp>
+          <p:nvSpPr>
+            <p:cNvPr id="5" name="L-Shape 4">
+              <a:extLst>
+                <a:ext uri="{FF2B5EF4-FFF2-40B4-BE49-F238E27FC236}">
+                  <a16:creationId xmlns:a16="http://schemas.microsoft.com/office/drawing/2014/main" id="{F337CD49-D111-4A9B-92B5-1AF45AA6E9C0}"/>
+                </a:ext>
+              </a:extLst>
+            </p:cNvPr>
+            <p:cNvSpPr/>
+            <p:nvPr/>
+          </p:nvSpPr>
+          <p:spPr>
+            <a:xfrm rot="16200000" flipV="1">
+              <a:off x="3516010" y="4269566"/>
+              <a:ext cx="2669366" cy="479504"/>
+            </a:xfrm>
+            <a:prstGeom prst="corner">
+              <a:avLst>
+                <a:gd name="adj1" fmla="val 50000"/>
+                <a:gd name="adj2" fmla="val 46078"/>
+              </a:avLst>
+            </a:prstGeom>
+            <a:ln>
+              <a:noFill/>
+            </a:ln>
+          </p:spPr>
+          <p:style>
+            <a:lnRef idx="2">
+              <a:schemeClr val="accent1">
+                <a:shade val="50000"/>
+              </a:schemeClr>
+            </a:lnRef>
+            <a:fillRef idx="1">
+              <a:schemeClr val="accent1"/>
+            </a:fillRef>
+            <a:effectRef idx="0">
+              <a:schemeClr val="accent1"/>
+            </a:effectRef>
+            <a:fontRef idx="minor">
+              <a:schemeClr val="lt1"/>
+            </a:fontRef>
+          </p:style>
+          <p:txBody>
+            <a:bodyPr rtlCol="0" anchor="ctr"/>
+            <a:lstStyle/>
+            <a:p>
+              <a:pPr algn="ctr"/>
+              <a:endParaRPr lang="en-US"/>
+            </a:p>
+          </p:txBody>
+        </p:sp>
+        <p:sp>
+          <p:nvSpPr>
+            <p:cNvPr id="6" name="Rectangle 5">
+              <a:extLst>
+                <a:ext uri="{FF2B5EF4-FFF2-40B4-BE49-F238E27FC236}">
+                  <a16:creationId xmlns:a16="http://schemas.microsoft.com/office/drawing/2014/main" id="{F3BD76A1-E2BD-4C3D-B176-C33276D11A52}"/>
+                </a:ext>
+              </a:extLst>
+            </p:cNvPr>
+            <p:cNvSpPr/>
+            <p:nvPr/>
+          </p:nvSpPr>
+          <p:spPr>
+            <a:xfrm>
+              <a:off x="4992007" y="1810602"/>
+              <a:ext cx="1746913" cy="4135272"/>
+            </a:xfrm>
+            <a:prstGeom prst="rect">
+              <a:avLst/>
+            </a:prstGeom>
+            <a:solidFill>
+              <a:schemeClr val="accent1">
+                <a:lumMod val="40000"/>
+                <a:lumOff val="60000"/>
+              </a:schemeClr>
+            </a:solidFill>
+            <a:ln w="38100"/>
+          </p:spPr>
+          <p:style>
+            <a:lnRef idx="2">
+              <a:schemeClr val="accent1">
+                <a:shade val="50000"/>
+              </a:schemeClr>
+            </a:lnRef>
+            <a:fillRef idx="1">
+              <a:schemeClr val="accent1"/>
+            </a:fillRef>
+            <a:effectRef idx="0">
+              <a:schemeClr val="accent1"/>
+            </a:effectRef>
+            <a:fontRef idx="minor">
+              <a:schemeClr val="lt1"/>
+            </a:fontRef>
+          </p:style>
+          <p:txBody>
+            <a:bodyPr rtlCol="0" anchor="ctr"/>
+            <a:lstStyle/>
+            <a:p>
+              <a:pPr algn="ctr"/>
+              <a:endParaRPr lang="en-US"/>
+            </a:p>
+          </p:txBody>
+        </p:sp>
+        <p:pic>
+          <p:nvPicPr>
+            <p:cNvPr id="8" name="Picture 7">
+              <a:extLst>
+                <a:ext uri="{FF2B5EF4-FFF2-40B4-BE49-F238E27FC236}">
+                  <a16:creationId xmlns:a16="http://schemas.microsoft.com/office/drawing/2014/main" id="{609DC027-0EC6-4CF5-BA49-B661AECDEE07}"/>
+                </a:ext>
+              </a:extLst>
+            </p:cNvPr>
+            <p:cNvPicPr>
+              <a:picLocks noChangeAspect="1"/>
+            </p:cNvPicPr>
+            <p:nvPr>
+              <p:custDataLst>
+                <p:tags r:id="rId2"/>
+              </p:custDataLst>
+            </p:nvPr>
+          </p:nvPicPr>
+          <p:blipFill>
+            <a:blip r:embed="rId13">
+              <a:extLst>
+                <a:ext uri="{28A0092B-C50C-407E-A947-70E740481C1C}">
+                  <a14:useLocalDpi xmlns:a14="http://schemas.microsoft.com/office/drawing/2010/main" val="0"/>
+                </a:ext>
+              </a:extLst>
+            </a:blip>
+            <a:stretch>
+              <a:fillRect/>
+            </a:stretch>
+          </p:blipFill>
+          <p:spPr>
+            <a:xfrm>
+              <a:off x="1939233" y="272047"/>
+              <a:ext cx="1752381" cy="178286"/>
+            </a:xfrm>
+            <a:prstGeom prst="rect">
+              <a:avLst/>
+            </a:prstGeom>
+          </p:spPr>
+        </p:pic>
+        <p:pic>
+          <p:nvPicPr>
+            <p:cNvPr id="9" name="Picture 8">
+              <a:extLst>
+                <a:ext uri="{FF2B5EF4-FFF2-40B4-BE49-F238E27FC236}">
+                  <a16:creationId xmlns:a16="http://schemas.microsoft.com/office/drawing/2014/main" id="{4A6040B9-2C25-4EC1-9DC9-7C7EFD2D431A}"/>
+                </a:ext>
+              </a:extLst>
+            </p:cNvPr>
+            <p:cNvPicPr>
+              <a:picLocks noChangeAspect="1"/>
+            </p:cNvPicPr>
+            <p:nvPr>
+              <p:custDataLst>
+                <p:tags r:id="rId3"/>
+              </p:custDataLst>
+            </p:nvPr>
+          </p:nvPicPr>
+          <p:blipFill>
+            <a:blip r:embed="rId14">
+              <a:extLst>
+                <a:ext uri="{28A0092B-C50C-407E-A947-70E740481C1C}">
+                  <a14:useLocalDpi xmlns:a14="http://schemas.microsoft.com/office/drawing/2010/main" val="0"/>
+                </a:ext>
+              </a:extLst>
+            </a:blip>
+            <a:stretch>
+              <a:fillRect/>
+            </a:stretch>
+          </p:blipFill>
+          <p:spPr>
+            <a:xfrm>
+              <a:off x="5216942" y="2405779"/>
+              <a:ext cx="1353143" cy="227048"/>
+            </a:xfrm>
+            <a:prstGeom prst="rect">
+              <a:avLst/>
+            </a:prstGeom>
+          </p:spPr>
+        </p:pic>
+        <p:cxnSp>
+          <p:nvCxnSpPr>
+            <p:cNvPr id="16" name="Straight Connector 15">
+              <a:extLst>
+                <a:ext uri="{FF2B5EF4-FFF2-40B4-BE49-F238E27FC236}">
+                  <a16:creationId xmlns:a16="http://schemas.microsoft.com/office/drawing/2014/main" id="{61DD1AED-05E8-425F-B824-8BAA4E35BA51}"/>
+                </a:ext>
+              </a:extLst>
+            </p:cNvPr>
+            <p:cNvCxnSpPr/>
+            <p:nvPr/>
+          </p:nvCxnSpPr>
+          <p:spPr>
+            <a:xfrm flipH="1">
+              <a:off x="2850151" y="3127094"/>
+              <a:ext cx="1556031" cy="0"/>
+            </a:xfrm>
+            <a:prstGeom prst="line">
+              <a:avLst/>
+            </a:prstGeom>
+            <a:ln>
+              <a:prstDash val="dash"/>
+            </a:ln>
+          </p:spPr>
+          <p:style>
+            <a:lnRef idx="1">
+              <a:schemeClr val="dk1"/>
+            </a:lnRef>
+            <a:fillRef idx="0">
+              <a:schemeClr val="dk1"/>
+            </a:fillRef>
+            <a:effectRef idx="0">
+              <a:schemeClr val="dk1"/>
+            </a:effectRef>
+            <a:fontRef idx="minor">
+              <a:schemeClr val="tx1"/>
+            </a:fontRef>
+          </p:style>
+        </p:cxnSp>
+        <p:pic>
+          <p:nvPicPr>
+            <p:cNvPr id="19" name="Picture 18">
+              <a:extLst>
+                <a:ext uri="{FF2B5EF4-FFF2-40B4-BE49-F238E27FC236}">
+                  <a16:creationId xmlns:a16="http://schemas.microsoft.com/office/drawing/2014/main" id="{29AF6633-8D92-4EFE-A6D7-C14DB8EFD041}"/>
+                </a:ext>
+              </a:extLst>
+            </p:cNvPr>
+            <p:cNvPicPr>
+              <a:picLocks noChangeAspect="1"/>
+            </p:cNvPicPr>
+            <p:nvPr>
+              <p:custDataLst>
+                <p:tags r:id="rId4"/>
+              </p:custDataLst>
+            </p:nvPr>
+          </p:nvPicPr>
+          <p:blipFill>
+            <a:blip r:embed="rId15">
+              <a:extLst>
+                <a:ext uri="{28A0092B-C50C-407E-A947-70E740481C1C}">
+                  <a14:useLocalDpi xmlns:a14="http://schemas.microsoft.com/office/drawing/2010/main" val="0"/>
+                </a:ext>
+              </a:extLst>
+            </a:blip>
+            <a:stretch>
+              <a:fillRect/>
+            </a:stretch>
+          </p:blipFill>
+          <p:spPr>
+            <a:xfrm>
+              <a:off x="3086214" y="6133619"/>
+              <a:ext cx="1979428" cy="178286"/>
+            </a:xfrm>
+            <a:prstGeom prst="rect">
+              <a:avLst/>
+            </a:prstGeom>
+          </p:spPr>
+        </p:pic>
+        <p:sp>
+          <p:nvSpPr>
+            <p:cNvPr id="27" name="Rectangle 26">
+              <a:extLst>
+                <a:ext uri="{FF2B5EF4-FFF2-40B4-BE49-F238E27FC236}">
+                  <a16:creationId xmlns:a16="http://schemas.microsoft.com/office/drawing/2014/main" id="{B0EBA82B-213C-454C-85C5-B97BC503C80B}"/>
+                </a:ext>
+              </a:extLst>
+            </p:cNvPr>
+            <p:cNvSpPr/>
+            <p:nvPr/>
+          </p:nvSpPr>
+          <p:spPr>
+            <a:xfrm>
+              <a:off x="6781792" y="178285"/>
+              <a:ext cx="1214649" cy="2973823"/>
+            </a:xfrm>
+            <a:prstGeom prst="rect">
+              <a:avLst/>
+            </a:prstGeom>
+            <a:solidFill>
+              <a:schemeClr val="accent1">
+                <a:lumMod val="40000"/>
+                <a:lumOff val="60000"/>
+              </a:schemeClr>
+            </a:solidFill>
+            <a:ln w="38100"/>
+          </p:spPr>
+          <p:style>
+            <a:lnRef idx="2">
+              <a:schemeClr val="accent1">
+                <a:shade val="50000"/>
+              </a:schemeClr>
+            </a:lnRef>
+            <a:fillRef idx="1">
+              <a:schemeClr val="accent1"/>
+            </a:fillRef>
+            <a:effectRef idx="0">
+              <a:schemeClr val="accent1"/>
+            </a:effectRef>
+            <a:fontRef idx="minor">
+              <a:schemeClr val="lt1"/>
+            </a:fontRef>
+          </p:style>
+          <p:txBody>
+            <a:bodyPr rtlCol="0" anchor="ctr"/>
+            <a:lstStyle/>
+            <a:p>
+              <a:pPr algn="ctr"/>
+              <a:endParaRPr lang="en-US"/>
+            </a:p>
+          </p:txBody>
+        </p:sp>
+        <p:pic>
+          <p:nvPicPr>
+            <p:cNvPr id="29" name="Picture 28">
+              <a:extLst>
+                <a:ext uri="{FF2B5EF4-FFF2-40B4-BE49-F238E27FC236}">
+                  <a16:creationId xmlns:a16="http://schemas.microsoft.com/office/drawing/2014/main" id="{F5889CBA-827A-4D64-B874-6DAA7A89FA3B}"/>
+                </a:ext>
+              </a:extLst>
+            </p:cNvPr>
+            <p:cNvPicPr>
+              <a:picLocks noChangeAspect="1"/>
+            </p:cNvPicPr>
+            <p:nvPr>
+              <p:custDataLst>
+                <p:tags r:id="rId5"/>
+              </p:custDataLst>
+            </p:nvPr>
+          </p:nvPicPr>
+          <p:blipFill>
+            <a:blip r:embed="rId16">
+              <a:extLst>
+                <a:ext uri="{28A0092B-C50C-407E-A947-70E740481C1C}">
+                  <a14:useLocalDpi xmlns:a14="http://schemas.microsoft.com/office/drawing/2010/main" val="0"/>
+                </a:ext>
+              </a:extLst>
+            </a:blip>
+            <a:stretch>
+              <a:fillRect/>
+            </a:stretch>
+          </p:blipFill>
+          <p:spPr>
+            <a:xfrm>
+              <a:off x="8054851" y="361190"/>
+              <a:ext cx="1199238" cy="178286"/>
+            </a:xfrm>
+            <a:prstGeom prst="rect">
+              <a:avLst/>
+            </a:prstGeom>
+          </p:spPr>
+        </p:pic>
+        <p:sp>
+          <p:nvSpPr>
+            <p:cNvPr id="30" name="L-Shape 29">
+              <a:extLst>
+                <a:ext uri="{FF2B5EF4-FFF2-40B4-BE49-F238E27FC236}">
+                  <a16:creationId xmlns:a16="http://schemas.microsoft.com/office/drawing/2014/main" id="{797A3C5B-DE74-4A5F-899E-5BFB481DEF1E}"/>
+                </a:ext>
+              </a:extLst>
+            </p:cNvPr>
+            <p:cNvSpPr/>
+            <p:nvPr/>
+          </p:nvSpPr>
+          <p:spPr>
+            <a:xfrm rot="16200000" flipV="1">
+              <a:off x="4246721" y="3311564"/>
+              <a:ext cx="904742" cy="585820"/>
+            </a:xfrm>
+            <a:prstGeom prst="corner">
+              <a:avLst>
+                <a:gd name="adj1" fmla="val 21198"/>
+                <a:gd name="adj2" fmla="val 21116"/>
+              </a:avLst>
+            </a:prstGeom>
+            <a:solidFill>
+              <a:srgbClr val="00B0F0"/>
+            </a:solidFill>
+            <a:ln>
+              <a:noFill/>
+            </a:ln>
+          </p:spPr>
+          <p:style>
+            <a:lnRef idx="2">
+              <a:schemeClr val="accent1">
+                <a:shade val="50000"/>
+              </a:schemeClr>
+            </a:lnRef>
+            <a:fillRef idx="1">
+              <a:schemeClr val="accent1"/>
+            </a:fillRef>
+            <a:effectRef idx="0">
+              <a:schemeClr val="accent1"/>
+            </a:effectRef>
+            <a:fontRef idx="minor">
+              <a:schemeClr val="lt1"/>
+            </a:fontRef>
+          </p:style>
+          <p:txBody>
+            <a:bodyPr rtlCol="0" anchor="ctr"/>
+            <a:lstStyle/>
+            <a:p>
+              <a:pPr algn="ctr"/>
+              <a:endParaRPr lang="en-US"/>
+            </a:p>
+          </p:txBody>
+        </p:sp>
+        <p:sp>
+          <p:nvSpPr>
+            <p:cNvPr id="31" name="L-Shape 30">
+              <a:extLst>
+                <a:ext uri="{FF2B5EF4-FFF2-40B4-BE49-F238E27FC236}">
+                  <a16:creationId xmlns:a16="http://schemas.microsoft.com/office/drawing/2014/main" id="{FC2FD642-D2AC-4074-9D8A-90A41766ADFD}"/>
+                </a:ext>
+              </a:extLst>
+            </p:cNvPr>
+            <p:cNvSpPr/>
+            <p:nvPr/>
+          </p:nvSpPr>
+          <p:spPr>
+            <a:xfrm rot="16200000" flipV="1">
+              <a:off x="3476625" y="3636172"/>
+              <a:ext cx="1982603" cy="1048150"/>
+            </a:xfrm>
+            <a:prstGeom prst="corner">
+              <a:avLst>
+                <a:gd name="adj1" fmla="val 13233"/>
+                <a:gd name="adj2" fmla="val 12372"/>
+              </a:avLst>
+            </a:prstGeom>
+            <a:solidFill>
+              <a:srgbClr val="00B0F0"/>
+            </a:solidFill>
+            <a:ln>
+              <a:noFill/>
+            </a:ln>
+          </p:spPr>
+          <p:style>
+            <a:lnRef idx="2">
+              <a:schemeClr val="accent1">
+                <a:shade val="50000"/>
+              </a:schemeClr>
+            </a:lnRef>
+            <a:fillRef idx="1">
+              <a:schemeClr val="accent1"/>
+            </a:fillRef>
+            <a:effectRef idx="0">
+              <a:schemeClr val="accent1"/>
+            </a:effectRef>
+            <a:fontRef idx="minor">
+              <a:schemeClr val="lt1"/>
+            </a:fontRef>
+          </p:style>
+          <p:txBody>
+            <a:bodyPr rtlCol="0" anchor="ctr"/>
+            <a:lstStyle/>
+            <a:p>
+              <a:pPr algn="ctr"/>
+              <a:endParaRPr lang="en-US"/>
+            </a:p>
+          </p:txBody>
+        </p:sp>
+        <p:sp>
+          <p:nvSpPr>
+            <p:cNvPr id="32" name="L-Shape 31">
+              <a:extLst>
+                <a:ext uri="{FF2B5EF4-FFF2-40B4-BE49-F238E27FC236}">
+                  <a16:creationId xmlns:a16="http://schemas.microsoft.com/office/drawing/2014/main" id="{FB1EB8C5-CCEE-44AC-B557-CE5E4CF9BCD5}"/>
+                </a:ext>
+              </a:extLst>
+            </p:cNvPr>
+            <p:cNvSpPr/>
+            <p:nvPr/>
+          </p:nvSpPr>
+          <p:spPr>
+            <a:xfrm rot="16200000" flipV="1">
+              <a:off x="3867982" y="3486601"/>
+              <a:ext cx="1441672" cy="806368"/>
+            </a:xfrm>
+            <a:prstGeom prst="corner">
+              <a:avLst>
+                <a:gd name="adj1" fmla="val 17178"/>
+                <a:gd name="adj2" fmla="val 17096"/>
+              </a:avLst>
+            </a:prstGeom>
+            <a:solidFill>
+              <a:srgbClr val="00B0F0"/>
+            </a:solidFill>
+            <a:ln>
+              <a:noFill/>
+            </a:ln>
+          </p:spPr>
+          <p:style>
+            <a:lnRef idx="2">
+              <a:schemeClr val="accent1">
+                <a:shade val="50000"/>
+              </a:schemeClr>
+            </a:lnRef>
+            <a:fillRef idx="1">
+              <a:schemeClr val="accent1"/>
+            </a:fillRef>
+            <a:effectRef idx="0">
+              <a:schemeClr val="accent1"/>
+            </a:effectRef>
+            <a:fontRef idx="minor">
+              <a:schemeClr val="lt1"/>
+            </a:fontRef>
+          </p:style>
+          <p:txBody>
+            <a:bodyPr rtlCol="0" anchor="ctr"/>
+            <a:lstStyle/>
+            <a:p>
+              <a:pPr algn="ctr"/>
+              <a:endParaRPr lang="en-US"/>
+            </a:p>
+          </p:txBody>
+        </p:sp>
+        <p:sp>
+          <p:nvSpPr>
+            <p:cNvPr id="7" name="Rectangle 6">
+              <a:extLst>
+                <a:ext uri="{FF2B5EF4-FFF2-40B4-BE49-F238E27FC236}">
+                  <a16:creationId xmlns:a16="http://schemas.microsoft.com/office/drawing/2014/main" id="{8E48BC30-2BE1-43CC-98AB-5D75576FDA61}"/>
+                </a:ext>
+              </a:extLst>
+            </p:cNvPr>
+            <p:cNvSpPr/>
+            <p:nvPr/>
+          </p:nvSpPr>
+          <p:spPr>
+            <a:xfrm>
+              <a:off x="3734486" y="178286"/>
+              <a:ext cx="1214649" cy="2973823"/>
+            </a:xfrm>
+            <a:prstGeom prst="rect">
+              <a:avLst/>
+            </a:prstGeom>
+            <a:solidFill>
+              <a:schemeClr val="accent1">
+                <a:lumMod val="40000"/>
+                <a:lumOff val="60000"/>
+              </a:schemeClr>
+            </a:solidFill>
+            <a:ln w="38100"/>
+          </p:spPr>
+          <p:style>
+            <a:lnRef idx="2">
+              <a:schemeClr val="accent1">
+                <a:shade val="50000"/>
+              </a:schemeClr>
+            </a:lnRef>
+            <a:fillRef idx="1">
+              <a:schemeClr val="accent1"/>
+            </a:fillRef>
+            <a:effectRef idx="0">
+              <a:schemeClr val="accent1"/>
+            </a:effectRef>
+            <a:fontRef idx="minor">
+              <a:schemeClr val="lt1"/>
+            </a:fontRef>
+          </p:style>
+          <p:txBody>
+            <a:bodyPr rtlCol="0" anchor="ctr"/>
+            <a:lstStyle/>
+            <a:p>
+              <a:pPr algn="ctr"/>
+              <a:endParaRPr lang="en-US"/>
+            </a:p>
+          </p:txBody>
+        </p:sp>
+        <p:sp>
+          <p:nvSpPr>
+            <p:cNvPr id="34" name="L-Shape 33">
+              <a:extLst>
+                <a:ext uri="{FF2B5EF4-FFF2-40B4-BE49-F238E27FC236}">
+                  <a16:creationId xmlns:a16="http://schemas.microsoft.com/office/drawing/2014/main" id="{3515629D-1996-4D1B-9DCE-18BF0B06AFA1}"/>
+                </a:ext>
+              </a:extLst>
+            </p:cNvPr>
+            <p:cNvSpPr/>
+            <p:nvPr/>
+          </p:nvSpPr>
+          <p:spPr>
+            <a:xfrm rot="10800000" flipV="1">
+              <a:off x="6738920" y="3184178"/>
+              <a:ext cx="769463" cy="2182115"/>
+            </a:xfrm>
+            <a:prstGeom prst="corner">
+              <a:avLst>
+                <a:gd name="adj1" fmla="val 17462"/>
+                <a:gd name="adj2" fmla="val 24049"/>
+              </a:avLst>
+            </a:prstGeom>
+            <a:solidFill>
+              <a:srgbClr val="002060"/>
+            </a:solidFill>
+            <a:ln>
+              <a:noFill/>
+            </a:ln>
+          </p:spPr>
+          <p:style>
+            <a:lnRef idx="2">
+              <a:schemeClr val="accent1">
+                <a:shade val="50000"/>
+              </a:schemeClr>
+            </a:lnRef>
+            <a:fillRef idx="1">
+              <a:schemeClr val="accent1"/>
+            </a:fillRef>
+            <a:effectRef idx="0">
+              <a:schemeClr val="accent1"/>
+            </a:effectRef>
+            <a:fontRef idx="minor">
+              <a:schemeClr val="lt1"/>
+            </a:fontRef>
+          </p:style>
+          <p:txBody>
+            <a:bodyPr rtlCol="0" anchor="ctr"/>
+            <a:lstStyle/>
+            <a:p>
+              <a:pPr algn="ctr"/>
+              <a:endParaRPr lang="en-US"/>
+            </a:p>
+          </p:txBody>
+        </p:sp>
+        <p:sp>
+          <p:nvSpPr>
+            <p:cNvPr id="35" name="L-Shape 34">
+              <a:extLst>
+                <a:ext uri="{FF2B5EF4-FFF2-40B4-BE49-F238E27FC236}">
+                  <a16:creationId xmlns:a16="http://schemas.microsoft.com/office/drawing/2014/main" id="{9866C908-9047-434F-ADE3-5C3C9D1D0AA3}"/>
+                </a:ext>
+              </a:extLst>
+            </p:cNvPr>
+            <p:cNvSpPr/>
+            <p:nvPr/>
+          </p:nvSpPr>
+          <p:spPr>
+            <a:xfrm rot="10800000" flipV="1">
+              <a:off x="6723376" y="3184178"/>
+              <a:ext cx="479503" cy="1628969"/>
+            </a:xfrm>
+            <a:prstGeom prst="corner">
+              <a:avLst>
+                <a:gd name="adj1" fmla="val 24876"/>
+                <a:gd name="adj2" fmla="val 30003"/>
+              </a:avLst>
+            </a:prstGeom>
+            <a:solidFill>
+              <a:srgbClr val="002060"/>
+            </a:solidFill>
+            <a:ln>
+              <a:noFill/>
+            </a:ln>
+          </p:spPr>
+          <p:style>
+            <a:lnRef idx="2">
+              <a:schemeClr val="accent1">
+                <a:shade val="50000"/>
+              </a:schemeClr>
+            </a:lnRef>
+            <a:fillRef idx="1">
+              <a:schemeClr val="accent1"/>
+            </a:fillRef>
+            <a:effectRef idx="0">
+              <a:schemeClr val="accent1"/>
+            </a:effectRef>
+            <a:fontRef idx="minor">
+              <a:schemeClr val="lt1"/>
+            </a:fontRef>
+          </p:style>
+          <p:txBody>
+            <a:bodyPr rtlCol="0" anchor="ctr"/>
+            <a:lstStyle/>
+            <a:p>
+              <a:pPr algn="ctr"/>
+              <a:endParaRPr lang="en-US"/>
+            </a:p>
+          </p:txBody>
+        </p:sp>
+        <p:sp>
+          <p:nvSpPr>
+            <p:cNvPr id="37" name="L-Shape 36">
+              <a:extLst>
+                <a:ext uri="{FF2B5EF4-FFF2-40B4-BE49-F238E27FC236}">
+                  <a16:creationId xmlns:a16="http://schemas.microsoft.com/office/drawing/2014/main" id="{EE61C16A-6A7C-4E6F-9876-4414EF2E2684}"/>
+                </a:ext>
+              </a:extLst>
+            </p:cNvPr>
+            <p:cNvSpPr/>
+            <p:nvPr/>
+          </p:nvSpPr>
+          <p:spPr>
+            <a:xfrm rot="10800000" flipV="1">
+              <a:off x="6723377" y="3184178"/>
+              <a:ext cx="295609" cy="1117159"/>
+            </a:xfrm>
+            <a:prstGeom prst="corner">
+              <a:avLst>
+                <a:gd name="adj1" fmla="val 32934"/>
+                <a:gd name="adj2" fmla="val 45930"/>
+              </a:avLst>
+            </a:prstGeom>
+            <a:solidFill>
+              <a:srgbClr val="002060"/>
+            </a:solidFill>
+            <a:ln>
+              <a:noFill/>
+            </a:ln>
+          </p:spPr>
+          <p:style>
+            <a:lnRef idx="2">
+              <a:schemeClr val="accent1">
+                <a:shade val="50000"/>
+              </a:schemeClr>
+            </a:lnRef>
+            <a:fillRef idx="1">
+              <a:schemeClr val="accent1"/>
+            </a:fillRef>
+            <a:effectRef idx="0">
+              <a:schemeClr val="accent1"/>
+            </a:effectRef>
+            <a:fontRef idx="minor">
+              <a:schemeClr val="lt1"/>
+            </a:fontRef>
+          </p:style>
+          <p:txBody>
+            <a:bodyPr rtlCol="0" anchor="ctr"/>
+            <a:lstStyle/>
+            <a:p>
+              <a:pPr algn="ctr"/>
+              <a:endParaRPr lang="en-US"/>
+            </a:p>
+          </p:txBody>
+        </p:sp>
+        <p:sp>
+          <p:nvSpPr>
+            <p:cNvPr id="33" name="L-Shape 32">
+              <a:extLst>
+                <a:ext uri="{FF2B5EF4-FFF2-40B4-BE49-F238E27FC236}">
+                  <a16:creationId xmlns:a16="http://schemas.microsoft.com/office/drawing/2014/main" id="{F3D61E10-DA39-4D9B-9A72-187F29E215DA}"/>
+                </a:ext>
+              </a:extLst>
+            </p:cNvPr>
+            <p:cNvSpPr/>
+            <p:nvPr/>
+          </p:nvSpPr>
+          <p:spPr>
+            <a:xfrm rot="10800000" flipV="1">
+              <a:off x="1939233" y="763369"/>
+              <a:ext cx="1973686" cy="3511868"/>
+            </a:xfrm>
+            <a:prstGeom prst="corner">
+              <a:avLst>
+                <a:gd name="adj1" fmla="val 10284"/>
+                <a:gd name="adj2" fmla="val 7241"/>
+              </a:avLst>
+            </a:prstGeom>
+            <a:solidFill>
+              <a:srgbClr val="002060"/>
+            </a:solidFill>
+            <a:ln>
+              <a:noFill/>
+            </a:ln>
+          </p:spPr>
+          <p:style>
+            <a:lnRef idx="2">
+              <a:schemeClr val="accent1">
+                <a:shade val="50000"/>
+              </a:schemeClr>
+            </a:lnRef>
+            <a:fillRef idx="1">
+              <a:schemeClr val="accent1"/>
+            </a:fillRef>
+            <a:effectRef idx="0">
+              <a:schemeClr val="accent1"/>
+            </a:effectRef>
+            <a:fontRef idx="minor">
+              <a:schemeClr val="lt1"/>
+            </a:fontRef>
+          </p:style>
+          <p:txBody>
+            <a:bodyPr rtlCol="0" anchor="ctr"/>
+            <a:lstStyle/>
+            <a:p>
+              <a:pPr algn="ctr"/>
+              <a:endParaRPr lang="en-US"/>
+            </a:p>
+          </p:txBody>
+        </p:sp>
+        <p:sp>
+          <p:nvSpPr>
+            <p:cNvPr id="38" name="L-Shape 37">
+              <a:extLst>
+                <a:ext uri="{FF2B5EF4-FFF2-40B4-BE49-F238E27FC236}">
+                  <a16:creationId xmlns:a16="http://schemas.microsoft.com/office/drawing/2014/main" id="{02DC757E-0DC5-4B4A-8971-55A1B44C7C55}"/>
+                </a:ext>
+              </a:extLst>
+            </p:cNvPr>
+            <p:cNvSpPr/>
+            <p:nvPr/>
+          </p:nvSpPr>
+          <p:spPr>
+            <a:xfrm rot="10800000" flipH="1" flipV="1">
+              <a:off x="7560522" y="763370"/>
+              <a:ext cx="1390598" cy="4135272"/>
+            </a:xfrm>
+            <a:prstGeom prst="corner">
+              <a:avLst>
+                <a:gd name="adj1" fmla="val 17462"/>
+                <a:gd name="adj2" fmla="val 12009"/>
+              </a:avLst>
+            </a:prstGeom>
+            <a:solidFill>
+              <a:schemeClr val="accent1">
+                <a:lumMod val="75000"/>
+              </a:schemeClr>
+            </a:solidFill>
+            <a:ln>
+              <a:noFill/>
+            </a:ln>
+          </p:spPr>
+          <p:style>
+            <a:lnRef idx="2">
+              <a:schemeClr val="accent1">
+                <a:shade val="50000"/>
+              </a:schemeClr>
+            </a:lnRef>
+            <a:fillRef idx="1">
+              <a:schemeClr val="accent1"/>
+            </a:fillRef>
+            <a:effectRef idx="0">
+              <a:schemeClr val="accent1"/>
+            </a:effectRef>
+            <a:fontRef idx="minor">
+              <a:schemeClr val="lt1"/>
+            </a:fontRef>
+          </p:style>
+          <p:txBody>
+            <a:bodyPr rtlCol="0" anchor="ctr"/>
+            <a:lstStyle/>
+            <a:p>
+              <a:pPr algn="ctr"/>
+              <a:endParaRPr lang="en-US"/>
+            </a:p>
+          </p:txBody>
+        </p:sp>
+        <p:sp>
+          <p:nvSpPr>
+            <p:cNvPr id="39" name="L-Shape 38">
+              <a:extLst>
+                <a:ext uri="{FF2B5EF4-FFF2-40B4-BE49-F238E27FC236}">
+                  <a16:creationId xmlns:a16="http://schemas.microsoft.com/office/drawing/2014/main" id="{F8B411CD-D9F1-4865-B243-BB1446A71B41}"/>
+                </a:ext>
+              </a:extLst>
+            </p:cNvPr>
+            <p:cNvSpPr/>
+            <p:nvPr/>
+          </p:nvSpPr>
+          <p:spPr>
+            <a:xfrm rot="10800000" flipH="1" flipV="1">
+              <a:off x="7778482" y="1365162"/>
+              <a:ext cx="1390598" cy="2647106"/>
+            </a:xfrm>
+            <a:prstGeom prst="corner">
+              <a:avLst>
+                <a:gd name="adj1" fmla="val 17462"/>
+                <a:gd name="adj2" fmla="val 12009"/>
+              </a:avLst>
+            </a:prstGeom>
+            <a:solidFill>
+              <a:srgbClr val="00B0F0"/>
+            </a:solidFill>
+            <a:ln>
+              <a:noFill/>
+            </a:ln>
+          </p:spPr>
+          <p:style>
+            <a:lnRef idx="2">
+              <a:schemeClr val="accent1">
+                <a:shade val="50000"/>
+              </a:schemeClr>
+            </a:lnRef>
+            <a:fillRef idx="1">
+              <a:schemeClr val="accent1"/>
+            </a:fillRef>
+            <a:effectRef idx="0">
+              <a:schemeClr val="accent1"/>
+            </a:effectRef>
+            <a:fontRef idx="minor">
+              <a:schemeClr val="lt1"/>
+            </a:fontRef>
+          </p:style>
+          <p:txBody>
+            <a:bodyPr rtlCol="0" anchor="ctr"/>
+            <a:lstStyle/>
+            <a:p>
+              <a:pPr algn="ctr"/>
+              <a:endParaRPr lang="en-US"/>
+            </a:p>
+          </p:txBody>
+        </p:sp>
+        <p:pic>
+          <p:nvPicPr>
+            <p:cNvPr id="49" name="Picture 48">
+              <a:extLst>
+                <a:ext uri="{FF2B5EF4-FFF2-40B4-BE49-F238E27FC236}">
+                  <a16:creationId xmlns:a16="http://schemas.microsoft.com/office/drawing/2014/main" id="{2B7E0ACA-79DF-4113-9821-03807C3560ED}"/>
+                </a:ext>
+              </a:extLst>
+            </p:cNvPr>
+            <p:cNvPicPr>
+              <a:picLocks noChangeAspect="1"/>
+            </p:cNvPicPr>
+            <p:nvPr>
+              <p:custDataLst>
+                <p:tags r:id="rId6"/>
+              </p:custDataLst>
+            </p:nvPr>
+          </p:nvPicPr>
+          <p:blipFill>
+            <a:blip r:embed="rId17">
+              <a:extLst>
+                <a:ext uri="{28A0092B-C50C-407E-A947-70E740481C1C}">
+                  <a14:useLocalDpi xmlns:a14="http://schemas.microsoft.com/office/drawing/2010/main" val="0"/>
+                </a:ext>
+              </a:extLst>
+            </a:blip>
+            <a:stretch>
+              <a:fillRect/>
+            </a:stretch>
+          </p:blipFill>
+          <p:spPr>
+            <a:xfrm>
+              <a:off x="2187548" y="4823432"/>
+              <a:ext cx="1496381" cy="178286"/>
+            </a:xfrm>
+            <a:prstGeom prst="rect">
+              <a:avLst/>
+            </a:prstGeom>
+          </p:spPr>
+        </p:pic>
+        <p:pic>
+          <p:nvPicPr>
+            <p:cNvPr id="51" name="Picture 50">
+              <a:extLst>
+                <a:ext uri="{FF2B5EF4-FFF2-40B4-BE49-F238E27FC236}">
+                  <a16:creationId xmlns:a16="http://schemas.microsoft.com/office/drawing/2014/main" id="{68FF7354-96FC-4B6A-B1FA-4AF8BF0CA730}"/>
+                </a:ext>
+              </a:extLst>
+            </p:cNvPr>
+            <p:cNvPicPr>
+              <a:picLocks noChangeAspect="1"/>
+            </p:cNvPicPr>
+            <p:nvPr>
+              <p:custDataLst>
+                <p:tags r:id="rId7"/>
+              </p:custDataLst>
+            </p:nvPr>
+          </p:nvPicPr>
+          <p:blipFill>
+            <a:blip r:embed="rId18">
+              <a:extLst>
+                <a:ext uri="{28A0092B-C50C-407E-A947-70E740481C1C}">
+                  <a14:useLocalDpi xmlns:a14="http://schemas.microsoft.com/office/drawing/2010/main" val="0"/>
+                </a:ext>
+              </a:extLst>
+            </a:blip>
+            <a:stretch>
+              <a:fillRect/>
+            </a:stretch>
+          </p:blipFill>
+          <p:spPr>
+            <a:xfrm>
+              <a:off x="7219298" y="5578108"/>
+              <a:ext cx="1554286" cy="182857"/>
+            </a:xfrm>
+            <a:prstGeom prst="rect">
+              <a:avLst/>
+            </a:prstGeom>
+          </p:spPr>
+        </p:pic>
+        <p:pic>
+          <p:nvPicPr>
+            <p:cNvPr id="53" name="Picture 52">
+              <a:extLst>
+                <a:ext uri="{FF2B5EF4-FFF2-40B4-BE49-F238E27FC236}">
+                  <a16:creationId xmlns:a16="http://schemas.microsoft.com/office/drawing/2014/main" id="{BB353F60-39F1-49EB-9F25-5113E3034E1B}"/>
+                </a:ext>
+              </a:extLst>
+            </p:cNvPr>
+            <p:cNvPicPr>
+              <a:picLocks noChangeAspect="1"/>
+            </p:cNvPicPr>
+            <p:nvPr>
+              <p:custDataLst>
+                <p:tags r:id="rId8"/>
+              </p:custDataLst>
+            </p:nvPr>
+          </p:nvPicPr>
+          <p:blipFill>
+            <a:blip r:embed="rId19">
+              <a:extLst>
+                <a:ext uri="{28A0092B-C50C-407E-A947-70E740481C1C}">
+                  <a14:useLocalDpi xmlns:a14="http://schemas.microsoft.com/office/drawing/2010/main" val="0"/>
+                </a:ext>
+              </a:extLst>
+            </a:blip>
+            <a:stretch>
+              <a:fillRect/>
+            </a:stretch>
+          </p:blipFill>
+          <p:spPr>
+            <a:xfrm>
+              <a:off x="9016293" y="4715167"/>
+              <a:ext cx="694857" cy="175238"/>
+            </a:xfrm>
+            <a:prstGeom prst="rect">
+              <a:avLst/>
+            </a:prstGeom>
+          </p:spPr>
+        </p:pic>
+        <p:pic>
+          <p:nvPicPr>
+            <p:cNvPr id="55" name="Picture 54">
+              <a:extLst>
+                <a:ext uri="{FF2B5EF4-FFF2-40B4-BE49-F238E27FC236}">
+                  <a16:creationId xmlns:a16="http://schemas.microsoft.com/office/drawing/2014/main" id="{B2E87DBB-291D-40FB-9DDB-5D3888F987EE}"/>
+                </a:ext>
+              </a:extLst>
+            </p:cNvPr>
+            <p:cNvPicPr>
+              <a:picLocks noChangeAspect="1"/>
+            </p:cNvPicPr>
+            <p:nvPr>
+              <p:custDataLst>
+                <p:tags r:id="rId9"/>
+              </p:custDataLst>
+            </p:nvPr>
+          </p:nvPicPr>
+          <p:blipFill>
+            <a:blip r:embed="rId20">
+              <a:extLst>
+                <a:ext uri="{28A0092B-C50C-407E-A947-70E740481C1C}">
+                  <a14:useLocalDpi xmlns:a14="http://schemas.microsoft.com/office/drawing/2010/main" val="0"/>
+                </a:ext>
+              </a:extLst>
+            </a:blip>
+            <a:stretch>
+              <a:fillRect/>
+            </a:stretch>
+          </p:blipFill>
+          <p:spPr>
+            <a:xfrm>
+              <a:off x="8905720" y="3774300"/>
+              <a:ext cx="2694095" cy="530286"/>
+            </a:xfrm>
+            <a:prstGeom prst="rect">
+              <a:avLst/>
+            </a:prstGeom>
+          </p:spPr>
+        </p:pic>
+        <p:cxnSp>
+          <p:nvCxnSpPr>
+            <p:cNvPr id="57" name="Straight Connector 56">
+              <a:extLst>
+                <a:ext uri="{FF2B5EF4-FFF2-40B4-BE49-F238E27FC236}">
+                  <a16:creationId xmlns:a16="http://schemas.microsoft.com/office/drawing/2014/main" id="{7CF21DA7-D368-40BA-A571-9E38CFBC21A8}"/>
+                </a:ext>
+              </a:extLst>
+            </p:cNvPr>
+            <p:cNvCxnSpPr>
+              <a:cxnSpLocks/>
+              <a:stCxn id="49" idx="3"/>
+              <a:endCxn id="31" idx="2"/>
+            </p:cNvCxnSpPr>
+            <p:nvPr/>
+          </p:nvCxnSpPr>
+          <p:spPr>
+            <a:xfrm>
+              <a:off x="3683929" y="4912575"/>
+              <a:ext cx="783998" cy="238974"/>
+            </a:xfrm>
+            <a:prstGeom prst="line">
+              <a:avLst/>
+            </a:prstGeom>
+            <a:ln>
+              <a:solidFill>
+                <a:schemeClr val="tx1"/>
+              </a:solidFill>
+            </a:ln>
+          </p:spPr>
+          <p:style>
+            <a:lnRef idx="1">
+              <a:schemeClr val="accent1"/>
+            </a:lnRef>
+            <a:fillRef idx="0">
+              <a:schemeClr val="accent1"/>
+            </a:fillRef>
+            <a:effectRef idx="0">
+              <a:schemeClr val="accent1"/>
+            </a:effectRef>
+            <a:fontRef idx="minor">
+              <a:schemeClr val="tx1"/>
+            </a:fontRef>
+          </p:style>
+        </p:cxnSp>
+        <p:cxnSp>
+          <p:nvCxnSpPr>
+            <p:cNvPr id="59" name="Straight Connector 58">
+              <a:extLst>
+                <a:ext uri="{FF2B5EF4-FFF2-40B4-BE49-F238E27FC236}">
+                  <a16:creationId xmlns:a16="http://schemas.microsoft.com/office/drawing/2014/main" id="{4BFC48E1-7773-46B3-8864-45D1D60D5344}"/>
+                </a:ext>
+              </a:extLst>
+            </p:cNvPr>
+            <p:cNvCxnSpPr>
+              <a:cxnSpLocks/>
+              <a:stCxn id="49" idx="3"/>
+              <a:endCxn id="32" idx="1"/>
+            </p:cNvCxnSpPr>
+            <p:nvPr/>
+          </p:nvCxnSpPr>
+          <p:spPr>
+            <a:xfrm flipV="1">
+              <a:off x="3683929" y="3889785"/>
+              <a:ext cx="501705" cy="1022790"/>
+            </a:xfrm>
+            <a:prstGeom prst="line">
+              <a:avLst/>
+            </a:prstGeom>
+            <a:ln>
+              <a:solidFill>
+                <a:schemeClr val="tx1"/>
+              </a:solidFill>
+            </a:ln>
+          </p:spPr>
+          <p:style>
+            <a:lnRef idx="1">
+              <a:schemeClr val="accent1"/>
+            </a:lnRef>
+            <a:fillRef idx="0">
+              <a:schemeClr val="accent1"/>
+            </a:fillRef>
+            <a:effectRef idx="0">
+              <a:schemeClr val="accent1"/>
+            </a:effectRef>
+            <a:fontRef idx="minor">
+              <a:schemeClr val="tx1"/>
+            </a:fontRef>
+          </p:style>
+        </p:cxnSp>
+        <p:cxnSp>
+          <p:nvCxnSpPr>
+            <p:cNvPr id="63" name="Straight Connector 62">
+              <a:extLst>
+                <a:ext uri="{FF2B5EF4-FFF2-40B4-BE49-F238E27FC236}">
+                  <a16:creationId xmlns:a16="http://schemas.microsoft.com/office/drawing/2014/main" id="{74C8155D-E607-4C2F-98F2-707B56FE5214}"/>
+                </a:ext>
+              </a:extLst>
+            </p:cNvPr>
+            <p:cNvCxnSpPr>
+              <a:cxnSpLocks/>
+              <a:stCxn id="49" idx="3"/>
+              <a:endCxn id="30" idx="2"/>
+            </p:cNvCxnSpPr>
+            <p:nvPr/>
+          </p:nvCxnSpPr>
+          <p:spPr>
+            <a:xfrm flipV="1">
+              <a:off x="3683929" y="4056845"/>
+              <a:ext cx="1015163" cy="855730"/>
+            </a:xfrm>
+            <a:prstGeom prst="line">
+              <a:avLst/>
+            </a:prstGeom>
+            <a:ln>
+              <a:solidFill>
+                <a:schemeClr val="tx1"/>
+              </a:solidFill>
+            </a:ln>
+          </p:spPr>
+          <p:style>
+            <a:lnRef idx="1">
+              <a:schemeClr val="accent1"/>
+            </a:lnRef>
+            <a:fillRef idx="0">
+              <a:schemeClr val="accent1"/>
+            </a:fillRef>
+            <a:effectRef idx="0">
+              <a:schemeClr val="accent1"/>
+            </a:effectRef>
+            <a:fontRef idx="minor">
+              <a:schemeClr val="tx1"/>
+            </a:fontRef>
+          </p:style>
+        </p:cxnSp>
+        <p:cxnSp>
+          <p:nvCxnSpPr>
+            <p:cNvPr id="69" name="Straight Connector 68">
+              <a:extLst>
+                <a:ext uri="{FF2B5EF4-FFF2-40B4-BE49-F238E27FC236}">
+                  <a16:creationId xmlns:a16="http://schemas.microsoft.com/office/drawing/2014/main" id="{97C5408F-3D74-400A-B644-120C33A02341}"/>
+                </a:ext>
+              </a:extLst>
+            </p:cNvPr>
+            <p:cNvCxnSpPr>
+              <a:stCxn id="19" idx="0"/>
+              <a:endCxn id="5" idx="2"/>
+            </p:cNvCxnSpPr>
+            <p:nvPr/>
+          </p:nvCxnSpPr>
+          <p:spPr>
+            <a:xfrm flipV="1">
+              <a:off x="4075928" y="5844001"/>
+              <a:ext cx="774765" cy="289618"/>
+            </a:xfrm>
+            <a:prstGeom prst="line">
+              <a:avLst/>
+            </a:prstGeom>
+            <a:ln>
+              <a:solidFill>
+                <a:schemeClr val="tx1"/>
+              </a:solidFill>
+            </a:ln>
+          </p:spPr>
+          <p:style>
+            <a:lnRef idx="1">
+              <a:schemeClr val="accent1"/>
+            </a:lnRef>
+            <a:fillRef idx="0">
+              <a:schemeClr val="accent1"/>
+            </a:fillRef>
+            <a:effectRef idx="0">
+              <a:schemeClr val="accent1"/>
+            </a:effectRef>
+            <a:fontRef idx="minor">
+              <a:schemeClr val="tx1"/>
+            </a:fontRef>
+          </p:style>
+        </p:cxnSp>
+        <p:cxnSp>
+          <p:nvCxnSpPr>
+            <p:cNvPr id="72" name="Straight Connector 71">
+              <a:extLst>
+                <a:ext uri="{FF2B5EF4-FFF2-40B4-BE49-F238E27FC236}">
+                  <a16:creationId xmlns:a16="http://schemas.microsoft.com/office/drawing/2014/main" id="{9BCD7F04-876B-4C59-981A-13391547C33A}"/>
+                </a:ext>
+              </a:extLst>
+            </p:cNvPr>
+            <p:cNvCxnSpPr>
+              <a:stCxn id="51" idx="0"/>
+              <a:endCxn id="34" idx="1"/>
+            </p:cNvCxnSpPr>
+            <p:nvPr/>
+          </p:nvCxnSpPr>
+          <p:spPr>
+            <a:xfrm flipH="1" flipV="1">
+              <a:off x="7123651" y="5366293"/>
+              <a:ext cx="872790" cy="211815"/>
+            </a:xfrm>
+            <a:prstGeom prst="line">
+              <a:avLst/>
+            </a:prstGeom>
+            <a:ln/>
+          </p:spPr>
+          <p:style>
+            <a:lnRef idx="1">
+              <a:schemeClr val="dk1"/>
+            </a:lnRef>
+            <a:fillRef idx="0">
+              <a:schemeClr val="dk1"/>
+            </a:fillRef>
+            <a:effectRef idx="0">
+              <a:schemeClr val="dk1"/>
+            </a:effectRef>
+            <a:fontRef idx="minor">
+              <a:schemeClr val="tx1"/>
+            </a:fontRef>
+          </p:style>
+        </p:cxnSp>
+        <p:cxnSp>
+          <p:nvCxnSpPr>
+            <p:cNvPr id="74" name="Straight Connector 73">
+              <a:extLst>
+                <a:ext uri="{FF2B5EF4-FFF2-40B4-BE49-F238E27FC236}">
+                  <a16:creationId xmlns:a16="http://schemas.microsoft.com/office/drawing/2014/main" id="{ABD03AA7-6D1E-4638-94D3-286A41F45159}"/>
+                </a:ext>
+              </a:extLst>
+            </p:cNvPr>
+            <p:cNvCxnSpPr>
+              <a:cxnSpLocks/>
+              <a:stCxn id="51" idx="0"/>
+              <a:endCxn id="35" idx="1"/>
+            </p:cNvCxnSpPr>
+            <p:nvPr/>
+          </p:nvCxnSpPr>
+          <p:spPr>
+            <a:xfrm flipH="1" flipV="1">
+              <a:off x="6963127" y="4813147"/>
+              <a:ext cx="1033314" cy="764961"/>
+            </a:xfrm>
+            <a:prstGeom prst="line">
+              <a:avLst/>
+            </a:prstGeom>
+          </p:spPr>
+          <p:style>
+            <a:lnRef idx="1">
+              <a:schemeClr val="dk1"/>
+            </a:lnRef>
+            <a:fillRef idx="0">
+              <a:schemeClr val="dk1"/>
+            </a:fillRef>
+            <a:effectRef idx="0">
+              <a:schemeClr val="dk1"/>
+            </a:effectRef>
+            <a:fontRef idx="minor">
+              <a:schemeClr val="tx1"/>
+            </a:fontRef>
+          </p:style>
+        </p:cxnSp>
+        <p:cxnSp>
+          <p:nvCxnSpPr>
+            <p:cNvPr id="77" name="Straight Connector 76">
+              <a:extLst>
+                <a:ext uri="{FF2B5EF4-FFF2-40B4-BE49-F238E27FC236}">
+                  <a16:creationId xmlns:a16="http://schemas.microsoft.com/office/drawing/2014/main" id="{77507595-39B8-4A79-A1A8-BA9BB036D287}"/>
+                </a:ext>
+              </a:extLst>
+            </p:cNvPr>
+            <p:cNvCxnSpPr>
+              <a:stCxn id="37" idx="2"/>
+              <a:endCxn id="51" idx="0"/>
+            </p:cNvCxnSpPr>
+            <p:nvPr/>
+          </p:nvCxnSpPr>
+          <p:spPr>
+            <a:xfrm>
+              <a:off x="7018986" y="3742758"/>
+              <a:ext cx="977455" cy="1835350"/>
+            </a:xfrm>
+            <a:prstGeom prst="line">
+              <a:avLst/>
+            </a:prstGeom>
+          </p:spPr>
+          <p:style>
+            <a:lnRef idx="1">
+              <a:schemeClr val="dk1"/>
+            </a:lnRef>
+            <a:fillRef idx="0">
+              <a:schemeClr val="dk1"/>
+            </a:fillRef>
+            <a:effectRef idx="0">
+              <a:schemeClr val="dk1"/>
+            </a:effectRef>
+            <a:fontRef idx="minor">
+              <a:schemeClr val="tx1"/>
+            </a:fontRef>
+          </p:style>
+        </p:cxnSp>
+        <p:sp>
+          <p:nvSpPr>
+            <p:cNvPr id="79" name="Rectangle 78">
+              <a:extLst>
+                <a:ext uri="{FF2B5EF4-FFF2-40B4-BE49-F238E27FC236}">
+                  <a16:creationId xmlns:a16="http://schemas.microsoft.com/office/drawing/2014/main" id="{8EA595F7-706C-4460-829A-8230972313C1}"/>
+                </a:ext>
+              </a:extLst>
+            </p:cNvPr>
+            <p:cNvSpPr/>
+            <p:nvPr/>
+          </p:nvSpPr>
+          <p:spPr>
+            <a:xfrm>
+              <a:off x="2629603" y="1254119"/>
+              <a:ext cx="1556031" cy="178284"/>
+            </a:xfrm>
+            <a:prstGeom prst="rect">
+              <a:avLst/>
+            </a:prstGeom>
+            <a:ln>
+              <a:noFill/>
+            </a:ln>
+          </p:spPr>
+          <p:style>
+            <a:lnRef idx="2">
+              <a:schemeClr val="accent1">
+                <a:shade val="50000"/>
+              </a:schemeClr>
+            </a:lnRef>
+            <a:fillRef idx="1">
+              <a:schemeClr val="accent1"/>
+            </a:fillRef>
+            <a:effectRef idx="0">
+              <a:schemeClr val="accent1"/>
+            </a:effectRef>
+            <a:fontRef idx="minor">
+              <a:schemeClr val="lt1"/>
+            </a:fontRef>
+          </p:style>
+          <p:txBody>
+            <a:bodyPr rtlCol="0" anchor="ctr"/>
+            <a:lstStyle/>
+            <a:p>
+              <a:pPr algn="ctr"/>
+              <a:endParaRPr lang="en-US"/>
+            </a:p>
+          </p:txBody>
+        </p:sp>
+        <p:pic>
+          <p:nvPicPr>
+            <p:cNvPr id="81" name="Picture 80">
+              <a:extLst>
+                <a:ext uri="{FF2B5EF4-FFF2-40B4-BE49-F238E27FC236}">
+                  <a16:creationId xmlns:a16="http://schemas.microsoft.com/office/drawing/2014/main" id="{D79BC155-A3BD-4962-8718-DE79B4F3DA12}"/>
+                </a:ext>
+              </a:extLst>
+            </p:cNvPr>
+            <p:cNvPicPr>
+              <a:picLocks noChangeAspect="1"/>
+            </p:cNvPicPr>
+            <p:nvPr>
+              <p:custDataLst>
+                <p:tags r:id="rId10"/>
+              </p:custDataLst>
+            </p:nvPr>
+          </p:nvPicPr>
+          <p:blipFill>
+            <a:blip r:embed="rId21">
+              <a:extLst>
+                <a:ext uri="{28A0092B-C50C-407E-A947-70E740481C1C}">
+                  <a14:useLocalDpi xmlns:a14="http://schemas.microsoft.com/office/drawing/2010/main" val="0"/>
+                </a:ext>
+              </a:extLst>
+            </a:blip>
+            <a:stretch>
+              <a:fillRect/>
+            </a:stretch>
+          </p:blipFill>
+          <p:spPr>
+            <a:xfrm>
+              <a:off x="1510671" y="1228975"/>
+              <a:ext cx="1088000" cy="228571"/>
+            </a:xfrm>
+            <a:prstGeom prst="rect">
+              <a:avLst/>
+            </a:prstGeom>
+          </p:spPr>
+        </p:pic>
+      </p:grpSp>
     </p:spTree>
     <p:extLst>
       <p:ext uri="{BB962C8B-B14F-4D97-AF65-F5344CB8AC3E}">
@@ -46929,6 +48394,25 @@
 </p:tagLst>
 </file>
 
+<file path=ppt/tags/tag100.xml><?xml version="1.0" encoding="utf-8"?>
+<p:tagLst xmlns:a="http://schemas.openxmlformats.org/drawingml/2006/main" xmlns:r="http://schemas.openxmlformats.org/officeDocument/2006/relationships" xmlns:p="http://schemas.openxmlformats.org/presentationml/2006/main">
+  <p:tag name="OUTPUTDPI" val="1200"/>
+  <p:tag name="ORIGINALHEIGHT" val="112.4859"/>
+  <p:tag name="ORIGINALWIDTH" val="535.433"/>
+  <p:tag name="LATEXADDIN" val="\documentclass{article}&#10;\usepackage{amsmath}&#10;\usepackage{xcolor}&#10;\usepackage{ragged2e}&#10;\pagestyle{empty}&#10;\begin{document}&#10;&#10;\definecolor{Monred}{RGB}{172,0,0}&#10;&#10;$ Overflow $&#10;&#10;&#10;&#10;\end{document}"/>
+  <p:tag name="IGUANATEXSIZE" val="20"/>
+  <p:tag name="IGUANATEXCURSOR" val="172"/>
+  <p:tag name="TRANSPARENCY" val="True"/>
+  <p:tag name="FILENAME" val=""/>
+  <p:tag name="LATEXENGINEID" val="0"/>
+  <p:tag name="TEMPFOLDER" val="c:\temp\"/>
+  <p:tag name="LATEXFORMHEIGHT" val="312"/>
+  <p:tag name="LATEXFORMWIDTH" val="384"/>
+  <p:tag name="LATEXFORMWRAP" val="True"/>
+  <p:tag name="BITMAPVECTOR" val="0"/>
+</p:tagLst>
+</file>
+
 <file path=ppt/tags/tag11.xml><?xml version="1.0" encoding="utf-8"?>
 <p:tagLst xmlns:a="http://schemas.openxmlformats.org/drawingml/2006/main" xmlns:r="http://schemas.openxmlformats.org/officeDocument/2006/relationships" xmlns:p="http://schemas.openxmlformats.org/presentationml/2006/main">
   <p:tag name="OUTPUTDPI" val="1200"/>
@@ -48601,6 +50085,177 @@
 </p:tagLst>
 </file>
 
+<file path=ppt/tags/tag91.xml><?xml version="1.0" encoding="utf-8"?>
+<p:tagLst xmlns:a="http://schemas.openxmlformats.org/drawingml/2006/main" xmlns:r="http://schemas.openxmlformats.org/officeDocument/2006/relationships" xmlns:p="http://schemas.openxmlformats.org/presentationml/2006/main">
+  <p:tag name="OUTPUTDPI" val="1200"/>
+  <p:tag name="ORIGINALHEIGHT" val="239.2201"/>
+  <p:tag name="ORIGINALWIDTH" val="1320.585"/>
+  <p:tag name="LATEXADDIN" val="\documentclass{article}&#10;\usepackage{amsmath}&#10;\usepackage{xcolor}&#10;\usepackage{ragged2e}&#10;\pagestyle{empty}&#10;\begin{document}&#10;&#10;\definecolor{Monred}{RGB}{172,0,0}&#10;&#10;$&#10;Settled \ Water  \ from  \\ Sed  \ Tank&#10;$&#10;&#10;&#10;\end{document}"/>
+  <p:tag name="IGUANATEXSIZE" val="20"/>
+  <p:tag name="IGUANATEXCURSOR" val="187"/>
+  <p:tag name="TRANSPARENCY" val="True"/>
+  <p:tag name="FILENAME" val=""/>
+  <p:tag name="LATEXENGINEID" val="0"/>
+  <p:tag name="TEMPFOLDER" val="c:\temp\"/>
+  <p:tag name="LATEXFORMHEIGHT" val="312"/>
+  <p:tag name="LATEXFORMWIDTH" val="384"/>
+  <p:tag name="LATEXFORMWRAP" val="True"/>
+  <p:tag name="BITMAPVECTOR" val="0"/>
+</p:tagLst>
+</file>
+
+<file path=ppt/tags/tag92.xml><?xml version="1.0" encoding="utf-8"?>
+<p:tagLst xmlns:a="http://schemas.openxmlformats.org/drawingml/2006/main" xmlns:r="http://schemas.openxmlformats.org/officeDocument/2006/relationships" xmlns:p="http://schemas.openxmlformats.org/presentationml/2006/main">
+  <p:tag name="OUTPUTDPI" val="1200"/>
+  <p:tag name="ORIGINALHEIGHT" val="87.73905"/>
+  <p:tag name="ORIGINALWIDTH" val="862.3922"/>
+  <p:tag name="LATEXADDIN" val="\documentclass{article}&#10;\usepackage{amsmath}&#10;\usepackage{xcolor}&#10;\usepackage{ragged2e}&#10;\pagestyle{empty}&#10;\begin{document}&#10;&#10;\definecolor{Monred}{RGB}{172,0,0}&#10;&#10;$&#10;Entrance \ Tank&#10;$&#10;&#10;&#10;\end{document}"/>
+  <p:tag name="IGUANATEXSIZE" val="20"/>
+  <p:tag name="IGUANATEXCURSOR" val="171"/>
+  <p:tag name="TRANSPARENCY" val="True"/>
+  <p:tag name="FILENAME" val=""/>
+  <p:tag name="LATEXENGINEID" val="0"/>
+  <p:tag name="TEMPFOLDER" val="c:\temp\"/>
+  <p:tag name="LATEXFORMHEIGHT" val="312"/>
+  <p:tag name="LATEXFORMWIDTH" val="384"/>
+  <p:tag name="LATEXFORMWRAP" val="True"/>
+  <p:tag name="BITMAPVECTOR" val="0"/>
+</p:tagLst>
+</file>
+
+<file path=ppt/tags/tag93.xml><?xml version="1.0" encoding="utf-8"?>
+<p:tagLst xmlns:a="http://schemas.openxmlformats.org/drawingml/2006/main" xmlns:r="http://schemas.openxmlformats.org/officeDocument/2006/relationships" xmlns:p="http://schemas.openxmlformats.org/presentationml/2006/main">
+  <p:tag name="OUTPUTDPI" val="1200"/>
+  <p:tag name="ORIGINALHEIGHT" val="111.7361"/>
+  <p:tag name="ORIGINALWIDTH" val="665.9167"/>
+  <p:tag name="LATEXADDIN" val="\documentclass{article}&#10;\usepackage{amsmath}&#10;\usepackage{xcolor}&#10;\usepackage{ragged2e}&#10;\pagestyle{empty}&#10;\begin{document}&#10;&#10;\definecolor{Monred}{RGB}{172,0,0}&#10;&#10;$&#10;Filter \ Body&#10;$&#10;&#10;\end{document}"/>
+  <p:tag name="IGUANATEXSIZE" val="20"/>
+  <p:tag name="IGUANATEXCURSOR" val="160"/>
+  <p:tag name="TRANSPARENCY" val="True"/>
+  <p:tag name="FILENAME" val=""/>
+  <p:tag name="LATEXENGINEID" val="0"/>
+  <p:tag name="TEMPFOLDER" val="c:\temp\"/>
+  <p:tag name="LATEXFORMHEIGHT" val="312"/>
+  <p:tag name="LATEXFORMWIDTH" val="384"/>
+  <p:tag name="LATEXFORMWRAP" val="True"/>
+  <p:tag name="BITMAPVECTOR" val="0"/>
+</p:tagLst>
+</file>
+
+<file path=ppt/tags/tag94.xml><?xml version="1.0" encoding="utf-8"?>
+<p:tagLst xmlns:a="http://schemas.openxmlformats.org/drawingml/2006/main" xmlns:r="http://schemas.openxmlformats.org/officeDocument/2006/relationships" xmlns:p="http://schemas.openxmlformats.org/presentationml/2006/main">
+  <p:tag name="OUTPUTDPI" val="1200"/>
+  <p:tag name="ORIGINALHEIGHT" val="87.73905"/>
+  <p:tag name="ORIGINALWIDTH" val="974.1282"/>
+  <p:tag name="LATEXADDIN" val="\documentclass{article}&#10;\usepackage{amsmath}&#10;\usepackage{xcolor}&#10;\usepackage{ragged2e}&#10;\pagestyle{empty}&#10;\begin{document}&#10;&#10;\definecolor{Monred}{RGB}{172,0,0}&#10;&#10;$&#10;Backwash \ Trunk&#10;$&#10;&#10;&#10;\end{document}"/>
+  <p:tag name="IGUANATEXSIZE" val="20"/>
+  <p:tag name="IGUANATEXCURSOR" val="179"/>
+  <p:tag name="TRANSPARENCY" val="True"/>
+  <p:tag name="FILENAME" val=""/>
+  <p:tag name="LATEXENGINEID" val="0"/>
+  <p:tag name="TEMPFOLDER" val="c:\temp\"/>
+  <p:tag name="LATEXFORMHEIGHT" val="312"/>
+  <p:tag name="LATEXFORMWIDTH" val="384"/>
+  <p:tag name="LATEXFORMWRAP" val="True"/>
+  <p:tag name="BITMAPVECTOR" val="0"/>
+</p:tagLst>
+</file>
+
+<file path=ppt/tags/tag95.xml><?xml version="1.0" encoding="utf-8"?>
+<p:tagLst xmlns:a="http://schemas.openxmlformats.org/drawingml/2006/main" xmlns:r="http://schemas.openxmlformats.org/officeDocument/2006/relationships" xmlns:p="http://schemas.openxmlformats.org/presentationml/2006/main">
+  <p:tag name="OUTPUTDPI" val="1200"/>
+  <p:tag name="ORIGINALHEIGHT" val="87.73905"/>
+  <p:tag name="ORIGINALWIDTH" val="590.1762"/>
+  <p:tag name="LATEXADDIN" val="\documentclass{article}&#10;\usepackage{amsmath}&#10;\usepackage{xcolor}&#10;\usepackage{ragged2e}&#10;\pagestyle{empty}&#10;\begin{document}&#10;&#10;\definecolor{Monred}{RGB}{172,0,0}&#10;&#10;&#10;$&#10;Exit \ Tank&#10;$&#10;&#10;&#10;\end{document}"/>
+  <p:tag name="IGUANATEXSIZE" val="20"/>
+  <p:tag name="IGUANATEXCURSOR" val="173"/>
+  <p:tag name="TRANSPARENCY" val="True"/>
+  <p:tag name="FILENAME" val=""/>
+  <p:tag name="LATEXENGINEID" val="0"/>
+  <p:tag name="TEMPFOLDER" val="c:\temp\"/>
+  <p:tag name="LATEXFORMHEIGHT" val="312"/>
+  <p:tag name="LATEXFORMWIDTH" val="384"/>
+  <p:tag name="LATEXFORMWRAP" val="True"/>
+  <p:tag name="BITMAPVECTOR" val="0"/>
+</p:tagLst>
+</file>
+
+<file path=ppt/tags/tag96.xml><?xml version="1.0" encoding="utf-8"?>
+<p:tagLst xmlns:a="http://schemas.openxmlformats.org/drawingml/2006/main" xmlns:r="http://schemas.openxmlformats.org/officeDocument/2006/relationships" xmlns:p="http://schemas.openxmlformats.org/presentationml/2006/main">
+  <p:tag name="OUTPUTDPI" val="1200"/>
+  <p:tag name="ORIGINALHEIGHT" val="87.73905"/>
+  <p:tag name="ORIGINALWIDTH" val="736.408"/>
+  <p:tag name="LATEXADDIN" val="\documentclass{article}&#10;\usepackage{amsmath}&#10;\usepackage{xcolor}&#10;\usepackage{ragged2e}&#10;\pagestyle{empty}&#10;\begin{document}&#10;&#10;\definecolor{Monred}{RGB}{172,0,0}&#10;&#10;$&#10;Inlet \ Trunks&#10;$&#10;&#10;&#10;\end{document}"/>
+  <p:tag name="IGUANATEXSIZE" val="20"/>
+  <p:tag name="IGUANATEXCURSOR" val="168"/>
+  <p:tag name="TRANSPARENCY" val="True"/>
+  <p:tag name="FILENAME" val=""/>
+  <p:tag name="LATEXENGINEID" val="0"/>
+  <p:tag name="TEMPFOLDER" val="c:\temp\"/>
+  <p:tag name="LATEXFORMHEIGHT" val="312"/>
+  <p:tag name="LATEXFORMWIDTH" val="384"/>
+  <p:tag name="LATEXFORMWRAP" val="True"/>
+  <p:tag name="BITMAPVECTOR" val="0"/>
+</p:tagLst>
+</file>
+
+<file path=ppt/tags/tag97.xml><?xml version="1.0" encoding="utf-8"?>
+<p:tagLst xmlns:a="http://schemas.openxmlformats.org/drawingml/2006/main" xmlns:r="http://schemas.openxmlformats.org/officeDocument/2006/relationships" xmlns:p="http://schemas.openxmlformats.org/presentationml/2006/main">
+  <p:tag name="OUTPUTDPI" val="1200"/>
+  <p:tag name="ORIGINALHEIGHT" val="89.98874"/>
+  <p:tag name="ORIGINALWIDTH" val="764.9044"/>
+  <p:tag name="LATEXADDIN" val="\documentclass{article}&#10;\usepackage{amsmath}&#10;\usepackage{xcolor}&#10;\usepackage{ragged2e}&#10;\pagestyle{empty}&#10;\begin{document}&#10;&#10;\definecolor{Monred}{RGB}{172,0,0}&#10;&#10;$&#10;Oulet \ Trunks&#10;$&#10;&#10;&#10;&#10;\end{document}"/>
+  <p:tag name="IGUANATEXSIZE" val="20"/>
+  <p:tag name="IGUANATEXCURSOR" val="177"/>
+  <p:tag name="TRANSPARENCY" val="True"/>
+  <p:tag name="FILENAME" val=""/>
+  <p:tag name="LATEXENGINEID" val="0"/>
+  <p:tag name="TEMPFOLDER" val="c:\temp\"/>
+  <p:tag name="LATEXFORMHEIGHT" val="312"/>
+  <p:tag name="LATEXFORMWIDTH" val="384"/>
+  <p:tag name="LATEXFORMWRAP" val="True"/>
+  <p:tag name="BITMAPVECTOR" val="0"/>
+</p:tagLst>
+</file>
+
+<file path=ppt/tags/tag98.xml><?xml version="1.0" encoding="utf-8"?>
+<p:tagLst xmlns:a="http://schemas.openxmlformats.org/drawingml/2006/main" xmlns:r="http://schemas.openxmlformats.org/officeDocument/2006/relationships" xmlns:p="http://schemas.openxmlformats.org/presentationml/2006/main">
+  <p:tag name="OUTPUTDPI" val="1200"/>
+  <p:tag name="ORIGINALHEIGHT" val="86.23921"/>
+  <p:tag name="ORIGINALWIDTH" val="341.9572"/>
+  <p:tag name="LATEXADDIN" val="\documentclass{article}&#10;\usepackage{amsmath}&#10;\usepackage{xcolor}&#10;\usepackage{ragged2e}&#10;\pagestyle{empty}&#10;\begin{document}&#10;&#10;\definecolor{Monred}{RGB}{172,0,0}&#10;&#10;$ Drain $&#10;&#10;&#10;\end{document}"/>
+  <p:tag name="IGUANATEXSIZE" val="20"/>
+  <p:tag name="IGUANATEXCURSOR" val="168"/>
+  <p:tag name="TRANSPARENCY" val="True"/>
+  <p:tag name="FILENAME" val=""/>
+  <p:tag name="LATEXENGINEID" val="0"/>
+  <p:tag name="TEMPFOLDER" val="c:\temp\"/>
+  <p:tag name="LATEXFORMHEIGHT" val="312"/>
+  <p:tag name="LATEXFORMWIDTH" val="384"/>
+  <p:tag name="LATEXFORMWRAP" val="True"/>
+  <p:tag name="BITMAPVECTOR" val="0"/>
+</p:tagLst>
+</file>
+
+<file path=ppt/tags/tag99.xml><?xml version="1.0" encoding="utf-8"?>
+<p:tagLst xmlns:a="http://schemas.openxmlformats.org/drawingml/2006/main" xmlns:r="http://schemas.openxmlformats.org/officeDocument/2006/relationships" xmlns:p="http://schemas.openxmlformats.org/presentationml/2006/main">
+  <p:tag name="OUTPUTDPI" val="1200"/>
+  <p:tag name="ORIGINALHEIGHT" val="260.9674"/>
+  <p:tag name="ORIGINALWIDTH" val="1325.834"/>
+  <p:tag name="LATEXADDIN" val="\documentclass{article}&#10;\usepackage{amsmath}&#10;\usepackage{xcolor}&#10;\usepackage{ragged2e}&#10;\pagestyle{empty}&#10;\begin{document}&#10;&#10;\definecolor{Monred}{RGB}{172,0,0}&#10;&#10;$ Exit \ to \ Distribution \\ System $&#10;&#10;&#10;\end{document}"/>
+  <p:tag name="IGUANATEXSIZE" val="20"/>
+  <p:tag name="IGUANATEXCURSOR" val="173"/>
+  <p:tag name="TRANSPARENCY" val="True"/>
+  <p:tag name="FILENAME" val=""/>
+  <p:tag name="LATEXENGINEID" val="0"/>
+  <p:tag name="TEMPFOLDER" val="c:\temp\"/>
+  <p:tag name="LATEXFORMHEIGHT" val="312"/>
+  <p:tag name="LATEXFORMWIDTH" val="384"/>
+  <p:tag name="LATEXFORMWRAP" val="True"/>
+  <p:tag name="BITMAPVECTOR" val="0"/>
+</p:tagLst>
+</file>
+
 <file path=ppt/theme/theme1.xml><?xml version="1.0" encoding="utf-8"?>
 <a:theme xmlns:a="http://schemas.openxmlformats.org/drawingml/2006/main" name="Office Theme">
   <a:themeElements>

--- a/ClareDiagrams.pptx
+++ b/ClareDiagrams.pptx
@@ -215,7 +215,7 @@
           <a:p>
             <a:fld id="{F874CE64-B02C-4A29-A5B8-BB55C61F4F91}" type="datetimeFigureOut">
               <a:rPr lang="en-US" smtClean="0"/>
-              <a:t>12/9/2018</a:t>
+              <a:t>12/10/2018</a:t>
             </a:fld>
             <a:endParaRPr lang="en-US"/>
           </a:p>
@@ -977,7 +977,7 @@
           <a:p>
             <a:fld id="{3721CA93-E140-4E2A-A30C-04BF0C6AAEA4}" type="datetimeFigureOut">
               <a:rPr lang="en-US" smtClean="0"/>
-              <a:t>12/9/2018</a:t>
+              <a:t>12/10/2018</a:t>
             </a:fld>
             <a:endParaRPr lang="en-US"/>
           </a:p>
@@ -1175,7 +1175,7 @@
           <a:p>
             <a:fld id="{3721CA93-E140-4E2A-A30C-04BF0C6AAEA4}" type="datetimeFigureOut">
               <a:rPr lang="en-US" smtClean="0"/>
-              <a:t>12/9/2018</a:t>
+              <a:t>12/10/2018</a:t>
             </a:fld>
             <a:endParaRPr lang="en-US"/>
           </a:p>
@@ -1383,7 +1383,7 @@
           <a:p>
             <a:fld id="{3721CA93-E140-4E2A-A30C-04BF0C6AAEA4}" type="datetimeFigureOut">
               <a:rPr lang="en-US" smtClean="0"/>
-              <a:t>12/9/2018</a:t>
+              <a:t>12/10/2018</a:t>
             </a:fld>
             <a:endParaRPr lang="en-US"/>
           </a:p>
@@ -1581,7 +1581,7 @@
           <a:p>
             <a:fld id="{3721CA93-E140-4E2A-A30C-04BF0C6AAEA4}" type="datetimeFigureOut">
               <a:rPr lang="en-US" smtClean="0"/>
-              <a:t>12/9/2018</a:t>
+              <a:t>12/10/2018</a:t>
             </a:fld>
             <a:endParaRPr lang="en-US"/>
           </a:p>
@@ -1856,7 +1856,7 @@
           <a:p>
             <a:fld id="{3721CA93-E140-4E2A-A30C-04BF0C6AAEA4}" type="datetimeFigureOut">
               <a:rPr lang="en-US" smtClean="0"/>
-              <a:t>12/9/2018</a:t>
+              <a:t>12/10/2018</a:t>
             </a:fld>
             <a:endParaRPr lang="en-US"/>
           </a:p>
@@ -2121,7 +2121,7 @@
           <a:p>
             <a:fld id="{3721CA93-E140-4E2A-A30C-04BF0C6AAEA4}" type="datetimeFigureOut">
               <a:rPr lang="en-US" smtClean="0"/>
-              <a:t>12/9/2018</a:t>
+              <a:t>12/10/2018</a:t>
             </a:fld>
             <a:endParaRPr lang="en-US"/>
           </a:p>
@@ -2533,7 +2533,7 @@
           <a:p>
             <a:fld id="{3721CA93-E140-4E2A-A30C-04BF0C6AAEA4}" type="datetimeFigureOut">
               <a:rPr lang="en-US" smtClean="0"/>
-              <a:t>12/9/2018</a:t>
+              <a:t>12/10/2018</a:t>
             </a:fld>
             <a:endParaRPr lang="en-US"/>
           </a:p>
@@ -2674,7 +2674,7 @@
           <a:p>
             <a:fld id="{3721CA93-E140-4E2A-A30C-04BF0C6AAEA4}" type="datetimeFigureOut">
               <a:rPr lang="en-US" smtClean="0"/>
-              <a:t>12/9/2018</a:t>
+              <a:t>12/10/2018</a:t>
             </a:fld>
             <a:endParaRPr lang="en-US"/>
           </a:p>
@@ -2787,7 +2787,7 @@
           <a:p>
             <a:fld id="{3721CA93-E140-4E2A-A30C-04BF0C6AAEA4}" type="datetimeFigureOut">
               <a:rPr lang="en-US" smtClean="0"/>
-              <a:t>12/9/2018</a:t>
+              <a:t>12/10/2018</a:t>
             </a:fld>
             <a:endParaRPr lang="en-US"/>
           </a:p>
@@ -3098,7 +3098,7 @@
           <a:p>
             <a:fld id="{3721CA93-E140-4E2A-A30C-04BF0C6AAEA4}" type="datetimeFigureOut">
               <a:rPr lang="en-US" smtClean="0"/>
-              <a:t>12/9/2018</a:t>
+              <a:t>12/10/2018</a:t>
             </a:fld>
             <a:endParaRPr lang="en-US"/>
           </a:p>
@@ -3386,7 +3386,7 @@
           <a:p>
             <a:fld id="{3721CA93-E140-4E2A-A30C-04BF0C6AAEA4}" type="datetimeFigureOut">
               <a:rPr lang="en-US" smtClean="0"/>
-              <a:t>12/9/2018</a:t>
+              <a:t>12/10/2018</a:t>
             </a:fld>
             <a:endParaRPr lang="en-US"/>
           </a:p>
@@ -3627,7 +3627,7 @@
           <a:p>
             <a:fld id="{3721CA93-E140-4E2A-A30C-04BF0C6AAEA4}" type="datetimeFigureOut">
               <a:rPr lang="en-US" smtClean="0"/>
-              <a:t>12/9/2018</a:t>
+              <a:t>12/10/2018</a:t>
             </a:fld>
             <a:endParaRPr lang="en-US"/>
           </a:p>
@@ -11416,683 +11416,6 @@
           <a:chExt cx="0" cy="0"/>
         </a:xfrm>
       </p:grpSpPr>
-      <p:sp>
-        <p:nvSpPr>
-          <p:cNvPr id="4" name="Oval 3">
-            <a:extLst>
-              <a:ext uri="{FF2B5EF4-FFF2-40B4-BE49-F238E27FC236}">
-                <a16:creationId xmlns:a16="http://schemas.microsoft.com/office/drawing/2014/main" id="{05A80D2C-F686-452A-94B9-D43C1315CEB7}"/>
-              </a:ext>
-            </a:extLst>
-          </p:cNvPr>
-          <p:cNvSpPr/>
-          <p:nvPr/>
-        </p:nvSpPr>
-        <p:spPr>
-          <a:xfrm>
-            <a:off x="2770495" y="641445"/>
-            <a:ext cx="5827594" cy="5827594"/>
-          </a:xfrm>
-          <a:prstGeom prst="ellipse">
-            <a:avLst/>
-          </a:prstGeom>
-          <a:noFill/>
-          <a:ln w="177800"/>
-        </p:spPr>
-        <p:style>
-          <a:lnRef idx="2">
-            <a:schemeClr val="accent1">
-              <a:shade val="50000"/>
-            </a:schemeClr>
-          </a:lnRef>
-          <a:fillRef idx="1">
-            <a:schemeClr val="accent1"/>
-          </a:fillRef>
-          <a:effectRef idx="0">
-            <a:schemeClr val="accent1"/>
-          </a:effectRef>
-          <a:fontRef idx="minor">
-            <a:schemeClr val="lt1"/>
-          </a:fontRef>
-        </p:style>
-        <p:txBody>
-          <a:bodyPr rtlCol="0" anchor="ctr"/>
-          <a:lstStyle/>
-          <a:p>
-            <a:pPr algn="ctr"/>
-            <a:endParaRPr lang="en-US" dirty="0"/>
-          </a:p>
-        </p:txBody>
-      </p:sp>
-      <p:grpSp>
-        <p:nvGrpSpPr>
-          <p:cNvPr id="17" name="Group 16">
-            <a:extLst>
-              <a:ext uri="{FF2B5EF4-FFF2-40B4-BE49-F238E27FC236}">
-                <a16:creationId xmlns:a16="http://schemas.microsoft.com/office/drawing/2014/main" id="{EA20FC53-BE08-4C9F-8902-1169CBC3DF5F}"/>
-              </a:ext>
-            </a:extLst>
-          </p:cNvPr>
-          <p:cNvGrpSpPr/>
-          <p:nvPr/>
-        </p:nvGrpSpPr>
-        <p:grpSpPr>
-          <a:xfrm>
-            <a:off x="3088944" y="832514"/>
-            <a:ext cx="6332561" cy="5432093"/>
-            <a:chOff x="3088944" y="832514"/>
-            <a:chExt cx="6332561" cy="5432093"/>
-          </a:xfrm>
-        </p:grpSpPr>
-        <p:grpSp>
-          <p:nvGrpSpPr>
-            <p:cNvPr id="10" name="Group 9">
-              <a:extLst>
-                <a:ext uri="{FF2B5EF4-FFF2-40B4-BE49-F238E27FC236}">
-                  <a16:creationId xmlns:a16="http://schemas.microsoft.com/office/drawing/2014/main" id="{673970CB-373E-4BE4-A258-FE6A5F8D6864}"/>
-                </a:ext>
-              </a:extLst>
-            </p:cNvPr>
-            <p:cNvGrpSpPr/>
-            <p:nvPr/>
-          </p:nvGrpSpPr>
-          <p:grpSpPr>
-            <a:xfrm>
-              <a:off x="3088944" y="1757292"/>
-              <a:ext cx="6332561" cy="3595900"/>
-              <a:chOff x="3088944" y="1637731"/>
-              <a:chExt cx="6332561" cy="3595900"/>
-            </a:xfrm>
-          </p:grpSpPr>
-          <p:sp>
-            <p:nvSpPr>
-              <p:cNvPr id="5" name="Rectangle: Rounded Corners 4">
-                <a:extLst>
-                  <a:ext uri="{FF2B5EF4-FFF2-40B4-BE49-F238E27FC236}">
-                    <a16:creationId xmlns:a16="http://schemas.microsoft.com/office/drawing/2014/main" id="{7542E908-9EE4-4A76-8565-068DDD7C2513}"/>
-                  </a:ext>
-                </a:extLst>
-              </p:cNvPr>
-              <p:cNvSpPr/>
-              <p:nvPr/>
-            </p:nvSpPr>
-            <p:spPr>
-              <a:xfrm>
-                <a:off x="3088944" y="3120219"/>
-                <a:ext cx="6332561" cy="617561"/>
-              </a:xfrm>
-              <a:prstGeom prst="roundRect">
-                <a:avLst/>
-              </a:prstGeom>
-            </p:spPr>
-            <p:style>
-              <a:lnRef idx="2">
-                <a:schemeClr val="accent1">
-                  <a:shade val="50000"/>
-                </a:schemeClr>
-              </a:lnRef>
-              <a:fillRef idx="1">
-                <a:schemeClr val="accent1"/>
-              </a:fillRef>
-              <a:effectRef idx="0">
-                <a:schemeClr val="accent1"/>
-              </a:effectRef>
-              <a:fontRef idx="minor">
-                <a:schemeClr val="lt1"/>
-              </a:fontRef>
-            </p:style>
-            <p:txBody>
-              <a:bodyPr rtlCol="0" anchor="ctr"/>
-              <a:lstStyle/>
-              <a:p>
-                <a:pPr algn="ctr"/>
-                <a:endParaRPr lang="en-US"/>
-              </a:p>
-            </p:txBody>
-          </p:sp>
-          <p:sp>
-            <p:nvSpPr>
-              <p:cNvPr id="6" name="Rectangle: Rounded Corners 5">
-                <a:extLst>
-                  <a:ext uri="{FF2B5EF4-FFF2-40B4-BE49-F238E27FC236}">
-                    <a16:creationId xmlns:a16="http://schemas.microsoft.com/office/drawing/2014/main" id="{C6F6FE84-0773-4ABC-AF15-F8ADC783DCA8}"/>
-                  </a:ext>
-                </a:extLst>
-              </p:cNvPr>
-              <p:cNvSpPr/>
-              <p:nvPr/>
-            </p:nvSpPr>
-            <p:spPr>
-              <a:xfrm>
-                <a:off x="3643952" y="1637731"/>
-                <a:ext cx="272955" cy="1482488"/>
-              </a:xfrm>
-              <a:prstGeom prst="roundRect">
-                <a:avLst/>
-              </a:prstGeom>
-            </p:spPr>
-            <p:style>
-              <a:lnRef idx="2">
-                <a:schemeClr val="accent1">
-                  <a:shade val="50000"/>
-                </a:schemeClr>
-              </a:lnRef>
-              <a:fillRef idx="1">
-                <a:schemeClr val="accent1"/>
-              </a:fillRef>
-              <a:effectRef idx="0">
-                <a:schemeClr val="accent1"/>
-              </a:effectRef>
-              <a:fontRef idx="minor">
-                <a:schemeClr val="lt1"/>
-              </a:fontRef>
-            </p:style>
-            <p:txBody>
-              <a:bodyPr rtlCol="0" anchor="ctr"/>
-              <a:lstStyle/>
-              <a:p>
-                <a:pPr algn="ctr"/>
-                <a:endParaRPr lang="en-US"/>
-              </a:p>
-            </p:txBody>
-          </p:sp>
-          <p:sp>
-            <p:nvSpPr>
-              <p:cNvPr id="7" name="Rectangle: Rounded Corners 6">
-                <a:extLst>
-                  <a:ext uri="{FF2B5EF4-FFF2-40B4-BE49-F238E27FC236}">
-                    <a16:creationId xmlns:a16="http://schemas.microsoft.com/office/drawing/2014/main" id="{9152B474-9D69-472C-B17B-1BB7BBA2671A}"/>
-                  </a:ext>
-                </a:extLst>
-              </p:cNvPr>
-              <p:cNvSpPr/>
-              <p:nvPr/>
-            </p:nvSpPr>
-            <p:spPr>
-              <a:xfrm>
-                <a:off x="3643952" y="3737780"/>
-                <a:ext cx="272955" cy="1482488"/>
-              </a:xfrm>
-              <a:prstGeom prst="roundRect">
-                <a:avLst/>
-              </a:prstGeom>
-            </p:spPr>
-            <p:style>
-              <a:lnRef idx="2">
-                <a:schemeClr val="accent1">
-                  <a:shade val="50000"/>
-                </a:schemeClr>
-              </a:lnRef>
-              <a:fillRef idx="1">
-                <a:schemeClr val="accent1"/>
-              </a:fillRef>
-              <a:effectRef idx="0">
-                <a:schemeClr val="accent1"/>
-              </a:effectRef>
-              <a:fontRef idx="minor">
-                <a:schemeClr val="lt1"/>
-              </a:fontRef>
-            </p:style>
-            <p:txBody>
-              <a:bodyPr rtlCol="0" anchor="ctr"/>
-              <a:lstStyle/>
-              <a:p>
-                <a:pPr algn="ctr"/>
-                <a:endParaRPr lang="en-US"/>
-              </a:p>
-            </p:txBody>
-          </p:sp>
-          <p:sp>
-            <p:nvSpPr>
-              <p:cNvPr id="8" name="Rectangle: Rounded Corners 7">
-                <a:extLst>
-                  <a:ext uri="{FF2B5EF4-FFF2-40B4-BE49-F238E27FC236}">
-                    <a16:creationId xmlns:a16="http://schemas.microsoft.com/office/drawing/2014/main" id="{EB4C9D2B-AEB1-48B1-8FBC-085EF4B9E803}"/>
-                  </a:ext>
-                </a:extLst>
-              </p:cNvPr>
-              <p:cNvSpPr/>
-              <p:nvPr/>
-            </p:nvSpPr>
-            <p:spPr>
-              <a:xfrm>
-                <a:off x="7444854" y="3751143"/>
-                <a:ext cx="272955" cy="1482488"/>
-              </a:xfrm>
-              <a:prstGeom prst="roundRect">
-                <a:avLst/>
-              </a:prstGeom>
-            </p:spPr>
-            <p:style>
-              <a:lnRef idx="2">
-                <a:schemeClr val="accent1">
-                  <a:shade val="50000"/>
-                </a:schemeClr>
-              </a:lnRef>
-              <a:fillRef idx="1">
-                <a:schemeClr val="accent1"/>
-              </a:fillRef>
-              <a:effectRef idx="0">
-                <a:schemeClr val="accent1"/>
-              </a:effectRef>
-              <a:fontRef idx="minor">
-                <a:schemeClr val="lt1"/>
-              </a:fontRef>
-            </p:style>
-            <p:txBody>
-              <a:bodyPr rtlCol="0" anchor="ctr"/>
-              <a:lstStyle/>
-              <a:p>
-                <a:pPr algn="ctr"/>
-                <a:endParaRPr lang="en-US"/>
-              </a:p>
-            </p:txBody>
-          </p:sp>
-          <p:sp>
-            <p:nvSpPr>
-              <p:cNvPr id="9" name="Rectangle: Rounded Corners 8">
-                <a:extLst>
-                  <a:ext uri="{FF2B5EF4-FFF2-40B4-BE49-F238E27FC236}">
-                    <a16:creationId xmlns:a16="http://schemas.microsoft.com/office/drawing/2014/main" id="{C00468EF-DFE0-4035-992E-C959519F7252}"/>
-                  </a:ext>
-                </a:extLst>
-              </p:cNvPr>
-              <p:cNvSpPr/>
-              <p:nvPr/>
-            </p:nvSpPr>
-            <p:spPr>
-              <a:xfrm>
-                <a:off x="7444854" y="1637731"/>
-                <a:ext cx="272955" cy="1482488"/>
-              </a:xfrm>
-              <a:prstGeom prst="roundRect">
-                <a:avLst/>
-              </a:prstGeom>
-            </p:spPr>
-            <p:style>
-              <a:lnRef idx="2">
-                <a:schemeClr val="accent1">
-                  <a:shade val="50000"/>
-                </a:schemeClr>
-              </a:lnRef>
-              <a:fillRef idx="1">
-                <a:schemeClr val="accent1"/>
-              </a:fillRef>
-              <a:effectRef idx="0">
-                <a:schemeClr val="accent1"/>
-              </a:effectRef>
-              <a:fontRef idx="minor">
-                <a:schemeClr val="lt1"/>
-              </a:fontRef>
-            </p:style>
-            <p:txBody>
-              <a:bodyPr rtlCol="0" anchor="ctr"/>
-              <a:lstStyle/>
-              <a:p>
-                <a:pPr algn="ctr"/>
-                <a:endParaRPr lang="en-US"/>
-              </a:p>
-            </p:txBody>
-          </p:sp>
-        </p:grpSp>
-        <p:sp>
-          <p:nvSpPr>
-            <p:cNvPr id="11" name="Rectangle: Rounded Corners 10">
-              <a:extLst>
-                <a:ext uri="{FF2B5EF4-FFF2-40B4-BE49-F238E27FC236}">
-                  <a16:creationId xmlns:a16="http://schemas.microsoft.com/office/drawing/2014/main" id="{814598F1-F464-4CFE-AB00-5304FEE6F3C7}"/>
-                </a:ext>
-              </a:extLst>
-            </p:cNvPr>
-            <p:cNvSpPr/>
-            <p:nvPr/>
-          </p:nvSpPr>
-          <p:spPr>
-            <a:xfrm>
-              <a:off x="5547815" y="832514"/>
-              <a:ext cx="269544" cy="2407266"/>
-            </a:xfrm>
-            <a:prstGeom prst="roundRect">
-              <a:avLst/>
-            </a:prstGeom>
-          </p:spPr>
-          <p:style>
-            <a:lnRef idx="2">
-              <a:schemeClr val="accent1">
-                <a:shade val="50000"/>
-              </a:schemeClr>
-            </a:lnRef>
-            <a:fillRef idx="1">
-              <a:schemeClr val="accent1"/>
-            </a:fillRef>
-            <a:effectRef idx="0">
-              <a:schemeClr val="accent1"/>
-            </a:effectRef>
-            <a:fontRef idx="minor">
-              <a:schemeClr val="lt1"/>
-            </a:fontRef>
-          </p:style>
-          <p:txBody>
-            <a:bodyPr rtlCol="0" anchor="ctr"/>
-            <a:lstStyle/>
-            <a:p>
-              <a:pPr algn="ctr"/>
-              <a:endParaRPr lang="en-US"/>
-            </a:p>
-          </p:txBody>
-        </p:sp>
-        <p:sp>
-          <p:nvSpPr>
-            <p:cNvPr id="12" name="Rectangle: Rounded Corners 11">
-              <a:extLst>
-                <a:ext uri="{FF2B5EF4-FFF2-40B4-BE49-F238E27FC236}">
-                  <a16:creationId xmlns:a16="http://schemas.microsoft.com/office/drawing/2014/main" id="{572F0968-74E0-4972-B569-5D7067FD2425}"/>
-                </a:ext>
-              </a:extLst>
-            </p:cNvPr>
-            <p:cNvSpPr/>
-            <p:nvPr/>
-          </p:nvSpPr>
-          <p:spPr>
-            <a:xfrm>
-              <a:off x="5544403" y="3870704"/>
-              <a:ext cx="272955" cy="2393903"/>
-            </a:xfrm>
-            <a:prstGeom prst="roundRect">
-              <a:avLst/>
-            </a:prstGeom>
-          </p:spPr>
-          <p:style>
-            <a:lnRef idx="2">
-              <a:schemeClr val="accent1">
-                <a:shade val="50000"/>
-              </a:schemeClr>
-            </a:lnRef>
-            <a:fillRef idx="1">
-              <a:schemeClr val="accent1"/>
-            </a:fillRef>
-            <a:effectRef idx="0">
-              <a:schemeClr val="accent1"/>
-            </a:effectRef>
-            <a:fontRef idx="minor">
-              <a:schemeClr val="lt1"/>
-            </a:fontRef>
-          </p:style>
-          <p:txBody>
-            <a:bodyPr rtlCol="0" anchor="ctr"/>
-            <a:lstStyle/>
-            <a:p>
-              <a:pPr algn="ctr"/>
-              <a:endParaRPr lang="en-US"/>
-            </a:p>
-          </p:txBody>
-        </p:sp>
-        <p:sp>
-          <p:nvSpPr>
-            <p:cNvPr id="13" name="Rectangle: Rounded Corners 12">
-              <a:extLst>
-                <a:ext uri="{FF2B5EF4-FFF2-40B4-BE49-F238E27FC236}">
-                  <a16:creationId xmlns:a16="http://schemas.microsoft.com/office/drawing/2014/main" id="{489A880E-6D2C-44F1-8C28-B0159086EF42}"/>
-                </a:ext>
-              </a:extLst>
-            </p:cNvPr>
-            <p:cNvSpPr/>
-            <p:nvPr/>
-          </p:nvSpPr>
-          <p:spPr>
-            <a:xfrm>
-              <a:off x="6496334" y="1064525"/>
-              <a:ext cx="272955" cy="2175255"/>
-            </a:xfrm>
-            <a:prstGeom prst="roundRect">
-              <a:avLst/>
-            </a:prstGeom>
-          </p:spPr>
-          <p:style>
-            <a:lnRef idx="2">
-              <a:schemeClr val="accent1">
-                <a:shade val="50000"/>
-              </a:schemeClr>
-            </a:lnRef>
-            <a:fillRef idx="1">
-              <a:schemeClr val="accent1"/>
-            </a:fillRef>
-            <a:effectRef idx="0">
-              <a:schemeClr val="accent1"/>
-            </a:effectRef>
-            <a:fontRef idx="minor">
-              <a:schemeClr val="lt1"/>
-            </a:fontRef>
-          </p:style>
-          <p:txBody>
-            <a:bodyPr rtlCol="0" anchor="ctr"/>
-            <a:lstStyle/>
-            <a:p>
-              <a:pPr algn="ctr"/>
-              <a:endParaRPr lang="en-US"/>
-            </a:p>
-          </p:txBody>
-        </p:sp>
-        <p:sp>
-          <p:nvSpPr>
-            <p:cNvPr id="14" name="Rectangle: Rounded Corners 13">
-              <a:extLst>
-                <a:ext uri="{FF2B5EF4-FFF2-40B4-BE49-F238E27FC236}">
-                  <a16:creationId xmlns:a16="http://schemas.microsoft.com/office/drawing/2014/main" id="{C6FB79E8-B244-4967-940A-3E49D706CAD4}"/>
-                </a:ext>
-              </a:extLst>
-            </p:cNvPr>
-            <p:cNvSpPr/>
-            <p:nvPr/>
-          </p:nvSpPr>
-          <p:spPr>
-            <a:xfrm>
-              <a:off x="6523630" y="3870704"/>
-              <a:ext cx="272955" cy="2175255"/>
-            </a:xfrm>
-            <a:prstGeom prst="roundRect">
-              <a:avLst/>
-            </a:prstGeom>
-          </p:spPr>
-          <p:style>
-            <a:lnRef idx="2">
-              <a:schemeClr val="accent1">
-                <a:shade val="50000"/>
-              </a:schemeClr>
-            </a:lnRef>
-            <a:fillRef idx="1">
-              <a:schemeClr val="accent1"/>
-            </a:fillRef>
-            <a:effectRef idx="0">
-              <a:schemeClr val="accent1"/>
-            </a:effectRef>
-            <a:fontRef idx="minor">
-              <a:schemeClr val="lt1"/>
-            </a:fontRef>
-          </p:style>
-          <p:txBody>
-            <a:bodyPr rtlCol="0" anchor="ctr"/>
-            <a:lstStyle/>
-            <a:p>
-              <a:pPr algn="ctr"/>
-              <a:endParaRPr lang="en-US"/>
-            </a:p>
-          </p:txBody>
-        </p:sp>
-        <p:sp>
-          <p:nvSpPr>
-            <p:cNvPr id="15" name="Rectangle: Rounded Corners 14">
-              <a:extLst>
-                <a:ext uri="{FF2B5EF4-FFF2-40B4-BE49-F238E27FC236}">
-                  <a16:creationId xmlns:a16="http://schemas.microsoft.com/office/drawing/2014/main" id="{1265EE2B-16CA-4C0F-8721-4D4F8786DA8B}"/>
-                </a:ext>
-              </a:extLst>
-            </p:cNvPr>
-            <p:cNvSpPr/>
-            <p:nvPr/>
-          </p:nvSpPr>
-          <p:spPr>
-            <a:xfrm>
-              <a:off x="4618628" y="3870704"/>
-              <a:ext cx="272955" cy="2175255"/>
-            </a:xfrm>
-            <a:prstGeom prst="roundRect">
-              <a:avLst/>
-            </a:prstGeom>
-          </p:spPr>
-          <p:style>
-            <a:lnRef idx="2">
-              <a:schemeClr val="accent1">
-                <a:shade val="50000"/>
-              </a:schemeClr>
-            </a:lnRef>
-            <a:fillRef idx="1">
-              <a:schemeClr val="accent1"/>
-            </a:fillRef>
-            <a:effectRef idx="0">
-              <a:schemeClr val="accent1"/>
-            </a:effectRef>
-            <a:fontRef idx="minor">
-              <a:schemeClr val="lt1"/>
-            </a:fontRef>
-          </p:style>
-          <p:txBody>
-            <a:bodyPr rtlCol="0" anchor="ctr"/>
-            <a:lstStyle/>
-            <a:p>
-              <a:pPr algn="ctr"/>
-              <a:endParaRPr lang="en-US"/>
-            </a:p>
-          </p:txBody>
-        </p:sp>
-        <p:sp>
-          <p:nvSpPr>
-            <p:cNvPr id="16" name="Rectangle: Rounded Corners 15">
-              <a:extLst>
-                <a:ext uri="{FF2B5EF4-FFF2-40B4-BE49-F238E27FC236}">
-                  <a16:creationId xmlns:a16="http://schemas.microsoft.com/office/drawing/2014/main" id="{A1FB36C2-31CA-40C7-AFB8-E292CFF1A055}"/>
-                </a:ext>
-              </a:extLst>
-            </p:cNvPr>
-            <p:cNvSpPr/>
-            <p:nvPr/>
-          </p:nvSpPr>
-          <p:spPr>
-            <a:xfrm>
-              <a:off x="4618629" y="1064525"/>
-              <a:ext cx="272955" cy="2175255"/>
-            </a:xfrm>
-            <a:prstGeom prst="roundRect">
-              <a:avLst/>
-            </a:prstGeom>
-          </p:spPr>
-          <p:style>
-            <a:lnRef idx="2">
-              <a:schemeClr val="accent1">
-                <a:shade val="50000"/>
-              </a:schemeClr>
-            </a:lnRef>
-            <a:fillRef idx="1">
-              <a:schemeClr val="accent1"/>
-            </a:fillRef>
-            <a:effectRef idx="0">
-              <a:schemeClr val="accent1"/>
-            </a:effectRef>
-            <a:fontRef idx="minor">
-              <a:schemeClr val="lt1"/>
-            </a:fontRef>
-          </p:style>
-          <p:txBody>
-            <a:bodyPr rtlCol="0" anchor="ctr"/>
-            <a:lstStyle/>
-            <a:p>
-              <a:pPr algn="ctr"/>
-              <a:endParaRPr lang="en-US"/>
-            </a:p>
-          </p:txBody>
-        </p:sp>
-      </p:grpSp>
-      <p:cxnSp>
-        <p:nvCxnSpPr>
-          <p:cNvPr id="19" name="Straight Arrow Connector 18">
-            <a:extLst>
-              <a:ext uri="{FF2B5EF4-FFF2-40B4-BE49-F238E27FC236}">
-                <a16:creationId xmlns:a16="http://schemas.microsoft.com/office/drawing/2014/main" id="{3607274D-E30D-4C74-A103-DDB133B12CAE}"/>
-              </a:ext>
-            </a:extLst>
-          </p:cNvPr>
-          <p:cNvCxnSpPr>
-            <a:cxnSpLocks/>
-            <a:stCxn id="16" idx="3"/>
-          </p:cNvCxnSpPr>
-          <p:nvPr/>
-        </p:nvCxnSpPr>
-        <p:spPr>
-          <a:xfrm>
-            <a:off x="4891584" y="2152153"/>
-            <a:ext cx="652819" cy="0"/>
-          </a:xfrm>
-          <a:prstGeom prst="straightConnector1">
-            <a:avLst/>
-          </a:prstGeom>
-          <a:ln>
-            <a:headEnd type="triangle"/>
-            <a:tailEnd type="triangle"/>
-          </a:ln>
-        </p:spPr>
-        <p:style>
-          <a:lnRef idx="1">
-            <a:schemeClr val="accent1"/>
-          </a:lnRef>
-          <a:fillRef idx="0">
-            <a:schemeClr val="accent1"/>
-          </a:fillRef>
-          <a:effectRef idx="0">
-            <a:schemeClr val="accent1"/>
-          </a:effectRef>
-          <a:fontRef idx="minor">
-            <a:schemeClr val="tx1"/>
-          </a:fontRef>
-        </p:style>
-      </p:cxnSp>
-      <p:cxnSp>
-        <p:nvCxnSpPr>
-          <p:cNvPr id="22" name="Straight Connector 21">
-            <a:extLst>
-              <a:ext uri="{FF2B5EF4-FFF2-40B4-BE49-F238E27FC236}">
-                <a16:creationId xmlns:a16="http://schemas.microsoft.com/office/drawing/2014/main" id="{3C77BCC9-7876-431C-A039-9DD222885DAF}"/>
-              </a:ext>
-            </a:extLst>
-          </p:cNvPr>
-          <p:cNvCxnSpPr>
-            <a:cxnSpLocks/>
-          </p:cNvCxnSpPr>
-          <p:nvPr/>
-        </p:nvCxnSpPr>
-        <p:spPr>
-          <a:xfrm flipH="1">
-            <a:off x="460612" y="545911"/>
-            <a:ext cx="5356746" cy="0"/>
-          </a:xfrm>
-          <a:prstGeom prst="line">
-            <a:avLst/>
-          </a:prstGeom>
-        </p:spPr>
-        <p:style>
-          <a:lnRef idx="1">
-            <a:schemeClr val="accent1"/>
-          </a:lnRef>
-          <a:fillRef idx="0">
-            <a:schemeClr val="accent1"/>
-          </a:fillRef>
-          <a:effectRef idx="0">
-            <a:schemeClr val="accent1"/>
-          </a:effectRef>
-          <a:fontRef idx="minor">
-            <a:schemeClr val="tx1"/>
-          </a:fontRef>
-        </p:style>
-      </p:cxnSp>
       <p:cxnSp>
         <p:nvCxnSpPr>
           <p:cNvPr id="23" name="Straight Connector 22">
@@ -12171,280 +11494,1079 @@
           </a:fontRef>
         </p:style>
       </p:cxnSp>
-      <p:cxnSp>
-        <p:nvCxnSpPr>
-          <p:cNvPr id="27" name="Straight Connector 26">
+      <p:grpSp>
+        <p:nvGrpSpPr>
+          <p:cNvPr id="24" name="Group 23">
             <a:extLst>
               <a:ext uri="{FF2B5EF4-FFF2-40B4-BE49-F238E27FC236}">
-                <a16:creationId xmlns:a16="http://schemas.microsoft.com/office/drawing/2014/main" id="{82793B80-2777-457F-B0A8-77D4E134A638}"/>
+                <a16:creationId xmlns:a16="http://schemas.microsoft.com/office/drawing/2014/main" id="{3AE4B87A-04D3-43AB-8797-E787EF77354D}"/>
               </a:ext>
             </a:extLst>
           </p:cNvPr>
-          <p:cNvCxnSpPr>
-            <a:cxnSpLocks/>
-          </p:cNvCxnSpPr>
+          <p:cNvGrpSpPr/>
           <p:nvPr/>
-        </p:nvCxnSpPr>
-        <p:spPr>
-          <a:xfrm flipH="1">
-            <a:off x="1695450" y="727170"/>
-            <a:ext cx="4121908" cy="0"/>
+        </p:nvGrpSpPr>
+        <p:grpSpPr>
+          <a:xfrm>
+            <a:off x="1572797" y="186292"/>
+            <a:ext cx="9046405" cy="6391032"/>
+            <a:chOff x="421161" y="78007"/>
+            <a:chExt cx="9046405" cy="6391032"/>
           </a:xfrm>
-          <a:prstGeom prst="line">
-            <a:avLst/>
-          </a:prstGeom>
-        </p:spPr>
-        <p:style>
-          <a:lnRef idx="1">
-            <a:schemeClr val="accent1"/>
-          </a:lnRef>
-          <a:fillRef idx="0">
-            <a:schemeClr val="accent1"/>
-          </a:fillRef>
-          <a:effectRef idx="0">
-            <a:schemeClr val="accent1"/>
-          </a:effectRef>
-          <a:fontRef idx="minor">
-            <a:schemeClr val="tx1"/>
-          </a:fontRef>
-        </p:style>
-      </p:cxnSp>
-      <p:cxnSp>
-        <p:nvCxnSpPr>
-          <p:cNvPr id="29" name="Straight Connector 28">
-            <a:extLst>
-              <a:ext uri="{FF2B5EF4-FFF2-40B4-BE49-F238E27FC236}">
-                <a16:creationId xmlns:a16="http://schemas.microsoft.com/office/drawing/2014/main" id="{64A5F1E0-8A2D-40A0-AEFF-E0C4FA005B74}"/>
-              </a:ext>
-            </a:extLst>
-          </p:cNvPr>
-          <p:cNvCxnSpPr>
-            <a:cxnSpLocks/>
-          </p:cNvCxnSpPr>
-          <p:nvPr/>
-        </p:nvCxnSpPr>
-        <p:spPr>
-          <a:xfrm flipH="1">
-            <a:off x="1645409" y="6374836"/>
-            <a:ext cx="4121908" cy="0"/>
-          </a:xfrm>
-          <a:prstGeom prst="line">
-            <a:avLst/>
-          </a:prstGeom>
-        </p:spPr>
-        <p:style>
-          <a:lnRef idx="1">
-            <a:schemeClr val="accent1"/>
-          </a:lnRef>
-          <a:fillRef idx="0">
-            <a:schemeClr val="accent1"/>
-          </a:fillRef>
-          <a:effectRef idx="0">
-            <a:schemeClr val="accent1"/>
-          </a:effectRef>
-          <a:fontRef idx="minor">
-            <a:schemeClr val="tx1"/>
-          </a:fontRef>
-        </p:style>
-      </p:cxnSp>
-      <p:cxnSp>
-        <p:nvCxnSpPr>
-          <p:cNvPr id="31" name="Straight Arrow Connector 30">
-            <a:extLst>
-              <a:ext uri="{FF2B5EF4-FFF2-40B4-BE49-F238E27FC236}">
-                <a16:creationId xmlns:a16="http://schemas.microsoft.com/office/drawing/2014/main" id="{81E8B011-AD7D-4FCA-B6C8-4C060166AD1D}"/>
-              </a:ext>
-            </a:extLst>
-          </p:cNvPr>
-          <p:cNvCxnSpPr>
-            <a:cxnSpLocks/>
-          </p:cNvCxnSpPr>
-          <p:nvPr/>
-        </p:nvCxnSpPr>
-        <p:spPr>
-          <a:xfrm>
-            <a:off x="1695450" y="727170"/>
-            <a:ext cx="0" cy="5647666"/>
-          </a:xfrm>
-          <a:prstGeom prst="straightConnector1">
-            <a:avLst/>
-          </a:prstGeom>
-          <a:ln w="38100">
-            <a:headEnd type="triangle"/>
-            <a:tailEnd type="triangle"/>
-          </a:ln>
-        </p:spPr>
-        <p:style>
-          <a:lnRef idx="1">
-            <a:schemeClr val="accent1"/>
-          </a:lnRef>
-          <a:fillRef idx="0">
-            <a:schemeClr val="accent1"/>
-          </a:fillRef>
-          <a:effectRef idx="0">
-            <a:schemeClr val="accent1"/>
-          </a:effectRef>
-          <a:fontRef idx="minor">
-            <a:schemeClr val="tx1"/>
-          </a:fontRef>
-        </p:style>
-      </p:cxnSp>
-      <p:pic>
-        <p:nvPicPr>
-          <p:cNvPr id="34" name="Picture 33">
-            <a:extLst>
-              <a:ext uri="{FF2B5EF4-FFF2-40B4-BE49-F238E27FC236}">
-                <a16:creationId xmlns:a16="http://schemas.microsoft.com/office/drawing/2014/main" id="{8959D605-AFDA-4DC4-9963-25A0C8DF5CDA}"/>
-              </a:ext>
-            </a:extLst>
-          </p:cNvPr>
-          <p:cNvPicPr>
-            <a:picLocks noChangeAspect="1"/>
-          </p:cNvPicPr>
-          <p:nvPr>
-            <p:custDataLst>
-              <p:tags r:id="rId1"/>
-            </p:custDataLst>
-          </p:nvPr>
-        </p:nvPicPr>
-        <p:blipFill>
-          <a:blip r:embed="rId5">
-            <a:extLst>
-              <a:ext uri="{28A0092B-C50C-407E-A947-70E740481C1C}">
-                <a14:useLocalDpi xmlns:a14="http://schemas.microsoft.com/office/drawing/2010/main" val="0"/>
-              </a:ext>
-            </a:extLst>
-          </a:blip>
-          <a:stretch>
-            <a:fillRect/>
-          </a:stretch>
-        </p:blipFill>
-        <p:spPr>
-          <a:xfrm>
-            <a:off x="421161" y="1540911"/>
-            <a:ext cx="615619" cy="216381"/>
-          </a:xfrm>
-          <a:prstGeom prst="rect">
-            <a:avLst/>
-          </a:prstGeom>
-        </p:spPr>
-      </p:pic>
-      <p:pic>
-        <p:nvPicPr>
-          <p:cNvPr id="36" name="Picture 35">
-            <a:extLst>
-              <a:ext uri="{FF2B5EF4-FFF2-40B4-BE49-F238E27FC236}">
-                <a16:creationId xmlns:a16="http://schemas.microsoft.com/office/drawing/2014/main" id="{1A91A6CD-0E54-43D1-B657-5A6845CC15B6}"/>
-              </a:ext>
-            </a:extLst>
-          </p:cNvPr>
-          <p:cNvPicPr>
-            <a:picLocks noChangeAspect="1"/>
-          </p:cNvPicPr>
-          <p:nvPr>
-            <p:custDataLst>
-              <p:tags r:id="rId2"/>
-            </p:custDataLst>
-          </p:nvPr>
-        </p:nvPicPr>
-        <p:blipFill>
-          <a:blip r:embed="rId6">
-            <a:extLst>
-              <a:ext uri="{28A0092B-C50C-407E-A947-70E740481C1C}">
-                <a14:useLocalDpi xmlns:a14="http://schemas.microsoft.com/office/drawing/2010/main" val="0"/>
-              </a:ext>
-            </a:extLst>
-          </a:blip>
-          <a:stretch>
-            <a:fillRect/>
-          </a:stretch>
-        </p:blipFill>
-        <p:spPr>
-          <a:xfrm>
-            <a:off x="1800063" y="1556852"/>
-            <a:ext cx="551619" cy="211810"/>
-          </a:xfrm>
-          <a:prstGeom prst="rect">
-            <a:avLst/>
-          </a:prstGeom>
-        </p:spPr>
-      </p:pic>
-      <p:pic>
-        <p:nvPicPr>
-          <p:cNvPr id="38" name="Picture 37">
-            <a:extLst>
-              <a:ext uri="{FF2B5EF4-FFF2-40B4-BE49-F238E27FC236}">
-                <a16:creationId xmlns:a16="http://schemas.microsoft.com/office/drawing/2014/main" id="{A32F05A1-1158-4EFE-8BDB-090D3037419E}"/>
-              </a:ext>
-            </a:extLst>
-          </p:cNvPr>
-          <p:cNvPicPr>
-            <a:picLocks noChangeAspect="1"/>
-          </p:cNvPicPr>
-          <p:nvPr>
-            <p:custDataLst>
-              <p:tags r:id="rId3"/>
-            </p:custDataLst>
-          </p:nvPr>
-        </p:nvPicPr>
-        <p:blipFill>
-          <a:blip r:embed="rId7">
-            <a:extLst>
-              <a:ext uri="{28A0092B-C50C-407E-A947-70E740481C1C}">
-                <a14:useLocalDpi xmlns:a14="http://schemas.microsoft.com/office/drawing/2010/main" val="0"/>
-              </a:ext>
-            </a:extLst>
-          </a:blip>
-          <a:stretch>
-            <a:fillRect/>
-          </a:stretch>
-        </p:blipFill>
-        <p:spPr>
-          <a:xfrm>
-            <a:off x="4556952" y="78007"/>
-            <a:ext cx="1539048" cy="273891"/>
-          </a:xfrm>
-          <a:prstGeom prst="rect">
-            <a:avLst/>
-          </a:prstGeom>
-        </p:spPr>
-      </p:pic>
-      <p:cxnSp>
-        <p:nvCxnSpPr>
-          <p:cNvPr id="40" name="Straight Connector 39">
-            <a:extLst>
-              <a:ext uri="{FF2B5EF4-FFF2-40B4-BE49-F238E27FC236}">
-                <a16:creationId xmlns:a16="http://schemas.microsoft.com/office/drawing/2014/main" id="{43987B40-1192-4E85-8FDE-DAE582D582BD}"/>
-              </a:ext>
-            </a:extLst>
-          </p:cNvPr>
-          <p:cNvCxnSpPr/>
-          <p:nvPr/>
-        </p:nvCxnSpPr>
-        <p:spPr>
-          <a:xfrm flipV="1">
-            <a:off x="5217993" y="383766"/>
-            <a:ext cx="0" cy="1768386"/>
-          </a:xfrm>
-          <a:prstGeom prst="line">
-            <a:avLst/>
-          </a:prstGeom>
-        </p:spPr>
-        <p:style>
-          <a:lnRef idx="1">
-            <a:schemeClr val="accent1"/>
-          </a:lnRef>
-          <a:fillRef idx="0">
-            <a:schemeClr val="accent1"/>
-          </a:fillRef>
-          <a:effectRef idx="0">
-            <a:schemeClr val="accent1"/>
-          </a:effectRef>
-          <a:fontRef idx="minor">
-            <a:schemeClr val="tx1"/>
-          </a:fontRef>
-        </p:style>
-      </p:cxnSp>
+        </p:grpSpPr>
+        <p:sp>
+          <p:nvSpPr>
+            <p:cNvPr id="4" name="Oval 3">
+              <a:extLst>
+                <a:ext uri="{FF2B5EF4-FFF2-40B4-BE49-F238E27FC236}">
+                  <a16:creationId xmlns:a16="http://schemas.microsoft.com/office/drawing/2014/main" id="{05A80D2C-F686-452A-94B9-D43C1315CEB7}"/>
+                </a:ext>
+              </a:extLst>
+            </p:cNvPr>
+            <p:cNvSpPr/>
+            <p:nvPr/>
+          </p:nvSpPr>
+          <p:spPr>
+            <a:xfrm>
+              <a:off x="2770495" y="641445"/>
+              <a:ext cx="5827594" cy="5827594"/>
+            </a:xfrm>
+            <a:prstGeom prst="ellipse">
+              <a:avLst/>
+            </a:prstGeom>
+            <a:noFill/>
+            <a:ln w="177800"/>
+          </p:spPr>
+          <p:style>
+            <a:lnRef idx="2">
+              <a:schemeClr val="accent1">
+                <a:shade val="50000"/>
+              </a:schemeClr>
+            </a:lnRef>
+            <a:fillRef idx="1">
+              <a:schemeClr val="accent1"/>
+            </a:fillRef>
+            <a:effectRef idx="0">
+              <a:schemeClr val="accent1"/>
+            </a:effectRef>
+            <a:fontRef idx="minor">
+              <a:schemeClr val="lt1"/>
+            </a:fontRef>
+          </p:style>
+          <p:txBody>
+            <a:bodyPr rtlCol="0" anchor="ctr"/>
+            <a:lstStyle/>
+            <a:p>
+              <a:pPr algn="ctr"/>
+              <a:endParaRPr lang="en-US" dirty="0"/>
+            </a:p>
+          </p:txBody>
+        </p:sp>
+        <p:grpSp>
+          <p:nvGrpSpPr>
+            <p:cNvPr id="17" name="Group 16">
+              <a:extLst>
+                <a:ext uri="{FF2B5EF4-FFF2-40B4-BE49-F238E27FC236}">
+                  <a16:creationId xmlns:a16="http://schemas.microsoft.com/office/drawing/2014/main" id="{EA20FC53-BE08-4C9F-8902-1169CBC3DF5F}"/>
+                </a:ext>
+              </a:extLst>
+            </p:cNvPr>
+            <p:cNvGrpSpPr/>
+            <p:nvPr/>
+          </p:nvGrpSpPr>
+          <p:grpSpPr>
+            <a:xfrm>
+              <a:off x="3135005" y="795484"/>
+              <a:ext cx="6332561" cy="5432093"/>
+              <a:chOff x="3088944" y="832514"/>
+              <a:chExt cx="6332561" cy="5432093"/>
+            </a:xfrm>
+          </p:grpSpPr>
+          <p:grpSp>
+            <p:nvGrpSpPr>
+              <p:cNvPr id="10" name="Group 9">
+                <a:extLst>
+                  <a:ext uri="{FF2B5EF4-FFF2-40B4-BE49-F238E27FC236}">
+                    <a16:creationId xmlns:a16="http://schemas.microsoft.com/office/drawing/2014/main" id="{673970CB-373E-4BE4-A258-FE6A5F8D6864}"/>
+                  </a:ext>
+                </a:extLst>
+              </p:cNvPr>
+              <p:cNvGrpSpPr/>
+              <p:nvPr/>
+            </p:nvGrpSpPr>
+            <p:grpSpPr>
+              <a:xfrm>
+                <a:off x="3088944" y="1757292"/>
+                <a:ext cx="6332561" cy="3595900"/>
+                <a:chOff x="3088944" y="1637731"/>
+                <a:chExt cx="6332561" cy="3595900"/>
+              </a:xfrm>
+            </p:grpSpPr>
+            <p:sp>
+              <p:nvSpPr>
+                <p:cNvPr id="5" name="Rectangle: Rounded Corners 4">
+                  <a:extLst>
+                    <a:ext uri="{FF2B5EF4-FFF2-40B4-BE49-F238E27FC236}">
+                      <a16:creationId xmlns:a16="http://schemas.microsoft.com/office/drawing/2014/main" id="{7542E908-9EE4-4A76-8565-068DDD7C2513}"/>
+                    </a:ext>
+                  </a:extLst>
+                </p:cNvPr>
+                <p:cNvSpPr/>
+                <p:nvPr/>
+              </p:nvSpPr>
+              <p:spPr>
+                <a:xfrm>
+                  <a:off x="3088944" y="3120219"/>
+                  <a:ext cx="6332561" cy="617561"/>
+                </a:xfrm>
+                <a:prstGeom prst="roundRect">
+                  <a:avLst/>
+                </a:prstGeom>
+              </p:spPr>
+              <p:style>
+                <a:lnRef idx="2">
+                  <a:schemeClr val="accent1">
+                    <a:shade val="50000"/>
+                  </a:schemeClr>
+                </a:lnRef>
+                <a:fillRef idx="1">
+                  <a:schemeClr val="accent1"/>
+                </a:fillRef>
+                <a:effectRef idx="0">
+                  <a:schemeClr val="accent1"/>
+                </a:effectRef>
+                <a:fontRef idx="minor">
+                  <a:schemeClr val="lt1"/>
+                </a:fontRef>
+              </p:style>
+              <p:txBody>
+                <a:bodyPr rtlCol="0" anchor="ctr"/>
+                <a:lstStyle/>
+                <a:p>
+                  <a:pPr algn="ctr"/>
+                  <a:endParaRPr lang="en-US"/>
+                </a:p>
+              </p:txBody>
+            </p:sp>
+            <p:sp>
+              <p:nvSpPr>
+                <p:cNvPr id="6" name="Rectangle: Rounded Corners 5">
+                  <a:extLst>
+                    <a:ext uri="{FF2B5EF4-FFF2-40B4-BE49-F238E27FC236}">
+                      <a16:creationId xmlns:a16="http://schemas.microsoft.com/office/drawing/2014/main" id="{C6F6FE84-0773-4ABC-AF15-F8ADC783DCA8}"/>
+                    </a:ext>
+                  </a:extLst>
+                </p:cNvPr>
+                <p:cNvSpPr/>
+                <p:nvPr/>
+              </p:nvSpPr>
+              <p:spPr>
+                <a:xfrm>
+                  <a:off x="3643952" y="1637731"/>
+                  <a:ext cx="272955" cy="1482488"/>
+                </a:xfrm>
+                <a:prstGeom prst="roundRect">
+                  <a:avLst/>
+                </a:prstGeom>
+              </p:spPr>
+              <p:style>
+                <a:lnRef idx="2">
+                  <a:schemeClr val="accent1">
+                    <a:shade val="50000"/>
+                  </a:schemeClr>
+                </a:lnRef>
+                <a:fillRef idx="1">
+                  <a:schemeClr val="accent1"/>
+                </a:fillRef>
+                <a:effectRef idx="0">
+                  <a:schemeClr val="accent1"/>
+                </a:effectRef>
+                <a:fontRef idx="minor">
+                  <a:schemeClr val="lt1"/>
+                </a:fontRef>
+              </p:style>
+              <p:txBody>
+                <a:bodyPr rtlCol="0" anchor="ctr"/>
+                <a:lstStyle/>
+                <a:p>
+                  <a:pPr algn="ctr"/>
+                  <a:endParaRPr lang="en-US"/>
+                </a:p>
+              </p:txBody>
+            </p:sp>
+            <p:sp>
+              <p:nvSpPr>
+                <p:cNvPr id="7" name="Rectangle: Rounded Corners 6">
+                  <a:extLst>
+                    <a:ext uri="{FF2B5EF4-FFF2-40B4-BE49-F238E27FC236}">
+                      <a16:creationId xmlns:a16="http://schemas.microsoft.com/office/drawing/2014/main" id="{9152B474-9D69-472C-B17B-1BB7BBA2671A}"/>
+                    </a:ext>
+                  </a:extLst>
+                </p:cNvPr>
+                <p:cNvSpPr/>
+                <p:nvPr/>
+              </p:nvSpPr>
+              <p:spPr>
+                <a:xfrm>
+                  <a:off x="3643952" y="3737780"/>
+                  <a:ext cx="272955" cy="1482488"/>
+                </a:xfrm>
+                <a:prstGeom prst="roundRect">
+                  <a:avLst/>
+                </a:prstGeom>
+              </p:spPr>
+              <p:style>
+                <a:lnRef idx="2">
+                  <a:schemeClr val="accent1">
+                    <a:shade val="50000"/>
+                  </a:schemeClr>
+                </a:lnRef>
+                <a:fillRef idx="1">
+                  <a:schemeClr val="accent1"/>
+                </a:fillRef>
+                <a:effectRef idx="0">
+                  <a:schemeClr val="accent1"/>
+                </a:effectRef>
+                <a:fontRef idx="minor">
+                  <a:schemeClr val="lt1"/>
+                </a:fontRef>
+              </p:style>
+              <p:txBody>
+                <a:bodyPr rtlCol="0" anchor="ctr"/>
+                <a:lstStyle/>
+                <a:p>
+                  <a:pPr algn="ctr"/>
+                  <a:endParaRPr lang="en-US"/>
+                </a:p>
+              </p:txBody>
+            </p:sp>
+            <p:sp>
+              <p:nvSpPr>
+                <p:cNvPr id="8" name="Rectangle: Rounded Corners 7">
+                  <a:extLst>
+                    <a:ext uri="{FF2B5EF4-FFF2-40B4-BE49-F238E27FC236}">
+                      <a16:creationId xmlns:a16="http://schemas.microsoft.com/office/drawing/2014/main" id="{EB4C9D2B-AEB1-48B1-8FBC-085EF4B9E803}"/>
+                    </a:ext>
+                  </a:extLst>
+                </p:cNvPr>
+                <p:cNvSpPr/>
+                <p:nvPr/>
+              </p:nvSpPr>
+              <p:spPr>
+                <a:xfrm>
+                  <a:off x="7444854" y="3751143"/>
+                  <a:ext cx="272955" cy="1482488"/>
+                </a:xfrm>
+                <a:prstGeom prst="roundRect">
+                  <a:avLst/>
+                </a:prstGeom>
+              </p:spPr>
+              <p:style>
+                <a:lnRef idx="2">
+                  <a:schemeClr val="accent1">
+                    <a:shade val="50000"/>
+                  </a:schemeClr>
+                </a:lnRef>
+                <a:fillRef idx="1">
+                  <a:schemeClr val="accent1"/>
+                </a:fillRef>
+                <a:effectRef idx="0">
+                  <a:schemeClr val="accent1"/>
+                </a:effectRef>
+                <a:fontRef idx="minor">
+                  <a:schemeClr val="lt1"/>
+                </a:fontRef>
+              </p:style>
+              <p:txBody>
+                <a:bodyPr rtlCol="0" anchor="ctr"/>
+                <a:lstStyle/>
+                <a:p>
+                  <a:pPr algn="ctr"/>
+                  <a:endParaRPr lang="en-US"/>
+                </a:p>
+              </p:txBody>
+            </p:sp>
+            <p:sp>
+              <p:nvSpPr>
+                <p:cNvPr id="9" name="Rectangle: Rounded Corners 8">
+                  <a:extLst>
+                    <a:ext uri="{FF2B5EF4-FFF2-40B4-BE49-F238E27FC236}">
+                      <a16:creationId xmlns:a16="http://schemas.microsoft.com/office/drawing/2014/main" id="{C00468EF-DFE0-4035-992E-C959519F7252}"/>
+                    </a:ext>
+                  </a:extLst>
+                </p:cNvPr>
+                <p:cNvSpPr/>
+                <p:nvPr/>
+              </p:nvSpPr>
+              <p:spPr>
+                <a:xfrm>
+                  <a:off x="7444854" y="1637731"/>
+                  <a:ext cx="272955" cy="1482488"/>
+                </a:xfrm>
+                <a:prstGeom prst="roundRect">
+                  <a:avLst/>
+                </a:prstGeom>
+              </p:spPr>
+              <p:style>
+                <a:lnRef idx="2">
+                  <a:schemeClr val="accent1">
+                    <a:shade val="50000"/>
+                  </a:schemeClr>
+                </a:lnRef>
+                <a:fillRef idx="1">
+                  <a:schemeClr val="accent1"/>
+                </a:fillRef>
+                <a:effectRef idx="0">
+                  <a:schemeClr val="accent1"/>
+                </a:effectRef>
+                <a:fontRef idx="minor">
+                  <a:schemeClr val="lt1"/>
+                </a:fontRef>
+              </p:style>
+              <p:txBody>
+                <a:bodyPr rtlCol="0" anchor="ctr"/>
+                <a:lstStyle/>
+                <a:p>
+                  <a:pPr algn="ctr"/>
+                  <a:endParaRPr lang="en-US"/>
+                </a:p>
+              </p:txBody>
+            </p:sp>
+          </p:grpSp>
+          <p:sp>
+            <p:nvSpPr>
+              <p:cNvPr id="11" name="Rectangle: Rounded Corners 10">
+                <a:extLst>
+                  <a:ext uri="{FF2B5EF4-FFF2-40B4-BE49-F238E27FC236}">
+                    <a16:creationId xmlns:a16="http://schemas.microsoft.com/office/drawing/2014/main" id="{814598F1-F464-4CFE-AB00-5304FEE6F3C7}"/>
+                  </a:ext>
+                </a:extLst>
+              </p:cNvPr>
+              <p:cNvSpPr/>
+              <p:nvPr/>
+            </p:nvSpPr>
+            <p:spPr>
+              <a:xfrm>
+                <a:off x="5547815" y="832514"/>
+                <a:ext cx="269544" cy="2407266"/>
+              </a:xfrm>
+              <a:prstGeom prst="roundRect">
+                <a:avLst/>
+              </a:prstGeom>
+            </p:spPr>
+            <p:style>
+              <a:lnRef idx="2">
+                <a:schemeClr val="accent1">
+                  <a:shade val="50000"/>
+                </a:schemeClr>
+              </a:lnRef>
+              <a:fillRef idx="1">
+                <a:schemeClr val="accent1"/>
+              </a:fillRef>
+              <a:effectRef idx="0">
+                <a:schemeClr val="accent1"/>
+              </a:effectRef>
+              <a:fontRef idx="minor">
+                <a:schemeClr val="lt1"/>
+              </a:fontRef>
+            </p:style>
+            <p:txBody>
+              <a:bodyPr rtlCol="0" anchor="ctr"/>
+              <a:lstStyle/>
+              <a:p>
+                <a:pPr algn="ctr"/>
+                <a:endParaRPr lang="en-US"/>
+              </a:p>
+            </p:txBody>
+          </p:sp>
+          <p:sp>
+            <p:nvSpPr>
+              <p:cNvPr id="12" name="Rectangle: Rounded Corners 11">
+                <a:extLst>
+                  <a:ext uri="{FF2B5EF4-FFF2-40B4-BE49-F238E27FC236}">
+                    <a16:creationId xmlns:a16="http://schemas.microsoft.com/office/drawing/2014/main" id="{572F0968-74E0-4972-B569-5D7067FD2425}"/>
+                  </a:ext>
+                </a:extLst>
+              </p:cNvPr>
+              <p:cNvSpPr/>
+              <p:nvPr/>
+            </p:nvSpPr>
+            <p:spPr>
+              <a:xfrm>
+                <a:off x="5544403" y="3870704"/>
+                <a:ext cx="272955" cy="2393903"/>
+              </a:xfrm>
+              <a:prstGeom prst="roundRect">
+                <a:avLst/>
+              </a:prstGeom>
+            </p:spPr>
+            <p:style>
+              <a:lnRef idx="2">
+                <a:schemeClr val="accent1">
+                  <a:shade val="50000"/>
+                </a:schemeClr>
+              </a:lnRef>
+              <a:fillRef idx="1">
+                <a:schemeClr val="accent1"/>
+              </a:fillRef>
+              <a:effectRef idx="0">
+                <a:schemeClr val="accent1"/>
+              </a:effectRef>
+              <a:fontRef idx="minor">
+                <a:schemeClr val="lt1"/>
+              </a:fontRef>
+            </p:style>
+            <p:txBody>
+              <a:bodyPr rtlCol="0" anchor="ctr"/>
+              <a:lstStyle/>
+              <a:p>
+                <a:pPr algn="ctr"/>
+                <a:endParaRPr lang="en-US"/>
+              </a:p>
+            </p:txBody>
+          </p:sp>
+          <p:sp>
+            <p:nvSpPr>
+              <p:cNvPr id="13" name="Rectangle: Rounded Corners 12">
+                <a:extLst>
+                  <a:ext uri="{FF2B5EF4-FFF2-40B4-BE49-F238E27FC236}">
+                    <a16:creationId xmlns:a16="http://schemas.microsoft.com/office/drawing/2014/main" id="{489A880E-6D2C-44F1-8C28-B0159086EF42}"/>
+                  </a:ext>
+                </a:extLst>
+              </p:cNvPr>
+              <p:cNvSpPr/>
+              <p:nvPr/>
+            </p:nvSpPr>
+            <p:spPr>
+              <a:xfrm>
+                <a:off x="6496334" y="1064525"/>
+                <a:ext cx="272955" cy="2175255"/>
+              </a:xfrm>
+              <a:prstGeom prst="roundRect">
+                <a:avLst/>
+              </a:prstGeom>
+            </p:spPr>
+            <p:style>
+              <a:lnRef idx="2">
+                <a:schemeClr val="accent1">
+                  <a:shade val="50000"/>
+                </a:schemeClr>
+              </a:lnRef>
+              <a:fillRef idx="1">
+                <a:schemeClr val="accent1"/>
+              </a:fillRef>
+              <a:effectRef idx="0">
+                <a:schemeClr val="accent1"/>
+              </a:effectRef>
+              <a:fontRef idx="minor">
+                <a:schemeClr val="lt1"/>
+              </a:fontRef>
+            </p:style>
+            <p:txBody>
+              <a:bodyPr rtlCol="0" anchor="ctr"/>
+              <a:lstStyle/>
+              <a:p>
+                <a:pPr algn="ctr"/>
+                <a:endParaRPr lang="en-US"/>
+              </a:p>
+            </p:txBody>
+          </p:sp>
+          <p:sp>
+            <p:nvSpPr>
+              <p:cNvPr id="14" name="Rectangle: Rounded Corners 13">
+                <a:extLst>
+                  <a:ext uri="{FF2B5EF4-FFF2-40B4-BE49-F238E27FC236}">
+                    <a16:creationId xmlns:a16="http://schemas.microsoft.com/office/drawing/2014/main" id="{C6FB79E8-B244-4967-940A-3E49D706CAD4}"/>
+                  </a:ext>
+                </a:extLst>
+              </p:cNvPr>
+              <p:cNvSpPr/>
+              <p:nvPr/>
+            </p:nvSpPr>
+            <p:spPr>
+              <a:xfrm>
+                <a:off x="6523630" y="3870704"/>
+                <a:ext cx="272955" cy="2175255"/>
+              </a:xfrm>
+              <a:prstGeom prst="roundRect">
+                <a:avLst/>
+              </a:prstGeom>
+            </p:spPr>
+            <p:style>
+              <a:lnRef idx="2">
+                <a:schemeClr val="accent1">
+                  <a:shade val="50000"/>
+                </a:schemeClr>
+              </a:lnRef>
+              <a:fillRef idx="1">
+                <a:schemeClr val="accent1"/>
+              </a:fillRef>
+              <a:effectRef idx="0">
+                <a:schemeClr val="accent1"/>
+              </a:effectRef>
+              <a:fontRef idx="minor">
+                <a:schemeClr val="lt1"/>
+              </a:fontRef>
+            </p:style>
+            <p:txBody>
+              <a:bodyPr rtlCol="0" anchor="ctr"/>
+              <a:lstStyle/>
+              <a:p>
+                <a:pPr algn="ctr"/>
+                <a:endParaRPr lang="en-US"/>
+              </a:p>
+            </p:txBody>
+          </p:sp>
+          <p:sp>
+            <p:nvSpPr>
+              <p:cNvPr id="15" name="Rectangle: Rounded Corners 14">
+                <a:extLst>
+                  <a:ext uri="{FF2B5EF4-FFF2-40B4-BE49-F238E27FC236}">
+                    <a16:creationId xmlns:a16="http://schemas.microsoft.com/office/drawing/2014/main" id="{1265EE2B-16CA-4C0F-8721-4D4F8786DA8B}"/>
+                  </a:ext>
+                </a:extLst>
+              </p:cNvPr>
+              <p:cNvSpPr/>
+              <p:nvPr/>
+            </p:nvSpPr>
+            <p:spPr>
+              <a:xfrm>
+                <a:off x="4618628" y="3870704"/>
+                <a:ext cx="272955" cy="2175255"/>
+              </a:xfrm>
+              <a:prstGeom prst="roundRect">
+                <a:avLst/>
+              </a:prstGeom>
+            </p:spPr>
+            <p:style>
+              <a:lnRef idx="2">
+                <a:schemeClr val="accent1">
+                  <a:shade val="50000"/>
+                </a:schemeClr>
+              </a:lnRef>
+              <a:fillRef idx="1">
+                <a:schemeClr val="accent1"/>
+              </a:fillRef>
+              <a:effectRef idx="0">
+                <a:schemeClr val="accent1"/>
+              </a:effectRef>
+              <a:fontRef idx="minor">
+                <a:schemeClr val="lt1"/>
+              </a:fontRef>
+            </p:style>
+            <p:txBody>
+              <a:bodyPr rtlCol="0" anchor="ctr"/>
+              <a:lstStyle/>
+              <a:p>
+                <a:pPr algn="ctr"/>
+                <a:endParaRPr lang="en-US"/>
+              </a:p>
+            </p:txBody>
+          </p:sp>
+          <p:sp>
+            <p:nvSpPr>
+              <p:cNvPr id="16" name="Rectangle: Rounded Corners 15">
+                <a:extLst>
+                  <a:ext uri="{FF2B5EF4-FFF2-40B4-BE49-F238E27FC236}">
+                    <a16:creationId xmlns:a16="http://schemas.microsoft.com/office/drawing/2014/main" id="{A1FB36C2-31CA-40C7-AFB8-E292CFF1A055}"/>
+                  </a:ext>
+                </a:extLst>
+              </p:cNvPr>
+              <p:cNvSpPr/>
+              <p:nvPr/>
+            </p:nvSpPr>
+            <p:spPr>
+              <a:xfrm>
+                <a:off x="4618629" y="1064525"/>
+                <a:ext cx="272955" cy="2175255"/>
+              </a:xfrm>
+              <a:prstGeom prst="roundRect">
+                <a:avLst/>
+              </a:prstGeom>
+            </p:spPr>
+            <p:style>
+              <a:lnRef idx="2">
+                <a:schemeClr val="accent1">
+                  <a:shade val="50000"/>
+                </a:schemeClr>
+              </a:lnRef>
+              <a:fillRef idx="1">
+                <a:schemeClr val="accent1"/>
+              </a:fillRef>
+              <a:effectRef idx="0">
+                <a:schemeClr val="accent1"/>
+              </a:effectRef>
+              <a:fontRef idx="minor">
+                <a:schemeClr val="lt1"/>
+              </a:fontRef>
+            </p:style>
+            <p:txBody>
+              <a:bodyPr rtlCol="0" anchor="ctr"/>
+              <a:lstStyle/>
+              <a:p>
+                <a:pPr algn="ctr"/>
+                <a:endParaRPr lang="en-US"/>
+              </a:p>
+            </p:txBody>
+          </p:sp>
+        </p:grpSp>
+        <p:cxnSp>
+          <p:nvCxnSpPr>
+            <p:cNvPr id="19" name="Straight Arrow Connector 18">
+              <a:extLst>
+                <a:ext uri="{FF2B5EF4-FFF2-40B4-BE49-F238E27FC236}">
+                  <a16:creationId xmlns:a16="http://schemas.microsoft.com/office/drawing/2014/main" id="{3607274D-E30D-4C74-A103-DDB133B12CAE}"/>
+                </a:ext>
+              </a:extLst>
+            </p:cNvPr>
+            <p:cNvCxnSpPr>
+              <a:cxnSpLocks/>
+              <a:stCxn id="16" idx="3"/>
+            </p:cNvCxnSpPr>
+            <p:nvPr/>
+          </p:nvCxnSpPr>
+          <p:spPr>
+            <a:xfrm>
+              <a:off x="4937645" y="2115123"/>
+              <a:ext cx="652819" cy="0"/>
+            </a:xfrm>
+            <a:prstGeom prst="straightConnector1">
+              <a:avLst/>
+            </a:prstGeom>
+            <a:ln>
+              <a:headEnd type="triangle"/>
+              <a:tailEnd type="triangle"/>
+            </a:ln>
+          </p:spPr>
+          <p:style>
+            <a:lnRef idx="1">
+              <a:schemeClr val="accent1"/>
+            </a:lnRef>
+            <a:fillRef idx="0">
+              <a:schemeClr val="accent1"/>
+            </a:fillRef>
+            <a:effectRef idx="0">
+              <a:schemeClr val="accent1"/>
+            </a:effectRef>
+            <a:fontRef idx="minor">
+              <a:schemeClr val="tx1"/>
+            </a:fontRef>
+          </p:style>
+        </p:cxnSp>
+        <p:cxnSp>
+          <p:nvCxnSpPr>
+            <p:cNvPr id="22" name="Straight Connector 21">
+              <a:extLst>
+                <a:ext uri="{FF2B5EF4-FFF2-40B4-BE49-F238E27FC236}">
+                  <a16:creationId xmlns:a16="http://schemas.microsoft.com/office/drawing/2014/main" id="{3C77BCC9-7876-431C-A039-9DD222885DAF}"/>
+                </a:ext>
+              </a:extLst>
+            </p:cNvPr>
+            <p:cNvCxnSpPr>
+              <a:cxnSpLocks/>
+            </p:cNvCxnSpPr>
+            <p:nvPr/>
+          </p:nvCxnSpPr>
+          <p:spPr>
+            <a:xfrm flipH="1">
+              <a:off x="460612" y="545911"/>
+              <a:ext cx="5356746" cy="0"/>
+            </a:xfrm>
+            <a:prstGeom prst="line">
+              <a:avLst/>
+            </a:prstGeom>
+          </p:spPr>
+          <p:style>
+            <a:lnRef idx="1">
+              <a:schemeClr val="accent1"/>
+            </a:lnRef>
+            <a:fillRef idx="0">
+              <a:schemeClr val="accent1"/>
+            </a:fillRef>
+            <a:effectRef idx="0">
+              <a:schemeClr val="accent1"/>
+            </a:effectRef>
+            <a:fontRef idx="minor">
+              <a:schemeClr val="tx1"/>
+            </a:fontRef>
+          </p:style>
+        </p:cxnSp>
+        <p:grpSp>
+          <p:nvGrpSpPr>
+            <p:cNvPr id="2" name="Group 1">
+              <a:extLst>
+                <a:ext uri="{FF2B5EF4-FFF2-40B4-BE49-F238E27FC236}">
+                  <a16:creationId xmlns:a16="http://schemas.microsoft.com/office/drawing/2014/main" id="{3E0DFCCC-287D-4722-B104-167278479405}"/>
+                </a:ext>
+              </a:extLst>
+            </p:cNvPr>
+            <p:cNvGrpSpPr/>
+            <p:nvPr/>
+          </p:nvGrpSpPr>
+          <p:grpSpPr>
+            <a:xfrm>
+              <a:off x="1645409" y="727170"/>
+              <a:ext cx="4171949" cy="5647666"/>
+              <a:chOff x="1645409" y="727170"/>
+              <a:chExt cx="4171949" cy="5647666"/>
+            </a:xfrm>
+          </p:grpSpPr>
+          <p:cxnSp>
+            <p:nvCxnSpPr>
+              <p:cNvPr id="27" name="Straight Connector 26">
+                <a:extLst>
+                  <a:ext uri="{FF2B5EF4-FFF2-40B4-BE49-F238E27FC236}">
+                    <a16:creationId xmlns:a16="http://schemas.microsoft.com/office/drawing/2014/main" id="{82793B80-2777-457F-B0A8-77D4E134A638}"/>
+                  </a:ext>
+                </a:extLst>
+              </p:cNvPr>
+              <p:cNvCxnSpPr>
+                <a:cxnSpLocks/>
+              </p:cNvCxnSpPr>
+              <p:nvPr/>
+            </p:nvCxnSpPr>
+            <p:spPr>
+              <a:xfrm flipH="1">
+                <a:off x="1695450" y="727170"/>
+                <a:ext cx="4121908" cy="0"/>
+              </a:xfrm>
+              <a:prstGeom prst="line">
+                <a:avLst/>
+              </a:prstGeom>
+            </p:spPr>
+            <p:style>
+              <a:lnRef idx="1">
+                <a:schemeClr val="accent1"/>
+              </a:lnRef>
+              <a:fillRef idx="0">
+                <a:schemeClr val="accent1"/>
+              </a:fillRef>
+              <a:effectRef idx="0">
+                <a:schemeClr val="accent1"/>
+              </a:effectRef>
+              <a:fontRef idx="minor">
+                <a:schemeClr val="tx1"/>
+              </a:fontRef>
+            </p:style>
+          </p:cxnSp>
+          <p:cxnSp>
+            <p:nvCxnSpPr>
+              <p:cNvPr id="29" name="Straight Connector 28">
+                <a:extLst>
+                  <a:ext uri="{FF2B5EF4-FFF2-40B4-BE49-F238E27FC236}">
+                    <a16:creationId xmlns:a16="http://schemas.microsoft.com/office/drawing/2014/main" id="{64A5F1E0-8A2D-40A0-AEFF-E0C4FA005B74}"/>
+                  </a:ext>
+                </a:extLst>
+              </p:cNvPr>
+              <p:cNvCxnSpPr>
+                <a:cxnSpLocks/>
+              </p:cNvCxnSpPr>
+              <p:nvPr/>
+            </p:nvCxnSpPr>
+            <p:spPr>
+              <a:xfrm flipH="1">
+                <a:off x="1645409" y="6374836"/>
+                <a:ext cx="4121908" cy="0"/>
+              </a:xfrm>
+              <a:prstGeom prst="line">
+                <a:avLst/>
+              </a:prstGeom>
+            </p:spPr>
+            <p:style>
+              <a:lnRef idx="1">
+                <a:schemeClr val="accent1"/>
+              </a:lnRef>
+              <a:fillRef idx="0">
+                <a:schemeClr val="accent1"/>
+              </a:fillRef>
+              <a:effectRef idx="0">
+                <a:schemeClr val="accent1"/>
+              </a:effectRef>
+              <a:fontRef idx="minor">
+                <a:schemeClr val="tx1"/>
+              </a:fontRef>
+            </p:style>
+          </p:cxnSp>
+          <p:cxnSp>
+            <p:nvCxnSpPr>
+              <p:cNvPr id="31" name="Straight Arrow Connector 30">
+                <a:extLst>
+                  <a:ext uri="{FF2B5EF4-FFF2-40B4-BE49-F238E27FC236}">
+                    <a16:creationId xmlns:a16="http://schemas.microsoft.com/office/drawing/2014/main" id="{81E8B011-AD7D-4FCA-B6C8-4C060166AD1D}"/>
+                  </a:ext>
+                </a:extLst>
+              </p:cNvPr>
+              <p:cNvCxnSpPr>
+                <a:cxnSpLocks/>
+              </p:cNvCxnSpPr>
+              <p:nvPr/>
+            </p:nvCxnSpPr>
+            <p:spPr>
+              <a:xfrm>
+                <a:off x="1695450" y="727170"/>
+                <a:ext cx="0" cy="5647666"/>
+              </a:xfrm>
+              <a:prstGeom prst="straightConnector1">
+                <a:avLst/>
+              </a:prstGeom>
+              <a:ln w="38100">
+                <a:headEnd type="triangle"/>
+                <a:tailEnd type="triangle"/>
+              </a:ln>
+            </p:spPr>
+            <p:style>
+              <a:lnRef idx="1">
+                <a:schemeClr val="accent1"/>
+              </a:lnRef>
+              <a:fillRef idx="0">
+                <a:schemeClr val="accent1"/>
+              </a:fillRef>
+              <a:effectRef idx="0">
+                <a:schemeClr val="accent1"/>
+              </a:effectRef>
+              <a:fontRef idx="minor">
+                <a:schemeClr val="tx1"/>
+              </a:fontRef>
+            </p:style>
+          </p:cxnSp>
+        </p:grpSp>
+        <p:pic>
+          <p:nvPicPr>
+            <p:cNvPr id="34" name="Picture 33">
+              <a:extLst>
+                <a:ext uri="{FF2B5EF4-FFF2-40B4-BE49-F238E27FC236}">
+                  <a16:creationId xmlns:a16="http://schemas.microsoft.com/office/drawing/2014/main" id="{8959D605-AFDA-4DC4-9963-25A0C8DF5CDA}"/>
+                </a:ext>
+              </a:extLst>
+            </p:cNvPr>
+            <p:cNvPicPr>
+              <a:picLocks noChangeAspect="1"/>
+            </p:cNvPicPr>
+            <p:nvPr>
+              <p:custDataLst>
+                <p:tags r:id="rId1"/>
+              </p:custDataLst>
+            </p:nvPr>
+          </p:nvPicPr>
+          <p:blipFill>
+            <a:blip r:embed="rId7">
+              <a:extLst>
+                <a:ext uri="{28A0092B-C50C-407E-A947-70E740481C1C}">
+                  <a14:useLocalDpi xmlns:a14="http://schemas.microsoft.com/office/drawing/2010/main" val="0"/>
+                </a:ext>
+              </a:extLst>
+            </a:blip>
+            <a:stretch>
+              <a:fillRect/>
+            </a:stretch>
+          </p:blipFill>
+          <p:spPr>
+            <a:xfrm>
+              <a:off x="421161" y="1540911"/>
+              <a:ext cx="615619" cy="216381"/>
+            </a:xfrm>
+            <a:prstGeom prst="rect">
+              <a:avLst/>
+            </a:prstGeom>
+          </p:spPr>
+        </p:pic>
+        <p:pic>
+          <p:nvPicPr>
+            <p:cNvPr id="36" name="Picture 35">
+              <a:extLst>
+                <a:ext uri="{FF2B5EF4-FFF2-40B4-BE49-F238E27FC236}">
+                  <a16:creationId xmlns:a16="http://schemas.microsoft.com/office/drawing/2014/main" id="{1A91A6CD-0E54-43D1-B657-5A6845CC15B6}"/>
+                </a:ext>
+              </a:extLst>
+            </p:cNvPr>
+            <p:cNvPicPr>
+              <a:picLocks noChangeAspect="1"/>
+            </p:cNvPicPr>
+            <p:nvPr>
+              <p:custDataLst>
+                <p:tags r:id="rId2"/>
+              </p:custDataLst>
+            </p:nvPr>
+          </p:nvPicPr>
+          <p:blipFill>
+            <a:blip r:embed="rId8">
+              <a:extLst>
+                <a:ext uri="{28A0092B-C50C-407E-A947-70E740481C1C}">
+                  <a14:useLocalDpi xmlns:a14="http://schemas.microsoft.com/office/drawing/2010/main" val="0"/>
+                </a:ext>
+              </a:extLst>
+            </a:blip>
+            <a:stretch>
+              <a:fillRect/>
+            </a:stretch>
+          </p:blipFill>
+          <p:spPr>
+            <a:xfrm>
+              <a:off x="1800063" y="1556852"/>
+              <a:ext cx="551619" cy="211810"/>
+            </a:xfrm>
+            <a:prstGeom prst="rect">
+              <a:avLst/>
+            </a:prstGeom>
+          </p:spPr>
+        </p:pic>
+        <p:pic>
+          <p:nvPicPr>
+            <p:cNvPr id="38" name="Picture 37">
+              <a:extLst>
+                <a:ext uri="{FF2B5EF4-FFF2-40B4-BE49-F238E27FC236}">
+                  <a16:creationId xmlns:a16="http://schemas.microsoft.com/office/drawing/2014/main" id="{A32F05A1-1158-4EFE-8BDB-090D3037419E}"/>
+                </a:ext>
+              </a:extLst>
+            </p:cNvPr>
+            <p:cNvPicPr>
+              <a:picLocks noChangeAspect="1"/>
+            </p:cNvPicPr>
+            <p:nvPr>
+              <p:custDataLst>
+                <p:tags r:id="rId3"/>
+              </p:custDataLst>
+            </p:nvPr>
+          </p:nvPicPr>
+          <p:blipFill>
+            <a:blip r:embed="rId9">
+              <a:extLst>
+                <a:ext uri="{28A0092B-C50C-407E-A947-70E740481C1C}">
+                  <a14:useLocalDpi xmlns:a14="http://schemas.microsoft.com/office/drawing/2010/main" val="0"/>
+                </a:ext>
+              </a:extLst>
+            </a:blip>
+            <a:stretch>
+              <a:fillRect/>
+            </a:stretch>
+          </p:blipFill>
+          <p:spPr>
+            <a:xfrm>
+              <a:off x="4556952" y="78007"/>
+              <a:ext cx="1539048" cy="273891"/>
+            </a:xfrm>
+            <a:prstGeom prst="rect">
+              <a:avLst/>
+            </a:prstGeom>
+          </p:spPr>
+        </p:pic>
+        <p:cxnSp>
+          <p:nvCxnSpPr>
+            <p:cNvPr id="40" name="Straight Connector 39">
+              <a:extLst>
+                <a:ext uri="{FF2B5EF4-FFF2-40B4-BE49-F238E27FC236}">
+                  <a16:creationId xmlns:a16="http://schemas.microsoft.com/office/drawing/2014/main" id="{43987B40-1192-4E85-8FDE-DAE582D582BD}"/>
+                </a:ext>
+              </a:extLst>
+            </p:cNvPr>
+            <p:cNvCxnSpPr/>
+            <p:nvPr/>
+          </p:nvCxnSpPr>
+          <p:spPr>
+            <a:xfrm flipV="1">
+              <a:off x="5217993" y="383766"/>
+              <a:ext cx="0" cy="1768386"/>
+            </a:xfrm>
+            <a:prstGeom prst="line">
+              <a:avLst/>
+            </a:prstGeom>
+          </p:spPr>
+          <p:style>
+            <a:lnRef idx="1">
+              <a:schemeClr val="accent1"/>
+            </a:lnRef>
+            <a:fillRef idx="0">
+              <a:schemeClr val="accent1"/>
+            </a:fillRef>
+            <a:effectRef idx="0">
+              <a:schemeClr val="accent1"/>
+            </a:effectRef>
+            <a:fontRef idx="minor">
+              <a:schemeClr val="tx1"/>
+            </a:fontRef>
+          </p:style>
+        </p:cxnSp>
+        <p:pic>
+          <p:nvPicPr>
+            <p:cNvPr id="18" name="Picture 17">
+              <a:extLst>
+                <a:ext uri="{FF2B5EF4-FFF2-40B4-BE49-F238E27FC236}">
+                  <a16:creationId xmlns:a16="http://schemas.microsoft.com/office/drawing/2014/main" id="{0C9807BE-F149-4360-9A21-B6F7E33354ED}"/>
+                </a:ext>
+              </a:extLst>
+            </p:cNvPr>
+            <p:cNvPicPr>
+              <a:picLocks noChangeAspect="1"/>
+            </p:cNvPicPr>
+            <p:nvPr>
+              <p:custDataLst>
+                <p:tags r:id="rId4"/>
+              </p:custDataLst>
+            </p:nvPr>
+          </p:nvPicPr>
+          <p:blipFill>
+            <a:blip r:embed="rId10">
+              <a:extLst>
+                <a:ext uri="{28A0092B-C50C-407E-A947-70E740481C1C}">
+                  <a14:useLocalDpi xmlns:a14="http://schemas.microsoft.com/office/drawing/2010/main" val="0"/>
+                </a:ext>
+              </a:extLst>
+            </a:blip>
+            <a:stretch>
+              <a:fillRect/>
+            </a:stretch>
+          </p:blipFill>
+          <p:spPr>
+            <a:xfrm>
+              <a:off x="8305970" y="3421472"/>
+              <a:ext cx="726857" cy="178286"/>
+            </a:xfrm>
+            <a:prstGeom prst="rect">
+              <a:avLst/>
+            </a:prstGeom>
+          </p:spPr>
+        </p:pic>
+        <p:pic>
+          <p:nvPicPr>
+            <p:cNvPr id="21" name="Picture 20">
+              <a:extLst>
+                <a:ext uri="{FF2B5EF4-FFF2-40B4-BE49-F238E27FC236}">
+                  <a16:creationId xmlns:a16="http://schemas.microsoft.com/office/drawing/2014/main" id="{D5E70FC0-57E0-4E81-A892-29F8477C8FA6}"/>
+                </a:ext>
+              </a:extLst>
+            </p:cNvPr>
+            <p:cNvPicPr>
+              <a:picLocks noChangeAspect="1"/>
+            </p:cNvPicPr>
+            <p:nvPr>
+              <p:custDataLst>
+                <p:tags r:id="rId5"/>
+              </p:custDataLst>
+            </p:nvPr>
+          </p:nvPicPr>
+          <p:blipFill>
+            <a:blip r:embed="rId11">
+              <a:extLst>
+                <a:ext uri="{28A0092B-C50C-407E-A947-70E740481C1C}">
+                  <a14:useLocalDpi xmlns:a14="http://schemas.microsoft.com/office/drawing/2010/main" val="0"/>
+                </a:ext>
+              </a:extLst>
+            </a:blip>
+            <a:stretch>
+              <a:fillRect/>
+            </a:stretch>
+          </p:blipFill>
+          <p:spPr>
+            <a:xfrm>
+              <a:off x="5645840" y="4852339"/>
+              <a:ext cx="1083428" cy="178286"/>
+            </a:xfrm>
+            <a:prstGeom prst="rect">
+              <a:avLst/>
+            </a:prstGeom>
+          </p:spPr>
+        </p:pic>
+      </p:grpSp>
     </p:spTree>
     <p:extLst>
       <p:ext uri="{BB962C8B-B14F-4D97-AF65-F5344CB8AC3E}">
@@ -21837,8 +21959,8 @@
           </p:nvSpPr>
           <p:spPr>
             <a:xfrm rot="10800000" flipH="1" flipV="1">
-              <a:off x="7560522" y="763370"/>
-              <a:ext cx="1390598" cy="4135272"/>
+              <a:off x="7560522" y="1810602"/>
+              <a:ext cx="1390598" cy="3088040"/>
             </a:xfrm>
             <a:prstGeom prst="corner">
               <a:avLst>
@@ -21894,8 +22016,8 @@
           </p:nvSpPr>
           <p:spPr>
             <a:xfrm rot="10800000" flipH="1" flipV="1">
-              <a:off x="7778482" y="1365162"/>
-              <a:ext cx="1390598" cy="2647106"/>
+              <a:off x="7778482" y="2511380"/>
+              <a:ext cx="1390598" cy="1500888"/>
             </a:xfrm>
             <a:prstGeom prst="corner">
               <a:avLst>
@@ -48397,6 +48519,44 @@
 <file path=ppt/tags/tag100.xml><?xml version="1.0" encoding="utf-8"?>
 <p:tagLst xmlns:a="http://schemas.openxmlformats.org/drawingml/2006/main" xmlns:r="http://schemas.openxmlformats.org/officeDocument/2006/relationships" xmlns:p="http://schemas.openxmlformats.org/presentationml/2006/main">
   <p:tag name="OUTPUTDPI" val="1200"/>
+  <p:tag name="ORIGINALHEIGHT" val="86.23921"/>
+  <p:tag name="ORIGINALWIDTH" val="341.9572"/>
+  <p:tag name="LATEXADDIN" val="\documentclass{article}&#10;\usepackage{amsmath}&#10;\usepackage{xcolor}&#10;\usepackage{ragged2e}&#10;\pagestyle{empty}&#10;\begin{document}&#10;&#10;\definecolor{Monred}{RGB}{172,0,0}&#10;&#10;$ Drain $&#10;&#10;&#10;\end{document}"/>
+  <p:tag name="IGUANATEXSIZE" val="20"/>
+  <p:tag name="IGUANATEXCURSOR" val="168"/>
+  <p:tag name="TRANSPARENCY" val="True"/>
+  <p:tag name="FILENAME" val=""/>
+  <p:tag name="LATEXENGINEID" val="0"/>
+  <p:tag name="TEMPFOLDER" val="c:\temp\"/>
+  <p:tag name="LATEXFORMHEIGHT" val="312"/>
+  <p:tag name="LATEXFORMWIDTH" val="384"/>
+  <p:tag name="LATEXFORMWRAP" val="True"/>
+  <p:tag name="BITMAPVECTOR" val="0"/>
+</p:tagLst>
+</file>
+
+<file path=ppt/tags/tag101.xml><?xml version="1.0" encoding="utf-8"?>
+<p:tagLst xmlns:a="http://schemas.openxmlformats.org/drawingml/2006/main" xmlns:r="http://schemas.openxmlformats.org/officeDocument/2006/relationships" xmlns:p="http://schemas.openxmlformats.org/presentationml/2006/main">
+  <p:tag name="OUTPUTDPI" val="1200"/>
+  <p:tag name="ORIGINALHEIGHT" val="260.9674"/>
+  <p:tag name="ORIGINALWIDTH" val="1325.834"/>
+  <p:tag name="LATEXADDIN" val="\documentclass{article}&#10;\usepackage{amsmath}&#10;\usepackage{xcolor}&#10;\usepackage{ragged2e}&#10;\pagestyle{empty}&#10;\begin{document}&#10;&#10;\definecolor{Monred}{RGB}{172,0,0}&#10;&#10;$ Exit \ to \ Distribution \\ System $&#10;&#10;&#10;\end{document}"/>
+  <p:tag name="IGUANATEXSIZE" val="20"/>
+  <p:tag name="IGUANATEXCURSOR" val="173"/>
+  <p:tag name="TRANSPARENCY" val="True"/>
+  <p:tag name="FILENAME" val=""/>
+  <p:tag name="LATEXENGINEID" val="0"/>
+  <p:tag name="TEMPFOLDER" val="c:\temp\"/>
+  <p:tag name="LATEXFORMHEIGHT" val="312"/>
+  <p:tag name="LATEXFORMWIDTH" val="384"/>
+  <p:tag name="LATEXFORMWRAP" val="True"/>
+  <p:tag name="BITMAPVECTOR" val="0"/>
+</p:tagLst>
+</file>
+
+<file path=ppt/tags/tag102.xml><?xml version="1.0" encoding="utf-8"?>
+<p:tagLst xmlns:a="http://schemas.openxmlformats.org/drawingml/2006/main" xmlns:r="http://schemas.openxmlformats.org/officeDocument/2006/relationships" xmlns:p="http://schemas.openxmlformats.org/presentationml/2006/main">
+  <p:tag name="OUTPUTDPI" val="1200"/>
   <p:tag name="ORIGINALHEIGHT" val="112.4859"/>
   <p:tag name="ORIGINALWIDTH" val="535.433"/>
   <p:tag name="LATEXADDIN" val="\documentclass{article}&#10;\usepackage{amsmath}&#10;\usepackage{xcolor}&#10;\usepackage{ragged2e}&#10;\pagestyle{empty}&#10;\begin{document}&#10;&#10;\definecolor{Monred}{RGB}{172,0,0}&#10;&#10;$ Overflow $&#10;&#10;&#10;&#10;\end{document}"/>
@@ -48967,11 +49127,11 @@
 <file path=ppt/tags/tag38.xml><?xml version="1.0" encoding="utf-8"?>
 <p:tagLst xmlns:a="http://schemas.openxmlformats.org/drawingml/2006/main" xmlns:r="http://schemas.openxmlformats.org/officeDocument/2006/relationships" xmlns:p="http://schemas.openxmlformats.org/presentationml/2006/main">
   <p:tag name="OUTPUTDPI" val="1200"/>
-  <p:tag name="ORIGINALHEIGHT" val="120.7349"/>
-  <p:tag name="ORIGINALWIDTH" val="479.1901"/>
-  <p:tag name="LATEXADDIN" val="\documentclass{article}&#10;\usepackage{amsmath}&#10;\usepackage{xcolor}&#10;\usepackage{ragged2e}&#10;\pagestyle{empty}&#10;\begin{document}&#10;&#10;\definecolor{Monred}{RGB}{172,0,0}&#10;&#10;$ H_{FiLayer} $&#10;&#10;&#10;\end{document}"/>
+  <p:tag name="ORIGINALHEIGHT" val="87.73905"/>
+  <p:tag name="ORIGINALWIDTH" val="357.7053"/>
+  <p:tag name="LATEXADDIN" val="\documentclass{article}&#10;\usepackage{amsmath}&#10;\usepackage{xcolor}&#10;\usepackage{ragged2e}&#10;\pagestyle{empty}&#10;\begin{document}&#10;&#10;\definecolor{Monred}{RGB}{172,0,0}&#10;&#10;$&#10;Trunk&#10;$&#10;&#10;&#10;\end{document}"/>
   <p:tag name="IGUANATEXSIZE" val="20"/>
-  <p:tag name="IGUANATEXCURSOR" val="174"/>
+  <p:tag name="IGUANATEXCURSOR" val="168"/>
   <p:tag name="TRANSPARENCY" val="True"/>
   <p:tag name="FILENAME" val=""/>
   <p:tag name="LATEXENGINEID" val="0"/>
@@ -48987,10 +49147,10 @@
 <p:tagLst xmlns:a="http://schemas.openxmlformats.org/drawingml/2006/main" xmlns:r="http://schemas.openxmlformats.org/officeDocument/2006/relationships" xmlns:p="http://schemas.openxmlformats.org/presentationml/2006/main">
   <p:tag name="OUTPUTDPI" val="1200"/>
   <p:tag name="ORIGINALHEIGHT" val="87.73905"/>
-  <p:tag name="ORIGINALWIDTH" val="294.7131"/>
-  <p:tag name="LATEXADDIN" val="\documentclass{article}&#10;\usepackage{amsmath}&#10;\usepackage{xcolor}&#10;\usepackage{ragged2e}&#10;\pagestyle{empty}&#10;\begin{document}&#10;&#10;\definecolor{Monred}{RGB}{172,0,0}&#10;&#10;&#10;Inlets&#10;&#10;&#10;&#10;\end{document}"/>
+  <p:tag name="ORIGINALWIDTH" val="533.1833"/>
+  <p:tag name="LATEXADDIN" val="\documentclass{article}&#10;\usepackage{amsmath}&#10;\usepackage{xcolor}&#10;\usepackage{ragged2e}&#10;\pagestyle{empty}&#10;\begin{document}&#10;&#10;\definecolor{Monred}{RGB}{172,0,0}&#10;&#10;$ Branches $&#10;&#10;&#10;&#10;&#10;\end{document}"/>
   <p:tag name="IGUANATEXSIZE" val="20"/>
-  <p:tag name="IGUANATEXCURSOR" val="166"/>
+  <p:tag name="IGUANATEXCURSOR" val="172"/>
   <p:tag name="TRANSPARENCY" val="True"/>
   <p:tag name="FILENAME" val=""/>
   <p:tag name="LATEXENGINEID" val="0"/>
@@ -49024,6 +49184,44 @@
 <file path=ppt/tags/tag40.xml><?xml version="1.0" encoding="utf-8"?>
 <p:tagLst xmlns:a="http://schemas.openxmlformats.org/drawingml/2006/main" xmlns:r="http://schemas.openxmlformats.org/officeDocument/2006/relationships" xmlns:p="http://schemas.openxmlformats.org/presentationml/2006/main">
   <p:tag name="OUTPUTDPI" val="1200"/>
+  <p:tag name="ORIGINALHEIGHT" val="120.7349"/>
+  <p:tag name="ORIGINALWIDTH" val="479.1901"/>
+  <p:tag name="LATEXADDIN" val="\documentclass{article}&#10;\usepackage{amsmath}&#10;\usepackage{xcolor}&#10;\usepackage{ragged2e}&#10;\pagestyle{empty}&#10;\begin{document}&#10;&#10;\definecolor{Monred}{RGB}{172,0,0}&#10;&#10;$ H_{FiLayer} $&#10;&#10;&#10;\end{document}"/>
+  <p:tag name="IGUANATEXSIZE" val="20"/>
+  <p:tag name="IGUANATEXCURSOR" val="174"/>
+  <p:tag name="TRANSPARENCY" val="True"/>
+  <p:tag name="FILENAME" val=""/>
+  <p:tag name="LATEXENGINEID" val="0"/>
+  <p:tag name="TEMPFOLDER" val="c:\temp\"/>
+  <p:tag name="LATEXFORMHEIGHT" val="312"/>
+  <p:tag name="LATEXFORMWIDTH" val="384"/>
+  <p:tag name="LATEXFORMWRAP" val="True"/>
+  <p:tag name="BITMAPVECTOR" val="0"/>
+</p:tagLst>
+</file>
+
+<file path=ppt/tags/tag41.xml><?xml version="1.0" encoding="utf-8"?>
+<p:tagLst xmlns:a="http://schemas.openxmlformats.org/drawingml/2006/main" xmlns:r="http://schemas.openxmlformats.org/officeDocument/2006/relationships" xmlns:p="http://schemas.openxmlformats.org/presentationml/2006/main">
+  <p:tag name="OUTPUTDPI" val="1200"/>
+  <p:tag name="ORIGINALHEIGHT" val="87.73905"/>
+  <p:tag name="ORIGINALWIDTH" val="294.7131"/>
+  <p:tag name="LATEXADDIN" val="\documentclass{article}&#10;\usepackage{amsmath}&#10;\usepackage{xcolor}&#10;\usepackage{ragged2e}&#10;\pagestyle{empty}&#10;\begin{document}&#10;&#10;\definecolor{Monred}{RGB}{172,0,0}&#10;&#10;&#10;Inlets&#10;&#10;&#10;&#10;\end{document}"/>
+  <p:tag name="IGUANATEXSIZE" val="20"/>
+  <p:tag name="IGUANATEXCURSOR" val="166"/>
+  <p:tag name="TRANSPARENCY" val="True"/>
+  <p:tag name="FILENAME" val=""/>
+  <p:tag name="LATEXENGINEID" val="0"/>
+  <p:tag name="TEMPFOLDER" val="c:\temp\"/>
+  <p:tag name="LATEXFORMHEIGHT" val="312"/>
+  <p:tag name="LATEXFORMWIDTH" val="384"/>
+  <p:tag name="LATEXFORMWRAP" val="True"/>
+  <p:tag name="BITMAPVECTOR" val="0"/>
+</p:tagLst>
+</file>
+
+<file path=ppt/tags/tag42.xml><?xml version="1.0" encoding="utf-8"?>
+<p:tagLst xmlns:a="http://schemas.openxmlformats.org/drawingml/2006/main" xmlns:r="http://schemas.openxmlformats.org/officeDocument/2006/relationships" xmlns:p="http://schemas.openxmlformats.org/presentationml/2006/main">
+  <p:tag name="OUTPUTDPI" val="1200"/>
   <p:tag name="ORIGINALHEIGHT" val="90.73866"/>
   <p:tag name="ORIGINALWIDTH" val="391.4511"/>
   <p:tag name="LATEXADDIN" val="\documentclass{article}&#10;\usepackage{amsmath}&#10;\usepackage{xcolor}&#10;\usepackage{ragged2e}&#10;\pagestyle{empty}&#10;\begin{document}&#10;&#10;\definecolor{Monred}{RGB}{172,0,0}&#10;&#10;Outlets&#10;&#10;&#10;&#10;\end{document}"/>
@@ -49040,7 +49238,7 @@
 </p:tagLst>
 </file>
 
-<file path=ppt/tags/tag41.xml><?xml version="1.0" encoding="utf-8"?>
+<file path=ppt/tags/tag43.xml><?xml version="1.0" encoding="utf-8"?>
 <p:tagLst xmlns:a="http://schemas.openxmlformats.org/drawingml/2006/main" xmlns:r="http://schemas.openxmlformats.org/officeDocument/2006/relationships" xmlns:p="http://schemas.openxmlformats.org/presentationml/2006/main">
   <p:tag name="OUTPUTDPI" val="1200"/>
   <p:tag name="ORIGINALHEIGHT" val="124.4844"/>
@@ -49059,7 +49257,7 @@
 </p:tagLst>
 </file>
 
-<file path=ppt/tags/tag42.xml><?xml version="1.0" encoding="utf-8"?>
+<file path=ppt/tags/tag44.xml><?xml version="1.0" encoding="utf-8"?>
 <p:tagLst xmlns:a="http://schemas.openxmlformats.org/drawingml/2006/main" xmlns:r="http://schemas.openxmlformats.org/officeDocument/2006/relationships" xmlns:p="http://schemas.openxmlformats.org/presentationml/2006/main">
   <p:tag name="OUTPUTDPI" val="1200"/>
   <p:tag name="ORIGINALHEIGHT" val="124.4844"/>
@@ -49067,44 +49265,6 @@
   <p:tag name="LATEXADDIN" val="\documentclass{article}&#10;\usepackage{amsmath}&#10;\usepackage{xcolor}&#10;\usepackage{ragged2e}&#10;\pagestyle{empty}&#10;\begin{document}&#10;&#10;\definecolor{Monred}{RGB}{172,0,0}&#10;&#10;$ Q_{FiLayer} $&#10;&#10;&#10;&#10;\end{document}"/>
   <p:tag name="IGUANATEXSIZE" val="20"/>
   <p:tag name="IGUANATEXCURSOR" val="174"/>
-  <p:tag name="TRANSPARENCY" val="True"/>
-  <p:tag name="FILENAME" val=""/>
-  <p:tag name="LATEXENGINEID" val="0"/>
-  <p:tag name="TEMPFOLDER" val="c:\temp\"/>
-  <p:tag name="LATEXFORMHEIGHT" val="312"/>
-  <p:tag name="LATEXFORMWIDTH" val="384"/>
-  <p:tag name="LATEXFORMWRAP" val="True"/>
-  <p:tag name="BITMAPVECTOR" val="0"/>
-</p:tagLst>
-</file>
-
-<file path=ppt/tags/tag43.xml><?xml version="1.0" encoding="utf-8"?>
-<p:tagLst xmlns:a="http://schemas.openxmlformats.org/drawingml/2006/main" xmlns:r="http://schemas.openxmlformats.org/officeDocument/2006/relationships" xmlns:p="http://schemas.openxmlformats.org/presentationml/2006/main">
-  <p:tag name="OUTPUTDPI" val="1200"/>
-  <p:tag name="ORIGINALHEIGHT" val="124.4844"/>
-  <p:tag name="ORIGINALWIDTH" val="534.6832"/>
-  <p:tag name="LATEXADDIN" val="\documentclass{article}&#10;\usepackage{amsmath}&#10;\usepackage{xcolor}&#10;\usepackage{ragged2e}&#10;\pagestyle{empty}&#10;\begin{document}&#10;&#10;\definecolor{Monred}{RGB}{172,0,0}&#10;&#10;&#10;$ 2Q_{FiLayer} $&#10;&#10;\end{document}"/>
-  <p:tag name="IGUANATEXSIZE" val="20"/>
-  <p:tag name="IGUANATEXCURSOR" val="176"/>
-  <p:tag name="TRANSPARENCY" val="True"/>
-  <p:tag name="FILENAME" val=""/>
-  <p:tag name="LATEXENGINEID" val="0"/>
-  <p:tag name="TEMPFOLDER" val="c:\temp\"/>
-  <p:tag name="LATEXFORMHEIGHT" val="312"/>
-  <p:tag name="LATEXFORMWIDTH" val="384"/>
-  <p:tag name="LATEXFORMWRAP" val="True"/>
-  <p:tag name="BITMAPVECTOR" val="0"/>
-</p:tagLst>
-</file>
-
-<file path=ppt/tags/tag44.xml><?xml version="1.0" encoding="utf-8"?>
-<p:tagLst xmlns:a="http://schemas.openxmlformats.org/drawingml/2006/main" xmlns:r="http://schemas.openxmlformats.org/officeDocument/2006/relationships" xmlns:p="http://schemas.openxmlformats.org/presentationml/2006/main">
-  <p:tag name="OUTPUTDPI" val="1200"/>
-  <p:tag name="ORIGINALHEIGHT" val="124.4844"/>
-  <p:tag name="ORIGINALWIDTH" val="534.6832"/>
-  <p:tag name="LATEXADDIN" val="\documentclass{article}&#10;\usepackage{amsmath}&#10;\usepackage{xcolor}&#10;\usepackage{ragged2e}&#10;\pagestyle{empty}&#10;\begin{document}&#10;&#10;\definecolor{Monred}{RGB}{172,0,0}&#10;&#10;&#10;$ 2Q_{FiLayer} $&#10;&#10;\end{document}"/>
-  <p:tag name="IGUANATEXSIZE" val="20"/>
-  <p:tag name="IGUANATEXCURSOR" val="176"/>
   <p:tag name="TRANSPARENCY" val="True"/>
   <p:tag name="FILENAME" val=""/>
   <p:tag name="LATEXENGINEID" val="0"/>
@@ -49177,10 +49337,10 @@
 <p:tagLst xmlns:a="http://schemas.openxmlformats.org/drawingml/2006/main" xmlns:r="http://schemas.openxmlformats.org/officeDocument/2006/relationships" xmlns:p="http://schemas.openxmlformats.org/presentationml/2006/main">
   <p:tag name="OUTPUTDPI" val="1200"/>
   <p:tag name="ORIGINALHEIGHT" val="124.4844"/>
-  <p:tag name="ORIGINALWIDTH" val="360.7049"/>
-  <p:tag name="LATEXADDIN" val="\documentclass{article}&#10;\usepackage{amsmath}&#10;\usepackage{xcolor}&#10;\usepackage{ragged2e}&#10;\pagestyle{empty}&#10;\begin{document}&#10;&#10;\definecolor{Monred}{RGB}{172,0,0}&#10;&#10;$&#10;Q_{Layer}&#10;$&#10;&#10;&#10;&#10;\end{document}"/>
+  <p:tag name="ORIGINALWIDTH" val="534.6832"/>
+  <p:tag name="LATEXADDIN" val="\documentclass{article}&#10;\usepackage{amsmath}&#10;\usepackage{xcolor}&#10;\usepackage{ragged2e}&#10;\pagestyle{empty}&#10;\begin{document}&#10;&#10;\definecolor{Monred}{RGB}{172,0,0}&#10;&#10;&#10;$ 2Q_{FiLayer} $&#10;&#10;\end{document}"/>
   <p:tag name="IGUANATEXSIZE" val="20"/>
-  <p:tag name="IGUANATEXCURSOR" val="173"/>
+  <p:tag name="IGUANATEXCURSOR" val="176"/>
   <p:tag name="TRANSPARENCY" val="True"/>
   <p:tag name="FILENAME" val=""/>
   <p:tag name="LATEXENGINEID" val="0"/>
@@ -49196,10 +49356,10 @@
 <p:tagLst xmlns:a="http://schemas.openxmlformats.org/drawingml/2006/main" xmlns:r="http://schemas.openxmlformats.org/officeDocument/2006/relationships" xmlns:p="http://schemas.openxmlformats.org/presentationml/2006/main">
   <p:tag name="OUTPUTDPI" val="1200"/>
   <p:tag name="ORIGINALHEIGHT" val="124.4844"/>
-  <p:tag name="ORIGINALWIDTH" val="422.9472"/>
-  <p:tag name="LATEXADDIN" val="\documentclass{article}&#10;\usepackage{amsmath}&#10;\usepackage{xcolor}&#10;\usepackage{ragged2e}&#10;\pagestyle{empty}&#10;\begin{document}&#10;&#10;\definecolor{Monred}{RGB}{172,0,0}&#10;&#10;$&#10;2Q_{Layer}&#10;$&#10;&#10;&#10;&#10;\end{document}"/>
+  <p:tag name="ORIGINALWIDTH" val="534.6832"/>
+  <p:tag name="LATEXADDIN" val="\documentclass{article}&#10;\usepackage{amsmath}&#10;\usepackage{xcolor}&#10;\usepackage{ragged2e}&#10;\pagestyle{empty}&#10;\begin{document}&#10;&#10;\definecolor{Monred}{RGB}{172,0,0}&#10;&#10;&#10;$ 2Q_{FiLayer} $&#10;&#10;\end{document}"/>
   <p:tag name="IGUANATEXSIZE" val="20"/>
-  <p:tag name="IGUANATEXCURSOR" val="162"/>
+  <p:tag name="IGUANATEXCURSOR" val="176"/>
   <p:tag name="TRANSPARENCY" val="True"/>
   <p:tag name="FILENAME" val=""/>
   <p:tag name="LATEXENGINEID" val="0"/>
@@ -49253,6 +49413,25 @@
 <p:tagLst xmlns:a="http://schemas.openxmlformats.org/drawingml/2006/main" xmlns:r="http://schemas.openxmlformats.org/officeDocument/2006/relationships" xmlns:p="http://schemas.openxmlformats.org/presentationml/2006/main">
   <p:tag name="OUTPUTDPI" val="1200"/>
   <p:tag name="ORIGINALHEIGHT" val="124.4844"/>
+  <p:tag name="ORIGINALWIDTH" val="422.9472"/>
+  <p:tag name="LATEXADDIN" val="\documentclass{article}&#10;\usepackage{amsmath}&#10;\usepackage{xcolor}&#10;\usepackage{ragged2e}&#10;\pagestyle{empty}&#10;\begin{document}&#10;&#10;\definecolor{Monred}{RGB}{172,0,0}&#10;&#10;$&#10;2Q_{Layer}&#10;$&#10;&#10;&#10;&#10;\end{document}"/>
+  <p:tag name="IGUANATEXSIZE" val="20"/>
+  <p:tag name="IGUANATEXCURSOR" val="162"/>
+  <p:tag name="TRANSPARENCY" val="True"/>
+  <p:tag name="FILENAME" val=""/>
+  <p:tag name="LATEXENGINEID" val="0"/>
+  <p:tag name="TEMPFOLDER" val="c:\temp\"/>
+  <p:tag name="LATEXFORMHEIGHT" val="312"/>
+  <p:tag name="LATEXFORMWIDTH" val="384"/>
+  <p:tag name="LATEXFORMWRAP" val="True"/>
+  <p:tag name="BITMAPVECTOR" val="0"/>
+</p:tagLst>
+</file>
+
+<file path=ppt/tags/tag52.xml><?xml version="1.0" encoding="utf-8"?>
+<p:tagLst xmlns:a="http://schemas.openxmlformats.org/drawingml/2006/main" xmlns:r="http://schemas.openxmlformats.org/officeDocument/2006/relationships" xmlns:p="http://schemas.openxmlformats.org/presentationml/2006/main">
+  <p:tag name="OUTPUTDPI" val="1200"/>
+  <p:tag name="ORIGINALHEIGHT" val="124.4844"/>
   <p:tag name="ORIGINALWIDTH" val="360.7049"/>
   <p:tag name="LATEXADDIN" val="\documentclass{article}&#10;\usepackage{amsmath}&#10;\usepackage{xcolor}&#10;\usepackage{ragged2e}&#10;\pagestyle{empty}&#10;\begin{document}&#10;&#10;\definecolor{Monred}{RGB}{172,0,0}&#10;&#10;$&#10;Q_{Layer}&#10;$&#10;&#10;&#10;&#10;\end{document}"/>
   <p:tag name="IGUANATEXSIZE" val="20"/>
@@ -49268,7 +49447,26 @@
 </p:tagLst>
 </file>
 
-<file path=ppt/tags/tag52.xml><?xml version="1.0" encoding="utf-8"?>
+<file path=ppt/tags/tag53.xml><?xml version="1.0" encoding="utf-8"?>
+<p:tagLst xmlns:a="http://schemas.openxmlformats.org/drawingml/2006/main" xmlns:r="http://schemas.openxmlformats.org/officeDocument/2006/relationships" xmlns:p="http://schemas.openxmlformats.org/presentationml/2006/main">
+  <p:tag name="OUTPUTDPI" val="1200"/>
+  <p:tag name="ORIGINALHEIGHT" val="124.4844"/>
+  <p:tag name="ORIGINALWIDTH" val="360.7049"/>
+  <p:tag name="LATEXADDIN" val="\documentclass{article}&#10;\usepackage{amsmath}&#10;\usepackage{xcolor}&#10;\usepackage{ragged2e}&#10;\pagestyle{empty}&#10;\begin{document}&#10;&#10;\definecolor{Monred}{RGB}{172,0,0}&#10;&#10;$&#10;Q_{Layer}&#10;$&#10;&#10;&#10;&#10;\end{document}"/>
+  <p:tag name="IGUANATEXSIZE" val="20"/>
+  <p:tag name="IGUANATEXCURSOR" val="173"/>
+  <p:tag name="TRANSPARENCY" val="True"/>
+  <p:tag name="FILENAME" val=""/>
+  <p:tag name="LATEXENGINEID" val="0"/>
+  <p:tag name="TEMPFOLDER" val="c:\temp\"/>
+  <p:tag name="LATEXFORMHEIGHT" val="312"/>
+  <p:tag name="LATEXFORMWIDTH" val="384"/>
+  <p:tag name="LATEXFORMWRAP" val="True"/>
+  <p:tag name="BITMAPVECTOR" val="0"/>
+</p:tagLst>
+</file>
+
+<file path=ppt/tags/tag54.xml><?xml version="1.0" encoding="utf-8"?>
 <p:tagLst xmlns:a="http://schemas.openxmlformats.org/drawingml/2006/main" xmlns:r="http://schemas.openxmlformats.org/officeDocument/2006/relationships" xmlns:p="http://schemas.openxmlformats.org/presentationml/2006/main">
   <p:tag name="OUTPUTDPI" val="1200"/>
   <p:tag name="ORIGINALHEIGHT" val="111.7361"/>
@@ -49287,7 +49485,7 @@
 </p:tagLst>
 </file>
 
-<file path=ppt/tags/tag53.xml><?xml version="1.0" encoding="utf-8"?>
+<file path=ppt/tags/tag55.xml><?xml version="1.0" encoding="utf-8"?>
 <p:tagLst xmlns:a="http://schemas.openxmlformats.org/drawingml/2006/main" xmlns:r="http://schemas.openxmlformats.org/officeDocument/2006/relationships" xmlns:p="http://schemas.openxmlformats.org/presentationml/2006/main">
   <p:tag name="OUTPUTDPI" val="1200"/>
   <p:tag name="ORIGINALHEIGHT" val="111.7361"/>
@@ -49306,7 +49504,7 @@
 </p:tagLst>
 </file>
 
-<file path=ppt/tags/tag54.xml><?xml version="1.0" encoding="utf-8"?>
+<file path=ppt/tags/tag56.xml><?xml version="1.0" encoding="utf-8"?>
 <p:tagLst xmlns:a="http://schemas.openxmlformats.org/drawingml/2006/main" xmlns:r="http://schemas.openxmlformats.org/officeDocument/2006/relationships" xmlns:p="http://schemas.openxmlformats.org/presentationml/2006/main">
   <p:tag name="OUTPUTDPI" val="1200"/>
   <p:tag name="ORIGINALHEIGHT" val="125.9843"/>
@@ -49325,7 +49523,7 @@
 </p:tagLst>
 </file>
 
-<file path=ppt/tags/tag55.xml><?xml version="1.0" encoding="utf-8"?>
+<file path=ppt/tags/tag57.xml><?xml version="1.0" encoding="utf-8"?>
 <p:tagLst xmlns:a="http://schemas.openxmlformats.org/drawingml/2006/main" xmlns:r="http://schemas.openxmlformats.org/officeDocument/2006/relationships" xmlns:p="http://schemas.openxmlformats.org/presentationml/2006/main">
   <p:tag name="OUTPUTDPI" val="1200"/>
   <p:tag name="ORIGINALHEIGHT" val="125.9843"/>
@@ -49344,7 +49542,7 @@
 </p:tagLst>
 </file>
 
-<file path=ppt/tags/tag56.xml><?xml version="1.0" encoding="utf-8"?>
+<file path=ppt/tags/tag58.xml><?xml version="1.0" encoding="utf-8"?>
 <p:tagLst xmlns:a="http://schemas.openxmlformats.org/drawingml/2006/main" xmlns:r="http://schemas.openxmlformats.org/officeDocument/2006/relationships" xmlns:p="http://schemas.openxmlformats.org/presentationml/2006/main">
   <p:tag name="OUTPUTDPI" val="1200"/>
   <p:tag name="ORIGINALHEIGHT" val="125.9843"/>
@@ -49363,7 +49561,7 @@
 </p:tagLst>
 </file>
 
-<file path=ppt/tags/tag57.xml><?xml version="1.0" encoding="utf-8"?>
+<file path=ppt/tags/tag59.xml><?xml version="1.0" encoding="utf-8"?>
 <p:tagLst xmlns:a="http://schemas.openxmlformats.org/drawingml/2006/main" xmlns:r="http://schemas.openxmlformats.org/officeDocument/2006/relationships" xmlns:p="http://schemas.openxmlformats.org/presentationml/2006/main">
   <p:tag name="OUTPUTDPI" val="1200"/>
   <p:tag name="ORIGINALHEIGHT" val="109.4863"/>
@@ -49371,44 +49569,6 @@
   <p:tag name="LATEXADDIN" val="\documentclass{article}&#10;\usepackage{amsmath}&#10;\usepackage{xcolor}&#10;\usepackage{ragged2e}&#10;\pagestyle{empty}&#10;\begin{document}&#10;&#10;\definecolor{Monred}{RGB}{172,0,0}&#10;&#10;$&#10;A_{OutletSlots}&#10;$&#10;&#10;\end{document}"/>
   <p:tag name="IGUANATEXSIZE" val="20"/>
   <p:tag name="IGUANATEXCURSOR" val="174"/>
-  <p:tag name="TRANSPARENCY" val="True"/>
-  <p:tag name="FILENAME" val=""/>
-  <p:tag name="LATEXENGINEID" val="0"/>
-  <p:tag name="TEMPFOLDER" val="c:\temp\"/>
-  <p:tag name="LATEXFORMHEIGHT" val="312"/>
-  <p:tag name="LATEXFORMWIDTH" val="384"/>
-  <p:tag name="LATEXFORMWRAP" val="True"/>
-  <p:tag name="BITMAPVECTOR" val="0"/>
-</p:tagLst>
-</file>
-
-<file path=ppt/tags/tag58.xml><?xml version="1.0" encoding="utf-8"?>
-<p:tagLst xmlns:a="http://schemas.openxmlformats.org/drawingml/2006/main" xmlns:r="http://schemas.openxmlformats.org/officeDocument/2006/relationships" xmlns:p="http://schemas.openxmlformats.org/presentationml/2006/main">
-  <p:tag name="OUTPUTDPI" val="1200"/>
-  <p:tag name="ORIGINALHEIGHT" val="125.9843"/>
-  <p:tag name="ORIGINALWIDTH" val="632.171"/>
-  <p:tag name="LATEXADDIN" val="\documentclass{article}&#10;\usepackage{amsmath}&#10;\usepackage{xcolor}&#10;\usepackage{ragged2e}&#10;\pagestyle{empty}&#10;\begin{document}&#10;&#10;\definecolor{Monred}{RGB}{172,0,0}&#10;&#10;$&#10;A_{BwOrifices}&#10;$&#10;&#10;\end{document}"/>
-  <p:tag name="IGUANATEXSIZE" val="20"/>
-  <p:tag name="IGUANATEXCURSOR" val="177"/>
-  <p:tag name="TRANSPARENCY" val="True"/>
-  <p:tag name="FILENAME" val=""/>
-  <p:tag name="LATEXENGINEID" val="0"/>
-  <p:tag name="TEMPFOLDER" val="c:\temp\"/>
-  <p:tag name="LATEXFORMHEIGHT" val="312"/>
-  <p:tag name="LATEXFORMWIDTH" val="384"/>
-  <p:tag name="LATEXFORMWRAP" val="True"/>
-  <p:tag name="BITMAPVECTOR" val="0"/>
-</p:tagLst>
-</file>
-
-<file path=ppt/tags/tag59.xml><?xml version="1.0" encoding="utf-8"?>
-<p:tagLst xmlns:a="http://schemas.openxmlformats.org/drawingml/2006/main" xmlns:r="http://schemas.openxmlformats.org/officeDocument/2006/relationships" xmlns:p="http://schemas.openxmlformats.org/presentationml/2006/main">
-  <p:tag name="OUTPUTDPI" val="1200"/>
-  <p:tag name="ORIGINALHEIGHT" val="89.23882"/>
-  <p:tag name="ORIGINALWIDTH" val="86.23921"/>
-  <p:tag name="LATEXADDIN" val="\documentclass{article}&#10;\usepackage{amsmath}&#10;\usepackage{xcolor}&#10;\usepackage{ragged2e}&#10;\pagestyle{empty}&#10;\begin{document}&#10;&#10;\definecolor{Monred}{RGB}{172,0,0}&#10;&#10;$&#10;A$&#10;&#10;\end{document}"/>
-  <p:tag name="IGUANATEXSIZE" val="20"/>
-  <p:tag name="IGUANATEXCURSOR" val="162"/>
   <p:tag name="TRANSPARENCY" val="True"/>
   <p:tag name="FILENAME" val=""/>
   <p:tag name="LATEXENGINEID" val="0"/>
@@ -49442,6 +49602,44 @@
 <file path=ppt/tags/tag60.xml><?xml version="1.0" encoding="utf-8"?>
 <p:tagLst xmlns:a="http://schemas.openxmlformats.org/drawingml/2006/main" xmlns:r="http://schemas.openxmlformats.org/officeDocument/2006/relationships" xmlns:p="http://schemas.openxmlformats.org/presentationml/2006/main">
   <p:tag name="OUTPUTDPI" val="1200"/>
+  <p:tag name="ORIGINALHEIGHT" val="125.9843"/>
+  <p:tag name="ORIGINALWIDTH" val="632.171"/>
+  <p:tag name="LATEXADDIN" val="\documentclass{article}&#10;\usepackage{amsmath}&#10;\usepackage{xcolor}&#10;\usepackage{ragged2e}&#10;\pagestyle{empty}&#10;\begin{document}&#10;&#10;\definecolor{Monred}{RGB}{172,0,0}&#10;&#10;$&#10;A_{BwOrifices}&#10;$&#10;&#10;\end{document}"/>
+  <p:tag name="IGUANATEXSIZE" val="20"/>
+  <p:tag name="IGUANATEXCURSOR" val="177"/>
+  <p:tag name="TRANSPARENCY" val="True"/>
+  <p:tag name="FILENAME" val=""/>
+  <p:tag name="LATEXENGINEID" val="0"/>
+  <p:tag name="TEMPFOLDER" val="c:\temp\"/>
+  <p:tag name="LATEXFORMHEIGHT" val="312"/>
+  <p:tag name="LATEXFORMWIDTH" val="384"/>
+  <p:tag name="LATEXFORMWRAP" val="True"/>
+  <p:tag name="BITMAPVECTOR" val="0"/>
+</p:tagLst>
+</file>
+
+<file path=ppt/tags/tag61.xml><?xml version="1.0" encoding="utf-8"?>
+<p:tagLst xmlns:a="http://schemas.openxmlformats.org/drawingml/2006/main" xmlns:r="http://schemas.openxmlformats.org/officeDocument/2006/relationships" xmlns:p="http://schemas.openxmlformats.org/presentationml/2006/main">
+  <p:tag name="OUTPUTDPI" val="1200"/>
+  <p:tag name="ORIGINALHEIGHT" val="89.23882"/>
+  <p:tag name="ORIGINALWIDTH" val="86.23921"/>
+  <p:tag name="LATEXADDIN" val="\documentclass{article}&#10;\usepackage{amsmath}&#10;\usepackage{xcolor}&#10;\usepackage{ragged2e}&#10;\pagestyle{empty}&#10;\begin{document}&#10;&#10;\definecolor{Monred}{RGB}{172,0,0}&#10;&#10;$&#10;A$&#10;&#10;\end{document}"/>
+  <p:tag name="IGUANATEXSIZE" val="20"/>
+  <p:tag name="IGUANATEXCURSOR" val="162"/>
+  <p:tag name="TRANSPARENCY" val="True"/>
+  <p:tag name="FILENAME" val=""/>
+  <p:tag name="LATEXENGINEID" val="0"/>
+  <p:tag name="TEMPFOLDER" val="c:\temp\"/>
+  <p:tag name="LATEXFORMHEIGHT" val="312"/>
+  <p:tag name="LATEXFORMWIDTH" val="384"/>
+  <p:tag name="LATEXFORMWRAP" val="True"/>
+  <p:tag name="BITMAPVECTOR" val="0"/>
+</p:tagLst>
+</file>
+
+<file path=ppt/tags/tag62.xml><?xml version="1.0" encoding="utf-8"?>
+<p:tagLst xmlns:a="http://schemas.openxmlformats.org/drawingml/2006/main" xmlns:r="http://schemas.openxmlformats.org/officeDocument/2006/relationships" xmlns:p="http://schemas.openxmlformats.org/presentationml/2006/main">
+  <p:tag name="OUTPUTDPI" val="1200"/>
   <p:tag name="ORIGINALHEIGHT" val="74.24071"/>
   <p:tag name="ORIGINALWIDTH" val="554.1807"/>
   <p:tag name="LATEXADDIN" val="\documentclass{article}&#10;\usepackage{amsmath}&#10;\usepackage{xcolor}&#10;\usepackage{ragged2e}&#10;\pagestyle{empty}&#10;\begin{document}&#10;&#10;\definecolor{Monred}{RGB}{172,0,0}&#10;&#10;$&#10;\epsilon_{FilterSand}&#10;$&#10;&#10;&#10;&#10;\end{document}"/>
@@ -49458,7 +49656,7 @@
 </p:tagLst>
 </file>
 
-<file path=ppt/tags/tag61.xml><?xml version="1.0" encoding="utf-8"?>
+<file path=ppt/tags/tag63.xml><?xml version="1.0" encoding="utf-8"?>
 <p:tagLst xmlns:a="http://schemas.openxmlformats.org/drawingml/2006/main" xmlns:r="http://schemas.openxmlformats.org/officeDocument/2006/relationships" xmlns:p="http://schemas.openxmlformats.org/presentationml/2006/main">
   <p:tag name="OUTPUTDPI" val="1200"/>
   <p:tag name="ORIGINALHEIGHT" val="55.49307"/>
@@ -49466,44 +49664,6 @@
   <p:tag name="LATEXADDIN" val="\documentclass{article}&#10;\usepackage{amsmath}&#10;\usepackage{xcolor}&#10;\usepackage{ragged2e}&#10;\pagestyle{empty}&#10;\begin{document}&#10;&#10;\definecolor{Monred}{RGB}{172,0,0}&#10;&#10;$&#10;\epsilon$&#10;&#10;&#10;&#10;\end{document}"/>
   <p:tag name="IGUANATEXSIZE" val="20"/>
   <p:tag name="IGUANATEXCURSOR" val="169"/>
-  <p:tag name="TRANSPARENCY" val="True"/>
-  <p:tag name="FILENAME" val=""/>
-  <p:tag name="LATEXENGINEID" val="0"/>
-  <p:tag name="TEMPFOLDER" val="c:\temp\"/>
-  <p:tag name="LATEXFORMHEIGHT" val="312"/>
-  <p:tag name="LATEXFORMWIDTH" val="384"/>
-  <p:tag name="LATEXFORMWRAP" val="True"/>
-  <p:tag name="BITMAPVECTOR" val="0"/>
-</p:tagLst>
-</file>
-
-<file path=ppt/tags/tag62.xml><?xml version="1.0" encoding="utf-8"?>
-<p:tagLst xmlns:a="http://schemas.openxmlformats.org/drawingml/2006/main" xmlns:r="http://schemas.openxmlformats.org/officeDocument/2006/relationships" xmlns:p="http://schemas.openxmlformats.org/presentationml/2006/main">
-  <p:tag name="OUTPUTDPI" val="1200"/>
-  <p:tag name="ORIGINALHEIGHT" val="83.23961"/>
-  <p:tag name="ORIGINALWIDTH" val="41.99472"/>
-  <p:tag name="LATEXADDIN" val="\documentclass{article}&#10;\usepackage{amsmath}&#10;\usepackage{xcolor}&#10;\usepackage{ragged2e}&#10;\pagestyle{empty}&#10;\begin{document}&#10;&#10;\definecolor{Monred}{RGB}{172,0,0}&#10;&#10;$ 1 $&#10;&#10;&#10;\end{document}"/>
-  <p:tag name="IGUANATEXSIZE" val="20"/>
-  <p:tag name="IGUANATEXCURSOR" val="164"/>
-  <p:tag name="TRANSPARENCY" val="True"/>
-  <p:tag name="FILENAME" val=""/>
-  <p:tag name="LATEXENGINEID" val="0"/>
-  <p:tag name="TEMPFOLDER" val="c:\temp\"/>
-  <p:tag name="LATEXFORMHEIGHT" val="312"/>
-  <p:tag name="LATEXFORMWIDTH" val="384"/>
-  <p:tag name="LATEXFORMWRAP" val="True"/>
-  <p:tag name="BITMAPVECTOR" val="0"/>
-</p:tagLst>
-</file>
-
-<file path=ppt/tags/tag63.xml><?xml version="1.0" encoding="utf-8"?>
-<p:tagLst xmlns:a="http://schemas.openxmlformats.org/drawingml/2006/main" xmlns:r="http://schemas.openxmlformats.org/officeDocument/2006/relationships" xmlns:p="http://schemas.openxmlformats.org/presentationml/2006/main">
-  <p:tag name="OUTPUTDPI" val="1200"/>
-  <p:tag name="ORIGINALHEIGHT" val="83.23961"/>
-  <p:tag name="ORIGINALWIDTH" val="41.99472"/>
-  <p:tag name="LATEXADDIN" val="\documentclass{article}&#10;\usepackage{amsmath}&#10;\usepackage{xcolor}&#10;\usepackage{ragged2e}&#10;\pagestyle{empty}&#10;\begin{document}&#10;&#10;\definecolor{Monred}{RGB}{172,0,0}&#10;&#10;$ 1 $&#10;&#10;&#10;\end{document}"/>
-  <p:tag name="IGUANATEXSIZE" val="20"/>
-  <p:tag name="IGUANATEXCURSOR" val="164"/>
   <p:tag name="TRANSPARENCY" val="True"/>
   <p:tag name="FILENAME" val=""/>
   <p:tag name="LATEXENGINEID" val="0"/>
@@ -49556,11 +49716,11 @@
 <file path=ppt/tags/tag66.xml><?xml version="1.0" encoding="utf-8"?>
 <p:tagLst xmlns:a="http://schemas.openxmlformats.org/drawingml/2006/main" xmlns:r="http://schemas.openxmlformats.org/officeDocument/2006/relationships" xmlns:p="http://schemas.openxmlformats.org/presentationml/2006/main">
   <p:tag name="OUTPUTDPI" val="1200"/>
-  <p:tag name="ORIGINALHEIGHT" val="122.2347"/>
-  <p:tag name="ORIGINALWIDTH" val="590.9261"/>
-  <p:tag name="LATEXADDIN" val="\documentclass{article}&#10;\usepackage{amsmath}&#10;\usepackage{xcolor}&#10;\usepackage{ragged2e}&#10;\pagestyle{empty}&#10;\begin{document}&#10;&#10;\definecolor{Monred}{RGB}{172,0,0}&#10;&#10;$&#10;\Pi_{VCOrifice}&#10;$&#10;&#10;\end{document}"/>
+  <p:tag name="ORIGINALHEIGHT" val="83.23961"/>
+  <p:tag name="ORIGINALWIDTH" val="41.99472"/>
+  <p:tag name="LATEXADDIN" val="\documentclass{article}&#10;\usepackage{amsmath}&#10;\usepackage{xcolor}&#10;\usepackage{ragged2e}&#10;\pagestyle{empty}&#10;\begin{document}&#10;&#10;\definecolor{Monred}{RGB}{172,0,0}&#10;&#10;$ 1 $&#10;&#10;&#10;\end{document}"/>
   <p:tag name="IGUANATEXSIZE" val="20"/>
-  <p:tag name="IGUANATEXCURSOR" val="178"/>
+  <p:tag name="IGUANATEXCURSOR" val="164"/>
   <p:tag name="TRANSPARENCY" val="True"/>
   <p:tag name="FILENAME" val=""/>
   <p:tag name="LATEXENGINEID" val="0"/>
@@ -49575,11 +49735,11 @@
 <file path=ppt/tags/tag67.xml><?xml version="1.0" encoding="utf-8"?>
 <p:tagLst xmlns:a="http://schemas.openxmlformats.org/drawingml/2006/main" xmlns:r="http://schemas.openxmlformats.org/officeDocument/2006/relationships" xmlns:p="http://schemas.openxmlformats.org/presentationml/2006/main">
   <p:tag name="OUTPUTDPI" val="1200"/>
-  <p:tag name="ORIGINALHEIGHT" val="122.2347"/>
-  <p:tag name="ORIGINALWIDTH" val="590.9261"/>
-  <p:tag name="LATEXADDIN" val="\documentclass{article}&#10;\usepackage{amsmath}&#10;\usepackage{xcolor}&#10;\usepackage{ragged2e}&#10;\pagestyle{empty}&#10;\begin{document}&#10;&#10;\definecolor{Monred}{RGB}{172,0,0}&#10;&#10;$&#10;\Pi_{VCOrifice}&#10;$&#10;&#10;\end{document}"/>
+  <p:tag name="ORIGINALHEIGHT" val="83.23961"/>
+  <p:tag name="ORIGINALWIDTH" val="41.99472"/>
+  <p:tag name="LATEXADDIN" val="\documentclass{article}&#10;\usepackage{amsmath}&#10;\usepackage{xcolor}&#10;\usepackage{ragged2e}&#10;\pagestyle{empty}&#10;\begin{document}&#10;&#10;\definecolor{Monred}{RGB}{172,0,0}&#10;&#10;$ 1 $&#10;&#10;&#10;\end{document}"/>
   <p:tag name="IGUANATEXSIZE" val="20"/>
-  <p:tag name="IGUANATEXCURSOR" val="178"/>
+  <p:tag name="IGUANATEXCURSOR" val="164"/>
   <p:tag name="TRANSPARENCY" val="True"/>
   <p:tag name="FILENAME" val=""/>
   <p:tag name="LATEXENGINEID" val="0"/>
@@ -49670,11 +49830,11 @@
 <file path=ppt/tags/tag71.xml><?xml version="1.0" encoding="utf-8"?>
 <p:tagLst xmlns:a="http://schemas.openxmlformats.org/drawingml/2006/main" xmlns:r="http://schemas.openxmlformats.org/officeDocument/2006/relationships" xmlns:p="http://schemas.openxmlformats.org/presentationml/2006/main">
   <p:tag name="OUTPUTDPI" val="1200"/>
-  <p:tag name="ORIGINALHEIGHT" val="85.48929"/>
-  <p:tag name="ORIGINALWIDTH" val="85.48929"/>
-  <p:tag name="LATEXADDIN" val="\documentclass{article}&#10;\usepackage{amsmath}&#10;\usepackage{xcolor}&#10;\usepackage{ragged2e}&#10;\pagestyle{empty}&#10;\begin{document}&#10;&#10;\definecolor{Monred}{RGB}{172,0,0}&#10;&#10;$&#10;\Pi$&#10;&#10;\end{document}"/>
+  <p:tag name="ORIGINALHEIGHT" val="122.2347"/>
+  <p:tag name="ORIGINALWIDTH" val="590.9261"/>
+  <p:tag name="LATEXADDIN" val="\documentclass{article}&#10;\usepackage{amsmath}&#10;\usepackage{xcolor}&#10;\usepackage{ragged2e}&#10;\pagestyle{empty}&#10;\begin{document}&#10;&#10;\definecolor{Monred}{RGB}{172,0,0}&#10;&#10;$&#10;\Pi_{VCOrifice}&#10;$&#10;&#10;\end{document}"/>
   <p:tag name="IGUANATEXSIZE" val="20"/>
-  <p:tag name="IGUANATEXCURSOR" val="164"/>
+  <p:tag name="IGUANATEXCURSOR" val="178"/>
   <p:tag name="TRANSPARENCY" val="True"/>
   <p:tag name="FILENAME" val=""/>
   <p:tag name="LATEXENGINEID" val="0"/>
@@ -49689,11 +49849,11 @@
 <file path=ppt/tags/tag72.xml><?xml version="1.0" encoding="utf-8"?>
 <p:tagLst xmlns:a="http://schemas.openxmlformats.org/drawingml/2006/main" xmlns:r="http://schemas.openxmlformats.org/officeDocument/2006/relationships" xmlns:p="http://schemas.openxmlformats.org/presentationml/2006/main">
   <p:tag name="OUTPUTDPI" val="1200"/>
-  <p:tag name="ORIGINALHEIGHT" val="80.24"/>
-  <p:tag name="ORIGINALWIDTH" val="57.74276"/>
-  <p:tag name="LATEXADDIN" val="\documentclass{article}&#10;\usepackage{amsmath}&#10;\usepackage{xcolor}&#10;\usepackage{ragged2e}&#10;\pagestyle{empty}&#10;\begin{document}&#10;&#10;\definecolor{Monred}{RGB}{172,0,0}&#10;&#10;&#10;$&#10;g&#10;$&#10;&#10;\end{document}"/>
+  <p:tag name="ORIGINALHEIGHT" val="122.2347"/>
+  <p:tag name="ORIGINALWIDTH" val="590.9261"/>
+  <p:tag name="LATEXADDIN" val="\documentclass{article}&#10;\usepackage{amsmath}&#10;\usepackage{xcolor}&#10;\usepackage{ragged2e}&#10;\pagestyle{empty}&#10;\begin{document}&#10;&#10;\definecolor{Monred}{RGB}{172,0,0}&#10;&#10;$&#10;\Pi_{VCOrifice}&#10;$&#10;&#10;\end{document}"/>
   <p:tag name="IGUANATEXSIZE" val="20"/>
-  <p:tag name="IGUANATEXCURSOR" val="165"/>
+  <p:tag name="IGUANATEXCURSOR" val="178"/>
   <p:tag name="TRANSPARENCY" val="True"/>
   <p:tag name="FILENAME" val=""/>
   <p:tag name="LATEXENGINEID" val="0"/>
@@ -49708,11 +49868,11 @@
 <file path=ppt/tags/tag73.xml><?xml version="1.0" encoding="utf-8"?>
 <p:tagLst xmlns:a="http://schemas.openxmlformats.org/drawingml/2006/main" xmlns:r="http://schemas.openxmlformats.org/officeDocument/2006/relationships" xmlns:p="http://schemas.openxmlformats.org/presentationml/2006/main">
   <p:tag name="OUTPUTDPI" val="1200"/>
-  <p:tag name="ORIGINALHEIGHT" val="80.24"/>
-  <p:tag name="ORIGINALWIDTH" val="57.74276"/>
-  <p:tag name="LATEXADDIN" val="\documentclass{article}&#10;\usepackage{amsmath}&#10;\usepackage{xcolor}&#10;\usepackage{ragged2e}&#10;\pagestyle{empty}&#10;\begin{document}&#10;&#10;\definecolor{Monred}{RGB}{172,0,0}&#10;&#10;&#10;$&#10;g&#10;$&#10;&#10;\end{document}"/>
+  <p:tag name="ORIGINALHEIGHT" val="85.48929"/>
+  <p:tag name="ORIGINALWIDTH" val="85.48929"/>
+  <p:tag name="LATEXADDIN" val="\documentclass{article}&#10;\usepackage{amsmath}&#10;\usepackage{xcolor}&#10;\usepackage{ragged2e}&#10;\pagestyle{empty}&#10;\begin{document}&#10;&#10;\definecolor{Monred}{RGB}{172,0,0}&#10;&#10;$&#10;\Pi$&#10;&#10;\end{document}"/>
   <p:tag name="IGUANATEXSIZE" val="20"/>
-  <p:tag name="IGUANATEXCURSOR" val="165"/>
+  <p:tag name="IGUANATEXCURSOR" val="164"/>
   <p:tag name="TRANSPARENCY" val="True"/>
   <p:tag name="FILENAME" val=""/>
   <p:tag name="LATEXENGINEID" val="0"/>
@@ -49803,11 +49963,11 @@
 <file path=ppt/tags/tag78.xml><?xml version="1.0" encoding="utf-8"?>
 <p:tagLst xmlns:a="http://schemas.openxmlformats.org/drawingml/2006/main" xmlns:r="http://schemas.openxmlformats.org/officeDocument/2006/relationships" xmlns:p="http://schemas.openxmlformats.org/presentationml/2006/main">
   <p:tag name="OUTPUTDPI" val="1200"/>
-  <p:tag name="ORIGINALHEIGHT" val="121.4848"/>
-  <p:tag name="ORIGINALWIDTH" val="1097.863"/>
-  <p:tag name="LATEXADDIN" val="\documentclass{article}&#10;\usepackage{amsmath}&#10;\usepackage{xcolor}&#10;\usepackage{ragged2e}&#10;\pagestyle{empty}&#10;\begin{document}&#10;&#10;\definecolor{Monred}{RGB}{172,0,0}&#10;&#10;$&#10;HL_{BwOrificeForward}&#10;$&#10;&#10;&#10;&#10;\end{document}"/>
+  <p:tag name="ORIGINALHEIGHT" val="80.24"/>
+  <p:tag name="ORIGINALWIDTH" val="57.74276"/>
+  <p:tag name="LATEXADDIN" val="\documentclass{article}&#10;\usepackage{amsmath}&#10;\usepackage{xcolor}&#10;\usepackage{ragged2e}&#10;\pagestyle{empty}&#10;\begin{document}&#10;&#10;\definecolor{Monred}{RGB}{172,0,0}&#10;&#10;&#10;$&#10;g&#10;$&#10;&#10;\end{document}"/>
   <p:tag name="IGUANATEXSIZE" val="20"/>
-  <p:tag name="IGUANATEXCURSOR" val="185"/>
+  <p:tag name="IGUANATEXCURSOR" val="165"/>
   <p:tag name="TRANSPARENCY" val="True"/>
   <p:tag name="FILENAME" val=""/>
   <p:tag name="LATEXENGINEID" val="0"/>
@@ -49822,11 +49982,11 @@
 <file path=ppt/tags/tag79.xml><?xml version="1.0" encoding="utf-8"?>
 <p:tagLst xmlns:a="http://schemas.openxmlformats.org/drawingml/2006/main" xmlns:r="http://schemas.openxmlformats.org/officeDocument/2006/relationships" xmlns:p="http://schemas.openxmlformats.org/presentationml/2006/main">
   <p:tag name="OUTPUTDPI" val="1200"/>
-  <p:tag name="ORIGINALHEIGHT" val="121.4848"/>
-  <p:tag name="ORIGINALWIDTH" val="1172.853"/>
-  <p:tag name="LATEXADDIN" val="\documentclass{article}&#10;\usepackage{amsmath}&#10;\usepackage{xcolor}&#10;\usepackage{ragged2e}&#10;\pagestyle{empty}&#10;\begin{document}&#10;&#10;\definecolor{Monred}{RGB}{172,0,0}&#10;&#10;$&#10;HL_{InletOrificeForward}&#10;$&#10;&#10;&#10;&#10;\end{document}"/>
+  <p:tag name="ORIGINALHEIGHT" val="80.24"/>
+  <p:tag name="ORIGINALWIDTH" val="57.74276"/>
+  <p:tag name="LATEXADDIN" val="\documentclass{article}&#10;\usepackage{amsmath}&#10;\usepackage{xcolor}&#10;\usepackage{ragged2e}&#10;\pagestyle{empty}&#10;\begin{document}&#10;&#10;\definecolor{Monred}{RGB}{172,0,0}&#10;&#10;&#10;$&#10;g&#10;$&#10;&#10;\end{document}"/>
   <p:tag name="IGUANATEXSIZE" val="20"/>
-  <p:tag name="IGUANATEXCURSOR" val="170"/>
+  <p:tag name="IGUANATEXCURSOR" val="165"/>
   <p:tag name="TRANSPARENCY" val="True"/>
   <p:tag name="FILENAME" val=""/>
   <p:tag name="LATEXENGINEID" val="0"/>
@@ -49861,6 +50021,44 @@
 <p:tagLst xmlns:a="http://schemas.openxmlformats.org/drawingml/2006/main" xmlns:r="http://schemas.openxmlformats.org/officeDocument/2006/relationships" xmlns:p="http://schemas.openxmlformats.org/presentationml/2006/main">
   <p:tag name="OUTPUTDPI" val="1200"/>
   <p:tag name="ORIGINALHEIGHT" val="121.4848"/>
+  <p:tag name="ORIGINALWIDTH" val="1097.863"/>
+  <p:tag name="LATEXADDIN" val="\documentclass{article}&#10;\usepackage{amsmath}&#10;\usepackage{xcolor}&#10;\usepackage{ragged2e}&#10;\pagestyle{empty}&#10;\begin{document}&#10;&#10;\definecolor{Monred}{RGB}{172,0,0}&#10;&#10;$&#10;HL_{BwOrificeForward}&#10;$&#10;&#10;&#10;&#10;\end{document}"/>
+  <p:tag name="IGUANATEXSIZE" val="20"/>
+  <p:tag name="IGUANATEXCURSOR" val="185"/>
+  <p:tag name="TRANSPARENCY" val="True"/>
+  <p:tag name="FILENAME" val=""/>
+  <p:tag name="LATEXENGINEID" val="0"/>
+  <p:tag name="TEMPFOLDER" val="c:\temp\"/>
+  <p:tag name="LATEXFORMHEIGHT" val="312"/>
+  <p:tag name="LATEXFORMWIDTH" val="384"/>
+  <p:tag name="LATEXFORMWRAP" val="True"/>
+  <p:tag name="BITMAPVECTOR" val="0"/>
+</p:tagLst>
+</file>
+
+<file path=ppt/tags/tag81.xml><?xml version="1.0" encoding="utf-8"?>
+<p:tagLst xmlns:a="http://schemas.openxmlformats.org/drawingml/2006/main" xmlns:r="http://schemas.openxmlformats.org/officeDocument/2006/relationships" xmlns:p="http://schemas.openxmlformats.org/presentationml/2006/main">
+  <p:tag name="OUTPUTDPI" val="1200"/>
+  <p:tag name="ORIGINALHEIGHT" val="121.4848"/>
+  <p:tag name="ORIGINALWIDTH" val="1172.853"/>
+  <p:tag name="LATEXADDIN" val="\documentclass{article}&#10;\usepackage{amsmath}&#10;\usepackage{xcolor}&#10;\usepackage{ragged2e}&#10;\pagestyle{empty}&#10;\begin{document}&#10;&#10;\definecolor{Monred}{RGB}{172,0,0}&#10;&#10;$&#10;HL_{InletOrificeForward}&#10;$&#10;&#10;&#10;&#10;\end{document}"/>
+  <p:tag name="IGUANATEXSIZE" val="20"/>
+  <p:tag name="IGUANATEXCURSOR" val="170"/>
+  <p:tag name="TRANSPARENCY" val="True"/>
+  <p:tag name="FILENAME" val=""/>
+  <p:tag name="LATEXENGINEID" val="0"/>
+  <p:tag name="TEMPFOLDER" val="c:\temp\"/>
+  <p:tag name="LATEXFORMHEIGHT" val="312"/>
+  <p:tag name="LATEXFORMWIDTH" val="384"/>
+  <p:tag name="LATEXFORMWRAP" val="True"/>
+  <p:tag name="BITMAPVECTOR" val="0"/>
+</p:tagLst>
+</file>
+
+<file path=ppt/tags/tag82.xml><?xml version="1.0" encoding="utf-8"?>
+<p:tagLst xmlns:a="http://schemas.openxmlformats.org/drawingml/2006/main" xmlns:r="http://schemas.openxmlformats.org/officeDocument/2006/relationships" xmlns:p="http://schemas.openxmlformats.org/presentationml/2006/main">
+  <p:tag name="OUTPUTDPI" val="1200"/>
+  <p:tag name="ORIGINALHEIGHT" val="121.4848"/>
   <p:tag name="ORIGINALWIDTH" val="1345.332"/>
   <p:tag name="LATEXADDIN" val="\documentclass{article}&#10;\usepackage{amsmath}&#10;\usepackage{xcolor}&#10;\usepackage{ragged2e}&#10;\pagestyle{empty}&#10;\begin{document}&#10;&#10;\definecolor{Monred}{RGB}{172,0,0}&#10;&#10;$&#10;HL_{TopInletOrificeForward}&#10;$&#10;&#10;&#10;&#10;\end{document}"/>
   <p:tag name="IGUANATEXSIZE" val="20"/>
@@ -49876,7 +50074,7 @@
 </p:tagLst>
 </file>
 
-<file path=ppt/tags/tag81.xml><?xml version="1.0" encoding="utf-8"?>
+<file path=ppt/tags/tag83.xml><?xml version="1.0" encoding="utf-8"?>
 <p:tagLst xmlns:a="http://schemas.openxmlformats.org/drawingml/2006/main" xmlns:r="http://schemas.openxmlformats.org/officeDocument/2006/relationships" xmlns:p="http://schemas.openxmlformats.org/presentationml/2006/main">
   <p:tag name="OUTPUTDPI" val="1200"/>
   <p:tag name="ORIGINALHEIGHT" val="104.9868"/>
@@ -49895,7 +50093,7 @@
 </p:tagLst>
 </file>
 
-<file path=ppt/tags/tag82.xml><?xml version="1.0" encoding="utf-8"?>
+<file path=ppt/tags/tag84.xml><?xml version="1.0" encoding="utf-8"?>
 <p:tagLst xmlns:a="http://schemas.openxmlformats.org/drawingml/2006/main" xmlns:r="http://schemas.openxmlformats.org/officeDocument/2006/relationships" xmlns:p="http://schemas.openxmlformats.org/presentationml/2006/main">
   <p:tag name="OUTPUTDPI" val="1200"/>
   <p:tag name="ORIGINALHEIGHT" val="121.4848"/>
@@ -49914,7 +50112,7 @@
 </p:tagLst>
 </file>
 
-<file path=ppt/tags/tag83.xml><?xml version="1.0" encoding="utf-8"?>
+<file path=ppt/tags/tag85.xml><?xml version="1.0" encoding="utf-8"?>
 <p:tagLst xmlns:a="http://schemas.openxmlformats.org/drawingml/2006/main" xmlns:r="http://schemas.openxmlformats.org/officeDocument/2006/relationships" xmlns:p="http://schemas.openxmlformats.org/presentationml/2006/main">
   <p:tag name="OUTPUTDPI" val="1200"/>
   <p:tag name="ORIGINALHEIGHT" val="87.73905"/>
@@ -49933,7 +50131,7 @@
 </p:tagLst>
 </file>
 
-<file path=ppt/tags/tag84.xml><?xml version="1.0" encoding="utf-8"?>
+<file path=ppt/tags/tag86.xml><?xml version="1.0" encoding="utf-8"?>
 <p:tagLst xmlns:a="http://schemas.openxmlformats.org/drawingml/2006/main" xmlns:r="http://schemas.openxmlformats.org/officeDocument/2006/relationships" xmlns:p="http://schemas.openxmlformats.org/presentationml/2006/main">
   <p:tag name="OUTPUTDPI" val="1200"/>
   <p:tag name="ORIGINALHEIGHT" val="111.7361"/>
@@ -49952,7 +50150,7 @@
 </p:tagLst>
 </file>
 
-<file path=ppt/tags/tag85.xml><?xml version="1.0" encoding="utf-8"?>
+<file path=ppt/tags/tag87.xml><?xml version="1.0" encoding="utf-8"?>
 <p:tagLst xmlns:a="http://schemas.openxmlformats.org/drawingml/2006/main" xmlns:r="http://schemas.openxmlformats.org/officeDocument/2006/relationships" xmlns:p="http://schemas.openxmlformats.org/presentationml/2006/main">
   <p:tag name="OUTPUTDPI" val="1200"/>
   <p:tag name="ORIGINALHEIGHT" val="111.7361"/>
@@ -49971,7 +50169,7 @@
 </p:tagLst>
 </file>
 
-<file path=ppt/tags/tag86.xml><?xml version="1.0" encoding="utf-8"?>
+<file path=ppt/tags/tag88.xml><?xml version="1.0" encoding="utf-8"?>
 <p:tagLst xmlns:a="http://schemas.openxmlformats.org/drawingml/2006/main" xmlns:r="http://schemas.openxmlformats.org/officeDocument/2006/relationships" xmlns:p="http://schemas.openxmlformats.org/presentationml/2006/main">
   <p:tag name="OUTPUTDPI" val="1200"/>
   <p:tag name="ORIGINALHEIGHT" val="86.23921"/>
@@ -49990,7 +50188,7 @@
 </p:tagLst>
 </file>
 
-<file path=ppt/tags/tag87.xml><?xml version="1.0" encoding="utf-8"?>
+<file path=ppt/tags/tag89.xml><?xml version="1.0" encoding="utf-8"?>
 <p:tagLst xmlns:a="http://schemas.openxmlformats.org/drawingml/2006/main" xmlns:r="http://schemas.openxmlformats.org/officeDocument/2006/relationships" xmlns:p="http://schemas.openxmlformats.org/presentationml/2006/main">
   <p:tag name="OUTPUTDPI" val="1200"/>
   <p:tag name="ORIGINALHEIGHT" val="87.73905"/>
@@ -49998,44 +50196,6 @@
   <p:tag name="LATEXADDIN" val="\documentclass{article}&#10;\usepackage{amsmath}&#10;\usepackage{xcolor}&#10;\usepackage{ragged2e}&#10;\pagestyle{empty}&#10;\begin{document}&#10;&#10;\definecolor{Monred}{RGB}{172,0,0}&#10;&#10;$&#10;Backwash \ Trunk&#10;$&#10;&#10;&#10;\end{document}"/>
   <p:tag name="IGUANATEXSIZE" val="20"/>
   <p:tag name="IGUANATEXCURSOR" val="179"/>
-  <p:tag name="TRANSPARENCY" val="True"/>
-  <p:tag name="FILENAME" val=""/>
-  <p:tag name="LATEXENGINEID" val="0"/>
-  <p:tag name="TEMPFOLDER" val="c:\temp\"/>
-  <p:tag name="LATEXFORMHEIGHT" val="312"/>
-  <p:tag name="LATEXFORMWIDTH" val="384"/>
-  <p:tag name="LATEXFORMWRAP" val="True"/>
-  <p:tag name="BITMAPVECTOR" val="0"/>
-</p:tagLst>
-</file>
-
-<file path=ppt/tags/tag88.xml><?xml version="1.0" encoding="utf-8"?>
-<p:tagLst xmlns:a="http://schemas.openxmlformats.org/drawingml/2006/main" xmlns:r="http://schemas.openxmlformats.org/officeDocument/2006/relationships" xmlns:p="http://schemas.openxmlformats.org/presentationml/2006/main">
-  <p:tag name="OUTPUTDPI" val="1200"/>
-  <p:tag name="ORIGINALHEIGHT" val="111.7361"/>
-  <p:tag name="ORIGINALWIDTH" val="784.402"/>
-  <p:tag name="LATEXADDIN" val="\documentclass{article}&#10;\usepackage{amsmath}&#10;\usepackage{xcolor}&#10;\usepackage{ragged2e}&#10;\pagestyle{empty}&#10;\begin{document}&#10;&#10;\definecolor{Monred}{RGB}{172,0,0}&#10;&#10;$Siphon \ Outlet $&#10;&#10;&#10;&#10;\end{document}"/>
-  <p:tag name="IGUANATEXSIZE" val="20"/>
-  <p:tag name="IGUANATEXCURSOR" val="178"/>
-  <p:tag name="TRANSPARENCY" val="True"/>
-  <p:tag name="FILENAME" val=""/>
-  <p:tag name="LATEXENGINEID" val="0"/>
-  <p:tag name="TEMPFOLDER" val="c:\temp\"/>
-  <p:tag name="LATEXFORMHEIGHT" val="312"/>
-  <p:tag name="LATEXFORMWIDTH" val="384"/>
-  <p:tag name="LATEXFORMWRAP" val="True"/>
-  <p:tag name="BITMAPVECTOR" val="0"/>
-</p:tagLst>
-</file>
-
-<file path=ppt/tags/tag89.xml><?xml version="1.0" encoding="utf-8"?>
-<p:tagLst xmlns:a="http://schemas.openxmlformats.org/drawingml/2006/main" xmlns:r="http://schemas.openxmlformats.org/officeDocument/2006/relationships" xmlns:p="http://schemas.openxmlformats.org/presentationml/2006/main">
-  <p:tag name="OUTPUTDPI" val="1200"/>
-  <p:tag name="ORIGINALHEIGHT" val="111.7361"/>
-  <p:tag name="ORIGINALWIDTH" val="688.4139"/>
-  <p:tag name="LATEXADDIN" val="\documentclass{article}&#10;\usepackage{amsmath}&#10;\usepackage{xcolor}&#10;\usepackage{ragged2e}&#10;\pagestyle{empty}&#10;\begin{document}&#10;&#10;\definecolor{Monred}{RGB}{172,0,0}&#10;&#10;$Siphon \ Pipe $&#10;&#10;&#10;&#10;\end{document}"/>
-  <p:tag name="IGUANATEXSIZE" val="20"/>
-  <p:tag name="IGUANATEXCURSOR" val="173"/>
   <p:tag name="TRANSPARENCY" val="True"/>
   <p:tag name="FILENAME" val=""/>
   <p:tag name="LATEXENGINEID" val="0"/>
@@ -50069,6 +50229,44 @@
 <file path=ppt/tags/tag90.xml><?xml version="1.0" encoding="utf-8"?>
 <p:tagLst xmlns:a="http://schemas.openxmlformats.org/drawingml/2006/main" xmlns:r="http://schemas.openxmlformats.org/officeDocument/2006/relationships" xmlns:p="http://schemas.openxmlformats.org/presentationml/2006/main">
   <p:tag name="OUTPUTDPI" val="1200"/>
+  <p:tag name="ORIGINALHEIGHT" val="111.7361"/>
+  <p:tag name="ORIGINALWIDTH" val="784.402"/>
+  <p:tag name="LATEXADDIN" val="\documentclass{article}&#10;\usepackage{amsmath}&#10;\usepackage{xcolor}&#10;\usepackage{ragged2e}&#10;\pagestyle{empty}&#10;\begin{document}&#10;&#10;\definecolor{Monred}{RGB}{172,0,0}&#10;&#10;$Siphon \ Outlet $&#10;&#10;&#10;&#10;\end{document}"/>
+  <p:tag name="IGUANATEXSIZE" val="20"/>
+  <p:tag name="IGUANATEXCURSOR" val="178"/>
+  <p:tag name="TRANSPARENCY" val="True"/>
+  <p:tag name="FILENAME" val=""/>
+  <p:tag name="LATEXENGINEID" val="0"/>
+  <p:tag name="TEMPFOLDER" val="c:\temp\"/>
+  <p:tag name="LATEXFORMHEIGHT" val="312"/>
+  <p:tag name="LATEXFORMWIDTH" val="384"/>
+  <p:tag name="LATEXFORMWRAP" val="True"/>
+  <p:tag name="BITMAPVECTOR" val="0"/>
+</p:tagLst>
+</file>
+
+<file path=ppt/tags/tag91.xml><?xml version="1.0" encoding="utf-8"?>
+<p:tagLst xmlns:a="http://schemas.openxmlformats.org/drawingml/2006/main" xmlns:r="http://schemas.openxmlformats.org/officeDocument/2006/relationships" xmlns:p="http://schemas.openxmlformats.org/presentationml/2006/main">
+  <p:tag name="OUTPUTDPI" val="1200"/>
+  <p:tag name="ORIGINALHEIGHT" val="111.7361"/>
+  <p:tag name="ORIGINALWIDTH" val="688.4139"/>
+  <p:tag name="LATEXADDIN" val="\documentclass{article}&#10;\usepackage{amsmath}&#10;\usepackage{xcolor}&#10;\usepackage{ragged2e}&#10;\pagestyle{empty}&#10;\begin{document}&#10;&#10;\definecolor{Monred}{RGB}{172,0,0}&#10;&#10;$Siphon \ Pipe $&#10;&#10;&#10;&#10;\end{document}"/>
+  <p:tag name="IGUANATEXSIZE" val="20"/>
+  <p:tag name="IGUANATEXCURSOR" val="173"/>
+  <p:tag name="TRANSPARENCY" val="True"/>
+  <p:tag name="FILENAME" val=""/>
+  <p:tag name="LATEXENGINEID" val="0"/>
+  <p:tag name="TEMPFOLDER" val="c:\temp\"/>
+  <p:tag name="LATEXFORMHEIGHT" val="312"/>
+  <p:tag name="LATEXFORMWIDTH" val="384"/>
+  <p:tag name="LATEXFORMWRAP" val="True"/>
+  <p:tag name="BITMAPVECTOR" val="0"/>
+</p:tagLst>
+</file>
+
+<file path=ppt/tags/tag92.xml><?xml version="1.0" encoding="utf-8"?>
+<p:tagLst xmlns:a="http://schemas.openxmlformats.org/drawingml/2006/main" xmlns:r="http://schemas.openxmlformats.org/officeDocument/2006/relationships" xmlns:p="http://schemas.openxmlformats.org/presentationml/2006/main">
+  <p:tag name="OUTPUTDPI" val="1200"/>
   <p:tag name="ORIGINALHEIGHT" val="104.9868"/>
   <p:tag name="ORIGINALWIDTH" val="720.6599"/>
   <p:tag name="LATEXADDIN" val="\documentclass{article}&#10;\usepackage{amsmath}&#10;\usepackage{xcolor}&#10;\usepackage{ragged2e}&#10;\pagestyle{empty}&#10;\begin{document}&#10;&#10;\definecolor{Monred}{RGB}{172,0,0}&#10;&#10;$&#10;HL_{BwTotalSS}&#10;$&#10;&#10;&#10;\end{document}"/>
@@ -50085,7 +50283,7 @@
 </p:tagLst>
 </file>
 
-<file path=ppt/tags/tag91.xml><?xml version="1.0" encoding="utf-8"?>
+<file path=ppt/tags/tag93.xml><?xml version="1.0" encoding="utf-8"?>
 <p:tagLst xmlns:a="http://schemas.openxmlformats.org/drawingml/2006/main" xmlns:r="http://schemas.openxmlformats.org/officeDocument/2006/relationships" xmlns:p="http://schemas.openxmlformats.org/presentationml/2006/main">
   <p:tag name="OUTPUTDPI" val="1200"/>
   <p:tag name="ORIGINALHEIGHT" val="239.2201"/>
@@ -50104,7 +50302,7 @@
 </p:tagLst>
 </file>
 
-<file path=ppt/tags/tag92.xml><?xml version="1.0" encoding="utf-8"?>
+<file path=ppt/tags/tag94.xml><?xml version="1.0" encoding="utf-8"?>
 <p:tagLst xmlns:a="http://schemas.openxmlformats.org/drawingml/2006/main" xmlns:r="http://schemas.openxmlformats.org/officeDocument/2006/relationships" xmlns:p="http://schemas.openxmlformats.org/presentationml/2006/main">
   <p:tag name="OUTPUTDPI" val="1200"/>
   <p:tag name="ORIGINALHEIGHT" val="87.73905"/>
@@ -50123,7 +50321,7 @@
 </p:tagLst>
 </file>
 
-<file path=ppt/tags/tag93.xml><?xml version="1.0" encoding="utf-8"?>
+<file path=ppt/tags/tag95.xml><?xml version="1.0" encoding="utf-8"?>
 <p:tagLst xmlns:a="http://schemas.openxmlformats.org/drawingml/2006/main" xmlns:r="http://schemas.openxmlformats.org/officeDocument/2006/relationships" xmlns:p="http://schemas.openxmlformats.org/presentationml/2006/main">
   <p:tag name="OUTPUTDPI" val="1200"/>
   <p:tag name="ORIGINALHEIGHT" val="111.7361"/>
@@ -50142,7 +50340,7 @@
 </p:tagLst>
 </file>
 
-<file path=ppt/tags/tag94.xml><?xml version="1.0" encoding="utf-8"?>
+<file path=ppt/tags/tag96.xml><?xml version="1.0" encoding="utf-8"?>
 <p:tagLst xmlns:a="http://schemas.openxmlformats.org/drawingml/2006/main" xmlns:r="http://schemas.openxmlformats.org/officeDocument/2006/relationships" xmlns:p="http://schemas.openxmlformats.org/presentationml/2006/main">
   <p:tag name="OUTPUTDPI" val="1200"/>
   <p:tag name="ORIGINALHEIGHT" val="87.73905"/>
@@ -50161,7 +50359,7 @@
 </p:tagLst>
 </file>
 
-<file path=ppt/tags/tag95.xml><?xml version="1.0" encoding="utf-8"?>
+<file path=ppt/tags/tag97.xml><?xml version="1.0" encoding="utf-8"?>
 <p:tagLst xmlns:a="http://schemas.openxmlformats.org/drawingml/2006/main" xmlns:r="http://schemas.openxmlformats.org/officeDocument/2006/relationships" xmlns:p="http://schemas.openxmlformats.org/presentationml/2006/main">
   <p:tag name="OUTPUTDPI" val="1200"/>
   <p:tag name="ORIGINALHEIGHT" val="87.73905"/>
@@ -50180,7 +50378,7 @@
 </p:tagLst>
 </file>
 
-<file path=ppt/tags/tag96.xml><?xml version="1.0" encoding="utf-8"?>
+<file path=ppt/tags/tag98.xml><?xml version="1.0" encoding="utf-8"?>
 <p:tagLst xmlns:a="http://schemas.openxmlformats.org/drawingml/2006/main" xmlns:r="http://schemas.openxmlformats.org/officeDocument/2006/relationships" xmlns:p="http://schemas.openxmlformats.org/presentationml/2006/main">
   <p:tag name="OUTPUTDPI" val="1200"/>
   <p:tag name="ORIGINALHEIGHT" val="87.73905"/>
@@ -50199,7 +50397,7 @@
 </p:tagLst>
 </file>
 
-<file path=ppt/tags/tag97.xml><?xml version="1.0" encoding="utf-8"?>
+<file path=ppt/tags/tag99.xml><?xml version="1.0" encoding="utf-8"?>
 <p:tagLst xmlns:a="http://schemas.openxmlformats.org/drawingml/2006/main" xmlns:r="http://schemas.openxmlformats.org/officeDocument/2006/relationships" xmlns:p="http://schemas.openxmlformats.org/presentationml/2006/main">
   <p:tag name="OUTPUTDPI" val="1200"/>
   <p:tag name="ORIGINALHEIGHT" val="89.98874"/>
@@ -50207,44 +50405,6 @@
   <p:tag name="LATEXADDIN" val="\documentclass{article}&#10;\usepackage{amsmath}&#10;\usepackage{xcolor}&#10;\usepackage{ragged2e}&#10;\pagestyle{empty}&#10;\begin{document}&#10;&#10;\definecolor{Monred}{RGB}{172,0,0}&#10;&#10;$&#10;Oulet \ Trunks&#10;$&#10;&#10;&#10;&#10;\end{document}"/>
   <p:tag name="IGUANATEXSIZE" val="20"/>
   <p:tag name="IGUANATEXCURSOR" val="177"/>
-  <p:tag name="TRANSPARENCY" val="True"/>
-  <p:tag name="FILENAME" val=""/>
-  <p:tag name="LATEXENGINEID" val="0"/>
-  <p:tag name="TEMPFOLDER" val="c:\temp\"/>
-  <p:tag name="LATEXFORMHEIGHT" val="312"/>
-  <p:tag name="LATEXFORMWIDTH" val="384"/>
-  <p:tag name="LATEXFORMWRAP" val="True"/>
-  <p:tag name="BITMAPVECTOR" val="0"/>
-</p:tagLst>
-</file>
-
-<file path=ppt/tags/tag98.xml><?xml version="1.0" encoding="utf-8"?>
-<p:tagLst xmlns:a="http://schemas.openxmlformats.org/drawingml/2006/main" xmlns:r="http://schemas.openxmlformats.org/officeDocument/2006/relationships" xmlns:p="http://schemas.openxmlformats.org/presentationml/2006/main">
-  <p:tag name="OUTPUTDPI" val="1200"/>
-  <p:tag name="ORIGINALHEIGHT" val="86.23921"/>
-  <p:tag name="ORIGINALWIDTH" val="341.9572"/>
-  <p:tag name="LATEXADDIN" val="\documentclass{article}&#10;\usepackage{amsmath}&#10;\usepackage{xcolor}&#10;\usepackage{ragged2e}&#10;\pagestyle{empty}&#10;\begin{document}&#10;&#10;\definecolor{Monred}{RGB}{172,0,0}&#10;&#10;$ Drain $&#10;&#10;&#10;\end{document}"/>
-  <p:tag name="IGUANATEXSIZE" val="20"/>
-  <p:tag name="IGUANATEXCURSOR" val="168"/>
-  <p:tag name="TRANSPARENCY" val="True"/>
-  <p:tag name="FILENAME" val=""/>
-  <p:tag name="LATEXENGINEID" val="0"/>
-  <p:tag name="TEMPFOLDER" val="c:\temp\"/>
-  <p:tag name="LATEXFORMHEIGHT" val="312"/>
-  <p:tag name="LATEXFORMWIDTH" val="384"/>
-  <p:tag name="LATEXFORMWRAP" val="True"/>
-  <p:tag name="BITMAPVECTOR" val="0"/>
-</p:tagLst>
-</file>
-
-<file path=ppt/tags/tag99.xml><?xml version="1.0" encoding="utf-8"?>
-<p:tagLst xmlns:a="http://schemas.openxmlformats.org/drawingml/2006/main" xmlns:r="http://schemas.openxmlformats.org/officeDocument/2006/relationships" xmlns:p="http://schemas.openxmlformats.org/presentationml/2006/main">
-  <p:tag name="OUTPUTDPI" val="1200"/>
-  <p:tag name="ORIGINALHEIGHT" val="260.9674"/>
-  <p:tag name="ORIGINALWIDTH" val="1325.834"/>
-  <p:tag name="LATEXADDIN" val="\documentclass{article}&#10;\usepackage{amsmath}&#10;\usepackage{xcolor}&#10;\usepackage{ragged2e}&#10;\pagestyle{empty}&#10;\begin{document}&#10;&#10;\definecolor{Monred}{RGB}{172,0,0}&#10;&#10;$ Exit \ to \ Distribution \\ System $&#10;&#10;&#10;\end{document}"/>
-  <p:tag name="IGUANATEXSIZE" val="20"/>
-  <p:tag name="IGUANATEXCURSOR" val="173"/>
   <p:tag name="TRANSPARENCY" val="True"/>
   <p:tag name="FILENAME" val=""/>
   <p:tag name="LATEXENGINEID" val="0"/>

--- a/ClareDiagrams.pptx
+++ b/ClareDiagrams.pptx
@@ -216,7 +216,7 @@
           <a:p>
             <a:fld id="{F874CE64-B02C-4A29-A5B8-BB55C61F4F91}" type="datetimeFigureOut">
               <a:rPr lang="en-US" smtClean="0"/>
-              <a:t>3/13/2019</a:t>
+              <a:t>3/18/2019</a:t>
             </a:fld>
             <a:endParaRPr lang="en-US"/>
           </a:p>
@@ -1065,7 +1065,7 @@
           <a:p>
             <a:fld id="{3721CA93-E140-4E2A-A30C-04BF0C6AAEA4}" type="datetimeFigureOut">
               <a:rPr lang="en-US" smtClean="0"/>
-              <a:t>3/13/2019</a:t>
+              <a:t>3/18/2019</a:t>
             </a:fld>
             <a:endParaRPr lang="en-US"/>
           </a:p>
@@ -1263,7 +1263,7 @@
           <a:p>
             <a:fld id="{3721CA93-E140-4E2A-A30C-04BF0C6AAEA4}" type="datetimeFigureOut">
               <a:rPr lang="en-US" smtClean="0"/>
-              <a:t>3/13/2019</a:t>
+              <a:t>3/18/2019</a:t>
             </a:fld>
             <a:endParaRPr lang="en-US"/>
           </a:p>
@@ -1471,7 +1471,7 @@
           <a:p>
             <a:fld id="{3721CA93-E140-4E2A-A30C-04BF0C6AAEA4}" type="datetimeFigureOut">
               <a:rPr lang="en-US" smtClean="0"/>
-              <a:t>3/13/2019</a:t>
+              <a:t>3/18/2019</a:t>
             </a:fld>
             <a:endParaRPr lang="en-US"/>
           </a:p>
@@ -1669,7 +1669,7 @@
           <a:p>
             <a:fld id="{3721CA93-E140-4E2A-A30C-04BF0C6AAEA4}" type="datetimeFigureOut">
               <a:rPr lang="en-US" smtClean="0"/>
-              <a:t>3/13/2019</a:t>
+              <a:t>3/18/2019</a:t>
             </a:fld>
             <a:endParaRPr lang="en-US"/>
           </a:p>
@@ -1944,7 +1944,7 @@
           <a:p>
             <a:fld id="{3721CA93-E140-4E2A-A30C-04BF0C6AAEA4}" type="datetimeFigureOut">
               <a:rPr lang="en-US" smtClean="0"/>
-              <a:t>3/13/2019</a:t>
+              <a:t>3/18/2019</a:t>
             </a:fld>
             <a:endParaRPr lang="en-US"/>
           </a:p>
@@ -2209,7 +2209,7 @@
           <a:p>
             <a:fld id="{3721CA93-E140-4E2A-A30C-04BF0C6AAEA4}" type="datetimeFigureOut">
               <a:rPr lang="en-US" smtClean="0"/>
-              <a:t>3/13/2019</a:t>
+              <a:t>3/18/2019</a:t>
             </a:fld>
             <a:endParaRPr lang="en-US"/>
           </a:p>
@@ -2621,7 +2621,7 @@
           <a:p>
             <a:fld id="{3721CA93-E140-4E2A-A30C-04BF0C6AAEA4}" type="datetimeFigureOut">
               <a:rPr lang="en-US" smtClean="0"/>
-              <a:t>3/13/2019</a:t>
+              <a:t>3/18/2019</a:t>
             </a:fld>
             <a:endParaRPr lang="en-US"/>
           </a:p>
@@ -2762,7 +2762,7 @@
           <a:p>
             <a:fld id="{3721CA93-E140-4E2A-A30C-04BF0C6AAEA4}" type="datetimeFigureOut">
               <a:rPr lang="en-US" smtClean="0"/>
-              <a:t>3/13/2019</a:t>
+              <a:t>3/18/2019</a:t>
             </a:fld>
             <a:endParaRPr lang="en-US"/>
           </a:p>
@@ -2875,7 +2875,7 @@
           <a:p>
             <a:fld id="{3721CA93-E140-4E2A-A30C-04BF0C6AAEA4}" type="datetimeFigureOut">
               <a:rPr lang="en-US" smtClean="0"/>
-              <a:t>3/13/2019</a:t>
+              <a:t>3/18/2019</a:t>
             </a:fld>
             <a:endParaRPr lang="en-US"/>
           </a:p>
@@ -3186,7 +3186,7 @@
           <a:p>
             <a:fld id="{3721CA93-E140-4E2A-A30C-04BF0C6AAEA4}" type="datetimeFigureOut">
               <a:rPr lang="en-US" smtClean="0"/>
-              <a:t>3/13/2019</a:t>
+              <a:t>3/18/2019</a:t>
             </a:fld>
             <a:endParaRPr lang="en-US"/>
           </a:p>
@@ -3474,7 +3474,7 @@
           <a:p>
             <a:fld id="{3721CA93-E140-4E2A-A30C-04BF0C6AAEA4}" type="datetimeFigureOut">
               <a:rPr lang="en-US" smtClean="0"/>
-              <a:t>3/13/2019</a:t>
+              <a:t>3/18/2019</a:t>
             </a:fld>
             <a:endParaRPr lang="en-US"/>
           </a:p>
@@ -3715,7 +3715,7 @@
           <a:p>
             <a:fld id="{3721CA93-E140-4E2A-A30C-04BF0C6AAEA4}" type="datetimeFigureOut">
               <a:rPr lang="en-US" smtClean="0"/>
-              <a:t>3/13/2019</a:t>
+              <a:t>3/18/2019</a:t>
             </a:fld>
             <a:endParaRPr lang="en-US"/>
           </a:p>
@@ -11504,92 +11504,12 @@
           <a:chExt cx="0" cy="0"/>
         </a:xfrm>
       </p:grpSpPr>
-      <p:pic>
-        <p:nvPicPr>
-          <p:cNvPr id="15" name="Picture 14">
+      <p:grpSp>
+        <p:nvGrpSpPr>
+          <p:cNvPr id="84" name="Group 83">
             <a:extLst>
               <a:ext uri="{FF2B5EF4-FFF2-40B4-BE49-F238E27FC236}">
-                <a16:creationId xmlns:a16="http://schemas.microsoft.com/office/drawing/2014/main" id="{0226BE80-1DC9-4093-97A5-1CB39EABE66C}"/>
-              </a:ext>
-            </a:extLst>
-          </p:cNvPr>
-          <p:cNvPicPr>
-            <a:picLocks noChangeAspect="1"/>
-          </p:cNvPicPr>
-          <p:nvPr>
-            <p:custDataLst>
-              <p:tags r:id="rId1"/>
-            </p:custDataLst>
-          </p:nvPr>
-        </p:nvPicPr>
-        <p:blipFill>
-          <a:blip r:embed="rId19">
-            <a:extLst>
-              <a:ext uri="{28A0092B-C50C-407E-A947-70E740481C1C}">
-                <a14:useLocalDpi xmlns:a14="http://schemas.microsoft.com/office/drawing/2010/main" val="0"/>
-              </a:ext>
-            </a:extLst>
-          </a:blip>
-          <a:stretch>
-            <a:fillRect/>
-          </a:stretch>
-        </p:blipFill>
-        <p:spPr>
-          <a:xfrm>
-            <a:off x="9739289" y="3658351"/>
-            <a:ext cx="598857" cy="178286"/>
-          </a:xfrm>
-          <a:prstGeom prst="rect">
-            <a:avLst/>
-          </a:prstGeom>
-        </p:spPr>
-      </p:pic>
-      <p:pic>
-        <p:nvPicPr>
-          <p:cNvPr id="17" name="Picture 16">
-            <a:extLst>
-              <a:ext uri="{FF2B5EF4-FFF2-40B4-BE49-F238E27FC236}">
-                <a16:creationId xmlns:a16="http://schemas.microsoft.com/office/drawing/2014/main" id="{41FC674A-03F8-4947-A4AE-70A18506F942}"/>
-              </a:ext>
-            </a:extLst>
-          </p:cNvPr>
-          <p:cNvPicPr>
-            <a:picLocks noChangeAspect="1"/>
-          </p:cNvPicPr>
-          <p:nvPr>
-            <p:custDataLst>
-              <p:tags r:id="rId2"/>
-            </p:custDataLst>
-          </p:nvPr>
-        </p:nvPicPr>
-        <p:blipFill>
-          <a:blip r:embed="rId20">
-            <a:extLst>
-              <a:ext uri="{28A0092B-C50C-407E-A947-70E740481C1C}">
-                <a14:useLocalDpi xmlns:a14="http://schemas.microsoft.com/office/drawing/2010/main" val="0"/>
-              </a:ext>
-            </a:extLst>
-          </a:blip>
-          <a:stretch>
-            <a:fillRect/>
-          </a:stretch>
-        </p:blipFill>
-        <p:spPr>
-          <a:xfrm>
-            <a:off x="717147" y="3775402"/>
-            <a:ext cx="795429" cy="184381"/>
-          </a:xfrm>
-          <a:prstGeom prst="rect">
-            <a:avLst/>
-          </a:prstGeom>
-        </p:spPr>
-      </p:pic>
-      <p:grpSp>
-        <p:nvGrpSpPr>
-          <p:cNvPr id="54" name="Group 53">
-            <a:extLst>
-              <a:ext uri="{FF2B5EF4-FFF2-40B4-BE49-F238E27FC236}">
-                <a16:creationId xmlns:a16="http://schemas.microsoft.com/office/drawing/2014/main" id="{2EB0CBF3-354F-4797-98EA-243FD3AB1C07}"/>
+                <a16:creationId xmlns:a16="http://schemas.microsoft.com/office/drawing/2014/main" id="{BD0A6DBC-31E5-444D-A83F-EA982D6E0FDC}"/>
               </a:ext>
             </a:extLst>
           </p:cNvPr>
@@ -11598,18 +11518,98 @@
         </p:nvGrpSpPr>
         <p:grpSpPr>
           <a:xfrm>
-            <a:off x="3769216" y="188890"/>
-            <a:ext cx="3230451" cy="6480220"/>
-            <a:chOff x="3769216" y="188890"/>
-            <a:chExt cx="3230451" cy="6480220"/>
+            <a:off x="717147" y="188890"/>
+            <a:ext cx="9620999" cy="6602568"/>
+            <a:chOff x="717147" y="188890"/>
+            <a:chExt cx="9620999" cy="6602568"/>
           </a:xfrm>
         </p:grpSpPr>
+        <p:pic>
+          <p:nvPicPr>
+            <p:cNvPr id="15" name="Picture 14">
+              <a:extLst>
+                <a:ext uri="{FF2B5EF4-FFF2-40B4-BE49-F238E27FC236}">
+                  <a16:creationId xmlns:a16="http://schemas.microsoft.com/office/drawing/2014/main" id="{0226BE80-1DC9-4093-97A5-1CB39EABE66C}"/>
+                </a:ext>
+              </a:extLst>
+            </p:cNvPr>
+            <p:cNvPicPr>
+              <a:picLocks noChangeAspect="1"/>
+            </p:cNvPicPr>
+            <p:nvPr>
+              <p:custDataLst>
+                <p:tags r:id="rId1"/>
+              </p:custDataLst>
+            </p:nvPr>
+          </p:nvPicPr>
+          <p:blipFill>
+            <a:blip r:embed="rId19">
+              <a:extLst>
+                <a:ext uri="{28A0092B-C50C-407E-A947-70E740481C1C}">
+                  <a14:useLocalDpi xmlns:a14="http://schemas.microsoft.com/office/drawing/2010/main" val="0"/>
+                </a:ext>
+              </a:extLst>
+            </a:blip>
+            <a:stretch>
+              <a:fillRect/>
+            </a:stretch>
+          </p:blipFill>
+          <p:spPr>
+            <a:xfrm>
+              <a:off x="9739289" y="3658351"/>
+              <a:ext cx="598857" cy="178286"/>
+            </a:xfrm>
+            <a:prstGeom prst="rect">
+              <a:avLst/>
+            </a:prstGeom>
+          </p:spPr>
+        </p:pic>
+        <p:pic>
+          <p:nvPicPr>
+            <p:cNvPr id="17" name="Picture 16">
+              <a:extLst>
+                <a:ext uri="{FF2B5EF4-FFF2-40B4-BE49-F238E27FC236}">
+                  <a16:creationId xmlns:a16="http://schemas.microsoft.com/office/drawing/2014/main" id="{41FC674A-03F8-4947-A4AE-70A18506F942}"/>
+                </a:ext>
+              </a:extLst>
+            </p:cNvPr>
+            <p:cNvPicPr>
+              <a:picLocks noChangeAspect="1"/>
+            </p:cNvPicPr>
+            <p:nvPr>
+              <p:custDataLst>
+                <p:tags r:id="rId2"/>
+              </p:custDataLst>
+            </p:nvPr>
+          </p:nvPicPr>
+          <p:blipFill>
+            <a:blip r:embed="rId20">
+              <a:extLst>
+                <a:ext uri="{28A0092B-C50C-407E-A947-70E740481C1C}">
+                  <a14:useLocalDpi xmlns:a14="http://schemas.microsoft.com/office/drawing/2010/main" val="0"/>
+                </a:ext>
+              </a:extLst>
+            </a:blip>
+            <a:stretch>
+              <a:fillRect/>
+            </a:stretch>
+          </p:blipFill>
+          <p:spPr>
+            <a:xfrm>
+              <a:off x="717147" y="3775402"/>
+              <a:ext cx="795429" cy="184381"/>
+            </a:xfrm>
+            <a:prstGeom prst="rect">
+              <a:avLst/>
+            </a:prstGeom>
+          </p:spPr>
+        </p:pic>
         <p:grpSp>
           <p:nvGrpSpPr>
-            <p:cNvPr id="13" name="Group 12">
+            <p:cNvPr id="54" name="Group 53">
               <a:extLst>
                 <a:ext uri="{FF2B5EF4-FFF2-40B4-BE49-F238E27FC236}">
-                  <a16:creationId xmlns:a16="http://schemas.microsoft.com/office/drawing/2014/main" id="{4EC59A72-FAE2-4BDC-B34F-AA99183B4C3F}"/>
+                  <a16:creationId xmlns:a16="http://schemas.microsoft.com/office/drawing/2014/main" id="{2EB0CBF3-354F-4797-98EA-243FD3AB1C07}"/>
                 </a:ext>
               </a:extLst>
             </p:cNvPr>
@@ -11620,68 +11620,432 @@
             <a:xfrm>
               <a:off x="3769216" y="188890"/>
               <a:ext cx="3230451" cy="6480220"/>
-              <a:chOff x="3494468" y="-1086117"/>
+              <a:chOff x="3769216" y="188890"/>
               <a:chExt cx="3230451" cy="6480220"/>
             </a:xfrm>
           </p:grpSpPr>
-          <p:sp>
-            <p:nvSpPr>
-              <p:cNvPr id="12" name="Rectangle 11">
+          <p:grpSp>
+            <p:nvGrpSpPr>
+              <p:cNvPr id="13" name="Group 12">
                 <a:extLst>
                   <a:ext uri="{FF2B5EF4-FFF2-40B4-BE49-F238E27FC236}">
-                    <a16:creationId xmlns:a16="http://schemas.microsoft.com/office/drawing/2014/main" id="{3B60593A-A81D-43D9-97F3-9766883235EB}"/>
+                    <a16:creationId xmlns:a16="http://schemas.microsoft.com/office/drawing/2014/main" id="{4EC59A72-FAE2-4BDC-B34F-AA99183B4C3F}"/>
                   </a:ext>
                 </a:extLst>
               </p:cNvPr>
-              <p:cNvSpPr/>
+              <p:cNvGrpSpPr/>
               <p:nvPr/>
-            </p:nvSpPr>
-            <p:spPr>
+            </p:nvGrpSpPr>
+            <p:grpSpPr>
               <a:xfrm>
-                <a:off x="3790683" y="-1086117"/>
-                <a:ext cx="2601532" cy="6480220"/>
+                <a:off x="3769216" y="188890"/>
+                <a:ext cx="3230451" cy="6480220"/>
+                <a:chOff x="3494468" y="-1086117"/>
+                <a:chExt cx="3230451" cy="6480220"/>
               </a:xfrm>
-              <a:prstGeom prst="rect">
-                <a:avLst/>
-              </a:prstGeom>
-              <a:solidFill>
-                <a:schemeClr val="accent1">
-                  <a:lumMod val="20000"/>
-                  <a:lumOff val="80000"/>
-                </a:schemeClr>
-              </a:solidFill>
-            </p:spPr>
-            <p:style>
-              <a:lnRef idx="2">
-                <a:schemeClr val="accent1">
-                  <a:shade val="50000"/>
-                </a:schemeClr>
-              </a:lnRef>
-              <a:fillRef idx="1">
-                <a:schemeClr val="accent1"/>
-              </a:fillRef>
-              <a:effectRef idx="0">
-                <a:schemeClr val="accent1"/>
-              </a:effectRef>
-              <a:fontRef idx="minor">
-                <a:schemeClr val="lt1"/>
-              </a:fontRef>
-            </p:style>
-            <p:txBody>
-              <a:bodyPr rtlCol="0" anchor="ctr"/>
-              <a:lstStyle/>
-              <a:p>
-                <a:pPr algn="ctr"/>
-                <a:endParaRPr lang="en-US"/>
-              </a:p>
-            </p:txBody>
-          </p:sp>
+            </p:grpSpPr>
+            <p:sp>
+              <p:nvSpPr>
+                <p:cNvPr id="12" name="Rectangle 11">
+                  <a:extLst>
+                    <a:ext uri="{FF2B5EF4-FFF2-40B4-BE49-F238E27FC236}">
+                      <a16:creationId xmlns:a16="http://schemas.microsoft.com/office/drawing/2014/main" id="{3B60593A-A81D-43D9-97F3-9766883235EB}"/>
+                    </a:ext>
+                  </a:extLst>
+                </p:cNvPr>
+                <p:cNvSpPr/>
+                <p:nvPr/>
+              </p:nvSpPr>
+              <p:spPr>
+                <a:xfrm>
+                  <a:off x="3790683" y="-1086117"/>
+                  <a:ext cx="2601532" cy="6480220"/>
+                </a:xfrm>
+                <a:prstGeom prst="rect">
+                  <a:avLst/>
+                </a:prstGeom>
+                <a:solidFill>
+                  <a:schemeClr val="accent1">
+                    <a:lumMod val="20000"/>
+                    <a:lumOff val="80000"/>
+                  </a:schemeClr>
+                </a:solidFill>
+              </p:spPr>
+              <p:style>
+                <a:lnRef idx="2">
+                  <a:schemeClr val="accent1">
+                    <a:shade val="50000"/>
+                  </a:schemeClr>
+                </a:lnRef>
+                <a:fillRef idx="1">
+                  <a:schemeClr val="accent1"/>
+                </a:fillRef>
+                <a:effectRef idx="0">
+                  <a:schemeClr val="accent1"/>
+                </a:effectRef>
+                <a:fontRef idx="minor">
+                  <a:schemeClr val="lt1"/>
+                </a:fontRef>
+              </p:style>
+              <p:txBody>
+                <a:bodyPr rtlCol="0" anchor="ctr"/>
+                <a:lstStyle/>
+                <a:p>
+                  <a:pPr algn="ctr"/>
+                  <a:endParaRPr lang="en-US"/>
+                </a:p>
+              </p:txBody>
+            </p:sp>
+            <p:grpSp>
+              <p:nvGrpSpPr>
+                <p:cNvPr id="11" name="Group 10">
+                  <a:extLst>
+                    <a:ext uri="{FF2B5EF4-FFF2-40B4-BE49-F238E27FC236}">
+                      <a16:creationId xmlns:a16="http://schemas.microsoft.com/office/drawing/2014/main" id="{CE687F31-016D-4011-8506-2094D0B4EAFB}"/>
+                    </a:ext>
+                  </a:extLst>
+                </p:cNvPr>
+                <p:cNvGrpSpPr/>
+                <p:nvPr/>
+              </p:nvGrpSpPr>
+              <p:grpSpPr>
+                <a:xfrm rot="10800000">
+                  <a:off x="3494468" y="1053928"/>
+                  <a:ext cx="3230451" cy="4340173"/>
+                  <a:chOff x="3494468" y="1053928"/>
+                  <a:chExt cx="3230451" cy="4340173"/>
+                </a:xfrm>
+              </p:grpSpPr>
+              <p:sp>
+                <p:nvSpPr>
+                  <p:cNvPr id="4" name="Rectangle: Rounded Corners 3">
+                    <a:extLst>
+                      <a:ext uri="{FF2B5EF4-FFF2-40B4-BE49-F238E27FC236}">
+                        <a16:creationId xmlns:a16="http://schemas.microsoft.com/office/drawing/2014/main" id="{D5756822-CDC4-495B-8611-01A3570955E7}"/>
+                      </a:ext>
+                    </a:extLst>
+                  </p:cNvPr>
+                  <p:cNvSpPr/>
+                  <p:nvPr/>
+                </p:nvSpPr>
+                <p:spPr>
+                  <a:xfrm>
+                    <a:off x="3494468" y="1053928"/>
+                    <a:ext cx="2601532" cy="193183"/>
+                  </a:xfrm>
+                  <a:prstGeom prst="roundRect">
+                    <a:avLst/>
+                  </a:prstGeom>
+                </p:spPr>
+                <p:style>
+                  <a:lnRef idx="2">
+                    <a:schemeClr val="accent1">
+                      <a:shade val="50000"/>
+                    </a:schemeClr>
+                  </a:lnRef>
+                  <a:fillRef idx="1">
+                    <a:schemeClr val="accent1"/>
+                  </a:fillRef>
+                  <a:effectRef idx="0">
+                    <a:schemeClr val="accent1"/>
+                  </a:effectRef>
+                  <a:fontRef idx="minor">
+                    <a:schemeClr val="lt1"/>
+                  </a:fontRef>
+                </p:style>
+                <p:txBody>
+                  <a:bodyPr rtlCol="0" anchor="ctr"/>
+                  <a:lstStyle/>
+                  <a:p>
+                    <a:pPr algn="ctr"/>
+                    <a:endParaRPr lang="en-US"/>
+                  </a:p>
+                </p:txBody>
+              </p:sp>
+              <p:sp>
+                <p:nvSpPr>
+                  <p:cNvPr id="5" name="Rectangle: Rounded Corners 4">
+                    <a:extLst>
+                      <a:ext uri="{FF2B5EF4-FFF2-40B4-BE49-F238E27FC236}">
+                        <a16:creationId xmlns:a16="http://schemas.microsoft.com/office/drawing/2014/main" id="{60563BC4-5D53-4FCB-B999-9A347CE8CC01}"/>
+                      </a:ext>
+                    </a:extLst>
+                  </p:cNvPr>
+                  <p:cNvSpPr/>
+                  <p:nvPr/>
+                </p:nvSpPr>
+                <p:spPr>
+                  <a:xfrm>
+                    <a:off x="4123387" y="1745093"/>
+                    <a:ext cx="2601532" cy="193183"/>
+                  </a:xfrm>
+                  <a:prstGeom prst="roundRect">
+                    <a:avLst/>
+                  </a:prstGeom>
+                </p:spPr>
+                <p:style>
+                  <a:lnRef idx="2">
+                    <a:schemeClr val="accent1">
+                      <a:shade val="50000"/>
+                    </a:schemeClr>
+                  </a:lnRef>
+                  <a:fillRef idx="1">
+                    <a:schemeClr val="accent1"/>
+                  </a:fillRef>
+                  <a:effectRef idx="0">
+                    <a:schemeClr val="accent1"/>
+                  </a:effectRef>
+                  <a:fontRef idx="minor">
+                    <a:schemeClr val="lt1"/>
+                  </a:fontRef>
+                </p:style>
+                <p:txBody>
+                  <a:bodyPr rtlCol="0" anchor="ctr"/>
+                  <a:lstStyle/>
+                  <a:p>
+                    <a:pPr algn="ctr"/>
+                    <a:endParaRPr lang="en-US"/>
+                  </a:p>
+                </p:txBody>
+              </p:sp>
+              <p:sp>
+                <p:nvSpPr>
+                  <p:cNvPr id="6" name="Rectangle: Rounded Corners 5">
+                    <a:extLst>
+                      <a:ext uri="{FF2B5EF4-FFF2-40B4-BE49-F238E27FC236}">
+                        <a16:creationId xmlns:a16="http://schemas.microsoft.com/office/drawing/2014/main" id="{014D41B6-7168-495D-B269-7DD74C1C3277}"/>
+                      </a:ext>
+                    </a:extLst>
+                  </p:cNvPr>
+                  <p:cNvSpPr/>
+                  <p:nvPr/>
+                </p:nvSpPr>
+                <p:spPr>
+                  <a:xfrm>
+                    <a:off x="3494468" y="2436258"/>
+                    <a:ext cx="2601532" cy="193183"/>
+                  </a:xfrm>
+                  <a:prstGeom prst="roundRect">
+                    <a:avLst/>
+                  </a:prstGeom>
+                </p:spPr>
+                <p:style>
+                  <a:lnRef idx="2">
+                    <a:schemeClr val="accent1">
+                      <a:shade val="50000"/>
+                    </a:schemeClr>
+                  </a:lnRef>
+                  <a:fillRef idx="1">
+                    <a:schemeClr val="accent1"/>
+                  </a:fillRef>
+                  <a:effectRef idx="0">
+                    <a:schemeClr val="accent1"/>
+                  </a:effectRef>
+                  <a:fontRef idx="minor">
+                    <a:schemeClr val="lt1"/>
+                  </a:fontRef>
+                </p:style>
+                <p:txBody>
+                  <a:bodyPr rtlCol="0" anchor="ctr"/>
+                  <a:lstStyle/>
+                  <a:p>
+                    <a:pPr algn="ctr"/>
+                    <a:endParaRPr lang="en-US"/>
+                  </a:p>
+                </p:txBody>
+              </p:sp>
+              <p:sp>
+                <p:nvSpPr>
+                  <p:cNvPr id="7" name="Rectangle: Rounded Corners 6">
+                    <a:extLst>
+                      <a:ext uri="{FF2B5EF4-FFF2-40B4-BE49-F238E27FC236}">
+                        <a16:creationId xmlns:a16="http://schemas.microsoft.com/office/drawing/2014/main" id="{404387B8-B4E9-4C0E-BCBB-DE987B101704}"/>
+                      </a:ext>
+                    </a:extLst>
+                  </p:cNvPr>
+                  <p:cNvSpPr/>
+                  <p:nvPr/>
+                </p:nvSpPr>
+                <p:spPr>
+                  <a:xfrm>
+                    <a:off x="4112654" y="3127423"/>
+                    <a:ext cx="2601532" cy="193183"/>
+                  </a:xfrm>
+                  <a:prstGeom prst="roundRect">
+                    <a:avLst/>
+                  </a:prstGeom>
+                </p:spPr>
+                <p:style>
+                  <a:lnRef idx="2">
+                    <a:schemeClr val="accent1">
+                      <a:shade val="50000"/>
+                    </a:schemeClr>
+                  </a:lnRef>
+                  <a:fillRef idx="1">
+                    <a:schemeClr val="accent1"/>
+                  </a:fillRef>
+                  <a:effectRef idx="0">
+                    <a:schemeClr val="accent1"/>
+                  </a:effectRef>
+                  <a:fontRef idx="minor">
+                    <a:schemeClr val="lt1"/>
+                  </a:fontRef>
+                </p:style>
+                <p:txBody>
+                  <a:bodyPr rtlCol="0" anchor="ctr"/>
+                  <a:lstStyle/>
+                  <a:p>
+                    <a:pPr algn="ctr"/>
+                    <a:endParaRPr lang="en-US"/>
+                  </a:p>
+                </p:txBody>
+              </p:sp>
+              <p:sp>
+                <p:nvSpPr>
+                  <p:cNvPr id="8" name="Rectangle: Rounded Corners 7">
+                    <a:extLst>
+                      <a:ext uri="{FF2B5EF4-FFF2-40B4-BE49-F238E27FC236}">
+                        <a16:creationId xmlns:a16="http://schemas.microsoft.com/office/drawing/2014/main" id="{E56D3983-A844-480B-A0EB-A2454A1F4BC9}"/>
+                      </a:ext>
+                    </a:extLst>
+                  </p:cNvPr>
+                  <p:cNvSpPr/>
+                  <p:nvPr/>
+                </p:nvSpPr>
+                <p:spPr>
+                  <a:xfrm>
+                    <a:off x="3494468" y="3818588"/>
+                    <a:ext cx="2601532" cy="193183"/>
+                  </a:xfrm>
+                  <a:prstGeom prst="roundRect">
+                    <a:avLst/>
+                  </a:prstGeom>
+                </p:spPr>
+                <p:style>
+                  <a:lnRef idx="2">
+                    <a:schemeClr val="accent1">
+                      <a:shade val="50000"/>
+                    </a:schemeClr>
+                  </a:lnRef>
+                  <a:fillRef idx="1">
+                    <a:schemeClr val="accent1"/>
+                  </a:fillRef>
+                  <a:effectRef idx="0">
+                    <a:schemeClr val="accent1"/>
+                  </a:effectRef>
+                  <a:fontRef idx="minor">
+                    <a:schemeClr val="lt1"/>
+                  </a:fontRef>
+                </p:style>
+                <p:txBody>
+                  <a:bodyPr rtlCol="0" anchor="ctr"/>
+                  <a:lstStyle/>
+                  <a:p>
+                    <a:pPr algn="ctr"/>
+                    <a:endParaRPr lang="en-US"/>
+                  </a:p>
+                </p:txBody>
+              </p:sp>
+              <p:sp>
+                <p:nvSpPr>
+                  <p:cNvPr id="9" name="Rectangle: Rounded Corners 8">
+                    <a:extLst>
+                      <a:ext uri="{FF2B5EF4-FFF2-40B4-BE49-F238E27FC236}">
+                        <a16:creationId xmlns:a16="http://schemas.microsoft.com/office/drawing/2014/main" id="{3A524E27-A638-4506-9A7A-ECDF2B8A7B90}"/>
+                      </a:ext>
+                    </a:extLst>
+                  </p:cNvPr>
+                  <p:cNvSpPr/>
+                  <p:nvPr/>
+                </p:nvSpPr>
+                <p:spPr>
+                  <a:xfrm>
+                    <a:off x="4112654" y="4509753"/>
+                    <a:ext cx="2601532" cy="193183"/>
+                  </a:xfrm>
+                  <a:prstGeom prst="roundRect">
+                    <a:avLst/>
+                  </a:prstGeom>
+                </p:spPr>
+                <p:style>
+                  <a:lnRef idx="2">
+                    <a:schemeClr val="accent1">
+                      <a:shade val="50000"/>
+                    </a:schemeClr>
+                  </a:lnRef>
+                  <a:fillRef idx="1">
+                    <a:schemeClr val="accent1"/>
+                  </a:fillRef>
+                  <a:effectRef idx="0">
+                    <a:schemeClr val="accent1"/>
+                  </a:effectRef>
+                  <a:fontRef idx="minor">
+                    <a:schemeClr val="lt1"/>
+                  </a:fontRef>
+                </p:style>
+                <p:txBody>
+                  <a:bodyPr rtlCol="0" anchor="ctr"/>
+                  <a:lstStyle/>
+                  <a:p>
+                    <a:pPr algn="ctr"/>
+                    <a:endParaRPr lang="en-US"/>
+                  </a:p>
+                </p:txBody>
+              </p:sp>
+              <p:sp>
+                <p:nvSpPr>
+                  <p:cNvPr id="10" name="Rectangle: Rounded Corners 9">
+                    <a:extLst>
+                      <a:ext uri="{FF2B5EF4-FFF2-40B4-BE49-F238E27FC236}">
+                        <a16:creationId xmlns:a16="http://schemas.microsoft.com/office/drawing/2014/main" id="{432EAE0F-E204-4293-9028-243B16D86A09}"/>
+                      </a:ext>
+                    </a:extLst>
+                  </p:cNvPr>
+                  <p:cNvSpPr/>
+                  <p:nvPr/>
+                </p:nvSpPr>
+                <p:spPr>
+                  <a:xfrm>
+                    <a:off x="3494468" y="5200918"/>
+                    <a:ext cx="2601532" cy="193183"/>
+                  </a:xfrm>
+                  <a:prstGeom prst="roundRect">
+                    <a:avLst/>
+                  </a:prstGeom>
+                </p:spPr>
+                <p:style>
+                  <a:lnRef idx="2">
+                    <a:schemeClr val="accent1">
+                      <a:shade val="50000"/>
+                    </a:schemeClr>
+                  </a:lnRef>
+                  <a:fillRef idx="1">
+                    <a:schemeClr val="accent1"/>
+                  </a:fillRef>
+                  <a:effectRef idx="0">
+                    <a:schemeClr val="accent1"/>
+                  </a:effectRef>
+                  <a:fontRef idx="minor">
+                    <a:schemeClr val="lt1"/>
+                  </a:fontRef>
+                </p:style>
+                <p:txBody>
+                  <a:bodyPr rtlCol="0" anchor="ctr"/>
+                  <a:lstStyle/>
+                  <a:p>
+                    <a:pPr algn="ctr"/>
+                    <a:endParaRPr lang="en-US"/>
+                  </a:p>
+                </p:txBody>
+              </p:sp>
+            </p:grpSp>
+          </p:grpSp>
           <p:grpSp>
             <p:nvGrpSpPr>
-              <p:cNvPr id="11" name="Group 10">
+              <p:cNvPr id="23" name="Group 22">
                 <a:extLst>
                   <a:ext uri="{FF2B5EF4-FFF2-40B4-BE49-F238E27FC236}">
-                    <a16:creationId xmlns:a16="http://schemas.microsoft.com/office/drawing/2014/main" id="{CE687F31-016D-4011-8506-2094D0B4EAFB}"/>
+                    <a16:creationId xmlns:a16="http://schemas.microsoft.com/office/drawing/2014/main" id="{E453B505-685C-4423-A303-B2EA0759D4AC}"/>
                   </a:ext>
                 </a:extLst>
               </p:cNvPr>
@@ -11690,18 +12054,18 @@
             </p:nvGrpSpPr>
             <p:grpSpPr>
               <a:xfrm rot="10800000">
-                <a:off x="3494468" y="1053928"/>
-                <a:ext cx="3230451" cy="4340173"/>
-                <a:chOff x="3494468" y="1053928"/>
-                <a:chExt cx="3230451" cy="4340173"/>
+                <a:off x="4464676" y="4658910"/>
+                <a:ext cx="2075636" cy="363829"/>
+                <a:chOff x="4496873" y="2572559"/>
+                <a:chExt cx="2075636" cy="363829"/>
               </a:xfrm>
             </p:grpSpPr>
             <p:sp>
               <p:nvSpPr>
-                <p:cNvPr id="4" name="Rectangle: Rounded Corners 3">
+                <p:cNvPr id="18" name="Arrow: Down 17">
                   <a:extLst>
                     <a:ext uri="{FF2B5EF4-FFF2-40B4-BE49-F238E27FC236}">
-                      <a16:creationId xmlns:a16="http://schemas.microsoft.com/office/drawing/2014/main" id="{D5756822-CDC4-495B-8611-01A3570955E7}"/>
+                      <a16:creationId xmlns:a16="http://schemas.microsoft.com/office/drawing/2014/main" id="{FD4FB74F-5FF7-4984-9C3E-8EB93C4193EA}"/>
                     </a:ext>
                   </a:extLst>
                 </p:cNvPr>
@@ -11710,12 +12074,13 @@
               </p:nvSpPr>
               <p:spPr>
                 <a:xfrm>
-                  <a:off x="3494468" y="1053928"/>
-                  <a:ext cx="2601532" cy="193183"/>
+                  <a:off x="4496873" y="2575780"/>
+                  <a:ext cx="141667" cy="360608"/>
                 </a:xfrm>
-                <a:prstGeom prst="roundRect">
+                <a:prstGeom prst="downArrow">
                   <a:avLst/>
                 </a:prstGeom>
+                <a:noFill/>
               </p:spPr>
               <p:style>
                 <a:lnRef idx="2">
@@ -11744,10 +12109,10 @@
             </p:sp>
             <p:sp>
               <p:nvSpPr>
-                <p:cNvPr id="5" name="Rectangle: Rounded Corners 4">
+                <p:cNvPr id="19" name="Arrow: Down 18">
                   <a:extLst>
                     <a:ext uri="{FF2B5EF4-FFF2-40B4-BE49-F238E27FC236}">
-                      <a16:creationId xmlns:a16="http://schemas.microsoft.com/office/drawing/2014/main" id="{60563BC4-5D53-4FCB-B999-9A347CE8CC01}"/>
+                      <a16:creationId xmlns:a16="http://schemas.microsoft.com/office/drawing/2014/main" id="{E7CB3BFA-EE65-401F-BCE7-4C34A377509D}"/>
                     </a:ext>
                   </a:extLst>
                 </p:cNvPr>
@@ -11756,12 +12121,13 @@
               </p:nvSpPr>
               <p:spPr>
                 <a:xfrm>
-                  <a:off x="4123387" y="1745093"/>
-                  <a:ext cx="2601532" cy="193183"/>
+                  <a:off x="4965876" y="2575780"/>
+                  <a:ext cx="141667" cy="360608"/>
                 </a:xfrm>
-                <a:prstGeom prst="roundRect">
+                <a:prstGeom prst="downArrow">
                   <a:avLst/>
                 </a:prstGeom>
+                <a:noFill/>
               </p:spPr>
               <p:style>
                 <a:lnRef idx="2">
@@ -11790,10 +12156,10 @@
             </p:sp>
             <p:sp>
               <p:nvSpPr>
-                <p:cNvPr id="6" name="Rectangle: Rounded Corners 5">
+                <p:cNvPr id="20" name="Arrow: Down 19">
                   <a:extLst>
                     <a:ext uri="{FF2B5EF4-FFF2-40B4-BE49-F238E27FC236}">
-                      <a16:creationId xmlns:a16="http://schemas.microsoft.com/office/drawing/2014/main" id="{014D41B6-7168-495D-B269-7DD74C1C3277}"/>
+                      <a16:creationId xmlns:a16="http://schemas.microsoft.com/office/drawing/2014/main" id="{76145E1D-0B7E-483D-A95C-9D3A82EBAD39}"/>
                     </a:ext>
                   </a:extLst>
                 </p:cNvPr>
@@ -11802,12 +12168,13 @@
               </p:nvSpPr>
               <p:spPr>
                 <a:xfrm>
-                  <a:off x="3494468" y="2436258"/>
-                  <a:ext cx="2601532" cy="193183"/>
+                  <a:off x="5454198" y="2575780"/>
+                  <a:ext cx="141667" cy="360608"/>
                 </a:xfrm>
-                <a:prstGeom prst="roundRect">
+                <a:prstGeom prst="downArrow">
                   <a:avLst/>
                 </a:prstGeom>
+                <a:noFill/>
               </p:spPr>
               <p:style>
                 <a:lnRef idx="2">
@@ -11836,10 +12203,10 @@
             </p:sp>
             <p:sp>
               <p:nvSpPr>
-                <p:cNvPr id="7" name="Rectangle: Rounded Corners 6">
+                <p:cNvPr id="21" name="Arrow: Down 20">
                   <a:extLst>
                     <a:ext uri="{FF2B5EF4-FFF2-40B4-BE49-F238E27FC236}">
-                      <a16:creationId xmlns:a16="http://schemas.microsoft.com/office/drawing/2014/main" id="{404387B8-B4E9-4C0E-BCBB-DE987B101704}"/>
+                      <a16:creationId xmlns:a16="http://schemas.microsoft.com/office/drawing/2014/main" id="{42751251-0491-4A7B-A7F0-D8A1DA58ED62}"/>
                     </a:ext>
                   </a:extLst>
                 </p:cNvPr>
@@ -11848,12 +12215,13 @@
               </p:nvSpPr>
               <p:spPr>
                 <a:xfrm>
-                  <a:off x="4112654" y="3127423"/>
-                  <a:ext cx="2601532" cy="193183"/>
+                  <a:off x="5942520" y="2572559"/>
+                  <a:ext cx="141667" cy="360608"/>
                 </a:xfrm>
-                <a:prstGeom prst="roundRect">
+                <a:prstGeom prst="downArrow">
                   <a:avLst/>
                 </a:prstGeom>
+                <a:noFill/>
               </p:spPr>
               <p:style>
                 <a:lnRef idx="2">
@@ -11882,10 +12250,10 @@
             </p:sp>
             <p:sp>
               <p:nvSpPr>
-                <p:cNvPr id="8" name="Rectangle: Rounded Corners 7">
+                <p:cNvPr id="22" name="Arrow: Down 21">
                   <a:extLst>
                     <a:ext uri="{FF2B5EF4-FFF2-40B4-BE49-F238E27FC236}">
-                      <a16:creationId xmlns:a16="http://schemas.microsoft.com/office/drawing/2014/main" id="{E56D3983-A844-480B-A0EB-A2454A1F4BC9}"/>
+                      <a16:creationId xmlns:a16="http://schemas.microsoft.com/office/drawing/2014/main" id="{5CEBEBB6-CFB1-40CE-86B4-7A29EA54E60C}"/>
                     </a:ext>
                   </a:extLst>
                 </p:cNvPr>
@@ -11894,12 +12262,81 @@
               </p:nvSpPr>
               <p:spPr>
                 <a:xfrm>
-                  <a:off x="3494468" y="3818588"/>
-                  <a:ext cx="2601532" cy="193183"/>
+                  <a:off x="6430842" y="2572559"/>
+                  <a:ext cx="141667" cy="360608"/>
                 </a:xfrm>
-                <a:prstGeom prst="roundRect">
+                <a:prstGeom prst="downArrow">
                   <a:avLst/>
                 </a:prstGeom>
+                <a:noFill/>
+              </p:spPr>
+              <p:style>
+                <a:lnRef idx="2">
+                  <a:schemeClr val="accent1">
+                    <a:shade val="50000"/>
+                  </a:schemeClr>
+                </a:lnRef>
+                <a:fillRef idx="1">
+                  <a:schemeClr val="accent1"/>
+                </a:fillRef>
+                <a:effectRef idx="0">
+                  <a:schemeClr val="accent1"/>
+                </a:effectRef>
+                <a:fontRef idx="minor">
+                  <a:schemeClr val="lt1"/>
+                </a:fontRef>
+              </p:style>
+              <p:txBody>
+                <a:bodyPr rtlCol="0" anchor="ctr"/>
+                <a:lstStyle/>
+                <a:p>
+                  <a:pPr algn="ctr"/>
+                  <a:endParaRPr lang="en-US"/>
+                </a:p>
+              </p:txBody>
+            </p:sp>
+          </p:grpSp>
+          <p:grpSp>
+            <p:nvGrpSpPr>
+              <p:cNvPr id="24" name="Group 23">
+                <a:extLst>
+                  <a:ext uri="{FF2B5EF4-FFF2-40B4-BE49-F238E27FC236}">
+                    <a16:creationId xmlns:a16="http://schemas.microsoft.com/office/drawing/2014/main" id="{748D221F-363A-4E7B-8261-86A069343610}"/>
+                  </a:ext>
+                </a:extLst>
+              </p:cNvPr>
+              <p:cNvGrpSpPr/>
+              <p:nvPr/>
+            </p:nvGrpSpPr>
+            <p:grpSpPr>
+              <a:xfrm>
+                <a:off x="4411017" y="2585415"/>
+                <a:ext cx="2075636" cy="363829"/>
+                <a:chOff x="4496873" y="2572559"/>
+                <a:chExt cx="2075636" cy="363829"/>
+              </a:xfrm>
+            </p:grpSpPr>
+            <p:sp>
+              <p:nvSpPr>
+                <p:cNvPr id="25" name="Arrow: Down 24">
+                  <a:extLst>
+                    <a:ext uri="{FF2B5EF4-FFF2-40B4-BE49-F238E27FC236}">
+                      <a16:creationId xmlns:a16="http://schemas.microsoft.com/office/drawing/2014/main" id="{179C822A-41E2-4A2F-B354-6161663E9B57}"/>
+                    </a:ext>
+                  </a:extLst>
+                </p:cNvPr>
+                <p:cNvSpPr/>
+                <p:nvPr/>
+              </p:nvSpPr>
+              <p:spPr>
+                <a:xfrm>
+                  <a:off x="4496873" y="2575780"/>
+                  <a:ext cx="141667" cy="360608"/>
+                </a:xfrm>
+                <a:prstGeom prst="downArrow">
+                  <a:avLst/>
+                </a:prstGeom>
+                <a:noFill/>
               </p:spPr>
               <p:style>
                 <a:lnRef idx="2">
@@ -11928,10 +12365,10 @@
             </p:sp>
             <p:sp>
               <p:nvSpPr>
-                <p:cNvPr id="9" name="Rectangle: Rounded Corners 8">
+                <p:cNvPr id="26" name="Arrow: Down 25">
                   <a:extLst>
                     <a:ext uri="{FF2B5EF4-FFF2-40B4-BE49-F238E27FC236}">
-                      <a16:creationId xmlns:a16="http://schemas.microsoft.com/office/drawing/2014/main" id="{3A524E27-A638-4506-9A7A-ECDF2B8A7B90}"/>
+                      <a16:creationId xmlns:a16="http://schemas.microsoft.com/office/drawing/2014/main" id="{507DE5A3-C29A-4B8B-977E-26D210FDFE5B}"/>
                     </a:ext>
                   </a:extLst>
                 </p:cNvPr>
@@ -11940,12 +12377,60 @@
               </p:nvSpPr>
               <p:spPr>
                 <a:xfrm>
-                  <a:off x="4112654" y="4509753"/>
-                  <a:ext cx="2601532" cy="193183"/>
+                  <a:off x="4965876" y="2575780"/>
+                  <a:ext cx="141667" cy="360608"/>
                 </a:xfrm>
-                <a:prstGeom prst="roundRect">
+                <a:prstGeom prst="downArrow">
                   <a:avLst/>
                 </a:prstGeom>
+                <a:noFill/>
+              </p:spPr>
+              <p:style>
+                <a:lnRef idx="2">
+                  <a:schemeClr val="accent1">
+                    <a:shade val="50000"/>
+                  </a:schemeClr>
+                </a:lnRef>
+                <a:fillRef idx="1">
+                  <a:schemeClr val="accent1"/>
+                </a:fillRef>
+                <a:effectRef idx="0">
+                  <a:schemeClr val="accent1"/>
+                </a:effectRef>
+                <a:fontRef idx="minor">
+                  <a:schemeClr val="lt1"/>
+                </a:fontRef>
+              </p:style>
+              <p:txBody>
+                <a:bodyPr rtlCol="0" anchor="ctr"/>
+                <a:lstStyle/>
+                <a:p>
+                  <a:pPr algn="ctr"/>
+                  <a:endParaRPr lang="en-US" dirty="0"/>
+                </a:p>
+              </p:txBody>
+            </p:sp>
+            <p:sp>
+              <p:nvSpPr>
+                <p:cNvPr id="27" name="Arrow: Down 26">
+                  <a:extLst>
+                    <a:ext uri="{FF2B5EF4-FFF2-40B4-BE49-F238E27FC236}">
+                      <a16:creationId xmlns:a16="http://schemas.microsoft.com/office/drawing/2014/main" id="{090BFB16-FF80-41CD-896F-564039850332}"/>
+                    </a:ext>
+                  </a:extLst>
+                </p:cNvPr>
+                <p:cNvSpPr/>
+                <p:nvPr/>
+              </p:nvSpPr>
+              <p:spPr>
+                <a:xfrm>
+                  <a:off x="5454198" y="2575780"/>
+                  <a:ext cx="141667" cy="360608"/>
+                </a:xfrm>
+                <a:prstGeom prst="downArrow">
+                  <a:avLst/>
+                </a:prstGeom>
+                <a:noFill/>
               </p:spPr>
               <p:style>
                 <a:lnRef idx="2">
@@ -11974,10 +12459,10 @@
             </p:sp>
             <p:sp>
               <p:nvSpPr>
-                <p:cNvPr id="10" name="Rectangle: Rounded Corners 9">
+                <p:cNvPr id="28" name="Arrow: Down 27">
                   <a:extLst>
                     <a:ext uri="{FF2B5EF4-FFF2-40B4-BE49-F238E27FC236}">
-                      <a16:creationId xmlns:a16="http://schemas.microsoft.com/office/drawing/2014/main" id="{432EAE0F-E204-4293-9028-243B16D86A09}"/>
+                      <a16:creationId xmlns:a16="http://schemas.microsoft.com/office/drawing/2014/main" id="{7559D04A-EBC4-499F-BB6A-292BA9CB64A6}"/>
                     </a:ext>
                   </a:extLst>
                 </p:cNvPr>
@@ -11986,12 +12471,1084 @@
               </p:nvSpPr>
               <p:spPr>
                 <a:xfrm>
-                  <a:off x="3494468" y="5200918"/>
-                  <a:ext cx="2601532" cy="193183"/>
+                  <a:off x="5942520" y="2572559"/>
+                  <a:ext cx="141667" cy="360608"/>
                 </a:xfrm>
-                <a:prstGeom prst="roundRect">
+                <a:prstGeom prst="downArrow">
                   <a:avLst/>
                 </a:prstGeom>
+                <a:noFill/>
+              </p:spPr>
+              <p:style>
+                <a:lnRef idx="2">
+                  <a:schemeClr val="accent1">
+                    <a:shade val="50000"/>
+                  </a:schemeClr>
+                </a:lnRef>
+                <a:fillRef idx="1">
+                  <a:schemeClr val="accent1"/>
+                </a:fillRef>
+                <a:effectRef idx="0">
+                  <a:schemeClr val="accent1"/>
+                </a:effectRef>
+                <a:fontRef idx="minor">
+                  <a:schemeClr val="lt1"/>
+                </a:fontRef>
+              </p:style>
+              <p:txBody>
+                <a:bodyPr rtlCol="0" anchor="ctr"/>
+                <a:lstStyle/>
+                <a:p>
+                  <a:pPr algn="ctr"/>
+                  <a:endParaRPr lang="en-US"/>
+                </a:p>
+              </p:txBody>
+            </p:sp>
+            <p:sp>
+              <p:nvSpPr>
+                <p:cNvPr id="29" name="Arrow: Down 28">
+                  <a:extLst>
+                    <a:ext uri="{FF2B5EF4-FFF2-40B4-BE49-F238E27FC236}">
+                      <a16:creationId xmlns:a16="http://schemas.microsoft.com/office/drawing/2014/main" id="{702EF790-F729-4394-9244-3B29D58980FE}"/>
+                    </a:ext>
+                  </a:extLst>
+                </p:cNvPr>
+                <p:cNvSpPr/>
+                <p:nvPr/>
+              </p:nvSpPr>
+              <p:spPr>
+                <a:xfrm>
+                  <a:off x="6430842" y="2572559"/>
+                  <a:ext cx="141667" cy="360608"/>
+                </a:xfrm>
+                <a:prstGeom prst="downArrow">
+                  <a:avLst/>
+                </a:prstGeom>
+                <a:noFill/>
+              </p:spPr>
+              <p:style>
+                <a:lnRef idx="2">
+                  <a:schemeClr val="accent1">
+                    <a:shade val="50000"/>
+                  </a:schemeClr>
+                </a:lnRef>
+                <a:fillRef idx="1">
+                  <a:schemeClr val="accent1"/>
+                </a:fillRef>
+                <a:effectRef idx="0">
+                  <a:schemeClr val="accent1"/>
+                </a:effectRef>
+                <a:fontRef idx="minor">
+                  <a:schemeClr val="lt1"/>
+                </a:fontRef>
+              </p:style>
+              <p:txBody>
+                <a:bodyPr rtlCol="0" anchor="ctr"/>
+                <a:lstStyle/>
+                <a:p>
+                  <a:pPr algn="ctr"/>
+                  <a:endParaRPr lang="en-US"/>
+                </a:p>
+              </p:txBody>
+            </p:sp>
+          </p:grpSp>
+          <p:grpSp>
+            <p:nvGrpSpPr>
+              <p:cNvPr id="30" name="Group 29">
+                <a:extLst>
+                  <a:ext uri="{FF2B5EF4-FFF2-40B4-BE49-F238E27FC236}">
+                    <a16:creationId xmlns:a16="http://schemas.microsoft.com/office/drawing/2014/main" id="{32D7981A-3E95-4082-A7CB-12A0B9E2EEB5}"/>
+                  </a:ext>
+                </a:extLst>
+              </p:cNvPr>
+              <p:cNvGrpSpPr/>
+              <p:nvPr/>
+            </p:nvGrpSpPr>
+            <p:grpSpPr>
+              <a:xfrm>
+                <a:off x="4427117" y="3973111"/>
+                <a:ext cx="2075636" cy="363829"/>
+                <a:chOff x="4496873" y="2572559"/>
+                <a:chExt cx="2075636" cy="363829"/>
+              </a:xfrm>
+            </p:grpSpPr>
+            <p:sp>
+              <p:nvSpPr>
+                <p:cNvPr id="31" name="Arrow: Down 30">
+                  <a:extLst>
+                    <a:ext uri="{FF2B5EF4-FFF2-40B4-BE49-F238E27FC236}">
+                      <a16:creationId xmlns:a16="http://schemas.microsoft.com/office/drawing/2014/main" id="{57C898AE-6D0C-4896-B0C9-131F5A37E295}"/>
+                    </a:ext>
+                  </a:extLst>
+                </p:cNvPr>
+                <p:cNvSpPr/>
+                <p:nvPr/>
+              </p:nvSpPr>
+              <p:spPr>
+                <a:xfrm>
+                  <a:off x="4496873" y="2575780"/>
+                  <a:ext cx="141667" cy="360608"/>
+                </a:xfrm>
+                <a:prstGeom prst="downArrow">
+                  <a:avLst/>
+                </a:prstGeom>
+                <a:noFill/>
+              </p:spPr>
+              <p:style>
+                <a:lnRef idx="2">
+                  <a:schemeClr val="accent1">
+                    <a:shade val="50000"/>
+                  </a:schemeClr>
+                </a:lnRef>
+                <a:fillRef idx="1">
+                  <a:schemeClr val="accent1"/>
+                </a:fillRef>
+                <a:effectRef idx="0">
+                  <a:schemeClr val="accent1"/>
+                </a:effectRef>
+                <a:fontRef idx="minor">
+                  <a:schemeClr val="lt1"/>
+                </a:fontRef>
+              </p:style>
+              <p:txBody>
+                <a:bodyPr rtlCol="0" anchor="ctr"/>
+                <a:lstStyle/>
+                <a:p>
+                  <a:pPr algn="ctr"/>
+                  <a:endParaRPr lang="en-US"/>
+                </a:p>
+              </p:txBody>
+            </p:sp>
+            <p:sp>
+              <p:nvSpPr>
+                <p:cNvPr id="32" name="Arrow: Down 31">
+                  <a:extLst>
+                    <a:ext uri="{FF2B5EF4-FFF2-40B4-BE49-F238E27FC236}">
+                      <a16:creationId xmlns:a16="http://schemas.microsoft.com/office/drawing/2014/main" id="{80D74E70-36F5-48F2-94C0-84317237B558}"/>
+                    </a:ext>
+                  </a:extLst>
+                </p:cNvPr>
+                <p:cNvSpPr/>
+                <p:nvPr/>
+              </p:nvSpPr>
+              <p:spPr>
+                <a:xfrm>
+                  <a:off x="4965876" y="2575780"/>
+                  <a:ext cx="141667" cy="360608"/>
+                </a:xfrm>
+                <a:prstGeom prst="downArrow">
+                  <a:avLst/>
+                </a:prstGeom>
+                <a:noFill/>
+              </p:spPr>
+              <p:style>
+                <a:lnRef idx="2">
+                  <a:schemeClr val="accent1">
+                    <a:shade val="50000"/>
+                  </a:schemeClr>
+                </a:lnRef>
+                <a:fillRef idx="1">
+                  <a:schemeClr val="accent1"/>
+                </a:fillRef>
+                <a:effectRef idx="0">
+                  <a:schemeClr val="accent1"/>
+                </a:effectRef>
+                <a:fontRef idx="minor">
+                  <a:schemeClr val="lt1"/>
+                </a:fontRef>
+              </p:style>
+              <p:txBody>
+                <a:bodyPr rtlCol="0" anchor="ctr"/>
+                <a:lstStyle/>
+                <a:p>
+                  <a:pPr algn="ctr"/>
+                  <a:endParaRPr lang="en-US"/>
+                </a:p>
+              </p:txBody>
+            </p:sp>
+            <p:sp>
+              <p:nvSpPr>
+                <p:cNvPr id="33" name="Arrow: Down 32">
+                  <a:extLst>
+                    <a:ext uri="{FF2B5EF4-FFF2-40B4-BE49-F238E27FC236}">
+                      <a16:creationId xmlns:a16="http://schemas.microsoft.com/office/drawing/2014/main" id="{BC0B71B5-D3E6-47AF-AC06-E7C8BBAEB27D}"/>
+                    </a:ext>
+                  </a:extLst>
+                </p:cNvPr>
+                <p:cNvSpPr/>
+                <p:nvPr/>
+              </p:nvSpPr>
+              <p:spPr>
+                <a:xfrm>
+                  <a:off x="5454198" y="2575780"/>
+                  <a:ext cx="141667" cy="360608"/>
+                </a:xfrm>
+                <a:prstGeom prst="downArrow">
+                  <a:avLst/>
+                </a:prstGeom>
+                <a:noFill/>
+              </p:spPr>
+              <p:style>
+                <a:lnRef idx="2">
+                  <a:schemeClr val="accent1">
+                    <a:shade val="50000"/>
+                  </a:schemeClr>
+                </a:lnRef>
+                <a:fillRef idx="1">
+                  <a:schemeClr val="accent1"/>
+                </a:fillRef>
+                <a:effectRef idx="0">
+                  <a:schemeClr val="accent1"/>
+                </a:effectRef>
+                <a:fontRef idx="minor">
+                  <a:schemeClr val="lt1"/>
+                </a:fontRef>
+              </p:style>
+              <p:txBody>
+                <a:bodyPr rtlCol="0" anchor="ctr"/>
+                <a:lstStyle/>
+                <a:p>
+                  <a:pPr algn="ctr"/>
+                  <a:endParaRPr lang="en-US"/>
+                </a:p>
+              </p:txBody>
+            </p:sp>
+            <p:sp>
+              <p:nvSpPr>
+                <p:cNvPr id="34" name="Arrow: Down 33">
+                  <a:extLst>
+                    <a:ext uri="{FF2B5EF4-FFF2-40B4-BE49-F238E27FC236}">
+                      <a16:creationId xmlns:a16="http://schemas.microsoft.com/office/drawing/2014/main" id="{5EB07934-9E08-4939-AF20-3A618A64A0C2}"/>
+                    </a:ext>
+                  </a:extLst>
+                </p:cNvPr>
+                <p:cNvSpPr/>
+                <p:nvPr/>
+              </p:nvSpPr>
+              <p:spPr>
+                <a:xfrm>
+                  <a:off x="5942520" y="2572559"/>
+                  <a:ext cx="141667" cy="360608"/>
+                </a:xfrm>
+                <a:prstGeom prst="downArrow">
+                  <a:avLst/>
+                </a:prstGeom>
+                <a:noFill/>
+              </p:spPr>
+              <p:style>
+                <a:lnRef idx="2">
+                  <a:schemeClr val="accent1">
+                    <a:shade val="50000"/>
+                  </a:schemeClr>
+                </a:lnRef>
+                <a:fillRef idx="1">
+                  <a:schemeClr val="accent1"/>
+                </a:fillRef>
+                <a:effectRef idx="0">
+                  <a:schemeClr val="accent1"/>
+                </a:effectRef>
+                <a:fontRef idx="minor">
+                  <a:schemeClr val="lt1"/>
+                </a:fontRef>
+              </p:style>
+              <p:txBody>
+                <a:bodyPr rtlCol="0" anchor="ctr"/>
+                <a:lstStyle/>
+                <a:p>
+                  <a:pPr algn="ctr"/>
+                  <a:endParaRPr lang="en-US"/>
+                </a:p>
+              </p:txBody>
+            </p:sp>
+            <p:sp>
+              <p:nvSpPr>
+                <p:cNvPr id="35" name="Arrow: Down 34">
+                  <a:extLst>
+                    <a:ext uri="{FF2B5EF4-FFF2-40B4-BE49-F238E27FC236}">
+                      <a16:creationId xmlns:a16="http://schemas.microsoft.com/office/drawing/2014/main" id="{983BC51D-A0FB-40DE-AA7A-E7C019C69A41}"/>
+                    </a:ext>
+                  </a:extLst>
+                </p:cNvPr>
+                <p:cNvSpPr/>
+                <p:nvPr/>
+              </p:nvSpPr>
+              <p:spPr>
+                <a:xfrm>
+                  <a:off x="6430842" y="2572559"/>
+                  <a:ext cx="141667" cy="360608"/>
+                </a:xfrm>
+                <a:prstGeom prst="downArrow">
+                  <a:avLst/>
+                </a:prstGeom>
+                <a:noFill/>
+              </p:spPr>
+              <p:style>
+                <a:lnRef idx="2">
+                  <a:schemeClr val="accent1">
+                    <a:shade val="50000"/>
+                  </a:schemeClr>
+                </a:lnRef>
+                <a:fillRef idx="1">
+                  <a:schemeClr val="accent1"/>
+                </a:fillRef>
+                <a:effectRef idx="0">
+                  <a:schemeClr val="accent1"/>
+                </a:effectRef>
+                <a:fontRef idx="minor">
+                  <a:schemeClr val="lt1"/>
+                </a:fontRef>
+              </p:style>
+              <p:txBody>
+                <a:bodyPr rtlCol="0" anchor="ctr"/>
+                <a:lstStyle/>
+                <a:p>
+                  <a:pPr algn="ctr"/>
+                  <a:endParaRPr lang="en-US"/>
+                </a:p>
+              </p:txBody>
+            </p:sp>
+          </p:grpSp>
+          <p:grpSp>
+            <p:nvGrpSpPr>
+              <p:cNvPr id="36" name="Group 35">
+                <a:extLst>
+                  <a:ext uri="{FF2B5EF4-FFF2-40B4-BE49-F238E27FC236}">
+                    <a16:creationId xmlns:a16="http://schemas.microsoft.com/office/drawing/2014/main" id="{09DC3283-6141-4F31-82B8-E13B136A1E28}"/>
+                  </a:ext>
+                </a:extLst>
+              </p:cNvPr>
+              <p:cNvGrpSpPr/>
+              <p:nvPr/>
+            </p:nvGrpSpPr>
+            <p:grpSpPr>
+              <a:xfrm rot="10800000">
+                <a:off x="4437851" y="3287347"/>
+                <a:ext cx="2075636" cy="363829"/>
+                <a:chOff x="4496873" y="2572559"/>
+                <a:chExt cx="2075636" cy="363829"/>
+              </a:xfrm>
+            </p:grpSpPr>
+            <p:sp>
+              <p:nvSpPr>
+                <p:cNvPr id="37" name="Arrow: Down 36">
+                  <a:extLst>
+                    <a:ext uri="{FF2B5EF4-FFF2-40B4-BE49-F238E27FC236}">
+                      <a16:creationId xmlns:a16="http://schemas.microsoft.com/office/drawing/2014/main" id="{D94F0609-8340-44EE-8B7D-DABD2F756ED0}"/>
+                    </a:ext>
+                  </a:extLst>
+                </p:cNvPr>
+                <p:cNvSpPr/>
+                <p:nvPr/>
+              </p:nvSpPr>
+              <p:spPr>
+                <a:xfrm>
+                  <a:off x="4496873" y="2575780"/>
+                  <a:ext cx="141667" cy="360608"/>
+                </a:xfrm>
+                <a:prstGeom prst="downArrow">
+                  <a:avLst/>
+                </a:prstGeom>
+                <a:noFill/>
+              </p:spPr>
+              <p:style>
+                <a:lnRef idx="2">
+                  <a:schemeClr val="accent1">
+                    <a:shade val="50000"/>
+                  </a:schemeClr>
+                </a:lnRef>
+                <a:fillRef idx="1">
+                  <a:schemeClr val="accent1"/>
+                </a:fillRef>
+                <a:effectRef idx="0">
+                  <a:schemeClr val="accent1"/>
+                </a:effectRef>
+                <a:fontRef idx="minor">
+                  <a:schemeClr val="lt1"/>
+                </a:fontRef>
+              </p:style>
+              <p:txBody>
+                <a:bodyPr rtlCol="0" anchor="ctr"/>
+                <a:lstStyle/>
+                <a:p>
+                  <a:pPr algn="ctr"/>
+                  <a:endParaRPr lang="en-US"/>
+                </a:p>
+              </p:txBody>
+            </p:sp>
+            <p:sp>
+              <p:nvSpPr>
+                <p:cNvPr id="38" name="Arrow: Down 37">
+                  <a:extLst>
+                    <a:ext uri="{FF2B5EF4-FFF2-40B4-BE49-F238E27FC236}">
+                      <a16:creationId xmlns:a16="http://schemas.microsoft.com/office/drawing/2014/main" id="{6524815F-9606-4D94-AF01-E6508EB7BCE0}"/>
+                    </a:ext>
+                  </a:extLst>
+                </p:cNvPr>
+                <p:cNvSpPr/>
+                <p:nvPr/>
+              </p:nvSpPr>
+              <p:spPr>
+                <a:xfrm>
+                  <a:off x="4965876" y="2575780"/>
+                  <a:ext cx="141667" cy="360608"/>
+                </a:xfrm>
+                <a:prstGeom prst="downArrow">
+                  <a:avLst/>
+                </a:prstGeom>
+                <a:noFill/>
+              </p:spPr>
+              <p:style>
+                <a:lnRef idx="2">
+                  <a:schemeClr val="accent1">
+                    <a:shade val="50000"/>
+                  </a:schemeClr>
+                </a:lnRef>
+                <a:fillRef idx="1">
+                  <a:schemeClr val="accent1"/>
+                </a:fillRef>
+                <a:effectRef idx="0">
+                  <a:schemeClr val="accent1"/>
+                </a:effectRef>
+                <a:fontRef idx="minor">
+                  <a:schemeClr val="lt1"/>
+                </a:fontRef>
+              </p:style>
+              <p:txBody>
+                <a:bodyPr rtlCol="0" anchor="ctr"/>
+                <a:lstStyle/>
+                <a:p>
+                  <a:pPr algn="ctr"/>
+                  <a:endParaRPr lang="en-US"/>
+                </a:p>
+              </p:txBody>
+            </p:sp>
+            <p:sp>
+              <p:nvSpPr>
+                <p:cNvPr id="39" name="Arrow: Down 38">
+                  <a:extLst>
+                    <a:ext uri="{FF2B5EF4-FFF2-40B4-BE49-F238E27FC236}">
+                      <a16:creationId xmlns:a16="http://schemas.microsoft.com/office/drawing/2014/main" id="{BBA931E2-CB70-499F-8E1C-4BCCCC85018D}"/>
+                    </a:ext>
+                  </a:extLst>
+                </p:cNvPr>
+                <p:cNvSpPr/>
+                <p:nvPr/>
+              </p:nvSpPr>
+              <p:spPr>
+                <a:xfrm>
+                  <a:off x="5454198" y="2575780"/>
+                  <a:ext cx="141667" cy="360608"/>
+                </a:xfrm>
+                <a:prstGeom prst="downArrow">
+                  <a:avLst/>
+                </a:prstGeom>
+                <a:noFill/>
+              </p:spPr>
+              <p:style>
+                <a:lnRef idx="2">
+                  <a:schemeClr val="accent1">
+                    <a:shade val="50000"/>
+                  </a:schemeClr>
+                </a:lnRef>
+                <a:fillRef idx="1">
+                  <a:schemeClr val="accent1"/>
+                </a:fillRef>
+                <a:effectRef idx="0">
+                  <a:schemeClr val="accent1"/>
+                </a:effectRef>
+                <a:fontRef idx="minor">
+                  <a:schemeClr val="lt1"/>
+                </a:fontRef>
+              </p:style>
+              <p:txBody>
+                <a:bodyPr rtlCol="0" anchor="ctr"/>
+                <a:lstStyle/>
+                <a:p>
+                  <a:pPr algn="ctr"/>
+                  <a:endParaRPr lang="en-US"/>
+                </a:p>
+              </p:txBody>
+            </p:sp>
+            <p:sp>
+              <p:nvSpPr>
+                <p:cNvPr id="40" name="Arrow: Down 39">
+                  <a:extLst>
+                    <a:ext uri="{FF2B5EF4-FFF2-40B4-BE49-F238E27FC236}">
+                      <a16:creationId xmlns:a16="http://schemas.microsoft.com/office/drawing/2014/main" id="{BE0BA196-AC89-42BD-BE6C-8F288033A863}"/>
+                    </a:ext>
+                  </a:extLst>
+                </p:cNvPr>
+                <p:cNvSpPr/>
+                <p:nvPr/>
+              </p:nvSpPr>
+              <p:spPr>
+                <a:xfrm>
+                  <a:off x="5942520" y="2572559"/>
+                  <a:ext cx="141667" cy="360608"/>
+                </a:xfrm>
+                <a:prstGeom prst="downArrow">
+                  <a:avLst/>
+                </a:prstGeom>
+                <a:noFill/>
+              </p:spPr>
+              <p:style>
+                <a:lnRef idx="2">
+                  <a:schemeClr val="accent1">
+                    <a:shade val="50000"/>
+                  </a:schemeClr>
+                </a:lnRef>
+                <a:fillRef idx="1">
+                  <a:schemeClr val="accent1"/>
+                </a:fillRef>
+                <a:effectRef idx="0">
+                  <a:schemeClr val="accent1"/>
+                </a:effectRef>
+                <a:fontRef idx="minor">
+                  <a:schemeClr val="lt1"/>
+                </a:fontRef>
+              </p:style>
+              <p:txBody>
+                <a:bodyPr rtlCol="0" anchor="ctr"/>
+                <a:lstStyle/>
+                <a:p>
+                  <a:pPr algn="ctr"/>
+                  <a:endParaRPr lang="en-US"/>
+                </a:p>
+              </p:txBody>
+            </p:sp>
+            <p:sp>
+              <p:nvSpPr>
+                <p:cNvPr id="41" name="Arrow: Down 40">
+                  <a:extLst>
+                    <a:ext uri="{FF2B5EF4-FFF2-40B4-BE49-F238E27FC236}">
+                      <a16:creationId xmlns:a16="http://schemas.microsoft.com/office/drawing/2014/main" id="{1237C361-BCA1-493F-8DC2-7ACAA813A483}"/>
+                    </a:ext>
+                  </a:extLst>
+                </p:cNvPr>
+                <p:cNvSpPr/>
+                <p:nvPr/>
+              </p:nvSpPr>
+              <p:spPr>
+                <a:xfrm>
+                  <a:off x="6430842" y="2572559"/>
+                  <a:ext cx="141667" cy="360608"/>
+                </a:xfrm>
+                <a:prstGeom prst="downArrow">
+                  <a:avLst/>
+                </a:prstGeom>
+                <a:noFill/>
+              </p:spPr>
+              <p:style>
+                <a:lnRef idx="2">
+                  <a:schemeClr val="accent1">
+                    <a:shade val="50000"/>
+                  </a:schemeClr>
+                </a:lnRef>
+                <a:fillRef idx="1">
+                  <a:schemeClr val="accent1"/>
+                </a:fillRef>
+                <a:effectRef idx="0">
+                  <a:schemeClr val="accent1"/>
+                </a:effectRef>
+                <a:fontRef idx="minor">
+                  <a:schemeClr val="lt1"/>
+                </a:fontRef>
+              </p:style>
+              <p:txBody>
+                <a:bodyPr rtlCol="0" anchor="ctr"/>
+                <a:lstStyle/>
+                <a:p>
+                  <a:pPr algn="ctr"/>
+                  <a:endParaRPr lang="en-US"/>
+                </a:p>
+              </p:txBody>
+            </p:sp>
+          </p:grpSp>
+          <p:grpSp>
+            <p:nvGrpSpPr>
+              <p:cNvPr id="42" name="Group 41">
+                <a:extLst>
+                  <a:ext uri="{FF2B5EF4-FFF2-40B4-BE49-F238E27FC236}">
+                    <a16:creationId xmlns:a16="http://schemas.microsoft.com/office/drawing/2014/main" id="{ABBD2080-3489-4C7D-A4EC-925521F7BC3B}"/>
+                  </a:ext>
+                </a:extLst>
+              </p:cNvPr>
+              <p:cNvGrpSpPr/>
+              <p:nvPr/>
+            </p:nvGrpSpPr>
+            <p:grpSpPr>
+              <a:xfrm rot="10800000">
+                <a:off x="4417458" y="6055228"/>
+                <a:ext cx="2075636" cy="363829"/>
+                <a:chOff x="4496873" y="2572559"/>
+                <a:chExt cx="2075636" cy="363829"/>
+              </a:xfrm>
+            </p:grpSpPr>
+            <p:sp>
+              <p:nvSpPr>
+                <p:cNvPr id="43" name="Arrow: Down 42">
+                  <a:extLst>
+                    <a:ext uri="{FF2B5EF4-FFF2-40B4-BE49-F238E27FC236}">
+                      <a16:creationId xmlns:a16="http://schemas.microsoft.com/office/drawing/2014/main" id="{C852131B-957A-4B3F-8760-5EE7896F8F1D}"/>
+                    </a:ext>
+                  </a:extLst>
+                </p:cNvPr>
+                <p:cNvSpPr/>
+                <p:nvPr/>
+              </p:nvSpPr>
+              <p:spPr>
+                <a:xfrm>
+                  <a:off x="4496873" y="2575780"/>
+                  <a:ext cx="141667" cy="360608"/>
+                </a:xfrm>
+                <a:prstGeom prst="downArrow">
+                  <a:avLst/>
+                </a:prstGeom>
+                <a:noFill/>
+              </p:spPr>
+              <p:style>
+                <a:lnRef idx="2">
+                  <a:schemeClr val="accent1">
+                    <a:shade val="50000"/>
+                  </a:schemeClr>
+                </a:lnRef>
+                <a:fillRef idx="1">
+                  <a:schemeClr val="accent1"/>
+                </a:fillRef>
+                <a:effectRef idx="0">
+                  <a:schemeClr val="accent1"/>
+                </a:effectRef>
+                <a:fontRef idx="minor">
+                  <a:schemeClr val="lt1"/>
+                </a:fontRef>
+              </p:style>
+              <p:txBody>
+                <a:bodyPr rtlCol="0" anchor="ctr"/>
+                <a:lstStyle/>
+                <a:p>
+                  <a:pPr algn="ctr"/>
+                  <a:endParaRPr lang="en-US"/>
+                </a:p>
+              </p:txBody>
+            </p:sp>
+            <p:sp>
+              <p:nvSpPr>
+                <p:cNvPr id="44" name="Arrow: Down 43">
+                  <a:extLst>
+                    <a:ext uri="{FF2B5EF4-FFF2-40B4-BE49-F238E27FC236}">
+                      <a16:creationId xmlns:a16="http://schemas.microsoft.com/office/drawing/2014/main" id="{A11D624B-418A-4BA3-9DF9-4D630E03610F}"/>
+                    </a:ext>
+                  </a:extLst>
+                </p:cNvPr>
+                <p:cNvSpPr/>
+                <p:nvPr/>
+              </p:nvSpPr>
+              <p:spPr>
+                <a:xfrm>
+                  <a:off x="4965876" y="2575780"/>
+                  <a:ext cx="141667" cy="360608"/>
+                </a:xfrm>
+                <a:prstGeom prst="downArrow">
+                  <a:avLst/>
+                </a:prstGeom>
+                <a:noFill/>
+              </p:spPr>
+              <p:style>
+                <a:lnRef idx="2">
+                  <a:schemeClr val="accent1">
+                    <a:shade val="50000"/>
+                  </a:schemeClr>
+                </a:lnRef>
+                <a:fillRef idx="1">
+                  <a:schemeClr val="accent1"/>
+                </a:fillRef>
+                <a:effectRef idx="0">
+                  <a:schemeClr val="accent1"/>
+                </a:effectRef>
+                <a:fontRef idx="minor">
+                  <a:schemeClr val="lt1"/>
+                </a:fontRef>
+              </p:style>
+              <p:txBody>
+                <a:bodyPr rtlCol="0" anchor="ctr"/>
+                <a:lstStyle/>
+                <a:p>
+                  <a:pPr algn="ctr"/>
+                  <a:endParaRPr lang="en-US"/>
+                </a:p>
+              </p:txBody>
+            </p:sp>
+            <p:sp>
+              <p:nvSpPr>
+                <p:cNvPr id="45" name="Arrow: Down 44">
+                  <a:extLst>
+                    <a:ext uri="{FF2B5EF4-FFF2-40B4-BE49-F238E27FC236}">
+                      <a16:creationId xmlns:a16="http://schemas.microsoft.com/office/drawing/2014/main" id="{3AC4F900-8258-4FD8-A9AA-E481A0F05569}"/>
+                    </a:ext>
+                  </a:extLst>
+                </p:cNvPr>
+                <p:cNvSpPr/>
+                <p:nvPr/>
+              </p:nvSpPr>
+              <p:spPr>
+                <a:xfrm>
+                  <a:off x="5454198" y="2575780"/>
+                  <a:ext cx="141667" cy="360608"/>
+                </a:xfrm>
+                <a:prstGeom prst="downArrow">
+                  <a:avLst/>
+                </a:prstGeom>
+                <a:noFill/>
+              </p:spPr>
+              <p:style>
+                <a:lnRef idx="2">
+                  <a:schemeClr val="accent1">
+                    <a:shade val="50000"/>
+                  </a:schemeClr>
+                </a:lnRef>
+                <a:fillRef idx="1">
+                  <a:schemeClr val="accent1"/>
+                </a:fillRef>
+                <a:effectRef idx="0">
+                  <a:schemeClr val="accent1"/>
+                </a:effectRef>
+                <a:fontRef idx="minor">
+                  <a:schemeClr val="lt1"/>
+                </a:fontRef>
+              </p:style>
+              <p:txBody>
+                <a:bodyPr rtlCol="0" anchor="ctr"/>
+                <a:lstStyle/>
+                <a:p>
+                  <a:pPr algn="ctr"/>
+                  <a:endParaRPr lang="en-US"/>
+                </a:p>
+              </p:txBody>
+            </p:sp>
+            <p:sp>
+              <p:nvSpPr>
+                <p:cNvPr id="46" name="Arrow: Down 45">
+                  <a:extLst>
+                    <a:ext uri="{FF2B5EF4-FFF2-40B4-BE49-F238E27FC236}">
+                      <a16:creationId xmlns:a16="http://schemas.microsoft.com/office/drawing/2014/main" id="{E0A6DEC8-7453-4611-ACE6-FC888B07F85A}"/>
+                    </a:ext>
+                  </a:extLst>
+                </p:cNvPr>
+                <p:cNvSpPr/>
+                <p:nvPr/>
+              </p:nvSpPr>
+              <p:spPr>
+                <a:xfrm>
+                  <a:off x="5942520" y="2572559"/>
+                  <a:ext cx="141667" cy="360608"/>
+                </a:xfrm>
+                <a:prstGeom prst="downArrow">
+                  <a:avLst/>
+                </a:prstGeom>
+                <a:noFill/>
+              </p:spPr>
+              <p:style>
+                <a:lnRef idx="2">
+                  <a:schemeClr val="accent1">
+                    <a:shade val="50000"/>
+                  </a:schemeClr>
+                </a:lnRef>
+                <a:fillRef idx="1">
+                  <a:schemeClr val="accent1"/>
+                </a:fillRef>
+                <a:effectRef idx="0">
+                  <a:schemeClr val="accent1"/>
+                </a:effectRef>
+                <a:fontRef idx="minor">
+                  <a:schemeClr val="lt1"/>
+                </a:fontRef>
+              </p:style>
+              <p:txBody>
+                <a:bodyPr rtlCol="0" anchor="ctr"/>
+                <a:lstStyle/>
+                <a:p>
+                  <a:pPr algn="ctr"/>
+                  <a:endParaRPr lang="en-US"/>
+                </a:p>
+              </p:txBody>
+            </p:sp>
+            <p:sp>
+              <p:nvSpPr>
+                <p:cNvPr id="47" name="Arrow: Down 46">
+                  <a:extLst>
+                    <a:ext uri="{FF2B5EF4-FFF2-40B4-BE49-F238E27FC236}">
+                      <a16:creationId xmlns:a16="http://schemas.microsoft.com/office/drawing/2014/main" id="{AADB9D33-055E-481F-B8C0-8D17502DB9D7}"/>
+                    </a:ext>
+                  </a:extLst>
+                </p:cNvPr>
+                <p:cNvSpPr/>
+                <p:nvPr/>
+              </p:nvSpPr>
+              <p:spPr>
+                <a:xfrm>
+                  <a:off x="6430842" y="2572559"/>
+                  <a:ext cx="141667" cy="360608"/>
+                </a:xfrm>
+                <a:prstGeom prst="downArrow">
+                  <a:avLst/>
+                </a:prstGeom>
+                <a:noFill/>
+              </p:spPr>
+              <p:style>
+                <a:lnRef idx="2">
+                  <a:schemeClr val="accent1">
+                    <a:shade val="50000"/>
+                  </a:schemeClr>
+                </a:lnRef>
+                <a:fillRef idx="1">
+                  <a:schemeClr val="accent1"/>
+                </a:fillRef>
+                <a:effectRef idx="0">
+                  <a:schemeClr val="accent1"/>
+                </a:effectRef>
+                <a:fontRef idx="minor">
+                  <a:schemeClr val="lt1"/>
+                </a:fontRef>
+              </p:style>
+              <p:txBody>
+                <a:bodyPr rtlCol="0" anchor="ctr"/>
+                <a:lstStyle/>
+                <a:p>
+                  <a:pPr algn="ctr"/>
+                  <a:endParaRPr lang="en-US"/>
+                </a:p>
+              </p:txBody>
+            </p:sp>
+          </p:grpSp>
+          <p:grpSp>
+            <p:nvGrpSpPr>
+              <p:cNvPr id="48" name="Group 47">
+                <a:extLst>
+                  <a:ext uri="{FF2B5EF4-FFF2-40B4-BE49-F238E27FC236}">
+                    <a16:creationId xmlns:a16="http://schemas.microsoft.com/office/drawing/2014/main" id="{76085605-2852-4CEC-8B85-D7CFC334D9E9}"/>
+                  </a:ext>
+                </a:extLst>
+              </p:cNvPr>
+              <p:cNvGrpSpPr/>
+              <p:nvPr/>
+            </p:nvGrpSpPr>
+            <p:grpSpPr>
+              <a:xfrm>
+                <a:off x="4417457" y="5357635"/>
+                <a:ext cx="2075636" cy="363829"/>
+                <a:chOff x="4496873" y="2572559"/>
+                <a:chExt cx="2075636" cy="363829"/>
+              </a:xfrm>
+            </p:grpSpPr>
+            <p:sp>
+              <p:nvSpPr>
+                <p:cNvPr id="49" name="Arrow: Down 48">
+                  <a:extLst>
+                    <a:ext uri="{FF2B5EF4-FFF2-40B4-BE49-F238E27FC236}">
+                      <a16:creationId xmlns:a16="http://schemas.microsoft.com/office/drawing/2014/main" id="{B67C02FE-D01A-4C7E-AB54-03ACC462F51D}"/>
+                    </a:ext>
+                  </a:extLst>
+                </p:cNvPr>
+                <p:cNvSpPr/>
+                <p:nvPr/>
+              </p:nvSpPr>
+              <p:spPr>
+                <a:xfrm>
+                  <a:off x="4496873" y="2575780"/>
+                  <a:ext cx="141667" cy="360608"/>
+                </a:xfrm>
+                <a:prstGeom prst="downArrow">
+                  <a:avLst/>
+                </a:prstGeom>
+                <a:noFill/>
+              </p:spPr>
+              <p:style>
+                <a:lnRef idx="2">
+                  <a:schemeClr val="accent1">
+                    <a:shade val="50000"/>
+                  </a:schemeClr>
+                </a:lnRef>
+                <a:fillRef idx="1">
+                  <a:schemeClr val="accent1"/>
+                </a:fillRef>
+                <a:effectRef idx="0">
+                  <a:schemeClr val="accent1"/>
+                </a:effectRef>
+                <a:fontRef idx="minor">
+                  <a:schemeClr val="lt1"/>
+                </a:fontRef>
+              </p:style>
+              <p:txBody>
+                <a:bodyPr rtlCol="0" anchor="ctr"/>
+                <a:lstStyle/>
+                <a:p>
+                  <a:pPr algn="ctr"/>
+                  <a:endParaRPr lang="en-US"/>
+                </a:p>
+              </p:txBody>
+            </p:sp>
+            <p:sp>
+              <p:nvSpPr>
+                <p:cNvPr id="50" name="Arrow: Down 49">
+                  <a:extLst>
+                    <a:ext uri="{FF2B5EF4-FFF2-40B4-BE49-F238E27FC236}">
+                      <a16:creationId xmlns:a16="http://schemas.microsoft.com/office/drawing/2014/main" id="{75ED918F-3018-41D0-AFB3-DAC2406FC75E}"/>
+                    </a:ext>
+                  </a:extLst>
+                </p:cNvPr>
+                <p:cNvSpPr/>
+                <p:nvPr/>
+              </p:nvSpPr>
+              <p:spPr>
+                <a:xfrm>
+                  <a:off x="4965876" y="2575780"/>
+                  <a:ext cx="141667" cy="360608"/>
+                </a:xfrm>
+                <a:prstGeom prst="downArrow">
+                  <a:avLst/>
+                </a:prstGeom>
+                <a:noFill/>
+              </p:spPr>
+              <p:style>
+                <a:lnRef idx="2">
+                  <a:schemeClr val="accent1">
+                    <a:shade val="50000"/>
+                  </a:schemeClr>
+                </a:lnRef>
+                <a:fillRef idx="1">
+                  <a:schemeClr val="accent1"/>
+                </a:fillRef>
+                <a:effectRef idx="0">
+                  <a:schemeClr val="accent1"/>
+                </a:effectRef>
+                <a:fontRef idx="minor">
+                  <a:schemeClr val="lt1"/>
+                </a:fontRef>
+              </p:style>
+              <p:txBody>
+                <a:bodyPr rtlCol="0" anchor="ctr"/>
+                <a:lstStyle/>
+                <a:p>
+                  <a:pPr algn="ctr"/>
+                  <a:endParaRPr lang="en-US"/>
+                </a:p>
+              </p:txBody>
+            </p:sp>
+            <p:sp>
+              <p:nvSpPr>
+                <p:cNvPr id="51" name="Arrow: Down 50">
+                  <a:extLst>
+                    <a:ext uri="{FF2B5EF4-FFF2-40B4-BE49-F238E27FC236}">
+                      <a16:creationId xmlns:a16="http://schemas.microsoft.com/office/drawing/2014/main" id="{00901E11-CEDA-4710-B5BA-4E695639F343}"/>
+                    </a:ext>
+                  </a:extLst>
+                </p:cNvPr>
+                <p:cNvSpPr/>
+                <p:nvPr/>
+              </p:nvSpPr>
+              <p:spPr>
+                <a:xfrm>
+                  <a:off x="5454198" y="2575780"/>
+                  <a:ext cx="141667" cy="360608"/>
+                </a:xfrm>
+                <a:prstGeom prst="downArrow">
+                  <a:avLst/>
+                </a:prstGeom>
+                <a:noFill/>
+              </p:spPr>
+              <p:style>
+                <a:lnRef idx="2">
+                  <a:schemeClr val="accent1">
+                    <a:shade val="50000"/>
+                  </a:schemeClr>
+                </a:lnRef>
+                <a:fillRef idx="1">
+                  <a:schemeClr val="accent1"/>
+                </a:fillRef>
+                <a:effectRef idx="0">
+                  <a:schemeClr val="accent1"/>
+                </a:effectRef>
+                <a:fontRef idx="minor">
+                  <a:schemeClr val="lt1"/>
+                </a:fontRef>
+              </p:style>
+              <p:txBody>
+                <a:bodyPr rtlCol="0" anchor="ctr"/>
+                <a:lstStyle/>
+                <a:p>
+                  <a:pPr algn="ctr"/>
+                  <a:endParaRPr lang="en-US"/>
+                </a:p>
+              </p:txBody>
+            </p:sp>
+            <p:sp>
+              <p:nvSpPr>
+                <p:cNvPr id="52" name="Arrow: Down 51">
+                  <a:extLst>
+                    <a:ext uri="{FF2B5EF4-FFF2-40B4-BE49-F238E27FC236}">
+                      <a16:creationId xmlns:a16="http://schemas.microsoft.com/office/drawing/2014/main" id="{7DC9636A-871D-42BA-8E26-01474D9B6BA5}"/>
+                    </a:ext>
+                  </a:extLst>
+                </p:cNvPr>
+                <p:cNvSpPr/>
+                <p:nvPr/>
+              </p:nvSpPr>
+              <p:spPr>
+                <a:xfrm>
+                  <a:off x="5942520" y="2572559"/>
+                  <a:ext cx="141667" cy="360608"/>
+                </a:xfrm>
+                <a:prstGeom prst="downArrow">
+                  <a:avLst/>
+                </a:prstGeom>
+                <a:noFill/>
+              </p:spPr>
+              <p:style>
+                <a:lnRef idx="2">
+                  <a:schemeClr val="accent1">
+                    <a:shade val="50000"/>
+                  </a:schemeClr>
+                </a:lnRef>
+                <a:fillRef idx="1">
+                  <a:schemeClr val="accent1"/>
+                </a:fillRef>
+                <a:effectRef idx="0">
+                  <a:schemeClr val="accent1"/>
+                </a:effectRef>
+                <a:fontRef idx="minor">
+                  <a:schemeClr val="lt1"/>
+                </a:fontRef>
+              </p:style>
+              <p:txBody>
+                <a:bodyPr rtlCol="0" anchor="ctr"/>
+                <a:lstStyle/>
+                <a:p>
+                  <a:pPr algn="ctr"/>
+                  <a:endParaRPr lang="en-US"/>
+                </a:p>
+              </p:txBody>
+            </p:sp>
+            <p:sp>
+              <p:nvSpPr>
+                <p:cNvPr id="53" name="Arrow: Down 52">
+                  <a:extLst>
+                    <a:ext uri="{FF2B5EF4-FFF2-40B4-BE49-F238E27FC236}">
+                      <a16:creationId xmlns:a16="http://schemas.microsoft.com/office/drawing/2014/main" id="{DF0E0016-F8BA-4627-85D8-C55BC3F617C5}"/>
+                    </a:ext>
+                  </a:extLst>
+                </p:cNvPr>
+                <p:cNvSpPr/>
+                <p:nvPr/>
+              </p:nvSpPr>
+              <p:spPr>
+                <a:xfrm>
+                  <a:off x="6430842" y="2572559"/>
+                  <a:ext cx="141667" cy="360608"/>
+                </a:xfrm>
+                <a:prstGeom prst="downArrow">
+                  <a:avLst/>
+                </a:prstGeom>
+                <a:noFill/>
               </p:spPr>
               <p:style>
                 <a:lnRef idx="2">
@@ -12020,2432 +13577,896 @@
             </p:sp>
           </p:grpSp>
         </p:grpSp>
-        <p:grpSp>
-          <p:nvGrpSpPr>
-            <p:cNvPr id="23" name="Group 22">
+        <p:sp>
+          <p:nvSpPr>
+            <p:cNvPr id="55" name="Arrow: Right 54">
               <a:extLst>
                 <a:ext uri="{FF2B5EF4-FFF2-40B4-BE49-F238E27FC236}">
-                  <a16:creationId xmlns:a16="http://schemas.microsoft.com/office/drawing/2014/main" id="{E453B505-685C-4423-A303-B2EA0759D4AC}"/>
+                  <a16:creationId xmlns:a16="http://schemas.microsoft.com/office/drawing/2014/main" id="{95C17106-C2A0-4C8C-AE6F-36A4D4E8B3E6}"/>
                 </a:ext>
               </a:extLst>
             </p:cNvPr>
-            <p:cNvGrpSpPr/>
+            <p:cNvSpPr/>
             <p:nvPr/>
-          </p:nvGrpSpPr>
-          <p:grpSpPr>
+          </p:nvSpPr>
+          <p:spPr>
             <a:xfrm rot="10800000">
-              <a:off x="4464676" y="4658910"/>
-              <a:ext cx="2075636" cy="363829"/>
-              <a:chOff x="4496873" y="2572559"/>
-              <a:chExt cx="2075636" cy="363829"/>
+              <a:off x="7223968" y="2206586"/>
+              <a:ext cx="1493950" cy="437882"/>
             </a:xfrm>
-          </p:grpSpPr>
-          <p:sp>
-            <p:nvSpPr>
-              <p:cNvPr id="18" name="Arrow: Down 17">
-                <a:extLst>
-                  <a:ext uri="{FF2B5EF4-FFF2-40B4-BE49-F238E27FC236}">
-                    <a16:creationId xmlns:a16="http://schemas.microsoft.com/office/drawing/2014/main" id="{FD4FB74F-5FF7-4984-9C3E-8EB93C4193EA}"/>
-                  </a:ext>
-                </a:extLst>
-              </p:cNvPr>
-              <p:cNvSpPr/>
-              <p:nvPr/>
-            </p:nvSpPr>
-            <p:spPr>
-              <a:xfrm>
-                <a:off x="4496873" y="2575780"/>
-                <a:ext cx="141667" cy="360608"/>
-              </a:xfrm>
-              <a:prstGeom prst="downArrow">
-                <a:avLst/>
-              </a:prstGeom>
-              <a:noFill/>
-            </p:spPr>
-            <p:style>
-              <a:lnRef idx="2">
-                <a:schemeClr val="accent1">
-                  <a:shade val="50000"/>
-                </a:schemeClr>
-              </a:lnRef>
-              <a:fillRef idx="1">
-                <a:schemeClr val="accent1"/>
-              </a:fillRef>
-              <a:effectRef idx="0">
-                <a:schemeClr val="accent1"/>
-              </a:effectRef>
-              <a:fontRef idx="minor">
-                <a:schemeClr val="lt1"/>
-              </a:fontRef>
-            </p:style>
-            <p:txBody>
-              <a:bodyPr rtlCol="0" anchor="ctr"/>
-              <a:lstStyle/>
-              <a:p>
-                <a:pPr algn="ctr"/>
-                <a:endParaRPr lang="en-US"/>
-              </a:p>
-            </p:txBody>
-          </p:sp>
-          <p:sp>
-            <p:nvSpPr>
-              <p:cNvPr id="19" name="Arrow: Down 18">
-                <a:extLst>
-                  <a:ext uri="{FF2B5EF4-FFF2-40B4-BE49-F238E27FC236}">
-                    <a16:creationId xmlns:a16="http://schemas.microsoft.com/office/drawing/2014/main" id="{E7CB3BFA-EE65-401F-BCE7-4C34A377509D}"/>
-                  </a:ext>
-                </a:extLst>
-              </p:cNvPr>
-              <p:cNvSpPr/>
-              <p:nvPr/>
-            </p:nvSpPr>
-            <p:spPr>
-              <a:xfrm>
-                <a:off x="4965876" y="2575780"/>
-                <a:ext cx="141667" cy="360608"/>
-              </a:xfrm>
-              <a:prstGeom prst="downArrow">
-                <a:avLst/>
-              </a:prstGeom>
-              <a:noFill/>
-            </p:spPr>
-            <p:style>
-              <a:lnRef idx="2">
-                <a:schemeClr val="accent1">
-                  <a:shade val="50000"/>
-                </a:schemeClr>
-              </a:lnRef>
-              <a:fillRef idx="1">
-                <a:schemeClr val="accent1"/>
-              </a:fillRef>
-              <a:effectRef idx="0">
-                <a:schemeClr val="accent1"/>
-              </a:effectRef>
-              <a:fontRef idx="minor">
-                <a:schemeClr val="lt1"/>
-              </a:fontRef>
-            </p:style>
-            <p:txBody>
-              <a:bodyPr rtlCol="0" anchor="ctr"/>
-              <a:lstStyle/>
-              <a:p>
-                <a:pPr algn="ctr"/>
-                <a:endParaRPr lang="en-US"/>
-              </a:p>
-            </p:txBody>
-          </p:sp>
-          <p:sp>
-            <p:nvSpPr>
-              <p:cNvPr id="20" name="Arrow: Down 19">
-                <a:extLst>
-                  <a:ext uri="{FF2B5EF4-FFF2-40B4-BE49-F238E27FC236}">
-                    <a16:creationId xmlns:a16="http://schemas.microsoft.com/office/drawing/2014/main" id="{76145E1D-0B7E-483D-A95C-9D3A82EBAD39}"/>
-                  </a:ext>
-                </a:extLst>
-              </p:cNvPr>
-              <p:cNvSpPr/>
-              <p:nvPr/>
-            </p:nvSpPr>
-            <p:spPr>
-              <a:xfrm>
-                <a:off x="5454198" y="2575780"/>
-                <a:ext cx="141667" cy="360608"/>
-              </a:xfrm>
-              <a:prstGeom prst="downArrow">
-                <a:avLst/>
-              </a:prstGeom>
-              <a:noFill/>
-            </p:spPr>
-            <p:style>
-              <a:lnRef idx="2">
-                <a:schemeClr val="accent1">
-                  <a:shade val="50000"/>
-                </a:schemeClr>
-              </a:lnRef>
-              <a:fillRef idx="1">
-                <a:schemeClr val="accent1"/>
-              </a:fillRef>
-              <a:effectRef idx="0">
-                <a:schemeClr val="accent1"/>
-              </a:effectRef>
-              <a:fontRef idx="minor">
-                <a:schemeClr val="lt1"/>
-              </a:fontRef>
-            </p:style>
-            <p:txBody>
-              <a:bodyPr rtlCol="0" anchor="ctr"/>
-              <a:lstStyle/>
-              <a:p>
-                <a:pPr algn="ctr"/>
-                <a:endParaRPr lang="en-US"/>
-              </a:p>
-            </p:txBody>
-          </p:sp>
-          <p:sp>
-            <p:nvSpPr>
-              <p:cNvPr id="21" name="Arrow: Down 20">
-                <a:extLst>
-                  <a:ext uri="{FF2B5EF4-FFF2-40B4-BE49-F238E27FC236}">
-                    <a16:creationId xmlns:a16="http://schemas.microsoft.com/office/drawing/2014/main" id="{42751251-0491-4A7B-A7F0-D8A1DA58ED62}"/>
-                  </a:ext>
-                </a:extLst>
-              </p:cNvPr>
-              <p:cNvSpPr/>
-              <p:nvPr/>
-            </p:nvSpPr>
-            <p:spPr>
-              <a:xfrm>
-                <a:off x="5942520" y="2572559"/>
-                <a:ext cx="141667" cy="360608"/>
-              </a:xfrm>
-              <a:prstGeom prst="downArrow">
-                <a:avLst/>
-              </a:prstGeom>
-              <a:noFill/>
-            </p:spPr>
-            <p:style>
-              <a:lnRef idx="2">
-                <a:schemeClr val="accent1">
-                  <a:shade val="50000"/>
-                </a:schemeClr>
-              </a:lnRef>
-              <a:fillRef idx="1">
-                <a:schemeClr val="accent1"/>
-              </a:fillRef>
-              <a:effectRef idx="0">
-                <a:schemeClr val="accent1"/>
-              </a:effectRef>
-              <a:fontRef idx="minor">
-                <a:schemeClr val="lt1"/>
-              </a:fontRef>
-            </p:style>
-            <p:txBody>
-              <a:bodyPr rtlCol="0" anchor="ctr"/>
-              <a:lstStyle/>
-              <a:p>
-                <a:pPr algn="ctr"/>
-                <a:endParaRPr lang="en-US"/>
-              </a:p>
-            </p:txBody>
-          </p:sp>
-          <p:sp>
-            <p:nvSpPr>
-              <p:cNvPr id="22" name="Arrow: Down 21">
-                <a:extLst>
-                  <a:ext uri="{FF2B5EF4-FFF2-40B4-BE49-F238E27FC236}">
-                    <a16:creationId xmlns:a16="http://schemas.microsoft.com/office/drawing/2014/main" id="{5CEBEBB6-CFB1-40CE-86B4-7A29EA54E60C}"/>
-                  </a:ext>
-                </a:extLst>
-              </p:cNvPr>
-              <p:cNvSpPr/>
-              <p:nvPr/>
-            </p:nvSpPr>
-            <p:spPr>
-              <a:xfrm>
-                <a:off x="6430842" y="2572559"/>
-                <a:ext cx="141667" cy="360608"/>
-              </a:xfrm>
-              <a:prstGeom prst="downArrow">
-                <a:avLst/>
-              </a:prstGeom>
-              <a:noFill/>
-            </p:spPr>
-            <p:style>
-              <a:lnRef idx="2">
-                <a:schemeClr val="accent1">
-                  <a:shade val="50000"/>
-                </a:schemeClr>
-              </a:lnRef>
-              <a:fillRef idx="1">
-                <a:schemeClr val="accent1"/>
-              </a:fillRef>
-              <a:effectRef idx="0">
-                <a:schemeClr val="accent1"/>
-              </a:effectRef>
-              <a:fontRef idx="minor">
-                <a:schemeClr val="lt1"/>
-              </a:fontRef>
-            </p:style>
-            <p:txBody>
-              <a:bodyPr rtlCol="0" anchor="ctr"/>
-              <a:lstStyle/>
-              <a:p>
-                <a:pPr algn="ctr"/>
-                <a:endParaRPr lang="en-US"/>
-              </a:p>
-            </p:txBody>
-          </p:sp>
-        </p:grpSp>
-        <p:grpSp>
-          <p:nvGrpSpPr>
-            <p:cNvPr id="24" name="Group 23">
+            <a:prstGeom prst="rightArrow">
+              <a:avLst/>
+            </a:prstGeom>
+            <a:noFill/>
+          </p:spPr>
+          <p:style>
+            <a:lnRef idx="2">
+              <a:schemeClr val="accent1">
+                <a:shade val="50000"/>
+              </a:schemeClr>
+            </a:lnRef>
+            <a:fillRef idx="1">
+              <a:schemeClr val="accent1"/>
+            </a:fillRef>
+            <a:effectRef idx="0">
+              <a:schemeClr val="accent1"/>
+            </a:effectRef>
+            <a:fontRef idx="minor">
+              <a:schemeClr val="lt1"/>
+            </a:fontRef>
+          </p:style>
+          <p:txBody>
+            <a:bodyPr rtlCol="0" anchor="ctr"/>
+            <a:lstStyle/>
+            <a:p>
+              <a:pPr algn="ctr"/>
+              <a:endParaRPr lang="en-US"/>
+            </a:p>
+          </p:txBody>
+        </p:sp>
+        <p:sp>
+          <p:nvSpPr>
+            <p:cNvPr id="56" name="Arrow: Right 55">
               <a:extLst>
                 <a:ext uri="{FF2B5EF4-FFF2-40B4-BE49-F238E27FC236}">
-                  <a16:creationId xmlns:a16="http://schemas.microsoft.com/office/drawing/2014/main" id="{748D221F-363A-4E7B-8261-86A069343610}"/>
+                  <a16:creationId xmlns:a16="http://schemas.microsoft.com/office/drawing/2014/main" id="{ED338117-ADEF-4183-BDEA-537534735582}"/>
                 </a:ext>
               </a:extLst>
             </p:cNvPr>
-            <p:cNvGrpSpPr/>
+            <p:cNvSpPr/>
             <p:nvPr/>
-          </p:nvGrpSpPr>
-          <p:grpSpPr>
-            <a:xfrm>
-              <a:off x="4411017" y="2585415"/>
-              <a:ext cx="2075636" cy="363829"/>
-              <a:chOff x="4496873" y="2572559"/>
-              <a:chExt cx="2075636" cy="363829"/>
+          </p:nvSpPr>
+          <p:spPr>
+            <a:xfrm rot="10800000">
+              <a:off x="7165638" y="3585760"/>
+              <a:ext cx="1493950" cy="437882"/>
             </a:xfrm>
-          </p:grpSpPr>
-          <p:sp>
-            <p:nvSpPr>
-              <p:cNvPr id="25" name="Arrow: Down 24">
-                <a:extLst>
-                  <a:ext uri="{FF2B5EF4-FFF2-40B4-BE49-F238E27FC236}">
-                    <a16:creationId xmlns:a16="http://schemas.microsoft.com/office/drawing/2014/main" id="{179C822A-41E2-4A2F-B354-6161663E9B57}"/>
-                  </a:ext>
-                </a:extLst>
-              </p:cNvPr>
-              <p:cNvSpPr/>
-              <p:nvPr/>
-            </p:nvSpPr>
-            <p:spPr>
-              <a:xfrm>
-                <a:off x="4496873" y="2575780"/>
-                <a:ext cx="141667" cy="360608"/>
-              </a:xfrm>
-              <a:prstGeom prst="downArrow">
-                <a:avLst/>
-              </a:prstGeom>
-              <a:noFill/>
-            </p:spPr>
-            <p:style>
-              <a:lnRef idx="2">
-                <a:schemeClr val="accent1">
-                  <a:shade val="50000"/>
-                </a:schemeClr>
-              </a:lnRef>
-              <a:fillRef idx="1">
-                <a:schemeClr val="accent1"/>
-              </a:fillRef>
-              <a:effectRef idx="0">
-                <a:schemeClr val="accent1"/>
-              </a:effectRef>
-              <a:fontRef idx="minor">
-                <a:schemeClr val="lt1"/>
-              </a:fontRef>
-            </p:style>
-            <p:txBody>
-              <a:bodyPr rtlCol="0" anchor="ctr"/>
-              <a:lstStyle/>
-              <a:p>
-                <a:pPr algn="ctr"/>
-                <a:endParaRPr lang="en-US"/>
-              </a:p>
-            </p:txBody>
-          </p:sp>
-          <p:sp>
-            <p:nvSpPr>
-              <p:cNvPr id="26" name="Arrow: Down 25">
-                <a:extLst>
-                  <a:ext uri="{FF2B5EF4-FFF2-40B4-BE49-F238E27FC236}">
-                    <a16:creationId xmlns:a16="http://schemas.microsoft.com/office/drawing/2014/main" id="{507DE5A3-C29A-4B8B-977E-26D210FDFE5B}"/>
-                  </a:ext>
-                </a:extLst>
-              </p:cNvPr>
-              <p:cNvSpPr/>
-              <p:nvPr/>
-            </p:nvSpPr>
-            <p:spPr>
-              <a:xfrm>
-                <a:off x="4965876" y="2575780"/>
-                <a:ext cx="141667" cy="360608"/>
-              </a:xfrm>
-              <a:prstGeom prst="downArrow">
-                <a:avLst/>
-              </a:prstGeom>
-              <a:noFill/>
-            </p:spPr>
-            <p:style>
-              <a:lnRef idx="2">
-                <a:schemeClr val="accent1">
-                  <a:shade val="50000"/>
-                </a:schemeClr>
-              </a:lnRef>
-              <a:fillRef idx="1">
-                <a:schemeClr val="accent1"/>
-              </a:fillRef>
-              <a:effectRef idx="0">
-                <a:schemeClr val="accent1"/>
-              </a:effectRef>
-              <a:fontRef idx="minor">
-                <a:schemeClr val="lt1"/>
-              </a:fontRef>
-            </p:style>
-            <p:txBody>
-              <a:bodyPr rtlCol="0" anchor="ctr"/>
-              <a:lstStyle/>
-              <a:p>
-                <a:pPr algn="ctr"/>
-                <a:endParaRPr lang="en-US" dirty="0"/>
-              </a:p>
-            </p:txBody>
-          </p:sp>
-          <p:sp>
-            <p:nvSpPr>
-              <p:cNvPr id="27" name="Arrow: Down 26">
-                <a:extLst>
-                  <a:ext uri="{FF2B5EF4-FFF2-40B4-BE49-F238E27FC236}">
-                    <a16:creationId xmlns:a16="http://schemas.microsoft.com/office/drawing/2014/main" id="{090BFB16-FF80-41CD-896F-564039850332}"/>
-                  </a:ext>
-                </a:extLst>
-              </p:cNvPr>
-              <p:cNvSpPr/>
-              <p:nvPr/>
-            </p:nvSpPr>
-            <p:spPr>
-              <a:xfrm>
-                <a:off x="5454198" y="2575780"/>
-                <a:ext cx="141667" cy="360608"/>
-              </a:xfrm>
-              <a:prstGeom prst="downArrow">
-                <a:avLst/>
-              </a:prstGeom>
-              <a:noFill/>
-            </p:spPr>
-            <p:style>
-              <a:lnRef idx="2">
-                <a:schemeClr val="accent1">
-                  <a:shade val="50000"/>
-                </a:schemeClr>
-              </a:lnRef>
-              <a:fillRef idx="1">
-                <a:schemeClr val="accent1"/>
-              </a:fillRef>
-              <a:effectRef idx="0">
-                <a:schemeClr val="accent1"/>
-              </a:effectRef>
-              <a:fontRef idx="minor">
-                <a:schemeClr val="lt1"/>
-              </a:fontRef>
-            </p:style>
-            <p:txBody>
-              <a:bodyPr rtlCol="0" anchor="ctr"/>
-              <a:lstStyle/>
-              <a:p>
-                <a:pPr algn="ctr"/>
-                <a:endParaRPr lang="en-US"/>
-              </a:p>
-            </p:txBody>
-          </p:sp>
-          <p:sp>
-            <p:nvSpPr>
-              <p:cNvPr id="28" name="Arrow: Down 27">
-                <a:extLst>
-                  <a:ext uri="{FF2B5EF4-FFF2-40B4-BE49-F238E27FC236}">
-                    <a16:creationId xmlns:a16="http://schemas.microsoft.com/office/drawing/2014/main" id="{7559D04A-EBC4-499F-BB6A-292BA9CB64A6}"/>
-                  </a:ext>
-                </a:extLst>
-              </p:cNvPr>
-              <p:cNvSpPr/>
-              <p:nvPr/>
-            </p:nvSpPr>
-            <p:spPr>
-              <a:xfrm>
-                <a:off x="5942520" y="2572559"/>
-                <a:ext cx="141667" cy="360608"/>
-              </a:xfrm>
-              <a:prstGeom prst="downArrow">
-                <a:avLst/>
-              </a:prstGeom>
-              <a:noFill/>
-            </p:spPr>
-            <p:style>
-              <a:lnRef idx="2">
-                <a:schemeClr val="accent1">
-                  <a:shade val="50000"/>
-                </a:schemeClr>
-              </a:lnRef>
-              <a:fillRef idx="1">
-                <a:schemeClr val="accent1"/>
-              </a:fillRef>
-              <a:effectRef idx="0">
-                <a:schemeClr val="accent1"/>
-              </a:effectRef>
-              <a:fontRef idx="minor">
-                <a:schemeClr val="lt1"/>
-              </a:fontRef>
-            </p:style>
-            <p:txBody>
-              <a:bodyPr rtlCol="0" anchor="ctr"/>
-              <a:lstStyle/>
-              <a:p>
-                <a:pPr algn="ctr"/>
-                <a:endParaRPr lang="en-US"/>
-              </a:p>
-            </p:txBody>
-          </p:sp>
-          <p:sp>
-            <p:nvSpPr>
-              <p:cNvPr id="29" name="Arrow: Down 28">
-                <a:extLst>
-                  <a:ext uri="{FF2B5EF4-FFF2-40B4-BE49-F238E27FC236}">
-                    <a16:creationId xmlns:a16="http://schemas.microsoft.com/office/drawing/2014/main" id="{702EF790-F729-4394-9244-3B29D58980FE}"/>
-                  </a:ext>
-                </a:extLst>
-              </p:cNvPr>
-              <p:cNvSpPr/>
-              <p:nvPr/>
-            </p:nvSpPr>
-            <p:spPr>
-              <a:xfrm>
-                <a:off x="6430842" y="2572559"/>
-                <a:ext cx="141667" cy="360608"/>
-              </a:xfrm>
-              <a:prstGeom prst="downArrow">
-                <a:avLst/>
-              </a:prstGeom>
-              <a:noFill/>
-            </p:spPr>
-            <p:style>
-              <a:lnRef idx="2">
-                <a:schemeClr val="accent1">
-                  <a:shade val="50000"/>
-                </a:schemeClr>
-              </a:lnRef>
-              <a:fillRef idx="1">
-                <a:schemeClr val="accent1"/>
-              </a:fillRef>
-              <a:effectRef idx="0">
-                <a:schemeClr val="accent1"/>
-              </a:effectRef>
-              <a:fontRef idx="minor">
-                <a:schemeClr val="lt1"/>
-              </a:fontRef>
-            </p:style>
-            <p:txBody>
-              <a:bodyPr rtlCol="0" anchor="ctr"/>
-              <a:lstStyle/>
-              <a:p>
-                <a:pPr algn="ctr"/>
-                <a:endParaRPr lang="en-US"/>
-              </a:p>
-            </p:txBody>
-          </p:sp>
-        </p:grpSp>
-        <p:grpSp>
-          <p:nvGrpSpPr>
-            <p:cNvPr id="30" name="Group 29">
+            <a:prstGeom prst="rightArrow">
+              <a:avLst/>
+            </a:prstGeom>
+            <a:noFill/>
+          </p:spPr>
+          <p:style>
+            <a:lnRef idx="2">
+              <a:schemeClr val="accent1">
+                <a:shade val="50000"/>
+              </a:schemeClr>
+            </a:lnRef>
+            <a:fillRef idx="1">
+              <a:schemeClr val="accent1"/>
+            </a:fillRef>
+            <a:effectRef idx="0">
+              <a:schemeClr val="accent1"/>
+            </a:effectRef>
+            <a:fontRef idx="minor">
+              <a:schemeClr val="lt1"/>
+            </a:fontRef>
+          </p:style>
+          <p:txBody>
+            <a:bodyPr rtlCol="0" anchor="ctr"/>
+            <a:lstStyle/>
+            <a:p>
+              <a:pPr algn="ctr"/>
+              <a:endParaRPr lang="en-US"/>
+            </a:p>
+          </p:txBody>
+        </p:sp>
+        <p:sp>
+          <p:nvSpPr>
+            <p:cNvPr id="57" name="Arrow: Right 56">
               <a:extLst>
                 <a:ext uri="{FF2B5EF4-FFF2-40B4-BE49-F238E27FC236}">
-                  <a16:creationId xmlns:a16="http://schemas.microsoft.com/office/drawing/2014/main" id="{32D7981A-3E95-4082-A7CB-12A0B9E2EEB5}"/>
+                  <a16:creationId xmlns:a16="http://schemas.microsoft.com/office/drawing/2014/main" id="{2EC95744-8CCF-4680-B56C-6D671F694E14}"/>
                 </a:ext>
               </a:extLst>
             </p:cNvPr>
-            <p:cNvGrpSpPr/>
+            <p:cNvSpPr/>
             <p:nvPr/>
-          </p:nvGrpSpPr>
-          <p:grpSpPr>
-            <a:xfrm>
-              <a:off x="4427117" y="3973111"/>
-              <a:ext cx="2075636" cy="363829"/>
-              <a:chOff x="4496873" y="2572559"/>
-              <a:chExt cx="2075636" cy="363829"/>
+          </p:nvSpPr>
+          <p:spPr>
+            <a:xfrm rot="10800000">
+              <a:off x="7248658" y="6353576"/>
+              <a:ext cx="1493950" cy="437882"/>
             </a:xfrm>
-          </p:grpSpPr>
-          <p:sp>
-            <p:nvSpPr>
-              <p:cNvPr id="31" name="Arrow: Down 30">
-                <a:extLst>
-                  <a:ext uri="{FF2B5EF4-FFF2-40B4-BE49-F238E27FC236}">
-                    <a16:creationId xmlns:a16="http://schemas.microsoft.com/office/drawing/2014/main" id="{57C898AE-6D0C-4896-B0C9-131F5A37E295}"/>
-                  </a:ext>
-                </a:extLst>
-              </p:cNvPr>
-              <p:cNvSpPr/>
-              <p:nvPr/>
-            </p:nvSpPr>
-            <p:spPr>
-              <a:xfrm>
-                <a:off x="4496873" y="2575780"/>
-                <a:ext cx="141667" cy="360608"/>
-              </a:xfrm>
-              <a:prstGeom prst="downArrow">
-                <a:avLst/>
-              </a:prstGeom>
-              <a:noFill/>
-            </p:spPr>
-            <p:style>
-              <a:lnRef idx="2">
-                <a:schemeClr val="accent1">
-                  <a:shade val="50000"/>
-                </a:schemeClr>
-              </a:lnRef>
-              <a:fillRef idx="1">
-                <a:schemeClr val="accent1"/>
-              </a:fillRef>
-              <a:effectRef idx="0">
-                <a:schemeClr val="accent1"/>
-              </a:effectRef>
-              <a:fontRef idx="minor">
-                <a:schemeClr val="lt1"/>
-              </a:fontRef>
-            </p:style>
-            <p:txBody>
-              <a:bodyPr rtlCol="0" anchor="ctr"/>
-              <a:lstStyle/>
-              <a:p>
-                <a:pPr algn="ctr"/>
-                <a:endParaRPr lang="en-US"/>
-              </a:p>
-            </p:txBody>
-          </p:sp>
-          <p:sp>
-            <p:nvSpPr>
-              <p:cNvPr id="32" name="Arrow: Down 31">
-                <a:extLst>
-                  <a:ext uri="{FF2B5EF4-FFF2-40B4-BE49-F238E27FC236}">
-                    <a16:creationId xmlns:a16="http://schemas.microsoft.com/office/drawing/2014/main" id="{80D74E70-36F5-48F2-94C0-84317237B558}"/>
-                  </a:ext>
-                </a:extLst>
-              </p:cNvPr>
-              <p:cNvSpPr/>
-              <p:nvPr/>
-            </p:nvSpPr>
-            <p:spPr>
-              <a:xfrm>
-                <a:off x="4965876" y="2575780"/>
-                <a:ext cx="141667" cy="360608"/>
-              </a:xfrm>
-              <a:prstGeom prst="downArrow">
-                <a:avLst/>
-              </a:prstGeom>
-              <a:noFill/>
-            </p:spPr>
-            <p:style>
-              <a:lnRef idx="2">
-                <a:schemeClr val="accent1">
-                  <a:shade val="50000"/>
-                </a:schemeClr>
-              </a:lnRef>
-              <a:fillRef idx="1">
-                <a:schemeClr val="accent1"/>
-              </a:fillRef>
-              <a:effectRef idx="0">
-                <a:schemeClr val="accent1"/>
-              </a:effectRef>
-              <a:fontRef idx="minor">
-                <a:schemeClr val="lt1"/>
-              </a:fontRef>
-            </p:style>
-            <p:txBody>
-              <a:bodyPr rtlCol="0" anchor="ctr"/>
-              <a:lstStyle/>
-              <a:p>
-                <a:pPr algn="ctr"/>
-                <a:endParaRPr lang="en-US"/>
-              </a:p>
-            </p:txBody>
-          </p:sp>
-          <p:sp>
-            <p:nvSpPr>
-              <p:cNvPr id="33" name="Arrow: Down 32">
-                <a:extLst>
-                  <a:ext uri="{FF2B5EF4-FFF2-40B4-BE49-F238E27FC236}">
-                    <a16:creationId xmlns:a16="http://schemas.microsoft.com/office/drawing/2014/main" id="{BC0B71B5-D3E6-47AF-AC06-E7C8BBAEB27D}"/>
-                  </a:ext>
-                </a:extLst>
-              </p:cNvPr>
-              <p:cNvSpPr/>
-              <p:nvPr/>
-            </p:nvSpPr>
-            <p:spPr>
-              <a:xfrm>
-                <a:off x="5454198" y="2575780"/>
-                <a:ext cx="141667" cy="360608"/>
-              </a:xfrm>
-              <a:prstGeom prst="downArrow">
-                <a:avLst/>
-              </a:prstGeom>
-              <a:noFill/>
-            </p:spPr>
-            <p:style>
-              <a:lnRef idx="2">
-                <a:schemeClr val="accent1">
-                  <a:shade val="50000"/>
-                </a:schemeClr>
-              </a:lnRef>
-              <a:fillRef idx="1">
-                <a:schemeClr val="accent1"/>
-              </a:fillRef>
-              <a:effectRef idx="0">
-                <a:schemeClr val="accent1"/>
-              </a:effectRef>
-              <a:fontRef idx="minor">
-                <a:schemeClr val="lt1"/>
-              </a:fontRef>
-            </p:style>
-            <p:txBody>
-              <a:bodyPr rtlCol="0" anchor="ctr"/>
-              <a:lstStyle/>
-              <a:p>
-                <a:pPr algn="ctr"/>
-                <a:endParaRPr lang="en-US"/>
-              </a:p>
-            </p:txBody>
-          </p:sp>
-          <p:sp>
-            <p:nvSpPr>
-              <p:cNvPr id="34" name="Arrow: Down 33">
-                <a:extLst>
-                  <a:ext uri="{FF2B5EF4-FFF2-40B4-BE49-F238E27FC236}">
-                    <a16:creationId xmlns:a16="http://schemas.microsoft.com/office/drawing/2014/main" id="{5EB07934-9E08-4939-AF20-3A618A64A0C2}"/>
-                  </a:ext>
-                </a:extLst>
-              </p:cNvPr>
-              <p:cNvSpPr/>
-              <p:nvPr/>
-            </p:nvSpPr>
-            <p:spPr>
-              <a:xfrm>
-                <a:off x="5942520" y="2572559"/>
-                <a:ext cx="141667" cy="360608"/>
-              </a:xfrm>
-              <a:prstGeom prst="downArrow">
-                <a:avLst/>
-              </a:prstGeom>
-              <a:noFill/>
-            </p:spPr>
-            <p:style>
-              <a:lnRef idx="2">
-                <a:schemeClr val="accent1">
-                  <a:shade val="50000"/>
-                </a:schemeClr>
-              </a:lnRef>
-              <a:fillRef idx="1">
-                <a:schemeClr val="accent1"/>
-              </a:fillRef>
-              <a:effectRef idx="0">
-                <a:schemeClr val="accent1"/>
-              </a:effectRef>
-              <a:fontRef idx="minor">
-                <a:schemeClr val="lt1"/>
-              </a:fontRef>
-            </p:style>
-            <p:txBody>
-              <a:bodyPr rtlCol="0" anchor="ctr"/>
-              <a:lstStyle/>
-              <a:p>
-                <a:pPr algn="ctr"/>
-                <a:endParaRPr lang="en-US"/>
-              </a:p>
-            </p:txBody>
-          </p:sp>
-          <p:sp>
-            <p:nvSpPr>
-              <p:cNvPr id="35" name="Arrow: Down 34">
-                <a:extLst>
-                  <a:ext uri="{FF2B5EF4-FFF2-40B4-BE49-F238E27FC236}">
-                    <a16:creationId xmlns:a16="http://schemas.microsoft.com/office/drawing/2014/main" id="{983BC51D-A0FB-40DE-AA7A-E7C019C69A41}"/>
-                  </a:ext>
-                </a:extLst>
-              </p:cNvPr>
-              <p:cNvSpPr/>
-              <p:nvPr/>
-            </p:nvSpPr>
-            <p:spPr>
-              <a:xfrm>
-                <a:off x="6430842" y="2572559"/>
-                <a:ext cx="141667" cy="360608"/>
-              </a:xfrm>
-              <a:prstGeom prst="downArrow">
-                <a:avLst/>
-              </a:prstGeom>
-              <a:noFill/>
-            </p:spPr>
-            <p:style>
-              <a:lnRef idx="2">
-                <a:schemeClr val="accent1">
-                  <a:shade val="50000"/>
-                </a:schemeClr>
-              </a:lnRef>
-              <a:fillRef idx="1">
-                <a:schemeClr val="accent1"/>
-              </a:fillRef>
-              <a:effectRef idx="0">
-                <a:schemeClr val="accent1"/>
-              </a:effectRef>
-              <a:fontRef idx="minor">
-                <a:schemeClr val="lt1"/>
-              </a:fontRef>
-            </p:style>
-            <p:txBody>
-              <a:bodyPr rtlCol="0" anchor="ctr"/>
-              <a:lstStyle/>
-              <a:p>
-                <a:pPr algn="ctr"/>
-                <a:endParaRPr lang="en-US"/>
-              </a:p>
-            </p:txBody>
-          </p:sp>
-        </p:grpSp>
-        <p:grpSp>
-          <p:nvGrpSpPr>
-            <p:cNvPr id="36" name="Group 35">
+            <a:prstGeom prst="rightArrow">
+              <a:avLst/>
+            </a:prstGeom>
+            <a:noFill/>
+          </p:spPr>
+          <p:style>
+            <a:lnRef idx="2">
+              <a:schemeClr val="accent1">
+                <a:shade val="50000"/>
+              </a:schemeClr>
+            </a:lnRef>
+            <a:fillRef idx="1">
+              <a:schemeClr val="accent1"/>
+            </a:fillRef>
+            <a:effectRef idx="0">
+              <a:schemeClr val="accent1"/>
+            </a:effectRef>
+            <a:fontRef idx="minor">
+              <a:schemeClr val="lt1"/>
+            </a:fontRef>
+          </p:style>
+          <p:txBody>
+            <a:bodyPr rtlCol="0" anchor="ctr"/>
+            <a:lstStyle/>
+            <a:p>
+              <a:pPr algn="ctr"/>
+              <a:endParaRPr lang="en-US"/>
+            </a:p>
+          </p:txBody>
+        </p:sp>
+        <p:sp>
+          <p:nvSpPr>
+            <p:cNvPr id="58" name="Arrow: Right 57">
               <a:extLst>
                 <a:ext uri="{FF2B5EF4-FFF2-40B4-BE49-F238E27FC236}">
-                  <a16:creationId xmlns:a16="http://schemas.microsoft.com/office/drawing/2014/main" id="{09DC3283-6141-4F31-82B8-E13B136A1E28}"/>
+                  <a16:creationId xmlns:a16="http://schemas.microsoft.com/office/drawing/2014/main" id="{36D78BE4-5493-4681-9CFD-4883A6B6B59E}"/>
                 </a:ext>
               </a:extLst>
             </p:cNvPr>
-            <p:cNvGrpSpPr/>
+            <p:cNvSpPr/>
             <p:nvPr/>
-          </p:nvGrpSpPr>
-          <p:grpSpPr>
+          </p:nvSpPr>
+          <p:spPr>
             <a:xfrm rot="10800000">
-              <a:off x="4437851" y="3287347"/>
-              <a:ext cx="2075636" cy="363829"/>
-              <a:chOff x="4496873" y="2572559"/>
-              <a:chExt cx="2075636" cy="363829"/>
+              <a:off x="7248658" y="4971246"/>
+              <a:ext cx="1493950" cy="437882"/>
             </a:xfrm>
-          </p:grpSpPr>
-          <p:sp>
-            <p:nvSpPr>
-              <p:cNvPr id="37" name="Arrow: Down 36">
-                <a:extLst>
-                  <a:ext uri="{FF2B5EF4-FFF2-40B4-BE49-F238E27FC236}">
-                    <a16:creationId xmlns:a16="http://schemas.microsoft.com/office/drawing/2014/main" id="{D94F0609-8340-44EE-8B7D-DABD2F756ED0}"/>
-                  </a:ext>
-                </a:extLst>
-              </p:cNvPr>
-              <p:cNvSpPr/>
-              <p:nvPr/>
-            </p:nvSpPr>
-            <p:spPr>
-              <a:xfrm>
-                <a:off x="4496873" y="2575780"/>
-                <a:ext cx="141667" cy="360608"/>
-              </a:xfrm>
-              <a:prstGeom prst="downArrow">
-                <a:avLst/>
-              </a:prstGeom>
-              <a:noFill/>
-            </p:spPr>
-            <p:style>
-              <a:lnRef idx="2">
-                <a:schemeClr val="accent1">
-                  <a:shade val="50000"/>
-                </a:schemeClr>
-              </a:lnRef>
-              <a:fillRef idx="1">
-                <a:schemeClr val="accent1"/>
-              </a:fillRef>
-              <a:effectRef idx="0">
-                <a:schemeClr val="accent1"/>
-              </a:effectRef>
-              <a:fontRef idx="minor">
-                <a:schemeClr val="lt1"/>
-              </a:fontRef>
-            </p:style>
-            <p:txBody>
-              <a:bodyPr rtlCol="0" anchor="ctr"/>
-              <a:lstStyle/>
-              <a:p>
-                <a:pPr algn="ctr"/>
-                <a:endParaRPr lang="en-US"/>
-              </a:p>
-            </p:txBody>
-          </p:sp>
-          <p:sp>
-            <p:nvSpPr>
-              <p:cNvPr id="38" name="Arrow: Down 37">
-                <a:extLst>
-                  <a:ext uri="{FF2B5EF4-FFF2-40B4-BE49-F238E27FC236}">
-                    <a16:creationId xmlns:a16="http://schemas.microsoft.com/office/drawing/2014/main" id="{6524815F-9606-4D94-AF01-E6508EB7BCE0}"/>
-                  </a:ext>
-                </a:extLst>
-              </p:cNvPr>
-              <p:cNvSpPr/>
-              <p:nvPr/>
-            </p:nvSpPr>
-            <p:spPr>
-              <a:xfrm>
-                <a:off x="4965876" y="2575780"/>
-                <a:ext cx="141667" cy="360608"/>
-              </a:xfrm>
-              <a:prstGeom prst="downArrow">
-                <a:avLst/>
-              </a:prstGeom>
-              <a:noFill/>
-            </p:spPr>
-            <p:style>
-              <a:lnRef idx="2">
-                <a:schemeClr val="accent1">
-                  <a:shade val="50000"/>
-                </a:schemeClr>
-              </a:lnRef>
-              <a:fillRef idx="1">
-                <a:schemeClr val="accent1"/>
-              </a:fillRef>
-              <a:effectRef idx="0">
-                <a:schemeClr val="accent1"/>
-              </a:effectRef>
-              <a:fontRef idx="minor">
-                <a:schemeClr val="lt1"/>
-              </a:fontRef>
-            </p:style>
-            <p:txBody>
-              <a:bodyPr rtlCol="0" anchor="ctr"/>
-              <a:lstStyle/>
-              <a:p>
-                <a:pPr algn="ctr"/>
-                <a:endParaRPr lang="en-US"/>
-              </a:p>
-            </p:txBody>
-          </p:sp>
-          <p:sp>
-            <p:nvSpPr>
-              <p:cNvPr id="39" name="Arrow: Down 38">
-                <a:extLst>
-                  <a:ext uri="{FF2B5EF4-FFF2-40B4-BE49-F238E27FC236}">
-                    <a16:creationId xmlns:a16="http://schemas.microsoft.com/office/drawing/2014/main" id="{BBA931E2-CB70-499F-8E1C-4BCCCC85018D}"/>
-                  </a:ext>
-                </a:extLst>
-              </p:cNvPr>
-              <p:cNvSpPr/>
-              <p:nvPr/>
-            </p:nvSpPr>
-            <p:spPr>
-              <a:xfrm>
-                <a:off x="5454198" y="2575780"/>
-                <a:ext cx="141667" cy="360608"/>
-              </a:xfrm>
-              <a:prstGeom prst="downArrow">
-                <a:avLst/>
-              </a:prstGeom>
-              <a:noFill/>
-            </p:spPr>
-            <p:style>
-              <a:lnRef idx="2">
-                <a:schemeClr val="accent1">
-                  <a:shade val="50000"/>
-                </a:schemeClr>
-              </a:lnRef>
-              <a:fillRef idx="1">
-                <a:schemeClr val="accent1"/>
-              </a:fillRef>
-              <a:effectRef idx="0">
-                <a:schemeClr val="accent1"/>
-              </a:effectRef>
-              <a:fontRef idx="minor">
-                <a:schemeClr val="lt1"/>
-              </a:fontRef>
-            </p:style>
-            <p:txBody>
-              <a:bodyPr rtlCol="0" anchor="ctr"/>
-              <a:lstStyle/>
-              <a:p>
-                <a:pPr algn="ctr"/>
-                <a:endParaRPr lang="en-US"/>
-              </a:p>
-            </p:txBody>
-          </p:sp>
-          <p:sp>
-            <p:nvSpPr>
-              <p:cNvPr id="40" name="Arrow: Down 39">
-                <a:extLst>
-                  <a:ext uri="{FF2B5EF4-FFF2-40B4-BE49-F238E27FC236}">
-                    <a16:creationId xmlns:a16="http://schemas.microsoft.com/office/drawing/2014/main" id="{BE0BA196-AC89-42BD-BE6C-8F288033A863}"/>
-                  </a:ext>
-                </a:extLst>
-              </p:cNvPr>
-              <p:cNvSpPr/>
-              <p:nvPr/>
-            </p:nvSpPr>
-            <p:spPr>
-              <a:xfrm>
-                <a:off x="5942520" y="2572559"/>
-                <a:ext cx="141667" cy="360608"/>
-              </a:xfrm>
-              <a:prstGeom prst="downArrow">
-                <a:avLst/>
-              </a:prstGeom>
-              <a:noFill/>
-            </p:spPr>
-            <p:style>
-              <a:lnRef idx="2">
-                <a:schemeClr val="accent1">
-                  <a:shade val="50000"/>
-                </a:schemeClr>
-              </a:lnRef>
-              <a:fillRef idx="1">
-                <a:schemeClr val="accent1"/>
-              </a:fillRef>
-              <a:effectRef idx="0">
-                <a:schemeClr val="accent1"/>
-              </a:effectRef>
-              <a:fontRef idx="minor">
-                <a:schemeClr val="lt1"/>
-              </a:fontRef>
-            </p:style>
-            <p:txBody>
-              <a:bodyPr rtlCol="0" anchor="ctr"/>
-              <a:lstStyle/>
-              <a:p>
-                <a:pPr algn="ctr"/>
-                <a:endParaRPr lang="en-US"/>
-              </a:p>
-            </p:txBody>
-          </p:sp>
-          <p:sp>
-            <p:nvSpPr>
-              <p:cNvPr id="41" name="Arrow: Down 40">
-                <a:extLst>
-                  <a:ext uri="{FF2B5EF4-FFF2-40B4-BE49-F238E27FC236}">
-                    <a16:creationId xmlns:a16="http://schemas.microsoft.com/office/drawing/2014/main" id="{1237C361-BCA1-493F-8DC2-7ACAA813A483}"/>
-                  </a:ext>
-                </a:extLst>
-              </p:cNvPr>
-              <p:cNvSpPr/>
-              <p:nvPr/>
-            </p:nvSpPr>
-            <p:spPr>
-              <a:xfrm>
-                <a:off x="6430842" y="2572559"/>
-                <a:ext cx="141667" cy="360608"/>
-              </a:xfrm>
-              <a:prstGeom prst="downArrow">
-                <a:avLst/>
-              </a:prstGeom>
-              <a:noFill/>
-            </p:spPr>
-            <p:style>
-              <a:lnRef idx="2">
-                <a:schemeClr val="accent1">
-                  <a:shade val="50000"/>
-                </a:schemeClr>
-              </a:lnRef>
-              <a:fillRef idx="1">
-                <a:schemeClr val="accent1"/>
-              </a:fillRef>
-              <a:effectRef idx="0">
-                <a:schemeClr val="accent1"/>
-              </a:effectRef>
-              <a:fontRef idx="minor">
-                <a:schemeClr val="lt1"/>
-              </a:fontRef>
-            </p:style>
-            <p:txBody>
-              <a:bodyPr rtlCol="0" anchor="ctr"/>
-              <a:lstStyle/>
-              <a:p>
-                <a:pPr algn="ctr"/>
-                <a:endParaRPr lang="en-US"/>
-              </a:p>
-            </p:txBody>
-          </p:sp>
-        </p:grpSp>
-        <p:grpSp>
-          <p:nvGrpSpPr>
-            <p:cNvPr id="42" name="Group 41">
+            <a:prstGeom prst="rightArrow">
+              <a:avLst/>
+            </a:prstGeom>
+            <a:noFill/>
+          </p:spPr>
+          <p:style>
+            <a:lnRef idx="2">
+              <a:schemeClr val="accent1">
+                <a:shade val="50000"/>
+              </a:schemeClr>
+            </a:lnRef>
+            <a:fillRef idx="1">
+              <a:schemeClr val="accent1"/>
+            </a:fillRef>
+            <a:effectRef idx="0">
+              <a:schemeClr val="accent1"/>
+            </a:effectRef>
+            <a:fontRef idx="minor">
+              <a:schemeClr val="lt1"/>
+            </a:fontRef>
+          </p:style>
+          <p:txBody>
+            <a:bodyPr rtlCol="0" anchor="ctr"/>
+            <a:lstStyle/>
+            <a:p>
+              <a:pPr algn="ctr"/>
+              <a:endParaRPr lang="en-US"/>
+            </a:p>
+          </p:txBody>
+        </p:sp>
+        <p:sp>
+          <p:nvSpPr>
+            <p:cNvPr id="59" name="Arrow: Right 58">
               <a:extLst>
                 <a:ext uri="{FF2B5EF4-FFF2-40B4-BE49-F238E27FC236}">
-                  <a16:creationId xmlns:a16="http://schemas.microsoft.com/office/drawing/2014/main" id="{ABBD2080-3489-4C7D-A4EC-925521F7BC3B}"/>
+                  <a16:creationId xmlns:a16="http://schemas.microsoft.com/office/drawing/2014/main" id="{057C3DE6-1292-46D8-9E32-415216A6F915}"/>
                 </a:ext>
               </a:extLst>
             </p:cNvPr>
-            <p:cNvGrpSpPr/>
+            <p:cNvSpPr/>
             <p:nvPr/>
-          </p:nvGrpSpPr>
-          <p:grpSpPr>
+          </p:nvSpPr>
+          <p:spPr>
             <a:xfrm rot="10800000">
-              <a:off x="4417458" y="6055228"/>
-              <a:ext cx="2075636" cy="363829"/>
-              <a:chOff x="4496873" y="2572559"/>
-              <a:chExt cx="2075636" cy="363829"/>
+              <a:off x="2043822" y="5662410"/>
+              <a:ext cx="1493950" cy="437882"/>
             </a:xfrm>
-          </p:grpSpPr>
-          <p:sp>
-            <p:nvSpPr>
-              <p:cNvPr id="43" name="Arrow: Down 42">
-                <a:extLst>
-                  <a:ext uri="{FF2B5EF4-FFF2-40B4-BE49-F238E27FC236}">
-                    <a16:creationId xmlns:a16="http://schemas.microsoft.com/office/drawing/2014/main" id="{C852131B-957A-4B3F-8760-5EE7896F8F1D}"/>
-                  </a:ext>
-                </a:extLst>
-              </p:cNvPr>
-              <p:cNvSpPr/>
-              <p:nvPr/>
-            </p:nvSpPr>
-            <p:spPr>
-              <a:xfrm>
-                <a:off x="4496873" y="2575780"/>
-                <a:ext cx="141667" cy="360608"/>
-              </a:xfrm>
-              <a:prstGeom prst="downArrow">
-                <a:avLst/>
-              </a:prstGeom>
-              <a:noFill/>
-            </p:spPr>
-            <p:style>
-              <a:lnRef idx="2">
-                <a:schemeClr val="accent1">
-                  <a:shade val="50000"/>
-                </a:schemeClr>
-              </a:lnRef>
-              <a:fillRef idx="1">
-                <a:schemeClr val="accent1"/>
-              </a:fillRef>
-              <a:effectRef idx="0">
-                <a:schemeClr val="accent1"/>
-              </a:effectRef>
-              <a:fontRef idx="minor">
-                <a:schemeClr val="lt1"/>
-              </a:fontRef>
-            </p:style>
-            <p:txBody>
-              <a:bodyPr rtlCol="0" anchor="ctr"/>
-              <a:lstStyle/>
-              <a:p>
-                <a:pPr algn="ctr"/>
-                <a:endParaRPr lang="en-US"/>
-              </a:p>
-            </p:txBody>
-          </p:sp>
-          <p:sp>
-            <p:nvSpPr>
-              <p:cNvPr id="44" name="Arrow: Down 43">
-                <a:extLst>
-                  <a:ext uri="{FF2B5EF4-FFF2-40B4-BE49-F238E27FC236}">
-                    <a16:creationId xmlns:a16="http://schemas.microsoft.com/office/drawing/2014/main" id="{A11D624B-418A-4BA3-9DF9-4D630E03610F}"/>
-                  </a:ext>
-                </a:extLst>
-              </p:cNvPr>
-              <p:cNvSpPr/>
-              <p:nvPr/>
-            </p:nvSpPr>
-            <p:spPr>
-              <a:xfrm>
-                <a:off x="4965876" y="2575780"/>
-                <a:ext cx="141667" cy="360608"/>
-              </a:xfrm>
-              <a:prstGeom prst="downArrow">
-                <a:avLst/>
-              </a:prstGeom>
-              <a:noFill/>
-            </p:spPr>
-            <p:style>
-              <a:lnRef idx="2">
-                <a:schemeClr val="accent1">
-                  <a:shade val="50000"/>
-                </a:schemeClr>
-              </a:lnRef>
-              <a:fillRef idx="1">
-                <a:schemeClr val="accent1"/>
-              </a:fillRef>
-              <a:effectRef idx="0">
-                <a:schemeClr val="accent1"/>
-              </a:effectRef>
-              <a:fontRef idx="minor">
-                <a:schemeClr val="lt1"/>
-              </a:fontRef>
-            </p:style>
-            <p:txBody>
-              <a:bodyPr rtlCol="0" anchor="ctr"/>
-              <a:lstStyle/>
-              <a:p>
-                <a:pPr algn="ctr"/>
-                <a:endParaRPr lang="en-US"/>
-              </a:p>
-            </p:txBody>
-          </p:sp>
-          <p:sp>
-            <p:nvSpPr>
-              <p:cNvPr id="45" name="Arrow: Down 44">
-                <a:extLst>
-                  <a:ext uri="{FF2B5EF4-FFF2-40B4-BE49-F238E27FC236}">
-                    <a16:creationId xmlns:a16="http://schemas.microsoft.com/office/drawing/2014/main" id="{3AC4F900-8258-4FD8-A9AA-E481A0F05569}"/>
-                  </a:ext>
-                </a:extLst>
-              </p:cNvPr>
-              <p:cNvSpPr/>
-              <p:nvPr/>
-            </p:nvSpPr>
-            <p:spPr>
-              <a:xfrm>
-                <a:off x="5454198" y="2575780"/>
-                <a:ext cx="141667" cy="360608"/>
-              </a:xfrm>
-              <a:prstGeom prst="downArrow">
-                <a:avLst/>
-              </a:prstGeom>
-              <a:noFill/>
-            </p:spPr>
-            <p:style>
-              <a:lnRef idx="2">
-                <a:schemeClr val="accent1">
-                  <a:shade val="50000"/>
-                </a:schemeClr>
-              </a:lnRef>
-              <a:fillRef idx="1">
-                <a:schemeClr val="accent1"/>
-              </a:fillRef>
-              <a:effectRef idx="0">
-                <a:schemeClr val="accent1"/>
-              </a:effectRef>
-              <a:fontRef idx="minor">
-                <a:schemeClr val="lt1"/>
-              </a:fontRef>
-            </p:style>
-            <p:txBody>
-              <a:bodyPr rtlCol="0" anchor="ctr"/>
-              <a:lstStyle/>
-              <a:p>
-                <a:pPr algn="ctr"/>
-                <a:endParaRPr lang="en-US"/>
-              </a:p>
-            </p:txBody>
-          </p:sp>
-          <p:sp>
-            <p:nvSpPr>
-              <p:cNvPr id="46" name="Arrow: Down 45">
-                <a:extLst>
-                  <a:ext uri="{FF2B5EF4-FFF2-40B4-BE49-F238E27FC236}">
-                    <a16:creationId xmlns:a16="http://schemas.microsoft.com/office/drawing/2014/main" id="{E0A6DEC8-7453-4611-ACE6-FC888B07F85A}"/>
-                  </a:ext>
-                </a:extLst>
-              </p:cNvPr>
-              <p:cNvSpPr/>
-              <p:nvPr/>
-            </p:nvSpPr>
-            <p:spPr>
-              <a:xfrm>
-                <a:off x="5942520" y="2572559"/>
-                <a:ext cx="141667" cy="360608"/>
-              </a:xfrm>
-              <a:prstGeom prst="downArrow">
-                <a:avLst/>
-              </a:prstGeom>
-              <a:noFill/>
-            </p:spPr>
-            <p:style>
-              <a:lnRef idx="2">
-                <a:schemeClr val="accent1">
-                  <a:shade val="50000"/>
-                </a:schemeClr>
-              </a:lnRef>
-              <a:fillRef idx="1">
-                <a:schemeClr val="accent1"/>
-              </a:fillRef>
-              <a:effectRef idx="0">
-                <a:schemeClr val="accent1"/>
-              </a:effectRef>
-              <a:fontRef idx="minor">
-                <a:schemeClr val="lt1"/>
-              </a:fontRef>
-            </p:style>
-            <p:txBody>
-              <a:bodyPr rtlCol="0" anchor="ctr"/>
-              <a:lstStyle/>
-              <a:p>
-                <a:pPr algn="ctr"/>
-                <a:endParaRPr lang="en-US"/>
-              </a:p>
-            </p:txBody>
-          </p:sp>
-          <p:sp>
-            <p:nvSpPr>
-              <p:cNvPr id="47" name="Arrow: Down 46">
-                <a:extLst>
-                  <a:ext uri="{FF2B5EF4-FFF2-40B4-BE49-F238E27FC236}">
-                    <a16:creationId xmlns:a16="http://schemas.microsoft.com/office/drawing/2014/main" id="{AADB9D33-055E-481F-B8C0-8D17502DB9D7}"/>
-                  </a:ext>
-                </a:extLst>
-              </p:cNvPr>
-              <p:cNvSpPr/>
-              <p:nvPr/>
-            </p:nvSpPr>
-            <p:spPr>
-              <a:xfrm>
-                <a:off x="6430842" y="2572559"/>
-                <a:ext cx="141667" cy="360608"/>
-              </a:xfrm>
-              <a:prstGeom prst="downArrow">
-                <a:avLst/>
-              </a:prstGeom>
-              <a:noFill/>
-            </p:spPr>
-            <p:style>
-              <a:lnRef idx="2">
-                <a:schemeClr val="accent1">
-                  <a:shade val="50000"/>
-                </a:schemeClr>
-              </a:lnRef>
-              <a:fillRef idx="1">
-                <a:schemeClr val="accent1"/>
-              </a:fillRef>
-              <a:effectRef idx="0">
-                <a:schemeClr val="accent1"/>
-              </a:effectRef>
-              <a:fontRef idx="minor">
-                <a:schemeClr val="lt1"/>
-              </a:fontRef>
-            </p:style>
-            <p:txBody>
-              <a:bodyPr rtlCol="0" anchor="ctr"/>
-              <a:lstStyle/>
-              <a:p>
-                <a:pPr algn="ctr"/>
-                <a:endParaRPr lang="en-US"/>
-              </a:p>
-            </p:txBody>
-          </p:sp>
-        </p:grpSp>
-        <p:grpSp>
-          <p:nvGrpSpPr>
-            <p:cNvPr id="48" name="Group 47">
+            <a:prstGeom prst="rightArrow">
+              <a:avLst/>
+            </a:prstGeom>
+            <a:noFill/>
+          </p:spPr>
+          <p:style>
+            <a:lnRef idx="2">
+              <a:schemeClr val="accent1">
+                <a:shade val="50000"/>
+              </a:schemeClr>
+            </a:lnRef>
+            <a:fillRef idx="1">
+              <a:schemeClr val="accent1"/>
+            </a:fillRef>
+            <a:effectRef idx="0">
+              <a:schemeClr val="accent1"/>
+            </a:effectRef>
+            <a:fontRef idx="minor">
+              <a:schemeClr val="lt1"/>
+            </a:fontRef>
+          </p:style>
+          <p:txBody>
+            <a:bodyPr rtlCol="0" anchor="ctr"/>
+            <a:lstStyle/>
+            <a:p>
+              <a:pPr algn="ctr"/>
+              <a:endParaRPr lang="en-US"/>
+            </a:p>
+          </p:txBody>
+        </p:sp>
+        <p:sp>
+          <p:nvSpPr>
+            <p:cNvPr id="60" name="Arrow: Right 59">
               <a:extLst>
                 <a:ext uri="{FF2B5EF4-FFF2-40B4-BE49-F238E27FC236}">
-                  <a16:creationId xmlns:a16="http://schemas.microsoft.com/office/drawing/2014/main" id="{76085605-2852-4CEC-8B85-D7CFC334D9E9}"/>
+                  <a16:creationId xmlns:a16="http://schemas.microsoft.com/office/drawing/2014/main" id="{D41C9AB1-95D6-48F1-85C2-AE79EC8E75FF}"/>
                 </a:ext>
               </a:extLst>
             </p:cNvPr>
-            <p:cNvGrpSpPr/>
+            <p:cNvSpPr/>
             <p:nvPr/>
-          </p:nvGrpSpPr>
-          <p:grpSpPr>
+          </p:nvSpPr>
+          <p:spPr>
+            <a:xfrm rot="10800000">
+              <a:off x="2127690" y="4280081"/>
+              <a:ext cx="1493950" cy="437882"/>
+            </a:xfrm>
+            <a:prstGeom prst="rightArrow">
+              <a:avLst/>
+            </a:prstGeom>
+            <a:noFill/>
+          </p:spPr>
+          <p:style>
+            <a:lnRef idx="2">
+              <a:schemeClr val="accent1">
+                <a:shade val="50000"/>
+              </a:schemeClr>
+            </a:lnRef>
+            <a:fillRef idx="1">
+              <a:schemeClr val="accent1"/>
+            </a:fillRef>
+            <a:effectRef idx="0">
+              <a:schemeClr val="accent1"/>
+            </a:effectRef>
+            <a:fontRef idx="minor">
+              <a:schemeClr val="lt1"/>
+            </a:fontRef>
+          </p:style>
+          <p:txBody>
+            <a:bodyPr rtlCol="0" anchor="ctr"/>
+            <a:lstStyle/>
+            <a:p>
+              <a:pPr algn="ctr"/>
+              <a:endParaRPr lang="en-US"/>
+            </a:p>
+          </p:txBody>
+        </p:sp>
+        <p:sp>
+          <p:nvSpPr>
+            <p:cNvPr id="61" name="Arrow: Right 60">
+              <a:extLst>
+                <a:ext uri="{FF2B5EF4-FFF2-40B4-BE49-F238E27FC236}">
+                  <a16:creationId xmlns:a16="http://schemas.microsoft.com/office/drawing/2014/main" id="{29FF1A69-17E8-4FE1-A1DC-EB18BC597FEA}"/>
+                </a:ext>
+              </a:extLst>
+            </p:cNvPr>
+            <p:cNvSpPr/>
+            <p:nvPr/>
+          </p:nvSpPr>
+          <p:spPr>
+            <a:xfrm rot="10800000">
+              <a:off x="2120726" y="2897751"/>
+              <a:ext cx="1493950" cy="437882"/>
+            </a:xfrm>
+            <a:prstGeom prst="rightArrow">
+              <a:avLst/>
+            </a:prstGeom>
+            <a:noFill/>
+          </p:spPr>
+          <p:style>
+            <a:lnRef idx="2">
+              <a:schemeClr val="accent1">
+                <a:shade val="50000"/>
+              </a:schemeClr>
+            </a:lnRef>
+            <a:fillRef idx="1">
+              <a:schemeClr val="accent1"/>
+            </a:fillRef>
+            <a:effectRef idx="0">
+              <a:schemeClr val="accent1"/>
+            </a:effectRef>
+            <a:fontRef idx="minor">
+              <a:schemeClr val="lt1"/>
+            </a:fontRef>
+          </p:style>
+          <p:txBody>
+            <a:bodyPr rtlCol="0" anchor="ctr"/>
+            <a:lstStyle/>
+            <a:p>
+              <a:pPr algn="ctr"/>
+              <a:endParaRPr lang="en-US"/>
+            </a:p>
+          </p:txBody>
+        </p:sp>
+        <p:pic>
+          <p:nvPicPr>
+            <p:cNvPr id="63" name="Picture 62">
+              <a:extLst>
+                <a:ext uri="{FF2B5EF4-FFF2-40B4-BE49-F238E27FC236}">
+                  <a16:creationId xmlns:a16="http://schemas.microsoft.com/office/drawing/2014/main" id="{16F52598-0BCA-40EC-9987-4DA9FFB0B614}"/>
+                </a:ext>
+              </a:extLst>
+            </p:cNvPr>
+            <p:cNvPicPr>
+              <a:picLocks noChangeAspect="1"/>
+            </p:cNvPicPr>
+            <p:nvPr>
+              <p:custDataLst>
+                <p:tags r:id="rId3"/>
+              </p:custDataLst>
+            </p:nvPr>
+          </p:nvPicPr>
+          <p:blipFill>
+            <a:blip r:embed="rId21">
+              <a:extLst>
+                <a:ext uri="{28A0092B-C50C-407E-A947-70E740481C1C}">
+                  <a14:useLocalDpi xmlns:a14="http://schemas.microsoft.com/office/drawing/2010/main" val="0"/>
+                </a:ext>
+              </a:extLst>
+            </a:blip>
+            <a:stretch>
+              <a:fillRect/>
+            </a:stretch>
+          </p:blipFill>
+          <p:spPr>
             <a:xfrm>
-              <a:off x="4417457" y="5357635"/>
-              <a:ext cx="2075636" cy="363829"/>
-              <a:chOff x="4496873" y="2572559"/>
-              <a:chExt cx="2075636" cy="363829"/>
+              <a:off x="7578417" y="2075983"/>
+              <a:ext cx="960000" cy="252952"/>
             </a:xfrm>
-          </p:grpSpPr>
-          <p:sp>
-            <p:nvSpPr>
-              <p:cNvPr id="49" name="Arrow: Down 48">
-                <a:extLst>
-                  <a:ext uri="{FF2B5EF4-FFF2-40B4-BE49-F238E27FC236}">
-                    <a16:creationId xmlns:a16="http://schemas.microsoft.com/office/drawing/2014/main" id="{B67C02FE-D01A-4C7E-AB54-03ACC462F51D}"/>
-                  </a:ext>
-                </a:extLst>
-              </p:cNvPr>
-              <p:cNvSpPr/>
-              <p:nvPr/>
-            </p:nvSpPr>
-            <p:spPr>
-              <a:xfrm>
-                <a:off x="4496873" y="2575780"/>
-                <a:ext cx="141667" cy="360608"/>
-              </a:xfrm>
-              <a:prstGeom prst="downArrow">
-                <a:avLst/>
-              </a:prstGeom>
-              <a:noFill/>
-            </p:spPr>
-            <p:style>
-              <a:lnRef idx="2">
-                <a:schemeClr val="accent1">
-                  <a:shade val="50000"/>
-                </a:schemeClr>
-              </a:lnRef>
-              <a:fillRef idx="1">
-                <a:schemeClr val="accent1"/>
-              </a:fillRef>
-              <a:effectRef idx="0">
-                <a:schemeClr val="accent1"/>
-              </a:effectRef>
-              <a:fontRef idx="minor">
-                <a:schemeClr val="lt1"/>
-              </a:fontRef>
-            </p:style>
-            <p:txBody>
-              <a:bodyPr rtlCol="0" anchor="ctr"/>
-              <a:lstStyle/>
-              <a:p>
-                <a:pPr algn="ctr"/>
-                <a:endParaRPr lang="en-US"/>
-              </a:p>
-            </p:txBody>
-          </p:sp>
-          <p:sp>
-            <p:nvSpPr>
-              <p:cNvPr id="50" name="Arrow: Down 49">
-                <a:extLst>
-                  <a:ext uri="{FF2B5EF4-FFF2-40B4-BE49-F238E27FC236}">
-                    <a16:creationId xmlns:a16="http://schemas.microsoft.com/office/drawing/2014/main" id="{75ED918F-3018-41D0-AFB3-DAC2406FC75E}"/>
-                  </a:ext>
-                </a:extLst>
-              </p:cNvPr>
-              <p:cNvSpPr/>
-              <p:nvPr/>
-            </p:nvSpPr>
-            <p:spPr>
-              <a:xfrm>
-                <a:off x="4965876" y="2575780"/>
-                <a:ext cx="141667" cy="360608"/>
-              </a:xfrm>
-              <a:prstGeom prst="downArrow">
-                <a:avLst/>
-              </a:prstGeom>
-              <a:noFill/>
-            </p:spPr>
-            <p:style>
-              <a:lnRef idx="2">
-                <a:schemeClr val="accent1">
-                  <a:shade val="50000"/>
-                </a:schemeClr>
-              </a:lnRef>
-              <a:fillRef idx="1">
-                <a:schemeClr val="accent1"/>
-              </a:fillRef>
-              <a:effectRef idx="0">
-                <a:schemeClr val="accent1"/>
-              </a:effectRef>
-              <a:fontRef idx="minor">
-                <a:schemeClr val="lt1"/>
-              </a:fontRef>
-            </p:style>
-            <p:txBody>
-              <a:bodyPr rtlCol="0" anchor="ctr"/>
-              <a:lstStyle/>
-              <a:p>
-                <a:pPr algn="ctr"/>
-                <a:endParaRPr lang="en-US"/>
-              </a:p>
-            </p:txBody>
-          </p:sp>
-          <p:sp>
-            <p:nvSpPr>
-              <p:cNvPr id="51" name="Arrow: Down 50">
-                <a:extLst>
-                  <a:ext uri="{FF2B5EF4-FFF2-40B4-BE49-F238E27FC236}">
-                    <a16:creationId xmlns:a16="http://schemas.microsoft.com/office/drawing/2014/main" id="{00901E11-CEDA-4710-B5BA-4E695639F343}"/>
-                  </a:ext>
-                </a:extLst>
-              </p:cNvPr>
-              <p:cNvSpPr/>
-              <p:nvPr/>
-            </p:nvSpPr>
-            <p:spPr>
-              <a:xfrm>
-                <a:off x="5454198" y="2575780"/>
-                <a:ext cx="141667" cy="360608"/>
-              </a:xfrm>
-              <a:prstGeom prst="downArrow">
-                <a:avLst/>
-              </a:prstGeom>
-              <a:noFill/>
-            </p:spPr>
-            <p:style>
-              <a:lnRef idx="2">
-                <a:schemeClr val="accent1">
-                  <a:shade val="50000"/>
-                </a:schemeClr>
-              </a:lnRef>
-              <a:fillRef idx="1">
-                <a:schemeClr val="accent1"/>
-              </a:fillRef>
-              <a:effectRef idx="0">
-                <a:schemeClr val="accent1"/>
-              </a:effectRef>
-              <a:fontRef idx="minor">
-                <a:schemeClr val="lt1"/>
-              </a:fontRef>
-            </p:style>
-            <p:txBody>
-              <a:bodyPr rtlCol="0" anchor="ctr"/>
-              <a:lstStyle/>
-              <a:p>
-                <a:pPr algn="ctr"/>
-                <a:endParaRPr lang="en-US"/>
-              </a:p>
-            </p:txBody>
-          </p:sp>
-          <p:sp>
-            <p:nvSpPr>
-              <p:cNvPr id="52" name="Arrow: Down 51">
-                <a:extLst>
-                  <a:ext uri="{FF2B5EF4-FFF2-40B4-BE49-F238E27FC236}">
-                    <a16:creationId xmlns:a16="http://schemas.microsoft.com/office/drawing/2014/main" id="{7DC9636A-871D-42BA-8E26-01474D9B6BA5}"/>
-                  </a:ext>
-                </a:extLst>
-              </p:cNvPr>
-              <p:cNvSpPr/>
-              <p:nvPr/>
-            </p:nvSpPr>
-            <p:spPr>
-              <a:xfrm>
-                <a:off x="5942520" y="2572559"/>
-                <a:ext cx="141667" cy="360608"/>
-              </a:xfrm>
-              <a:prstGeom prst="downArrow">
-                <a:avLst/>
-              </a:prstGeom>
-              <a:noFill/>
-            </p:spPr>
-            <p:style>
-              <a:lnRef idx="2">
-                <a:schemeClr val="accent1">
-                  <a:shade val="50000"/>
-                </a:schemeClr>
-              </a:lnRef>
-              <a:fillRef idx="1">
-                <a:schemeClr val="accent1"/>
-              </a:fillRef>
-              <a:effectRef idx="0">
-                <a:schemeClr val="accent1"/>
-              </a:effectRef>
-              <a:fontRef idx="minor">
-                <a:schemeClr val="lt1"/>
-              </a:fontRef>
-            </p:style>
-            <p:txBody>
-              <a:bodyPr rtlCol="0" anchor="ctr"/>
-              <a:lstStyle/>
-              <a:p>
-                <a:pPr algn="ctr"/>
-                <a:endParaRPr lang="en-US"/>
-              </a:p>
-            </p:txBody>
-          </p:sp>
-          <p:sp>
-            <p:nvSpPr>
-              <p:cNvPr id="53" name="Arrow: Down 52">
-                <a:extLst>
-                  <a:ext uri="{FF2B5EF4-FFF2-40B4-BE49-F238E27FC236}">
-                    <a16:creationId xmlns:a16="http://schemas.microsoft.com/office/drawing/2014/main" id="{DF0E0016-F8BA-4627-85D8-C55BC3F617C5}"/>
-                  </a:ext>
-                </a:extLst>
-              </p:cNvPr>
-              <p:cNvSpPr/>
-              <p:nvPr/>
-            </p:nvSpPr>
-            <p:spPr>
-              <a:xfrm>
-                <a:off x="6430842" y="2572559"/>
-                <a:ext cx="141667" cy="360608"/>
-              </a:xfrm>
-              <a:prstGeom prst="downArrow">
-                <a:avLst/>
-              </a:prstGeom>
-              <a:noFill/>
-            </p:spPr>
-            <p:style>
-              <a:lnRef idx="2">
-                <a:schemeClr val="accent1">
-                  <a:shade val="50000"/>
-                </a:schemeClr>
-              </a:lnRef>
-              <a:fillRef idx="1">
-                <a:schemeClr val="accent1"/>
-              </a:fillRef>
-              <a:effectRef idx="0">
-                <a:schemeClr val="accent1"/>
-              </a:effectRef>
-              <a:fontRef idx="minor">
-                <a:schemeClr val="lt1"/>
-              </a:fontRef>
-            </p:style>
-            <p:txBody>
-              <a:bodyPr rtlCol="0" anchor="ctr"/>
-              <a:lstStyle/>
-              <a:p>
-                <a:pPr algn="ctr"/>
-                <a:endParaRPr lang="en-US"/>
-              </a:p>
-            </p:txBody>
-          </p:sp>
-        </p:grpSp>
+            <a:prstGeom prst="rect">
+              <a:avLst/>
+            </a:prstGeom>
+          </p:spPr>
+        </p:pic>
+        <p:pic>
+          <p:nvPicPr>
+            <p:cNvPr id="64" name="Picture 63">
+              <a:extLst>
+                <a:ext uri="{FF2B5EF4-FFF2-40B4-BE49-F238E27FC236}">
+                  <a16:creationId xmlns:a16="http://schemas.microsoft.com/office/drawing/2014/main" id="{FFC765E4-AC4F-4D8C-B936-BDB2DE99A34B}"/>
+                </a:ext>
+              </a:extLst>
+            </p:cNvPr>
+            <p:cNvPicPr>
+              <a:picLocks noChangeAspect="1"/>
+            </p:cNvPicPr>
+            <p:nvPr>
+              <p:custDataLst>
+                <p:tags r:id="rId4"/>
+              </p:custDataLst>
+            </p:nvPr>
+          </p:nvPicPr>
+          <p:blipFill>
+            <a:blip r:embed="rId21">
+              <a:extLst>
+                <a:ext uri="{28A0092B-C50C-407E-A947-70E740481C1C}">
+                  <a14:useLocalDpi xmlns:a14="http://schemas.microsoft.com/office/drawing/2010/main" val="0"/>
+                </a:ext>
+              </a:extLst>
+            </a:blip>
+            <a:stretch>
+              <a:fillRect/>
+            </a:stretch>
+          </p:blipFill>
+          <p:spPr>
+            <a:xfrm>
+              <a:off x="7681747" y="6222973"/>
+              <a:ext cx="960000" cy="252952"/>
+            </a:xfrm>
+            <a:prstGeom prst="rect">
+              <a:avLst/>
+            </a:prstGeom>
+          </p:spPr>
+        </p:pic>
+        <p:pic>
+          <p:nvPicPr>
+            <p:cNvPr id="66" name="Picture 65">
+              <a:extLst>
+                <a:ext uri="{FF2B5EF4-FFF2-40B4-BE49-F238E27FC236}">
+                  <a16:creationId xmlns:a16="http://schemas.microsoft.com/office/drawing/2014/main" id="{B2004B25-98DA-4800-A556-34C7B08AF49F}"/>
+                </a:ext>
+              </a:extLst>
+            </p:cNvPr>
+            <p:cNvPicPr>
+              <a:picLocks noChangeAspect="1"/>
+            </p:cNvPicPr>
+            <p:nvPr>
+              <p:custDataLst>
+                <p:tags r:id="rId5"/>
+              </p:custDataLst>
+            </p:nvPr>
+          </p:nvPicPr>
+          <p:blipFill>
+            <a:blip r:embed="rId22">
+              <a:extLst>
+                <a:ext uri="{28A0092B-C50C-407E-A947-70E740481C1C}">
+                  <a14:useLocalDpi xmlns:a14="http://schemas.microsoft.com/office/drawing/2010/main" val="0"/>
+                </a:ext>
+              </a:extLst>
+            </a:blip>
+            <a:stretch>
+              <a:fillRect/>
+            </a:stretch>
+          </p:blipFill>
+          <p:spPr>
+            <a:xfrm>
+              <a:off x="2451296" y="2731381"/>
+              <a:ext cx="1086476" cy="252952"/>
+            </a:xfrm>
+            <a:prstGeom prst="rect">
+              <a:avLst/>
+            </a:prstGeom>
+          </p:spPr>
+        </p:pic>
+        <p:pic>
+          <p:nvPicPr>
+            <p:cNvPr id="67" name="Picture 66">
+              <a:extLst>
+                <a:ext uri="{FF2B5EF4-FFF2-40B4-BE49-F238E27FC236}">
+                  <a16:creationId xmlns:a16="http://schemas.microsoft.com/office/drawing/2014/main" id="{DFACB8BD-1832-4620-898A-CD8DD78BBAB7}"/>
+                </a:ext>
+              </a:extLst>
+            </p:cNvPr>
+            <p:cNvPicPr>
+              <a:picLocks noChangeAspect="1"/>
+            </p:cNvPicPr>
+            <p:nvPr>
+              <p:custDataLst>
+                <p:tags r:id="rId6"/>
+              </p:custDataLst>
+            </p:nvPr>
+          </p:nvPicPr>
+          <p:blipFill>
+            <a:blip r:embed="rId22">
+              <a:extLst>
+                <a:ext uri="{28A0092B-C50C-407E-A947-70E740481C1C}">
+                  <a14:useLocalDpi xmlns:a14="http://schemas.microsoft.com/office/drawing/2010/main" val="0"/>
+                </a:ext>
+              </a:extLst>
+            </a:blip>
+            <a:stretch>
+              <a:fillRect/>
+            </a:stretch>
+          </p:blipFill>
+          <p:spPr>
+            <a:xfrm>
+              <a:off x="2371687" y="5531808"/>
+              <a:ext cx="1086476" cy="252952"/>
+            </a:xfrm>
+            <a:prstGeom prst="rect">
+              <a:avLst/>
+            </a:prstGeom>
+          </p:spPr>
+        </p:pic>
+        <p:pic>
+          <p:nvPicPr>
+            <p:cNvPr id="68" name="Picture 67">
+              <a:extLst>
+                <a:ext uri="{FF2B5EF4-FFF2-40B4-BE49-F238E27FC236}">
+                  <a16:creationId xmlns:a16="http://schemas.microsoft.com/office/drawing/2014/main" id="{8A55B4E7-D3A3-4AC5-9587-8B65B016F7E8}"/>
+                </a:ext>
+              </a:extLst>
+            </p:cNvPr>
+            <p:cNvPicPr>
+              <a:picLocks noChangeAspect="1"/>
+            </p:cNvPicPr>
+            <p:nvPr>
+              <p:custDataLst>
+                <p:tags r:id="rId7"/>
+              </p:custDataLst>
+            </p:nvPr>
+          </p:nvPicPr>
+          <p:blipFill>
+            <a:blip r:embed="rId22">
+              <a:extLst>
+                <a:ext uri="{28A0092B-C50C-407E-A947-70E740481C1C}">
+                  <a14:useLocalDpi xmlns:a14="http://schemas.microsoft.com/office/drawing/2010/main" val="0"/>
+                </a:ext>
+              </a:extLst>
+            </a:blip>
+            <a:stretch>
+              <a:fillRect/>
+            </a:stretch>
+          </p:blipFill>
+          <p:spPr>
+            <a:xfrm>
+              <a:off x="2480280" y="4144922"/>
+              <a:ext cx="1086476" cy="252952"/>
+            </a:xfrm>
+            <a:prstGeom prst="rect">
+              <a:avLst/>
+            </a:prstGeom>
+          </p:spPr>
+        </p:pic>
+        <p:pic>
+          <p:nvPicPr>
+            <p:cNvPr id="69" name="Picture 68">
+              <a:extLst>
+                <a:ext uri="{FF2B5EF4-FFF2-40B4-BE49-F238E27FC236}">
+                  <a16:creationId xmlns:a16="http://schemas.microsoft.com/office/drawing/2014/main" id="{00C262B1-076F-45AC-BC64-0B94923DE667}"/>
+                </a:ext>
+              </a:extLst>
+            </p:cNvPr>
+            <p:cNvPicPr>
+              <a:picLocks noChangeAspect="1"/>
+            </p:cNvPicPr>
+            <p:nvPr>
+              <p:custDataLst>
+                <p:tags r:id="rId8"/>
+              </p:custDataLst>
+            </p:nvPr>
+          </p:nvPicPr>
+          <p:blipFill>
+            <a:blip r:embed="rId22">
+              <a:extLst>
+                <a:ext uri="{28A0092B-C50C-407E-A947-70E740481C1C}">
+                  <a14:useLocalDpi xmlns:a14="http://schemas.microsoft.com/office/drawing/2010/main" val="0"/>
+                </a:ext>
+              </a:extLst>
+            </a:blip>
+            <a:stretch>
+              <a:fillRect/>
+            </a:stretch>
+          </p:blipFill>
+          <p:spPr>
+            <a:xfrm>
+              <a:off x="7570975" y="4800764"/>
+              <a:ext cx="1086476" cy="252952"/>
+            </a:xfrm>
+            <a:prstGeom prst="rect">
+              <a:avLst/>
+            </a:prstGeom>
+          </p:spPr>
+        </p:pic>
+        <p:pic>
+          <p:nvPicPr>
+            <p:cNvPr id="70" name="Picture 69">
+              <a:extLst>
+                <a:ext uri="{FF2B5EF4-FFF2-40B4-BE49-F238E27FC236}">
+                  <a16:creationId xmlns:a16="http://schemas.microsoft.com/office/drawing/2014/main" id="{9010E528-EED1-4B41-BE34-851D7F33D2A6}"/>
+                </a:ext>
+              </a:extLst>
+            </p:cNvPr>
+            <p:cNvPicPr>
+              <a:picLocks noChangeAspect="1"/>
+            </p:cNvPicPr>
+            <p:nvPr>
+              <p:custDataLst>
+                <p:tags r:id="rId9"/>
+              </p:custDataLst>
+            </p:nvPr>
+          </p:nvPicPr>
+          <p:blipFill>
+            <a:blip r:embed="rId22">
+              <a:extLst>
+                <a:ext uri="{28A0092B-C50C-407E-A947-70E740481C1C}">
+                  <a14:useLocalDpi xmlns:a14="http://schemas.microsoft.com/office/drawing/2010/main" val="0"/>
+                </a:ext>
+              </a:extLst>
+            </a:blip>
+            <a:stretch>
+              <a:fillRect/>
+            </a:stretch>
+          </p:blipFill>
+          <p:spPr>
+            <a:xfrm>
+              <a:off x="7515179" y="3441533"/>
+              <a:ext cx="1086476" cy="252952"/>
+            </a:xfrm>
+            <a:prstGeom prst="rect">
+              <a:avLst/>
+            </a:prstGeom>
+          </p:spPr>
+        </p:pic>
+        <p:pic>
+          <p:nvPicPr>
+            <p:cNvPr id="3" name="Picture 2">
+              <a:extLst>
+                <a:ext uri="{FF2B5EF4-FFF2-40B4-BE49-F238E27FC236}">
+                  <a16:creationId xmlns:a16="http://schemas.microsoft.com/office/drawing/2014/main" id="{B61425A4-562A-4705-BBB3-EA6A03176A7A}"/>
+                </a:ext>
+              </a:extLst>
+            </p:cNvPr>
+            <p:cNvPicPr>
+              <a:picLocks noChangeAspect="1"/>
+            </p:cNvPicPr>
+            <p:nvPr>
+              <p:custDataLst>
+                <p:tags r:id="rId10"/>
+              </p:custDataLst>
+            </p:nvPr>
+          </p:nvPicPr>
+          <p:blipFill>
+            <a:blip r:embed="rId23">
+              <a:extLst>
+                <a:ext uri="{28A0092B-C50C-407E-A947-70E740481C1C}">
+                  <a14:useLocalDpi xmlns:a14="http://schemas.microsoft.com/office/drawing/2010/main" val="0"/>
+                </a:ext>
+              </a:extLst>
+            </a:blip>
+            <a:stretch>
+              <a:fillRect/>
+            </a:stretch>
+          </p:blipFill>
+          <p:spPr>
+            <a:xfrm>
+              <a:off x="5235791" y="2225996"/>
+              <a:ext cx="809144" cy="256000"/>
+            </a:xfrm>
+            <a:prstGeom prst="rect">
+              <a:avLst/>
+            </a:prstGeom>
+          </p:spPr>
+        </p:pic>
+        <p:pic>
+          <p:nvPicPr>
+            <p:cNvPr id="75" name="Picture 74">
+              <a:extLst>
+                <a:ext uri="{FF2B5EF4-FFF2-40B4-BE49-F238E27FC236}">
+                  <a16:creationId xmlns:a16="http://schemas.microsoft.com/office/drawing/2014/main" id="{54919954-A9A4-478E-98A4-D26484913274}"/>
+                </a:ext>
+              </a:extLst>
+            </p:cNvPr>
+            <p:cNvPicPr>
+              <a:picLocks noChangeAspect="1"/>
+            </p:cNvPicPr>
+            <p:nvPr>
+              <p:custDataLst>
+                <p:tags r:id="rId11"/>
+              </p:custDataLst>
+            </p:nvPr>
+          </p:nvPicPr>
+          <p:blipFill>
+            <a:blip r:embed="rId24">
+              <a:extLst>
+                <a:ext uri="{28A0092B-C50C-407E-A947-70E740481C1C}">
+                  <a14:useLocalDpi xmlns:a14="http://schemas.microsoft.com/office/drawing/2010/main" val="0"/>
+                </a:ext>
+              </a:extLst>
+            </a:blip>
+            <a:stretch>
+              <a:fillRect/>
+            </a:stretch>
+          </p:blipFill>
+          <p:spPr>
+            <a:xfrm>
+              <a:off x="4566638" y="2961261"/>
+              <a:ext cx="905144" cy="274285"/>
+            </a:xfrm>
+            <a:prstGeom prst="rect">
+              <a:avLst/>
+            </a:prstGeom>
+          </p:spPr>
+        </p:pic>
+        <p:pic>
+          <p:nvPicPr>
+            <p:cNvPr id="62" name="Picture 61">
+              <a:extLst>
+                <a:ext uri="{FF2B5EF4-FFF2-40B4-BE49-F238E27FC236}">
+                  <a16:creationId xmlns:a16="http://schemas.microsoft.com/office/drawing/2014/main" id="{8162AA0C-2EAC-49EA-A7E0-5C62BCB670DF}"/>
+                </a:ext>
+              </a:extLst>
+            </p:cNvPr>
+            <p:cNvPicPr>
+              <a:picLocks noChangeAspect="1"/>
+            </p:cNvPicPr>
+            <p:nvPr>
+              <p:custDataLst>
+                <p:tags r:id="rId12"/>
+              </p:custDataLst>
+            </p:nvPr>
+          </p:nvPicPr>
+          <p:blipFill>
+            <a:blip r:embed="rId25">
+              <a:extLst>
+                <a:ext uri="{28A0092B-C50C-407E-A947-70E740481C1C}">
+                  <a14:useLocalDpi xmlns:a14="http://schemas.microsoft.com/office/drawing/2010/main" val="0"/>
+                </a:ext>
+              </a:extLst>
+            </a:blip>
+            <a:stretch>
+              <a:fillRect/>
+            </a:stretch>
+          </p:blipFill>
+          <p:spPr>
+            <a:xfrm>
+              <a:off x="5187818" y="3677845"/>
+              <a:ext cx="820571" cy="256000"/>
+            </a:xfrm>
+            <a:prstGeom prst="rect">
+              <a:avLst/>
+            </a:prstGeom>
+          </p:spPr>
+        </p:pic>
+        <p:pic>
+          <p:nvPicPr>
+            <p:cNvPr id="71" name="Picture 70">
+              <a:extLst>
+                <a:ext uri="{FF2B5EF4-FFF2-40B4-BE49-F238E27FC236}">
+                  <a16:creationId xmlns:a16="http://schemas.microsoft.com/office/drawing/2014/main" id="{44B329A6-4B5C-4A07-AF4B-CE52609272A3}"/>
+                </a:ext>
+              </a:extLst>
+            </p:cNvPr>
+            <p:cNvPicPr>
+              <a:picLocks noChangeAspect="1"/>
+            </p:cNvPicPr>
+            <p:nvPr>
+              <p:custDataLst>
+                <p:tags r:id="rId13"/>
+              </p:custDataLst>
+            </p:nvPr>
+          </p:nvPicPr>
+          <p:blipFill>
+            <a:blip r:embed="rId26">
+              <a:extLst>
+                <a:ext uri="{28A0092B-C50C-407E-A947-70E740481C1C}">
+                  <a14:useLocalDpi xmlns:a14="http://schemas.microsoft.com/office/drawing/2010/main" val="0"/>
+                </a:ext>
+              </a:extLst>
+            </a:blip>
+            <a:stretch>
+              <a:fillRect/>
+            </a:stretch>
+          </p:blipFill>
+          <p:spPr>
+            <a:xfrm>
+              <a:off x="5273141" y="5008805"/>
+              <a:ext cx="822859" cy="265142"/>
+            </a:xfrm>
+            <a:prstGeom prst="rect">
+              <a:avLst/>
+            </a:prstGeom>
+          </p:spPr>
+        </p:pic>
+        <p:pic>
+          <p:nvPicPr>
+            <p:cNvPr id="78" name="Picture 77">
+              <a:extLst>
+                <a:ext uri="{FF2B5EF4-FFF2-40B4-BE49-F238E27FC236}">
+                  <a16:creationId xmlns:a16="http://schemas.microsoft.com/office/drawing/2014/main" id="{D062E341-C9E5-4CCE-893E-85D580511F57}"/>
+                </a:ext>
+              </a:extLst>
+            </p:cNvPr>
+            <p:cNvPicPr>
+              <a:picLocks noChangeAspect="1"/>
+            </p:cNvPicPr>
+            <p:nvPr>
+              <p:custDataLst>
+                <p:tags r:id="rId14"/>
+              </p:custDataLst>
+            </p:nvPr>
+          </p:nvPicPr>
+          <p:blipFill>
+            <a:blip r:embed="rId27">
+              <a:extLst>
+                <a:ext uri="{28A0092B-C50C-407E-A947-70E740481C1C}">
+                  <a14:useLocalDpi xmlns:a14="http://schemas.microsoft.com/office/drawing/2010/main" val="0"/>
+                </a:ext>
+              </a:extLst>
+            </a:blip>
+            <a:stretch>
+              <a:fillRect/>
+            </a:stretch>
+          </p:blipFill>
+          <p:spPr>
+            <a:xfrm>
+              <a:off x="4481850" y="4381959"/>
+              <a:ext cx="916573" cy="274285"/>
+            </a:xfrm>
+            <a:prstGeom prst="rect">
+              <a:avLst/>
+            </a:prstGeom>
+          </p:spPr>
+        </p:pic>
+        <p:pic>
+          <p:nvPicPr>
+            <p:cNvPr id="73" name="Picture 72">
+              <a:extLst>
+                <a:ext uri="{FF2B5EF4-FFF2-40B4-BE49-F238E27FC236}">
+                  <a16:creationId xmlns:a16="http://schemas.microsoft.com/office/drawing/2014/main" id="{296BB3DE-4A99-42C5-B9C5-4854937D8FC2}"/>
+                </a:ext>
+              </a:extLst>
+            </p:cNvPr>
+            <p:cNvPicPr>
+              <a:picLocks noChangeAspect="1"/>
+            </p:cNvPicPr>
+            <p:nvPr>
+              <p:custDataLst>
+                <p:tags r:id="rId15"/>
+              </p:custDataLst>
+            </p:nvPr>
+          </p:nvPicPr>
+          <p:blipFill>
+            <a:blip r:embed="rId28">
+              <a:extLst>
+                <a:ext uri="{28A0092B-C50C-407E-A947-70E740481C1C}">
+                  <a14:useLocalDpi xmlns:a14="http://schemas.microsoft.com/office/drawing/2010/main" val="0"/>
+                </a:ext>
+              </a:extLst>
+            </a:blip>
+            <a:stretch>
+              <a:fillRect/>
+            </a:stretch>
+          </p:blipFill>
+          <p:spPr>
+            <a:xfrm>
+              <a:off x="5149861" y="6417327"/>
+              <a:ext cx="829712" cy="258286"/>
+            </a:xfrm>
+            <a:prstGeom prst="rect">
+              <a:avLst/>
+            </a:prstGeom>
+          </p:spPr>
+        </p:pic>
+        <p:pic>
+          <p:nvPicPr>
+            <p:cNvPr id="82" name="Picture 81">
+              <a:extLst>
+                <a:ext uri="{FF2B5EF4-FFF2-40B4-BE49-F238E27FC236}">
+                  <a16:creationId xmlns:a16="http://schemas.microsoft.com/office/drawing/2014/main" id="{2504278D-24EE-4E1C-8DE3-C32E06FCC401}"/>
+                </a:ext>
+              </a:extLst>
+            </p:cNvPr>
+            <p:cNvPicPr>
+              <a:picLocks noChangeAspect="1"/>
+            </p:cNvPicPr>
+            <p:nvPr>
+              <p:custDataLst>
+                <p:tags r:id="rId16"/>
+              </p:custDataLst>
+            </p:nvPr>
+          </p:nvPicPr>
+          <p:blipFill>
+            <a:blip r:embed="rId29">
+              <a:extLst>
+                <a:ext uri="{28A0092B-C50C-407E-A947-70E740481C1C}">
+                  <a14:useLocalDpi xmlns:a14="http://schemas.microsoft.com/office/drawing/2010/main" val="0"/>
+                </a:ext>
+              </a:extLst>
+            </a:blip>
+            <a:stretch>
+              <a:fillRect/>
+            </a:stretch>
+          </p:blipFill>
+          <p:spPr>
+            <a:xfrm>
+              <a:off x="4559782" y="5703659"/>
+              <a:ext cx="918856" cy="274285"/>
+            </a:xfrm>
+            <a:prstGeom prst="rect">
+              <a:avLst/>
+            </a:prstGeom>
+          </p:spPr>
+        </p:pic>
       </p:grpSp>
-      <p:sp>
-        <p:nvSpPr>
-          <p:cNvPr id="55" name="Arrow: Right 54">
-            <a:extLst>
-              <a:ext uri="{FF2B5EF4-FFF2-40B4-BE49-F238E27FC236}">
-                <a16:creationId xmlns:a16="http://schemas.microsoft.com/office/drawing/2014/main" id="{95C17106-C2A0-4C8C-AE6F-36A4D4E8B3E6}"/>
-              </a:ext>
-            </a:extLst>
-          </p:cNvPr>
-          <p:cNvSpPr/>
-          <p:nvPr/>
-        </p:nvSpPr>
-        <p:spPr>
-          <a:xfrm rot="10800000">
-            <a:off x="7223968" y="2206586"/>
-            <a:ext cx="1493950" cy="437882"/>
-          </a:xfrm>
-          <a:prstGeom prst="rightArrow">
-            <a:avLst/>
-          </a:prstGeom>
-          <a:noFill/>
-        </p:spPr>
-        <p:style>
-          <a:lnRef idx="2">
-            <a:schemeClr val="accent1">
-              <a:shade val="50000"/>
-            </a:schemeClr>
-          </a:lnRef>
-          <a:fillRef idx="1">
-            <a:schemeClr val="accent1"/>
-          </a:fillRef>
-          <a:effectRef idx="0">
-            <a:schemeClr val="accent1"/>
-          </a:effectRef>
-          <a:fontRef idx="minor">
-            <a:schemeClr val="lt1"/>
-          </a:fontRef>
-        </p:style>
-        <p:txBody>
-          <a:bodyPr rtlCol="0" anchor="ctr"/>
-          <a:lstStyle/>
-          <a:p>
-            <a:pPr algn="ctr"/>
-            <a:endParaRPr lang="en-US"/>
-          </a:p>
-        </p:txBody>
-      </p:sp>
-      <p:sp>
-        <p:nvSpPr>
-          <p:cNvPr id="56" name="Arrow: Right 55">
-            <a:extLst>
-              <a:ext uri="{FF2B5EF4-FFF2-40B4-BE49-F238E27FC236}">
-                <a16:creationId xmlns:a16="http://schemas.microsoft.com/office/drawing/2014/main" id="{ED338117-ADEF-4183-BDEA-537534735582}"/>
-              </a:ext>
-            </a:extLst>
-          </p:cNvPr>
-          <p:cNvSpPr/>
-          <p:nvPr/>
-        </p:nvSpPr>
-        <p:spPr>
-          <a:xfrm rot="10800000">
-            <a:off x="7165638" y="3585760"/>
-            <a:ext cx="1493950" cy="437882"/>
-          </a:xfrm>
-          <a:prstGeom prst="rightArrow">
-            <a:avLst/>
-          </a:prstGeom>
-          <a:noFill/>
-        </p:spPr>
-        <p:style>
-          <a:lnRef idx="2">
-            <a:schemeClr val="accent1">
-              <a:shade val="50000"/>
-            </a:schemeClr>
-          </a:lnRef>
-          <a:fillRef idx="1">
-            <a:schemeClr val="accent1"/>
-          </a:fillRef>
-          <a:effectRef idx="0">
-            <a:schemeClr val="accent1"/>
-          </a:effectRef>
-          <a:fontRef idx="minor">
-            <a:schemeClr val="lt1"/>
-          </a:fontRef>
-        </p:style>
-        <p:txBody>
-          <a:bodyPr rtlCol="0" anchor="ctr"/>
-          <a:lstStyle/>
-          <a:p>
-            <a:pPr algn="ctr"/>
-            <a:endParaRPr lang="en-US"/>
-          </a:p>
-        </p:txBody>
-      </p:sp>
-      <p:sp>
-        <p:nvSpPr>
-          <p:cNvPr id="57" name="Arrow: Right 56">
-            <a:extLst>
-              <a:ext uri="{FF2B5EF4-FFF2-40B4-BE49-F238E27FC236}">
-                <a16:creationId xmlns:a16="http://schemas.microsoft.com/office/drawing/2014/main" id="{2EC95744-8CCF-4680-B56C-6D671F694E14}"/>
-              </a:ext>
-            </a:extLst>
-          </p:cNvPr>
-          <p:cNvSpPr/>
-          <p:nvPr/>
-        </p:nvSpPr>
-        <p:spPr>
-          <a:xfrm rot="10800000">
-            <a:off x="7248658" y="6353576"/>
-            <a:ext cx="1493950" cy="437882"/>
-          </a:xfrm>
-          <a:prstGeom prst="rightArrow">
-            <a:avLst/>
-          </a:prstGeom>
-          <a:noFill/>
-        </p:spPr>
-        <p:style>
-          <a:lnRef idx="2">
-            <a:schemeClr val="accent1">
-              <a:shade val="50000"/>
-            </a:schemeClr>
-          </a:lnRef>
-          <a:fillRef idx="1">
-            <a:schemeClr val="accent1"/>
-          </a:fillRef>
-          <a:effectRef idx="0">
-            <a:schemeClr val="accent1"/>
-          </a:effectRef>
-          <a:fontRef idx="minor">
-            <a:schemeClr val="lt1"/>
-          </a:fontRef>
-        </p:style>
-        <p:txBody>
-          <a:bodyPr rtlCol="0" anchor="ctr"/>
-          <a:lstStyle/>
-          <a:p>
-            <a:pPr algn="ctr"/>
-            <a:endParaRPr lang="en-US"/>
-          </a:p>
-        </p:txBody>
-      </p:sp>
-      <p:sp>
-        <p:nvSpPr>
-          <p:cNvPr id="58" name="Arrow: Right 57">
-            <a:extLst>
-              <a:ext uri="{FF2B5EF4-FFF2-40B4-BE49-F238E27FC236}">
-                <a16:creationId xmlns:a16="http://schemas.microsoft.com/office/drawing/2014/main" id="{36D78BE4-5493-4681-9CFD-4883A6B6B59E}"/>
-              </a:ext>
-            </a:extLst>
-          </p:cNvPr>
-          <p:cNvSpPr/>
-          <p:nvPr/>
-        </p:nvSpPr>
-        <p:spPr>
-          <a:xfrm rot="10800000">
-            <a:off x="7248658" y="4971246"/>
-            <a:ext cx="1493950" cy="437882"/>
-          </a:xfrm>
-          <a:prstGeom prst="rightArrow">
-            <a:avLst/>
-          </a:prstGeom>
-          <a:noFill/>
-        </p:spPr>
-        <p:style>
-          <a:lnRef idx="2">
-            <a:schemeClr val="accent1">
-              <a:shade val="50000"/>
-            </a:schemeClr>
-          </a:lnRef>
-          <a:fillRef idx="1">
-            <a:schemeClr val="accent1"/>
-          </a:fillRef>
-          <a:effectRef idx="0">
-            <a:schemeClr val="accent1"/>
-          </a:effectRef>
-          <a:fontRef idx="minor">
-            <a:schemeClr val="lt1"/>
-          </a:fontRef>
-        </p:style>
-        <p:txBody>
-          <a:bodyPr rtlCol="0" anchor="ctr"/>
-          <a:lstStyle/>
-          <a:p>
-            <a:pPr algn="ctr"/>
-            <a:endParaRPr lang="en-US"/>
-          </a:p>
-        </p:txBody>
-      </p:sp>
-      <p:sp>
-        <p:nvSpPr>
-          <p:cNvPr id="59" name="Arrow: Right 58">
-            <a:extLst>
-              <a:ext uri="{FF2B5EF4-FFF2-40B4-BE49-F238E27FC236}">
-                <a16:creationId xmlns:a16="http://schemas.microsoft.com/office/drawing/2014/main" id="{057C3DE6-1292-46D8-9E32-415216A6F915}"/>
-              </a:ext>
-            </a:extLst>
-          </p:cNvPr>
-          <p:cNvSpPr/>
-          <p:nvPr/>
-        </p:nvSpPr>
-        <p:spPr>
-          <a:xfrm rot="10800000">
-            <a:off x="2043822" y="5662410"/>
-            <a:ext cx="1493950" cy="437882"/>
-          </a:xfrm>
-          <a:prstGeom prst="rightArrow">
-            <a:avLst/>
-          </a:prstGeom>
-          <a:noFill/>
-        </p:spPr>
-        <p:style>
-          <a:lnRef idx="2">
-            <a:schemeClr val="accent1">
-              <a:shade val="50000"/>
-            </a:schemeClr>
-          </a:lnRef>
-          <a:fillRef idx="1">
-            <a:schemeClr val="accent1"/>
-          </a:fillRef>
-          <a:effectRef idx="0">
-            <a:schemeClr val="accent1"/>
-          </a:effectRef>
-          <a:fontRef idx="minor">
-            <a:schemeClr val="lt1"/>
-          </a:fontRef>
-        </p:style>
-        <p:txBody>
-          <a:bodyPr rtlCol="0" anchor="ctr"/>
-          <a:lstStyle/>
-          <a:p>
-            <a:pPr algn="ctr"/>
-            <a:endParaRPr lang="en-US"/>
-          </a:p>
-        </p:txBody>
-      </p:sp>
-      <p:sp>
-        <p:nvSpPr>
-          <p:cNvPr id="60" name="Arrow: Right 59">
-            <a:extLst>
-              <a:ext uri="{FF2B5EF4-FFF2-40B4-BE49-F238E27FC236}">
-                <a16:creationId xmlns:a16="http://schemas.microsoft.com/office/drawing/2014/main" id="{D41C9AB1-95D6-48F1-85C2-AE79EC8E75FF}"/>
-              </a:ext>
-            </a:extLst>
-          </p:cNvPr>
-          <p:cNvSpPr/>
-          <p:nvPr/>
-        </p:nvSpPr>
-        <p:spPr>
-          <a:xfrm rot="10800000">
-            <a:off x="2127690" y="4280081"/>
-            <a:ext cx="1493950" cy="437882"/>
-          </a:xfrm>
-          <a:prstGeom prst="rightArrow">
-            <a:avLst/>
-          </a:prstGeom>
-          <a:noFill/>
-        </p:spPr>
-        <p:style>
-          <a:lnRef idx="2">
-            <a:schemeClr val="accent1">
-              <a:shade val="50000"/>
-            </a:schemeClr>
-          </a:lnRef>
-          <a:fillRef idx="1">
-            <a:schemeClr val="accent1"/>
-          </a:fillRef>
-          <a:effectRef idx="0">
-            <a:schemeClr val="accent1"/>
-          </a:effectRef>
-          <a:fontRef idx="minor">
-            <a:schemeClr val="lt1"/>
-          </a:fontRef>
-        </p:style>
-        <p:txBody>
-          <a:bodyPr rtlCol="0" anchor="ctr"/>
-          <a:lstStyle/>
-          <a:p>
-            <a:pPr algn="ctr"/>
-            <a:endParaRPr lang="en-US"/>
-          </a:p>
-        </p:txBody>
-      </p:sp>
-      <p:sp>
-        <p:nvSpPr>
-          <p:cNvPr id="61" name="Arrow: Right 60">
-            <a:extLst>
-              <a:ext uri="{FF2B5EF4-FFF2-40B4-BE49-F238E27FC236}">
-                <a16:creationId xmlns:a16="http://schemas.microsoft.com/office/drawing/2014/main" id="{29FF1A69-17E8-4FE1-A1DC-EB18BC597FEA}"/>
-              </a:ext>
-            </a:extLst>
-          </p:cNvPr>
-          <p:cNvSpPr/>
-          <p:nvPr/>
-        </p:nvSpPr>
-        <p:spPr>
-          <a:xfrm rot="10800000">
-            <a:off x="2120726" y="2897751"/>
-            <a:ext cx="1493950" cy="437882"/>
-          </a:xfrm>
-          <a:prstGeom prst="rightArrow">
-            <a:avLst/>
-          </a:prstGeom>
-          <a:noFill/>
-        </p:spPr>
-        <p:style>
-          <a:lnRef idx="2">
-            <a:schemeClr val="accent1">
-              <a:shade val="50000"/>
-            </a:schemeClr>
-          </a:lnRef>
-          <a:fillRef idx="1">
-            <a:schemeClr val="accent1"/>
-          </a:fillRef>
-          <a:effectRef idx="0">
-            <a:schemeClr val="accent1"/>
-          </a:effectRef>
-          <a:fontRef idx="minor">
-            <a:schemeClr val="lt1"/>
-          </a:fontRef>
-        </p:style>
-        <p:txBody>
-          <a:bodyPr rtlCol="0" anchor="ctr"/>
-          <a:lstStyle/>
-          <a:p>
-            <a:pPr algn="ctr"/>
-            <a:endParaRPr lang="en-US"/>
-          </a:p>
-        </p:txBody>
-      </p:sp>
-      <p:pic>
-        <p:nvPicPr>
-          <p:cNvPr id="63" name="Picture 62">
-            <a:extLst>
-              <a:ext uri="{FF2B5EF4-FFF2-40B4-BE49-F238E27FC236}">
-                <a16:creationId xmlns:a16="http://schemas.microsoft.com/office/drawing/2014/main" id="{16F52598-0BCA-40EC-9987-4DA9FFB0B614}"/>
-              </a:ext>
-            </a:extLst>
-          </p:cNvPr>
-          <p:cNvPicPr>
-            <a:picLocks noChangeAspect="1"/>
-          </p:cNvPicPr>
-          <p:nvPr>
-            <p:custDataLst>
-              <p:tags r:id="rId3"/>
-            </p:custDataLst>
-          </p:nvPr>
-        </p:nvPicPr>
-        <p:blipFill>
-          <a:blip r:embed="rId21">
-            <a:extLst>
-              <a:ext uri="{28A0092B-C50C-407E-A947-70E740481C1C}">
-                <a14:useLocalDpi xmlns:a14="http://schemas.microsoft.com/office/drawing/2010/main" val="0"/>
-              </a:ext>
-            </a:extLst>
-          </a:blip>
-          <a:stretch>
-            <a:fillRect/>
-          </a:stretch>
-        </p:blipFill>
-        <p:spPr>
-          <a:xfrm>
-            <a:off x="7578417" y="2075983"/>
-            <a:ext cx="960000" cy="252952"/>
-          </a:xfrm>
-          <a:prstGeom prst="rect">
-            <a:avLst/>
-          </a:prstGeom>
-        </p:spPr>
-      </p:pic>
-      <p:pic>
-        <p:nvPicPr>
-          <p:cNvPr id="64" name="Picture 63">
-            <a:extLst>
-              <a:ext uri="{FF2B5EF4-FFF2-40B4-BE49-F238E27FC236}">
-                <a16:creationId xmlns:a16="http://schemas.microsoft.com/office/drawing/2014/main" id="{FFC765E4-AC4F-4D8C-B936-BDB2DE99A34B}"/>
-              </a:ext>
-            </a:extLst>
-          </p:cNvPr>
-          <p:cNvPicPr>
-            <a:picLocks noChangeAspect="1"/>
-          </p:cNvPicPr>
-          <p:nvPr>
-            <p:custDataLst>
-              <p:tags r:id="rId4"/>
-            </p:custDataLst>
-          </p:nvPr>
-        </p:nvPicPr>
-        <p:blipFill>
-          <a:blip r:embed="rId21">
-            <a:extLst>
-              <a:ext uri="{28A0092B-C50C-407E-A947-70E740481C1C}">
-                <a14:useLocalDpi xmlns:a14="http://schemas.microsoft.com/office/drawing/2010/main" val="0"/>
-              </a:ext>
-            </a:extLst>
-          </a:blip>
-          <a:stretch>
-            <a:fillRect/>
-          </a:stretch>
-        </p:blipFill>
-        <p:spPr>
-          <a:xfrm>
-            <a:off x="7681747" y="6222973"/>
-            <a:ext cx="960000" cy="252952"/>
-          </a:xfrm>
-          <a:prstGeom prst="rect">
-            <a:avLst/>
-          </a:prstGeom>
-        </p:spPr>
-      </p:pic>
-      <p:pic>
-        <p:nvPicPr>
-          <p:cNvPr id="66" name="Picture 65">
-            <a:extLst>
-              <a:ext uri="{FF2B5EF4-FFF2-40B4-BE49-F238E27FC236}">
-                <a16:creationId xmlns:a16="http://schemas.microsoft.com/office/drawing/2014/main" id="{B2004B25-98DA-4800-A556-34C7B08AF49F}"/>
-              </a:ext>
-            </a:extLst>
-          </p:cNvPr>
-          <p:cNvPicPr>
-            <a:picLocks noChangeAspect="1"/>
-          </p:cNvPicPr>
-          <p:nvPr>
-            <p:custDataLst>
-              <p:tags r:id="rId5"/>
-            </p:custDataLst>
-          </p:nvPr>
-        </p:nvPicPr>
-        <p:blipFill>
-          <a:blip r:embed="rId22">
-            <a:extLst>
-              <a:ext uri="{28A0092B-C50C-407E-A947-70E740481C1C}">
-                <a14:useLocalDpi xmlns:a14="http://schemas.microsoft.com/office/drawing/2010/main" val="0"/>
-              </a:ext>
-            </a:extLst>
-          </a:blip>
-          <a:stretch>
-            <a:fillRect/>
-          </a:stretch>
-        </p:blipFill>
-        <p:spPr>
-          <a:xfrm>
-            <a:off x="2451296" y="2731381"/>
-            <a:ext cx="1086476" cy="252952"/>
-          </a:xfrm>
-          <a:prstGeom prst="rect">
-            <a:avLst/>
-          </a:prstGeom>
-        </p:spPr>
-      </p:pic>
-      <p:pic>
-        <p:nvPicPr>
-          <p:cNvPr id="67" name="Picture 66">
-            <a:extLst>
-              <a:ext uri="{FF2B5EF4-FFF2-40B4-BE49-F238E27FC236}">
-                <a16:creationId xmlns:a16="http://schemas.microsoft.com/office/drawing/2014/main" id="{DFACB8BD-1832-4620-898A-CD8DD78BBAB7}"/>
-              </a:ext>
-            </a:extLst>
-          </p:cNvPr>
-          <p:cNvPicPr>
-            <a:picLocks noChangeAspect="1"/>
-          </p:cNvPicPr>
-          <p:nvPr>
-            <p:custDataLst>
-              <p:tags r:id="rId6"/>
-            </p:custDataLst>
-          </p:nvPr>
-        </p:nvPicPr>
-        <p:blipFill>
-          <a:blip r:embed="rId22">
-            <a:extLst>
-              <a:ext uri="{28A0092B-C50C-407E-A947-70E740481C1C}">
-                <a14:useLocalDpi xmlns:a14="http://schemas.microsoft.com/office/drawing/2010/main" val="0"/>
-              </a:ext>
-            </a:extLst>
-          </a:blip>
-          <a:stretch>
-            <a:fillRect/>
-          </a:stretch>
-        </p:blipFill>
-        <p:spPr>
-          <a:xfrm>
-            <a:off x="2371687" y="5531808"/>
-            <a:ext cx="1086476" cy="252952"/>
-          </a:xfrm>
-          <a:prstGeom prst="rect">
-            <a:avLst/>
-          </a:prstGeom>
-        </p:spPr>
-      </p:pic>
-      <p:pic>
-        <p:nvPicPr>
-          <p:cNvPr id="68" name="Picture 67">
-            <a:extLst>
-              <a:ext uri="{FF2B5EF4-FFF2-40B4-BE49-F238E27FC236}">
-                <a16:creationId xmlns:a16="http://schemas.microsoft.com/office/drawing/2014/main" id="{8A55B4E7-D3A3-4AC5-9587-8B65B016F7E8}"/>
-              </a:ext>
-            </a:extLst>
-          </p:cNvPr>
-          <p:cNvPicPr>
-            <a:picLocks noChangeAspect="1"/>
-          </p:cNvPicPr>
-          <p:nvPr>
-            <p:custDataLst>
-              <p:tags r:id="rId7"/>
-            </p:custDataLst>
-          </p:nvPr>
-        </p:nvPicPr>
-        <p:blipFill>
-          <a:blip r:embed="rId22">
-            <a:extLst>
-              <a:ext uri="{28A0092B-C50C-407E-A947-70E740481C1C}">
-                <a14:useLocalDpi xmlns:a14="http://schemas.microsoft.com/office/drawing/2010/main" val="0"/>
-              </a:ext>
-            </a:extLst>
-          </a:blip>
-          <a:stretch>
-            <a:fillRect/>
-          </a:stretch>
-        </p:blipFill>
-        <p:spPr>
-          <a:xfrm>
-            <a:off x="2480280" y="4144922"/>
-            <a:ext cx="1086476" cy="252952"/>
-          </a:xfrm>
-          <a:prstGeom prst="rect">
-            <a:avLst/>
-          </a:prstGeom>
-        </p:spPr>
-      </p:pic>
-      <p:pic>
-        <p:nvPicPr>
-          <p:cNvPr id="69" name="Picture 68">
-            <a:extLst>
-              <a:ext uri="{FF2B5EF4-FFF2-40B4-BE49-F238E27FC236}">
-                <a16:creationId xmlns:a16="http://schemas.microsoft.com/office/drawing/2014/main" id="{00C262B1-076F-45AC-BC64-0B94923DE667}"/>
-              </a:ext>
-            </a:extLst>
-          </p:cNvPr>
-          <p:cNvPicPr>
-            <a:picLocks noChangeAspect="1"/>
-          </p:cNvPicPr>
-          <p:nvPr>
-            <p:custDataLst>
-              <p:tags r:id="rId8"/>
-            </p:custDataLst>
-          </p:nvPr>
-        </p:nvPicPr>
-        <p:blipFill>
-          <a:blip r:embed="rId22">
-            <a:extLst>
-              <a:ext uri="{28A0092B-C50C-407E-A947-70E740481C1C}">
-                <a14:useLocalDpi xmlns:a14="http://schemas.microsoft.com/office/drawing/2010/main" val="0"/>
-              </a:ext>
-            </a:extLst>
-          </a:blip>
-          <a:stretch>
-            <a:fillRect/>
-          </a:stretch>
-        </p:blipFill>
-        <p:spPr>
-          <a:xfrm>
-            <a:off x="7570975" y="4800764"/>
-            <a:ext cx="1086476" cy="252952"/>
-          </a:xfrm>
-          <a:prstGeom prst="rect">
-            <a:avLst/>
-          </a:prstGeom>
-        </p:spPr>
-      </p:pic>
-      <p:pic>
-        <p:nvPicPr>
-          <p:cNvPr id="70" name="Picture 69">
-            <a:extLst>
-              <a:ext uri="{FF2B5EF4-FFF2-40B4-BE49-F238E27FC236}">
-                <a16:creationId xmlns:a16="http://schemas.microsoft.com/office/drawing/2014/main" id="{9010E528-EED1-4B41-BE34-851D7F33D2A6}"/>
-              </a:ext>
-            </a:extLst>
-          </p:cNvPr>
-          <p:cNvPicPr>
-            <a:picLocks noChangeAspect="1"/>
-          </p:cNvPicPr>
-          <p:nvPr>
-            <p:custDataLst>
-              <p:tags r:id="rId9"/>
-            </p:custDataLst>
-          </p:nvPr>
-        </p:nvPicPr>
-        <p:blipFill>
-          <a:blip r:embed="rId22">
-            <a:extLst>
-              <a:ext uri="{28A0092B-C50C-407E-A947-70E740481C1C}">
-                <a14:useLocalDpi xmlns:a14="http://schemas.microsoft.com/office/drawing/2010/main" val="0"/>
-              </a:ext>
-            </a:extLst>
-          </a:blip>
-          <a:stretch>
-            <a:fillRect/>
-          </a:stretch>
-        </p:blipFill>
-        <p:spPr>
-          <a:xfrm>
-            <a:off x="7515179" y="3441533"/>
-            <a:ext cx="1086476" cy="252952"/>
-          </a:xfrm>
-          <a:prstGeom prst="rect">
-            <a:avLst/>
-          </a:prstGeom>
-        </p:spPr>
-      </p:pic>
-      <p:pic>
-        <p:nvPicPr>
-          <p:cNvPr id="16" name="Picture 15">
-            <a:extLst>
-              <a:ext uri="{FF2B5EF4-FFF2-40B4-BE49-F238E27FC236}">
-                <a16:creationId xmlns:a16="http://schemas.microsoft.com/office/drawing/2014/main" id="{94E19953-F80B-4A01-B58C-87CE2775D542}"/>
-              </a:ext>
-            </a:extLst>
-          </p:cNvPr>
-          <p:cNvPicPr>
-            <a:picLocks noChangeAspect="1"/>
-          </p:cNvPicPr>
-          <p:nvPr>
-            <p:custDataLst>
-              <p:tags r:id="rId10"/>
-            </p:custDataLst>
-          </p:nvPr>
-        </p:nvPicPr>
-        <p:blipFill>
-          <a:blip r:embed="rId23">
-            <a:extLst>
-              <a:ext uri="{28A0092B-C50C-407E-A947-70E740481C1C}">
-                <a14:useLocalDpi xmlns:a14="http://schemas.microsoft.com/office/drawing/2010/main" val="0"/>
-              </a:ext>
-            </a:extLst>
-          </a:blip>
-          <a:stretch>
-            <a:fillRect/>
-          </a:stretch>
-        </p:blipFill>
-        <p:spPr>
-          <a:xfrm>
-            <a:off x="5235791" y="2225996"/>
-            <a:ext cx="128000" cy="253714"/>
-          </a:xfrm>
-          <a:prstGeom prst="rect">
-            <a:avLst/>
-          </a:prstGeom>
-        </p:spPr>
-      </p:pic>
-      <p:pic>
-        <p:nvPicPr>
-          <p:cNvPr id="83" name="Picture 82">
-            <a:extLst>
-              <a:ext uri="{FF2B5EF4-FFF2-40B4-BE49-F238E27FC236}">
-                <a16:creationId xmlns:a16="http://schemas.microsoft.com/office/drawing/2014/main" id="{A25960C7-9CA9-4159-89D0-EE7C386D39E0}"/>
-              </a:ext>
-            </a:extLst>
-          </p:cNvPr>
-          <p:cNvPicPr>
-            <a:picLocks noChangeAspect="1"/>
-          </p:cNvPicPr>
-          <p:nvPr>
-            <p:custDataLst>
-              <p:tags r:id="rId11"/>
-            </p:custDataLst>
-          </p:nvPr>
-        </p:nvPicPr>
-        <p:blipFill>
-          <a:blip r:embed="rId24">
-            <a:extLst>
-              <a:ext uri="{28A0092B-C50C-407E-A947-70E740481C1C}">
-                <a14:useLocalDpi xmlns:a14="http://schemas.microsoft.com/office/drawing/2010/main" val="0"/>
-              </a:ext>
-            </a:extLst>
-          </a:blip>
-          <a:stretch>
-            <a:fillRect/>
-          </a:stretch>
-        </p:blipFill>
-        <p:spPr>
-          <a:xfrm>
-            <a:off x="5157706" y="2872039"/>
-            <a:ext cx="153143" cy="251428"/>
-          </a:xfrm>
-          <a:prstGeom prst="rect">
-            <a:avLst/>
-          </a:prstGeom>
-        </p:spPr>
-      </p:pic>
-      <p:pic>
-        <p:nvPicPr>
-          <p:cNvPr id="81" name="Picture 80">
-            <a:extLst>
-              <a:ext uri="{FF2B5EF4-FFF2-40B4-BE49-F238E27FC236}">
-                <a16:creationId xmlns:a16="http://schemas.microsoft.com/office/drawing/2014/main" id="{91F9A206-CCCA-474F-B10E-1E0FF9B2EE70}"/>
-              </a:ext>
-            </a:extLst>
-          </p:cNvPr>
-          <p:cNvPicPr>
-            <a:picLocks noChangeAspect="1"/>
-          </p:cNvPicPr>
-          <p:nvPr>
-            <p:custDataLst>
-              <p:tags r:id="rId12"/>
-            </p:custDataLst>
-          </p:nvPr>
-        </p:nvPicPr>
-        <p:blipFill>
-          <a:blip r:embed="rId25">
-            <a:extLst>
-              <a:ext uri="{28A0092B-C50C-407E-A947-70E740481C1C}">
-                <a14:useLocalDpi xmlns:a14="http://schemas.microsoft.com/office/drawing/2010/main" val="0"/>
-              </a:ext>
-            </a:extLst>
-          </a:blip>
-          <a:stretch>
-            <a:fillRect/>
-          </a:stretch>
-        </p:blipFill>
-        <p:spPr>
-          <a:xfrm>
-            <a:off x="5187817" y="3677845"/>
-            <a:ext cx="160000" cy="260571"/>
-          </a:xfrm>
-          <a:prstGeom prst="rect">
-            <a:avLst/>
-          </a:prstGeom>
-        </p:spPr>
-      </p:pic>
-      <p:pic>
-        <p:nvPicPr>
-          <p:cNvPr id="79" name="Picture 78">
-            <a:extLst>
-              <a:ext uri="{FF2B5EF4-FFF2-40B4-BE49-F238E27FC236}">
-                <a16:creationId xmlns:a16="http://schemas.microsoft.com/office/drawing/2014/main" id="{209762A6-CAB6-4E90-A1CE-D10CA44B6099}"/>
-              </a:ext>
-            </a:extLst>
-          </p:cNvPr>
-          <p:cNvPicPr>
-            <a:picLocks noChangeAspect="1"/>
-          </p:cNvPicPr>
-          <p:nvPr>
-            <p:custDataLst>
-              <p:tags r:id="rId13"/>
-            </p:custDataLst>
-          </p:nvPr>
-        </p:nvPicPr>
-        <p:blipFill>
-          <a:blip r:embed="rId26">
-            <a:extLst>
-              <a:ext uri="{28A0092B-C50C-407E-A947-70E740481C1C}">
-                <a14:useLocalDpi xmlns:a14="http://schemas.microsoft.com/office/drawing/2010/main" val="0"/>
-              </a:ext>
-            </a:extLst>
-          </a:blip>
-          <a:stretch>
-            <a:fillRect/>
-          </a:stretch>
-        </p:blipFill>
-        <p:spPr>
-          <a:xfrm>
-            <a:off x="5118424" y="4339900"/>
-            <a:ext cx="171429" cy="258285"/>
-          </a:xfrm>
-          <a:prstGeom prst="rect">
-            <a:avLst/>
-          </a:prstGeom>
-        </p:spPr>
-      </p:pic>
-      <p:pic>
-        <p:nvPicPr>
-          <p:cNvPr id="77" name="Picture 76">
-            <a:extLst>
-              <a:ext uri="{FF2B5EF4-FFF2-40B4-BE49-F238E27FC236}">
-                <a16:creationId xmlns:a16="http://schemas.microsoft.com/office/drawing/2014/main" id="{1B0576A0-9D39-4DA2-89E2-A57922517208}"/>
-              </a:ext>
-            </a:extLst>
-          </p:cNvPr>
-          <p:cNvPicPr>
-            <a:picLocks noChangeAspect="1"/>
-          </p:cNvPicPr>
-          <p:nvPr>
-            <p:custDataLst>
-              <p:tags r:id="rId14"/>
-            </p:custDataLst>
-          </p:nvPr>
-        </p:nvPicPr>
-        <p:blipFill>
-          <a:blip r:embed="rId27">
-            <a:extLst>
-              <a:ext uri="{28A0092B-C50C-407E-A947-70E740481C1C}">
-                <a14:useLocalDpi xmlns:a14="http://schemas.microsoft.com/office/drawing/2010/main" val="0"/>
-              </a:ext>
-            </a:extLst>
-          </a:blip>
-          <a:stretch>
-            <a:fillRect/>
-          </a:stretch>
-        </p:blipFill>
-        <p:spPr>
-          <a:xfrm>
-            <a:off x="5162777" y="5015063"/>
-            <a:ext cx="153143" cy="260571"/>
-          </a:xfrm>
-          <a:prstGeom prst="rect">
-            <a:avLst/>
-          </a:prstGeom>
-        </p:spPr>
-      </p:pic>
-      <p:pic>
-        <p:nvPicPr>
-          <p:cNvPr id="88" name="Picture 87">
-            <a:extLst>
-              <a:ext uri="{FF2B5EF4-FFF2-40B4-BE49-F238E27FC236}">
-                <a16:creationId xmlns:a16="http://schemas.microsoft.com/office/drawing/2014/main" id="{14AD37F4-FF73-4532-9400-C5D025E46D20}"/>
-              </a:ext>
-            </a:extLst>
-          </p:cNvPr>
-          <p:cNvPicPr>
-            <a:picLocks noChangeAspect="1"/>
-          </p:cNvPicPr>
-          <p:nvPr>
-            <p:custDataLst>
-              <p:tags r:id="rId15"/>
-            </p:custDataLst>
-          </p:nvPr>
-        </p:nvPicPr>
-        <p:blipFill>
-          <a:blip r:embed="rId28">
-            <a:extLst>
-              <a:ext uri="{28A0092B-C50C-407E-A947-70E740481C1C}">
-                <a14:useLocalDpi xmlns:a14="http://schemas.microsoft.com/office/drawing/2010/main" val="0"/>
-              </a:ext>
-            </a:extLst>
-          </a:blip>
-          <a:stretch>
-            <a:fillRect/>
-          </a:stretch>
-        </p:blipFill>
-        <p:spPr>
-          <a:xfrm>
-            <a:off x="5343556" y="6366266"/>
-            <a:ext cx="164571" cy="265143"/>
-          </a:xfrm>
-          <a:prstGeom prst="rect">
-            <a:avLst/>
-          </a:prstGeom>
-        </p:spPr>
-      </p:pic>
-      <p:pic>
-        <p:nvPicPr>
-          <p:cNvPr id="86" name="Picture 85">
-            <a:extLst>
-              <a:ext uri="{FF2B5EF4-FFF2-40B4-BE49-F238E27FC236}">
-                <a16:creationId xmlns:a16="http://schemas.microsoft.com/office/drawing/2014/main" id="{9DAA839B-81DA-431A-82E0-38D3DADB2A2E}"/>
-              </a:ext>
-            </a:extLst>
-          </p:cNvPr>
-          <p:cNvPicPr>
-            <a:picLocks noChangeAspect="1"/>
-          </p:cNvPicPr>
-          <p:nvPr>
-            <p:custDataLst>
-              <p:tags r:id="rId16"/>
-            </p:custDataLst>
-          </p:nvPr>
-        </p:nvPicPr>
-        <p:blipFill>
-          <a:blip r:embed="rId29">
-            <a:extLst>
-              <a:ext uri="{28A0092B-C50C-407E-A947-70E740481C1C}">
-                <a14:useLocalDpi xmlns:a14="http://schemas.microsoft.com/office/drawing/2010/main" val="0"/>
-              </a:ext>
-            </a:extLst>
-          </a:blip>
-          <a:stretch>
-            <a:fillRect/>
-          </a:stretch>
-        </p:blipFill>
-        <p:spPr>
-          <a:xfrm>
-            <a:off x="5139006" y="5704256"/>
-            <a:ext cx="160000" cy="260571"/>
-          </a:xfrm>
-          <a:prstGeom prst="rect">
-            <a:avLst/>
-          </a:prstGeom>
-        </p:spPr>
-      </p:pic>
     </p:spTree>
     <p:extLst>
       <p:ext uri="{BB962C8B-B14F-4D97-AF65-F5344CB8AC3E}">
@@ -14568,7 +14589,7 @@
         </p:nvGrpSpPr>
         <p:grpSpPr>
           <a:xfrm>
-            <a:off x="1572797" y="186292"/>
+            <a:off x="1244114" y="186292"/>
             <a:ext cx="9046405" cy="6391032"/>
             <a:chOff x="421161" y="78007"/>
             <a:chExt cx="9046405" cy="6391032"/>
@@ -14704,7 +14725,7 @@
                 <a:lstStyle/>
                 <a:p>
                   <a:pPr algn="ctr"/>
-                  <a:endParaRPr lang="en-US"/>
+                  <a:endParaRPr lang="en-US" dirty="0"/>
                 </a:p>
               </p:txBody>
             </p:sp>
@@ -15181,14 +15202,13 @@
             </p:cNvPr>
             <p:cNvCxnSpPr>
               <a:cxnSpLocks/>
-              <a:stCxn id="16" idx="3"/>
             </p:cNvCxnSpPr>
             <p:nvPr/>
           </p:nvCxnSpPr>
           <p:spPr>
             <a:xfrm>
-              <a:off x="4937645" y="2115123"/>
-              <a:ext cx="652819" cy="0"/>
+              <a:off x="4811282" y="2115123"/>
+              <a:ext cx="915659" cy="0"/>
             </a:xfrm>
             <a:prstGeom prst="straightConnector1">
               <a:avLst/>
@@ -15199,14 +15219,14 @@
             </a:ln>
           </p:spPr>
           <p:style>
-            <a:lnRef idx="1">
-              <a:schemeClr val="accent1"/>
+            <a:lnRef idx="3">
+              <a:schemeClr val="dk1"/>
             </a:lnRef>
             <a:fillRef idx="0">
-              <a:schemeClr val="accent1"/>
+              <a:schemeClr val="dk1"/>
             </a:fillRef>
-            <a:effectRef idx="0">
-              <a:schemeClr val="accent1"/>
+            <a:effectRef idx="2">
+              <a:schemeClr val="dk1"/>
             </a:effectRef>
             <a:fontRef idx="minor">
               <a:schemeClr val="tx1"/>
@@ -15530,16 +15550,17 @@
             <a:prstGeom prst="line">
               <a:avLst/>
             </a:prstGeom>
+            <a:ln/>
           </p:spPr>
           <p:style>
-            <a:lnRef idx="1">
-              <a:schemeClr val="accent1"/>
+            <a:lnRef idx="3">
+              <a:schemeClr val="dk1"/>
             </a:lnRef>
             <a:fillRef idx="0">
-              <a:schemeClr val="accent1"/>
+              <a:schemeClr val="dk1"/>
             </a:fillRef>
-            <a:effectRef idx="0">
-              <a:schemeClr val="accent1"/>
+            <a:effectRef idx="2">
+              <a:schemeClr val="dk1"/>
             </a:effectRef>
             <a:fontRef idx="minor">
               <a:schemeClr val="tx1"/>
@@ -15627,6 +15648,142 @@
           </p:spPr>
         </p:pic>
       </p:grpSp>
+      <p:cxnSp>
+        <p:nvCxnSpPr>
+          <p:cNvPr id="28" name="Straight Connector 27">
+            <a:extLst>
+              <a:ext uri="{FF2B5EF4-FFF2-40B4-BE49-F238E27FC236}">
+                <a16:creationId xmlns:a16="http://schemas.microsoft.com/office/drawing/2014/main" id="{1A07C40C-9C54-43E2-8C1D-DE0DD5B95319}"/>
+              </a:ext>
+            </a:extLst>
+          </p:cNvPr>
+          <p:cNvCxnSpPr>
+            <a:stCxn id="16" idx="0"/>
+          </p:cNvCxnSpPr>
+          <p:nvPr/>
+        </p:nvCxnSpPr>
+        <p:spPr>
+          <a:xfrm>
+            <a:off x="5624121" y="1135780"/>
+            <a:ext cx="10114" cy="2175255"/>
+          </a:xfrm>
+          <a:prstGeom prst="line">
+            <a:avLst/>
+          </a:prstGeom>
+        </p:spPr>
+        <p:style>
+          <a:lnRef idx="1">
+            <a:schemeClr val="accent1"/>
+          </a:lnRef>
+          <a:fillRef idx="0">
+            <a:schemeClr val="accent1"/>
+          </a:fillRef>
+          <a:effectRef idx="0">
+            <a:schemeClr val="accent1"/>
+          </a:effectRef>
+          <a:fontRef idx="minor">
+            <a:schemeClr val="tx1"/>
+          </a:fontRef>
+        </p:style>
+      </p:cxnSp>
+      <p:cxnSp>
+        <p:nvCxnSpPr>
+          <p:cNvPr id="32" name="Straight Connector 31">
+            <a:extLst>
+              <a:ext uri="{FF2B5EF4-FFF2-40B4-BE49-F238E27FC236}">
+                <a16:creationId xmlns:a16="http://schemas.microsoft.com/office/drawing/2014/main" id="{4C6826CF-D75D-4C2E-BAB2-4D1DF79F3EE1}"/>
+              </a:ext>
+            </a:extLst>
+          </p:cNvPr>
+          <p:cNvCxnSpPr>
+            <a:cxnSpLocks/>
+            <a:stCxn id="16" idx="0"/>
+            <a:endCxn id="16" idx="2"/>
+          </p:cNvCxnSpPr>
+          <p:nvPr/>
+        </p:nvCxnSpPr>
+        <p:spPr>
+          <a:xfrm>
+            <a:off x="5624121" y="1135780"/>
+            <a:ext cx="0" cy="2175255"/>
+          </a:xfrm>
+          <a:prstGeom prst="line">
+            <a:avLst/>
+          </a:prstGeom>
+          <a:ln w="9525" cap="flat" cmpd="sng" algn="ctr">
+            <a:solidFill>
+              <a:schemeClr val="dk1"/>
+            </a:solidFill>
+            <a:prstDash val="dash"/>
+            <a:round/>
+            <a:headEnd type="none" w="med" len="med"/>
+            <a:tailEnd type="none" w="med" len="med"/>
+          </a:ln>
+        </p:spPr>
+        <p:style>
+          <a:lnRef idx="0">
+            <a:scrgbClr r="0" g="0" b="0"/>
+          </a:lnRef>
+          <a:fillRef idx="0">
+            <a:scrgbClr r="0" g="0" b="0"/>
+          </a:fillRef>
+          <a:effectRef idx="0">
+            <a:scrgbClr r="0" g="0" b="0"/>
+          </a:effectRef>
+          <a:fontRef idx="minor">
+            <a:schemeClr val="tx1"/>
+          </a:fontRef>
+        </p:style>
+      </p:cxnSp>
+      <p:cxnSp>
+        <p:nvCxnSpPr>
+          <p:cNvPr id="39" name="Straight Connector 38">
+            <a:extLst>
+              <a:ext uri="{FF2B5EF4-FFF2-40B4-BE49-F238E27FC236}">
+                <a16:creationId xmlns:a16="http://schemas.microsoft.com/office/drawing/2014/main" id="{EFE80B48-3327-408E-B8B2-FD901DC7DF5F}"/>
+              </a:ext>
+            </a:extLst>
+          </p:cNvPr>
+          <p:cNvCxnSpPr>
+            <a:cxnSpLocks/>
+            <a:stCxn id="11" idx="0"/>
+            <a:endCxn id="11" idx="2"/>
+          </p:cNvCxnSpPr>
+          <p:nvPr/>
+        </p:nvCxnSpPr>
+        <p:spPr>
+          <a:xfrm>
+            <a:off x="6551601" y="903769"/>
+            <a:ext cx="0" cy="2407266"/>
+          </a:xfrm>
+          <a:prstGeom prst="line">
+            <a:avLst/>
+          </a:prstGeom>
+          <a:ln w="9525" cap="flat" cmpd="sng" algn="ctr">
+            <a:solidFill>
+              <a:schemeClr val="dk1"/>
+            </a:solidFill>
+            <a:prstDash val="dash"/>
+            <a:round/>
+            <a:headEnd type="none" w="med" len="med"/>
+            <a:tailEnd type="none" w="med" len="med"/>
+          </a:ln>
+        </p:spPr>
+        <p:style>
+          <a:lnRef idx="0">
+            <a:scrgbClr r="0" g="0" b="0"/>
+          </a:lnRef>
+          <a:fillRef idx="0">
+            <a:scrgbClr r="0" g="0" b="0"/>
+          </a:fillRef>
+          <a:effectRef idx="0">
+            <a:scrgbClr r="0" g="0" b="0"/>
+          </a:effectRef>
+          <a:fontRef idx="minor">
+            <a:schemeClr val="tx1"/>
+          </a:fontRef>
+        </p:style>
+      </p:cxnSp>
     </p:spTree>
     <p:extLst>
       <p:ext uri="{BB962C8B-B14F-4D97-AF65-F5344CB8AC3E}">
@@ -24636,8 +24793,8 @@
           </p:nvSpPr>
           <p:spPr>
             <a:xfrm rot="16200000" flipV="1">
-              <a:off x="3476625" y="3636172"/>
-              <a:ext cx="1982603" cy="1048150"/>
+              <a:off x="3369253" y="3743544"/>
+              <a:ext cx="2197348" cy="1048150"/>
             </a:xfrm>
             <a:prstGeom prst="corner">
               <a:avLst>
@@ -24691,8 +24848,8 @@
           </p:nvSpPr>
           <p:spPr>
             <a:xfrm rot="16200000" flipV="1">
-              <a:off x="3867982" y="3486601"/>
-              <a:ext cx="1441672" cy="806368"/>
+              <a:off x="3815709" y="3538874"/>
+              <a:ext cx="1546218" cy="806368"/>
             </a:xfrm>
             <a:prstGeom prst="corner">
               <a:avLst>
@@ -25296,7 +25453,7 @@
           <p:spPr>
             <a:xfrm>
               <a:off x="3683929" y="4912575"/>
-              <a:ext cx="783998" cy="238974"/>
+              <a:ext cx="783998" cy="453718"/>
             </a:xfrm>
             <a:prstGeom prst="line">
               <a:avLst/>
@@ -25340,8 +25497,8 @@
           </p:nvCxnSpPr>
           <p:spPr>
             <a:xfrm flipV="1">
-              <a:off x="3683929" y="3889785"/>
-              <a:ext cx="501705" cy="1022790"/>
+              <a:off x="3683929" y="3942058"/>
+              <a:ext cx="501705" cy="970517"/>
             </a:xfrm>
             <a:prstGeom prst="line">
               <a:avLst/>
@@ -51772,9 +51929,9 @@
 <file path=ppt/tags/tag31.xml><?xml version="1.0" encoding="utf-8"?>
 <p:tagLst xmlns:a="http://schemas.openxmlformats.org/drawingml/2006/main" xmlns:r="http://schemas.openxmlformats.org/officeDocument/2006/relationships" xmlns:p="http://schemas.openxmlformats.org/presentationml/2006/main">
   <p:tag name="OUTPUTDPI" val="1200"/>
-  <p:tag name="ORIGINALHEIGHT" val="83.23961"/>
-  <p:tag name="ORIGINALWIDTH" val="41.99472"/>
-  <p:tag name="LATEXADDIN" val="\documentclass{article}&#10;\usepackage{amsmath}&#10;\usepackage{xcolor}&#10;\usepackage{ragged2e}&#10;\pagestyle{empty}&#10;\begin{document}&#10;&#10;\definecolor{Monred}{RGB}{172,0,0}&#10;&#10;$&#10;1&#10;$&#10;&#10;&#10;\end{document}"/>
+  <p:tag name="ORIGINALHEIGHT" val="83.98952"/>
+  <p:tag name="ORIGINALWIDTH" val="265.4669"/>
+  <p:tag name="LATEXADDIN" val="\documentclass{article}&#10;\usepackage{amsmath}&#10;\usepackage{xcolor}&#10;\usepackage{ragged2e}&#10;\pagestyle{empty}&#10;\begin{document}&#10;&#10;\definecolor{Monred}{RGB}{172,0,0}&#10;&#10;$&#10;I-1&#10;$&#10;&#10;&#10;\end{document}"/>
   <p:tag name="IGUANATEXSIZE" val="30"/>
   <p:tag name="IGUANATEXCURSOR" val="164"/>
   <p:tag name="TRANSPARENCY" val="True"/>
@@ -51791,11 +51948,11 @@
 <file path=ppt/tags/tag32.xml><?xml version="1.0" encoding="utf-8"?>
 <p:tagLst xmlns:a="http://schemas.openxmlformats.org/drawingml/2006/main" xmlns:r="http://schemas.openxmlformats.org/officeDocument/2006/relationships" xmlns:p="http://schemas.openxmlformats.org/presentationml/2006/main">
   <p:tag name="OUTPUTDPI" val="1200"/>
-  <p:tag name="ORIGINALHEIGHT" val="82.48969"/>
-  <p:tag name="ORIGINALWIDTH" val="50.2437"/>
-  <p:tag name="LATEXADDIN" val="\documentclass{article}&#10;\usepackage{amsmath}&#10;\usepackage{xcolor}&#10;\usepackage{ragged2e}&#10;\pagestyle{empty}&#10;\begin{document}&#10;&#10;\definecolor{Monred}{RGB}{172,0,0}&#10;&#10;$&#10;2&#10;$&#10;&#10;&#10;\end{document}"/>
+  <p:tag name="ORIGINALHEIGHT" val="89.98874"/>
+  <p:tag name="ORIGINALWIDTH" val="296.9629"/>
+  <p:tag name="LATEXADDIN" val="\documentclass{article}&#10;\usepackage{amsmath}&#10;\usepackage{xcolor}&#10;\usepackage{ragged2e}&#10;\pagestyle{empty}&#10;\begin{document}&#10;&#10;\definecolor{Monred}{RGB}{172,0,0}&#10;&#10;$&#10;O-1&#10;$&#10;&#10;&#10;\end{document}"/>
   <p:tag name="IGUANATEXSIZE" val="30"/>
-  <p:tag name="IGUANATEXCURSOR" val="162"/>
+  <p:tag name="IGUANATEXCURSOR" val="164"/>
   <p:tag name="TRANSPARENCY" val="True"/>
   <p:tag name="FILENAME" val=""/>
   <p:tag name="LATEXENGINEID" val="0"/>
@@ -51810,11 +51967,11 @@
 <file path=ppt/tags/tag33.xml><?xml version="1.0" encoding="utf-8"?>
 <p:tagLst xmlns:a="http://schemas.openxmlformats.org/drawingml/2006/main" xmlns:r="http://schemas.openxmlformats.org/officeDocument/2006/relationships" xmlns:p="http://schemas.openxmlformats.org/presentationml/2006/main">
   <p:tag name="OUTPUTDPI" val="1200"/>
-  <p:tag name="ORIGINALHEIGHT" val="85.48929"/>
-  <p:tag name="ORIGINALWIDTH" val="52.49347"/>
-  <p:tag name="LATEXADDIN" val="\documentclass{article}&#10;\usepackage{amsmath}&#10;\usepackage{xcolor}&#10;\usepackage{ragged2e}&#10;\pagestyle{empty}&#10;\begin{document}&#10;&#10;\definecolor{Monred}{RGB}{172,0,0}&#10;&#10;$&#10;3&#10;$&#10;&#10;&#10;\end{document}"/>
+  <p:tag name="ORIGINALHEIGHT" val="83.98952"/>
+  <p:tag name="ORIGINALWIDTH" val="269.2164"/>
+  <p:tag name="LATEXADDIN" val="\documentclass{article}&#10;\usepackage{amsmath}&#10;\usepackage{xcolor}&#10;\usepackage{ragged2e}&#10;\pagestyle{empty}&#10;\begin{document}&#10;&#10;\definecolor{Monred}{RGB}{172,0,0}&#10;&#10;$&#10;I-2&#10;$&#10;&#10;&#10;\end{document}"/>
   <p:tag name="IGUANATEXSIZE" val="30"/>
-  <p:tag name="IGUANATEXCURSOR" val="162"/>
+  <p:tag name="IGUANATEXCURSOR" val="164"/>
   <p:tag name="TRANSPARENCY" val="True"/>
   <p:tag name="FILENAME" val=""/>
   <p:tag name="LATEXENGINEID" val="0"/>
@@ -51829,11 +51986,11 @@
 <file path=ppt/tags/tag34.xml><?xml version="1.0" encoding="utf-8"?>
 <p:tagLst xmlns:a="http://schemas.openxmlformats.org/drawingml/2006/main" xmlns:r="http://schemas.openxmlformats.org/officeDocument/2006/relationships" xmlns:p="http://schemas.openxmlformats.org/presentationml/2006/main">
   <p:tag name="OUTPUTDPI" val="1200"/>
-  <p:tag name="ORIGINALHEIGHT" val="84.73937"/>
-  <p:tag name="ORIGINALWIDTH" val="56.24299"/>
-  <p:tag name="LATEXADDIN" val="\documentclass{article}&#10;\usepackage{amsmath}&#10;\usepackage{xcolor}&#10;\usepackage{ragged2e}&#10;\pagestyle{empty}&#10;\begin{document}&#10;&#10;\definecolor{Monred}{RGB}{172,0,0}&#10;&#10;$&#10;4&#10;$&#10;&#10;&#10;\end{document}"/>
+  <p:tag name="ORIGINALHEIGHT" val="86.98914"/>
+  <p:tag name="ORIGINALWIDTH" val="269.9662"/>
+  <p:tag name="LATEXADDIN" val="\documentclass{article}&#10;\usepackage{amsmath}&#10;\usepackage{xcolor}&#10;\usepackage{ragged2e}&#10;\pagestyle{empty}&#10;\begin{document}&#10;&#10;\definecolor{Monred}{RGB}{172,0,0}&#10;&#10;$&#10;I-3&#10;$&#10;&#10;&#10;\end{document}"/>
   <p:tag name="IGUANATEXSIZE" val="30"/>
-  <p:tag name="IGUANATEXCURSOR" val="162"/>
+  <p:tag name="IGUANATEXCURSOR" val="164"/>
   <p:tag name="TRANSPARENCY" val="True"/>
   <p:tag name="FILENAME" val=""/>
   <p:tag name="LATEXENGINEID" val="0"/>
@@ -51848,11 +52005,11 @@
 <file path=ppt/tags/tag35.xml><?xml version="1.0" encoding="utf-8"?>
 <p:tagLst xmlns:a="http://schemas.openxmlformats.org/drawingml/2006/main" xmlns:r="http://schemas.openxmlformats.org/officeDocument/2006/relationships" xmlns:p="http://schemas.openxmlformats.org/presentationml/2006/main">
   <p:tag name="OUTPUTDPI" val="1200"/>
-  <p:tag name="ORIGINALHEIGHT" val="85.48929"/>
-  <p:tag name="ORIGINALWIDTH" val="50.2437"/>
-  <p:tag name="LATEXADDIN" val="\documentclass{article}&#10;\usepackage{amsmath}&#10;\usepackage{xcolor}&#10;\usepackage{ragged2e}&#10;\pagestyle{empty}&#10;\begin{document}&#10;&#10;\definecolor{Monred}{RGB}{172,0,0}&#10;&#10;$&#10;5&#10;$&#10;&#10;&#10;\end{document}"/>
+  <p:tag name="ORIGINALHEIGHT" val="89.98874"/>
+  <p:tag name="ORIGINALWIDTH" val="300.7124"/>
+  <p:tag name="LATEXADDIN" val="\documentclass{article}&#10;\usepackage{amsmath}&#10;\usepackage{xcolor}&#10;\usepackage{ragged2e}&#10;\pagestyle{empty}&#10;\begin{document}&#10;&#10;\definecolor{Monred}{RGB}{172,0,0}&#10;&#10;$&#10;O-2&#10;$&#10;&#10;&#10;\end{document}"/>
   <p:tag name="IGUANATEXSIZE" val="30"/>
-  <p:tag name="IGUANATEXCURSOR" val="162"/>
+  <p:tag name="IGUANATEXCURSOR" val="164"/>
   <p:tag name="TRANSPARENCY" val="True"/>
   <p:tag name="FILENAME" val=""/>
   <p:tag name="LATEXENGINEID" val="0"/>
@@ -51867,11 +52024,11 @@
 <file path=ppt/tags/tag36.xml><?xml version="1.0" encoding="utf-8"?>
 <p:tagLst xmlns:a="http://schemas.openxmlformats.org/drawingml/2006/main" xmlns:r="http://schemas.openxmlformats.org/officeDocument/2006/relationships" xmlns:p="http://schemas.openxmlformats.org/presentationml/2006/main">
   <p:tag name="OUTPUTDPI" val="1200"/>
-  <p:tag name="ORIGINALHEIGHT" val="86.98914"/>
-  <p:tag name="ORIGINALWIDTH" val="53.99323"/>
-  <p:tag name="LATEXADDIN" val="\documentclass{article}&#10;\usepackage{amsmath}&#10;\usepackage{xcolor}&#10;\usepackage{ragged2e}&#10;\pagestyle{empty}&#10;\begin{document}&#10;&#10;\definecolor{Monred}{RGB}{172,0,0}&#10;&#10;$&#10;7&#10;$&#10;&#10;&#10;\end{document}"/>
+  <p:tag name="ORIGINALHEIGHT" val="84.73937"/>
+  <p:tag name="ORIGINALWIDTH" val="272.216"/>
+  <p:tag name="LATEXADDIN" val="\documentclass{article}&#10;\usepackage{amsmath}&#10;\usepackage{xcolor}&#10;\usepackage{ragged2e}&#10;\pagestyle{empty}&#10;\begin{document}&#10;&#10;\definecolor{Monred}{RGB}{172,0,0}&#10;&#10;$&#10;I-4&#10;$&#10;&#10;&#10;\end{document}"/>
   <p:tag name="IGUANATEXSIZE" val="30"/>
-  <p:tag name="IGUANATEXCURSOR" val="162"/>
+  <p:tag name="IGUANATEXCURSOR" val="164"/>
   <p:tag name="TRANSPARENCY" val="True"/>
   <p:tag name="FILENAME" val=""/>
   <p:tag name="LATEXENGINEID" val="0"/>
@@ -51886,11 +52043,11 @@
 <file path=ppt/tags/tag37.xml><?xml version="1.0" encoding="utf-8"?>
 <p:tagLst xmlns:a="http://schemas.openxmlformats.org/drawingml/2006/main" xmlns:r="http://schemas.openxmlformats.org/officeDocument/2006/relationships" xmlns:p="http://schemas.openxmlformats.org/presentationml/2006/main">
   <p:tag name="OUTPUTDPI" val="1200"/>
-  <p:tag name="ORIGINALHEIGHT" val="85.48929"/>
-  <p:tag name="ORIGINALWIDTH" val="52.49347"/>
-  <p:tag name="LATEXADDIN" val="\documentclass{article}&#10;\usepackage{amsmath}&#10;\usepackage{xcolor}&#10;\usepackage{ragged2e}&#10;\pagestyle{empty}&#10;\begin{document}&#10;&#10;\definecolor{Monred}{RGB}{172,0,0}&#10;&#10;$&#10;6&#10;$&#10;&#10;&#10;\end{document}"/>
+  <p:tag name="ORIGINALHEIGHT" val="89.98874"/>
+  <p:tag name="ORIGINALWIDTH" val="301.4623"/>
+  <p:tag name="LATEXADDIN" val="\documentclass{article}&#10;\usepackage{amsmath}&#10;\usepackage{xcolor}&#10;\usepackage{ragged2e}&#10;\pagestyle{empty}&#10;\begin{document}&#10;&#10;\definecolor{Monred}{RGB}{172,0,0}&#10;&#10;$&#10;O-3&#10;$&#10;&#10;&#10;\end{document}"/>
   <p:tag name="IGUANATEXSIZE" val="30"/>
-  <p:tag name="IGUANATEXCURSOR" val="162"/>
+  <p:tag name="IGUANATEXCURSOR" val="164"/>
   <p:tag name="TRANSPARENCY" val="True"/>
   <p:tag name="FILENAME" val=""/>
   <p:tag name="LATEXENGINEID" val="0"/>
